--- a/Tranqueiras de ppt/desenhos_filtro_complexo.pptx
+++ b/Tranqueiras de ppt/desenhos_filtro_complexo.pptx
@@ -7,6 +7,7 @@
   <p:sldIdLst>
     <p:sldId id="256" r:id="rId2"/>
     <p:sldId id="257" r:id="rId3"/>
+    <p:sldId id="258" r:id="rId4"/>
   </p:sldIdLst>
   <p:sldSz cx="9144000" cy="6858000" type="screen4x3"/>
   <p:notesSz cx="6858000" cy="9144000"/>
@@ -289,7 +290,7 @@
           <a:p>
             <a:fld id="{9F140449-45B3-4C4C-B502-456914857DA8}" type="datetimeFigureOut">
               <a:rPr lang="pt-BR" smtClean="0"/>
-              <a:t>24/08/2016</a:t>
+              <a:t>29/08/2016</a:t>
             </a:fld>
             <a:endParaRPr lang="pt-BR"/>
           </a:p>
@@ -459,7 +460,7 @@
           <a:p>
             <a:fld id="{9F140449-45B3-4C4C-B502-456914857DA8}" type="datetimeFigureOut">
               <a:rPr lang="pt-BR" smtClean="0"/>
-              <a:t>24/08/2016</a:t>
+              <a:t>29/08/2016</a:t>
             </a:fld>
             <a:endParaRPr lang="pt-BR"/>
           </a:p>
@@ -639,7 +640,7 @@
           <a:p>
             <a:fld id="{9F140449-45B3-4C4C-B502-456914857DA8}" type="datetimeFigureOut">
               <a:rPr lang="pt-BR" smtClean="0"/>
-              <a:t>24/08/2016</a:t>
+              <a:t>29/08/2016</a:t>
             </a:fld>
             <a:endParaRPr lang="pt-BR"/>
           </a:p>
@@ -809,7 +810,7 @@
           <a:p>
             <a:fld id="{9F140449-45B3-4C4C-B502-456914857DA8}" type="datetimeFigureOut">
               <a:rPr lang="pt-BR" smtClean="0"/>
-              <a:t>24/08/2016</a:t>
+              <a:t>29/08/2016</a:t>
             </a:fld>
             <a:endParaRPr lang="pt-BR"/>
           </a:p>
@@ -1055,7 +1056,7 @@
           <a:p>
             <a:fld id="{9F140449-45B3-4C4C-B502-456914857DA8}" type="datetimeFigureOut">
               <a:rPr lang="pt-BR" smtClean="0"/>
-              <a:t>24/08/2016</a:t>
+              <a:t>29/08/2016</a:t>
             </a:fld>
             <a:endParaRPr lang="pt-BR"/>
           </a:p>
@@ -1343,7 +1344,7 @@
           <a:p>
             <a:fld id="{9F140449-45B3-4C4C-B502-456914857DA8}" type="datetimeFigureOut">
               <a:rPr lang="pt-BR" smtClean="0"/>
-              <a:t>24/08/2016</a:t>
+              <a:t>29/08/2016</a:t>
             </a:fld>
             <a:endParaRPr lang="pt-BR"/>
           </a:p>
@@ -1765,7 +1766,7 @@
           <a:p>
             <a:fld id="{9F140449-45B3-4C4C-B502-456914857DA8}" type="datetimeFigureOut">
               <a:rPr lang="pt-BR" smtClean="0"/>
-              <a:t>24/08/2016</a:t>
+              <a:t>29/08/2016</a:t>
             </a:fld>
             <a:endParaRPr lang="pt-BR"/>
           </a:p>
@@ -1883,7 +1884,7 @@
           <a:p>
             <a:fld id="{9F140449-45B3-4C4C-B502-456914857DA8}" type="datetimeFigureOut">
               <a:rPr lang="pt-BR" smtClean="0"/>
-              <a:t>24/08/2016</a:t>
+              <a:t>29/08/2016</a:t>
             </a:fld>
             <a:endParaRPr lang="pt-BR"/>
           </a:p>
@@ -1978,7 +1979,7 @@
           <a:p>
             <a:fld id="{9F140449-45B3-4C4C-B502-456914857DA8}" type="datetimeFigureOut">
               <a:rPr lang="pt-BR" smtClean="0"/>
-              <a:t>24/08/2016</a:t>
+              <a:t>29/08/2016</a:t>
             </a:fld>
             <a:endParaRPr lang="pt-BR"/>
           </a:p>
@@ -2255,7 +2256,7 @@
           <a:p>
             <a:fld id="{9F140449-45B3-4C4C-B502-456914857DA8}" type="datetimeFigureOut">
               <a:rPr lang="pt-BR" smtClean="0"/>
-              <a:t>24/08/2016</a:t>
+              <a:t>29/08/2016</a:t>
             </a:fld>
             <a:endParaRPr lang="pt-BR"/>
           </a:p>
@@ -2508,7 +2509,7 @@
           <a:p>
             <a:fld id="{9F140449-45B3-4C4C-B502-456914857DA8}" type="datetimeFigureOut">
               <a:rPr lang="pt-BR" smtClean="0"/>
-              <a:t>24/08/2016</a:t>
+              <a:t>29/08/2016</a:t>
             </a:fld>
             <a:endParaRPr lang="pt-BR"/>
           </a:p>
@@ -2721,7 +2722,7 @@
           <a:p>
             <a:fld id="{9F140449-45B3-4C4C-B502-456914857DA8}" type="datetimeFigureOut">
               <a:rPr lang="pt-BR" smtClean="0"/>
-              <a:t>24/08/2016</a:t>
+              <a:t>29/08/2016</a:t>
             </a:fld>
             <a:endParaRPr lang="pt-BR"/>
           </a:p>
@@ -4480,8 +4481,8 @@
           </a:fontRef>
         </p:style>
       </p:cxnSp>
-      <mc:AlternateContent xmlns:mc="http://schemas.openxmlformats.org/markup-compatibility/2006">
-        <mc:Choice xmlns:a14="http://schemas.microsoft.com/office/drawing/2010/main" Requires="a14">
+      <mc:AlternateContent xmlns:mc="http://schemas.openxmlformats.org/markup-compatibility/2006" xmlns:a14="http://schemas.microsoft.com/office/drawing/2010/main">
+        <mc:Choice Requires="a14">
           <p:sp>
             <p:nvSpPr>
               <p:cNvPr id="26" name="CaixaDeTexto 25"/>
@@ -4504,6 +4505,7 @@
               </a:bodyPr>
               <a:lstStyle/>
               <a:p>
+                <a:pPr/>
                 <a14:m>
                   <m:oMathPara xmlns:m="http://schemas.openxmlformats.org/officeDocument/2006/math">
                     <m:oMathParaPr>
@@ -4543,7 +4545,7 @@
             </p:txBody>
           </p:sp>
         </mc:Choice>
-        <mc:Fallback>
+        <mc:Fallback xmlns="">
           <p:sp>
             <p:nvSpPr>
               <p:cNvPr id="26" name="CaixaDeTexto 25"/>
@@ -4582,8 +4584,8 @@
           </p:sp>
         </mc:Fallback>
       </mc:AlternateContent>
-      <mc:AlternateContent xmlns:mc="http://schemas.openxmlformats.org/markup-compatibility/2006">
-        <mc:Choice xmlns:a14="http://schemas.microsoft.com/office/drawing/2010/main" Requires="a14">
+      <mc:AlternateContent xmlns:mc="http://schemas.openxmlformats.org/markup-compatibility/2006" xmlns:a14="http://schemas.microsoft.com/office/drawing/2010/main">
+        <mc:Choice Requires="a14">
           <p:sp>
             <p:nvSpPr>
               <p:cNvPr id="47" name="CaixaDeTexto 46"/>
@@ -4606,6 +4608,7 @@
               </a:bodyPr>
               <a:lstStyle/>
               <a:p>
+                <a:pPr/>
                 <a14:m>
                   <m:oMathPara xmlns:m="http://schemas.openxmlformats.org/officeDocument/2006/math">
                     <m:oMathParaPr>
@@ -4645,7 +4648,7 @@
             </p:txBody>
           </p:sp>
         </mc:Choice>
-        <mc:Fallback>
+        <mc:Fallback xmlns="">
           <p:sp>
             <p:nvSpPr>
               <p:cNvPr id="47" name="CaixaDeTexto 46"/>
@@ -4684,8 +4687,8 @@
           </p:sp>
         </mc:Fallback>
       </mc:AlternateContent>
-      <mc:AlternateContent xmlns:mc="http://schemas.openxmlformats.org/markup-compatibility/2006">
-        <mc:Choice xmlns:a14="http://schemas.microsoft.com/office/drawing/2010/main" Requires="a14">
+      <mc:AlternateContent xmlns:mc="http://schemas.openxmlformats.org/markup-compatibility/2006" xmlns:a14="http://schemas.microsoft.com/office/drawing/2010/main">
+        <mc:Choice Requires="a14">
           <p:sp>
             <p:nvSpPr>
               <p:cNvPr id="48" name="CaixaDeTexto 47"/>
@@ -4708,6 +4711,7 @@
               </a:bodyPr>
               <a:lstStyle/>
               <a:p>
+                <a:pPr/>
                 <a14:m>
                   <m:oMathPara xmlns:m="http://schemas.openxmlformats.org/officeDocument/2006/math">
                     <m:oMathParaPr>
@@ -4747,7 +4751,7 @@
             </p:txBody>
           </p:sp>
         </mc:Choice>
-        <mc:Fallback>
+        <mc:Fallback xmlns="">
           <p:sp>
             <p:nvSpPr>
               <p:cNvPr id="48" name="CaixaDeTexto 47"/>
@@ -4786,8 +4790,8 @@
           </p:sp>
         </mc:Fallback>
       </mc:AlternateContent>
-      <mc:AlternateContent xmlns:mc="http://schemas.openxmlformats.org/markup-compatibility/2006">
-        <mc:Choice xmlns:a14="http://schemas.microsoft.com/office/drawing/2010/main" Requires="a14">
+      <mc:AlternateContent xmlns:mc="http://schemas.openxmlformats.org/markup-compatibility/2006" xmlns:a14="http://schemas.microsoft.com/office/drawing/2010/main">
+        <mc:Choice Requires="a14">
           <p:sp>
             <p:nvSpPr>
               <p:cNvPr id="49" name="CaixaDeTexto 48"/>
@@ -4810,6 +4814,7 @@
               </a:bodyPr>
               <a:lstStyle/>
               <a:p>
+                <a:pPr/>
                 <a14:m>
                   <m:oMathPara xmlns:m="http://schemas.openxmlformats.org/officeDocument/2006/math">
                     <m:oMathParaPr>
@@ -4849,7 +4854,7 @@
             </p:txBody>
           </p:sp>
         </mc:Choice>
-        <mc:Fallback>
+        <mc:Fallback xmlns="">
           <p:sp>
             <p:nvSpPr>
               <p:cNvPr id="49" name="CaixaDeTexto 48"/>
@@ -4888,8 +4893,8 @@
           </p:sp>
         </mc:Fallback>
       </mc:AlternateContent>
-      <mc:AlternateContent xmlns:mc="http://schemas.openxmlformats.org/markup-compatibility/2006">
-        <mc:Choice xmlns:a14="http://schemas.microsoft.com/office/drawing/2010/main" Requires="a14">
+      <mc:AlternateContent xmlns:mc="http://schemas.openxmlformats.org/markup-compatibility/2006" xmlns:a14="http://schemas.microsoft.com/office/drawing/2010/main">
+        <mc:Choice Requires="a14">
           <p:sp>
             <p:nvSpPr>
               <p:cNvPr id="50" name="CaixaDeTexto 49"/>
@@ -4912,6 +4917,7 @@
               </a:bodyPr>
               <a:lstStyle/>
               <a:p>
+                <a:pPr/>
                 <a14:m>
                   <m:oMathPara xmlns:m="http://schemas.openxmlformats.org/officeDocument/2006/math">
                     <m:oMathParaPr>
@@ -4951,7 +4957,7 @@
             </p:txBody>
           </p:sp>
         </mc:Choice>
-        <mc:Fallback>
+        <mc:Fallback xmlns="">
           <p:sp>
             <p:nvSpPr>
               <p:cNvPr id="50" name="CaixaDeTexto 49"/>
@@ -4990,8 +4996,8 @@
           </p:sp>
         </mc:Fallback>
       </mc:AlternateContent>
-      <mc:AlternateContent xmlns:mc="http://schemas.openxmlformats.org/markup-compatibility/2006">
-        <mc:Choice xmlns:a14="http://schemas.microsoft.com/office/drawing/2010/main" Requires="a14">
+      <mc:AlternateContent xmlns:mc="http://schemas.openxmlformats.org/markup-compatibility/2006" xmlns:a14="http://schemas.microsoft.com/office/drawing/2010/main">
+        <mc:Choice Requires="a14">
           <p:sp>
             <p:nvSpPr>
               <p:cNvPr id="51" name="CaixaDeTexto 50"/>
@@ -5014,6 +5020,7 @@
               </a:bodyPr>
               <a:lstStyle/>
               <a:p>
+                <a:pPr/>
                 <a14:m>
                   <m:oMathPara xmlns:m="http://schemas.openxmlformats.org/officeDocument/2006/math">
                     <m:oMathParaPr>
@@ -5053,7 +5060,7 @@
             </p:txBody>
           </p:sp>
         </mc:Choice>
-        <mc:Fallback>
+        <mc:Fallback xmlns="">
           <p:sp>
             <p:nvSpPr>
               <p:cNvPr id="51" name="CaixaDeTexto 50"/>
@@ -5092,8 +5099,8 @@
           </p:sp>
         </mc:Fallback>
       </mc:AlternateContent>
-      <mc:AlternateContent xmlns:mc="http://schemas.openxmlformats.org/markup-compatibility/2006">
-        <mc:Choice xmlns:a14="http://schemas.microsoft.com/office/drawing/2010/main" Requires="a14">
+      <mc:AlternateContent xmlns:mc="http://schemas.openxmlformats.org/markup-compatibility/2006" xmlns:a14="http://schemas.microsoft.com/office/drawing/2010/main">
+        <mc:Choice Requires="a14">
           <p:sp>
             <p:nvSpPr>
               <p:cNvPr id="52" name="CaixaDeTexto 51"/>
@@ -5116,6 +5123,7 @@
               </a:bodyPr>
               <a:lstStyle/>
               <a:p>
+                <a:pPr/>
                 <a14:m>
                   <m:oMathPara xmlns:m="http://schemas.openxmlformats.org/officeDocument/2006/math">
                     <m:oMathParaPr>
@@ -5155,7 +5163,7 @@
             </p:txBody>
           </p:sp>
         </mc:Choice>
-        <mc:Fallback>
+        <mc:Fallback xmlns="">
           <p:sp>
             <p:nvSpPr>
               <p:cNvPr id="52" name="CaixaDeTexto 51"/>
@@ -5194,8 +5202,8 @@
           </p:sp>
         </mc:Fallback>
       </mc:AlternateContent>
-      <mc:AlternateContent xmlns:mc="http://schemas.openxmlformats.org/markup-compatibility/2006">
-        <mc:Choice xmlns:a14="http://schemas.microsoft.com/office/drawing/2010/main" Requires="a14">
+      <mc:AlternateContent xmlns:mc="http://schemas.openxmlformats.org/markup-compatibility/2006" xmlns:a14="http://schemas.microsoft.com/office/drawing/2010/main">
+        <mc:Choice Requires="a14">
           <p:sp>
             <p:nvSpPr>
               <p:cNvPr id="53" name="CaixaDeTexto 52"/>
@@ -5218,6 +5226,7 @@
               </a:bodyPr>
               <a:lstStyle/>
               <a:p>
+                <a:pPr/>
                 <a14:m>
                   <m:oMathPara xmlns:m="http://schemas.openxmlformats.org/officeDocument/2006/math">
                     <m:oMathParaPr>
@@ -5257,7 +5266,7 @@
             </p:txBody>
           </p:sp>
         </mc:Choice>
-        <mc:Fallback>
+        <mc:Fallback xmlns="">
           <p:sp>
             <p:nvSpPr>
               <p:cNvPr id="53" name="CaixaDeTexto 52"/>
@@ -5296,8 +5305,8 @@
           </p:sp>
         </mc:Fallback>
       </mc:AlternateContent>
-      <mc:AlternateContent xmlns:mc="http://schemas.openxmlformats.org/markup-compatibility/2006">
-        <mc:Choice xmlns:a14="http://schemas.microsoft.com/office/drawing/2010/main" Requires="a14">
+      <mc:AlternateContent xmlns:mc="http://schemas.openxmlformats.org/markup-compatibility/2006" xmlns:a14="http://schemas.microsoft.com/office/drawing/2010/main">
+        <mc:Choice Requires="a14">
           <p:sp>
             <p:nvSpPr>
               <p:cNvPr id="54" name="CaixaDeTexto 53"/>
@@ -5320,6 +5329,7 @@
               </a:bodyPr>
               <a:lstStyle/>
               <a:p>
+                <a:pPr/>
                 <a14:m>
                   <m:oMathPara xmlns:m="http://schemas.openxmlformats.org/officeDocument/2006/math">
                     <m:oMathParaPr>
@@ -5359,7 +5369,7 @@
             </p:txBody>
           </p:sp>
         </mc:Choice>
-        <mc:Fallback>
+        <mc:Fallback xmlns="">
           <p:sp>
             <p:nvSpPr>
               <p:cNvPr id="54" name="CaixaDeTexto 53"/>
@@ -5398,8 +5408,8 @@
           </p:sp>
         </mc:Fallback>
       </mc:AlternateContent>
-      <mc:AlternateContent xmlns:mc="http://schemas.openxmlformats.org/markup-compatibility/2006">
-        <mc:Choice xmlns:a14="http://schemas.microsoft.com/office/drawing/2010/main" Requires="a14">
+      <mc:AlternateContent xmlns:mc="http://schemas.openxmlformats.org/markup-compatibility/2006" xmlns:a14="http://schemas.microsoft.com/office/drawing/2010/main">
+        <mc:Choice Requires="a14">
           <p:sp>
             <p:nvSpPr>
               <p:cNvPr id="55" name="CaixaDeTexto 54"/>
@@ -5422,6 +5432,7 @@
               </a:bodyPr>
               <a:lstStyle/>
               <a:p>
+                <a:pPr/>
                 <a14:m>
                   <m:oMathPara xmlns:m="http://schemas.openxmlformats.org/officeDocument/2006/math">
                     <m:oMathParaPr>
@@ -5461,7 +5472,7 @@
             </p:txBody>
           </p:sp>
         </mc:Choice>
-        <mc:Fallback>
+        <mc:Fallback xmlns="">
           <p:sp>
             <p:nvSpPr>
               <p:cNvPr id="55" name="CaixaDeTexto 54"/>
@@ -5500,8 +5511,8 @@
           </p:sp>
         </mc:Fallback>
       </mc:AlternateContent>
-      <mc:AlternateContent xmlns:mc="http://schemas.openxmlformats.org/markup-compatibility/2006">
-        <mc:Choice xmlns:a14="http://schemas.microsoft.com/office/drawing/2010/main" Requires="a14">
+      <mc:AlternateContent xmlns:mc="http://schemas.openxmlformats.org/markup-compatibility/2006" xmlns:a14="http://schemas.microsoft.com/office/drawing/2010/main">
+        <mc:Choice Requires="a14">
           <p:sp>
             <p:nvSpPr>
               <p:cNvPr id="27" name="CaixaDeTexto 26"/>
@@ -5524,6 +5535,7 @@
               </a:bodyPr>
               <a:lstStyle/>
               <a:p>
+                <a:pPr/>
                 <a14:m>
                   <m:oMathPara xmlns:m="http://schemas.openxmlformats.org/officeDocument/2006/math">
                     <m:oMathParaPr>
@@ -5544,7 +5556,7 @@
             </p:txBody>
           </p:sp>
         </mc:Choice>
-        <mc:Fallback>
+        <mc:Fallback xmlns="">
           <p:sp>
             <p:nvSpPr>
               <p:cNvPr id="27" name="CaixaDeTexto 26"/>
@@ -5583,8 +5595,8 @@
           </p:sp>
         </mc:Fallback>
       </mc:AlternateContent>
-      <mc:AlternateContent xmlns:mc="http://schemas.openxmlformats.org/markup-compatibility/2006">
-        <mc:Choice xmlns:a14="http://schemas.microsoft.com/office/drawing/2010/main" Requires="a14">
+      <mc:AlternateContent xmlns:mc="http://schemas.openxmlformats.org/markup-compatibility/2006" xmlns:a14="http://schemas.microsoft.com/office/drawing/2010/main">
+        <mc:Choice Requires="a14">
           <p:sp>
             <p:nvSpPr>
               <p:cNvPr id="58" name="CaixaDeTexto 57"/>
@@ -5607,6 +5619,7 @@
               </a:bodyPr>
               <a:lstStyle/>
               <a:p>
+                <a:pPr/>
                 <a14:m>
                   <m:oMathPara xmlns:m="http://schemas.openxmlformats.org/officeDocument/2006/math">
                     <m:oMathParaPr>
@@ -5627,7 +5640,7 @@
             </p:txBody>
           </p:sp>
         </mc:Choice>
-        <mc:Fallback>
+        <mc:Fallback xmlns="">
           <p:sp>
             <p:nvSpPr>
               <p:cNvPr id="58" name="CaixaDeTexto 57"/>
@@ -5666,8 +5679,8 @@
           </p:sp>
         </mc:Fallback>
       </mc:AlternateContent>
-      <mc:AlternateContent xmlns:mc="http://schemas.openxmlformats.org/markup-compatibility/2006">
-        <mc:Choice xmlns:a14="http://schemas.microsoft.com/office/drawing/2010/main" Requires="a14">
+      <mc:AlternateContent xmlns:mc="http://schemas.openxmlformats.org/markup-compatibility/2006" xmlns:a14="http://schemas.microsoft.com/office/drawing/2010/main">
+        <mc:Choice Requires="a14">
           <p:sp>
             <p:nvSpPr>
               <p:cNvPr id="59" name="CaixaDeTexto 58"/>
@@ -5690,6 +5703,7 @@
               </a:bodyPr>
               <a:lstStyle/>
               <a:p>
+                <a:pPr/>
                 <a14:m>
                   <m:oMathPara xmlns:m="http://schemas.openxmlformats.org/officeDocument/2006/math">
                     <m:oMathParaPr>
@@ -5737,7 +5751,7 @@
             </p:txBody>
           </p:sp>
         </mc:Choice>
-        <mc:Fallback>
+        <mc:Fallback xmlns="">
           <p:sp>
             <p:nvSpPr>
               <p:cNvPr id="59" name="CaixaDeTexto 58"/>
@@ -5776,8 +5790,8 @@
           </p:sp>
         </mc:Fallback>
       </mc:AlternateContent>
-      <mc:AlternateContent xmlns:mc="http://schemas.openxmlformats.org/markup-compatibility/2006">
-        <mc:Choice xmlns:a14="http://schemas.microsoft.com/office/drawing/2010/main" Requires="a14">
+      <mc:AlternateContent xmlns:mc="http://schemas.openxmlformats.org/markup-compatibility/2006" xmlns:a14="http://schemas.microsoft.com/office/drawing/2010/main">
+        <mc:Choice Requires="a14">
           <p:sp>
             <p:nvSpPr>
               <p:cNvPr id="60" name="CaixaDeTexto 59"/>
@@ -5800,6 +5814,7 @@
               </a:bodyPr>
               <a:lstStyle/>
               <a:p>
+                <a:pPr/>
                 <a14:m>
                   <m:oMathPara xmlns:m="http://schemas.openxmlformats.org/officeDocument/2006/math">
                     <m:oMathParaPr>
@@ -5847,7 +5862,7 @@
             </p:txBody>
           </p:sp>
         </mc:Choice>
-        <mc:Fallback>
+        <mc:Fallback xmlns="">
           <p:sp>
             <p:nvSpPr>
               <p:cNvPr id="60" name="CaixaDeTexto 59"/>
@@ -5886,8 +5901,8 @@
           </p:sp>
         </mc:Fallback>
       </mc:AlternateContent>
-      <mc:AlternateContent xmlns:mc="http://schemas.openxmlformats.org/markup-compatibility/2006">
-        <mc:Choice xmlns:a14="http://schemas.microsoft.com/office/drawing/2010/main" Requires="a14">
+      <mc:AlternateContent xmlns:mc="http://schemas.openxmlformats.org/markup-compatibility/2006" xmlns:a14="http://schemas.microsoft.com/office/drawing/2010/main">
+        <mc:Choice Requires="a14">
           <p:sp>
             <p:nvSpPr>
               <p:cNvPr id="61" name="CaixaDeTexto 60"/>
@@ -5910,6 +5925,7 @@
               </a:bodyPr>
               <a:lstStyle/>
               <a:p>
+                <a:pPr/>
                 <a14:m>
                   <m:oMathPara xmlns:m="http://schemas.openxmlformats.org/officeDocument/2006/math">
                     <m:oMathParaPr>
@@ -5963,7 +5979,7 @@
             </p:txBody>
           </p:sp>
         </mc:Choice>
-        <mc:Fallback>
+        <mc:Fallback xmlns="">
           <p:sp>
             <p:nvSpPr>
               <p:cNvPr id="61" name="CaixaDeTexto 60"/>
@@ -6002,8 +6018,8 @@
           </p:sp>
         </mc:Fallback>
       </mc:AlternateContent>
-      <mc:AlternateContent xmlns:mc="http://schemas.openxmlformats.org/markup-compatibility/2006">
-        <mc:Choice xmlns:a14="http://schemas.microsoft.com/office/drawing/2010/main" Requires="a14">
+      <mc:AlternateContent xmlns:mc="http://schemas.openxmlformats.org/markup-compatibility/2006" xmlns:a14="http://schemas.microsoft.com/office/drawing/2010/main">
+        <mc:Choice Requires="a14">
           <p:sp>
             <p:nvSpPr>
               <p:cNvPr id="62" name="CaixaDeTexto 61"/>
@@ -6026,6 +6042,7 @@
               </a:bodyPr>
               <a:lstStyle/>
               <a:p>
+                <a:pPr/>
                 <a14:m>
                   <m:oMathPara xmlns:m="http://schemas.openxmlformats.org/officeDocument/2006/math">
                     <m:oMathParaPr>
@@ -6079,7 +6096,7 @@
             </p:txBody>
           </p:sp>
         </mc:Choice>
-        <mc:Fallback>
+        <mc:Fallback xmlns="">
           <p:sp>
             <p:nvSpPr>
               <p:cNvPr id="62" name="CaixaDeTexto 61"/>
@@ -6118,8 +6135,8 @@
           </p:sp>
         </mc:Fallback>
       </mc:AlternateContent>
-      <mc:AlternateContent xmlns:mc="http://schemas.openxmlformats.org/markup-compatibility/2006">
-        <mc:Choice xmlns:a14="http://schemas.microsoft.com/office/drawing/2010/main" Requires="a14">
+      <mc:AlternateContent xmlns:mc="http://schemas.openxmlformats.org/markup-compatibility/2006" xmlns:a14="http://schemas.microsoft.com/office/drawing/2010/main">
+        <mc:Choice Requires="a14">
           <p:sp>
             <p:nvSpPr>
               <p:cNvPr id="63" name="CaixaDeTexto 62"/>
@@ -6142,6 +6159,7 @@
               </a:bodyPr>
               <a:lstStyle/>
               <a:p>
+                <a:pPr/>
                 <a14:m>
                   <m:oMathPara xmlns:m="http://schemas.openxmlformats.org/officeDocument/2006/math">
                     <m:oMathParaPr>
@@ -6189,7 +6207,7 @@
             </p:txBody>
           </p:sp>
         </mc:Choice>
-        <mc:Fallback>
+        <mc:Fallback xmlns="">
           <p:sp>
             <p:nvSpPr>
               <p:cNvPr id="63" name="CaixaDeTexto 62"/>
@@ -6228,8 +6246,8 @@
           </p:sp>
         </mc:Fallback>
       </mc:AlternateContent>
-      <mc:AlternateContent xmlns:mc="http://schemas.openxmlformats.org/markup-compatibility/2006">
-        <mc:Choice xmlns:a14="http://schemas.microsoft.com/office/drawing/2010/main" Requires="a14">
+      <mc:AlternateContent xmlns:mc="http://schemas.openxmlformats.org/markup-compatibility/2006" xmlns:a14="http://schemas.microsoft.com/office/drawing/2010/main">
+        <mc:Choice Requires="a14">
           <p:sp>
             <p:nvSpPr>
               <p:cNvPr id="65" name="CaixaDeTexto 64"/>
@@ -6252,6 +6270,7 @@
               </a:bodyPr>
               <a:lstStyle/>
               <a:p>
+                <a:pPr/>
                 <a14:m>
                   <m:oMathPara xmlns:m="http://schemas.openxmlformats.org/officeDocument/2006/math">
                     <m:oMathParaPr>
@@ -6299,7 +6318,7 @@
             </p:txBody>
           </p:sp>
         </mc:Choice>
-        <mc:Fallback>
+        <mc:Fallback xmlns="">
           <p:sp>
             <p:nvSpPr>
               <p:cNvPr id="65" name="CaixaDeTexto 64"/>
@@ -6338,8 +6357,8 @@
           </p:sp>
         </mc:Fallback>
       </mc:AlternateContent>
-      <mc:AlternateContent xmlns:mc="http://schemas.openxmlformats.org/markup-compatibility/2006">
-        <mc:Choice xmlns:a14="http://schemas.microsoft.com/office/drawing/2010/main" Requires="a14">
+      <mc:AlternateContent xmlns:mc="http://schemas.openxmlformats.org/markup-compatibility/2006" xmlns:a14="http://schemas.microsoft.com/office/drawing/2010/main">
+        <mc:Choice Requires="a14">
           <p:sp>
             <p:nvSpPr>
               <p:cNvPr id="66" name="CaixaDeTexto 65"/>
@@ -6362,6 +6381,7 @@
               </a:bodyPr>
               <a:lstStyle/>
               <a:p>
+                <a:pPr/>
                 <a14:m>
                   <m:oMathPara xmlns:m="http://schemas.openxmlformats.org/officeDocument/2006/math">
                     <m:oMathParaPr>
@@ -6409,7 +6429,7 @@
             </p:txBody>
           </p:sp>
         </mc:Choice>
-        <mc:Fallback>
+        <mc:Fallback xmlns="">
           <p:sp>
             <p:nvSpPr>
               <p:cNvPr id="66" name="CaixaDeTexto 65"/>
@@ -6558,8 +6578,8 @@
           </a:p>
         </p:txBody>
       </p:sp>
-      <mc:AlternateContent xmlns:mc="http://schemas.openxmlformats.org/markup-compatibility/2006">
-        <mc:Choice xmlns:a14="http://schemas.microsoft.com/office/drawing/2010/main" Requires="a14">
+      <mc:AlternateContent xmlns:mc="http://schemas.openxmlformats.org/markup-compatibility/2006" xmlns:a14="http://schemas.microsoft.com/office/drawing/2010/main">
+        <mc:Choice Requires="a14">
           <p:sp>
             <p:nvSpPr>
               <p:cNvPr id="70" name="CaixaDeTexto 69"/>
@@ -6582,6 +6602,7 @@
               </a:bodyPr>
               <a:lstStyle/>
               <a:p>
+                <a:pPr/>
                 <a14:m>
                   <m:oMathPara xmlns:m="http://schemas.openxmlformats.org/officeDocument/2006/math">
                     <m:oMathParaPr>
@@ -6614,7 +6635,7 @@
             </p:txBody>
           </p:sp>
         </mc:Choice>
-        <mc:Fallback>
+        <mc:Fallback xmlns="">
           <p:sp>
             <p:nvSpPr>
               <p:cNvPr id="70" name="CaixaDeTexto 69"/>
@@ -6797,8 +6818,8 @@
           </a:fontRef>
         </p:style>
       </p:cxnSp>
-      <mc:AlternateContent xmlns:mc="http://schemas.openxmlformats.org/markup-compatibility/2006">
-        <mc:Choice xmlns:a14="http://schemas.microsoft.com/office/drawing/2010/main" Requires="a14">
+      <mc:AlternateContent xmlns:mc="http://schemas.openxmlformats.org/markup-compatibility/2006" xmlns:a14="http://schemas.microsoft.com/office/drawing/2010/main">
+        <mc:Choice Requires="a14">
           <p:sp>
             <p:nvSpPr>
               <p:cNvPr id="81" name="CaixaDeTexto 80"/>
@@ -6821,6 +6842,7 @@
               </a:bodyPr>
               <a:lstStyle/>
               <a:p>
+                <a:pPr/>
                 <a14:m>
                   <m:oMathPara xmlns:m="http://schemas.openxmlformats.org/officeDocument/2006/math">
                     <m:oMathParaPr>
@@ -6860,7 +6882,7 @@
             </p:txBody>
           </p:sp>
         </mc:Choice>
-        <mc:Fallback>
+        <mc:Fallback xmlns="">
           <p:sp>
             <p:nvSpPr>
               <p:cNvPr id="81" name="CaixaDeTexto 80"/>
@@ -6899,8 +6921,8 @@
           </p:sp>
         </mc:Fallback>
       </mc:AlternateContent>
-      <mc:AlternateContent xmlns:mc="http://schemas.openxmlformats.org/markup-compatibility/2006">
-        <mc:Choice xmlns:a14="http://schemas.microsoft.com/office/drawing/2010/main" Requires="a14">
+      <mc:AlternateContent xmlns:mc="http://schemas.openxmlformats.org/markup-compatibility/2006" xmlns:a14="http://schemas.microsoft.com/office/drawing/2010/main">
+        <mc:Choice Requires="a14">
           <p:sp>
             <p:nvSpPr>
               <p:cNvPr id="82" name="CaixaDeTexto 81"/>
@@ -6923,6 +6945,7 @@
               </a:bodyPr>
               <a:lstStyle/>
               <a:p>
+                <a:pPr/>
                 <a14:m>
                   <m:oMathPara xmlns:m="http://schemas.openxmlformats.org/officeDocument/2006/math">
                     <m:oMathParaPr>
@@ -6962,7 +6985,7 @@
             </p:txBody>
           </p:sp>
         </mc:Choice>
-        <mc:Fallback>
+        <mc:Fallback xmlns="">
           <p:sp>
             <p:nvSpPr>
               <p:cNvPr id="82" name="CaixaDeTexto 81"/>
@@ -7951,8 +7974,8 @@
           </a:fontRef>
         </p:style>
       </p:cxnSp>
-      <mc:AlternateContent xmlns:mc="http://schemas.openxmlformats.org/markup-compatibility/2006">
-        <mc:Choice xmlns:a14="http://schemas.microsoft.com/office/drawing/2010/main" Requires="a14">
+      <mc:AlternateContent xmlns:mc="http://schemas.openxmlformats.org/markup-compatibility/2006" xmlns:a14="http://schemas.microsoft.com/office/drawing/2010/main">
+        <mc:Choice Requires="a14">
           <p:sp>
             <p:nvSpPr>
               <p:cNvPr id="64" name="CaixaDeTexto 63"/>
@@ -7975,6 +7998,7 @@
               </a:bodyPr>
               <a:lstStyle/>
               <a:p>
+                <a:pPr/>
                 <a14:m>
                   <m:oMathPara xmlns:m="http://schemas.openxmlformats.org/officeDocument/2006/math">
                     <m:oMathParaPr>
@@ -8022,7 +8046,7 @@
             </p:txBody>
           </p:sp>
         </mc:Choice>
-        <mc:Fallback>
+        <mc:Fallback xmlns="">
           <p:sp>
             <p:nvSpPr>
               <p:cNvPr id="64" name="CaixaDeTexto 63"/>
@@ -8061,8 +8085,8 @@
           </p:sp>
         </mc:Fallback>
       </mc:AlternateContent>
-      <mc:AlternateContent xmlns:mc="http://schemas.openxmlformats.org/markup-compatibility/2006">
-        <mc:Choice xmlns:a14="http://schemas.microsoft.com/office/drawing/2010/main" Requires="a14">
+      <mc:AlternateContent xmlns:mc="http://schemas.openxmlformats.org/markup-compatibility/2006" xmlns:a14="http://schemas.microsoft.com/office/drawing/2010/main">
+        <mc:Choice Requires="a14">
           <p:sp>
             <p:nvSpPr>
               <p:cNvPr id="65" name="CaixaDeTexto 64"/>
@@ -8085,6 +8109,7 @@
               </a:bodyPr>
               <a:lstStyle/>
               <a:p>
+                <a:pPr/>
                 <a14:m>
                   <m:oMathPara xmlns:m="http://schemas.openxmlformats.org/officeDocument/2006/math">
                     <m:oMathParaPr>
@@ -8132,7 +8157,7 @@
             </p:txBody>
           </p:sp>
         </mc:Choice>
-        <mc:Fallback>
+        <mc:Fallback xmlns="">
           <p:sp>
             <p:nvSpPr>
               <p:cNvPr id="65" name="CaixaDeTexto 64"/>
@@ -8171,8 +8196,8 @@
           </p:sp>
         </mc:Fallback>
       </mc:AlternateContent>
-      <mc:AlternateContent xmlns:mc="http://schemas.openxmlformats.org/markup-compatibility/2006">
-        <mc:Choice xmlns:a14="http://schemas.microsoft.com/office/drawing/2010/main" Requires="a14">
+      <mc:AlternateContent xmlns:mc="http://schemas.openxmlformats.org/markup-compatibility/2006" xmlns:a14="http://schemas.microsoft.com/office/drawing/2010/main">
+        <mc:Choice Requires="a14">
           <p:sp>
             <p:nvSpPr>
               <p:cNvPr id="66" name="CaixaDeTexto 65"/>
@@ -8195,6 +8220,7 @@
               </a:bodyPr>
               <a:lstStyle/>
               <a:p>
+                <a:pPr/>
                 <a14:m>
                   <m:oMathPara xmlns:m="http://schemas.openxmlformats.org/officeDocument/2006/math">
                     <m:oMathParaPr>
@@ -8242,7 +8268,7 @@
             </p:txBody>
           </p:sp>
         </mc:Choice>
-        <mc:Fallback>
+        <mc:Fallback xmlns="">
           <p:sp>
             <p:nvSpPr>
               <p:cNvPr id="66" name="CaixaDeTexto 65"/>
@@ -8281,8 +8307,8 @@
           </p:sp>
         </mc:Fallback>
       </mc:AlternateContent>
-      <mc:AlternateContent xmlns:mc="http://schemas.openxmlformats.org/markup-compatibility/2006">
-        <mc:Choice xmlns:a14="http://schemas.microsoft.com/office/drawing/2010/main" Requires="a14">
+      <mc:AlternateContent xmlns:mc="http://schemas.openxmlformats.org/markup-compatibility/2006" xmlns:a14="http://schemas.microsoft.com/office/drawing/2010/main">
+        <mc:Choice Requires="a14">
           <p:sp>
             <p:nvSpPr>
               <p:cNvPr id="71" name="CaixaDeTexto 70"/>
@@ -8305,6 +8331,7 @@
               </a:bodyPr>
               <a:lstStyle/>
               <a:p>
+                <a:pPr/>
                 <a14:m>
                   <m:oMathPara xmlns:m="http://schemas.openxmlformats.org/officeDocument/2006/math">
                     <m:oMathParaPr>
@@ -8344,7 +8371,7 @@
             </p:txBody>
           </p:sp>
         </mc:Choice>
-        <mc:Fallback>
+        <mc:Fallback xmlns="">
           <p:sp>
             <p:nvSpPr>
               <p:cNvPr id="71" name="CaixaDeTexto 70"/>
@@ -8383,8 +8410,8 @@
           </p:sp>
         </mc:Fallback>
       </mc:AlternateContent>
-      <mc:AlternateContent xmlns:mc="http://schemas.openxmlformats.org/markup-compatibility/2006">
-        <mc:Choice xmlns:a14="http://schemas.microsoft.com/office/drawing/2010/main" Requires="a14">
+      <mc:AlternateContent xmlns:mc="http://schemas.openxmlformats.org/markup-compatibility/2006" xmlns:a14="http://schemas.microsoft.com/office/drawing/2010/main">
+        <mc:Choice Requires="a14">
           <p:sp>
             <p:nvSpPr>
               <p:cNvPr id="72" name="CaixaDeTexto 71"/>
@@ -8407,6 +8434,7 @@
               </a:bodyPr>
               <a:lstStyle/>
               <a:p>
+                <a:pPr/>
                 <a14:m>
                   <m:oMathPara xmlns:m="http://schemas.openxmlformats.org/officeDocument/2006/math">
                     <m:oMathParaPr>
@@ -8446,7 +8474,7 @@
             </p:txBody>
           </p:sp>
         </mc:Choice>
-        <mc:Fallback>
+        <mc:Fallback xmlns="">
           <p:sp>
             <p:nvSpPr>
               <p:cNvPr id="72" name="CaixaDeTexto 71"/>
@@ -8485,8 +8513,8 @@
           </p:sp>
         </mc:Fallback>
       </mc:AlternateContent>
-      <mc:AlternateContent xmlns:mc="http://schemas.openxmlformats.org/markup-compatibility/2006">
-        <mc:Choice xmlns:a14="http://schemas.microsoft.com/office/drawing/2010/main" Requires="a14">
+      <mc:AlternateContent xmlns:mc="http://schemas.openxmlformats.org/markup-compatibility/2006" xmlns:a14="http://schemas.microsoft.com/office/drawing/2010/main">
+        <mc:Choice Requires="a14">
           <p:sp>
             <p:nvSpPr>
               <p:cNvPr id="73" name="CaixaDeTexto 72"/>
@@ -8509,6 +8537,7 @@
               </a:bodyPr>
               <a:lstStyle/>
               <a:p>
+                <a:pPr/>
                 <a14:m>
                   <m:oMathPara xmlns:m="http://schemas.openxmlformats.org/officeDocument/2006/math">
                     <m:oMathParaPr>
@@ -8548,7 +8577,7 @@
             </p:txBody>
           </p:sp>
         </mc:Choice>
-        <mc:Fallback>
+        <mc:Fallback xmlns="">
           <p:sp>
             <p:nvSpPr>
               <p:cNvPr id="73" name="CaixaDeTexto 72"/>
@@ -8695,8 +8724,8 @@
           </a:fontRef>
         </p:style>
       </p:cxnSp>
-      <mc:AlternateContent xmlns:mc="http://schemas.openxmlformats.org/markup-compatibility/2006">
-        <mc:Choice xmlns:a14="http://schemas.microsoft.com/office/drawing/2010/main" Requires="a14">
+      <mc:AlternateContent xmlns:mc="http://schemas.openxmlformats.org/markup-compatibility/2006" xmlns:a14="http://schemas.microsoft.com/office/drawing/2010/main">
+        <mc:Choice Requires="a14">
           <p:sp>
             <p:nvSpPr>
               <p:cNvPr id="78" name="CaixaDeTexto 77"/>
@@ -8719,6 +8748,7 @@
               </a:bodyPr>
               <a:lstStyle/>
               <a:p>
+                <a:pPr/>
                 <a14:m>
                   <m:oMathPara xmlns:m="http://schemas.openxmlformats.org/officeDocument/2006/math">
                     <m:oMathParaPr>
@@ -8758,7 +8788,7 @@
             </p:txBody>
           </p:sp>
         </mc:Choice>
-        <mc:Fallback>
+        <mc:Fallback xmlns="">
           <p:sp>
             <p:nvSpPr>
               <p:cNvPr id="78" name="CaixaDeTexto 77"/>
@@ -8797,8 +8827,8 @@
           </p:sp>
         </mc:Fallback>
       </mc:AlternateContent>
-      <mc:AlternateContent xmlns:mc="http://schemas.openxmlformats.org/markup-compatibility/2006">
-        <mc:Choice xmlns:a14="http://schemas.microsoft.com/office/drawing/2010/main" Requires="a14">
+      <mc:AlternateContent xmlns:mc="http://schemas.openxmlformats.org/markup-compatibility/2006" xmlns:a14="http://schemas.microsoft.com/office/drawing/2010/main">
+        <mc:Choice Requires="a14">
           <p:sp>
             <p:nvSpPr>
               <p:cNvPr id="79" name="CaixaDeTexto 78"/>
@@ -8821,6 +8851,7 @@
               </a:bodyPr>
               <a:lstStyle/>
               <a:p>
+                <a:pPr/>
                 <a14:m>
                   <m:oMathPara xmlns:m="http://schemas.openxmlformats.org/officeDocument/2006/math">
                     <m:oMathParaPr>
@@ -8860,7 +8891,7 @@
             </p:txBody>
           </p:sp>
         </mc:Choice>
-        <mc:Fallback>
+        <mc:Fallback xmlns="">
           <p:sp>
             <p:nvSpPr>
               <p:cNvPr id="79" name="CaixaDeTexto 78"/>
@@ -8899,8 +8930,8 @@
           </p:sp>
         </mc:Fallback>
       </mc:AlternateContent>
-      <mc:AlternateContent xmlns:mc="http://schemas.openxmlformats.org/markup-compatibility/2006">
-        <mc:Choice xmlns:a14="http://schemas.microsoft.com/office/drawing/2010/main" Requires="a14">
+      <mc:AlternateContent xmlns:mc="http://schemas.openxmlformats.org/markup-compatibility/2006" xmlns:a14="http://schemas.microsoft.com/office/drawing/2010/main">
+        <mc:Choice Requires="a14">
           <p:sp>
             <p:nvSpPr>
               <p:cNvPr id="80" name="CaixaDeTexto 79"/>
@@ -8923,6 +8954,7 @@
               </a:bodyPr>
               <a:lstStyle/>
               <a:p>
+                <a:pPr/>
                 <a14:m>
                   <m:oMathPara xmlns:m="http://schemas.openxmlformats.org/officeDocument/2006/math">
                     <m:oMathParaPr>
@@ -8962,7 +8994,7 @@
             </p:txBody>
           </p:sp>
         </mc:Choice>
-        <mc:Fallback>
+        <mc:Fallback xmlns="">
           <p:sp>
             <p:nvSpPr>
               <p:cNvPr id="80" name="CaixaDeTexto 79"/>
@@ -9109,8 +9141,8 @@
           </a:fontRef>
         </p:style>
       </p:cxnSp>
-      <mc:AlternateContent xmlns:mc="http://schemas.openxmlformats.org/markup-compatibility/2006">
-        <mc:Choice xmlns:a14="http://schemas.microsoft.com/office/drawing/2010/main" Requires="a14">
+      <mc:AlternateContent xmlns:mc="http://schemas.openxmlformats.org/markup-compatibility/2006" xmlns:a14="http://schemas.microsoft.com/office/drawing/2010/main">
+        <mc:Choice Requires="a14">
           <p:sp>
             <p:nvSpPr>
               <p:cNvPr id="91" name="CaixaDeTexto 90"/>
@@ -9133,6 +9165,7 @@
               </a:bodyPr>
               <a:lstStyle/>
               <a:p>
+                <a:pPr/>
                 <a14:m>
                   <m:oMathPara xmlns:m="http://schemas.openxmlformats.org/officeDocument/2006/math">
                     <m:oMathParaPr>
@@ -9173,7 +9206,7 @@
             </p:txBody>
           </p:sp>
         </mc:Choice>
-        <mc:Fallback>
+        <mc:Fallback xmlns="">
           <p:sp>
             <p:nvSpPr>
               <p:cNvPr id="91" name="CaixaDeTexto 90"/>
@@ -9212,8 +9245,8 @@
           </p:sp>
         </mc:Fallback>
       </mc:AlternateContent>
-      <mc:AlternateContent xmlns:mc="http://schemas.openxmlformats.org/markup-compatibility/2006">
-        <mc:Choice xmlns:a14="http://schemas.microsoft.com/office/drawing/2010/main" Requires="a14">
+      <mc:AlternateContent xmlns:mc="http://schemas.openxmlformats.org/markup-compatibility/2006" xmlns:a14="http://schemas.microsoft.com/office/drawing/2010/main">
+        <mc:Choice Requires="a14">
           <p:sp>
             <p:nvSpPr>
               <p:cNvPr id="92" name="CaixaDeTexto 91"/>
@@ -9236,6 +9269,7 @@
               </a:bodyPr>
               <a:lstStyle/>
               <a:p>
+                <a:pPr/>
                 <a14:m>
                   <m:oMathPara xmlns:m="http://schemas.openxmlformats.org/officeDocument/2006/math">
                     <m:oMathParaPr>
@@ -9276,7 +9310,7 @@
             </p:txBody>
           </p:sp>
         </mc:Choice>
-        <mc:Fallback>
+        <mc:Fallback xmlns="">
           <p:sp>
             <p:nvSpPr>
               <p:cNvPr id="92" name="CaixaDeTexto 91"/>
@@ -9315,8 +9349,8 @@
           </p:sp>
         </mc:Fallback>
       </mc:AlternateContent>
-      <mc:AlternateContent xmlns:mc="http://schemas.openxmlformats.org/markup-compatibility/2006">
-        <mc:Choice xmlns:a14="http://schemas.microsoft.com/office/drawing/2010/main" Requires="a14">
+      <mc:AlternateContent xmlns:mc="http://schemas.openxmlformats.org/markup-compatibility/2006" xmlns:a14="http://schemas.microsoft.com/office/drawing/2010/main">
+        <mc:Choice Requires="a14">
           <p:sp>
             <p:nvSpPr>
               <p:cNvPr id="93" name="CaixaDeTexto 92"/>
@@ -9339,6 +9373,7 @@
               </a:bodyPr>
               <a:lstStyle/>
               <a:p>
+                <a:pPr/>
                 <a14:m>
                   <m:oMathPara xmlns:m="http://schemas.openxmlformats.org/officeDocument/2006/math">
                     <m:oMathParaPr>
@@ -9379,7 +9414,7 @@
             </p:txBody>
           </p:sp>
         </mc:Choice>
-        <mc:Fallback>
+        <mc:Fallback xmlns="">
           <p:sp>
             <p:nvSpPr>
               <p:cNvPr id="93" name="CaixaDeTexto 92"/>
@@ -9652,6 +9687,4479 @@
     <p:extLst>
       <p:ext uri="{BB962C8B-B14F-4D97-AF65-F5344CB8AC3E}">
         <p14:creationId xmlns:p14="http://schemas.microsoft.com/office/powerpoint/2010/main" val="2257851718"/>
+      </p:ext>
+    </p:extLst>
+  </p:cSld>
+  <p:clrMapOvr>
+    <a:masterClrMapping/>
+  </p:clrMapOvr>
+  <p:timing>
+    <p:tnLst>
+      <p:par>
+        <p:cTn id="1" dur="indefinite" restart="never" nodeType="tmRoot"/>
+      </p:par>
+    </p:tnLst>
+  </p:timing>
+</p:sld>
+</file>
+
+<file path=ppt/slides/slide3.xml><?xml version="1.0" encoding="utf-8"?>
+<p:sld xmlns:a="http://schemas.openxmlformats.org/drawingml/2006/main" xmlns:r="http://schemas.openxmlformats.org/officeDocument/2006/relationships" xmlns:p="http://schemas.openxmlformats.org/presentationml/2006/main">
+  <p:cSld>
+    <p:spTree>
+      <p:nvGrpSpPr>
+        <p:cNvPr id="1" name=""/>
+        <p:cNvGrpSpPr/>
+        <p:nvPr/>
+      </p:nvGrpSpPr>
+      <p:grpSpPr>
+        <a:xfrm>
+          <a:off x="0" y="0"/>
+          <a:ext cx="0" cy="0"/>
+          <a:chOff x="0" y="0"/>
+          <a:chExt cx="0" cy="0"/>
+        </a:xfrm>
+      </p:grpSpPr>
+      <mc:AlternateContent xmlns:mc="http://schemas.openxmlformats.org/markup-compatibility/2006">
+        <mc:Choice xmlns:a14="http://schemas.microsoft.com/office/drawing/2010/main" Requires="a14">
+          <p:sp>
+            <p:nvSpPr>
+              <p:cNvPr id="35" name="CaixaDeTexto 34"/>
+              <p:cNvSpPr txBox="1"/>
+              <p:nvPr/>
+            </p:nvSpPr>
+            <p:spPr>
+              <a:xfrm>
+                <a:off x="210722" y="683404"/>
+                <a:ext cx="566245" cy="369332"/>
+              </a:xfrm>
+              <a:prstGeom prst="rect">
+                <a:avLst/>
+              </a:prstGeom>
+              <a:noFill/>
+            </p:spPr>
+            <p:txBody>
+              <a:bodyPr wrap="none" rtlCol="0">
+                <a:spAutoFit/>
+              </a:bodyPr>
+              <a:lstStyle/>
+              <a:p>
+                <a14:m>
+                  <m:oMathPara xmlns:m="http://schemas.openxmlformats.org/officeDocument/2006/math">
+                    <m:oMathParaPr>
+                      <m:jc m:val="centerGroup"/>
+                    </m:oMathParaPr>
+                    <m:oMath xmlns:m="http://schemas.openxmlformats.org/officeDocument/2006/math">
+                      <m:sSub>
+                        <m:sSubPr>
+                          <m:ctrlPr>
+                            <a:rPr lang="pt-BR" b="0" i="1" smtClean="0">
+                              <a:latin typeface="Cambria Math"/>
+                            </a:rPr>
+                          </m:ctrlPr>
+                        </m:sSubPr>
+                        <m:e>
+                          <m:r>
+                            <a:rPr lang="pt-BR" b="0" i="1" smtClean="0">
+                              <a:latin typeface="Cambria Math"/>
+                            </a:rPr>
+                            <m:t>𝑣</m:t>
+                          </m:r>
+                        </m:e>
+                        <m:sub>
+                          <m:r>
+                            <a:rPr lang="pt-BR" b="0" i="1" smtClean="0">
+                              <a:latin typeface="Cambria Math"/>
+                            </a:rPr>
+                            <m:t>𝑆𝑎</m:t>
+                          </m:r>
+                        </m:sub>
+                      </m:sSub>
+                    </m:oMath>
+                  </m:oMathPara>
+                </a14:m>
+                <a:endParaRPr lang="pt-BR" dirty="0"/>
+              </a:p>
+            </p:txBody>
+          </p:sp>
+        </mc:Choice>
+        <mc:Fallback>
+          <p:sp>
+            <p:nvSpPr>
+              <p:cNvPr id="35" name="CaixaDeTexto 34"/>
+              <p:cNvSpPr txBox="1">
+                <a:spLocks noRot="1" noChangeAspect="1" noMove="1" noResize="1" noEditPoints="1" noAdjustHandles="1" noChangeArrowheads="1" noChangeShapeType="1" noTextEdit="1"/>
+              </p:cNvSpPr>
+              <p:nvPr/>
+            </p:nvSpPr>
+            <p:spPr>
+              <a:xfrm>
+                <a:off x="210722" y="683404"/>
+                <a:ext cx="566245" cy="369332"/>
+              </a:xfrm>
+              <a:prstGeom prst="rect">
+                <a:avLst/>
+              </a:prstGeom>
+              <a:blipFill rotWithShape="1">
+                <a:blip r:embed="rId2"/>
+                <a:stretch>
+                  <a:fillRect/>
+                </a:stretch>
+              </a:blipFill>
+            </p:spPr>
+            <p:txBody>
+              <a:bodyPr/>
+              <a:lstStyle/>
+              <a:p>
+                <a:r>
+                  <a:rPr lang="pt-BR">
+                    <a:noFill/>
+                  </a:rPr>
+                  <a:t> </a:t>
+                </a:r>
+              </a:p>
+            </p:txBody>
+          </p:sp>
+        </mc:Fallback>
+      </mc:AlternateContent>
+      <mc:AlternateContent xmlns:mc="http://schemas.openxmlformats.org/markup-compatibility/2006">
+        <mc:Choice xmlns:a14="http://schemas.microsoft.com/office/drawing/2010/main" Requires="a14">
+          <p:sp>
+            <p:nvSpPr>
+              <p:cNvPr id="36" name="CaixaDeTexto 35"/>
+              <p:cNvSpPr txBox="1"/>
+              <p:nvPr/>
+            </p:nvSpPr>
+            <p:spPr>
+              <a:xfrm>
+                <a:off x="210722" y="1043404"/>
+                <a:ext cx="561820" cy="369332"/>
+              </a:xfrm>
+              <a:prstGeom prst="rect">
+                <a:avLst/>
+              </a:prstGeom>
+              <a:noFill/>
+            </p:spPr>
+            <p:txBody>
+              <a:bodyPr wrap="none" rtlCol="0">
+                <a:spAutoFit/>
+              </a:bodyPr>
+              <a:lstStyle/>
+              <a:p>
+                <a14:m>
+                  <m:oMathPara xmlns:m="http://schemas.openxmlformats.org/officeDocument/2006/math">
+                    <m:oMathParaPr>
+                      <m:jc m:val="centerGroup"/>
+                    </m:oMathParaPr>
+                    <m:oMath xmlns:m="http://schemas.openxmlformats.org/officeDocument/2006/math">
+                      <m:sSub>
+                        <m:sSubPr>
+                          <m:ctrlPr>
+                            <a:rPr lang="pt-BR" b="0" i="1" smtClean="0">
+                              <a:latin typeface="Cambria Math"/>
+                            </a:rPr>
+                          </m:ctrlPr>
+                        </m:sSubPr>
+                        <m:e>
+                          <m:r>
+                            <a:rPr lang="pt-BR" b="0" i="1" smtClean="0">
+                              <a:latin typeface="Cambria Math"/>
+                            </a:rPr>
+                            <m:t>𝑣</m:t>
+                          </m:r>
+                        </m:e>
+                        <m:sub>
+                          <m:r>
+                            <a:rPr lang="pt-BR" b="0" i="1" smtClean="0">
+                              <a:latin typeface="Cambria Math"/>
+                            </a:rPr>
+                            <m:t>𝑆𝑏</m:t>
+                          </m:r>
+                        </m:sub>
+                      </m:sSub>
+                    </m:oMath>
+                  </m:oMathPara>
+                </a14:m>
+                <a:endParaRPr lang="pt-BR" dirty="0"/>
+              </a:p>
+            </p:txBody>
+          </p:sp>
+        </mc:Choice>
+        <mc:Fallback>
+          <p:sp>
+            <p:nvSpPr>
+              <p:cNvPr id="36" name="CaixaDeTexto 35"/>
+              <p:cNvSpPr txBox="1">
+                <a:spLocks noRot="1" noChangeAspect="1" noMove="1" noResize="1" noEditPoints="1" noAdjustHandles="1" noChangeArrowheads="1" noChangeShapeType="1" noTextEdit="1"/>
+              </p:cNvSpPr>
+              <p:nvPr/>
+            </p:nvSpPr>
+            <p:spPr>
+              <a:xfrm>
+                <a:off x="210722" y="1043404"/>
+                <a:ext cx="561820" cy="369332"/>
+              </a:xfrm>
+              <a:prstGeom prst="rect">
+                <a:avLst/>
+              </a:prstGeom>
+              <a:blipFill rotWithShape="1">
+                <a:blip r:embed="rId3"/>
+                <a:stretch>
+                  <a:fillRect/>
+                </a:stretch>
+              </a:blipFill>
+            </p:spPr>
+            <p:txBody>
+              <a:bodyPr/>
+              <a:lstStyle/>
+              <a:p>
+                <a:r>
+                  <a:rPr lang="pt-BR">
+                    <a:noFill/>
+                  </a:rPr>
+                  <a:t> </a:t>
+                </a:r>
+              </a:p>
+            </p:txBody>
+          </p:sp>
+        </mc:Fallback>
+      </mc:AlternateContent>
+      <mc:AlternateContent xmlns:mc="http://schemas.openxmlformats.org/markup-compatibility/2006">
+        <mc:Choice xmlns:a14="http://schemas.microsoft.com/office/drawing/2010/main" Requires="a14">
+          <p:sp>
+            <p:nvSpPr>
+              <p:cNvPr id="37" name="CaixaDeTexto 36"/>
+              <p:cNvSpPr txBox="1"/>
+              <p:nvPr/>
+            </p:nvSpPr>
+            <p:spPr>
+              <a:xfrm>
+                <a:off x="210722" y="1429429"/>
+                <a:ext cx="546625" cy="369332"/>
+              </a:xfrm>
+              <a:prstGeom prst="rect">
+                <a:avLst/>
+              </a:prstGeom>
+              <a:noFill/>
+            </p:spPr>
+            <p:txBody>
+              <a:bodyPr wrap="none" rtlCol="0">
+                <a:spAutoFit/>
+              </a:bodyPr>
+              <a:lstStyle/>
+              <a:p>
+                <a14:m>
+                  <m:oMathPara xmlns:m="http://schemas.openxmlformats.org/officeDocument/2006/math">
+                    <m:oMathParaPr>
+                      <m:jc m:val="centerGroup"/>
+                    </m:oMathParaPr>
+                    <m:oMath xmlns:m="http://schemas.openxmlformats.org/officeDocument/2006/math">
+                      <m:sSub>
+                        <m:sSubPr>
+                          <m:ctrlPr>
+                            <a:rPr lang="pt-BR" b="0" i="1" smtClean="0">
+                              <a:latin typeface="Cambria Math"/>
+                            </a:rPr>
+                          </m:ctrlPr>
+                        </m:sSubPr>
+                        <m:e>
+                          <m:r>
+                            <a:rPr lang="pt-BR" b="0" i="1" smtClean="0">
+                              <a:latin typeface="Cambria Math"/>
+                            </a:rPr>
+                            <m:t>𝑣</m:t>
+                          </m:r>
+                        </m:e>
+                        <m:sub>
+                          <m:r>
+                            <a:rPr lang="pt-BR" b="0" i="1" smtClean="0">
+                              <a:latin typeface="Cambria Math"/>
+                            </a:rPr>
+                            <m:t>𝑆𝑐</m:t>
+                          </m:r>
+                        </m:sub>
+                      </m:sSub>
+                    </m:oMath>
+                  </m:oMathPara>
+                </a14:m>
+                <a:endParaRPr lang="pt-BR" dirty="0"/>
+              </a:p>
+            </p:txBody>
+          </p:sp>
+        </mc:Choice>
+        <mc:Fallback>
+          <p:sp>
+            <p:nvSpPr>
+              <p:cNvPr id="37" name="CaixaDeTexto 36"/>
+              <p:cNvSpPr txBox="1">
+                <a:spLocks noRot="1" noChangeAspect="1" noMove="1" noResize="1" noEditPoints="1" noAdjustHandles="1" noChangeArrowheads="1" noChangeShapeType="1" noTextEdit="1"/>
+              </p:cNvSpPr>
+              <p:nvPr/>
+            </p:nvSpPr>
+            <p:spPr>
+              <a:xfrm>
+                <a:off x="210722" y="1429429"/>
+                <a:ext cx="546625" cy="369332"/>
+              </a:xfrm>
+              <a:prstGeom prst="rect">
+                <a:avLst/>
+              </a:prstGeom>
+              <a:blipFill rotWithShape="1">
+                <a:blip r:embed="rId4"/>
+                <a:stretch>
+                  <a:fillRect/>
+                </a:stretch>
+              </a:blipFill>
+            </p:spPr>
+            <p:txBody>
+              <a:bodyPr/>
+              <a:lstStyle/>
+              <a:p>
+                <a:r>
+                  <a:rPr lang="pt-BR">
+                    <a:noFill/>
+                  </a:rPr>
+                  <a:t> </a:t>
+                </a:r>
+              </a:p>
+            </p:txBody>
+          </p:sp>
+        </mc:Fallback>
+      </mc:AlternateContent>
+      <p:sp>
+        <p:nvSpPr>
+          <p:cNvPr id="4" name="Retângulo 3"/>
+          <p:cNvSpPr/>
+          <p:nvPr/>
+        </p:nvSpPr>
+        <p:spPr>
+          <a:xfrm>
+            <a:off x="827584" y="903040"/>
+            <a:ext cx="2592288" cy="2165920"/>
+          </a:xfrm>
+          <a:prstGeom prst="rect">
+            <a:avLst/>
+          </a:prstGeom>
+          <a:noFill/>
+          <a:ln w="38100">
+            <a:solidFill>
+              <a:schemeClr val="tx1"/>
+            </a:solidFill>
+          </a:ln>
+        </p:spPr>
+        <p:style>
+          <a:lnRef idx="2">
+            <a:schemeClr val="accent1">
+              <a:shade val="50000"/>
+            </a:schemeClr>
+          </a:lnRef>
+          <a:fillRef idx="1">
+            <a:schemeClr val="accent1"/>
+          </a:fillRef>
+          <a:effectRef idx="0">
+            <a:schemeClr val="accent1"/>
+          </a:effectRef>
+          <a:fontRef idx="minor">
+            <a:schemeClr val="lt1"/>
+          </a:fontRef>
+        </p:style>
+        <p:txBody>
+          <a:bodyPr rtlCol="0" anchor="ctr"/>
+          <a:lstStyle/>
+          <a:p>
+            <a:pPr algn="ctr"/>
+            <a:endParaRPr lang="pt-BR">
+              <a:noFill/>
+            </a:endParaRPr>
+          </a:p>
+        </p:txBody>
+      </p:sp>
+      <p:sp>
+        <p:nvSpPr>
+          <p:cNvPr id="5" name="Retângulo 4"/>
+          <p:cNvSpPr/>
+          <p:nvPr/>
+        </p:nvSpPr>
+        <p:spPr>
+          <a:xfrm>
+            <a:off x="4859478" y="1229916"/>
+            <a:ext cx="2664296" cy="1512168"/>
+          </a:xfrm>
+          <a:prstGeom prst="rect">
+            <a:avLst/>
+          </a:prstGeom>
+          <a:noFill/>
+          <a:ln w="38100">
+            <a:solidFill>
+              <a:schemeClr val="tx1"/>
+            </a:solidFill>
+          </a:ln>
+        </p:spPr>
+        <p:style>
+          <a:lnRef idx="2">
+            <a:schemeClr val="accent1">
+              <a:shade val="50000"/>
+            </a:schemeClr>
+          </a:lnRef>
+          <a:fillRef idx="1">
+            <a:schemeClr val="accent1"/>
+          </a:fillRef>
+          <a:effectRef idx="0">
+            <a:schemeClr val="accent1"/>
+          </a:effectRef>
+          <a:fontRef idx="minor">
+            <a:schemeClr val="lt1"/>
+          </a:fontRef>
+        </p:style>
+        <p:txBody>
+          <a:bodyPr rtlCol="0" anchor="ctr"/>
+          <a:lstStyle/>
+          <a:p>
+            <a:pPr algn="ctr"/>
+            <a:endParaRPr lang="pt-BR">
+              <a:noFill/>
+            </a:endParaRPr>
+          </a:p>
+        </p:txBody>
+      </p:sp>
+      <p:sp>
+        <p:nvSpPr>
+          <p:cNvPr id="6" name="Retângulo 5"/>
+          <p:cNvSpPr/>
+          <p:nvPr/>
+        </p:nvSpPr>
+        <p:spPr>
+          <a:xfrm>
+            <a:off x="827584" y="4365104"/>
+            <a:ext cx="3276365" cy="1224136"/>
+          </a:xfrm>
+          <a:prstGeom prst="rect">
+            <a:avLst/>
+          </a:prstGeom>
+          <a:noFill/>
+          <a:ln w="38100">
+            <a:solidFill>
+              <a:schemeClr val="tx1"/>
+            </a:solidFill>
+          </a:ln>
+        </p:spPr>
+        <p:style>
+          <a:lnRef idx="2">
+            <a:schemeClr val="accent1">
+              <a:shade val="50000"/>
+            </a:schemeClr>
+          </a:lnRef>
+          <a:fillRef idx="1">
+            <a:schemeClr val="accent1"/>
+          </a:fillRef>
+          <a:effectRef idx="0">
+            <a:schemeClr val="accent1"/>
+          </a:effectRef>
+          <a:fontRef idx="minor">
+            <a:schemeClr val="lt1"/>
+          </a:fontRef>
+        </p:style>
+        <p:txBody>
+          <a:bodyPr rtlCol="0" anchor="ctr"/>
+          <a:lstStyle/>
+          <a:p>
+            <a:pPr algn="ctr"/>
+            <a:endParaRPr lang="pt-BR">
+              <a:noFill/>
+            </a:endParaRPr>
+          </a:p>
+        </p:txBody>
+      </p:sp>
+      <p:sp>
+        <p:nvSpPr>
+          <p:cNvPr id="7" name="Retângulo 6"/>
+          <p:cNvSpPr/>
+          <p:nvPr/>
+        </p:nvSpPr>
+        <p:spPr>
+          <a:xfrm>
+            <a:off x="4644008" y="4365104"/>
+            <a:ext cx="2880320" cy="1224136"/>
+          </a:xfrm>
+          <a:prstGeom prst="rect">
+            <a:avLst/>
+          </a:prstGeom>
+          <a:noFill/>
+          <a:ln w="38100">
+            <a:solidFill>
+              <a:schemeClr val="tx1"/>
+            </a:solidFill>
+          </a:ln>
+        </p:spPr>
+        <p:style>
+          <a:lnRef idx="2">
+            <a:schemeClr val="accent1">
+              <a:shade val="50000"/>
+            </a:schemeClr>
+          </a:lnRef>
+          <a:fillRef idx="1">
+            <a:schemeClr val="accent1"/>
+          </a:fillRef>
+          <a:effectRef idx="0">
+            <a:schemeClr val="accent1"/>
+          </a:effectRef>
+          <a:fontRef idx="minor">
+            <a:schemeClr val="lt1"/>
+          </a:fontRef>
+        </p:style>
+        <p:txBody>
+          <a:bodyPr rtlCol="0" anchor="ctr"/>
+          <a:lstStyle/>
+          <a:p>
+            <a:pPr algn="ctr"/>
+            <a:endParaRPr lang="pt-BR">
+              <a:noFill/>
+            </a:endParaRPr>
+          </a:p>
+        </p:txBody>
+      </p:sp>
+      <p:cxnSp>
+        <p:nvCxnSpPr>
+          <p:cNvPr id="8" name="Conector de seta reta 7"/>
+          <p:cNvCxnSpPr/>
+          <p:nvPr/>
+        </p:nvCxnSpPr>
+        <p:spPr>
+          <a:xfrm>
+            <a:off x="264134" y="1052736"/>
+            <a:ext cx="540000" cy="0"/>
+          </a:xfrm>
+          <a:prstGeom prst="straightConnector1">
+            <a:avLst/>
+          </a:prstGeom>
+          <a:ln w="38100">
+            <a:solidFill>
+              <a:schemeClr val="tx1"/>
+            </a:solidFill>
+            <a:tailEnd type="arrow"/>
+          </a:ln>
+        </p:spPr>
+        <p:style>
+          <a:lnRef idx="1">
+            <a:schemeClr val="accent1"/>
+          </a:lnRef>
+          <a:fillRef idx="0">
+            <a:schemeClr val="accent1"/>
+          </a:fillRef>
+          <a:effectRef idx="0">
+            <a:schemeClr val="accent1"/>
+          </a:effectRef>
+          <a:fontRef idx="minor">
+            <a:schemeClr val="tx1"/>
+          </a:fontRef>
+        </p:style>
+      </p:cxnSp>
+      <p:cxnSp>
+        <p:nvCxnSpPr>
+          <p:cNvPr id="9" name="Conector de seta reta 8"/>
+          <p:cNvCxnSpPr/>
+          <p:nvPr/>
+        </p:nvCxnSpPr>
+        <p:spPr>
+          <a:xfrm>
+            <a:off x="264741" y="1412776"/>
+            <a:ext cx="540000" cy="0"/>
+          </a:xfrm>
+          <a:prstGeom prst="straightConnector1">
+            <a:avLst/>
+          </a:prstGeom>
+          <a:ln w="38100">
+            <a:solidFill>
+              <a:schemeClr val="tx1"/>
+            </a:solidFill>
+            <a:tailEnd type="arrow"/>
+          </a:ln>
+        </p:spPr>
+        <p:style>
+          <a:lnRef idx="1">
+            <a:schemeClr val="accent1"/>
+          </a:lnRef>
+          <a:fillRef idx="0">
+            <a:schemeClr val="accent1"/>
+          </a:fillRef>
+          <a:effectRef idx="0">
+            <a:schemeClr val="accent1"/>
+          </a:effectRef>
+          <a:fontRef idx="minor">
+            <a:schemeClr val="tx1"/>
+          </a:fontRef>
+        </p:style>
+      </p:cxnSp>
+      <p:cxnSp>
+        <p:nvCxnSpPr>
+          <p:cNvPr id="10" name="Conector de seta reta 9"/>
+          <p:cNvCxnSpPr/>
+          <p:nvPr/>
+        </p:nvCxnSpPr>
+        <p:spPr>
+          <a:xfrm>
+            <a:off x="264134" y="1798761"/>
+            <a:ext cx="540000" cy="0"/>
+          </a:xfrm>
+          <a:prstGeom prst="straightConnector1">
+            <a:avLst/>
+          </a:prstGeom>
+          <a:ln w="38100">
+            <a:solidFill>
+              <a:schemeClr val="tx1"/>
+            </a:solidFill>
+            <a:tailEnd type="arrow"/>
+          </a:ln>
+        </p:spPr>
+        <p:style>
+          <a:lnRef idx="1">
+            <a:schemeClr val="accent1"/>
+          </a:lnRef>
+          <a:fillRef idx="0">
+            <a:schemeClr val="accent1"/>
+          </a:fillRef>
+          <a:effectRef idx="0">
+            <a:schemeClr val="accent1"/>
+          </a:effectRef>
+          <a:fontRef idx="minor">
+            <a:schemeClr val="tx1"/>
+          </a:fontRef>
+        </p:style>
+      </p:cxnSp>
+      <p:cxnSp>
+        <p:nvCxnSpPr>
+          <p:cNvPr id="11" name="Conector de seta reta 10"/>
+          <p:cNvCxnSpPr/>
+          <p:nvPr/>
+        </p:nvCxnSpPr>
+        <p:spPr>
+          <a:xfrm>
+            <a:off x="264134" y="2204864"/>
+            <a:ext cx="540000" cy="0"/>
+          </a:xfrm>
+          <a:prstGeom prst="straightConnector1">
+            <a:avLst/>
+          </a:prstGeom>
+          <a:ln w="38100">
+            <a:solidFill>
+              <a:schemeClr val="tx1"/>
+            </a:solidFill>
+            <a:tailEnd type="arrow"/>
+          </a:ln>
+        </p:spPr>
+        <p:style>
+          <a:lnRef idx="1">
+            <a:schemeClr val="accent1"/>
+          </a:lnRef>
+          <a:fillRef idx="0">
+            <a:schemeClr val="accent1"/>
+          </a:fillRef>
+          <a:effectRef idx="0">
+            <a:schemeClr val="accent1"/>
+          </a:effectRef>
+          <a:fontRef idx="minor">
+            <a:schemeClr val="tx1"/>
+          </a:fontRef>
+        </p:style>
+      </p:cxnSp>
+      <p:cxnSp>
+        <p:nvCxnSpPr>
+          <p:cNvPr id="12" name="Conector de seta reta 11"/>
+          <p:cNvCxnSpPr/>
+          <p:nvPr/>
+        </p:nvCxnSpPr>
+        <p:spPr>
+          <a:xfrm>
+            <a:off x="264134" y="2564904"/>
+            <a:ext cx="540000" cy="0"/>
+          </a:xfrm>
+          <a:prstGeom prst="straightConnector1">
+            <a:avLst/>
+          </a:prstGeom>
+          <a:ln w="38100">
+            <a:solidFill>
+              <a:schemeClr val="tx1"/>
+            </a:solidFill>
+            <a:tailEnd type="arrow"/>
+          </a:ln>
+        </p:spPr>
+        <p:style>
+          <a:lnRef idx="1">
+            <a:schemeClr val="accent1"/>
+          </a:lnRef>
+          <a:fillRef idx="0">
+            <a:schemeClr val="accent1"/>
+          </a:fillRef>
+          <a:effectRef idx="0">
+            <a:schemeClr val="accent1"/>
+          </a:effectRef>
+          <a:fontRef idx="minor">
+            <a:schemeClr val="tx1"/>
+          </a:fontRef>
+        </p:style>
+      </p:cxnSp>
+      <p:cxnSp>
+        <p:nvCxnSpPr>
+          <p:cNvPr id="13" name="Conector de seta reta 12"/>
+          <p:cNvCxnSpPr/>
+          <p:nvPr/>
+        </p:nvCxnSpPr>
+        <p:spPr>
+          <a:xfrm>
+            <a:off x="264134" y="2924944"/>
+            <a:ext cx="540000" cy="0"/>
+          </a:xfrm>
+          <a:prstGeom prst="straightConnector1">
+            <a:avLst/>
+          </a:prstGeom>
+          <a:ln w="38100">
+            <a:solidFill>
+              <a:schemeClr val="tx1"/>
+            </a:solidFill>
+            <a:tailEnd type="arrow"/>
+          </a:ln>
+        </p:spPr>
+        <p:style>
+          <a:lnRef idx="1">
+            <a:schemeClr val="accent1"/>
+          </a:lnRef>
+          <a:fillRef idx="0">
+            <a:schemeClr val="accent1"/>
+          </a:fillRef>
+          <a:effectRef idx="0">
+            <a:schemeClr val="accent1"/>
+          </a:effectRef>
+          <a:fontRef idx="minor">
+            <a:schemeClr val="tx1"/>
+          </a:fontRef>
+        </p:style>
+      </p:cxnSp>
+      <p:pic>
+        <p:nvPicPr>
+          <p:cNvPr id="14" name="Picture 2"/>
+          <p:cNvPicPr>
+            <a:picLocks noChangeAspect="1" noChangeArrowheads="1"/>
+          </p:cNvPicPr>
+          <p:nvPr/>
+        </p:nvPicPr>
+        <p:blipFill>
+          <a:blip r:embed="rId5" cstate="print">
+            <a:extLst>
+              <a:ext uri="{28A0092B-C50C-407E-A947-70E740481C1C}">
+                <a14:useLocalDpi xmlns:a14="http://schemas.microsoft.com/office/drawing/2010/main" val="0"/>
+              </a:ext>
+            </a:extLst>
+          </a:blip>
+          <a:srcRect/>
+          <a:stretch>
+            <a:fillRect/>
+          </a:stretch>
+        </p:blipFill>
+        <p:spPr bwMode="auto">
+          <a:xfrm>
+            <a:off x="5238440" y="1669414"/>
+            <a:ext cx="1906372" cy="633171"/>
+          </a:xfrm>
+          <a:prstGeom prst="rect">
+            <a:avLst/>
+          </a:prstGeom>
+          <a:noFill/>
+          <a:ln>
+            <a:noFill/>
+          </a:ln>
+          <a:effectLst/>
+          <a:extLst>
+            <a:ext uri="{909E8E84-426E-40DD-AFC4-6F175D3DCCD1}">
+              <a14:hiddenFill xmlns:a14="http://schemas.microsoft.com/office/drawing/2010/main">
+                <a:solidFill>
+                  <a:schemeClr val="accent1"/>
+                </a:solidFill>
+              </a14:hiddenFill>
+            </a:ext>
+            <a:ext uri="{91240B29-F687-4F45-9708-019B960494DF}">
+              <a14:hiddenLine xmlns:a14="http://schemas.microsoft.com/office/drawing/2010/main" w="9525">
+                <a:solidFill>
+                  <a:schemeClr val="tx1"/>
+                </a:solidFill>
+                <a:miter lim="800000"/>
+                <a:headEnd/>
+                <a:tailEnd/>
+              </a14:hiddenLine>
+            </a:ext>
+            <a:ext uri="{AF507438-7753-43E0-B8FC-AC1667EBCBE1}">
+              <a14:hiddenEffects xmlns:a14="http://schemas.microsoft.com/office/drawing/2010/main">
+                <a:effectLst>
+                  <a:outerShdw dist="35921" dir="2700000" algn="ctr" rotWithShape="0">
+                    <a:schemeClr val="bg2"/>
+                  </a:outerShdw>
+                </a:effectLst>
+              </a14:hiddenEffects>
+            </a:ext>
+          </a:extLst>
+        </p:spPr>
+      </p:pic>
+      <p:pic>
+        <p:nvPicPr>
+          <p:cNvPr id="16" name="Picture 5"/>
+          <p:cNvPicPr>
+            <a:picLocks noChangeAspect="1" noChangeArrowheads="1"/>
+          </p:cNvPicPr>
+          <p:nvPr/>
+        </p:nvPicPr>
+        <p:blipFill>
+          <a:blip r:embed="rId6" cstate="print">
+            <a:extLst>
+              <a:ext uri="{28A0092B-C50C-407E-A947-70E740481C1C}">
+                <a14:useLocalDpi xmlns:a14="http://schemas.microsoft.com/office/drawing/2010/main" val="0"/>
+              </a:ext>
+            </a:extLst>
+          </a:blip>
+          <a:srcRect/>
+          <a:stretch>
+            <a:fillRect/>
+          </a:stretch>
+        </p:blipFill>
+        <p:spPr bwMode="auto">
+          <a:xfrm>
+            <a:off x="1019357" y="1052736"/>
+            <a:ext cx="2287879" cy="720000"/>
+          </a:xfrm>
+          <a:prstGeom prst="rect">
+            <a:avLst/>
+          </a:prstGeom>
+          <a:noFill/>
+          <a:ln>
+            <a:noFill/>
+          </a:ln>
+          <a:effectLst/>
+          <a:extLst>
+            <a:ext uri="{909E8E84-426E-40DD-AFC4-6F175D3DCCD1}">
+              <a14:hiddenFill xmlns:a14="http://schemas.microsoft.com/office/drawing/2010/main">
+                <a:solidFill>
+                  <a:schemeClr val="accent1"/>
+                </a:solidFill>
+              </a14:hiddenFill>
+            </a:ext>
+            <a:ext uri="{91240B29-F687-4F45-9708-019B960494DF}">
+              <a14:hiddenLine xmlns:a14="http://schemas.microsoft.com/office/drawing/2010/main" w="9525">
+                <a:solidFill>
+                  <a:schemeClr val="tx1"/>
+                </a:solidFill>
+                <a:miter lim="800000"/>
+                <a:headEnd/>
+                <a:tailEnd/>
+              </a14:hiddenLine>
+            </a:ext>
+            <a:ext uri="{AF507438-7753-43E0-B8FC-AC1667EBCBE1}">
+              <a14:hiddenEffects xmlns:a14="http://schemas.microsoft.com/office/drawing/2010/main">
+                <a:effectLst>
+                  <a:outerShdw dist="35921" dir="2700000" algn="ctr" rotWithShape="0">
+                    <a:schemeClr val="bg2"/>
+                  </a:outerShdw>
+                </a:effectLst>
+              </a14:hiddenEffects>
+            </a:ext>
+          </a:extLst>
+        </p:spPr>
+      </p:pic>
+      <p:pic>
+        <p:nvPicPr>
+          <p:cNvPr id="17" name="Picture 6"/>
+          <p:cNvPicPr>
+            <a:picLocks noChangeAspect="1" noChangeArrowheads="1"/>
+          </p:cNvPicPr>
+          <p:nvPr/>
+        </p:nvPicPr>
+        <p:blipFill>
+          <a:blip r:embed="rId7" cstate="print">
+            <a:extLst>
+              <a:ext uri="{28A0092B-C50C-407E-A947-70E740481C1C}">
+                <a14:useLocalDpi xmlns:a14="http://schemas.microsoft.com/office/drawing/2010/main" val="0"/>
+              </a:ext>
+            </a:extLst>
+          </a:blip>
+          <a:srcRect/>
+          <a:stretch>
+            <a:fillRect/>
+          </a:stretch>
+        </p:blipFill>
+        <p:spPr bwMode="auto">
+          <a:xfrm>
+            <a:off x="1019357" y="2163816"/>
+            <a:ext cx="2214874" cy="720000"/>
+          </a:xfrm>
+          <a:prstGeom prst="rect">
+            <a:avLst/>
+          </a:prstGeom>
+          <a:noFill/>
+          <a:ln>
+            <a:noFill/>
+          </a:ln>
+          <a:effectLst/>
+          <a:extLst>
+            <a:ext uri="{909E8E84-426E-40DD-AFC4-6F175D3DCCD1}">
+              <a14:hiddenFill xmlns:a14="http://schemas.microsoft.com/office/drawing/2010/main">
+                <a:solidFill>
+                  <a:schemeClr val="accent1"/>
+                </a:solidFill>
+              </a14:hiddenFill>
+            </a:ext>
+            <a:ext uri="{91240B29-F687-4F45-9708-019B960494DF}">
+              <a14:hiddenLine xmlns:a14="http://schemas.microsoft.com/office/drawing/2010/main" w="9525">
+                <a:solidFill>
+                  <a:schemeClr val="tx1"/>
+                </a:solidFill>
+                <a:miter lim="800000"/>
+                <a:headEnd/>
+                <a:tailEnd/>
+              </a14:hiddenLine>
+            </a:ext>
+            <a:ext uri="{AF507438-7753-43E0-B8FC-AC1667EBCBE1}">
+              <a14:hiddenEffects xmlns:a14="http://schemas.microsoft.com/office/drawing/2010/main">
+                <a:effectLst>
+                  <a:outerShdw dist="35921" dir="2700000" algn="ctr" rotWithShape="0">
+                    <a:schemeClr val="bg2"/>
+                  </a:outerShdw>
+                </a:effectLst>
+              </a14:hiddenEffects>
+            </a:ext>
+          </a:extLst>
+        </p:spPr>
+      </p:pic>
+      <p:pic>
+        <p:nvPicPr>
+          <p:cNvPr id="18" name="Picture 7"/>
+          <p:cNvPicPr>
+            <a:picLocks noChangeAspect="1" noChangeArrowheads="1"/>
+          </p:cNvPicPr>
+          <p:nvPr/>
+        </p:nvPicPr>
+        <p:blipFill>
+          <a:blip r:embed="rId8" cstate="print">
+            <a:extLst>
+              <a:ext uri="{28A0092B-C50C-407E-A947-70E740481C1C}">
+                <a14:useLocalDpi xmlns:a14="http://schemas.microsoft.com/office/drawing/2010/main" val="0"/>
+              </a:ext>
+            </a:extLst>
+          </a:blip>
+          <a:srcRect/>
+          <a:stretch>
+            <a:fillRect/>
+          </a:stretch>
+        </p:blipFill>
+        <p:spPr bwMode="auto">
+          <a:xfrm>
+            <a:off x="4816608" y="4545254"/>
+            <a:ext cx="2572963" cy="926852"/>
+          </a:xfrm>
+          <a:prstGeom prst="rect">
+            <a:avLst/>
+          </a:prstGeom>
+          <a:noFill/>
+          <a:ln>
+            <a:noFill/>
+          </a:ln>
+          <a:effectLst/>
+          <a:extLst>
+            <a:ext uri="{909E8E84-426E-40DD-AFC4-6F175D3DCCD1}">
+              <a14:hiddenFill xmlns:a14="http://schemas.microsoft.com/office/drawing/2010/main">
+                <a:solidFill>
+                  <a:schemeClr val="accent1"/>
+                </a:solidFill>
+              </a14:hiddenFill>
+            </a:ext>
+            <a:ext uri="{91240B29-F687-4F45-9708-019B960494DF}">
+              <a14:hiddenLine xmlns:a14="http://schemas.microsoft.com/office/drawing/2010/main" w="9525">
+                <a:solidFill>
+                  <a:schemeClr val="tx1"/>
+                </a:solidFill>
+                <a:miter lim="800000"/>
+                <a:headEnd/>
+                <a:tailEnd/>
+              </a14:hiddenLine>
+            </a:ext>
+            <a:ext uri="{AF507438-7753-43E0-B8FC-AC1667EBCBE1}">
+              <a14:hiddenEffects xmlns:a14="http://schemas.microsoft.com/office/drawing/2010/main">
+                <a:effectLst>
+                  <a:outerShdw dist="35921" dir="2700000" algn="ctr" rotWithShape="0">
+                    <a:schemeClr val="bg2"/>
+                  </a:outerShdw>
+                </a:effectLst>
+              </a14:hiddenEffects>
+            </a:ext>
+          </a:extLst>
+        </p:spPr>
+      </p:pic>
+      <p:cxnSp>
+        <p:nvCxnSpPr>
+          <p:cNvPr id="19" name="Conector de seta reta 18"/>
+          <p:cNvCxnSpPr/>
+          <p:nvPr/>
+        </p:nvCxnSpPr>
+        <p:spPr>
+          <a:xfrm>
+            <a:off x="3419872" y="1412776"/>
+            <a:ext cx="1440160" cy="0"/>
+          </a:xfrm>
+          <a:prstGeom prst="straightConnector1">
+            <a:avLst/>
+          </a:prstGeom>
+          <a:ln w="38100">
+            <a:solidFill>
+              <a:schemeClr val="tx1"/>
+            </a:solidFill>
+            <a:tailEnd type="arrow"/>
+          </a:ln>
+        </p:spPr>
+        <p:style>
+          <a:lnRef idx="1">
+            <a:schemeClr val="accent1"/>
+          </a:lnRef>
+          <a:fillRef idx="0">
+            <a:schemeClr val="accent1"/>
+          </a:fillRef>
+          <a:effectRef idx="0">
+            <a:schemeClr val="accent1"/>
+          </a:effectRef>
+          <a:fontRef idx="minor">
+            <a:schemeClr val="tx1"/>
+          </a:fontRef>
+        </p:style>
+      </p:cxnSp>
+      <p:cxnSp>
+        <p:nvCxnSpPr>
+          <p:cNvPr id="20" name="Conector de seta reta 19"/>
+          <p:cNvCxnSpPr/>
+          <p:nvPr/>
+        </p:nvCxnSpPr>
+        <p:spPr>
+          <a:xfrm>
+            <a:off x="3425088" y="1830522"/>
+            <a:ext cx="1440160" cy="0"/>
+          </a:xfrm>
+          <a:prstGeom prst="straightConnector1">
+            <a:avLst/>
+          </a:prstGeom>
+          <a:ln w="38100">
+            <a:solidFill>
+              <a:schemeClr val="tx1"/>
+            </a:solidFill>
+            <a:tailEnd type="arrow"/>
+          </a:ln>
+        </p:spPr>
+        <p:style>
+          <a:lnRef idx="1">
+            <a:schemeClr val="accent1"/>
+          </a:lnRef>
+          <a:fillRef idx="0">
+            <a:schemeClr val="accent1"/>
+          </a:fillRef>
+          <a:effectRef idx="0">
+            <a:schemeClr val="accent1"/>
+          </a:effectRef>
+          <a:fontRef idx="minor">
+            <a:schemeClr val="tx1"/>
+          </a:fontRef>
+        </p:style>
+      </p:cxnSp>
+      <p:cxnSp>
+        <p:nvCxnSpPr>
+          <p:cNvPr id="21" name="Conector de seta reta 20"/>
+          <p:cNvCxnSpPr/>
+          <p:nvPr/>
+        </p:nvCxnSpPr>
+        <p:spPr>
+          <a:xfrm>
+            <a:off x="3419872" y="2225680"/>
+            <a:ext cx="1440160" cy="0"/>
+          </a:xfrm>
+          <a:prstGeom prst="straightConnector1">
+            <a:avLst/>
+          </a:prstGeom>
+          <a:ln w="38100">
+            <a:solidFill>
+              <a:schemeClr val="tx1"/>
+            </a:solidFill>
+            <a:tailEnd type="arrow"/>
+          </a:ln>
+        </p:spPr>
+        <p:style>
+          <a:lnRef idx="1">
+            <a:schemeClr val="accent1"/>
+          </a:lnRef>
+          <a:fillRef idx="0">
+            <a:schemeClr val="accent1"/>
+          </a:fillRef>
+          <a:effectRef idx="0">
+            <a:schemeClr val="accent1"/>
+          </a:effectRef>
+          <a:fontRef idx="minor">
+            <a:schemeClr val="tx1"/>
+          </a:fontRef>
+        </p:style>
+      </p:cxnSp>
+      <p:cxnSp>
+        <p:nvCxnSpPr>
+          <p:cNvPr id="22" name="Conector de seta reta 21"/>
+          <p:cNvCxnSpPr/>
+          <p:nvPr/>
+        </p:nvCxnSpPr>
+        <p:spPr>
+          <a:xfrm>
+            <a:off x="3419872" y="2636912"/>
+            <a:ext cx="1440160" cy="0"/>
+          </a:xfrm>
+          <a:prstGeom prst="straightConnector1">
+            <a:avLst/>
+          </a:prstGeom>
+          <a:ln w="38100">
+            <a:solidFill>
+              <a:schemeClr val="tx1"/>
+            </a:solidFill>
+            <a:tailEnd type="arrow"/>
+          </a:ln>
+        </p:spPr>
+        <p:style>
+          <a:lnRef idx="1">
+            <a:schemeClr val="accent1"/>
+          </a:lnRef>
+          <a:fillRef idx="0">
+            <a:schemeClr val="accent1"/>
+          </a:fillRef>
+          <a:effectRef idx="0">
+            <a:schemeClr val="accent1"/>
+          </a:effectRef>
+          <a:fontRef idx="minor">
+            <a:schemeClr val="tx1"/>
+          </a:fontRef>
+        </p:style>
+      </p:cxnSp>
+      <p:cxnSp>
+        <p:nvCxnSpPr>
+          <p:cNvPr id="23" name="Conector de seta reta 22"/>
+          <p:cNvCxnSpPr>
+            <a:endCxn id="63" idx="3"/>
+          </p:cNvCxnSpPr>
+          <p:nvPr/>
+        </p:nvCxnSpPr>
+        <p:spPr>
+          <a:xfrm flipH="1">
+            <a:off x="5174169" y="3383166"/>
+            <a:ext cx="764795" cy="0"/>
+          </a:xfrm>
+          <a:prstGeom prst="straightConnector1">
+            <a:avLst/>
+          </a:prstGeom>
+          <a:ln w="38100">
+            <a:solidFill>
+              <a:schemeClr val="tx1"/>
+            </a:solidFill>
+            <a:tailEnd type="arrow"/>
+          </a:ln>
+        </p:spPr>
+        <p:style>
+          <a:lnRef idx="1">
+            <a:schemeClr val="accent1"/>
+          </a:lnRef>
+          <a:fillRef idx="0">
+            <a:schemeClr val="accent1"/>
+          </a:fillRef>
+          <a:effectRef idx="0">
+            <a:schemeClr val="accent1"/>
+          </a:effectRef>
+          <a:fontRef idx="minor">
+            <a:schemeClr val="tx1"/>
+          </a:fontRef>
+        </p:style>
+      </p:cxnSp>
+      <p:cxnSp>
+        <p:nvCxnSpPr>
+          <p:cNvPr id="24" name="Conector reto 23"/>
+          <p:cNvCxnSpPr/>
+          <p:nvPr/>
+        </p:nvCxnSpPr>
+        <p:spPr>
+          <a:xfrm flipV="1">
+            <a:off x="5938964" y="2738694"/>
+            <a:ext cx="0" cy="644462"/>
+          </a:xfrm>
+          <a:prstGeom prst="line">
+            <a:avLst/>
+          </a:prstGeom>
+          <a:ln w="38100">
+            <a:solidFill>
+              <a:schemeClr val="tx1"/>
+            </a:solidFill>
+          </a:ln>
+        </p:spPr>
+        <p:style>
+          <a:lnRef idx="1">
+            <a:schemeClr val="accent1"/>
+          </a:lnRef>
+          <a:fillRef idx="0">
+            <a:schemeClr val="accent1"/>
+          </a:fillRef>
+          <a:effectRef idx="0">
+            <a:schemeClr val="accent1"/>
+          </a:effectRef>
+          <a:fontRef idx="minor">
+            <a:schemeClr val="tx1"/>
+          </a:fontRef>
+        </p:style>
+      </p:cxnSp>
+      <p:cxnSp>
+        <p:nvCxnSpPr>
+          <p:cNvPr id="25" name="Conector reto 24"/>
+          <p:cNvCxnSpPr/>
+          <p:nvPr/>
+        </p:nvCxnSpPr>
+        <p:spPr>
+          <a:xfrm flipV="1">
+            <a:off x="6585995" y="2756373"/>
+            <a:ext cx="0" cy="1190972"/>
+          </a:xfrm>
+          <a:prstGeom prst="line">
+            <a:avLst/>
+          </a:prstGeom>
+          <a:ln w="38100">
+            <a:solidFill>
+              <a:schemeClr val="tx1"/>
+            </a:solidFill>
+          </a:ln>
+        </p:spPr>
+        <p:style>
+          <a:lnRef idx="1">
+            <a:schemeClr val="accent1"/>
+          </a:lnRef>
+          <a:fillRef idx="0">
+            <a:schemeClr val="accent1"/>
+          </a:fillRef>
+          <a:effectRef idx="0">
+            <a:schemeClr val="accent1"/>
+          </a:effectRef>
+          <a:fontRef idx="minor">
+            <a:schemeClr val="tx1"/>
+          </a:fontRef>
+        </p:style>
+      </p:cxnSp>
+      <p:cxnSp>
+        <p:nvCxnSpPr>
+          <p:cNvPr id="26" name="Conector reto 25"/>
+          <p:cNvCxnSpPr>
+            <a:endCxn id="63" idx="1"/>
+          </p:cNvCxnSpPr>
+          <p:nvPr/>
+        </p:nvCxnSpPr>
+        <p:spPr>
+          <a:xfrm>
+            <a:off x="3162801" y="3383156"/>
+            <a:ext cx="676047" cy="10"/>
+          </a:xfrm>
+          <a:prstGeom prst="line">
+            <a:avLst/>
+          </a:prstGeom>
+          <a:ln w="38100">
+            <a:solidFill>
+              <a:schemeClr val="tx1"/>
+            </a:solidFill>
+          </a:ln>
+        </p:spPr>
+        <p:style>
+          <a:lnRef idx="1">
+            <a:schemeClr val="accent1"/>
+          </a:lnRef>
+          <a:fillRef idx="0">
+            <a:schemeClr val="accent1"/>
+          </a:fillRef>
+          <a:effectRef idx="0">
+            <a:schemeClr val="accent1"/>
+          </a:effectRef>
+          <a:fontRef idx="minor">
+            <a:schemeClr val="tx1"/>
+          </a:fontRef>
+        </p:style>
+      </p:cxnSp>
+      <p:cxnSp>
+        <p:nvCxnSpPr>
+          <p:cNvPr id="27" name="Conector reto 26"/>
+          <p:cNvCxnSpPr/>
+          <p:nvPr/>
+        </p:nvCxnSpPr>
+        <p:spPr>
+          <a:xfrm>
+            <a:off x="3548060" y="3932359"/>
+            <a:ext cx="3059364" cy="3"/>
+          </a:xfrm>
+          <a:prstGeom prst="line">
+            <a:avLst/>
+          </a:prstGeom>
+          <a:ln w="38100">
+            <a:solidFill>
+              <a:schemeClr val="tx1"/>
+            </a:solidFill>
+          </a:ln>
+        </p:spPr>
+        <p:style>
+          <a:lnRef idx="1">
+            <a:schemeClr val="accent1"/>
+          </a:lnRef>
+          <a:fillRef idx="0">
+            <a:schemeClr val="accent1"/>
+          </a:fillRef>
+          <a:effectRef idx="0">
+            <a:schemeClr val="accent1"/>
+          </a:effectRef>
+          <a:fontRef idx="minor">
+            <a:schemeClr val="tx1"/>
+          </a:fontRef>
+        </p:style>
+      </p:cxnSp>
+      <p:cxnSp>
+        <p:nvCxnSpPr>
+          <p:cNvPr id="28" name="Conector de seta reta 27"/>
+          <p:cNvCxnSpPr/>
+          <p:nvPr/>
+        </p:nvCxnSpPr>
+        <p:spPr>
+          <a:xfrm>
+            <a:off x="2835975" y="3912394"/>
+            <a:ext cx="0" cy="435754"/>
+          </a:xfrm>
+          <a:prstGeom prst="straightConnector1">
+            <a:avLst/>
+          </a:prstGeom>
+          <a:ln w="38100">
+            <a:solidFill>
+              <a:schemeClr val="tx1"/>
+            </a:solidFill>
+            <a:tailEnd type="arrow"/>
+          </a:ln>
+        </p:spPr>
+        <p:style>
+          <a:lnRef idx="1">
+            <a:schemeClr val="accent1"/>
+          </a:lnRef>
+          <a:fillRef idx="0">
+            <a:schemeClr val="accent1"/>
+          </a:fillRef>
+          <a:effectRef idx="0">
+            <a:schemeClr val="accent1"/>
+          </a:effectRef>
+          <a:fontRef idx="minor">
+            <a:schemeClr val="tx1"/>
+          </a:fontRef>
+        </p:style>
+      </p:cxnSp>
+      <p:cxnSp>
+        <p:nvCxnSpPr>
+          <p:cNvPr id="29" name="Conector de seta reta 28"/>
+          <p:cNvCxnSpPr/>
+          <p:nvPr/>
+        </p:nvCxnSpPr>
+        <p:spPr>
+          <a:xfrm>
+            <a:off x="1940312" y="3383165"/>
+            <a:ext cx="0" cy="981939"/>
+          </a:xfrm>
+          <a:prstGeom prst="straightConnector1">
+            <a:avLst/>
+          </a:prstGeom>
+          <a:ln w="38100">
+            <a:solidFill>
+              <a:schemeClr val="tx1"/>
+            </a:solidFill>
+            <a:tailEnd type="arrow"/>
+          </a:ln>
+        </p:spPr>
+        <p:style>
+          <a:lnRef idx="1">
+            <a:schemeClr val="accent1"/>
+          </a:lnRef>
+          <a:fillRef idx="0">
+            <a:schemeClr val="accent1"/>
+          </a:fillRef>
+          <a:effectRef idx="0">
+            <a:schemeClr val="accent1"/>
+          </a:effectRef>
+          <a:fontRef idx="minor">
+            <a:schemeClr val="tx1"/>
+          </a:fontRef>
+        </p:style>
+      </p:cxnSp>
+      <p:cxnSp>
+        <p:nvCxnSpPr>
+          <p:cNvPr id="30" name="Conector de seta reta 29"/>
+          <p:cNvCxnSpPr/>
+          <p:nvPr/>
+        </p:nvCxnSpPr>
+        <p:spPr>
+          <a:xfrm>
+            <a:off x="7523721" y="4545254"/>
+            <a:ext cx="540000" cy="0"/>
+          </a:xfrm>
+          <a:prstGeom prst="straightConnector1">
+            <a:avLst/>
+          </a:prstGeom>
+          <a:ln w="38100">
+            <a:solidFill>
+              <a:schemeClr val="tx1"/>
+            </a:solidFill>
+            <a:tailEnd type="arrow"/>
+          </a:ln>
+        </p:spPr>
+        <p:style>
+          <a:lnRef idx="1">
+            <a:schemeClr val="accent1"/>
+          </a:lnRef>
+          <a:fillRef idx="0">
+            <a:schemeClr val="accent1"/>
+          </a:fillRef>
+          <a:effectRef idx="0">
+            <a:schemeClr val="accent1"/>
+          </a:effectRef>
+          <a:fontRef idx="minor">
+            <a:schemeClr val="tx1"/>
+          </a:fontRef>
+        </p:style>
+      </p:cxnSp>
+      <p:cxnSp>
+        <p:nvCxnSpPr>
+          <p:cNvPr id="31" name="Conector de seta reta 30"/>
+          <p:cNvCxnSpPr/>
+          <p:nvPr/>
+        </p:nvCxnSpPr>
+        <p:spPr>
+          <a:xfrm>
+            <a:off x="7523721" y="4988644"/>
+            <a:ext cx="540000" cy="0"/>
+          </a:xfrm>
+          <a:prstGeom prst="straightConnector1">
+            <a:avLst/>
+          </a:prstGeom>
+          <a:ln w="38100">
+            <a:solidFill>
+              <a:schemeClr val="tx1"/>
+            </a:solidFill>
+            <a:tailEnd type="arrow"/>
+          </a:ln>
+        </p:spPr>
+        <p:style>
+          <a:lnRef idx="1">
+            <a:schemeClr val="accent1"/>
+          </a:lnRef>
+          <a:fillRef idx="0">
+            <a:schemeClr val="accent1"/>
+          </a:fillRef>
+          <a:effectRef idx="0">
+            <a:schemeClr val="accent1"/>
+          </a:effectRef>
+          <a:fontRef idx="minor">
+            <a:schemeClr val="tx1"/>
+          </a:fontRef>
+        </p:style>
+      </p:cxnSp>
+      <p:cxnSp>
+        <p:nvCxnSpPr>
+          <p:cNvPr id="32" name="Conector de seta reta 31"/>
+          <p:cNvCxnSpPr/>
+          <p:nvPr/>
+        </p:nvCxnSpPr>
+        <p:spPr>
+          <a:xfrm>
+            <a:off x="7524328" y="5446276"/>
+            <a:ext cx="540000" cy="0"/>
+          </a:xfrm>
+          <a:prstGeom prst="straightConnector1">
+            <a:avLst/>
+          </a:prstGeom>
+          <a:ln w="38100">
+            <a:solidFill>
+              <a:schemeClr val="tx1"/>
+            </a:solidFill>
+            <a:tailEnd type="arrow"/>
+          </a:ln>
+        </p:spPr>
+        <p:style>
+          <a:lnRef idx="1">
+            <a:schemeClr val="accent1"/>
+          </a:lnRef>
+          <a:fillRef idx="0">
+            <a:schemeClr val="accent1"/>
+          </a:fillRef>
+          <a:effectRef idx="0">
+            <a:schemeClr val="accent1"/>
+          </a:effectRef>
+          <a:fontRef idx="minor">
+            <a:schemeClr val="tx1"/>
+          </a:fontRef>
+        </p:style>
+      </p:cxnSp>
+      <p:cxnSp>
+        <p:nvCxnSpPr>
+          <p:cNvPr id="33" name="Conector de seta reta 32"/>
+          <p:cNvCxnSpPr/>
+          <p:nvPr/>
+        </p:nvCxnSpPr>
+        <p:spPr>
+          <a:xfrm>
+            <a:off x="4103949" y="4678604"/>
+            <a:ext cx="540000" cy="0"/>
+          </a:xfrm>
+          <a:prstGeom prst="straightConnector1">
+            <a:avLst/>
+          </a:prstGeom>
+          <a:ln w="38100">
+            <a:solidFill>
+              <a:schemeClr val="tx1"/>
+            </a:solidFill>
+            <a:tailEnd type="arrow"/>
+          </a:ln>
+        </p:spPr>
+        <p:style>
+          <a:lnRef idx="1">
+            <a:schemeClr val="accent1"/>
+          </a:lnRef>
+          <a:fillRef idx="0">
+            <a:schemeClr val="accent1"/>
+          </a:fillRef>
+          <a:effectRef idx="0">
+            <a:schemeClr val="accent1"/>
+          </a:effectRef>
+          <a:fontRef idx="minor">
+            <a:schemeClr val="tx1"/>
+          </a:fontRef>
+        </p:style>
+      </p:cxnSp>
+      <p:cxnSp>
+        <p:nvCxnSpPr>
+          <p:cNvPr id="34" name="Conector de seta reta 33"/>
+          <p:cNvCxnSpPr/>
+          <p:nvPr/>
+        </p:nvCxnSpPr>
+        <p:spPr>
+          <a:xfrm>
+            <a:off x="4091915" y="5330744"/>
+            <a:ext cx="540000" cy="0"/>
+          </a:xfrm>
+          <a:prstGeom prst="straightConnector1">
+            <a:avLst/>
+          </a:prstGeom>
+          <a:ln w="38100">
+            <a:solidFill>
+              <a:schemeClr val="tx1"/>
+            </a:solidFill>
+            <a:tailEnd type="arrow"/>
+          </a:ln>
+        </p:spPr>
+        <p:style>
+          <a:lnRef idx="1">
+            <a:schemeClr val="accent1"/>
+          </a:lnRef>
+          <a:fillRef idx="0">
+            <a:schemeClr val="accent1"/>
+          </a:fillRef>
+          <a:effectRef idx="0">
+            <a:schemeClr val="accent1"/>
+          </a:effectRef>
+          <a:fontRef idx="minor">
+            <a:schemeClr val="tx1"/>
+          </a:fontRef>
+        </p:style>
+      </p:cxnSp>
+      <mc:AlternateContent xmlns:mc="http://schemas.openxmlformats.org/markup-compatibility/2006">
+        <mc:Choice xmlns:a14="http://schemas.microsoft.com/office/drawing/2010/main" Requires="a14">
+          <p:sp>
+            <p:nvSpPr>
+              <p:cNvPr id="38" name="CaixaDeTexto 37"/>
+              <p:cNvSpPr txBox="1"/>
+              <p:nvPr/>
+            </p:nvSpPr>
+            <p:spPr>
+              <a:xfrm>
+                <a:off x="203288" y="1830522"/>
+                <a:ext cx="522131" cy="369332"/>
+              </a:xfrm>
+              <a:prstGeom prst="rect">
+                <a:avLst/>
+              </a:prstGeom>
+              <a:noFill/>
+            </p:spPr>
+            <p:txBody>
+              <a:bodyPr wrap="none" rtlCol="0">
+                <a:spAutoFit/>
+              </a:bodyPr>
+              <a:lstStyle/>
+              <a:p>
+                <a14:m>
+                  <m:oMathPara xmlns:m="http://schemas.openxmlformats.org/officeDocument/2006/math">
+                    <m:oMathParaPr>
+                      <m:jc m:val="centerGroup"/>
+                    </m:oMathParaPr>
+                    <m:oMath xmlns:m="http://schemas.openxmlformats.org/officeDocument/2006/math">
+                      <m:sSub>
+                        <m:sSubPr>
+                          <m:ctrlPr>
+                            <a:rPr lang="pt-BR" b="0" i="1" smtClean="0">
+                              <a:latin typeface="Cambria Math"/>
+                            </a:rPr>
+                          </m:ctrlPr>
+                        </m:sSubPr>
+                        <m:e>
+                          <m:r>
+                            <a:rPr lang="pt-BR" b="0" i="1" smtClean="0">
+                              <a:latin typeface="Cambria Math"/>
+                            </a:rPr>
+                            <m:t>𝑖</m:t>
+                          </m:r>
+                        </m:e>
+                        <m:sub>
+                          <m:r>
+                            <a:rPr lang="pt-BR" b="0" i="1" smtClean="0">
+                              <a:latin typeface="Cambria Math"/>
+                            </a:rPr>
+                            <m:t>𝐿𝑎</m:t>
+                          </m:r>
+                        </m:sub>
+                      </m:sSub>
+                    </m:oMath>
+                  </m:oMathPara>
+                </a14:m>
+                <a:endParaRPr lang="pt-BR" dirty="0"/>
+              </a:p>
+            </p:txBody>
+          </p:sp>
+        </mc:Choice>
+        <mc:Fallback>
+          <p:sp>
+            <p:nvSpPr>
+              <p:cNvPr id="38" name="CaixaDeTexto 37"/>
+              <p:cNvSpPr txBox="1">
+                <a:spLocks noRot="1" noChangeAspect="1" noMove="1" noResize="1" noEditPoints="1" noAdjustHandles="1" noChangeArrowheads="1" noChangeShapeType="1" noTextEdit="1"/>
+              </p:cNvSpPr>
+              <p:nvPr/>
+            </p:nvSpPr>
+            <p:spPr>
+              <a:xfrm>
+                <a:off x="203288" y="1830522"/>
+                <a:ext cx="522131" cy="369332"/>
+              </a:xfrm>
+              <a:prstGeom prst="rect">
+                <a:avLst/>
+              </a:prstGeom>
+              <a:blipFill rotWithShape="1">
+                <a:blip r:embed="rId9"/>
+                <a:stretch>
+                  <a:fillRect/>
+                </a:stretch>
+              </a:blipFill>
+            </p:spPr>
+            <p:txBody>
+              <a:bodyPr/>
+              <a:lstStyle/>
+              <a:p>
+                <a:r>
+                  <a:rPr lang="pt-BR">
+                    <a:noFill/>
+                  </a:rPr>
+                  <a:t> </a:t>
+                </a:r>
+              </a:p>
+            </p:txBody>
+          </p:sp>
+        </mc:Fallback>
+      </mc:AlternateContent>
+      <mc:AlternateContent xmlns:mc="http://schemas.openxmlformats.org/markup-compatibility/2006">
+        <mc:Choice xmlns:a14="http://schemas.microsoft.com/office/drawing/2010/main" Requires="a14">
+          <p:sp>
+            <p:nvSpPr>
+              <p:cNvPr id="39" name="CaixaDeTexto 38"/>
+              <p:cNvSpPr txBox="1"/>
+              <p:nvPr/>
+            </p:nvSpPr>
+            <p:spPr>
+              <a:xfrm>
+                <a:off x="203288" y="2204864"/>
+                <a:ext cx="517706" cy="369332"/>
+              </a:xfrm>
+              <a:prstGeom prst="rect">
+                <a:avLst/>
+              </a:prstGeom>
+              <a:noFill/>
+            </p:spPr>
+            <p:txBody>
+              <a:bodyPr wrap="none" rtlCol="0">
+                <a:spAutoFit/>
+              </a:bodyPr>
+              <a:lstStyle/>
+              <a:p>
+                <a14:m>
+                  <m:oMathPara xmlns:m="http://schemas.openxmlformats.org/officeDocument/2006/math">
+                    <m:oMathParaPr>
+                      <m:jc m:val="centerGroup"/>
+                    </m:oMathParaPr>
+                    <m:oMath xmlns:m="http://schemas.openxmlformats.org/officeDocument/2006/math">
+                      <m:sSub>
+                        <m:sSubPr>
+                          <m:ctrlPr>
+                            <a:rPr lang="pt-BR" b="0" i="1" smtClean="0">
+                              <a:latin typeface="Cambria Math"/>
+                            </a:rPr>
+                          </m:ctrlPr>
+                        </m:sSubPr>
+                        <m:e>
+                          <m:r>
+                            <a:rPr lang="pt-BR" b="0" i="1" smtClean="0">
+                              <a:latin typeface="Cambria Math"/>
+                            </a:rPr>
+                            <m:t>𝑖</m:t>
+                          </m:r>
+                        </m:e>
+                        <m:sub>
+                          <m:r>
+                            <a:rPr lang="pt-BR" b="0" i="1" smtClean="0">
+                              <a:latin typeface="Cambria Math"/>
+                            </a:rPr>
+                            <m:t>𝐿𝑏</m:t>
+                          </m:r>
+                        </m:sub>
+                      </m:sSub>
+                    </m:oMath>
+                  </m:oMathPara>
+                </a14:m>
+                <a:endParaRPr lang="pt-BR" dirty="0"/>
+              </a:p>
+            </p:txBody>
+          </p:sp>
+        </mc:Choice>
+        <mc:Fallback>
+          <p:sp>
+            <p:nvSpPr>
+              <p:cNvPr id="39" name="CaixaDeTexto 38"/>
+              <p:cNvSpPr txBox="1">
+                <a:spLocks noRot="1" noChangeAspect="1" noMove="1" noResize="1" noEditPoints="1" noAdjustHandles="1" noChangeArrowheads="1" noChangeShapeType="1" noTextEdit="1"/>
+              </p:cNvSpPr>
+              <p:nvPr/>
+            </p:nvSpPr>
+            <p:spPr>
+              <a:xfrm>
+                <a:off x="203288" y="2204864"/>
+                <a:ext cx="517706" cy="369332"/>
+              </a:xfrm>
+              <a:prstGeom prst="rect">
+                <a:avLst/>
+              </a:prstGeom>
+              <a:blipFill rotWithShape="1">
+                <a:blip r:embed="rId10"/>
+                <a:stretch>
+                  <a:fillRect/>
+                </a:stretch>
+              </a:blipFill>
+            </p:spPr>
+            <p:txBody>
+              <a:bodyPr/>
+              <a:lstStyle/>
+              <a:p>
+                <a:r>
+                  <a:rPr lang="pt-BR">
+                    <a:noFill/>
+                  </a:rPr>
+                  <a:t> </a:t>
+                </a:r>
+              </a:p>
+            </p:txBody>
+          </p:sp>
+        </mc:Fallback>
+      </mc:AlternateContent>
+      <mc:AlternateContent xmlns:mc="http://schemas.openxmlformats.org/markup-compatibility/2006">
+        <mc:Choice xmlns:a14="http://schemas.microsoft.com/office/drawing/2010/main" Requires="a14">
+          <p:sp>
+            <p:nvSpPr>
+              <p:cNvPr id="40" name="CaixaDeTexto 39"/>
+              <p:cNvSpPr txBox="1"/>
+              <p:nvPr/>
+            </p:nvSpPr>
+            <p:spPr>
+              <a:xfrm>
+                <a:off x="213596" y="2555612"/>
+                <a:ext cx="502510" cy="369332"/>
+              </a:xfrm>
+              <a:prstGeom prst="rect">
+                <a:avLst/>
+              </a:prstGeom>
+              <a:noFill/>
+            </p:spPr>
+            <p:txBody>
+              <a:bodyPr wrap="none" rtlCol="0">
+                <a:spAutoFit/>
+              </a:bodyPr>
+              <a:lstStyle/>
+              <a:p>
+                <a14:m>
+                  <m:oMathPara xmlns:m="http://schemas.openxmlformats.org/officeDocument/2006/math">
+                    <m:oMathParaPr>
+                      <m:jc m:val="centerGroup"/>
+                    </m:oMathParaPr>
+                    <m:oMath xmlns:m="http://schemas.openxmlformats.org/officeDocument/2006/math">
+                      <m:sSub>
+                        <m:sSubPr>
+                          <m:ctrlPr>
+                            <a:rPr lang="pt-BR" b="0" i="1" smtClean="0">
+                              <a:latin typeface="Cambria Math"/>
+                            </a:rPr>
+                          </m:ctrlPr>
+                        </m:sSubPr>
+                        <m:e>
+                          <m:r>
+                            <a:rPr lang="pt-BR" b="0" i="1" smtClean="0">
+                              <a:latin typeface="Cambria Math"/>
+                            </a:rPr>
+                            <m:t>𝑖</m:t>
+                          </m:r>
+                        </m:e>
+                        <m:sub>
+                          <m:r>
+                            <a:rPr lang="pt-BR" b="0" i="1" smtClean="0">
+                              <a:latin typeface="Cambria Math"/>
+                            </a:rPr>
+                            <m:t>𝐿𝑐</m:t>
+                          </m:r>
+                        </m:sub>
+                      </m:sSub>
+                    </m:oMath>
+                  </m:oMathPara>
+                </a14:m>
+                <a:endParaRPr lang="pt-BR" dirty="0"/>
+              </a:p>
+            </p:txBody>
+          </p:sp>
+        </mc:Choice>
+        <mc:Fallback>
+          <p:sp>
+            <p:nvSpPr>
+              <p:cNvPr id="40" name="CaixaDeTexto 39"/>
+              <p:cNvSpPr txBox="1">
+                <a:spLocks noRot="1" noChangeAspect="1" noMove="1" noResize="1" noEditPoints="1" noAdjustHandles="1" noChangeArrowheads="1" noChangeShapeType="1" noTextEdit="1"/>
+              </p:cNvSpPr>
+              <p:nvPr/>
+            </p:nvSpPr>
+            <p:spPr>
+              <a:xfrm>
+                <a:off x="213596" y="2555612"/>
+                <a:ext cx="502510" cy="369332"/>
+              </a:xfrm>
+              <a:prstGeom prst="rect">
+                <a:avLst/>
+              </a:prstGeom>
+              <a:blipFill rotWithShape="1">
+                <a:blip r:embed="rId11"/>
+                <a:stretch>
+                  <a:fillRect/>
+                </a:stretch>
+              </a:blipFill>
+            </p:spPr>
+            <p:txBody>
+              <a:bodyPr/>
+              <a:lstStyle/>
+              <a:p>
+                <a:r>
+                  <a:rPr lang="pt-BR">
+                    <a:noFill/>
+                  </a:rPr>
+                  <a:t> </a:t>
+                </a:r>
+              </a:p>
+            </p:txBody>
+          </p:sp>
+        </mc:Fallback>
+      </mc:AlternateContent>
+      <mc:AlternateContent xmlns:mc="http://schemas.openxmlformats.org/markup-compatibility/2006">
+        <mc:Choice xmlns:a14="http://schemas.microsoft.com/office/drawing/2010/main" Requires="a14">
+          <p:sp>
+            <p:nvSpPr>
+              <p:cNvPr id="41" name="CaixaDeTexto 40"/>
+              <p:cNvSpPr txBox="1"/>
+              <p:nvPr/>
+            </p:nvSpPr>
+            <p:spPr>
+              <a:xfrm>
+                <a:off x="3920518" y="1841768"/>
+                <a:ext cx="438132" cy="369332"/>
+              </a:xfrm>
+              <a:prstGeom prst="rect">
+                <a:avLst/>
+              </a:prstGeom>
+              <a:noFill/>
+            </p:spPr>
+            <p:txBody>
+              <a:bodyPr wrap="none" rtlCol="0">
+                <a:spAutoFit/>
+              </a:bodyPr>
+              <a:lstStyle/>
+              <a:p>
+                <a14:m>
+                  <m:oMathPara xmlns:m="http://schemas.openxmlformats.org/officeDocument/2006/math">
+                    <m:oMathParaPr>
+                      <m:jc m:val="centerGroup"/>
+                    </m:oMathParaPr>
+                    <m:oMath xmlns:m="http://schemas.openxmlformats.org/officeDocument/2006/math">
+                      <m:sSub>
+                        <m:sSubPr>
+                          <m:ctrlPr>
+                            <a:rPr lang="pt-BR" b="0" i="1" smtClean="0">
+                              <a:latin typeface="Cambria Math"/>
+                            </a:rPr>
+                          </m:ctrlPr>
+                        </m:sSubPr>
+                        <m:e>
+                          <m:r>
+                            <a:rPr lang="pt-BR" b="0" i="1" smtClean="0">
+                              <a:latin typeface="Cambria Math"/>
+                            </a:rPr>
+                            <m:t>𝑖</m:t>
+                          </m:r>
+                        </m:e>
+                        <m:sub>
+                          <m:r>
+                            <a:rPr lang="pt-BR" b="0" i="1" smtClean="0">
+                              <a:latin typeface="Cambria Math"/>
+                            </a:rPr>
+                            <m:t>𝛼</m:t>
+                          </m:r>
+                        </m:sub>
+                      </m:sSub>
+                    </m:oMath>
+                  </m:oMathPara>
+                </a14:m>
+                <a:endParaRPr lang="pt-BR" dirty="0"/>
+              </a:p>
+            </p:txBody>
+          </p:sp>
+        </mc:Choice>
+        <mc:Fallback>
+          <p:sp>
+            <p:nvSpPr>
+              <p:cNvPr id="41" name="CaixaDeTexto 40"/>
+              <p:cNvSpPr txBox="1">
+                <a:spLocks noRot="1" noChangeAspect="1" noMove="1" noResize="1" noEditPoints="1" noAdjustHandles="1" noChangeArrowheads="1" noChangeShapeType="1" noTextEdit="1"/>
+              </p:cNvSpPr>
+              <p:nvPr/>
+            </p:nvSpPr>
+            <p:spPr>
+              <a:xfrm>
+                <a:off x="3920518" y="1841768"/>
+                <a:ext cx="438132" cy="369332"/>
+              </a:xfrm>
+              <a:prstGeom prst="rect">
+                <a:avLst/>
+              </a:prstGeom>
+              <a:blipFill rotWithShape="1">
+                <a:blip r:embed="rId12"/>
+                <a:stretch>
+                  <a:fillRect/>
+                </a:stretch>
+              </a:blipFill>
+            </p:spPr>
+            <p:txBody>
+              <a:bodyPr/>
+              <a:lstStyle/>
+              <a:p>
+                <a:r>
+                  <a:rPr lang="pt-BR">
+                    <a:noFill/>
+                  </a:rPr>
+                  <a:t> </a:t>
+                </a:r>
+              </a:p>
+            </p:txBody>
+          </p:sp>
+        </mc:Fallback>
+      </mc:AlternateContent>
+      <mc:AlternateContent xmlns:mc="http://schemas.openxmlformats.org/markup-compatibility/2006">
+        <mc:Choice xmlns:a14="http://schemas.microsoft.com/office/drawing/2010/main" Requires="a14">
+          <p:sp>
+            <p:nvSpPr>
+              <p:cNvPr id="42" name="CaixaDeTexto 41"/>
+              <p:cNvSpPr txBox="1"/>
+              <p:nvPr/>
+            </p:nvSpPr>
+            <p:spPr>
+              <a:xfrm>
+                <a:off x="3930237" y="2242830"/>
+                <a:ext cx="429861" cy="394082"/>
+              </a:xfrm>
+              <a:prstGeom prst="rect">
+                <a:avLst/>
+              </a:prstGeom>
+              <a:noFill/>
+            </p:spPr>
+            <p:txBody>
+              <a:bodyPr wrap="none" rtlCol="0">
+                <a:spAutoFit/>
+              </a:bodyPr>
+              <a:lstStyle/>
+              <a:p>
+                <a14:m>
+                  <m:oMathPara xmlns:m="http://schemas.openxmlformats.org/officeDocument/2006/math">
+                    <m:oMathParaPr>
+                      <m:jc m:val="centerGroup"/>
+                    </m:oMathParaPr>
+                    <m:oMath xmlns:m="http://schemas.openxmlformats.org/officeDocument/2006/math">
+                      <m:sSub>
+                        <m:sSubPr>
+                          <m:ctrlPr>
+                            <a:rPr lang="pt-BR" b="0" i="1" smtClean="0">
+                              <a:latin typeface="Cambria Math"/>
+                            </a:rPr>
+                          </m:ctrlPr>
+                        </m:sSubPr>
+                        <m:e>
+                          <m:r>
+                            <a:rPr lang="pt-BR" b="0" i="1" smtClean="0">
+                              <a:latin typeface="Cambria Math"/>
+                            </a:rPr>
+                            <m:t>𝑖</m:t>
+                          </m:r>
+                        </m:e>
+                        <m:sub>
+                          <m:r>
+                            <a:rPr lang="pt-BR" b="0" i="1" smtClean="0">
+                              <a:latin typeface="Cambria Math"/>
+                            </a:rPr>
+                            <m:t>𝛽</m:t>
+                          </m:r>
+                        </m:sub>
+                      </m:sSub>
+                    </m:oMath>
+                  </m:oMathPara>
+                </a14:m>
+                <a:endParaRPr lang="pt-BR" dirty="0"/>
+              </a:p>
+            </p:txBody>
+          </p:sp>
+        </mc:Choice>
+        <mc:Fallback>
+          <p:sp>
+            <p:nvSpPr>
+              <p:cNvPr id="42" name="CaixaDeTexto 41"/>
+              <p:cNvSpPr txBox="1">
+                <a:spLocks noRot="1" noChangeAspect="1" noMove="1" noResize="1" noEditPoints="1" noAdjustHandles="1" noChangeArrowheads="1" noChangeShapeType="1" noTextEdit="1"/>
+              </p:cNvSpPr>
+              <p:nvPr/>
+            </p:nvSpPr>
+            <p:spPr>
+              <a:xfrm>
+                <a:off x="3930237" y="2242830"/>
+                <a:ext cx="429861" cy="394082"/>
+              </a:xfrm>
+              <a:prstGeom prst="rect">
+                <a:avLst/>
+              </a:prstGeom>
+              <a:blipFill rotWithShape="1">
+                <a:blip r:embed="rId13"/>
+                <a:stretch>
+                  <a:fillRect b="-9231"/>
+                </a:stretch>
+              </a:blipFill>
+            </p:spPr>
+            <p:txBody>
+              <a:bodyPr/>
+              <a:lstStyle/>
+              <a:p>
+                <a:r>
+                  <a:rPr lang="pt-BR">
+                    <a:noFill/>
+                  </a:rPr>
+                  <a:t> </a:t>
+                </a:r>
+              </a:p>
+            </p:txBody>
+          </p:sp>
+        </mc:Fallback>
+      </mc:AlternateContent>
+      <mc:AlternateContent xmlns:mc="http://schemas.openxmlformats.org/markup-compatibility/2006">
+        <mc:Choice xmlns:a14="http://schemas.microsoft.com/office/drawing/2010/main" Requires="a14">
+          <p:sp>
+            <p:nvSpPr>
+              <p:cNvPr id="43" name="CaixaDeTexto 42"/>
+              <p:cNvSpPr txBox="1"/>
+              <p:nvPr/>
+            </p:nvSpPr>
+            <p:spPr>
+              <a:xfrm>
+                <a:off x="3920518" y="1436440"/>
+                <a:ext cx="481157" cy="394082"/>
+              </a:xfrm>
+              <a:prstGeom prst="rect">
+                <a:avLst/>
+              </a:prstGeom>
+              <a:noFill/>
+            </p:spPr>
+            <p:txBody>
+              <a:bodyPr wrap="none" rtlCol="0">
+                <a:spAutoFit/>
+              </a:bodyPr>
+              <a:lstStyle/>
+              <a:p>
+                <a14:m>
+                  <m:oMathPara xmlns:m="http://schemas.openxmlformats.org/officeDocument/2006/math">
+                    <m:oMathParaPr>
+                      <m:jc m:val="centerGroup"/>
+                    </m:oMathParaPr>
+                    <m:oMath xmlns:m="http://schemas.openxmlformats.org/officeDocument/2006/math">
+                      <m:sSub>
+                        <m:sSubPr>
+                          <m:ctrlPr>
+                            <a:rPr lang="pt-BR" b="0" i="1" smtClean="0">
+                              <a:latin typeface="Cambria Math"/>
+                            </a:rPr>
+                          </m:ctrlPr>
+                        </m:sSubPr>
+                        <m:e>
+                          <m:r>
+                            <a:rPr lang="pt-BR" b="0" i="1" smtClean="0">
+                              <a:latin typeface="Cambria Math"/>
+                            </a:rPr>
+                            <m:t>𝑣</m:t>
+                          </m:r>
+                        </m:e>
+                        <m:sub>
+                          <m:r>
+                            <a:rPr lang="pt-BR" b="0" i="1" smtClean="0">
+                              <a:latin typeface="Cambria Math"/>
+                            </a:rPr>
+                            <m:t>𝛽</m:t>
+                          </m:r>
+                        </m:sub>
+                      </m:sSub>
+                    </m:oMath>
+                  </m:oMathPara>
+                </a14:m>
+                <a:endParaRPr lang="pt-BR" dirty="0"/>
+              </a:p>
+            </p:txBody>
+          </p:sp>
+        </mc:Choice>
+        <mc:Fallback>
+          <p:sp>
+            <p:nvSpPr>
+              <p:cNvPr id="43" name="CaixaDeTexto 42"/>
+              <p:cNvSpPr txBox="1">
+                <a:spLocks noRot="1" noChangeAspect="1" noMove="1" noResize="1" noEditPoints="1" noAdjustHandles="1" noChangeArrowheads="1" noChangeShapeType="1" noTextEdit="1"/>
+              </p:cNvSpPr>
+              <p:nvPr/>
+            </p:nvSpPr>
+            <p:spPr>
+              <a:xfrm>
+                <a:off x="3920518" y="1436440"/>
+                <a:ext cx="481157" cy="394082"/>
+              </a:xfrm>
+              <a:prstGeom prst="rect">
+                <a:avLst/>
+              </a:prstGeom>
+              <a:blipFill rotWithShape="1">
+                <a:blip r:embed="rId14"/>
+                <a:stretch>
+                  <a:fillRect b="-10938"/>
+                </a:stretch>
+              </a:blipFill>
+            </p:spPr>
+            <p:txBody>
+              <a:bodyPr/>
+              <a:lstStyle/>
+              <a:p>
+                <a:r>
+                  <a:rPr lang="pt-BR">
+                    <a:noFill/>
+                  </a:rPr>
+                  <a:t> </a:t>
+                </a:r>
+              </a:p>
+            </p:txBody>
+          </p:sp>
+        </mc:Fallback>
+      </mc:AlternateContent>
+      <mc:AlternateContent xmlns:mc="http://schemas.openxmlformats.org/markup-compatibility/2006">
+        <mc:Choice xmlns:a14="http://schemas.microsoft.com/office/drawing/2010/main" Requires="a14">
+          <p:sp>
+            <p:nvSpPr>
+              <p:cNvPr id="44" name="CaixaDeTexto 43"/>
+              <p:cNvSpPr txBox="1"/>
+              <p:nvPr/>
+            </p:nvSpPr>
+            <p:spPr>
+              <a:xfrm>
+                <a:off x="3920518" y="1031029"/>
+                <a:ext cx="475900" cy="369332"/>
+              </a:xfrm>
+              <a:prstGeom prst="rect">
+                <a:avLst/>
+              </a:prstGeom>
+              <a:noFill/>
+            </p:spPr>
+            <p:txBody>
+              <a:bodyPr wrap="none" rtlCol="0">
+                <a:spAutoFit/>
+              </a:bodyPr>
+              <a:lstStyle/>
+              <a:p>
+                <a14:m>
+                  <m:oMathPara xmlns:m="http://schemas.openxmlformats.org/officeDocument/2006/math">
+                    <m:oMathParaPr>
+                      <m:jc m:val="centerGroup"/>
+                    </m:oMathParaPr>
+                    <m:oMath xmlns:m="http://schemas.openxmlformats.org/officeDocument/2006/math">
+                      <m:sSub>
+                        <m:sSubPr>
+                          <m:ctrlPr>
+                            <a:rPr lang="pt-BR" b="0" i="1" smtClean="0">
+                              <a:latin typeface="Cambria Math"/>
+                            </a:rPr>
+                          </m:ctrlPr>
+                        </m:sSubPr>
+                        <m:e>
+                          <m:r>
+                            <a:rPr lang="pt-BR" b="0" i="1" smtClean="0">
+                              <a:latin typeface="Cambria Math"/>
+                            </a:rPr>
+                            <m:t>𝑣</m:t>
+                          </m:r>
+                        </m:e>
+                        <m:sub>
+                          <m:r>
+                            <a:rPr lang="pt-BR" b="0" i="1" smtClean="0">
+                              <a:latin typeface="Cambria Math"/>
+                            </a:rPr>
+                            <m:t>𝛼</m:t>
+                          </m:r>
+                        </m:sub>
+                      </m:sSub>
+                    </m:oMath>
+                  </m:oMathPara>
+                </a14:m>
+                <a:endParaRPr lang="pt-BR" dirty="0"/>
+              </a:p>
+            </p:txBody>
+          </p:sp>
+        </mc:Choice>
+        <mc:Fallback>
+          <p:sp>
+            <p:nvSpPr>
+              <p:cNvPr id="44" name="CaixaDeTexto 43"/>
+              <p:cNvSpPr txBox="1">
+                <a:spLocks noRot="1" noChangeAspect="1" noMove="1" noResize="1" noEditPoints="1" noAdjustHandles="1" noChangeArrowheads="1" noChangeShapeType="1" noTextEdit="1"/>
+              </p:cNvSpPr>
+              <p:nvPr/>
+            </p:nvSpPr>
+            <p:spPr>
+              <a:xfrm>
+                <a:off x="3920518" y="1031029"/>
+                <a:ext cx="475900" cy="369332"/>
+              </a:xfrm>
+              <a:prstGeom prst="rect">
+                <a:avLst/>
+              </a:prstGeom>
+              <a:blipFill rotWithShape="1">
+                <a:blip r:embed="rId15"/>
+                <a:stretch>
+                  <a:fillRect/>
+                </a:stretch>
+              </a:blipFill>
+            </p:spPr>
+            <p:txBody>
+              <a:bodyPr/>
+              <a:lstStyle/>
+              <a:p>
+                <a:r>
+                  <a:rPr lang="pt-BR">
+                    <a:noFill/>
+                  </a:rPr>
+                  <a:t> </a:t>
+                </a:r>
+              </a:p>
+            </p:txBody>
+          </p:sp>
+        </mc:Fallback>
+      </mc:AlternateContent>
+      <mc:AlternateContent xmlns:mc="http://schemas.openxmlformats.org/markup-compatibility/2006">
+        <mc:Choice xmlns:a14="http://schemas.microsoft.com/office/drawing/2010/main" Requires="a14">
+          <p:sp>
+            <p:nvSpPr>
+              <p:cNvPr id="45" name="CaixaDeTexto 44"/>
+              <p:cNvSpPr txBox="1"/>
+              <p:nvPr/>
+            </p:nvSpPr>
+            <p:spPr>
+              <a:xfrm>
+                <a:off x="5570337" y="2961010"/>
+                <a:ext cx="368627" cy="369332"/>
+              </a:xfrm>
+              <a:prstGeom prst="rect">
+                <a:avLst/>
+              </a:prstGeom>
+              <a:noFill/>
+            </p:spPr>
+            <p:txBody>
+              <a:bodyPr wrap="none" rtlCol="0">
+                <a:spAutoFit/>
+              </a:bodyPr>
+              <a:lstStyle/>
+              <a:p>
+                <a14:m>
+                  <m:oMathPara xmlns:m="http://schemas.openxmlformats.org/officeDocument/2006/math">
+                    <m:oMathParaPr>
+                      <m:jc m:val="centerGroup"/>
+                    </m:oMathParaPr>
+                    <m:oMath xmlns:m="http://schemas.openxmlformats.org/officeDocument/2006/math">
+                      <m:r>
+                        <a:rPr lang="pt-BR" b="0" i="1" smtClean="0">
+                          <a:latin typeface="Cambria Math"/>
+                        </a:rPr>
+                        <m:t>𝑝</m:t>
+                      </m:r>
+                    </m:oMath>
+                  </m:oMathPara>
+                </a14:m>
+                <a:endParaRPr lang="pt-BR" dirty="0"/>
+              </a:p>
+            </p:txBody>
+          </p:sp>
+        </mc:Choice>
+        <mc:Fallback>
+          <p:sp>
+            <p:nvSpPr>
+              <p:cNvPr id="45" name="CaixaDeTexto 44"/>
+              <p:cNvSpPr txBox="1">
+                <a:spLocks noRot="1" noChangeAspect="1" noMove="1" noResize="1" noEditPoints="1" noAdjustHandles="1" noChangeArrowheads="1" noChangeShapeType="1" noTextEdit="1"/>
+              </p:cNvSpPr>
+              <p:nvPr/>
+            </p:nvSpPr>
+            <p:spPr>
+              <a:xfrm>
+                <a:off x="5570337" y="2961010"/>
+                <a:ext cx="368627" cy="369332"/>
+              </a:xfrm>
+              <a:prstGeom prst="rect">
+                <a:avLst/>
+              </a:prstGeom>
+              <a:blipFill rotWithShape="1">
+                <a:blip r:embed="rId16"/>
+                <a:stretch>
+                  <a:fillRect b="-6667"/>
+                </a:stretch>
+              </a:blipFill>
+            </p:spPr>
+            <p:txBody>
+              <a:bodyPr/>
+              <a:lstStyle/>
+              <a:p>
+                <a:r>
+                  <a:rPr lang="pt-BR">
+                    <a:noFill/>
+                  </a:rPr>
+                  <a:t> </a:t>
+                </a:r>
+              </a:p>
+            </p:txBody>
+          </p:sp>
+        </mc:Fallback>
+      </mc:AlternateContent>
+      <mc:AlternateContent xmlns:mc="http://schemas.openxmlformats.org/markup-compatibility/2006">
+        <mc:Choice xmlns:a14="http://schemas.microsoft.com/office/drawing/2010/main" Requires="a14">
+          <p:sp>
+            <p:nvSpPr>
+              <p:cNvPr id="46" name="CaixaDeTexto 45"/>
+              <p:cNvSpPr txBox="1"/>
+              <p:nvPr/>
+            </p:nvSpPr>
+            <p:spPr>
+              <a:xfrm>
+                <a:off x="6585995" y="2961010"/>
+                <a:ext cx="369588" cy="369332"/>
+              </a:xfrm>
+              <a:prstGeom prst="rect">
+                <a:avLst/>
+              </a:prstGeom>
+              <a:noFill/>
+            </p:spPr>
+            <p:txBody>
+              <a:bodyPr wrap="none" rtlCol="0">
+                <a:spAutoFit/>
+              </a:bodyPr>
+              <a:lstStyle/>
+              <a:p>
+                <a14:m>
+                  <m:oMathPara xmlns:m="http://schemas.openxmlformats.org/officeDocument/2006/math">
+                    <m:oMathParaPr>
+                      <m:jc m:val="centerGroup"/>
+                    </m:oMathParaPr>
+                    <m:oMath xmlns:m="http://schemas.openxmlformats.org/officeDocument/2006/math">
+                      <m:r>
+                        <a:rPr lang="pt-BR" b="0" i="1" smtClean="0">
+                          <a:latin typeface="Cambria Math"/>
+                        </a:rPr>
+                        <m:t>𝑞</m:t>
+                      </m:r>
+                    </m:oMath>
+                  </m:oMathPara>
+                </a14:m>
+                <a:endParaRPr lang="pt-BR" dirty="0"/>
+              </a:p>
+            </p:txBody>
+          </p:sp>
+        </mc:Choice>
+        <mc:Fallback>
+          <p:sp>
+            <p:nvSpPr>
+              <p:cNvPr id="46" name="CaixaDeTexto 45"/>
+              <p:cNvSpPr txBox="1">
+                <a:spLocks noRot="1" noChangeAspect="1" noMove="1" noResize="1" noEditPoints="1" noAdjustHandles="1" noChangeArrowheads="1" noChangeShapeType="1" noTextEdit="1"/>
+              </p:cNvSpPr>
+              <p:nvPr/>
+            </p:nvSpPr>
+            <p:spPr>
+              <a:xfrm>
+                <a:off x="6585995" y="2961010"/>
+                <a:ext cx="369588" cy="369332"/>
+              </a:xfrm>
+              <a:prstGeom prst="rect">
+                <a:avLst/>
+              </a:prstGeom>
+              <a:blipFill rotWithShape="1">
+                <a:blip r:embed="rId17"/>
+                <a:stretch>
+                  <a:fillRect b="-6667"/>
+                </a:stretch>
+              </a:blipFill>
+            </p:spPr>
+            <p:txBody>
+              <a:bodyPr/>
+              <a:lstStyle/>
+              <a:p>
+                <a:r>
+                  <a:rPr lang="pt-BR">
+                    <a:noFill/>
+                  </a:rPr>
+                  <a:t> </a:t>
+                </a:r>
+              </a:p>
+            </p:txBody>
+          </p:sp>
+        </mc:Fallback>
+      </mc:AlternateContent>
+      <mc:AlternateContent xmlns:mc="http://schemas.openxmlformats.org/markup-compatibility/2006">
+        <mc:Choice xmlns:a14="http://schemas.microsoft.com/office/drawing/2010/main" Requires="a14">
+          <p:sp>
+            <p:nvSpPr>
+              <p:cNvPr id="47" name="CaixaDeTexto 46"/>
+              <p:cNvSpPr txBox="1"/>
+              <p:nvPr/>
+            </p:nvSpPr>
+            <p:spPr>
+              <a:xfrm>
+                <a:off x="4155549" y="4258122"/>
+                <a:ext cx="540725" cy="369332"/>
+              </a:xfrm>
+              <a:prstGeom prst="rect">
+                <a:avLst/>
+              </a:prstGeom>
+              <a:noFill/>
+            </p:spPr>
+            <p:txBody>
+              <a:bodyPr wrap="none" rtlCol="0">
+                <a:spAutoFit/>
+              </a:bodyPr>
+              <a:lstStyle/>
+              <a:p>
+                <a14:m>
+                  <m:oMathPara xmlns:m="http://schemas.openxmlformats.org/officeDocument/2006/math">
+                    <m:oMathParaPr>
+                      <m:jc m:val="centerGroup"/>
+                    </m:oMathParaPr>
+                    <m:oMath xmlns:m="http://schemas.openxmlformats.org/officeDocument/2006/math">
+                      <m:sSubSup>
+                        <m:sSubSupPr>
+                          <m:ctrlPr>
+                            <a:rPr lang="pt-BR" b="0" i="1" smtClean="0">
+                              <a:latin typeface="Cambria Math"/>
+                            </a:rPr>
+                          </m:ctrlPr>
+                        </m:sSubSupPr>
+                        <m:e>
+                          <m:r>
+                            <a:rPr lang="pt-BR" b="0" i="1" smtClean="0">
+                              <a:latin typeface="Cambria Math"/>
+                            </a:rPr>
+                            <m:t>𝑖</m:t>
+                          </m:r>
+                        </m:e>
+                        <m:sub>
+                          <m:r>
+                            <a:rPr lang="pt-BR" b="0" i="1" smtClean="0">
+                              <a:latin typeface="Cambria Math"/>
+                            </a:rPr>
+                            <m:t>𝐶</m:t>
+                          </m:r>
+                          <m:r>
+                            <a:rPr lang="pt-BR" b="0" i="1" smtClean="0">
+                              <a:latin typeface="Cambria Math"/>
+                            </a:rPr>
+                            <m:t>𝛼</m:t>
+                          </m:r>
+                        </m:sub>
+                        <m:sup>
+                          <m:r>
+                            <a:rPr lang="pt-BR" b="0" i="1" smtClean="0">
+                              <a:latin typeface="Cambria Math"/>
+                            </a:rPr>
+                            <m:t>∗</m:t>
+                          </m:r>
+                        </m:sup>
+                      </m:sSubSup>
+                    </m:oMath>
+                  </m:oMathPara>
+                </a14:m>
+                <a:endParaRPr lang="pt-BR" dirty="0"/>
+              </a:p>
+            </p:txBody>
+          </p:sp>
+        </mc:Choice>
+        <mc:Fallback>
+          <p:sp>
+            <p:nvSpPr>
+              <p:cNvPr id="47" name="CaixaDeTexto 46"/>
+              <p:cNvSpPr txBox="1">
+                <a:spLocks noRot="1" noChangeAspect="1" noMove="1" noResize="1" noEditPoints="1" noAdjustHandles="1" noChangeArrowheads="1" noChangeShapeType="1" noTextEdit="1"/>
+              </p:cNvSpPr>
+              <p:nvPr/>
+            </p:nvSpPr>
+            <p:spPr>
+              <a:xfrm>
+                <a:off x="4155549" y="4258122"/>
+                <a:ext cx="540725" cy="369332"/>
+              </a:xfrm>
+              <a:prstGeom prst="rect">
+                <a:avLst/>
+              </a:prstGeom>
+              <a:blipFill rotWithShape="1">
+                <a:blip r:embed="rId18"/>
+                <a:stretch>
+                  <a:fillRect b="-1667"/>
+                </a:stretch>
+              </a:blipFill>
+            </p:spPr>
+            <p:txBody>
+              <a:bodyPr/>
+              <a:lstStyle/>
+              <a:p>
+                <a:r>
+                  <a:rPr lang="pt-BR">
+                    <a:noFill/>
+                  </a:rPr>
+                  <a:t> </a:t>
+                </a:r>
+              </a:p>
+            </p:txBody>
+          </p:sp>
+        </mc:Fallback>
+      </mc:AlternateContent>
+      <mc:AlternateContent xmlns:mc="http://schemas.openxmlformats.org/markup-compatibility/2006">
+        <mc:Choice xmlns:a14="http://schemas.microsoft.com/office/drawing/2010/main" Requires="a14">
+          <p:sp>
+            <p:nvSpPr>
+              <p:cNvPr id="48" name="CaixaDeTexto 47"/>
+              <p:cNvSpPr txBox="1"/>
+              <p:nvPr/>
+            </p:nvSpPr>
+            <p:spPr>
+              <a:xfrm>
+                <a:off x="4138526" y="4891054"/>
+                <a:ext cx="543931" cy="405367"/>
+              </a:xfrm>
+              <a:prstGeom prst="rect">
+                <a:avLst/>
+              </a:prstGeom>
+              <a:noFill/>
+            </p:spPr>
+            <p:txBody>
+              <a:bodyPr wrap="none" rtlCol="0">
+                <a:spAutoFit/>
+              </a:bodyPr>
+              <a:lstStyle/>
+              <a:p>
+                <a14:m>
+                  <m:oMathPara xmlns:m="http://schemas.openxmlformats.org/officeDocument/2006/math">
+                    <m:oMathParaPr>
+                      <m:jc m:val="centerGroup"/>
+                    </m:oMathParaPr>
+                    <m:oMath xmlns:m="http://schemas.openxmlformats.org/officeDocument/2006/math">
+                      <m:sSubSup>
+                        <m:sSubSupPr>
+                          <m:ctrlPr>
+                            <a:rPr lang="pt-BR" b="0" i="1" smtClean="0">
+                              <a:latin typeface="Cambria Math"/>
+                            </a:rPr>
+                          </m:ctrlPr>
+                        </m:sSubSupPr>
+                        <m:e>
+                          <m:r>
+                            <a:rPr lang="pt-BR" b="0" i="1" smtClean="0">
+                              <a:latin typeface="Cambria Math"/>
+                            </a:rPr>
+                            <m:t>𝑖</m:t>
+                          </m:r>
+                        </m:e>
+                        <m:sub>
+                          <m:r>
+                            <a:rPr lang="pt-BR" b="0" i="1" smtClean="0">
+                              <a:latin typeface="Cambria Math"/>
+                            </a:rPr>
+                            <m:t>𝐶</m:t>
+                          </m:r>
+                          <m:r>
+                            <a:rPr lang="pt-BR" b="0" i="1" smtClean="0">
+                              <a:latin typeface="Cambria Math"/>
+                            </a:rPr>
+                            <m:t>𝛽</m:t>
+                          </m:r>
+                        </m:sub>
+                        <m:sup>
+                          <m:r>
+                            <a:rPr lang="pt-BR" b="0" i="1" smtClean="0">
+                              <a:latin typeface="Cambria Math"/>
+                            </a:rPr>
+                            <m:t>∗</m:t>
+                          </m:r>
+                        </m:sup>
+                      </m:sSubSup>
+                    </m:oMath>
+                  </m:oMathPara>
+                </a14:m>
+                <a:endParaRPr lang="pt-BR" dirty="0"/>
+              </a:p>
+            </p:txBody>
+          </p:sp>
+        </mc:Choice>
+        <mc:Fallback>
+          <p:sp>
+            <p:nvSpPr>
+              <p:cNvPr id="48" name="CaixaDeTexto 47"/>
+              <p:cNvSpPr txBox="1">
+                <a:spLocks noRot="1" noChangeAspect="1" noMove="1" noResize="1" noEditPoints="1" noAdjustHandles="1" noChangeArrowheads="1" noChangeShapeType="1" noTextEdit="1"/>
+              </p:cNvSpPr>
+              <p:nvPr/>
+            </p:nvSpPr>
+            <p:spPr>
+              <a:xfrm>
+                <a:off x="4138526" y="4891054"/>
+                <a:ext cx="543931" cy="405367"/>
+              </a:xfrm>
+              <a:prstGeom prst="rect">
+                <a:avLst/>
+              </a:prstGeom>
+              <a:blipFill rotWithShape="1">
+                <a:blip r:embed="rId19"/>
+                <a:stretch>
+                  <a:fillRect b="-8955"/>
+                </a:stretch>
+              </a:blipFill>
+            </p:spPr>
+            <p:txBody>
+              <a:bodyPr/>
+              <a:lstStyle/>
+              <a:p>
+                <a:r>
+                  <a:rPr lang="pt-BR">
+                    <a:noFill/>
+                  </a:rPr>
+                  <a:t> </a:t>
+                </a:r>
+              </a:p>
+            </p:txBody>
+          </p:sp>
+        </mc:Fallback>
+      </mc:AlternateContent>
+      <mc:AlternateContent xmlns:mc="http://schemas.openxmlformats.org/markup-compatibility/2006">
+        <mc:Choice xmlns:a14="http://schemas.microsoft.com/office/drawing/2010/main" Requires="a14">
+          <p:sp>
+            <p:nvSpPr>
+              <p:cNvPr id="49" name="CaixaDeTexto 48"/>
+              <p:cNvSpPr txBox="1"/>
+              <p:nvPr/>
+            </p:nvSpPr>
+            <p:spPr>
+              <a:xfrm>
+                <a:off x="7555622" y="4124934"/>
+                <a:ext cx="533351" cy="369332"/>
+              </a:xfrm>
+              <a:prstGeom prst="rect">
+                <a:avLst/>
+              </a:prstGeom>
+              <a:noFill/>
+            </p:spPr>
+            <p:txBody>
+              <a:bodyPr wrap="none" rtlCol="0">
+                <a:spAutoFit/>
+              </a:bodyPr>
+              <a:lstStyle/>
+              <a:p>
+                <a14:m>
+                  <m:oMathPara xmlns:m="http://schemas.openxmlformats.org/officeDocument/2006/math">
+                    <m:oMathParaPr>
+                      <m:jc m:val="centerGroup"/>
+                    </m:oMathParaPr>
+                    <m:oMath xmlns:m="http://schemas.openxmlformats.org/officeDocument/2006/math">
+                      <m:sSubSup>
+                        <m:sSubSupPr>
+                          <m:ctrlPr>
+                            <a:rPr lang="pt-BR" b="0" i="1" smtClean="0">
+                              <a:latin typeface="Cambria Math"/>
+                            </a:rPr>
+                          </m:ctrlPr>
+                        </m:sSubSupPr>
+                        <m:e>
+                          <m:r>
+                            <a:rPr lang="pt-BR" b="0" i="1" smtClean="0">
+                              <a:latin typeface="Cambria Math"/>
+                            </a:rPr>
+                            <m:t>𝑖</m:t>
+                          </m:r>
+                        </m:e>
+                        <m:sub>
+                          <m:r>
+                            <a:rPr lang="pt-BR" b="0" i="1" smtClean="0">
+                              <a:latin typeface="Cambria Math"/>
+                            </a:rPr>
+                            <m:t>𝐶𝑎</m:t>
+                          </m:r>
+                        </m:sub>
+                        <m:sup>
+                          <m:r>
+                            <a:rPr lang="pt-BR" b="0" i="1" smtClean="0">
+                              <a:latin typeface="Cambria Math"/>
+                            </a:rPr>
+                            <m:t>∗</m:t>
+                          </m:r>
+                        </m:sup>
+                      </m:sSubSup>
+                    </m:oMath>
+                  </m:oMathPara>
+                </a14:m>
+                <a:endParaRPr lang="pt-BR" dirty="0"/>
+              </a:p>
+            </p:txBody>
+          </p:sp>
+        </mc:Choice>
+        <mc:Fallback>
+          <p:sp>
+            <p:nvSpPr>
+              <p:cNvPr id="49" name="CaixaDeTexto 48"/>
+              <p:cNvSpPr txBox="1">
+                <a:spLocks noRot="1" noChangeAspect="1" noMove="1" noResize="1" noEditPoints="1" noAdjustHandles="1" noChangeArrowheads="1" noChangeShapeType="1" noTextEdit="1"/>
+              </p:cNvSpPr>
+              <p:nvPr/>
+            </p:nvSpPr>
+            <p:spPr>
+              <a:xfrm>
+                <a:off x="7555622" y="4124934"/>
+                <a:ext cx="533351" cy="369332"/>
+              </a:xfrm>
+              <a:prstGeom prst="rect">
+                <a:avLst/>
+              </a:prstGeom>
+              <a:blipFill rotWithShape="1">
+                <a:blip r:embed="rId20"/>
+                <a:stretch>
+                  <a:fillRect b="-1667"/>
+                </a:stretch>
+              </a:blipFill>
+            </p:spPr>
+            <p:txBody>
+              <a:bodyPr/>
+              <a:lstStyle/>
+              <a:p>
+                <a:r>
+                  <a:rPr lang="pt-BR">
+                    <a:noFill/>
+                  </a:rPr>
+                  <a:t> </a:t>
+                </a:r>
+              </a:p>
+            </p:txBody>
+          </p:sp>
+        </mc:Fallback>
+      </mc:AlternateContent>
+      <mc:AlternateContent xmlns:mc="http://schemas.openxmlformats.org/markup-compatibility/2006">
+        <mc:Choice xmlns:a14="http://schemas.microsoft.com/office/drawing/2010/main" Requires="a14">
+          <p:sp>
+            <p:nvSpPr>
+              <p:cNvPr id="50" name="CaixaDeTexto 49"/>
+              <p:cNvSpPr txBox="1"/>
+              <p:nvPr/>
+            </p:nvSpPr>
+            <p:spPr>
+              <a:xfrm>
+                <a:off x="7574084" y="4570934"/>
+                <a:ext cx="528927" cy="369332"/>
+              </a:xfrm>
+              <a:prstGeom prst="rect">
+                <a:avLst/>
+              </a:prstGeom>
+              <a:noFill/>
+            </p:spPr>
+            <p:txBody>
+              <a:bodyPr wrap="none" rtlCol="0">
+                <a:spAutoFit/>
+              </a:bodyPr>
+              <a:lstStyle/>
+              <a:p>
+                <a14:m>
+                  <m:oMathPara xmlns:m="http://schemas.openxmlformats.org/officeDocument/2006/math">
+                    <m:oMathParaPr>
+                      <m:jc m:val="centerGroup"/>
+                    </m:oMathParaPr>
+                    <m:oMath xmlns:m="http://schemas.openxmlformats.org/officeDocument/2006/math">
+                      <m:sSubSup>
+                        <m:sSubSupPr>
+                          <m:ctrlPr>
+                            <a:rPr lang="pt-BR" b="0" i="1" smtClean="0">
+                              <a:latin typeface="Cambria Math"/>
+                            </a:rPr>
+                          </m:ctrlPr>
+                        </m:sSubSupPr>
+                        <m:e>
+                          <m:r>
+                            <a:rPr lang="pt-BR" b="0" i="1" smtClean="0">
+                              <a:latin typeface="Cambria Math"/>
+                            </a:rPr>
+                            <m:t>𝑖</m:t>
+                          </m:r>
+                        </m:e>
+                        <m:sub>
+                          <m:r>
+                            <a:rPr lang="pt-BR" b="0" i="1" smtClean="0">
+                              <a:latin typeface="Cambria Math"/>
+                            </a:rPr>
+                            <m:t>𝐶𝑏</m:t>
+                          </m:r>
+                        </m:sub>
+                        <m:sup>
+                          <m:r>
+                            <a:rPr lang="pt-BR" b="0" i="1" smtClean="0">
+                              <a:latin typeface="Cambria Math"/>
+                            </a:rPr>
+                            <m:t>∗</m:t>
+                          </m:r>
+                        </m:sup>
+                      </m:sSubSup>
+                    </m:oMath>
+                  </m:oMathPara>
+                </a14:m>
+                <a:endParaRPr lang="pt-BR" dirty="0"/>
+              </a:p>
+            </p:txBody>
+          </p:sp>
+        </mc:Choice>
+        <mc:Fallback>
+          <p:sp>
+            <p:nvSpPr>
+              <p:cNvPr id="50" name="CaixaDeTexto 49"/>
+              <p:cNvSpPr txBox="1">
+                <a:spLocks noRot="1" noChangeAspect="1" noMove="1" noResize="1" noEditPoints="1" noAdjustHandles="1" noChangeArrowheads="1" noChangeShapeType="1" noTextEdit="1"/>
+              </p:cNvSpPr>
+              <p:nvPr/>
+            </p:nvSpPr>
+            <p:spPr>
+              <a:xfrm>
+                <a:off x="7574084" y="4570934"/>
+                <a:ext cx="528927" cy="369332"/>
+              </a:xfrm>
+              <a:prstGeom prst="rect">
+                <a:avLst/>
+              </a:prstGeom>
+              <a:blipFill rotWithShape="1">
+                <a:blip r:embed="rId21"/>
+                <a:stretch>
+                  <a:fillRect b="-1667"/>
+                </a:stretch>
+              </a:blipFill>
+            </p:spPr>
+            <p:txBody>
+              <a:bodyPr/>
+              <a:lstStyle/>
+              <a:p>
+                <a:r>
+                  <a:rPr lang="pt-BR">
+                    <a:noFill/>
+                  </a:rPr>
+                  <a:t> </a:t>
+                </a:r>
+              </a:p>
+            </p:txBody>
+          </p:sp>
+        </mc:Fallback>
+      </mc:AlternateContent>
+      <mc:AlternateContent xmlns:mc="http://schemas.openxmlformats.org/markup-compatibility/2006">
+        <mc:Choice xmlns:a14="http://schemas.microsoft.com/office/drawing/2010/main" Requires="a14">
+          <p:sp>
+            <p:nvSpPr>
+              <p:cNvPr id="51" name="CaixaDeTexto 50"/>
+              <p:cNvSpPr txBox="1"/>
+              <p:nvPr/>
+            </p:nvSpPr>
+            <p:spPr>
+              <a:xfrm>
+                <a:off x="7574084" y="5023371"/>
+                <a:ext cx="513730" cy="369332"/>
+              </a:xfrm>
+              <a:prstGeom prst="rect">
+                <a:avLst/>
+              </a:prstGeom>
+              <a:noFill/>
+            </p:spPr>
+            <p:txBody>
+              <a:bodyPr wrap="none" rtlCol="0">
+                <a:spAutoFit/>
+              </a:bodyPr>
+              <a:lstStyle/>
+              <a:p>
+                <a14:m>
+                  <m:oMathPara xmlns:m="http://schemas.openxmlformats.org/officeDocument/2006/math">
+                    <m:oMathParaPr>
+                      <m:jc m:val="centerGroup"/>
+                    </m:oMathParaPr>
+                    <m:oMath xmlns:m="http://schemas.openxmlformats.org/officeDocument/2006/math">
+                      <m:sSubSup>
+                        <m:sSubSupPr>
+                          <m:ctrlPr>
+                            <a:rPr lang="pt-BR" b="0" i="1" smtClean="0">
+                              <a:latin typeface="Cambria Math"/>
+                            </a:rPr>
+                          </m:ctrlPr>
+                        </m:sSubSupPr>
+                        <m:e>
+                          <m:r>
+                            <a:rPr lang="pt-BR" b="0" i="1" smtClean="0">
+                              <a:latin typeface="Cambria Math"/>
+                            </a:rPr>
+                            <m:t>𝑖</m:t>
+                          </m:r>
+                        </m:e>
+                        <m:sub>
+                          <m:r>
+                            <a:rPr lang="pt-BR" b="0" i="1" smtClean="0">
+                              <a:latin typeface="Cambria Math"/>
+                            </a:rPr>
+                            <m:t>𝐶𝑐</m:t>
+                          </m:r>
+                        </m:sub>
+                        <m:sup>
+                          <m:r>
+                            <a:rPr lang="pt-BR" b="0" i="1" smtClean="0">
+                              <a:latin typeface="Cambria Math"/>
+                            </a:rPr>
+                            <m:t>∗</m:t>
+                          </m:r>
+                        </m:sup>
+                      </m:sSubSup>
+                    </m:oMath>
+                  </m:oMathPara>
+                </a14:m>
+                <a:endParaRPr lang="pt-BR" dirty="0"/>
+              </a:p>
+            </p:txBody>
+          </p:sp>
+        </mc:Choice>
+        <mc:Fallback>
+          <p:sp>
+            <p:nvSpPr>
+              <p:cNvPr id="51" name="CaixaDeTexto 50"/>
+              <p:cNvSpPr txBox="1">
+                <a:spLocks noRot="1" noChangeAspect="1" noMove="1" noResize="1" noEditPoints="1" noAdjustHandles="1" noChangeArrowheads="1" noChangeShapeType="1" noTextEdit="1"/>
+              </p:cNvSpPr>
+              <p:nvPr/>
+            </p:nvSpPr>
+            <p:spPr>
+              <a:xfrm>
+                <a:off x="7574084" y="5023371"/>
+                <a:ext cx="513730" cy="369332"/>
+              </a:xfrm>
+              <a:prstGeom prst="rect">
+                <a:avLst/>
+              </a:prstGeom>
+              <a:blipFill rotWithShape="1">
+                <a:blip r:embed="rId22"/>
+                <a:stretch>
+                  <a:fillRect/>
+                </a:stretch>
+              </a:blipFill>
+            </p:spPr>
+            <p:txBody>
+              <a:bodyPr/>
+              <a:lstStyle/>
+              <a:p>
+                <a:r>
+                  <a:rPr lang="pt-BR">
+                    <a:noFill/>
+                  </a:rPr>
+                  <a:t> </a:t>
+                </a:r>
+              </a:p>
+            </p:txBody>
+          </p:sp>
+        </mc:Fallback>
+      </mc:AlternateContent>
+      <p:sp>
+        <p:nvSpPr>
+          <p:cNvPr id="52" name="CaixaDeTexto 51"/>
+          <p:cNvSpPr txBox="1"/>
+          <p:nvPr/>
+        </p:nvSpPr>
+        <p:spPr>
+          <a:xfrm>
+            <a:off x="1073589" y="571123"/>
+            <a:ext cx="2106410" cy="307777"/>
+          </a:xfrm>
+          <a:prstGeom prst="rect">
+            <a:avLst/>
+          </a:prstGeom>
+          <a:noFill/>
+        </p:spPr>
+        <p:txBody>
+          <a:bodyPr wrap="none" rtlCol="0">
+            <a:spAutoFit/>
+          </a:bodyPr>
+          <a:lstStyle/>
+          <a:p>
+            <a:r>
+              <a:rPr lang="pt-BR" sz="1400" dirty="0" smtClean="0">
+                <a:latin typeface="Arial" pitchFamily="34" charset="0"/>
+                <a:cs typeface="Arial" pitchFamily="34" charset="0"/>
+              </a:rPr>
+              <a:t>Transformada de Clarke</a:t>
+            </a:r>
+            <a:endParaRPr lang="pt-BR" sz="1400" dirty="0">
+              <a:latin typeface="Arial" pitchFamily="34" charset="0"/>
+              <a:cs typeface="Arial" pitchFamily="34" charset="0"/>
+            </a:endParaRPr>
+          </a:p>
+        </p:txBody>
+      </p:sp>
+      <p:sp>
+        <p:nvSpPr>
+          <p:cNvPr id="53" name="CaixaDeTexto 52"/>
+          <p:cNvSpPr txBox="1"/>
+          <p:nvPr/>
+        </p:nvSpPr>
+        <p:spPr>
+          <a:xfrm>
+            <a:off x="4835804" y="683404"/>
+            <a:ext cx="2688524" cy="523220"/>
+          </a:xfrm>
+          <a:prstGeom prst="rect">
+            <a:avLst/>
+          </a:prstGeom>
+          <a:noFill/>
+        </p:spPr>
+        <p:txBody>
+          <a:bodyPr wrap="square" rtlCol="0">
+            <a:spAutoFit/>
+          </a:bodyPr>
+          <a:lstStyle/>
+          <a:p>
+            <a:pPr algn="ctr"/>
+            <a:r>
+              <a:rPr lang="pt-BR" sz="1400" dirty="0" smtClean="0">
+                <a:latin typeface="Arial" pitchFamily="34" charset="0"/>
+                <a:cs typeface="Arial" pitchFamily="34" charset="0"/>
+              </a:rPr>
+              <a:t>Cálculo de Potências Instantâneas</a:t>
+            </a:r>
+            <a:endParaRPr lang="pt-BR" sz="1400" dirty="0">
+              <a:latin typeface="Arial" pitchFamily="34" charset="0"/>
+              <a:cs typeface="Arial" pitchFamily="34" charset="0"/>
+            </a:endParaRPr>
+          </a:p>
+        </p:txBody>
+      </p:sp>
+      <p:sp>
+        <p:nvSpPr>
+          <p:cNvPr id="54" name="CaixaDeTexto 53"/>
+          <p:cNvSpPr txBox="1"/>
+          <p:nvPr/>
+        </p:nvSpPr>
+        <p:spPr>
+          <a:xfrm>
+            <a:off x="765903" y="5599544"/>
+            <a:ext cx="2688524" cy="307777"/>
+          </a:xfrm>
+          <a:prstGeom prst="rect">
+            <a:avLst/>
+          </a:prstGeom>
+          <a:noFill/>
+        </p:spPr>
+        <p:txBody>
+          <a:bodyPr wrap="square" rtlCol="0">
+            <a:spAutoFit/>
+          </a:bodyPr>
+          <a:lstStyle/>
+          <a:p>
+            <a:pPr algn="ctr"/>
+            <a:r>
+              <a:rPr lang="pt-BR" sz="1400" dirty="0" smtClean="0">
+                <a:latin typeface="Arial" pitchFamily="34" charset="0"/>
+                <a:cs typeface="Arial" pitchFamily="34" charset="0"/>
+              </a:rPr>
+              <a:t>Cálculo de Corrente </a:t>
+            </a:r>
+            <a:endParaRPr lang="pt-BR" sz="1400" dirty="0">
+              <a:latin typeface="Arial" pitchFamily="34" charset="0"/>
+              <a:cs typeface="Arial" pitchFamily="34" charset="0"/>
+            </a:endParaRPr>
+          </a:p>
+        </p:txBody>
+      </p:sp>
+      <mc:AlternateContent xmlns:mc="http://schemas.openxmlformats.org/markup-compatibility/2006">
+        <mc:Choice xmlns:a14="http://schemas.microsoft.com/office/drawing/2010/main" Requires="a14">
+          <p:sp>
+            <p:nvSpPr>
+              <p:cNvPr id="55" name="CaixaDeTexto 54"/>
+              <p:cNvSpPr txBox="1"/>
+              <p:nvPr/>
+            </p:nvSpPr>
+            <p:spPr>
+              <a:xfrm>
+                <a:off x="2843449" y="5563389"/>
+                <a:ext cx="804579" cy="369332"/>
+              </a:xfrm>
+              <a:prstGeom prst="rect">
+                <a:avLst/>
+              </a:prstGeom>
+              <a:noFill/>
+            </p:spPr>
+            <p:txBody>
+              <a:bodyPr wrap="none" rtlCol="0">
+                <a:spAutoFit/>
+              </a:bodyPr>
+              <a:lstStyle/>
+              <a:p>
+                <a14:m>
+                  <m:oMathPara xmlns:m="http://schemas.openxmlformats.org/officeDocument/2006/math">
+                    <m:oMathParaPr>
+                      <m:jc m:val="centerGroup"/>
+                    </m:oMathParaPr>
+                    <m:oMath xmlns:m="http://schemas.openxmlformats.org/officeDocument/2006/math">
+                      <m:r>
+                        <a:rPr lang="pt-BR" b="0" i="1" smtClean="0">
+                          <a:latin typeface="Cambria Math"/>
+                        </a:rPr>
+                        <m:t>𝛼</m:t>
+                      </m:r>
+                      <m:r>
+                        <a:rPr lang="pt-BR" b="0" i="1" smtClean="0">
+                          <a:latin typeface="Cambria Math"/>
+                        </a:rPr>
+                        <m:t>−</m:t>
+                      </m:r>
+                      <m:r>
+                        <a:rPr lang="pt-BR" b="0" i="1" smtClean="0">
+                          <a:latin typeface="Cambria Math"/>
+                        </a:rPr>
+                        <m:t>𝛽</m:t>
+                      </m:r>
+                    </m:oMath>
+                  </m:oMathPara>
+                </a14:m>
+                <a:endParaRPr lang="pt-BR" dirty="0"/>
+              </a:p>
+            </p:txBody>
+          </p:sp>
+        </mc:Choice>
+        <mc:Fallback>
+          <p:sp>
+            <p:nvSpPr>
+              <p:cNvPr id="55" name="CaixaDeTexto 54"/>
+              <p:cNvSpPr txBox="1">
+                <a:spLocks noRot="1" noChangeAspect="1" noMove="1" noResize="1" noEditPoints="1" noAdjustHandles="1" noChangeArrowheads="1" noChangeShapeType="1" noTextEdit="1"/>
+              </p:cNvSpPr>
+              <p:nvPr/>
+            </p:nvSpPr>
+            <p:spPr>
+              <a:xfrm>
+                <a:off x="2843449" y="5563389"/>
+                <a:ext cx="804579" cy="369332"/>
+              </a:xfrm>
+              <a:prstGeom prst="rect">
+                <a:avLst/>
+              </a:prstGeom>
+              <a:blipFill rotWithShape="1">
+                <a:blip r:embed="rId23"/>
+                <a:stretch>
+                  <a:fillRect b="-13333"/>
+                </a:stretch>
+              </a:blipFill>
+            </p:spPr>
+            <p:txBody>
+              <a:bodyPr/>
+              <a:lstStyle/>
+              <a:p>
+                <a:r>
+                  <a:rPr lang="pt-BR">
+                    <a:noFill/>
+                  </a:rPr>
+                  <a:t> </a:t>
+                </a:r>
+              </a:p>
+            </p:txBody>
+          </p:sp>
+        </mc:Fallback>
+      </mc:AlternateContent>
+      <p:sp>
+        <p:nvSpPr>
+          <p:cNvPr id="56" name="CaixaDeTexto 55"/>
+          <p:cNvSpPr txBox="1"/>
+          <p:nvPr/>
+        </p:nvSpPr>
+        <p:spPr>
+          <a:xfrm>
+            <a:off x="4731688" y="5605517"/>
+            <a:ext cx="2742802" cy="307777"/>
+          </a:xfrm>
+          <a:prstGeom prst="rect">
+            <a:avLst/>
+          </a:prstGeom>
+          <a:noFill/>
+        </p:spPr>
+        <p:txBody>
+          <a:bodyPr wrap="none" rtlCol="0">
+            <a:spAutoFit/>
+          </a:bodyPr>
+          <a:lstStyle/>
+          <a:p>
+            <a:r>
+              <a:rPr lang="pt-BR" sz="1400" dirty="0" smtClean="0">
+                <a:latin typeface="Arial" pitchFamily="34" charset="0"/>
+                <a:cs typeface="Arial" pitchFamily="34" charset="0"/>
+              </a:rPr>
+              <a:t>Transformada Inversa de Clarke</a:t>
+            </a:r>
+            <a:endParaRPr lang="pt-BR" sz="1400" dirty="0">
+              <a:latin typeface="Arial" pitchFamily="34" charset="0"/>
+              <a:cs typeface="Arial" pitchFamily="34" charset="0"/>
+            </a:endParaRPr>
+          </a:p>
+        </p:txBody>
+      </p:sp>
+      <p:cxnSp>
+        <p:nvCxnSpPr>
+          <p:cNvPr id="57" name="Conector de seta reta 56"/>
+          <p:cNvCxnSpPr/>
+          <p:nvPr/>
+        </p:nvCxnSpPr>
+        <p:spPr>
+          <a:xfrm>
+            <a:off x="284634" y="4730642"/>
+            <a:ext cx="540000" cy="0"/>
+          </a:xfrm>
+          <a:prstGeom prst="straightConnector1">
+            <a:avLst/>
+          </a:prstGeom>
+          <a:ln w="38100">
+            <a:solidFill>
+              <a:schemeClr val="tx1"/>
+            </a:solidFill>
+            <a:tailEnd type="arrow"/>
+          </a:ln>
+        </p:spPr>
+        <p:style>
+          <a:lnRef idx="1">
+            <a:schemeClr val="accent1"/>
+          </a:lnRef>
+          <a:fillRef idx="0">
+            <a:schemeClr val="accent1"/>
+          </a:fillRef>
+          <a:effectRef idx="0">
+            <a:schemeClr val="accent1"/>
+          </a:effectRef>
+          <a:fontRef idx="minor">
+            <a:schemeClr val="tx1"/>
+          </a:fontRef>
+        </p:style>
+      </p:cxnSp>
+      <p:cxnSp>
+        <p:nvCxnSpPr>
+          <p:cNvPr id="58" name="Conector de seta reta 57"/>
+          <p:cNvCxnSpPr/>
+          <p:nvPr/>
+        </p:nvCxnSpPr>
+        <p:spPr>
+          <a:xfrm>
+            <a:off x="284634" y="5308442"/>
+            <a:ext cx="540000" cy="0"/>
+          </a:xfrm>
+          <a:prstGeom prst="straightConnector1">
+            <a:avLst/>
+          </a:prstGeom>
+          <a:ln w="38100">
+            <a:solidFill>
+              <a:schemeClr val="tx1"/>
+            </a:solidFill>
+            <a:tailEnd type="arrow"/>
+          </a:ln>
+        </p:spPr>
+        <p:style>
+          <a:lnRef idx="1">
+            <a:schemeClr val="accent1"/>
+          </a:lnRef>
+          <a:fillRef idx="0">
+            <a:schemeClr val="accent1"/>
+          </a:fillRef>
+          <a:effectRef idx="0">
+            <a:schemeClr val="accent1"/>
+          </a:effectRef>
+          <a:fontRef idx="minor">
+            <a:schemeClr val="tx1"/>
+          </a:fontRef>
+        </p:style>
+      </p:cxnSp>
+      <mc:AlternateContent xmlns:mc="http://schemas.openxmlformats.org/markup-compatibility/2006">
+        <mc:Choice xmlns:a14="http://schemas.microsoft.com/office/drawing/2010/main" Requires="a14">
+          <p:sp>
+            <p:nvSpPr>
+              <p:cNvPr id="59" name="CaixaDeTexto 58"/>
+              <p:cNvSpPr txBox="1"/>
+              <p:nvPr/>
+            </p:nvSpPr>
+            <p:spPr>
+              <a:xfrm>
+                <a:off x="273068" y="4891301"/>
+                <a:ext cx="481157" cy="394082"/>
+              </a:xfrm>
+              <a:prstGeom prst="rect">
+                <a:avLst/>
+              </a:prstGeom>
+              <a:noFill/>
+            </p:spPr>
+            <p:txBody>
+              <a:bodyPr wrap="none" rtlCol="0">
+                <a:spAutoFit/>
+              </a:bodyPr>
+              <a:lstStyle/>
+              <a:p>
+                <a14:m>
+                  <m:oMathPara xmlns:m="http://schemas.openxmlformats.org/officeDocument/2006/math">
+                    <m:oMathParaPr>
+                      <m:jc m:val="centerGroup"/>
+                    </m:oMathParaPr>
+                    <m:oMath xmlns:m="http://schemas.openxmlformats.org/officeDocument/2006/math">
+                      <m:sSub>
+                        <m:sSubPr>
+                          <m:ctrlPr>
+                            <a:rPr lang="pt-BR" b="0" i="1" smtClean="0">
+                              <a:latin typeface="Cambria Math"/>
+                            </a:rPr>
+                          </m:ctrlPr>
+                        </m:sSubPr>
+                        <m:e>
+                          <m:r>
+                            <a:rPr lang="pt-BR" b="0" i="1" smtClean="0">
+                              <a:latin typeface="Cambria Math"/>
+                            </a:rPr>
+                            <m:t>𝑣</m:t>
+                          </m:r>
+                        </m:e>
+                        <m:sub>
+                          <m:r>
+                            <a:rPr lang="pt-BR" b="0" i="1" smtClean="0">
+                              <a:latin typeface="Cambria Math"/>
+                            </a:rPr>
+                            <m:t>𝛽</m:t>
+                          </m:r>
+                        </m:sub>
+                      </m:sSub>
+                    </m:oMath>
+                  </m:oMathPara>
+                </a14:m>
+                <a:endParaRPr lang="pt-BR" dirty="0"/>
+              </a:p>
+            </p:txBody>
+          </p:sp>
+        </mc:Choice>
+        <mc:Fallback>
+          <p:sp>
+            <p:nvSpPr>
+              <p:cNvPr id="59" name="CaixaDeTexto 58"/>
+              <p:cNvSpPr txBox="1">
+                <a:spLocks noRot="1" noChangeAspect="1" noMove="1" noResize="1" noEditPoints="1" noAdjustHandles="1" noChangeArrowheads="1" noChangeShapeType="1" noTextEdit="1"/>
+              </p:cNvSpPr>
+              <p:nvPr/>
+            </p:nvSpPr>
+            <p:spPr>
+              <a:xfrm>
+                <a:off x="273068" y="4891301"/>
+                <a:ext cx="481157" cy="394082"/>
+              </a:xfrm>
+              <a:prstGeom prst="rect">
+                <a:avLst/>
+              </a:prstGeom>
+              <a:blipFill rotWithShape="1">
+                <a:blip r:embed="rId24"/>
+                <a:stretch>
+                  <a:fillRect b="-9231"/>
+                </a:stretch>
+              </a:blipFill>
+            </p:spPr>
+            <p:txBody>
+              <a:bodyPr/>
+              <a:lstStyle/>
+              <a:p>
+                <a:r>
+                  <a:rPr lang="pt-BR">
+                    <a:noFill/>
+                  </a:rPr>
+                  <a:t> </a:t>
+                </a:r>
+              </a:p>
+            </p:txBody>
+          </p:sp>
+        </mc:Fallback>
+      </mc:AlternateContent>
+      <mc:AlternateContent xmlns:mc="http://schemas.openxmlformats.org/markup-compatibility/2006">
+        <mc:Choice xmlns:a14="http://schemas.microsoft.com/office/drawing/2010/main" Requires="a14">
+          <p:sp>
+            <p:nvSpPr>
+              <p:cNvPr id="60" name="CaixaDeTexto 59"/>
+              <p:cNvSpPr txBox="1"/>
+              <p:nvPr/>
+            </p:nvSpPr>
+            <p:spPr>
+              <a:xfrm>
+                <a:off x="273068" y="4350483"/>
+                <a:ext cx="475900" cy="369332"/>
+              </a:xfrm>
+              <a:prstGeom prst="rect">
+                <a:avLst/>
+              </a:prstGeom>
+              <a:noFill/>
+            </p:spPr>
+            <p:txBody>
+              <a:bodyPr wrap="none" rtlCol="0">
+                <a:spAutoFit/>
+              </a:bodyPr>
+              <a:lstStyle/>
+              <a:p>
+                <a14:m>
+                  <m:oMathPara xmlns:m="http://schemas.openxmlformats.org/officeDocument/2006/math">
+                    <m:oMathParaPr>
+                      <m:jc m:val="centerGroup"/>
+                    </m:oMathParaPr>
+                    <m:oMath xmlns:m="http://schemas.openxmlformats.org/officeDocument/2006/math">
+                      <m:sSub>
+                        <m:sSubPr>
+                          <m:ctrlPr>
+                            <a:rPr lang="pt-BR" b="0" i="1" smtClean="0">
+                              <a:latin typeface="Cambria Math"/>
+                            </a:rPr>
+                          </m:ctrlPr>
+                        </m:sSubPr>
+                        <m:e>
+                          <m:r>
+                            <a:rPr lang="pt-BR" b="0" i="1" smtClean="0">
+                              <a:latin typeface="Cambria Math"/>
+                            </a:rPr>
+                            <m:t>𝑣</m:t>
+                          </m:r>
+                        </m:e>
+                        <m:sub>
+                          <m:r>
+                            <a:rPr lang="pt-BR" b="0" i="1" smtClean="0">
+                              <a:latin typeface="Cambria Math"/>
+                            </a:rPr>
+                            <m:t>𝛼</m:t>
+                          </m:r>
+                        </m:sub>
+                      </m:sSub>
+                    </m:oMath>
+                  </m:oMathPara>
+                </a14:m>
+                <a:endParaRPr lang="pt-BR" dirty="0"/>
+              </a:p>
+            </p:txBody>
+          </p:sp>
+        </mc:Choice>
+        <mc:Fallback>
+          <p:sp>
+            <p:nvSpPr>
+              <p:cNvPr id="60" name="CaixaDeTexto 59"/>
+              <p:cNvSpPr txBox="1">
+                <a:spLocks noRot="1" noChangeAspect="1" noMove="1" noResize="1" noEditPoints="1" noAdjustHandles="1" noChangeArrowheads="1" noChangeShapeType="1" noTextEdit="1"/>
+              </p:cNvSpPr>
+              <p:nvPr/>
+            </p:nvSpPr>
+            <p:spPr>
+              <a:xfrm>
+                <a:off x="273068" y="4350483"/>
+                <a:ext cx="475900" cy="369332"/>
+              </a:xfrm>
+              <a:prstGeom prst="rect">
+                <a:avLst/>
+              </a:prstGeom>
+              <a:blipFill rotWithShape="1">
+                <a:blip r:embed="rId25"/>
+                <a:stretch>
+                  <a:fillRect/>
+                </a:stretch>
+              </a:blipFill>
+            </p:spPr>
+            <p:txBody>
+              <a:bodyPr/>
+              <a:lstStyle/>
+              <a:p>
+                <a:r>
+                  <a:rPr lang="pt-BR">
+                    <a:noFill/>
+                  </a:rPr>
+                  <a:t> </a:t>
+                </a:r>
+              </a:p>
+            </p:txBody>
+          </p:sp>
+        </mc:Fallback>
+      </mc:AlternateContent>
+      <p:sp>
+        <p:nvSpPr>
+          <p:cNvPr id="61" name="Elipse 60"/>
+          <p:cNvSpPr/>
+          <p:nvPr/>
+        </p:nvSpPr>
+        <p:spPr>
+          <a:xfrm>
+            <a:off x="3983167" y="783014"/>
+            <a:ext cx="324000" cy="324000"/>
+          </a:xfrm>
+          <a:prstGeom prst="ellipse">
+            <a:avLst/>
+          </a:prstGeom>
+          <a:noFill/>
+          <a:ln>
+            <a:solidFill>
+              <a:schemeClr val="tx1"/>
+            </a:solidFill>
+          </a:ln>
+        </p:spPr>
+        <p:style>
+          <a:lnRef idx="2">
+            <a:schemeClr val="accent1">
+              <a:shade val="50000"/>
+            </a:schemeClr>
+          </a:lnRef>
+          <a:fillRef idx="1">
+            <a:schemeClr val="accent1"/>
+          </a:fillRef>
+          <a:effectRef idx="0">
+            <a:schemeClr val="accent1"/>
+          </a:effectRef>
+          <a:fontRef idx="minor">
+            <a:schemeClr val="lt1"/>
+          </a:fontRef>
+        </p:style>
+        <p:txBody>
+          <a:bodyPr rtlCol="0" anchor="ctr"/>
+          <a:lstStyle/>
+          <a:p>
+            <a:pPr algn="ctr"/>
+            <a:r>
+              <a:rPr lang="pt-BR" dirty="0" smtClean="0">
+                <a:solidFill>
+                  <a:sysClr val="windowText" lastClr="000000"/>
+                </a:solidFill>
+              </a:rPr>
+              <a:t>1</a:t>
+            </a:r>
+            <a:endParaRPr lang="pt-BR" dirty="0">
+              <a:solidFill>
+                <a:sysClr val="windowText" lastClr="000000"/>
+              </a:solidFill>
+            </a:endParaRPr>
+          </a:p>
+        </p:txBody>
+      </p:sp>
+      <p:sp>
+        <p:nvSpPr>
+          <p:cNvPr id="62" name="Elipse 61"/>
+          <p:cNvSpPr/>
+          <p:nvPr/>
+        </p:nvSpPr>
+        <p:spPr>
+          <a:xfrm>
+            <a:off x="325212" y="4096122"/>
+            <a:ext cx="324000" cy="324000"/>
+          </a:xfrm>
+          <a:prstGeom prst="ellipse">
+            <a:avLst/>
+          </a:prstGeom>
+          <a:noFill/>
+          <a:ln>
+            <a:solidFill>
+              <a:schemeClr val="tx1"/>
+            </a:solidFill>
+          </a:ln>
+        </p:spPr>
+        <p:style>
+          <a:lnRef idx="2">
+            <a:schemeClr val="accent1">
+              <a:shade val="50000"/>
+            </a:schemeClr>
+          </a:lnRef>
+          <a:fillRef idx="1">
+            <a:schemeClr val="accent1"/>
+          </a:fillRef>
+          <a:effectRef idx="0">
+            <a:schemeClr val="accent1"/>
+          </a:effectRef>
+          <a:fontRef idx="minor">
+            <a:schemeClr val="lt1"/>
+          </a:fontRef>
+        </p:style>
+        <p:txBody>
+          <a:bodyPr rtlCol="0" anchor="ctr"/>
+          <a:lstStyle/>
+          <a:p>
+            <a:pPr algn="ctr"/>
+            <a:r>
+              <a:rPr lang="pt-BR" dirty="0" smtClean="0">
+                <a:solidFill>
+                  <a:sysClr val="windowText" lastClr="000000"/>
+                </a:solidFill>
+              </a:rPr>
+              <a:t>1</a:t>
+            </a:r>
+            <a:endParaRPr lang="pt-BR" dirty="0">
+              <a:solidFill>
+                <a:sysClr val="windowText" lastClr="000000"/>
+              </a:solidFill>
+            </a:endParaRPr>
+          </a:p>
+        </p:txBody>
+      </p:sp>
+      <p:sp>
+        <p:nvSpPr>
+          <p:cNvPr id="63" name="Retângulo 62"/>
+          <p:cNvSpPr/>
+          <p:nvPr/>
+        </p:nvSpPr>
+        <p:spPr>
+          <a:xfrm>
+            <a:off x="3838848" y="3068960"/>
+            <a:ext cx="1335321" cy="628411"/>
+          </a:xfrm>
+          <a:prstGeom prst="rect">
+            <a:avLst/>
+          </a:prstGeom>
+          <a:noFill/>
+          <a:ln w="38100">
+            <a:solidFill>
+              <a:schemeClr val="tx1"/>
+            </a:solidFill>
+          </a:ln>
+        </p:spPr>
+        <p:style>
+          <a:lnRef idx="2">
+            <a:schemeClr val="accent1">
+              <a:shade val="50000"/>
+            </a:schemeClr>
+          </a:lnRef>
+          <a:fillRef idx="1">
+            <a:schemeClr val="accent1"/>
+          </a:fillRef>
+          <a:effectRef idx="0">
+            <a:schemeClr val="accent1"/>
+          </a:effectRef>
+          <a:fontRef idx="minor">
+            <a:schemeClr val="lt1"/>
+          </a:fontRef>
+        </p:style>
+        <p:txBody>
+          <a:bodyPr rtlCol="0" anchor="ctr"/>
+          <a:lstStyle/>
+          <a:p>
+            <a:pPr algn="ctr"/>
+            <a:endParaRPr lang="pt-BR">
+              <a:noFill/>
+            </a:endParaRPr>
+          </a:p>
+        </p:txBody>
+      </p:sp>
+      <p:cxnSp>
+        <p:nvCxnSpPr>
+          <p:cNvPr id="64" name="Conector reto 63"/>
+          <p:cNvCxnSpPr/>
+          <p:nvPr/>
+        </p:nvCxnSpPr>
+        <p:spPr>
+          <a:xfrm>
+            <a:off x="3962405" y="3186707"/>
+            <a:ext cx="0" cy="457993"/>
+          </a:xfrm>
+          <a:prstGeom prst="line">
+            <a:avLst/>
+          </a:prstGeom>
+          <a:ln w="19050">
+            <a:solidFill>
+              <a:schemeClr val="tx1"/>
+            </a:solidFill>
+          </a:ln>
+        </p:spPr>
+        <p:style>
+          <a:lnRef idx="1">
+            <a:schemeClr val="accent1"/>
+          </a:lnRef>
+          <a:fillRef idx="0">
+            <a:schemeClr val="accent1"/>
+          </a:fillRef>
+          <a:effectRef idx="0">
+            <a:schemeClr val="accent1"/>
+          </a:effectRef>
+          <a:fontRef idx="minor">
+            <a:schemeClr val="tx1"/>
+          </a:fontRef>
+        </p:style>
+      </p:cxnSp>
+      <p:cxnSp>
+        <p:nvCxnSpPr>
+          <p:cNvPr id="65" name="Conector reto 64"/>
+          <p:cNvCxnSpPr/>
+          <p:nvPr/>
+        </p:nvCxnSpPr>
+        <p:spPr>
+          <a:xfrm>
+            <a:off x="3900906" y="3587884"/>
+            <a:ext cx="1020504" cy="0"/>
+          </a:xfrm>
+          <a:prstGeom prst="line">
+            <a:avLst/>
+          </a:prstGeom>
+          <a:ln w="19050">
+            <a:solidFill>
+              <a:schemeClr val="tx1"/>
+            </a:solidFill>
+          </a:ln>
+        </p:spPr>
+        <p:style>
+          <a:lnRef idx="1">
+            <a:schemeClr val="accent1"/>
+          </a:lnRef>
+          <a:fillRef idx="0">
+            <a:schemeClr val="accent1"/>
+          </a:fillRef>
+          <a:effectRef idx="0">
+            <a:schemeClr val="accent1"/>
+          </a:effectRef>
+          <a:fontRef idx="minor">
+            <a:schemeClr val="tx1"/>
+          </a:fontRef>
+        </p:style>
+      </p:cxnSp>
+      <p:cxnSp>
+        <p:nvCxnSpPr>
+          <p:cNvPr id="66" name="Conector reto 65"/>
+          <p:cNvCxnSpPr/>
+          <p:nvPr/>
+        </p:nvCxnSpPr>
+        <p:spPr>
+          <a:xfrm>
+            <a:off x="3955649" y="3286801"/>
+            <a:ext cx="517407" cy="0"/>
+          </a:xfrm>
+          <a:prstGeom prst="line">
+            <a:avLst/>
+          </a:prstGeom>
+          <a:ln w="12700">
+            <a:solidFill>
+              <a:schemeClr val="tx1"/>
+            </a:solidFill>
+          </a:ln>
+        </p:spPr>
+        <p:style>
+          <a:lnRef idx="1">
+            <a:schemeClr val="accent1"/>
+          </a:lnRef>
+          <a:fillRef idx="0">
+            <a:schemeClr val="accent1"/>
+          </a:fillRef>
+          <a:effectRef idx="0">
+            <a:schemeClr val="accent1"/>
+          </a:effectRef>
+          <a:fontRef idx="minor">
+            <a:schemeClr val="tx1"/>
+          </a:fontRef>
+        </p:style>
+      </p:cxnSp>
+      <p:cxnSp>
+        <p:nvCxnSpPr>
+          <p:cNvPr id="67" name="Conector reto 66"/>
+          <p:cNvCxnSpPr/>
+          <p:nvPr/>
+        </p:nvCxnSpPr>
+        <p:spPr>
+          <a:xfrm>
+            <a:off x="4473056" y="3286801"/>
+            <a:ext cx="266783" cy="301083"/>
+          </a:xfrm>
+          <a:prstGeom prst="line">
+            <a:avLst/>
+          </a:prstGeom>
+          <a:ln w="12700">
+            <a:solidFill>
+              <a:schemeClr val="tx1"/>
+            </a:solidFill>
+          </a:ln>
+        </p:spPr>
+        <p:style>
+          <a:lnRef idx="1">
+            <a:schemeClr val="accent1"/>
+          </a:lnRef>
+          <a:fillRef idx="0">
+            <a:schemeClr val="accent1"/>
+          </a:fillRef>
+          <a:effectRef idx="0">
+            <a:schemeClr val="accent1"/>
+          </a:effectRef>
+          <a:fontRef idx="minor">
+            <a:schemeClr val="tx1"/>
+          </a:fontRef>
+        </p:style>
+      </p:cxnSp>
+      <mc:AlternateContent xmlns:mc="http://schemas.openxmlformats.org/markup-compatibility/2006">
+        <mc:Choice xmlns:a14="http://schemas.microsoft.com/office/drawing/2010/main" Requires="a14">
+          <p:sp>
+            <p:nvSpPr>
+              <p:cNvPr id="71" name="CaixaDeTexto 70"/>
+              <p:cNvSpPr txBox="1"/>
+              <p:nvPr/>
+            </p:nvSpPr>
+            <p:spPr>
+              <a:xfrm>
+                <a:off x="1413124" y="3807035"/>
+                <a:ext cx="541751" cy="369332"/>
+              </a:xfrm>
+              <a:prstGeom prst="rect">
+                <a:avLst/>
+              </a:prstGeom>
+              <a:noFill/>
+            </p:spPr>
+            <p:txBody>
+              <a:bodyPr wrap="none" rtlCol="0">
+                <a:spAutoFit/>
+              </a:bodyPr>
+              <a:lstStyle/>
+              <a:p>
+                <a14:m>
+                  <m:oMathPara xmlns:m="http://schemas.openxmlformats.org/officeDocument/2006/math">
+                    <m:oMathParaPr>
+                      <m:jc m:val="centerGroup"/>
+                    </m:oMathParaPr>
+                    <m:oMath xmlns:m="http://schemas.openxmlformats.org/officeDocument/2006/math">
+                      <m:r>
+                        <a:rPr lang="pt-BR" b="0" i="1" smtClean="0">
+                          <a:latin typeface="Cambria Math"/>
+                        </a:rPr>
+                        <m:t>−</m:t>
+                      </m:r>
+                      <m:acc>
+                        <m:accPr>
+                          <m:chr m:val="̃"/>
+                          <m:ctrlPr>
+                            <a:rPr lang="pt-BR" b="0" i="1" smtClean="0">
+                              <a:latin typeface="Cambria Math"/>
+                            </a:rPr>
+                          </m:ctrlPr>
+                        </m:accPr>
+                        <m:e>
+                          <m:r>
+                            <a:rPr lang="pt-BR" b="0" i="1" smtClean="0">
+                              <a:latin typeface="Cambria Math"/>
+                            </a:rPr>
+                            <m:t>𝑝</m:t>
+                          </m:r>
+                        </m:e>
+                      </m:acc>
+                    </m:oMath>
+                  </m:oMathPara>
+                </a14:m>
+                <a:endParaRPr lang="pt-BR" dirty="0"/>
+              </a:p>
+            </p:txBody>
+          </p:sp>
+        </mc:Choice>
+        <mc:Fallback>
+          <p:sp>
+            <p:nvSpPr>
+              <p:cNvPr id="71" name="CaixaDeTexto 70"/>
+              <p:cNvSpPr txBox="1">
+                <a:spLocks noRot="1" noChangeAspect="1" noMove="1" noResize="1" noEditPoints="1" noAdjustHandles="1" noChangeArrowheads="1" noChangeShapeType="1" noTextEdit="1"/>
+              </p:cNvSpPr>
+              <p:nvPr/>
+            </p:nvSpPr>
+            <p:spPr>
+              <a:xfrm>
+                <a:off x="1413124" y="3807035"/>
+                <a:ext cx="541751" cy="369332"/>
+              </a:xfrm>
+              <a:prstGeom prst="rect">
+                <a:avLst/>
+              </a:prstGeom>
+              <a:blipFill rotWithShape="1">
+                <a:blip r:embed="rId26"/>
+                <a:stretch>
+                  <a:fillRect r="-39326" b="-6667"/>
+                </a:stretch>
+              </a:blipFill>
+            </p:spPr>
+            <p:txBody>
+              <a:bodyPr/>
+              <a:lstStyle/>
+              <a:p>
+                <a:r>
+                  <a:rPr lang="pt-BR">
+                    <a:noFill/>
+                  </a:rPr>
+                  <a:t> </a:t>
+                </a:r>
+              </a:p>
+            </p:txBody>
+          </p:sp>
+        </mc:Fallback>
+      </mc:AlternateContent>
+      <mc:AlternateContent xmlns:mc="http://schemas.openxmlformats.org/markup-compatibility/2006">
+        <mc:Choice xmlns:a14="http://schemas.microsoft.com/office/drawing/2010/main" Requires="a14">
+          <p:sp>
+            <p:nvSpPr>
+              <p:cNvPr id="73" name="CaixaDeTexto 72"/>
+              <p:cNvSpPr txBox="1"/>
+              <p:nvPr/>
+            </p:nvSpPr>
+            <p:spPr>
+              <a:xfrm>
+                <a:off x="2267068" y="3807035"/>
+                <a:ext cx="542713" cy="369332"/>
+              </a:xfrm>
+              <a:prstGeom prst="rect">
+                <a:avLst/>
+              </a:prstGeom>
+              <a:noFill/>
+            </p:spPr>
+            <p:txBody>
+              <a:bodyPr wrap="none" rtlCol="0">
+                <a:spAutoFit/>
+              </a:bodyPr>
+              <a:lstStyle/>
+              <a:p>
+                <a14:m>
+                  <m:oMathPara xmlns:m="http://schemas.openxmlformats.org/officeDocument/2006/math">
+                    <m:oMathParaPr>
+                      <m:jc m:val="centerGroup"/>
+                    </m:oMathParaPr>
+                    <m:oMath xmlns:m="http://schemas.openxmlformats.org/officeDocument/2006/math">
+                      <m:r>
+                        <a:rPr lang="pt-BR" b="0" i="1" smtClean="0">
+                          <a:latin typeface="Cambria Math"/>
+                        </a:rPr>
+                        <m:t>−</m:t>
+                      </m:r>
+                      <m:r>
+                        <a:rPr lang="pt-BR" b="0" i="1" smtClean="0">
+                          <a:latin typeface="Cambria Math"/>
+                        </a:rPr>
+                        <m:t>𝑞</m:t>
+                      </m:r>
+                    </m:oMath>
+                  </m:oMathPara>
+                </a14:m>
+                <a:endParaRPr lang="pt-BR" dirty="0"/>
+              </a:p>
+            </p:txBody>
+          </p:sp>
+        </mc:Choice>
+        <mc:Fallback>
+          <p:sp>
+            <p:nvSpPr>
+              <p:cNvPr id="73" name="CaixaDeTexto 72"/>
+              <p:cNvSpPr txBox="1">
+                <a:spLocks noRot="1" noChangeAspect="1" noMove="1" noResize="1" noEditPoints="1" noAdjustHandles="1" noChangeArrowheads="1" noChangeShapeType="1" noTextEdit="1"/>
+              </p:cNvSpPr>
+              <p:nvPr/>
+            </p:nvSpPr>
+            <p:spPr>
+              <a:xfrm>
+                <a:off x="2267068" y="3807035"/>
+                <a:ext cx="542713" cy="369332"/>
+              </a:xfrm>
+              <a:prstGeom prst="rect">
+                <a:avLst/>
+              </a:prstGeom>
+              <a:blipFill rotWithShape="1">
+                <a:blip r:embed="rId27"/>
+                <a:stretch>
+                  <a:fillRect b="-6667"/>
+                </a:stretch>
+              </a:blipFill>
+            </p:spPr>
+            <p:txBody>
+              <a:bodyPr/>
+              <a:lstStyle/>
+              <a:p>
+                <a:r>
+                  <a:rPr lang="pt-BR">
+                    <a:noFill/>
+                  </a:rPr>
+                  <a:t> </a:t>
+                </a:r>
+              </a:p>
+            </p:txBody>
+          </p:sp>
+        </mc:Fallback>
+      </mc:AlternateContent>
+      <p:sp>
+        <p:nvSpPr>
+          <p:cNvPr id="81" name="CaixaDeTexto 80"/>
+          <p:cNvSpPr txBox="1"/>
+          <p:nvPr/>
+        </p:nvSpPr>
+        <p:spPr>
+          <a:xfrm>
+            <a:off x="4512089" y="3098944"/>
+            <a:ext cx="647429" cy="307777"/>
+          </a:xfrm>
+          <a:prstGeom prst="rect">
+            <a:avLst/>
+          </a:prstGeom>
+          <a:noFill/>
+        </p:spPr>
+        <p:txBody>
+          <a:bodyPr wrap="square" rtlCol="0">
+            <a:spAutoFit/>
+          </a:bodyPr>
+          <a:lstStyle/>
+          <a:p>
+            <a:pPr algn="ctr"/>
+            <a:r>
+              <a:rPr lang="pt-BR" sz="1400" dirty="0" smtClean="0">
+                <a:latin typeface="Arial" pitchFamily="34" charset="0"/>
+                <a:cs typeface="Arial" pitchFamily="34" charset="0"/>
+              </a:rPr>
+              <a:t>FPB</a:t>
+            </a:r>
+            <a:endParaRPr lang="pt-BR" sz="1400" dirty="0">
+              <a:latin typeface="Arial" pitchFamily="34" charset="0"/>
+              <a:cs typeface="Arial" pitchFamily="34" charset="0"/>
+            </a:endParaRPr>
+          </a:p>
+        </p:txBody>
+      </p:sp>
+      <p:sp>
+        <p:nvSpPr>
+          <p:cNvPr id="84" name="Triângulo isósceles 83"/>
+          <p:cNvSpPr/>
+          <p:nvPr/>
+        </p:nvSpPr>
+        <p:spPr>
+          <a:xfrm rot="16200000">
+            <a:off x="3097300" y="3649198"/>
+            <a:ext cx="369335" cy="566323"/>
+          </a:xfrm>
+          <a:prstGeom prst="triangle">
+            <a:avLst/>
+          </a:prstGeom>
+          <a:noFill/>
+          <a:ln w="38100">
+            <a:solidFill>
+              <a:schemeClr val="tx1"/>
+            </a:solidFill>
+          </a:ln>
+        </p:spPr>
+        <p:style>
+          <a:lnRef idx="2">
+            <a:schemeClr val="accent1">
+              <a:shade val="50000"/>
+            </a:schemeClr>
+          </a:lnRef>
+          <a:fillRef idx="1">
+            <a:schemeClr val="accent1"/>
+          </a:fillRef>
+          <a:effectRef idx="0">
+            <a:schemeClr val="accent1"/>
+          </a:effectRef>
+          <a:fontRef idx="minor">
+            <a:schemeClr val="lt1"/>
+          </a:fontRef>
+        </p:style>
+        <p:txBody>
+          <a:bodyPr rtlCol="0" anchor="ctr"/>
+          <a:lstStyle/>
+          <a:p>
+            <a:pPr algn="ctr"/>
+            <a:endParaRPr lang="pt-BR">
+              <a:noFill/>
+            </a:endParaRPr>
+          </a:p>
+        </p:txBody>
+      </p:sp>
+      <mc:AlternateContent xmlns:mc="http://schemas.openxmlformats.org/markup-compatibility/2006">
+        <mc:Choice xmlns:a14="http://schemas.microsoft.com/office/drawing/2010/main" Requires="a14">
+          <p:sp>
+            <p:nvSpPr>
+              <p:cNvPr id="85" name="CaixaDeTexto 84"/>
+              <p:cNvSpPr txBox="1"/>
+              <p:nvPr/>
+            </p:nvSpPr>
+            <p:spPr>
+              <a:xfrm>
+                <a:off x="3112236" y="3747696"/>
+                <a:ext cx="538929" cy="369332"/>
+              </a:xfrm>
+              <a:prstGeom prst="rect">
+                <a:avLst/>
+              </a:prstGeom>
+              <a:noFill/>
+            </p:spPr>
+            <p:txBody>
+              <a:bodyPr wrap="none" rtlCol="0">
+                <a:spAutoFit/>
+              </a:bodyPr>
+              <a:lstStyle/>
+              <a:p>
+                <a14:m>
+                  <m:oMathPara xmlns:m="http://schemas.openxmlformats.org/officeDocument/2006/math">
+                    <m:oMathParaPr>
+                      <m:jc m:val="centerGroup"/>
+                    </m:oMathParaPr>
+                    <m:oMath xmlns:m="http://schemas.openxmlformats.org/officeDocument/2006/math">
+                      <m:r>
+                        <a:rPr lang="pt-BR" b="0" i="1" smtClean="0">
+                          <a:latin typeface="Cambria Math"/>
+                        </a:rPr>
+                        <m:t>−1</m:t>
+                      </m:r>
+                    </m:oMath>
+                  </m:oMathPara>
+                </a14:m>
+                <a:endParaRPr lang="pt-BR" dirty="0"/>
+              </a:p>
+            </p:txBody>
+          </p:sp>
+        </mc:Choice>
+        <mc:Fallback>
+          <p:sp>
+            <p:nvSpPr>
+              <p:cNvPr id="85" name="CaixaDeTexto 84"/>
+              <p:cNvSpPr txBox="1">
+                <a:spLocks noRot="1" noChangeAspect="1" noMove="1" noResize="1" noEditPoints="1" noAdjustHandles="1" noChangeArrowheads="1" noChangeShapeType="1" noTextEdit="1"/>
+              </p:cNvSpPr>
+              <p:nvPr/>
+            </p:nvSpPr>
+            <p:spPr>
+              <a:xfrm>
+                <a:off x="3112236" y="3747696"/>
+                <a:ext cx="538929" cy="369332"/>
+              </a:xfrm>
+              <a:prstGeom prst="rect">
+                <a:avLst/>
+              </a:prstGeom>
+              <a:blipFill rotWithShape="1">
+                <a:blip r:embed="rId28"/>
+                <a:stretch>
+                  <a:fillRect/>
+                </a:stretch>
+              </a:blipFill>
+            </p:spPr>
+            <p:txBody>
+              <a:bodyPr/>
+              <a:lstStyle/>
+              <a:p>
+                <a:r>
+                  <a:rPr lang="pt-BR">
+                    <a:noFill/>
+                  </a:rPr>
+                  <a:t> </a:t>
+                </a:r>
+              </a:p>
+            </p:txBody>
+          </p:sp>
+        </mc:Fallback>
+      </mc:AlternateContent>
+      <p:cxnSp>
+        <p:nvCxnSpPr>
+          <p:cNvPr id="90" name="Conector reto 89"/>
+          <p:cNvCxnSpPr>
+            <a:endCxn id="84" idx="0"/>
+          </p:cNvCxnSpPr>
+          <p:nvPr/>
+        </p:nvCxnSpPr>
+        <p:spPr>
+          <a:xfrm flipV="1">
+            <a:off x="2835638" y="3932359"/>
+            <a:ext cx="163168" cy="0"/>
+          </a:xfrm>
+          <a:prstGeom prst="line">
+            <a:avLst/>
+          </a:prstGeom>
+          <a:ln w="38100">
+            <a:solidFill>
+              <a:schemeClr val="tx1"/>
+            </a:solidFill>
+          </a:ln>
+        </p:spPr>
+        <p:style>
+          <a:lnRef idx="1">
+            <a:schemeClr val="accent1"/>
+          </a:lnRef>
+          <a:fillRef idx="0">
+            <a:schemeClr val="accent1"/>
+          </a:fillRef>
+          <a:effectRef idx="0">
+            <a:schemeClr val="accent1"/>
+          </a:effectRef>
+          <a:fontRef idx="minor">
+            <a:schemeClr val="tx1"/>
+          </a:fontRef>
+        </p:style>
+      </p:cxnSp>
+      <p:sp>
+        <p:nvSpPr>
+          <p:cNvPr id="105" name="Triângulo isósceles 104"/>
+          <p:cNvSpPr/>
+          <p:nvPr/>
+        </p:nvSpPr>
+        <p:spPr>
+          <a:xfrm rot="16200000">
+            <a:off x="2680366" y="3099992"/>
+            <a:ext cx="369335" cy="566323"/>
+          </a:xfrm>
+          <a:prstGeom prst="triangle">
+            <a:avLst/>
+          </a:prstGeom>
+          <a:noFill/>
+          <a:ln w="38100">
+            <a:solidFill>
+              <a:schemeClr val="tx1"/>
+            </a:solidFill>
+          </a:ln>
+        </p:spPr>
+        <p:style>
+          <a:lnRef idx="2">
+            <a:schemeClr val="accent1">
+              <a:shade val="50000"/>
+            </a:schemeClr>
+          </a:lnRef>
+          <a:fillRef idx="1">
+            <a:schemeClr val="accent1"/>
+          </a:fillRef>
+          <a:effectRef idx="0">
+            <a:schemeClr val="accent1"/>
+          </a:effectRef>
+          <a:fontRef idx="minor">
+            <a:schemeClr val="lt1"/>
+          </a:fontRef>
+        </p:style>
+        <p:txBody>
+          <a:bodyPr rtlCol="0" anchor="ctr"/>
+          <a:lstStyle/>
+          <a:p>
+            <a:pPr algn="ctr"/>
+            <a:endParaRPr lang="pt-BR">
+              <a:noFill/>
+            </a:endParaRPr>
+          </a:p>
+        </p:txBody>
+      </p:sp>
+      <mc:AlternateContent xmlns:mc="http://schemas.openxmlformats.org/markup-compatibility/2006">
+        <mc:Choice xmlns:a14="http://schemas.microsoft.com/office/drawing/2010/main" Requires="a14">
+          <p:sp>
+            <p:nvSpPr>
+              <p:cNvPr id="106" name="CaixaDeTexto 105"/>
+              <p:cNvSpPr txBox="1"/>
+              <p:nvPr/>
+            </p:nvSpPr>
+            <p:spPr>
+              <a:xfrm>
+                <a:off x="2695302" y="3198490"/>
+                <a:ext cx="538929" cy="369332"/>
+              </a:xfrm>
+              <a:prstGeom prst="rect">
+                <a:avLst/>
+              </a:prstGeom>
+              <a:noFill/>
+            </p:spPr>
+            <p:txBody>
+              <a:bodyPr wrap="none" rtlCol="0">
+                <a:spAutoFit/>
+              </a:bodyPr>
+              <a:lstStyle/>
+              <a:p>
+                <a14:m>
+                  <m:oMathPara xmlns:m="http://schemas.openxmlformats.org/officeDocument/2006/math">
+                    <m:oMathParaPr>
+                      <m:jc m:val="centerGroup"/>
+                    </m:oMathParaPr>
+                    <m:oMath xmlns:m="http://schemas.openxmlformats.org/officeDocument/2006/math">
+                      <m:r>
+                        <a:rPr lang="pt-BR" b="0" i="1" smtClean="0">
+                          <a:latin typeface="Cambria Math"/>
+                        </a:rPr>
+                        <m:t>−1</m:t>
+                      </m:r>
+                    </m:oMath>
+                  </m:oMathPara>
+                </a14:m>
+                <a:endParaRPr lang="pt-BR" dirty="0"/>
+              </a:p>
+            </p:txBody>
+          </p:sp>
+        </mc:Choice>
+        <mc:Fallback>
+          <p:sp>
+            <p:nvSpPr>
+              <p:cNvPr id="106" name="CaixaDeTexto 105"/>
+              <p:cNvSpPr txBox="1">
+                <a:spLocks noRot="1" noChangeAspect="1" noMove="1" noResize="1" noEditPoints="1" noAdjustHandles="1" noChangeArrowheads="1" noChangeShapeType="1" noTextEdit="1"/>
+              </p:cNvSpPr>
+              <p:nvPr/>
+            </p:nvSpPr>
+            <p:spPr>
+              <a:xfrm>
+                <a:off x="2695302" y="3198490"/>
+                <a:ext cx="538929" cy="369332"/>
+              </a:xfrm>
+              <a:prstGeom prst="rect">
+                <a:avLst/>
+              </a:prstGeom>
+              <a:blipFill rotWithShape="1">
+                <a:blip r:embed="rId29"/>
+                <a:stretch>
+                  <a:fillRect/>
+                </a:stretch>
+              </a:blipFill>
+            </p:spPr>
+            <p:txBody>
+              <a:bodyPr/>
+              <a:lstStyle/>
+              <a:p>
+                <a:r>
+                  <a:rPr lang="pt-BR">
+                    <a:noFill/>
+                  </a:rPr>
+                  <a:t> </a:t>
+                </a:r>
+              </a:p>
+            </p:txBody>
+          </p:sp>
+        </mc:Fallback>
+      </mc:AlternateContent>
+      <p:cxnSp>
+        <p:nvCxnSpPr>
+          <p:cNvPr id="107" name="Conector reto 106"/>
+          <p:cNvCxnSpPr>
+            <a:endCxn id="105" idx="0"/>
+          </p:cNvCxnSpPr>
+          <p:nvPr/>
+        </p:nvCxnSpPr>
+        <p:spPr>
+          <a:xfrm>
+            <a:off x="1916906" y="3383153"/>
+            <a:ext cx="664966" cy="0"/>
+          </a:xfrm>
+          <a:prstGeom prst="line">
+            <a:avLst/>
+          </a:prstGeom>
+          <a:ln w="38100">
+            <a:solidFill>
+              <a:schemeClr val="tx1"/>
+            </a:solidFill>
+          </a:ln>
+        </p:spPr>
+        <p:style>
+          <a:lnRef idx="1">
+            <a:schemeClr val="accent1"/>
+          </a:lnRef>
+          <a:fillRef idx="0">
+            <a:schemeClr val="accent1"/>
+          </a:fillRef>
+          <a:effectRef idx="0">
+            <a:schemeClr val="accent1"/>
+          </a:effectRef>
+          <a:fontRef idx="minor">
+            <a:schemeClr val="tx1"/>
+          </a:fontRef>
+        </p:style>
+      </p:cxnSp>
+      <p:pic>
+        <p:nvPicPr>
+          <p:cNvPr id="1026" name="Picture 2"/>
+          <p:cNvPicPr>
+            <a:picLocks noChangeAspect="1" noChangeArrowheads="1"/>
+          </p:cNvPicPr>
+          <p:nvPr/>
+        </p:nvPicPr>
+        <p:blipFill>
+          <a:blip r:embed="rId30" cstate="print">
+            <a:extLst>
+              <a:ext uri="{28A0092B-C50C-407E-A947-70E740481C1C}">
+                <a14:useLocalDpi xmlns:a14="http://schemas.microsoft.com/office/drawing/2010/main" val="0"/>
+              </a:ext>
+            </a:extLst>
+          </a:blip>
+          <a:srcRect/>
+          <a:stretch>
+            <a:fillRect/>
+          </a:stretch>
+        </p:blipFill>
+        <p:spPr bwMode="auto">
+          <a:xfrm>
+            <a:off x="1062870" y="4735080"/>
+            <a:ext cx="2805792" cy="547200"/>
+          </a:xfrm>
+          <a:prstGeom prst="rect">
+            <a:avLst/>
+          </a:prstGeom>
+          <a:noFill/>
+          <a:ln>
+            <a:noFill/>
+          </a:ln>
+          <a:effectLst/>
+          <a:extLst>
+            <a:ext uri="{909E8E84-426E-40DD-AFC4-6F175D3DCCD1}">
+              <a14:hiddenFill xmlns:a14="http://schemas.microsoft.com/office/drawing/2010/main">
+                <a:solidFill>
+                  <a:schemeClr val="accent1"/>
+                </a:solidFill>
+              </a14:hiddenFill>
+            </a:ext>
+            <a:ext uri="{91240B29-F687-4F45-9708-019B960494DF}">
+              <a14:hiddenLine xmlns:a14="http://schemas.microsoft.com/office/drawing/2010/main" w="9525">
+                <a:solidFill>
+                  <a:schemeClr val="tx1"/>
+                </a:solidFill>
+                <a:miter lim="800000"/>
+                <a:headEnd/>
+                <a:tailEnd/>
+              </a14:hiddenLine>
+            </a:ext>
+            <a:ext uri="{AF507438-7753-43E0-B8FC-AC1667EBCBE1}">
+              <a14:hiddenEffects xmlns:a14="http://schemas.microsoft.com/office/drawing/2010/main">
+                <a:effectLst>
+                  <a:outerShdw dist="35921" dir="2700000" algn="ctr" rotWithShape="0">
+                    <a:schemeClr val="bg2"/>
+                  </a:outerShdw>
+                </a:effectLst>
+              </a14:hiddenEffects>
+            </a:ext>
+          </a:extLst>
+        </p:spPr>
+      </p:pic>
+    </p:spTree>
+    <p:extLst>
+      <p:ext uri="{BB962C8B-B14F-4D97-AF65-F5344CB8AC3E}">
+        <p14:creationId xmlns:p14="http://schemas.microsoft.com/office/powerpoint/2010/main" val="1367493358"/>
       </p:ext>
     </p:extLst>
   </p:cSld>

--- a/Tranqueiras de ppt/desenhos_filtro_complexo.pptx
+++ b/Tranqueiras de ppt/desenhos_filtro_complexo.pptx
@@ -106,6 +106,22 @@
       </a:defRPr>
     </a:lvl9pPr>
   </p:defaultTextStyle>
+  <p:extLst>
+    <p:ext uri="{EFAFB233-063F-42B5-8137-9DF3F51BA10A}">
+      <p15:sldGuideLst xmlns:p15="http://schemas.microsoft.com/office/powerpoint/2012/main">
+        <p15:guide id="1" orient="horz" pos="2160">
+          <p15:clr>
+            <a:srgbClr val="A4A3A4"/>
+          </p15:clr>
+        </p15:guide>
+        <p15:guide id="2" pos="2880">
+          <p15:clr>
+            <a:srgbClr val="A4A3A4"/>
+          </p15:clr>
+        </p15:guide>
+      </p15:sldGuideLst>
+    </p:ext>
+  </p:extLst>
 </p:presentation>
 </file>
 
@@ -147,10 +163,9 @@
           <a:lstStyle/>
           <a:p>
             <a:r>
-              <a:rPr lang="pt-BR" smtClean="0"/>
+              <a:rPr lang="pt-BR"/>
               <a:t>Clique para editar o título mestre</a:t>
             </a:r>
-            <a:endParaRPr lang="pt-BR"/>
           </a:p>
         </p:txBody>
       </p:sp>
@@ -266,10 +281,9 @@
           </a:lstStyle>
           <a:p>
             <a:r>
-              <a:rPr lang="pt-BR" smtClean="0"/>
+              <a:rPr lang="pt-BR"/>
               <a:t>Clique para editar o estilo do subtítulo mestre</a:t>
             </a:r>
-            <a:endParaRPr lang="pt-BR"/>
           </a:p>
         </p:txBody>
       </p:sp>
@@ -290,7 +304,7 @@
           <a:p>
             <a:fld id="{9F140449-45B3-4C4C-B502-456914857DA8}" type="datetimeFigureOut">
               <a:rPr lang="pt-BR" smtClean="0"/>
-              <a:t>29/08/2016</a:t>
+              <a:t>30/08/2016</a:t>
             </a:fld>
             <a:endParaRPr lang="pt-BR"/>
           </a:p>
@@ -384,10 +398,9 @@
           <a:lstStyle/>
           <a:p>
             <a:r>
-              <a:rPr lang="pt-BR" smtClean="0"/>
+              <a:rPr lang="pt-BR"/>
               <a:t>Clique para editar o título mestre</a:t>
             </a:r>
-            <a:endParaRPr lang="pt-BR"/>
           </a:p>
         </p:txBody>
       </p:sp>
@@ -408,38 +421,37 @@
           <a:p>
             <a:pPr lvl="0"/>
             <a:r>
-              <a:rPr lang="pt-BR" smtClean="0"/>
+              <a:rPr lang="pt-BR"/>
               <a:t>Clique para editar o texto mestre</a:t>
             </a:r>
           </a:p>
           <a:p>
             <a:pPr lvl="1"/>
             <a:r>
-              <a:rPr lang="pt-BR" smtClean="0"/>
+              <a:rPr lang="pt-BR"/>
               <a:t>Segundo nível</a:t>
             </a:r>
           </a:p>
           <a:p>
             <a:pPr lvl="2"/>
             <a:r>
-              <a:rPr lang="pt-BR" smtClean="0"/>
+              <a:rPr lang="pt-BR"/>
               <a:t>Terceiro nível</a:t>
             </a:r>
           </a:p>
           <a:p>
             <a:pPr lvl="3"/>
             <a:r>
-              <a:rPr lang="pt-BR" smtClean="0"/>
+              <a:rPr lang="pt-BR"/>
               <a:t>Quarto nível</a:t>
             </a:r>
           </a:p>
           <a:p>
             <a:pPr lvl="4"/>
             <a:r>
-              <a:rPr lang="pt-BR" smtClean="0"/>
+              <a:rPr lang="pt-BR"/>
               <a:t>Quinto nível</a:t>
             </a:r>
-            <a:endParaRPr lang="pt-BR"/>
           </a:p>
         </p:txBody>
       </p:sp>
@@ -460,7 +472,7 @@
           <a:p>
             <a:fld id="{9F140449-45B3-4C4C-B502-456914857DA8}" type="datetimeFigureOut">
               <a:rPr lang="pt-BR" smtClean="0"/>
-              <a:t>29/08/2016</a:t>
+              <a:t>30/08/2016</a:t>
             </a:fld>
             <a:endParaRPr lang="pt-BR"/>
           </a:p>
@@ -559,10 +571,9 @@
           <a:lstStyle/>
           <a:p>
             <a:r>
-              <a:rPr lang="pt-BR" smtClean="0"/>
+              <a:rPr lang="pt-BR"/>
               <a:t>Clique para editar o título mestre</a:t>
             </a:r>
-            <a:endParaRPr lang="pt-BR"/>
           </a:p>
         </p:txBody>
       </p:sp>
@@ -588,38 +599,37 @@
           <a:p>
             <a:pPr lvl="0"/>
             <a:r>
-              <a:rPr lang="pt-BR" smtClean="0"/>
+              <a:rPr lang="pt-BR"/>
               <a:t>Clique para editar o texto mestre</a:t>
             </a:r>
           </a:p>
           <a:p>
             <a:pPr lvl="1"/>
             <a:r>
-              <a:rPr lang="pt-BR" smtClean="0"/>
+              <a:rPr lang="pt-BR"/>
               <a:t>Segundo nível</a:t>
             </a:r>
           </a:p>
           <a:p>
             <a:pPr lvl="2"/>
             <a:r>
-              <a:rPr lang="pt-BR" smtClean="0"/>
+              <a:rPr lang="pt-BR"/>
               <a:t>Terceiro nível</a:t>
             </a:r>
           </a:p>
           <a:p>
             <a:pPr lvl="3"/>
             <a:r>
-              <a:rPr lang="pt-BR" smtClean="0"/>
+              <a:rPr lang="pt-BR"/>
               <a:t>Quarto nível</a:t>
             </a:r>
           </a:p>
           <a:p>
             <a:pPr lvl="4"/>
             <a:r>
-              <a:rPr lang="pt-BR" smtClean="0"/>
+              <a:rPr lang="pt-BR"/>
               <a:t>Quinto nível</a:t>
             </a:r>
-            <a:endParaRPr lang="pt-BR"/>
           </a:p>
         </p:txBody>
       </p:sp>
@@ -640,7 +650,7 @@
           <a:p>
             <a:fld id="{9F140449-45B3-4C4C-B502-456914857DA8}" type="datetimeFigureOut">
               <a:rPr lang="pt-BR" smtClean="0"/>
-              <a:t>29/08/2016</a:t>
+              <a:t>30/08/2016</a:t>
             </a:fld>
             <a:endParaRPr lang="pt-BR"/>
           </a:p>
@@ -734,10 +744,9 @@
           <a:lstStyle/>
           <a:p>
             <a:r>
-              <a:rPr lang="pt-BR" smtClean="0"/>
+              <a:rPr lang="pt-BR"/>
               <a:t>Clique para editar o título mestre</a:t>
             </a:r>
-            <a:endParaRPr lang="pt-BR"/>
           </a:p>
         </p:txBody>
       </p:sp>
@@ -758,38 +767,37 @@
           <a:p>
             <a:pPr lvl="0"/>
             <a:r>
-              <a:rPr lang="pt-BR" smtClean="0"/>
+              <a:rPr lang="pt-BR"/>
               <a:t>Clique para editar o texto mestre</a:t>
             </a:r>
           </a:p>
           <a:p>
             <a:pPr lvl="1"/>
             <a:r>
-              <a:rPr lang="pt-BR" smtClean="0"/>
+              <a:rPr lang="pt-BR"/>
               <a:t>Segundo nível</a:t>
             </a:r>
           </a:p>
           <a:p>
             <a:pPr lvl="2"/>
             <a:r>
-              <a:rPr lang="pt-BR" smtClean="0"/>
+              <a:rPr lang="pt-BR"/>
               <a:t>Terceiro nível</a:t>
             </a:r>
           </a:p>
           <a:p>
             <a:pPr lvl="3"/>
             <a:r>
-              <a:rPr lang="pt-BR" smtClean="0"/>
+              <a:rPr lang="pt-BR"/>
               <a:t>Quarto nível</a:t>
             </a:r>
           </a:p>
           <a:p>
             <a:pPr lvl="4"/>
             <a:r>
-              <a:rPr lang="pt-BR" smtClean="0"/>
+              <a:rPr lang="pt-BR"/>
               <a:t>Quinto nível</a:t>
             </a:r>
-            <a:endParaRPr lang="pt-BR"/>
           </a:p>
         </p:txBody>
       </p:sp>
@@ -810,7 +818,7 @@
           <a:p>
             <a:fld id="{9F140449-45B3-4C4C-B502-456914857DA8}" type="datetimeFigureOut">
               <a:rPr lang="pt-BR" smtClean="0"/>
-              <a:t>29/08/2016</a:t>
+              <a:t>30/08/2016</a:t>
             </a:fld>
             <a:endParaRPr lang="pt-BR"/>
           </a:p>
@@ -913,10 +921,9 @@
           </a:lstStyle>
           <a:p>
             <a:r>
-              <a:rPr lang="pt-BR" smtClean="0"/>
+              <a:rPr lang="pt-BR"/>
               <a:t>Clique para editar o título mestre</a:t>
             </a:r>
-            <a:endParaRPr lang="pt-BR"/>
           </a:p>
         </p:txBody>
       </p:sp>
@@ -1033,7 +1040,7 @@
           <a:p>
             <a:pPr lvl="0"/>
             <a:r>
-              <a:rPr lang="pt-BR" smtClean="0"/>
+              <a:rPr lang="pt-BR"/>
               <a:t>Clique para editar o texto mestre</a:t>
             </a:r>
           </a:p>
@@ -1056,7 +1063,7 @@
           <a:p>
             <a:fld id="{9F140449-45B3-4C4C-B502-456914857DA8}" type="datetimeFigureOut">
               <a:rPr lang="pt-BR" smtClean="0"/>
-              <a:t>29/08/2016</a:t>
+              <a:t>30/08/2016</a:t>
             </a:fld>
             <a:endParaRPr lang="pt-BR"/>
           </a:p>
@@ -1150,10 +1157,9 @@
           <a:lstStyle/>
           <a:p>
             <a:r>
-              <a:rPr lang="pt-BR" smtClean="0"/>
+              <a:rPr lang="pt-BR"/>
               <a:t>Clique para editar o título mestre</a:t>
             </a:r>
-            <a:endParaRPr lang="pt-BR"/>
           </a:p>
         </p:txBody>
       </p:sp>
@@ -1207,38 +1213,37 @@
           <a:p>
             <a:pPr lvl="0"/>
             <a:r>
-              <a:rPr lang="pt-BR" smtClean="0"/>
+              <a:rPr lang="pt-BR"/>
               <a:t>Clique para editar o texto mestre</a:t>
             </a:r>
           </a:p>
           <a:p>
             <a:pPr lvl="1"/>
             <a:r>
-              <a:rPr lang="pt-BR" smtClean="0"/>
+              <a:rPr lang="pt-BR"/>
               <a:t>Segundo nível</a:t>
             </a:r>
           </a:p>
           <a:p>
             <a:pPr lvl="2"/>
             <a:r>
-              <a:rPr lang="pt-BR" smtClean="0"/>
+              <a:rPr lang="pt-BR"/>
               <a:t>Terceiro nível</a:t>
             </a:r>
           </a:p>
           <a:p>
             <a:pPr lvl="3"/>
             <a:r>
-              <a:rPr lang="pt-BR" smtClean="0"/>
+              <a:rPr lang="pt-BR"/>
               <a:t>Quarto nível</a:t>
             </a:r>
           </a:p>
           <a:p>
             <a:pPr lvl="4"/>
             <a:r>
-              <a:rPr lang="pt-BR" smtClean="0"/>
+              <a:rPr lang="pt-BR"/>
               <a:t>Quinto nível</a:t>
             </a:r>
-            <a:endParaRPr lang="pt-BR"/>
           </a:p>
         </p:txBody>
       </p:sp>
@@ -1292,38 +1297,37 @@
           <a:p>
             <a:pPr lvl="0"/>
             <a:r>
-              <a:rPr lang="pt-BR" smtClean="0"/>
+              <a:rPr lang="pt-BR"/>
               <a:t>Clique para editar o texto mestre</a:t>
             </a:r>
           </a:p>
           <a:p>
             <a:pPr lvl="1"/>
             <a:r>
-              <a:rPr lang="pt-BR" smtClean="0"/>
+              <a:rPr lang="pt-BR"/>
               <a:t>Segundo nível</a:t>
             </a:r>
           </a:p>
           <a:p>
             <a:pPr lvl="2"/>
             <a:r>
-              <a:rPr lang="pt-BR" smtClean="0"/>
+              <a:rPr lang="pt-BR"/>
               <a:t>Terceiro nível</a:t>
             </a:r>
           </a:p>
           <a:p>
             <a:pPr lvl="3"/>
             <a:r>
-              <a:rPr lang="pt-BR" smtClean="0"/>
+              <a:rPr lang="pt-BR"/>
               <a:t>Quarto nível</a:t>
             </a:r>
           </a:p>
           <a:p>
             <a:pPr lvl="4"/>
             <a:r>
-              <a:rPr lang="pt-BR" smtClean="0"/>
+              <a:rPr lang="pt-BR"/>
               <a:t>Quinto nível</a:t>
             </a:r>
-            <a:endParaRPr lang="pt-BR"/>
           </a:p>
         </p:txBody>
       </p:sp>
@@ -1344,7 +1348,7 @@
           <a:p>
             <a:fld id="{9F140449-45B3-4C4C-B502-456914857DA8}" type="datetimeFigureOut">
               <a:rPr lang="pt-BR" smtClean="0"/>
-              <a:t>29/08/2016</a:t>
+              <a:t>30/08/2016</a:t>
             </a:fld>
             <a:endParaRPr lang="pt-BR"/>
           </a:p>
@@ -1442,10 +1446,9 @@
           </a:lstStyle>
           <a:p>
             <a:r>
-              <a:rPr lang="pt-BR" smtClean="0"/>
+              <a:rPr lang="pt-BR"/>
               <a:t>Clique para editar o título mestre</a:t>
             </a:r>
-            <a:endParaRPr lang="pt-BR"/>
           </a:p>
         </p:txBody>
       </p:sp>
@@ -1508,7 +1511,7 @@
           <a:p>
             <a:pPr lvl="0"/>
             <a:r>
-              <a:rPr lang="pt-BR" smtClean="0"/>
+              <a:rPr lang="pt-BR"/>
               <a:t>Clique para editar o texto mestre</a:t>
             </a:r>
           </a:p>
@@ -1564,38 +1567,37 @@
           <a:p>
             <a:pPr lvl="0"/>
             <a:r>
-              <a:rPr lang="pt-BR" smtClean="0"/>
+              <a:rPr lang="pt-BR"/>
               <a:t>Clique para editar o texto mestre</a:t>
             </a:r>
           </a:p>
           <a:p>
             <a:pPr lvl="1"/>
             <a:r>
-              <a:rPr lang="pt-BR" smtClean="0"/>
+              <a:rPr lang="pt-BR"/>
               <a:t>Segundo nível</a:t>
             </a:r>
           </a:p>
           <a:p>
             <a:pPr lvl="2"/>
             <a:r>
-              <a:rPr lang="pt-BR" smtClean="0"/>
+              <a:rPr lang="pt-BR"/>
               <a:t>Terceiro nível</a:t>
             </a:r>
           </a:p>
           <a:p>
             <a:pPr lvl="3"/>
             <a:r>
-              <a:rPr lang="pt-BR" smtClean="0"/>
+              <a:rPr lang="pt-BR"/>
               <a:t>Quarto nível</a:t>
             </a:r>
           </a:p>
           <a:p>
             <a:pPr lvl="4"/>
             <a:r>
-              <a:rPr lang="pt-BR" smtClean="0"/>
+              <a:rPr lang="pt-BR"/>
               <a:t>Quinto nível</a:t>
             </a:r>
-            <a:endParaRPr lang="pt-BR"/>
           </a:p>
         </p:txBody>
       </p:sp>
@@ -1658,7 +1660,7 @@
           <a:p>
             <a:pPr lvl="0"/>
             <a:r>
-              <a:rPr lang="pt-BR" smtClean="0"/>
+              <a:rPr lang="pt-BR"/>
               <a:t>Clique para editar o texto mestre</a:t>
             </a:r>
           </a:p>
@@ -1714,38 +1716,37 @@
           <a:p>
             <a:pPr lvl="0"/>
             <a:r>
-              <a:rPr lang="pt-BR" smtClean="0"/>
+              <a:rPr lang="pt-BR"/>
               <a:t>Clique para editar o texto mestre</a:t>
             </a:r>
           </a:p>
           <a:p>
             <a:pPr lvl="1"/>
             <a:r>
-              <a:rPr lang="pt-BR" smtClean="0"/>
+              <a:rPr lang="pt-BR"/>
               <a:t>Segundo nível</a:t>
             </a:r>
           </a:p>
           <a:p>
             <a:pPr lvl="2"/>
             <a:r>
-              <a:rPr lang="pt-BR" smtClean="0"/>
+              <a:rPr lang="pt-BR"/>
               <a:t>Terceiro nível</a:t>
             </a:r>
           </a:p>
           <a:p>
             <a:pPr lvl="3"/>
             <a:r>
-              <a:rPr lang="pt-BR" smtClean="0"/>
+              <a:rPr lang="pt-BR"/>
               <a:t>Quarto nível</a:t>
             </a:r>
           </a:p>
           <a:p>
             <a:pPr lvl="4"/>
             <a:r>
-              <a:rPr lang="pt-BR" smtClean="0"/>
+              <a:rPr lang="pt-BR"/>
               <a:t>Quinto nível</a:t>
             </a:r>
-            <a:endParaRPr lang="pt-BR"/>
           </a:p>
         </p:txBody>
       </p:sp>
@@ -1766,7 +1767,7 @@
           <a:p>
             <a:fld id="{9F140449-45B3-4C4C-B502-456914857DA8}" type="datetimeFigureOut">
               <a:rPr lang="pt-BR" smtClean="0"/>
-              <a:t>29/08/2016</a:t>
+              <a:t>30/08/2016</a:t>
             </a:fld>
             <a:endParaRPr lang="pt-BR"/>
           </a:p>
@@ -1860,10 +1861,9 @@
           <a:lstStyle/>
           <a:p>
             <a:r>
-              <a:rPr lang="pt-BR" smtClean="0"/>
+              <a:rPr lang="pt-BR"/>
               <a:t>Clique para editar o título mestre</a:t>
             </a:r>
-            <a:endParaRPr lang="pt-BR"/>
           </a:p>
         </p:txBody>
       </p:sp>
@@ -1884,7 +1884,7 @@
           <a:p>
             <a:fld id="{9F140449-45B3-4C4C-B502-456914857DA8}" type="datetimeFigureOut">
               <a:rPr lang="pt-BR" smtClean="0"/>
-              <a:t>29/08/2016</a:t>
+              <a:t>30/08/2016</a:t>
             </a:fld>
             <a:endParaRPr lang="pt-BR"/>
           </a:p>
@@ -1979,7 +1979,7 @@
           <a:p>
             <a:fld id="{9F140449-45B3-4C4C-B502-456914857DA8}" type="datetimeFigureOut">
               <a:rPr lang="pt-BR" smtClean="0"/>
-              <a:t>29/08/2016</a:t>
+              <a:t>30/08/2016</a:t>
             </a:fld>
             <a:endParaRPr lang="pt-BR"/>
           </a:p>
@@ -2082,10 +2082,9 @@
           </a:lstStyle>
           <a:p>
             <a:r>
-              <a:rPr lang="pt-BR" smtClean="0"/>
+              <a:rPr lang="pt-BR"/>
               <a:t>Clique para editar o título mestre</a:t>
             </a:r>
-            <a:endParaRPr lang="pt-BR"/>
           </a:p>
         </p:txBody>
       </p:sp>
@@ -2139,38 +2138,37 @@
           <a:p>
             <a:pPr lvl="0"/>
             <a:r>
-              <a:rPr lang="pt-BR" smtClean="0"/>
+              <a:rPr lang="pt-BR"/>
               <a:t>Clique para editar o texto mestre</a:t>
             </a:r>
           </a:p>
           <a:p>
             <a:pPr lvl="1"/>
             <a:r>
-              <a:rPr lang="pt-BR" smtClean="0"/>
+              <a:rPr lang="pt-BR"/>
               <a:t>Segundo nível</a:t>
             </a:r>
           </a:p>
           <a:p>
             <a:pPr lvl="2"/>
             <a:r>
-              <a:rPr lang="pt-BR" smtClean="0"/>
+              <a:rPr lang="pt-BR"/>
               <a:t>Terceiro nível</a:t>
             </a:r>
           </a:p>
           <a:p>
             <a:pPr lvl="3"/>
             <a:r>
-              <a:rPr lang="pt-BR" smtClean="0"/>
+              <a:rPr lang="pt-BR"/>
               <a:t>Quarto nível</a:t>
             </a:r>
           </a:p>
           <a:p>
             <a:pPr lvl="4"/>
             <a:r>
-              <a:rPr lang="pt-BR" smtClean="0"/>
+              <a:rPr lang="pt-BR"/>
               <a:t>Quinto nível</a:t>
             </a:r>
-            <a:endParaRPr lang="pt-BR"/>
           </a:p>
         </p:txBody>
       </p:sp>
@@ -2233,7 +2231,7 @@
           <a:p>
             <a:pPr lvl="0"/>
             <a:r>
-              <a:rPr lang="pt-BR" smtClean="0"/>
+              <a:rPr lang="pt-BR"/>
               <a:t>Clique para editar o texto mestre</a:t>
             </a:r>
           </a:p>
@@ -2256,7 +2254,7 @@
           <a:p>
             <a:fld id="{9F140449-45B3-4C4C-B502-456914857DA8}" type="datetimeFigureOut">
               <a:rPr lang="pt-BR" smtClean="0"/>
-              <a:t>29/08/2016</a:t>
+              <a:t>30/08/2016</a:t>
             </a:fld>
             <a:endParaRPr lang="pt-BR"/>
           </a:p>
@@ -2359,10 +2357,9 @@
           </a:lstStyle>
           <a:p>
             <a:r>
-              <a:rPr lang="pt-BR" smtClean="0"/>
+              <a:rPr lang="pt-BR"/>
               <a:t>Clique para editar o título mestre</a:t>
             </a:r>
-            <a:endParaRPr lang="pt-BR"/>
           </a:p>
         </p:txBody>
       </p:sp>
@@ -2486,7 +2483,7 @@
           <a:p>
             <a:pPr lvl="0"/>
             <a:r>
-              <a:rPr lang="pt-BR" smtClean="0"/>
+              <a:rPr lang="pt-BR"/>
               <a:t>Clique para editar o texto mestre</a:t>
             </a:r>
           </a:p>
@@ -2509,7 +2506,7 @@
           <a:p>
             <a:fld id="{9F140449-45B3-4C4C-B502-456914857DA8}" type="datetimeFigureOut">
               <a:rPr lang="pt-BR" smtClean="0"/>
-              <a:t>29/08/2016</a:t>
+              <a:t>30/08/2016</a:t>
             </a:fld>
             <a:endParaRPr lang="pt-BR"/>
           </a:p>
@@ -2618,10 +2615,9 @@
           <a:lstStyle/>
           <a:p>
             <a:r>
-              <a:rPr lang="pt-BR" smtClean="0"/>
+              <a:rPr lang="pt-BR"/>
               <a:t>Clique para editar o título mestre</a:t>
             </a:r>
-            <a:endParaRPr lang="pt-BR"/>
           </a:p>
         </p:txBody>
       </p:sp>
@@ -2652,38 +2648,37 @@
           <a:p>
             <a:pPr lvl="0"/>
             <a:r>
-              <a:rPr lang="pt-BR" smtClean="0"/>
+              <a:rPr lang="pt-BR"/>
               <a:t>Clique para editar o texto mestre</a:t>
             </a:r>
           </a:p>
           <a:p>
             <a:pPr lvl="1"/>
             <a:r>
-              <a:rPr lang="pt-BR" smtClean="0"/>
+              <a:rPr lang="pt-BR"/>
               <a:t>Segundo nível</a:t>
             </a:r>
           </a:p>
           <a:p>
             <a:pPr lvl="2"/>
             <a:r>
-              <a:rPr lang="pt-BR" smtClean="0"/>
+              <a:rPr lang="pt-BR"/>
               <a:t>Terceiro nível</a:t>
             </a:r>
           </a:p>
           <a:p>
             <a:pPr lvl="3"/>
             <a:r>
-              <a:rPr lang="pt-BR" smtClean="0"/>
+              <a:rPr lang="pt-BR"/>
               <a:t>Quarto nível</a:t>
             </a:r>
           </a:p>
           <a:p>
             <a:pPr lvl="4"/>
             <a:r>
-              <a:rPr lang="pt-BR" smtClean="0"/>
+              <a:rPr lang="pt-BR"/>
               <a:t>Quinto nível</a:t>
             </a:r>
-            <a:endParaRPr lang="pt-BR"/>
           </a:p>
         </p:txBody>
       </p:sp>
@@ -2722,7 +2717,7 @@
           <a:p>
             <a:fld id="{9F140449-45B3-4C4C-B502-456914857DA8}" type="datetimeFigureOut">
               <a:rPr lang="pt-BR" smtClean="0"/>
-              <a:t>29/08/2016</a:t>
+              <a:t>30/08/2016</a:t>
             </a:fld>
             <a:endParaRPr lang="pt-BR"/>
           </a:p>
@@ -4516,7 +4511,7 @@
                         <m:sSubPr>
                           <m:ctrlPr>
                             <a:rPr lang="pt-BR" b="0" i="1" smtClean="0">
-                              <a:latin typeface="Cambria Math"/>
+                              <a:latin typeface="Cambria Math" panose="02040503050406030204" pitchFamily="18" charset="0"/>
                             </a:rPr>
                           </m:ctrlPr>
                         </m:sSubPr>
@@ -4619,7 +4614,7 @@
                         <m:sSubPr>
                           <m:ctrlPr>
                             <a:rPr lang="pt-BR" b="0" i="1" smtClean="0">
-                              <a:latin typeface="Cambria Math"/>
+                              <a:latin typeface="Cambria Math" panose="02040503050406030204" pitchFamily="18" charset="0"/>
                             </a:rPr>
                           </m:ctrlPr>
                         </m:sSubPr>
@@ -4722,7 +4717,7 @@
                         <m:sSubPr>
                           <m:ctrlPr>
                             <a:rPr lang="pt-BR" b="0" i="1" smtClean="0">
-                              <a:latin typeface="Cambria Math"/>
+                              <a:latin typeface="Cambria Math" panose="02040503050406030204" pitchFamily="18" charset="0"/>
                             </a:rPr>
                           </m:ctrlPr>
                         </m:sSubPr>
@@ -4825,7 +4820,7 @@
                         <m:sSubPr>
                           <m:ctrlPr>
                             <a:rPr lang="pt-BR" b="0" i="1" smtClean="0">
-                              <a:latin typeface="Cambria Math"/>
+                              <a:latin typeface="Cambria Math" panose="02040503050406030204" pitchFamily="18" charset="0"/>
                             </a:rPr>
                           </m:ctrlPr>
                         </m:sSubPr>
@@ -4928,7 +4923,7 @@
                         <m:sSubPr>
                           <m:ctrlPr>
                             <a:rPr lang="pt-BR" b="0" i="1" smtClean="0">
-                              <a:latin typeface="Cambria Math"/>
+                              <a:latin typeface="Cambria Math" panose="02040503050406030204" pitchFamily="18" charset="0"/>
                             </a:rPr>
                           </m:ctrlPr>
                         </m:sSubPr>
@@ -5031,7 +5026,7 @@
                         <m:sSubPr>
                           <m:ctrlPr>
                             <a:rPr lang="pt-BR" b="0" i="1" smtClean="0">
-                              <a:latin typeface="Cambria Math"/>
+                              <a:latin typeface="Cambria Math" panose="02040503050406030204" pitchFamily="18" charset="0"/>
                             </a:rPr>
                           </m:ctrlPr>
                         </m:sSubPr>
@@ -5134,7 +5129,7 @@
                         <m:sSubPr>
                           <m:ctrlPr>
                             <a:rPr lang="pt-BR" b="0" i="1" smtClean="0">
-                              <a:latin typeface="Cambria Math"/>
+                              <a:latin typeface="Cambria Math" panose="02040503050406030204" pitchFamily="18" charset="0"/>
                             </a:rPr>
                           </m:ctrlPr>
                         </m:sSubPr>
@@ -5237,7 +5232,7 @@
                         <m:sSubPr>
                           <m:ctrlPr>
                             <a:rPr lang="pt-BR" b="0" i="1" smtClean="0">
-                              <a:latin typeface="Cambria Math"/>
+                              <a:latin typeface="Cambria Math" panose="02040503050406030204" pitchFamily="18" charset="0"/>
                             </a:rPr>
                           </m:ctrlPr>
                         </m:sSubPr>
@@ -5340,7 +5335,7 @@
                         <m:sSubPr>
                           <m:ctrlPr>
                             <a:rPr lang="pt-BR" b="0" i="1" smtClean="0">
-                              <a:latin typeface="Cambria Math"/>
+                              <a:latin typeface="Cambria Math" panose="02040503050406030204" pitchFamily="18" charset="0"/>
                             </a:rPr>
                           </m:ctrlPr>
                         </m:sSubPr>
@@ -5443,7 +5438,7 @@
                         <m:sSubPr>
                           <m:ctrlPr>
                             <a:rPr lang="pt-BR" b="0" i="1" smtClean="0">
-                              <a:latin typeface="Cambria Math"/>
+                              <a:latin typeface="Cambria Math" panose="02040503050406030204" pitchFamily="18" charset="0"/>
                             </a:rPr>
                           </m:ctrlPr>
                         </m:sSubPr>
@@ -5714,7 +5709,7 @@
                         <m:sSubSupPr>
                           <m:ctrlPr>
                             <a:rPr lang="pt-BR" b="0" i="1" smtClean="0">
-                              <a:latin typeface="Cambria Math"/>
+                              <a:latin typeface="Cambria Math" panose="02040503050406030204" pitchFamily="18" charset="0"/>
                             </a:rPr>
                           </m:ctrlPr>
                         </m:sSubSupPr>
@@ -5825,7 +5820,7 @@
                         <m:sSubSupPr>
                           <m:ctrlPr>
                             <a:rPr lang="pt-BR" b="0" i="1" smtClean="0">
-                              <a:latin typeface="Cambria Math"/>
+                              <a:latin typeface="Cambria Math" panose="02040503050406030204" pitchFamily="18" charset="0"/>
                             </a:rPr>
                           </m:ctrlPr>
                         </m:sSubSupPr>
@@ -5936,7 +5931,7 @@
                         <m:sSubSupPr>
                           <m:ctrlPr>
                             <a:rPr lang="pt-BR" b="0" i="1" smtClean="0">
-                              <a:latin typeface="Cambria Math"/>
+                              <a:latin typeface="Cambria Math" panose="02040503050406030204" pitchFamily="18" charset="0"/>
                             </a:rPr>
                           </m:ctrlPr>
                         </m:sSubSupPr>
@@ -6053,7 +6048,7 @@
                         <m:sSubSupPr>
                           <m:ctrlPr>
                             <a:rPr lang="pt-BR" b="0" i="1" smtClean="0">
-                              <a:latin typeface="Cambria Math"/>
+                              <a:latin typeface="Cambria Math" panose="02040503050406030204" pitchFamily="18" charset="0"/>
                             </a:rPr>
                           </m:ctrlPr>
                         </m:sSubSupPr>
@@ -6170,7 +6165,7 @@
                         <m:sSubSupPr>
                           <m:ctrlPr>
                             <a:rPr lang="pt-BR" b="0" i="1" smtClean="0">
-                              <a:latin typeface="Cambria Math"/>
+                              <a:latin typeface="Cambria Math" panose="02040503050406030204" pitchFamily="18" charset="0"/>
                             </a:rPr>
                           </m:ctrlPr>
                         </m:sSubSupPr>
@@ -6281,7 +6276,7 @@
                         <m:sSubSupPr>
                           <m:ctrlPr>
                             <a:rPr lang="pt-BR" b="0" i="1" smtClean="0">
-                              <a:latin typeface="Cambria Math"/>
+                              <a:latin typeface="Cambria Math" panose="02040503050406030204" pitchFamily="18" charset="0"/>
                             </a:rPr>
                           </m:ctrlPr>
                         </m:sSubSupPr>
@@ -6392,7 +6387,7 @@
                         <m:sSubSupPr>
                           <m:ctrlPr>
                             <a:rPr lang="pt-BR" b="0" i="1" smtClean="0">
-                              <a:latin typeface="Cambria Math"/>
+                              <a:latin typeface="Cambria Math" panose="02040503050406030204" pitchFamily="18" charset="0"/>
                             </a:rPr>
                           </m:ctrlPr>
                         </m:sSubSupPr>
@@ -6491,16 +6486,12 @@
           <a:lstStyle/>
           <a:p>
             <a:r>
-              <a:rPr lang="pt-BR" sz="1400" dirty="0" smtClean="0">
+              <a:rPr lang="pt-BR" sz="1400" dirty="0">
                 <a:latin typeface="Arial" pitchFamily="34" charset="0"/>
                 <a:cs typeface="Arial" pitchFamily="34" charset="0"/>
               </a:rPr>
               <a:t>Transformada de Clarke</a:t>
             </a:r>
-            <a:endParaRPr lang="pt-BR" sz="1400" dirty="0">
-              <a:latin typeface="Arial" pitchFamily="34" charset="0"/>
-              <a:cs typeface="Arial" pitchFamily="34" charset="0"/>
-            </a:endParaRPr>
           </a:p>
         </p:txBody>
       </p:sp>
@@ -6528,16 +6519,12 @@
           <a:p>
             <a:pPr algn="ctr"/>
             <a:r>
-              <a:rPr lang="pt-BR" sz="1400" dirty="0" smtClean="0">
+              <a:rPr lang="pt-BR" sz="1400" dirty="0">
                 <a:latin typeface="Arial" pitchFamily="34" charset="0"/>
                 <a:cs typeface="Arial" pitchFamily="34" charset="0"/>
               </a:rPr>
               <a:t>Cálculo de Potências Instantâneas</a:t>
             </a:r>
-            <a:endParaRPr lang="pt-BR" sz="1400" dirty="0">
-              <a:latin typeface="Arial" pitchFamily="34" charset="0"/>
-              <a:cs typeface="Arial" pitchFamily="34" charset="0"/>
-            </a:endParaRPr>
           </a:p>
         </p:txBody>
       </p:sp>
@@ -6565,16 +6552,12 @@
           <a:p>
             <a:pPr algn="ctr"/>
             <a:r>
-              <a:rPr lang="pt-BR" sz="1400" dirty="0" smtClean="0">
+              <a:rPr lang="pt-BR" sz="1400" dirty="0">
                 <a:latin typeface="Arial" pitchFamily="34" charset="0"/>
                 <a:cs typeface="Arial" pitchFamily="34" charset="0"/>
               </a:rPr>
               <a:t>Cálculo de Corrente </a:t>
             </a:r>
-            <a:endParaRPr lang="pt-BR" sz="1400" dirty="0">
-              <a:latin typeface="Arial" pitchFamily="34" charset="0"/>
-              <a:cs typeface="Arial" pitchFamily="34" charset="0"/>
-            </a:endParaRPr>
           </a:p>
         </p:txBody>
       </p:sp>
@@ -6697,16 +6680,12 @@
           <a:lstStyle/>
           <a:p>
             <a:r>
-              <a:rPr lang="pt-BR" sz="1400" dirty="0" smtClean="0">
+              <a:rPr lang="pt-BR" sz="1400" dirty="0">
                 <a:latin typeface="Arial" pitchFamily="34" charset="0"/>
                 <a:cs typeface="Arial" pitchFamily="34" charset="0"/>
               </a:rPr>
               <a:t>Transformada Inversa de Clarke</a:t>
             </a:r>
-            <a:endParaRPr lang="pt-BR" sz="1400" dirty="0">
-              <a:latin typeface="Arial" pitchFamily="34" charset="0"/>
-              <a:cs typeface="Arial" pitchFamily="34" charset="0"/>
-            </a:endParaRPr>
           </a:p>
         </p:txBody>
       </p:sp>
@@ -6733,16 +6712,12 @@
           <a:lstStyle/>
           <a:p>
             <a:r>
-              <a:rPr lang="pt-BR" sz="1400" dirty="0" smtClean="0">
+              <a:rPr lang="pt-BR" sz="1400" dirty="0">
                 <a:latin typeface="Arial" pitchFamily="34" charset="0"/>
                 <a:cs typeface="Arial" pitchFamily="34" charset="0"/>
               </a:rPr>
               <a:t>Seleção de Potências a serem Compensadas</a:t>
             </a:r>
-            <a:endParaRPr lang="pt-BR" sz="1400" dirty="0">
-              <a:latin typeface="Arial" pitchFamily="34" charset="0"/>
-              <a:cs typeface="Arial" pitchFamily="34" charset="0"/>
-            </a:endParaRPr>
           </a:p>
         </p:txBody>
       </p:sp>
@@ -6853,7 +6828,7 @@
                         <m:sSubPr>
                           <m:ctrlPr>
                             <a:rPr lang="pt-BR" b="0" i="1" smtClean="0">
-                              <a:latin typeface="Cambria Math"/>
+                              <a:latin typeface="Cambria Math" panose="02040503050406030204" pitchFamily="18" charset="0"/>
                             </a:rPr>
                           </m:ctrlPr>
                         </m:sSubPr>
@@ -6956,7 +6931,7 @@
                         <m:sSubPr>
                           <m:ctrlPr>
                             <a:rPr lang="pt-BR" b="0" i="1" smtClean="0">
-                              <a:latin typeface="Cambria Math"/>
+                              <a:latin typeface="Cambria Math" panose="02040503050406030204" pitchFamily="18" charset="0"/>
                             </a:rPr>
                           </m:ctrlPr>
                         </m:sSubPr>
@@ -7067,18 +7042,13 @@
           <a:p>
             <a:pPr algn="ctr"/>
             <a:r>
-              <a:rPr lang="pt-BR" dirty="0" smtClean="0">
+              <a:rPr lang="pt-BR" dirty="0">
                 <a:solidFill>
                   <a:sysClr val="windowText" lastClr="000000"/>
                 </a:solidFill>
               </a:rPr>
               <a:t>1</a:t>
             </a:r>
-            <a:endParaRPr lang="pt-BR" dirty="0">
-              <a:solidFill>
-                <a:sysClr val="windowText" lastClr="000000"/>
-              </a:solidFill>
-            </a:endParaRPr>
           </a:p>
         </p:txBody>
       </p:sp>
@@ -7125,18 +7095,13 @@
           <a:p>
             <a:pPr algn="ctr"/>
             <a:r>
-              <a:rPr lang="pt-BR" dirty="0" smtClean="0">
+              <a:rPr lang="pt-BR" dirty="0">
                 <a:solidFill>
                   <a:sysClr val="windowText" lastClr="000000"/>
                 </a:solidFill>
               </a:rPr>
               <a:t>1</a:t>
             </a:r>
-            <a:endParaRPr lang="pt-BR" dirty="0">
-              <a:solidFill>
-                <a:sysClr val="windowText" lastClr="000000"/>
-              </a:solidFill>
-            </a:endParaRPr>
           </a:p>
         </p:txBody>
       </p:sp>
@@ -7150,13 +7115,6 @@
   <p:clrMapOvr>
     <a:masterClrMapping/>
   </p:clrMapOvr>
-  <p:timing>
-    <p:tnLst>
-      <p:par>
-        <p:cTn id="1" dur="indefinite" restart="never" nodeType="tmRoot"/>
-      </p:par>
-    </p:tnLst>
-  </p:timing>
 </p:sld>
 </file>
 
@@ -8009,7 +7967,7 @@
                         <m:sSubSupPr>
                           <m:ctrlPr>
                             <a:rPr lang="pt-BR" b="0" i="1" smtClean="0">
-                              <a:latin typeface="Cambria Math"/>
+                              <a:latin typeface="Cambria Math" panose="02040503050406030204" pitchFamily="18" charset="0"/>
                             </a:rPr>
                           </m:ctrlPr>
                         </m:sSubSupPr>
@@ -8120,7 +8078,7 @@
                         <m:sSubSupPr>
                           <m:ctrlPr>
                             <a:rPr lang="pt-BR" b="0" i="1" smtClean="0">
-                              <a:latin typeface="Cambria Math"/>
+                              <a:latin typeface="Cambria Math" panose="02040503050406030204" pitchFamily="18" charset="0"/>
                             </a:rPr>
                           </m:ctrlPr>
                         </m:sSubSupPr>
@@ -8231,7 +8189,7 @@
                         <m:sSubSupPr>
                           <m:ctrlPr>
                             <a:rPr lang="pt-BR" b="0" i="1" smtClean="0">
-                              <a:latin typeface="Cambria Math"/>
+                              <a:latin typeface="Cambria Math" panose="02040503050406030204" pitchFamily="18" charset="0"/>
                             </a:rPr>
                           </m:ctrlPr>
                         </m:sSubSupPr>
@@ -8342,7 +8300,7 @@
                         <m:sSubPr>
                           <m:ctrlPr>
                             <a:rPr lang="pt-BR" b="0" i="1" smtClean="0">
-                              <a:latin typeface="Cambria Math"/>
+                              <a:latin typeface="Cambria Math" panose="02040503050406030204" pitchFamily="18" charset="0"/>
                             </a:rPr>
                           </m:ctrlPr>
                         </m:sSubPr>
@@ -8445,7 +8403,7 @@
                         <m:sSubPr>
                           <m:ctrlPr>
                             <a:rPr lang="pt-BR" b="0" i="1" smtClean="0">
-                              <a:latin typeface="Cambria Math"/>
+                              <a:latin typeface="Cambria Math" panose="02040503050406030204" pitchFamily="18" charset="0"/>
                             </a:rPr>
                           </m:ctrlPr>
                         </m:sSubPr>
@@ -8548,7 +8506,7 @@
                         <m:sSubPr>
                           <m:ctrlPr>
                             <a:rPr lang="pt-BR" b="0" i="1" smtClean="0">
-                              <a:latin typeface="Cambria Math"/>
+                              <a:latin typeface="Cambria Math" panose="02040503050406030204" pitchFamily="18" charset="0"/>
                             </a:rPr>
                           </m:ctrlPr>
                         </m:sSubPr>
@@ -8759,7 +8717,7 @@
                         <m:sSubPr>
                           <m:ctrlPr>
                             <a:rPr lang="pt-BR" b="0" i="1" smtClean="0">
-                              <a:latin typeface="Cambria Math"/>
+                              <a:latin typeface="Cambria Math" panose="02040503050406030204" pitchFamily="18" charset="0"/>
                             </a:rPr>
                           </m:ctrlPr>
                         </m:sSubPr>
@@ -8862,7 +8820,7 @@
                         <m:sSubPr>
                           <m:ctrlPr>
                             <a:rPr lang="pt-BR" b="0" i="1" smtClean="0">
-                              <a:latin typeface="Cambria Math"/>
+                              <a:latin typeface="Cambria Math" panose="02040503050406030204" pitchFamily="18" charset="0"/>
                             </a:rPr>
                           </m:ctrlPr>
                         </m:sSubPr>
@@ -8965,7 +8923,7 @@
                         <m:sSubPr>
                           <m:ctrlPr>
                             <a:rPr lang="pt-BR" b="0" i="1" smtClean="0">
-                              <a:latin typeface="Cambria Math"/>
+                              <a:latin typeface="Cambria Math" panose="02040503050406030204" pitchFamily="18" charset="0"/>
                             </a:rPr>
                           </m:ctrlPr>
                         </m:sSubPr>
@@ -9176,7 +9134,7 @@
                         <m:sSubSupPr>
                           <m:ctrlPr>
                             <a:rPr lang="pt-BR" b="0" i="1" smtClean="0">
-                              <a:latin typeface="Cambria Math"/>
+                              <a:latin typeface="Cambria Math" panose="02040503050406030204" pitchFamily="18" charset="0"/>
                             </a:rPr>
                           </m:ctrlPr>
                         </m:sSubSupPr>
@@ -9280,7 +9238,7 @@
                         <m:sSubSupPr>
                           <m:ctrlPr>
                             <a:rPr lang="pt-BR" b="0" i="1" smtClean="0">
-                              <a:latin typeface="Cambria Math"/>
+                              <a:latin typeface="Cambria Math" panose="02040503050406030204" pitchFamily="18" charset="0"/>
                             </a:rPr>
                           </m:ctrlPr>
                         </m:sSubSupPr>
@@ -9384,7 +9342,7 @@
                         <m:sSubSupPr>
                           <m:ctrlPr>
                             <a:rPr lang="pt-BR" b="0" i="1" smtClean="0">
-                              <a:latin typeface="Cambria Math"/>
+                              <a:latin typeface="Cambria Math" panose="02040503050406030204" pitchFamily="18" charset="0"/>
                             </a:rPr>
                           </m:ctrlPr>
                         </m:sSubSupPr>
@@ -9476,16 +9434,12 @@
           <a:lstStyle/>
           <a:p>
             <a:r>
-              <a:rPr lang="pt-BR" sz="1400" dirty="0" smtClean="0">
+              <a:rPr lang="pt-BR" sz="1400" dirty="0">
                 <a:latin typeface="Arial" pitchFamily="34" charset="0"/>
                 <a:cs typeface="Arial" pitchFamily="34" charset="0"/>
               </a:rPr>
               <a:t>Fonte de Tensão Trifásica</a:t>
             </a:r>
-            <a:endParaRPr lang="pt-BR" sz="1400" dirty="0">
-              <a:latin typeface="Arial" pitchFamily="34" charset="0"/>
-              <a:cs typeface="Arial" pitchFamily="34" charset="0"/>
-            </a:endParaRPr>
           </a:p>
         </p:txBody>
       </p:sp>
@@ -9512,16 +9466,12 @@
           <a:lstStyle/>
           <a:p>
             <a:r>
-              <a:rPr lang="pt-BR" sz="1400" dirty="0" smtClean="0">
+              <a:rPr lang="pt-BR" sz="1400" dirty="0">
                 <a:latin typeface="Arial" pitchFamily="34" charset="0"/>
                 <a:cs typeface="Arial" pitchFamily="34" charset="0"/>
               </a:rPr>
               <a:t>Carga Não Linear</a:t>
             </a:r>
-            <a:endParaRPr lang="pt-BR" sz="1400" dirty="0">
-              <a:latin typeface="Arial" pitchFamily="34" charset="0"/>
-              <a:cs typeface="Arial" pitchFamily="34" charset="0"/>
-            </a:endParaRPr>
           </a:p>
         </p:txBody>
       </p:sp>
@@ -9548,16 +9498,12 @@
           <a:lstStyle/>
           <a:p>
             <a:r>
-              <a:rPr lang="pt-BR" sz="1400" dirty="0" smtClean="0">
+              <a:rPr lang="pt-BR" sz="1400" dirty="0">
                 <a:latin typeface="Arial" pitchFamily="34" charset="0"/>
                 <a:cs typeface="Arial" pitchFamily="34" charset="0"/>
               </a:rPr>
               <a:t>Compensador</a:t>
             </a:r>
-            <a:endParaRPr lang="pt-BR" sz="1400" dirty="0">
-              <a:latin typeface="Arial" pitchFamily="34" charset="0"/>
-              <a:cs typeface="Arial" pitchFamily="34" charset="0"/>
-            </a:endParaRPr>
           </a:p>
         </p:txBody>
       </p:sp>
@@ -9585,16 +9531,12 @@
           <a:p>
             <a:pPr algn="ctr"/>
             <a:r>
-              <a:rPr lang="pt-BR" sz="1400" dirty="0" smtClean="0">
+              <a:rPr lang="pt-BR" sz="1400" dirty="0">
                 <a:latin typeface="Arial" pitchFamily="34" charset="0"/>
                 <a:cs typeface="Arial" pitchFamily="34" charset="0"/>
               </a:rPr>
               <a:t>Correntes de Referência</a:t>
             </a:r>
-            <a:endParaRPr lang="pt-BR" sz="1400" dirty="0">
-              <a:latin typeface="Arial" pitchFamily="34" charset="0"/>
-              <a:cs typeface="Arial" pitchFamily="34" charset="0"/>
-            </a:endParaRPr>
           </a:p>
         </p:txBody>
       </p:sp>
@@ -9693,13 +9635,6 @@
   <p:clrMapOvr>
     <a:masterClrMapping/>
   </p:clrMapOvr>
-  <p:timing>
-    <p:tnLst>
-      <p:par>
-        <p:cTn id="1" dur="indefinite" restart="never" nodeType="tmRoot"/>
-      </p:par>
-    </p:tnLst>
-  </p:timing>
 </p:sld>
 </file>
 
@@ -9720,8 +9655,8 @@
           <a:chExt cx="0" cy="0"/>
         </a:xfrm>
       </p:grpSpPr>
-      <mc:AlternateContent xmlns:mc="http://schemas.openxmlformats.org/markup-compatibility/2006">
-        <mc:Choice xmlns:a14="http://schemas.microsoft.com/office/drawing/2010/main" Requires="a14">
+      <mc:AlternateContent xmlns:mc="http://schemas.openxmlformats.org/markup-compatibility/2006" xmlns:a14="http://schemas.microsoft.com/office/drawing/2010/main">
+        <mc:Choice Requires="a14">
           <p:sp>
             <p:nvSpPr>
               <p:cNvPr id="35" name="CaixaDeTexto 34"/>
@@ -9744,6 +9679,7 @@
               </a:bodyPr>
               <a:lstStyle/>
               <a:p>
+                <a:pPr/>
                 <a14:m>
                   <m:oMathPara xmlns:m="http://schemas.openxmlformats.org/officeDocument/2006/math">
                     <m:oMathParaPr>
@@ -9754,7 +9690,7 @@
                         <m:sSubPr>
                           <m:ctrlPr>
                             <a:rPr lang="pt-BR" b="0" i="1" smtClean="0">
-                              <a:latin typeface="Cambria Math"/>
+                              <a:latin typeface="Cambria Math" panose="02040503050406030204" pitchFamily="18" charset="0"/>
                             </a:rPr>
                           </m:ctrlPr>
                         </m:sSubPr>
@@ -9783,7 +9719,7 @@
             </p:txBody>
           </p:sp>
         </mc:Choice>
-        <mc:Fallback>
+        <mc:Fallback xmlns="">
           <p:sp>
             <p:nvSpPr>
               <p:cNvPr id="35" name="CaixaDeTexto 34"/>
@@ -9822,8 +9758,8 @@
           </p:sp>
         </mc:Fallback>
       </mc:AlternateContent>
-      <mc:AlternateContent xmlns:mc="http://schemas.openxmlformats.org/markup-compatibility/2006">
-        <mc:Choice xmlns:a14="http://schemas.microsoft.com/office/drawing/2010/main" Requires="a14">
+      <mc:AlternateContent xmlns:mc="http://schemas.openxmlformats.org/markup-compatibility/2006" xmlns:a14="http://schemas.microsoft.com/office/drawing/2010/main">
+        <mc:Choice Requires="a14">
           <p:sp>
             <p:nvSpPr>
               <p:cNvPr id="36" name="CaixaDeTexto 35"/>
@@ -9846,6 +9782,7 @@
               </a:bodyPr>
               <a:lstStyle/>
               <a:p>
+                <a:pPr/>
                 <a14:m>
                   <m:oMathPara xmlns:m="http://schemas.openxmlformats.org/officeDocument/2006/math">
                     <m:oMathParaPr>
@@ -9856,7 +9793,7 @@
                         <m:sSubPr>
                           <m:ctrlPr>
                             <a:rPr lang="pt-BR" b="0" i="1" smtClean="0">
-                              <a:latin typeface="Cambria Math"/>
+                              <a:latin typeface="Cambria Math" panose="02040503050406030204" pitchFamily="18" charset="0"/>
                             </a:rPr>
                           </m:ctrlPr>
                         </m:sSubPr>
@@ -9885,7 +9822,7 @@
             </p:txBody>
           </p:sp>
         </mc:Choice>
-        <mc:Fallback>
+        <mc:Fallback xmlns="">
           <p:sp>
             <p:nvSpPr>
               <p:cNvPr id="36" name="CaixaDeTexto 35"/>
@@ -9924,8 +9861,8 @@
           </p:sp>
         </mc:Fallback>
       </mc:AlternateContent>
-      <mc:AlternateContent xmlns:mc="http://schemas.openxmlformats.org/markup-compatibility/2006">
-        <mc:Choice xmlns:a14="http://schemas.microsoft.com/office/drawing/2010/main" Requires="a14">
+      <mc:AlternateContent xmlns:mc="http://schemas.openxmlformats.org/markup-compatibility/2006" xmlns:a14="http://schemas.microsoft.com/office/drawing/2010/main">
+        <mc:Choice Requires="a14">
           <p:sp>
             <p:nvSpPr>
               <p:cNvPr id="37" name="CaixaDeTexto 36"/>
@@ -9948,6 +9885,7 @@
               </a:bodyPr>
               <a:lstStyle/>
               <a:p>
+                <a:pPr/>
                 <a14:m>
                   <m:oMathPara xmlns:m="http://schemas.openxmlformats.org/officeDocument/2006/math">
                     <m:oMathParaPr>
@@ -9958,7 +9896,7 @@
                         <m:sSubPr>
                           <m:ctrlPr>
                             <a:rPr lang="pt-BR" b="0" i="1" smtClean="0">
-                              <a:latin typeface="Cambria Math"/>
+                              <a:latin typeface="Cambria Math" panose="02040503050406030204" pitchFamily="18" charset="0"/>
                             </a:rPr>
                           </m:ctrlPr>
                         </m:sSubPr>
@@ -9987,7 +9925,7 @@
             </p:txBody>
           </p:sp>
         </mc:Choice>
-        <mc:Fallback>
+        <mc:Fallback xmlns="">
           <p:sp>
             <p:nvSpPr>
               <p:cNvPr id="37" name="CaixaDeTexto 36"/>
@@ -10844,8 +10782,8 @@
         </p:nvCxnSpPr>
         <p:spPr>
           <a:xfrm flipH="1">
-            <a:off x="5174169" y="3383166"/>
-            <a:ext cx="764795" cy="0"/>
+            <a:off x="5538235" y="3332351"/>
+            <a:ext cx="400729" cy="13"/>
           </a:xfrm>
           <a:prstGeom prst="straightConnector1">
             <a:avLst/>
@@ -10880,8 +10818,8 @@
         </p:nvCxnSpPr>
         <p:spPr>
           <a:xfrm flipV="1">
-            <a:off x="5938964" y="2738694"/>
-            <a:ext cx="0" cy="644462"/>
+            <a:off x="5938964" y="2757744"/>
+            <a:ext cx="0" cy="1029778"/>
           </a:xfrm>
           <a:prstGeom prst="line">
             <a:avLst/>
@@ -10916,7 +10854,7 @@
         <p:spPr>
           <a:xfrm flipV="1">
             <a:off x="6585995" y="2756373"/>
-            <a:ext cx="0" cy="1190972"/>
+            <a:ext cx="0" cy="1243722"/>
           </a:xfrm>
           <a:prstGeom prst="line">
             <a:avLst/>
@@ -10946,14 +10884,15 @@
         <p:nvCxnSpPr>
           <p:cNvPr id="26" name="Conector reto 25"/>
           <p:cNvCxnSpPr>
+            <a:stCxn id="75" idx="6"/>
             <a:endCxn id="63" idx="1"/>
           </p:cNvCxnSpPr>
           <p:nvPr/>
         </p:nvCxnSpPr>
         <p:spPr>
           <a:xfrm>
-            <a:off x="3162801" y="3383156"/>
-            <a:ext cx="676047" cy="10"/>
+            <a:off x="3740577" y="3332351"/>
+            <a:ext cx="462337" cy="13"/>
           </a:xfrm>
           <a:prstGeom prst="line">
             <a:avLst/>
@@ -10986,9 +10925,9 @@
           <p:nvPr/>
         </p:nvCxnSpPr>
         <p:spPr>
-          <a:xfrm>
-            <a:off x="3548060" y="3932359"/>
-            <a:ext cx="3059364" cy="3"/>
+          <a:xfrm flipV="1">
+            <a:off x="3413125" y="3999253"/>
+            <a:ext cx="3191920" cy="842"/>
           </a:xfrm>
           <a:prstGeom prst="line">
             <a:avLst/>
@@ -11022,8 +10961,8 @@
         </p:nvCxnSpPr>
         <p:spPr>
           <a:xfrm>
-            <a:off x="2835975" y="3912394"/>
-            <a:ext cx="0" cy="435754"/>
+            <a:off x="2650232" y="3988598"/>
+            <a:ext cx="0" cy="360000"/>
           </a:xfrm>
           <a:prstGeom prst="straightConnector1">
             <a:avLst/>
@@ -11057,9 +10996,9 @@
           <p:nvPr/>
         </p:nvCxnSpPr>
         <p:spPr>
-          <a:xfrm>
-            <a:off x="1940312" y="3383165"/>
-            <a:ext cx="0" cy="981939"/>
+          <a:xfrm flipH="1">
+            <a:off x="1940312" y="3329829"/>
+            <a:ext cx="3785" cy="1035275"/>
           </a:xfrm>
           <a:prstGeom prst="straightConnector1">
             <a:avLst/>
@@ -11266,8 +11205,8 @@
           </a:fontRef>
         </p:style>
       </p:cxnSp>
-      <mc:AlternateContent xmlns:mc="http://schemas.openxmlformats.org/markup-compatibility/2006">
-        <mc:Choice xmlns:a14="http://schemas.microsoft.com/office/drawing/2010/main" Requires="a14">
+      <mc:AlternateContent xmlns:mc="http://schemas.openxmlformats.org/markup-compatibility/2006" xmlns:a14="http://schemas.microsoft.com/office/drawing/2010/main">
+        <mc:Choice Requires="a14">
           <p:sp>
             <p:nvSpPr>
               <p:cNvPr id="38" name="CaixaDeTexto 37"/>
@@ -11290,6 +11229,7 @@
               </a:bodyPr>
               <a:lstStyle/>
               <a:p>
+                <a:pPr/>
                 <a14:m>
                   <m:oMathPara xmlns:m="http://schemas.openxmlformats.org/officeDocument/2006/math">
                     <m:oMathParaPr>
@@ -11300,7 +11240,7 @@
                         <m:sSubPr>
                           <m:ctrlPr>
                             <a:rPr lang="pt-BR" b="0" i="1" smtClean="0">
-                              <a:latin typeface="Cambria Math"/>
+                              <a:latin typeface="Cambria Math" panose="02040503050406030204" pitchFamily="18" charset="0"/>
                             </a:rPr>
                           </m:ctrlPr>
                         </m:sSubPr>
@@ -11329,7 +11269,7 @@
             </p:txBody>
           </p:sp>
         </mc:Choice>
-        <mc:Fallback>
+        <mc:Fallback xmlns="">
           <p:sp>
             <p:nvSpPr>
               <p:cNvPr id="38" name="CaixaDeTexto 37"/>
@@ -11368,8 +11308,8 @@
           </p:sp>
         </mc:Fallback>
       </mc:AlternateContent>
-      <mc:AlternateContent xmlns:mc="http://schemas.openxmlformats.org/markup-compatibility/2006">
-        <mc:Choice xmlns:a14="http://schemas.microsoft.com/office/drawing/2010/main" Requires="a14">
+      <mc:AlternateContent xmlns:mc="http://schemas.openxmlformats.org/markup-compatibility/2006" xmlns:a14="http://schemas.microsoft.com/office/drawing/2010/main">
+        <mc:Choice Requires="a14">
           <p:sp>
             <p:nvSpPr>
               <p:cNvPr id="39" name="CaixaDeTexto 38"/>
@@ -11392,6 +11332,7 @@
               </a:bodyPr>
               <a:lstStyle/>
               <a:p>
+                <a:pPr/>
                 <a14:m>
                   <m:oMathPara xmlns:m="http://schemas.openxmlformats.org/officeDocument/2006/math">
                     <m:oMathParaPr>
@@ -11402,7 +11343,7 @@
                         <m:sSubPr>
                           <m:ctrlPr>
                             <a:rPr lang="pt-BR" b="0" i="1" smtClean="0">
-                              <a:latin typeface="Cambria Math"/>
+                              <a:latin typeface="Cambria Math" panose="02040503050406030204" pitchFamily="18" charset="0"/>
                             </a:rPr>
                           </m:ctrlPr>
                         </m:sSubPr>
@@ -11431,7 +11372,7 @@
             </p:txBody>
           </p:sp>
         </mc:Choice>
-        <mc:Fallback>
+        <mc:Fallback xmlns="">
           <p:sp>
             <p:nvSpPr>
               <p:cNvPr id="39" name="CaixaDeTexto 38"/>
@@ -11470,8 +11411,8 @@
           </p:sp>
         </mc:Fallback>
       </mc:AlternateContent>
-      <mc:AlternateContent xmlns:mc="http://schemas.openxmlformats.org/markup-compatibility/2006">
-        <mc:Choice xmlns:a14="http://schemas.microsoft.com/office/drawing/2010/main" Requires="a14">
+      <mc:AlternateContent xmlns:mc="http://schemas.openxmlformats.org/markup-compatibility/2006" xmlns:a14="http://schemas.microsoft.com/office/drawing/2010/main">
+        <mc:Choice Requires="a14">
           <p:sp>
             <p:nvSpPr>
               <p:cNvPr id="40" name="CaixaDeTexto 39"/>
@@ -11494,6 +11435,7 @@
               </a:bodyPr>
               <a:lstStyle/>
               <a:p>
+                <a:pPr/>
                 <a14:m>
                   <m:oMathPara xmlns:m="http://schemas.openxmlformats.org/officeDocument/2006/math">
                     <m:oMathParaPr>
@@ -11504,7 +11446,7 @@
                         <m:sSubPr>
                           <m:ctrlPr>
                             <a:rPr lang="pt-BR" b="0" i="1" smtClean="0">
-                              <a:latin typeface="Cambria Math"/>
+                              <a:latin typeface="Cambria Math" panose="02040503050406030204" pitchFamily="18" charset="0"/>
                             </a:rPr>
                           </m:ctrlPr>
                         </m:sSubPr>
@@ -11533,7 +11475,7 @@
             </p:txBody>
           </p:sp>
         </mc:Choice>
-        <mc:Fallback>
+        <mc:Fallback xmlns="">
           <p:sp>
             <p:nvSpPr>
               <p:cNvPr id="40" name="CaixaDeTexto 39"/>
@@ -11572,8 +11514,8 @@
           </p:sp>
         </mc:Fallback>
       </mc:AlternateContent>
-      <mc:AlternateContent xmlns:mc="http://schemas.openxmlformats.org/markup-compatibility/2006">
-        <mc:Choice xmlns:a14="http://schemas.microsoft.com/office/drawing/2010/main" Requires="a14">
+      <mc:AlternateContent xmlns:mc="http://schemas.openxmlformats.org/markup-compatibility/2006" xmlns:a14="http://schemas.microsoft.com/office/drawing/2010/main">
+        <mc:Choice Requires="a14">
           <p:sp>
             <p:nvSpPr>
               <p:cNvPr id="41" name="CaixaDeTexto 40"/>
@@ -11596,6 +11538,7 @@
               </a:bodyPr>
               <a:lstStyle/>
               <a:p>
+                <a:pPr/>
                 <a14:m>
                   <m:oMathPara xmlns:m="http://schemas.openxmlformats.org/officeDocument/2006/math">
                     <m:oMathParaPr>
@@ -11606,7 +11549,7 @@
                         <m:sSubPr>
                           <m:ctrlPr>
                             <a:rPr lang="pt-BR" b="0" i="1" smtClean="0">
-                              <a:latin typeface="Cambria Math"/>
+                              <a:latin typeface="Cambria Math" panose="02040503050406030204" pitchFamily="18" charset="0"/>
                             </a:rPr>
                           </m:ctrlPr>
                         </m:sSubPr>
@@ -11635,7 +11578,7 @@
             </p:txBody>
           </p:sp>
         </mc:Choice>
-        <mc:Fallback>
+        <mc:Fallback xmlns="">
           <p:sp>
             <p:nvSpPr>
               <p:cNvPr id="41" name="CaixaDeTexto 40"/>
@@ -11674,8 +11617,8 @@
           </p:sp>
         </mc:Fallback>
       </mc:AlternateContent>
-      <mc:AlternateContent xmlns:mc="http://schemas.openxmlformats.org/markup-compatibility/2006">
-        <mc:Choice xmlns:a14="http://schemas.microsoft.com/office/drawing/2010/main" Requires="a14">
+      <mc:AlternateContent xmlns:mc="http://schemas.openxmlformats.org/markup-compatibility/2006" xmlns:a14="http://schemas.microsoft.com/office/drawing/2010/main">
+        <mc:Choice Requires="a14">
           <p:sp>
             <p:nvSpPr>
               <p:cNvPr id="42" name="CaixaDeTexto 41"/>
@@ -11698,6 +11641,7 @@
               </a:bodyPr>
               <a:lstStyle/>
               <a:p>
+                <a:pPr/>
                 <a14:m>
                   <m:oMathPara xmlns:m="http://schemas.openxmlformats.org/officeDocument/2006/math">
                     <m:oMathParaPr>
@@ -11708,7 +11652,7 @@
                         <m:sSubPr>
                           <m:ctrlPr>
                             <a:rPr lang="pt-BR" b="0" i="1" smtClean="0">
-                              <a:latin typeface="Cambria Math"/>
+                              <a:latin typeface="Cambria Math" panose="02040503050406030204" pitchFamily="18" charset="0"/>
                             </a:rPr>
                           </m:ctrlPr>
                         </m:sSubPr>
@@ -11737,7 +11681,7 @@
             </p:txBody>
           </p:sp>
         </mc:Choice>
-        <mc:Fallback>
+        <mc:Fallback xmlns="">
           <p:sp>
             <p:nvSpPr>
               <p:cNvPr id="42" name="CaixaDeTexto 41"/>
@@ -11776,8 +11720,8 @@
           </p:sp>
         </mc:Fallback>
       </mc:AlternateContent>
-      <mc:AlternateContent xmlns:mc="http://schemas.openxmlformats.org/markup-compatibility/2006">
-        <mc:Choice xmlns:a14="http://schemas.microsoft.com/office/drawing/2010/main" Requires="a14">
+      <mc:AlternateContent xmlns:mc="http://schemas.openxmlformats.org/markup-compatibility/2006" xmlns:a14="http://schemas.microsoft.com/office/drawing/2010/main">
+        <mc:Choice Requires="a14">
           <p:sp>
             <p:nvSpPr>
               <p:cNvPr id="43" name="CaixaDeTexto 42"/>
@@ -11800,6 +11744,7 @@
               </a:bodyPr>
               <a:lstStyle/>
               <a:p>
+                <a:pPr/>
                 <a14:m>
                   <m:oMathPara xmlns:m="http://schemas.openxmlformats.org/officeDocument/2006/math">
                     <m:oMathParaPr>
@@ -11810,7 +11755,7 @@
                         <m:sSubPr>
                           <m:ctrlPr>
                             <a:rPr lang="pt-BR" b="0" i="1" smtClean="0">
-                              <a:latin typeface="Cambria Math"/>
+                              <a:latin typeface="Cambria Math" panose="02040503050406030204" pitchFamily="18" charset="0"/>
                             </a:rPr>
                           </m:ctrlPr>
                         </m:sSubPr>
@@ -11839,7 +11784,7 @@
             </p:txBody>
           </p:sp>
         </mc:Choice>
-        <mc:Fallback>
+        <mc:Fallback xmlns="">
           <p:sp>
             <p:nvSpPr>
               <p:cNvPr id="43" name="CaixaDeTexto 42"/>
@@ -11878,8 +11823,8 @@
           </p:sp>
         </mc:Fallback>
       </mc:AlternateContent>
-      <mc:AlternateContent xmlns:mc="http://schemas.openxmlformats.org/markup-compatibility/2006">
-        <mc:Choice xmlns:a14="http://schemas.microsoft.com/office/drawing/2010/main" Requires="a14">
+      <mc:AlternateContent xmlns:mc="http://schemas.openxmlformats.org/markup-compatibility/2006" xmlns:a14="http://schemas.microsoft.com/office/drawing/2010/main">
+        <mc:Choice Requires="a14">
           <p:sp>
             <p:nvSpPr>
               <p:cNvPr id="44" name="CaixaDeTexto 43"/>
@@ -11902,6 +11847,7 @@
               </a:bodyPr>
               <a:lstStyle/>
               <a:p>
+                <a:pPr/>
                 <a14:m>
                   <m:oMathPara xmlns:m="http://schemas.openxmlformats.org/officeDocument/2006/math">
                     <m:oMathParaPr>
@@ -11912,7 +11858,7 @@
                         <m:sSubPr>
                           <m:ctrlPr>
                             <a:rPr lang="pt-BR" b="0" i="1" smtClean="0">
-                              <a:latin typeface="Cambria Math"/>
+                              <a:latin typeface="Cambria Math" panose="02040503050406030204" pitchFamily="18" charset="0"/>
                             </a:rPr>
                           </m:ctrlPr>
                         </m:sSubPr>
@@ -11941,7 +11887,7 @@
             </p:txBody>
           </p:sp>
         </mc:Choice>
-        <mc:Fallback>
+        <mc:Fallback xmlns="">
           <p:sp>
             <p:nvSpPr>
               <p:cNvPr id="44" name="CaixaDeTexto 43"/>
@@ -11990,7 +11936,7 @@
             </p:nvSpPr>
             <p:spPr>
               <a:xfrm>
-                <a:off x="5570337" y="2961010"/>
+                <a:off x="5997075" y="3112540"/>
                 <a:ext cx="368627" cy="369332"/>
               </a:xfrm>
               <a:prstGeom prst="rect">
@@ -12004,6 +11950,7 @@
               </a:bodyPr>
               <a:lstStyle/>
               <a:p>
+                <a:pPr/>
                 <a14:m>
                   <m:oMathPara xmlns:m="http://schemas.openxmlformats.org/officeDocument/2006/math">
                     <m:oMathParaPr>
@@ -12035,13 +11982,13 @@
             </p:nvSpPr>
             <p:spPr>
               <a:xfrm>
-                <a:off x="5570337" y="2961010"/>
+                <a:off x="5997075" y="3112540"/>
                 <a:ext cx="368627" cy="369332"/>
               </a:xfrm>
               <a:prstGeom prst="rect">
                 <a:avLst/>
               </a:prstGeom>
-              <a:blipFill rotWithShape="1">
+              <a:blipFill>
                 <a:blip r:embed="rId16"/>
                 <a:stretch>
                   <a:fillRect b="-6667"/>
@@ -12073,7 +12020,7 @@
             </p:nvSpPr>
             <p:spPr>
               <a:xfrm>
-                <a:off x="6585995" y="2961010"/>
+                <a:off x="6609558" y="3112540"/>
                 <a:ext cx="369588" cy="369332"/>
               </a:xfrm>
               <a:prstGeom prst="rect">
@@ -12087,6 +12034,7 @@
               </a:bodyPr>
               <a:lstStyle/>
               <a:p>
+                <a:pPr/>
                 <a14:m>
                   <m:oMathPara xmlns:m="http://schemas.openxmlformats.org/officeDocument/2006/math">
                     <m:oMathParaPr>
@@ -12118,13 +12066,13 @@
             </p:nvSpPr>
             <p:spPr>
               <a:xfrm>
-                <a:off x="6585995" y="2961010"/>
+                <a:off x="6609558" y="3112540"/>
                 <a:ext cx="369588" cy="369332"/>
               </a:xfrm>
               <a:prstGeom prst="rect">
                 <a:avLst/>
               </a:prstGeom>
-              <a:blipFill rotWithShape="1">
+              <a:blipFill>
                 <a:blip r:embed="rId17"/>
                 <a:stretch>
                   <a:fillRect b="-6667"/>
@@ -12146,8 +12094,8 @@
           </p:sp>
         </mc:Fallback>
       </mc:AlternateContent>
-      <mc:AlternateContent xmlns:mc="http://schemas.openxmlformats.org/markup-compatibility/2006">
-        <mc:Choice xmlns:a14="http://schemas.microsoft.com/office/drawing/2010/main" Requires="a14">
+      <mc:AlternateContent xmlns:mc="http://schemas.openxmlformats.org/markup-compatibility/2006" xmlns:a14="http://schemas.microsoft.com/office/drawing/2010/main">
+        <mc:Choice Requires="a14">
           <p:sp>
             <p:nvSpPr>
               <p:cNvPr id="47" name="CaixaDeTexto 46"/>
@@ -12170,6 +12118,7 @@
               </a:bodyPr>
               <a:lstStyle/>
               <a:p>
+                <a:pPr/>
                 <a14:m>
                   <m:oMathPara xmlns:m="http://schemas.openxmlformats.org/officeDocument/2006/math">
                     <m:oMathParaPr>
@@ -12180,7 +12129,7 @@
                         <m:sSubSupPr>
                           <m:ctrlPr>
                             <a:rPr lang="pt-BR" b="0" i="1" smtClean="0">
-                              <a:latin typeface="Cambria Math"/>
+                              <a:latin typeface="Cambria Math" panose="02040503050406030204" pitchFamily="18" charset="0"/>
                             </a:rPr>
                           </m:ctrlPr>
                         </m:sSubSupPr>
@@ -12223,7 +12172,7 @@
             </p:txBody>
           </p:sp>
         </mc:Choice>
-        <mc:Fallback>
+        <mc:Fallback xmlns="">
           <p:sp>
             <p:nvSpPr>
               <p:cNvPr id="47" name="CaixaDeTexto 46"/>
@@ -12262,8 +12211,8 @@
           </p:sp>
         </mc:Fallback>
       </mc:AlternateContent>
-      <mc:AlternateContent xmlns:mc="http://schemas.openxmlformats.org/markup-compatibility/2006">
-        <mc:Choice xmlns:a14="http://schemas.microsoft.com/office/drawing/2010/main" Requires="a14">
+      <mc:AlternateContent xmlns:mc="http://schemas.openxmlformats.org/markup-compatibility/2006" xmlns:a14="http://schemas.microsoft.com/office/drawing/2010/main">
+        <mc:Choice Requires="a14">
           <p:sp>
             <p:nvSpPr>
               <p:cNvPr id="48" name="CaixaDeTexto 47"/>
@@ -12286,6 +12235,7 @@
               </a:bodyPr>
               <a:lstStyle/>
               <a:p>
+                <a:pPr/>
                 <a14:m>
                   <m:oMathPara xmlns:m="http://schemas.openxmlformats.org/officeDocument/2006/math">
                     <m:oMathParaPr>
@@ -12296,7 +12246,7 @@
                         <m:sSubSupPr>
                           <m:ctrlPr>
                             <a:rPr lang="pt-BR" b="0" i="1" smtClean="0">
-                              <a:latin typeface="Cambria Math"/>
+                              <a:latin typeface="Cambria Math" panose="02040503050406030204" pitchFamily="18" charset="0"/>
                             </a:rPr>
                           </m:ctrlPr>
                         </m:sSubSupPr>
@@ -12339,7 +12289,7 @@
             </p:txBody>
           </p:sp>
         </mc:Choice>
-        <mc:Fallback>
+        <mc:Fallback xmlns="">
           <p:sp>
             <p:nvSpPr>
               <p:cNvPr id="48" name="CaixaDeTexto 47"/>
@@ -12378,8 +12328,8 @@
           </p:sp>
         </mc:Fallback>
       </mc:AlternateContent>
-      <mc:AlternateContent xmlns:mc="http://schemas.openxmlformats.org/markup-compatibility/2006">
-        <mc:Choice xmlns:a14="http://schemas.microsoft.com/office/drawing/2010/main" Requires="a14">
+      <mc:AlternateContent xmlns:mc="http://schemas.openxmlformats.org/markup-compatibility/2006" xmlns:a14="http://schemas.microsoft.com/office/drawing/2010/main">
+        <mc:Choice Requires="a14">
           <p:sp>
             <p:nvSpPr>
               <p:cNvPr id="49" name="CaixaDeTexto 48"/>
@@ -12402,6 +12352,7 @@
               </a:bodyPr>
               <a:lstStyle/>
               <a:p>
+                <a:pPr/>
                 <a14:m>
                   <m:oMathPara xmlns:m="http://schemas.openxmlformats.org/officeDocument/2006/math">
                     <m:oMathParaPr>
@@ -12412,7 +12363,7 @@
                         <m:sSubSupPr>
                           <m:ctrlPr>
                             <a:rPr lang="pt-BR" b="0" i="1" smtClean="0">
-                              <a:latin typeface="Cambria Math"/>
+                              <a:latin typeface="Cambria Math" panose="02040503050406030204" pitchFamily="18" charset="0"/>
                             </a:rPr>
                           </m:ctrlPr>
                         </m:sSubSupPr>
@@ -12449,7 +12400,7 @@
             </p:txBody>
           </p:sp>
         </mc:Choice>
-        <mc:Fallback>
+        <mc:Fallback xmlns="">
           <p:sp>
             <p:nvSpPr>
               <p:cNvPr id="49" name="CaixaDeTexto 48"/>
@@ -12488,8 +12439,8 @@
           </p:sp>
         </mc:Fallback>
       </mc:AlternateContent>
-      <mc:AlternateContent xmlns:mc="http://schemas.openxmlformats.org/markup-compatibility/2006">
-        <mc:Choice xmlns:a14="http://schemas.microsoft.com/office/drawing/2010/main" Requires="a14">
+      <mc:AlternateContent xmlns:mc="http://schemas.openxmlformats.org/markup-compatibility/2006" xmlns:a14="http://schemas.microsoft.com/office/drawing/2010/main">
+        <mc:Choice Requires="a14">
           <p:sp>
             <p:nvSpPr>
               <p:cNvPr id="50" name="CaixaDeTexto 49"/>
@@ -12512,6 +12463,7 @@
               </a:bodyPr>
               <a:lstStyle/>
               <a:p>
+                <a:pPr/>
                 <a14:m>
                   <m:oMathPara xmlns:m="http://schemas.openxmlformats.org/officeDocument/2006/math">
                     <m:oMathParaPr>
@@ -12522,7 +12474,7 @@
                         <m:sSubSupPr>
                           <m:ctrlPr>
                             <a:rPr lang="pt-BR" b="0" i="1" smtClean="0">
-                              <a:latin typeface="Cambria Math"/>
+                              <a:latin typeface="Cambria Math" panose="02040503050406030204" pitchFamily="18" charset="0"/>
                             </a:rPr>
                           </m:ctrlPr>
                         </m:sSubSupPr>
@@ -12559,7 +12511,7 @@
             </p:txBody>
           </p:sp>
         </mc:Choice>
-        <mc:Fallback>
+        <mc:Fallback xmlns="">
           <p:sp>
             <p:nvSpPr>
               <p:cNvPr id="50" name="CaixaDeTexto 49"/>
@@ -12598,8 +12550,8 @@
           </p:sp>
         </mc:Fallback>
       </mc:AlternateContent>
-      <mc:AlternateContent xmlns:mc="http://schemas.openxmlformats.org/markup-compatibility/2006">
-        <mc:Choice xmlns:a14="http://schemas.microsoft.com/office/drawing/2010/main" Requires="a14">
+      <mc:AlternateContent xmlns:mc="http://schemas.openxmlformats.org/markup-compatibility/2006" xmlns:a14="http://schemas.microsoft.com/office/drawing/2010/main">
+        <mc:Choice Requires="a14">
           <p:sp>
             <p:nvSpPr>
               <p:cNvPr id="51" name="CaixaDeTexto 50"/>
@@ -12622,6 +12574,7 @@
               </a:bodyPr>
               <a:lstStyle/>
               <a:p>
+                <a:pPr/>
                 <a14:m>
                   <m:oMathPara xmlns:m="http://schemas.openxmlformats.org/officeDocument/2006/math">
                     <m:oMathParaPr>
@@ -12632,7 +12585,7 @@
                         <m:sSubSupPr>
                           <m:ctrlPr>
                             <a:rPr lang="pt-BR" b="0" i="1" smtClean="0">
-                              <a:latin typeface="Cambria Math"/>
+                              <a:latin typeface="Cambria Math" panose="02040503050406030204" pitchFamily="18" charset="0"/>
                             </a:rPr>
                           </m:ctrlPr>
                         </m:sSubSupPr>
@@ -12669,7 +12622,7 @@
             </p:txBody>
           </p:sp>
         </mc:Choice>
-        <mc:Fallback>
+        <mc:Fallback xmlns="">
           <p:sp>
             <p:nvSpPr>
               <p:cNvPr id="51" name="CaixaDeTexto 50"/>
@@ -12731,16 +12684,12 @@
           <a:lstStyle/>
           <a:p>
             <a:r>
-              <a:rPr lang="pt-BR" sz="1400" dirty="0" smtClean="0">
+              <a:rPr lang="pt-BR" sz="1400" dirty="0">
                 <a:latin typeface="Arial" pitchFamily="34" charset="0"/>
                 <a:cs typeface="Arial" pitchFamily="34" charset="0"/>
               </a:rPr>
               <a:t>Transformada de Clarke</a:t>
             </a:r>
-            <a:endParaRPr lang="pt-BR" sz="1400" dirty="0">
-              <a:latin typeface="Arial" pitchFamily="34" charset="0"/>
-              <a:cs typeface="Arial" pitchFamily="34" charset="0"/>
-            </a:endParaRPr>
           </a:p>
         </p:txBody>
       </p:sp>
@@ -12768,16 +12717,12 @@
           <a:p>
             <a:pPr algn="ctr"/>
             <a:r>
-              <a:rPr lang="pt-BR" sz="1400" dirty="0" smtClean="0">
+              <a:rPr lang="pt-BR" sz="1400" dirty="0">
                 <a:latin typeface="Arial" pitchFamily="34" charset="0"/>
                 <a:cs typeface="Arial" pitchFamily="34" charset="0"/>
               </a:rPr>
               <a:t>Cálculo de Potências Instantâneas</a:t>
             </a:r>
-            <a:endParaRPr lang="pt-BR" sz="1400" dirty="0">
-              <a:latin typeface="Arial" pitchFamily="34" charset="0"/>
-              <a:cs typeface="Arial" pitchFamily="34" charset="0"/>
-            </a:endParaRPr>
           </a:p>
         </p:txBody>
       </p:sp>
@@ -12805,21 +12750,17 @@
           <a:p>
             <a:pPr algn="ctr"/>
             <a:r>
-              <a:rPr lang="pt-BR" sz="1400" dirty="0" smtClean="0">
+              <a:rPr lang="pt-BR" sz="1400" dirty="0">
                 <a:latin typeface="Arial" pitchFamily="34" charset="0"/>
                 <a:cs typeface="Arial" pitchFamily="34" charset="0"/>
               </a:rPr>
               <a:t>Cálculo de Corrente </a:t>
             </a:r>
-            <a:endParaRPr lang="pt-BR" sz="1400" dirty="0">
-              <a:latin typeface="Arial" pitchFamily="34" charset="0"/>
-              <a:cs typeface="Arial" pitchFamily="34" charset="0"/>
-            </a:endParaRPr>
           </a:p>
         </p:txBody>
       </p:sp>
-      <mc:AlternateContent xmlns:mc="http://schemas.openxmlformats.org/markup-compatibility/2006">
-        <mc:Choice xmlns:a14="http://schemas.microsoft.com/office/drawing/2010/main" Requires="a14">
+      <mc:AlternateContent xmlns:mc="http://schemas.openxmlformats.org/markup-compatibility/2006" xmlns:a14="http://schemas.microsoft.com/office/drawing/2010/main">
+        <mc:Choice Requires="a14">
           <p:sp>
             <p:nvSpPr>
               <p:cNvPr id="55" name="CaixaDeTexto 54"/>
@@ -12842,6 +12783,7 @@
               </a:bodyPr>
               <a:lstStyle/>
               <a:p>
+                <a:pPr/>
                 <a14:m>
                   <m:oMathPara xmlns:m="http://schemas.openxmlformats.org/officeDocument/2006/math">
                     <m:oMathParaPr>
@@ -12874,7 +12816,7 @@
             </p:txBody>
           </p:sp>
         </mc:Choice>
-        <mc:Fallback>
+        <mc:Fallback xmlns="">
           <p:sp>
             <p:nvSpPr>
               <p:cNvPr id="55" name="CaixaDeTexto 54"/>
@@ -12936,16 +12878,12 @@
           <a:lstStyle/>
           <a:p>
             <a:r>
-              <a:rPr lang="pt-BR" sz="1400" dirty="0" smtClean="0">
+              <a:rPr lang="pt-BR" sz="1400" dirty="0">
                 <a:latin typeface="Arial" pitchFamily="34" charset="0"/>
                 <a:cs typeface="Arial" pitchFamily="34" charset="0"/>
               </a:rPr>
               <a:t>Transformada Inversa de Clarke</a:t>
             </a:r>
-            <a:endParaRPr lang="pt-BR" sz="1400" dirty="0">
-              <a:latin typeface="Arial" pitchFamily="34" charset="0"/>
-              <a:cs typeface="Arial" pitchFamily="34" charset="0"/>
-            </a:endParaRPr>
           </a:p>
         </p:txBody>
       </p:sp>
@@ -13021,8 +12959,8 @@
           </a:fontRef>
         </p:style>
       </p:cxnSp>
-      <mc:AlternateContent xmlns:mc="http://schemas.openxmlformats.org/markup-compatibility/2006">
-        <mc:Choice xmlns:a14="http://schemas.microsoft.com/office/drawing/2010/main" Requires="a14">
+      <mc:AlternateContent xmlns:mc="http://schemas.openxmlformats.org/markup-compatibility/2006" xmlns:a14="http://schemas.microsoft.com/office/drawing/2010/main">
+        <mc:Choice Requires="a14">
           <p:sp>
             <p:nvSpPr>
               <p:cNvPr id="59" name="CaixaDeTexto 58"/>
@@ -13045,6 +12983,7 @@
               </a:bodyPr>
               <a:lstStyle/>
               <a:p>
+                <a:pPr/>
                 <a14:m>
                   <m:oMathPara xmlns:m="http://schemas.openxmlformats.org/officeDocument/2006/math">
                     <m:oMathParaPr>
@@ -13055,7 +12994,7 @@
                         <m:sSubPr>
                           <m:ctrlPr>
                             <a:rPr lang="pt-BR" b="0" i="1" smtClean="0">
-                              <a:latin typeface="Cambria Math"/>
+                              <a:latin typeface="Cambria Math" panose="02040503050406030204" pitchFamily="18" charset="0"/>
                             </a:rPr>
                           </m:ctrlPr>
                         </m:sSubPr>
@@ -13084,7 +13023,7 @@
             </p:txBody>
           </p:sp>
         </mc:Choice>
-        <mc:Fallback>
+        <mc:Fallback xmlns="">
           <p:sp>
             <p:nvSpPr>
               <p:cNvPr id="59" name="CaixaDeTexto 58"/>
@@ -13123,8 +13062,8 @@
           </p:sp>
         </mc:Fallback>
       </mc:AlternateContent>
-      <mc:AlternateContent xmlns:mc="http://schemas.openxmlformats.org/markup-compatibility/2006">
-        <mc:Choice xmlns:a14="http://schemas.microsoft.com/office/drawing/2010/main" Requires="a14">
+      <mc:AlternateContent xmlns:mc="http://schemas.openxmlformats.org/markup-compatibility/2006" xmlns:a14="http://schemas.microsoft.com/office/drawing/2010/main">
+        <mc:Choice Requires="a14">
           <p:sp>
             <p:nvSpPr>
               <p:cNvPr id="60" name="CaixaDeTexto 59"/>
@@ -13147,6 +13086,7 @@
               </a:bodyPr>
               <a:lstStyle/>
               <a:p>
+                <a:pPr/>
                 <a14:m>
                   <m:oMathPara xmlns:m="http://schemas.openxmlformats.org/officeDocument/2006/math">
                     <m:oMathParaPr>
@@ -13157,7 +13097,7 @@
                         <m:sSubPr>
                           <m:ctrlPr>
                             <a:rPr lang="pt-BR" b="0" i="1" smtClean="0">
-                              <a:latin typeface="Cambria Math"/>
+                              <a:latin typeface="Cambria Math" panose="02040503050406030204" pitchFamily="18" charset="0"/>
                             </a:rPr>
                           </m:ctrlPr>
                         </m:sSubPr>
@@ -13186,7 +13126,7 @@
             </p:txBody>
           </p:sp>
         </mc:Choice>
-        <mc:Fallback>
+        <mc:Fallback xmlns="">
           <p:sp>
             <p:nvSpPr>
               <p:cNvPr id="60" name="CaixaDeTexto 59"/>
@@ -13268,18 +13208,13 @@
           <a:p>
             <a:pPr algn="ctr"/>
             <a:r>
-              <a:rPr lang="pt-BR" dirty="0" smtClean="0">
+              <a:rPr lang="pt-BR" dirty="0">
                 <a:solidFill>
                   <a:sysClr val="windowText" lastClr="000000"/>
                 </a:solidFill>
               </a:rPr>
               <a:t>1</a:t>
             </a:r>
-            <a:endParaRPr lang="pt-BR" dirty="0">
-              <a:solidFill>
-                <a:sysClr val="windowText" lastClr="000000"/>
-              </a:solidFill>
-            </a:endParaRPr>
           </a:p>
         </p:txBody>
       </p:sp>
@@ -13326,18 +13261,13 @@
           <a:p>
             <a:pPr algn="ctr"/>
             <a:r>
-              <a:rPr lang="pt-BR" dirty="0" smtClean="0">
+              <a:rPr lang="pt-BR" dirty="0">
                 <a:solidFill>
                   <a:sysClr val="windowText" lastClr="000000"/>
                 </a:solidFill>
               </a:rPr>
               <a:t>1</a:t>
             </a:r>
-            <a:endParaRPr lang="pt-BR" dirty="0">
-              <a:solidFill>
-                <a:sysClr val="windowText" lastClr="000000"/>
-              </a:solidFill>
-            </a:endParaRPr>
           </a:p>
         </p:txBody>
       </p:sp>
@@ -13349,7 +13279,7 @@
         </p:nvSpPr>
         <p:spPr>
           <a:xfrm>
-            <a:off x="3838848" y="3068960"/>
+            <a:off x="4202914" y="3018158"/>
             <a:ext cx="1335321" cy="628411"/>
           </a:xfrm>
           <a:prstGeom prst="rect">
@@ -13397,7 +13327,7 @@
         </p:nvCxnSpPr>
         <p:spPr>
           <a:xfrm>
-            <a:off x="3962405" y="3186707"/>
+            <a:off x="4326471" y="3135905"/>
             <a:ext cx="0" cy="457993"/>
           </a:xfrm>
           <a:prstGeom prst="line">
@@ -13432,7 +13362,7 @@
         </p:nvCxnSpPr>
         <p:spPr>
           <a:xfrm>
-            <a:off x="3900906" y="3587884"/>
+            <a:off x="4264972" y="3537082"/>
             <a:ext cx="1020504" cy="0"/>
           </a:xfrm>
           <a:prstGeom prst="line">
@@ -13467,7 +13397,7 @@
         </p:nvCxnSpPr>
         <p:spPr>
           <a:xfrm>
-            <a:off x="3955649" y="3286801"/>
+            <a:off x="4319715" y="3235999"/>
             <a:ext cx="517407" cy="0"/>
           </a:xfrm>
           <a:prstGeom prst="line">
@@ -13502,7 +13432,7 @@
         </p:nvCxnSpPr>
         <p:spPr>
           <a:xfrm>
-            <a:off x="4473056" y="3286801"/>
+            <a:off x="4837122" y="3235999"/>
             <a:ext cx="266783" cy="301083"/>
           </a:xfrm>
           <a:prstGeom prst="line">
@@ -13529,8 +13459,8 @@
           </a:fontRef>
         </p:style>
       </p:cxnSp>
-      <mc:AlternateContent xmlns:mc="http://schemas.openxmlformats.org/markup-compatibility/2006">
-        <mc:Choice xmlns:a14="http://schemas.microsoft.com/office/drawing/2010/main" Requires="a14">
+      <mc:AlternateContent xmlns:mc="http://schemas.openxmlformats.org/markup-compatibility/2006" xmlns:a14="http://schemas.microsoft.com/office/drawing/2010/main">
+        <mc:Choice Requires="a14">
           <p:sp>
             <p:nvSpPr>
               <p:cNvPr id="71" name="CaixaDeTexto 70"/>
@@ -13553,6 +13483,7 @@
               </a:bodyPr>
               <a:lstStyle/>
               <a:p>
+                <a:pPr/>
                 <a14:m>
                   <m:oMathPara xmlns:m="http://schemas.openxmlformats.org/officeDocument/2006/math">
                     <m:oMathParaPr>
@@ -13570,7 +13501,7 @@
                           <m:chr m:val="̃"/>
                           <m:ctrlPr>
                             <a:rPr lang="pt-BR" b="0" i="1" smtClean="0">
-                              <a:latin typeface="Cambria Math"/>
+                              <a:latin typeface="Cambria Math" panose="02040503050406030204" pitchFamily="18" charset="0"/>
                             </a:rPr>
                           </m:ctrlPr>
                         </m:accPr>
@@ -13591,7 +13522,7 @@
             </p:txBody>
           </p:sp>
         </mc:Choice>
-        <mc:Fallback>
+        <mc:Fallback xmlns="">
           <p:sp>
             <p:nvSpPr>
               <p:cNvPr id="71" name="CaixaDeTexto 70"/>
@@ -13640,7 +13571,7 @@
             </p:nvSpPr>
             <p:spPr>
               <a:xfrm>
-                <a:off x="2267068" y="3807035"/>
+                <a:off x="2157984" y="3809261"/>
                 <a:ext cx="542713" cy="369332"/>
               </a:xfrm>
               <a:prstGeom prst="rect">
@@ -13654,6 +13585,7 @@
               </a:bodyPr>
               <a:lstStyle/>
               <a:p>
+                <a:pPr/>
                 <a14:m>
                   <m:oMathPara xmlns:m="http://schemas.openxmlformats.org/officeDocument/2006/math">
                     <m:oMathParaPr>
@@ -13691,13 +13623,13 @@
             </p:nvSpPr>
             <p:spPr>
               <a:xfrm>
-                <a:off x="2267068" y="3807035"/>
+                <a:off x="2157984" y="3809261"/>
                 <a:ext cx="542713" cy="369332"/>
               </a:xfrm>
               <a:prstGeom prst="rect">
                 <a:avLst/>
               </a:prstGeom>
-              <a:blipFill rotWithShape="1">
+              <a:blipFill>
                 <a:blip r:embed="rId27"/>
                 <a:stretch>
                   <a:fillRect b="-6667"/>
@@ -13727,7 +13659,7 @@
         </p:nvSpPr>
         <p:spPr>
           <a:xfrm>
-            <a:off x="4512089" y="3098944"/>
+            <a:off x="4876155" y="3048142"/>
             <a:ext cx="647429" cy="307777"/>
           </a:xfrm>
           <a:prstGeom prst="rect">
@@ -13743,16 +13675,12 @@
           <a:p>
             <a:pPr algn="ctr"/>
             <a:r>
-              <a:rPr lang="pt-BR" sz="1400" dirty="0" smtClean="0">
+              <a:rPr lang="pt-BR" sz="1400" dirty="0">
                 <a:latin typeface="Arial" pitchFamily="34" charset="0"/>
                 <a:cs typeface="Arial" pitchFamily="34" charset="0"/>
               </a:rPr>
               <a:t>FPB</a:t>
             </a:r>
-            <a:endParaRPr lang="pt-BR" sz="1400" dirty="0">
-              <a:latin typeface="Arial" pitchFamily="34" charset="0"/>
-              <a:cs typeface="Arial" pitchFamily="34" charset="0"/>
-            </a:endParaRPr>
           </a:p>
         </p:txBody>
       </p:sp>
@@ -13764,7 +13692,7 @@
         </p:nvSpPr>
         <p:spPr>
           <a:xfrm rot="16200000">
-            <a:off x="3097300" y="3649198"/>
+            <a:off x="2944898" y="3716934"/>
             <a:ext cx="369335" cy="566323"/>
           </a:xfrm>
           <a:prstGeom prst="triangle">
@@ -13814,7 +13742,7 @@
             </p:nvSpPr>
             <p:spPr>
               <a:xfrm>
-                <a:off x="3112236" y="3747696"/>
+                <a:off x="2959834" y="3815432"/>
                 <a:ext cx="538929" cy="369332"/>
               </a:xfrm>
               <a:prstGeom prst="rect">
@@ -13828,6 +13756,7 @@
               </a:bodyPr>
               <a:lstStyle/>
               <a:p>
+                <a:pPr/>
                 <a14:m>
                   <m:oMathPara xmlns:m="http://schemas.openxmlformats.org/officeDocument/2006/math">
                     <m:oMathParaPr>
@@ -13859,13 +13788,13 @@
             </p:nvSpPr>
             <p:spPr>
               <a:xfrm>
-                <a:off x="3112236" y="3747696"/>
+                <a:off x="2959834" y="3815432"/>
                 <a:ext cx="538929" cy="369332"/>
               </a:xfrm>
               <a:prstGeom prst="rect">
                 <a:avLst/>
               </a:prstGeom>
-              <a:blipFill rotWithShape="1">
+              <a:blipFill>
                 <a:blip r:embed="rId28"/>
                 <a:stretch>
                   <a:fillRect/>
@@ -13890,183 +13819,13 @@
       <p:cxnSp>
         <p:nvCxnSpPr>
           <p:cNvPr id="90" name="Conector reto 89"/>
-          <p:cNvCxnSpPr>
-            <a:endCxn id="84" idx="0"/>
-          </p:cNvCxnSpPr>
-          <p:nvPr/>
-        </p:nvCxnSpPr>
-        <p:spPr>
-          <a:xfrm flipV="1">
-            <a:off x="2835638" y="3932359"/>
-            <a:ext cx="163168" cy="0"/>
-          </a:xfrm>
-          <a:prstGeom prst="line">
-            <a:avLst/>
-          </a:prstGeom>
-          <a:ln w="38100">
-            <a:solidFill>
-              <a:schemeClr val="tx1"/>
-            </a:solidFill>
-          </a:ln>
-        </p:spPr>
-        <p:style>
-          <a:lnRef idx="1">
-            <a:schemeClr val="accent1"/>
-          </a:lnRef>
-          <a:fillRef idx="0">
-            <a:schemeClr val="accent1"/>
-          </a:fillRef>
-          <a:effectRef idx="0">
-            <a:schemeClr val="accent1"/>
-          </a:effectRef>
-          <a:fontRef idx="minor">
-            <a:schemeClr val="tx1"/>
-          </a:fontRef>
-        </p:style>
-      </p:cxnSp>
-      <p:sp>
-        <p:nvSpPr>
-          <p:cNvPr id="105" name="Triângulo isósceles 104"/>
-          <p:cNvSpPr/>
-          <p:nvPr/>
-        </p:nvSpPr>
-        <p:spPr>
-          <a:xfrm rot="16200000">
-            <a:off x="2680366" y="3099992"/>
-            <a:ext cx="369335" cy="566323"/>
-          </a:xfrm>
-          <a:prstGeom prst="triangle">
-            <a:avLst/>
-          </a:prstGeom>
-          <a:noFill/>
-          <a:ln w="38100">
-            <a:solidFill>
-              <a:schemeClr val="tx1"/>
-            </a:solidFill>
-          </a:ln>
-        </p:spPr>
-        <p:style>
-          <a:lnRef idx="2">
-            <a:schemeClr val="accent1">
-              <a:shade val="50000"/>
-            </a:schemeClr>
-          </a:lnRef>
-          <a:fillRef idx="1">
-            <a:schemeClr val="accent1"/>
-          </a:fillRef>
-          <a:effectRef idx="0">
-            <a:schemeClr val="accent1"/>
-          </a:effectRef>
-          <a:fontRef idx="minor">
-            <a:schemeClr val="lt1"/>
-          </a:fontRef>
-        </p:style>
-        <p:txBody>
-          <a:bodyPr rtlCol="0" anchor="ctr"/>
-          <a:lstStyle/>
-          <a:p>
-            <a:pPr algn="ctr"/>
-            <a:endParaRPr lang="pt-BR">
-              <a:noFill/>
-            </a:endParaRPr>
-          </a:p>
-        </p:txBody>
-      </p:sp>
-      <mc:AlternateContent xmlns:mc="http://schemas.openxmlformats.org/markup-compatibility/2006">
-        <mc:Choice xmlns:a14="http://schemas.microsoft.com/office/drawing/2010/main" Requires="a14">
-          <p:sp>
-            <p:nvSpPr>
-              <p:cNvPr id="106" name="CaixaDeTexto 105"/>
-              <p:cNvSpPr txBox="1"/>
-              <p:nvPr/>
-            </p:nvSpPr>
-            <p:spPr>
-              <a:xfrm>
-                <a:off x="2695302" y="3198490"/>
-                <a:ext cx="538929" cy="369332"/>
-              </a:xfrm>
-              <a:prstGeom prst="rect">
-                <a:avLst/>
-              </a:prstGeom>
-              <a:noFill/>
-            </p:spPr>
-            <p:txBody>
-              <a:bodyPr wrap="none" rtlCol="0">
-                <a:spAutoFit/>
-              </a:bodyPr>
-              <a:lstStyle/>
-              <a:p>
-                <a14:m>
-                  <m:oMathPara xmlns:m="http://schemas.openxmlformats.org/officeDocument/2006/math">
-                    <m:oMathParaPr>
-                      <m:jc m:val="centerGroup"/>
-                    </m:oMathParaPr>
-                    <m:oMath xmlns:m="http://schemas.openxmlformats.org/officeDocument/2006/math">
-                      <m:r>
-                        <a:rPr lang="pt-BR" b="0" i="1" smtClean="0">
-                          <a:latin typeface="Cambria Math"/>
-                        </a:rPr>
-                        <m:t>−1</m:t>
-                      </m:r>
-                    </m:oMath>
-                  </m:oMathPara>
-                </a14:m>
-                <a:endParaRPr lang="pt-BR" dirty="0"/>
-              </a:p>
-            </p:txBody>
-          </p:sp>
-        </mc:Choice>
-        <mc:Fallback>
-          <p:sp>
-            <p:nvSpPr>
-              <p:cNvPr id="106" name="CaixaDeTexto 105"/>
-              <p:cNvSpPr txBox="1">
-                <a:spLocks noRot="1" noChangeAspect="1" noMove="1" noResize="1" noEditPoints="1" noAdjustHandles="1" noChangeArrowheads="1" noChangeShapeType="1" noTextEdit="1"/>
-              </p:cNvSpPr>
-              <p:nvPr/>
-            </p:nvSpPr>
-            <p:spPr>
-              <a:xfrm>
-                <a:off x="2695302" y="3198490"/>
-                <a:ext cx="538929" cy="369332"/>
-              </a:xfrm>
-              <a:prstGeom prst="rect">
-                <a:avLst/>
-              </a:prstGeom>
-              <a:blipFill rotWithShape="1">
-                <a:blip r:embed="rId29"/>
-                <a:stretch>
-                  <a:fillRect/>
-                </a:stretch>
-              </a:blipFill>
-            </p:spPr>
-            <p:txBody>
-              <a:bodyPr/>
-              <a:lstStyle/>
-              <a:p>
-                <a:r>
-                  <a:rPr lang="pt-BR">
-                    <a:noFill/>
-                  </a:rPr>
-                  <a:t> </a:t>
-                </a:r>
-              </a:p>
-            </p:txBody>
-          </p:sp>
-        </mc:Fallback>
-      </mc:AlternateContent>
-      <p:cxnSp>
-        <p:nvCxnSpPr>
-          <p:cNvPr id="107" name="Conector reto 106"/>
-          <p:cNvCxnSpPr>
-            <a:endCxn id="105" idx="0"/>
-          </p:cNvCxnSpPr>
+          <p:cNvCxnSpPr/>
           <p:nvPr/>
         </p:nvCxnSpPr>
         <p:spPr>
           <a:xfrm>
-            <a:off x="1916906" y="3383153"/>
-            <a:ext cx="664966" cy="0"/>
+            <a:off x="2635669" y="4000095"/>
+            <a:ext cx="207780" cy="0"/>
           </a:xfrm>
           <a:prstGeom prst="line">
             <a:avLst/>
@@ -14101,7 +13860,7 @@
           <p:nvPr/>
         </p:nvPicPr>
         <p:blipFill>
-          <a:blip r:embed="rId30" cstate="print">
+          <a:blip r:embed="rId29" cstate="print">
             <a:extLst>
               <a:ext uri="{28A0092B-C50C-407E-A947-70E740481C1C}">
                 <a14:useLocalDpi xmlns:a14="http://schemas.microsoft.com/office/drawing/2010/main" val="0"/>
@@ -14156,6 +13915,375 @@
           </a:extLst>
         </p:spPr>
       </p:pic>
+      <p:cxnSp>
+        <p:nvCxnSpPr>
+          <p:cNvPr id="79" name="Conector reto 78"/>
+          <p:cNvCxnSpPr>
+            <a:endCxn id="75" idx="2"/>
+          </p:cNvCxnSpPr>
+          <p:nvPr/>
+        </p:nvCxnSpPr>
+        <p:spPr>
+          <a:xfrm flipV="1">
+            <a:off x="1928244" y="3332351"/>
+            <a:ext cx="1488333" cy="0"/>
+          </a:xfrm>
+          <a:prstGeom prst="line">
+            <a:avLst/>
+          </a:prstGeom>
+          <a:ln w="38100">
+            <a:solidFill>
+              <a:schemeClr val="tx1"/>
+            </a:solidFill>
+          </a:ln>
+        </p:spPr>
+        <p:style>
+          <a:lnRef idx="1">
+            <a:schemeClr val="accent1"/>
+          </a:lnRef>
+          <a:fillRef idx="0">
+            <a:schemeClr val="accent1"/>
+          </a:fillRef>
+          <a:effectRef idx="0">
+            <a:schemeClr val="accent1"/>
+          </a:effectRef>
+          <a:fontRef idx="minor">
+            <a:schemeClr val="tx1"/>
+          </a:fontRef>
+        </p:style>
+      </p:cxnSp>
+      <p:sp>
+        <p:nvSpPr>
+          <p:cNvPr id="83" name="CaixaDeTexto 82"/>
+          <p:cNvSpPr txBox="1"/>
+          <p:nvPr/>
+        </p:nvSpPr>
+        <p:spPr>
+          <a:xfrm>
+            <a:off x="3582166" y="3175941"/>
+            <a:ext cx="146793" cy="307777"/>
+          </a:xfrm>
+          <a:prstGeom prst="rect">
+            <a:avLst/>
+          </a:prstGeom>
+          <a:noFill/>
+        </p:spPr>
+        <p:txBody>
+          <a:bodyPr wrap="square" rtlCol="0">
+            <a:spAutoFit/>
+          </a:bodyPr>
+          <a:lstStyle/>
+          <a:p>
+            <a:pPr algn="ctr"/>
+            <a:r>
+              <a:rPr lang="pt-BR" sz="1400" dirty="0">
+                <a:latin typeface="Arial" pitchFamily="34" charset="0"/>
+                <a:cs typeface="Arial" pitchFamily="34" charset="0"/>
+              </a:rPr>
+              <a:t>+</a:t>
+            </a:r>
+          </a:p>
+        </p:txBody>
+      </p:sp>
+      <p:sp>
+        <p:nvSpPr>
+          <p:cNvPr id="86" name="CaixaDeTexto 85"/>
+          <p:cNvSpPr txBox="1"/>
+          <p:nvPr/>
+        </p:nvSpPr>
+        <p:spPr>
+          <a:xfrm>
+            <a:off x="3501444" y="3255367"/>
+            <a:ext cx="146793" cy="307777"/>
+          </a:xfrm>
+          <a:prstGeom prst="rect">
+            <a:avLst/>
+          </a:prstGeom>
+          <a:noFill/>
+        </p:spPr>
+        <p:txBody>
+          <a:bodyPr wrap="square" rtlCol="0">
+            <a:spAutoFit/>
+          </a:bodyPr>
+          <a:lstStyle/>
+          <a:p>
+            <a:pPr algn="ctr"/>
+            <a:r>
+              <a:rPr lang="pt-BR" sz="1400" dirty="0">
+                <a:latin typeface="Arial" pitchFamily="34" charset="0"/>
+                <a:cs typeface="Arial" pitchFamily="34" charset="0"/>
+              </a:rPr>
+              <a:t>-</a:t>
+            </a:r>
+          </a:p>
+        </p:txBody>
+      </p:sp>
+      <mc:AlternateContent xmlns:mc="http://schemas.openxmlformats.org/markup-compatibility/2006">
+        <mc:Choice xmlns:a14="http://schemas.microsoft.com/office/drawing/2010/main" Requires="a14">
+          <p:sp>
+            <p:nvSpPr>
+              <p:cNvPr id="87" name="CaixaDeTexto 86"/>
+              <p:cNvSpPr txBox="1"/>
+              <p:nvPr/>
+            </p:nvSpPr>
+            <p:spPr>
+              <a:xfrm>
+                <a:off x="3770079" y="2910208"/>
+                <a:ext cx="368626" cy="369332"/>
+              </a:xfrm>
+              <a:prstGeom prst="rect">
+                <a:avLst/>
+              </a:prstGeom>
+              <a:noFill/>
+            </p:spPr>
+            <p:txBody>
+              <a:bodyPr wrap="none" rtlCol="0">
+                <a:spAutoFit/>
+              </a:bodyPr>
+              <a:lstStyle/>
+              <a:p>
+                <a:pPr/>
+                <a14:m>
+                  <m:oMathPara xmlns:m="http://schemas.openxmlformats.org/officeDocument/2006/math">
+                    <m:oMathParaPr>
+                      <m:jc m:val="centerGroup"/>
+                    </m:oMathParaPr>
+                    <m:oMath xmlns:m="http://schemas.openxmlformats.org/officeDocument/2006/math">
+                      <m:bar>
+                        <m:barPr>
+                          <m:pos m:val="top"/>
+                          <m:ctrlPr>
+                            <a:rPr lang="pt-BR" b="0" i="1" smtClean="0">
+                              <a:latin typeface="Cambria Math" panose="02040503050406030204" pitchFamily="18" charset="0"/>
+                            </a:rPr>
+                          </m:ctrlPr>
+                        </m:barPr>
+                        <m:e>
+                          <m:r>
+                            <a:rPr lang="pt-BR" b="0" i="1" smtClean="0">
+                              <a:latin typeface="Cambria Math" panose="02040503050406030204" pitchFamily="18" charset="0"/>
+                            </a:rPr>
+                            <m:t>𝑝</m:t>
+                          </m:r>
+                        </m:e>
+                      </m:bar>
+                    </m:oMath>
+                  </m:oMathPara>
+                </a14:m>
+                <a:endParaRPr lang="pt-BR" dirty="0"/>
+              </a:p>
+            </p:txBody>
+          </p:sp>
+        </mc:Choice>
+        <mc:Fallback>
+          <p:sp>
+            <p:nvSpPr>
+              <p:cNvPr id="87" name="CaixaDeTexto 86"/>
+              <p:cNvSpPr txBox="1">
+                <a:spLocks noRot="1" noChangeAspect="1" noMove="1" noResize="1" noEditPoints="1" noAdjustHandles="1" noChangeArrowheads="1" noChangeShapeType="1" noTextEdit="1"/>
+              </p:cNvSpPr>
+              <p:nvPr/>
+            </p:nvSpPr>
+            <p:spPr>
+              <a:xfrm>
+                <a:off x="3770079" y="2910208"/>
+                <a:ext cx="368626" cy="369332"/>
+              </a:xfrm>
+              <a:prstGeom prst="rect">
+                <a:avLst/>
+              </a:prstGeom>
+              <a:blipFill>
+                <a:blip r:embed="rId30"/>
+                <a:stretch>
+                  <a:fillRect b="-6557"/>
+                </a:stretch>
+              </a:blipFill>
+            </p:spPr>
+            <p:txBody>
+              <a:bodyPr/>
+              <a:lstStyle/>
+              <a:p>
+                <a:r>
+                  <a:rPr lang="pt-BR">
+                    <a:noFill/>
+                  </a:rPr>
+                  <a:t> </a:t>
+                </a:r>
+              </a:p>
+            </p:txBody>
+          </p:sp>
+        </mc:Fallback>
+      </mc:AlternateContent>
+      <p:cxnSp>
+        <p:nvCxnSpPr>
+          <p:cNvPr id="88" name="Conector reto 87"/>
+          <p:cNvCxnSpPr>
+            <a:stCxn id="75" idx="4"/>
+          </p:cNvCxnSpPr>
+          <p:nvPr/>
+        </p:nvCxnSpPr>
+        <p:spPr>
+          <a:xfrm flipH="1">
+            <a:off x="3574840" y="3494351"/>
+            <a:ext cx="0" cy="274122"/>
+          </a:xfrm>
+          <a:prstGeom prst="line">
+            <a:avLst/>
+          </a:prstGeom>
+          <a:ln w="38100">
+            <a:solidFill>
+              <a:schemeClr val="tx1"/>
+            </a:solidFill>
+          </a:ln>
+        </p:spPr>
+        <p:style>
+          <a:lnRef idx="1">
+            <a:schemeClr val="accent1"/>
+          </a:lnRef>
+          <a:fillRef idx="0">
+            <a:schemeClr val="accent1"/>
+          </a:fillRef>
+          <a:effectRef idx="0">
+            <a:schemeClr val="accent1"/>
+          </a:effectRef>
+          <a:fontRef idx="minor">
+            <a:schemeClr val="tx1"/>
+          </a:fontRef>
+        </p:style>
+      </p:cxnSp>
+      <p:sp>
+        <p:nvSpPr>
+          <p:cNvPr id="75" name="Elipse 74"/>
+          <p:cNvSpPr/>
+          <p:nvPr/>
+        </p:nvSpPr>
+        <p:spPr>
+          <a:xfrm>
+            <a:off x="3416577" y="3170351"/>
+            <a:ext cx="324000" cy="324000"/>
+          </a:xfrm>
+          <a:prstGeom prst="ellipse">
+            <a:avLst/>
+          </a:prstGeom>
+          <a:noFill/>
+          <a:ln w="38100">
+            <a:solidFill>
+              <a:schemeClr val="tx1"/>
+            </a:solidFill>
+          </a:ln>
+        </p:spPr>
+        <p:style>
+          <a:lnRef idx="2">
+            <a:schemeClr val="accent1">
+              <a:shade val="50000"/>
+            </a:schemeClr>
+          </a:lnRef>
+          <a:fillRef idx="1">
+            <a:schemeClr val="accent1"/>
+          </a:fillRef>
+          <a:effectRef idx="0">
+            <a:schemeClr val="accent1"/>
+          </a:effectRef>
+          <a:fontRef idx="minor">
+            <a:schemeClr val="lt1"/>
+          </a:fontRef>
+        </p:style>
+        <p:txBody>
+          <a:bodyPr rtlCol="0" anchor="ctr"/>
+          <a:lstStyle/>
+          <a:p>
+            <a:pPr algn="ctr"/>
+            <a:endParaRPr lang="pt-BR" dirty="0">
+              <a:noFill/>
+            </a:endParaRPr>
+          </a:p>
+        </p:txBody>
+      </p:sp>
+      <p:cxnSp>
+        <p:nvCxnSpPr>
+          <p:cNvPr id="91" name="Conector reto 90"/>
+          <p:cNvCxnSpPr/>
+          <p:nvPr/>
+        </p:nvCxnSpPr>
+        <p:spPr>
+          <a:xfrm>
+            <a:off x="3555203" y="3768473"/>
+            <a:ext cx="2390904" cy="0"/>
+          </a:xfrm>
+          <a:prstGeom prst="line">
+            <a:avLst/>
+          </a:prstGeom>
+          <a:ln w="38100">
+            <a:solidFill>
+              <a:schemeClr val="tx1"/>
+            </a:solidFill>
+          </a:ln>
+        </p:spPr>
+        <p:style>
+          <a:lnRef idx="1">
+            <a:schemeClr val="accent1"/>
+          </a:lnRef>
+          <a:fillRef idx="0">
+            <a:schemeClr val="accent1"/>
+          </a:fillRef>
+          <a:effectRef idx="0">
+            <a:schemeClr val="accent1"/>
+          </a:effectRef>
+          <a:fontRef idx="minor">
+            <a:schemeClr val="tx1"/>
+          </a:fontRef>
+        </p:style>
+      </p:cxnSp>
+      <p:sp>
+        <p:nvSpPr>
+          <p:cNvPr id="102" name="Elipse 101"/>
+          <p:cNvSpPr/>
+          <p:nvPr/>
+        </p:nvSpPr>
+        <p:spPr>
+          <a:xfrm>
+            <a:off x="5902964" y="3302884"/>
+            <a:ext cx="72000" cy="70446"/>
+          </a:xfrm>
+          <a:prstGeom prst="ellipse">
+            <a:avLst/>
+          </a:prstGeom>
+          <a:solidFill>
+            <a:schemeClr val="tx1"/>
+          </a:solidFill>
+          <a:ln w="38100">
+            <a:solidFill>
+              <a:schemeClr val="tx1"/>
+            </a:solidFill>
+          </a:ln>
+        </p:spPr>
+        <p:style>
+          <a:lnRef idx="2">
+            <a:schemeClr val="accent1">
+              <a:shade val="50000"/>
+            </a:schemeClr>
+          </a:lnRef>
+          <a:fillRef idx="1">
+            <a:schemeClr val="accent1"/>
+          </a:fillRef>
+          <a:effectRef idx="0">
+            <a:schemeClr val="accent1"/>
+          </a:effectRef>
+          <a:fontRef idx="minor">
+            <a:schemeClr val="lt1"/>
+          </a:fontRef>
+        </p:style>
+        <p:txBody>
+          <a:bodyPr rtlCol="0" anchor="ctr"/>
+          <a:lstStyle/>
+          <a:p>
+            <a:pPr algn="ctr"/>
+            <a:endParaRPr lang="pt-BR">
+              <a:noFill/>
+            </a:endParaRPr>
+          </a:p>
+        </p:txBody>
+      </p:sp>
     </p:spTree>
     <p:extLst>
       <p:ext uri="{BB962C8B-B14F-4D97-AF65-F5344CB8AC3E}">
@@ -14166,13 +14294,6 @@
   <p:clrMapOvr>
     <a:masterClrMapping/>
   </p:clrMapOvr>
-  <p:timing>
-    <p:tnLst>
-      <p:par>
-        <p:cTn id="1" dur="indefinite" restart="never" nodeType="tmRoot"/>
-      </p:par>
-    </p:tnLst>
-  </p:timing>
 </p:sld>
 </file>
 

--- a/Tranqueiras de ppt/desenhos_filtro_complexo.pptx
+++ b/Tranqueiras de ppt/desenhos_filtro_complexo.pptx
@@ -8,6 +8,7 @@
     <p:sldId id="256" r:id="rId2"/>
     <p:sldId id="257" r:id="rId3"/>
     <p:sldId id="258" r:id="rId4"/>
+    <p:sldId id="259" r:id="rId5"/>
   </p:sldIdLst>
   <p:sldSz cx="9144000" cy="6858000" type="screen4x3"/>
   <p:notesSz cx="6858000" cy="9144000"/>
@@ -108,7 +109,7 @@
   </p:defaultTextStyle>
   <p:extLst>
     <p:ext uri="{EFAFB233-063F-42B5-8137-9DF3F51BA10A}">
-      <p15:sldGuideLst xmlns:p15="http://schemas.microsoft.com/office/powerpoint/2012/main">
+      <p15:sldGuideLst xmlns:p15="http://schemas.microsoft.com/office/powerpoint/2012/main" xmlns="">
         <p15:guide id="1" orient="horz" pos="2160">
           <p15:clr>
             <a:srgbClr val="A4A3A4"/>
@@ -304,7 +305,7 @@
           <a:p>
             <a:fld id="{9F140449-45B3-4C4C-B502-456914857DA8}" type="datetimeFigureOut">
               <a:rPr lang="pt-BR" smtClean="0"/>
-              <a:t>30/08/2016</a:t>
+              <a:t>31/08/2016</a:t>
             </a:fld>
             <a:endParaRPr lang="pt-BR"/>
           </a:p>
@@ -472,7 +473,7 @@
           <a:p>
             <a:fld id="{9F140449-45B3-4C4C-B502-456914857DA8}" type="datetimeFigureOut">
               <a:rPr lang="pt-BR" smtClean="0"/>
-              <a:t>30/08/2016</a:t>
+              <a:t>31/08/2016</a:t>
             </a:fld>
             <a:endParaRPr lang="pt-BR"/>
           </a:p>
@@ -650,7 +651,7 @@
           <a:p>
             <a:fld id="{9F140449-45B3-4C4C-B502-456914857DA8}" type="datetimeFigureOut">
               <a:rPr lang="pt-BR" smtClean="0"/>
-              <a:t>30/08/2016</a:t>
+              <a:t>31/08/2016</a:t>
             </a:fld>
             <a:endParaRPr lang="pt-BR"/>
           </a:p>
@@ -818,7 +819,7 @@
           <a:p>
             <a:fld id="{9F140449-45B3-4C4C-B502-456914857DA8}" type="datetimeFigureOut">
               <a:rPr lang="pt-BR" smtClean="0"/>
-              <a:t>30/08/2016</a:t>
+              <a:t>31/08/2016</a:t>
             </a:fld>
             <a:endParaRPr lang="pt-BR"/>
           </a:p>
@@ -1063,7 +1064,7 @@
           <a:p>
             <a:fld id="{9F140449-45B3-4C4C-B502-456914857DA8}" type="datetimeFigureOut">
               <a:rPr lang="pt-BR" smtClean="0"/>
-              <a:t>30/08/2016</a:t>
+              <a:t>31/08/2016</a:t>
             </a:fld>
             <a:endParaRPr lang="pt-BR"/>
           </a:p>
@@ -1348,7 +1349,7 @@
           <a:p>
             <a:fld id="{9F140449-45B3-4C4C-B502-456914857DA8}" type="datetimeFigureOut">
               <a:rPr lang="pt-BR" smtClean="0"/>
-              <a:t>30/08/2016</a:t>
+              <a:t>31/08/2016</a:t>
             </a:fld>
             <a:endParaRPr lang="pt-BR"/>
           </a:p>
@@ -1767,7 +1768,7 @@
           <a:p>
             <a:fld id="{9F140449-45B3-4C4C-B502-456914857DA8}" type="datetimeFigureOut">
               <a:rPr lang="pt-BR" smtClean="0"/>
-              <a:t>30/08/2016</a:t>
+              <a:t>31/08/2016</a:t>
             </a:fld>
             <a:endParaRPr lang="pt-BR"/>
           </a:p>
@@ -1884,7 +1885,7 @@
           <a:p>
             <a:fld id="{9F140449-45B3-4C4C-B502-456914857DA8}" type="datetimeFigureOut">
               <a:rPr lang="pt-BR" smtClean="0"/>
-              <a:t>30/08/2016</a:t>
+              <a:t>31/08/2016</a:t>
             </a:fld>
             <a:endParaRPr lang="pt-BR"/>
           </a:p>
@@ -1979,7 +1980,7 @@
           <a:p>
             <a:fld id="{9F140449-45B3-4C4C-B502-456914857DA8}" type="datetimeFigureOut">
               <a:rPr lang="pt-BR" smtClean="0"/>
-              <a:t>30/08/2016</a:t>
+              <a:t>31/08/2016</a:t>
             </a:fld>
             <a:endParaRPr lang="pt-BR"/>
           </a:p>
@@ -2254,7 +2255,7 @@
           <a:p>
             <a:fld id="{9F140449-45B3-4C4C-B502-456914857DA8}" type="datetimeFigureOut">
               <a:rPr lang="pt-BR" smtClean="0"/>
-              <a:t>30/08/2016</a:t>
+              <a:t>31/08/2016</a:t>
             </a:fld>
             <a:endParaRPr lang="pt-BR"/>
           </a:p>
@@ -2506,7 +2507,7 @@
           <a:p>
             <a:fld id="{9F140449-45B3-4C4C-B502-456914857DA8}" type="datetimeFigureOut">
               <a:rPr lang="pt-BR" smtClean="0"/>
-              <a:t>30/08/2016</a:t>
+              <a:t>31/08/2016</a:t>
             </a:fld>
             <a:endParaRPr lang="pt-BR"/>
           </a:p>
@@ -2717,7 +2718,7 @@
           <a:p>
             <a:fld id="{9F140449-45B3-4C4C-B502-456914857DA8}" type="datetimeFigureOut">
               <a:rPr lang="pt-BR" smtClean="0"/>
-              <a:t>30/08/2016</a:t>
+              <a:t>31/08/2016</a:t>
             </a:fld>
             <a:endParaRPr lang="pt-BR"/>
           </a:p>
@@ -4511,7 +4512,7 @@
                         <m:sSubPr>
                           <m:ctrlPr>
                             <a:rPr lang="pt-BR" b="0" i="1" smtClean="0">
-                              <a:latin typeface="Cambria Math" panose="02040503050406030204" pitchFamily="18" charset="0"/>
+                              <a:latin typeface="Cambria Math"/>
                             </a:rPr>
                           </m:ctrlPr>
                         </m:sSubPr>
@@ -4614,7 +4615,7 @@
                         <m:sSubPr>
                           <m:ctrlPr>
                             <a:rPr lang="pt-BR" b="0" i="1" smtClean="0">
-                              <a:latin typeface="Cambria Math" panose="02040503050406030204" pitchFamily="18" charset="0"/>
+                              <a:latin typeface="Cambria Math"/>
                             </a:rPr>
                           </m:ctrlPr>
                         </m:sSubPr>
@@ -4717,7 +4718,7 @@
                         <m:sSubPr>
                           <m:ctrlPr>
                             <a:rPr lang="pt-BR" b="0" i="1" smtClean="0">
-                              <a:latin typeface="Cambria Math" panose="02040503050406030204" pitchFamily="18" charset="0"/>
+                              <a:latin typeface="Cambria Math"/>
                             </a:rPr>
                           </m:ctrlPr>
                         </m:sSubPr>
@@ -4820,7 +4821,7 @@
                         <m:sSubPr>
                           <m:ctrlPr>
                             <a:rPr lang="pt-BR" b="0" i="1" smtClean="0">
-                              <a:latin typeface="Cambria Math" panose="02040503050406030204" pitchFamily="18" charset="0"/>
+                              <a:latin typeface="Cambria Math"/>
                             </a:rPr>
                           </m:ctrlPr>
                         </m:sSubPr>
@@ -4923,7 +4924,7 @@
                         <m:sSubPr>
                           <m:ctrlPr>
                             <a:rPr lang="pt-BR" b="0" i="1" smtClean="0">
-                              <a:latin typeface="Cambria Math" panose="02040503050406030204" pitchFamily="18" charset="0"/>
+                              <a:latin typeface="Cambria Math"/>
                             </a:rPr>
                           </m:ctrlPr>
                         </m:sSubPr>
@@ -5026,7 +5027,7 @@
                         <m:sSubPr>
                           <m:ctrlPr>
                             <a:rPr lang="pt-BR" b="0" i="1" smtClean="0">
-                              <a:latin typeface="Cambria Math" panose="02040503050406030204" pitchFamily="18" charset="0"/>
+                              <a:latin typeface="Cambria Math"/>
                             </a:rPr>
                           </m:ctrlPr>
                         </m:sSubPr>
@@ -5129,7 +5130,7 @@
                         <m:sSubPr>
                           <m:ctrlPr>
                             <a:rPr lang="pt-BR" b="0" i="1" smtClean="0">
-                              <a:latin typeface="Cambria Math" panose="02040503050406030204" pitchFamily="18" charset="0"/>
+                              <a:latin typeface="Cambria Math"/>
                             </a:rPr>
                           </m:ctrlPr>
                         </m:sSubPr>
@@ -5232,7 +5233,7 @@
                         <m:sSubPr>
                           <m:ctrlPr>
                             <a:rPr lang="pt-BR" b="0" i="1" smtClean="0">
-                              <a:latin typeface="Cambria Math" panose="02040503050406030204" pitchFamily="18" charset="0"/>
+                              <a:latin typeface="Cambria Math"/>
                             </a:rPr>
                           </m:ctrlPr>
                         </m:sSubPr>
@@ -5335,7 +5336,7 @@
                         <m:sSubPr>
                           <m:ctrlPr>
                             <a:rPr lang="pt-BR" b="0" i="1" smtClean="0">
-                              <a:latin typeface="Cambria Math" panose="02040503050406030204" pitchFamily="18" charset="0"/>
+                              <a:latin typeface="Cambria Math"/>
                             </a:rPr>
                           </m:ctrlPr>
                         </m:sSubPr>
@@ -5438,7 +5439,7 @@
                         <m:sSubPr>
                           <m:ctrlPr>
                             <a:rPr lang="pt-BR" b="0" i="1" smtClean="0">
-                              <a:latin typeface="Cambria Math" panose="02040503050406030204" pitchFamily="18" charset="0"/>
+                              <a:latin typeface="Cambria Math"/>
                             </a:rPr>
                           </m:ctrlPr>
                         </m:sSubPr>
@@ -5709,7 +5710,7 @@
                         <m:sSubSupPr>
                           <m:ctrlPr>
                             <a:rPr lang="pt-BR" b="0" i="1" smtClean="0">
-                              <a:latin typeface="Cambria Math" panose="02040503050406030204" pitchFamily="18" charset="0"/>
+                              <a:latin typeface="Cambria Math"/>
                             </a:rPr>
                           </m:ctrlPr>
                         </m:sSubSupPr>
@@ -5820,7 +5821,7 @@
                         <m:sSubSupPr>
                           <m:ctrlPr>
                             <a:rPr lang="pt-BR" b="0" i="1" smtClean="0">
-                              <a:latin typeface="Cambria Math" panose="02040503050406030204" pitchFamily="18" charset="0"/>
+                              <a:latin typeface="Cambria Math"/>
                             </a:rPr>
                           </m:ctrlPr>
                         </m:sSubSupPr>
@@ -5931,7 +5932,7 @@
                         <m:sSubSupPr>
                           <m:ctrlPr>
                             <a:rPr lang="pt-BR" b="0" i="1" smtClean="0">
-                              <a:latin typeface="Cambria Math" panose="02040503050406030204" pitchFamily="18" charset="0"/>
+                              <a:latin typeface="Cambria Math"/>
                             </a:rPr>
                           </m:ctrlPr>
                         </m:sSubSupPr>
@@ -6048,7 +6049,7 @@
                         <m:sSubSupPr>
                           <m:ctrlPr>
                             <a:rPr lang="pt-BR" b="0" i="1" smtClean="0">
-                              <a:latin typeface="Cambria Math" panose="02040503050406030204" pitchFamily="18" charset="0"/>
+                              <a:latin typeface="Cambria Math"/>
                             </a:rPr>
                           </m:ctrlPr>
                         </m:sSubSupPr>
@@ -6165,7 +6166,7 @@
                         <m:sSubSupPr>
                           <m:ctrlPr>
                             <a:rPr lang="pt-BR" b="0" i="1" smtClean="0">
-                              <a:latin typeface="Cambria Math" panose="02040503050406030204" pitchFamily="18" charset="0"/>
+                              <a:latin typeface="Cambria Math"/>
                             </a:rPr>
                           </m:ctrlPr>
                         </m:sSubSupPr>
@@ -6276,7 +6277,7 @@
                         <m:sSubSupPr>
                           <m:ctrlPr>
                             <a:rPr lang="pt-BR" b="0" i="1" smtClean="0">
-                              <a:latin typeface="Cambria Math" panose="02040503050406030204" pitchFamily="18" charset="0"/>
+                              <a:latin typeface="Cambria Math"/>
                             </a:rPr>
                           </m:ctrlPr>
                         </m:sSubSupPr>
@@ -6387,7 +6388,7 @@
                         <m:sSubSupPr>
                           <m:ctrlPr>
                             <a:rPr lang="pt-BR" b="0" i="1" smtClean="0">
-                              <a:latin typeface="Cambria Math" panose="02040503050406030204" pitchFamily="18" charset="0"/>
+                              <a:latin typeface="Cambria Math"/>
                             </a:rPr>
                           </m:ctrlPr>
                         </m:sSubSupPr>
@@ -6828,7 +6829,7 @@
                         <m:sSubPr>
                           <m:ctrlPr>
                             <a:rPr lang="pt-BR" b="0" i="1" smtClean="0">
-                              <a:latin typeface="Cambria Math" panose="02040503050406030204" pitchFamily="18" charset="0"/>
+                              <a:latin typeface="Cambria Math"/>
                             </a:rPr>
                           </m:ctrlPr>
                         </m:sSubPr>
@@ -6931,7 +6932,7 @@
                         <m:sSubPr>
                           <m:ctrlPr>
                             <a:rPr lang="pt-BR" b="0" i="1" smtClean="0">
-                              <a:latin typeface="Cambria Math" panose="02040503050406030204" pitchFamily="18" charset="0"/>
+                              <a:latin typeface="Cambria Math"/>
                             </a:rPr>
                           </m:ctrlPr>
                         </m:sSubPr>
@@ -7115,6 +7116,13 @@
   <p:clrMapOvr>
     <a:masterClrMapping/>
   </p:clrMapOvr>
+  <p:timing>
+    <p:tnLst>
+      <p:par>
+        <p:cTn id="1" dur="indefinite" restart="never" nodeType="tmRoot"/>
+      </p:par>
+    </p:tnLst>
+  </p:timing>
 </p:sld>
 </file>
 
@@ -7967,7 +7975,7 @@
                         <m:sSubSupPr>
                           <m:ctrlPr>
                             <a:rPr lang="pt-BR" b="0" i="1" smtClean="0">
-                              <a:latin typeface="Cambria Math" panose="02040503050406030204" pitchFamily="18" charset="0"/>
+                              <a:latin typeface="Cambria Math"/>
                             </a:rPr>
                           </m:ctrlPr>
                         </m:sSubSupPr>
@@ -8078,7 +8086,7 @@
                         <m:sSubSupPr>
                           <m:ctrlPr>
                             <a:rPr lang="pt-BR" b="0" i="1" smtClean="0">
-                              <a:latin typeface="Cambria Math" panose="02040503050406030204" pitchFamily="18" charset="0"/>
+                              <a:latin typeface="Cambria Math"/>
                             </a:rPr>
                           </m:ctrlPr>
                         </m:sSubSupPr>
@@ -8189,7 +8197,7 @@
                         <m:sSubSupPr>
                           <m:ctrlPr>
                             <a:rPr lang="pt-BR" b="0" i="1" smtClean="0">
-                              <a:latin typeface="Cambria Math" panose="02040503050406030204" pitchFamily="18" charset="0"/>
+                              <a:latin typeface="Cambria Math"/>
                             </a:rPr>
                           </m:ctrlPr>
                         </m:sSubSupPr>
@@ -8300,7 +8308,7 @@
                         <m:sSubPr>
                           <m:ctrlPr>
                             <a:rPr lang="pt-BR" b="0" i="1" smtClean="0">
-                              <a:latin typeface="Cambria Math" panose="02040503050406030204" pitchFamily="18" charset="0"/>
+                              <a:latin typeface="Cambria Math"/>
                             </a:rPr>
                           </m:ctrlPr>
                         </m:sSubPr>
@@ -8403,7 +8411,7 @@
                         <m:sSubPr>
                           <m:ctrlPr>
                             <a:rPr lang="pt-BR" b="0" i="1" smtClean="0">
-                              <a:latin typeface="Cambria Math" panose="02040503050406030204" pitchFamily="18" charset="0"/>
+                              <a:latin typeface="Cambria Math"/>
                             </a:rPr>
                           </m:ctrlPr>
                         </m:sSubPr>
@@ -8506,7 +8514,7 @@
                         <m:sSubPr>
                           <m:ctrlPr>
                             <a:rPr lang="pt-BR" b="0" i="1" smtClean="0">
-                              <a:latin typeface="Cambria Math" panose="02040503050406030204" pitchFamily="18" charset="0"/>
+                              <a:latin typeface="Cambria Math"/>
                             </a:rPr>
                           </m:ctrlPr>
                         </m:sSubPr>
@@ -8717,7 +8725,7 @@
                         <m:sSubPr>
                           <m:ctrlPr>
                             <a:rPr lang="pt-BR" b="0" i="1" smtClean="0">
-                              <a:latin typeface="Cambria Math" panose="02040503050406030204" pitchFamily="18" charset="0"/>
+                              <a:latin typeface="Cambria Math"/>
                             </a:rPr>
                           </m:ctrlPr>
                         </m:sSubPr>
@@ -8820,7 +8828,7 @@
                         <m:sSubPr>
                           <m:ctrlPr>
                             <a:rPr lang="pt-BR" b="0" i="1" smtClean="0">
-                              <a:latin typeface="Cambria Math" panose="02040503050406030204" pitchFamily="18" charset="0"/>
+                              <a:latin typeface="Cambria Math"/>
                             </a:rPr>
                           </m:ctrlPr>
                         </m:sSubPr>
@@ -8923,7 +8931,7 @@
                         <m:sSubPr>
                           <m:ctrlPr>
                             <a:rPr lang="pt-BR" b="0" i="1" smtClean="0">
-                              <a:latin typeface="Cambria Math" panose="02040503050406030204" pitchFamily="18" charset="0"/>
+                              <a:latin typeface="Cambria Math"/>
                             </a:rPr>
                           </m:ctrlPr>
                         </m:sSubPr>
@@ -9134,7 +9142,7 @@
                         <m:sSubSupPr>
                           <m:ctrlPr>
                             <a:rPr lang="pt-BR" b="0" i="1" smtClean="0">
-                              <a:latin typeface="Cambria Math" panose="02040503050406030204" pitchFamily="18" charset="0"/>
+                              <a:latin typeface="Cambria Math"/>
                             </a:rPr>
                           </m:ctrlPr>
                         </m:sSubSupPr>
@@ -9238,7 +9246,7 @@
                         <m:sSubSupPr>
                           <m:ctrlPr>
                             <a:rPr lang="pt-BR" b="0" i="1" smtClean="0">
-                              <a:latin typeface="Cambria Math" panose="02040503050406030204" pitchFamily="18" charset="0"/>
+                              <a:latin typeface="Cambria Math"/>
                             </a:rPr>
                           </m:ctrlPr>
                         </m:sSubSupPr>
@@ -9342,7 +9350,7 @@
                         <m:sSubSupPr>
                           <m:ctrlPr>
                             <a:rPr lang="pt-BR" b="0" i="1" smtClean="0">
-                              <a:latin typeface="Cambria Math" panose="02040503050406030204" pitchFamily="18" charset="0"/>
+                              <a:latin typeface="Cambria Math"/>
                             </a:rPr>
                           </m:ctrlPr>
                         </m:sSubSupPr>
@@ -9635,6 +9643,13 @@
   <p:clrMapOvr>
     <a:masterClrMapping/>
   </p:clrMapOvr>
+  <p:timing>
+    <p:tnLst>
+      <p:par>
+        <p:cTn id="1" dur="indefinite" restart="never" nodeType="tmRoot"/>
+      </p:par>
+    </p:tnLst>
+  </p:timing>
 </p:sld>
 </file>
 
@@ -9690,7 +9705,7 @@
                         <m:sSubPr>
                           <m:ctrlPr>
                             <a:rPr lang="pt-BR" b="0" i="1" smtClean="0">
-                              <a:latin typeface="Cambria Math" panose="02040503050406030204" pitchFamily="18" charset="0"/>
+                              <a:latin typeface="Cambria Math"/>
                             </a:rPr>
                           </m:ctrlPr>
                         </m:sSubPr>
@@ -9793,7 +9808,7 @@
                         <m:sSubPr>
                           <m:ctrlPr>
                             <a:rPr lang="pt-BR" b="0" i="1" smtClean="0">
-                              <a:latin typeface="Cambria Math" panose="02040503050406030204" pitchFamily="18" charset="0"/>
+                              <a:latin typeface="Cambria Math"/>
                             </a:rPr>
                           </m:ctrlPr>
                         </m:sSubPr>
@@ -9896,7 +9911,7 @@
                         <m:sSubPr>
                           <m:ctrlPr>
                             <a:rPr lang="pt-BR" b="0" i="1" smtClean="0">
-                              <a:latin typeface="Cambria Math" panose="02040503050406030204" pitchFamily="18" charset="0"/>
+                              <a:latin typeface="Cambria Math"/>
                             </a:rPr>
                           </m:ctrlPr>
                         </m:sSubPr>
@@ -11240,7 +11255,7 @@
                         <m:sSubPr>
                           <m:ctrlPr>
                             <a:rPr lang="pt-BR" b="0" i="1" smtClean="0">
-                              <a:latin typeface="Cambria Math" panose="02040503050406030204" pitchFamily="18" charset="0"/>
+                              <a:latin typeface="Cambria Math"/>
                             </a:rPr>
                           </m:ctrlPr>
                         </m:sSubPr>
@@ -11343,7 +11358,7 @@
                         <m:sSubPr>
                           <m:ctrlPr>
                             <a:rPr lang="pt-BR" b="0" i="1" smtClean="0">
-                              <a:latin typeface="Cambria Math" panose="02040503050406030204" pitchFamily="18" charset="0"/>
+                              <a:latin typeface="Cambria Math"/>
                             </a:rPr>
                           </m:ctrlPr>
                         </m:sSubPr>
@@ -11446,7 +11461,7 @@
                         <m:sSubPr>
                           <m:ctrlPr>
                             <a:rPr lang="pt-BR" b="0" i="1" smtClean="0">
-                              <a:latin typeface="Cambria Math" panose="02040503050406030204" pitchFamily="18" charset="0"/>
+                              <a:latin typeface="Cambria Math"/>
                             </a:rPr>
                           </m:ctrlPr>
                         </m:sSubPr>
@@ -11549,7 +11564,7 @@
                         <m:sSubPr>
                           <m:ctrlPr>
                             <a:rPr lang="pt-BR" b="0" i="1" smtClean="0">
-                              <a:latin typeface="Cambria Math" panose="02040503050406030204" pitchFamily="18" charset="0"/>
+                              <a:latin typeface="Cambria Math"/>
                             </a:rPr>
                           </m:ctrlPr>
                         </m:sSubPr>
@@ -11652,7 +11667,7 @@
                         <m:sSubPr>
                           <m:ctrlPr>
                             <a:rPr lang="pt-BR" b="0" i="1" smtClean="0">
-                              <a:latin typeface="Cambria Math" panose="02040503050406030204" pitchFamily="18" charset="0"/>
+                              <a:latin typeface="Cambria Math"/>
                             </a:rPr>
                           </m:ctrlPr>
                         </m:sSubPr>
@@ -11755,7 +11770,7 @@
                         <m:sSubPr>
                           <m:ctrlPr>
                             <a:rPr lang="pt-BR" b="0" i="1" smtClean="0">
-                              <a:latin typeface="Cambria Math" panose="02040503050406030204" pitchFamily="18" charset="0"/>
+                              <a:latin typeface="Cambria Math"/>
                             </a:rPr>
                           </m:ctrlPr>
                         </m:sSubPr>
@@ -11858,7 +11873,7 @@
                         <m:sSubPr>
                           <m:ctrlPr>
                             <a:rPr lang="pt-BR" b="0" i="1" smtClean="0">
-                              <a:latin typeface="Cambria Math" panose="02040503050406030204" pitchFamily="18" charset="0"/>
+                              <a:latin typeface="Cambria Math"/>
                             </a:rPr>
                           </m:ctrlPr>
                         </m:sSubPr>
@@ -11926,8 +11941,8 @@
           </p:sp>
         </mc:Fallback>
       </mc:AlternateContent>
-      <mc:AlternateContent xmlns:mc="http://schemas.openxmlformats.org/markup-compatibility/2006">
-        <mc:Choice xmlns:a14="http://schemas.microsoft.com/office/drawing/2010/main" Requires="a14">
+      <mc:AlternateContent xmlns:mc="http://schemas.openxmlformats.org/markup-compatibility/2006" xmlns:a14="http://schemas.microsoft.com/office/drawing/2010/main">
+        <mc:Choice Requires="a14">
           <p:sp>
             <p:nvSpPr>
               <p:cNvPr id="45" name="CaixaDeTexto 44"/>
@@ -11971,7 +11986,7 @@
             </p:txBody>
           </p:sp>
         </mc:Choice>
-        <mc:Fallback>
+        <mc:Fallback xmlns="">
           <p:sp>
             <p:nvSpPr>
               <p:cNvPr id="45" name="CaixaDeTexto 44"/>
@@ -12010,8 +12025,8 @@
           </p:sp>
         </mc:Fallback>
       </mc:AlternateContent>
-      <mc:AlternateContent xmlns:mc="http://schemas.openxmlformats.org/markup-compatibility/2006">
-        <mc:Choice xmlns:a14="http://schemas.microsoft.com/office/drawing/2010/main" Requires="a14">
+      <mc:AlternateContent xmlns:mc="http://schemas.openxmlformats.org/markup-compatibility/2006" xmlns:a14="http://schemas.microsoft.com/office/drawing/2010/main">
+        <mc:Choice Requires="a14">
           <p:sp>
             <p:nvSpPr>
               <p:cNvPr id="46" name="CaixaDeTexto 45"/>
@@ -12055,7 +12070,7 @@
             </p:txBody>
           </p:sp>
         </mc:Choice>
-        <mc:Fallback>
+        <mc:Fallback xmlns="">
           <p:sp>
             <p:nvSpPr>
               <p:cNvPr id="46" name="CaixaDeTexto 45"/>
@@ -12129,7 +12144,7 @@
                         <m:sSubSupPr>
                           <m:ctrlPr>
                             <a:rPr lang="pt-BR" b="0" i="1" smtClean="0">
-                              <a:latin typeface="Cambria Math" panose="02040503050406030204" pitchFamily="18" charset="0"/>
+                              <a:latin typeface="Cambria Math"/>
                             </a:rPr>
                           </m:ctrlPr>
                         </m:sSubSupPr>
@@ -12246,7 +12261,7 @@
                         <m:sSubSupPr>
                           <m:ctrlPr>
                             <a:rPr lang="pt-BR" b="0" i="1" smtClean="0">
-                              <a:latin typeface="Cambria Math" panose="02040503050406030204" pitchFamily="18" charset="0"/>
+                              <a:latin typeface="Cambria Math"/>
                             </a:rPr>
                           </m:ctrlPr>
                         </m:sSubSupPr>
@@ -12363,7 +12378,7 @@
                         <m:sSubSupPr>
                           <m:ctrlPr>
                             <a:rPr lang="pt-BR" b="0" i="1" smtClean="0">
-                              <a:latin typeface="Cambria Math" panose="02040503050406030204" pitchFamily="18" charset="0"/>
+                              <a:latin typeface="Cambria Math"/>
                             </a:rPr>
                           </m:ctrlPr>
                         </m:sSubSupPr>
@@ -12474,7 +12489,7 @@
                         <m:sSubSupPr>
                           <m:ctrlPr>
                             <a:rPr lang="pt-BR" b="0" i="1" smtClean="0">
-                              <a:latin typeface="Cambria Math" panose="02040503050406030204" pitchFamily="18" charset="0"/>
+                              <a:latin typeface="Cambria Math"/>
                             </a:rPr>
                           </m:ctrlPr>
                         </m:sSubSupPr>
@@ -12585,7 +12600,7 @@
                         <m:sSubSupPr>
                           <m:ctrlPr>
                             <a:rPr lang="pt-BR" b="0" i="1" smtClean="0">
-                              <a:latin typeface="Cambria Math" panose="02040503050406030204" pitchFamily="18" charset="0"/>
+                              <a:latin typeface="Cambria Math"/>
                             </a:rPr>
                           </m:ctrlPr>
                         </m:sSubSupPr>
@@ -12994,7 +13009,7 @@
                         <m:sSubPr>
                           <m:ctrlPr>
                             <a:rPr lang="pt-BR" b="0" i="1" smtClean="0">
-                              <a:latin typeface="Cambria Math" panose="02040503050406030204" pitchFamily="18" charset="0"/>
+                              <a:latin typeface="Cambria Math"/>
                             </a:rPr>
                           </m:ctrlPr>
                         </m:sSubPr>
@@ -13097,7 +13112,7 @@
                         <m:sSubPr>
                           <m:ctrlPr>
                             <a:rPr lang="pt-BR" b="0" i="1" smtClean="0">
-                              <a:latin typeface="Cambria Math" panose="02040503050406030204" pitchFamily="18" charset="0"/>
+                              <a:latin typeface="Cambria Math"/>
                             </a:rPr>
                           </m:ctrlPr>
                         </m:sSubPr>
@@ -13501,7 +13516,7 @@
                           <m:chr m:val="̃"/>
                           <m:ctrlPr>
                             <a:rPr lang="pt-BR" b="0" i="1" smtClean="0">
-                              <a:latin typeface="Cambria Math" panose="02040503050406030204" pitchFamily="18" charset="0"/>
+                              <a:latin typeface="Cambria Math"/>
                             </a:rPr>
                           </m:ctrlPr>
                         </m:accPr>
@@ -13561,8 +13576,8 @@
           </p:sp>
         </mc:Fallback>
       </mc:AlternateContent>
-      <mc:AlternateContent xmlns:mc="http://schemas.openxmlformats.org/markup-compatibility/2006">
-        <mc:Choice xmlns:a14="http://schemas.microsoft.com/office/drawing/2010/main" Requires="a14">
+      <mc:AlternateContent xmlns:mc="http://schemas.openxmlformats.org/markup-compatibility/2006" xmlns:a14="http://schemas.microsoft.com/office/drawing/2010/main">
+        <mc:Choice Requires="a14">
           <p:sp>
             <p:nvSpPr>
               <p:cNvPr id="73" name="CaixaDeTexto 72"/>
@@ -13612,7 +13627,7 @@
             </p:txBody>
           </p:sp>
         </mc:Choice>
-        <mc:Fallback>
+        <mc:Fallback xmlns="">
           <p:sp>
             <p:nvSpPr>
               <p:cNvPr id="73" name="CaixaDeTexto 72"/>
@@ -13732,8 +13747,8 @@
           </a:p>
         </p:txBody>
       </p:sp>
-      <mc:AlternateContent xmlns:mc="http://schemas.openxmlformats.org/markup-compatibility/2006">
-        <mc:Choice xmlns:a14="http://schemas.microsoft.com/office/drawing/2010/main" Requires="a14">
+      <mc:AlternateContent xmlns:mc="http://schemas.openxmlformats.org/markup-compatibility/2006" xmlns:a14="http://schemas.microsoft.com/office/drawing/2010/main">
+        <mc:Choice Requires="a14">
           <p:sp>
             <p:nvSpPr>
               <p:cNvPr id="85" name="CaixaDeTexto 84"/>
@@ -13777,7 +13792,7 @@
             </p:txBody>
           </p:sp>
         </mc:Choice>
-        <mc:Fallback>
+        <mc:Fallback xmlns="">
           <p:sp>
             <p:nvSpPr>
               <p:cNvPr id="85" name="CaixaDeTexto 84"/>
@@ -14018,8 +14033,8 @@
           </a:p>
         </p:txBody>
       </p:sp>
-      <mc:AlternateContent xmlns:mc="http://schemas.openxmlformats.org/markup-compatibility/2006">
-        <mc:Choice xmlns:a14="http://schemas.microsoft.com/office/drawing/2010/main" Requires="a14">
+      <mc:AlternateContent xmlns:mc="http://schemas.openxmlformats.org/markup-compatibility/2006" xmlns:a14="http://schemas.microsoft.com/office/drawing/2010/main">
+        <mc:Choice Requires="a14">
           <p:sp>
             <p:nvSpPr>
               <p:cNvPr id="87" name="CaixaDeTexto 86"/>
@@ -14054,7 +14069,7 @@
                           <m:pos m:val="top"/>
                           <m:ctrlPr>
                             <a:rPr lang="pt-BR" b="0" i="1" smtClean="0">
-                              <a:latin typeface="Cambria Math" panose="02040503050406030204" pitchFamily="18" charset="0"/>
+                              <a:latin typeface="Cambria Math"/>
                             </a:rPr>
                           </m:ctrlPr>
                         </m:barPr>
@@ -14075,7 +14090,7 @@
             </p:txBody>
           </p:sp>
         </mc:Choice>
-        <mc:Fallback>
+        <mc:Fallback xmlns="">
           <p:sp>
             <p:nvSpPr>
               <p:cNvPr id="87" name="CaixaDeTexto 86"/>
@@ -14294,6 +14309,3066 @@
   <p:clrMapOvr>
     <a:masterClrMapping/>
   </p:clrMapOvr>
+  <p:timing>
+    <p:tnLst>
+      <p:par>
+        <p:cTn id="1" dur="indefinite" restart="never" nodeType="tmRoot"/>
+      </p:par>
+    </p:tnLst>
+  </p:timing>
+</p:sld>
+</file>
+
+<file path=ppt/slides/slide4.xml><?xml version="1.0" encoding="utf-8"?>
+<p:sld xmlns:a="http://schemas.openxmlformats.org/drawingml/2006/main" xmlns:r="http://schemas.openxmlformats.org/officeDocument/2006/relationships" xmlns:p="http://schemas.openxmlformats.org/presentationml/2006/main">
+  <p:cSld>
+    <p:spTree>
+      <p:nvGrpSpPr>
+        <p:cNvPr id="1" name=""/>
+        <p:cNvGrpSpPr/>
+        <p:nvPr/>
+      </p:nvGrpSpPr>
+      <p:grpSpPr>
+        <a:xfrm>
+          <a:off x="0" y="0"/>
+          <a:ext cx="0" cy="0"/>
+          <a:chOff x="0" y="0"/>
+          <a:chExt cx="0" cy="0"/>
+        </a:xfrm>
+      </p:grpSpPr>
+      <p:pic>
+        <p:nvPicPr>
+          <p:cNvPr id="1026" name="Picture 2" descr="C:\Users\jpsoliv\Downloads\New-Project (1).png"/>
+          <p:cNvPicPr>
+            <a:picLocks noChangeAspect="1" noChangeArrowheads="1"/>
+          </p:cNvPicPr>
+          <p:nvPr/>
+        </p:nvPicPr>
+        <p:blipFill>
+          <a:blip r:embed="rId2" cstate="print">
+            <a:extLst>
+              <a:ext uri="{28A0092B-C50C-407E-A947-70E740481C1C}">
+                <a14:useLocalDpi xmlns:a14="http://schemas.microsoft.com/office/drawing/2010/main" val="0"/>
+              </a:ext>
+            </a:extLst>
+          </a:blip>
+          <a:srcRect/>
+          <a:stretch>
+            <a:fillRect/>
+          </a:stretch>
+        </p:blipFill>
+        <p:spPr bwMode="auto">
+          <a:xfrm>
+            <a:off x="4579876" y="2893381"/>
+            <a:ext cx="3240000" cy="1855575"/>
+          </a:xfrm>
+          <a:prstGeom prst="rect">
+            <a:avLst/>
+          </a:prstGeom>
+          <a:noFill/>
+          <a:extLst>
+            <a:ext uri="{909E8E84-426E-40DD-AFC4-6F175D3DCCD1}">
+              <a14:hiddenFill xmlns:a14="http://schemas.microsoft.com/office/drawing/2010/main">
+                <a:solidFill>
+                  <a:srgbClr val="FFFFFF"/>
+                </a:solidFill>
+              </a14:hiddenFill>
+            </a:ext>
+          </a:extLst>
+        </p:spPr>
+      </p:pic>
+      <p:pic>
+        <p:nvPicPr>
+          <p:cNvPr id="5" name="Picture 3"/>
+          <p:cNvPicPr>
+            <a:picLocks noChangeAspect="1" noChangeArrowheads="1"/>
+          </p:cNvPicPr>
+          <p:nvPr/>
+        </p:nvPicPr>
+        <p:blipFill>
+          <a:blip r:embed="rId3">
+            <a:extLst>
+              <a:ext uri="{28A0092B-C50C-407E-A947-70E740481C1C}">
+                <a14:useLocalDpi xmlns:a14="http://schemas.microsoft.com/office/drawing/2010/main" val="0"/>
+              </a:ext>
+            </a:extLst>
+          </a:blip>
+          <a:srcRect/>
+          <a:stretch>
+            <a:fillRect/>
+          </a:stretch>
+        </p:blipFill>
+        <p:spPr bwMode="auto">
+          <a:xfrm>
+            <a:off x="7249846" y="589692"/>
+            <a:ext cx="1285240" cy="1576800"/>
+          </a:xfrm>
+          <a:prstGeom prst="rect">
+            <a:avLst/>
+          </a:prstGeom>
+          <a:noFill/>
+          <a:ln>
+            <a:noFill/>
+          </a:ln>
+          <a:effectLst/>
+          <a:extLst>
+            <a:ext uri="{909E8E84-426E-40DD-AFC4-6F175D3DCCD1}">
+              <a14:hiddenFill xmlns:a14="http://schemas.microsoft.com/office/drawing/2010/main">
+                <a:solidFill>
+                  <a:schemeClr val="accent1"/>
+                </a:solidFill>
+              </a14:hiddenFill>
+            </a:ext>
+            <a:ext uri="{91240B29-F687-4F45-9708-019B960494DF}">
+              <a14:hiddenLine xmlns:a14="http://schemas.microsoft.com/office/drawing/2010/main" w="9525">
+                <a:solidFill>
+                  <a:schemeClr val="tx1"/>
+                </a:solidFill>
+                <a:miter lim="800000"/>
+                <a:headEnd/>
+                <a:tailEnd/>
+              </a14:hiddenLine>
+            </a:ext>
+            <a:ext uri="{AF507438-7753-43E0-B8FC-AC1667EBCBE1}">
+              <a14:hiddenEffects xmlns:a14="http://schemas.microsoft.com/office/drawing/2010/main">
+                <a:effectLst>
+                  <a:outerShdw dist="35921" dir="2700000" algn="ctr" rotWithShape="0">
+                    <a:schemeClr val="bg2"/>
+                  </a:outerShdw>
+                </a:effectLst>
+              </a14:hiddenEffects>
+            </a:ext>
+          </a:extLst>
+        </p:spPr>
+      </p:pic>
+      <p:pic>
+        <p:nvPicPr>
+          <p:cNvPr id="6" name="Picture 2"/>
+          <p:cNvPicPr>
+            <a:picLocks noChangeAspect="1" noChangeArrowheads="1"/>
+          </p:cNvPicPr>
+          <p:nvPr/>
+        </p:nvPicPr>
+        <p:blipFill rotWithShape="1">
+          <a:blip r:embed="rId4" cstate="print">
+            <a:extLst>
+              <a:ext uri="{28A0092B-C50C-407E-A947-70E740481C1C}">
+                <a14:useLocalDpi xmlns:a14="http://schemas.microsoft.com/office/drawing/2010/main" val="0"/>
+              </a:ext>
+            </a:extLst>
+          </a:blip>
+          <a:srcRect l="15553" t="5311" b="7445"/>
+          <a:stretch/>
+        </p:blipFill>
+        <p:spPr bwMode="auto">
+          <a:xfrm>
+            <a:off x="2575009" y="711483"/>
+            <a:ext cx="1116317" cy="1330712"/>
+          </a:xfrm>
+          <a:prstGeom prst="rect">
+            <a:avLst/>
+          </a:prstGeom>
+          <a:noFill/>
+          <a:ln>
+            <a:noFill/>
+          </a:ln>
+          <a:effectLst/>
+          <a:extLst>
+            <a:ext uri="{909E8E84-426E-40DD-AFC4-6F175D3DCCD1}">
+              <a14:hiddenFill xmlns:a14="http://schemas.microsoft.com/office/drawing/2010/main">
+                <a:solidFill>
+                  <a:schemeClr val="accent1"/>
+                </a:solidFill>
+              </a14:hiddenFill>
+            </a:ext>
+            <a:ext uri="{91240B29-F687-4F45-9708-019B960494DF}">
+              <a14:hiddenLine xmlns:a14="http://schemas.microsoft.com/office/drawing/2010/main" w="9525">
+                <a:solidFill>
+                  <a:schemeClr val="tx1"/>
+                </a:solidFill>
+                <a:miter lim="800000"/>
+                <a:headEnd/>
+                <a:tailEnd/>
+              </a14:hiddenLine>
+            </a:ext>
+            <a:ext uri="{AF507438-7753-43E0-B8FC-AC1667EBCBE1}">
+              <a14:hiddenEffects xmlns:a14="http://schemas.microsoft.com/office/drawing/2010/main">
+                <a:effectLst>
+                  <a:outerShdw dist="35921" dir="2700000" algn="ctr" rotWithShape="0">
+                    <a:schemeClr val="bg2"/>
+                  </a:outerShdw>
+                </a:effectLst>
+              </a14:hiddenEffects>
+            </a:ext>
+          </a:extLst>
+        </p:spPr>
+      </p:pic>
+      <p:sp>
+        <p:nvSpPr>
+          <p:cNvPr id="7" name="Retângulo 6"/>
+          <p:cNvSpPr/>
+          <p:nvPr/>
+        </p:nvSpPr>
+        <p:spPr>
+          <a:xfrm>
+            <a:off x="2378603" y="588820"/>
+            <a:ext cx="1509131" cy="1576039"/>
+          </a:xfrm>
+          <a:prstGeom prst="rect">
+            <a:avLst/>
+          </a:prstGeom>
+          <a:noFill/>
+          <a:ln w="38100">
+            <a:solidFill>
+              <a:schemeClr val="tx1"/>
+            </a:solidFill>
+          </a:ln>
+        </p:spPr>
+        <p:style>
+          <a:lnRef idx="2">
+            <a:schemeClr val="accent1">
+              <a:shade val="50000"/>
+            </a:schemeClr>
+          </a:lnRef>
+          <a:fillRef idx="1">
+            <a:schemeClr val="accent1"/>
+          </a:fillRef>
+          <a:effectRef idx="0">
+            <a:schemeClr val="accent1"/>
+          </a:effectRef>
+          <a:fontRef idx="minor">
+            <a:schemeClr val="lt1"/>
+          </a:fontRef>
+        </p:style>
+        <p:txBody>
+          <a:bodyPr rtlCol="0" anchor="ctr"/>
+          <a:lstStyle/>
+          <a:p>
+            <a:pPr algn="ctr"/>
+            <a:endParaRPr lang="pt-BR">
+              <a:noFill/>
+            </a:endParaRPr>
+          </a:p>
+        </p:txBody>
+      </p:sp>
+      <p:cxnSp>
+        <p:nvCxnSpPr>
+          <p:cNvPr id="8" name="Conector reto 7"/>
+          <p:cNvCxnSpPr/>
+          <p:nvPr/>
+        </p:nvCxnSpPr>
+        <p:spPr>
+          <a:xfrm>
+            <a:off x="3887734" y="908488"/>
+            <a:ext cx="3391848" cy="0"/>
+          </a:xfrm>
+          <a:prstGeom prst="line">
+            <a:avLst/>
+          </a:prstGeom>
+          <a:ln w="38100">
+            <a:solidFill>
+              <a:schemeClr val="tx1"/>
+            </a:solidFill>
+          </a:ln>
+        </p:spPr>
+        <p:style>
+          <a:lnRef idx="1">
+            <a:schemeClr val="accent1"/>
+          </a:lnRef>
+          <a:fillRef idx="0">
+            <a:schemeClr val="accent1"/>
+          </a:fillRef>
+          <a:effectRef idx="0">
+            <a:schemeClr val="accent1"/>
+          </a:effectRef>
+          <a:fontRef idx="minor">
+            <a:schemeClr val="tx1"/>
+          </a:fontRef>
+        </p:style>
+      </p:cxnSp>
+      <p:cxnSp>
+        <p:nvCxnSpPr>
+          <p:cNvPr id="9" name="Conector reto 8"/>
+          <p:cNvCxnSpPr>
+            <a:stCxn id="7" idx="3"/>
+            <a:endCxn id="5" idx="1"/>
+          </p:cNvCxnSpPr>
+          <p:nvPr/>
+        </p:nvCxnSpPr>
+        <p:spPr>
+          <a:xfrm>
+            <a:off x="3887734" y="1376840"/>
+            <a:ext cx="3362112" cy="1252"/>
+          </a:xfrm>
+          <a:prstGeom prst="line">
+            <a:avLst/>
+          </a:prstGeom>
+          <a:ln w="38100">
+            <a:solidFill>
+              <a:schemeClr val="tx1"/>
+            </a:solidFill>
+          </a:ln>
+        </p:spPr>
+        <p:style>
+          <a:lnRef idx="1">
+            <a:schemeClr val="accent1"/>
+          </a:lnRef>
+          <a:fillRef idx="0">
+            <a:schemeClr val="accent1"/>
+          </a:fillRef>
+          <a:effectRef idx="0">
+            <a:schemeClr val="accent1"/>
+          </a:effectRef>
+          <a:fontRef idx="minor">
+            <a:schemeClr val="tx1"/>
+          </a:fontRef>
+        </p:style>
+      </p:cxnSp>
+      <p:cxnSp>
+        <p:nvCxnSpPr>
+          <p:cNvPr id="10" name="Conector reto 9"/>
+          <p:cNvCxnSpPr/>
+          <p:nvPr/>
+        </p:nvCxnSpPr>
+        <p:spPr>
+          <a:xfrm>
+            <a:off x="3887734" y="1819172"/>
+            <a:ext cx="3391848" cy="0"/>
+          </a:xfrm>
+          <a:prstGeom prst="line">
+            <a:avLst/>
+          </a:prstGeom>
+          <a:ln w="38100">
+            <a:solidFill>
+              <a:schemeClr val="tx1"/>
+            </a:solidFill>
+          </a:ln>
+        </p:spPr>
+        <p:style>
+          <a:lnRef idx="1">
+            <a:schemeClr val="accent1"/>
+          </a:lnRef>
+          <a:fillRef idx="0">
+            <a:schemeClr val="accent1"/>
+          </a:fillRef>
+          <a:effectRef idx="0">
+            <a:schemeClr val="accent1"/>
+          </a:effectRef>
+          <a:fontRef idx="minor">
+            <a:schemeClr val="tx1"/>
+          </a:fontRef>
+        </p:style>
+      </p:cxnSp>
+      <p:sp>
+        <p:nvSpPr>
+          <p:cNvPr id="11" name="Elipse 10"/>
+          <p:cNvSpPr/>
+          <p:nvPr/>
+        </p:nvSpPr>
+        <p:spPr>
+          <a:xfrm>
+            <a:off x="6258292" y="1765172"/>
+            <a:ext cx="108000" cy="108000"/>
+          </a:xfrm>
+          <a:prstGeom prst="ellipse">
+            <a:avLst/>
+          </a:prstGeom>
+          <a:solidFill>
+            <a:schemeClr val="tx1"/>
+          </a:solidFill>
+          <a:ln>
+            <a:solidFill>
+              <a:schemeClr val="tx1"/>
+            </a:solidFill>
+          </a:ln>
+        </p:spPr>
+        <p:style>
+          <a:lnRef idx="2">
+            <a:schemeClr val="accent1">
+              <a:shade val="50000"/>
+            </a:schemeClr>
+          </a:lnRef>
+          <a:fillRef idx="1">
+            <a:schemeClr val="accent1"/>
+          </a:fillRef>
+          <a:effectRef idx="0">
+            <a:schemeClr val="accent1"/>
+          </a:effectRef>
+          <a:fontRef idx="minor">
+            <a:schemeClr val="lt1"/>
+          </a:fontRef>
+        </p:style>
+        <p:txBody>
+          <a:bodyPr rtlCol="0" anchor="ctr"/>
+          <a:lstStyle/>
+          <a:p>
+            <a:pPr algn="ctr"/>
+            <a:endParaRPr lang="pt-BR"/>
+          </a:p>
+        </p:txBody>
+      </p:sp>
+      <p:sp>
+        <p:nvSpPr>
+          <p:cNvPr id="12" name="Elipse 11"/>
+          <p:cNvSpPr/>
+          <p:nvPr/>
+        </p:nvSpPr>
+        <p:spPr>
+          <a:xfrm>
+            <a:off x="5860567" y="1324092"/>
+            <a:ext cx="108000" cy="108000"/>
+          </a:xfrm>
+          <a:prstGeom prst="ellipse">
+            <a:avLst/>
+          </a:prstGeom>
+          <a:solidFill>
+            <a:schemeClr val="tx1"/>
+          </a:solidFill>
+          <a:ln>
+            <a:solidFill>
+              <a:schemeClr val="tx1"/>
+            </a:solidFill>
+          </a:ln>
+        </p:spPr>
+        <p:style>
+          <a:lnRef idx="2">
+            <a:schemeClr val="accent1">
+              <a:shade val="50000"/>
+            </a:schemeClr>
+          </a:lnRef>
+          <a:fillRef idx="1">
+            <a:schemeClr val="accent1"/>
+          </a:fillRef>
+          <a:effectRef idx="0">
+            <a:schemeClr val="accent1"/>
+          </a:effectRef>
+          <a:fontRef idx="minor">
+            <a:schemeClr val="lt1"/>
+          </a:fontRef>
+        </p:style>
+        <p:txBody>
+          <a:bodyPr rtlCol="0" anchor="ctr"/>
+          <a:lstStyle/>
+          <a:p>
+            <a:pPr algn="ctr"/>
+            <a:endParaRPr lang="pt-BR"/>
+          </a:p>
+        </p:txBody>
+      </p:sp>
+      <p:sp>
+        <p:nvSpPr>
+          <p:cNvPr id="13" name="Elipse 12"/>
+          <p:cNvSpPr/>
+          <p:nvPr/>
+        </p:nvSpPr>
+        <p:spPr>
+          <a:xfrm>
+            <a:off x="5481427" y="854488"/>
+            <a:ext cx="108000" cy="108000"/>
+          </a:xfrm>
+          <a:prstGeom prst="ellipse">
+            <a:avLst/>
+          </a:prstGeom>
+          <a:solidFill>
+            <a:schemeClr val="tx1"/>
+          </a:solidFill>
+          <a:ln>
+            <a:solidFill>
+              <a:schemeClr val="tx1"/>
+            </a:solidFill>
+          </a:ln>
+        </p:spPr>
+        <p:style>
+          <a:lnRef idx="2">
+            <a:schemeClr val="accent1">
+              <a:shade val="50000"/>
+            </a:schemeClr>
+          </a:lnRef>
+          <a:fillRef idx="1">
+            <a:schemeClr val="accent1"/>
+          </a:fillRef>
+          <a:effectRef idx="0">
+            <a:schemeClr val="accent1"/>
+          </a:effectRef>
+          <a:fontRef idx="minor">
+            <a:schemeClr val="lt1"/>
+          </a:fontRef>
+        </p:style>
+        <p:txBody>
+          <a:bodyPr rtlCol="0" anchor="ctr"/>
+          <a:lstStyle/>
+          <a:p>
+            <a:pPr algn="ctr"/>
+            <a:endParaRPr lang="pt-BR"/>
+          </a:p>
+        </p:txBody>
+      </p:sp>
+      <p:cxnSp>
+        <p:nvCxnSpPr>
+          <p:cNvPr id="14" name="Conector de seta reta 13"/>
+          <p:cNvCxnSpPr/>
+          <p:nvPr/>
+        </p:nvCxnSpPr>
+        <p:spPr>
+          <a:xfrm>
+            <a:off x="6698753" y="1685357"/>
+            <a:ext cx="378000" cy="0"/>
+          </a:xfrm>
+          <a:prstGeom prst="straightConnector1">
+            <a:avLst/>
+          </a:prstGeom>
+          <a:ln w="38100">
+            <a:solidFill>
+              <a:schemeClr val="tx1"/>
+            </a:solidFill>
+            <a:tailEnd type="arrow"/>
+          </a:ln>
+        </p:spPr>
+        <p:style>
+          <a:lnRef idx="1">
+            <a:schemeClr val="accent1"/>
+          </a:lnRef>
+          <a:fillRef idx="0">
+            <a:schemeClr val="accent1"/>
+          </a:fillRef>
+          <a:effectRef idx="0">
+            <a:schemeClr val="accent1"/>
+          </a:effectRef>
+          <a:fontRef idx="minor">
+            <a:schemeClr val="tx1"/>
+          </a:fontRef>
+        </p:style>
+      </p:cxnSp>
+      <p:cxnSp>
+        <p:nvCxnSpPr>
+          <p:cNvPr id="15" name="Conector de seta reta 14"/>
+          <p:cNvCxnSpPr/>
+          <p:nvPr/>
+        </p:nvCxnSpPr>
+        <p:spPr>
+          <a:xfrm>
+            <a:off x="6698753" y="1235590"/>
+            <a:ext cx="378000" cy="0"/>
+          </a:xfrm>
+          <a:prstGeom prst="straightConnector1">
+            <a:avLst/>
+          </a:prstGeom>
+          <a:ln w="38100">
+            <a:solidFill>
+              <a:schemeClr val="tx1"/>
+            </a:solidFill>
+            <a:tailEnd type="arrow"/>
+          </a:ln>
+        </p:spPr>
+        <p:style>
+          <a:lnRef idx="1">
+            <a:schemeClr val="accent1"/>
+          </a:lnRef>
+          <a:fillRef idx="0">
+            <a:schemeClr val="accent1"/>
+          </a:fillRef>
+          <a:effectRef idx="0">
+            <a:schemeClr val="accent1"/>
+          </a:effectRef>
+          <a:fontRef idx="minor">
+            <a:schemeClr val="tx1"/>
+          </a:fontRef>
+        </p:style>
+      </p:cxnSp>
+      <p:cxnSp>
+        <p:nvCxnSpPr>
+          <p:cNvPr id="16" name="Conector de seta reta 15"/>
+          <p:cNvCxnSpPr/>
+          <p:nvPr/>
+        </p:nvCxnSpPr>
+        <p:spPr>
+          <a:xfrm>
+            <a:off x="6698753" y="774673"/>
+            <a:ext cx="378000" cy="0"/>
+          </a:xfrm>
+          <a:prstGeom prst="straightConnector1">
+            <a:avLst/>
+          </a:prstGeom>
+          <a:ln w="38100">
+            <a:solidFill>
+              <a:schemeClr val="tx1"/>
+            </a:solidFill>
+            <a:tailEnd type="arrow"/>
+          </a:ln>
+        </p:spPr>
+        <p:style>
+          <a:lnRef idx="1">
+            <a:schemeClr val="accent1"/>
+          </a:lnRef>
+          <a:fillRef idx="0">
+            <a:schemeClr val="accent1"/>
+          </a:fillRef>
+          <a:effectRef idx="0">
+            <a:schemeClr val="accent1"/>
+          </a:effectRef>
+          <a:fontRef idx="minor">
+            <a:schemeClr val="tx1"/>
+          </a:fontRef>
+        </p:style>
+      </p:cxnSp>
+      <mc:AlternateContent xmlns:mc="http://schemas.openxmlformats.org/markup-compatibility/2006">
+        <mc:Choice xmlns:a14="http://schemas.microsoft.com/office/drawing/2010/main" Requires="a14">
+          <p:sp>
+            <p:nvSpPr>
+              <p:cNvPr id="17" name="CaixaDeTexto 16"/>
+              <p:cNvSpPr txBox="1"/>
+              <p:nvPr/>
+            </p:nvSpPr>
+            <p:spPr>
+              <a:xfrm>
+                <a:off x="6288028" y="463880"/>
+                <a:ext cx="522131" cy="369332"/>
+              </a:xfrm>
+              <a:prstGeom prst="rect">
+                <a:avLst/>
+              </a:prstGeom>
+              <a:noFill/>
+            </p:spPr>
+            <p:txBody>
+              <a:bodyPr wrap="none" rtlCol="0">
+                <a:spAutoFit/>
+              </a:bodyPr>
+              <a:lstStyle/>
+              <a:p>
+                <a:pPr/>
+                <a14:m>
+                  <m:oMathPara xmlns:m="http://schemas.openxmlformats.org/officeDocument/2006/math">
+                    <m:oMathParaPr>
+                      <m:jc m:val="centerGroup"/>
+                    </m:oMathParaPr>
+                    <m:oMath xmlns:m="http://schemas.openxmlformats.org/officeDocument/2006/math">
+                      <m:sSub>
+                        <m:sSubPr>
+                          <m:ctrlPr>
+                            <a:rPr lang="pt-BR" b="0" i="1" smtClean="0">
+                              <a:latin typeface="Cambria Math"/>
+                            </a:rPr>
+                          </m:ctrlPr>
+                        </m:sSubPr>
+                        <m:e>
+                          <m:r>
+                            <a:rPr lang="pt-BR" b="0" i="1" smtClean="0">
+                              <a:latin typeface="Cambria Math"/>
+                            </a:rPr>
+                            <m:t>𝑖</m:t>
+                          </m:r>
+                        </m:e>
+                        <m:sub>
+                          <m:r>
+                            <a:rPr lang="pt-BR" b="0" i="1" smtClean="0">
+                              <a:latin typeface="Cambria Math"/>
+                            </a:rPr>
+                            <m:t>𝐿𝑎</m:t>
+                          </m:r>
+                        </m:sub>
+                      </m:sSub>
+                    </m:oMath>
+                  </m:oMathPara>
+                </a14:m>
+                <a:endParaRPr lang="pt-BR" dirty="0"/>
+              </a:p>
+            </p:txBody>
+          </p:sp>
+        </mc:Choice>
+        <mc:Fallback>
+          <p:sp>
+            <p:nvSpPr>
+              <p:cNvPr id="17" name="CaixaDeTexto 16"/>
+              <p:cNvSpPr txBox="1">
+                <a:spLocks noRot="1" noChangeAspect="1" noMove="1" noResize="1" noEditPoints="1" noAdjustHandles="1" noChangeArrowheads="1" noChangeShapeType="1" noTextEdit="1"/>
+              </p:cNvSpPr>
+              <p:nvPr/>
+            </p:nvSpPr>
+            <p:spPr>
+              <a:xfrm>
+                <a:off x="6288028" y="463880"/>
+                <a:ext cx="522131" cy="369332"/>
+              </a:xfrm>
+              <a:prstGeom prst="rect">
+                <a:avLst/>
+              </a:prstGeom>
+              <a:blipFill rotWithShape="1">
+                <a:blip r:embed="rId5"/>
+                <a:stretch>
+                  <a:fillRect/>
+                </a:stretch>
+              </a:blipFill>
+            </p:spPr>
+            <p:txBody>
+              <a:bodyPr/>
+              <a:lstStyle/>
+              <a:p>
+                <a:r>
+                  <a:rPr lang="pt-BR">
+                    <a:noFill/>
+                  </a:rPr>
+                  <a:t> </a:t>
+                </a:r>
+              </a:p>
+            </p:txBody>
+          </p:sp>
+        </mc:Fallback>
+      </mc:AlternateContent>
+      <mc:AlternateContent xmlns:mc="http://schemas.openxmlformats.org/markup-compatibility/2006">
+        <mc:Choice xmlns:a14="http://schemas.microsoft.com/office/drawing/2010/main" Requires="a14">
+          <p:sp>
+            <p:nvSpPr>
+              <p:cNvPr id="18" name="CaixaDeTexto 17"/>
+              <p:cNvSpPr txBox="1"/>
+              <p:nvPr/>
+            </p:nvSpPr>
+            <p:spPr>
+              <a:xfrm>
+                <a:off x="6317764" y="912562"/>
+                <a:ext cx="517706" cy="369332"/>
+              </a:xfrm>
+              <a:prstGeom prst="rect">
+                <a:avLst/>
+              </a:prstGeom>
+              <a:noFill/>
+            </p:spPr>
+            <p:txBody>
+              <a:bodyPr wrap="none" rtlCol="0">
+                <a:spAutoFit/>
+              </a:bodyPr>
+              <a:lstStyle/>
+              <a:p>
+                <a:pPr/>
+                <a14:m>
+                  <m:oMathPara xmlns:m="http://schemas.openxmlformats.org/officeDocument/2006/math">
+                    <m:oMathParaPr>
+                      <m:jc m:val="centerGroup"/>
+                    </m:oMathParaPr>
+                    <m:oMath xmlns:m="http://schemas.openxmlformats.org/officeDocument/2006/math">
+                      <m:sSub>
+                        <m:sSubPr>
+                          <m:ctrlPr>
+                            <a:rPr lang="pt-BR" b="0" i="1" smtClean="0">
+                              <a:latin typeface="Cambria Math"/>
+                            </a:rPr>
+                          </m:ctrlPr>
+                        </m:sSubPr>
+                        <m:e>
+                          <m:r>
+                            <a:rPr lang="pt-BR" b="0" i="1" smtClean="0">
+                              <a:latin typeface="Cambria Math"/>
+                            </a:rPr>
+                            <m:t>𝑖</m:t>
+                          </m:r>
+                        </m:e>
+                        <m:sub>
+                          <m:r>
+                            <a:rPr lang="pt-BR" b="0" i="1" smtClean="0">
+                              <a:latin typeface="Cambria Math"/>
+                            </a:rPr>
+                            <m:t>𝐿𝑏</m:t>
+                          </m:r>
+                        </m:sub>
+                      </m:sSub>
+                    </m:oMath>
+                  </m:oMathPara>
+                </a14:m>
+                <a:endParaRPr lang="pt-BR" dirty="0"/>
+              </a:p>
+            </p:txBody>
+          </p:sp>
+        </mc:Choice>
+        <mc:Fallback>
+          <p:sp>
+            <p:nvSpPr>
+              <p:cNvPr id="18" name="CaixaDeTexto 17"/>
+              <p:cNvSpPr txBox="1">
+                <a:spLocks noRot="1" noChangeAspect="1" noMove="1" noResize="1" noEditPoints="1" noAdjustHandles="1" noChangeArrowheads="1" noChangeShapeType="1" noTextEdit="1"/>
+              </p:cNvSpPr>
+              <p:nvPr/>
+            </p:nvSpPr>
+            <p:spPr>
+              <a:xfrm>
+                <a:off x="6317764" y="912562"/>
+                <a:ext cx="517706" cy="369332"/>
+              </a:xfrm>
+              <a:prstGeom prst="rect">
+                <a:avLst/>
+              </a:prstGeom>
+              <a:blipFill rotWithShape="1">
+                <a:blip r:embed="rId6"/>
+                <a:stretch>
+                  <a:fillRect/>
+                </a:stretch>
+              </a:blipFill>
+            </p:spPr>
+            <p:txBody>
+              <a:bodyPr/>
+              <a:lstStyle/>
+              <a:p>
+                <a:r>
+                  <a:rPr lang="pt-BR">
+                    <a:noFill/>
+                  </a:rPr>
+                  <a:t> </a:t>
+                </a:r>
+              </a:p>
+            </p:txBody>
+          </p:sp>
+        </mc:Fallback>
+      </mc:AlternateContent>
+      <mc:AlternateContent xmlns:mc="http://schemas.openxmlformats.org/markup-compatibility/2006">
+        <mc:Choice xmlns:a14="http://schemas.microsoft.com/office/drawing/2010/main" Requires="a14">
+          <p:sp>
+            <p:nvSpPr>
+              <p:cNvPr id="19" name="CaixaDeTexto 18"/>
+              <p:cNvSpPr txBox="1"/>
+              <p:nvPr/>
+            </p:nvSpPr>
+            <p:spPr>
+              <a:xfrm>
+                <a:off x="6317764" y="1371102"/>
+                <a:ext cx="502510" cy="369332"/>
+              </a:xfrm>
+              <a:prstGeom prst="rect">
+                <a:avLst/>
+              </a:prstGeom>
+              <a:noFill/>
+            </p:spPr>
+            <p:txBody>
+              <a:bodyPr wrap="none" rtlCol="0">
+                <a:spAutoFit/>
+              </a:bodyPr>
+              <a:lstStyle/>
+              <a:p>
+                <a:pPr/>
+                <a14:m>
+                  <m:oMathPara xmlns:m="http://schemas.openxmlformats.org/officeDocument/2006/math">
+                    <m:oMathParaPr>
+                      <m:jc m:val="centerGroup"/>
+                    </m:oMathParaPr>
+                    <m:oMath xmlns:m="http://schemas.openxmlformats.org/officeDocument/2006/math">
+                      <m:sSub>
+                        <m:sSubPr>
+                          <m:ctrlPr>
+                            <a:rPr lang="pt-BR" b="0" i="1" smtClean="0">
+                              <a:latin typeface="Cambria Math"/>
+                            </a:rPr>
+                          </m:ctrlPr>
+                        </m:sSubPr>
+                        <m:e>
+                          <m:r>
+                            <a:rPr lang="pt-BR" b="0" i="1" smtClean="0">
+                              <a:latin typeface="Cambria Math"/>
+                            </a:rPr>
+                            <m:t>𝑖</m:t>
+                          </m:r>
+                        </m:e>
+                        <m:sub>
+                          <m:r>
+                            <a:rPr lang="pt-BR" b="0" i="1" smtClean="0">
+                              <a:latin typeface="Cambria Math"/>
+                            </a:rPr>
+                            <m:t>𝐿𝑐</m:t>
+                          </m:r>
+                        </m:sub>
+                      </m:sSub>
+                    </m:oMath>
+                  </m:oMathPara>
+                </a14:m>
+                <a:endParaRPr lang="pt-BR" dirty="0"/>
+              </a:p>
+            </p:txBody>
+          </p:sp>
+        </mc:Choice>
+        <mc:Fallback>
+          <p:sp>
+            <p:nvSpPr>
+              <p:cNvPr id="19" name="CaixaDeTexto 18"/>
+              <p:cNvSpPr txBox="1">
+                <a:spLocks noRot="1" noChangeAspect="1" noMove="1" noResize="1" noEditPoints="1" noAdjustHandles="1" noChangeArrowheads="1" noChangeShapeType="1" noTextEdit="1"/>
+              </p:cNvSpPr>
+              <p:nvPr/>
+            </p:nvSpPr>
+            <p:spPr>
+              <a:xfrm>
+                <a:off x="6317764" y="1371102"/>
+                <a:ext cx="502510" cy="369332"/>
+              </a:xfrm>
+              <a:prstGeom prst="rect">
+                <a:avLst/>
+              </a:prstGeom>
+              <a:blipFill rotWithShape="1">
+                <a:blip r:embed="rId7"/>
+                <a:stretch>
+                  <a:fillRect/>
+                </a:stretch>
+              </a:blipFill>
+            </p:spPr>
+            <p:txBody>
+              <a:bodyPr/>
+              <a:lstStyle/>
+              <a:p>
+                <a:r>
+                  <a:rPr lang="pt-BR">
+                    <a:noFill/>
+                  </a:rPr>
+                  <a:t> </a:t>
+                </a:r>
+              </a:p>
+            </p:txBody>
+          </p:sp>
+        </mc:Fallback>
+      </mc:AlternateContent>
+      <mc:AlternateContent xmlns:mc="http://schemas.openxmlformats.org/markup-compatibility/2006">
+        <mc:Choice xmlns:a14="http://schemas.microsoft.com/office/drawing/2010/main" Requires="a14">
+          <p:sp>
+            <p:nvSpPr>
+              <p:cNvPr id="23" name="CaixaDeTexto 22"/>
+              <p:cNvSpPr txBox="1"/>
+              <p:nvPr/>
+            </p:nvSpPr>
+            <p:spPr>
+              <a:xfrm>
+                <a:off x="4084206" y="473070"/>
+                <a:ext cx="566244" cy="369332"/>
+              </a:xfrm>
+              <a:prstGeom prst="rect">
+                <a:avLst/>
+              </a:prstGeom>
+              <a:noFill/>
+            </p:spPr>
+            <p:txBody>
+              <a:bodyPr wrap="none" rtlCol="0">
+                <a:spAutoFit/>
+              </a:bodyPr>
+              <a:lstStyle/>
+              <a:p>
+                <a:pPr/>
+                <a14:m>
+                  <m:oMathPara xmlns:m="http://schemas.openxmlformats.org/officeDocument/2006/math">
+                    <m:oMathParaPr>
+                      <m:jc m:val="centerGroup"/>
+                    </m:oMathParaPr>
+                    <m:oMath xmlns:m="http://schemas.openxmlformats.org/officeDocument/2006/math">
+                      <m:sSub>
+                        <m:sSubPr>
+                          <m:ctrlPr>
+                            <a:rPr lang="pt-BR" b="0" i="1" smtClean="0">
+                              <a:latin typeface="Cambria Math"/>
+                            </a:rPr>
+                          </m:ctrlPr>
+                        </m:sSubPr>
+                        <m:e>
+                          <m:r>
+                            <a:rPr lang="pt-BR" b="0" i="1" smtClean="0">
+                              <a:latin typeface="Cambria Math"/>
+                            </a:rPr>
+                            <m:t>𝑣</m:t>
+                          </m:r>
+                        </m:e>
+                        <m:sub>
+                          <m:r>
+                            <a:rPr lang="pt-BR" b="0" i="1" smtClean="0">
+                              <a:latin typeface="Cambria Math"/>
+                            </a:rPr>
+                            <m:t>𝑆𝑎</m:t>
+                          </m:r>
+                        </m:sub>
+                      </m:sSub>
+                    </m:oMath>
+                  </m:oMathPara>
+                </a14:m>
+                <a:endParaRPr lang="pt-BR" dirty="0"/>
+              </a:p>
+            </p:txBody>
+          </p:sp>
+        </mc:Choice>
+        <mc:Fallback>
+          <p:sp>
+            <p:nvSpPr>
+              <p:cNvPr id="23" name="CaixaDeTexto 22"/>
+              <p:cNvSpPr txBox="1">
+                <a:spLocks noRot="1" noChangeAspect="1" noMove="1" noResize="1" noEditPoints="1" noAdjustHandles="1" noChangeArrowheads="1" noChangeShapeType="1" noTextEdit="1"/>
+              </p:cNvSpPr>
+              <p:nvPr/>
+            </p:nvSpPr>
+            <p:spPr>
+              <a:xfrm>
+                <a:off x="4084206" y="473070"/>
+                <a:ext cx="566244" cy="369332"/>
+              </a:xfrm>
+              <a:prstGeom prst="rect">
+                <a:avLst/>
+              </a:prstGeom>
+              <a:blipFill rotWithShape="1">
+                <a:blip r:embed="rId8"/>
+                <a:stretch>
+                  <a:fillRect/>
+                </a:stretch>
+              </a:blipFill>
+            </p:spPr>
+            <p:txBody>
+              <a:bodyPr/>
+              <a:lstStyle/>
+              <a:p>
+                <a:r>
+                  <a:rPr lang="pt-BR">
+                    <a:noFill/>
+                  </a:rPr>
+                  <a:t> </a:t>
+                </a:r>
+              </a:p>
+            </p:txBody>
+          </p:sp>
+        </mc:Fallback>
+      </mc:AlternateContent>
+      <mc:AlternateContent xmlns:mc="http://schemas.openxmlformats.org/markup-compatibility/2006">
+        <mc:Choice xmlns:a14="http://schemas.microsoft.com/office/drawing/2010/main" Requires="a14">
+          <p:sp>
+            <p:nvSpPr>
+              <p:cNvPr id="24" name="CaixaDeTexto 23"/>
+              <p:cNvSpPr txBox="1"/>
+              <p:nvPr/>
+            </p:nvSpPr>
+            <p:spPr>
+              <a:xfrm>
+                <a:off x="4113942" y="921752"/>
+                <a:ext cx="561820" cy="369332"/>
+              </a:xfrm>
+              <a:prstGeom prst="rect">
+                <a:avLst/>
+              </a:prstGeom>
+              <a:noFill/>
+            </p:spPr>
+            <p:txBody>
+              <a:bodyPr wrap="none" rtlCol="0">
+                <a:spAutoFit/>
+              </a:bodyPr>
+              <a:lstStyle/>
+              <a:p>
+                <a:pPr/>
+                <a14:m>
+                  <m:oMathPara xmlns:m="http://schemas.openxmlformats.org/officeDocument/2006/math">
+                    <m:oMathParaPr>
+                      <m:jc m:val="centerGroup"/>
+                    </m:oMathParaPr>
+                    <m:oMath xmlns:m="http://schemas.openxmlformats.org/officeDocument/2006/math">
+                      <m:sSub>
+                        <m:sSubPr>
+                          <m:ctrlPr>
+                            <a:rPr lang="pt-BR" b="0" i="1" smtClean="0">
+                              <a:latin typeface="Cambria Math"/>
+                            </a:rPr>
+                          </m:ctrlPr>
+                        </m:sSubPr>
+                        <m:e>
+                          <m:r>
+                            <a:rPr lang="pt-BR" b="0" i="1" smtClean="0">
+                              <a:latin typeface="Cambria Math"/>
+                            </a:rPr>
+                            <m:t>𝑣</m:t>
+                          </m:r>
+                        </m:e>
+                        <m:sub>
+                          <m:r>
+                            <a:rPr lang="pt-BR" b="0" i="1" smtClean="0">
+                              <a:latin typeface="Cambria Math"/>
+                            </a:rPr>
+                            <m:t>𝑆𝑏</m:t>
+                          </m:r>
+                        </m:sub>
+                      </m:sSub>
+                    </m:oMath>
+                  </m:oMathPara>
+                </a14:m>
+                <a:endParaRPr lang="pt-BR" dirty="0"/>
+              </a:p>
+            </p:txBody>
+          </p:sp>
+        </mc:Choice>
+        <mc:Fallback>
+          <p:sp>
+            <p:nvSpPr>
+              <p:cNvPr id="24" name="CaixaDeTexto 23"/>
+              <p:cNvSpPr txBox="1">
+                <a:spLocks noRot="1" noChangeAspect="1" noMove="1" noResize="1" noEditPoints="1" noAdjustHandles="1" noChangeArrowheads="1" noChangeShapeType="1" noTextEdit="1"/>
+              </p:cNvSpPr>
+              <p:nvPr/>
+            </p:nvSpPr>
+            <p:spPr>
+              <a:xfrm>
+                <a:off x="4113942" y="921752"/>
+                <a:ext cx="561820" cy="369332"/>
+              </a:xfrm>
+              <a:prstGeom prst="rect">
+                <a:avLst/>
+              </a:prstGeom>
+              <a:blipFill rotWithShape="1">
+                <a:blip r:embed="rId9"/>
+                <a:stretch>
+                  <a:fillRect/>
+                </a:stretch>
+              </a:blipFill>
+            </p:spPr>
+            <p:txBody>
+              <a:bodyPr/>
+              <a:lstStyle/>
+              <a:p>
+                <a:r>
+                  <a:rPr lang="pt-BR">
+                    <a:noFill/>
+                  </a:rPr>
+                  <a:t> </a:t>
+                </a:r>
+              </a:p>
+            </p:txBody>
+          </p:sp>
+        </mc:Fallback>
+      </mc:AlternateContent>
+      <mc:AlternateContent xmlns:mc="http://schemas.openxmlformats.org/markup-compatibility/2006">
+        <mc:Choice xmlns:a14="http://schemas.microsoft.com/office/drawing/2010/main" Requires="a14">
+          <p:sp>
+            <p:nvSpPr>
+              <p:cNvPr id="25" name="CaixaDeTexto 24"/>
+              <p:cNvSpPr txBox="1"/>
+              <p:nvPr/>
+            </p:nvSpPr>
+            <p:spPr>
+              <a:xfrm>
+                <a:off x="4113942" y="1380292"/>
+                <a:ext cx="546625" cy="369332"/>
+              </a:xfrm>
+              <a:prstGeom prst="rect">
+                <a:avLst/>
+              </a:prstGeom>
+              <a:noFill/>
+            </p:spPr>
+            <p:txBody>
+              <a:bodyPr wrap="none" rtlCol="0">
+                <a:spAutoFit/>
+              </a:bodyPr>
+              <a:lstStyle/>
+              <a:p>
+                <a:pPr/>
+                <a14:m>
+                  <m:oMathPara xmlns:m="http://schemas.openxmlformats.org/officeDocument/2006/math">
+                    <m:oMathParaPr>
+                      <m:jc m:val="centerGroup"/>
+                    </m:oMathParaPr>
+                    <m:oMath xmlns:m="http://schemas.openxmlformats.org/officeDocument/2006/math">
+                      <m:sSub>
+                        <m:sSubPr>
+                          <m:ctrlPr>
+                            <a:rPr lang="pt-BR" b="0" i="1" smtClean="0">
+                              <a:latin typeface="Cambria Math"/>
+                            </a:rPr>
+                          </m:ctrlPr>
+                        </m:sSubPr>
+                        <m:e>
+                          <m:r>
+                            <a:rPr lang="pt-BR" b="0" i="1" smtClean="0">
+                              <a:latin typeface="Cambria Math"/>
+                            </a:rPr>
+                            <m:t>𝑣</m:t>
+                          </m:r>
+                        </m:e>
+                        <m:sub>
+                          <m:r>
+                            <a:rPr lang="pt-BR" b="0" i="1" smtClean="0">
+                              <a:latin typeface="Cambria Math"/>
+                            </a:rPr>
+                            <m:t>𝑆𝑐</m:t>
+                          </m:r>
+                        </m:sub>
+                      </m:sSub>
+                    </m:oMath>
+                  </m:oMathPara>
+                </a14:m>
+                <a:endParaRPr lang="pt-BR" dirty="0"/>
+              </a:p>
+            </p:txBody>
+          </p:sp>
+        </mc:Choice>
+        <mc:Fallback>
+          <p:sp>
+            <p:nvSpPr>
+              <p:cNvPr id="25" name="CaixaDeTexto 24"/>
+              <p:cNvSpPr txBox="1">
+                <a:spLocks noRot="1" noChangeAspect="1" noMove="1" noResize="1" noEditPoints="1" noAdjustHandles="1" noChangeArrowheads="1" noChangeShapeType="1" noTextEdit="1"/>
+              </p:cNvSpPr>
+              <p:nvPr/>
+            </p:nvSpPr>
+            <p:spPr>
+              <a:xfrm>
+                <a:off x="4113942" y="1380292"/>
+                <a:ext cx="546625" cy="369332"/>
+              </a:xfrm>
+              <a:prstGeom prst="rect">
+                <a:avLst/>
+              </a:prstGeom>
+              <a:blipFill rotWithShape="1">
+                <a:blip r:embed="rId10"/>
+                <a:stretch>
+                  <a:fillRect/>
+                </a:stretch>
+              </a:blipFill>
+            </p:spPr>
+            <p:txBody>
+              <a:bodyPr/>
+              <a:lstStyle/>
+              <a:p>
+                <a:r>
+                  <a:rPr lang="pt-BR">
+                    <a:noFill/>
+                  </a:rPr>
+                  <a:t> </a:t>
+                </a:r>
+              </a:p>
+            </p:txBody>
+          </p:sp>
+        </mc:Fallback>
+      </mc:AlternateContent>
+      <mc:AlternateContent xmlns:mc="http://schemas.openxmlformats.org/markup-compatibility/2006">
+        <mc:Choice xmlns:a14="http://schemas.microsoft.com/office/drawing/2010/main" Requires="a14">
+          <p:sp>
+            <p:nvSpPr>
+              <p:cNvPr id="26" name="CaixaDeTexto 25"/>
+              <p:cNvSpPr txBox="1"/>
+              <p:nvPr/>
+            </p:nvSpPr>
+            <p:spPr>
+              <a:xfrm>
+                <a:off x="5096342" y="1967524"/>
+                <a:ext cx="533351" cy="369332"/>
+              </a:xfrm>
+              <a:prstGeom prst="rect">
+                <a:avLst/>
+              </a:prstGeom>
+              <a:noFill/>
+            </p:spPr>
+            <p:txBody>
+              <a:bodyPr wrap="none" rtlCol="0">
+                <a:spAutoFit/>
+              </a:bodyPr>
+              <a:lstStyle/>
+              <a:p>
+                <a:pPr/>
+                <a14:m>
+                  <m:oMathPara xmlns:m="http://schemas.openxmlformats.org/officeDocument/2006/math">
+                    <m:oMathParaPr>
+                      <m:jc m:val="centerGroup"/>
+                    </m:oMathParaPr>
+                    <m:oMath xmlns:m="http://schemas.openxmlformats.org/officeDocument/2006/math">
+                      <m:sSubSup>
+                        <m:sSubSupPr>
+                          <m:ctrlPr>
+                            <a:rPr lang="pt-BR" b="0" i="1" smtClean="0">
+                              <a:latin typeface="Cambria Math"/>
+                            </a:rPr>
+                          </m:ctrlPr>
+                        </m:sSubSupPr>
+                        <m:e>
+                          <m:r>
+                            <a:rPr lang="pt-BR" b="0" i="1" smtClean="0">
+                              <a:latin typeface="Cambria Math"/>
+                            </a:rPr>
+                            <m:t>𝑖</m:t>
+                          </m:r>
+                        </m:e>
+                        <m:sub>
+                          <m:r>
+                            <a:rPr lang="pt-BR" b="0" i="1" smtClean="0">
+                              <a:latin typeface="Cambria Math"/>
+                            </a:rPr>
+                            <m:t>𝐶𝑎</m:t>
+                          </m:r>
+                        </m:sub>
+                        <m:sup/>
+                      </m:sSubSup>
+                    </m:oMath>
+                  </m:oMathPara>
+                </a14:m>
+                <a:endParaRPr lang="pt-BR" dirty="0"/>
+              </a:p>
+            </p:txBody>
+          </p:sp>
+        </mc:Choice>
+        <mc:Fallback>
+          <p:sp>
+            <p:nvSpPr>
+              <p:cNvPr id="26" name="CaixaDeTexto 25"/>
+              <p:cNvSpPr txBox="1">
+                <a:spLocks noRot="1" noChangeAspect="1" noMove="1" noResize="1" noEditPoints="1" noAdjustHandles="1" noChangeArrowheads="1" noChangeShapeType="1" noTextEdit="1"/>
+              </p:cNvSpPr>
+              <p:nvPr/>
+            </p:nvSpPr>
+            <p:spPr>
+              <a:xfrm>
+                <a:off x="5096342" y="1967524"/>
+                <a:ext cx="533351" cy="369332"/>
+              </a:xfrm>
+              <a:prstGeom prst="rect">
+                <a:avLst/>
+              </a:prstGeom>
+              <a:blipFill rotWithShape="1">
+                <a:blip r:embed="rId11"/>
+                <a:stretch>
+                  <a:fillRect b="-1667"/>
+                </a:stretch>
+              </a:blipFill>
+            </p:spPr>
+            <p:txBody>
+              <a:bodyPr/>
+              <a:lstStyle/>
+              <a:p>
+                <a:r>
+                  <a:rPr lang="pt-BR">
+                    <a:noFill/>
+                  </a:rPr>
+                  <a:t> </a:t>
+                </a:r>
+              </a:p>
+            </p:txBody>
+          </p:sp>
+        </mc:Fallback>
+      </mc:AlternateContent>
+      <mc:AlternateContent xmlns:mc="http://schemas.openxmlformats.org/markup-compatibility/2006">
+        <mc:Choice xmlns:a14="http://schemas.microsoft.com/office/drawing/2010/main" Requires="a14">
+          <p:sp>
+            <p:nvSpPr>
+              <p:cNvPr id="27" name="CaixaDeTexto 26"/>
+              <p:cNvSpPr txBox="1"/>
+              <p:nvPr/>
+            </p:nvSpPr>
+            <p:spPr>
+              <a:xfrm>
+                <a:off x="5474929" y="1956373"/>
+                <a:ext cx="528927" cy="369332"/>
+              </a:xfrm>
+              <a:prstGeom prst="rect">
+                <a:avLst/>
+              </a:prstGeom>
+              <a:noFill/>
+            </p:spPr>
+            <p:txBody>
+              <a:bodyPr wrap="none" rtlCol="0">
+                <a:spAutoFit/>
+              </a:bodyPr>
+              <a:lstStyle/>
+              <a:p>
+                <a:pPr/>
+                <a14:m>
+                  <m:oMathPara xmlns:m="http://schemas.openxmlformats.org/officeDocument/2006/math">
+                    <m:oMathParaPr>
+                      <m:jc m:val="centerGroup"/>
+                    </m:oMathParaPr>
+                    <m:oMath xmlns:m="http://schemas.openxmlformats.org/officeDocument/2006/math">
+                      <m:sSubSup>
+                        <m:sSubSupPr>
+                          <m:ctrlPr>
+                            <a:rPr lang="pt-BR" b="0" i="1" smtClean="0">
+                              <a:latin typeface="Cambria Math"/>
+                            </a:rPr>
+                          </m:ctrlPr>
+                        </m:sSubSupPr>
+                        <m:e>
+                          <m:r>
+                            <a:rPr lang="pt-BR" b="0" i="1" smtClean="0">
+                              <a:latin typeface="Cambria Math"/>
+                            </a:rPr>
+                            <m:t>𝑖</m:t>
+                          </m:r>
+                        </m:e>
+                        <m:sub>
+                          <m:r>
+                            <a:rPr lang="pt-BR" b="0" i="1" smtClean="0">
+                              <a:latin typeface="Cambria Math"/>
+                            </a:rPr>
+                            <m:t>𝐶𝑏</m:t>
+                          </m:r>
+                        </m:sub>
+                        <m:sup/>
+                      </m:sSubSup>
+                    </m:oMath>
+                  </m:oMathPara>
+                </a14:m>
+                <a:endParaRPr lang="pt-BR" dirty="0"/>
+              </a:p>
+            </p:txBody>
+          </p:sp>
+        </mc:Choice>
+        <mc:Fallback>
+          <p:sp>
+            <p:nvSpPr>
+              <p:cNvPr id="27" name="CaixaDeTexto 26"/>
+              <p:cNvSpPr txBox="1">
+                <a:spLocks noRot="1" noChangeAspect="1" noMove="1" noResize="1" noEditPoints="1" noAdjustHandles="1" noChangeArrowheads="1" noChangeShapeType="1" noTextEdit="1"/>
+              </p:cNvSpPr>
+              <p:nvPr/>
+            </p:nvSpPr>
+            <p:spPr>
+              <a:xfrm>
+                <a:off x="5474929" y="1956373"/>
+                <a:ext cx="528927" cy="369332"/>
+              </a:xfrm>
+              <a:prstGeom prst="rect">
+                <a:avLst/>
+              </a:prstGeom>
+              <a:blipFill rotWithShape="1">
+                <a:blip r:embed="rId12"/>
+                <a:stretch>
+                  <a:fillRect/>
+                </a:stretch>
+              </a:blipFill>
+            </p:spPr>
+            <p:txBody>
+              <a:bodyPr/>
+              <a:lstStyle/>
+              <a:p>
+                <a:r>
+                  <a:rPr lang="pt-BR">
+                    <a:noFill/>
+                  </a:rPr>
+                  <a:t> </a:t>
+                </a:r>
+              </a:p>
+            </p:txBody>
+          </p:sp>
+        </mc:Fallback>
+      </mc:AlternateContent>
+      <mc:AlternateContent xmlns:mc="http://schemas.openxmlformats.org/markup-compatibility/2006">
+        <mc:Choice xmlns:a14="http://schemas.microsoft.com/office/drawing/2010/main" Requires="a14">
+          <p:sp>
+            <p:nvSpPr>
+              <p:cNvPr id="28" name="CaixaDeTexto 27"/>
+              <p:cNvSpPr txBox="1"/>
+              <p:nvPr/>
+            </p:nvSpPr>
+            <p:spPr>
+              <a:xfrm>
+                <a:off x="5894095" y="1974958"/>
+                <a:ext cx="513730" cy="369332"/>
+              </a:xfrm>
+              <a:prstGeom prst="rect">
+                <a:avLst/>
+              </a:prstGeom>
+              <a:noFill/>
+            </p:spPr>
+            <p:txBody>
+              <a:bodyPr wrap="none" rtlCol="0">
+                <a:spAutoFit/>
+              </a:bodyPr>
+              <a:lstStyle/>
+              <a:p>
+                <a:pPr/>
+                <a14:m>
+                  <m:oMathPara xmlns:m="http://schemas.openxmlformats.org/officeDocument/2006/math">
+                    <m:oMathParaPr>
+                      <m:jc m:val="centerGroup"/>
+                    </m:oMathParaPr>
+                    <m:oMath xmlns:m="http://schemas.openxmlformats.org/officeDocument/2006/math">
+                      <m:sSubSup>
+                        <m:sSubSupPr>
+                          <m:ctrlPr>
+                            <a:rPr lang="pt-BR" b="0" i="1" smtClean="0">
+                              <a:latin typeface="Cambria Math"/>
+                            </a:rPr>
+                          </m:ctrlPr>
+                        </m:sSubSupPr>
+                        <m:e>
+                          <m:r>
+                            <a:rPr lang="pt-BR" b="0" i="1" smtClean="0">
+                              <a:latin typeface="Cambria Math"/>
+                            </a:rPr>
+                            <m:t>𝑖</m:t>
+                          </m:r>
+                        </m:e>
+                        <m:sub>
+                          <m:r>
+                            <a:rPr lang="pt-BR" b="0" i="1" smtClean="0">
+                              <a:latin typeface="Cambria Math"/>
+                            </a:rPr>
+                            <m:t>𝐶𝑐</m:t>
+                          </m:r>
+                        </m:sub>
+                        <m:sup/>
+                      </m:sSubSup>
+                    </m:oMath>
+                  </m:oMathPara>
+                </a14:m>
+                <a:endParaRPr lang="pt-BR" dirty="0"/>
+              </a:p>
+            </p:txBody>
+          </p:sp>
+        </mc:Choice>
+        <mc:Fallback>
+          <p:sp>
+            <p:nvSpPr>
+              <p:cNvPr id="28" name="CaixaDeTexto 27"/>
+              <p:cNvSpPr txBox="1">
+                <a:spLocks noRot="1" noChangeAspect="1" noMove="1" noResize="1" noEditPoints="1" noAdjustHandles="1" noChangeArrowheads="1" noChangeShapeType="1" noTextEdit="1"/>
+              </p:cNvSpPr>
+              <p:nvPr/>
+            </p:nvSpPr>
+            <p:spPr>
+              <a:xfrm>
+                <a:off x="5894095" y="1974958"/>
+                <a:ext cx="513730" cy="369332"/>
+              </a:xfrm>
+              <a:prstGeom prst="rect">
+                <a:avLst/>
+              </a:prstGeom>
+              <a:blipFill rotWithShape="1">
+                <a:blip r:embed="rId13"/>
+                <a:stretch>
+                  <a:fillRect/>
+                </a:stretch>
+              </a:blipFill>
+            </p:spPr>
+            <p:txBody>
+              <a:bodyPr/>
+              <a:lstStyle/>
+              <a:p>
+                <a:r>
+                  <a:rPr lang="pt-BR">
+                    <a:noFill/>
+                  </a:rPr>
+                  <a:t> </a:t>
+                </a:r>
+              </a:p>
+            </p:txBody>
+          </p:sp>
+        </mc:Fallback>
+      </mc:AlternateContent>
+      <p:sp>
+        <p:nvSpPr>
+          <p:cNvPr id="29" name="CaixaDeTexto 28"/>
+          <p:cNvSpPr txBox="1"/>
+          <p:nvPr/>
+        </p:nvSpPr>
+        <p:spPr>
+          <a:xfrm>
+            <a:off x="2018631" y="281915"/>
+            <a:ext cx="2229072" cy="307777"/>
+          </a:xfrm>
+          <a:prstGeom prst="rect">
+            <a:avLst/>
+          </a:prstGeom>
+          <a:noFill/>
+        </p:spPr>
+        <p:txBody>
+          <a:bodyPr wrap="none" rtlCol="0">
+            <a:spAutoFit/>
+          </a:bodyPr>
+          <a:lstStyle/>
+          <a:p>
+            <a:r>
+              <a:rPr lang="pt-BR" sz="1400" dirty="0">
+                <a:latin typeface="Arial" pitchFamily="34" charset="0"/>
+                <a:cs typeface="Arial" pitchFamily="34" charset="0"/>
+              </a:rPr>
+              <a:t>Fonte de Tensão Trifásica</a:t>
+            </a:r>
+          </a:p>
+        </p:txBody>
+      </p:sp>
+      <p:sp>
+        <p:nvSpPr>
+          <p:cNvPr id="30" name="CaixaDeTexto 29"/>
+          <p:cNvSpPr txBox="1"/>
+          <p:nvPr/>
+        </p:nvSpPr>
+        <p:spPr>
+          <a:xfrm>
+            <a:off x="7094010" y="300762"/>
+            <a:ext cx="1596912" cy="307777"/>
+          </a:xfrm>
+          <a:prstGeom prst="rect">
+            <a:avLst/>
+          </a:prstGeom>
+          <a:noFill/>
+        </p:spPr>
+        <p:txBody>
+          <a:bodyPr wrap="none" rtlCol="0">
+            <a:spAutoFit/>
+          </a:bodyPr>
+          <a:lstStyle/>
+          <a:p>
+            <a:r>
+              <a:rPr lang="pt-BR" sz="1400" dirty="0">
+                <a:latin typeface="Arial" pitchFamily="34" charset="0"/>
+                <a:cs typeface="Arial" pitchFamily="34" charset="0"/>
+              </a:rPr>
+              <a:t>Carga Não Linear</a:t>
+            </a:r>
+          </a:p>
+        </p:txBody>
+      </p:sp>
+      <p:sp>
+        <p:nvSpPr>
+          <p:cNvPr id="33" name="Retângulo 32"/>
+          <p:cNvSpPr/>
+          <p:nvPr/>
+        </p:nvSpPr>
+        <p:spPr>
+          <a:xfrm>
+            <a:off x="3215786" y="3162367"/>
+            <a:ext cx="1038600" cy="1320733"/>
+          </a:xfrm>
+          <a:prstGeom prst="rect">
+            <a:avLst/>
+          </a:prstGeom>
+          <a:noFill/>
+          <a:ln w="38100">
+            <a:solidFill>
+              <a:schemeClr val="tx1"/>
+            </a:solidFill>
+          </a:ln>
+        </p:spPr>
+        <p:style>
+          <a:lnRef idx="2">
+            <a:schemeClr val="accent1">
+              <a:shade val="50000"/>
+            </a:schemeClr>
+          </a:lnRef>
+          <a:fillRef idx="1">
+            <a:schemeClr val="accent1"/>
+          </a:fillRef>
+          <a:effectRef idx="0">
+            <a:schemeClr val="accent1"/>
+          </a:effectRef>
+          <a:fontRef idx="minor">
+            <a:schemeClr val="lt1"/>
+          </a:fontRef>
+        </p:style>
+        <p:txBody>
+          <a:bodyPr rtlCol="0" anchor="ctr"/>
+          <a:lstStyle/>
+          <a:p>
+            <a:pPr algn="ctr"/>
+            <a:r>
+              <a:rPr lang="pt-BR" dirty="0" smtClean="0">
+                <a:solidFill>
+                  <a:schemeClr val="tx1"/>
+                </a:solidFill>
+              </a:rPr>
+              <a:t>DSP</a:t>
+            </a:r>
+            <a:endParaRPr lang="pt-BR" dirty="0">
+              <a:solidFill>
+                <a:schemeClr val="tx1"/>
+              </a:solidFill>
+            </a:endParaRPr>
+          </a:p>
+        </p:txBody>
+      </p:sp>
+      <p:cxnSp>
+        <p:nvCxnSpPr>
+          <p:cNvPr id="34" name="Conector reto 33"/>
+          <p:cNvCxnSpPr/>
+          <p:nvPr/>
+        </p:nvCxnSpPr>
+        <p:spPr>
+          <a:xfrm flipV="1">
+            <a:off x="7638678" y="2701925"/>
+            <a:ext cx="0" cy="920884"/>
+          </a:xfrm>
+          <a:prstGeom prst="line">
+            <a:avLst/>
+          </a:prstGeom>
+          <a:ln w="25400">
+            <a:solidFill>
+              <a:schemeClr val="tx1"/>
+            </a:solidFill>
+          </a:ln>
+        </p:spPr>
+        <p:style>
+          <a:lnRef idx="1">
+            <a:schemeClr val="accent1"/>
+          </a:lnRef>
+          <a:fillRef idx="0">
+            <a:schemeClr val="accent1"/>
+          </a:fillRef>
+          <a:effectRef idx="0">
+            <a:schemeClr val="accent1"/>
+          </a:effectRef>
+          <a:fontRef idx="minor">
+            <a:schemeClr val="tx1"/>
+          </a:fontRef>
+        </p:style>
+      </p:cxnSp>
+      <p:cxnSp>
+        <p:nvCxnSpPr>
+          <p:cNvPr id="36" name="Conector reto 35"/>
+          <p:cNvCxnSpPr/>
+          <p:nvPr/>
+        </p:nvCxnSpPr>
+        <p:spPr>
+          <a:xfrm flipV="1">
+            <a:off x="5535427" y="981540"/>
+            <a:ext cx="0" cy="1739437"/>
+          </a:xfrm>
+          <a:prstGeom prst="line">
+            <a:avLst/>
+          </a:prstGeom>
+          <a:ln w="25400">
+            <a:solidFill>
+              <a:schemeClr val="tx1"/>
+            </a:solidFill>
+          </a:ln>
+        </p:spPr>
+        <p:style>
+          <a:lnRef idx="1">
+            <a:schemeClr val="accent1"/>
+          </a:lnRef>
+          <a:fillRef idx="0">
+            <a:schemeClr val="accent1"/>
+          </a:fillRef>
+          <a:effectRef idx="0">
+            <a:schemeClr val="accent1"/>
+          </a:effectRef>
+          <a:fontRef idx="minor">
+            <a:schemeClr val="tx1"/>
+          </a:fontRef>
+        </p:style>
+      </p:cxnSp>
+      <p:cxnSp>
+        <p:nvCxnSpPr>
+          <p:cNvPr id="40" name="Conector reto 39"/>
+          <p:cNvCxnSpPr/>
+          <p:nvPr/>
+        </p:nvCxnSpPr>
+        <p:spPr>
+          <a:xfrm flipH="1">
+            <a:off x="5535427" y="2714627"/>
+            <a:ext cx="2103251" cy="0"/>
+          </a:xfrm>
+          <a:prstGeom prst="line">
+            <a:avLst/>
+          </a:prstGeom>
+          <a:ln w="25400">
+            <a:solidFill>
+              <a:schemeClr val="tx1"/>
+            </a:solidFill>
+          </a:ln>
+        </p:spPr>
+        <p:style>
+          <a:lnRef idx="1">
+            <a:schemeClr val="accent1"/>
+          </a:lnRef>
+          <a:fillRef idx="0">
+            <a:schemeClr val="accent1"/>
+          </a:fillRef>
+          <a:effectRef idx="0">
+            <a:schemeClr val="accent1"/>
+          </a:effectRef>
+          <a:fontRef idx="minor">
+            <a:schemeClr val="tx1"/>
+          </a:fontRef>
+        </p:style>
+      </p:cxnSp>
+      <p:cxnSp>
+        <p:nvCxnSpPr>
+          <p:cNvPr id="44" name="Conector reto 43"/>
+          <p:cNvCxnSpPr>
+            <a:stCxn id="1026" idx="3"/>
+          </p:cNvCxnSpPr>
+          <p:nvPr/>
+        </p:nvCxnSpPr>
+        <p:spPr>
+          <a:xfrm flipV="1">
+            <a:off x="7819876" y="2543242"/>
+            <a:ext cx="1108" cy="1277927"/>
+          </a:xfrm>
+          <a:prstGeom prst="line">
+            <a:avLst/>
+          </a:prstGeom>
+          <a:ln w="25400">
+            <a:solidFill>
+              <a:schemeClr val="tx1"/>
+            </a:solidFill>
+          </a:ln>
+        </p:spPr>
+        <p:style>
+          <a:lnRef idx="1">
+            <a:schemeClr val="accent1"/>
+          </a:lnRef>
+          <a:fillRef idx="0">
+            <a:schemeClr val="accent1"/>
+          </a:fillRef>
+          <a:effectRef idx="0">
+            <a:schemeClr val="accent1"/>
+          </a:effectRef>
+          <a:fontRef idx="minor">
+            <a:schemeClr val="tx1"/>
+          </a:fontRef>
+        </p:style>
+      </p:cxnSp>
+      <p:cxnSp>
+        <p:nvCxnSpPr>
+          <p:cNvPr id="45" name="Conector reto 44"/>
+          <p:cNvCxnSpPr/>
+          <p:nvPr/>
+        </p:nvCxnSpPr>
+        <p:spPr>
+          <a:xfrm flipV="1">
+            <a:off x="5914567" y="1380068"/>
+            <a:ext cx="0" cy="1163174"/>
+          </a:xfrm>
+          <a:prstGeom prst="line">
+            <a:avLst/>
+          </a:prstGeom>
+          <a:ln w="25400">
+            <a:solidFill>
+              <a:schemeClr val="tx1"/>
+            </a:solidFill>
+          </a:ln>
+        </p:spPr>
+        <p:style>
+          <a:lnRef idx="1">
+            <a:schemeClr val="accent1"/>
+          </a:lnRef>
+          <a:fillRef idx="0">
+            <a:schemeClr val="accent1"/>
+          </a:fillRef>
+          <a:effectRef idx="0">
+            <a:schemeClr val="accent1"/>
+          </a:effectRef>
+          <a:fontRef idx="minor">
+            <a:schemeClr val="tx1"/>
+          </a:fontRef>
+        </p:style>
+      </p:cxnSp>
+      <p:cxnSp>
+        <p:nvCxnSpPr>
+          <p:cNvPr id="46" name="Conector reto 45"/>
+          <p:cNvCxnSpPr/>
+          <p:nvPr/>
+        </p:nvCxnSpPr>
+        <p:spPr>
+          <a:xfrm flipH="1">
+            <a:off x="5914567" y="2536892"/>
+            <a:ext cx="1905310" cy="0"/>
+          </a:xfrm>
+          <a:prstGeom prst="line">
+            <a:avLst/>
+          </a:prstGeom>
+          <a:ln w="25400">
+            <a:solidFill>
+              <a:schemeClr val="tx1"/>
+            </a:solidFill>
+          </a:ln>
+        </p:spPr>
+        <p:style>
+          <a:lnRef idx="1">
+            <a:schemeClr val="accent1"/>
+          </a:lnRef>
+          <a:fillRef idx="0">
+            <a:schemeClr val="accent1"/>
+          </a:fillRef>
+          <a:effectRef idx="0">
+            <a:schemeClr val="accent1"/>
+          </a:effectRef>
+          <a:fontRef idx="minor">
+            <a:schemeClr val="tx1"/>
+          </a:fontRef>
+        </p:style>
+      </p:cxnSp>
+      <p:cxnSp>
+        <p:nvCxnSpPr>
+          <p:cNvPr id="49" name="Conector reto 48"/>
+          <p:cNvCxnSpPr/>
+          <p:nvPr/>
+        </p:nvCxnSpPr>
+        <p:spPr>
+          <a:xfrm flipH="1" flipV="1">
+            <a:off x="7629153" y="3811642"/>
+            <a:ext cx="181197" cy="1"/>
+          </a:xfrm>
+          <a:prstGeom prst="line">
+            <a:avLst/>
+          </a:prstGeom>
+          <a:ln w="25400">
+            <a:solidFill>
+              <a:schemeClr val="tx1"/>
+            </a:solidFill>
+          </a:ln>
+        </p:spPr>
+        <p:style>
+          <a:lnRef idx="1">
+            <a:schemeClr val="accent1"/>
+          </a:lnRef>
+          <a:fillRef idx="0">
+            <a:schemeClr val="accent1"/>
+          </a:fillRef>
+          <a:effectRef idx="0">
+            <a:schemeClr val="accent1"/>
+          </a:effectRef>
+          <a:fontRef idx="minor">
+            <a:schemeClr val="tx1"/>
+          </a:fontRef>
+        </p:style>
+      </p:cxnSp>
+      <p:cxnSp>
+        <p:nvCxnSpPr>
+          <p:cNvPr id="53" name="Conector reto 52"/>
+          <p:cNvCxnSpPr/>
+          <p:nvPr/>
+        </p:nvCxnSpPr>
+        <p:spPr>
+          <a:xfrm flipV="1">
+            <a:off x="8012813" y="2396558"/>
+            <a:ext cx="0" cy="1611302"/>
+          </a:xfrm>
+          <a:prstGeom prst="line">
+            <a:avLst/>
+          </a:prstGeom>
+          <a:ln w="25400">
+            <a:solidFill>
+              <a:schemeClr val="tx1"/>
+            </a:solidFill>
+          </a:ln>
+        </p:spPr>
+        <p:style>
+          <a:lnRef idx="1">
+            <a:schemeClr val="accent1"/>
+          </a:lnRef>
+          <a:fillRef idx="0">
+            <a:schemeClr val="accent1"/>
+          </a:fillRef>
+          <a:effectRef idx="0">
+            <a:schemeClr val="accent1"/>
+          </a:effectRef>
+          <a:fontRef idx="minor">
+            <a:schemeClr val="tx1"/>
+          </a:fontRef>
+        </p:style>
+      </p:cxnSp>
+      <p:cxnSp>
+        <p:nvCxnSpPr>
+          <p:cNvPr id="54" name="Conector reto 53"/>
+          <p:cNvCxnSpPr/>
+          <p:nvPr/>
+        </p:nvCxnSpPr>
+        <p:spPr>
+          <a:xfrm flipV="1">
+            <a:off x="6312292" y="1819172"/>
+            <a:ext cx="0" cy="577386"/>
+          </a:xfrm>
+          <a:prstGeom prst="line">
+            <a:avLst/>
+          </a:prstGeom>
+          <a:ln w="25400">
+            <a:solidFill>
+              <a:schemeClr val="tx1"/>
+            </a:solidFill>
+          </a:ln>
+        </p:spPr>
+        <p:style>
+          <a:lnRef idx="1">
+            <a:schemeClr val="accent1"/>
+          </a:lnRef>
+          <a:fillRef idx="0">
+            <a:schemeClr val="accent1"/>
+          </a:fillRef>
+          <a:effectRef idx="0">
+            <a:schemeClr val="accent1"/>
+          </a:effectRef>
+          <a:fontRef idx="minor">
+            <a:schemeClr val="tx1"/>
+          </a:fontRef>
+        </p:style>
+      </p:cxnSp>
+      <p:cxnSp>
+        <p:nvCxnSpPr>
+          <p:cNvPr id="55" name="Conector reto 54"/>
+          <p:cNvCxnSpPr/>
+          <p:nvPr/>
+        </p:nvCxnSpPr>
+        <p:spPr>
+          <a:xfrm flipH="1">
+            <a:off x="6317764" y="2390208"/>
+            <a:ext cx="1695049" cy="0"/>
+          </a:xfrm>
+          <a:prstGeom prst="line">
+            <a:avLst/>
+          </a:prstGeom>
+          <a:ln w="25400">
+            <a:solidFill>
+              <a:schemeClr val="tx1"/>
+            </a:solidFill>
+          </a:ln>
+        </p:spPr>
+        <p:style>
+          <a:lnRef idx="1">
+            <a:schemeClr val="accent1"/>
+          </a:lnRef>
+          <a:fillRef idx="0">
+            <a:schemeClr val="accent1"/>
+          </a:fillRef>
+          <a:effectRef idx="0">
+            <a:schemeClr val="accent1"/>
+          </a:effectRef>
+          <a:fontRef idx="minor">
+            <a:schemeClr val="tx1"/>
+          </a:fontRef>
+        </p:style>
+      </p:cxnSp>
+      <p:cxnSp>
+        <p:nvCxnSpPr>
+          <p:cNvPr id="56" name="Conector reto 55"/>
+          <p:cNvCxnSpPr/>
+          <p:nvPr/>
+        </p:nvCxnSpPr>
+        <p:spPr>
+          <a:xfrm flipH="1">
+            <a:off x="7629155" y="4007860"/>
+            <a:ext cx="383658" cy="0"/>
+          </a:xfrm>
+          <a:prstGeom prst="line">
+            <a:avLst/>
+          </a:prstGeom>
+          <a:ln w="25400">
+            <a:solidFill>
+              <a:schemeClr val="tx1"/>
+            </a:solidFill>
+          </a:ln>
+        </p:spPr>
+        <p:style>
+          <a:lnRef idx="1">
+            <a:schemeClr val="accent1"/>
+          </a:lnRef>
+          <a:fillRef idx="0">
+            <a:schemeClr val="accent1"/>
+          </a:fillRef>
+          <a:effectRef idx="0">
+            <a:schemeClr val="accent1"/>
+          </a:effectRef>
+          <a:fontRef idx="minor">
+            <a:schemeClr val="tx1"/>
+          </a:fontRef>
+        </p:style>
+      </p:cxnSp>
+      <mc:AlternateContent xmlns:mc="http://schemas.openxmlformats.org/markup-compatibility/2006">
+        <mc:Choice xmlns:a14="http://schemas.microsoft.com/office/drawing/2010/main" Requires="a14">
+          <p:sp>
+            <p:nvSpPr>
+              <p:cNvPr id="65" name="CaixaDeTexto 64"/>
+              <p:cNvSpPr txBox="1"/>
+              <p:nvPr/>
+            </p:nvSpPr>
+            <p:spPr>
+              <a:xfrm>
+                <a:off x="2407168" y="3005359"/>
+                <a:ext cx="566244" cy="369332"/>
+              </a:xfrm>
+              <a:prstGeom prst="rect">
+                <a:avLst/>
+              </a:prstGeom>
+              <a:noFill/>
+            </p:spPr>
+            <p:txBody>
+              <a:bodyPr wrap="none" rtlCol="0">
+                <a:spAutoFit/>
+              </a:bodyPr>
+              <a:lstStyle/>
+              <a:p>
+                <a:pPr/>
+                <a14:m>
+                  <m:oMathPara xmlns:m="http://schemas.openxmlformats.org/officeDocument/2006/math">
+                    <m:oMathParaPr>
+                      <m:jc m:val="centerGroup"/>
+                    </m:oMathParaPr>
+                    <m:oMath xmlns:m="http://schemas.openxmlformats.org/officeDocument/2006/math">
+                      <m:sSub>
+                        <m:sSubPr>
+                          <m:ctrlPr>
+                            <a:rPr lang="pt-BR" b="0" i="1" smtClean="0">
+                              <a:latin typeface="Cambria Math"/>
+                            </a:rPr>
+                          </m:ctrlPr>
+                        </m:sSubPr>
+                        <m:e>
+                          <m:r>
+                            <a:rPr lang="pt-BR" b="0" i="1" smtClean="0">
+                              <a:latin typeface="Cambria Math"/>
+                            </a:rPr>
+                            <m:t>𝑣</m:t>
+                          </m:r>
+                        </m:e>
+                        <m:sub>
+                          <m:r>
+                            <a:rPr lang="pt-BR" b="0" i="1" smtClean="0">
+                              <a:latin typeface="Cambria Math"/>
+                            </a:rPr>
+                            <m:t>𝑆𝑎</m:t>
+                          </m:r>
+                        </m:sub>
+                      </m:sSub>
+                    </m:oMath>
+                  </m:oMathPara>
+                </a14:m>
+                <a:endParaRPr lang="pt-BR" dirty="0"/>
+              </a:p>
+            </p:txBody>
+          </p:sp>
+        </mc:Choice>
+        <mc:Fallback>
+          <p:sp>
+            <p:nvSpPr>
+              <p:cNvPr id="65" name="CaixaDeTexto 64"/>
+              <p:cNvSpPr txBox="1">
+                <a:spLocks noRot="1" noChangeAspect="1" noMove="1" noResize="1" noEditPoints="1" noAdjustHandles="1" noChangeArrowheads="1" noChangeShapeType="1" noTextEdit="1"/>
+              </p:cNvSpPr>
+              <p:nvPr/>
+            </p:nvSpPr>
+            <p:spPr>
+              <a:xfrm>
+                <a:off x="2407168" y="3005359"/>
+                <a:ext cx="566244" cy="369332"/>
+              </a:xfrm>
+              <a:prstGeom prst="rect">
+                <a:avLst/>
+              </a:prstGeom>
+              <a:blipFill rotWithShape="1">
+                <a:blip r:embed="rId14"/>
+                <a:stretch>
+                  <a:fillRect/>
+                </a:stretch>
+              </a:blipFill>
+            </p:spPr>
+            <p:txBody>
+              <a:bodyPr/>
+              <a:lstStyle/>
+              <a:p>
+                <a:r>
+                  <a:rPr lang="pt-BR">
+                    <a:noFill/>
+                  </a:rPr>
+                  <a:t> </a:t>
+                </a:r>
+              </a:p>
+            </p:txBody>
+          </p:sp>
+        </mc:Fallback>
+      </mc:AlternateContent>
+      <mc:AlternateContent xmlns:mc="http://schemas.openxmlformats.org/markup-compatibility/2006">
+        <mc:Choice xmlns:a14="http://schemas.microsoft.com/office/drawing/2010/main" Requires="a14">
+          <p:sp>
+            <p:nvSpPr>
+              <p:cNvPr id="66" name="CaixaDeTexto 65"/>
+              <p:cNvSpPr txBox="1"/>
+              <p:nvPr/>
+            </p:nvSpPr>
+            <p:spPr>
+              <a:xfrm>
+                <a:off x="2407168" y="3467078"/>
+                <a:ext cx="561820" cy="369332"/>
+              </a:xfrm>
+              <a:prstGeom prst="rect">
+                <a:avLst/>
+              </a:prstGeom>
+              <a:noFill/>
+            </p:spPr>
+            <p:txBody>
+              <a:bodyPr wrap="none" rtlCol="0">
+                <a:spAutoFit/>
+              </a:bodyPr>
+              <a:lstStyle/>
+              <a:p>
+                <a:pPr/>
+                <a14:m>
+                  <m:oMathPara xmlns:m="http://schemas.openxmlformats.org/officeDocument/2006/math">
+                    <m:oMathParaPr>
+                      <m:jc m:val="centerGroup"/>
+                    </m:oMathParaPr>
+                    <m:oMath xmlns:m="http://schemas.openxmlformats.org/officeDocument/2006/math">
+                      <m:sSub>
+                        <m:sSubPr>
+                          <m:ctrlPr>
+                            <a:rPr lang="pt-BR" b="0" i="1" smtClean="0">
+                              <a:latin typeface="Cambria Math"/>
+                            </a:rPr>
+                          </m:ctrlPr>
+                        </m:sSubPr>
+                        <m:e>
+                          <m:r>
+                            <a:rPr lang="pt-BR" b="0" i="1" smtClean="0">
+                              <a:latin typeface="Cambria Math"/>
+                            </a:rPr>
+                            <m:t>𝑣</m:t>
+                          </m:r>
+                        </m:e>
+                        <m:sub>
+                          <m:r>
+                            <a:rPr lang="pt-BR" b="0" i="1" smtClean="0">
+                              <a:latin typeface="Cambria Math"/>
+                            </a:rPr>
+                            <m:t>𝑆𝑏</m:t>
+                          </m:r>
+                        </m:sub>
+                      </m:sSub>
+                    </m:oMath>
+                  </m:oMathPara>
+                </a14:m>
+                <a:endParaRPr lang="pt-BR" dirty="0"/>
+              </a:p>
+            </p:txBody>
+          </p:sp>
+        </mc:Choice>
+        <mc:Fallback>
+          <p:sp>
+            <p:nvSpPr>
+              <p:cNvPr id="66" name="CaixaDeTexto 65"/>
+              <p:cNvSpPr txBox="1">
+                <a:spLocks noRot="1" noChangeAspect="1" noMove="1" noResize="1" noEditPoints="1" noAdjustHandles="1" noChangeArrowheads="1" noChangeShapeType="1" noTextEdit="1"/>
+              </p:cNvSpPr>
+              <p:nvPr/>
+            </p:nvSpPr>
+            <p:spPr>
+              <a:xfrm>
+                <a:off x="2407168" y="3467078"/>
+                <a:ext cx="561820" cy="369332"/>
+              </a:xfrm>
+              <a:prstGeom prst="rect">
+                <a:avLst/>
+              </a:prstGeom>
+              <a:blipFill rotWithShape="1">
+                <a:blip r:embed="rId15"/>
+                <a:stretch>
+                  <a:fillRect/>
+                </a:stretch>
+              </a:blipFill>
+            </p:spPr>
+            <p:txBody>
+              <a:bodyPr/>
+              <a:lstStyle/>
+              <a:p>
+                <a:r>
+                  <a:rPr lang="pt-BR">
+                    <a:noFill/>
+                  </a:rPr>
+                  <a:t> </a:t>
+                </a:r>
+              </a:p>
+            </p:txBody>
+          </p:sp>
+        </mc:Fallback>
+      </mc:AlternateContent>
+      <mc:AlternateContent xmlns:mc="http://schemas.openxmlformats.org/markup-compatibility/2006">
+        <mc:Choice xmlns:a14="http://schemas.microsoft.com/office/drawing/2010/main" Requires="a14">
+          <p:sp>
+            <p:nvSpPr>
+              <p:cNvPr id="67" name="CaixaDeTexto 66"/>
+              <p:cNvSpPr txBox="1"/>
+              <p:nvPr/>
+            </p:nvSpPr>
+            <p:spPr>
+              <a:xfrm>
+                <a:off x="2407168" y="3913911"/>
+                <a:ext cx="546625" cy="369332"/>
+              </a:xfrm>
+              <a:prstGeom prst="rect">
+                <a:avLst/>
+              </a:prstGeom>
+              <a:noFill/>
+            </p:spPr>
+            <p:txBody>
+              <a:bodyPr wrap="none" rtlCol="0">
+                <a:spAutoFit/>
+              </a:bodyPr>
+              <a:lstStyle/>
+              <a:p>
+                <a:pPr/>
+                <a14:m>
+                  <m:oMathPara xmlns:m="http://schemas.openxmlformats.org/officeDocument/2006/math">
+                    <m:oMathParaPr>
+                      <m:jc m:val="centerGroup"/>
+                    </m:oMathParaPr>
+                    <m:oMath xmlns:m="http://schemas.openxmlformats.org/officeDocument/2006/math">
+                      <m:sSub>
+                        <m:sSubPr>
+                          <m:ctrlPr>
+                            <a:rPr lang="pt-BR" b="0" i="1" smtClean="0">
+                              <a:latin typeface="Cambria Math"/>
+                            </a:rPr>
+                          </m:ctrlPr>
+                        </m:sSubPr>
+                        <m:e>
+                          <m:r>
+                            <a:rPr lang="pt-BR" b="0" i="1" smtClean="0">
+                              <a:latin typeface="Cambria Math"/>
+                            </a:rPr>
+                            <m:t>𝑣</m:t>
+                          </m:r>
+                        </m:e>
+                        <m:sub>
+                          <m:r>
+                            <a:rPr lang="pt-BR" b="0" i="1" smtClean="0">
+                              <a:latin typeface="Cambria Math"/>
+                            </a:rPr>
+                            <m:t>𝑆𝑐</m:t>
+                          </m:r>
+                        </m:sub>
+                      </m:sSub>
+                    </m:oMath>
+                  </m:oMathPara>
+                </a14:m>
+                <a:endParaRPr lang="pt-BR" dirty="0"/>
+              </a:p>
+            </p:txBody>
+          </p:sp>
+        </mc:Choice>
+        <mc:Fallback>
+          <p:sp>
+            <p:nvSpPr>
+              <p:cNvPr id="67" name="CaixaDeTexto 66"/>
+              <p:cNvSpPr txBox="1">
+                <a:spLocks noRot="1" noChangeAspect="1" noMove="1" noResize="1" noEditPoints="1" noAdjustHandles="1" noChangeArrowheads="1" noChangeShapeType="1" noTextEdit="1"/>
+              </p:cNvSpPr>
+              <p:nvPr/>
+            </p:nvSpPr>
+            <p:spPr>
+              <a:xfrm>
+                <a:off x="2407168" y="3913911"/>
+                <a:ext cx="546625" cy="369332"/>
+              </a:xfrm>
+              <a:prstGeom prst="rect">
+                <a:avLst/>
+              </a:prstGeom>
+              <a:blipFill rotWithShape="1">
+                <a:blip r:embed="rId16"/>
+                <a:stretch>
+                  <a:fillRect/>
+                </a:stretch>
+              </a:blipFill>
+            </p:spPr>
+            <p:txBody>
+              <a:bodyPr/>
+              <a:lstStyle/>
+              <a:p>
+                <a:r>
+                  <a:rPr lang="pt-BR">
+                    <a:noFill/>
+                  </a:rPr>
+                  <a:t> </a:t>
+                </a:r>
+              </a:p>
+            </p:txBody>
+          </p:sp>
+        </mc:Fallback>
+      </mc:AlternateContent>
+      <p:cxnSp>
+        <p:nvCxnSpPr>
+          <p:cNvPr id="68" name="Conector de seta reta 67"/>
+          <p:cNvCxnSpPr/>
+          <p:nvPr/>
+        </p:nvCxnSpPr>
+        <p:spPr>
+          <a:xfrm>
+            <a:off x="2837786" y="4270027"/>
+            <a:ext cx="378000" cy="0"/>
+          </a:xfrm>
+          <a:prstGeom prst="straightConnector1">
+            <a:avLst/>
+          </a:prstGeom>
+          <a:ln w="38100">
+            <a:solidFill>
+              <a:schemeClr val="tx1"/>
+            </a:solidFill>
+            <a:tailEnd type="arrow"/>
+          </a:ln>
+        </p:spPr>
+        <p:style>
+          <a:lnRef idx="1">
+            <a:schemeClr val="accent1"/>
+          </a:lnRef>
+          <a:fillRef idx="0">
+            <a:schemeClr val="accent1"/>
+          </a:fillRef>
+          <a:effectRef idx="0">
+            <a:schemeClr val="accent1"/>
+          </a:effectRef>
+          <a:fontRef idx="minor">
+            <a:schemeClr val="tx1"/>
+          </a:fontRef>
+        </p:style>
+      </p:cxnSp>
+      <p:cxnSp>
+        <p:nvCxnSpPr>
+          <p:cNvPr id="69" name="Conector de seta reta 68"/>
+          <p:cNvCxnSpPr/>
+          <p:nvPr/>
+        </p:nvCxnSpPr>
+        <p:spPr>
+          <a:xfrm>
+            <a:off x="2837786" y="3820260"/>
+            <a:ext cx="378000" cy="0"/>
+          </a:xfrm>
+          <a:prstGeom prst="straightConnector1">
+            <a:avLst/>
+          </a:prstGeom>
+          <a:ln w="38100">
+            <a:solidFill>
+              <a:schemeClr val="tx1"/>
+            </a:solidFill>
+            <a:tailEnd type="arrow"/>
+          </a:ln>
+        </p:spPr>
+        <p:style>
+          <a:lnRef idx="1">
+            <a:schemeClr val="accent1"/>
+          </a:lnRef>
+          <a:fillRef idx="0">
+            <a:schemeClr val="accent1"/>
+          </a:fillRef>
+          <a:effectRef idx="0">
+            <a:schemeClr val="accent1"/>
+          </a:effectRef>
+          <a:fontRef idx="minor">
+            <a:schemeClr val="tx1"/>
+          </a:fontRef>
+        </p:style>
+      </p:cxnSp>
+      <p:cxnSp>
+        <p:nvCxnSpPr>
+          <p:cNvPr id="70" name="Conector de seta reta 69"/>
+          <p:cNvCxnSpPr/>
+          <p:nvPr/>
+        </p:nvCxnSpPr>
+        <p:spPr>
+          <a:xfrm>
+            <a:off x="2837786" y="3359343"/>
+            <a:ext cx="378000" cy="0"/>
+          </a:xfrm>
+          <a:prstGeom prst="straightConnector1">
+            <a:avLst/>
+          </a:prstGeom>
+          <a:ln w="38100">
+            <a:solidFill>
+              <a:schemeClr val="tx1"/>
+            </a:solidFill>
+            <a:tailEnd type="arrow"/>
+          </a:ln>
+        </p:spPr>
+        <p:style>
+          <a:lnRef idx="1">
+            <a:schemeClr val="accent1"/>
+          </a:lnRef>
+          <a:fillRef idx="0">
+            <a:schemeClr val="accent1"/>
+          </a:fillRef>
+          <a:effectRef idx="0">
+            <a:schemeClr val="accent1"/>
+          </a:effectRef>
+          <a:fontRef idx="minor">
+            <a:schemeClr val="tx1"/>
+          </a:fontRef>
+        </p:style>
+      </p:cxnSp>
+      <p:cxnSp>
+        <p:nvCxnSpPr>
+          <p:cNvPr id="71" name="Conector de seta reta 70"/>
+          <p:cNvCxnSpPr/>
+          <p:nvPr/>
+        </p:nvCxnSpPr>
+        <p:spPr>
+          <a:xfrm>
+            <a:off x="3751259" y="2831536"/>
+            <a:ext cx="0" cy="327373"/>
+          </a:xfrm>
+          <a:prstGeom prst="straightConnector1">
+            <a:avLst/>
+          </a:prstGeom>
+          <a:ln w="38100">
+            <a:solidFill>
+              <a:schemeClr val="tx1"/>
+            </a:solidFill>
+            <a:tailEnd type="arrow"/>
+          </a:ln>
+        </p:spPr>
+        <p:style>
+          <a:lnRef idx="1">
+            <a:schemeClr val="accent1"/>
+          </a:lnRef>
+          <a:fillRef idx="0">
+            <a:schemeClr val="accent1"/>
+          </a:fillRef>
+          <a:effectRef idx="0">
+            <a:schemeClr val="accent1"/>
+          </a:effectRef>
+          <a:fontRef idx="minor">
+            <a:schemeClr val="tx1"/>
+          </a:fontRef>
+        </p:style>
+      </p:cxnSp>
+      <p:cxnSp>
+        <p:nvCxnSpPr>
+          <p:cNvPr id="73" name="Conector de seta reta 72"/>
+          <p:cNvCxnSpPr/>
+          <p:nvPr/>
+        </p:nvCxnSpPr>
+        <p:spPr>
+          <a:xfrm>
+            <a:off x="4104542" y="2831537"/>
+            <a:ext cx="0" cy="327373"/>
+          </a:xfrm>
+          <a:prstGeom prst="straightConnector1">
+            <a:avLst/>
+          </a:prstGeom>
+          <a:ln w="38100">
+            <a:solidFill>
+              <a:schemeClr val="tx1"/>
+            </a:solidFill>
+            <a:tailEnd type="arrow"/>
+          </a:ln>
+        </p:spPr>
+        <p:style>
+          <a:lnRef idx="1">
+            <a:schemeClr val="accent1"/>
+          </a:lnRef>
+          <a:fillRef idx="0">
+            <a:schemeClr val="accent1"/>
+          </a:fillRef>
+          <a:effectRef idx="0">
+            <a:schemeClr val="accent1"/>
+          </a:effectRef>
+          <a:fontRef idx="minor">
+            <a:schemeClr val="tx1"/>
+          </a:fontRef>
+        </p:style>
+      </p:cxnSp>
+      <p:cxnSp>
+        <p:nvCxnSpPr>
+          <p:cNvPr id="74" name="Conector de seta reta 73"/>
+          <p:cNvCxnSpPr/>
+          <p:nvPr/>
+        </p:nvCxnSpPr>
+        <p:spPr>
+          <a:xfrm>
+            <a:off x="3398536" y="2823706"/>
+            <a:ext cx="0" cy="327373"/>
+          </a:xfrm>
+          <a:prstGeom prst="straightConnector1">
+            <a:avLst/>
+          </a:prstGeom>
+          <a:ln w="38100">
+            <a:solidFill>
+              <a:schemeClr val="tx1"/>
+            </a:solidFill>
+            <a:tailEnd type="arrow"/>
+          </a:ln>
+        </p:spPr>
+        <p:style>
+          <a:lnRef idx="1">
+            <a:schemeClr val="accent1"/>
+          </a:lnRef>
+          <a:fillRef idx="0">
+            <a:schemeClr val="accent1"/>
+          </a:fillRef>
+          <a:effectRef idx="0">
+            <a:schemeClr val="accent1"/>
+          </a:effectRef>
+          <a:fontRef idx="minor">
+            <a:schemeClr val="tx1"/>
+          </a:fontRef>
+        </p:style>
+      </p:cxnSp>
+      <mc:AlternateContent xmlns:mc="http://schemas.openxmlformats.org/markup-compatibility/2006">
+        <mc:Choice xmlns:a14="http://schemas.microsoft.com/office/drawing/2010/main" Requires="a14">
+          <p:sp>
+            <p:nvSpPr>
+              <p:cNvPr id="75" name="CaixaDeTexto 74"/>
+              <p:cNvSpPr txBox="1"/>
+              <p:nvPr/>
+            </p:nvSpPr>
+            <p:spPr>
+              <a:xfrm>
+                <a:off x="3094377" y="2462205"/>
+                <a:ext cx="522131" cy="369332"/>
+              </a:xfrm>
+              <a:prstGeom prst="rect">
+                <a:avLst/>
+              </a:prstGeom>
+              <a:noFill/>
+            </p:spPr>
+            <p:txBody>
+              <a:bodyPr wrap="none" rtlCol="0">
+                <a:spAutoFit/>
+              </a:bodyPr>
+              <a:lstStyle/>
+              <a:p>
+                <a:pPr/>
+                <a14:m>
+                  <m:oMathPara xmlns:m="http://schemas.openxmlformats.org/officeDocument/2006/math">
+                    <m:oMathParaPr>
+                      <m:jc m:val="centerGroup"/>
+                    </m:oMathParaPr>
+                    <m:oMath xmlns:m="http://schemas.openxmlformats.org/officeDocument/2006/math">
+                      <m:sSub>
+                        <m:sSubPr>
+                          <m:ctrlPr>
+                            <a:rPr lang="pt-BR" b="0" i="1" smtClean="0">
+                              <a:latin typeface="Cambria Math"/>
+                            </a:rPr>
+                          </m:ctrlPr>
+                        </m:sSubPr>
+                        <m:e>
+                          <m:r>
+                            <a:rPr lang="pt-BR" b="0" i="1" smtClean="0">
+                              <a:latin typeface="Cambria Math"/>
+                            </a:rPr>
+                            <m:t>𝑖</m:t>
+                          </m:r>
+                        </m:e>
+                        <m:sub>
+                          <m:r>
+                            <a:rPr lang="pt-BR" b="0" i="1" smtClean="0">
+                              <a:latin typeface="Cambria Math"/>
+                            </a:rPr>
+                            <m:t>𝐿𝑎</m:t>
+                          </m:r>
+                        </m:sub>
+                      </m:sSub>
+                    </m:oMath>
+                  </m:oMathPara>
+                </a14:m>
+                <a:endParaRPr lang="pt-BR" dirty="0"/>
+              </a:p>
+            </p:txBody>
+          </p:sp>
+        </mc:Choice>
+        <mc:Fallback>
+          <p:sp>
+            <p:nvSpPr>
+              <p:cNvPr id="75" name="CaixaDeTexto 74"/>
+              <p:cNvSpPr txBox="1">
+                <a:spLocks noRot="1" noChangeAspect="1" noMove="1" noResize="1" noEditPoints="1" noAdjustHandles="1" noChangeArrowheads="1" noChangeShapeType="1" noTextEdit="1"/>
+              </p:cNvSpPr>
+              <p:nvPr/>
+            </p:nvSpPr>
+            <p:spPr>
+              <a:xfrm>
+                <a:off x="3094377" y="2462205"/>
+                <a:ext cx="522131" cy="369332"/>
+              </a:xfrm>
+              <a:prstGeom prst="rect">
+                <a:avLst/>
+              </a:prstGeom>
+              <a:blipFill rotWithShape="1">
+                <a:blip r:embed="rId17"/>
+                <a:stretch>
+                  <a:fillRect/>
+                </a:stretch>
+              </a:blipFill>
+            </p:spPr>
+            <p:txBody>
+              <a:bodyPr/>
+              <a:lstStyle/>
+              <a:p>
+                <a:r>
+                  <a:rPr lang="pt-BR">
+                    <a:noFill/>
+                  </a:rPr>
+                  <a:t> </a:t>
+                </a:r>
+              </a:p>
+            </p:txBody>
+          </p:sp>
+        </mc:Fallback>
+      </mc:AlternateContent>
+      <mc:AlternateContent xmlns:mc="http://schemas.openxmlformats.org/markup-compatibility/2006">
+        <mc:Choice xmlns:a14="http://schemas.microsoft.com/office/drawing/2010/main" Requires="a14">
+          <p:sp>
+            <p:nvSpPr>
+              <p:cNvPr id="76" name="CaixaDeTexto 75"/>
+              <p:cNvSpPr txBox="1"/>
+              <p:nvPr/>
+            </p:nvSpPr>
+            <p:spPr>
+              <a:xfrm>
+                <a:off x="3477730" y="2462205"/>
+                <a:ext cx="517706" cy="369332"/>
+              </a:xfrm>
+              <a:prstGeom prst="rect">
+                <a:avLst/>
+              </a:prstGeom>
+              <a:noFill/>
+            </p:spPr>
+            <p:txBody>
+              <a:bodyPr wrap="none" rtlCol="0">
+                <a:spAutoFit/>
+              </a:bodyPr>
+              <a:lstStyle/>
+              <a:p>
+                <a:pPr/>
+                <a14:m>
+                  <m:oMathPara xmlns:m="http://schemas.openxmlformats.org/officeDocument/2006/math">
+                    <m:oMathParaPr>
+                      <m:jc m:val="centerGroup"/>
+                    </m:oMathParaPr>
+                    <m:oMath xmlns:m="http://schemas.openxmlformats.org/officeDocument/2006/math">
+                      <m:sSub>
+                        <m:sSubPr>
+                          <m:ctrlPr>
+                            <a:rPr lang="pt-BR" b="0" i="1" smtClean="0">
+                              <a:latin typeface="Cambria Math"/>
+                            </a:rPr>
+                          </m:ctrlPr>
+                        </m:sSubPr>
+                        <m:e>
+                          <m:r>
+                            <a:rPr lang="pt-BR" b="0" i="1" smtClean="0">
+                              <a:latin typeface="Cambria Math"/>
+                            </a:rPr>
+                            <m:t>𝑖</m:t>
+                          </m:r>
+                        </m:e>
+                        <m:sub>
+                          <m:r>
+                            <a:rPr lang="pt-BR" b="0" i="1" smtClean="0">
+                              <a:latin typeface="Cambria Math"/>
+                            </a:rPr>
+                            <m:t>𝐿𝑏</m:t>
+                          </m:r>
+                        </m:sub>
+                      </m:sSub>
+                    </m:oMath>
+                  </m:oMathPara>
+                </a14:m>
+                <a:endParaRPr lang="pt-BR" dirty="0"/>
+              </a:p>
+            </p:txBody>
+          </p:sp>
+        </mc:Choice>
+        <mc:Fallback>
+          <p:sp>
+            <p:nvSpPr>
+              <p:cNvPr id="76" name="CaixaDeTexto 75"/>
+              <p:cNvSpPr txBox="1">
+                <a:spLocks noRot="1" noChangeAspect="1" noMove="1" noResize="1" noEditPoints="1" noAdjustHandles="1" noChangeArrowheads="1" noChangeShapeType="1" noTextEdit="1"/>
+              </p:cNvSpPr>
+              <p:nvPr/>
+            </p:nvSpPr>
+            <p:spPr>
+              <a:xfrm>
+                <a:off x="3477730" y="2462205"/>
+                <a:ext cx="517706" cy="369332"/>
+              </a:xfrm>
+              <a:prstGeom prst="rect">
+                <a:avLst/>
+              </a:prstGeom>
+              <a:blipFill rotWithShape="1">
+                <a:blip r:embed="rId18"/>
+                <a:stretch>
+                  <a:fillRect/>
+                </a:stretch>
+              </a:blipFill>
+            </p:spPr>
+            <p:txBody>
+              <a:bodyPr/>
+              <a:lstStyle/>
+              <a:p>
+                <a:r>
+                  <a:rPr lang="pt-BR">
+                    <a:noFill/>
+                  </a:rPr>
+                  <a:t> </a:t>
+                </a:r>
+              </a:p>
+            </p:txBody>
+          </p:sp>
+        </mc:Fallback>
+      </mc:AlternateContent>
+      <mc:AlternateContent xmlns:mc="http://schemas.openxmlformats.org/markup-compatibility/2006">
+        <mc:Choice xmlns:a14="http://schemas.microsoft.com/office/drawing/2010/main" Requires="a14">
+          <p:sp>
+            <p:nvSpPr>
+              <p:cNvPr id="77" name="CaixaDeTexto 76"/>
+              <p:cNvSpPr txBox="1"/>
+              <p:nvPr/>
+            </p:nvSpPr>
+            <p:spPr>
+              <a:xfrm>
+                <a:off x="3893836" y="2462205"/>
+                <a:ext cx="502510" cy="369332"/>
+              </a:xfrm>
+              <a:prstGeom prst="rect">
+                <a:avLst/>
+              </a:prstGeom>
+              <a:noFill/>
+            </p:spPr>
+            <p:txBody>
+              <a:bodyPr wrap="none" rtlCol="0">
+                <a:spAutoFit/>
+              </a:bodyPr>
+              <a:lstStyle/>
+              <a:p>
+                <a:pPr/>
+                <a14:m>
+                  <m:oMathPara xmlns:m="http://schemas.openxmlformats.org/officeDocument/2006/math">
+                    <m:oMathParaPr>
+                      <m:jc m:val="centerGroup"/>
+                    </m:oMathParaPr>
+                    <m:oMath xmlns:m="http://schemas.openxmlformats.org/officeDocument/2006/math">
+                      <m:sSub>
+                        <m:sSubPr>
+                          <m:ctrlPr>
+                            <a:rPr lang="pt-BR" b="0" i="1" smtClean="0">
+                              <a:latin typeface="Cambria Math"/>
+                            </a:rPr>
+                          </m:ctrlPr>
+                        </m:sSubPr>
+                        <m:e>
+                          <m:r>
+                            <a:rPr lang="pt-BR" b="0" i="1" smtClean="0">
+                              <a:latin typeface="Cambria Math"/>
+                            </a:rPr>
+                            <m:t>𝑖</m:t>
+                          </m:r>
+                        </m:e>
+                        <m:sub>
+                          <m:r>
+                            <a:rPr lang="pt-BR" b="0" i="1" smtClean="0">
+                              <a:latin typeface="Cambria Math"/>
+                            </a:rPr>
+                            <m:t>𝐿𝑐</m:t>
+                          </m:r>
+                        </m:sub>
+                      </m:sSub>
+                    </m:oMath>
+                  </m:oMathPara>
+                </a14:m>
+                <a:endParaRPr lang="pt-BR" dirty="0"/>
+              </a:p>
+            </p:txBody>
+          </p:sp>
+        </mc:Choice>
+        <mc:Fallback>
+          <p:sp>
+            <p:nvSpPr>
+              <p:cNvPr id="77" name="CaixaDeTexto 76"/>
+              <p:cNvSpPr txBox="1">
+                <a:spLocks noRot="1" noChangeAspect="1" noMove="1" noResize="1" noEditPoints="1" noAdjustHandles="1" noChangeArrowheads="1" noChangeShapeType="1" noTextEdit="1"/>
+              </p:cNvSpPr>
+              <p:nvPr/>
+            </p:nvSpPr>
+            <p:spPr>
+              <a:xfrm>
+                <a:off x="3893836" y="2462205"/>
+                <a:ext cx="502510" cy="369332"/>
+              </a:xfrm>
+              <a:prstGeom prst="rect">
+                <a:avLst/>
+              </a:prstGeom>
+              <a:blipFill rotWithShape="1">
+                <a:blip r:embed="rId19"/>
+                <a:stretch>
+                  <a:fillRect/>
+                </a:stretch>
+              </a:blipFill>
+            </p:spPr>
+            <p:txBody>
+              <a:bodyPr/>
+              <a:lstStyle/>
+              <a:p>
+                <a:r>
+                  <a:rPr lang="pt-BR">
+                    <a:noFill/>
+                  </a:rPr>
+                  <a:t> </a:t>
+                </a:r>
+              </a:p>
+            </p:txBody>
+          </p:sp>
+        </mc:Fallback>
+      </mc:AlternateContent>
+      <p:sp>
+        <p:nvSpPr>
+          <p:cNvPr id="72" name="Seta para a direita 71"/>
+          <p:cNvSpPr/>
+          <p:nvPr/>
+        </p:nvSpPr>
+        <p:spPr>
+          <a:xfrm>
+            <a:off x="4312920" y="3246733"/>
+            <a:ext cx="335932" cy="1152000"/>
+          </a:xfrm>
+          <a:prstGeom prst="rightArrow">
+            <a:avLst/>
+          </a:prstGeom>
+          <a:solidFill>
+            <a:schemeClr val="bg1"/>
+          </a:solidFill>
+          <a:ln>
+            <a:solidFill>
+              <a:schemeClr val="tx1"/>
+            </a:solidFill>
+          </a:ln>
+        </p:spPr>
+        <p:style>
+          <a:lnRef idx="2">
+            <a:schemeClr val="accent1">
+              <a:shade val="50000"/>
+            </a:schemeClr>
+          </a:lnRef>
+          <a:fillRef idx="1">
+            <a:schemeClr val="accent1"/>
+          </a:fillRef>
+          <a:effectRef idx="0">
+            <a:schemeClr val="accent1"/>
+          </a:effectRef>
+          <a:fontRef idx="minor">
+            <a:schemeClr val="lt1"/>
+          </a:fontRef>
+        </p:style>
+        <p:txBody>
+          <a:bodyPr rtlCol="0" anchor="ctr"/>
+          <a:lstStyle/>
+          <a:p>
+            <a:pPr algn="ctr"/>
+            <a:r>
+              <a:rPr lang="pt-BR" sz="1200" dirty="0" smtClean="0">
+                <a:solidFill>
+                  <a:sysClr val="windowText" lastClr="000000"/>
+                </a:solidFill>
+              </a:rPr>
+              <a:t>PWM</a:t>
+            </a:r>
+            <a:endParaRPr lang="pt-BR" sz="1200" dirty="0">
+              <a:solidFill>
+                <a:sysClr val="windowText" lastClr="000000"/>
+              </a:solidFill>
+            </a:endParaRPr>
+          </a:p>
+        </p:txBody>
+      </p:sp>
+      <p:cxnSp>
+        <p:nvCxnSpPr>
+          <p:cNvPr id="85" name="Conector de seta reta 84"/>
+          <p:cNvCxnSpPr/>
+          <p:nvPr/>
+        </p:nvCxnSpPr>
+        <p:spPr>
+          <a:xfrm flipV="1">
+            <a:off x="5535427" y="1933593"/>
+            <a:ext cx="0" cy="354363"/>
+          </a:xfrm>
+          <a:prstGeom prst="straightConnector1">
+            <a:avLst/>
+          </a:prstGeom>
+          <a:ln w="38100">
+            <a:solidFill>
+              <a:schemeClr val="tx1"/>
+            </a:solidFill>
+            <a:tailEnd type="arrow"/>
+          </a:ln>
+        </p:spPr>
+        <p:style>
+          <a:lnRef idx="1">
+            <a:schemeClr val="accent1"/>
+          </a:lnRef>
+          <a:fillRef idx="0">
+            <a:schemeClr val="accent1"/>
+          </a:fillRef>
+          <a:effectRef idx="0">
+            <a:schemeClr val="accent1"/>
+          </a:effectRef>
+          <a:fontRef idx="minor">
+            <a:schemeClr val="tx1"/>
+          </a:fontRef>
+        </p:style>
+      </p:cxnSp>
+      <p:cxnSp>
+        <p:nvCxnSpPr>
+          <p:cNvPr id="87" name="Conector de seta reta 86"/>
+          <p:cNvCxnSpPr/>
+          <p:nvPr/>
+        </p:nvCxnSpPr>
+        <p:spPr>
+          <a:xfrm flipV="1">
+            <a:off x="5914567" y="1941752"/>
+            <a:ext cx="0" cy="354363"/>
+          </a:xfrm>
+          <a:prstGeom prst="straightConnector1">
+            <a:avLst/>
+          </a:prstGeom>
+          <a:ln w="38100">
+            <a:solidFill>
+              <a:schemeClr val="tx1"/>
+            </a:solidFill>
+            <a:tailEnd type="arrow"/>
+          </a:ln>
+        </p:spPr>
+        <p:style>
+          <a:lnRef idx="1">
+            <a:schemeClr val="accent1"/>
+          </a:lnRef>
+          <a:fillRef idx="0">
+            <a:schemeClr val="accent1"/>
+          </a:fillRef>
+          <a:effectRef idx="0">
+            <a:schemeClr val="accent1"/>
+          </a:effectRef>
+          <a:fontRef idx="minor">
+            <a:schemeClr val="tx1"/>
+          </a:fontRef>
+        </p:style>
+      </p:cxnSp>
+      <p:cxnSp>
+        <p:nvCxnSpPr>
+          <p:cNvPr id="88" name="Conector de seta reta 87"/>
+          <p:cNvCxnSpPr/>
+          <p:nvPr/>
+        </p:nvCxnSpPr>
+        <p:spPr>
+          <a:xfrm flipV="1">
+            <a:off x="6310144" y="1959447"/>
+            <a:ext cx="0" cy="354363"/>
+          </a:xfrm>
+          <a:prstGeom prst="straightConnector1">
+            <a:avLst/>
+          </a:prstGeom>
+          <a:ln w="38100">
+            <a:solidFill>
+              <a:schemeClr val="tx1"/>
+            </a:solidFill>
+            <a:tailEnd type="arrow"/>
+          </a:ln>
+        </p:spPr>
+        <p:style>
+          <a:lnRef idx="1">
+            <a:schemeClr val="accent1"/>
+          </a:lnRef>
+          <a:fillRef idx="0">
+            <a:schemeClr val="accent1"/>
+          </a:fillRef>
+          <a:effectRef idx="0">
+            <a:schemeClr val="accent1"/>
+          </a:effectRef>
+          <a:fontRef idx="minor">
+            <a:schemeClr val="tx1"/>
+          </a:fontRef>
+        </p:style>
+      </p:cxnSp>
+    </p:spTree>
+    <p:extLst>
+      <p:ext uri="{BB962C8B-B14F-4D97-AF65-F5344CB8AC3E}">
+        <p14:creationId xmlns:p14="http://schemas.microsoft.com/office/powerpoint/2010/main" val="127060570"/>
+      </p:ext>
+    </p:extLst>
+  </p:cSld>
+  <p:clrMapOvr>
+    <a:masterClrMapping/>
+  </p:clrMapOvr>
+  <p:timing>
+    <p:tnLst>
+      <p:par>
+        <p:cTn id="1" dur="indefinite" restart="never" nodeType="tmRoot"/>
+      </p:par>
+    </p:tnLst>
+  </p:timing>
 </p:sld>
 </file>
 

--- a/Tranqueiras de ppt/desenhos_filtro_complexo.pptx
+++ b/Tranqueiras de ppt/desenhos_filtro_complexo.pptx
@@ -109,7 +109,7 @@
   </p:defaultTextStyle>
   <p:extLst>
     <p:ext uri="{EFAFB233-063F-42B5-8137-9DF3F51BA10A}">
-      <p15:sldGuideLst xmlns:p15="http://schemas.microsoft.com/office/powerpoint/2012/main" xmlns="">
+      <p15:sldGuideLst xmlns="" xmlns:p15="http://schemas.microsoft.com/office/powerpoint/2012/main">
         <p15:guide id="1" orient="horz" pos="2160">
           <p15:clr>
             <a:srgbClr val="A4A3A4"/>
@@ -305,7 +305,7 @@
           <a:p>
             <a:fld id="{9F140449-45B3-4C4C-B502-456914857DA8}" type="datetimeFigureOut">
               <a:rPr lang="pt-BR" smtClean="0"/>
-              <a:t>31/08/2016</a:t>
+              <a:t>01/09/2016</a:t>
             </a:fld>
             <a:endParaRPr lang="pt-BR"/>
           </a:p>
@@ -473,7 +473,7 @@
           <a:p>
             <a:fld id="{9F140449-45B3-4C4C-B502-456914857DA8}" type="datetimeFigureOut">
               <a:rPr lang="pt-BR" smtClean="0"/>
-              <a:t>31/08/2016</a:t>
+              <a:t>01/09/2016</a:t>
             </a:fld>
             <a:endParaRPr lang="pt-BR"/>
           </a:p>
@@ -651,7 +651,7 @@
           <a:p>
             <a:fld id="{9F140449-45B3-4C4C-B502-456914857DA8}" type="datetimeFigureOut">
               <a:rPr lang="pt-BR" smtClean="0"/>
-              <a:t>31/08/2016</a:t>
+              <a:t>01/09/2016</a:t>
             </a:fld>
             <a:endParaRPr lang="pt-BR"/>
           </a:p>
@@ -819,7 +819,7 @@
           <a:p>
             <a:fld id="{9F140449-45B3-4C4C-B502-456914857DA8}" type="datetimeFigureOut">
               <a:rPr lang="pt-BR" smtClean="0"/>
-              <a:t>31/08/2016</a:t>
+              <a:t>01/09/2016</a:t>
             </a:fld>
             <a:endParaRPr lang="pt-BR"/>
           </a:p>
@@ -1064,7 +1064,7 @@
           <a:p>
             <a:fld id="{9F140449-45B3-4C4C-B502-456914857DA8}" type="datetimeFigureOut">
               <a:rPr lang="pt-BR" smtClean="0"/>
-              <a:t>31/08/2016</a:t>
+              <a:t>01/09/2016</a:t>
             </a:fld>
             <a:endParaRPr lang="pt-BR"/>
           </a:p>
@@ -1349,7 +1349,7 @@
           <a:p>
             <a:fld id="{9F140449-45B3-4C4C-B502-456914857DA8}" type="datetimeFigureOut">
               <a:rPr lang="pt-BR" smtClean="0"/>
-              <a:t>31/08/2016</a:t>
+              <a:t>01/09/2016</a:t>
             </a:fld>
             <a:endParaRPr lang="pt-BR"/>
           </a:p>
@@ -1768,7 +1768,7 @@
           <a:p>
             <a:fld id="{9F140449-45B3-4C4C-B502-456914857DA8}" type="datetimeFigureOut">
               <a:rPr lang="pt-BR" smtClean="0"/>
-              <a:t>31/08/2016</a:t>
+              <a:t>01/09/2016</a:t>
             </a:fld>
             <a:endParaRPr lang="pt-BR"/>
           </a:p>
@@ -1885,7 +1885,7 @@
           <a:p>
             <a:fld id="{9F140449-45B3-4C4C-B502-456914857DA8}" type="datetimeFigureOut">
               <a:rPr lang="pt-BR" smtClean="0"/>
-              <a:t>31/08/2016</a:t>
+              <a:t>01/09/2016</a:t>
             </a:fld>
             <a:endParaRPr lang="pt-BR"/>
           </a:p>
@@ -1980,7 +1980,7 @@
           <a:p>
             <a:fld id="{9F140449-45B3-4C4C-B502-456914857DA8}" type="datetimeFigureOut">
               <a:rPr lang="pt-BR" smtClean="0"/>
-              <a:t>31/08/2016</a:t>
+              <a:t>01/09/2016</a:t>
             </a:fld>
             <a:endParaRPr lang="pt-BR"/>
           </a:p>
@@ -2255,7 +2255,7 @@
           <a:p>
             <a:fld id="{9F140449-45B3-4C4C-B502-456914857DA8}" type="datetimeFigureOut">
               <a:rPr lang="pt-BR" smtClean="0"/>
-              <a:t>31/08/2016</a:t>
+              <a:t>01/09/2016</a:t>
             </a:fld>
             <a:endParaRPr lang="pt-BR"/>
           </a:p>
@@ -2507,7 +2507,7 @@
           <a:p>
             <a:fld id="{9F140449-45B3-4C4C-B502-456914857DA8}" type="datetimeFigureOut">
               <a:rPr lang="pt-BR" smtClean="0"/>
-              <a:t>31/08/2016</a:t>
+              <a:t>01/09/2016</a:t>
             </a:fld>
             <a:endParaRPr lang="pt-BR"/>
           </a:p>
@@ -2718,7 +2718,7 @@
           <a:p>
             <a:fld id="{9F140449-45B3-4C4C-B502-456914857DA8}" type="datetimeFigureOut">
               <a:rPr lang="pt-BR" smtClean="0"/>
-              <a:t>31/08/2016</a:t>
+              <a:t>01/09/2016</a:t>
             </a:fld>
             <a:endParaRPr lang="pt-BR"/>
           </a:p>
@@ -7207,116 +7207,6 @@
           </a:extLst>
         </p:spPr>
       </p:pic>
-      <p:pic>
-        <p:nvPicPr>
-          <p:cNvPr id="1026" name="Picture 2"/>
-          <p:cNvPicPr>
-            <a:picLocks noChangeAspect="1" noChangeArrowheads="1"/>
-          </p:cNvPicPr>
-          <p:nvPr/>
-        </p:nvPicPr>
-        <p:blipFill rotWithShape="1">
-          <a:blip r:embed="rId3" cstate="print">
-            <a:extLst>
-              <a:ext uri="{28A0092B-C50C-407E-A947-70E740481C1C}">
-                <a14:useLocalDpi xmlns:a14="http://schemas.microsoft.com/office/drawing/2010/main" val="0"/>
-              </a:ext>
-            </a:extLst>
-          </a:blip>
-          <a:srcRect l="15553" t="5311" b="7445"/>
-          <a:stretch/>
-        </p:blipFill>
-        <p:spPr bwMode="auto">
-          <a:xfrm>
-            <a:off x="2181320" y="1423639"/>
-            <a:ext cx="1116317" cy="1330712"/>
-          </a:xfrm>
-          <a:prstGeom prst="rect">
-            <a:avLst/>
-          </a:prstGeom>
-          <a:noFill/>
-          <a:ln>
-            <a:noFill/>
-          </a:ln>
-          <a:effectLst/>
-          <a:extLst>
-            <a:ext uri="{909E8E84-426E-40DD-AFC4-6F175D3DCCD1}">
-              <a14:hiddenFill xmlns:a14="http://schemas.microsoft.com/office/drawing/2010/main">
-                <a:solidFill>
-                  <a:schemeClr val="accent1"/>
-                </a:solidFill>
-              </a14:hiddenFill>
-            </a:ext>
-            <a:ext uri="{91240B29-F687-4F45-9708-019B960494DF}">
-              <a14:hiddenLine xmlns:a14="http://schemas.microsoft.com/office/drawing/2010/main" w="9525">
-                <a:solidFill>
-                  <a:schemeClr val="tx1"/>
-                </a:solidFill>
-                <a:miter lim="800000"/>
-                <a:headEnd/>
-                <a:tailEnd/>
-              </a14:hiddenLine>
-            </a:ext>
-            <a:ext uri="{AF507438-7753-43E0-B8FC-AC1667EBCBE1}">
-              <a14:hiddenEffects xmlns:a14="http://schemas.microsoft.com/office/drawing/2010/main">
-                <a:effectLst>
-                  <a:outerShdw dist="35921" dir="2700000" algn="ctr" rotWithShape="0">
-                    <a:schemeClr val="bg2"/>
-                  </a:outerShdw>
-                </a:effectLst>
-              </a14:hiddenEffects>
-            </a:ext>
-          </a:extLst>
-        </p:spPr>
-      </p:pic>
-      <p:sp>
-        <p:nvSpPr>
-          <p:cNvPr id="35" name="Retângulo 34"/>
-          <p:cNvSpPr/>
-          <p:nvPr/>
-        </p:nvSpPr>
-        <p:spPr>
-          <a:xfrm>
-            <a:off x="1984914" y="1300976"/>
-            <a:ext cx="1509131" cy="1576039"/>
-          </a:xfrm>
-          <a:prstGeom prst="rect">
-            <a:avLst/>
-          </a:prstGeom>
-          <a:noFill/>
-          <a:ln w="38100">
-            <a:solidFill>
-              <a:schemeClr val="tx1"/>
-            </a:solidFill>
-          </a:ln>
-        </p:spPr>
-        <p:style>
-          <a:lnRef idx="2">
-            <a:schemeClr val="accent1">
-              <a:shade val="50000"/>
-            </a:schemeClr>
-          </a:lnRef>
-          <a:fillRef idx="1">
-            <a:schemeClr val="accent1"/>
-          </a:fillRef>
-          <a:effectRef idx="0">
-            <a:schemeClr val="accent1"/>
-          </a:effectRef>
-          <a:fontRef idx="minor">
-            <a:schemeClr val="lt1"/>
-          </a:fontRef>
-        </p:style>
-        <p:txBody>
-          <a:bodyPr rtlCol="0" anchor="ctr"/>
-          <a:lstStyle/>
-          <a:p>
-            <a:pPr algn="ctr"/>
-            <a:endParaRPr lang="pt-BR">
-              <a:noFill/>
-            </a:endParaRPr>
-          </a:p>
-        </p:txBody>
-      </p:sp>
       <p:cxnSp>
         <p:nvCxnSpPr>
           <p:cNvPr id="36" name="Conector reto 35"/>
@@ -7356,7 +7246,6 @@
         <p:nvCxnSpPr>
           <p:cNvPr id="38" name="Conector reto 37"/>
           <p:cNvCxnSpPr>
-            <a:stCxn id="35" idx="3"/>
             <a:endCxn id="1027" idx="1"/>
           </p:cNvCxnSpPr>
           <p:nvPr/>
@@ -9427,7 +9316,7 @@
         </p:nvSpPr>
         <p:spPr>
           <a:xfrm>
-            <a:off x="1624942" y="994071"/>
+            <a:off x="1624942" y="1012917"/>
             <a:ext cx="2229072" cy="307777"/>
           </a:xfrm>
           <a:prstGeom prst="rect">
@@ -9633,6 +9522,425 @@
           </a:fontRef>
         </p:style>
       </p:cxnSp>
+      <p:pic>
+        <p:nvPicPr>
+          <p:cNvPr id="55" name="Picture 2"/>
+          <p:cNvPicPr>
+            <a:picLocks noChangeAspect="1" noChangeArrowheads="1"/>
+          </p:cNvPicPr>
+          <p:nvPr/>
+        </p:nvPicPr>
+        <p:blipFill rotWithShape="1">
+          <a:blip r:embed="rId16" cstate="print">
+            <a:extLst>
+              <a:ext uri="{28A0092B-C50C-407E-A947-70E740481C1C}">
+                <a14:useLocalDpi xmlns:a14="http://schemas.microsoft.com/office/drawing/2010/main" val="0"/>
+              </a:ext>
+            </a:extLst>
+          </a:blip>
+          <a:srcRect l="15553" t="5311" b="7445"/>
+          <a:stretch/>
+        </p:blipFill>
+        <p:spPr bwMode="auto">
+          <a:xfrm>
+            <a:off x="2181318" y="1420498"/>
+            <a:ext cx="1116317" cy="1330712"/>
+          </a:xfrm>
+          <a:prstGeom prst="rect">
+            <a:avLst/>
+          </a:prstGeom>
+          <a:noFill/>
+          <a:ln>
+            <a:noFill/>
+          </a:ln>
+          <a:effectLst/>
+          <a:extLst>
+            <a:ext uri="{909E8E84-426E-40DD-AFC4-6F175D3DCCD1}">
+              <a14:hiddenFill xmlns:a14="http://schemas.microsoft.com/office/drawing/2010/main">
+                <a:solidFill>
+                  <a:schemeClr val="accent1"/>
+                </a:solidFill>
+              </a14:hiddenFill>
+            </a:ext>
+            <a:ext uri="{91240B29-F687-4F45-9708-019B960494DF}">
+              <a14:hiddenLine xmlns:a14="http://schemas.microsoft.com/office/drawing/2010/main" w="9525">
+                <a:solidFill>
+                  <a:schemeClr val="tx1"/>
+                </a:solidFill>
+                <a:miter lim="800000"/>
+                <a:headEnd/>
+                <a:tailEnd/>
+              </a14:hiddenLine>
+            </a:ext>
+            <a:ext uri="{AF507438-7753-43E0-B8FC-AC1667EBCBE1}">
+              <a14:hiddenEffects xmlns:a14="http://schemas.microsoft.com/office/drawing/2010/main">
+                <a:effectLst>
+                  <a:outerShdw dist="35921" dir="2700000" algn="ctr" rotWithShape="0">
+                    <a:schemeClr val="bg2"/>
+                  </a:outerShdw>
+                </a:effectLst>
+              </a14:hiddenEffects>
+            </a:ext>
+          </a:extLst>
+        </p:spPr>
+      </p:pic>
+      <p:sp>
+        <p:nvSpPr>
+          <p:cNvPr id="58" name="Retângulo 57"/>
+          <p:cNvSpPr/>
+          <p:nvPr/>
+        </p:nvSpPr>
+        <p:spPr>
+          <a:xfrm>
+            <a:off x="1984912" y="1297835"/>
+            <a:ext cx="1509131" cy="1576039"/>
+          </a:xfrm>
+          <a:prstGeom prst="rect">
+            <a:avLst/>
+          </a:prstGeom>
+          <a:noFill/>
+          <a:ln w="38100">
+            <a:solidFill>
+              <a:schemeClr val="tx1"/>
+            </a:solidFill>
+          </a:ln>
+        </p:spPr>
+        <p:style>
+          <a:lnRef idx="2">
+            <a:schemeClr val="accent1">
+              <a:shade val="50000"/>
+            </a:schemeClr>
+          </a:lnRef>
+          <a:fillRef idx="1">
+            <a:schemeClr val="accent1"/>
+          </a:fillRef>
+          <a:effectRef idx="0">
+            <a:schemeClr val="accent1"/>
+          </a:effectRef>
+          <a:fontRef idx="minor">
+            <a:schemeClr val="lt1"/>
+          </a:fontRef>
+        </p:style>
+        <p:txBody>
+          <a:bodyPr rtlCol="0" anchor="ctr"/>
+          <a:lstStyle/>
+          <a:p>
+            <a:pPr algn="ctr"/>
+            <a:endParaRPr lang="pt-BR">
+              <a:noFill/>
+            </a:endParaRPr>
+          </a:p>
+        </p:txBody>
+      </p:sp>
+      <mc:AlternateContent xmlns:mc="http://schemas.openxmlformats.org/markup-compatibility/2006">
+        <mc:Choice xmlns:a14="http://schemas.microsoft.com/office/drawing/2010/main" Requires="a14">
+          <p:sp>
+            <p:nvSpPr>
+              <p:cNvPr id="59" name="CaixaDeTexto 58"/>
+              <p:cNvSpPr txBox="1"/>
+              <p:nvPr/>
+            </p:nvSpPr>
+            <p:spPr>
+              <a:xfrm>
+                <a:off x="2816230" y="1233266"/>
+                <a:ext cx="566244" cy="369332"/>
+              </a:xfrm>
+              <a:prstGeom prst="rect">
+                <a:avLst/>
+              </a:prstGeom>
+              <a:noFill/>
+            </p:spPr>
+            <p:txBody>
+              <a:bodyPr wrap="none" rtlCol="0">
+                <a:spAutoFit/>
+              </a:bodyPr>
+              <a:lstStyle/>
+              <a:p>
+                <a:pPr/>
+                <a14:m>
+                  <m:oMathPara xmlns:m="http://schemas.openxmlformats.org/officeDocument/2006/math">
+                    <m:oMathParaPr>
+                      <m:jc m:val="centerGroup"/>
+                    </m:oMathParaPr>
+                    <m:oMath xmlns:m="http://schemas.openxmlformats.org/officeDocument/2006/math">
+                      <m:sSub>
+                        <m:sSubPr>
+                          <m:ctrlPr>
+                            <a:rPr lang="pt-BR" b="0" i="1" smtClean="0">
+                              <a:latin typeface="Cambria Math"/>
+                            </a:rPr>
+                          </m:ctrlPr>
+                        </m:sSubPr>
+                        <m:e>
+                          <m:r>
+                            <a:rPr lang="pt-BR" b="0" i="1" smtClean="0">
+                              <a:latin typeface="Cambria Math"/>
+                            </a:rPr>
+                            <m:t>𝑣</m:t>
+                          </m:r>
+                        </m:e>
+                        <m:sub>
+                          <m:r>
+                            <a:rPr lang="pt-BR" b="0" i="1" smtClean="0">
+                              <a:latin typeface="Cambria Math"/>
+                            </a:rPr>
+                            <m:t>𝑆𝑎</m:t>
+                          </m:r>
+                        </m:sub>
+                      </m:sSub>
+                    </m:oMath>
+                  </m:oMathPara>
+                </a14:m>
+                <a:endParaRPr lang="pt-BR" dirty="0"/>
+              </a:p>
+            </p:txBody>
+          </p:sp>
+        </mc:Choice>
+        <mc:Fallback>
+          <p:sp>
+            <p:nvSpPr>
+              <p:cNvPr id="59" name="CaixaDeTexto 58"/>
+              <p:cNvSpPr txBox="1">
+                <a:spLocks noRot="1" noChangeAspect="1" noMove="1" noResize="1" noEditPoints="1" noAdjustHandles="1" noChangeArrowheads="1" noChangeShapeType="1" noTextEdit="1"/>
+              </p:cNvSpPr>
+              <p:nvPr/>
+            </p:nvSpPr>
+            <p:spPr>
+              <a:xfrm>
+                <a:off x="2816230" y="1233266"/>
+                <a:ext cx="566244" cy="369332"/>
+              </a:xfrm>
+              <a:prstGeom prst="rect">
+                <a:avLst/>
+              </a:prstGeom>
+              <a:blipFill rotWithShape="1">
+                <a:blip r:embed="rId17"/>
+                <a:stretch>
+                  <a:fillRect/>
+                </a:stretch>
+              </a:blipFill>
+            </p:spPr>
+            <p:txBody>
+              <a:bodyPr/>
+              <a:lstStyle/>
+              <a:p>
+                <a:r>
+                  <a:rPr lang="pt-BR">
+                    <a:noFill/>
+                  </a:rPr>
+                  <a:t> </a:t>
+                </a:r>
+              </a:p>
+            </p:txBody>
+          </p:sp>
+        </mc:Fallback>
+      </mc:AlternateContent>
+      <mc:AlternateContent xmlns:mc="http://schemas.openxmlformats.org/markup-compatibility/2006">
+        <mc:Choice xmlns:a14="http://schemas.microsoft.com/office/drawing/2010/main" Requires="a14">
+          <p:sp>
+            <p:nvSpPr>
+              <p:cNvPr id="61" name="CaixaDeTexto 60"/>
+              <p:cNvSpPr txBox="1"/>
+              <p:nvPr/>
+            </p:nvSpPr>
+            <p:spPr>
+              <a:xfrm>
+                <a:off x="2830726" y="1681948"/>
+                <a:ext cx="561820" cy="369332"/>
+              </a:xfrm>
+              <a:prstGeom prst="rect">
+                <a:avLst/>
+              </a:prstGeom>
+              <a:noFill/>
+            </p:spPr>
+            <p:txBody>
+              <a:bodyPr wrap="none" rtlCol="0">
+                <a:spAutoFit/>
+              </a:bodyPr>
+              <a:lstStyle/>
+              <a:p>
+                <a:pPr/>
+                <a14:m>
+                  <m:oMathPara xmlns:m="http://schemas.openxmlformats.org/officeDocument/2006/math">
+                    <m:oMathParaPr>
+                      <m:jc m:val="centerGroup"/>
+                    </m:oMathParaPr>
+                    <m:oMath xmlns:m="http://schemas.openxmlformats.org/officeDocument/2006/math">
+                      <m:sSub>
+                        <m:sSubPr>
+                          <m:ctrlPr>
+                            <a:rPr lang="pt-BR" b="0" i="1" smtClean="0">
+                              <a:latin typeface="Cambria Math"/>
+                            </a:rPr>
+                          </m:ctrlPr>
+                        </m:sSubPr>
+                        <m:e>
+                          <m:r>
+                            <a:rPr lang="pt-BR" b="0" i="1" smtClean="0">
+                              <a:latin typeface="Cambria Math"/>
+                            </a:rPr>
+                            <m:t>𝑣</m:t>
+                          </m:r>
+                        </m:e>
+                        <m:sub>
+                          <m:r>
+                            <a:rPr lang="pt-BR" b="0" i="1" smtClean="0">
+                              <a:latin typeface="Cambria Math"/>
+                            </a:rPr>
+                            <m:t>𝑆𝑏</m:t>
+                          </m:r>
+                        </m:sub>
+                      </m:sSub>
+                    </m:oMath>
+                  </m:oMathPara>
+                </a14:m>
+                <a:endParaRPr lang="pt-BR" dirty="0"/>
+              </a:p>
+            </p:txBody>
+          </p:sp>
+        </mc:Choice>
+        <mc:Fallback>
+          <p:sp>
+            <p:nvSpPr>
+              <p:cNvPr id="61" name="CaixaDeTexto 60"/>
+              <p:cNvSpPr txBox="1">
+                <a:spLocks noRot="1" noChangeAspect="1" noMove="1" noResize="1" noEditPoints="1" noAdjustHandles="1" noChangeArrowheads="1" noChangeShapeType="1" noTextEdit="1"/>
+              </p:cNvSpPr>
+              <p:nvPr/>
+            </p:nvSpPr>
+            <p:spPr>
+              <a:xfrm>
+                <a:off x="2830726" y="1681948"/>
+                <a:ext cx="561820" cy="369332"/>
+              </a:xfrm>
+              <a:prstGeom prst="rect">
+                <a:avLst/>
+              </a:prstGeom>
+              <a:blipFill rotWithShape="1">
+                <a:blip r:embed="rId18"/>
+                <a:stretch>
+                  <a:fillRect/>
+                </a:stretch>
+              </a:blipFill>
+            </p:spPr>
+            <p:txBody>
+              <a:bodyPr/>
+              <a:lstStyle/>
+              <a:p>
+                <a:r>
+                  <a:rPr lang="pt-BR">
+                    <a:noFill/>
+                  </a:rPr>
+                  <a:t> </a:t>
+                </a:r>
+              </a:p>
+            </p:txBody>
+          </p:sp>
+        </mc:Fallback>
+      </mc:AlternateContent>
+      <mc:AlternateContent xmlns:mc="http://schemas.openxmlformats.org/markup-compatibility/2006">
+        <mc:Choice xmlns:a14="http://schemas.microsoft.com/office/drawing/2010/main" Requires="a14">
+          <p:sp>
+            <p:nvSpPr>
+              <p:cNvPr id="67" name="CaixaDeTexto 66"/>
+              <p:cNvSpPr txBox="1"/>
+              <p:nvPr/>
+            </p:nvSpPr>
+            <p:spPr>
+              <a:xfrm>
+                <a:off x="2830726" y="2140488"/>
+                <a:ext cx="546625" cy="369332"/>
+              </a:xfrm>
+              <a:prstGeom prst="rect">
+                <a:avLst/>
+              </a:prstGeom>
+              <a:noFill/>
+            </p:spPr>
+            <p:txBody>
+              <a:bodyPr wrap="none" rtlCol="0">
+                <a:spAutoFit/>
+              </a:bodyPr>
+              <a:lstStyle/>
+              <a:p>
+                <a:pPr/>
+                <a14:m>
+                  <m:oMathPara xmlns:m="http://schemas.openxmlformats.org/officeDocument/2006/math">
+                    <m:oMathParaPr>
+                      <m:jc m:val="centerGroup"/>
+                    </m:oMathParaPr>
+                    <m:oMath xmlns:m="http://schemas.openxmlformats.org/officeDocument/2006/math">
+                      <m:sSub>
+                        <m:sSubPr>
+                          <m:ctrlPr>
+                            <a:rPr lang="pt-BR" b="0" i="1" smtClean="0">
+                              <a:latin typeface="Cambria Math"/>
+                            </a:rPr>
+                          </m:ctrlPr>
+                        </m:sSubPr>
+                        <m:e>
+                          <m:r>
+                            <a:rPr lang="pt-BR" b="0" i="1" smtClean="0">
+                              <a:latin typeface="Cambria Math"/>
+                            </a:rPr>
+                            <m:t>𝑣</m:t>
+                          </m:r>
+                        </m:e>
+                        <m:sub>
+                          <m:r>
+                            <a:rPr lang="pt-BR" b="0" i="1" smtClean="0">
+                              <a:latin typeface="Cambria Math"/>
+                            </a:rPr>
+                            <m:t>𝑆𝑐</m:t>
+                          </m:r>
+                        </m:sub>
+                      </m:sSub>
+                    </m:oMath>
+                  </m:oMathPara>
+                </a14:m>
+                <a:endParaRPr lang="pt-BR" dirty="0"/>
+              </a:p>
+            </p:txBody>
+          </p:sp>
+        </mc:Choice>
+        <mc:Fallback>
+          <p:sp>
+            <p:nvSpPr>
+              <p:cNvPr id="67" name="CaixaDeTexto 66"/>
+              <p:cNvSpPr txBox="1">
+                <a:spLocks noRot="1" noChangeAspect="1" noMove="1" noResize="1" noEditPoints="1" noAdjustHandles="1" noChangeArrowheads="1" noChangeShapeType="1" noTextEdit="1"/>
+              </p:cNvSpPr>
+              <p:nvPr/>
+            </p:nvSpPr>
+            <p:spPr>
+              <a:xfrm>
+                <a:off x="2830726" y="2140488"/>
+                <a:ext cx="546625" cy="369332"/>
+              </a:xfrm>
+              <a:prstGeom prst="rect">
+                <a:avLst/>
+              </a:prstGeom>
+              <a:blipFill rotWithShape="1">
+                <a:blip r:embed="rId19"/>
+                <a:stretch>
+                  <a:fillRect/>
+                </a:stretch>
+              </a:blipFill>
+            </p:spPr>
+            <p:txBody>
+              <a:bodyPr/>
+              <a:lstStyle/>
+              <a:p>
+                <a:r>
+                  <a:rPr lang="pt-BR">
+                    <a:noFill/>
+                  </a:rPr>
+                  <a:t> </a:t>
+                </a:r>
+              </a:p>
+            </p:txBody>
+          </p:sp>
+        </mc:Fallback>
+      </mc:AlternateContent>
     </p:spTree>
     <p:extLst>
       <p:ext uri="{BB962C8B-B14F-4D97-AF65-F5344CB8AC3E}">
@@ -14911,8 +15219,8 @@
           </a:fontRef>
         </p:style>
       </p:cxnSp>
-      <mc:AlternateContent xmlns:mc="http://schemas.openxmlformats.org/markup-compatibility/2006">
-        <mc:Choice xmlns:a14="http://schemas.microsoft.com/office/drawing/2010/main" Requires="a14">
+      <mc:AlternateContent xmlns:mc="http://schemas.openxmlformats.org/markup-compatibility/2006" xmlns:a14="http://schemas.microsoft.com/office/drawing/2010/main">
+        <mc:Choice Requires="a14">
           <p:sp>
             <p:nvSpPr>
               <p:cNvPr id="17" name="CaixaDeTexto 16"/>
@@ -14975,7 +15283,7 @@
             </p:txBody>
           </p:sp>
         </mc:Choice>
-        <mc:Fallback>
+        <mc:Fallback xmlns="">
           <p:sp>
             <p:nvSpPr>
               <p:cNvPr id="17" name="CaixaDeTexto 16"/>
@@ -15014,8 +15322,8 @@
           </p:sp>
         </mc:Fallback>
       </mc:AlternateContent>
-      <mc:AlternateContent xmlns:mc="http://schemas.openxmlformats.org/markup-compatibility/2006">
-        <mc:Choice xmlns:a14="http://schemas.microsoft.com/office/drawing/2010/main" Requires="a14">
+      <mc:AlternateContent xmlns:mc="http://schemas.openxmlformats.org/markup-compatibility/2006" xmlns:a14="http://schemas.microsoft.com/office/drawing/2010/main">
+        <mc:Choice Requires="a14">
           <p:sp>
             <p:nvSpPr>
               <p:cNvPr id="18" name="CaixaDeTexto 17"/>
@@ -15078,7 +15386,7 @@
             </p:txBody>
           </p:sp>
         </mc:Choice>
-        <mc:Fallback>
+        <mc:Fallback xmlns="">
           <p:sp>
             <p:nvSpPr>
               <p:cNvPr id="18" name="CaixaDeTexto 17"/>
@@ -15117,8 +15425,8 @@
           </p:sp>
         </mc:Fallback>
       </mc:AlternateContent>
-      <mc:AlternateContent xmlns:mc="http://schemas.openxmlformats.org/markup-compatibility/2006">
-        <mc:Choice xmlns:a14="http://schemas.microsoft.com/office/drawing/2010/main" Requires="a14">
+      <mc:AlternateContent xmlns:mc="http://schemas.openxmlformats.org/markup-compatibility/2006" xmlns:a14="http://schemas.microsoft.com/office/drawing/2010/main">
+        <mc:Choice Requires="a14">
           <p:sp>
             <p:nvSpPr>
               <p:cNvPr id="19" name="CaixaDeTexto 18"/>
@@ -15181,7 +15489,7 @@
             </p:txBody>
           </p:sp>
         </mc:Choice>
-        <mc:Fallback>
+        <mc:Fallback xmlns="">
           <p:sp>
             <p:nvSpPr>
               <p:cNvPr id="19" name="CaixaDeTexto 18"/>
@@ -15230,7 +15538,7 @@
             </p:nvSpPr>
             <p:spPr>
               <a:xfrm>
-                <a:off x="4084206" y="473070"/>
+                <a:off x="3209921" y="524251"/>
                 <a:ext cx="566244" cy="369332"/>
               </a:xfrm>
               <a:prstGeom prst="rect">
@@ -15295,7 +15603,7 @@
             </p:nvSpPr>
             <p:spPr>
               <a:xfrm>
-                <a:off x="4084206" y="473070"/>
+                <a:off x="3209921" y="524251"/>
                 <a:ext cx="566244" cy="369332"/>
               </a:xfrm>
               <a:prstGeom prst="rect">
@@ -15333,7 +15641,7 @@
             </p:nvSpPr>
             <p:spPr>
               <a:xfrm>
-                <a:off x="4113942" y="921752"/>
+                <a:off x="3224417" y="972933"/>
                 <a:ext cx="561820" cy="369332"/>
               </a:xfrm>
               <a:prstGeom prst="rect">
@@ -15398,7 +15706,7 @@
             </p:nvSpPr>
             <p:spPr>
               <a:xfrm>
-                <a:off x="4113942" y="921752"/>
+                <a:off x="3224417" y="972933"/>
                 <a:ext cx="561820" cy="369332"/>
               </a:xfrm>
               <a:prstGeom prst="rect">
@@ -15436,7 +15744,7 @@
             </p:nvSpPr>
             <p:spPr>
               <a:xfrm>
-                <a:off x="4113942" y="1380292"/>
+                <a:off x="3224417" y="1431473"/>
                 <a:ext cx="546625" cy="369332"/>
               </a:xfrm>
               <a:prstGeom prst="rect">
@@ -15501,7 +15809,7 @@
             </p:nvSpPr>
             <p:spPr>
               <a:xfrm>
-                <a:off x="4113942" y="1380292"/>
+                <a:off x="3224417" y="1431473"/>
                 <a:ext cx="546625" cy="369332"/>
               </a:xfrm>
               <a:prstGeom prst="rect">
@@ -15539,7 +15847,7 @@
             </p:nvSpPr>
             <p:spPr>
               <a:xfrm>
-                <a:off x="5096342" y="1967524"/>
+                <a:off x="5096342" y="1792264"/>
                 <a:ext cx="533351" cy="369332"/>
               </a:xfrm>
               <a:prstGeom prst="rect">
@@ -15605,7 +15913,7 @@
             </p:nvSpPr>
             <p:spPr>
               <a:xfrm>
-                <a:off x="5096342" y="1967524"/>
+                <a:off x="5096342" y="1792264"/>
                 <a:ext cx="533351" cy="369332"/>
               </a:xfrm>
               <a:prstGeom prst="rect">
@@ -15614,7 +15922,7 @@
               <a:blipFill rotWithShape="1">
                 <a:blip r:embed="rId11"/>
                 <a:stretch>
-                  <a:fillRect b="-1667"/>
+                  <a:fillRect/>
                 </a:stretch>
               </a:blipFill>
             </p:spPr>
@@ -15643,7 +15951,7 @@
             </p:nvSpPr>
             <p:spPr>
               <a:xfrm>
-                <a:off x="5474929" y="1956373"/>
+                <a:off x="5474929" y="1781113"/>
                 <a:ext cx="528927" cy="369332"/>
               </a:xfrm>
               <a:prstGeom prst="rect">
@@ -15709,7 +16017,7 @@
             </p:nvSpPr>
             <p:spPr>
               <a:xfrm>
-                <a:off x="5474929" y="1956373"/>
+                <a:off x="5474929" y="1781113"/>
                 <a:ext cx="528927" cy="369332"/>
               </a:xfrm>
               <a:prstGeom prst="rect">
@@ -15747,7 +16055,7 @@
             </p:nvSpPr>
             <p:spPr>
               <a:xfrm>
-                <a:off x="5894095" y="1974958"/>
+                <a:off x="5894095" y="1799698"/>
                 <a:ext cx="513730" cy="369332"/>
               </a:xfrm>
               <a:prstGeom prst="rect">
@@ -15813,7 +16121,7 @@
             </p:nvSpPr>
             <p:spPr>
               <a:xfrm>
-                <a:off x="5894095" y="1974958"/>
+                <a:off x="5894095" y="1799698"/>
                 <a:ext cx="513730" cy="369332"/>
               </a:xfrm>
               <a:prstGeom prst="rect">
@@ -15913,7 +16221,7 @@
         </p:nvSpPr>
         <p:spPr>
           <a:xfrm>
-            <a:off x="3215786" y="3162367"/>
+            <a:off x="3109106" y="3162367"/>
             <a:ext cx="1038600" cy="1320733"/>
           </a:xfrm>
           <a:prstGeom prst="rect">
@@ -16360,7 +16668,7 @@
             </p:nvSpPr>
             <p:spPr>
               <a:xfrm>
-                <a:off x="2407168" y="3005359"/>
+                <a:off x="2300488" y="3005359"/>
                 <a:ext cx="566244" cy="369332"/>
               </a:xfrm>
               <a:prstGeom prst="rect">
@@ -16425,7 +16733,7 @@
             </p:nvSpPr>
             <p:spPr>
               <a:xfrm>
-                <a:off x="2407168" y="3005359"/>
+                <a:off x="2300488" y="3005359"/>
                 <a:ext cx="566244" cy="369332"/>
               </a:xfrm>
               <a:prstGeom prst="rect">
@@ -16463,7 +16771,7 @@
             </p:nvSpPr>
             <p:spPr>
               <a:xfrm>
-                <a:off x="2407168" y="3467078"/>
+                <a:off x="2300488" y="3467078"/>
                 <a:ext cx="561820" cy="369332"/>
               </a:xfrm>
               <a:prstGeom prst="rect">
@@ -16528,7 +16836,7 @@
             </p:nvSpPr>
             <p:spPr>
               <a:xfrm>
-                <a:off x="2407168" y="3467078"/>
+                <a:off x="2300488" y="3467078"/>
                 <a:ext cx="561820" cy="369332"/>
               </a:xfrm>
               <a:prstGeom prst="rect">
@@ -16566,7 +16874,7 @@
             </p:nvSpPr>
             <p:spPr>
               <a:xfrm>
-                <a:off x="2407168" y="3913911"/>
+                <a:off x="2300488" y="3913911"/>
                 <a:ext cx="546625" cy="369332"/>
               </a:xfrm>
               <a:prstGeom prst="rect">
@@ -16631,7 +16939,7 @@
             </p:nvSpPr>
             <p:spPr>
               <a:xfrm>
-                <a:off x="2407168" y="3913911"/>
+                <a:off x="2300488" y="3913911"/>
                 <a:ext cx="546625" cy="369332"/>
               </a:xfrm>
               <a:prstGeom prst="rect">
@@ -16667,7 +16975,7 @@
         </p:nvCxnSpPr>
         <p:spPr>
           <a:xfrm>
-            <a:off x="2837786" y="4270027"/>
+            <a:off x="2731106" y="4270027"/>
             <a:ext cx="378000" cy="0"/>
           </a:xfrm>
           <a:prstGeom prst="straightConnector1">
@@ -16703,7 +17011,7 @@
         </p:nvCxnSpPr>
         <p:spPr>
           <a:xfrm>
-            <a:off x="2837786" y="3820260"/>
+            <a:off x="2731106" y="3820260"/>
             <a:ext cx="378000" cy="0"/>
           </a:xfrm>
           <a:prstGeom prst="straightConnector1">
@@ -16739,7 +17047,7 @@
         </p:nvCxnSpPr>
         <p:spPr>
           <a:xfrm>
-            <a:off x="2837786" y="3359343"/>
+            <a:off x="2731106" y="3359343"/>
             <a:ext cx="378000" cy="0"/>
           </a:xfrm>
           <a:prstGeom prst="straightConnector1">
@@ -16775,7 +17083,7 @@
         </p:nvCxnSpPr>
         <p:spPr>
           <a:xfrm>
-            <a:off x="3751259" y="2831536"/>
+            <a:off x="3644579" y="2831536"/>
             <a:ext cx="0" cy="327373"/>
           </a:xfrm>
           <a:prstGeom prst="straightConnector1">
@@ -16811,7 +17119,7 @@
         </p:nvCxnSpPr>
         <p:spPr>
           <a:xfrm>
-            <a:off x="4104542" y="2831537"/>
+            <a:off x="3997862" y="2831537"/>
             <a:ext cx="0" cy="327373"/>
           </a:xfrm>
           <a:prstGeom prst="straightConnector1">
@@ -16847,7 +17155,7 @@
         </p:nvCxnSpPr>
         <p:spPr>
           <a:xfrm>
-            <a:off x="3398536" y="2823706"/>
+            <a:off x="3291856" y="2823706"/>
             <a:ext cx="0" cy="327373"/>
           </a:xfrm>
           <a:prstGeom prst="straightConnector1">
@@ -16885,7 +17193,7 @@
             </p:nvSpPr>
             <p:spPr>
               <a:xfrm>
-                <a:off x="3094377" y="2462205"/>
+                <a:off x="2987697" y="2462205"/>
                 <a:ext cx="522131" cy="369332"/>
               </a:xfrm>
               <a:prstGeom prst="rect">
@@ -16950,7 +17258,7 @@
             </p:nvSpPr>
             <p:spPr>
               <a:xfrm>
-                <a:off x="3094377" y="2462205"/>
+                <a:off x="2987697" y="2462205"/>
                 <a:ext cx="522131" cy="369332"/>
               </a:xfrm>
               <a:prstGeom prst="rect">
@@ -16988,7 +17296,7 @@
             </p:nvSpPr>
             <p:spPr>
               <a:xfrm>
-                <a:off x="3477730" y="2462205"/>
+                <a:off x="3371050" y="2462205"/>
                 <a:ext cx="517706" cy="369332"/>
               </a:xfrm>
               <a:prstGeom prst="rect">
@@ -17053,7 +17361,7 @@
             </p:nvSpPr>
             <p:spPr>
               <a:xfrm>
-                <a:off x="3477730" y="2462205"/>
+                <a:off x="3371050" y="2462205"/>
                 <a:ext cx="517706" cy="369332"/>
               </a:xfrm>
               <a:prstGeom prst="rect">
@@ -17091,7 +17399,7 @@
             </p:nvSpPr>
             <p:spPr>
               <a:xfrm>
-                <a:off x="3893836" y="2462205"/>
+                <a:off x="3787156" y="2462205"/>
                 <a:ext cx="502510" cy="369332"/>
               </a:xfrm>
               <a:prstGeom prst="rect">
@@ -17156,7 +17464,7 @@
             </p:nvSpPr>
             <p:spPr>
               <a:xfrm>
-                <a:off x="3893836" y="2462205"/>
+                <a:off x="3787156" y="2462205"/>
                 <a:ext cx="502510" cy="369332"/>
               </a:xfrm>
               <a:prstGeom prst="rect">
@@ -17192,7 +17500,7 @@
         </p:nvSpPr>
         <p:spPr>
           <a:xfrm>
-            <a:off x="4312920" y="3246733"/>
+            <a:off x="4229100" y="3246733"/>
             <a:ext cx="335932" cy="1152000"/>
           </a:xfrm>
           <a:prstGeom prst="rightArrow">
@@ -17251,9 +17559,9 @@
           <p:nvPr/>
         </p:nvCxnSpPr>
         <p:spPr>
-          <a:xfrm flipV="1">
-            <a:off x="5535427" y="1933593"/>
-            <a:ext cx="0" cy="354363"/>
+          <a:xfrm>
+            <a:off x="5535427" y="2006016"/>
+            <a:ext cx="0" cy="360000"/>
           </a:xfrm>
           <a:prstGeom prst="straightConnector1">
             <a:avLst/>
@@ -17287,9 +17595,9 @@
           <p:nvPr/>
         </p:nvCxnSpPr>
         <p:spPr>
-          <a:xfrm flipV="1">
-            <a:off x="5914567" y="1941752"/>
-            <a:ext cx="0" cy="354363"/>
+          <a:xfrm flipH="1">
+            <a:off x="5910782" y="2004270"/>
+            <a:ext cx="0" cy="360000"/>
           </a:xfrm>
           <a:prstGeom prst="straightConnector1">
             <a:avLst/>
@@ -17323,9 +17631,9 @@
           <p:nvPr/>
         </p:nvCxnSpPr>
         <p:spPr>
-          <a:xfrm flipV="1">
-            <a:off x="6310144" y="1959447"/>
-            <a:ext cx="0" cy="354363"/>
+          <a:xfrm>
+            <a:off x="6317764" y="1980942"/>
+            <a:ext cx="0" cy="360000"/>
           </a:xfrm>
           <a:prstGeom prst="straightConnector1">
             <a:avLst/>
@@ -17352,6 +17660,441 @@
           </a:fontRef>
         </p:style>
       </p:cxnSp>
+      <p:cxnSp>
+        <p:nvCxnSpPr>
+          <p:cNvPr id="60" name="Conector de seta reta 59"/>
+          <p:cNvCxnSpPr/>
+          <p:nvPr/>
+        </p:nvCxnSpPr>
+        <p:spPr>
+          <a:xfrm>
+            <a:off x="4397552" y="1681739"/>
+            <a:ext cx="378000" cy="0"/>
+          </a:xfrm>
+          <a:prstGeom prst="straightConnector1">
+            <a:avLst/>
+          </a:prstGeom>
+          <a:ln w="38100">
+            <a:solidFill>
+              <a:schemeClr val="tx1"/>
+            </a:solidFill>
+            <a:tailEnd type="arrow"/>
+          </a:ln>
+        </p:spPr>
+        <p:style>
+          <a:lnRef idx="1">
+            <a:schemeClr val="accent1"/>
+          </a:lnRef>
+          <a:fillRef idx="0">
+            <a:schemeClr val="accent1"/>
+          </a:fillRef>
+          <a:effectRef idx="0">
+            <a:schemeClr val="accent1"/>
+          </a:effectRef>
+          <a:fontRef idx="minor">
+            <a:schemeClr val="tx1"/>
+          </a:fontRef>
+        </p:style>
+      </p:cxnSp>
+      <p:cxnSp>
+        <p:nvCxnSpPr>
+          <p:cNvPr id="61" name="Conector de seta reta 60"/>
+          <p:cNvCxnSpPr/>
+          <p:nvPr/>
+        </p:nvCxnSpPr>
+        <p:spPr>
+          <a:xfrm>
+            <a:off x="4397552" y="1231972"/>
+            <a:ext cx="378000" cy="0"/>
+          </a:xfrm>
+          <a:prstGeom prst="straightConnector1">
+            <a:avLst/>
+          </a:prstGeom>
+          <a:ln w="38100">
+            <a:solidFill>
+              <a:schemeClr val="tx1"/>
+            </a:solidFill>
+            <a:tailEnd type="arrow"/>
+          </a:ln>
+        </p:spPr>
+        <p:style>
+          <a:lnRef idx="1">
+            <a:schemeClr val="accent1"/>
+          </a:lnRef>
+          <a:fillRef idx="0">
+            <a:schemeClr val="accent1"/>
+          </a:fillRef>
+          <a:effectRef idx="0">
+            <a:schemeClr val="accent1"/>
+          </a:effectRef>
+          <a:fontRef idx="minor">
+            <a:schemeClr val="tx1"/>
+          </a:fontRef>
+        </p:style>
+      </p:cxnSp>
+      <p:cxnSp>
+        <p:nvCxnSpPr>
+          <p:cNvPr id="62" name="Conector de seta reta 61"/>
+          <p:cNvCxnSpPr/>
+          <p:nvPr/>
+        </p:nvCxnSpPr>
+        <p:spPr>
+          <a:xfrm>
+            <a:off x="4397552" y="771055"/>
+            <a:ext cx="378000" cy="0"/>
+          </a:xfrm>
+          <a:prstGeom prst="straightConnector1">
+            <a:avLst/>
+          </a:prstGeom>
+          <a:ln w="38100">
+            <a:solidFill>
+              <a:schemeClr val="tx1"/>
+            </a:solidFill>
+            <a:tailEnd type="arrow"/>
+          </a:ln>
+        </p:spPr>
+        <p:style>
+          <a:lnRef idx="1">
+            <a:schemeClr val="accent1"/>
+          </a:lnRef>
+          <a:fillRef idx="0">
+            <a:schemeClr val="accent1"/>
+          </a:fillRef>
+          <a:effectRef idx="0">
+            <a:schemeClr val="accent1"/>
+          </a:effectRef>
+          <a:fontRef idx="minor">
+            <a:schemeClr val="tx1"/>
+          </a:fontRef>
+        </p:style>
+      </p:cxnSp>
+      <mc:AlternateContent xmlns:mc="http://schemas.openxmlformats.org/markup-compatibility/2006">
+        <mc:Choice xmlns:a14="http://schemas.microsoft.com/office/drawing/2010/main" Requires="a14">
+          <p:sp>
+            <p:nvSpPr>
+              <p:cNvPr id="63" name="CaixaDeTexto 62"/>
+              <p:cNvSpPr txBox="1"/>
+              <p:nvPr/>
+            </p:nvSpPr>
+            <p:spPr>
+              <a:xfrm>
+                <a:off x="3986827" y="460262"/>
+                <a:ext cx="517193" cy="369332"/>
+              </a:xfrm>
+              <a:prstGeom prst="rect">
+                <a:avLst/>
+              </a:prstGeom>
+              <a:noFill/>
+            </p:spPr>
+            <p:txBody>
+              <a:bodyPr wrap="none" rtlCol="0">
+                <a:spAutoFit/>
+              </a:bodyPr>
+              <a:lstStyle/>
+              <a:p>
+                <a:pPr/>
+                <a14:m>
+                  <m:oMathPara xmlns:m="http://schemas.openxmlformats.org/officeDocument/2006/math">
+                    <m:oMathParaPr>
+                      <m:jc m:val="centerGroup"/>
+                    </m:oMathParaPr>
+                    <m:oMath xmlns:m="http://schemas.openxmlformats.org/officeDocument/2006/math">
+                      <m:sSub>
+                        <m:sSubPr>
+                          <m:ctrlPr>
+                            <a:rPr lang="pt-BR" b="0" i="1" smtClean="0">
+                              <a:latin typeface="Cambria Math"/>
+                            </a:rPr>
+                          </m:ctrlPr>
+                        </m:sSubPr>
+                        <m:e>
+                          <m:r>
+                            <a:rPr lang="pt-BR" b="0" i="1" smtClean="0">
+                              <a:latin typeface="Cambria Math"/>
+                            </a:rPr>
+                            <m:t>𝑖</m:t>
+                          </m:r>
+                        </m:e>
+                        <m:sub>
+                          <m:r>
+                            <a:rPr lang="pt-BR" b="0" i="1" smtClean="0">
+                              <a:latin typeface="Cambria Math"/>
+                            </a:rPr>
+                            <m:t>𝑆</m:t>
+                          </m:r>
+                          <m:r>
+                            <a:rPr lang="pt-BR" b="0" i="1" smtClean="0">
+                              <a:latin typeface="Cambria Math"/>
+                            </a:rPr>
+                            <m:t>𝑎</m:t>
+                          </m:r>
+                        </m:sub>
+                      </m:sSub>
+                    </m:oMath>
+                  </m:oMathPara>
+                </a14:m>
+                <a:endParaRPr lang="pt-BR" dirty="0"/>
+              </a:p>
+            </p:txBody>
+          </p:sp>
+        </mc:Choice>
+        <mc:Fallback>
+          <p:sp>
+            <p:nvSpPr>
+              <p:cNvPr id="63" name="CaixaDeTexto 62"/>
+              <p:cNvSpPr txBox="1">
+                <a:spLocks noRot="1" noChangeAspect="1" noMove="1" noResize="1" noEditPoints="1" noAdjustHandles="1" noChangeArrowheads="1" noChangeShapeType="1" noTextEdit="1"/>
+              </p:cNvSpPr>
+              <p:nvPr/>
+            </p:nvSpPr>
+            <p:spPr>
+              <a:xfrm>
+                <a:off x="3986827" y="460262"/>
+                <a:ext cx="517193" cy="369332"/>
+              </a:xfrm>
+              <a:prstGeom prst="rect">
+                <a:avLst/>
+              </a:prstGeom>
+              <a:blipFill rotWithShape="1">
+                <a:blip r:embed="rId20"/>
+                <a:stretch>
+                  <a:fillRect/>
+                </a:stretch>
+              </a:blipFill>
+            </p:spPr>
+            <p:txBody>
+              <a:bodyPr/>
+              <a:lstStyle/>
+              <a:p>
+                <a:r>
+                  <a:rPr lang="pt-BR">
+                    <a:noFill/>
+                  </a:rPr>
+                  <a:t> </a:t>
+                </a:r>
+              </a:p>
+            </p:txBody>
+          </p:sp>
+        </mc:Fallback>
+      </mc:AlternateContent>
+      <mc:AlternateContent xmlns:mc="http://schemas.openxmlformats.org/markup-compatibility/2006">
+        <mc:Choice xmlns:a14="http://schemas.microsoft.com/office/drawing/2010/main" Requires="a14">
+          <p:sp>
+            <p:nvSpPr>
+              <p:cNvPr id="64" name="CaixaDeTexto 63"/>
+              <p:cNvSpPr txBox="1"/>
+              <p:nvPr/>
+            </p:nvSpPr>
+            <p:spPr>
+              <a:xfrm>
+                <a:off x="4016563" y="908944"/>
+                <a:ext cx="512769" cy="369332"/>
+              </a:xfrm>
+              <a:prstGeom prst="rect">
+                <a:avLst/>
+              </a:prstGeom>
+              <a:noFill/>
+            </p:spPr>
+            <p:txBody>
+              <a:bodyPr wrap="none" rtlCol="0">
+                <a:spAutoFit/>
+              </a:bodyPr>
+              <a:lstStyle/>
+              <a:p>
+                <a:pPr/>
+                <a14:m>
+                  <m:oMathPara xmlns:m="http://schemas.openxmlformats.org/officeDocument/2006/math">
+                    <m:oMathParaPr>
+                      <m:jc m:val="centerGroup"/>
+                    </m:oMathParaPr>
+                    <m:oMath xmlns:m="http://schemas.openxmlformats.org/officeDocument/2006/math">
+                      <m:sSub>
+                        <m:sSubPr>
+                          <m:ctrlPr>
+                            <a:rPr lang="pt-BR" b="0" i="1" smtClean="0">
+                              <a:latin typeface="Cambria Math"/>
+                            </a:rPr>
+                          </m:ctrlPr>
+                        </m:sSubPr>
+                        <m:e>
+                          <m:r>
+                            <a:rPr lang="pt-BR" b="0" i="1" smtClean="0">
+                              <a:latin typeface="Cambria Math"/>
+                            </a:rPr>
+                            <m:t>𝑖</m:t>
+                          </m:r>
+                        </m:e>
+                        <m:sub>
+                          <m:r>
+                            <a:rPr lang="pt-BR" b="0" i="1" smtClean="0">
+                              <a:latin typeface="Cambria Math"/>
+                            </a:rPr>
+                            <m:t>𝑆</m:t>
+                          </m:r>
+                          <m:r>
+                            <a:rPr lang="pt-BR" b="0" i="1" smtClean="0">
+                              <a:latin typeface="Cambria Math"/>
+                            </a:rPr>
+                            <m:t>𝑏</m:t>
+                          </m:r>
+                        </m:sub>
+                      </m:sSub>
+                    </m:oMath>
+                  </m:oMathPara>
+                </a14:m>
+                <a:endParaRPr lang="pt-BR" dirty="0"/>
+              </a:p>
+            </p:txBody>
+          </p:sp>
+        </mc:Choice>
+        <mc:Fallback>
+          <p:sp>
+            <p:nvSpPr>
+              <p:cNvPr id="64" name="CaixaDeTexto 63"/>
+              <p:cNvSpPr txBox="1">
+                <a:spLocks noRot="1" noChangeAspect="1" noMove="1" noResize="1" noEditPoints="1" noAdjustHandles="1" noChangeArrowheads="1" noChangeShapeType="1" noTextEdit="1"/>
+              </p:cNvSpPr>
+              <p:nvPr/>
+            </p:nvSpPr>
+            <p:spPr>
+              <a:xfrm>
+                <a:off x="4016563" y="908944"/>
+                <a:ext cx="512769" cy="369332"/>
+              </a:xfrm>
+              <a:prstGeom prst="rect">
+                <a:avLst/>
+              </a:prstGeom>
+              <a:blipFill rotWithShape="1">
+                <a:blip r:embed="rId21"/>
+                <a:stretch>
+                  <a:fillRect/>
+                </a:stretch>
+              </a:blipFill>
+            </p:spPr>
+            <p:txBody>
+              <a:bodyPr/>
+              <a:lstStyle/>
+              <a:p>
+                <a:r>
+                  <a:rPr lang="pt-BR">
+                    <a:noFill/>
+                  </a:rPr>
+                  <a:t> </a:t>
+                </a:r>
+              </a:p>
+            </p:txBody>
+          </p:sp>
+        </mc:Fallback>
+      </mc:AlternateContent>
+      <mc:AlternateContent xmlns:mc="http://schemas.openxmlformats.org/markup-compatibility/2006">
+        <mc:Choice xmlns:a14="http://schemas.microsoft.com/office/drawing/2010/main" Requires="a14">
+          <p:sp>
+            <p:nvSpPr>
+              <p:cNvPr id="78" name="CaixaDeTexto 77"/>
+              <p:cNvSpPr txBox="1"/>
+              <p:nvPr/>
+            </p:nvSpPr>
+            <p:spPr>
+              <a:xfrm>
+                <a:off x="4016563" y="1367484"/>
+                <a:ext cx="497572" cy="369332"/>
+              </a:xfrm>
+              <a:prstGeom prst="rect">
+                <a:avLst/>
+              </a:prstGeom>
+              <a:noFill/>
+            </p:spPr>
+            <p:txBody>
+              <a:bodyPr wrap="none" rtlCol="0">
+                <a:spAutoFit/>
+              </a:bodyPr>
+              <a:lstStyle/>
+              <a:p>
+                <a:pPr/>
+                <a14:m>
+                  <m:oMathPara xmlns:m="http://schemas.openxmlformats.org/officeDocument/2006/math">
+                    <m:oMathParaPr>
+                      <m:jc m:val="centerGroup"/>
+                    </m:oMathParaPr>
+                    <m:oMath xmlns:m="http://schemas.openxmlformats.org/officeDocument/2006/math">
+                      <m:sSub>
+                        <m:sSubPr>
+                          <m:ctrlPr>
+                            <a:rPr lang="pt-BR" b="0" i="1" smtClean="0">
+                              <a:latin typeface="Cambria Math"/>
+                            </a:rPr>
+                          </m:ctrlPr>
+                        </m:sSubPr>
+                        <m:e>
+                          <m:r>
+                            <a:rPr lang="pt-BR" b="0" i="1" smtClean="0">
+                              <a:latin typeface="Cambria Math"/>
+                            </a:rPr>
+                            <m:t>𝑖</m:t>
+                          </m:r>
+                        </m:e>
+                        <m:sub>
+                          <m:r>
+                            <a:rPr lang="pt-BR" b="0" i="1" smtClean="0">
+                              <a:latin typeface="Cambria Math"/>
+                            </a:rPr>
+                            <m:t>𝑆</m:t>
+                          </m:r>
+                          <m:r>
+                            <a:rPr lang="pt-BR" b="0" i="1" smtClean="0">
+                              <a:latin typeface="Cambria Math"/>
+                            </a:rPr>
+                            <m:t>𝑐</m:t>
+                          </m:r>
+                        </m:sub>
+                      </m:sSub>
+                    </m:oMath>
+                  </m:oMathPara>
+                </a14:m>
+                <a:endParaRPr lang="pt-BR" dirty="0"/>
+              </a:p>
+            </p:txBody>
+          </p:sp>
+        </mc:Choice>
+        <mc:Fallback>
+          <p:sp>
+            <p:nvSpPr>
+              <p:cNvPr id="78" name="CaixaDeTexto 77"/>
+              <p:cNvSpPr txBox="1">
+                <a:spLocks noRot="1" noChangeAspect="1" noMove="1" noResize="1" noEditPoints="1" noAdjustHandles="1" noChangeArrowheads="1" noChangeShapeType="1" noTextEdit="1"/>
+              </p:cNvSpPr>
+              <p:nvPr/>
+            </p:nvSpPr>
+            <p:spPr>
+              <a:xfrm>
+                <a:off x="4016563" y="1367484"/>
+                <a:ext cx="497572" cy="369332"/>
+              </a:xfrm>
+              <a:prstGeom prst="rect">
+                <a:avLst/>
+              </a:prstGeom>
+              <a:blipFill rotWithShape="1">
+                <a:blip r:embed="rId22"/>
+                <a:stretch>
+                  <a:fillRect/>
+                </a:stretch>
+              </a:blipFill>
+            </p:spPr>
+            <p:txBody>
+              <a:bodyPr/>
+              <a:lstStyle/>
+              <a:p>
+                <a:r>
+                  <a:rPr lang="pt-BR">
+                    <a:noFill/>
+                  </a:rPr>
+                  <a:t> </a:t>
+                </a:r>
+              </a:p>
+            </p:txBody>
+          </p:sp>
+        </mc:Fallback>
+      </mc:AlternateContent>
     </p:spTree>
     <p:extLst>
       <p:ext uri="{BB962C8B-B14F-4D97-AF65-F5344CB8AC3E}">

--- a/Tranqueiras de ppt/desenhos_filtro_complexo.pptx
+++ b/Tranqueiras de ppt/desenhos_filtro_complexo.pptx
@@ -9,6 +9,7 @@
     <p:sldId id="257" r:id="rId3"/>
     <p:sldId id="258" r:id="rId4"/>
     <p:sldId id="259" r:id="rId5"/>
+    <p:sldId id="260" r:id="rId6"/>
   </p:sldIdLst>
   <p:sldSz cx="9144000" cy="6858000" type="screen4x3"/>
   <p:notesSz cx="6858000" cy="9144000"/>
@@ -109,7 +110,7 @@
   </p:defaultTextStyle>
   <p:extLst>
     <p:ext uri="{EFAFB233-063F-42B5-8137-9DF3F51BA10A}">
-      <p15:sldGuideLst xmlns="" xmlns:p15="http://schemas.microsoft.com/office/powerpoint/2012/main">
+      <p15:sldGuideLst xmlns:p15="http://schemas.microsoft.com/office/powerpoint/2012/main" xmlns="">
         <p15:guide id="1" orient="horz" pos="2160">
           <p15:clr>
             <a:srgbClr val="A4A3A4"/>
@@ -305,7 +306,7 @@
           <a:p>
             <a:fld id="{9F140449-45B3-4C4C-B502-456914857DA8}" type="datetimeFigureOut">
               <a:rPr lang="pt-BR" smtClean="0"/>
-              <a:t>01/09/2016</a:t>
+              <a:t>21/09/2016</a:t>
             </a:fld>
             <a:endParaRPr lang="pt-BR"/>
           </a:p>
@@ -473,7 +474,7 @@
           <a:p>
             <a:fld id="{9F140449-45B3-4C4C-B502-456914857DA8}" type="datetimeFigureOut">
               <a:rPr lang="pt-BR" smtClean="0"/>
-              <a:t>01/09/2016</a:t>
+              <a:t>21/09/2016</a:t>
             </a:fld>
             <a:endParaRPr lang="pt-BR"/>
           </a:p>
@@ -651,7 +652,7 @@
           <a:p>
             <a:fld id="{9F140449-45B3-4C4C-B502-456914857DA8}" type="datetimeFigureOut">
               <a:rPr lang="pt-BR" smtClean="0"/>
-              <a:t>01/09/2016</a:t>
+              <a:t>21/09/2016</a:t>
             </a:fld>
             <a:endParaRPr lang="pt-BR"/>
           </a:p>
@@ -819,7 +820,7 @@
           <a:p>
             <a:fld id="{9F140449-45B3-4C4C-B502-456914857DA8}" type="datetimeFigureOut">
               <a:rPr lang="pt-BR" smtClean="0"/>
-              <a:t>01/09/2016</a:t>
+              <a:t>21/09/2016</a:t>
             </a:fld>
             <a:endParaRPr lang="pt-BR"/>
           </a:p>
@@ -1064,7 +1065,7 @@
           <a:p>
             <a:fld id="{9F140449-45B3-4C4C-B502-456914857DA8}" type="datetimeFigureOut">
               <a:rPr lang="pt-BR" smtClean="0"/>
-              <a:t>01/09/2016</a:t>
+              <a:t>21/09/2016</a:t>
             </a:fld>
             <a:endParaRPr lang="pt-BR"/>
           </a:p>
@@ -1349,7 +1350,7 @@
           <a:p>
             <a:fld id="{9F140449-45B3-4C4C-B502-456914857DA8}" type="datetimeFigureOut">
               <a:rPr lang="pt-BR" smtClean="0"/>
-              <a:t>01/09/2016</a:t>
+              <a:t>21/09/2016</a:t>
             </a:fld>
             <a:endParaRPr lang="pt-BR"/>
           </a:p>
@@ -1768,7 +1769,7 @@
           <a:p>
             <a:fld id="{9F140449-45B3-4C4C-B502-456914857DA8}" type="datetimeFigureOut">
               <a:rPr lang="pt-BR" smtClean="0"/>
-              <a:t>01/09/2016</a:t>
+              <a:t>21/09/2016</a:t>
             </a:fld>
             <a:endParaRPr lang="pt-BR"/>
           </a:p>
@@ -1885,7 +1886,7 @@
           <a:p>
             <a:fld id="{9F140449-45B3-4C4C-B502-456914857DA8}" type="datetimeFigureOut">
               <a:rPr lang="pt-BR" smtClean="0"/>
-              <a:t>01/09/2016</a:t>
+              <a:t>21/09/2016</a:t>
             </a:fld>
             <a:endParaRPr lang="pt-BR"/>
           </a:p>
@@ -1980,7 +1981,7 @@
           <a:p>
             <a:fld id="{9F140449-45B3-4C4C-B502-456914857DA8}" type="datetimeFigureOut">
               <a:rPr lang="pt-BR" smtClean="0"/>
-              <a:t>01/09/2016</a:t>
+              <a:t>21/09/2016</a:t>
             </a:fld>
             <a:endParaRPr lang="pt-BR"/>
           </a:p>
@@ -2255,7 +2256,7 @@
           <a:p>
             <a:fld id="{9F140449-45B3-4C4C-B502-456914857DA8}" type="datetimeFigureOut">
               <a:rPr lang="pt-BR" smtClean="0"/>
-              <a:t>01/09/2016</a:t>
+              <a:t>21/09/2016</a:t>
             </a:fld>
             <a:endParaRPr lang="pt-BR"/>
           </a:p>
@@ -2507,7 +2508,7 @@
           <a:p>
             <a:fld id="{9F140449-45B3-4C4C-B502-456914857DA8}" type="datetimeFigureOut">
               <a:rPr lang="pt-BR" smtClean="0"/>
-              <a:t>01/09/2016</a:t>
+              <a:t>21/09/2016</a:t>
             </a:fld>
             <a:endParaRPr lang="pt-BR"/>
           </a:p>
@@ -2718,7 +2719,7 @@
           <a:p>
             <a:fld id="{9F140449-45B3-4C4C-B502-456914857DA8}" type="datetimeFigureOut">
               <a:rPr lang="pt-BR" smtClean="0"/>
-              <a:t>01/09/2016</a:t>
+              <a:t>21/09/2016</a:t>
             </a:fld>
             <a:endParaRPr lang="pt-BR"/>
           </a:p>
@@ -9632,8 +9633,8 @@
           </a:p>
         </p:txBody>
       </p:sp>
-      <mc:AlternateContent xmlns:mc="http://schemas.openxmlformats.org/markup-compatibility/2006">
-        <mc:Choice xmlns:a14="http://schemas.microsoft.com/office/drawing/2010/main" Requires="a14">
+      <mc:AlternateContent xmlns:mc="http://schemas.openxmlformats.org/markup-compatibility/2006" xmlns:a14="http://schemas.microsoft.com/office/drawing/2010/main">
+        <mc:Choice Requires="a14">
           <p:sp>
             <p:nvSpPr>
               <p:cNvPr id="59" name="CaixaDeTexto 58"/>
@@ -9696,7 +9697,7 @@
             </p:txBody>
           </p:sp>
         </mc:Choice>
-        <mc:Fallback>
+        <mc:Fallback xmlns="">
           <p:sp>
             <p:nvSpPr>
               <p:cNvPr id="59" name="CaixaDeTexto 58"/>
@@ -9735,8 +9736,8 @@
           </p:sp>
         </mc:Fallback>
       </mc:AlternateContent>
-      <mc:AlternateContent xmlns:mc="http://schemas.openxmlformats.org/markup-compatibility/2006">
-        <mc:Choice xmlns:a14="http://schemas.microsoft.com/office/drawing/2010/main" Requires="a14">
+      <mc:AlternateContent xmlns:mc="http://schemas.openxmlformats.org/markup-compatibility/2006" xmlns:a14="http://schemas.microsoft.com/office/drawing/2010/main">
+        <mc:Choice Requires="a14">
           <p:sp>
             <p:nvSpPr>
               <p:cNvPr id="61" name="CaixaDeTexto 60"/>
@@ -9799,7 +9800,7 @@
             </p:txBody>
           </p:sp>
         </mc:Choice>
-        <mc:Fallback>
+        <mc:Fallback xmlns="">
           <p:sp>
             <p:nvSpPr>
               <p:cNvPr id="61" name="CaixaDeTexto 60"/>
@@ -9838,8 +9839,8 @@
           </p:sp>
         </mc:Fallback>
       </mc:AlternateContent>
-      <mc:AlternateContent xmlns:mc="http://schemas.openxmlformats.org/markup-compatibility/2006">
-        <mc:Choice xmlns:a14="http://schemas.microsoft.com/office/drawing/2010/main" Requires="a14">
+      <mc:AlternateContent xmlns:mc="http://schemas.openxmlformats.org/markup-compatibility/2006" xmlns:a14="http://schemas.microsoft.com/office/drawing/2010/main">
+        <mc:Choice Requires="a14">
           <p:sp>
             <p:nvSpPr>
               <p:cNvPr id="67" name="CaixaDeTexto 66"/>
@@ -9902,7 +9903,7 @@
             </p:txBody>
           </p:sp>
         </mc:Choice>
-        <mc:Fallback>
+        <mc:Fallback xmlns="">
           <p:sp>
             <p:nvSpPr>
               <p:cNvPr id="67" name="CaixaDeTexto 66"/>
@@ -15528,8 +15529,8 @@
           </p:sp>
         </mc:Fallback>
       </mc:AlternateContent>
-      <mc:AlternateContent xmlns:mc="http://schemas.openxmlformats.org/markup-compatibility/2006">
-        <mc:Choice xmlns:a14="http://schemas.microsoft.com/office/drawing/2010/main" Requires="a14">
+      <mc:AlternateContent xmlns:mc="http://schemas.openxmlformats.org/markup-compatibility/2006" xmlns:a14="http://schemas.microsoft.com/office/drawing/2010/main">
+        <mc:Choice Requires="a14">
           <p:sp>
             <p:nvSpPr>
               <p:cNvPr id="23" name="CaixaDeTexto 22"/>
@@ -15592,7 +15593,7 @@
             </p:txBody>
           </p:sp>
         </mc:Choice>
-        <mc:Fallback>
+        <mc:Fallback xmlns="">
           <p:sp>
             <p:nvSpPr>
               <p:cNvPr id="23" name="CaixaDeTexto 22"/>
@@ -15631,8 +15632,8 @@
           </p:sp>
         </mc:Fallback>
       </mc:AlternateContent>
-      <mc:AlternateContent xmlns:mc="http://schemas.openxmlformats.org/markup-compatibility/2006">
-        <mc:Choice xmlns:a14="http://schemas.microsoft.com/office/drawing/2010/main" Requires="a14">
+      <mc:AlternateContent xmlns:mc="http://schemas.openxmlformats.org/markup-compatibility/2006" xmlns:a14="http://schemas.microsoft.com/office/drawing/2010/main">
+        <mc:Choice Requires="a14">
           <p:sp>
             <p:nvSpPr>
               <p:cNvPr id="24" name="CaixaDeTexto 23"/>
@@ -15695,7 +15696,7 @@
             </p:txBody>
           </p:sp>
         </mc:Choice>
-        <mc:Fallback>
+        <mc:Fallback xmlns="">
           <p:sp>
             <p:nvSpPr>
               <p:cNvPr id="24" name="CaixaDeTexto 23"/>
@@ -15734,8 +15735,8 @@
           </p:sp>
         </mc:Fallback>
       </mc:AlternateContent>
-      <mc:AlternateContent xmlns:mc="http://schemas.openxmlformats.org/markup-compatibility/2006">
-        <mc:Choice xmlns:a14="http://schemas.microsoft.com/office/drawing/2010/main" Requires="a14">
+      <mc:AlternateContent xmlns:mc="http://schemas.openxmlformats.org/markup-compatibility/2006" xmlns:a14="http://schemas.microsoft.com/office/drawing/2010/main">
+        <mc:Choice Requires="a14">
           <p:sp>
             <p:nvSpPr>
               <p:cNvPr id="25" name="CaixaDeTexto 24"/>
@@ -15798,7 +15799,7 @@
             </p:txBody>
           </p:sp>
         </mc:Choice>
-        <mc:Fallback>
+        <mc:Fallback xmlns="">
           <p:sp>
             <p:nvSpPr>
               <p:cNvPr id="25" name="CaixaDeTexto 24"/>
@@ -15837,8 +15838,8 @@
           </p:sp>
         </mc:Fallback>
       </mc:AlternateContent>
-      <mc:AlternateContent xmlns:mc="http://schemas.openxmlformats.org/markup-compatibility/2006">
-        <mc:Choice xmlns:a14="http://schemas.microsoft.com/office/drawing/2010/main" Requires="a14">
+      <mc:AlternateContent xmlns:mc="http://schemas.openxmlformats.org/markup-compatibility/2006" xmlns:a14="http://schemas.microsoft.com/office/drawing/2010/main">
+        <mc:Choice Requires="a14">
           <p:sp>
             <p:nvSpPr>
               <p:cNvPr id="26" name="CaixaDeTexto 25"/>
@@ -15902,7 +15903,7 @@
             </p:txBody>
           </p:sp>
         </mc:Choice>
-        <mc:Fallback>
+        <mc:Fallback xmlns="">
           <p:sp>
             <p:nvSpPr>
               <p:cNvPr id="26" name="CaixaDeTexto 25"/>
@@ -15941,8 +15942,8 @@
           </p:sp>
         </mc:Fallback>
       </mc:AlternateContent>
-      <mc:AlternateContent xmlns:mc="http://schemas.openxmlformats.org/markup-compatibility/2006">
-        <mc:Choice xmlns:a14="http://schemas.microsoft.com/office/drawing/2010/main" Requires="a14">
+      <mc:AlternateContent xmlns:mc="http://schemas.openxmlformats.org/markup-compatibility/2006" xmlns:a14="http://schemas.microsoft.com/office/drawing/2010/main">
+        <mc:Choice Requires="a14">
           <p:sp>
             <p:nvSpPr>
               <p:cNvPr id="27" name="CaixaDeTexto 26"/>
@@ -16006,7 +16007,7 @@
             </p:txBody>
           </p:sp>
         </mc:Choice>
-        <mc:Fallback>
+        <mc:Fallback xmlns="">
           <p:sp>
             <p:nvSpPr>
               <p:cNvPr id="27" name="CaixaDeTexto 26"/>
@@ -16045,8 +16046,8 @@
           </p:sp>
         </mc:Fallback>
       </mc:AlternateContent>
-      <mc:AlternateContent xmlns:mc="http://schemas.openxmlformats.org/markup-compatibility/2006">
-        <mc:Choice xmlns:a14="http://schemas.microsoft.com/office/drawing/2010/main" Requires="a14">
+      <mc:AlternateContent xmlns:mc="http://schemas.openxmlformats.org/markup-compatibility/2006" xmlns:a14="http://schemas.microsoft.com/office/drawing/2010/main">
+        <mc:Choice Requires="a14">
           <p:sp>
             <p:nvSpPr>
               <p:cNvPr id="28" name="CaixaDeTexto 27"/>
@@ -16110,7 +16111,7 @@
             </p:txBody>
           </p:sp>
         </mc:Choice>
-        <mc:Fallback>
+        <mc:Fallback xmlns="">
           <p:sp>
             <p:nvSpPr>
               <p:cNvPr id="28" name="CaixaDeTexto 27"/>
@@ -16658,8 +16659,8 @@
           </a:fontRef>
         </p:style>
       </p:cxnSp>
-      <mc:AlternateContent xmlns:mc="http://schemas.openxmlformats.org/markup-compatibility/2006">
-        <mc:Choice xmlns:a14="http://schemas.microsoft.com/office/drawing/2010/main" Requires="a14">
+      <mc:AlternateContent xmlns:mc="http://schemas.openxmlformats.org/markup-compatibility/2006" xmlns:a14="http://schemas.microsoft.com/office/drawing/2010/main">
+        <mc:Choice Requires="a14">
           <p:sp>
             <p:nvSpPr>
               <p:cNvPr id="65" name="CaixaDeTexto 64"/>
@@ -16722,7 +16723,7 @@
             </p:txBody>
           </p:sp>
         </mc:Choice>
-        <mc:Fallback>
+        <mc:Fallback xmlns="">
           <p:sp>
             <p:nvSpPr>
               <p:cNvPr id="65" name="CaixaDeTexto 64"/>
@@ -16761,8 +16762,8 @@
           </p:sp>
         </mc:Fallback>
       </mc:AlternateContent>
-      <mc:AlternateContent xmlns:mc="http://schemas.openxmlformats.org/markup-compatibility/2006">
-        <mc:Choice xmlns:a14="http://schemas.microsoft.com/office/drawing/2010/main" Requires="a14">
+      <mc:AlternateContent xmlns:mc="http://schemas.openxmlformats.org/markup-compatibility/2006" xmlns:a14="http://schemas.microsoft.com/office/drawing/2010/main">
+        <mc:Choice Requires="a14">
           <p:sp>
             <p:nvSpPr>
               <p:cNvPr id="66" name="CaixaDeTexto 65"/>
@@ -16825,7 +16826,7 @@
             </p:txBody>
           </p:sp>
         </mc:Choice>
-        <mc:Fallback>
+        <mc:Fallback xmlns="">
           <p:sp>
             <p:nvSpPr>
               <p:cNvPr id="66" name="CaixaDeTexto 65"/>
@@ -16864,8 +16865,8 @@
           </p:sp>
         </mc:Fallback>
       </mc:AlternateContent>
-      <mc:AlternateContent xmlns:mc="http://schemas.openxmlformats.org/markup-compatibility/2006">
-        <mc:Choice xmlns:a14="http://schemas.microsoft.com/office/drawing/2010/main" Requires="a14">
+      <mc:AlternateContent xmlns:mc="http://schemas.openxmlformats.org/markup-compatibility/2006" xmlns:a14="http://schemas.microsoft.com/office/drawing/2010/main">
+        <mc:Choice Requires="a14">
           <p:sp>
             <p:nvSpPr>
               <p:cNvPr id="67" name="CaixaDeTexto 66"/>
@@ -16928,7 +16929,7 @@
             </p:txBody>
           </p:sp>
         </mc:Choice>
-        <mc:Fallback>
+        <mc:Fallback xmlns="">
           <p:sp>
             <p:nvSpPr>
               <p:cNvPr id="67" name="CaixaDeTexto 66"/>
@@ -17183,8 +17184,8 @@
           </a:fontRef>
         </p:style>
       </p:cxnSp>
-      <mc:AlternateContent xmlns:mc="http://schemas.openxmlformats.org/markup-compatibility/2006">
-        <mc:Choice xmlns:a14="http://schemas.microsoft.com/office/drawing/2010/main" Requires="a14">
+      <mc:AlternateContent xmlns:mc="http://schemas.openxmlformats.org/markup-compatibility/2006" xmlns:a14="http://schemas.microsoft.com/office/drawing/2010/main">
+        <mc:Choice Requires="a14">
           <p:sp>
             <p:nvSpPr>
               <p:cNvPr id="75" name="CaixaDeTexto 74"/>
@@ -17247,7 +17248,7 @@
             </p:txBody>
           </p:sp>
         </mc:Choice>
-        <mc:Fallback>
+        <mc:Fallback xmlns="">
           <p:sp>
             <p:nvSpPr>
               <p:cNvPr id="75" name="CaixaDeTexto 74"/>
@@ -17286,8 +17287,8 @@
           </p:sp>
         </mc:Fallback>
       </mc:AlternateContent>
-      <mc:AlternateContent xmlns:mc="http://schemas.openxmlformats.org/markup-compatibility/2006">
-        <mc:Choice xmlns:a14="http://schemas.microsoft.com/office/drawing/2010/main" Requires="a14">
+      <mc:AlternateContent xmlns:mc="http://schemas.openxmlformats.org/markup-compatibility/2006" xmlns:a14="http://schemas.microsoft.com/office/drawing/2010/main">
+        <mc:Choice Requires="a14">
           <p:sp>
             <p:nvSpPr>
               <p:cNvPr id="76" name="CaixaDeTexto 75"/>
@@ -17350,7 +17351,7 @@
             </p:txBody>
           </p:sp>
         </mc:Choice>
-        <mc:Fallback>
+        <mc:Fallback xmlns="">
           <p:sp>
             <p:nvSpPr>
               <p:cNvPr id="76" name="CaixaDeTexto 75"/>
@@ -17389,8 +17390,8 @@
           </p:sp>
         </mc:Fallback>
       </mc:AlternateContent>
-      <mc:AlternateContent xmlns:mc="http://schemas.openxmlformats.org/markup-compatibility/2006">
-        <mc:Choice xmlns:a14="http://schemas.microsoft.com/office/drawing/2010/main" Requires="a14">
+      <mc:AlternateContent xmlns:mc="http://schemas.openxmlformats.org/markup-compatibility/2006" xmlns:a14="http://schemas.microsoft.com/office/drawing/2010/main">
+        <mc:Choice Requires="a14">
           <p:sp>
             <p:nvSpPr>
               <p:cNvPr id="77" name="CaixaDeTexto 76"/>
@@ -17453,7 +17454,7 @@
             </p:txBody>
           </p:sp>
         </mc:Choice>
-        <mc:Fallback>
+        <mc:Fallback xmlns="">
           <p:sp>
             <p:nvSpPr>
               <p:cNvPr id="77" name="CaixaDeTexto 76"/>
@@ -17768,8 +17769,8 @@
           </a:fontRef>
         </p:style>
       </p:cxnSp>
-      <mc:AlternateContent xmlns:mc="http://schemas.openxmlformats.org/markup-compatibility/2006">
-        <mc:Choice xmlns:a14="http://schemas.microsoft.com/office/drawing/2010/main" Requires="a14">
+      <mc:AlternateContent xmlns:mc="http://schemas.openxmlformats.org/markup-compatibility/2006" xmlns:a14="http://schemas.microsoft.com/office/drawing/2010/main">
+        <mc:Choice Requires="a14">
           <p:sp>
             <p:nvSpPr>
               <p:cNvPr id="63" name="CaixaDeTexto 62"/>
@@ -17820,13 +17821,7 @@
                             <a:rPr lang="pt-BR" b="0" i="1" smtClean="0">
                               <a:latin typeface="Cambria Math"/>
                             </a:rPr>
-                            <m:t>𝑆</m:t>
-                          </m:r>
-                          <m:r>
-                            <a:rPr lang="pt-BR" b="0" i="1" smtClean="0">
-                              <a:latin typeface="Cambria Math"/>
-                            </a:rPr>
-                            <m:t>𝑎</m:t>
+                            <m:t>𝑆𝑎</m:t>
                           </m:r>
                         </m:sub>
                       </m:sSub>
@@ -17838,7 +17833,7 @@
             </p:txBody>
           </p:sp>
         </mc:Choice>
-        <mc:Fallback>
+        <mc:Fallback xmlns="">
           <p:sp>
             <p:nvSpPr>
               <p:cNvPr id="63" name="CaixaDeTexto 62"/>
@@ -17877,8 +17872,8 @@
           </p:sp>
         </mc:Fallback>
       </mc:AlternateContent>
-      <mc:AlternateContent xmlns:mc="http://schemas.openxmlformats.org/markup-compatibility/2006">
-        <mc:Choice xmlns:a14="http://schemas.microsoft.com/office/drawing/2010/main" Requires="a14">
+      <mc:AlternateContent xmlns:mc="http://schemas.openxmlformats.org/markup-compatibility/2006" xmlns:a14="http://schemas.microsoft.com/office/drawing/2010/main">
+        <mc:Choice Requires="a14">
           <p:sp>
             <p:nvSpPr>
               <p:cNvPr id="64" name="CaixaDeTexto 63"/>
@@ -17929,13 +17924,7 @@
                             <a:rPr lang="pt-BR" b="0" i="1" smtClean="0">
                               <a:latin typeface="Cambria Math"/>
                             </a:rPr>
-                            <m:t>𝑆</m:t>
-                          </m:r>
-                          <m:r>
-                            <a:rPr lang="pt-BR" b="0" i="1" smtClean="0">
-                              <a:latin typeface="Cambria Math"/>
-                            </a:rPr>
-                            <m:t>𝑏</m:t>
+                            <m:t>𝑆𝑏</m:t>
                           </m:r>
                         </m:sub>
                       </m:sSub>
@@ -17947,7 +17936,7 @@
             </p:txBody>
           </p:sp>
         </mc:Choice>
-        <mc:Fallback>
+        <mc:Fallback xmlns="">
           <p:sp>
             <p:nvSpPr>
               <p:cNvPr id="64" name="CaixaDeTexto 63"/>
@@ -17986,8 +17975,8 @@
           </p:sp>
         </mc:Fallback>
       </mc:AlternateContent>
-      <mc:AlternateContent xmlns:mc="http://schemas.openxmlformats.org/markup-compatibility/2006">
-        <mc:Choice xmlns:a14="http://schemas.microsoft.com/office/drawing/2010/main" Requires="a14">
+      <mc:AlternateContent xmlns:mc="http://schemas.openxmlformats.org/markup-compatibility/2006" xmlns:a14="http://schemas.microsoft.com/office/drawing/2010/main">
+        <mc:Choice Requires="a14">
           <p:sp>
             <p:nvSpPr>
               <p:cNvPr id="78" name="CaixaDeTexto 77"/>
@@ -18038,13 +18027,7 @@
                             <a:rPr lang="pt-BR" b="0" i="1" smtClean="0">
                               <a:latin typeface="Cambria Math"/>
                             </a:rPr>
-                            <m:t>𝑆</m:t>
-                          </m:r>
-                          <m:r>
-                            <a:rPr lang="pt-BR" b="0" i="1" smtClean="0">
-                              <a:latin typeface="Cambria Math"/>
-                            </a:rPr>
-                            <m:t>𝑐</m:t>
+                            <m:t>𝑆𝑐</m:t>
                           </m:r>
                         </m:sub>
                       </m:sSub>
@@ -18056,7 +18039,7 @@
             </p:txBody>
           </p:sp>
         </mc:Choice>
-        <mc:Fallback>
+        <mc:Fallback xmlns="">
           <p:sp>
             <p:nvSpPr>
               <p:cNvPr id="78" name="CaixaDeTexto 77"/>
@@ -18112,6 +18095,1026 @@
       </p:par>
     </p:tnLst>
   </p:timing>
+</p:sld>
+</file>
+
+<file path=ppt/slides/slide5.xml><?xml version="1.0" encoding="utf-8"?>
+<p:sld xmlns:a="http://schemas.openxmlformats.org/drawingml/2006/main" xmlns:r="http://schemas.openxmlformats.org/officeDocument/2006/relationships" xmlns:p="http://schemas.openxmlformats.org/presentationml/2006/main">
+  <p:cSld>
+    <p:spTree>
+      <p:nvGrpSpPr>
+        <p:cNvPr id="1" name=""/>
+        <p:cNvGrpSpPr/>
+        <p:nvPr/>
+      </p:nvGrpSpPr>
+      <p:grpSpPr>
+        <a:xfrm>
+          <a:off x="0" y="0"/>
+          <a:ext cx="0" cy="0"/>
+          <a:chOff x="0" y="0"/>
+          <a:chExt cx="0" cy="0"/>
+        </a:xfrm>
+      </p:grpSpPr>
+      <p:pic>
+        <p:nvPicPr>
+          <p:cNvPr id="1026" name="Picture 2"/>
+          <p:cNvPicPr>
+            <a:picLocks noChangeAspect="1" noChangeArrowheads="1"/>
+          </p:cNvPicPr>
+          <p:nvPr/>
+        </p:nvPicPr>
+        <p:blipFill>
+          <a:blip r:embed="rId2">
+            <a:extLst>
+              <a:ext uri="{28A0092B-C50C-407E-A947-70E740481C1C}">
+                <a14:useLocalDpi xmlns:a14="http://schemas.microsoft.com/office/drawing/2010/main" val="0"/>
+              </a:ext>
+            </a:extLst>
+          </a:blip>
+          <a:srcRect/>
+          <a:stretch>
+            <a:fillRect/>
+          </a:stretch>
+        </p:blipFill>
+        <p:spPr bwMode="auto">
+          <a:xfrm>
+            <a:off x="-2867024" y="489172"/>
+            <a:ext cx="9144000" cy="3615878"/>
+          </a:xfrm>
+          <a:prstGeom prst="rect">
+            <a:avLst/>
+          </a:prstGeom>
+          <a:noFill/>
+          <a:ln>
+            <a:noFill/>
+          </a:ln>
+          <a:effectLst/>
+          <a:extLst>
+            <a:ext uri="{909E8E84-426E-40DD-AFC4-6F175D3DCCD1}">
+              <a14:hiddenFill xmlns:a14="http://schemas.microsoft.com/office/drawing/2010/main">
+                <a:solidFill>
+                  <a:schemeClr val="accent1"/>
+                </a:solidFill>
+              </a14:hiddenFill>
+            </a:ext>
+            <a:ext uri="{91240B29-F687-4F45-9708-019B960494DF}">
+              <a14:hiddenLine xmlns:a14="http://schemas.microsoft.com/office/drawing/2010/main" w="9525">
+                <a:solidFill>
+                  <a:schemeClr val="tx1"/>
+                </a:solidFill>
+                <a:miter lim="800000"/>
+                <a:headEnd/>
+                <a:tailEnd/>
+              </a14:hiddenLine>
+            </a:ext>
+            <a:ext uri="{AF507438-7753-43E0-B8FC-AC1667EBCBE1}">
+              <a14:hiddenEffects xmlns:a14="http://schemas.microsoft.com/office/drawing/2010/main">
+                <a:effectLst>
+                  <a:outerShdw dist="35921" dir="2700000" algn="ctr" rotWithShape="0">
+                    <a:schemeClr val="bg2"/>
+                  </a:outerShdw>
+                </a:effectLst>
+              </a14:hiddenEffects>
+            </a:ext>
+          </a:extLst>
+        </p:spPr>
+      </p:pic>
+      <p:cxnSp>
+        <p:nvCxnSpPr>
+          <p:cNvPr id="5" name="Conector reto 4"/>
+          <p:cNvCxnSpPr/>
+          <p:nvPr/>
+        </p:nvCxnSpPr>
+        <p:spPr>
+          <a:xfrm>
+            <a:off x="-2646045" y="2581050"/>
+            <a:ext cx="0" cy="3600000"/>
+          </a:xfrm>
+          <a:prstGeom prst="line">
+            <a:avLst/>
+          </a:prstGeom>
+          <a:ln w="38100">
+            <a:solidFill>
+              <a:schemeClr val="tx1">
+                <a:lumMod val="50000"/>
+                <a:lumOff val="50000"/>
+              </a:schemeClr>
+            </a:solidFill>
+            <a:prstDash val="dash"/>
+          </a:ln>
+        </p:spPr>
+        <p:style>
+          <a:lnRef idx="1">
+            <a:schemeClr val="accent1"/>
+          </a:lnRef>
+          <a:fillRef idx="0">
+            <a:schemeClr val="accent1"/>
+          </a:fillRef>
+          <a:effectRef idx="0">
+            <a:schemeClr val="accent1"/>
+          </a:effectRef>
+          <a:fontRef idx="minor">
+            <a:schemeClr val="tx1"/>
+          </a:fontRef>
+        </p:style>
+      </p:cxnSp>
+      <p:cxnSp>
+        <p:nvCxnSpPr>
+          <p:cNvPr id="7" name="Conector reto 6"/>
+          <p:cNvCxnSpPr/>
+          <p:nvPr/>
+        </p:nvCxnSpPr>
+        <p:spPr>
+          <a:xfrm>
+            <a:off x="-2371725" y="1491390"/>
+            <a:ext cx="0" cy="4689660"/>
+          </a:xfrm>
+          <a:prstGeom prst="line">
+            <a:avLst/>
+          </a:prstGeom>
+          <a:ln w="38100">
+            <a:solidFill>
+              <a:schemeClr val="tx1">
+                <a:lumMod val="50000"/>
+                <a:lumOff val="50000"/>
+              </a:schemeClr>
+            </a:solidFill>
+            <a:prstDash val="dash"/>
+          </a:ln>
+        </p:spPr>
+        <p:style>
+          <a:lnRef idx="1">
+            <a:schemeClr val="accent1"/>
+          </a:lnRef>
+          <a:fillRef idx="0">
+            <a:schemeClr val="accent1"/>
+          </a:fillRef>
+          <a:effectRef idx="0">
+            <a:schemeClr val="accent1"/>
+          </a:effectRef>
+          <a:fontRef idx="minor">
+            <a:schemeClr val="tx1"/>
+          </a:fontRef>
+        </p:style>
+      </p:cxnSp>
+      <p:cxnSp>
+        <p:nvCxnSpPr>
+          <p:cNvPr id="9" name="Conector reto 8"/>
+          <p:cNvCxnSpPr/>
+          <p:nvPr/>
+        </p:nvCxnSpPr>
+        <p:spPr>
+          <a:xfrm>
+            <a:off x="-1335405" y="2337210"/>
+            <a:ext cx="0" cy="3600000"/>
+          </a:xfrm>
+          <a:prstGeom prst="line">
+            <a:avLst/>
+          </a:prstGeom>
+          <a:ln w="38100">
+            <a:solidFill>
+              <a:schemeClr val="tx1">
+                <a:lumMod val="50000"/>
+                <a:lumOff val="50000"/>
+              </a:schemeClr>
+            </a:solidFill>
+            <a:prstDash val="dash"/>
+          </a:ln>
+        </p:spPr>
+        <p:style>
+          <a:lnRef idx="1">
+            <a:schemeClr val="accent1"/>
+          </a:lnRef>
+          <a:fillRef idx="0">
+            <a:schemeClr val="accent1"/>
+          </a:fillRef>
+          <a:effectRef idx="0">
+            <a:schemeClr val="accent1"/>
+          </a:effectRef>
+          <a:fontRef idx="minor">
+            <a:schemeClr val="tx1"/>
+          </a:fontRef>
+        </p:style>
+      </p:cxnSp>
+      <p:cxnSp>
+        <p:nvCxnSpPr>
+          <p:cNvPr id="10" name="Conector reto 9"/>
+          <p:cNvCxnSpPr/>
+          <p:nvPr/>
+        </p:nvCxnSpPr>
+        <p:spPr>
+          <a:xfrm>
+            <a:off x="-1061085" y="630330"/>
+            <a:ext cx="0" cy="5306880"/>
+          </a:xfrm>
+          <a:prstGeom prst="line">
+            <a:avLst/>
+          </a:prstGeom>
+          <a:ln w="38100">
+            <a:solidFill>
+              <a:schemeClr val="tx1">
+                <a:lumMod val="50000"/>
+                <a:lumOff val="50000"/>
+              </a:schemeClr>
+            </a:solidFill>
+            <a:prstDash val="dash"/>
+          </a:ln>
+        </p:spPr>
+        <p:style>
+          <a:lnRef idx="1">
+            <a:schemeClr val="accent1"/>
+          </a:lnRef>
+          <a:fillRef idx="0">
+            <a:schemeClr val="accent1"/>
+          </a:fillRef>
+          <a:effectRef idx="0">
+            <a:schemeClr val="accent1"/>
+          </a:effectRef>
+          <a:fontRef idx="minor">
+            <a:schemeClr val="tx1"/>
+          </a:fontRef>
+        </p:style>
+      </p:cxnSp>
+      <p:cxnSp>
+        <p:nvCxnSpPr>
+          <p:cNvPr id="13" name="Conector reto 12"/>
+          <p:cNvCxnSpPr/>
+          <p:nvPr/>
+        </p:nvCxnSpPr>
+        <p:spPr>
+          <a:xfrm>
+            <a:off x="1552575" y="3190650"/>
+            <a:ext cx="0" cy="3600000"/>
+          </a:xfrm>
+          <a:prstGeom prst="line">
+            <a:avLst/>
+          </a:prstGeom>
+          <a:ln w="38100">
+            <a:solidFill>
+              <a:schemeClr val="tx1">
+                <a:lumMod val="50000"/>
+                <a:lumOff val="50000"/>
+              </a:schemeClr>
+            </a:solidFill>
+            <a:prstDash val="dash"/>
+          </a:ln>
+        </p:spPr>
+        <p:style>
+          <a:lnRef idx="1">
+            <a:schemeClr val="accent1"/>
+          </a:lnRef>
+          <a:fillRef idx="0">
+            <a:schemeClr val="accent1"/>
+          </a:fillRef>
+          <a:effectRef idx="0">
+            <a:schemeClr val="accent1"/>
+          </a:effectRef>
+          <a:fontRef idx="minor">
+            <a:schemeClr val="tx1"/>
+          </a:fontRef>
+        </p:style>
+      </p:cxnSp>
+      <p:cxnSp>
+        <p:nvCxnSpPr>
+          <p:cNvPr id="14" name="Conector reto 13"/>
+          <p:cNvCxnSpPr/>
+          <p:nvPr/>
+        </p:nvCxnSpPr>
+        <p:spPr>
+          <a:xfrm>
+            <a:off x="1842135" y="1780950"/>
+            <a:ext cx="0" cy="5002080"/>
+          </a:xfrm>
+          <a:prstGeom prst="line">
+            <a:avLst/>
+          </a:prstGeom>
+          <a:ln w="38100">
+            <a:solidFill>
+              <a:schemeClr val="tx1">
+                <a:lumMod val="50000"/>
+                <a:lumOff val="50000"/>
+              </a:schemeClr>
+            </a:solidFill>
+            <a:prstDash val="dash"/>
+          </a:ln>
+        </p:spPr>
+        <p:style>
+          <a:lnRef idx="1">
+            <a:schemeClr val="accent1"/>
+          </a:lnRef>
+          <a:fillRef idx="0">
+            <a:schemeClr val="accent1"/>
+          </a:fillRef>
+          <a:effectRef idx="0">
+            <a:schemeClr val="accent1"/>
+          </a:effectRef>
+          <a:fontRef idx="minor">
+            <a:schemeClr val="tx1"/>
+          </a:fontRef>
+        </p:style>
+      </p:cxnSp>
+      <p:cxnSp>
+        <p:nvCxnSpPr>
+          <p:cNvPr id="19" name="Conector reto 18"/>
+          <p:cNvCxnSpPr/>
+          <p:nvPr/>
+        </p:nvCxnSpPr>
+        <p:spPr>
+          <a:xfrm>
+            <a:off x="4173855" y="3670710"/>
+            <a:ext cx="0" cy="3600000"/>
+          </a:xfrm>
+          <a:prstGeom prst="line">
+            <a:avLst/>
+          </a:prstGeom>
+          <a:ln w="38100">
+            <a:solidFill>
+              <a:schemeClr val="tx1">
+                <a:lumMod val="50000"/>
+                <a:lumOff val="50000"/>
+              </a:schemeClr>
+            </a:solidFill>
+            <a:prstDash val="dash"/>
+          </a:ln>
+        </p:spPr>
+        <p:style>
+          <a:lnRef idx="1">
+            <a:schemeClr val="accent1"/>
+          </a:lnRef>
+          <a:fillRef idx="0">
+            <a:schemeClr val="accent1"/>
+          </a:fillRef>
+          <a:effectRef idx="0">
+            <a:schemeClr val="accent1"/>
+          </a:effectRef>
+          <a:fontRef idx="minor">
+            <a:schemeClr val="tx1"/>
+          </a:fontRef>
+        </p:style>
+      </p:cxnSp>
+      <p:cxnSp>
+        <p:nvCxnSpPr>
+          <p:cNvPr id="20" name="Conector reto 19"/>
+          <p:cNvCxnSpPr/>
+          <p:nvPr/>
+        </p:nvCxnSpPr>
+        <p:spPr>
+          <a:xfrm>
+            <a:off x="4714875" y="1407570"/>
+            <a:ext cx="0" cy="5375460"/>
+          </a:xfrm>
+          <a:prstGeom prst="line">
+            <a:avLst/>
+          </a:prstGeom>
+          <a:ln w="38100">
+            <a:solidFill>
+              <a:schemeClr val="tx1">
+                <a:lumMod val="50000"/>
+                <a:lumOff val="50000"/>
+              </a:schemeClr>
+            </a:solidFill>
+            <a:prstDash val="dash"/>
+          </a:ln>
+        </p:spPr>
+        <p:style>
+          <a:lnRef idx="1">
+            <a:schemeClr val="accent1"/>
+          </a:lnRef>
+          <a:fillRef idx="0">
+            <a:schemeClr val="accent1"/>
+          </a:fillRef>
+          <a:effectRef idx="0">
+            <a:schemeClr val="accent1"/>
+          </a:effectRef>
+          <a:fontRef idx="minor">
+            <a:schemeClr val="tx1"/>
+          </a:fontRef>
+        </p:style>
+      </p:cxnSp>
+      <p:cxnSp>
+        <p:nvCxnSpPr>
+          <p:cNvPr id="22" name="Conector reto 21"/>
+          <p:cNvCxnSpPr/>
+          <p:nvPr/>
+        </p:nvCxnSpPr>
+        <p:spPr>
+          <a:xfrm>
+            <a:off x="5774055" y="2337210"/>
+            <a:ext cx="0" cy="5375460"/>
+          </a:xfrm>
+          <a:prstGeom prst="line">
+            <a:avLst/>
+          </a:prstGeom>
+          <a:ln w="38100">
+            <a:solidFill>
+              <a:schemeClr val="tx1">
+                <a:lumMod val="50000"/>
+                <a:lumOff val="50000"/>
+              </a:schemeClr>
+            </a:solidFill>
+            <a:prstDash val="dash"/>
+          </a:ln>
+        </p:spPr>
+        <p:style>
+          <a:lnRef idx="1">
+            <a:schemeClr val="accent1"/>
+          </a:lnRef>
+          <a:fillRef idx="0">
+            <a:schemeClr val="accent1"/>
+          </a:fillRef>
+          <a:effectRef idx="0">
+            <a:schemeClr val="accent1"/>
+          </a:effectRef>
+          <a:fontRef idx="minor">
+            <a:schemeClr val="tx1"/>
+          </a:fontRef>
+        </p:style>
+      </p:cxnSp>
+      <p:cxnSp>
+        <p:nvCxnSpPr>
+          <p:cNvPr id="23" name="Conector reto 22"/>
+          <p:cNvCxnSpPr/>
+          <p:nvPr/>
+        </p:nvCxnSpPr>
+        <p:spPr>
+          <a:xfrm>
+            <a:off x="-3324225" y="6176790"/>
+            <a:ext cx="10172700" cy="0"/>
+          </a:xfrm>
+          <a:prstGeom prst="line">
+            <a:avLst/>
+          </a:prstGeom>
+          <a:ln w="38100">
+            <a:solidFill>
+              <a:schemeClr val="tx1"/>
+            </a:solidFill>
+          </a:ln>
+        </p:spPr>
+        <p:style>
+          <a:lnRef idx="1">
+            <a:schemeClr val="accent1"/>
+          </a:lnRef>
+          <a:fillRef idx="0">
+            <a:schemeClr val="accent1"/>
+          </a:fillRef>
+          <a:effectRef idx="0">
+            <a:schemeClr val="accent1"/>
+          </a:effectRef>
+          <a:fontRef idx="minor">
+            <a:schemeClr val="tx1"/>
+          </a:fontRef>
+        </p:style>
+      </p:cxnSp>
+      <p:cxnSp>
+        <p:nvCxnSpPr>
+          <p:cNvPr id="25" name="Conector reto 24"/>
+          <p:cNvCxnSpPr/>
+          <p:nvPr/>
+        </p:nvCxnSpPr>
+        <p:spPr>
+          <a:xfrm>
+            <a:off x="-3324225" y="4640130"/>
+            <a:ext cx="10172700" cy="0"/>
+          </a:xfrm>
+          <a:prstGeom prst="line">
+            <a:avLst/>
+          </a:prstGeom>
+          <a:ln w="38100">
+            <a:solidFill>
+              <a:schemeClr val="tx1"/>
+            </a:solidFill>
+          </a:ln>
+        </p:spPr>
+        <p:style>
+          <a:lnRef idx="1">
+            <a:schemeClr val="accent1"/>
+          </a:lnRef>
+          <a:fillRef idx="0">
+            <a:schemeClr val="accent1"/>
+          </a:fillRef>
+          <a:effectRef idx="0">
+            <a:schemeClr val="accent1"/>
+          </a:effectRef>
+          <a:fontRef idx="minor">
+            <a:schemeClr val="tx1"/>
+          </a:fontRef>
+        </p:style>
+      </p:cxnSp>
+      <p:cxnSp>
+        <p:nvCxnSpPr>
+          <p:cNvPr id="26" name="Conector reto 25"/>
+          <p:cNvCxnSpPr/>
+          <p:nvPr/>
+        </p:nvCxnSpPr>
+        <p:spPr>
+          <a:xfrm flipV="1">
+            <a:off x="-2646045" y="4640130"/>
+            <a:ext cx="0" cy="1990500"/>
+          </a:xfrm>
+          <a:prstGeom prst="line">
+            <a:avLst/>
+          </a:prstGeom>
+          <a:ln w="38100">
+            <a:solidFill>
+              <a:schemeClr val="tx1"/>
+            </a:solidFill>
+          </a:ln>
+        </p:spPr>
+        <p:style>
+          <a:lnRef idx="1">
+            <a:schemeClr val="accent1"/>
+          </a:lnRef>
+          <a:fillRef idx="0">
+            <a:schemeClr val="accent1"/>
+          </a:fillRef>
+          <a:effectRef idx="0">
+            <a:schemeClr val="accent1"/>
+          </a:effectRef>
+          <a:fontRef idx="minor">
+            <a:schemeClr val="tx1"/>
+          </a:fontRef>
+        </p:style>
+      </p:cxnSp>
+      <p:cxnSp>
+        <p:nvCxnSpPr>
+          <p:cNvPr id="28" name="Conector reto 27"/>
+          <p:cNvCxnSpPr/>
+          <p:nvPr/>
+        </p:nvCxnSpPr>
+        <p:spPr>
+          <a:xfrm flipV="1">
+            <a:off x="-2371725" y="4640130"/>
+            <a:ext cx="0" cy="1990500"/>
+          </a:xfrm>
+          <a:prstGeom prst="line">
+            <a:avLst/>
+          </a:prstGeom>
+          <a:ln w="38100">
+            <a:solidFill>
+              <a:schemeClr val="tx1"/>
+            </a:solidFill>
+          </a:ln>
+        </p:spPr>
+        <p:style>
+          <a:lnRef idx="1">
+            <a:schemeClr val="accent1"/>
+          </a:lnRef>
+          <a:fillRef idx="0">
+            <a:schemeClr val="accent1"/>
+          </a:fillRef>
+          <a:effectRef idx="0">
+            <a:schemeClr val="accent1"/>
+          </a:effectRef>
+          <a:fontRef idx="minor">
+            <a:schemeClr val="tx1"/>
+          </a:fontRef>
+        </p:style>
+      </p:cxnSp>
+      <p:cxnSp>
+        <p:nvCxnSpPr>
+          <p:cNvPr id="29" name="Conector reto 28"/>
+          <p:cNvCxnSpPr/>
+          <p:nvPr/>
+        </p:nvCxnSpPr>
+        <p:spPr>
+          <a:xfrm flipV="1">
+            <a:off x="1552575" y="4640130"/>
+            <a:ext cx="0" cy="1990500"/>
+          </a:xfrm>
+          <a:prstGeom prst="line">
+            <a:avLst/>
+          </a:prstGeom>
+          <a:ln w="38100">
+            <a:solidFill>
+              <a:schemeClr val="tx1"/>
+            </a:solidFill>
+          </a:ln>
+        </p:spPr>
+        <p:style>
+          <a:lnRef idx="1">
+            <a:schemeClr val="accent1"/>
+          </a:lnRef>
+          <a:fillRef idx="0">
+            <a:schemeClr val="accent1"/>
+          </a:fillRef>
+          <a:effectRef idx="0">
+            <a:schemeClr val="accent1"/>
+          </a:effectRef>
+          <a:fontRef idx="minor">
+            <a:schemeClr val="tx1"/>
+          </a:fontRef>
+        </p:style>
+      </p:cxnSp>
+      <p:cxnSp>
+        <p:nvCxnSpPr>
+          <p:cNvPr id="30" name="Conector reto 29"/>
+          <p:cNvCxnSpPr/>
+          <p:nvPr/>
+        </p:nvCxnSpPr>
+        <p:spPr>
+          <a:xfrm flipV="1">
+            <a:off x="1842135" y="4640130"/>
+            <a:ext cx="0" cy="1990500"/>
+          </a:xfrm>
+          <a:prstGeom prst="line">
+            <a:avLst/>
+          </a:prstGeom>
+          <a:ln w="38100">
+            <a:solidFill>
+              <a:schemeClr val="tx1"/>
+            </a:solidFill>
+          </a:ln>
+        </p:spPr>
+        <p:style>
+          <a:lnRef idx="1">
+            <a:schemeClr val="accent1"/>
+          </a:lnRef>
+          <a:fillRef idx="0">
+            <a:schemeClr val="accent1"/>
+          </a:fillRef>
+          <a:effectRef idx="0">
+            <a:schemeClr val="accent1"/>
+          </a:effectRef>
+          <a:fontRef idx="minor">
+            <a:schemeClr val="tx1"/>
+          </a:fontRef>
+        </p:style>
+      </p:cxnSp>
+      <p:cxnSp>
+        <p:nvCxnSpPr>
+          <p:cNvPr id="31" name="Conector reto 30"/>
+          <p:cNvCxnSpPr/>
+          <p:nvPr/>
+        </p:nvCxnSpPr>
+        <p:spPr>
+          <a:xfrm flipV="1">
+            <a:off x="4173855" y="4640130"/>
+            <a:ext cx="0" cy="1990500"/>
+          </a:xfrm>
+          <a:prstGeom prst="line">
+            <a:avLst/>
+          </a:prstGeom>
+          <a:ln w="38100">
+            <a:solidFill>
+              <a:schemeClr val="tx1"/>
+            </a:solidFill>
+          </a:ln>
+        </p:spPr>
+        <p:style>
+          <a:lnRef idx="1">
+            <a:schemeClr val="accent1"/>
+          </a:lnRef>
+          <a:fillRef idx="0">
+            <a:schemeClr val="accent1"/>
+          </a:fillRef>
+          <a:effectRef idx="0">
+            <a:schemeClr val="accent1"/>
+          </a:effectRef>
+          <a:fontRef idx="minor">
+            <a:schemeClr val="tx1"/>
+          </a:fontRef>
+        </p:style>
+      </p:cxnSp>
+      <p:cxnSp>
+        <p:nvCxnSpPr>
+          <p:cNvPr id="32" name="Conector reto 31"/>
+          <p:cNvCxnSpPr/>
+          <p:nvPr/>
+        </p:nvCxnSpPr>
+        <p:spPr>
+          <a:xfrm flipV="1">
+            <a:off x="4714875" y="4640130"/>
+            <a:ext cx="0" cy="1990500"/>
+          </a:xfrm>
+          <a:prstGeom prst="line">
+            <a:avLst/>
+          </a:prstGeom>
+          <a:ln w="38100">
+            <a:solidFill>
+              <a:schemeClr val="tx1"/>
+            </a:solidFill>
+          </a:ln>
+        </p:spPr>
+        <p:style>
+          <a:lnRef idx="1">
+            <a:schemeClr val="accent1"/>
+          </a:lnRef>
+          <a:fillRef idx="0">
+            <a:schemeClr val="accent1"/>
+          </a:fillRef>
+          <a:effectRef idx="0">
+            <a:schemeClr val="accent1"/>
+          </a:effectRef>
+          <a:fontRef idx="minor">
+            <a:schemeClr val="tx1"/>
+          </a:fontRef>
+        </p:style>
+      </p:cxnSp>
+      <p:cxnSp>
+        <p:nvCxnSpPr>
+          <p:cNvPr id="33" name="Conector reto 32"/>
+          <p:cNvCxnSpPr/>
+          <p:nvPr/>
+        </p:nvCxnSpPr>
+        <p:spPr>
+          <a:xfrm flipV="1">
+            <a:off x="5774055" y="4640130"/>
+            <a:ext cx="0" cy="1990500"/>
+          </a:xfrm>
+          <a:prstGeom prst="line">
+            <a:avLst/>
+          </a:prstGeom>
+          <a:ln w="38100">
+            <a:solidFill>
+              <a:schemeClr val="tx1"/>
+            </a:solidFill>
+          </a:ln>
+        </p:spPr>
+        <p:style>
+          <a:lnRef idx="1">
+            <a:schemeClr val="accent1"/>
+          </a:lnRef>
+          <a:fillRef idx="0">
+            <a:schemeClr val="accent1"/>
+          </a:fillRef>
+          <a:effectRef idx="0">
+            <a:schemeClr val="accent1"/>
+          </a:effectRef>
+          <a:fontRef idx="minor">
+            <a:schemeClr val="tx1"/>
+          </a:fontRef>
+        </p:style>
+      </p:cxnSp>
+      <p:sp>
+        <p:nvSpPr>
+          <p:cNvPr id="27" name="CaixaDeTexto 26"/>
+          <p:cNvSpPr txBox="1"/>
+          <p:nvPr/>
+        </p:nvSpPr>
+        <p:spPr>
+          <a:xfrm>
+            <a:off x="6614207" y="5147543"/>
+            <a:ext cx="2351926" cy="646331"/>
+          </a:xfrm>
+          <a:prstGeom prst="rect">
+            <a:avLst/>
+          </a:prstGeom>
+          <a:noFill/>
+        </p:spPr>
+        <p:txBody>
+          <a:bodyPr wrap="none" rtlCol="0">
+            <a:spAutoFit/>
+          </a:bodyPr>
+          <a:lstStyle/>
+          <a:p>
+            <a:r>
+              <a:rPr lang="pt-BR" sz="3600" dirty="0" smtClean="0">
+                <a:latin typeface="Times New Roman" pitchFamily="18" charset="0"/>
+                <a:cs typeface="Times New Roman" pitchFamily="18" charset="0"/>
+              </a:rPr>
+              <a:t>Sinal PWM</a:t>
+            </a:r>
+            <a:endParaRPr lang="pt-BR" sz="3600" dirty="0">
+              <a:latin typeface="Times New Roman" pitchFamily="18" charset="0"/>
+              <a:cs typeface="Times New Roman" pitchFamily="18" charset="0"/>
+            </a:endParaRPr>
+          </a:p>
+        </p:txBody>
+      </p:sp>
+      <p:sp>
+        <p:nvSpPr>
+          <p:cNvPr id="34" name="Chave direita 33"/>
+          <p:cNvSpPr/>
+          <p:nvPr/>
+        </p:nvSpPr>
+        <p:spPr>
+          <a:xfrm>
+            <a:off x="6096001" y="489172"/>
+            <a:ext cx="361950" cy="1848038"/>
+          </a:xfrm>
+          <a:prstGeom prst="rightBrace">
+            <a:avLst>
+              <a:gd name="adj1" fmla="val 50438"/>
+              <a:gd name="adj2" fmla="val 48969"/>
+            </a:avLst>
+          </a:prstGeom>
+          <a:ln w="38100">
+            <a:solidFill>
+              <a:schemeClr val="tx1"/>
+            </a:solidFill>
+          </a:ln>
+        </p:spPr>
+        <p:style>
+          <a:lnRef idx="1">
+            <a:schemeClr val="accent1"/>
+          </a:lnRef>
+          <a:fillRef idx="0">
+            <a:schemeClr val="accent1"/>
+          </a:fillRef>
+          <a:effectRef idx="0">
+            <a:schemeClr val="accent1"/>
+          </a:effectRef>
+          <a:fontRef idx="minor">
+            <a:schemeClr val="tx1"/>
+          </a:fontRef>
+        </p:style>
+        <p:txBody>
+          <a:bodyPr rtlCol="0" anchor="ctr"/>
+          <a:lstStyle/>
+          <a:p>
+            <a:pPr algn="ctr"/>
+            <a:endParaRPr lang="pt-BR"/>
+          </a:p>
+        </p:txBody>
+      </p:sp>
+      <p:sp>
+        <p:nvSpPr>
+          <p:cNvPr id="36" name="CaixaDeTexto 35"/>
+          <p:cNvSpPr txBox="1"/>
+          <p:nvPr/>
+        </p:nvSpPr>
+        <p:spPr>
+          <a:xfrm>
+            <a:off x="6614207" y="1090025"/>
+            <a:ext cx="3647152" cy="646331"/>
+          </a:xfrm>
+          <a:prstGeom prst="rect">
+            <a:avLst/>
+          </a:prstGeom>
+          <a:noFill/>
+        </p:spPr>
+        <p:txBody>
+          <a:bodyPr wrap="none" rtlCol="0">
+            <a:spAutoFit/>
+          </a:bodyPr>
+          <a:lstStyle/>
+          <a:p>
+            <a:r>
+              <a:rPr lang="pt-BR" sz="3600" dirty="0" smtClean="0">
+                <a:latin typeface="Times New Roman" pitchFamily="18" charset="0"/>
+                <a:cs typeface="Times New Roman" pitchFamily="18" charset="0"/>
+              </a:rPr>
+              <a:t>Banda de histerese</a:t>
+            </a:r>
+            <a:endParaRPr lang="pt-BR" sz="3600" dirty="0">
+              <a:latin typeface="Times New Roman" pitchFamily="18" charset="0"/>
+              <a:cs typeface="Times New Roman" pitchFamily="18" charset="0"/>
+            </a:endParaRPr>
+          </a:p>
+        </p:txBody>
+      </p:sp>
+      <p:cxnSp>
+        <p:nvCxnSpPr>
+          <p:cNvPr id="37" name="Conector de seta reta 36"/>
+          <p:cNvCxnSpPr/>
+          <p:nvPr/>
+        </p:nvCxnSpPr>
+        <p:spPr>
+          <a:xfrm>
+            <a:off x="6199868" y="3544245"/>
+            <a:ext cx="414339" cy="0"/>
+          </a:xfrm>
+          <a:prstGeom prst="straightConnector1">
+            <a:avLst/>
+          </a:prstGeom>
+          <a:ln w="38100">
+            <a:solidFill>
+              <a:schemeClr val="tx1"/>
+            </a:solidFill>
+            <a:tailEnd type="arrow"/>
+          </a:ln>
+        </p:spPr>
+        <p:style>
+          <a:lnRef idx="1">
+            <a:schemeClr val="accent1"/>
+          </a:lnRef>
+          <a:fillRef idx="0">
+            <a:schemeClr val="accent1"/>
+          </a:fillRef>
+          <a:effectRef idx="0">
+            <a:schemeClr val="accent1"/>
+          </a:effectRef>
+          <a:fontRef idx="minor">
+            <a:schemeClr val="tx1"/>
+          </a:fontRef>
+        </p:style>
+      </p:cxnSp>
+      <p:cxnSp>
+        <p:nvCxnSpPr>
+          <p:cNvPr id="41" name="Conector reto 40"/>
+          <p:cNvCxnSpPr/>
+          <p:nvPr/>
+        </p:nvCxnSpPr>
+        <p:spPr>
+          <a:xfrm flipH="1" flipV="1">
+            <a:off x="4585273" y="3050309"/>
+            <a:ext cx="1634158" cy="493936"/>
+          </a:xfrm>
+          <a:prstGeom prst="line">
+            <a:avLst/>
+          </a:prstGeom>
+          <a:ln w="38100">
+            <a:solidFill>
+              <a:schemeClr val="tx1"/>
+            </a:solidFill>
+          </a:ln>
+        </p:spPr>
+        <p:style>
+          <a:lnRef idx="1">
+            <a:schemeClr val="accent1"/>
+          </a:lnRef>
+          <a:fillRef idx="0">
+            <a:schemeClr val="accent1"/>
+          </a:fillRef>
+          <a:effectRef idx="0">
+            <a:schemeClr val="accent1"/>
+          </a:effectRef>
+          <a:fontRef idx="minor">
+            <a:schemeClr val="tx1"/>
+          </a:fontRef>
+        </p:style>
+      </p:cxnSp>
+      <p:sp>
+        <p:nvSpPr>
+          <p:cNvPr id="46" name="CaixaDeTexto 45"/>
+          <p:cNvSpPr txBox="1"/>
+          <p:nvPr/>
+        </p:nvSpPr>
+        <p:spPr>
+          <a:xfrm>
+            <a:off x="6614207" y="3251445"/>
+            <a:ext cx="2749471" cy="646331"/>
+          </a:xfrm>
+          <a:prstGeom prst="rect">
+            <a:avLst/>
+          </a:prstGeom>
+          <a:noFill/>
+        </p:spPr>
+        <p:txBody>
+          <a:bodyPr wrap="none" rtlCol="0">
+            <a:spAutoFit/>
+          </a:bodyPr>
+          <a:lstStyle/>
+          <a:p>
+            <a:r>
+              <a:rPr lang="pt-BR" sz="3600" dirty="0" smtClean="0">
+                <a:latin typeface="Times New Roman" pitchFamily="18" charset="0"/>
+                <a:cs typeface="Times New Roman" pitchFamily="18" charset="0"/>
+              </a:rPr>
+              <a:t>Sinal na saída</a:t>
+            </a:r>
+            <a:endParaRPr lang="pt-BR" sz="3600" dirty="0">
+              <a:latin typeface="Times New Roman" pitchFamily="18" charset="0"/>
+              <a:cs typeface="Times New Roman" pitchFamily="18" charset="0"/>
+            </a:endParaRPr>
+          </a:p>
+        </p:txBody>
+      </p:sp>
+      <p:cxnSp>
+        <p:nvCxnSpPr>
+          <p:cNvPr id="48" name="Conector reto 47"/>
+          <p:cNvCxnSpPr/>
+          <p:nvPr/>
+        </p:nvCxnSpPr>
+        <p:spPr>
+          <a:xfrm flipH="1">
+            <a:off x="4311527" y="3050307"/>
+            <a:ext cx="280098" cy="1"/>
+          </a:xfrm>
+          <a:prstGeom prst="line">
+            <a:avLst/>
+          </a:prstGeom>
+          <a:ln w="38100">
+            <a:solidFill>
+              <a:schemeClr val="tx1"/>
+            </a:solidFill>
+          </a:ln>
+        </p:spPr>
+        <p:style>
+          <a:lnRef idx="1">
+            <a:schemeClr val="accent1"/>
+          </a:lnRef>
+          <a:fillRef idx="0">
+            <a:schemeClr val="accent1"/>
+          </a:fillRef>
+          <a:effectRef idx="0">
+            <a:schemeClr val="accent1"/>
+          </a:effectRef>
+          <a:fontRef idx="minor">
+            <a:schemeClr val="tx1"/>
+          </a:fontRef>
+        </p:style>
+      </p:cxnSp>
+    </p:spTree>
+    <p:extLst>
+      <p:ext uri="{BB962C8B-B14F-4D97-AF65-F5344CB8AC3E}">
+        <p14:creationId xmlns:p14="http://schemas.microsoft.com/office/powerpoint/2010/main" val="1897801527"/>
+      </p:ext>
+    </p:extLst>
+  </p:cSld>
+  <p:clrMapOvr>
+    <a:masterClrMapping/>
+  </p:clrMapOvr>
 </p:sld>
 </file>
 

--- a/Tranqueiras de ppt/desenhos_filtro_complexo.pptx
+++ b/Tranqueiras de ppt/desenhos_filtro_complexo.pptx
@@ -10,6 +10,7 @@
     <p:sldId id="258" r:id="rId4"/>
     <p:sldId id="259" r:id="rId5"/>
     <p:sldId id="260" r:id="rId6"/>
+    <p:sldId id="261" r:id="rId7"/>
   </p:sldIdLst>
   <p:sldSz cx="9144000" cy="6858000" type="screen4x3"/>
   <p:notesSz cx="6858000" cy="9144000"/>
@@ -110,7 +111,7 @@
   </p:defaultTextStyle>
   <p:extLst>
     <p:ext uri="{EFAFB233-063F-42B5-8137-9DF3F51BA10A}">
-      <p15:sldGuideLst xmlns:p15="http://schemas.microsoft.com/office/powerpoint/2012/main" xmlns="">
+      <p15:sldGuideLst xmlns="" xmlns:p15="http://schemas.microsoft.com/office/powerpoint/2012/main">
         <p15:guide id="1" orient="horz" pos="2160">
           <p15:clr>
             <a:srgbClr val="A4A3A4"/>
@@ -306,7 +307,7 @@
           <a:p>
             <a:fld id="{9F140449-45B3-4C4C-B502-456914857DA8}" type="datetimeFigureOut">
               <a:rPr lang="pt-BR" smtClean="0"/>
-              <a:t>21/09/2016</a:t>
+              <a:t>22/09/2016</a:t>
             </a:fld>
             <a:endParaRPr lang="pt-BR"/>
           </a:p>
@@ -474,7 +475,7 @@
           <a:p>
             <a:fld id="{9F140449-45B3-4C4C-B502-456914857DA8}" type="datetimeFigureOut">
               <a:rPr lang="pt-BR" smtClean="0"/>
-              <a:t>21/09/2016</a:t>
+              <a:t>22/09/2016</a:t>
             </a:fld>
             <a:endParaRPr lang="pt-BR"/>
           </a:p>
@@ -652,7 +653,7 @@
           <a:p>
             <a:fld id="{9F140449-45B3-4C4C-B502-456914857DA8}" type="datetimeFigureOut">
               <a:rPr lang="pt-BR" smtClean="0"/>
-              <a:t>21/09/2016</a:t>
+              <a:t>22/09/2016</a:t>
             </a:fld>
             <a:endParaRPr lang="pt-BR"/>
           </a:p>
@@ -820,7 +821,7 @@
           <a:p>
             <a:fld id="{9F140449-45B3-4C4C-B502-456914857DA8}" type="datetimeFigureOut">
               <a:rPr lang="pt-BR" smtClean="0"/>
-              <a:t>21/09/2016</a:t>
+              <a:t>22/09/2016</a:t>
             </a:fld>
             <a:endParaRPr lang="pt-BR"/>
           </a:p>
@@ -1065,7 +1066,7 @@
           <a:p>
             <a:fld id="{9F140449-45B3-4C4C-B502-456914857DA8}" type="datetimeFigureOut">
               <a:rPr lang="pt-BR" smtClean="0"/>
-              <a:t>21/09/2016</a:t>
+              <a:t>22/09/2016</a:t>
             </a:fld>
             <a:endParaRPr lang="pt-BR"/>
           </a:p>
@@ -1350,7 +1351,7 @@
           <a:p>
             <a:fld id="{9F140449-45B3-4C4C-B502-456914857DA8}" type="datetimeFigureOut">
               <a:rPr lang="pt-BR" smtClean="0"/>
-              <a:t>21/09/2016</a:t>
+              <a:t>22/09/2016</a:t>
             </a:fld>
             <a:endParaRPr lang="pt-BR"/>
           </a:p>
@@ -1769,7 +1770,7 @@
           <a:p>
             <a:fld id="{9F140449-45B3-4C4C-B502-456914857DA8}" type="datetimeFigureOut">
               <a:rPr lang="pt-BR" smtClean="0"/>
-              <a:t>21/09/2016</a:t>
+              <a:t>22/09/2016</a:t>
             </a:fld>
             <a:endParaRPr lang="pt-BR"/>
           </a:p>
@@ -1886,7 +1887,7 @@
           <a:p>
             <a:fld id="{9F140449-45B3-4C4C-B502-456914857DA8}" type="datetimeFigureOut">
               <a:rPr lang="pt-BR" smtClean="0"/>
-              <a:t>21/09/2016</a:t>
+              <a:t>22/09/2016</a:t>
             </a:fld>
             <a:endParaRPr lang="pt-BR"/>
           </a:p>
@@ -1981,7 +1982,7 @@
           <a:p>
             <a:fld id="{9F140449-45B3-4C4C-B502-456914857DA8}" type="datetimeFigureOut">
               <a:rPr lang="pt-BR" smtClean="0"/>
-              <a:t>21/09/2016</a:t>
+              <a:t>22/09/2016</a:t>
             </a:fld>
             <a:endParaRPr lang="pt-BR"/>
           </a:p>
@@ -2256,7 +2257,7 @@
           <a:p>
             <a:fld id="{9F140449-45B3-4C4C-B502-456914857DA8}" type="datetimeFigureOut">
               <a:rPr lang="pt-BR" smtClean="0"/>
-              <a:t>21/09/2016</a:t>
+              <a:t>22/09/2016</a:t>
             </a:fld>
             <a:endParaRPr lang="pt-BR"/>
           </a:p>
@@ -2508,7 +2509,7 @@
           <a:p>
             <a:fld id="{9F140449-45B3-4C4C-B502-456914857DA8}" type="datetimeFigureOut">
               <a:rPr lang="pt-BR" smtClean="0"/>
-              <a:t>21/09/2016</a:t>
+              <a:t>22/09/2016</a:t>
             </a:fld>
             <a:endParaRPr lang="pt-BR"/>
           </a:p>
@@ -2719,7 +2720,7 @@
           <a:p>
             <a:fld id="{9F140449-45B3-4C4C-B502-456914857DA8}" type="datetimeFigureOut">
               <a:rPr lang="pt-BR" smtClean="0"/>
-              <a:t>21/09/2016</a:t>
+              <a:t>22/09/2016</a:t>
             </a:fld>
             <a:endParaRPr lang="pt-BR"/>
           </a:p>
@@ -19118,6 +19119,3026 @@
 </p:sld>
 </file>
 
+<file path=ppt/slides/slide6.xml><?xml version="1.0" encoding="utf-8"?>
+<p:sld xmlns:a="http://schemas.openxmlformats.org/drawingml/2006/main" xmlns:r="http://schemas.openxmlformats.org/officeDocument/2006/relationships" xmlns:p="http://schemas.openxmlformats.org/presentationml/2006/main">
+  <p:cSld>
+    <p:spTree>
+      <p:nvGrpSpPr>
+        <p:cNvPr id="1" name=""/>
+        <p:cNvGrpSpPr/>
+        <p:nvPr/>
+      </p:nvGrpSpPr>
+      <p:grpSpPr>
+        <a:xfrm>
+          <a:off x="0" y="0"/>
+          <a:ext cx="0" cy="0"/>
+          <a:chOff x="0" y="0"/>
+          <a:chExt cx="0" cy="0"/>
+        </a:xfrm>
+      </p:grpSpPr>
+      <p:sp>
+        <p:nvSpPr>
+          <p:cNvPr id="4" name="Elipse 3"/>
+          <p:cNvSpPr/>
+          <p:nvPr/>
+        </p:nvSpPr>
+        <p:spPr>
+          <a:xfrm>
+            <a:off x="1641136" y="1639802"/>
+            <a:ext cx="914400" cy="914400"/>
+          </a:xfrm>
+          <a:prstGeom prst="ellipse">
+            <a:avLst/>
+          </a:prstGeom>
+          <a:noFill/>
+          <a:ln w="57150">
+            <a:solidFill>
+              <a:schemeClr val="tx1"/>
+            </a:solidFill>
+          </a:ln>
+        </p:spPr>
+        <p:style>
+          <a:lnRef idx="2">
+            <a:schemeClr val="accent1">
+              <a:shade val="50000"/>
+            </a:schemeClr>
+          </a:lnRef>
+          <a:fillRef idx="1">
+            <a:schemeClr val="accent1"/>
+          </a:fillRef>
+          <a:effectRef idx="0">
+            <a:schemeClr val="accent1"/>
+          </a:effectRef>
+          <a:fontRef idx="minor">
+            <a:schemeClr val="lt1"/>
+          </a:fontRef>
+        </p:style>
+        <p:txBody>
+          <a:bodyPr rtlCol="0" anchor="ctr"/>
+          <a:lstStyle/>
+          <a:p>
+            <a:pPr algn="ctr"/>
+            <a:endParaRPr lang="pt-BR" sz="2000"/>
+          </a:p>
+        </p:txBody>
+      </p:sp>
+      <p:sp>
+        <p:nvSpPr>
+          <p:cNvPr id="7" name="CaixaDeTexto 6"/>
+          <p:cNvSpPr txBox="1"/>
+          <p:nvPr/>
+        </p:nvSpPr>
+        <p:spPr>
+          <a:xfrm>
+            <a:off x="1859219" y="1458286"/>
+            <a:ext cx="490840" cy="830997"/>
+          </a:xfrm>
+          <a:prstGeom prst="rect">
+            <a:avLst/>
+          </a:prstGeom>
+          <a:noFill/>
+        </p:spPr>
+        <p:txBody>
+          <a:bodyPr wrap="none" rtlCol="0">
+            <a:spAutoFit/>
+          </a:bodyPr>
+          <a:lstStyle/>
+          <a:p>
+            <a:r>
+              <a:rPr lang="pt-BR" sz="4800" dirty="0"/>
+              <a:t>+</a:t>
+            </a:r>
+          </a:p>
+        </p:txBody>
+      </p:sp>
+      <p:sp>
+        <p:nvSpPr>
+          <p:cNvPr id="8" name="CaixaDeTexto 7"/>
+          <p:cNvSpPr txBox="1"/>
+          <p:nvPr/>
+        </p:nvSpPr>
+        <p:spPr>
+          <a:xfrm>
+            <a:off x="2180355" y="1599795"/>
+            <a:ext cx="396262" cy="923330"/>
+          </a:xfrm>
+          <a:prstGeom prst="rect">
+            <a:avLst/>
+          </a:prstGeom>
+          <a:noFill/>
+        </p:spPr>
+        <p:txBody>
+          <a:bodyPr wrap="none" rtlCol="0">
+            <a:spAutoFit/>
+          </a:bodyPr>
+          <a:lstStyle/>
+          <a:p>
+            <a:r>
+              <a:rPr lang="pt-BR" sz="5400" dirty="0" smtClean="0"/>
+              <a:t>-</a:t>
+            </a:r>
+            <a:endParaRPr lang="pt-BR" sz="5400" dirty="0"/>
+          </a:p>
+        </p:txBody>
+      </p:sp>
+      <p:cxnSp>
+        <p:nvCxnSpPr>
+          <p:cNvPr id="11" name="Conector de seta reta 10"/>
+          <p:cNvCxnSpPr/>
+          <p:nvPr/>
+        </p:nvCxnSpPr>
+        <p:spPr>
+          <a:xfrm>
+            <a:off x="2098337" y="721775"/>
+            <a:ext cx="0" cy="950590"/>
+          </a:xfrm>
+          <a:prstGeom prst="straightConnector1">
+            <a:avLst/>
+          </a:prstGeom>
+          <a:noFill/>
+          <a:ln w="57150">
+            <a:solidFill>
+              <a:schemeClr val="tx1"/>
+            </a:solidFill>
+            <a:headEnd type="none" w="med" len="med"/>
+            <a:tailEnd type="arrow" w="med" len="med"/>
+          </a:ln>
+        </p:spPr>
+        <p:style>
+          <a:lnRef idx="2">
+            <a:schemeClr val="accent1">
+              <a:shade val="50000"/>
+            </a:schemeClr>
+          </a:lnRef>
+          <a:fillRef idx="1">
+            <a:schemeClr val="accent1"/>
+          </a:fillRef>
+          <a:effectRef idx="0">
+            <a:schemeClr val="accent1"/>
+          </a:effectRef>
+          <a:fontRef idx="minor">
+            <a:schemeClr val="lt1"/>
+          </a:fontRef>
+        </p:style>
+      </p:cxnSp>
+      <p:cxnSp>
+        <p:nvCxnSpPr>
+          <p:cNvPr id="15" name="Conector de seta reta 14"/>
+          <p:cNvCxnSpPr>
+            <a:endCxn id="4" idx="6"/>
+          </p:cNvCxnSpPr>
+          <p:nvPr/>
+        </p:nvCxnSpPr>
+        <p:spPr>
+          <a:xfrm flipH="1">
+            <a:off x="2555536" y="2087863"/>
+            <a:ext cx="1831109" cy="0"/>
+          </a:xfrm>
+          <a:prstGeom prst="straightConnector1">
+            <a:avLst/>
+          </a:prstGeom>
+          <a:noFill/>
+          <a:ln w="57150">
+            <a:solidFill>
+              <a:schemeClr val="tx1"/>
+            </a:solidFill>
+            <a:headEnd type="none" w="med" len="med"/>
+            <a:tailEnd type="arrow" w="med" len="med"/>
+          </a:ln>
+        </p:spPr>
+        <p:style>
+          <a:lnRef idx="2">
+            <a:schemeClr val="accent1">
+              <a:shade val="50000"/>
+            </a:schemeClr>
+          </a:lnRef>
+          <a:fillRef idx="1">
+            <a:schemeClr val="accent1"/>
+          </a:fillRef>
+          <a:effectRef idx="0">
+            <a:schemeClr val="accent1"/>
+          </a:effectRef>
+          <a:fontRef idx="minor">
+            <a:schemeClr val="lt1"/>
+          </a:fontRef>
+        </p:style>
+      </p:cxnSp>
+      <p:cxnSp>
+        <p:nvCxnSpPr>
+          <p:cNvPr id="20" name="Conector de seta reta 19"/>
+          <p:cNvCxnSpPr>
+            <a:stCxn id="4" idx="4"/>
+            <a:endCxn id="22" idx="0"/>
+          </p:cNvCxnSpPr>
+          <p:nvPr/>
+        </p:nvCxnSpPr>
+        <p:spPr>
+          <a:xfrm>
+            <a:off x="2098336" y="2554202"/>
+            <a:ext cx="7993" cy="700552"/>
+          </a:xfrm>
+          <a:prstGeom prst="straightConnector1">
+            <a:avLst/>
+          </a:prstGeom>
+          <a:noFill/>
+          <a:ln w="57150">
+            <a:solidFill>
+              <a:schemeClr val="tx1"/>
+            </a:solidFill>
+            <a:headEnd type="none" w="med" len="med"/>
+            <a:tailEnd type="arrow" w="med" len="med"/>
+          </a:ln>
+        </p:spPr>
+        <p:style>
+          <a:lnRef idx="2">
+            <a:schemeClr val="accent1">
+              <a:shade val="50000"/>
+            </a:schemeClr>
+          </a:lnRef>
+          <a:fillRef idx="1">
+            <a:schemeClr val="accent1"/>
+          </a:fillRef>
+          <a:effectRef idx="0">
+            <a:schemeClr val="accent1"/>
+          </a:effectRef>
+          <a:fontRef idx="minor">
+            <a:schemeClr val="lt1"/>
+          </a:fontRef>
+        </p:style>
+      </p:cxnSp>
+      <p:sp>
+        <p:nvSpPr>
+          <p:cNvPr id="22" name="Retângulo 21"/>
+          <p:cNvSpPr/>
+          <p:nvPr/>
+        </p:nvSpPr>
+        <p:spPr>
+          <a:xfrm>
+            <a:off x="1066370" y="3254754"/>
+            <a:ext cx="2079918" cy="1654628"/>
+          </a:xfrm>
+          <a:prstGeom prst="rect">
+            <a:avLst/>
+          </a:prstGeom>
+          <a:noFill/>
+          <a:ln w="57150">
+            <a:solidFill>
+              <a:schemeClr val="tx1"/>
+            </a:solidFill>
+          </a:ln>
+        </p:spPr>
+        <p:style>
+          <a:lnRef idx="2">
+            <a:schemeClr val="accent1">
+              <a:shade val="50000"/>
+            </a:schemeClr>
+          </a:lnRef>
+          <a:fillRef idx="1">
+            <a:schemeClr val="accent1"/>
+          </a:fillRef>
+          <a:effectRef idx="0">
+            <a:schemeClr val="accent1"/>
+          </a:effectRef>
+          <a:fontRef idx="minor">
+            <a:schemeClr val="lt1"/>
+          </a:fontRef>
+        </p:style>
+        <p:txBody>
+          <a:bodyPr rtlCol="0" anchor="ctr"/>
+          <a:lstStyle/>
+          <a:p>
+            <a:pPr algn="ctr"/>
+            <a:r>
+              <a:rPr lang="pt-BR" sz="2800" dirty="0" smtClean="0">
+                <a:solidFill>
+                  <a:schemeClr val="tx1"/>
+                </a:solidFill>
+              </a:rPr>
+              <a:t>Controlador PI</a:t>
+            </a:r>
+            <a:endParaRPr lang="pt-BR" sz="2800" dirty="0">
+              <a:solidFill>
+                <a:schemeClr val="tx1"/>
+              </a:solidFill>
+            </a:endParaRPr>
+          </a:p>
+        </p:txBody>
+      </p:sp>
+      <p:sp>
+        <p:nvSpPr>
+          <p:cNvPr id="28" name="Elipse 27"/>
+          <p:cNvSpPr/>
+          <p:nvPr/>
+        </p:nvSpPr>
+        <p:spPr>
+          <a:xfrm>
+            <a:off x="1634615" y="6110392"/>
+            <a:ext cx="914400" cy="914400"/>
+          </a:xfrm>
+          <a:prstGeom prst="ellipse">
+            <a:avLst/>
+          </a:prstGeom>
+          <a:noFill/>
+          <a:ln w="57150">
+            <a:solidFill>
+              <a:schemeClr val="tx1"/>
+            </a:solidFill>
+          </a:ln>
+        </p:spPr>
+        <p:style>
+          <a:lnRef idx="2">
+            <a:schemeClr val="accent1">
+              <a:shade val="50000"/>
+            </a:schemeClr>
+          </a:lnRef>
+          <a:fillRef idx="1">
+            <a:schemeClr val="accent1"/>
+          </a:fillRef>
+          <a:effectRef idx="0">
+            <a:schemeClr val="accent1"/>
+          </a:effectRef>
+          <a:fontRef idx="minor">
+            <a:schemeClr val="lt1"/>
+          </a:fontRef>
+        </p:style>
+        <p:txBody>
+          <a:bodyPr rtlCol="0" anchor="ctr"/>
+          <a:lstStyle/>
+          <a:p>
+            <a:pPr algn="ctr"/>
+            <a:endParaRPr lang="pt-BR" sz="2000"/>
+          </a:p>
+        </p:txBody>
+      </p:sp>
+      <p:sp>
+        <p:nvSpPr>
+          <p:cNvPr id="29" name="CaixaDeTexto 28"/>
+          <p:cNvSpPr txBox="1"/>
+          <p:nvPr/>
+        </p:nvSpPr>
+        <p:spPr>
+          <a:xfrm>
+            <a:off x="1612109" y="6142955"/>
+            <a:ext cx="490840" cy="830997"/>
+          </a:xfrm>
+          <a:prstGeom prst="rect">
+            <a:avLst/>
+          </a:prstGeom>
+          <a:noFill/>
+        </p:spPr>
+        <p:txBody>
+          <a:bodyPr wrap="none" rtlCol="0">
+            <a:spAutoFit/>
+          </a:bodyPr>
+          <a:lstStyle/>
+          <a:p>
+            <a:r>
+              <a:rPr lang="pt-BR" sz="4800" dirty="0"/>
+              <a:t>+</a:t>
+            </a:r>
+          </a:p>
+        </p:txBody>
+      </p:sp>
+      <p:sp>
+        <p:nvSpPr>
+          <p:cNvPr id="30" name="CaixaDeTexto 29"/>
+          <p:cNvSpPr txBox="1"/>
+          <p:nvPr/>
+        </p:nvSpPr>
+        <p:spPr>
+          <a:xfrm>
+            <a:off x="1859219" y="5899749"/>
+            <a:ext cx="490840" cy="830997"/>
+          </a:xfrm>
+          <a:prstGeom prst="rect">
+            <a:avLst/>
+          </a:prstGeom>
+          <a:noFill/>
+        </p:spPr>
+        <p:txBody>
+          <a:bodyPr wrap="none" rtlCol="0">
+            <a:spAutoFit/>
+          </a:bodyPr>
+          <a:lstStyle/>
+          <a:p>
+            <a:r>
+              <a:rPr lang="pt-BR" sz="4800" dirty="0"/>
+              <a:t>+</a:t>
+            </a:r>
+            <a:endParaRPr lang="pt-BR" sz="4800" dirty="0"/>
+          </a:p>
+        </p:txBody>
+      </p:sp>
+      <p:cxnSp>
+        <p:nvCxnSpPr>
+          <p:cNvPr id="31" name="Conector de seta reta 30"/>
+          <p:cNvCxnSpPr>
+            <a:endCxn id="28" idx="0"/>
+          </p:cNvCxnSpPr>
+          <p:nvPr/>
+        </p:nvCxnSpPr>
+        <p:spPr>
+          <a:xfrm>
+            <a:off x="2078674" y="4931203"/>
+            <a:ext cx="0" cy="1179189"/>
+          </a:xfrm>
+          <a:prstGeom prst="straightConnector1">
+            <a:avLst/>
+          </a:prstGeom>
+          <a:noFill/>
+          <a:ln w="57150">
+            <a:solidFill>
+              <a:schemeClr val="tx1"/>
+            </a:solidFill>
+            <a:headEnd type="none" w="med" len="med"/>
+            <a:tailEnd type="arrow" w="med" len="med"/>
+          </a:ln>
+        </p:spPr>
+        <p:style>
+          <a:lnRef idx="2">
+            <a:schemeClr val="accent1">
+              <a:shade val="50000"/>
+            </a:schemeClr>
+          </a:lnRef>
+          <a:fillRef idx="1">
+            <a:schemeClr val="accent1"/>
+          </a:fillRef>
+          <a:effectRef idx="0">
+            <a:schemeClr val="accent1"/>
+          </a:effectRef>
+          <a:fontRef idx="minor">
+            <a:schemeClr val="lt1"/>
+          </a:fontRef>
+        </p:style>
+      </p:cxnSp>
+      <p:cxnSp>
+        <p:nvCxnSpPr>
+          <p:cNvPr id="34" name="Conector de seta reta 33"/>
+          <p:cNvCxnSpPr>
+            <a:endCxn id="28" idx="2"/>
+          </p:cNvCxnSpPr>
+          <p:nvPr/>
+        </p:nvCxnSpPr>
+        <p:spPr>
+          <a:xfrm>
+            <a:off x="464048" y="6567592"/>
+            <a:ext cx="1170567" cy="0"/>
+          </a:xfrm>
+          <a:prstGeom prst="straightConnector1">
+            <a:avLst/>
+          </a:prstGeom>
+          <a:noFill/>
+          <a:ln w="57150">
+            <a:solidFill>
+              <a:schemeClr val="tx1"/>
+            </a:solidFill>
+            <a:headEnd type="none" w="med" len="med"/>
+            <a:tailEnd type="arrow" w="med" len="med"/>
+          </a:ln>
+        </p:spPr>
+        <p:style>
+          <a:lnRef idx="2">
+            <a:schemeClr val="accent1">
+              <a:shade val="50000"/>
+            </a:schemeClr>
+          </a:lnRef>
+          <a:fillRef idx="1">
+            <a:schemeClr val="accent1"/>
+          </a:fillRef>
+          <a:effectRef idx="0">
+            <a:schemeClr val="accent1"/>
+          </a:effectRef>
+          <a:fontRef idx="minor">
+            <a:schemeClr val="lt1"/>
+          </a:fontRef>
+        </p:style>
+      </p:cxnSp>
+      <p:sp>
+        <p:nvSpPr>
+          <p:cNvPr id="42" name="Retângulo 41"/>
+          <p:cNvSpPr/>
+          <p:nvPr/>
+        </p:nvSpPr>
+        <p:spPr>
+          <a:xfrm>
+            <a:off x="3520746" y="6197478"/>
+            <a:ext cx="2016000" cy="1800000"/>
+          </a:xfrm>
+          <a:prstGeom prst="rect">
+            <a:avLst/>
+          </a:prstGeom>
+          <a:noFill/>
+          <a:ln w="57150">
+            <a:solidFill>
+              <a:schemeClr val="tx1"/>
+            </a:solidFill>
+          </a:ln>
+        </p:spPr>
+        <p:style>
+          <a:lnRef idx="2">
+            <a:schemeClr val="accent1">
+              <a:shade val="50000"/>
+            </a:schemeClr>
+          </a:lnRef>
+          <a:fillRef idx="1">
+            <a:schemeClr val="accent1"/>
+          </a:fillRef>
+          <a:effectRef idx="0">
+            <a:schemeClr val="accent1"/>
+          </a:effectRef>
+          <a:fontRef idx="minor">
+            <a:schemeClr val="lt1"/>
+          </a:fontRef>
+        </p:style>
+        <p:txBody>
+          <a:bodyPr rtlCol="0" anchor="ctr"/>
+          <a:lstStyle/>
+          <a:p>
+            <a:pPr algn="ctr"/>
+            <a:r>
+              <a:rPr lang="pt-BR" sz="2800" dirty="0" smtClean="0">
+                <a:solidFill>
+                  <a:schemeClr val="tx1"/>
+                </a:solidFill>
+              </a:rPr>
+              <a:t>Cálculo das Correntes de Referência</a:t>
+            </a:r>
+            <a:endParaRPr lang="pt-BR" sz="2800" dirty="0">
+              <a:solidFill>
+                <a:schemeClr val="tx1"/>
+              </a:solidFill>
+            </a:endParaRPr>
+          </a:p>
+        </p:txBody>
+      </p:sp>
+      <p:cxnSp>
+        <p:nvCxnSpPr>
+          <p:cNvPr id="43" name="Conector de seta reta 42"/>
+          <p:cNvCxnSpPr>
+            <a:stCxn id="28" idx="6"/>
+          </p:cNvCxnSpPr>
+          <p:nvPr/>
+        </p:nvCxnSpPr>
+        <p:spPr>
+          <a:xfrm>
+            <a:off x="2549015" y="6567592"/>
+            <a:ext cx="971731" cy="0"/>
+          </a:xfrm>
+          <a:prstGeom prst="straightConnector1">
+            <a:avLst/>
+          </a:prstGeom>
+          <a:noFill/>
+          <a:ln w="57150">
+            <a:solidFill>
+              <a:schemeClr val="tx1"/>
+            </a:solidFill>
+            <a:headEnd type="none" w="med" len="med"/>
+            <a:tailEnd type="arrow" w="med" len="med"/>
+          </a:ln>
+        </p:spPr>
+        <p:style>
+          <a:lnRef idx="2">
+            <a:schemeClr val="accent1">
+              <a:shade val="50000"/>
+            </a:schemeClr>
+          </a:lnRef>
+          <a:fillRef idx="1">
+            <a:schemeClr val="accent1"/>
+          </a:fillRef>
+          <a:effectRef idx="0">
+            <a:schemeClr val="accent1"/>
+          </a:effectRef>
+          <a:fontRef idx="minor">
+            <a:schemeClr val="lt1"/>
+          </a:fontRef>
+        </p:style>
+      </p:cxnSp>
+      <p:cxnSp>
+        <p:nvCxnSpPr>
+          <p:cNvPr id="44" name="Conector de seta reta 43"/>
+          <p:cNvCxnSpPr/>
+          <p:nvPr/>
+        </p:nvCxnSpPr>
+        <p:spPr>
+          <a:xfrm>
+            <a:off x="464048" y="7659879"/>
+            <a:ext cx="3056698" cy="3542"/>
+          </a:xfrm>
+          <a:prstGeom prst="straightConnector1">
+            <a:avLst/>
+          </a:prstGeom>
+          <a:noFill/>
+          <a:ln w="57150">
+            <a:solidFill>
+              <a:schemeClr val="tx1"/>
+            </a:solidFill>
+            <a:headEnd type="none" w="med" len="med"/>
+            <a:tailEnd type="arrow" w="med" len="med"/>
+          </a:ln>
+        </p:spPr>
+        <p:style>
+          <a:lnRef idx="2">
+            <a:schemeClr val="accent1">
+              <a:shade val="50000"/>
+            </a:schemeClr>
+          </a:lnRef>
+          <a:fillRef idx="1">
+            <a:schemeClr val="accent1"/>
+          </a:fillRef>
+          <a:effectRef idx="0">
+            <a:schemeClr val="accent1"/>
+          </a:effectRef>
+          <a:fontRef idx="minor">
+            <a:schemeClr val="lt1"/>
+          </a:fontRef>
+        </p:style>
+      </p:cxnSp>
+      <p:sp>
+        <p:nvSpPr>
+          <p:cNvPr id="46" name="Retângulo 45"/>
+          <p:cNvSpPr/>
+          <p:nvPr/>
+        </p:nvSpPr>
+        <p:spPr>
+          <a:xfrm>
+            <a:off x="-1803952" y="6197478"/>
+            <a:ext cx="2268000" cy="1800000"/>
+          </a:xfrm>
+          <a:prstGeom prst="rect">
+            <a:avLst/>
+          </a:prstGeom>
+          <a:noFill/>
+          <a:ln w="57150">
+            <a:solidFill>
+              <a:schemeClr val="tx1"/>
+            </a:solidFill>
+          </a:ln>
+        </p:spPr>
+        <p:style>
+          <a:lnRef idx="2">
+            <a:schemeClr val="accent1">
+              <a:shade val="50000"/>
+            </a:schemeClr>
+          </a:lnRef>
+          <a:fillRef idx="1">
+            <a:schemeClr val="accent1"/>
+          </a:fillRef>
+          <a:effectRef idx="0">
+            <a:schemeClr val="accent1"/>
+          </a:effectRef>
+          <a:fontRef idx="minor">
+            <a:schemeClr val="lt1"/>
+          </a:fontRef>
+        </p:style>
+        <p:txBody>
+          <a:bodyPr rtlCol="0" anchor="ctr"/>
+          <a:lstStyle/>
+          <a:p>
+            <a:pPr algn="ctr"/>
+            <a:r>
+              <a:rPr lang="pt-BR" sz="2800" dirty="0" smtClean="0">
+                <a:solidFill>
+                  <a:schemeClr val="tx1"/>
+                </a:solidFill>
+              </a:rPr>
+              <a:t>Seleção de Potência a serem Compensadas </a:t>
+            </a:r>
+            <a:endParaRPr lang="pt-BR" sz="2800" dirty="0">
+              <a:solidFill>
+                <a:schemeClr val="tx1"/>
+              </a:solidFill>
+            </a:endParaRPr>
+          </a:p>
+        </p:txBody>
+      </p:sp>
+      <p:sp>
+        <p:nvSpPr>
+          <p:cNvPr id="47" name="Retângulo 46"/>
+          <p:cNvSpPr/>
+          <p:nvPr/>
+        </p:nvSpPr>
+        <p:spPr>
+          <a:xfrm>
+            <a:off x="-1711037" y="3269134"/>
+            <a:ext cx="2066761" cy="1800000"/>
+          </a:xfrm>
+          <a:prstGeom prst="rect">
+            <a:avLst/>
+          </a:prstGeom>
+          <a:noFill/>
+          <a:ln w="57150">
+            <a:solidFill>
+              <a:schemeClr val="tx1"/>
+            </a:solidFill>
+          </a:ln>
+        </p:spPr>
+        <p:style>
+          <a:lnRef idx="2">
+            <a:schemeClr val="accent1">
+              <a:shade val="50000"/>
+            </a:schemeClr>
+          </a:lnRef>
+          <a:fillRef idx="1">
+            <a:schemeClr val="accent1"/>
+          </a:fillRef>
+          <a:effectRef idx="0">
+            <a:schemeClr val="accent1"/>
+          </a:effectRef>
+          <a:fontRef idx="minor">
+            <a:schemeClr val="lt1"/>
+          </a:fontRef>
+        </p:style>
+        <p:txBody>
+          <a:bodyPr rtlCol="0" anchor="ctr"/>
+          <a:lstStyle/>
+          <a:p>
+            <a:pPr algn="ctr"/>
+            <a:r>
+              <a:rPr lang="pt-BR" sz="2800" dirty="0" smtClean="0">
+                <a:solidFill>
+                  <a:schemeClr val="tx1"/>
+                </a:solidFill>
+              </a:rPr>
+              <a:t>Cálculo de Potências Instantâneas</a:t>
+            </a:r>
+            <a:endParaRPr lang="pt-BR" sz="2800" dirty="0">
+              <a:solidFill>
+                <a:schemeClr val="tx1"/>
+              </a:solidFill>
+            </a:endParaRPr>
+          </a:p>
+        </p:txBody>
+      </p:sp>
+      <p:cxnSp>
+        <p:nvCxnSpPr>
+          <p:cNvPr id="48" name="Conector de seta reta 47"/>
+          <p:cNvCxnSpPr/>
+          <p:nvPr/>
+        </p:nvCxnSpPr>
+        <p:spPr>
+          <a:xfrm>
+            <a:off x="-1160123" y="5069134"/>
+            <a:ext cx="0" cy="1128344"/>
+          </a:xfrm>
+          <a:prstGeom prst="straightConnector1">
+            <a:avLst/>
+          </a:prstGeom>
+          <a:noFill/>
+          <a:ln w="57150">
+            <a:solidFill>
+              <a:schemeClr val="tx1"/>
+            </a:solidFill>
+            <a:headEnd type="none" w="med" len="med"/>
+            <a:tailEnd type="arrow" w="med" len="med"/>
+          </a:ln>
+        </p:spPr>
+        <p:style>
+          <a:lnRef idx="2">
+            <a:schemeClr val="accent1">
+              <a:shade val="50000"/>
+            </a:schemeClr>
+          </a:lnRef>
+          <a:fillRef idx="1">
+            <a:schemeClr val="accent1"/>
+          </a:fillRef>
+          <a:effectRef idx="0">
+            <a:schemeClr val="accent1"/>
+          </a:effectRef>
+          <a:fontRef idx="minor">
+            <a:schemeClr val="lt1"/>
+          </a:fontRef>
+        </p:style>
+      </p:cxnSp>
+      <p:cxnSp>
+        <p:nvCxnSpPr>
+          <p:cNvPr id="49" name="Conector de seta reta 48"/>
+          <p:cNvCxnSpPr/>
+          <p:nvPr/>
+        </p:nvCxnSpPr>
+        <p:spPr>
+          <a:xfrm>
+            <a:off x="-136866" y="5069134"/>
+            <a:ext cx="0" cy="1128344"/>
+          </a:xfrm>
+          <a:prstGeom prst="straightConnector1">
+            <a:avLst/>
+          </a:prstGeom>
+          <a:noFill/>
+          <a:ln w="57150">
+            <a:solidFill>
+              <a:schemeClr val="tx1"/>
+            </a:solidFill>
+            <a:headEnd type="none" w="med" len="med"/>
+            <a:tailEnd type="arrow" w="med" len="med"/>
+          </a:ln>
+        </p:spPr>
+        <p:style>
+          <a:lnRef idx="2">
+            <a:schemeClr val="accent1">
+              <a:shade val="50000"/>
+            </a:schemeClr>
+          </a:lnRef>
+          <a:fillRef idx="1">
+            <a:schemeClr val="accent1"/>
+          </a:fillRef>
+          <a:effectRef idx="0">
+            <a:schemeClr val="accent1"/>
+          </a:effectRef>
+          <a:fontRef idx="minor">
+            <a:schemeClr val="lt1"/>
+          </a:fontRef>
+        </p:style>
+      </p:cxnSp>
+      <p:sp>
+        <p:nvSpPr>
+          <p:cNvPr id="52" name="Retângulo 51"/>
+          <p:cNvSpPr/>
+          <p:nvPr/>
+        </p:nvSpPr>
+        <p:spPr>
+          <a:xfrm>
+            <a:off x="7028017" y="6197478"/>
+            <a:ext cx="1800000" cy="1800000"/>
+          </a:xfrm>
+          <a:prstGeom prst="rect">
+            <a:avLst/>
+          </a:prstGeom>
+          <a:noFill/>
+          <a:ln w="57150">
+            <a:solidFill>
+              <a:schemeClr val="tx1"/>
+            </a:solidFill>
+          </a:ln>
+        </p:spPr>
+        <p:style>
+          <a:lnRef idx="2">
+            <a:schemeClr val="accent1">
+              <a:shade val="50000"/>
+            </a:schemeClr>
+          </a:lnRef>
+          <a:fillRef idx="1">
+            <a:schemeClr val="accent1"/>
+          </a:fillRef>
+          <a:effectRef idx="0">
+            <a:schemeClr val="accent1"/>
+          </a:effectRef>
+          <a:fontRef idx="minor">
+            <a:schemeClr val="lt1"/>
+          </a:fontRef>
+        </p:style>
+        <p:txBody>
+          <a:bodyPr rtlCol="0" anchor="ctr"/>
+          <a:lstStyle/>
+          <a:p>
+            <a:pPr algn="ctr"/>
+            <a:r>
+              <a:rPr lang="pt-BR" sz="2800" dirty="0" smtClean="0">
+                <a:solidFill>
+                  <a:schemeClr val="tx1"/>
+                </a:solidFill>
+              </a:rPr>
+              <a:t>Controle PWM</a:t>
+            </a:r>
+            <a:endParaRPr lang="pt-BR" sz="2800" dirty="0">
+              <a:solidFill>
+                <a:schemeClr val="tx1"/>
+              </a:solidFill>
+            </a:endParaRPr>
+          </a:p>
+        </p:txBody>
+      </p:sp>
+      <p:cxnSp>
+        <p:nvCxnSpPr>
+          <p:cNvPr id="53" name="Conector de seta reta 52"/>
+          <p:cNvCxnSpPr/>
+          <p:nvPr/>
+        </p:nvCxnSpPr>
+        <p:spPr>
+          <a:xfrm>
+            <a:off x="5530076" y="6404606"/>
+            <a:ext cx="1473200" cy="0"/>
+          </a:xfrm>
+          <a:prstGeom prst="straightConnector1">
+            <a:avLst/>
+          </a:prstGeom>
+          <a:noFill/>
+          <a:ln w="57150">
+            <a:solidFill>
+              <a:schemeClr val="tx1"/>
+            </a:solidFill>
+            <a:headEnd type="none" w="med" len="med"/>
+            <a:tailEnd type="arrow" w="med" len="med"/>
+          </a:ln>
+        </p:spPr>
+        <p:style>
+          <a:lnRef idx="2">
+            <a:schemeClr val="accent1">
+              <a:shade val="50000"/>
+            </a:schemeClr>
+          </a:lnRef>
+          <a:fillRef idx="1">
+            <a:schemeClr val="accent1"/>
+          </a:fillRef>
+          <a:effectRef idx="0">
+            <a:schemeClr val="accent1"/>
+          </a:effectRef>
+          <a:fontRef idx="minor">
+            <a:schemeClr val="lt1"/>
+          </a:fontRef>
+        </p:style>
+      </p:cxnSp>
+      <p:cxnSp>
+        <p:nvCxnSpPr>
+          <p:cNvPr id="54" name="Conector de seta reta 53"/>
+          <p:cNvCxnSpPr/>
+          <p:nvPr/>
+        </p:nvCxnSpPr>
+        <p:spPr>
+          <a:xfrm>
+            <a:off x="5554817" y="7877593"/>
+            <a:ext cx="1473200" cy="0"/>
+          </a:xfrm>
+          <a:prstGeom prst="straightConnector1">
+            <a:avLst/>
+          </a:prstGeom>
+          <a:noFill/>
+          <a:ln w="57150">
+            <a:solidFill>
+              <a:schemeClr val="tx1"/>
+            </a:solidFill>
+            <a:headEnd type="none" w="med" len="med"/>
+            <a:tailEnd type="arrow" w="med" len="med"/>
+          </a:ln>
+        </p:spPr>
+        <p:style>
+          <a:lnRef idx="2">
+            <a:schemeClr val="accent1">
+              <a:shade val="50000"/>
+            </a:schemeClr>
+          </a:lnRef>
+          <a:fillRef idx="1">
+            <a:schemeClr val="accent1"/>
+          </a:fillRef>
+          <a:effectRef idx="0">
+            <a:schemeClr val="accent1"/>
+          </a:effectRef>
+          <a:fontRef idx="minor">
+            <a:schemeClr val="lt1"/>
+          </a:fontRef>
+        </p:style>
+      </p:cxnSp>
+      <p:sp>
+        <p:nvSpPr>
+          <p:cNvPr id="1036" name="Seta para baixo 1035"/>
+          <p:cNvSpPr/>
+          <p:nvPr/>
+        </p:nvSpPr>
+        <p:spPr>
+          <a:xfrm flipV="1">
+            <a:off x="6745103" y="4390255"/>
+            <a:ext cx="2365828" cy="1642623"/>
+          </a:xfrm>
+          <a:prstGeom prst="downArrow">
+            <a:avLst/>
+          </a:prstGeom>
+          <a:noFill/>
+          <a:ln w="57150">
+            <a:solidFill>
+              <a:schemeClr val="tx1"/>
+            </a:solidFill>
+          </a:ln>
+        </p:spPr>
+        <p:style>
+          <a:lnRef idx="2">
+            <a:schemeClr val="accent1">
+              <a:shade val="50000"/>
+            </a:schemeClr>
+          </a:lnRef>
+          <a:fillRef idx="1">
+            <a:schemeClr val="accent1"/>
+          </a:fillRef>
+          <a:effectRef idx="0">
+            <a:schemeClr val="accent1"/>
+          </a:effectRef>
+          <a:fontRef idx="minor">
+            <a:schemeClr val="lt1"/>
+          </a:fontRef>
+        </p:style>
+        <p:txBody>
+          <a:bodyPr rtlCol="0" anchor="ctr"/>
+          <a:lstStyle/>
+          <a:p>
+            <a:pPr algn="ctr"/>
+            <a:endParaRPr lang="pt-BR"/>
+          </a:p>
+        </p:txBody>
+      </p:sp>
+      <p:cxnSp>
+        <p:nvCxnSpPr>
+          <p:cNvPr id="64" name="Conector de seta reta 63"/>
+          <p:cNvCxnSpPr/>
+          <p:nvPr/>
+        </p:nvCxnSpPr>
+        <p:spPr>
+          <a:xfrm>
+            <a:off x="-1467111" y="2565191"/>
+            <a:ext cx="0" cy="696686"/>
+          </a:xfrm>
+          <a:prstGeom prst="straightConnector1">
+            <a:avLst/>
+          </a:prstGeom>
+          <a:noFill/>
+          <a:ln w="57150">
+            <a:solidFill>
+              <a:schemeClr val="tx1"/>
+            </a:solidFill>
+            <a:headEnd type="none" w="med" len="med"/>
+            <a:tailEnd type="arrow" w="med" len="med"/>
+          </a:ln>
+        </p:spPr>
+        <p:style>
+          <a:lnRef idx="2">
+            <a:schemeClr val="accent1">
+              <a:shade val="50000"/>
+            </a:schemeClr>
+          </a:lnRef>
+          <a:fillRef idx="1">
+            <a:schemeClr val="accent1"/>
+          </a:fillRef>
+          <a:effectRef idx="0">
+            <a:schemeClr val="accent1"/>
+          </a:effectRef>
+          <a:fontRef idx="minor">
+            <a:schemeClr val="lt1"/>
+          </a:fontRef>
+        </p:style>
+      </p:cxnSp>
+      <p:cxnSp>
+        <p:nvCxnSpPr>
+          <p:cNvPr id="66" name="Conector de seta reta 65"/>
+          <p:cNvCxnSpPr/>
+          <p:nvPr/>
+        </p:nvCxnSpPr>
+        <p:spPr>
+          <a:xfrm>
+            <a:off x="-757036" y="2565191"/>
+            <a:ext cx="0" cy="696686"/>
+          </a:xfrm>
+          <a:prstGeom prst="straightConnector1">
+            <a:avLst/>
+          </a:prstGeom>
+          <a:noFill/>
+          <a:ln w="57150">
+            <a:solidFill>
+              <a:schemeClr val="tx1"/>
+            </a:solidFill>
+            <a:headEnd type="none" w="med" len="med"/>
+            <a:tailEnd type="arrow" w="med" len="med"/>
+          </a:ln>
+        </p:spPr>
+        <p:style>
+          <a:lnRef idx="2">
+            <a:schemeClr val="accent1">
+              <a:shade val="50000"/>
+            </a:schemeClr>
+          </a:lnRef>
+          <a:fillRef idx="1">
+            <a:schemeClr val="accent1"/>
+          </a:fillRef>
+          <a:effectRef idx="0">
+            <a:schemeClr val="accent1"/>
+          </a:effectRef>
+          <a:fontRef idx="minor">
+            <a:schemeClr val="lt1"/>
+          </a:fontRef>
+        </p:style>
+      </p:cxnSp>
+      <p:cxnSp>
+        <p:nvCxnSpPr>
+          <p:cNvPr id="67" name="Conector de seta reta 66"/>
+          <p:cNvCxnSpPr/>
+          <p:nvPr/>
+        </p:nvCxnSpPr>
+        <p:spPr>
+          <a:xfrm>
+            <a:off x="-80997" y="2565191"/>
+            <a:ext cx="0" cy="696686"/>
+          </a:xfrm>
+          <a:prstGeom prst="straightConnector1">
+            <a:avLst/>
+          </a:prstGeom>
+          <a:noFill/>
+          <a:ln w="57150">
+            <a:solidFill>
+              <a:schemeClr val="tx1"/>
+            </a:solidFill>
+            <a:headEnd type="none" w="med" len="med"/>
+            <a:tailEnd type="arrow" w="med" len="med"/>
+          </a:ln>
+        </p:spPr>
+        <p:style>
+          <a:lnRef idx="2">
+            <a:schemeClr val="accent1">
+              <a:shade val="50000"/>
+            </a:schemeClr>
+          </a:lnRef>
+          <a:fillRef idx="1">
+            <a:schemeClr val="accent1"/>
+          </a:fillRef>
+          <a:effectRef idx="0">
+            <a:schemeClr val="accent1"/>
+          </a:effectRef>
+          <a:fontRef idx="minor">
+            <a:schemeClr val="lt1"/>
+          </a:fontRef>
+        </p:style>
+      </p:cxnSp>
+      <p:cxnSp>
+        <p:nvCxnSpPr>
+          <p:cNvPr id="70" name="Conector de seta reta 69"/>
+          <p:cNvCxnSpPr/>
+          <p:nvPr/>
+        </p:nvCxnSpPr>
+        <p:spPr>
+          <a:xfrm>
+            <a:off x="-2426369" y="3504858"/>
+            <a:ext cx="698400" cy="0"/>
+          </a:xfrm>
+          <a:prstGeom prst="straightConnector1">
+            <a:avLst/>
+          </a:prstGeom>
+          <a:noFill/>
+          <a:ln w="57150">
+            <a:solidFill>
+              <a:schemeClr val="tx1"/>
+            </a:solidFill>
+            <a:headEnd type="none" w="med" len="med"/>
+            <a:tailEnd type="arrow" w="med" len="med"/>
+          </a:ln>
+        </p:spPr>
+        <p:style>
+          <a:lnRef idx="2">
+            <a:schemeClr val="accent1">
+              <a:shade val="50000"/>
+            </a:schemeClr>
+          </a:lnRef>
+          <a:fillRef idx="1">
+            <a:schemeClr val="accent1"/>
+          </a:fillRef>
+          <a:effectRef idx="0">
+            <a:schemeClr val="accent1"/>
+          </a:effectRef>
+          <a:fontRef idx="minor">
+            <a:schemeClr val="lt1"/>
+          </a:fontRef>
+        </p:style>
+      </p:cxnSp>
+      <p:cxnSp>
+        <p:nvCxnSpPr>
+          <p:cNvPr id="74" name="Conector de seta reta 73"/>
+          <p:cNvCxnSpPr/>
+          <p:nvPr/>
+        </p:nvCxnSpPr>
+        <p:spPr>
+          <a:xfrm>
+            <a:off x="-2409436" y="4184220"/>
+            <a:ext cx="698400" cy="0"/>
+          </a:xfrm>
+          <a:prstGeom prst="straightConnector1">
+            <a:avLst/>
+          </a:prstGeom>
+          <a:noFill/>
+          <a:ln w="57150">
+            <a:solidFill>
+              <a:schemeClr val="tx1"/>
+            </a:solidFill>
+            <a:headEnd type="none" w="med" len="med"/>
+            <a:tailEnd type="arrow" w="med" len="med"/>
+          </a:ln>
+        </p:spPr>
+        <p:style>
+          <a:lnRef idx="2">
+            <a:schemeClr val="accent1">
+              <a:shade val="50000"/>
+            </a:schemeClr>
+          </a:lnRef>
+          <a:fillRef idx="1">
+            <a:schemeClr val="accent1"/>
+          </a:fillRef>
+          <a:effectRef idx="0">
+            <a:schemeClr val="accent1"/>
+          </a:effectRef>
+          <a:fontRef idx="minor">
+            <a:schemeClr val="lt1"/>
+          </a:fontRef>
+        </p:style>
+      </p:cxnSp>
+      <p:cxnSp>
+        <p:nvCxnSpPr>
+          <p:cNvPr id="75" name="Conector de seta reta 74"/>
+          <p:cNvCxnSpPr/>
+          <p:nvPr/>
+        </p:nvCxnSpPr>
+        <p:spPr>
+          <a:xfrm>
+            <a:off x="-2426369" y="4844048"/>
+            <a:ext cx="698400" cy="0"/>
+          </a:xfrm>
+          <a:prstGeom prst="straightConnector1">
+            <a:avLst/>
+          </a:prstGeom>
+          <a:noFill/>
+          <a:ln w="57150">
+            <a:solidFill>
+              <a:schemeClr val="tx1"/>
+            </a:solidFill>
+            <a:headEnd type="none" w="med" len="med"/>
+            <a:tailEnd type="arrow" w="med" len="med"/>
+          </a:ln>
+        </p:spPr>
+        <p:style>
+          <a:lnRef idx="2">
+            <a:schemeClr val="accent1">
+              <a:shade val="50000"/>
+            </a:schemeClr>
+          </a:lnRef>
+          <a:fillRef idx="1">
+            <a:schemeClr val="accent1"/>
+          </a:fillRef>
+          <a:effectRef idx="0">
+            <a:schemeClr val="accent1"/>
+          </a:effectRef>
+          <a:fontRef idx="minor">
+            <a:schemeClr val="lt1"/>
+          </a:fontRef>
+        </p:style>
+      </p:cxnSp>
+      <mc:AlternateContent xmlns:mc="http://schemas.openxmlformats.org/markup-compatibility/2006">
+        <mc:Choice xmlns:a14="http://schemas.microsoft.com/office/drawing/2010/main" Requires="a14">
+          <p:sp>
+            <p:nvSpPr>
+              <p:cNvPr id="1049" name="CaixaDeTexto 1048"/>
+              <p:cNvSpPr txBox="1"/>
+              <p:nvPr/>
+            </p:nvSpPr>
+            <p:spPr>
+              <a:xfrm>
+                <a:off x="-1744153" y="5197631"/>
+                <a:ext cx="591700" cy="707886"/>
+              </a:xfrm>
+              <a:prstGeom prst="rect">
+                <a:avLst/>
+              </a:prstGeom>
+              <a:noFill/>
+            </p:spPr>
+            <p:txBody>
+              <a:bodyPr wrap="none" rtlCol="0">
+                <a:spAutoFit/>
+              </a:bodyPr>
+              <a:lstStyle/>
+              <a:p>
+                <a14:m>
+                  <m:oMathPara xmlns:m="http://schemas.openxmlformats.org/officeDocument/2006/math">
+                    <m:oMathParaPr>
+                      <m:jc m:val="centerGroup"/>
+                    </m:oMathParaPr>
+                    <m:oMath xmlns:m="http://schemas.openxmlformats.org/officeDocument/2006/math">
+                      <m:r>
+                        <a:rPr lang="pt-BR" sz="4000" b="0" i="1" smtClean="0">
+                          <a:latin typeface="Cambria Math"/>
+                        </a:rPr>
+                        <m:t>𝑝</m:t>
+                      </m:r>
+                    </m:oMath>
+                  </m:oMathPara>
+                </a14:m>
+                <a:endParaRPr lang="pt-BR" sz="4000" dirty="0"/>
+              </a:p>
+            </p:txBody>
+          </p:sp>
+        </mc:Choice>
+        <mc:Fallback>
+          <p:sp>
+            <p:nvSpPr>
+              <p:cNvPr id="1049" name="CaixaDeTexto 1048"/>
+              <p:cNvSpPr txBox="1">
+                <a:spLocks noRot="1" noChangeAspect="1" noMove="1" noResize="1" noEditPoints="1" noAdjustHandles="1" noChangeArrowheads="1" noChangeShapeType="1" noTextEdit="1"/>
+              </p:cNvSpPr>
+              <p:nvPr/>
+            </p:nvSpPr>
+            <p:spPr>
+              <a:xfrm>
+                <a:off x="-1744153" y="5197631"/>
+                <a:ext cx="591700" cy="707886"/>
+              </a:xfrm>
+              <a:prstGeom prst="rect">
+                <a:avLst/>
+              </a:prstGeom>
+              <a:blipFill rotWithShape="1">
+                <a:blip r:embed="rId2"/>
+                <a:stretch>
+                  <a:fillRect/>
+                </a:stretch>
+              </a:blipFill>
+            </p:spPr>
+            <p:txBody>
+              <a:bodyPr/>
+              <a:lstStyle/>
+              <a:p>
+                <a:r>
+                  <a:rPr lang="pt-BR">
+                    <a:noFill/>
+                  </a:rPr>
+                  <a:t> </a:t>
+                </a:r>
+              </a:p>
+            </p:txBody>
+          </p:sp>
+        </mc:Fallback>
+      </mc:AlternateContent>
+      <mc:AlternateContent xmlns:mc="http://schemas.openxmlformats.org/markup-compatibility/2006">
+        <mc:Choice xmlns:a14="http://schemas.microsoft.com/office/drawing/2010/main" Requires="a14">
+          <p:sp>
+            <p:nvSpPr>
+              <p:cNvPr id="77" name="CaixaDeTexto 76"/>
+              <p:cNvSpPr txBox="1"/>
+              <p:nvPr/>
+            </p:nvSpPr>
+            <p:spPr>
+              <a:xfrm>
+                <a:off x="-1130184" y="1893666"/>
+                <a:ext cx="829778" cy="707886"/>
+              </a:xfrm>
+              <a:prstGeom prst="rect">
+                <a:avLst/>
+              </a:prstGeom>
+              <a:noFill/>
+            </p:spPr>
+            <p:txBody>
+              <a:bodyPr wrap="none" rtlCol="0">
+                <a:spAutoFit/>
+              </a:bodyPr>
+              <a:lstStyle/>
+              <a:p>
+                <a14:m>
+                  <m:oMathPara xmlns:m="http://schemas.openxmlformats.org/officeDocument/2006/math">
+                    <m:oMathParaPr>
+                      <m:jc m:val="centerGroup"/>
+                    </m:oMathParaPr>
+                    <m:oMath xmlns:m="http://schemas.openxmlformats.org/officeDocument/2006/math">
+                      <m:sSub>
+                        <m:sSubPr>
+                          <m:ctrlPr>
+                            <a:rPr lang="pt-BR" sz="4000" b="0" i="1" smtClean="0">
+                              <a:latin typeface="Cambria Math"/>
+                            </a:rPr>
+                          </m:ctrlPr>
+                        </m:sSubPr>
+                        <m:e>
+                          <m:r>
+                            <a:rPr lang="pt-BR" sz="4000" b="0" i="1" smtClean="0">
+                              <a:latin typeface="Cambria Math"/>
+                            </a:rPr>
+                            <m:t>𝑣</m:t>
+                          </m:r>
+                        </m:e>
+                        <m:sub>
+                          <m:r>
+                            <a:rPr lang="pt-BR" sz="4000" b="0" i="1" smtClean="0">
+                              <a:latin typeface="Cambria Math"/>
+                            </a:rPr>
+                            <m:t>𝑏</m:t>
+                          </m:r>
+                        </m:sub>
+                      </m:sSub>
+                    </m:oMath>
+                  </m:oMathPara>
+                </a14:m>
+                <a:endParaRPr lang="pt-BR" sz="4000" dirty="0"/>
+              </a:p>
+            </p:txBody>
+          </p:sp>
+        </mc:Choice>
+        <mc:Fallback>
+          <p:sp>
+            <p:nvSpPr>
+              <p:cNvPr id="77" name="CaixaDeTexto 76"/>
+              <p:cNvSpPr txBox="1">
+                <a:spLocks noRot="1" noChangeAspect="1" noMove="1" noResize="1" noEditPoints="1" noAdjustHandles="1" noChangeArrowheads="1" noChangeShapeType="1" noTextEdit="1"/>
+              </p:cNvSpPr>
+              <p:nvPr/>
+            </p:nvSpPr>
+            <p:spPr>
+              <a:xfrm>
+                <a:off x="-1130184" y="1893666"/>
+                <a:ext cx="829778" cy="707886"/>
+              </a:xfrm>
+              <a:prstGeom prst="rect">
+                <a:avLst/>
+              </a:prstGeom>
+              <a:blipFill rotWithShape="1">
+                <a:blip r:embed="rId3"/>
+                <a:stretch>
+                  <a:fillRect/>
+                </a:stretch>
+              </a:blipFill>
+            </p:spPr>
+            <p:txBody>
+              <a:bodyPr/>
+              <a:lstStyle/>
+              <a:p>
+                <a:r>
+                  <a:rPr lang="pt-BR">
+                    <a:noFill/>
+                  </a:rPr>
+                  <a:t> </a:t>
+                </a:r>
+              </a:p>
+            </p:txBody>
+          </p:sp>
+        </mc:Fallback>
+      </mc:AlternateContent>
+      <mc:AlternateContent xmlns:mc="http://schemas.openxmlformats.org/markup-compatibility/2006">
+        <mc:Choice xmlns:a14="http://schemas.microsoft.com/office/drawing/2010/main" Requires="a14">
+          <p:sp>
+            <p:nvSpPr>
+              <p:cNvPr id="78" name="CaixaDeTexto 77"/>
+              <p:cNvSpPr txBox="1"/>
+              <p:nvPr/>
+            </p:nvSpPr>
+            <p:spPr>
+              <a:xfrm>
+                <a:off x="-415512" y="1893667"/>
+                <a:ext cx="771237" cy="707886"/>
+              </a:xfrm>
+              <a:prstGeom prst="rect">
+                <a:avLst/>
+              </a:prstGeom>
+              <a:noFill/>
+            </p:spPr>
+            <p:txBody>
+              <a:bodyPr wrap="none" rtlCol="0">
+                <a:spAutoFit/>
+              </a:bodyPr>
+              <a:lstStyle/>
+              <a:p>
+                <a14:m>
+                  <m:oMathPara xmlns:m="http://schemas.openxmlformats.org/officeDocument/2006/math">
+                    <m:oMathParaPr>
+                      <m:jc m:val="centerGroup"/>
+                    </m:oMathParaPr>
+                    <m:oMath xmlns:m="http://schemas.openxmlformats.org/officeDocument/2006/math">
+                      <m:sSub>
+                        <m:sSubPr>
+                          <m:ctrlPr>
+                            <a:rPr lang="pt-BR" sz="4000" b="0" i="1" smtClean="0">
+                              <a:latin typeface="Cambria Math"/>
+                            </a:rPr>
+                          </m:ctrlPr>
+                        </m:sSubPr>
+                        <m:e>
+                          <m:r>
+                            <a:rPr lang="pt-BR" sz="4000" b="0" i="1" smtClean="0">
+                              <a:latin typeface="Cambria Math"/>
+                            </a:rPr>
+                            <m:t>𝑣</m:t>
+                          </m:r>
+                        </m:e>
+                        <m:sub>
+                          <m:r>
+                            <a:rPr lang="pt-BR" sz="4000" b="0" i="1" smtClean="0">
+                              <a:latin typeface="Cambria Math"/>
+                            </a:rPr>
+                            <m:t>𝑐</m:t>
+                          </m:r>
+                        </m:sub>
+                      </m:sSub>
+                    </m:oMath>
+                  </m:oMathPara>
+                </a14:m>
+                <a:endParaRPr lang="pt-BR" sz="4000" dirty="0"/>
+              </a:p>
+            </p:txBody>
+          </p:sp>
+        </mc:Choice>
+        <mc:Fallback>
+          <p:sp>
+            <p:nvSpPr>
+              <p:cNvPr id="78" name="CaixaDeTexto 77"/>
+              <p:cNvSpPr txBox="1">
+                <a:spLocks noRot="1" noChangeAspect="1" noMove="1" noResize="1" noEditPoints="1" noAdjustHandles="1" noChangeArrowheads="1" noChangeShapeType="1" noTextEdit="1"/>
+              </p:cNvSpPr>
+              <p:nvPr/>
+            </p:nvSpPr>
+            <p:spPr>
+              <a:xfrm>
+                <a:off x="-415512" y="1893667"/>
+                <a:ext cx="771237" cy="707886"/>
+              </a:xfrm>
+              <a:prstGeom prst="rect">
+                <a:avLst/>
+              </a:prstGeom>
+              <a:blipFill rotWithShape="1">
+                <a:blip r:embed="rId4"/>
+                <a:stretch>
+                  <a:fillRect/>
+                </a:stretch>
+              </a:blipFill>
+            </p:spPr>
+            <p:txBody>
+              <a:bodyPr/>
+              <a:lstStyle/>
+              <a:p>
+                <a:r>
+                  <a:rPr lang="pt-BR">
+                    <a:noFill/>
+                  </a:rPr>
+                  <a:t> </a:t>
+                </a:r>
+              </a:p>
+            </p:txBody>
+          </p:sp>
+        </mc:Fallback>
+      </mc:AlternateContent>
+      <mc:AlternateContent xmlns:mc="http://schemas.openxmlformats.org/markup-compatibility/2006">
+        <mc:Choice xmlns:a14="http://schemas.microsoft.com/office/drawing/2010/main" Requires="a14">
+          <p:sp>
+            <p:nvSpPr>
+              <p:cNvPr id="79" name="CaixaDeTexto 78"/>
+              <p:cNvSpPr txBox="1"/>
+              <p:nvPr/>
+            </p:nvSpPr>
+            <p:spPr>
+              <a:xfrm>
+                <a:off x="-3222347" y="2920440"/>
+                <a:ext cx="931665" cy="707886"/>
+              </a:xfrm>
+              <a:prstGeom prst="rect">
+                <a:avLst/>
+              </a:prstGeom>
+              <a:noFill/>
+            </p:spPr>
+            <p:txBody>
+              <a:bodyPr wrap="none" rtlCol="0">
+                <a:spAutoFit/>
+              </a:bodyPr>
+              <a:lstStyle/>
+              <a:p>
+                <a14:m>
+                  <m:oMathPara xmlns:m="http://schemas.openxmlformats.org/officeDocument/2006/math">
+                    <m:oMathParaPr>
+                      <m:jc m:val="centerGroup"/>
+                    </m:oMathParaPr>
+                    <m:oMath xmlns:m="http://schemas.openxmlformats.org/officeDocument/2006/math">
+                      <m:sSub>
+                        <m:sSubPr>
+                          <m:ctrlPr>
+                            <a:rPr lang="pt-BR" sz="4000" b="0" i="1" smtClean="0">
+                              <a:latin typeface="Cambria Math"/>
+                            </a:rPr>
+                          </m:ctrlPr>
+                        </m:sSubPr>
+                        <m:e>
+                          <m:r>
+                            <a:rPr lang="pt-BR" sz="4000" b="0" i="1" smtClean="0">
+                              <a:latin typeface="Cambria Math"/>
+                            </a:rPr>
+                            <m:t>𝑖</m:t>
+                          </m:r>
+                        </m:e>
+                        <m:sub>
+                          <m:r>
+                            <a:rPr lang="pt-BR" sz="4000" b="0" i="1" smtClean="0">
+                              <a:latin typeface="Cambria Math"/>
+                            </a:rPr>
+                            <m:t>𝐿𝑎</m:t>
+                          </m:r>
+                        </m:sub>
+                      </m:sSub>
+                    </m:oMath>
+                  </m:oMathPara>
+                </a14:m>
+                <a:endParaRPr lang="pt-BR" sz="4000" dirty="0"/>
+              </a:p>
+            </p:txBody>
+          </p:sp>
+        </mc:Choice>
+        <mc:Fallback>
+          <p:sp>
+            <p:nvSpPr>
+              <p:cNvPr id="79" name="CaixaDeTexto 78"/>
+              <p:cNvSpPr txBox="1">
+                <a:spLocks noRot="1" noChangeAspect="1" noMove="1" noResize="1" noEditPoints="1" noAdjustHandles="1" noChangeArrowheads="1" noChangeShapeType="1" noTextEdit="1"/>
+              </p:cNvSpPr>
+              <p:nvPr/>
+            </p:nvSpPr>
+            <p:spPr>
+              <a:xfrm>
+                <a:off x="-3222347" y="2920440"/>
+                <a:ext cx="931665" cy="707886"/>
+              </a:xfrm>
+              <a:prstGeom prst="rect">
+                <a:avLst/>
+              </a:prstGeom>
+              <a:blipFill rotWithShape="1">
+                <a:blip r:embed="rId5"/>
+                <a:stretch>
+                  <a:fillRect/>
+                </a:stretch>
+              </a:blipFill>
+            </p:spPr>
+            <p:txBody>
+              <a:bodyPr/>
+              <a:lstStyle/>
+              <a:p>
+                <a:r>
+                  <a:rPr lang="pt-BR">
+                    <a:noFill/>
+                  </a:rPr>
+                  <a:t> </a:t>
+                </a:r>
+              </a:p>
+            </p:txBody>
+          </p:sp>
+        </mc:Fallback>
+      </mc:AlternateContent>
+      <mc:AlternateContent xmlns:mc="http://schemas.openxmlformats.org/markup-compatibility/2006">
+        <mc:Choice xmlns:a14="http://schemas.microsoft.com/office/drawing/2010/main" Requires="a14">
+          <p:sp>
+            <p:nvSpPr>
+              <p:cNvPr id="80" name="CaixaDeTexto 79"/>
+              <p:cNvSpPr txBox="1"/>
+              <p:nvPr/>
+            </p:nvSpPr>
+            <p:spPr>
+              <a:xfrm>
+                <a:off x="-3232098" y="3599802"/>
+                <a:ext cx="922945" cy="707886"/>
+              </a:xfrm>
+              <a:prstGeom prst="rect">
+                <a:avLst/>
+              </a:prstGeom>
+              <a:noFill/>
+            </p:spPr>
+            <p:txBody>
+              <a:bodyPr wrap="none" rtlCol="0">
+                <a:spAutoFit/>
+              </a:bodyPr>
+              <a:lstStyle/>
+              <a:p>
+                <a14:m>
+                  <m:oMathPara xmlns:m="http://schemas.openxmlformats.org/officeDocument/2006/math">
+                    <m:oMathParaPr>
+                      <m:jc m:val="centerGroup"/>
+                    </m:oMathParaPr>
+                    <m:oMath xmlns:m="http://schemas.openxmlformats.org/officeDocument/2006/math">
+                      <m:sSub>
+                        <m:sSubPr>
+                          <m:ctrlPr>
+                            <a:rPr lang="pt-BR" sz="4000" b="0" i="1" smtClean="0">
+                              <a:latin typeface="Cambria Math"/>
+                            </a:rPr>
+                          </m:ctrlPr>
+                        </m:sSubPr>
+                        <m:e>
+                          <m:r>
+                            <a:rPr lang="pt-BR" sz="4000" b="0" i="1" smtClean="0">
+                              <a:latin typeface="Cambria Math"/>
+                            </a:rPr>
+                            <m:t>𝑖</m:t>
+                          </m:r>
+                        </m:e>
+                        <m:sub>
+                          <m:r>
+                            <a:rPr lang="pt-BR" sz="4000" b="0" i="1" smtClean="0">
+                              <a:latin typeface="Cambria Math"/>
+                            </a:rPr>
+                            <m:t>𝐿𝑏</m:t>
+                          </m:r>
+                        </m:sub>
+                      </m:sSub>
+                    </m:oMath>
+                  </m:oMathPara>
+                </a14:m>
+                <a:endParaRPr lang="pt-BR" sz="4000" dirty="0"/>
+              </a:p>
+            </p:txBody>
+          </p:sp>
+        </mc:Choice>
+        <mc:Fallback>
+          <p:sp>
+            <p:nvSpPr>
+              <p:cNvPr id="80" name="CaixaDeTexto 79"/>
+              <p:cNvSpPr txBox="1">
+                <a:spLocks noRot="1" noChangeAspect="1" noMove="1" noResize="1" noEditPoints="1" noAdjustHandles="1" noChangeArrowheads="1" noChangeShapeType="1" noTextEdit="1"/>
+              </p:cNvSpPr>
+              <p:nvPr/>
+            </p:nvSpPr>
+            <p:spPr>
+              <a:xfrm>
+                <a:off x="-3232098" y="3599802"/>
+                <a:ext cx="922945" cy="707886"/>
+              </a:xfrm>
+              <a:prstGeom prst="rect">
+                <a:avLst/>
+              </a:prstGeom>
+              <a:blipFill rotWithShape="1">
+                <a:blip r:embed="rId6"/>
+                <a:stretch>
+                  <a:fillRect/>
+                </a:stretch>
+              </a:blipFill>
+            </p:spPr>
+            <p:txBody>
+              <a:bodyPr/>
+              <a:lstStyle/>
+              <a:p>
+                <a:r>
+                  <a:rPr lang="pt-BR">
+                    <a:noFill/>
+                  </a:rPr>
+                  <a:t> </a:t>
+                </a:r>
+              </a:p>
+            </p:txBody>
+          </p:sp>
+        </mc:Fallback>
+      </mc:AlternateContent>
+      <mc:AlternateContent xmlns:mc="http://schemas.openxmlformats.org/markup-compatibility/2006">
+        <mc:Choice xmlns:a14="http://schemas.microsoft.com/office/drawing/2010/main" Requires="a14">
+          <p:sp>
+            <p:nvSpPr>
+              <p:cNvPr id="81" name="CaixaDeTexto 80"/>
+              <p:cNvSpPr txBox="1"/>
+              <p:nvPr/>
+            </p:nvSpPr>
+            <p:spPr>
+              <a:xfrm>
+                <a:off x="-3201706" y="4259630"/>
+                <a:ext cx="889474" cy="707886"/>
+              </a:xfrm>
+              <a:prstGeom prst="rect">
+                <a:avLst/>
+              </a:prstGeom>
+              <a:noFill/>
+            </p:spPr>
+            <p:txBody>
+              <a:bodyPr wrap="none" rtlCol="0">
+                <a:spAutoFit/>
+              </a:bodyPr>
+              <a:lstStyle/>
+              <a:p>
+                <a14:m>
+                  <m:oMathPara xmlns:m="http://schemas.openxmlformats.org/officeDocument/2006/math">
+                    <m:oMathParaPr>
+                      <m:jc m:val="centerGroup"/>
+                    </m:oMathParaPr>
+                    <m:oMath xmlns:m="http://schemas.openxmlformats.org/officeDocument/2006/math">
+                      <m:sSub>
+                        <m:sSubPr>
+                          <m:ctrlPr>
+                            <a:rPr lang="pt-BR" sz="4000" b="0" i="1" smtClean="0">
+                              <a:latin typeface="Cambria Math"/>
+                            </a:rPr>
+                          </m:ctrlPr>
+                        </m:sSubPr>
+                        <m:e>
+                          <m:r>
+                            <a:rPr lang="pt-BR" sz="4000" b="0" i="1" smtClean="0">
+                              <a:latin typeface="Cambria Math"/>
+                            </a:rPr>
+                            <m:t>𝑖</m:t>
+                          </m:r>
+                        </m:e>
+                        <m:sub>
+                          <m:r>
+                            <a:rPr lang="pt-BR" sz="4000" b="0" i="1" smtClean="0">
+                              <a:latin typeface="Cambria Math"/>
+                            </a:rPr>
+                            <m:t>𝐿𝑐</m:t>
+                          </m:r>
+                        </m:sub>
+                      </m:sSub>
+                    </m:oMath>
+                  </m:oMathPara>
+                </a14:m>
+                <a:endParaRPr lang="pt-BR" sz="4000" dirty="0"/>
+              </a:p>
+            </p:txBody>
+          </p:sp>
+        </mc:Choice>
+        <mc:Fallback>
+          <p:sp>
+            <p:nvSpPr>
+              <p:cNvPr id="81" name="CaixaDeTexto 80"/>
+              <p:cNvSpPr txBox="1">
+                <a:spLocks noRot="1" noChangeAspect="1" noMove="1" noResize="1" noEditPoints="1" noAdjustHandles="1" noChangeArrowheads="1" noChangeShapeType="1" noTextEdit="1"/>
+              </p:cNvSpPr>
+              <p:nvPr/>
+            </p:nvSpPr>
+            <p:spPr>
+              <a:xfrm>
+                <a:off x="-3201706" y="4259630"/>
+                <a:ext cx="889474" cy="707886"/>
+              </a:xfrm>
+              <a:prstGeom prst="rect">
+                <a:avLst/>
+              </a:prstGeom>
+              <a:blipFill rotWithShape="1">
+                <a:blip r:embed="rId7"/>
+                <a:stretch>
+                  <a:fillRect/>
+                </a:stretch>
+              </a:blipFill>
+            </p:spPr>
+            <p:txBody>
+              <a:bodyPr/>
+              <a:lstStyle/>
+              <a:p>
+                <a:r>
+                  <a:rPr lang="pt-BR">
+                    <a:noFill/>
+                  </a:rPr>
+                  <a:t> </a:t>
+                </a:r>
+              </a:p>
+            </p:txBody>
+          </p:sp>
+        </mc:Fallback>
+      </mc:AlternateContent>
+      <mc:AlternateContent xmlns:mc="http://schemas.openxmlformats.org/markup-compatibility/2006">
+        <mc:Choice xmlns:a14="http://schemas.microsoft.com/office/drawing/2010/main" Requires="a14">
+          <p:sp>
+            <p:nvSpPr>
+              <p:cNvPr id="85" name="CaixaDeTexto 84"/>
+              <p:cNvSpPr txBox="1"/>
+              <p:nvPr/>
+            </p:nvSpPr>
+            <p:spPr>
+              <a:xfrm>
+                <a:off x="-694058" y="5197630"/>
+                <a:ext cx="591316" cy="707886"/>
+              </a:xfrm>
+              <a:prstGeom prst="rect">
+                <a:avLst/>
+              </a:prstGeom>
+              <a:noFill/>
+            </p:spPr>
+            <p:txBody>
+              <a:bodyPr wrap="none" rtlCol="0">
+                <a:spAutoFit/>
+              </a:bodyPr>
+              <a:lstStyle/>
+              <a:p>
+                <a14:m>
+                  <m:oMathPara xmlns:m="http://schemas.openxmlformats.org/officeDocument/2006/math">
+                    <m:oMathParaPr>
+                      <m:jc m:val="centerGroup"/>
+                    </m:oMathParaPr>
+                    <m:oMath xmlns:m="http://schemas.openxmlformats.org/officeDocument/2006/math">
+                      <m:r>
+                        <a:rPr lang="pt-BR" sz="4000" b="0" i="1" smtClean="0">
+                          <a:latin typeface="Cambria Math"/>
+                        </a:rPr>
+                        <m:t>𝑞</m:t>
+                      </m:r>
+                    </m:oMath>
+                  </m:oMathPara>
+                </a14:m>
+                <a:endParaRPr lang="pt-BR" sz="4000" dirty="0"/>
+              </a:p>
+            </p:txBody>
+          </p:sp>
+        </mc:Choice>
+        <mc:Fallback>
+          <p:sp>
+            <p:nvSpPr>
+              <p:cNvPr id="85" name="CaixaDeTexto 84"/>
+              <p:cNvSpPr txBox="1">
+                <a:spLocks noRot="1" noChangeAspect="1" noMove="1" noResize="1" noEditPoints="1" noAdjustHandles="1" noChangeArrowheads="1" noChangeShapeType="1" noTextEdit="1"/>
+              </p:cNvSpPr>
+              <p:nvPr/>
+            </p:nvSpPr>
+            <p:spPr>
+              <a:xfrm>
+                <a:off x="-694058" y="5197630"/>
+                <a:ext cx="591316" cy="707886"/>
+              </a:xfrm>
+              <a:prstGeom prst="rect">
+                <a:avLst/>
+              </a:prstGeom>
+              <a:blipFill rotWithShape="1">
+                <a:blip r:embed="rId8"/>
+                <a:stretch>
+                  <a:fillRect/>
+                </a:stretch>
+              </a:blipFill>
+            </p:spPr>
+            <p:txBody>
+              <a:bodyPr/>
+              <a:lstStyle/>
+              <a:p>
+                <a:r>
+                  <a:rPr lang="pt-BR">
+                    <a:noFill/>
+                  </a:rPr>
+                  <a:t> </a:t>
+                </a:r>
+              </a:p>
+            </p:txBody>
+          </p:sp>
+        </mc:Fallback>
+      </mc:AlternateContent>
+      <mc:AlternateContent xmlns:mc="http://schemas.openxmlformats.org/markup-compatibility/2006">
+        <mc:Choice xmlns:a14="http://schemas.microsoft.com/office/drawing/2010/main" Requires="a14">
+          <p:sp>
+            <p:nvSpPr>
+              <p:cNvPr id="86" name="CaixaDeTexto 85"/>
+              <p:cNvSpPr txBox="1"/>
+              <p:nvPr/>
+            </p:nvSpPr>
+            <p:spPr>
+              <a:xfrm>
+                <a:off x="679454" y="5801742"/>
+                <a:ext cx="799129" cy="707886"/>
+              </a:xfrm>
+              <a:prstGeom prst="rect">
+                <a:avLst/>
+              </a:prstGeom>
+              <a:noFill/>
+            </p:spPr>
+            <p:txBody>
+              <a:bodyPr wrap="none" rtlCol="0">
+                <a:spAutoFit/>
+              </a:bodyPr>
+              <a:lstStyle/>
+              <a:p>
+                <a14:m>
+                  <m:oMathPara xmlns:m="http://schemas.openxmlformats.org/officeDocument/2006/math">
+                    <m:oMathParaPr>
+                      <m:jc m:val="centerGroup"/>
+                    </m:oMathParaPr>
+                    <m:oMath xmlns:m="http://schemas.openxmlformats.org/officeDocument/2006/math">
+                      <m:sSubSup>
+                        <m:sSubSupPr>
+                          <m:ctrlPr>
+                            <a:rPr lang="pt-BR" sz="4000" b="0" i="0" smtClean="0">
+                              <a:latin typeface="Cambria Math"/>
+                            </a:rPr>
+                          </m:ctrlPr>
+                        </m:sSubSupPr>
+                        <m:e>
+                          <m:r>
+                            <a:rPr lang="pt-BR" sz="4000" b="0" i="1" smtClean="0">
+                              <a:latin typeface="Cambria Math"/>
+                            </a:rPr>
+                            <m:t>𝑝</m:t>
+                          </m:r>
+                        </m:e>
+                        <m:sub>
+                          <m:r>
+                            <m:rPr>
+                              <m:sty m:val="p"/>
+                            </m:rPr>
+                            <a:rPr lang="pt-BR" sz="4000" b="0" i="0" smtClean="0">
+                              <a:latin typeface="Cambria Math"/>
+                            </a:rPr>
+                            <m:t>c</m:t>
+                          </m:r>
+                        </m:sub>
+                        <m:sup>
+                          <m:r>
+                            <a:rPr lang="pt-BR" sz="4000" b="0" i="0" smtClean="0">
+                              <a:latin typeface="Cambria Math"/>
+                            </a:rPr>
+                            <m:t>∗</m:t>
+                          </m:r>
+                        </m:sup>
+                      </m:sSubSup>
+                    </m:oMath>
+                  </m:oMathPara>
+                </a14:m>
+                <a:endParaRPr lang="pt-BR" sz="4000" dirty="0"/>
+              </a:p>
+            </p:txBody>
+          </p:sp>
+        </mc:Choice>
+        <mc:Fallback>
+          <p:sp>
+            <p:nvSpPr>
+              <p:cNvPr id="86" name="CaixaDeTexto 85"/>
+              <p:cNvSpPr txBox="1">
+                <a:spLocks noRot="1" noChangeAspect="1" noMove="1" noResize="1" noEditPoints="1" noAdjustHandles="1" noChangeArrowheads="1" noChangeShapeType="1" noTextEdit="1"/>
+              </p:cNvSpPr>
+              <p:nvPr/>
+            </p:nvSpPr>
+            <p:spPr>
+              <a:xfrm>
+                <a:off x="679454" y="5801742"/>
+                <a:ext cx="799129" cy="707886"/>
+              </a:xfrm>
+              <a:prstGeom prst="rect">
+                <a:avLst/>
+              </a:prstGeom>
+              <a:blipFill rotWithShape="1">
+                <a:blip r:embed="rId9"/>
+                <a:stretch>
+                  <a:fillRect/>
+                </a:stretch>
+              </a:blipFill>
+            </p:spPr>
+            <p:txBody>
+              <a:bodyPr/>
+              <a:lstStyle/>
+              <a:p>
+                <a:r>
+                  <a:rPr lang="pt-BR">
+                    <a:noFill/>
+                  </a:rPr>
+                  <a:t> </a:t>
+                </a:r>
+              </a:p>
+            </p:txBody>
+          </p:sp>
+        </mc:Fallback>
+      </mc:AlternateContent>
+      <mc:AlternateContent xmlns:mc="http://schemas.openxmlformats.org/markup-compatibility/2006">
+        <mc:Choice xmlns:a14="http://schemas.microsoft.com/office/drawing/2010/main" Requires="a14">
+          <p:sp>
+            <p:nvSpPr>
+              <p:cNvPr id="87" name="CaixaDeTexto 86"/>
+              <p:cNvSpPr txBox="1"/>
+              <p:nvPr/>
+            </p:nvSpPr>
+            <p:spPr>
+              <a:xfrm>
+                <a:off x="679454" y="6940978"/>
+                <a:ext cx="793743" cy="707886"/>
+              </a:xfrm>
+              <a:prstGeom prst="rect">
+                <a:avLst/>
+              </a:prstGeom>
+              <a:noFill/>
+            </p:spPr>
+            <p:txBody>
+              <a:bodyPr wrap="none" rtlCol="0">
+                <a:spAutoFit/>
+              </a:bodyPr>
+              <a:lstStyle/>
+              <a:p>
+                <a14:m>
+                  <m:oMathPara xmlns:m="http://schemas.openxmlformats.org/officeDocument/2006/math">
+                    <m:oMathParaPr>
+                      <m:jc m:val="centerGroup"/>
+                    </m:oMathParaPr>
+                    <m:oMath xmlns:m="http://schemas.openxmlformats.org/officeDocument/2006/math">
+                      <m:sSubSup>
+                        <m:sSubSupPr>
+                          <m:ctrlPr>
+                            <a:rPr lang="pt-BR" sz="4000" b="0" i="0" smtClean="0">
+                              <a:latin typeface="Cambria Math"/>
+                            </a:rPr>
+                          </m:ctrlPr>
+                        </m:sSubSupPr>
+                        <m:e>
+                          <m:r>
+                            <a:rPr lang="pt-BR" sz="4000" b="0" i="1" smtClean="0">
+                              <a:latin typeface="Cambria Math"/>
+                            </a:rPr>
+                            <m:t>𝑞</m:t>
+                          </m:r>
+                        </m:e>
+                        <m:sub>
+                          <m:r>
+                            <m:rPr>
+                              <m:sty m:val="p"/>
+                            </m:rPr>
+                            <a:rPr lang="pt-BR" sz="4000" b="0" i="0" smtClean="0">
+                              <a:latin typeface="Cambria Math"/>
+                            </a:rPr>
+                            <m:t>c</m:t>
+                          </m:r>
+                        </m:sub>
+                        <m:sup>
+                          <m:r>
+                            <a:rPr lang="pt-BR" sz="4000" b="0" i="0" smtClean="0">
+                              <a:latin typeface="Cambria Math"/>
+                            </a:rPr>
+                            <m:t>∗</m:t>
+                          </m:r>
+                        </m:sup>
+                      </m:sSubSup>
+                    </m:oMath>
+                  </m:oMathPara>
+                </a14:m>
+                <a:endParaRPr lang="pt-BR" sz="4000" dirty="0"/>
+              </a:p>
+            </p:txBody>
+          </p:sp>
+        </mc:Choice>
+        <mc:Fallback>
+          <p:sp>
+            <p:nvSpPr>
+              <p:cNvPr id="87" name="CaixaDeTexto 86"/>
+              <p:cNvSpPr txBox="1">
+                <a:spLocks noRot="1" noChangeAspect="1" noMove="1" noResize="1" noEditPoints="1" noAdjustHandles="1" noChangeArrowheads="1" noChangeShapeType="1" noTextEdit="1"/>
+              </p:cNvSpPr>
+              <p:nvPr/>
+            </p:nvSpPr>
+            <p:spPr>
+              <a:xfrm>
+                <a:off x="679454" y="6940978"/>
+                <a:ext cx="793743" cy="707886"/>
+              </a:xfrm>
+              <a:prstGeom prst="rect">
+                <a:avLst/>
+              </a:prstGeom>
+              <a:blipFill rotWithShape="1">
+                <a:blip r:embed="rId10"/>
+                <a:stretch>
+                  <a:fillRect/>
+                </a:stretch>
+              </a:blipFill>
+            </p:spPr>
+            <p:txBody>
+              <a:bodyPr/>
+              <a:lstStyle/>
+              <a:p>
+                <a:r>
+                  <a:rPr lang="pt-BR">
+                    <a:noFill/>
+                  </a:rPr>
+                  <a:t> </a:t>
+                </a:r>
+              </a:p>
+            </p:txBody>
+          </p:sp>
+        </mc:Fallback>
+      </mc:AlternateContent>
+      <mc:AlternateContent xmlns:mc="http://schemas.openxmlformats.org/markup-compatibility/2006">
+        <mc:Choice xmlns:a14="http://schemas.microsoft.com/office/drawing/2010/main" Requires="a14">
+          <p:sp>
+            <p:nvSpPr>
+              <p:cNvPr id="88" name="CaixaDeTexto 87"/>
+              <p:cNvSpPr txBox="1"/>
+              <p:nvPr/>
+            </p:nvSpPr>
+            <p:spPr>
+              <a:xfrm>
+                <a:off x="-1850229" y="1893667"/>
+                <a:ext cx="813428" cy="707886"/>
+              </a:xfrm>
+              <a:prstGeom prst="rect">
+                <a:avLst/>
+              </a:prstGeom>
+              <a:noFill/>
+            </p:spPr>
+            <p:txBody>
+              <a:bodyPr wrap="none" rtlCol="0">
+                <a:spAutoFit/>
+              </a:bodyPr>
+              <a:lstStyle/>
+              <a:p>
+                <a14:m>
+                  <m:oMathPara xmlns:m="http://schemas.openxmlformats.org/officeDocument/2006/math">
+                    <m:oMathParaPr>
+                      <m:jc m:val="centerGroup"/>
+                    </m:oMathParaPr>
+                    <m:oMath xmlns:m="http://schemas.openxmlformats.org/officeDocument/2006/math">
+                      <m:sSub>
+                        <m:sSubPr>
+                          <m:ctrlPr>
+                            <a:rPr lang="pt-BR" sz="4000" b="0" i="1" smtClean="0">
+                              <a:latin typeface="Cambria Math"/>
+                            </a:rPr>
+                          </m:ctrlPr>
+                        </m:sSubPr>
+                        <m:e>
+                          <m:r>
+                            <a:rPr lang="pt-BR" sz="4000" b="0" i="1" smtClean="0">
+                              <a:latin typeface="Cambria Math"/>
+                            </a:rPr>
+                            <m:t>𝑣</m:t>
+                          </m:r>
+                        </m:e>
+                        <m:sub>
+                          <m:r>
+                            <a:rPr lang="pt-BR" sz="4000" b="0" i="1" smtClean="0">
+                              <a:latin typeface="Cambria Math"/>
+                            </a:rPr>
+                            <m:t>𝑎</m:t>
+                          </m:r>
+                        </m:sub>
+                      </m:sSub>
+                    </m:oMath>
+                  </m:oMathPara>
+                </a14:m>
+                <a:endParaRPr lang="pt-BR" sz="4000" dirty="0"/>
+              </a:p>
+            </p:txBody>
+          </p:sp>
+        </mc:Choice>
+        <mc:Fallback>
+          <p:sp>
+            <p:nvSpPr>
+              <p:cNvPr id="88" name="CaixaDeTexto 87"/>
+              <p:cNvSpPr txBox="1">
+                <a:spLocks noRot="1" noChangeAspect="1" noMove="1" noResize="1" noEditPoints="1" noAdjustHandles="1" noChangeArrowheads="1" noChangeShapeType="1" noTextEdit="1"/>
+              </p:cNvSpPr>
+              <p:nvPr/>
+            </p:nvSpPr>
+            <p:spPr>
+              <a:xfrm>
+                <a:off x="-1850229" y="1893667"/>
+                <a:ext cx="813428" cy="707886"/>
+              </a:xfrm>
+              <a:prstGeom prst="rect">
+                <a:avLst/>
+              </a:prstGeom>
+              <a:blipFill rotWithShape="1">
+                <a:blip r:embed="rId11"/>
+                <a:stretch>
+                  <a:fillRect/>
+                </a:stretch>
+              </a:blipFill>
+            </p:spPr>
+            <p:txBody>
+              <a:bodyPr/>
+              <a:lstStyle/>
+              <a:p>
+                <a:r>
+                  <a:rPr lang="pt-BR">
+                    <a:noFill/>
+                  </a:rPr>
+                  <a:t> </a:t>
+                </a:r>
+              </a:p>
+            </p:txBody>
+          </p:sp>
+        </mc:Fallback>
+      </mc:AlternateContent>
+      <mc:AlternateContent xmlns:mc="http://schemas.openxmlformats.org/markup-compatibility/2006">
+        <mc:Choice xmlns:a14="http://schemas.microsoft.com/office/drawing/2010/main" Requires="a14">
+          <p:sp>
+            <p:nvSpPr>
+              <p:cNvPr id="89" name="CaixaDeTexto 88"/>
+              <p:cNvSpPr txBox="1"/>
+              <p:nvPr/>
+            </p:nvSpPr>
+            <p:spPr>
+              <a:xfrm>
+                <a:off x="2112625" y="5034684"/>
+                <a:ext cx="1313052" cy="707886"/>
+              </a:xfrm>
+              <a:prstGeom prst="rect">
+                <a:avLst/>
+              </a:prstGeom>
+              <a:noFill/>
+            </p:spPr>
+            <p:txBody>
+              <a:bodyPr wrap="none" rtlCol="0">
+                <a:spAutoFit/>
+              </a:bodyPr>
+              <a:lstStyle/>
+              <a:p>
+                <a14:m>
+                  <m:oMathPara xmlns:m="http://schemas.openxmlformats.org/officeDocument/2006/math">
+                    <m:oMathParaPr>
+                      <m:jc m:val="centerGroup"/>
+                    </m:oMathParaPr>
+                    <m:oMath xmlns:m="http://schemas.openxmlformats.org/officeDocument/2006/math">
+                      <m:sSub>
+                        <m:sSubPr>
+                          <m:ctrlPr>
+                            <a:rPr lang="pt-BR" sz="4000" b="0" i="1" smtClean="0">
+                              <a:latin typeface="Cambria Math"/>
+                            </a:rPr>
+                          </m:ctrlPr>
+                        </m:sSubPr>
+                        <m:e>
+                          <m:r>
+                            <a:rPr lang="pt-BR" sz="4000" b="0" i="1" smtClean="0">
+                              <a:latin typeface="Cambria Math"/>
+                            </a:rPr>
+                            <m:t>𝑝</m:t>
+                          </m:r>
+                        </m:e>
+                        <m:sub>
+                          <m:r>
+                            <a:rPr lang="pt-BR" sz="4000" b="0" i="1" smtClean="0">
+                              <a:latin typeface="Cambria Math"/>
+                            </a:rPr>
+                            <m:t>𝑙𝑜𝑠𝑠</m:t>
+                          </m:r>
+                        </m:sub>
+                      </m:sSub>
+                    </m:oMath>
+                  </m:oMathPara>
+                </a14:m>
+                <a:endParaRPr lang="pt-BR" sz="4000" dirty="0"/>
+              </a:p>
+            </p:txBody>
+          </p:sp>
+        </mc:Choice>
+        <mc:Fallback>
+          <p:sp>
+            <p:nvSpPr>
+              <p:cNvPr id="89" name="CaixaDeTexto 88"/>
+              <p:cNvSpPr txBox="1">
+                <a:spLocks noRot="1" noChangeAspect="1" noMove="1" noResize="1" noEditPoints="1" noAdjustHandles="1" noChangeArrowheads="1" noChangeShapeType="1" noTextEdit="1"/>
+              </p:cNvSpPr>
+              <p:nvPr/>
+            </p:nvSpPr>
+            <p:spPr>
+              <a:xfrm>
+                <a:off x="2112625" y="5034684"/>
+                <a:ext cx="1313052" cy="707886"/>
+              </a:xfrm>
+              <a:prstGeom prst="rect">
+                <a:avLst/>
+              </a:prstGeom>
+              <a:blipFill rotWithShape="1">
+                <a:blip r:embed="rId12"/>
+                <a:stretch>
+                  <a:fillRect/>
+                </a:stretch>
+              </a:blipFill>
+            </p:spPr>
+            <p:txBody>
+              <a:bodyPr/>
+              <a:lstStyle/>
+              <a:p>
+                <a:r>
+                  <a:rPr lang="pt-BR">
+                    <a:noFill/>
+                  </a:rPr>
+                  <a:t> </a:t>
+                </a:r>
+              </a:p>
+            </p:txBody>
+          </p:sp>
+        </mc:Fallback>
+      </mc:AlternateContent>
+      <mc:AlternateContent xmlns:mc="http://schemas.openxmlformats.org/markup-compatibility/2006">
+        <mc:Choice xmlns:a14="http://schemas.microsoft.com/office/drawing/2010/main" Requires="a14">
+          <p:sp>
+            <p:nvSpPr>
+              <p:cNvPr id="90" name="CaixaDeTexto 89"/>
+              <p:cNvSpPr txBox="1"/>
+              <p:nvPr/>
+            </p:nvSpPr>
+            <p:spPr>
+              <a:xfrm>
+                <a:off x="1384252" y="41160"/>
+                <a:ext cx="1575881" cy="829266"/>
+              </a:xfrm>
+              <a:prstGeom prst="rect">
+                <a:avLst/>
+              </a:prstGeom>
+              <a:noFill/>
+            </p:spPr>
+            <p:txBody>
+              <a:bodyPr wrap="none" rtlCol="0">
+                <a:spAutoFit/>
+              </a:bodyPr>
+              <a:lstStyle/>
+              <a:p>
+                <a14:m>
+                  <m:oMathPara xmlns:m="http://schemas.openxmlformats.org/officeDocument/2006/math">
+                    <m:oMathParaPr>
+                      <m:jc m:val="centerGroup"/>
+                    </m:oMathParaPr>
+                    <m:oMath xmlns:m="http://schemas.openxmlformats.org/officeDocument/2006/math">
+                      <m:sSub>
+                        <m:sSubPr>
+                          <m:ctrlPr>
+                            <a:rPr lang="pt-BR" sz="4000" b="0" i="1" smtClean="0">
+                              <a:latin typeface="Cambria Math"/>
+                            </a:rPr>
+                          </m:ctrlPr>
+                        </m:sSubPr>
+                        <m:e>
+                          <m:r>
+                            <a:rPr lang="pt-BR" sz="4000" b="0" i="1" smtClean="0">
+                              <a:latin typeface="Cambria Math"/>
+                            </a:rPr>
+                            <m:t>𝑉</m:t>
+                          </m:r>
+                        </m:e>
+                        <m:sub>
+                          <m:r>
+                            <a:rPr lang="pt-BR" sz="4000" b="0" i="1" smtClean="0">
+                              <a:latin typeface="Cambria Math"/>
+                            </a:rPr>
+                            <m:t>𝑑</m:t>
+                          </m:r>
+                          <m:sSub>
+                            <m:sSubPr>
+                              <m:ctrlPr>
+                                <a:rPr lang="pt-BR" sz="4000" b="0" i="1" smtClean="0">
+                                  <a:latin typeface="Cambria Math"/>
+                                </a:rPr>
+                              </m:ctrlPr>
+                            </m:sSubPr>
+                            <m:e>
+                              <m:r>
+                                <a:rPr lang="pt-BR" sz="4000" b="0" i="1" smtClean="0">
+                                  <a:latin typeface="Cambria Math"/>
+                                </a:rPr>
+                                <m:t>𝑐</m:t>
+                              </m:r>
+                            </m:e>
+                            <m:sub>
+                              <m:r>
+                                <a:rPr lang="pt-BR" sz="4000" b="0" i="1" smtClean="0">
+                                  <a:latin typeface="Cambria Math"/>
+                                </a:rPr>
+                                <m:t>𝑟𝑒𝑓</m:t>
+                              </m:r>
+                            </m:sub>
+                          </m:sSub>
+                        </m:sub>
+                      </m:sSub>
+                    </m:oMath>
+                  </m:oMathPara>
+                </a14:m>
+                <a:endParaRPr lang="pt-BR" sz="4000" dirty="0"/>
+              </a:p>
+            </p:txBody>
+          </p:sp>
+        </mc:Choice>
+        <mc:Fallback>
+          <p:sp>
+            <p:nvSpPr>
+              <p:cNvPr id="90" name="CaixaDeTexto 89"/>
+              <p:cNvSpPr txBox="1">
+                <a:spLocks noRot="1" noChangeAspect="1" noMove="1" noResize="1" noEditPoints="1" noAdjustHandles="1" noChangeArrowheads="1" noChangeShapeType="1" noTextEdit="1"/>
+              </p:cNvSpPr>
+              <p:nvPr/>
+            </p:nvSpPr>
+            <p:spPr>
+              <a:xfrm>
+                <a:off x="1384252" y="41160"/>
+                <a:ext cx="1575881" cy="829266"/>
+              </a:xfrm>
+              <a:prstGeom prst="rect">
+                <a:avLst/>
+              </a:prstGeom>
+              <a:blipFill rotWithShape="1">
+                <a:blip r:embed="rId13"/>
+                <a:stretch>
+                  <a:fillRect/>
+                </a:stretch>
+              </a:blipFill>
+            </p:spPr>
+            <p:txBody>
+              <a:bodyPr/>
+              <a:lstStyle/>
+              <a:p>
+                <a:r>
+                  <a:rPr lang="pt-BR">
+                    <a:noFill/>
+                  </a:rPr>
+                  <a:t> </a:t>
+                </a:r>
+              </a:p>
+            </p:txBody>
+          </p:sp>
+        </mc:Fallback>
+      </mc:AlternateContent>
+      <mc:AlternateContent xmlns:mc="http://schemas.openxmlformats.org/markup-compatibility/2006">
+        <mc:Choice xmlns:a14="http://schemas.microsoft.com/office/drawing/2010/main" Requires="a14">
+          <p:sp>
+            <p:nvSpPr>
+              <p:cNvPr id="91" name="CaixaDeTexto 90"/>
+              <p:cNvSpPr txBox="1"/>
+              <p:nvPr/>
+            </p:nvSpPr>
+            <p:spPr>
+              <a:xfrm>
+                <a:off x="2690908" y="1239933"/>
+                <a:ext cx="1013739" cy="707886"/>
+              </a:xfrm>
+              <a:prstGeom prst="rect">
+                <a:avLst/>
+              </a:prstGeom>
+              <a:noFill/>
+            </p:spPr>
+            <p:txBody>
+              <a:bodyPr wrap="none" rtlCol="0">
+                <a:spAutoFit/>
+              </a:bodyPr>
+              <a:lstStyle/>
+              <a:p>
+                <a14:m>
+                  <m:oMathPara xmlns:m="http://schemas.openxmlformats.org/officeDocument/2006/math">
+                    <m:oMathParaPr>
+                      <m:jc m:val="centerGroup"/>
+                    </m:oMathParaPr>
+                    <m:oMath xmlns:m="http://schemas.openxmlformats.org/officeDocument/2006/math">
+                      <m:sSub>
+                        <m:sSubPr>
+                          <m:ctrlPr>
+                            <a:rPr lang="pt-BR" sz="4000" b="0" i="1" smtClean="0">
+                              <a:latin typeface="Cambria Math"/>
+                            </a:rPr>
+                          </m:ctrlPr>
+                        </m:sSubPr>
+                        <m:e>
+                          <m:r>
+                            <a:rPr lang="pt-BR" sz="4000" b="0" i="1" smtClean="0">
+                              <a:latin typeface="Cambria Math"/>
+                            </a:rPr>
+                            <m:t>𝑉</m:t>
+                          </m:r>
+                        </m:e>
+                        <m:sub>
+                          <m:r>
+                            <a:rPr lang="pt-BR" sz="4000" b="0" i="1" smtClean="0">
+                              <a:latin typeface="Cambria Math"/>
+                            </a:rPr>
+                            <m:t>𝑑𝑐</m:t>
+                          </m:r>
+                        </m:sub>
+                      </m:sSub>
+                    </m:oMath>
+                  </m:oMathPara>
+                </a14:m>
+                <a:endParaRPr lang="pt-BR" sz="4000" dirty="0"/>
+              </a:p>
+            </p:txBody>
+          </p:sp>
+        </mc:Choice>
+        <mc:Fallback>
+          <p:sp>
+            <p:nvSpPr>
+              <p:cNvPr id="91" name="CaixaDeTexto 90"/>
+              <p:cNvSpPr txBox="1">
+                <a:spLocks noRot="1" noChangeAspect="1" noMove="1" noResize="1" noEditPoints="1" noAdjustHandles="1" noChangeArrowheads="1" noChangeShapeType="1" noTextEdit="1"/>
+              </p:cNvSpPr>
+              <p:nvPr/>
+            </p:nvSpPr>
+            <p:spPr>
+              <a:xfrm>
+                <a:off x="2690908" y="1239933"/>
+                <a:ext cx="1013739" cy="707886"/>
+              </a:xfrm>
+              <a:prstGeom prst="rect">
+                <a:avLst/>
+              </a:prstGeom>
+              <a:blipFill rotWithShape="1">
+                <a:blip r:embed="rId14"/>
+                <a:stretch>
+                  <a:fillRect/>
+                </a:stretch>
+              </a:blipFill>
+            </p:spPr>
+            <p:txBody>
+              <a:bodyPr/>
+              <a:lstStyle/>
+              <a:p>
+                <a:r>
+                  <a:rPr lang="pt-BR">
+                    <a:noFill/>
+                  </a:rPr>
+                  <a:t> </a:t>
+                </a:r>
+              </a:p>
+            </p:txBody>
+          </p:sp>
+        </mc:Fallback>
+      </mc:AlternateContent>
+      <mc:AlternateContent xmlns:mc="http://schemas.openxmlformats.org/markup-compatibility/2006">
+        <mc:Choice xmlns:a14="http://schemas.microsoft.com/office/drawing/2010/main" Requires="a14">
+          <p:sp>
+            <p:nvSpPr>
+              <p:cNvPr id="94" name="CaixaDeTexto 93"/>
+              <p:cNvSpPr txBox="1"/>
+              <p:nvPr/>
+            </p:nvSpPr>
+            <p:spPr>
+              <a:xfrm>
+                <a:off x="5795531" y="5637144"/>
+                <a:ext cx="954107" cy="707886"/>
+              </a:xfrm>
+              <a:prstGeom prst="rect">
+                <a:avLst/>
+              </a:prstGeom>
+              <a:noFill/>
+            </p:spPr>
+            <p:txBody>
+              <a:bodyPr wrap="none" rtlCol="0">
+                <a:spAutoFit/>
+              </a:bodyPr>
+              <a:lstStyle/>
+              <a:p>
+                <a14:m>
+                  <m:oMathPara xmlns:m="http://schemas.openxmlformats.org/officeDocument/2006/math">
+                    <m:oMathParaPr>
+                      <m:jc m:val="centerGroup"/>
+                    </m:oMathParaPr>
+                    <m:oMath xmlns:m="http://schemas.openxmlformats.org/officeDocument/2006/math">
+                      <m:sSubSup>
+                        <m:sSubSupPr>
+                          <m:ctrlPr>
+                            <a:rPr lang="pt-BR" sz="4000" b="0" i="1" smtClean="0">
+                              <a:latin typeface="Cambria Math"/>
+                            </a:rPr>
+                          </m:ctrlPr>
+                        </m:sSubSupPr>
+                        <m:e>
+                          <m:r>
+                            <a:rPr lang="pt-BR" sz="4000" b="0" i="1" smtClean="0">
+                              <a:latin typeface="Cambria Math"/>
+                            </a:rPr>
+                            <m:t>𝑖</m:t>
+                          </m:r>
+                        </m:e>
+                        <m:sub>
+                          <m:r>
+                            <a:rPr lang="pt-BR" sz="4000" b="0" i="1" smtClean="0">
+                              <a:latin typeface="Cambria Math"/>
+                            </a:rPr>
+                            <m:t>𝐶𝑎</m:t>
+                          </m:r>
+                        </m:sub>
+                        <m:sup>
+                          <m:r>
+                            <a:rPr lang="pt-BR" sz="4000" b="0" i="1" smtClean="0">
+                              <a:latin typeface="Cambria Math"/>
+                            </a:rPr>
+                            <m:t>∗</m:t>
+                          </m:r>
+                        </m:sup>
+                      </m:sSubSup>
+                    </m:oMath>
+                  </m:oMathPara>
+                </a14:m>
+                <a:endParaRPr lang="pt-BR" sz="4000" dirty="0"/>
+              </a:p>
+            </p:txBody>
+          </p:sp>
+        </mc:Choice>
+        <mc:Fallback>
+          <p:sp>
+            <p:nvSpPr>
+              <p:cNvPr id="94" name="CaixaDeTexto 93"/>
+              <p:cNvSpPr txBox="1">
+                <a:spLocks noRot="1" noChangeAspect="1" noMove="1" noResize="1" noEditPoints="1" noAdjustHandles="1" noChangeArrowheads="1" noChangeShapeType="1" noTextEdit="1"/>
+              </p:cNvSpPr>
+              <p:nvPr/>
+            </p:nvSpPr>
+            <p:spPr>
+              <a:xfrm>
+                <a:off x="5795531" y="5637144"/>
+                <a:ext cx="954107" cy="707886"/>
+              </a:xfrm>
+              <a:prstGeom prst="rect">
+                <a:avLst/>
+              </a:prstGeom>
+              <a:blipFill rotWithShape="1">
+                <a:blip r:embed="rId15"/>
+                <a:stretch>
+                  <a:fillRect/>
+                </a:stretch>
+              </a:blipFill>
+            </p:spPr>
+            <p:txBody>
+              <a:bodyPr/>
+              <a:lstStyle/>
+              <a:p>
+                <a:r>
+                  <a:rPr lang="pt-BR">
+                    <a:noFill/>
+                  </a:rPr>
+                  <a:t> </a:t>
+                </a:r>
+              </a:p>
+            </p:txBody>
+          </p:sp>
+        </mc:Fallback>
+      </mc:AlternateContent>
+      <mc:AlternateContent xmlns:mc="http://schemas.openxmlformats.org/markup-compatibility/2006">
+        <mc:Choice xmlns:a14="http://schemas.microsoft.com/office/drawing/2010/main" Requires="a14">
+          <p:sp>
+            <p:nvSpPr>
+              <p:cNvPr id="95" name="CaixaDeTexto 94"/>
+              <p:cNvSpPr txBox="1"/>
+              <p:nvPr/>
+            </p:nvSpPr>
+            <p:spPr>
+              <a:xfrm>
+                <a:off x="5817908" y="6368263"/>
+                <a:ext cx="945387" cy="707886"/>
+              </a:xfrm>
+              <a:prstGeom prst="rect">
+                <a:avLst/>
+              </a:prstGeom>
+              <a:noFill/>
+            </p:spPr>
+            <p:txBody>
+              <a:bodyPr wrap="none" rtlCol="0">
+                <a:spAutoFit/>
+              </a:bodyPr>
+              <a:lstStyle/>
+              <a:p>
+                <a14:m>
+                  <m:oMathPara xmlns:m="http://schemas.openxmlformats.org/officeDocument/2006/math">
+                    <m:oMathParaPr>
+                      <m:jc m:val="centerGroup"/>
+                    </m:oMathParaPr>
+                    <m:oMath xmlns:m="http://schemas.openxmlformats.org/officeDocument/2006/math">
+                      <m:sSubSup>
+                        <m:sSubSupPr>
+                          <m:ctrlPr>
+                            <a:rPr lang="pt-BR" sz="4000" b="0" i="1" smtClean="0">
+                              <a:latin typeface="Cambria Math"/>
+                            </a:rPr>
+                          </m:ctrlPr>
+                        </m:sSubSupPr>
+                        <m:e>
+                          <m:r>
+                            <a:rPr lang="pt-BR" sz="4000" b="0" i="1" smtClean="0">
+                              <a:latin typeface="Cambria Math"/>
+                            </a:rPr>
+                            <m:t>𝑖</m:t>
+                          </m:r>
+                        </m:e>
+                        <m:sub>
+                          <m:r>
+                            <a:rPr lang="pt-BR" sz="4000" b="0" i="1" smtClean="0">
+                              <a:latin typeface="Cambria Math"/>
+                            </a:rPr>
+                            <m:t>𝐶𝑏</m:t>
+                          </m:r>
+                        </m:sub>
+                        <m:sup>
+                          <m:r>
+                            <a:rPr lang="pt-BR" sz="4000" b="0" i="1" smtClean="0">
+                              <a:latin typeface="Cambria Math"/>
+                            </a:rPr>
+                            <m:t>∗</m:t>
+                          </m:r>
+                        </m:sup>
+                      </m:sSubSup>
+                    </m:oMath>
+                  </m:oMathPara>
+                </a14:m>
+                <a:endParaRPr lang="pt-BR" sz="4000" dirty="0"/>
+              </a:p>
+            </p:txBody>
+          </p:sp>
+        </mc:Choice>
+        <mc:Fallback>
+          <p:sp>
+            <p:nvSpPr>
+              <p:cNvPr id="95" name="CaixaDeTexto 94"/>
+              <p:cNvSpPr txBox="1">
+                <a:spLocks noRot="1" noChangeAspect="1" noMove="1" noResize="1" noEditPoints="1" noAdjustHandles="1" noChangeArrowheads="1" noChangeShapeType="1" noTextEdit="1"/>
+              </p:cNvSpPr>
+              <p:nvPr/>
+            </p:nvSpPr>
+            <p:spPr>
+              <a:xfrm>
+                <a:off x="5817908" y="6368263"/>
+                <a:ext cx="945387" cy="707886"/>
+              </a:xfrm>
+              <a:prstGeom prst="rect">
+                <a:avLst/>
+              </a:prstGeom>
+              <a:blipFill rotWithShape="1">
+                <a:blip r:embed="rId16"/>
+                <a:stretch>
+                  <a:fillRect/>
+                </a:stretch>
+              </a:blipFill>
+            </p:spPr>
+            <p:txBody>
+              <a:bodyPr/>
+              <a:lstStyle/>
+              <a:p>
+                <a:r>
+                  <a:rPr lang="pt-BR">
+                    <a:noFill/>
+                  </a:rPr>
+                  <a:t> </a:t>
+                </a:r>
+              </a:p>
+            </p:txBody>
+          </p:sp>
+        </mc:Fallback>
+      </mc:AlternateContent>
+      <mc:AlternateContent xmlns:mc="http://schemas.openxmlformats.org/markup-compatibility/2006">
+        <mc:Choice xmlns:a14="http://schemas.microsoft.com/office/drawing/2010/main" Requires="a14">
+          <p:sp>
+            <p:nvSpPr>
+              <p:cNvPr id="96" name="CaixaDeTexto 95"/>
+              <p:cNvSpPr txBox="1"/>
+              <p:nvPr/>
+            </p:nvSpPr>
+            <p:spPr>
+              <a:xfrm>
+                <a:off x="5833105" y="7126506"/>
+                <a:ext cx="911916" cy="707886"/>
+              </a:xfrm>
+              <a:prstGeom prst="rect">
+                <a:avLst/>
+              </a:prstGeom>
+              <a:noFill/>
+            </p:spPr>
+            <p:txBody>
+              <a:bodyPr wrap="none" rtlCol="0">
+                <a:spAutoFit/>
+              </a:bodyPr>
+              <a:lstStyle/>
+              <a:p>
+                <a14:m>
+                  <m:oMathPara xmlns:m="http://schemas.openxmlformats.org/officeDocument/2006/math">
+                    <m:oMathParaPr>
+                      <m:jc m:val="centerGroup"/>
+                    </m:oMathParaPr>
+                    <m:oMath xmlns:m="http://schemas.openxmlformats.org/officeDocument/2006/math">
+                      <m:sSubSup>
+                        <m:sSubSupPr>
+                          <m:ctrlPr>
+                            <a:rPr lang="pt-BR" sz="4000" b="0" i="1" smtClean="0">
+                              <a:latin typeface="Cambria Math"/>
+                            </a:rPr>
+                          </m:ctrlPr>
+                        </m:sSubSupPr>
+                        <m:e>
+                          <m:r>
+                            <a:rPr lang="pt-BR" sz="4000" b="0" i="1" smtClean="0">
+                              <a:latin typeface="Cambria Math"/>
+                            </a:rPr>
+                            <m:t>𝑖</m:t>
+                          </m:r>
+                        </m:e>
+                        <m:sub>
+                          <m:r>
+                            <a:rPr lang="pt-BR" sz="4000" b="0" i="1" smtClean="0">
+                              <a:latin typeface="Cambria Math"/>
+                            </a:rPr>
+                            <m:t>𝐶𝑐</m:t>
+                          </m:r>
+                        </m:sub>
+                        <m:sup>
+                          <m:r>
+                            <a:rPr lang="pt-BR" sz="4000" b="0" i="1" smtClean="0">
+                              <a:latin typeface="Cambria Math"/>
+                            </a:rPr>
+                            <m:t>∗</m:t>
+                          </m:r>
+                        </m:sup>
+                      </m:sSubSup>
+                    </m:oMath>
+                  </m:oMathPara>
+                </a14:m>
+                <a:endParaRPr lang="pt-BR" sz="4000" dirty="0"/>
+              </a:p>
+            </p:txBody>
+          </p:sp>
+        </mc:Choice>
+        <mc:Fallback>
+          <p:sp>
+            <p:nvSpPr>
+              <p:cNvPr id="96" name="CaixaDeTexto 95"/>
+              <p:cNvSpPr txBox="1">
+                <a:spLocks noRot="1" noChangeAspect="1" noMove="1" noResize="1" noEditPoints="1" noAdjustHandles="1" noChangeArrowheads="1" noChangeShapeType="1" noTextEdit="1"/>
+              </p:cNvSpPr>
+              <p:nvPr/>
+            </p:nvSpPr>
+            <p:spPr>
+              <a:xfrm>
+                <a:off x="5833105" y="7126506"/>
+                <a:ext cx="911916" cy="707886"/>
+              </a:xfrm>
+              <a:prstGeom prst="rect">
+                <a:avLst/>
+              </a:prstGeom>
+              <a:blipFill rotWithShape="1">
+                <a:blip r:embed="rId17"/>
+                <a:stretch>
+                  <a:fillRect/>
+                </a:stretch>
+              </a:blipFill>
+            </p:spPr>
+            <p:txBody>
+              <a:bodyPr/>
+              <a:lstStyle/>
+              <a:p>
+                <a:r>
+                  <a:rPr lang="pt-BR">
+                    <a:noFill/>
+                  </a:rPr>
+                  <a:t> </a:t>
+                </a:r>
+              </a:p>
+            </p:txBody>
+          </p:sp>
+        </mc:Fallback>
+      </mc:AlternateContent>
+      <p:cxnSp>
+        <p:nvCxnSpPr>
+          <p:cNvPr id="97" name="Conector de seta reta 96"/>
+          <p:cNvCxnSpPr/>
+          <p:nvPr/>
+        </p:nvCxnSpPr>
+        <p:spPr>
+          <a:xfrm>
+            <a:off x="5515562" y="7112477"/>
+            <a:ext cx="1473200" cy="0"/>
+          </a:xfrm>
+          <a:prstGeom prst="straightConnector1">
+            <a:avLst/>
+          </a:prstGeom>
+          <a:noFill/>
+          <a:ln w="57150">
+            <a:solidFill>
+              <a:schemeClr val="tx1"/>
+            </a:solidFill>
+            <a:headEnd type="none" w="med" len="med"/>
+            <a:tailEnd type="arrow" w="med" len="med"/>
+          </a:ln>
+        </p:spPr>
+        <p:style>
+          <a:lnRef idx="2">
+            <a:schemeClr val="accent1">
+              <a:shade val="50000"/>
+            </a:schemeClr>
+          </a:lnRef>
+          <a:fillRef idx="1">
+            <a:schemeClr val="accent1"/>
+          </a:fillRef>
+          <a:effectRef idx="0">
+            <a:schemeClr val="accent1"/>
+          </a:effectRef>
+          <a:fontRef idx="minor">
+            <a:schemeClr val="lt1"/>
+          </a:fontRef>
+        </p:style>
+      </p:cxnSp>
+      <p:pic>
+        <p:nvPicPr>
+          <p:cNvPr id="33" name="Picture 3" descr="C:\Users\jpsoliv\Downloads\schemeit-project (6).png"/>
+          <p:cNvPicPr>
+            <a:picLocks noChangeAspect="1" noChangeArrowheads="1"/>
+          </p:cNvPicPr>
+          <p:nvPr/>
+        </p:nvPicPr>
+        <p:blipFill>
+          <a:blip r:embed="rId18">
+            <a:extLst>
+              <a:ext uri="{28A0092B-C50C-407E-A947-70E740481C1C}">
+                <a14:useLocalDpi xmlns:a14="http://schemas.microsoft.com/office/drawing/2010/main" val="0"/>
+              </a:ext>
+            </a:extLst>
+          </a:blip>
+          <a:srcRect/>
+          <a:stretch>
+            <a:fillRect/>
+          </a:stretch>
+        </p:blipFill>
+        <p:spPr bwMode="auto">
+          <a:xfrm>
+            <a:off x="4386645" y="105762"/>
+            <a:ext cx="7116061" cy="4122000"/>
+          </a:xfrm>
+          <a:prstGeom prst="rect">
+            <a:avLst/>
+          </a:prstGeom>
+          <a:noFill/>
+          <a:extLst>
+            <a:ext uri="{909E8E84-426E-40DD-AFC4-6F175D3DCCD1}">
+              <a14:hiddenFill xmlns:a14="http://schemas.microsoft.com/office/drawing/2010/main">
+                <a:solidFill>
+                  <a:srgbClr val="FFFFFF"/>
+                </a:solidFill>
+              </a14:hiddenFill>
+            </a:ext>
+          </a:extLst>
+        </p:spPr>
+      </p:pic>
+    </p:spTree>
+    <p:extLst>
+      <p:ext uri="{BB962C8B-B14F-4D97-AF65-F5344CB8AC3E}">
+        <p14:creationId xmlns:p14="http://schemas.microsoft.com/office/powerpoint/2010/main" val="1375963779"/>
+      </p:ext>
+    </p:extLst>
+  </p:cSld>
+  <p:clrMapOvr>
+    <a:masterClrMapping/>
+  </p:clrMapOvr>
+  <p:timing>
+    <p:tnLst>
+      <p:par>
+        <p:cTn id="1" dur="indefinite" restart="never" nodeType="tmRoot"/>
+      </p:par>
+    </p:tnLst>
+  </p:timing>
+</p:sld>
+</file>
+
 <file path=ppt/theme/theme1.xml><?xml version="1.0" encoding="utf-8"?>
 <a:theme xmlns:a="http://schemas.openxmlformats.org/drawingml/2006/main" name="Tema do Office">
   <a:themeElements>

--- a/Tranqueiras de ppt/desenhos_filtro_complexo.pptx
+++ b/Tranqueiras de ppt/desenhos_filtro_complexo.pptx
@@ -11,6 +11,7 @@
     <p:sldId id="259" r:id="rId5"/>
     <p:sldId id="260" r:id="rId6"/>
     <p:sldId id="261" r:id="rId7"/>
+    <p:sldId id="262" r:id="rId8"/>
   </p:sldIdLst>
   <p:sldSz cx="9144000" cy="6858000" type="screen4x3"/>
   <p:notesSz cx="6858000" cy="9144000"/>
@@ -111,7 +112,7 @@
   </p:defaultTextStyle>
   <p:extLst>
     <p:ext uri="{EFAFB233-063F-42B5-8137-9DF3F51BA10A}">
-      <p15:sldGuideLst xmlns="" xmlns:p15="http://schemas.microsoft.com/office/powerpoint/2012/main">
+      <p15:sldGuideLst xmlns:p15="http://schemas.microsoft.com/office/powerpoint/2012/main">
         <p15:guide id="1" orient="horz" pos="2160">
           <p15:clr>
             <a:srgbClr val="A4A3A4"/>
@@ -4514,7 +4515,7 @@
                         <m:sSubPr>
                           <m:ctrlPr>
                             <a:rPr lang="pt-BR" b="0" i="1" smtClean="0">
-                              <a:latin typeface="Cambria Math"/>
+                              <a:latin typeface="Cambria Math" panose="02040503050406030204" pitchFamily="18" charset="0"/>
                             </a:rPr>
                           </m:ctrlPr>
                         </m:sSubPr>
@@ -4617,7 +4618,7 @@
                         <m:sSubPr>
                           <m:ctrlPr>
                             <a:rPr lang="pt-BR" b="0" i="1" smtClean="0">
-                              <a:latin typeface="Cambria Math"/>
+                              <a:latin typeface="Cambria Math" panose="02040503050406030204" pitchFamily="18" charset="0"/>
                             </a:rPr>
                           </m:ctrlPr>
                         </m:sSubPr>
@@ -4720,7 +4721,7 @@
                         <m:sSubPr>
                           <m:ctrlPr>
                             <a:rPr lang="pt-BR" b="0" i="1" smtClean="0">
-                              <a:latin typeface="Cambria Math"/>
+                              <a:latin typeface="Cambria Math" panose="02040503050406030204" pitchFamily="18" charset="0"/>
                             </a:rPr>
                           </m:ctrlPr>
                         </m:sSubPr>
@@ -4823,7 +4824,7 @@
                         <m:sSubPr>
                           <m:ctrlPr>
                             <a:rPr lang="pt-BR" b="0" i="1" smtClean="0">
-                              <a:latin typeface="Cambria Math"/>
+                              <a:latin typeface="Cambria Math" panose="02040503050406030204" pitchFamily="18" charset="0"/>
                             </a:rPr>
                           </m:ctrlPr>
                         </m:sSubPr>
@@ -4926,7 +4927,7 @@
                         <m:sSubPr>
                           <m:ctrlPr>
                             <a:rPr lang="pt-BR" b="0" i="1" smtClean="0">
-                              <a:latin typeface="Cambria Math"/>
+                              <a:latin typeface="Cambria Math" panose="02040503050406030204" pitchFamily="18" charset="0"/>
                             </a:rPr>
                           </m:ctrlPr>
                         </m:sSubPr>
@@ -5029,7 +5030,7 @@
                         <m:sSubPr>
                           <m:ctrlPr>
                             <a:rPr lang="pt-BR" b="0" i="1" smtClean="0">
-                              <a:latin typeface="Cambria Math"/>
+                              <a:latin typeface="Cambria Math" panose="02040503050406030204" pitchFamily="18" charset="0"/>
                             </a:rPr>
                           </m:ctrlPr>
                         </m:sSubPr>
@@ -5132,7 +5133,7 @@
                         <m:sSubPr>
                           <m:ctrlPr>
                             <a:rPr lang="pt-BR" b="0" i="1" smtClean="0">
-                              <a:latin typeface="Cambria Math"/>
+                              <a:latin typeface="Cambria Math" panose="02040503050406030204" pitchFamily="18" charset="0"/>
                             </a:rPr>
                           </m:ctrlPr>
                         </m:sSubPr>
@@ -5235,7 +5236,7 @@
                         <m:sSubPr>
                           <m:ctrlPr>
                             <a:rPr lang="pt-BR" b="0" i="1" smtClean="0">
-                              <a:latin typeface="Cambria Math"/>
+                              <a:latin typeface="Cambria Math" panose="02040503050406030204" pitchFamily="18" charset="0"/>
                             </a:rPr>
                           </m:ctrlPr>
                         </m:sSubPr>
@@ -5338,7 +5339,7 @@
                         <m:sSubPr>
                           <m:ctrlPr>
                             <a:rPr lang="pt-BR" b="0" i="1" smtClean="0">
-                              <a:latin typeface="Cambria Math"/>
+                              <a:latin typeface="Cambria Math" panose="02040503050406030204" pitchFamily="18" charset="0"/>
                             </a:rPr>
                           </m:ctrlPr>
                         </m:sSubPr>
@@ -5441,7 +5442,7 @@
                         <m:sSubPr>
                           <m:ctrlPr>
                             <a:rPr lang="pt-BR" b="0" i="1" smtClean="0">
-                              <a:latin typeface="Cambria Math"/>
+                              <a:latin typeface="Cambria Math" panose="02040503050406030204" pitchFamily="18" charset="0"/>
                             </a:rPr>
                           </m:ctrlPr>
                         </m:sSubPr>
@@ -5712,7 +5713,7 @@
                         <m:sSubSupPr>
                           <m:ctrlPr>
                             <a:rPr lang="pt-BR" b="0" i="1" smtClean="0">
-                              <a:latin typeface="Cambria Math"/>
+                              <a:latin typeface="Cambria Math" panose="02040503050406030204" pitchFamily="18" charset="0"/>
                             </a:rPr>
                           </m:ctrlPr>
                         </m:sSubSupPr>
@@ -5823,7 +5824,7 @@
                         <m:sSubSupPr>
                           <m:ctrlPr>
                             <a:rPr lang="pt-BR" b="0" i="1" smtClean="0">
-                              <a:latin typeface="Cambria Math"/>
+                              <a:latin typeface="Cambria Math" panose="02040503050406030204" pitchFamily="18" charset="0"/>
                             </a:rPr>
                           </m:ctrlPr>
                         </m:sSubSupPr>
@@ -5934,7 +5935,7 @@
                         <m:sSubSupPr>
                           <m:ctrlPr>
                             <a:rPr lang="pt-BR" b="0" i="1" smtClean="0">
-                              <a:latin typeface="Cambria Math"/>
+                              <a:latin typeface="Cambria Math" panose="02040503050406030204" pitchFamily="18" charset="0"/>
                             </a:rPr>
                           </m:ctrlPr>
                         </m:sSubSupPr>
@@ -6051,7 +6052,7 @@
                         <m:sSubSupPr>
                           <m:ctrlPr>
                             <a:rPr lang="pt-BR" b="0" i="1" smtClean="0">
-                              <a:latin typeface="Cambria Math"/>
+                              <a:latin typeface="Cambria Math" panose="02040503050406030204" pitchFamily="18" charset="0"/>
                             </a:rPr>
                           </m:ctrlPr>
                         </m:sSubSupPr>
@@ -6168,7 +6169,7 @@
                         <m:sSubSupPr>
                           <m:ctrlPr>
                             <a:rPr lang="pt-BR" b="0" i="1" smtClean="0">
-                              <a:latin typeface="Cambria Math"/>
+                              <a:latin typeface="Cambria Math" panose="02040503050406030204" pitchFamily="18" charset="0"/>
                             </a:rPr>
                           </m:ctrlPr>
                         </m:sSubSupPr>
@@ -6279,7 +6280,7 @@
                         <m:sSubSupPr>
                           <m:ctrlPr>
                             <a:rPr lang="pt-BR" b="0" i="1" smtClean="0">
-                              <a:latin typeface="Cambria Math"/>
+                              <a:latin typeface="Cambria Math" panose="02040503050406030204" pitchFamily="18" charset="0"/>
                             </a:rPr>
                           </m:ctrlPr>
                         </m:sSubSupPr>
@@ -6390,7 +6391,7 @@
                         <m:sSubSupPr>
                           <m:ctrlPr>
                             <a:rPr lang="pt-BR" b="0" i="1" smtClean="0">
-                              <a:latin typeface="Cambria Math"/>
+                              <a:latin typeface="Cambria Math" panose="02040503050406030204" pitchFamily="18" charset="0"/>
                             </a:rPr>
                           </m:ctrlPr>
                         </m:sSubSupPr>
@@ -6831,7 +6832,7 @@
                         <m:sSubPr>
                           <m:ctrlPr>
                             <a:rPr lang="pt-BR" b="0" i="1" smtClean="0">
-                              <a:latin typeface="Cambria Math"/>
+                              <a:latin typeface="Cambria Math" panose="02040503050406030204" pitchFamily="18" charset="0"/>
                             </a:rPr>
                           </m:ctrlPr>
                         </m:sSubPr>
@@ -6934,7 +6935,7 @@
                         <m:sSubPr>
                           <m:ctrlPr>
                             <a:rPr lang="pt-BR" b="0" i="1" smtClean="0">
-                              <a:latin typeface="Cambria Math"/>
+                              <a:latin typeface="Cambria Math" panose="02040503050406030204" pitchFamily="18" charset="0"/>
                             </a:rPr>
                           </m:ctrlPr>
                         </m:sSubPr>
@@ -7118,13 +7119,6 @@
   <p:clrMapOvr>
     <a:masterClrMapping/>
   </p:clrMapOvr>
-  <p:timing>
-    <p:tnLst>
-      <p:par>
-        <p:cTn id="1" dur="indefinite" restart="never" nodeType="tmRoot"/>
-      </p:par>
-    </p:tnLst>
-  </p:timing>
 </p:sld>
 </file>
 
@@ -7866,7 +7860,7 @@
                         <m:sSubSupPr>
                           <m:ctrlPr>
                             <a:rPr lang="pt-BR" b="0" i="1" smtClean="0">
-                              <a:latin typeface="Cambria Math"/>
+                              <a:latin typeface="Cambria Math" panose="02040503050406030204" pitchFamily="18" charset="0"/>
                             </a:rPr>
                           </m:ctrlPr>
                         </m:sSubSupPr>
@@ -7977,7 +7971,7 @@
                         <m:sSubSupPr>
                           <m:ctrlPr>
                             <a:rPr lang="pt-BR" b="0" i="1" smtClean="0">
-                              <a:latin typeface="Cambria Math"/>
+                              <a:latin typeface="Cambria Math" panose="02040503050406030204" pitchFamily="18" charset="0"/>
                             </a:rPr>
                           </m:ctrlPr>
                         </m:sSubSupPr>
@@ -8088,7 +8082,7 @@
                         <m:sSubSupPr>
                           <m:ctrlPr>
                             <a:rPr lang="pt-BR" b="0" i="1" smtClean="0">
-                              <a:latin typeface="Cambria Math"/>
+                              <a:latin typeface="Cambria Math" panose="02040503050406030204" pitchFamily="18" charset="0"/>
                             </a:rPr>
                           </m:ctrlPr>
                         </m:sSubSupPr>
@@ -8199,7 +8193,7 @@
                         <m:sSubPr>
                           <m:ctrlPr>
                             <a:rPr lang="pt-BR" b="0" i="1" smtClean="0">
-                              <a:latin typeface="Cambria Math"/>
+                              <a:latin typeface="Cambria Math" panose="02040503050406030204" pitchFamily="18" charset="0"/>
                             </a:rPr>
                           </m:ctrlPr>
                         </m:sSubPr>
@@ -8302,7 +8296,7 @@
                         <m:sSubPr>
                           <m:ctrlPr>
                             <a:rPr lang="pt-BR" b="0" i="1" smtClean="0">
-                              <a:latin typeface="Cambria Math"/>
+                              <a:latin typeface="Cambria Math" panose="02040503050406030204" pitchFamily="18" charset="0"/>
                             </a:rPr>
                           </m:ctrlPr>
                         </m:sSubPr>
@@ -8405,7 +8399,7 @@
                         <m:sSubPr>
                           <m:ctrlPr>
                             <a:rPr lang="pt-BR" b="0" i="1" smtClean="0">
-                              <a:latin typeface="Cambria Math"/>
+                              <a:latin typeface="Cambria Math" panose="02040503050406030204" pitchFamily="18" charset="0"/>
                             </a:rPr>
                           </m:ctrlPr>
                         </m:sSubPr>
@@ -8616,7 +8610,7 @@
                         <m:sSubPr>
                           <m:ctrlPr>
                             <a:rPr lang="pt-BR" b="0" i="1" smtClean="0">
-                              <a:latin typeface="Cambria Math"/>
+                              <a:latin typeface="Cambria Math" panose="02040503050406030204" pitchFamily="18" charset="0"/>
                             </a:rPr>
                           </m:ctrlPr>
                         </m:sSubPr>
@@ -8719,7 +8713,7 @@
                         <m:sSubPr>
                           <m:ctrlPr>
                             <a:rPr lang="pt-BR" b="0" i="1" smtClean="0">
-                              <a:latin typeface="Cambria Math"/>
+                              <a:latin typeface="Cambria Math" panose="02040503050406030204" pitchFamily="18" charset="0"/>
                             </a:rPr>
                           </m:ctrlPr>
                         </m:sSubPr>
@@ -8822,7 +8816,7 @@
                         <m:sSubPr>
                           <m:ctrlPr>
                             <a:rPr lang="pt-BR" b="0" i="1" smtClean="0">
-                              <a:latin typeface="Cambria Math"/>
+                              <a:latin typeface="Cambria Math" panose="02040503050406030204" pitchFamily="18" charset="0"/>
                             </a:rPr>
                           </m:ctrlPr>
                         </m:sSubPr>
@@ -9033,7 +9027,7 @@
                         <m:sSubSupPr>
                           <m:ctrlPr>
                             <a:rPr lang="pt-BR" b="0" i="1" smtClean="0">
-                              <a:latin typeface="Cambria Math"/>
+                              <a:latin typeface="Cambria Math" panose="02040503050406030204" pitchFamily="18" charset="0"/>
                             </a:rPr>
                           </m:ctrlPr>
                         </m:sSubSupPr>
@@ -9137,7 +9131,7 @@
                         <m:sSubSupPr>
                           <m:ctrlPr>
                             <a:rPr lang="pt-BR" b="0" i="1" smtClean="0">
-                              <a:latin typeface="Cambria Math"/>
+                              <a:latin typeface="Cambria Math" panose="02040503050406030204" pitchFamily="18" charset="0"/>
                             </a:rPr>
                           </m:ctrlPr>
                         </m:sSubSupPr>
@@ -9241,7 +9235,7 @@
                         <m:sSubSupPr>
                           <m:ctrlPr>
                             <a:rPr lang="pt-BR" b="0" i="1" smtClean="0">
-                              <a:latin typeface="Cambria Math"/>
+                              <a:latin typeface="Cambria Math" panose="02040503050406030204" pitchFamily="18" charset="0"/>
                             </a:rPr>
                           </m:ctrlPr>
                         </m:sSubSupPr>
@@ -9669,7 +9663,7 @@
                         <m:sSubPr>
                           <m:ctrlPr>
                             <a:rPr lang="pt-BR" b="0" i="1" smtClean="0">
-                              <a:latin typeface="Cambria Math"/>
+                              <a:latin typeface="Cambria Math" panose="02040503050406030204" pitchFamily="18" charset="0"/>
                             </a:rPr>
                           </m:ctrlPr>
                         </m:sSubPr>
@@ -9772,7 +9766,7 @@
                         <m:sSubPr>
                           <m:ctrlPr>
                             <a:rPr lang="pt-BR" b="0" i="1" smtClean="0">
-                              <a:latin typeface="Cambria Math"/>
+                              <a:latin typeface="Cambria Math" panose="02040503050406030204" pitchFamily="18" charset="0"/>
                             </a:rPr>
                           </m:ctrlPr>
                         </m:sSubPr>
@@ -9875,7 +9869,7 @@
                         <m:sSubPr>
                           <m:ctrlPr>
                             <a:rPr lang="pt-BR" b="0" i="1" smtClean="0">
-                              <a:latin typeface="Cambria Math"/>
+                              <a:latin typeface="Cambria Math" panose="02040503050406030204" pitchFamily="18" charset="0"/>
                             </a:rPr>
                           </m:ctrlPr>
                         </m:sSubPr>
@@ -9953,13 +9947,6 @@
   <p:clrMapOvr>
     <a:masterClrMapping/>
   </p:clrMapOvr>
-  <p:timing>
-    <p:tnLst>
-      <p:par>
-        <p:cTn id="1" dur="indefinite" restart="never" nodeType="tmRoot"/>
-      </p:par>
-    </p:tnLst>
-  </p:timing>
 </p:sld>
 </file>
 
@@ -10015,7 +10002,7 @@
                         <m:sSubPr>
                           <m:ctrlPr>
                             <a:rPr lang="pt-BR" b="0" i="1" smtClean="0">
-                              <a:latin typeface="Cambria Math"/>
+                              <a:latin typeface="Cambria Math" panose="02040503050406030204" pitchFamily="18" charset="0"/>
                             </a:rPr>
                           </m:ctrlPr>
                         </m:sSubPr>
@@ -10118,7 +10105,7 @@
                         <m:sSubPr>
                           <m:ctrlPr>
                             <a:rPr lang="pt-BR" b="0" i="1" smtClean="0">
-                              <a:latin typeface="Cambria Math"/>
+                              <a:latin typeface="Cambria Math" panose="02040503050406030204" pitchFamily="18" charset="0"/>
                             </a:rPr>
                           </m:ctrlPr>
                         </m:sSubPr>
@@ -10221,7 +10208,7 @@
                         <m:sSubPr>
                           <m:ctrlPr>
                             <a:rPr lang="pt-BR" b="0" i="1" smtClean="0">
-                              <a:latin typeface="Cambria Math"/>
+                              <a:latin typeface="Cambria Math" panose="02040503050406030204" pitchFamily="18" charset="0"/>
                             </a:rPr>
                           </m:ctrlPr>
                         </m:sSubPr>
@@ -11209,7 +11196,7 @@
         <p:nvCxnSpPr>
           <p:cNvPr id="26" name="Conector reto 25"/>
           <p:cNvCxnSpPr>
-            <a:stCxn id="75" idx="6"/>
+            <a:stCxn id="70" idx="6"/>
             <a:endCxn id="63" idx="1"/>
           </p:cNvCxnSpPr>
           <p:nvPr/>
@@ -11565,7 +11552,7 @@
                         <m:sSubPr>
                           <m:ctrlPr>
                             <a:rPr lang="pt-BR" b="0" i="1" smtClean="0">
-                              <a:latin typeface="Cambria Math"/>
+                              <a:latin typeface="Cambria Math" panose="02040503050406030204" pitchFamily="18" charset="0"/>
                             </a:rPr>
                           </m:ctrlPr>
                         </m:sSubPr>
@@ -11668,7 +11655,7 @@
                         <m:sSubPr>
                           <m:ctrlPr>
                             <a:rPr lang="pt-BR" b="0" i="1" smtClean="0">
-                              <a:latin typeface="Cambria Math"/>
+                              <a:latin typeface="Cambria Math" panose="02040503050406030204" pitchFamily="18" charset="0"/>
                             </a:rPr>
                           </m:ctrlPr>
                         </m:sSubPr>
@@ -11771,7 +11758,7 @@
                         <m:sSubPr>
                           <m:ctrlPr>
                             <a:rPr lang="pt-BR" b="0" i="1" smtClean="0">
-                              <a:latin typeface="Cambria Math"/>
+                              <a:latin typeface="Cambria Math" panose="02040503050406030204" pitchFamily="18" charset="0"/>
                             </a:rPr>
                           </m:ctrlPr>
                         </m:sSubPr>
@@ -11874,7 +11861,7 @@
                         <m:sSubPr>
                           <m:ctrlPr>
                             <a:rPr lang="pt-BR" b="0" i="1" smtClean="0">
-                              <a:latin typeface="Cambria Math"/>
+                              <a:latin typeface="Cambria Math" panose="02040503050406030204" pitchFamily="18" charset="0"/>
                             </a:rPr>
                           </m:ctrlPr>
                         </m:sSubPr>
@@ -11977,7 +11964,7 @@
                         <m:sSubPr>
                           <m:ctrlPr>
                             <a:rPr lang="pt-BR" b="0" i="1" smtClean="0">
-                              <a:latin typeface="Cambria Math"/>
+                              <a:latin typeface="Cambria Math" panose="02040503050406030204" pitchFamily="18" charset="0"/>
                             </a:rPr>
                           </m:ctrlPr>
                         </m:sSubPr>
@@ -12080,7 +12067,7 @@
                         <m:sSubPr>
                           <m:ctrlPr>
                             <a:rPr lang="pt-BR" b="0" i="1" smtClean="0">
-                              <a:latin typeface="Cambria Math"/>
+                              <a:latin typeface="Cambria Math" panose="02040503050406030204" pitchFamily="18" charset="0"/>
                             </a:rPr>
                           </m:ctrlPr>
                         </m:sSubPr>
@@ -12183,7 +12170,7 @@
                         <m:sSubPr>
                           <m:ctrlPr>
                             <a:rPr lang="pt-BR" b="0" i="1" smtClean="0">
-                              <a:latin typeface="Cambria Math"/>
+                              <a:latin typeface="Cambria Math" panose="02040503050406030204" pitchFamily="18" charset="0"/>
                             </a:rPr>
                           </m:ctrlPr>
                         </m:sSubPr>
@@ -12454,7 +12441,7 @@
                         <m:sSubSupPr>
                           <m:ctrlPr>
                             <a:rPr lang="pt-BR" b="0" i="1" smtClean="0">
-                              <a:latin typeface="Cambria Math"/>
+                              <a:latin typeface="Cambria Math" panose="02040503050406030204" pitchFamily="18" charset="0"/>
                             </a:rPr>
                           </m:ctrlPr>
                         </m:sSubSupPr>
@@ -12571,7 +12558,7 @@
                         <m:sSubSupPr>
                           <m:ctrlPr>
                             <a:rPr lang="pt-BR" b="0" i="1" smtClean="0">
-                              <a:latin typeface="Cambria Math"/>
+                              <a:latin typeface="Cambria Math" panose="02040503050406030204" pitchFamily="18" charset="0"/>
                             </a:rPr>
                           </m:ctrlPr>
                         </m:sSubSupPr>
@@ -12688,7 +12675,7 @@
                         <m:sSubSupPr>
                           <m:ctrlPr>
                             <a:rPr lang="pt-BR" b="0" i="1" smtClean="0">
-                              <a:latin typeface="Cambria Math"/>
+                              <a:latin typeface="Cambria Math" panose="02040503050406030204" pitchFamily="18" charset="0"/>
                             </a:rPr>
                           </m:ctrlPr>
                         </m:sSubSupPr>
@@ -12799,7 +12786,7 @@
                         <m:sSubSupPr>
                           <m:ctrlPr>
                             <a:rPr lang="pt-BR" b="0" i="1" smtClean="0">
-                              <a:latin typeface="Cambria Math"/>
+                              <a:latin typeface="Cambria Math" panose="02040503050406030204" pitchFamily="18" charset="0"/>
                             </a:rPr>
                           </m:ctrlPr>
                         </m:sSubSupPr>
@@ -12910,7 +12897,7 @@
                         <m:sSubSupPr>
                           <m:ctrlPr>
                             <a:rPr lang="pt-BR" b="0" i="1" smtClean="0">
-                              <a:latin typeface="Cambria Math"/>
+                              <a:latin typeface="Cambria Math" panose="02040503050406030204" pitchFamily="18" charset="0"/>
                             </a:rPr>
                           </m:ctrlPr>
                         </m:sSubSupPr>
@@ -13319,7 +13306,7 @@
                         <m:sSubPr>
                           <m:ctrlPr>
                             <a:rPr lang="pt-BR" b="0" i="1" smtClean="0">
-                              <a:latin typeface="Cambria Math"/>
+                              <a:latin typeface="Cambria Math" panose="02040503050406030204" pitchFamily="18" charset="0"/>
                             </a:rPr>
                           </m:ctrlPr>
                         </m:sSubPr>
@@ -13422,7 +13409,7 @@
                         <m:sSubPr>
                           <m:ctrlPr>
                             <a:rPr lang="pt-BR" b="0" i="1" smtClean="0">
-                              <a:latin typeface="Cambria Math"/>
+                              <a:latin typeface="Cambria Math" panose="02040503050406030204" pitchFamily="18" charset="0"/>
                             </a:rPr>
                           </m:ctrlPr>
                         </m:sSubPr>
@@ -13826,7 +13813,7 @@
                           <m:chr m:val="̃"/>
                           <m:ctrlPr>
                             <a:rPr lang="pt-BR" b="0" i="1" smtClean="0">
-                              <a:latin typeface="Cambria Math"/>
+                              <a:latin typeface="Cambria Math" panose="02040503050406030204" pitchFamily="18" charset="0"/>
                             </a:rPr>
                           </m:ctrlPr>
                         </m:accPr>
@@ -14379,7 +14366,7 @@
                           <m:pos m:val="top"/>
                           <m:ctrlPr>
                             <a:rPr lang="pt-BR" b="0" i="1" smtClean="0">
-                              <a:latin typeface="Cambria Math"/>
+                              <a:latin typeface="Cambria Math" panose="02040503050406030204" pitchFamily="18" charset="0"/>
                             </a:rPr>
                           </m:ctrlPr>
                         </m:barPr>
@@ -14609,6 +14596,375 @@
           </a:p>
         </p:txBody>
       </p:sp>
+      <p:cxnSp>
+        <p:nvCxnSpPr>
+          <p:cNvPr id="2" name="Conector reto 78"/>
+          <p:cNvCxnSpPr>
+            <a:endCxn id="70" idx="2"/>
+          </p:cNvCxnSpPr>
+          <p:nvPr/>
+        </p:nvCxnSpPr>
+        <p:spPr>
+          <a:xfrm flipV="1">
+            <a:off x="1928244" y="3332351"/>
+            <a:ext cx="1488333" cy="0"/>
+          </a:xfrm>
+          <a:prstGeom prst="line">
+            <a:avLst/>
+          </a:prstGeom>
+          <a:ln w="38100">
+            <a:solidFill>
+              <a:schemeClr val="tx1"/>
+            </a:solidFill>
+          </a:ln>
+        </p:spPr>
+        <p:style>
+          <a:lnRef idx="1">
+            <a:schemeClr val="accent1"/>
+          </a:lnRef>
+          <a:fillRef idx="0">
+            <a:schemeClr val="accent1"/>
+          </a:fillRef>
+          <a:effectRef idx="0">
+            <a:schemeClr val="accent1"/>
+          </a:effectRef>
+          <a:fontRef idx="minor">
+            <a:schemeClr val="tx1"/>
+          </a:fontRef>
+        </p:style>
+      </p:cxnSp>
+      <p:sp>
+        <p:nvSpPr>
+          <p:cNvPr id="3" name="CaixaDeTexto 82"/>
+          <p:cNvSpPr txBox="1"/>
+          <p:nvPr/>
+        </p:nvSpPr>
+        <p:spPr>
+          <a:xfrm>
+            <a:off x="3582166" y="3175941"/>
+            <a:ext cx="146793" cy="307777"/>
+          </a:xfrm>
+          <a:prstGeom prst="rect">
+            <a:avLst/>
+          </a:prstGeom>
+          <a:noFill/>
+        </p:spPr>
+        <p:txBody>
+          <a:bodyPr wrap="square" rtlCol="0">
+            <a:spAutoFit/>
+          </a:bodyPr>
+          <a:lstStyle/>
+          <a:p>
+            <a:pPr algn="ctr"/>
+            <a:r>
+              <a:rPr lang="pt-BR" sz="1400" dirty="0">
+                <a:latin typeface="Arial" pitchFamily="34" charset="0"/>
+                <a:cs typeface="Arial" pitchFamily="34" charset="0"/>
+              </a:rPr>
+              <a:t>+</a:t>
+            </a:r>
+          </a:p>
+        </p:txBody>
+      </p:sp>
+      <p:sp>
+        <p:nvSpPr>
+          <p:cNvPr id="15" name="CaixaDeTexto 85"/>
+          <p:cNvSpPr txBox="1"/>
+          <p:nvPr/>
+        </p:nvSpPr>
+        <p:spPr>
+          <a:xfrm>
+            <a:off x="3501444" y="3255367"/>
+            <a:ext cx="146793" cy="307777"/>
+          </a:xfrm>
+          <a:prstGeom prst="rect">
+            <a:avLst/>
+          </a:prstGeom>
+          <a:noFill/>
+        </p:spPr>
+        <p:txBody>
+          <a:bodyPr wrap="square" rtlCol="0">
+            <a:spAutoFit/>
+          </a:bodyPr>
+          <a:lstStyle/>
+          <a:p>
+            <a:pPr algn="ctr"/>
+            <a:r>
+              <a:rPr lang="pt-BR" sz="1400" dirty="0">
+                <a:latin typeface="Arial" pitchFamily="34" charset="0"/>
+                <a:cs typeface="Arial" pitchFamily="34" charset="0"/>
+              </a:rPr>
+              <a:t>-</a:t>
+            </a:r>
+          </a:p>
+        </p:txBody>
+      </p:sp>
+      <mc:AlternateContent xmlns:mc="http://schemas.openxmlformats.org/markup-compatibility/2006" xmlns:a14="http://schemas.microsoft.com/office/drawing/2010/main">
+        <mc:Choice Requires="a14">
+          <p:sp>
+            <p:nvSpPr>
+              <p:cNvPr id="68" name="CaixaDeTexto 86"/>
+              <p:cNvSpPr txBox="1"/>
+              <p:nvPr/>
+            </p:nvSpPr>
+            <p:spPr>
+              <a:xfrm>
+                <a:off x="3770079" y="2910208"/>
+                <a:ext cx="368626" cy="369332"/>
+              </a:xfrm>
+              <a:prstGeom prst="rect">
+                <a:avLst/>
+              </a:prstGeom>
+              <a:noFill/>
+            </p:spPr>
+            <p:txBody>
+              <a:bodyPr wrap="none" rtlCol="0">
+                <a:spAutoFit/>
+              </a:bodyPr>
+              <a:lstStyle/>
+              <a:p>
+                <a:pPr/>
+                <a14:m>
+                  <m:oMathPara xmlns:m="http://schemas.openxmlformats.org/officeDocument/2006/math">
+                    <m:oMathParaPr>
+                      <m:jc m:val="centerGroup"/>
+                    </m:oMathParaPr>
+                    <m:oMath xmlns:m="http://schemas.openxmlformats.org/officeDocument/2006/math">
+                      <m:bar>
+                        <m:barPr>
+                          <m:pos m:val="top"/>
+                          <m:ctrlPr>
+                            <a:rPr lang="pt-BR" b="0" i="1" smtClean="0">
+                              <a:latin typeface="Cambria Math" panose="02040503050406030204" pitchFamily="18" charset="0"/>
+                            </a:rPr>
+                          </m:ctrlPr>
+                        </m:barPr>
+                        <m:e>
+                          <m:r>
+                            <a:rPr lang="pt-BR" b="0" i="1" smtClean="0">
+                              <a:latin typeface="Cambria Math" panose="02040503050406030204" pitchFamily="18" charset="0"/>
+                            </a:rPr>
+                            <m:t>𝑝</m:t>
+                          </m:r>
+                        </m:e>
+                      </m:bar>
+                    </m:oMath>
+                  </m:oMathPara>
+                </a14:m>
+                <a:endParaRPr lang="pt-BR" dirty="0"/>
+              </a:p>
+            </p:txBody>
+          </p:sp>
+        </mc:Choice>
+        <mc:Fallback xmlns="">
+          <p:sp>
+            <p:nvSpPr>
+              <p:cNvPr id="87" name="CaixaDeTexto 86"/>
+              <p:cNvSpPr txBox="1">
+                <a:spLocks noRot="1" noChangeAspect="1" noMove="1" noResize="1" noEditPoints="1" noAdjustHandles="1" noChangeArrowheads="1" noChangeShapeType="1" noTextEdit="1"/>
+              </p:cNvSpPr>
+              <p:nvPr/>
+            </p:nvSpPr>
+            <p:spPr>
+              <a:xfrm>
+                <a:off x="3770079" y="2910208"/>
+                <a:ext cx="368626" cy="369332"/>
+              </a:xfrm>
+              <a:prstGeom prst="rect">
+                <a:avLst/>
+              </a:prstGeom>
+              <a:blipFill>
+                <a:blip r:embed="rId31"/>
+                <a:stretch>
+                  <a:fillRect b="-6557"/>
+                </a:stretch>
+              </a:blipFill>
+            </p:spPr>
+            <p:txBody>
+              <a:bodyPr/>
+              <a:lstStyle/>
+              <a:p>
+                <a:r>
+                  <a:rPr lang="pt-BR">
+                    <a:noFill/>
+                  </a:rPr>
+                  <a:t> </a:t>
+                </a:r>
+              </a:p>
+            </p:txBody>
+          </p:sp>
+        </mc:Fallback>
+      </mc:AlternateContent>
+      <p:cxnSp>
+        <p:nvCxnSpPr>
+          <p:cNvPr id="69" name="Conector reto 87"/>
+          <p:cNvCxnSpPr>
+            <a:stCxn id="70" idx="4"/>
+          </p:cNvCxnSpPr>
+          <p:nvPr/>
+        </p:nvCxnSpPr>
+        <p:spPr>
+          <a:xfrm flipH="1">
+            <a:off x="3574840" y="3494351"/>
+            <a:ext cx="0" cy="274122"/>
+          </a:xfrm>
+          <a:prstGeom prst="line">
+            <a:avLst/>
+          </a:prstGeom>
+          <a:ln w="38100">
+            <a:solidFill>
+              <a:schemeClr val="tx1"/>
+            </a:solidFill>
+          </a:ln>
+        </p:spPr>
+        <p:style>
+          <a:lnRef idx="1">
+            <a:schemeClr val="accent1"/>
+          </a:lnRef>
+          <a:fillRef idx="0">
+            <a:schemeClr val="accent1"/>
+          </a:fillRef>
+          <a:effectRef idx="0">
+            <a:schemeClr val="accent1"/>
+          </a:effectRef>
+          <a:fontRef idx="minor">
+            <a:schemeClr val="tx1"/>
+          </a:fontRef>
+        </p:style>
+      </p:cxnSp>
+      <p:sp>
+        <p:nvSpPr>
+          <p:cNvPr id="70" name="Elipse 74"/>
+          <p:cNvSpPr/>
+          <p:nvPr/>
+        </p:nvSpPr>
+        <p:spPr>
+          <a:xfrm>
+            <a:off x="3416577" y="3170351"/>
+            <a:ext cx="324000" cy="324000"/>
+          </a:xfrm>
+          <a:prstGeom prst="ellipse">
+            <a:avLst/>
+          </a:prstGeom>
+          <a:noFill/>
+          <a:ln w="38100">
+            <a:solidFill>
+              <a:schemeClr val="tx1"/>
+            </a:solidFill>
+          </a:ln>
+        </p:spPr>
+        <p:style>
+          <a:lnRef idx="2">
+            <a:schemeClr val="accent1">
+              <a:shade val="50000"/>
+            </a:schemeClr>
+          </a:lnRef>
+          <a:fillRef idx="1">
+            <a:schemeClr val="accent1"/>
+          </a:fillRef>
+          <a:effectRef idx="0">
+            <a:schemeClr val="accent1"/>
+          </a:effectRef>
+          <a:fontRef idx="minor">
+            <a:schemeClr val="lt1"/>
+          </a:fontRef>
+        </p:style>
+        <p:txBody>
+          <a:bodyPr rtlCol="0" anchor="ctr"/>
+          <a:lstStyle/>
+          <a:p>
+            <a:pPr algn="ctr"/>
+            <a:endParaRPr lang="pt-BR" dirty="0">
+              <a:noFill/>
+            </a:endParaRPr>
+          </a:p>
+        </p:txBody>
+      </p:sp>
+      <p:cxnSp>
+        <p:nvCxnSpPr>
+          <p:cNvPr id="72" name="Conector reto 90"/>
+          <p:cNvCxnSpPr/>
+          <p:nvPr/>
+        </p:nvCxnSpPr>
+        <p:spPr>
+          <a:xfrm>
+            <a:off x="3555203" y="3768473"/>
+            <a:ext cx="2390904" cy="0"/>
+          </a:xfrm>
+          <a:prstGeom prst="line">
+            <a:avLst/>
+          </a:prstGeom>
+          <a:ln w="38100">
+            <a:solidFill>
+              <a:schemeClr val="tx1"/>
+            </a:solidFill>
+          </a:ln>
+        </p:spPr>
+        <p:style>
+          <a:lnRef idx="1">
+            <a:schemeClr val="accent1"/>
+          </a:lnRef>
+          <a:fillRef idx="0">
+            <a:schemeClr val="accent1"/>
+          </a:fillRef>
+          <a:effectRef idx="0">
+            <a:schemeClr val="accent1"/>
+          </a:effectRef>
+          <a:fontRef idx="minor">
+            <a:schemeClr val="tx1"/>
+          </a:fontRef>
+        </p:style>
+      </p:cxnSp>
+      <p:sp>
+        <p:nvSpPr>
+          <p:cNvPr id="74" name="Elipse 101"/>
+          <p:cNvSpPr/>
+          <p:nvPr/>
+        </p:nvSpPr>
+        <p:spPr>
+          <a:xfrm>
+            <a:off x="5902964" y="3302884"/>
+            <a:ext cx="72000" cy="70446"/>
+          </a:xfrm>
+          <a:prstGeom prst="ellipse">
+            <a:avLst/>
+          </a:prstGeom>
+          <a:solidFill>
+            <a:schemeClr val="tx1"/>
+          </a:solidFill>
+          <a:ln w="38100">
+            <a:solidFill>
+              <a:schemeClr val="tx1"/>
+            </a:solidFill>
+          </a:ln>
+        </p:spPr>
+        <p:style>
+          <a:lnRef idx="2">
+            <a:schemeClr val="accent1">
+              <a:shade val="50000"/>
+            </a:schemeClr>
+          </a:lnRef>
+          <a:fillRef idx="1">
+            <a:schemeClr val="accent1"/>
+          </a:fillRef>
+          <a:effectRef idx="0">
+            <a:schemeClr val="accent1"/>
+          </a:effectRef>
+          <a:fontRef idx="minor">
+            <a:schemeClr val="lt1"/>
+          </a:fontRef>
+        </p:style>
+        <p:txBody>
+          <a:bodyPr rtlCol="0" anchor="ctr"/>
+          <a:lstStyle/>
+          <a:p>
+            <a:pPr algn="ctr"/>
+            <a:endParaRPr lang="pt-BR">
+              <a:noFill/>
+            </a:endParaRPr>
+          </a:p>
+        </p:txBody>
+      </p:sp>
     </p:spTree>
     <p:extLst>
       <p:ext uri="{BB962C8B-B14F-4D97-AF65-F5344CB8AC3E}">
@@ -14619,13 +14975,6 @@
   <p:clrMapOvr>
     <a:masterClrMapping/>
   </p:clrMapOvr>
-  <p:timing>
-    <p:tnLst>
-      <p:par>
-        <p:cTn id="1" dur="indefinite" restart="never" nodeType="tmRoot"/>
-      </p:par>
-    </p:tnLst>
-  </p:timing>
 </p:sld>
 </file>
 
@@ -15256,7 +15605,7 @@
                         <m:sSubPr>
                           <m:ctrlPr>
                             <a:rPr lang="pt-BR" b="0" i="1" smtClean="0">
-                              <a:latin typeface="Cambria Math"/>
+                              <a:latin typeface="Cambria Math" panose="02040503050406030204" pitchFamily="18" charset="0"/>
                             </a:rPr>
                           </m:ctrlPr>
                         </m:sSubPr>
@@ -15359,7 +15708,7 @@
                         <m:sSubPr>
                           <m:ctrlPr>
                             <a:rPr lang="pt-BR" b="0" i="1" smtClean="0">
-                              <a:latin typeface="Cambria Math"/>
+                              <a:latin typeface="Cambria Math" panose="02040503050406030204" pitchFamily="18" charset="0"/>
                             </a:rPr>
                           </m:ctrlPr>
                         </m:sSubPr>
@@ -15462,7 +15811,7 @@
                         <m:sSubPr>
                           <m:ctrlPr>
                             <a:rPr lang="pt-BR" b="0" i="1" smtClean="0">
-                              <a:latin typeface="Cambria Math"/>
+                              <a:latin typeface="Cambria Math" panose="02040503050406030204" pitchFamily="18" charset="0"/>
                             </a:rPr>
                           </m:ctrlPr>
                         </m:sSubPr>
@@ -15565,7 +15914,7 @@
                         <m:sSubPr>
                           <m:ctrlPr>
                             <a:rPr lang="pt-BR" b="0" i="1" smtClean="0">
-                              <a:latin typeface="Cambria Math"/>
+                              <a:latin typeface="Cambria Math" panose="02040503050406030204" pitchFamily="18" charset="0"/>
                             </a:rPr>
                           </m:ctrlPr>
                         </m:sSubPr>
@@ -15668,7 +16017,7 @@
                         <m:sSubPr>
                           <m:ctrlPr>
                             <a:rPr lang="pt-BR" b="0" i="1" smtClean="0">
-                              <a:latin typeface="Cambria Math"/>
+                              <a:latin typeface="Cambria Math" panose="02040503050406030204" pitchFamily="18" charset="0"/>
                             </a:rPr>
                           </m:ctrlPr>
                         </m:sSubPr>
@@ -15771,7 +16120,7 @@
                         <m:sSubPr>
                           <m:ctrlPr>
                             <a:rPr lang="pt-BR" b="0" i="1" smtClean="0">
-                              <a:latin typeface="Cambria Math"/>
+                              <a:latin typeface="Cambria Math" panose="02040503050406030204" pitchFamily="18" charset="0"/>
                             </a:rPr>
                           </m:ctrlPr>
                         </m:sSubPr>
@@ -15874,7 +16223,7 @@
                         <m:sSubSupPr>
                           <m:ctrlPr>
                             <a:rPr lang="pt-BR" b="0" i="1" smtClean="0">
-                              <a:latin typeface="Cambria Math"/>
+                              <a:latin typeface="Cambria Math" panose="02040503050406030204" pitchFamily="18" charset="0"/>
                             </a:rPr>
                           </m:ctrlPr>
                         </m:sSubSupPr>
@@ -15978,7 +16327,7 @@
                         <m:sSubSupPr>
                           <m:ctrlPr>
                             <a:rPr lang="pt-BR" b="0" i="1" smtClean="0">
-                              <a:latin typeface="Cambria Math"/>
+                              <a:latin typeface="Cambria Math" panose="02040503050406030204" pitchFamily="18" charset="0"/>
                             </a:rPr>
                           </m:ctrlPr>
                         </m:sSubSupPr>
@@ -16082,7 +16431,7 @@
                         <m:sSubSupPr>
                           <m:ctrlPr>
                             <a:rPr lang="pt-BR" b="0" i="1" smtClean="0">
-                              <a:latin typeface="Cambria Math"/>
+                              <a:latin typeface="Cambria Math" panose="02040503050406030204" pitchFamily="18" charset="0"/>
                             </a:rPr>
                           </m:ctrlPr>
                         </m:sSubSupPr>
@@ -16258,18 +16607,13 @@
           <a:p>
             <a:pPr algn="ctr"/>
             <a:r>
-              <a:rPr lang="pt-BR" dirty="0" smtClean="0">
+              <a:rPr lang="pt-BR" dirty="0">
                 <a:solidFill>
                   <a:schemeClr val="tx1"/>
                 </a:solidFill>
               </a:rPr>
               <a:t>DSP</a:t>
             </a:r>
-            <a:endParaRPr lang="pt-BR" dirty="0">
-              <a:solidFill>
-                <a:schemeClr val="tx1"/>
-              </a:solidFill>
-            </a:endParaRPr>
           </a:p>
         </p:txBody>
       </p:sp>
@@ -16695,7 +17039,7 @@
                         <m:sSubPr>
                           <m:ctrlPr>
                             <a:rPr lang="pt-BR" b="0" i="1" smtClean="0">
-                              <a:latin typeface="Cambria Math"/>
+                              <a:latin typeface="Cambria Math" panose="02040503050406030204" pitchFamily="18" charset="0"/>
                             </a:rPr>
                           </m:ctrlPr>
                         </m:sSubPr>
@@ -16798,7 +17142,7 @@
                         <m:sSubPr>
                           <m:ctrlPr>
                             <a:rPr lang="pt-BR" b="0" i="1" smtClean="0">
-                              <a:latin typeface="Cambria Math"/>
+                              <a:latin typeface="Cambria Math" panose="02040503050406030204" pitchFamily="18" charset="0"/>
                             </a:rPr>
                           </m:ctrlPr>
                         </m:sSubPr>
@@ -16901,7 +17245,7 @@
                         <m:sSubPr>
                           <m:ctrlPr>
                             <a:rPr lang="pt-BR" b="0" i="1" smtClean="0">
-                              <a:latin typeface="Cambria Math"/>
+                              <a:latin typeface="Cambria Math" panose="02040503050406030204" pitchFamily="18" charset="0"/>
                             </a:rPr>
                           </m:ctrlPr>
                         </m:sSubPr>
@@ -17220,7 +17564,7 @@
                         <m:sSubPr>
                           <m:ctrlPr>
                             <a:rPr lang="pt-BR" b="0" i="1" smtClean="0">
-                              <a:latin typeface="Cambria Math"/>
+                              <a:latin typeface="Cambria Math" panose="02040503050406030204" pitchFamily="18" charset="0"/>
                             </a:rPr>
                           </m:ctrlPr>
                         </m:sSubPr>
@@ -17323,7 +17667,7 @@
                         <m:sSubPr>
                           <m:ctrlPr>
                             <a:rPr lang="pt-BR" b="0" i="1" smtClean="0">
-                              <a:latin typeface="Cambria Math"/>
+                              <a:latin typeface="Cambria Math" panose="02040503050406030204" pitchFamily="18" charset="0"/>
                             </a:rPr>
                           </m:ctrlPr>
                         </m:sSubPr>
@@ -17426,7 +17770,7 @@
                         <m:sSubPr>
                           <m:ctrlPr>
                             <a:rPr lang="pt-BR" b="0" i="1" smtClean="0">
-                              <a:latin typeface="Cambria Math"/>
+                              <a:latin typeface="Cambria Math" panose="02040503050406030204" pitchFamily="18" charset="0"/>
                             </a:rPr>
                           </m:ctrlPr>
                         </m:sSubPr>
@@ -17539,18 +17883,13 @@
           <a:p>
             <a:pPr algn="ctr"/>
             <a:r>
-              <a:rPr lang="pt-BR" sz="1200" dirty="0" smtClean="0">
+              <a:rPr lang="pt-BR" sz="1200" dirty="0">
                 <a:solidFill>
                   <a:sysClr val="windowText" lastClr="000000"/>
                 </a:solidFill>
               </a:rPr>
               <a:t>PWM</a:t>
             </a:r>
-            <a:endParaRPr lang="pt-BR" sz="1200" dirty="0">
-              <a:solidFill>
-                <a:sysClr val="windowText" lastClr="000000"/>
-              </a:solidFill>
-            </a:endParaRPr>
           </a:p>
         </p:txBody>
       </p:sp>
@@ -17805,7 +18144,7 @@
                         <m:sSubPr>
                           <m:ctrlPr>
                             <a:rPr lang="pt-BR" b="0" i="1" smtClean="0">
-                              <a:latin typeface="Cambria Math"/>
+                              <a:latin typeface="Cambria Math" panose="02040503050406030204" pitchFamily="18" charset="0"/>
                             </a:rPr>
                           </m:ctrlPr>
                         </m:sSubPr>
@@ -17908,7 +18247,7 @@
                         <m:sSubPr>
                           <m:ctrlPr>
                             <a:rPr lang="pt-BR" b="0" i="1" smtClean="0">
-                              <a:latin typeface="Cambria Math"/>
+                              <a:latin typeface="Cambria Math" panose="02040503050406030204" pitchFamily="18" charset="0"/>
                             </a:rPr>
                           </m:ctrlPr>
                         </m:sSubPr>
@@ -18011,7 +18350,7 @@
                         <m:sSubPr>
                           <m:ctrlPr>
                             <a:rPr lang="pt-BR" b="0" i="1" smtClean="0">
-                              <a:latin typeface="Cambria Math"/>
+                              <a:latin typeface="Cambria Math" panose="02040503050406030204" pitchFamily="18" charset="0"/>
                             </a:rPr>
                           </m:ctrlPr>
                         </m:sSubPr>
@@ -18089,13 +18428,6 @@
   <p:clrMapOvr>
     <a:masterClrMapping/>
   </p:clrMapOvr>
-  <p:timing>
-    <p:tnLst>
-      <p:par>
-        <p:cTn id="1" dur="indefinite" restart="never" nodeType="tmRoot"/>
-      </p:par>
-    </p:tnLst>
-  </p:timing>
 </p:sld>
 </file>
 
@@ -18869,16 +19201,12 @@
           <a:lstStyle/>
           <a:p>
             <a:r>
-              <a:rPr lang="pt-BR" sz="3600" dirty="0" smtClean="0">
+              <a:rPr lang="pt-BR" sz="3600" dirty="0">
                 <a:latin typeface="Times New Roman" pitchFamily="18" charset="0"/>
                 <a:cs typeface="Times New Roman" pitchFamily="18" charset="0"/>
               </a:rPr>
               <a:t>Sinal PWM</a:t>
             </a:r>
-            <a:endParaRPr lang="pt-BR" sz="3600" dirty="0">
-              <a:latin typeface="Times New Roman" pitchFamily="18" charset="0"/>
-              <a:cs typeface="Times New Roman" pitchFamily="18" charset="0"/>
-            </a:endParaRPr>
           </a:p>
         </p:txBody>
       </p:sp>
@@ -18951,16 +19279,12 @@
           <a:lstStyle/>
           <a:p>
             <a:r>
-              <a:rPr lang="pt-BR" sz="3600" dirty="0" smtClean="0">
+              <a:rPr lang="pt-BR" sz="3600" dirty="0">
                 <a:latin typeface="Times New Roman" pitchFamily="18" charset="0"/>
                 <a:cs typeface="Times New Roman" pitchFamily="18" charset="0"/>
               </a:rPr>
               <a:t>Banda de histerese</a:t>
             </a:r>
-            <a:endParaRPr lang="pt-BR" sz="3600" dirty="0">
-              <a:latin typeface="Times New Roman" pitchFamily="18" charset="0"/>
-              <a:cs typeface="Times New Roman" pitchFamily="18" charset="0"/>
-            </a:endParaRPr>
           </a:p>
         </p:txBody>
       </p:sp>
@@ -19058,16 +19382,12 @@
           <a:lstStyle/>
           <a:p>
             <a:r>
-              <a:rPr lang="pt-BR" sz="3600" dirty="0" smtClean="0">
+              <a:rPr lang="pt-BR" sz="3600" dirty="0">
                 <a:latin typeface="Times New Roman" pitchFamily="18" charset="0"/>
                 <a:cs typeface="Times New Roman" pitchFamily="18" charset="0"/>
               </a:rPr>
               <a:t>Sinal na saída</a:t>
             </a:r>
-            <a:endParaRPr lang="pt-BR" sz="3600" dirty="0">
-              <a:latin typeface="Times New Roman" pitchFamily="18" charset="0"/>
-              <a:cs typeface="Times New Roman" pitchFamily="18" charset="0"/>
-            </a:endParaRPr>
           </a:p>
         </p:txBody>
       </p:sp>
@@ -19234,10 +19554,9 @@
           <a:lstStyle/>
           <a:p>
             <a:r>
-              <a:rPr lang="pt-BR" sz="5400" dirty="0" smtClean="0"/>
+              <a:rPr lang="pt-BR" sz="5400" dirty="0"/>
               <a:t>-</a:t>
             </a:r>
-            <a:endParaRPr lang="pt-BR" sz="5400" dirty="0"/>
           </a:p>
         </p:txBody>
       </p:sp>
@@ -19409,18 +19728,13 @@
           <a:p>
             <a:pPr algn="ctr"/>
             <a:r>
-              <a:rPr lang="pt-BR" sz="2800" dirty="0" smtClean="0">
+              <a:rPr lang="pt-BR" sz="2800" dirty="0">
                 <a:solidFill>
                   <a:schemeClr val="tx1"/>
                 </a:solidFill>
               </a:rPr>
               <a:t>Controlador PI</a:t>
             </a:r>
-            <a:endParaRPr lang="pt-BR" sz="2800" dirty="0">
-              <a:solidFill>
-                <a:schemeClr val="tx1"/>
-              </a:solidFill>
-            </a:endParaRPr>
           </a:p>
         </p:txBody>
       </p:sp>
@@ -19525,7 +19839,6 @@
               <a:rPr lang="pt-BR" sz="4800" dirty="0"/>
               <a:t>+</a:t>
             </a:r>
-            <a:endParaRPr lang="pt-BR" sz="4800" dirty="0"/>
           </a:p>
         </p:txBody>
       </p:sp>
@@ -19656,18 +19969,13 @@
           <a:p>
             <a:pPr algn="ctr"/>
             <a:r>
-              <a:rPr lang="pt-BR" sz="2800" dirty="0" smtClean="0">
+              <a:rPr lang="pt-BR" sz="2800" dirty="0">
                 <a:solidFill>
                   <a:schemeClr val="tx1"/>
                 </a:solidFill>
               </a:rPr>
               <a:t>Cálculo das Correntes de Referência</a:t>
             </a:r>
-            <a:endParaRPr lang="pt-BR" sz="2800" dirty="0">
-              <a:solidFill>
-                <a:schemeClr val="tx1"/>
-              </a:solidFill>
-            </a:endParaRPr>
           </a:p>
         </p:txBody>
       </p:sp>
@@ -19796,18 +20104,13 @@
           <a:p>
             <a:pPr algn="ctr"/>
             <a:r>
-              <a:rPr lang="pt-BR" sz="2800" dirty="0" smtClean="0">
+              <a:rPr lang="pt-BR" sz="2800" dirty="0">
                 <a:solidFill>
                   <a:schemeClr val="tx1"/>
                 </a:solidFill>
               </a:rPr>
               <a:t>Seleção de Potência a serem Compensadas </a:t>
             </a:r>
-            <a:endParaRPr lang="pt-BR" sz="2800" dirty="0">
-              <a:solidFill>
-                <a:schemeClr val="tx1"/>
-              </a:solidFill>
-            </a:endParaRPr>
           </a:p>
         </p:txBody>
       </p:sp>
@@ -19854,18 +20157,13 @@
           <a:p>
             <a:pPr algn="ctr"/>
             <a:r>
-              <a:rPr lang="pt-BR" sz="2800" dirty="0" smtClean="0">
+              <a:rPr lang="pt-BR" sz="2800" dirty="0">
                 <a:solidFill>
                   <a:schemeClr val="tx1"/>
                 </a:solidFill>
               </a:rPr>
               <a:t>Cálculo de Potências Instantâneas</a:t>
             </a:r>
-            <a:endParaRPr lang="pt-BR" sz="2800" dirty="0">
-              <a:solidFill>
-                <a:schemeClr val="tx1"/>
-              </a:solidFill>
-            </a:endParaRPr>
           </a:p>
         </p:txBody>
       </p:sp>
@@ -19992,18 +20290,13 @@
           <a:p>
             <a:pPr algn="ctr"/>
             <a:r>
-              <a:rPr lang="pt-BR" sz="2800" dirty="0" smtClean="0">
+              <a:rPr lang="pt-BR" sz="2800" dirty="0">
                 <a:solidFill>
                   <a:schemeClr val="tx1"/>
                 </a:solidFill>
               </a:rPr>
               <a:t>Controle PWM</a:t>
             </a:r>
-            <a:endParaRPr lang="pt-BR" sz="2800" dirty="0">
-              <a:solidFill>
-                <a:schemeClr val="tx1"/>
-              </a:solidFill>
-            </a:endParaRPr>
           </a:p>
         </p:txBody>
       </p:sp>
@@ -20373,8 +20666,8 @@
           </a:fontRef>
         </p:style>
       </p:cxnSp>
-      <mc:AlternateContent xmlns:mc="http://schemas.openxmlformats.org/markup-compatibility/2006">
-        <mc:Choice xmlns:a14="http://schemas.microsoft.com/office/drawing/2010/main" Requires="a14">
+      <mc:AlternateContent xmlns:mc="http://schemas.openxmlformats.org/markup-compatibility/2006" xmlns:a14="http://schemas.microsoft.com/office/drawing/2010/main">
+        <mc:Choice Requires="a14">
           <p:sp>
             <p:nvSpPr>
               <p:cNvPr id="1049" name="CaixaDeTexto 1048"/>
@@ -20397,6 +20690,7 @@
               </a:bodyPr>
               <a:lstStyle/>
               <a:p>
+                <a:pPr/>
                 <a14:m>
                   <m:oMathPara xmlns:m="http://schemas.openxmlformats.org/officeDocument/2006/math">
                     <m:oMathParaPr>
@@ -20417,7 +20711,7 @@
             </p:txBody>
           </p:sp>
         </mc:Choice>
-        <mc:Fallback>
+        <mc:Fallback xmlns="">
           <p:sp>
             <p:nvSpPr>
               <p:cNvPr id="1049" name="CaixaDeTexto 1048"/>
@@ -20456,8 +20750,8 @@
           </p:sp>
         </mc:Fallback>
       </mc:AlternateContent>
-      <mc:AlternateContent xmlns:mc="http://schemas.openxmlformats.org/markup-compatibility/2006">
-        <mc:Choice xmlns:a14="http://schemas.microsoft.com/office/drawing/2010/main" Requires="a14">
+      <mc:AlternateContent xmlns:mc="http://schemas.openxmlformats.org/markup-compatibility/2006" xmlns:a14="http://schemas.microsoft.com/office/drawing/2010/main">
+        <mc:Choice Requires="a14">
           <p:sp>
             <p:nvSpPr>
               <p:cNvPr id="77" name="CaixaDeTexto 76"/>
@@ -20480,6 +20774,7 @@
               </a:bodyPr>
               <a:lstStyle/>
               <a:p>
+                <a:pPr/>
                 <a14:m>
                   <m:oMathPara xmlns:m="http://schemas.openxmlformats.org/officeDocument/2006/math">
                     <m:oMathParaPr>
@@ -20490,7 +20785,7 @@
                         <m:sSubPr>
                           <m:ctrlPr>
                             <a:rPr lang="pt-BR" sz="4000" b="0" i="1" smtClean="0">
-                              <a:latin typeface="Cambria Math"/>
+                              <a:latin typeface="Cambria Math" panose="02040503050406030204" pitchFamily="18" charset="0"/>
                             </a:rPr>
                           </m:ctrlPr>
                         </m:sSubPr>
@@ -20519,7 +20814,7 @@
             </p:txBody>
           </p:sp>
         </mc:Choice>
-        <mc:Fallback>
+        <mc:Fallback xmlns="">
           <p:sp>
             <p:nvSpPr>
               <p:cNvPr id="77" name="CaixaDeTexto 76"/>
@@ -20558,8 +20853,8 @@
           </p:sp>
         </mc:Fallback>
       </mc:AlternateContent>
-      <mc:AlternateContent xmlns:mc="http://schemas.openxmlformats.org/markup-compatibility/2006">
-        <mc:Choice xmlns:a14="http://schemas.microsoft.com/office/drawing/2010/main" Requires="a14">
+      <mc:AlternateContent xmlns:mc="http://schemas.openxmlformats.org/markup-compatibility/2006" xmlns:a14="http://schemas.microsoft.com/office/drawing/2010/main">
+        <mc:Choice Requires="a14">
           <p:sp>
             <p:nvSpPr>
               <p:cNvPr id="78" name="CaixaDeTexto 77"/>
@@ -20582,6 +20877,7 @@
               </a:bodyPr>
               <a:lstStyle/>
               <a:p>
+                <a:pPr/>
                 <a14:m>
                   <m:oMathPara xmlns:m="http://schemas.openxmlformats.org/officeDocument/2006/math">
                     <m:oMathParaPr>
@@ -20592,7 +20888,7 @@
                         <m:sSubPr>
                           <m:ctrlPr>
                             <a:rPr lang="pt-BR" sz="4000" b="0" i="1" smtClean="0">
-                              <a:latin typeface="Cambria Math"/>
+                              <a:latin typeface="Cambria Math" panose="02040503050406030204" pitchFamily="18" charset="0"/>
                             </a:rPr>
                           </m:ctrlPr>
                         </m:sSubPr>
@@ -20621,7 +20917,7 @@
             </p:txBody>
           </p:sp>
         </mc:Choice>
-        <mc:Fallback>
+        <mc:Fallback xmlns="">
           <p:sp>
             <p:nvSpPr>
               <p:cNvPr id="78" name="CaixaDeTexto 77"/>
@@ -20660,8 +20956,8 @@
           </p:sp>
         </mc:Fallback>
       </mc:AlternateContent>
-      <mc:AlternateContent xmlns:mc="http://schemas.openxmlformats.org/markup-compatibility/2006">
-        <mc:Choice xmlns:a14="http://schemas.microsoft.com/office/drawing/2010/main" Requires="a14">
+      <mc:AlternateContent xmlns:mc="http://schemas.openxmlformats.org/markup-compatibility/2006" xmlns:a14="http://schemas.microsoft.com/office/drawing/2010/main">
+        <mc:Choice Requires="a14">
           <p:sp>
             <p:nvSpPr>
               <p:cNvPr id="79" name="CaixaDeTexto 78"/>
@@ -20684,6 +20980,7 @@
               </a:bodyPr>
               <a:lstStyle/>
               <a:p>
+                <a:pPr/>
                 <a14:m>
                   <m:oMathPara xmlns:m="http://schemas.openxmlformats.org/officeDocument/2006/math">
                     <m:oMathParaPr>
@@ -20694,7 +20991,7 @@
                         <m:sSubPr>
                           <m:ctrlPr>
                             <a:rPr lang="pt-BR" sz="4000" b="0" i="1" smtClean="0">
-                              <a:latin typeface="Cambria Math"/>
+                              <a:latin typeface="Cambria Math" panose="02040503050406030204" pitchFamily="18" charset="0"/>
                             </a:rPr>
                           </m:ctrlPr>
                         </m:sSubPr>
@@ -20723,7 +21020,7 @@
             </p:txBody>
           </p:sp>
         </mc:Choice>
-        <mc:Fallback>
+        <mc:Fallback xmlns="">
           <p:sp>
             <p:nvSpPr>
               <p:cNvPr id="79" name="CaixaDeTexto 78"/>
@@ -20762,8 +21059,8 @@
           </p:sp>
         </mc:Fallback>
       </mc:AlternateContent>
-      <mc:AlternateContent xmlns:mc="http://schemas.openxmlformats.org/markup-compatibility/2006">
-        <mc:Choice xmlns:a14="http://schemas.microsoft.com/office/drawing/2010/main" Requires="a14">
+      <mc:AlternateContent xmlns:mc="http://schemas.openxmlformats.org/markup-compatibility/2006" xmlns:a14="http://schemas.microsoft.com/office/drawing/2010/main">
+        <mc:Choice Requires="a14">
           <p:sp>
             <p:nvSpPr>
               <p:cNvPr id="80" name="CaixaDeTexto 79"/>
@@ -20786,6 +21083,7 @@
               </a:bodyPr>
               <a:lstStyle/>
               <a:p>
+                <a:pPr/>
                 <a14:m>
                   <m:oMathPara xmlns:m="http://schemas.openxmlformats.org/officeDocument/2006/math">
                     <m:oMathParaPr>
@@ -20796,7 +21094,7 @@
                         <m:sSubPr>
                           <m:ctrlPr>
                             <a:rPr lang="pt-BR" sz="4000" b="0" i="1" smtClean="0">
-                              <a:latin typeface="Cambria Math"/>
+                              <a:latin typeface="Cambria Math" panose="02040503050406030204" pitchFamily="18" charset="0"/>
                             </a:rPr>
                           </m:ctrlPr>
                         </m:sSubPr>
@@ -20825,7 +21123,7 @@
             </p:txBody>
           </p:sp>
         </mc:Choice>
-        <mc:Fallback>
+        <mc:Fallback xmlns="">
           <p:sp>
             <p:nvSpPr>
               <p:cNvPr id="80" name="CaixaDeTexto 79"/>
@@ -20864,8 +21162,8 @@
           </p:sp>
         </mc:Fallback>
       </mc:AlternateContent>
-      <mc:AlternateContent xmlns:mc="http://schemas.openxmlformats.org/markup-compatibility/2006">
-        <mc:Choice xmlns:a14="http://schemas.microsoft.com/office/drawing/2010/main" Requires="a14">
+      <mc:AlternateContent xmlns:mc="http://schemas.openxmlformats.org/markup-compatibility/2006" xmlns:a14="http://schemas.microsoft.com/office/drawing/2010/main">
+        <mc:Choice Requires="a14">
           <p:sp>
             <p:nvSpPr>
               <p:cNvPr id="81" name="CaixaDeTexto 80"/>
@@ -20888,6 +21186,7 @@
               </a:bodyPr>
               <a:lstStyle/>
               <a:p>
+                <a:pPr/>
                 <a14:m>
                   <m:oMathPara xmlns:m="http://schemas.openxmlformats.org/officeDocument/2006/math">
                     <m:oMathParaPr>
@@ -20898,7 +21197,7 @@
                         <m:sSubPr>
                           <m:ctrlPr>
                             <a:rPr lang="pt-BR" sz="4000" b="0" i="1" smtClean="0">
-                              <a:latin typeface="Cambria Math"/>
+                              <a:latin typeface="Cambria Math" panose="02040503050406030204" pitchFamily="18" charset="0"/>
                             </a:rPr>
                           </m:ctrlPr>
                         </m:sSubPr>
@@ -20927,7 +21226,7 @@
             </p:txBody>
           </p:sp>
         </mc:Choice>
-        <mc:Fallback>
+        <mc:Fallback xmlns="">
           <p:sp>
             <p:nvSpPr>
               <p:cNvPr id="81" name="CaixaDeTexto 80"/>
@@ -20966,8 +21265,8 @@
           </p:sp>
         </mc:Fallback>
       </mc:AlternateContent>
-      <mc:AlternateContent xmlns:mc="http://schemas.openxmlformats.org/markup-compatibility/2006">
-        <mc:Choice xmlns:a14="http://schemas.microsoft.com/office/drawing/2010/main" Requires="a14">
+      <mc:AlternateContent xmlns:mc="http://schemas.openxmlformats.org/markup-compatibility/2006" xmlns:a14="http://schemas.microsoft.com/office/drawing/2010/main">
+        <mc:Choice Requires="a14">
           <p:sp>
             <p:nvSpPr>
               <p:cNvPr id="85" name="CaixaDeTexto 84"/>
@@ -20990,6 +21289,7 @@
               </a:bodyPr>
               <a:lstStyle/>
               <a:p>
+                <a:pPr/>
                 <a14:m>
                   <m:oMathPara xmlns:m="http://schemas.openxmlformats.org/officeDocument/2006/math">
                     <m:oMathParaPr>
@@ -21010,7 +21310,7 @@
             </p:txBody>
           </p:sp>
         </mc:Choice>
-        <mc:Fallback>
+        <mc:Fallback xmlns="">
           <p:sp>
             <p:nvSpPr>
               <p:cNvPr id="85" name="CaixaDeTexto 84"/>
@@ -21049,8 +21349,8 @@
           </p:sp>
         </mc:Fallback>
       </mc:AlternateContent>
-      <mc:AlternateContent xmlns:mc="http://schemas.openxmlformats.org/markup-compatibility/2006">
-        <mc:Choice xmlns:a14="http://schemas.microsoft.com/office/drawing/2010/main" Requires="a14">
+      <mc:AlternateContent xmlns:mc="http://schemas.openxmlformats.org/markup-compatibility/2006" xmlns:a14="http://schemas.microsoft.com/office/drawing/2010/main">
+        <mc:Choice Requires="a14">
           <p:sp>
             <p:nvSpPr>
               <p:cNvPr id="86" name="CaixaDeTexto 85"/>
@@ -21073,6 +21373,7 @@
               </a:bodyPr>
               <a:lstStyle/>
               <a:p>
+                <a:pPr/>
                 <a14:m>
                   <m:oMathPara xmlns:m="http://schemas.openxmlformats.org/officeDocument/2006/math">
                     <m:oMathParaPr>
@@ -21082,8 +21383,8 @@
                       <m:sSubSup>
                         <m:sSubSupPr>
                           <m:ctrlPr>
-                            <a:rPr lang="pt-BR" sz="4000" b="0" i="0" smtClean="0">
-                              <a:latin typeface="Cambria Math"/>
+                            <a:rPr lang="pt-BR" sz="4000" b="0" i="1" smtClean="0">
+                              <a:latin typeface="Cambria Math" panose="02040503050406030204" pitchFamily="18" charset="0"/>
                             </a:rPr>
                           </m:ctrlPr>
                         </m:sSubSupPr>
@@ -21123,7 +21424,7 @@
             </p:txBody>
           </p:sp>
         </mc:Choice>
-        <mc:Fallback>
+        <mc:Fallback xmlns="">
           <p:sp>
             <p:nvSpPr>
               <p:cNvPr id="86" name="CaixaDeTexto 85"/>
@@ -21162,8 +21463,8 @@
           </p:sp>
         </mc:Fallback>
       </mc:AlternateContent>
-      <mc:AlternateContent xmlns:mc="http://schemas.openxmlformats.org/markup-compatibility/2006">
-        <mc:Choice xmlns:a14="http://schemas.microsoft.com/office/drawing/2010/main" Requires="a14">
+      <mc:AlternateContent xmlns:mc="http://schemas.openxmlformats.org/markup-compatibility/2006" xmlns:a14="http://schemas.microsoft.com/office/drawing/2010/main">
+        <mc:Choice Requires="a14">
           <p:sp>
             <p:nvSpPr>
               <p:cNvPr id="87" name="CaixaDeTexto 86"/>
@@ -21186,6 +21487,7 @@
               </a:bodyPr>
               <a:lstStyle/>
               <a:p>
+                <a:pPr/>
                 <a14:m>
                   <m:oMathPara xmlns:m="http://schemas.openxmlformats.org/officeDocument/2006/math">
                     <m:oMathParaPr>
@@ -21195,8 +21497,8 @@
                       <m:sSubSup>
                         <m:sSubSupPr>
                           <m:ctrlPr>
-                            <a:rPr lang="pt-BR" sz="4000" b="0" i="0" smtClean="0">
-                              <a:latin typeface="Cambria Math"/>
+                            <a:rPr lang="pt-BR" sz="4000" b="0" i="1" smtClean="0">
+                              <a:latin typeface="Cambria Math" panose="02040503050406030204" pitchFamily="18" charset="0"/>
                             </a:rPr>
                           </m:ctrlPr>
                         </m:sSubSupPr>
@@ -21236,7 +21538,7 @@
             </p:txBody>
           </p:sp>
         </mc:Choice>
-        <mc:Fallback>
+        <mc:Fallback xmlns="">
           <p:sp>
             <p:nvSpPr>
               <p:cNvPr id="87" name="CaixaDeTexto 86"/>
@@ -21275,8 +21577,8 @@
           </p:sp>
         </mc:Fallback>
       </mc:AlternateContent>
-      <mc:AlternateContent xmlns:mc="http://schemas.openxmlformats.org/markup-compatibility/2006">
-        <mc:Choice xmlns:a14="http://schemas.microsoft.com/office/drawing/2010/main" Requires="a14">
+      <mc:AlternateContent xmlns:mc="http://schemas.openxmlformats.org/markup-compatibility/2006" xmlns:a14="http://schemas.microsoft.com/office/drawing/2010/main">
+        <mc:Choice Requires="a14">
           <p:sp>
             <p:nvSpPr>
               <p:cNvPr id="88" name="CaixaDeTexto 87"/>
@@ -21299,6 +21601,7 @@
               </a:bodyPr>
               <a:lstStyle/>
               <a:p>
+                <a:pPr/>
                 <a14:m>
                   <m:oMathPara xmlns:m="http://schemas.openxmlformats.org/officeDocument/2006/math">
                     <m:oMathParaPr>
@@ -21309,7 +21612,7 @@
                         <m:sSubPr>
                           <m:ctrlPr>
                             <a:rPr lang="pt-BR" sz="4000" b="0" i="1" smtClean="0">
-                              <a:latin typeface="Cambria Math"/>
+                              <a:latin typeface="Cambria Math" panose="02040503050406030204" pitchFamily="18" charset="0"/>
                             </a:rPr>
                           </m:ctrlPr>
                         </m:sSubPr>
@@ -21338,7 +21641,7 @@
             </p:txBody>
           </p:sp>
         </mc:Choice>
-        <mc:Fallback>
+        <mc:Fallback xmlns="">
           <p:sp>
             <p:nvSpPr>
               <p:cNvPr id="88" name="CaixaDeTexto 87"/>
@@ -21377,8 +21680,8 @@
           </p:sp>
         </mc:Fallback>
       </mc:AlternateContent>
-      <mc:AlternateContent xmlns:mc="http://schemas.openxmlformats.org/markup-compatibility/2006">
-        <mc:Choice xmlns:a14="http://schemas.microsoft.com/office/drawing/2010/main" Requires="a14">
+      <mc:AlternateContent xmlns:mc="http://schemas.openxmlformats.org/markup-compatibility/2006" xmlns:a14="http://schemas.microsoft.com/office/drawing/2010/main">
+        <mc:Choice Requires="a14">
           <p:sp>
             <p:nvSpPr>
               <p:cNvPr id="89" name="CaixaDeTexto 88"/>
@@ -21401,6 +21704,7 @@
               </a:bodyPr>
               <a:lstStyle/>
               <a:p>
+                <a:pPr/>
                 <a14:m>
                   <m:oMathPara xmlns:m="http://schemas.openxmlformats.org/officeDocument/2006/math">
                     <m:oMathParaPr>
@@ -21411,7 +21715,7 @@
                         <m:sSubPr>
                           <m:ctrlPr>
                             <a:rPr lang="pt-BR" sz="4000" b="0" i="1" smtClean="0">
-                              <a:latin typeface="Cambria Math"/>
+                              <a:latin typeface="Cambria Math" panose="02040503050406030204" pitchFamily="18" charset="0"/>
                             </a:rPr>
                           </m:ctrlPr>
                         </m:sSubPr>
@@ -21440,7 +21744,7 @@
             </p:txBody>
           </p:sp>
         </mc:Choice>
-        <mc:Fallback>
+        <mc:Fallback xmlns="">
           <p:sp>
             <p:nvSpPr>
               <p:cNvPr id="89" name="CaixaDeTexto 88"/>
@@ -21479,8 +21783,8 @@
           </p:sp>
         </mc:Fallback>
       </mc:AlternateContent>
-      <mc:AlternateContent xmlns:mc="http://schemas.openxmlformats.org/markup-compatibility/2006">
-        <mc:Choice xmlns:a14="http://schemas.microsoft.com/office/drawing/2010/main" Requires="a14">
+      <mc:AlternateContent xmlns:mc="http://schemas.openxmlformats.org/markup-compatibility/2006" xmlns:a14="http://schemas.microsoft.com/office/drawing/2010/main">
+        <mc:Choice Requires="a14">
           <p:sp>
             <p:nvSpPr>
               <p:cNvPr id="90" name="CaixaDeTexto 89"/>
@@ -21503,6 +21807,7 @@
               </a:bodyPr>
               <a:lstStyle/>
               <a:p>
+                <a:pPr/>
                 <a14:m>
                   <m:oMathPara xmlns:m="http://schemas.openxmlformats.org/officeDocument/2006/math">
                     <m:oMathParaPr>
@@ -21513,7 +21818,7 @@
                         <m:sSubPr>
                           <m:ctrlPr>
                             <a:rPr lang="pt-BR" sz="4000" b="0" i="1" smtClean="0">
-                              <a:latin typeface="Cambria Math"/>
+                              <a:latin typeface="Cambria Math" panose="02040503050406030204" pitchFamily="18" charset="0"/>
                             </a:rPr>
                           </m:ctrlPr>
                         </m:sSubPr>
@@ -21536,7 +21841,7 @@
                             <m:sSubPr>
                               <m:ctrlPr>
                                 <a:rPr lang="pt-BR" sz="4000" b="0" i="1" smtClean="0">
-                                  <a:latin typeface="Cambria Math"/>
+                                  <a:latin typeface="Cambria Math" panose="02040503050406030204" pitchFamily="18" charset="0"/>
                                 </a:rPr>
                               </m:ctrlPr>
                             </m:sSubPr>
@@ -21567,7 +21872,7 @@
             </p:txBody>
           </p:sp>
         </mc:Choice>
-        <mc:Fallback>
+        <mc:Fallback xmlns="">
           <p:sp>
             <p:nvSpPr>
               <p:cNvPr id="90" name="CaixaDeTexto 89"/>
@@ -21606,8 +21911,8 @@
           </p:sp>
         </mc:Fallback>
       </mc:AlternateContent>
-      <mc:AlternateContent xmlns:mc="http://schemas.openxmlformats.org/markup-compatibility/2006">
-        <mc:Choice xmlns:a14="http://schemas.microsoft.com/office/drawing/2010/main" Requires="a14">
+      <mc:AlternateContent xmlns:mc="http://schemas.openxmlformats.org/markup-compatibility/2006" xmlns:a14="http://schemas.microsoft.com/office/drawing/2010/main">
+        <mc:Choice Requires="a14">
           <p:sp>
             <p:nvSpPr>
               <p:cNvPr id="91" name="CaixaDeTexto 90"/>
@@ -21630,6 +21935,7 @@
               </a:bodyPr>
               <a:lstStyle/>
               <a:p>
+                <a:pPr/>
                 <a14:m>
                   <m:oMathPara xmlns:m="http://schemas.openxmlformats.org/officeDocument/2006/math">
                     <m:oMathParaPr>
@@ -21640,7 +21946,7 @@
                         <m:sSubPr>
                           <m:ctrlPr>
                             <a:rPr lang="pt-BR" sz="4000" b="0" i="1" smtClean="0">
-                              <a:latin typeface="Cambria Math"/>
+                              <a:latin typeface="Cambria Math" panose="02040503050406030204" pitchFamily="18" charset="0"/>
                             </a:rPr>
                           </m:ctrlPr>
                         </m:sSubPr>
@@ -21669,7 +21975,7 @@
             </p:txBody>
           </p:sp>
         </mc:Choice>
-        <mc:Fallback>
+        <mc:Fallback xmlns="">
           <p:sp>
             <p:nvSpPr>
               <p:cNvPr id="91" name="CaixaDeTexto 90"/>
@@ -21708,8 +22014,8 @@
           </p:sp>
         </mc:Fallback>
       </mc:AlternateContent>
-      <mc:AlternateContent xmlns:mc="http://schemas.openxmlformats.org/markup-compatibility/2006">
-        <mc:Choice xmlns:a14="http://schemas.microsoft.com/office/drawing/2010/main" Requires="a14">
+      <mc:AlternateContent xmlns:mc="http://schemas.openxmlformats.org/markup-compatibility/2006" xmlns:a14="http://schemas.microsoft.com/office/drawing/2010/main">
+        <mc:Choice Requires="a14">
           <p:sp>
             <p:nvSpPr>
               <p:cNvPr id="94" name="CaixaDeTexto 93"/>
@@ -21732,6 +22038,7 @@
               </a:bodyPr>
               <a:lstStyle/>
               <a:p>
+                <a:pPr/>
                 <a14:m>
                   <m:oMathPara xmlns:m="http://schemas.openxmlformats.org/officeDocument/2006/math">
                     <m:oMathParaPr>
@@ -21742,7 +22049,7 @@
                         <m:sSubSupPr>
                           <m:ctrlPr>
                             <a:rPr lang="pt-BR" sz="4000" b="0" i="1" smtClean="0">
-                              <a:latin typeface="Cambria Math"/>
+                              <a:latin typeface="Cambria Math" panose="02040503050406030204" pitchFamily="18" charset="0"/>
                             </a:rPr>
                           </m:ctrlPr>
                         </m:sSubSupPr>
@@ -21779,7 +22086,7 @@
             </p:txBody>
           </p:sp>
         </mc:Choice>
-        <mc:Fallback>
+        <mc:Fallback xmlns="">
           <p:sp>
             <p:nvSpPr>
               <p:cNvPr id="94" name="CaixaDeTexto 93"/>
@@ -21818,8 +22125,8 @@
           </p:sp>
         </mc:Fallback>
       </mc:AlternateContent>
-      <mc:AlternateContent xmlns:mc="http://schemas.openxmlformats.org/markup-compatibility/2006">
-        <mc:Choice xmlns:a14="http://schemas.microsoft.com/office/drawing/2010/main" Requires="a14">
+      <mc:AlternateContent xmlns:mc="http://schemas.openxmlformats.org/markup-compatibility/2006" xmlns:a14="http://schemas.microsoft.com/office/drawing/2010/main">
+        <mc:Choice Requires="a14">
           <p:sp>
             <p:nvSpPr>
               <p:cNvPr id="95" name="CaixaDeTexto 94"/>
@@ -21842,6 +22149,7 @@
               </a:bodyPr>
               <a:lstStyle/>
               <a:p>
+                <a:pPr/>
                 <a14:m>
                   <m:oMathPara xmlns:m="http://schemas.openxmlformats.org/officeDocument/2006/math">
                     <m:oMathParaPr>
@@ -21852,7 +22160,7 @@
                         <m:sSubSupPr>
                           <m:ctrlPr>
                             <a:rPr lang="pt-BR" sz="4000" b="0" i="1" smtClean="0">
-                              <a:latin typeface="Cambria Math"/>
+                              <a:latin typeface="Cambria Math" panose="02040503050406030204" pitchFamily="18" charset="0"/>
                             </a:rPr>
                           </m:ctrlPr>
                         </m:sSubSupPr>
@@ -21889,7 +22197,7 @@
             </p:txBody>
           </p:sp>
         </mc:Choice>
-        <mc:Fallback>
+        <mc:Fallback xmlns="">
           <p:sp>
             <p:nvSpPr>
               <p:cNvPr id="95" name="CaixaDeTexto 94"/>
@@ -21928,8 +22236,8 @@
           </p:sp>
         </mc:Fallback>
       </mc:AlternateContent>
-      <mc:AlternateContent xmlns:mc="http://schemas.openxmlformats.org/markup-compatibility/2006">
-        <mc:Choice xmlns:a14="http://schemas.microsoft.com/office/drawing/2010/main" Requires="a14">
+      <mc:AlternateContent xmlns:mc="http://schemas.openxmlformats.org/markup-compatibility/2006" xmlns:a14="http://schemas.microsoft.com/office/drawing/2010/main">
+        <mc:Choice Requires="a14">
           <p:sp>
             <p:nvSpPr>
               <p:cNvPr id="96" name="CaixaDeTexto 95"/>
@@ -21952,6 +22260,7 @@
               </a:bodyPr>
               <a:lstStyle/>
               <a:p>
+                <a:pPr/>
                 <a14:m>
                   <m:oMathPara xmlns:m="http://schemas.openxmlformats.org/officeDocument/2006/math">
                     <m:oMathParaPr>
@@ -21962,7 +22271,7 @@
                         <m:sSubSupPr>
                           <m:ctrlPr>
                             <a:rPr lang="pt-BR" sz="4000" b="0" i="1" smtClean="0">
-                              <a:latin typeface="Cambria Math"/>
+                              <a:latin typeface="Cambria Math" panose="02040503050406030204" pitchFamily="18" charset="0"/>
                             </a:rPr>
                           </m:ctrlPr>
                         </m:sSubSupPr>
@@ -21999,7 +22308,7 @@
             </p:txBody>
           </p:sp>
         </mc:Choice>
-        <mc:Fallback>
+        <mc:Fallback xmlns="">
           <p:sp>
             <p:nvSpPr>
               <p:cNvPr id="96" name="CaixaDeTexto 95"/>
@@ -22129,13 +22438,120 @@
   <p:clrMapOvr>
     <a:masterClrMapping/>
   </p:clrMapOvr>
-  <p:timing>
-    <p:tnLst>
-      <p:par>
-        <p:cTn id="1" dur="indefinite" restart="never" nodeType="tmRoot"/>
-      </p:par>
-    </p:tnLst>
-  </p:timing>
+</p:sld>
+</file>
+
+<file path=ppt/slides/slide7.xml><?xml version="1.0" encoding="utf-8"?>
+<p:sld xmlns:a="http://schemas.openxmlformats.org/drawingml/2006/main" xmlns:r="http://schemas.openxmlformats.org/officeDocument/2006/relationships" xmlns:p="http://schemas.openxmlformats.org/presentationml/2006/main">
+  <p:cSld>
+    <p:spTree>
+      <p:nvGrpSpPr>
+        <p:cNvPr id="1" name=""/>
+        <p:cNvGrpSpPr/>
+        <p:nvPr/>
+      </p:nvGrpSpPr>
+      <p:grpSpPr>
+        <a:xfrm>
+          <a:off x="0" y="0"/>
+          <a:ext cx="0" cy="0"/>
+          <a:chOff x="0" y="0"/>
+          <a:chExt cx="0" cy="0"/>
+        </a:xfrm>
+      </p:grpSpPr>
+      <p:pic>
+        <p:nvPicPr>
+          <p:cNvPr id="2" name="Imagem 1"/>
+          <p:cNvPicPr>
+            <a:picLocks noChangeAspect="1"/>
+          </p:cNvPicPr>
+          <p:nvPr/>
+        </p:nvPicPr>
+        <p:blipFill>
+          <a:blip r:embed="rId2"/>
+          <a:stretch>
+            <a:fillRect/>
+          </a:stretch>
+        </p:blipFill>
+        <p:spPr>
+          <a:xfrm>
+            <a:off x="159233" y="1600663"/>
+            <a:ext cx="8249801" cy="4064844"/>
+          </a:xfrm>
+          <a:prstGeom prst="rect">
+            <a:avLst/>
+          </a:prstGeom>
+        </p:spPr>
+      </p:pic>
+      <p:sp>
+        <p:nvSpPr>
+          <p:cNvPr id="3" name="CaixaDeTexto 2"/>
+          <p:cNvSpPr txBox="1"/>
+          <p:nvPr/>
+        </p:nvSpPr>
+        <p:spPr>
+          <a:xfrm>
+            <a:off x="5215468" y="493004"/>
+            <a:ext cx="2142065" cy="1384995"/>
+          </a:xfrm>
+          <a:prstGeom prst="rect">
+            <a:avLst/>
+          </a:prstGeom>
+          <a:noFill/>
+        </p:spPr>
+        <p:txBody>
+          <a:bodyPr wrap="square" rtlCol="0">
+            <a:spAutoFit/>
+          </a:bodyPr>
+          <a:lstStyle/>
+          <a:p>
+            <a:pPr algn="ctr"/>
+            <a:r>
+              <a:rPr lang="pt-BR" sz="2800" dirty="0"/>
+              <a:t>Indutância de Acoplamento</a:t>
+            </a:r>
+          </a:p>
+        </p:txBody>
+      </p:sp>
+      <p:sp>
+        <p:nvSpPr>
+          <p:cNvPr id="4" name="CaixaDeTexto 3"/>
+          <p:cNvSpPr txBox="1"/>
+          <p:nvPr/>
+        </p:nvSpPr>
+        <p:spPr>
+          <a:xfrm>
+            <a:off x="6825767" y="4250266"/>
+            <a:ext cx="1829069" cy="954107"/>
+          </a:xfrm>
+          <a:prstGeom prst="rect">
+            <a:avLst/>
+          </a:prstGeom>
+          <a:noFill/>
+        </p:spPr>
+        <p:txBody>
+          <a:bodyPr wrap="square" rtlCol="0">
+            <a:spAutoFit/>
+          </a:bodyPr>
+          <a:lstStyle/>
+          <a:p>
+            <a:pPr algn="ctr"/>
+            <a:r>
+              <a:rPr lang="pt-BR" sz="2800" dirty="0"/>
+              <a:t>Filtro Capacitivo</a:t>
+            </a:r>
+          </a:p>
+        </p:txBody>
+      </p:sp>
+    </p:spTree>
+    <p:extLst>
+      <p:ext uri="{BB962C8B-B14F-4D97-AF65-F5344CB8AC3E}">
+        <p14:creationId xmlns:p14="http://schemas.microsoft.com/office/powerpoint/2010/main" val="1589977705"/>
+      </p:ext>
+    </p:extLst>
+  </p:cSld>
+  <p:clrMapOvr>
+    <a:masterClrMapping/>
+  </p:clrMapOvr>
 </p:sld>
 </file>
 

--- a/Tranqueiras de ppt/desenhos_filtro_complexo.pptx
+++ b/Tranqueiras de ppt/desenhos_filtro_complexo.pptx
@@ -12,6 +12,7 @@
     <p:sldId id="260" r:id="rId6"/>
     <p:sldId id="261" r:id="rId7"/>
     <p:sldId id="262" r:id="rId8"/>
+    <p:sldId id="263" r:id="rId9"/>
   </p:sldIdLst>
   <p:sldSz cx="9144000" cy="6858000" type="screen4x3"/>
   <p:notesSz cx="6858000" cy="9144000"/>
@@ -112,7 +113,7 @@
   </p:defaultTextStyle>
   <p:extLst>
     <p:ext uri="{EFAFB233-063F-42B5-8137-9DF3F51BA10A}">
-      <p15:sldGuideLst xmlns:p15="http://schemas.microsoft.com/office/powerpoint/2012/main">
+      <p15:sldGuideLst xmlns:p15="http://schemas.microsoft.com/office/powerpoint/2012/main" xmlns="">
         <p15:guide id="1" orient="horz" pos="2160">
           <p15:clr>
             <a:srgbClr val="A4A3A4"/>
@@ -308,7 +309,7 @@
           <a:p>
             <a:fld id="{9F140449-45B3-4C4C-B502-456914857DA8}" type="datetimeFigureOut">
               <a:rPr lang="pt-BR" smtClean="0"/>
-              <a:t>22/09/2016</a:t>
+              <a:t>23/09/2016</a:t>
             </a:fld>
             <a:endParaRPr lang="pt-BR"/>
           </a:p>
@@ -476,7 +477,7 @@
           <a:p>
             <a:fld id="{9F140449-45B3-4C4C-B502-456914857DA8}" type="datetimeFigureOut">
               <a:rPr lang="pt-BR" smtClean="0"/>
-              <a:t>22/09/2016</a:t>
+              <a:t>23/09/2016</a:t>
             </a:fld>
             <a:endParaRPr lang="pt-BR"/>
           </a:p>
@@ -654,7 +655,7 @@
           <a:p>
             <a:fld id="{9F140449-45B3-4C4C-B502-456914857DA8}" type="datetimeFigureOut">
               <a:rPr lang="pt-BR" smtClean="0"/>
-              <a:t>22/09/2016</a:t>
+              <a:t>23/09/2016</a:t>
             </a:fld>
             <a:endParaRPr lang="pt-BR"/>
           </a:p>
@@ -822,7 +823,7 @@
           <a:p>
             <a:fld id="{9F140449-45B3-4C4C-B502-456914857DA8}" type="datetimeFigureOut">
               <a:rPr lang="pt-BR" smtClean="0"/>
-              <a:t>22/09/2016</a:t>
+              <a:t>23/09/2016</a:t>
             </a:fld>
             <a:endParaRPr lang="pt-BR"/>
           </a:p>
@@ -1067,7 +1068,7 @@
           <a:p>
             <a:fld id="{9F140449-45B3-4C4C-B502-456914857DA8}" type="datetimeFigureOut">
               <a:rPr lang="pt-BR" smtClean="0"/>
-              <a:t>22/09/2016</a:t>
+              <a:t>23/09/2016</a:t>
             </a:fld>
             <a:endParaRPr lang="pt-BR"/>
           </a:p>
@@ -1352,7 +1353,7 @@
           <a:p>
             <a:fld id="{9F140449-45B3-4C4C-B502-456914857DA8}" type="datetimeFigureOut">
               <a:rPr lang="pt-BR" smtClean="0"/>
-              <a:t>22/09/2016</a:t>
+              <a:t>23/09/2016</a:t>
             </a:fld>
             <a:endParaRPr lang="pt-BR"/>
           </a:p>
@@ -1771,7 +1772,7 @@
           <a:p>
             <a:fld id="{9F140449-45B3-4C4C-B502-456914857DA8}" type="datetimeFigureOut">
               <a:rPr lang="pt-BR" smtClean="0"/>
-              <a:t>22/09/2016</a:t>
+              <a:t>23/09/2016</a:t>
             </a:fld>
             <a:endParaRPr lang="pt-BR"/>
           </a:p>
@@ -1888,7 +1889,7 @@
           <a:p>
             <a:fld id="{9F140449-45B3-4C4C-B502-456914857DA8}" type="datetimeFigureOut">
               <a:rPr lang="pt-BR" smtClean="0"/>
-              <a:t>22/09/2016</a:t>
+              <a:t>23/09/2016</a:t>
             </a:fld>
             <a:endParaRPr lang="pt-BR"/>
           </a:p>
@@ -1983,7 +1984,7 @@
           <a:p>
             <a:fld id="{9F140449-45B3-4C4C-B502-456914857DA8}" type="datetimeFigureOut">
               <a:rPr lang="pt-BR" smtClean="0"/>
-              <a:t>22/09/2016</a:t>
+              <a:t>23/09/2016</a:t>
             </a:fld>
             <a:endParaRPr lang="pt-BR"/>
           </a:p>
@@ -2258,7 +2259,7 @@
           <a:p>
             <a:fld id="{9F140449-45B3-4C4C-B502-456914857DA8}" type="datetimeFigureOut">
               <a:rPr lang="pt-BR" smtClean="0"/>
-              <a:t>22/09/2016</a:t>
+              <a:t>23/09/2016</a:t>
             </a:fld>
             <a:endParaRPr lang="pt-BR"/>
           </a:p>
@@ -2510,7 +2511,7 @@
           <a:p>
             <a:fld id="{9F140449-45B3-4C4C-B502-456914857DA8}" type="datetimeFigureOut">
               <a:rPr lang="pt-BR" smtClean="0"/>
-              <a:t>22/09/2016</a:t>
+              <a:t>23/09/2016</a:t>
             </a:fld>
             <a:endParaRPr lang="pt-BR"/>
           </a:p>
@@ -2721,7 +2722,7 @@
           <a:p>
             <a:fld id="{9F140449-45B3-4C4C-B502-456914857DA8}" type="datetimeFigureOut">
               <a:rPr lang="pt-BR" smtClean="0"/>
-              <a:t>22/09/2016</a:t>
+              <a:t>23/09/2016</a:t>
             </a:fld>
             <a:endParaRPr lang="pt-BR"/>
           </a:p>
@@ -4515,7 +4516,7 @@
                         <m:sSubPr>
                           <m:ctrlPr>
                             <a:rPr lang="pt-BR" b="0" i="1" smtClean="0">
-                              <a:latin typeface="Cambria Math" panose="02040503050406030204" pitchFamily="18" charset="0"/>
+                              <a:latin typeface="Cambria Math"/>
                             </a:rPr>
                           </m:ctrlPr>
                         </m:sSubPr>
@@ -4618,7 +4619,7 @@
                         <m:sSubPr>
                           <m:ctrlPr>
                             <a:rPr lang="pt-BR" b="0" i="1" smtClean="0">
-                              <a:latin typeface="Cambria Math" panose="02040503050406030204" pitchFamily="18" charset="0"/>
+                              <a:latin typeface="Cambria Math"/>
                             </a:rPr>
                           </m:ctrlPr>
                         </m:sSubPr>
@@ -4721,7 +4722,7 @@
                         <m:sSubPr>
                           <m:ctrlPr>
                             <a:rPr lang="pt-BR" b="0" i="1" smtClean="0">
-                              <a:latin typeface="Cambria Math" panose="02040503050406030204" pitchFamily="18" charset="0"/>
+                              <a:latin typeface="Cambria Math"/>
                             </a:rPr>
                           </m:ctrlPr>
                         </m:sSubPr>
@@ -4824,7 +4825,7 @@
                         <m:sSubPr>
                           <m:ctrlPr>
                             <a:rPr lang="pt-BR" b="0" i="1" smtClean="0">
-                              <a:latin typeface="Cambria Math" panose="02040503050406030204" pitchFamily="18" charset="0"/>
+                              <a:latin typeface="Cambria Math"/>
                             </a:rPr>
                           </m:ctrlPr>
                         </m:sSubPr>
@@ -4927,7 +4928,7 @@
                         <m:sSubPr>
                           <m:ctrlPr>
                             <a:rPr lang="pt-BR" b="0" i="1" smtClean="0">
-                              <a:latin typeface="Cambria Math" panose="02040503050406030204" pitchFamily="18" charset="0"/>
+                              <a:latin typeface="Cambria Math"/>
                             </a:rPr>
                           </m:ctrlPr>
                         </m:sSubPr>
@@ -5030,7 +5031,7 @@
                         <m:sSubPr>
                           <m:ctrlPr>
                             <a:rPr lang="pt-BR" b="0" i="1" smtClean="0">
-                              <a:latin typeface="Cambria Math" panose="02040503050406030204" pitchFamily="18" charset="0"/>
+                              <a:latin typeface="Cambria Math"/>
                             </a:rPr>
                           </m:ctrlPr>
                         </m:sSubPr>
@@ -5133,7 +5134,7 @@
                         <m:sSubPr>
                           <m:ctrlPr>
                             <a:rPr lang="pt-BR" b="0" i="1" smtClean="0">
-                              <a:latin typeface="Cambria Math" panose="02040503050406030204" pitchFamily="18" charset="0"/>
+                              <a:latin typeface="Cambria Math"/>
                             </a:rPr>
                           </m:ctrlPr>
                         </m:sSubPr>
@@ -5236,7 +5237,7 @@
                         <m:sSubPr>
                           <m:ctrlPr>
                             <a:rPr lang="pt-BR" b="0" i="1" smtClean="0">
-                              <a:latin typeface="Cambria Math" panose="02040503050406030204" pitchFamily="18" charset="0"/>
+                              <a:latin typeface="Cambria Math"/>
                             </a:rPr>
                           </m:ctrlPr>
                         </m:sSubPr>
@@ -5339,7 +5340,7 @@
                         <m:sSubPr>
                           <m:ctrlPr>
                             <a:rPr lang="pt-BR" b="0" i="1" smtClean="0">
-                              <a:latin typeface="Cambria Math" panose="02040503050406030204" pitchFamily="18" charset="0"/>
+                              <a:latin typeface="Cambria Math"/>
                             </a:rPr>
                           </m:ctrlPr>
                         </m:sSubPr>
@@ -5442,7 +5443,7 @@
                         <m:sSubPr>
                           <m:ctrlPr>
                             <a:rPr lang="pt-BR" b="0" i="1" smtClean="0">
-                              <a:latin typeface="Cambria Math" panose="02040503050406030204" pitchFamily="18" charset="0"/>
+                              <a:latin typeface="Cambria Math"/>
                             </a:rPr>
                           </m:ctrlPr>
                         </m:sSubPr>
@@ -5713,7 +5714,7 @@
                         <m:sSubSupPr>
                           <m:ctrlPr>
                             <a:rPr lang="pt-BR" b="0" i="1" smtClean="0">
-                              <a:latin typeface="Cambria Math" panose="02040503050406030204" pitchFamily="18" charset="0"/>
+                              <a:latin typeface="Cambria Math"/>
                             </a:rPr>
                           </m:ctrlPr>
                         </m:sSubSupPr>
@@ -5824,7 +5825,7 @@
                         <m:sSubSupPr>
                           <m:ctrlPr>
                             <a:rPr lang="pt-BR" b="0" i="1" smtClean="0">
-                              <a:latin typeface="Cambria Math" panose="02040503050406030204" pitchFamily="18" charset="0"/>
+                              <a:latin typeface="Cambria Math"/>
                             </a:rPr>
                           </m:ctrlPr>
                         </m:sSubSupPr>
@@ -5935,7 +5936,7 @@
                         <m:sSubSupPr>
                           <m:ctrlPr>
                             <a:rPr lang="pt-BR" b="0" i="1" smtClean="0">
-                              <a:latin typeface="Cambria Math" panose="02040503050406030204" pitchFamily="18" charset="0"/>
+                              <a:latin typeface="Cambria Math"/>
                             </a:rPr>
                           </m:ctrlPr>
                         </m:sSubSupPr>
@@ -6052,7 +6053,7 @@
                         <m:sSubSupPr>
                           <m:ctrlPr>
                             <a:rPr lang="pt-BR" b="0" i="1" smtClean="0">
-                              <a:latin typeface="Cambria Math" panose="02040503050406030204" pitchFamily="18" charset="0"/>
+                              <a:latin typeface="Cambria Math"/>
                             </a:rPr>
                           </m:ctrlPr>
                         </m:sSubSupPr>
@@ -6169,7 +6170,7 @@
                         <m:sSubSupPr>
                           <m:ctrlPr>
                             <a:rPr lang="pt-BR" b="0" i="1" smtClean="0">
-                              <a:latin typeface="Cambria Math" panose="02040503050406030204" pitchFamily="18" charset="0"/>
+                              <a:latin typeface="Cambria Math"/>
                             </a:rPr>
                           </m:ctrlPr>
                         </m:sSubSupPr>
@@ -6280,7 +6281,7 @@
                         <m:sSubSupPr>
                           <m:ctrlPr>
                             <a:rPr lang="pt-BR" b="0" i="1" smtClean="0">
-                              <a:latin typeface="Cambria Math" panose="02040503050406030204" pitchFamily="18" charset="0"/>
+                              <a:latin typeface="Cambria Math"/>
                             </a:rPr>
                           </m:ctrlPr>
                         </m:sSubSupPr>
@@ -6391,7 +6392,7 @@
                         <m:sSubSupPr>
                           <m:ctrlPr>
                             <a:rPr lang="pt-BR" b="0" i="1" smtClean="0">
-                              <a:latin typeface="Cambria Math" panose="02040503050406030204" pitchFamily="18" charset="0"/>
+                              <a:latin typeface="Cambria Math"/>
                             </a:rPr>
                           </m:ctrlPr>
                         </m:sSubSupPr>
@@ -6832,7 +6833,7 @@
                         <m:sSubPr>
                           <m:ctrlPr>
                             <a:rPr lang="pt-BR" b="0" i="1" smtClean="0">
-                              <a:latin typeface="Cambria Math" panose="02040503050406030204" pitchFamily="18" charset="0"/>
+                              <a:latin typeface="Cambria Math"/>
                             </a:rPr>
                           </m:ctrlPr>
                         </m:sSubPr>
@@ -6935,7 +6936,7 @@
                         <m:sSubPr>
                           <m:ctrlPr>
                             <a:rPr lang="pt-BR" b="0" i="1" smtClean="0">
-                              <a:latin typeface="Cambria Math" panose="02040503050406030204" pitchFamily="18" charset="0"/>
+                              <a:latin typeface="Cambria Math"/>
                             </a:rPr>
                           </m:ctrlPr>
                         </m:sSubPr>
@@ -7860,7 +7861,7 @@
                         <m:sSubSupPr>
                           <m:ctrlPr>
                             <a:rPr lang="pt-BR" b="0" i="1" smtClean="0">
-                              <a:latin typeface="Cambria Math" panose="02040503050406030204" pitchFamily="18" charset="0"/>
+                              <a:latin typeface="Cambria Math"/>
                             </a:rPr>
                           </m:ctrlPr>
                         </m:sSubSupPr>
@@ -7971,7 +7972,7 @@
                         <m:sSubSupPr>
                           <m:ctrlPr>
                             <a:rPr lang="pt-BR" b="0" i="1" smtClean="0">
-                              <a:latin typeface="Cambria Math" panose="02040503050406030204" pitchFamily="18" charset="0"/>
+                              <a:latin typeface="Cambria Math"/>
                             </a:rPr>
                           </m:ctrlPr>
                         </m:sSubSupPr>
@@ -8082,7 +8083,7 @@
                         <m:sSubSupPr>
                           <m:ctrlPr>
                             <a:rPr lang="pt-BR" b="0" i="1" smtClean="0">
-                              <a:latin typeface="Cambria Math" panose="02040503050406030204" pitchFamily="18" charset="0"/>
+                              <a:latin typeface="Cambria Math"/>
                             </a:rPr>
                           </m:ctrlPr>
                         </m:sSubSupPr>
@@ -8193,7 +8194,7 @@
                         <m:sSubPr>
                           <m:ctrlPr>
                             <a:rPr lang="pt-BR" b="0" i="1" smtClean="0">
-                              <a:latin typeface="Cambria Math" panose="02040503050406030204" pitchFamily="18" charset="0"/>
+                              <a:latin typeface="Cambria Math"/>
                             </a:rPr>
                           </m:ctrlPr>
                         </m:sSubPr>
@@ -8296,7 +8297,7 @@
                         <m:sSubPr>
                           <m:ctrlPr>
                             <a:rPr lang="pt-BR" b="0" i="1" smtClean="0">
-                              <a:latin typeface="Cambria Math" panose="02040503050406030204" pitchFamily="18" charset="0"/>
+                              <a:latin typeface="Cambria Math"/>
                             </a:rPr>
                           </m:ctrlPr>
                         </m:sSubPr>
@@ -8399,7 +8400,7 @@
                         <m:sSubPr>
                           <m:ctrlPr>
                             <a:rPr lang="pt-BR" b="0" i="1" smtClean="0">
-                              <a:latin typeface="Cambria Math" panose="02040503050406030204" pitchFamily="18" charset="0"/>
+                              <a:latin typeface="Cambria Math"/>
                             </a:rPr>
                           </m:ctrlPr>
                         </m:sSubPr>
@@ -8610,7 +8611,7 @@
                         <m:sSubPr>
                           <m:ctrlPr>
                             <a:rPr lang="pt-BR" b="0" i="1" smtClean="0">
-                              <a:latin typeface="Cambria Math" panose="02040503050406030204" pitchFamily="18" charset="0"/>
+                              <a:latin typeface="Cambria Math"/>
                             </a:rPr>
                           </m:ctrlPr>
                         </m:sSubPr>
@@ -8713,7 +8714,7 @@
                         <m:sSubPr>
                           <m:ctrlPr>
                             <a:rPr lang="pt-BR" b="0" i="1" smtClean="0">
-                              <a:latin typeface="Cambria Math" panose="02040503050406030204" pitchFamily="18" charset="0"/>
+                              <a:latin typeface="Cambria Math"/>
                             </a:rPr>
                           </m:ctrlPr>
                         </m:sSubPr>
@@ -8816,7 +8817,7 @@
                         <m:sSubPr>
                           <m:ctrlPr>
                             <a:rPr lang="pt-BR" b="0" i="1" smtClean="0">
-                              <a:latin typeface="Cambria Math" panose="02040503050406030204" pitchFamily="18" charset="0"/>
+                              <a:latin typeface="Cambria Math"/>
                             </a:rPr>
                           </m:ctrlPr>
                         </m:sSubPr>
@@ -9027,7 +9028,7 @@
                         <m:sSubSupPr>
                           <m:ctrlPr>
                             <a:rPr lang="pt-BR" b="0" i="1" smtClean="0">
-                              <a:latin typeface="Cambria Math" panose="02040503050406030204" pitchFamily="18" charset="0"/>
+                              <a:latin typeface="Cambria Math"/>
                             </a:rPr>
                           </m:ctrlPr>
                         </m:sSubSupPr>
@@ -9131,7 +9132,7 @@
                         <m:sSubSupPr>
                           <m:ctrlPr>
                             <a:rPr lang="pt-BR" b="0" i="1" smtClean="0">
-                              <a:latin typeface="Cambria Math" panose="02040503050406030204" pitchFamily="18" charset="0"/>
+                              <a:latin typeface="Cambria Math"/>
                             </a:rPr>
                           </m:ctrlPr>
                         </m:sSubSupPr>
@@ -9235,7 +9236,7 @@
                         <m:sSubSupPr>
                           <m:ctrlPr>
                             <a:rPr lang="pt-BR" b="0" i="1" smtClean="0">
-                              <a:latin typeface="Cambria Math" panose="02040503050406030204" pitchFamily="18" charset="0"/>
+                              <a:latin typeface="Cambria Math"/>
                             </a:rPr>
                           </m:ctrlPr>
                         </m:sSubSupPr>
@@ -9663,7 +9664,7 @@
                         <m:sSubPr>
                           <m:ctrlPr>
                             <a:rPr lang="pt-BR" b="0" i="1" smtClean="0">
-                              <a:latin typeface="Cambria Math" panose="02040503050406030204" pitchFamily="18" charset="0"/>
+                              <a:latin typeface="Cambria Math"/>
                             </a:rPr>
                           </m:ctrlPr>
                         </m:sSubPr>
@@ -9766,7 +9767,7 @@
                         <m:sSubPr>
                           <m:ctrlPr>
                             <a:rPr lang="pt-BR" b="0" i="1" smtClean="0">
-                              <a:latin typeface="Cambria Math" panose="02040503050406030204" pitchFamily="18" charset="0"/>
+                              <a:latin typeface="Cambria Math"/>
                             </a:rPr>
                           </m:ctrlPr>
                         </m:sSubPr>
@@ -9869,7 +9870,7 @@
                         <m:sSubPr>
                           <m:ctrlPr>
                             <a:rPr lang="pt-BR" b="0" i="1" smtClean="0">
-                              <a:latin typeface="Cambria Math" panose="02040503050406030204" pitchFamily="18" charset="0"/>
+                              <a:latin typeface="Cambria Math"/>
                             </a:rPr>
                           </m:ctrlPr>
                         </m:sSubPr>
@@ -10002,7 +10003,7 @@
                         <m:sSubPr>
                           <m:ctrlPr>
                             <a:rPr lang="pt-BR" b="0" i="1" smtClean="0">
-                              <a:latin typeface="Cambria Math" panose="02040503050406030204" pitchFamily="18" charset="0"/>
+                              <a:latin typeface="Cambria Math"/>
                             </a:rPr>
                           </m:ctrlPr>
                         </m:sSubPr>
@@ -10105,7 +10106,7 @@
                         <m:sSubPr>
                           <m:ctrlPr>
                             <a:rPr lang="pt-BR" b="0" i="1" smtClean="0">
-                              <a:latin typeface="Cambria Math" panose="02040503050406030204" pitchFamily="18" charset="0"/>
+                              <a:latin typeface="Cambria Math"/>
                             </a:rPr>
                           </m:ctrlPr>
                         </m:sSubPr>
@@ -10208,7 +10209,7 @@
                         <m:sSubPr>
                           <m:ctrlPr>
                             <a:rPr lang="pt-BR" b="0" i="1" smtClean="0">
-                              <a:latin typeface="Cambria Math" panose="02040503050406030204" pitchFamily="18" charset="0"/>
+                              <a:latin typeface="Cambria Math"/>
                             </a:rPr>
                           </m:ctrlPr>
                         </m:sSubPr>
@@ -11552,7 +11553,7 @@
                         <m:sSubPr>
                           <m:ctrlPr>
                             <a:rPr lang="pt-BR" b="0" i="1" smtClean="0">
-                              <a:latin typeface="Cambria Math" panose="02040503050406030204" pitchFamily="18" charset="0"/>
+                              <a:latin typeface="Cambria Math"/>
                             </a:rPr>
                           </m:ctrlPr>
                         </m:sSubPr>
@@ -11655,7 +11656,7 @@
                         <m:sSubPr>
                           <m:ctrlPr>
                             <a:rPr lang="pt-BR" b="0" i="1" smtClean="0">
-                              <a:latin typeface="Cambria Math" panose="02040503050406030204" pitchFamily="18" charset="0"/>
+                              <a:latin typeface="Cambria Math"/>
                             </a:rPr>
                           </m:ctrlPr>
                         </m:sSubPr>
@@ -11758,7 +11759,7 @@
                         <m:sSubPr>
                           <m:ctrlPr>
                             <a:rPr lang="pt-BR" b="0" i="1" smtClean="0">
-                              <a:latin typeface="Cambria Math" panose="02040503050406030204" pitchFamily="18" charset="0"/>
+                              <a:latin typeface="Cambria Math"/>
                             </a:rPr>
                           </m:ctrlPr>
                         </m:sSubPr>
@@ -11861,7 +11862,7 @@
                         <m:sSubPr>
                           <m:ctrlPr>
                             <a:rPr lang="pt-BR" b="0" i="1" smtClean="0">
-                              <a:latin typeface="Cambria Math" panose="02040503050406030204" pitchFamily="18" charset="0"/>
+                              <a:latin typeface="Cambria Math"/>
                             </a:rPr>
                           </m:ctrlPr>
                         </m:sSubPr>
@@ -11964,7 +11965,7 @@
                         <m:sSubPr>
                           <m:ctrlPr>
                             <a:rPr lang="pt-BR" b="0" i="1" smtClean="0">
-                              <a:latin typeface="Cambria Math" panose="02040503050406030204" pitchFamily="18" charset="0"/>
+                              <a:latin typeface="Cambria Math"/>
                             </a:rPr>
                           </m:ctrlPr>
                         </m:sSubPr>
@@ -12067,7 +12068,7 @@
                         <m:sSubPr>
                           <m:ctrlPr>
                             <a:rPr lang="pt-BR" b="0" i="1" smtClean="0">
-                              <a:latin typeface="Cambria Math" panose="02040503050406030204" pitchFamily="18" charset="0"/>
+                              <a:latin typeface="Cambria Math"/>
                             </a:rPr>
                           </m:ctrlPr>
                         </m:sSubPr>
@@ -12170,7 +12171,7 @@
                         <m:sSubPr>
                           <m:ctrlPr>
                             <a:rPr lang="pt-BR" b="0" i="1" smtClean="0">
-                              <a:latin typeface="Cambria Math" panose="02040503050406030204" pitchFamily="18" charset="0"/>
+                              <a:latin typeface="Cambria Math"/>
                             </a:rPr>
                           </m:ctrlPr>
                         </m:sSubPr>
@@ -12441,7 +12442,7 @@
                         <m:sSubSupPr>
                           <m:ctrlPr>
                             <a:rPr lang="pt-BR" b="0" i="1" smtClean="0">
-                              <a:latin typeface="Cambria Math" panose="02040503050406030204" pitchFamily="18" charset="0"/>
+                              <a:latin typeface="Cambria Math"/>
                             </a:rPr>
                           </m:ctrlPr>
                         </m:sSubSupPr>
@@ -12558,7 +12559,7 @@
                         <m:sSubSupPr>
                           <m:ctrlPr>
                             <a:rPr lang="pt-BR" b="0" i="1" smtClean="0">
-                              <a:latin typeface="Cambria Math" panose="02040503050406030204" pitchFamily="18" charset="0"/>
+                              <a:latin typeface="Cambria Math"/>
                             </a:rPr>
                           </m:ctrlPr>
                         </m:sSubSupPr>
@@ -12675,7 +12676,7 @@
                         <m:sSubSupPr>
                           <m:ctrlPr>
                             <a:rPr lang="pt-BR" b="0" i="1" smtClean="0">
-                              <a:latin typeface="Cambria Math" panose="02040503050406030204" pitchFamily="18" charset="0"/>
+                              <a:latin typeface="Cambria Math"/>
                             </a:rPr>
                           </m:ctrlPr>
                         </m:sSubSupPr>
@@ -12786,7 +12787,7 @@
                         <m:sSubSupPr>
                           <m:ctrlPr>
                             <a:rPr lang="pt-BR" b="0" i="1" smtClean="0">
-                              <a:latin typeface="Cambria Math" panose="02040503050406030204" pitchFamily="18" charset="0"/>
+                              <a:latin typeface="Cambria Math"/>
                             </a:rPr>
                           </m:ctrlPr>
                         </m:sSubSupPr>
@@ -12897,7 +12898,7 @@
                         <m:sSubSupPr>
                           <m:ctrlPr>
                             <a:rPr lang="pt-BR" b="0" i="1" smtClean="0">
-                              <a:latin typeface="Cambria Math" panose="02040503050406030204" pitchFamily="18" charset="0"/>
+                              <a:latin typeface="Cambria Math"/>
                             </a:rPr>
                           </m:ctrlPr>
                         </m:sSubSupPr>
@@ -13306,7 +13307,7 @@
                         <m:sSubPr>
                           <m:ctrlPr>
                             <a:rPr lang="pt-BR" b="0" i="1" smtClean="0">
-                              <a:latin typeface="Cambria Math" panose="02040503050406030204" pitchFamily="18" charset="0"/>
+                              <a:latin typeface="Cambria Math"/>
                             </a:rPr>
                           </m:ctrlPr>
                         </m:sSubPr>
@@ -13409,7 +13410,7 @@
                         <m:sSubPr>
                           <m:ctrlPr>
                             <a:rPr lang="pt-BR" b="0" i="1" smtClean="0">
-                              <a:latin typeface="Cambria Math" panose="02040503050406030204" pitchFamily="18" charset="0"/>
+                              <a:latin typeface="Cambria Math"/>
                             </a:rPr>
                           </m:ctrlPr>
                         </m:sSubPr>
@@ -13813,7 +13814,7 @@
                           <m:chr m:val="̃"/>
                           <m:ctrlPr>
                             <a:rPr lang="pt-BR" b="0" i="1" smtClean="0">
-                              <a:latin typeface="Cambria Math" panose="02040503050406030204" pitchFamily="18" charset="0"/>
+                              <a:latin typeface="Cambria Math"/>
                             </a:rPr>
                           </m:ctrlPr>
                         </m:accPr>
@@ -14366,7 +14367,7 @@
                           <m:pos m:val="top"/>
                           <m:ctrlPr>
                             <a:rPr lang="pt-BR" b="0" i="1" smtClean="0">
-                              <a:latin typeface="Cambria Math" panose="02040503050406030204" pitchFamily="18" charset="0"/>
+                              <a:latin typeface="Cambria Math"/>
                             </a:rPr>
                           </m:ctrlPr>
                         </m:barPr>
@@ -14735,7 +14736,7 @@
                           <m:pos m:val="top"/>
                           <m:ctrlPr>
                             <a:rPr lang="pt-BR" b="0" i="1" smtClean="0">
-                              <a:latin typeface="Cambria Math" panose="02040503050406030204" pitchFamily="18" charset="0"/>
+                              <a:latin typeface="Cambria Math"/>
                             </a:rPr>
                           </m:ctrlPr>
                         </m:barPr>
@@ -15605,7 +15606,7 @@
                         <m:sSubPr>
                           <m:ctrlPr>
                             <a:rPr lang="pt-BR" b="0" i="1" smtClean="0">
-                              <a:latin typeface="Cambria Math" panose="02040503050406030204" pitchFamily="18" charset="0"/>
+                              <a:latin typeface="Cambria Math"/>
                             </a:rPr>
                           </m:ctrlPr>
                         </m:sSubPr>
@@ -15708,7 +15709,7 @@
                         <m:sSubPr>
                           <m:ctrlPr>
                             <a:rPr lang="pt-BR" b="0" i="1" smtClean="0">
-                              <a:latin typeface="Cambria Math" panose="02040503050406030204" pitchFamily="18" charset="0"/>
+                              <a:latin typeface="Cambria Math"/>
                             </a:rPr>
                           </m:ctrlPr>
                         </m:sSubPr>
@@ -15811,7 +15812,7 @@
                         <m:sSubPr>
                           <m:ctrlPr>
                             <a:rPr lang="pt-BR" b="0" i="1" smtClean="0">
-                              <a:latin typeface="Cambria Math" panose="02040503050406030204" pitchFamily="18" charset="0"/>
+                              <a:latin typeface="Cambria Math"/>
                             </a:rPr>
                           </m:ctrlPr>
                         </m:sSubPr>
@@ -15914,7 +15915,7 @@
                         <m:sSubPr>
                           <m:ctrlPr>
                             <a:rPr lang="pt-BR" b="0" i="1" smtClean="0">
-                              <a:latin typeface="Cambria Math" panose="02040503050406030204" pitchFamily="18" charset="0"/>
+                              <a:latin typeface="Cambria Math"/>
                             </a:rPr>
                           </m:ctrlPr>
                         </m:sSubPr>
@@ -16017,7 +16018,7 @@
                         <m:sSubPr>
                           <m:ctrlPr>
                             <a:rPr lang="pt-BR" b="0" i="1" smtClean="0">
-                              <a:latin typeface="Cambria Math" panose="02040503050406030204" pitchFamily="18" charset="0"/>
+                              <a:latin typeface="Cambria Math"/>
                             </a:rPr>
                           </m:ctrlPr>
                         </m:sSubPr>
@@ -16120,7 +16121,7 @@
                         <m:sSubPr>
                           <m:ctrlPr>
                             <a:rPr lang="pt-BR" b="0" i="1" smtClean="0">
-                              <a:latin typeface="Cambria Math" panose="02040503050406030204" pitchFamily="18" charset="0"/>
+                              <a:latin typeface="Cambria Math"/>
                             </a:rPr>
                           </m:ctrlPr>
                         </m:sSubPr>
@@ -16223,7 +16224,7 @@
                         <m:sSubSupPr>
                           <m:ctrlPr>
                             <a:rPr lang="pt-BR" b="0" i="1" smtClean="0">
-                              <a:latin typeface="Cambria Math" panose="02040503050406030204" pitchFamily="18" charset="0"/>
+                              <a:latin typeface="Cambria Math"/>
                             </a:rPr>
                           </m:ctrlPr>
                         </m:sSubSupPr>
@@ -16327,7 +16328,7 @@
                         <m:sSubSupPr>
                           <m:ctrlPr>
                             <a:rPr lang="pt-BR" b="0" i="1" smtClean="0">
-                              <a:latin typeface="Cambria Math" panose="02040503050406030204" pitchFamily="18" charset="0"/>
+                              <a:latin typeface="Cambria Math"/>
                             </a:rPr>
                           </m:ctrlPr>
                         </m:sSubSupPr>
@@ -16431,7 +16432,7 @@
                         <m:sSubSupPr>
                           <m:ctrlPr>
                             <a:rPr lang="pt-BR" b="0" i="1" smtClean="0">
-                              <a:latin typeface="Cambria Math" panose="02040503050406030204" pitchFamily="18" charset="0"/>
+                              <a:latin typeface="Cambria Math"/>
                             </a:rPr>
                           </m:ctrlPr>
                         </m:sSubSupPr>
@@ -17039,7 +17040,7 @@
                         <m:sSubPr>
                           <m:ctrlPr>
                             <a:rPr lang="pt-BR" b="0" i="1" smtClean="0">
-                              <a:latin typeface="Cambria Math" panose="02040503050406030204" pitchFamily="18" charset="0"/>
+                              <a:latin typeface="Cambria Math"/>
                             </a:rPr>
                           </m:ctrlPr>
                         </m:sSubPr>
@@ -17142,7 +17143,7 @@
                         <m:sSubPr>
                           <m:ctrlPr>
                             <a:rPr lang="pt-BR" b="0" i="1" smtClean="0">
-                              <a:latin typeface="Cambria Math" panose="02040503050406030204" pitchFamily="18" charset="0"/>
+                              <a:latin typeface="Cambria Math"/>
                             </a:rPr>
                           </m:ctrlPr>
                         </m:sSubPr>
@@ -17245,7 +17246,7 @@
                         <m:sSubPr>
                           <m:ctrlPr>
                             <a:rPr lang="pt-BR" b="0" i="1" smtClean="0">
-                              <a:latin typeface="Cambria Math" panose="02040503050406030204" pitchFamily="18" charset="0"/>
+                              <a:latin typeface="Cambria Math"/>
                             </a:rPr>
                           </m:ctrlPr>
                         </m:sSubPr>
@@ -17564,7 +17565,7 @@
                         <m:sSubPr>
                           <m:ctrlPr>
                             <a:rPr lang="pt-BR" b="0" i="1" smtClean="0">
-                              <a:latin typeface="Cambria Math" panose="02040503050406030204" pitchFamily="18" charset="0"/>
+                              <a:latin typeface="Cambria Math"/>
                             </a:rPr>
                           </m:ctrlPr>
                         </m:sSubPr>
@@ -17667,7 +17668,7 @@
                         <m:sSubPr>
                           <m:ctrlPr>
                             <a:rPr lang="pt-BR" b="0" i="1" smtClean="0">
-                              <a:latin typeface="Cambria Math" panose="02040503050406030204" pitchFamily="18" charset="0"/>
+                              <a:latin typeface="Cambria Math"/>
                             </a:rPr>
                           </m:ctrlPr>
                         </m:sSubPr>
@@ -17770,7 +17771,7 @@
                         <m:sSubPr>
                           <m:ctrlPr>
                             <a:rPr lang="pt-BR" b="0" i="1" smtClean="0">
-                              <a:latin typeface="Cambria Math" panose="02040503050406030204" pitchFamily="18" charset="0"/>
+                              <a:latin typeface="Cambria Math"/>
                             </a:rPr>
                           </m:ctrlPr>
                         </m:sSubPr>
@@ -18144,7 +18145,7 @@
                         <m:sSubPr>
                           <m:ctrlPr>
                             <a:rPr lang="pt-BR" b="0" i="1" smtClean="0">
-                              <a:latin typeface="Cambria Math" panose="02040503050406030204" pitchFamily="18" charset="0"/>
+                              <a:latin typeface="Cambria Math"/>
                             </a:rPr>
                           </m:ctrlPr>
                         </m:sSubPr>
@@ -18247,7 +18248,7 @@
                         <m:sSubPr>
                           <m:ctrlPr>
                             <a:rPr lang="pt-BR" b="0" i="1" smtClean="0">
-                              <a:latin typeface="Cambria Math" panose="02040503050406030204" pitchFamily="18" charset="0"/>
+                              <a:latin typeface="Cambria Math"/>
                             </a:rPr>
                           </m:ctrlPr>
                         </m:sSubPr>
@@ -18350,7 +18351,7 @@
                         <m:sSubPr>
                           <m:ctrlPr>
                             <a:rPr lang="pt-BR" b="0" i="1" smtClean="0">
-                              <a:latin typeface="Cambria Math" panose="02040503050406030204" pitchFamily="18" charset="0"/>
+                              <a:latin typeface="Cambria Math"/>
                             </a:rPr>
                           </m:ctrlPr>
                         </m:sSubPr>
@@ -20785,7 +20786,7 @@
                         <m:sSubPr>
                           <m:ctrlPr>
                             <a:rPr lang="pt-BR" sz="4000" b="0" i="1" smtClean="0">
-                              <a:latin typeface="Cambria Math" panose="02040503050406030204" pitchFamily="18" charset="0"/>
+                              <a:latin typeface="Cambria Math"/>
                             </a:rPr>
                           </m:ctrlPr>
                         </m:sSubPr>
@@ -20888,7 +20889,7 @@
                         <m:sSubPr>
                           <m:ctrlPr>
                             <a:rPr lang="pt-BR" sz="4000" b="0" i="1" smtClean="0">
-                              <a:latin typeface="Cambria Math" panose="02040503050406030204" pitchFamily="18" charset="0"/>
+                              <a:latin typeface="Cambria Math"/>
                             </a:rPr>
                           </m:ctrlPr>
                         </m:sSubPr>
@@ -20991,7 +20992,7 @@
                         <m:sSubPr>
                           <m:ctrlPr>
                             <a:rPr lang="pt-BR" sz="4000" b="0" i="1" smtClean="0">
-                              <a:latin typeface="Cambria Math" panose="02040503050406030204" pitchFamily="18" charset="0"/>
+                              <a:latin typeface="Cambria Math"/>
                             </a:rPr>
                           </m:ctrlPr>
                         </m:sSubPr>
@@ -21094,7 +21095,7 @@
                         <m:sSubPr>
                           <m:ctrlPr>
                             <a:rPr lang="pt-BR" sz="4000" b="0" i="1" smtClean="0">
-                              <a:latin typeface="Cambria Math" panose="02040503050406030204" pitchFamily="18" charset="0"/>
+                              <a:latin typeface="Cambria Math"/>
                             </a:rPr>
                           </m:ctrlPr>
                         </m:sSubPr>
@@ -21197,7 +21198,7 @@
                         <m:sSubPr>
                           <m:ctrlPr>
                             <a:rPr lang="pt-BR" sz="4000" b="0" i="1" smtClean="0">
-                              <a:latin typeface="Cambria Math" panose="02040503050406030204" pitchFamily="18" charset="0"/>
+                              <a:latin typeface="Cambria Math"/>
                             </a:rPr>
                           </m:ctrlPr>
                         </m:sSubPr>
@@ -21384,7 +21385,7 @@
                         <m:sSubSupPr>
                           <m:ctrlPr>
                             <a:rPr lang="pt-BR" sz="4000" b="0" i="1" smtClean="0">
-                              <a:latin typeface="Cambria Math" panose="02040503050406030204" pitchFamily="18" charset="0"/>
+                              <a:latin typeface="Cambria Math"/>
                             </a:rPr>
                           </m:ctrlPr>
                         </m:sSubSupPr>
@@ -21498,7 +21499,7 @@
                         <m:sSubSupPr>
                           <m:ctrlPr>
                             <a:rPr lang="pt-BR" sz="4000" b="0" i="1" smtClean="0">
-                              <a:latin typeface="Cambria Math" panose="02040503050406030204" pitchFamily="18" charset="0"/>
+                              <a:latin typeface="Cambria Math"/>
                             </a:rPr>
                           </m:ctrlPr>
                         </m:sSubSupPr>
@@ -21612,7 +21613,7 @@
                         <m:sSubPr>
                           <m:ctrlPr>
                             <a:rPr lang="pt-BR" sz="4000" b="0" i="1" smtClean="0">
-                              <a:latin typeface="Cambria Math" panose="02040503050406030204" pitchFamily="18" charset="0"/>
+                              <a:latin typeface="Cambria Math"/>
                             </a:rPr>
                           </m:ctrlPr>
                         </m:sSubPr>
@@ -21715,7 +21716,7 @@
                         <m:sSubPr>
                           <m:ctrlPr>
                             <a:rPr lang="pt-BR" sz="4000" b="0" i="1" smtClean="0">
-                              <a:latin typeface="Cambria Math" panose="02040503050406030204" pitchFamily="18" charset="0"/>
+                              <a:latin typeface="Cambria Math"/>
                             </a:rPr>
                           </m:ctrlPr>
                         </m:sSubPr>
@@ -21783,8 +21784,8 @@
           </p:sp>
         </mc:Fallback>
       </mc:AlternateContent>
-      <mc:AlternateContent xmlns:mc="http://schemas.openxmlformats.org/markup-compatibility/2006" xmlns:a14="http://schemas.microsoft.com/office/drawing/2010/main">
-        <mc:Choice Requires="a14">
+      <mc:AlternateContent xmlns:mc="http://schemas.openxmlformats.org/markup-compatibility/2006">
+        <mc:Choice xmlns:a14="http://schemas.microsoft.com/office/drawing/2010/main" Requires="a14">
           <p:sp>
             <p:nvSpPr>
               <p:cNvPr id="90" name="CaixaDeTexto 89"/>
@@ -21794,7 +21795,7 @@
             <p:spPr>
               <a:xfrm>
                 <a:off x="1384252" y="41160"/>
-                <a:ext cx="1575881" cy="829266"/>
+                <a:ext cx="1640514" cy="829266"/>
               </a:xfrm>
               <a:prstGeom prst="rect">
                 <a:avLst/>
@@ -21818,7 +21819,7 @@
                         <m:sSubPr>
                           <m:ctrlPr>
                             <a:rPr lang="pt-BR" sz="4000" b="0" i="1" smtClean="0">
-                              <a:latin typeface="Cambria Math" panose="02040503050406030204" pitchFamily="18" charset="0"/>
+                              <a:latin typeface="Cambria Math"/>
                             </a:rPr>
                           </m:ctrlPr>
                         </m:sSubPr>
@@ -21835,13 +21836,13 @@
                             <a:rPr lang="pt-BR" sz="4000" b="0" i="1" smtClean="0">
                               <a:latin typeface="Cambria Math"/>
                             </a:rPr>
-                            <m:t>𝑑</m:t>
+                            <m:t>𝐷</m:t>
                           </m:r>
                           <m:sSub>
                             <m:sSubPr>
                               <m:ctrlPr>
                                 <a:rPr lang="pt-BR" sz="4000" b="0" i="1" smtClean="0">
-                                  <a:latin typeface="Cambria Math" panose="02040503050406030204" pitchFamily="18" charset="0"/>
+                                  <a:latin typeface="Cambria Math"/>
                                 </a:rPr>
                               </m:ctrlPr>
                             </m:sSubPr>
@@ -21850,7 +21851,7 @@
                                 <a:rPr lang="pt-BR" sz="4000" b="0" i="1" smtClean="0">
                                   <a:latin typeface="Cambria Math"/>
                                 </a:rPr>
-                                <m:t>𝑐</m:t>
+                                <m:t>𝐶</m:t>
                               </m:r>
                             </m:e>
                             <m:sub>
@@ -21872,7 +21873,7 @@
             </p:txBody>
           </p:sp>
         </mc:Choice>
-        <mc:Fallback xmlns="">
+        <mc:Fallback>
           <p:sp>
             <p:nvSpPr>
               <p:cNvPr id="90" name="CaixaDeTexto 89"/>
@@ -21884,7 +21885,7 @@
             <p:spPr>
               <a:xfrm>
                 <a:off x="1384252" y="41160"/>
-                <a:ext cx="1575881" cy="829266"/>
+                <a:ext cx="1640514" cy="829266"/>
               </a:xfrm>
               <a:prstGeom prst="rect">
                 <a:avLst/>
@@ -21911,8 +21912,8 @@
           </p:sp>
         </mc:Fallback>
       </mc:AlternateContent>
-      <mc:AlternateContent xmlns:mc="http://schemas.openxmlformats.org/markup-compatibility/2006" xmlns:a14="http://schemas.microsoft.com/office/drawing/2010/main">
-        <mc:Choice Requires="a14">
+      <mc:AlternateContent xmlns:mc="http://schemas.openxmlformats.org/markup-compatibility/2006">
+        <mc:Choice xmlns:a14="http://schemas.microsoft.com/office/drawing/2010/main" Requires="a14">
           <p:sp>
             <p:nvSpPr>
               <p:cNvPr id="91" name="CaixaDeTexto 90"/>
@@ -21922,7 +21923,7 @@
             <p:spPr>
               <a:xfrm>
                 <a:off x="2690908" y="1239933"/>
-                <a:ext cx="1013739" cy="707886"/>
+                <a:ext cx="1085682" cy="707886"/>
               </a:xfrm>
               <a:prstGeom prst="rect">
                 <a:avLst/>
@@ -21946,7 +21947,7 @@
                         <m:sSubPr>
                           <m:ctrlPr>
                             <a:rPr lang="pt-BR" sz="4000" b="0" i="1" smtClean="0">
-                              <a:latin typeface="Cambria Math" panose="02040503050406030204" pitchFamily="18" charset="0"/>
+                              <a:latin typeface="Cambria Math"/>
                             </a:rPr>
                           </m:ctrlPr>
                         </m:sSubPr>
@@ -21963,7 +21964,7 @@
                             <a:rPr lang="pt-BR" sz="4000" b="0" i="1" smtClean="0">
                               <a:latin typeface="Cambria Math"/>
                             </a:rPr>
-                            <m:t>𝑑𝑐</m:t>
+                            <m:t>𝐷𝐶</m:t>
                           </m:r>
                         </m:sub>
                       </m:sSub>
@@ -21975,7 +21976,7 @@
             </p:txBody>
           </p:sp>
         </mc:Choice>
-        <mc:Fallback xmlns="">
+        <mc:Fallback>
           <p:sp>
             <p:nvSpPr>
               <p:cNvPr id="91" name="CaixaDeTexto 90"/>
@@ -21987,7 +21988,7 @@
             <p:spPr>
               <a:xfrm>
                 <a:off x="2690908" y="1239933"/>
-                <a:ext cx="1013739" cy="707886"/>
+                <a:ext cx="1085682" cy="707886"/>
               </a:xfrm>
               <a:prstGeom prst="rect">
                 <a:avLst/>
@@ -22049,7 +22050,7 @@
                         <m:sSubSupPr>
                           <m:ctrlPr>
                             <a:rPr lang="pt-BR" sz="4000" b="0" i="1" smtClean="0">
-                              <a:latin typeface="Cambria Math" panose="02040503050406030204" pitchFamily="18" charset="0"/>
+                              <a:latin typeface="Cambria Math"/>
                             </a:rPr>
                           </m:ctrlPr>
                         </m:sSubSupPr>
@@ -22160,7 +22161,7 @@
                         <m:sSubSupPr>
                           <m:ctrlPr>
                             <a:rPr lang="pt-BR" sz="4000" b="0" i="1" smtClean="0">
-                              <a:latin typeface="Cambria Math" panose="02040503050406030204" pitchFamily="18" charset="0"/>
+                              <a:latin typeface="Cambria Math"/>
                             </a:rPr>
                           </m:ctrlPr>
                         </m:sSubSupPr>
@@ -22271,7 +22272,7 @@
                         <m:sSubSupPr>
                           <m:ctrlPr>
                             <a:rPr lang="pt-BR" sz="4000" b="0" i="1" smtClean="0">
-                              <a:latin typeface="Cambria Math" panose="02040503050406030204" pitchFamily="18" charset="0"/>
+                              <a:latin typeface="Cambria Math"/>
                             </a:rPr>
                           </m:ctrlPr>
                         </m:sSubSupPr>
@@ -22491,7 +22492,7 @@
         <p:spPr>
           <a:xfrm>
             <a:off x="5215468" y="493004"/>
-            <a:ext cx="2142065" cy="1384995"/>
+            <a:ext cx="2142065" cy="954107"/>
           </a:xfrm>
           <a:prstGeom prst="rect">
             <a:avLst/>
@@ -22506,8 +22507,12 @@
           <a:p>
             <a:pPr algn="ctr"/>
             <a:r>
+              <a:rPr lang="pt-BR" sz="2800" dirty="0" smtClean="0"/>
+              <a:t>Indutor </a:t>
+            </a:r>
+            <a:r>
               <a:rPr lang="pt-BR" sz="2800" dirty="0"/>
-              <a:t>Indutância de Acoplamento</a:t>
+              <a:t>de Acoplamento</a:t>
             </a:r>
           </a:p>
         </p:txBody>
@@ -22546,6 +22551,3075 @@
     <p:extLst>
       <p:ext uri="{BB962C8B-B14F-4D97-AF65-F5344CB8AC3E}">
         <p14:creationId xmlns:p14="http://schemas.microsoft.com/office/powerpoint/2010/main" val="1589977705"/>
+      </p:ext>
+    </p:extLst>
+  </p:cSld>
+  <p:clrMapOvr>
+    <a:masterClrMapping/>
+  </p:clrMapOvr>
+</p:sld>
+</file>
+
+<file path=ppt/slides/slide8.xml><?xml version="1.0" encoding="utf-8"?>
+<p:sld xmlns:a="http://schemas.openxmlformats.org/drawingml/2006/main" xmlns:r="http://schemas.openxmlformats.org/officeDocument/2006/relationships" xmlns:p="http://schemas.openxmlformats.org/presentationml/2006/main">
+  <p:cSld>
+    <p:spTree>
+      <p:nvGrpSpPr>
+        <p:cNvPr id="1" name=""/>
+        <p:cNvGrpSpPr/>
+        <p:nvPr/>
+      </p:nvGrpSpPr>
+      <p:grpSpPr>
+        <a:xfrm>
+          <a:off x="0" y="0"/>
+          <a:ext cx="0" cy="0"/>
+          <a:chOff x="0" y="0"/>
+          <a:chExt cx="0" cy="0"/>
+        </a:xfrm>
+      </p:grpSpPr>
+      <mc:AlternateContent xmlns:mc="http://schemas.openxmlformats.org/markup-compatibility/2006">
+        <mc:Choice xmlns:a14="http://schemas.microsoft.com/office/drawing/2010/main" Requires="a14">
+          <p:sp>
+            <p:nvSpPr>
+              <p:cNvPr id="2" name="Retângulo 1"/>
+              <p:cNvSpPr/>
+              <p:nvPr/>
+            </p:nvSpPr>
+            <p:spPr>
+              <a:xfrm>
+                <a:off x="958283" y="1236051"/>
+                <a:ext cx="3078119" cy="720000"/>
+              </a:xfrm>
+              <a:prstGeom prst="rect">
+                <a:avLst/>
+              </a:prstGeom>
+              <a:noFill/>
+              <a:ln w="57150">
+                <a:solidFill>
+                  <a:schemeClr val="tx1"/>
+                </a:solidFill>
+              </a:ln>
+            </p:spPr>
+            <p:style>
+              <a:lnRef idx="2">
+                <a:schemeClr val="accent1">
+                  <a:shade val="50000"/>
+                </a:schemeClr>
+              </a:lnRef>
+              <a:fillRef idx="1">
+                <a:schemeClr val="accent1"/>
+              </a:fillRef>
+              <a:effectRef idx="0">
+                <a:schemeClr val="accent1"/>
+              </a:effectRef>
+              <a:fontRef idx="minor">
+                <a:schemeClr val="lt1"/>
+              </a:fontRef>
+            </p:style>
+            <p:txBody>
+              <a:bodyPr rtlCol="0" anchor="ctr"/>
+              <a:lstStyle/>
+              <a:p>
+                <a:pPr algn="ctr"/>
+                <a14:m>
+                  <m:oMathPara xmlns:m="http://schemas.openxmlformats.org/officeDocument/2006/math">
+                    <m:oMathParaPr>
+                      <m:jc m:val="centerGroup"/>
+                    </m:oMathParaPr>
+                    <m:oMath xmlns:m="http://schemas.openxmlformats.org/officeDocument/2006/math">
+                      <m:func>
+                        <m:funcPr>
+                          <m:ctrlPr>
+                            <a:rPr lang="pt-BR" sz="3200" b="0" i="1" smtClean="0">
+                              <a:solidFill>
+                                <a:schemeClr val="tx1"/>
+                              </a:solidFill>
+                              <a:latin typeface="Cambria Math"/>
+                            </a:rPr>
+                          </m:ctrlPr>
+                        </m:funcPr>
+                        <m:fName>
+                          <m:r>
+                            <m:rPr>
+                              <m:sty m:val="p"/>
+                            </m:rPr>
+                            <a:rPr lang="pt-BR" sz="3200" b="0" i="0" smtClean="0">
+                              <a:solidFill>
+                                <a:schemeClr val="tx1"/>
+                              </a:solidFill>
+                              <a:latin typeface="Cambria Math"/>
+                            </a:rPr>
+                            <m:t>sin</m:t>
+                          </m:r>
+                        </m:fName>
+                        <m:e>
+                          <m:r>
+                            <a:rPr lang="pt-BR" sz="3200" i="1">
+                              <a:solidFill>
+                                <a:schemeClr val="tx1"/>
+                              </a:solidFill>
+                              <a:latin typeface="Cambria Math"/>
+                            </a:rPr>
+                            <m:t>𝜔</m:t>
+                          </m:r>
+                          <m:r>
+                            <a:rPr lang="pt-BR" sz="3200" i="1">
+                              <a:solidFill>
+                                <a:schemeClr val="tx1"/>
+                              </a:solidFill>
+                              <a:latin typeface="Cambria Math"/>
+                            </a:rPr>
+                            <m:t>𝑡</m:t>
+                          </m:r>
+                        </m:e>
+                      </m:func>
+                    </m:oMath>
+                  </m:oMathPara>
+                </a14:m>
+                <a:endParaRPr lang="pt-BR" sz="3200" dirty="0">
+                  <a:solidFill>
+                    <a:schemeClr val="tx1"/>
+                  </a:solidFill>
+                </a:endParaRPr>
+              </a:p>
+            </p:txBody>
+          </p:sp>
+        </mc:Choice>
+        <mc:Fallback>
+          <p:sp>
+            <p:nvSpPr>
+              <p:cNvPr id="2" name="Retângulo 1"/>
+              <p:cNvSpPr>
+                <a:spLocks noRot="1" noChangeAspect="1" noMove="1" noResize="1" noEditPoints="1" noAdjustHandles="1" noChangeArrowheads="1" noChangeShapeType="1" noTextEdit="1"/>
+              </p:cNvSpPr>
+              <p:nvPr/>
+            </p:nvSpPr>
+            <p:spPr>
+              <a:xfrm>
+                <a:off x="958283" y="1236051"/>
+                <a:ext cx="3078119" cy="720000"/>
+              </a:xfrm>
+              <a:prstGeom prst="rect">
+                <a:avLst/>
+              </a:prstGeom>
+              <a:blipFill rotWithShape="1">
+                <a:blip r:embed="rId2"/>
+                <a:stretch>
+                  <a:fillRect/>
+                </a:stretch>
+              </a:blipFill>
+              <a:ln w="57150">
+                <a:solidFill>
+                  <a:schemeClr val="tx1"/>
+                </a:solidFill>
+              </a:ln>
+            </p:spPr>
+            <p:txBody>
+              <a:bodyPr/>
+              <a:lstStyle/>
+              <a:p>
+                <a:r>
+                  <a:rPr lang="pt-BR">
+                    <a:noFill/>
+                  </a:rPr>
+                  <a:t> </a:t>
+                </a:r>
+              </a:p>
+            </p:txBody>
+          </p:sp>
+        </mc:Fallback>
+      </mc:AlternateContent>
+      <mc:AlternateContent xmlns:mc="http://schemas.openxmlformats.org/markup-compatibility/2006">
+        <mc:Choice xmlns:a14="http://schemas.microsoft.com/office/drawing/2010/main" Requires="a14">
+          <p:sp>
+            <p:nvSpPr>
+              <p:cNvPr id="3" name="Retângulo 2"/>
+              <p:cNvSpPr/>
+              <p:nvPr/>
+            </p:nvSpPr>
+            <p:spPr>
+              <a:xfrm>
+                <a:off x="958284" y="4568084"/>
+                <a:ext cx="3078120" cy="720000"/>
+              </a:xfrm>
+              <a:prstGeom prst="rect">
+                <a:avLst/>
+              </a:prstGeom>
+              <a:noFill/>
+              <a:ln w="57150">
+                <a:solidFill>
+                  <a:schemeClr val="tx1"/>
+                </a:solidFill>
+              </a:ln>
+            </p:spPr>
+            <p:style>
+              <a:lnRef idx="2">
+                <a:schemeClr val="accent1">
+                  <a:shade val="50000"/>
+                </a:schemeClr>
+              </a:lnRef>
+              <a:fillRef idx="1">
+                <a:schemeClr val="accent1"/>
+              </a:fillRef>
+              <a:effectRef idx="0">
+                <a:schemeClr val="accent1"/>
+              </a:effectRef>
+              <a:fontRef idx="minor">
+                <a:schemeClr val="lt1"/>
+              </a:fontRef>
+            </p:style>
+            <p:txBody>
+              <a:bodyPr rtlCol="0" anchor="ctr"/>
+              <a:lstStyle/>
+              <a:p>
+                <a:pPr algn="ctr"/>
+                <a14:m>
+                  <m:oMathPara xmlns:m="http://schemas.openxmlformats.org/officeDocument/2006/math">
+                    <m:oMathParaPr>
+                      <m:jc m:val="centerGroup"/>
+                    </m:oMathParaPr>
+                    <m:oMath xmlns:m="http://schemas.openxmlformats.org/officeDocument/2006/math">
+                      <m:func>
+                        <m:funcPr>
+                          <m:ctrlPr>
+                            <a:rPr lang="pt-BR" sz="3200" b="0" i="1" smtClean="0">
+                              <a:solidFill>
+                                <a:schemeClr val="tx1"/>
+                              </a:solidFill>
+                              <a:latin typeface="Cambria Math"/>
+                            </a:rPr>
+                          </m:ctrlPr>
+                        </m:funcPr>
+                        <m:fName>
+                          <m:r>
+                            <m:rPr>
+                              <m:sty m:val="p"/>
+                            </m:rPr>
+                            <a:rPr lang="pt-BR" sz="3200" b="0" i="0" smtClean="0">
+                              <a:solidFill>
+                                <a:schemeClr val="tx1"/>
+                              </a:solidFill>
+                              <a:latin typeface="Cambria Math"/>
+                            </a:rPr>
+                            <m:t>sin</m:t>
+                          </m:r>
+                        </m:fName>
+                        <m:e>
+                          <m:r>
+                            <a:rPr lang="pt-BR" sz="3200" b="0" i="1" smtClean="0">
+                              <a:solidFill>
+                                <a:schemeClr val="tx1"/>
+                              </a:solidFill>
+                              <a:latin typeface="Cambria Math"/>
+                            </a:rPr>
+                            <m:t>(</m:t>
+                          </m:r>
+                          <m:r>
+                            <a:rPr lang="pt-BR" sz="3200" b="0" i="1" smtClean="0">
+                              <a:solidFill>
+                                <a:schemeClr val="tx1"/>
+                              </a:solidFill>
+                              <a:latin typeface="Cambria Math"/>
+                            </a:rPr>
+                            <m:t>𝜔</m:t>
+                          </m:r>
+                          <m:r>
+                            <a:rPr lang="pt-BR" sz="3200" b="0" i="1" smtClean="0">
+                              <a:solidFill>
+                                <a:schemeClr val="tx1"/>
+                              </a:solidFill>
+                              <a:latin typeface="Cambria Math"/>
+                            </a:rPr>
+                            <m:t>𝑡</m:t>
+                          </m:r>
+                          <m:r>
+                            <a:rPr lang="pt-BR" sz="3200" b="0" i="1" smtClean="0">
+                              <a:solidFill>
+                                <a:schemeClr val="tx1"/>
+                              </a:solidFill>
+                              <a:latin typeface="Cambria Math"/>
+                            </a:rPr>
+                            <m:t>+</m:t>
+                          </m:r>
+                          <m:f>
+                            <m:fPr>
+                              <m:type m:val="lin"/>
+                              <m:ctrlPr>
+                                <a:rPr lang="pt-BR" sz="3200" b="0" i="1" smtClean="0">
+                                  <a:solidFill>
+                                    <a:schemeClr val="tx1"/>
+                                  </a:solidFill>
+                                  <a:latin typeface="Cambria Math"/>
+                                </a:rPr>
+                              </m:ctrlPr>
+                            </m:fPr>
+                            <m:num>
+                              <m:r>
+                                <a:rPr lang="pt-BR" sz="3200" b="0" i="1" smtClean="0">
+                                  <a:solidFill>
+                                    <a:schemeClr val="tx1"/>
+                                  </a:solidFill>
+                                  <a:latin typeface="Cambria Math"/>
+                                </a:rPr>
+                                <m:t>2</m:t>
+                              </m:r>
+                              <m:r>
+                                <a:rPr lang="pt-BR" sz="3200" b="0" i="1" smtClean="0">
+                                  <a:solidFill>
+                                    <a:schemeClr val="tx1"/>
+                                  </a:solidFill>
+                                  <a:latin typeface="Cambria Math"/>
+                                </a:rPr>
+                                <m:t>𝜋</m:t>
+                              </m:r>
+                            </m:num>
+                            <m:den>
+                              <m:r>
+                                <a:rPr lang="pt-BR" sz="3200" b="0" i="1" smtClean="0">
+                                  <a:solidFill>
+                                    <a:schemeClr val="tx1"/>
+                                  </a:solidFill>
+                                  <a:latin typeface="Cambria Math"/>
+                                </a:rPr>
+                                <m:t>3</m:t>
+                              </m:r>
+                            </m:den>
+                          </m:f>
+                          <m:r>
+                            <a:rPr lang="pt-BR" sz="3200" b="0" i="1" smtClean="0">
+                              <a:solidFill>
+                                <a:schemeClr val="tx1"/>
+                              </a:solidFill>
+                              <a:latin typeface="Cambria Math"/>
+                            </a:rPr>
+                            <m:t>)</m:t>
+                          </m:r>
+                        </m:e>
+                      </m:func>
+                    </m:oMath>
+                  </m:oMathPara>
+                </a14:m>
+                <a:endParaRPr lang="pt-BR" sz="3200" dirty="0">
+                  <a:solidFill>
+                    <a:schemeClr val="tx1"/>
+                  </a:solidFill>
+                </a:endParaRPr>
+              </a:p>
+            </p:txBody>
+          </p:sp>
+        </mc:Choice>
+        <mc:Fallback>
+          <p:sp>
+            <p:nvSpPr>
+              <p:cNvPr id="3" name="Retângulo 2"/>
+              <p:cNvSpPr>
+                <a:spLocks noRot="1" noChangeAspect="1" noMove="1" noResize="1" noEditPoints="1" noAdjustHandles="1" noChangeArrowheads="1" noChangeShapeType="1" noTextEdit="1"/>
+              </p:cNvSpPr>
+              <p:nvPr/>
+            </p:nvSpPr>
+            <p:spPr>
+              <a:xfrm>
+                <a:off x="958284" y="4568084"/>
+                <a:ext cx="3078120" cy="720000"/>
+              </a:xfrm>
+              <a:prstGeom prst="rect">
+                <a:avLst/>
+              </a:prstGeom>
+              <a:blipFill rotWithShape="1">
+                <a:blip r:embed="rId3"/>
+                <a:stretch>
+                  <a:fillRect/>
+                </a:stretch>
+              </a:blipFill>
+              <a:ln w="57150">
+                <a:solidFill>
+                  <a:schemeClr val="tx1"/>
+                </a:solidFill>
+              </a:ln>
+            </p:spPr>
+            <p:txBody>
+              <a:bodyPr/>
+              <a:lstStyle/>
+              <a:p>
+                <a:r>
+                  <a:rPr lang="pt-BR">
+                    <a:noFill/>
+                  </a:rPr>
+                  <a:t> </a:t>
+                </a:r>
+              </a:p>
+            </p:txBody>
+          </p:sp>
+        </mc:Fallback>
+      </mc:AlternateContent>
+      <mc:AlternateContent xmlns:mc="http://schemas.openxmlformats.org/markup-compatibility/2006">
+        <mc:Choice xmlns:a14="http://schemas.microsoft.com/office/drawing/2010/main" Requires="a14">
+          <p:sp>
+            <p:nvSpPr>
+              <p:cNvPr id="4" name="Retângulo 3"/>
+              <p:cNvSpPr/>
+              <p:nvPr/>
+            </p:nvSpPr>
+            <p:spPr>
+              <a:xfrm>
+                <a:off x="6753942" y="4568084"/>
+                <a:ext cx="3078120" cy="720000"/>
+              </a:xfrm>
+              <a:prstGeom prst="rect">
+                <a:avLst/>
+              </a:prstGeom>
+              <a:noFill/>
+              <a:ln w="57150">
+                <a:solidFill>
+                  <a:schemeClr val="tx1"/>
+                </a:solidFill>
+              </a:ln>
+            </p:spPr>
+            <p:style>
+              <a:lnRef idx="2">
+                <a:schemeClr val="accent1">
+                  <a:shade val="50000"/>
+                </a:schemeClr>
+              </a:lnRef>
+              <a:fillRef idx="1">
+                <a:schemeClr val="accent1"/>
+              </a:fillRef>
+              <a:effectRef idx="0">
+                <a:schemeClr val="accent1"/>
+              </a:effectRef>
+              <a:fontRef idx="minor">
+                <a:schemeClr val="lt1"/>
+              </a:fontRef>
+            </p:style>
+            <p:txBody>
+              <a:bodyPr rtlCol="0" anchor="ctr"/>
+              <a:lstStyle/>
+              <a:p>
+                <a:pPr algn="ctr"/>
+                <a14:m>
+                  <m:oMathPara xmlns:m="http://schemas.openxmlformats.org/officeDocument/2006/math">
+                    <m:oMathParaPr>
+                      <m:jc m:val="centerGroup"/>
+                    </m:oMathParaPr>
+                    <m:oMath xmlns:m="http://schemas.openxmlformats.org/officeDocument/2006/math">
+                      <m:func>
+                        <m:funcPr>
+                          <m:ctrlPr>
+                            <a:rPr lang="pt-BR" sz="3200" b="0" i="1" smtClean="0">
+                              <a:solidFill>
+                                <a:schemeClr val="tx1"/>
+                              </a:solidFill>
+                              <a:latin typeface="Cambria Math"/>
+                            </a:rPr>
+                          </m:ctrlPr>
+                        </m:funcPr>
+                        <m:fName>
+                          <m:r>
+                            <a:rPr lang="pt-BR" sz="3200" b="0" i="0" smtClean="0">
+                              <a:solidFill>
+                                <a:schemeClr val="tx1"/>
+                              </a:solidFill>
+                              <a:latin typeface="Cambria Math"/>
+                            </a:rPr>
+                            <m:t>−</m:t>
+                          </m:r>
+                          <m:r>
+                            <m:rPr>
+                              <m:sty m:val="p"/>
+                            </m:rPr>
+                            <a:rPr lang="pt-BR" sz="3200" b="0" i="0" smtClean="0">
+                              <a:solidFill>
+                                <a:schemeClr val="tx1"/>
+                              </a:solidFill>
+                              <a:latin typeface="Cambria Math"/>
+                            </a:rPr>
+                            <m:t>cos</m:t>
+                          </m:r>
+                        </m:fName>
+                        <m:e>
+                          <m:r>
+                            <a:rPr lang="pt-BR" sz="3200" b="0" i="1" smtClean="0">
+                              <a:solidFill>
+                                <a:schemeClr val="tx1"/>
+                              </a:solidFill>
+                              <a:latin typeface="Cambria Math"/>
+                            </a:rPr>
+                            <m:t>(</m:t>
+                          </m:r>
+                          <m:r>
+                            <a:rPr lang="pt-BR" sz="3200" b="0" i="1" smtClean="0">
+                              <a:solidFill>
+                                <a:schemeClr val="tx1"/>
+                              </a:solidFill>
+                              <a:latin typeface="Cambria Math"/>
+                            </a:rPr>
+                            <m:t>𝜔</m:t>
+                          </m:r>
+                          <m:r>
+                            <a:rPr lang="pt-BR" sz="3200" b="0" i="1" smtClean="0">
+                              <a:solidFill>
+                                <a:schemeClr val="tx1"/>
+                              </a:solidFill>
+                              <a:latin typeface="Cambria Math"/>
+                            </a:rPr>
+                            <m:t>𝑡</m:t>
+                          </m:r>
+                          <m:r>
+                            <a:rPr lang="pt-BR" sz="3200" b="0" i="1" smtClean="0">
+                              <a:solidFill>
+                                <a:schemeClr val="tx1"/>
+                              </a:solidFill>
+                              <a:latin typeface="Cambria Math"/>
+                            </a:rPr>
+                            <m:t>−</m:t>
+                          </m:r>
+                          <m:f>
+                            <m:fPr>
+                              <m:type m:val="lin"/>
+                              <m:ctrlPr>
+                                <a:rPr lang="pt-BR" sz="3200" b="0" i="1" smtClean="0">
+                                  <a:solidFill>
+                                    <a:schemeClr val="tx1"/>
+                                  </a:solidFill>
+                                  <a:latin typeface="Cambria Math"/>
+                                </a:rPr>
+                              </m:ctrlPr>
+                            </m:fPr>
+                            <m:num>
+                              <m:r>
+                                <a:rPr lang="pt-BR" sz="3200" b="0" i="1" smtClean="0">
+                                  <a:solidFill>
+                                    <a:schemeClr val="tx1"/>
+                                  </a:solidFill>
+                                  <a:latin typeface="Cambria Math"/>
+                                </a:rPr>
+                                <m:t>𝜋</m:t>
+                              </m:r>
+                            </m:num>
+                            <m:den>
+                              <m:r>
+                                <a:rPr lang="pt-BR" sz="3200" b="0" i="1" smtClean="0">
+                                  <a:solidFill>
+                                    <a:schemeClr val="tx1"/>
+                                  </a:solidFill>
+                                  <a:latin typeface="Cambria Math"/>
+                                </a:rPr>
+                                <m:t>2</m:t>
+                              </m:r>
+                            </m:den>
+                          </m:f>
+                          <m:r>
+                            <a:rPr lang="pt-BR" sz="3200" b="0" i="1" smtClean="0">
+                              <a:solidFill>
+                                <a:schemeClr val="tx1"/>
+                              </a:solidFill>
+                              <a:latin typeface="Cambria Math"/>
+                            </a:rPr>
+                            <m:t>)</m:t>
+                          </m:r>
+                        </m:e>
+                      </m:func>
+                    </m:oMath>
+                  </m:oMathPara>
+                </a14:m>
+                <a:endParaRPr lang="pt-BR" sz="3200" dirty="0">
+                  <a:solidFill>
+                    <a:schemeClr val="tx1"/>
+                  </a:solidFill>
+                </a:endParaRPr>
+              </a:p>
+            </p:txBody>
+          </p:sp>
+        </mc:Choice>
+        <mc:Fallback>
+          <p:sp>
+            <p:nvSpPr>
+              <p:cNvPr id="4" name="Retângulo 3"/>
+              <p:cNvSpPr>
+                <a:spLocks noRot="1" noChangeAspect="1" noMove="1" noResize="1" noEditPoints="1" noAdjustHandles="1" noChangeArrowheads="1" noChangeShapeType="1" noTextEdit="1"/>
+              </p:cNvSpPr>
+              <p:nvPr/>
+            </p:nvSpPr>
+            <p:spPr>
+              <a:xfrm>
+                <a:off x="6753942" y="4568084"/>
+                <a:ext cx="3078120" cy="720000"/>
+              </a:xfrm>
+              <a:prstGeom prst="rect">
+                <a:avLst/>
+              </a:prstGeom>
+              <a:blipFill rotWithShape="1">
+                <a:blip r:embed="rId4"/>
+                <a:stretch>
+                  <a:fillRect/>
+                </a:stretch>
+              </a:blipFill>
+              <a:ln w="57150">
+                <a:solidFill>
+                  <a:schemeClr val="tx1"/>
+                </a:solidFill>
+              </a:ln>
+            </p:spPr>
+            <p:txBody>
+              <a:bodyPr/>
+              <a:lstStyle/>
+              <a:p>
+                <a:r>
+                  <a:rPr lang="pt-BR">
+                    <a:noFill/>
+                  </a:rPr>
+                  <a:t> </a:t>
+                </a:r>
+              </a:p>
+            </p:txBody>
+          </p:sp>
+        </mc:Fallback>
+      </mc:AlternateContent>
+      <mc:AlternateContent xmlns:mc="http://schemas.openxmlformats.org/markup-compatibility/2006">
+        <mc:Choice xmlns:a14="http://schemas.microsoft.com/office/drawing/2010/main" Requires="a14">
+          <p:sp>
+            <p:nvSpPr>
+              <p:cNvPr id="5" name="Retângulo 4"/>
+              <p:cNvSpPr/>
+              <p:nvPr/>
+            </p:nvSpPr>
+            <p:spPr>
+              <a:xfrm>
+                <a:off x="6753942" y="1234580"/>
+                <a:ext cx="3078120" cy="720000"/>
+              </a:xfrm>
+              <a:prstGeom prst="rect">
+                <a:avLst/>
+              </a:prstGeom>
+              <a:noFill/>
+              <a:ln w="57150">
+                <a:solidFill>
+                  <a:schemeClr val="tx1"/>
+                </a:solidFill>
+              </a:ln>
+            </p:spPr>
+            <p:style>
+              <a:lnRef idx="2">
+                <a:schemeClr val="accent1">
+                  <a:shade val="50000"/>
+                </a:schemeClr>
+              </a:lnRef>
+              <a:fillRef idx="1">
+                <a:schemeClr val="accent1"/>
+              </a:fillRef>
+              <a:effectRef idx="0">
+                <a:schemeClr val="accent1"/>
+              </a:effectRef>
+              <a:fontRef idx="minor">
+                <a:schemeClr val="lt1"/>
+              </a:fontRef>
+            </p:style>
+            <p:txBody>
+              <a:bodyPr rtlCol="0" anchor="ctr"/>
+              <a:lstStyle/>
+              <a:p>
+                <a:pPr algn="ctr"/>
+                <a14:m>
+                  <m:oMathPara xmlns:m="http://schemas.openxmlformats.org/officeDocument/2006/math">
+                    <m:oMathParaPr>
+                      <m:jc m:val="centerGroup"/>
+                    </m:oMathParaPr>
+                    <m:oMath xmlns:m="http://schemas.openxmlformats.org/officeDocument/2006/math">
+                      <m:func>
+                        <m:funcPr>
+                          <m:ctrlPr>
+                            <a:rPr lang="pt-BR" sz="3200" b="0" i="1" smtClean="0">
+                              <a:solidFill>
+                                <a:schemeClr val="tx1"/>
+                              </a:solidFill>
+                              <a:latin typeface="Cambria Math"/>
+                            </a:rPr>
+                          </m:ctrlPr>
+                        </m:funcPr>
+                        <m:fName>
+                          <m:r>
+                            <m:rPr>
+                              <m:sty m:val="p"/>
+                            </m:rPr>
+                            <a:rPr lang="pt-BR" sz="3200" b="0" i="0" smtClean="0">
+                              <a:solidFill>
+                                <a:schemeClr val="tx1"/>
+                              </a:solidFill>
+                              <a:latin typeface="Cambria Math"/>
+                            </a:rPr>
+                            <m:t>sin</m:t>
+                          </m:r>
+                        </m:fName>
+                        <m:e>
+                          <m:r>
+                            <a:rPr lang="pt-BR" sz="3200" b="0" i="1" smtClean="0">
+                              <a:solidFill>
+                                <a:schemeClr val="tx1"/>
+                              </a:solidFill>
+                              <a:latin typeface="Cambria Math"/>
+                            </a:rPr>
+                            <m:t>(</m:t>
+                          </m:r>
+                          <m:r>
+                            <a:rPr lang="pt-BR" sz="3200" b="0" i="1" smtClean="0">
+                              <a:solidFill>
+                                <a:schemeClr val="tx1"/>
+                              </a:solidFill>
+                              <a:latin typeface="Cambria Math"/>
+                            </a:rPr>
+                            <m:t>𝜔</m:t>
+                          </m:r>
+                          <m:r>
+                            <a:rPr lang="pt-BR" sz="3200" b="0" i="1" smtClean="0">
+                              <a:solidFill>
+                                <a:schemeClr val="tx1"/>
+                              </a:solidFill>
+                              <a:latin typeface="Cambria Math"/>
+                            </a:rPr>
+                            <m:t>𝑡</m:t>
+                          </m:r>
+                          <m:r>
+                            <a:rPr lang="pt-BR" sz="3200" b="0" i="1" smtClean="0">
+                              <a:solidFill>
+                                <a:schemeClr val="tx1"/>
+                              </a:solidFill>
+                              <a:latin typeface="Cambria Math"/>
+                            </a:rPr>
+                            <m:t>−</m:t>
+                          </m:r>
+                          <m:f>
+                            <m:fPr>
+                              <m:type m:val="lin"/>
+                              <m:ctrlPr>
+                                <a:rPr lang="pt-BR" sz="3200" b="0" i="1" smtClean="0">
+                                  <a:solidFill>
+                                    <a:schemeClr val="tx1"/>
+                                  </a:solidFill>
+                                  <a:latin typeface="Cambria Math"/>
+                                </a:rPr>
+                              </m:ctrlPr>
+                            </m:fPr>
+                            <m:num>
+                              <m:r>
+                                <a:rPr lang="pt-BR" sz="3200" b="0" i="1" smtClean="0">
+                                  <a:solidFill>
+                                    <a:schemeClr val="tx1"/>
+                                  </a:solidFill>
+                                  <a:latin typeface="Cambria Math"/>
+                                </a:rPr>
+                                <m:t>𝜋</m:t>
+                              </m:r>
+                            </m:num>
+                            <m:den>
+                              <m:r>
+                                <a:rPr lang="pt-BR" sz="3200" b="0" i="1" smtClean="0">
+                                  <a:solidFill>
+                                    <a:schemeClr val="tx1"/>
+                                  </a:solidFill>
+                                  <a:latin typeface="Cambria Math"/>
+                                </a:rPr>
+                                <m:t>2</m:t>
+                              </m:r>
+                            </m:den>
+                          </m:f>
+                          <m:r>
+                            <a:rPr lang="pt-BR" sz="3200" b="0" i="1" smtClean="0">
+                              <a:solidFill>
+                                <a:schemeClr val="tx1"/>
+                              </a:solidFill>
+                              <a:latin typeface="Cambria Math"/>
+                            </a:rPr>
+                            <m:t>)</m:t>
+                          </m:r>
+                        </m:e>
+                      </m:func>
+                    </m:oMath>
+                  </m:oMathPara>
+                </a14:m>
+                <a:endParaRPr lang="pt-BR" sz="3200" dirty="0">
+                  <a:solidFill>
+                    <a:schemeClr val="tx1"/>
+                  </a:solidFill>
+                </a:endParaRPr>
+              </a:p>
+            </p:txBody>
+          </p:sp>
+        </mc:Choice>
+        <mc:Fallback>
+          <p:sp>
+            <p:nvSpPr>
+              <p:cNvPr id="5" name="Retângulo 4"/>
+              <p:cNvSpPr>
+                <a:spLocks noRot="1" noChangeAspect="1" noMove="1" noResize="1" noEditPoints="1" noAdjustHandles="1" noChangeArrowheads="1" noChangeShapeType="1" noTextEdit="1"/>
+              </p:cNvSpPr>
+              <p:nvPr/>
+            </p:nvSpPr>
+            <p:spPr>
+              <a:xfrm>
+                <a:off x="6753942" y="1234580"/>
+                <a:ext cx="3078120" cy="720000"/>
+              </a:xfrm>
+              <a:prstGeom prst="rect">
+                <a:avLst/>
+              </a:prstGeom>
+              <a:blipFill rotWithShape="1">
+                <a:blip r:embed="rId5"/>
+                <a:stretch>
+                  <a:fillRect/>
+                </a:stretch>
+              </a:blipFill>
+              <a:ln w="57150">
+                <a:solidFill>
+                  <a:schemeClr val="tx1"/>
+                </a:solidFill>
+              </a:ln>
+            </p:spPr>
+            <p:txBody>
+              <a:bodyPr/>
+              <a:lstStyle/>
+              <a:p>
+                <a:r>
+                  <a:rPr lang="pt-BR">
+                    <a:noFill/>
+                  </a:rPr>
+                  <a:t> </a:t>
+                </a:r>
+              </a:p>
+            </p:txBody>
+          </p:sp>
+        </mc:Fallback>
+      </mc:AlternateContent>
+      <mc:AlternateContent xmlns:mc="http://schemas.openxmlformats.org/markup-compatibility/2006">
+        <mc:Choice xmlns:a14="http://schemas.microsoft.com/office/drawing/2010/main" Requires="a14">
+          <p:sp>
+            <p:nvSpPr>
+              <p:cNvPr id="6" name="Retângulo 5"/>
+              <p:cNvSpPr/>
+              <p:nvPr/>
+            </p:nvSpPr>
+            <p:spPr>
+              <a:xfrm>
+                <a:off x="4468994" y="2754638"/>
+                <a:ext cx="992796" cy="1052249"/>
+              </a:xfrm>
+              <a:prstGeom prst="rect">
+                <a:avLst/>
+              </a:prstGeom>
+              <a:noFill/>
+              <a:ln w="57150">
+                <a:solidFill>
+                  <a:schemeClr val="tx1"/>
+                </a:solidFill>
+              </a:ln>
+            </p:spPr>
+            <p:style>
+              <a:lnRef idx="2">
+                <a:schemeClr val="accent1">
+                  <a:shade val="50000"/>
+                </a:schemeClr>
+              </a:lnRef>
+              <a:fillRef idx="1">
+                <a:schemeClr val="accent1"/>
+              </a:fillRef>
+              <a:effectRef idx="0">
+                <a:schemeClr val="accent1"/>
+              </a:effectRef>
+              <a:fontRef idx="minor">
+                <a:schemeClr val="lt1"/>
+              </a:fontRef>
+            </p:style>
+            <p:txBody>
+              <a:bodyPr rtlCol="0" anchor="ctr"/>
+              <a:lstStyle/>
+              <a:p>
+                <a:pPr algn="ctr"/>
+                <a14:m>
+                  <m:oMathPara xmlns:m="http://schemas.openxmlformats.org/officeDocument/2006/math">
+                    <m:oMathParaPr>
+                      <m:jc m:val="center"/>
+                    </m:oMathParaPr>
+                    <m:oMath xmlns:m="http://schemas.openxmlformats.org/officeDocument/2006/math">
+                      <m:f>
+                        <m:fPr>
+                          <m:ctrlPr>
+                            <a:rPr lang="pt-BR" sz="3200" b="0" i="1" smtClean="0">
+                              <a:solidFill>
+                                <a:schemeClr val="tx1"/>
+                              </a:solidFill>
+                              <a:latin typeface="Cambria Math"/>
+                            </a:rPr>
+                          </m:ctrlPr>
+                        </m:fPr>
+                        <m:num>
+                          <m:r>
+                            <a:rPr lang="pt-BR" sz="3200" b="0" i="1" smtClean="0">
+                              <a:solidFill>
+                                <a:schemeClr val="tx1"/>
+                              </a:solidFill>
+                              <a:latin typeface="Cambria Math"/>
+                            </a:rPr>
+                            <m:t>1</m:t>
+                          </m:r>
+                        </m:num>
+                        <m:den>
+                          <m:r>
+                            <a:rPr lang="pt-BR" sz="3200" b="0" i="1" smtClean="0">
+                              <a:solidFill>
+                                <a:schemeClr val="tx1"/>
+                              </a:solidFill>
+                              <a:latin typeface="Cambria Math"/>
+                            </a:rPr>
+                            <m:t>𝑠</m:t>
+                          </m:r>
+                        </m:den>
+                      </m:f>
+                    </m:oMath>
+                  </m:oMathPara>
+                </a14:m>
+                <a:endParaRPr lang="pt-BR" sz="3200" dirty="0">
+                  <a:solidFill>
+                    <a:schemeClr val="tx1"/>
+                  </a:solidFill>
+                </a:endParaRPr>
+              </a:p>
+            </p:txBody>
+          </p:sp>
+        </mc:Choice>
+        <mc:Fallback>
+          <p:sp>
+            <p:nvSpPr>
+              <p:cNvPr id="6" name="Retângulo 5"/>
+              <p:cNvSpPr>
+                <a:spLocks noRot="1" noChangeAspect="1" noMove="1" noResize="1" noEditPoints="1" noAdjustHandles="1" noChangeArrowheads="1" noChangeShapeType="1" noTextEdit="1"/>
+              </p:cNvSpPr>
+              <p:nvPr/>
+            </p:nvSpPr>
+            <p:spPr>
+              <a:xfrm>
+                <a:off x="4468994" y="2754638"/>
+                <a:ext cx="992796" cy="1052249"/>
+              </a:xfrm>
+              <a:prstGeom prst="rect">
+                <a:avLst/>
+              </a:prstGeom>
+              <a:blipFill rotWithShape="1">
+                <a:blip r:embed="rId6"/>
+                <a:stretch>
+                  <a:fillRect/>
+                </a:stretch>
+              </a:blipFill>
+              <a:ln w="57150">
+                <a:solidFill>
+                  <a:schemeClr val="tx1"/>
+                </a:solidFill>
+              </a:ln>
+            </p:spPr>
+            <p:txBody>
+              <a:bodyPr/>
+              <a:lstStyle/>
+              <a:p>
+                <a:r>
+                  <a:rPr lang="pt-BR">
+                    <a:noFill/>
+                  </a:rPr>
+                  <a:t> </a:t>
+                </a:r>
+              </a:p>
+            </p:txBody>
+          </p:sp>
+        </mc:Fallback>
+      </mc:AlternateContent>
+      <p:sp>
+        <p:nvSpPr>
+          <p:cNvPr id="7" name="Retângulo 6"/>
+          <p:cNvSpPr/>
+          <p:nvPr/>
+        </p:nvSpPr>
+        <p:spPr>
+          <a:xfrm>
+            <a:off x="958284" y="2754639"/>
+            <a:ext cx="2586068" cy="1052249"/>
+          </a:xfrm>
+          <a:prstGeom prst="rect">
+            <a:avLst/>
+          </a:prstGeom>
+          <a:noFill/>
+          <a:ln w="57150">
+            <a:solidFill>
+              <a:schemeClr val="tx1"/>
+            </a:solidFill>
+          </a:ln>
+        </p:spPr>
+        <p:style>
+          <a:lnRef idx="2">
+            <a:schemeClr val="accent1">
+              <a:shade val="50000"/>
+            </a:schemeClr>
+          </a:lnRef>
+          <a:fillRef idx="1">
+            <a:schemeClr val="accent1"/>
+          </a:fillRef>
+          <a:effectRef idx="0">
+            <a:schemeClr val="accent1"/>
+          </a:effectRef>
+          <a:fontRef idx="minor">
+            <a:schemeClr val="lt1"/>
+          </a:fontRef>
+        </p:style>
+        <p:txBody>
+          <a:bodyPr rtlCol="0" anchor="ctr"/>
+          <a:lstStyle/>
+          <a:p>
+            <a:pPr algn="ctr"/>
+            <a:r>
+              <a:rPr lang="pt-BR" sz="3200" dirty="0" smtClean="0">
+                <a:solidFill>
+                  <a:schemeClr val="tx1"/>
+                </a:solidFill>
+              </a:rPr>
+              <a:t>Controlador PI</a:t>
+            </a:r>
+            <a:endParaRPr lang="pt-BR" sz="3200" dirty="0">
+              <a:solidFill>
+                <a:schemeClr val="tx1"/>
+              </a:solidFill>
+            </a:endParaRPr>
+          </a:p>
+        </p:txBody>
+      </p:sp>
+      <p:sp>
+        <p:nvSpPr>
+          <p:cNvPr id="8" name="Elipse 7"/>
+          <p:cNvSpPr/>
+          <p:nvPr/>
+        </p:nvSpPr>
+        <p:spPr>
+          <a:xfrm>
+            <a:off x="-2011864" y="2145243"/>
+            <a:ext cx="648000" cy="648000"/>
+          </a:xfrm>
+          <a:prstGeom prst="ellipse">
+            <a:avLst/>
+          </a:prstGeom>
+          <a:noFill/>
+          <a:ln w="57150">
+            <a:solidFill>
+              <a:schemeClr val="tx1"/>
+            </a:solidFill>
+          </a:ln>
+        </p:spPr>
+        <p:style>
+          <a:lnRef idx="2">
+            <a:schemeClr val="accent1">
+              <a:shade val="50000"/>
+            </a:schemeClr>
+          </a:lnRef>
+          <a:fillRef idx="1">
+            <a:schemeClr val="accent1"/>
+          </a:fillRef>
+          <a:effectRef idx="0">
+            <a:schemeClr val="accent1"/>
+          </a:effectRef>
+          <a:fontRef idx="minor">
+            <a:schemeClr val="lt1"/>
+          </a:fontRef>
+        </p:style>
+        <p:txBody>
+          <a:bodyPr rtlCol="0" anchor="ctr"/>
+          <a:lstStyle/>
+          <a:p>
+            <a:pPr algn="ctr"/>
+            <a:r>
+              <a:rPr lang="pt-BR" sz="4800" dirty="0" smtClean="0">
+                <a:solidFill>
+                  <a:schemeClr val="tx1"/>
+                </a:solidFill>
+              </a:rPr>
+              <a:t>X</a:t>
+            </a:r>
+            <a:endParaRPr lang="pt-BR" sz="1600" dirty="0">
+              <a:solidFill>
+                <a:schemeClr val="tx1"/>
+              </a:solidFill>
+            </a:endParaRPr>
+          </a:p>
+        </p:txBody>
+      </p:sp>
+      <p:sp>
+        <p:nvSpPr>
+          <p:cNvPr id="9" name="Elipse 8"/>
+          <p:cNvSpPr/>
+          <p:nvPr/>
+        </p:nvSpPr>
+        <p:spPr>
+          <a:xfrm>
+            <a:off x="-2011864" y="3730892"/>
+            <a:ext cx="648000" cy="648000"/>
+          </a:xfrm>
+          <a:prstGeom prst="ellipse">
+            <a:avLst/>
+          </a:prstGeom>
+          <a:noFill/>
+          <a:ln w="57150">
+            <a:solidFill>
+              <a:schemeClr val="tx1"/>
+            </a:solidFill>
+          </a:ln>
+        </p:spPr>
+        <p:style>
+          <a:lnRef idx="2">
+            <a:schemeClr val="accent1">
+              <a:shade val="50000"/>
+            </a:schemeClr>
+          </a:lnRef>
+          <a:fillRef idx="1">
+            <a:schemeClr val="accent1"/>
+          </a:fillRef>
+          <a:effectRef idx="0">
+            <a:schemeClr val="accent1"/>
+          </a:effectRef>
+          <a:fontRef idx="minor">
+            <a:schemeClr val="lt1"/>
+          </a:fontRef>
+        </p:style>
+        <p:txBody>
+          <a:bodyPr rtlCol="0" anchor="ctr"/>
+          <a:lstStyle/>
+          <a:p>
+            <a:pPr algn="ctr"/>
+            <a:r>
+              <a:rPr lang="pt-BR" sz="4800" dirty="0" smtClean="0">
+                <a:solidFill>
+                  <a:schemeClr val="tx1"/>
+                </a:solidFill>
+              </a:rPr>
+              <a:t>X</a:t>
+            </a:r>
+            <a:endParaRPr lang="pt-BR" sz="1600" dirty="0">
+              <a:solidFill>
+                <a:schemeClr val="tx1"/>
+              </a:solidFill>
+            </a:endParaRPr>
+          </a:p>
+        </p:txBody>
+      </p:sp>
+      <mc:AlternateContent xmlns:mc="http://schemas.openxmlformats.org/markup-compatibility/2006">
+        <mc:Choice xmlns:a14="http://schemas.microsoft.com/office/drawing/2010/main" Requires="a14">
+          <p:sp>
+            <p:nvSpPr>
+              <p:cNvPr id="10" name="Elipse 9"/>
+              <p:cNvSpPr/>
+              <p:nvPr/>
+            </p:nvSpPr>
+            <p:spPr>
+              <a:xfrm>
+                <a:off x="-1002577" y="2956764"/>
+                <a:ext cx="648000" cy="648000"/>
+              </a:xfrm>
+              <a:prstGeom prst="ellipse">
+                <a:avLst/>
+              </a:prstGeom>
+              <a:noFill/>
+              <a:ln w="57150">
+                <a:solidFill>
+                  <a:schemeClr val="tx1"/>
+                </a:solidFill>
+              </a:ln>
+            </p:spPr>
+            <p:style>
+              <a:lnRef idx="2">
+                <a:schemeClr val="accent1">
+                  <a:shade val="50000"/>
+                </a:schemeClr>
+              </a:lnRef>
+              <a:fillRef idx="1">
+                <a:schemeClr val="accent1"/>
+              </a:fillRef>
+              <a:effectRef idx="0">
+                <a:schemeClr val="accent1"/>
+              </a:effectRef>
+              <a:fontRef idx="minor">
+                <a:schemeClr val="lt1"/>
+              </a:fontRef>
+            </p:style>
+            <p:txBody>
+              <a:bodyPr rtlCol="0" anchor="ctr"/>
+              <a:lstStyle/>
+              <a:p>
+                <a:pPr algn="ctr"/>
+                <a14:m>
+                  <m:oMathPara xmlns:m="http://schemas.openxmlformats.org/officeDocument/2006/math">
+                    <m:oMathParaPr>
+                      <m:jc m:val="center"/>
+                    </m:oMathParaPr>
+                    <m:oMath xmlns:m="http://schemas.openxmlformats.org/officeDocument/2006/math">
+                      <m:r>
+                        <m:rPr>
+                          <m:sty m:val="p"/>
+                        </m:rPr>
+                        <a:rPr lang="pt-BR" sz="4400" b="0" i="0" smtClean="0">
+                          <a:solidFill>
+                            <a:schemeClr val="tx1"/>
+                          </a:solidFill>
+                          <a:latin typeface="Cambria Math"/>
+                        </a:rPr>
+                        <m:t>Σ</m:t>
+                      </m:r>
+                    </m:oMath>
+                  </m:oMathPara>
+                </a14:m>
+                <a:endParaRPr lang="pt-BR" sz="1600" dirty="0">
+                  <a:solidFill>
+                    <a:schemeClr val="tx1"/>
+                  </a:solidFill>
+                </a:endParaRPr>
+              </a:p>
+            </p:txBody>
+          </p:sp>
+        </mc:Choice>
+        <mc:Fallback>
+          <p:sp>
+            <p:nvSpPr>
+              <p:cNvPr id="10" name="Elipse 9"/>
+              <p:cNvSpPr>
+                <a:spLocks noRot="1" noChangeAspect="1" noMove="1" noResize="1" noEditPoints="1" noAdjustHandles="1" noChangeArrowheads="1" noChangeShapeType="1" noTextEdit="1"/>
+              </p:cNvSpPr>
+              <p:nvPr/>
+            </p:nvSpPr>
+            <p:spPr>
+              <a:xfrm>
+                <a:off x="-1002577" y="2956764"/>
+                <a:ext cx="648000" cy="648000"/>
+              </a:xfrm>
+              <a:prstGeom prst="ellipse">
+                <a:avLst/>
+              </a:prstGeom>
+              <a:blipFill rotWithShape="1">
+                <a:blip r:embed="rId7"/>
+                <a:stretch>
+                  <a:fillRect/>
+                </a:stretch>
+              </a:blipFill>
+              <a:ln w="57150">
+                <a:solidFill>
+                  <a:schemeClr val="tx1"/>
+                </a:solidFill>
+              </a:ln>
+            </p:spPr>
+            <p:txBody>
+              <a:bodyPr/>
+              <a:lstStyle/>
+              <a:p>
+                <a:r>
+                  <a:rPr lang="pt-BR">
+                    <a:noFill/>
+                  </a:rPr>
+                  <a:t> </a:t>
+                </a:r>
+              </a:p>
+            </p:txBody>
+          </p:sp>
+        </mc:Fallback>
+      </mc:AlternateContent>
+      <p:cxnSp>
+        <p:nvCxnSpPr>
+          <p:cNvPr id="17" name="Conector de seta reta 16"/>
+          <p:cNvCxnSpPr>
+            <a:stCxn id="10" idx="6"/>
+            <a:endCxn id="7" idx="1"/>
+          </p:cNvCxnSpPr>
+          <p:nvPr/>
+        </p:nvCxnSpPr>
+        <p:spPr>
+          <a:xfrm>
+            <a:off x="-354577" y="3280764"/>
+            <a:ext cx="1312861" cy="0"/>
+          </a:xfrm>
+          <a:prstGeom prst="straightConnector1">
+            <a:avLst/>
+          </a:prstGeom>
+          <a:noFill/>
+          <a:ln w="57150">
+            <a:solidFill>
+              <a:schemeClr val="tx1"/>
+            </a:solidFill>
+            <a:headEnd type="none" w="med" len="med"/>
+            <a:tailEnd type="arrow" w="med" len="med"/>
+          </a:ln>
+        </p:spPr>
+        <p:style>
+          <a:lnRef idx="2">
+            <a:schemeClr val="accent1">
+              <a:shade val="50000"/>
+            </a:schemeClr>
+          </a:lnRef>
+          <a:fillRef idx="1">
+            <a:schemeClr val="accent1"/>
+          </a:fillRef>
+          <a:effectRef idx="0">
+            <a:schemeClr val="accent1"/>
+          </a:effectRef>
+          <a:fontRef idx="minor">
+            <a:schemeClr val="lt1"/>
+          </a:fontRef>
+        </p:style>
+      </p:cxnSp>
+      <p:cxnSp>
+        <p:nvCxnSpPr>
+          <p:cNvPr id="20" name="Conector de seta reta 19"/>
+          <p:cNvCxnSpPr>
+            <a:stCxn id="7" idx="3"/>
+            <a:endCxn id="6" idx="1"/>
+          </p:cNvCxnSpPr>
+          <p:nvPr/>
+        </p:nvCxnSpPr>
+        <p:spPr>
+          <a:xfrm flipV="1">
+            <a:off x="3544352" y="3280763"/>
+            <a:ext cx="924642" cy="1"/>
+          </a:xfrm>
+          <a:prstGeom prst="straightConnector1">
+            <a:avLst/>
+          </a:prstGeom>
+          <a:noFill/>
+          <a:ln w="57150">
+            <a:solidFill>
+              <a:schemeClr val="tx1"/>
+            </a:solidFill>
+            <a:headEnd type="none" w="med" len="med"/>
+            <a:tailEnd type="arrow" w="med" len="med"/>
+          </a:ln>
+        </p:spPr>
+        <p:style>
+          <a:lnRef idx="2">
+            <a:schemeClr val="accent1">
+              <a:shade val="50000"/>
+            </a:schemeClr>
+          </a:lnRef>
+          <a:fillRef idx="1">
+            <a:schemeClr val="accent1"/>
+          </a:fillRef>
+          <a:effectRef idx="0">
+            <a:schemeClr val="accent1"/>
+          </a:effectRef>
+          <a:fontRef idx="minor">
+            <a:schemeClr val="lt1"/>
+          </a:fontRef>
+        </p:style>
+      </p:cxnSp>
+      <p:cxnSp>
+        <p:nvCxnSpPr>
+          <p:cNvPr id="25" name="Conector de seta reta 24"/>
+          <p:cNvCxnSpPr>
+            <a:stCxn id="3" idx="3"/>
+            <a:endCxn id="4" idx="1"/>
+          </p:cNvCxnSpPr>
+          <p:nvPr/>
+        </p:nvCxnSpPr>
+        <p:spPr>
+          <a:xfrm>
+            <a:off x="4036404" y="4928084"/>
+            <a:ext cx="2717538" cy="0"/>
+          </a:xfrm>
+          <a:prstGeom prst="straightConnector1">
+            <a:avLst/>
+          </a:prstGeom>
+          <a:noFill/>
+          <a:ln w="57150">
+            <a:solidFill>
+              <a:schemeClr val="tx1"/>
+            </a:solidFill>
+            <a:headEnd type="arrow" w="med" len="med"/>
+            <a:tailEnd type="arrow" w="med" len="med"/>
+          </a:ln>
+        </p:spPr>
+        <p:style>
+          <a:lnRef idx="2">
+            <a:schemeClr val="accent1">
+              <a:shade val="50000"/>
+            </a:schemeClr>
+          </a:lnRef>
+          <a:fillRef idx="1">
+            <a:schemeClr val="accent1"/>
+          </a:fillRef>
+          <a:effectRef idx="0">
+            <a:schemeClr val="accent1"/>
+          </a:effectRef>
+          <a:fontRef idx="minor">
+            <a:schemeClr val="lt1"/>
+          </a:fontRef>
+        </p:style>
+      </p:cxnSp>
+      <p:cxnSp>
+        <p:nvCxnSpPr>
+          <p:cNvPr id="28" name="Conector de seta reta 27"/>
+          <p:cNvCxnSpPr>
+            <a:stCxn id="2" idx="3"/>
+            <a:endCxn id="5" idx="1"/>
+          </p:cNvCxnSpPr>
+          <p:nvPr/>
+        </p:nvCxnSpPr>
+        <p:spPr>
+          <a:xfrm flipV="1">
+            <a:off x="4036402" y="1594580"/>
+            <a:ext cx="2717540" cy="1471"/>
+          </a:xfrm>
+          <a:prstGeom prst="straightConnector1">
+            <a:avLst/>
+          </a:prstGeom>
+          <a:noFill/>
+          <a:ln w="57150">
+            <a:solidFill>
+              <a:schemeClr val="tx1"/>
+            </a:solidFill>
+            <a:headEnd type="arrow" w="med" len="med"/>
+            <a:tailEnd type="arrow" w="med" len="med"/>
+          </a:ln>
+        </p:spPr>
+        <p:style>
+          <a:lnRef idx="2">
+            <a:schemeClr val="accent1">
+              <a:shade val="50000"/>
+            </a:schemeClr>
+          </a:lnRef>
+          <a:fillRef idx="1">
+            <a:schemeClr val="accent1"/>
+          </a:fillRef>
+          <a:effectRef idx="0">
+            <a:schemeClr val="accent1"/>
+          </a:effectRef>
+          <a:fontRef idx="minor">
+            <a:schemeClr val="lt1"/>
+          </a:fontRef>
+        </p:style>
+      </p:cxnSp>
+      <p:cxnSp>
+        <p:nvCxnSpPr>
+          <p:cNvPr id="38" name="Conector angulado 37"/>
+          <p:cNvCxnSpPr>
+            <a:stCxn id="2" idx="1"/>
+            <a:endCxn id="8" idx="0"/>
+          </p:cNvCxnSpPr>
+          <p:nvPr/>
+        </p:nvCxnSpPr>
+        <p:spPr>
+          <a:xfrm rot="10800000" flipV="1">
+            <a:off x="-1687863" y="1596051"/>
+            <a:ext cx="2646147" cy="549192"/>
+          </a:xfrm>
+          <a:prstGeom prst="bentConnector2">
+            <a:avLst/>
+          </a:prstGeom>
+          <a:ln w="57150">
+            <a:solidFill>
+              <a:schemeClr val="tx1"/>
+            </a:solidFill>
+            <a:headEnd type="none" w="med" len="med"/>
+            <a:tailEnd type="arrow" w="med" len="med"/>
+          </a:ln>
+        </p:spPr>
+        <p:style>
+          <a:lnRef idx="1">
+            <a:schemeClr val="accent1"/>
+          </a:lnRef>
+          <a:fillRef idx="0">
+            <a:schemeClr val="accent1"/>
+          </a:fillRef>
+          <a:effectRef idx="0">
+            <a:schemeClr val="accent1"/>
+          </a:effectRef>
+          <a:fontRef idx="minor">
+            <a:schemeClr val="tx1"/>
+          </a:fontRef>
+        </p:style>
+      </p:cxnSp>
+      <p:cxnSp>
+        <p:nvCxnSpPr>
+          <p:cNvPr id="47" name="Conector angulado 46"/>
+          <p:cNvCxnSpPr>
+            <a:stCxn id="3" idx="1"/>
+            <a:endCxn id="9" idx="4"/>
+          </p:cNvCxnSpPr>
+          <p:nvPr/>
+        </p:nvCxnSpPr>
+        <p:spPr>
+          <a:xfrm rot="10800000">
+            <a:off x="-1687864" y="4378892"/>
+            <a:ext cx="2646148" cy="549192"/>
+          </a:xfrm>
+          <a:prstGeom prst="bentConnector2">
+            <a:avLst/>
+          </a:prstGeom>
+          <a:ln w="57150">
+            <a:solidFill>
+              <a:schemeClr val="tx1"/>
+            </a:solidFill>
+            <a:headEnd type="none" w="med" len="med"/>
+            <a:tailEnd type="arrow" w="med" len="med"/>
+          </a:ln>
+        </p:spPr>
+        <p:style>
+          <a:lnRef idx="1">
+            <a:schemeClr val="accent1"/>
+          </a:lnRef>
+          <a:fillRef idx="0">
+            <a:schemeClr val="accent1"/>
+          </a:fillRef>
+          <a:effectRef idx="0">
+            <a:schemeClr val="accent1"/>
+          </a:effectRef>
+          <a:fontRef idx="minor">
+            <a:schemeClr val="tx1"/>
+          </a:fontRef>
+        </p:style>
+      </p:cxnSp>
+      <p:cxnSp>
+        <p:nvCxnSpPr>
+          <p:cNvPr id="50" name="Conector angulado 49"/>
+          <p:cNvCxnSpPr>
+            <a:stCxn id="8" idx="6"/>
+            <a:endCxn id="10" idx="0"/>
+          </p:cNvCxnSpPr>
+          <p:nvPr/>
+        </p:nvCxnSpPr>
+        <p:spPr>
+          <a:xfrm>
+            <a:off x="-1363864" y="2469243"/>
+            <a:ext cx="685287" cy="487521"/>
+          </a:xfrm>
+          <a:prstGeom prst="bentConnector2">
+            <a:avLst/>
+          </a:prstGeom>
+          <a:ln w="57150">
+            <a:solidFill>
+              <a:schemeClr val="tx1"/>
+            </a:solidFill>
+            <a:headEnd type="none" w="med" len="med"/>
+            <a:tailEnd type="arrow" w="med" len="med"/>
+          </a:ln>
+        </p:spPr>
+        <p:style>
+          <a:lnRef idx="1">
+            <a:schemeClr val="accent1"/>
+          </a:lnRef>
+          <a:fillRef idx="0">
+            <a:schemeClr val="accent1"/>
+          </a:fillRef>
+          <a:effectRef idx="0">
+            <a:schemeClr val="accent1"/>
+          </a:effectRef>
+          <a:fontRef idx="minor">
+            <a:schemeClr val="tx1"/>
+          </a:fontRef>
+        </p:style>
+      </p:cxnSp>
+      <p:cxnSp>
+        <p:nvCxnSpPr>
+          <p:cNvPr id="53" name="Conector angulado 52"/>
+          <p:cNvCxnSpPr>
+            <a:stCxn id="9" idx="6"/>
+            <a:endCxn id="10" idx="4"/>
+          </p:cNvCxnSpPr>
+          <p:nvPr/>
+        </p:nvCxnSpPr>
+        <p:spPr>
+          <a:xfrm flipV="1">
+            <a:off x="-1363864" y="3604764"/>
+            <a:ext cx="685287" cy="450128"/>
+          </a:xfrm>
+          <a:prstGeom prst="bentConnector2">
+            <a:avLst/>
+          </a:prstGeom>
+          <a:ln w="57150">
+            <a:solidFill>
+              <a:schemeClr val="tx1"/>
+            </a:solidFill>
+            <a:headEnd type="none" w="med" len="med"/>
+            <a:tailEnd type="arrow" w="med" len="med"/>
+          </a:ln>
+        </p:spPr>
+        <p:style>
+          <a:lnRef idx="1">
+            <a:schemeClr val="accent1"/>
+          </a:lnRef>
+          <a:fillRef idx="0">
+            <a:schemeClr val="accent1"/>
+          </a:fillRef>
+          <a:effectRef idx="0">
+            <a:schemeClr val="accent1"/>
+          </a:effectRef>
+          <a:fontRef idx="minor">
+            <a:schemeClr val="tx1"/>
+          </a:fontRef>
+        </p:style>
+      </p:cxnSp>
+      <p:cxnSp>
+        <p:nvCxnSpPr>
+          <p:cNvPr id="59" name="Conector angulado 58"/>
+          <p:cNvCxnSpPr>
+            <a:stCxn id="6" idx="3"/>
+          </p:cNvCxnSpPr>
+          <p:nvPr/>
+        </p:nvCxnSpPr>
+        <p:spPr>
+          <a:xfrm flipV="1">
+            <a:off x="5461790" y="1596051"/>
+            <a:ext cx="560633" cy="1684712"/>
+          </a:xfrm>
+          <a:prstGeom prst="bentConnector2">
+            <a:avLst/>
+          </a:prstGeom>
+          <a:ln w="57150">
+            <a:solidFill>
+              <a:schemeClr val="tx1"/>
+            </a:solidFill>
+          </a:ln>
+        </p:spPr>
+        <p:style>
+          <a:lnRef idx="1">
+            <a:schemeClr val="accent1"/>
+          </a:lnRef>
+          <a:fillRef idx="0">
+            <a:schemeClr val="accent1"/>
+          </a:fillRef>
+          <a:effectRef idx="0">
+            <a:schemeClr val="accent1"/>
+          </a:effectRef>
+          <a:fontRef idx="minor">
+            <a:schemeClr val="tx1"/>
+          </a:fontRef>
+        </p:style>
+      </p:cxnSp>
+      <p:cxnSp>
+        <p:nvCxnSpPr>
+          <p:cNvPr id="63" name="Conector angulado 62"/>
+          <p:cNvCxnSpPr>
+            <a:stCxn id="6" idx="3"/>
+          </p:cNvCxnSpPr>
+          <p:nvPr/>
+        </p:nvCxnSpPr>
+        <p:spPr>
+          <a:xfrm>
+            <a:off x="5461790" y="3280763"/>
+            <a:ext cx="560633" cy="1647321"/>
+          </a:xfrm>
+          <a:prstGeom prst="bentConnector2">
+            <a:avLst/>
+          </a:prstGeom>
+          <a:ln w="57150">
+            <a:solidFill>
+              <a:schemeClr val="tx1"/>
+            </a:solidFill>
+          </a:ln>
+        </p:spPr>
+        <p:style>
+          <a:lnRef idx="1">
+            <a:schemeClr val="accent1"/>
+          </a:lnRef>
+          <a:fillRef idx="0">
+            <a:schemeClr val="accent1"/>
+          </a:fillRef>
+          <a:effectRef idx="0">
+            <a:schemeClr val="accent1"/>
+          </a:effectRef>
+          <a:fontRef idx="minor">
+            <a:schemeClr val="tx1"/>
+          </a:fontRef>
+        </p:style>
+      </p:cxnSp>
+      <p:cxnSp>
+        <p:nvCxnSpPr>
+          <p:cNvPr id="66" name="Conector de seta reta 65"/>
+          <p:cNvCxnSpPr>
+            <a:endCxn id="9" idx="2"/>
+          </p:cNvCxnSpPr>
+          <p:nvPr/>
+        </p:nvCxnSpPr>
+        <p:spPr>
+          <a:xfrm flipV="1">
+            <a:off x="-3078400" y="4054892"/>
+            <a:ext cx="1066536" cy="1"/>
+          </a:xfrm>
+          <a:prstGeom prst="straightConnector1">
+            <a:avLst/>
+          </a:prstGeom>
+          <a:noFill/>
+          <a:ln w="57150">
+            <a:solidFill>
+              <a:schemeClr val="tx1"/>
+            </a:solidFill>
+            <a:headEnd type="none" w="med" len="med"/>
+            <a:tailEnd type="arrow" w="med" len="med"/>
+          </a:ln>
+        </p:spPr>
+        <p:style>
+          <a:lnRef idx="2">
+            <a:schemeClr val="accent1">
+              <a:shade val="50000"/>
+            </a:schemeClr>
+          </a:lnRef>
+          <a:fillRef idx="1">
+            <a:schemeClr val="accent1"/>
+          </a:fillRef>
+          <a:effectRef idx="0">
+            <a:schemeClr val="accent1"/>
+          </a:effectRef>
+          <a:fontRef idx="minor">
+            <a:schemeClr val="lt1"/>
+          </a:fontRef>
+        </p:style>
+      </p:cxnSp>
+      <p:cxnSp>
+        <p:nvCxnSpPr>
+          <p:cNvPr id="68" name="Conector de seta reta 67"/>
+          <p:cNvCxnSpPr>
+            <a:endCxn id="8" idx="2"/>
+          </p:cNvCxnSpPr>
+          <p:nvPr/>
+        </p:nvCxnSpPr>
+        <p:spPr>
+          <a:xfrm>
+            <a:off x="-3078400" y="2469243"/>
+            <a:ext cx="1066536" cy="0"/>
+          </a:xfrm>
+          <a:prstGeom prst="straightConnector1">
+            <a:avLst/>
+          </a:prstGeom>
+          <a:noFill/>
+          <a:ln w="57150">
+            <a:solidFill>
+              <a:schemeClr val="tx1"/>
+            </a:solidFill>
+            <a:headEnd type="none" w="med" len="med"/>
+            <a:tailEnd type="arrow" w="med" len="med"/>
+          </a:ln>
+        </p:spPr>
+        <p:style>
+          <a:lnRef idx="2">
+            <a:schemeClr val="accent1">
+              <a:shade val="50000"/>
+            </a:schemeClr>
+          </a:lnRef>
+          <a:fillRef idx="1">
+            <a:schemeClr val="accent1"/>
+          </a:fillRef>
+          <a:effectRef idx="0">
+            <a:schemeClr val="accent1"/>
+          </a:effectRef>
+          <a:fontRef idx="minor">
+            <a:schemeClr val="lt1"/>
+          </a:fontRef>
+        </p:style>
+      </p:cxnSp>
+      <p:cxnSp>
+        <p:nvCxnSpPr>
+          <p:cNvPr id="74" name="Conector de seta reta 73"/>
+          <p:cNvCxnSpPr>
+            <a:stCxn id="5" idx="3"/>
+          </p:cNvCxnSpPr>
+          <p:nvPr/>
+        </p:nvCxnSpPr>
+        <p:spPr>
+          <a:xfrm>
+            <a:off x="9832062" y="1594580"/>
+            <a:ext cx="1164756" cy="1471"/>
+          </a:xfrm>
+          <a:prstGeom prst="straightConnector1">
+            <a:avLst/>
+          </a:prstGeom>
+          <a:noFill/>
+          <a:ln w="57150">
+            <a:solidFill>
+              <a:schemeClr val="tx1"/>
+            </a:solidFill>
+            <a:headEnd type="none" w="med" len="med"/>
+            <a:tailEnd type="arrow" w="med" len="med"/>
+          </a:ln>
+        </p:spPr>
+        <p:style>
+          <a:lnRef idx="2">
+            <a:schemeClr val="accent1">
+              <a:shade val="50000"/>
+            </a:schemeClr>
+          </a:lnRef>
+          <a:fillRef idx="1">
+            <a:schemeClr val="accent1"/>
+          </a:fillRef>
+          <a:effectRef idx="0">
+            <a:schemeClr val="accent1"/>
+          </a:effectRef>
+          <a:fontRef idx="minor">
+            <a:schemeClr val="lt1"/>
+          </a:fontRef>
+        </p:style>
+      </p:cxnSp>
+      <p:cxnSp>
+        <p:nvCxnSpPr>
+          <p:cNvPr id="75" name="Conector de seta reta 74"/>
+          <p:cNvCxnSpPr>
+            <a:stCxn id="4" idx="3"/>
+          </p:cNvCxnSpPr>
+          <p:nvPr/>
+        </p:nvCxnSpPr>
+        <p:spPr>
+          <a:xfrm>
+            <a:off x="9832062" y="4928084"/>
+            <a:ext cx="1164756" cy="0"/>
+          </a:xfrm>
+          <a:prstGeom prst="straightConnector1">
+            <a:avLst/>
+          </a:prstGeom>
+          <a:noFill/>
+          <a:ln w="57150">
+            <a:solidFill>
+              <a:schemeClr val="tx1"/>
+            </a:solidFill>
+            <a:headEnd type="none" w="med" len="med"/>
+            <a:tailEnd type="arrow" w="med" len="med"/>
+          </a:ln>
+        </p:spPr>
+        <p:style>
+          <a:lnRef idx="2">
+            <a:schemeClr val="accent1">
+              <a:shade val="50000"/>
+            </a:schemeClr>
+          </a:lnRef>
+          <a:fillRef idx="1">
+            <a:schemeClr val="accent1"/>
+          </a:fillRef>
+          <a:effectRef idx="0">
+            <a:schemeClr val="accent1"/>
+          </a:effectRef>
+          <a:fontRef idx="minor">
+            <a:schemeClr val="lt1"/>
+          </a:fontRef>
+        </p:style>
+      </p:cxnSp>
+      <p:sp>
+        <p:nvSpPr>
+          <p:cNvPr id="81" name="Elipse 80"/>
+          <p:cNvSpPr/>
+          <p:nvPr/>
+        </p:nvSpPr>
+        <p:spPr>
+          <a:xfrm>
+            <a:off x="5932423" y="1506051"/>
+            <a:ext cx="180000" cy="180000"/>
+          </a:xfrm>
+          <a:prstGeom prst="ellipse">
+            <a:avLst/>
+          </a:prstGeom>
+          <a:solidFill>
+            <a:schemeClr val="tx1"/>
+          </a:solidFill>
+          <a:ln>
+            <a:solidFill>
+              <a:schemeClr val="tx1"/>
+            </a:solidFill>
+          </a:ln>
+        </p:spPr>
+        <p:style>
+          <a:lnRef idx="2">
+            <a:schemeClr val="accent1">
+              <a:shade val="50000"/>
+            </a:schemeClr>
+          </a:lnRef>
+          <a:fillRef idx="1">
+            <a:schemeClr val="accent1"/>
+          </a:fillRef>
+          <a:effectRef idx="0">
+            <a:schemeClr val="accent1"/>
+          </a:effectRef>
+          <a:fontRef idx="minor">
+            <a:schemeClr val="lt1"/>
+          </a:fontRef>
+        </p:style>
+        <p:txBody>
+          <a:bodyPr rtlCol="0" anchor="ctr"/>
+          <a:lstStyle/>
+          <a:p>
+            <a:pPr algn="ctr"/>
+            <a:endParaRPr lang="pt-BR">
+              <a:ln>
+                <a:solidFill>
+                  <a:schemeClr val="bg1"/>
+                </a:solidFill>
+              </a:ln>
+            </a:endParaRPr>
+          </a:p>
+        </p:txBody>
+      </p:sp>
+      <p:sp>
+        <p:nvSpPr>
+          <p:cNvPr id="82" name="Elipse 81"/>
+          <p:cNvSpPr/>
+          <p:nvPr/>
+        </p:nvSpPr>
+        <p:spPr>
+          <a:xfrm>
+            <a:off x="5932423" y="3190764"/>
+            <a:ext cx="180000" cy="180000"/>
+          </a:xfrm>
+          <a:prstGeom prst="ellipse">
+            <a:avLst/>
+          </a:prstGeom>
+          <a:solidFill>
+            <a:schemeClr val="tx1"/>
+          </a:solidFill>
+          <a:ln>
+            <a:solidFill>
+              <a:schemeClr val="tx1"/>
+            </a:solidFill>
+          </a:ln>
+        </p:spPr>
+        <p:style>
+          <a:lnRef idx="2">
+            <a:schemeClr val="accent1">
+              <a:shade val="50000"/>
+            </a:schemeClr>
+          </a:lnRef>
+          <a:fillRef idx="1">
+            <a:schemeClr val="accent1"/>
+          </a:fillRef>
+          <a:effectRef idx="0">
+            <a:schemeClr val="accent1"/>
+          </a:effectRef>
+          <a:fontRef idx="minor">
+            <a:schemeClr val="lt1"/>
+          </a:fontRef>
+        </p:style>
+        <p:txBody>
+          <a:bodyPr rtlCol="0" anchor="ctr"/>
+          <a:lstStyle/>
+          <a:p>
+            <a:pPr algn="ctr"/>
+            <a:endParaRPr lang="pt-BR">
+              <a:ln>
+                <a:solidFill>
+                  <a:schemeClr val="bg1"/>
+                </a:solidFill>
+              </a:ln>
+            </a:endParaRPr>
+          </a:p>
+        </p:txBody>
+      </p:sp>
+      <p:sp>
+        <p:nvSpPr>
+          <p:cNvPr id="83" name="Elipse 82"/>
+          <p:cNvSpPr/>
+          <p:nvPr/>
+        </p:nvSpPr>
+        <p:spPr>
+          <a:xfrm>
+            <a:off x="5932423" y="4838084"/>
+            <a:ext cx="180000" cy="180000"/>
+          </a:xfrm>
+          <a:prstGeom prst="ellipse">
+            <a:avLst/>
+          </a:prstGeom>
+          <a:solidFill>
+            <a:schemeClr val="tx1"/>
+          </a:solidFill>
+          <a:ln>
+            <a:solidFill>
+              <a:schemeClr val="tx1"/>
+            </a:solidFill>
+          </a:ln>
+        </p:spPr>
+        <p:style>
+          <a:lnRef idx="2">
+            <a:schemeClr val="accent1">
+              <a:shade val="50000"/>
+            </a:schemeClr>
+          </a:lnRef>
+          <a:fillRef idx="1">
+            <a:schemeClr val="accent1"/>
+          </a:fillRef>
+          <a:effectRef idx="0">
+            <a:schemeClr val="accent1"/>
+          </a:effectRef>
+          <a:fontRef idx="minor">
+            <a:schemeClr val="lt1"/>
+          </a:fontRef>
+        </p:style>
+        <p:txBody>
+          <a:bodyPr rtlCol="0" anchor="ctr"/>
+          <a:lstStyle/>
+          <a:p>
+            <a:pPr algn="ctr"/>
+            <a:endParaRPr lang="pt-BR">
+              <a:ln>
+                <a:solidFill>
+                  <a:schemeClr val="bg1"/>
+                </a:solidFill>
+              </a:ln>
+            </a:endParaRPr>
+          </a:p>
+        </p:txBody>
+      </p:sp>
+      <mc:AlternateContent xmlns:mc="http://schemas.openxmlformats.org/markup-compatibility/2006">
+        <mc:Choice xmlns:a14="http://schemas.microsoft.com/office/drawing/2010/main" Requires="a14">
+          <p:sp>
+            <p:nvSpPr>
+              <p:cNvPr id="84" name="Retângulo 83"/>
+              <p:cNvSpPr/>
+              <p:nvPr/>
+            </p:nvSpPr>
+            <p:spPr>
+              <a:xfrm>
+                <a:off x="5274718" y="1011276"/>
+                <a:ext cx="747705" cy="584775"/>
+              </a:xfrm>
+              <a:prstGeom prst="rect">
+                <a:avLst/>
+              </a:prstGeom>
+            </p:spPr>
+            <p:txBody>
+              <a:bodyPr wrap="none">
+                <a:spAutoFit/>
+              </a:bodyPr>
+              <a:lstStyle/>
+              <a:p>
+                <a14:m>
+                  <m:oMathPara xmlns:m="http://schemas.openxmlformats.org/officeDocument/2006/math">
+                    <m:oMathParaPr>
+                      <m:jc m:val="centerGroup"/>
+                    </m:oMathParaPr>
+                    <m:oMath xmlns:m="http://schemas.openxmlformats.org/officeDocument/2006/math">
+                      <m:r>
+                        <a:rPr lang="pt-BR" sz="3200" i="1">
+                          <a:latin typeface="Cambria Math"/>
+                        </a:rPr>
+                        <m:t>𝜔</m:t>
+                      </m:r>
+                      <m:r>
+                        <a:rPr lang="pt-BR" sz="3200" i="1">
+                          <a:latin typeface="Cambria Math"/>
+                        </a:rPr>
+                        <m:t>𝑡</m:t>
+                      </m:r>
+                    </m:oMath>
+                  </m:oMathPara>
+                </a14:m>
+                <a:endParaRPr lang="pt-BR" sz="3200" dirty="0"/>
+              </a:p>
+            </p:txBody>
+          </p:sp>
+        </mc:Choice>
+        <mc:Fallback>
+          <p:sp>
+            <p:nvSpPr>
+              <p:cNvPr id="84" name="Retângulo 83"/>
+              <p:cNvSpPr>
+                <a:spLocks noRot="1" noChangeAspect="1" noMove="1" noResize="1" noEditPoints="1" noAdjustHandles="1" noChangeArrowheads="1" noChangeShapeType="1" noTextEdit="1"/>
+              </p:cNvSpPr>
+              <p:nvPr/>
+            </p:nvSpPr>
+            <p:spPr>
+              <a:xfrm>
+                <a:off x="5274718" y="1011276"/>
+                <a:ext cx="747705" cy="584775"/>
+              </a:xfrm>
+              <a:prstGeom prst="rect">
+                <a:avLst/>
+              </a:prstGeom>
+              <a:blipFill rotWithShape="1">
+                <a:blip r:embed="rId8"/>
+                <a:stretch>
+                  <a:fillRect/>
+                </a:stretch>
+              </a:blipFill>
+            </p:spPr>
+            <p:txBody>
+              <a:bodyPr/>
+              <a:lstStyle/>
+              <a:p>
+                <a:r>
+                  <a:rPr lang="pt-BR">
+                    <a:noFill/>
+                  </a:rPr>
+                  <a:t> </a:t>
+                </a:r>
+              </a:p>
+            </p:txBody>
+          </p:sp>
+        </mc:Fallback>
+      </mc:AlternateContent>
+      <mc:AlternateContent xmlns:mc="http://schemas.openxmlformats.org/markup-compatibility/2006">
+        <mc:Choice xmlns:a14="http://schemas.microsoft.com/office/drawing/2010/main" Requires="a14">
+          <p:sp>
+            <p:nvSpPr>
+              <p:cNvPr id="85" name="Retângulo 84"/>
+              <p:cNvSpPr/>
+              <p:nvPr/>
+            </p:nvSpPr>
+            <p:spPr>
+              <a:xfrm>
+                <a:off x="5273583" y="4928084"/>
+                <a:ext cx="747705" cy="584775"/>
+              </a:xfrm>
+              <a:prstGeom prst="rect">
+                <a:avLst/>
+              </a:prstGeom>
+            </p:spPr>
+            <p:txBody>
+              <a:bodyPr wrap="none">
+                <a:spAutoFit/>
+              </a:bodyPr>
+              <a:lstStyle/>
+              <a:p>
+                <a14:m>
+                  <m:oMathPara xmlns:m="http://schemas.openxmlformats.org/officeDocument/2006/math">
+                    <m:oMathParaPr>
+                      <m:jc m:val="centerGroup"/>
+                    </m:oMathParaPr>
+                    <m:oMath xmlns:m="http://schemas.openxmlformats.org/officeDocument/2006/math">
+                      <m:r>
+                        <a:rPr lang="pt-BR" sz="3200" i="1">
+                          <a:latin typeface="Cambria Math"/>
+                        </a:rPr>
+                        <m:t>𝜔</m:t>
+                      </m:r>
+                      <m:r>
+                        <a:rPr lang="pt-BR" sz="3200" i="1">
+                          <a:latin typeface="Cambria Math"/>
+                        </a:rPr>
+                        <m:t>𝑡</m:t>
+                      </m:r>
+                    </m:oMath>
+                  </m:oMathPara>
+                </a14:m>
+                <a:endParaRPr lang="pt-BR" sz="3200" dirty="0"/>
+              </a:p>
+            </p:txBody>
+          </p:sp>
+        </mc:Choice>
+        <mc:Fallback>
+          <p:sp>
+            <p:nvSpPr>
+              <p:cNvPr id="85" name="Retângulo 84"/>
+              <p:cNvSpPr>
+                <a:spLocks noRot="1" noChangeAspect="1" noMove="1" noResize="1" noEditPoints="1" noAdjustHandles="1" noChangeArrowheads="1" noChangeShapeType="1" noTextEdit="1"/>
+              </p:cNvSpPr>
+              <p:nvPr/>
+            </p:nvSpPr>
+            <p:spPr>
+              <a:xfrm>
+                <a:off x="5273583" y="4928084"/>
+                <a:ext cx="747705" cy="584775"/>
+              </a:xfrm>
+              <a:prstGeom prst="rect">
+                <a:avLst/>
+              </a:prstGeom>
+              <a:blipFill rotWithShape="1">
+                <a:blip r:embed="rId9"/>
+                <a:stretch>
+                  <a:fillRect/>
+                </a:stretch>
+              </a:blipFill>
+            </p:spPr>
+            <p:txBody>
+              <a:bodyPr/>
+              <a:lstStyle/>
+              <a:p>
+                <a:r>
+                  <a:rPr lang="pt-BR">
+                    <a:noFill/>
+                  </a:rPr>
+                  <a:t> </a:t>
+                </a:r>
+              </a:p>
+            </p:txBody>
+          </p:sp>
+        </mc:Fallback>
+      </mc:AlternateContent>
+      <mc:AlternateContent xmlns:mc="http://schemas.openxmlformats.org/markup-compatibility/2006">
+        <mc:Choice xmlns:a14="http://schemas.microsoft.com/office/drawing/2010/main" Requires="a14">
+          <p:sp>
+            <p:nvSpPr>
+              <p:cNvPr id="86" name="Retângulo 85"/>
+              <p:cNvSpPr/>
+              <p:nvPr/>
+            </p:nvSpPr>
+            <p:spPr>
+              <a:xfrm>
+                <a:off x="3714253" y="2639227"/>
+                <a:ext cx="584840" cy="584775"/>
+              </a:xfrm>
+              <a:prstGeom prst="rect">
+                <a:avLst/>
+              </a:prstGeom>
+            </p:spPr>
+            <p:txBody>
+              <a:bodyPr wrap="none">
+                <a:spAutoFit/>
+              </a:bodyPr>
+              <a:lstStyle/>
+              <a:p>
+                <a14:m>
+                  <m:oMathPara xmlns:m="http://schemas.openxmlformats.org/officeDocument/2006/math">
+                    <m:oMathParaPr>
+                      <m:jc m:val="centerGroup"/>
+                    </m:oMathParaPr>
+                    <m:oMath xmlns:m="http://schemas.openxmlformats.org/officeDocument/2006/math">
+                      <m:r>
+                        <a:rPr lang="pt-BR" sz="3200" i="1">
+                          <a:latin typeface="Cambria Math"/>
+                        </a:rPr>
+                        <m:t>𝜔</m:t>
+                      </m:r>
+                    </m:oMath>
+                  </m:oMathPara>
+                </a14:m>
+                <a:endParaRPr lang="pt-BR" sz="3200" dirty="0"/>
+              </a:p>
+            </p:txBody>
+          </p:sp>
+        </mc:Choice>
+        <mc:Fallback>
+          <p:sp>
+            <p:nvSpPr>
+              <p:cNvPr id="86" name="Retângulo 85"/>
+              <p:cNvSpPr>
+                <a:spLocks noRot="1" noChangeAspect="1" noMove="1" noResize="1" noEditPoints="1" noAdjustHandles="1" noChangeArrowheads="1" noChangeShapeType="1" noTextEdit="1"/>
+              </p:cNvSpPr>
+              <p:nvPr/>
+            </p:nvSpPr>
+            <p:spPr>
+              <a:xfrm>
+                <a:off x="3714253" y="2639227"/>
+                <a:ext cx="584840" cy="584775"/>
+              </a:xfrm>
+              <a:prstGeom prst="rect">
+                <a:avLst/>
+              </a:prstGeom>
+              <a:blipFill rotWithShape="1">
+                <a:blip r:embed="rId10"/>
+                <a:stretch>
+                  <a:fillRect/>
+                </a:stretch>
+              </a:blipFill>
+            </p:spPr>
+            <p:txBody>
+              <a:bodyPr/>
+              <a:lstStyle/>
+              <a:p>
+                <a:r>
+                  <a:rPr lang="pt-BR">
+                    <a:noFill/>
+                  </a:rPr>
+                  <a:t> </a:t>
+                </a:r>
+              </a:p>
+            </p:txBody>
+          </p:sp>
+        </mc:Fallback>
+      </mc:AlternateContent>
+      <mc:AlternateContent xmlns:mc="http://schemas.openxmlformats.org/markup-compatibility/2006">
+        <mc:Choice xmlns:a14="http://schemas.microsoft.com/office/drawing/2010/main" Requires="a14">
+          <p:sp>
+            <p:nvSpPr>
+              <p:cNvPr id="87" name="Retângulo 86"/>
+              <p:cNvSpPr/>
+              <p:nvPr/>
+            </p:nvSpPr>
+            <p:spPr>
+              <a:xfrm>
+                <a:off x="-3164111" y="1853632"/>
+                <a:ext cx="888641" cy="584775"/>
+              </a:xfrm>
+              <a:prstGeom prst="rect">
+                <a:avLst/>
+              </a:prstGeom>
+            </p:spPr>
+            <p:txBody>
+              <a:bodyPr wrap="none">
+                <a:spAutoFit/>
+              </a:bodyPr>
+              <a:lstStyle/>
+              <a:p>
+                <a14:m>
+                  <m:oMathPara xmlns:m="http://schemas.openxmlformats.org/officeDocument/2006/math">
+                    <m:oMathParaPr>
+                      <m:jc m:val="centerGroup"/>
+                    </m:oMathParaPr>
+                    <m:oMath xmlns:m="http://schemas.openxmlformats.org/officeDocument/2006/math">
+                      <m:sSub>
+                        <m:sSubPr>
+                          <m:ctrlPr>
+                            <a:rPr lang="pt-BR" sz="3200" b="0" i="1" smtClean="0">
+                              <a:latin typeface="Cambria Math"/>
+                            </a:rPr>
+                          </m:ctrlPr>
+                        </m:sSubPr>
+                        <m:e>
+                          <m:r>
+                            <a:rPr lang="pt-BR" sz="3200" b="0" i="1" smtClean="0">
+                              <a:latin typeface="Cambria Math"/>
+                            </a:rPr>
+                            <m:t>𝑣</m:t>
+                          </m:r>
+                        </m:e>
+                        <m:sub>
+                          <m:r>
+                            <a:rPr lang="pt-BR" sz="3200" b="0" i="1" smtClean="0">
+                              <a:latin typeface="Cambria Math"/>
+                            </a:rPr>
+                            <m:t>𝑎𝑏</m:t>
+                          </m:r>
+                        </m:sub>
+                      </m:sSub>
+                    </m:oMath>
+                  </m:oMathPara>
+                </a14:m>
+                <a:endParaRPr lang="pt-BR" sz="3200" dirty="0"/>
+              </a:p>
+            </p:txBody>
+          </p:sp>
+        </mc:Choice>
+        <mc:Fallback>
+          <p:sp>
+            <p:nvSpPr>
+              <p:cNvPr id="87" name="Retângulo 86"/>
+              <p:cNvSpPr>
+                <a:spLocks noRot="1" noChangeAspect="1" noMove="1" noResize="1" noEditPoints="1" noAdjustHandles="1" noChangeArrowheads="1" noChangeShapeType="1" noTextEdit="1"/>
+              </p:cNvSpPr>
+              <p:nvPr/>
+            </p:nvSpPr>
+            <p:spPr>
+              <a:xfrm>
+                <a:off x="-3164111" y="1853632"/>
+                <a:ext cx="888641" cy="584775"/>
+              </a:xfrm>
+              <a:prstGeom prst="rect">
+                <a:avLst/>
+              </a:prstGeom>
+              <a:blipFill rotWithShape="1">
+                <a:blip r:embed="rId11"/>
+                <a:stretch>
+                  <a:fillRect/>
+                </a:stretch>
+              </a:blipFill>
+            </p:spPr>
+            <p:txBody>
+              <a:bodyPr/>
+              <a:lstStyle/>
+              <a:p>
+                <a:r>
+                  <a:rPr lang="pt-BR">
+                    <a:noFill/>
+                  </a:rPr>
+                  <a:t> </a:t>
+                </a:r>
+              </a:p>
+            </p:txBody>
+          </p:sp>
+        </mc:Fallback>
+      </mc:AlternateContent>
+      <mc:AlternateContent xmlns:mc="http://schemas.openxmlformats.org/markup-compatibility/2006">
+        <mc:Choice xmlns:a14="http://schemas.microsoft.com/office/drawing/2010/main" Requires="a14">
+          <p:sp>
+            <p:nvSpPr>
+              <p:cNvPr id="88" name="Retângulo 87"/>
+              <p:cNvSpPr/>
+              <p:nvPr/>
+            </p:nvSpPr>
+            <p:spPr>
+              <a:xfrm>
+                <a:off x="-3164111" y="3470117"/>
+                <a:ext cx="851772" cy="584775"/>
+              </a:xfrm>
+              <a:prstGeom prst="rect">
+                <a:avLst/>
+              </a:prstGeom>
+            </p:spPr>
+            <p:txBody>
+              <a:bodyPr wrap="none">
+                <a:spAutoFit/>
+              </a:bodyPr>
+              <a:lstStyle/>
+              <a:p>
+                <a14:m>
+                  <m:oMathPara xmlns:m="http://schemas.openxmlformats.org/officeDocument/2006/math">
+                    <m:oMathParaPr>
+                      <m:jc m:val="centerGroup"/>
+                    </m:oMathParaPr>
+                    <m:oMath xmlns:m="http://schemas.openxmlformats.org/officeDocument/2006/math">
+                      <m:sSub>
+                        <m:sSubPr>
+                          <m:ctrlPr>
+                            <a:rPr lang="pt-BR" sz="3200" b="0" i="1" smtClean="0">
+                              <a:latin typeface="Cambria Math"/>
+                            </a:rPr>
+                          </m:ctrlPr>
+                        </m:sSubPr>
+                        <m:e>
+                          <m:r>
+                            <a:rPr lang="pt-BR" sz="3200" b="0" i="1" smtClean="0">
+                              <a:latin typeface="Cambria Math"/>
+                            </a:rPr>
+                            <m:t>𝑣</m:t>
+                          </m:r>
+                        </m:e>
+                        <m:sub>
+                          <m:r>
+                            <a:rPr lang="pt-BR" sz="3200" b="0" i="1" smtClean="0">
+                              <a:latin typeface="Cambria Math"/>
+                            </a:rPr>
+                            <m:t>𝑐𝑏</m:t>
+                          </m:r>
+                        </m:sub>
+                      </m:sSub>
+                    </m:oMath>
+                  </m:oMathPara>
+                </a14:m>
+                <a:endParaRPr lang="pt-BR" sz="3200" dirty="0"/>
+              </a:p>
+            </p:txBody>
+          </p:sp>
+        </mc:Choice>
+        <mc:Fallback>
+          <p:sp>
+            <p:nvSpPr>
+              <p:cNvPr id="88" name="Retângulo 87"/>
+              <p:cNvSpPr>
+                <a:spLocks noRot="1" noChangeAspect="1" noMove="1" noResize="1" noEditPoints="1" noAdjustHandles="1" noChangeArrowheads="1" noChangeShapeType="1" noTextEdit="1"/>
+              </p:cNvSpPr>
+              <p:nvPr/>
+            </p:nvSpPr>
+            <p:spPr>
+              <a:xfrm>
+                <a:off x="-3164111" y="3470117"/>
+                <a:ext cx="851772" cy="584775"/>
+              </a:xfrm>
+              <a:prstGeom prst="rect">
+                <a:avLst/>
+              </a:prstGeom>
+              <a:blipFill rotWithShape="1">
+                <a:blip r:embed="rId12"/>
+                <a:stretch>
+                  <a:fillRect/>
+                </a:stretch>
+              </a:blipFill>
+            </p:spPr>
+            <p:txBody>
+              <a:bodyPr/>
+              <a:lstStyle/>
+              <a:p>
+                <a:r>
+                  <a:rPr lang="pt-BR">
+                    <a:noFill/>
+                  </a:rPr>
+                  <a:t> </a:t>
+                </a:r>
+              </a:p>
+            </p:txBody>
+          </p:sp>
+        </mc:Fallback>
+      </mc:AlternateContent>
+      <mc:AlternateContent xmlns:mc="http://schemas.openxmlformats.org/markup-compatibility/2006">
+        <mc:Choice xmlns:a14="http://schemas.microsoft.com/office/drawing/2010/main" Requires="a14">
+          <p:sp>
+            <p:nvSpPr>
+              <p:cNvPr id="89" name="Retângulo 88"/>
+              <p:cNvSpPr/>
+              <p:nvPr/>
+            </p:nvSpPr>
+            <p:spPr>
+              <a:xfrm>
+                <a:off x="-678577" y="1011276"/>
+                <a:ext cx="1429302" cy="584775"/>
+              </a:xfrm>
+              <a:prstGeom prst="rect">
+                <a:avLst/>
+              </a:prstGeom>
+            </p:spPr>
+            <p:txBody>
+              <a:bodyPr wrap="none">
+                <a:spAutoFit/>
+              </a:bodyPr>
+              <a:lstStyle/>
+              <a:p>
+                <a14:m>
+                  <m:oMathPara xmlns:m="http://schemas.openxmlformats.org/officeDocument/2006/math">
+                    <m:oMathParaPr>
+                      <m:jc m:val="centerGroup"/>
+                    </m:oMathParaPr>
+                    <m:oMath xmlns:m="http://schemas.openxmlformats.org/officeDocument/2006/math">
+                      <m:sSubSup>
+                        <m:sSubSupPr>
+                          <m:ctrlPr>
+                            <a:rPr lang="pt-BR" sz="3200" b="0" i="1" smtClean="0">
+                              <a:latin typeface="Cambria Math"/>
+                            </a:rPr>
+                          </m:ctrlPr>
+                        </m:sSubSupPr>
+                        <m:e>
+                          <m:r>
+                            <a:rPr lang="pt-BR" sz="3200" b="0" i="1" smtClean="0">
+                              <a:latin typeface="Cambria Math"/>
+                            </a:rPr>
+                            <m:t>𝑖</m:t>
+                          </m:r>
+                        </m:e>
+                        <m:sub>
+                          <m:r>
+                            <a:rPr lang="pt-BR" sz="3200" b="0" i="1" smtClean="0">
+                              <a:latin typeface="Cambria Math"/>
+                            </a:rPr>
+                            <m:t>𝑎</m:t>
+                          </m:r>
+                        </m:sub>
+                        <m:sup>
+                          <m:r>
+                            <a:rPr lang="pt-BR" sz="3200" b="0" i="1" smtClean="0">
+                              <a:latin typeface="Cambria Math"/>
+                            </a:rPr>
+                            <m:t>′</m:t>
+                          </m:r>
+                        </m:sup>
+                      </m:sSubSup>
+                      <m:r>
+                        <a:rPr lang="pt-BR" sz="3200" b="0" i="1" smtClean="0">
+                          <a:latin typeface="Cambria Math"/>
+                        </a:rPr>
+                        <m:t>(</m:t>
+                      </m:r>
+                      <m:r>
+                        <a:rPr lang="pt-BR" sz="3200" b="0" i="1" smtClean="0">
+                          <a:latin typeface="Cambria Math"/>
+                        </a:rPr>
+                        <m:t>𝜔</m:t>
+                      </m:r>
+                      <m:r>
+                        <a:rPr lang="pt-BR" sz="3200" b="0" i="1" smtClean="0">
+                          <a:latin typeface="Cambria Math"/>
+                        </a:rPr>
+                        <m:t>𝑡</m:t>
+                      </m:r>
+                      <m:r>
+                        <a:rPr lang="pt-BR" sz="3200" b="0" i="1" smtClean="0">
+                          <a:latin typeface="Cambria Math"/>
+                        </a:rPr>
+                        <m:t>)</m:t>
+                      </m:r>
+                    </m:oMath>
+                  </m:oMathPara>
+                </a14:m>
+                <a:endParaRPr lang="pt-BR" sz="3200" dirty="0"/>
+              </a:p>
+            </p:txBody>
+          </p:sp>
+        </mc:Choice>
+        <mc:Fallback>
+          <p:sp>
+            <p:nvSpPr>
+              <p:cNvPr id="89" name="Retângulo 88"/>
+              <p:cNvSpPr>
+                <a:spLocks noRot="1" noChangeAspect="1" noMove="1" noResize="1" noEditPoints="1" noAdjustHandles="1" noChangeArrowheads="1" noChangeShapeType="1" noTextEdit="1"/>
+              </p:cNvSpPr>
+              <p:nvPr/>
+            </p:nvSpPr>
+            <p:spPr>
+              <a:xfrm>
+                <a:off x="-678577" y="1011276"/>
+                <a:ext cx="1429302" cy="584775"/>
+              </a:xfrm>
+              <a:prstGeom prst="rect">
+                <a:avLst/>
+              </a:prstGeom>
+              <a:blipFill rotWithShape="1">
+                <a:blip r:embed="rId13"/>
+                <a:stretch>
+                  <a:fillRect/>
+                </a:stretch>
+              </a:blipFill>
+            </p:spPr>
+            <p:txBody>
+              <a:bodyPr/>
+              <a:lstStyle/>
+              <a:p>
+                <a:r>
+                  <a:rPr lang="pt-BR">
+                    <a:noFill/>
+                  </a:rPr>
+                  <a:t> </a:t>
+                </a:r>
+              </a:p>
+            </p:txBody>
+          </p:sp>
+        </mc:Fallback>
+      </mc:AlternateContent>
+      <mc:AlternateContent xmlns:mc="http://schemas.openxmlformats.org/markup-compatibility/2006">
+        <mc:Choice xmlns:a14="http://schemas.microsoft.com/office/drawing/2010/main" Requires="a14">
+          <p:sp>
+            <p:nvSpPr>
+              <p:cNvPr id="90" name="Retângulo 89"/>
+              <p:cNvSpPr/>
+              <p:nvPr/>
+            </p:nvSpPr>
+            <p:spPr>
+              <a:xfrm>
+                <a:off x="-678577" y="4928084"/>
+                <a:ext cx="1394613" cy="584775"/>
+              </a:xfrm>
+              <a:prstGeom prst="rect">
+                <a:avLst/>
+              </a:prstGeom>
+            </p:spPr>
+            <p:txBody>
+              <a:bodyPr wrap="none">
+                <a:spAutoFit/>
+              </a:bodyPr>
+              <a:lstStyle/>
+              <a:p>
+                <a14:m>
+                  <m:oMathPara xmlns:m="http://schemas.openxmlformats.org/officeDocument/2006/math">
+                    <m:oMathParaPr>
+                      <m:jc m:val="centerGroup"/>
+                    </m:oMathParaPr>
+                    <m:oMath xmlns:m="http://schemas.openxmlformats.org/officeDocument/2006/math">
+                      <m:sSubSup>
+                        <m:sSubSupPr>
+                          <m:ctrlPr>
+                            <a:rPr lang="pt-BR" sz="3200" b="0" i="1" smtClean="0">
+                              <a:latin typeface="Cambria Math"/>
+                            </a:rPr>
+                          </m:ctrlPr>
+                        </m:sSubSupPr>
+                        <m:e>
+                          <m:r>
+                            <a:rPr lang="pt-BR" sz="3200" b="0" i="1" smtClean="0">
+                              <a:latin typeface="Cambria Math"/>
+                            </a:rPr>
+                            <m:t>𝑖</m:t>
+                          </m:r>
+                        </m:e>
+                        <m:sub>
+                          <m:r>
+                            <a:rPr lang="pt-BR" sz="3200" b="0" i="1" smtClean="0">
+                              <a:latin typeface="Cambria Math"/>
+                            </a:rPr>
+                            <m:t>𝑐</m:t>
+                          </m:r>
+                        </m:sub>
+                        <m:sup>
+                          <m:r>
+                            <a:rPr lang="pt-BR" sz="3200" b="0" i="1" smtClean="0">
+                              <a:latin typeface="Cambria Math"/>
+                            </a:rPr>
+                            <m:t>′</m:t>
+                          </m:r>
+                        </m:sup>
+                      </m:sSubSup>
+                      <m:r>
+                        <a:rPr lang="pt-BR" sz="3200" b="0" i="1" smtClean="0">
+                          <a:latin typeface="Cambria Math"/>
+                        </a:rPr>
+                        <m:t>(</m:t>
+                      </m:r>
+                      <m:r>
+                        <a:rPr lang="pt-BR" sz="3200" b="0" i="1" smtClean="0">
+                          <a:latin typeface="Cambria Math"/>
+                        </a:rPr>
+                        <m:t>𝜔</m:t>
+                      </m:r>
+                      <m:r>
+                        <a:rPr lang="pt-BR" sz="3200" b="0" i="1" smtClean="0">
+                          <a:latin typeface="Cambria Math"/>
+                        </a:rPr>
+                        <m:t>𝑡</m:t>
+                      </m:r>
+                      <m:r>
+                        <a:rPr lang="pt-BR" sz="3200" b="0" i="1" smtClean="0">
+                          <a:latin typeface="Cambria Math"/>
+                        </a:rPr>
+                        <m:t>)</m:t>
+                      </m:r>
+                    </m:oMath>
+                  </m:oMathPara>
+                </a14:m>
+                <a:endParaRPr lang="pt-BR" sz="3200" dirty="0"/>
+              </a:p>
+            </p:txBody>
+          </p:sp>
+        </mc:Choice>
+        <mc:Fallback>
+          <p:sp>
+            <p:nvSpPr>
+              <p:cNvPr id="90" name="Retângulo 89"/>
+              <p:cNvSpPr>
+                <a:spLocks noRot="1" noChangeAspect="1" noMove="1" noResize="1" noEditPoints="1" noAdjustHandles="1" noChangeArrowheads="1" noChangeShapeType="1" noTextEdit="1"/>
+              </p:cNvSpPr>
+              <p:nvPr/>
+            </p:nvSpPr>
+            <p:spPr>
+              <a:xfrm>
+                <a:off x="-678577" y="4928084"/>
+                <a:ext cx="1394613" cy="584775"/>
+              </a:xfrm>
+              <a:prstGeom prst="rect">
+                <a:avLst/>
+              </a:prstGeom>
+              <a:blipFill rotWithShape="1">
+                <a:blip r:embed="rId14"/>
+                <a:stretch>
+                  <a:fillRect/>
+                </a:stretch>
+              </a:blipFill>
+            </p:spPr>
+            <p:txBody>
+              <a:bodyPr/>
+              <a:lstStyle/>
+              <a:p>
+                <a:r>
+                  <a:rPr lang="pt-BR">
+                    <a:noFill/>
+                  </a:rPr>
+                  <a:t> </a:t>
+                </a:r>
+              </a:p>
+            </p:txBody>
+          </p:sp>
+        </mc:Fallback>
+      </mc:AlternateContent>
+      <mc:AlternateContent xmlns:mc="http://schemas.openxmlformats.org/markup-compatibility/2006">
+        <mc:Choice xmlns:a14="http://schemas.microsoft.com/office/drawing/2010/main" Requires="a14">
+          <p:sp>
+            <p:nvSpPr>
+              <p:cNvPr id="91" name="Retângulo 90"/>
+              <p:cNvSpPr/>
+              <p:nvPr/>
+            </p:nvSpPr>
+            <p:spPr>
+              <a:xfrm>
+                <a:off x="-157984" y="2639227"/>
+                <a:ext cx="919674" cy="646587"/>
+              </a:xfrm>
+              <a:prstGeom prst="rect">
+                <a:avLst/>
+              </a:prstGeom>
+            </p:spPr>
+            <p:txBody>
+              <a:bodyPr wrap="none">
+                <a:spAutoFit/>
+              </a:bodyPr>
+              <a:lstStyle/>
+              <a:p>
+                <a14:m>
+                  <m:oMathPara xmlns:m="http://schemas.openxmlformats.org/officeDocument/2006/math">
+                    <m:oMathParaPr>
+                      <m:jc m:val="centerGroup"/>
+                    </m:oMathParaPr>
+                    <m:oMath xmlns:m="http://schemas.openxmlformats.org/officeDocument/2006/math">
+                      <m:sSubSup>
+                        <m:sSubSupPr>
+                          <m:ctrlPr>
+                            <a:rPr lang="pt-BR" sz="3200" b="0" i="1" smtClean="0">
+                              <a:latin typeface="Cambria Math"/>
+                            </a:rPr>
+                          </m:ctrlPr>
+                        </m:sSubSupPr>
+                        <m:e>
+                          <m:r>
+                            <a:rPr lang="pt-BR" sz="3200" b="0" i="1" smtClean="0">
+                              <a:latin typeface="Cambria Math"/>
+                            </a:rPr>
+                            <m:t>𝑝</m:t>
+                          </m:r>
+                        </m:e>
+                        <m:sub>
+                          <m:r>
+                            <a:rPr lang="pt-BR" sz="3200" b="0" i="1" smtClean="0">
+                              <a:latin typeface="Cambria Math"/>
+                            </a:rPr>
+                            <m:t>3</m:t>
+                          </m:r>
+                          <m:r>
+                            <a:rPr lang="pt-BR" sz="3200" b="0" i="1" smtClean="0">
+                              <a:latin typeface="Cambria Math"/>
+                            </a:rPr>
+                            <m:t>𝜙</m:t>
+                          </m:r>
+                        </m:sub>
+                        <m:sup>
+                          <m:r>
+                            <a:rPr lang="pt-BR" sz="3200" b="0" i="1" smtClean="0">
+                              <a:latin typeface="Cambria Math"/>
+                            </a:rPr>
+                            <m:t>′</m:t>
+                          </m:r>
+                        </m:sup>
+                      </m:sSubSup>
+                    </m:oMath>
+                  </m:oMathPara>
+                </a14:m>
+                <a:endParaRPr lang="pt-BR" sz="3200" dirty="0"/>
+              </a:p>
+            </p:txBody>
+          </p:sp>
+        </mc:Choice>
+        <mc:Fallback>
+          <p:sp>
+            <p:nvSpPr>
+              <p:cNvPr id="91" name="Retângulo 90"/>
+              <p:cNvSpPr>
+                <a:spLocks noRot="1" noChangeAspect="1" noMove="1" noResize="1" noEditPoints="1" noAdjustHandles="1" noChangeArrowheads="1" noChangeShapeType="1" noTextEdit="1"/>
+              </p:cNvSpPr>
+              <p:nvPr/>
+            </p:nvSpPr>
+            <p:spPr>
+              <a:xfrm>
+                <a:off x="-157984" y="2639227"/>
+                <a:ext cx="919674" cy="646587"/>
+              </a:xfrm>
+              <a:prstGeom prst="rect">
+                <a:avLst/>
+              </a:prstGeom>
+              <a:blipFill rotWithShape="1">
+                <a:blip r:embed="rId15"/>
+                <a:stretch>
+                  <a:fillRect/>
+                </a:stretch>
+              </a:blipFill>
+            </p:spPr>
+            <p:txBody>
+              <a:bodyPr/>
+              <a:lstStyle/>
+              <a:p>
+                <a:r>
+                  <a:rPr lang="pt-BR">
+                    <a:noFill/>
+                  </a:rPr>
+                  <a:t> </a:t>
+                </a:r>
+              </a:p>
+            </p:txBody>
+          </p:sp>
+        </mc:Fallback>
+      </mc:AlternateContent>
+      <mc:AlternateContent xmlns:mc="http://schemas.openxmlformats.org/markup-compatibility/2006">
+        <mc:Choice xmlns:a14="http://schemas.microsoft.com/office/drawing/2010/main" Requires="a14">
+          <p:sp>
+            <p:nvSpPr>
+              <p:cNvPr id="92" name="Retângulo 91"/>
+              <p:cNvSpPr/>
+              <p:nvPr/>
+            </p:nvSpPr>
+            <p:spPr>
+              <a:xfrm>
+                <a:off x="10098263" y="972926"/>
+                <a:ext cx="632353" cy="584775"/>
+              </a:xfrm>
+              <a:prstGeom prst="rect">
+                <a:avLst/>
+              </a:prstGeom>
+            </p:spPr>
+            <p:txBody>
+              <a:bodyPr wrap="none">
+                <a:spAutoFit/>
+              </a:bodyPr>
+              <a:lstStyle/>
+              <a:p>
+                <a14:m>
+                  <m:oMathPara xmlns:m="http://schemas.openxmlformats.org/officeDocument/2006/math">
+                    <m:oMathParaPr>
+                      <m:jc m:val="centerGroup"/>
+                    </m:oMathParaPr>
+                    <m:oMath xmlns:m="http://schemas.openxmlformats.org/officeDocument/2006/math">
+                      <m:sSubSup>
+                        <m:sSubSupPr>
+                          <m:ctrlPr>
+                            <a:rPr lang="pt-BR" sz="3200" b="0" i="1" smtClean="0">
+                              <a:latin typeface="Cambria Math"/>
+                            </a:rPr>
+                          </m:ctrlPr>
+                        </m:sSubSupPr>
+                        <m:e>
+                          <m:r>
+                            <a:rPr lang="pt-BR" sz="3200" b="0" i="1" smtClean="0">
+                              <a:latin typeface="Cambria Math"/>
+                            </a:rPr>
+                            <m:t>𝑖</m:t>
+                          </m:r>
+                        </m:e>
+                        <m:sub>
+                          <m:r>
+                            <a:rPr lang="pt-BR" sz="3200" b="0" i="1" smtClean="0">
+                              <a:latin typeface="Cambria Math"/>
+                            </a:rPr>
+                            <m:t>𝛼</m:t>
+                          </m:r>
+                        </m:sub>
+                        <m:sup>
+                          <m:r>
+                            <a:rPr lang="pt-BR" sz="3200" b="0" i="1" smtClean="0">
+                              <a:latin typeface="Cambria Math"/>
+                            </a:rPr>
+                            <m:t>′</m:t>
+                          </m:r>
+                        </m:sup>
+                      </m:sSubSup>
+                    </m:oMath>
+                  </m:oMathPara>
+                </a14:m>
+                <a:endParaRPr lang="pt-BR" sz="3200" dirty="0"/>
+              </a:p>
+            </p:txBody>
+          </p:sp>
+        </mc:Choice>
+        <mc:Fallback>
+          <p:sp>
+            <p:nvSpPr>
+              <p:cNvPr id="92" name="Retângulo 91"/>
+              <p:cNvSpPr>
+                <a:spLocks noRot="1" noChangeAspect="1" noMove="1" noResize="1" noEditPoints="1" noAdjustHandles="1" noChangeArrowheads="1" noChangeShapeType="1" noTextEdit="1"/>
+              </p:cNvSpPr>
+              <p:nvPr/>
+            </p:nvSpPr>
+            <p:spPr>
+              <a:xfrm>
+                <a:off x="10098263" y="972926"/>
+                <a:ext cx="632353" cy="584775"/>
+              </a:xfrm>
+              <a:prstGeom prst="rect">
+                <a:avLst/>
+              </a:prstGeom>
+              <a:blipFill rotWithShape="1">
+                <a:blip r:embed="rId16"/>
+                <a:stretch>
+                  <a:fillRect/>
+                </a:stretch>
+              </a:blipFill>
+            </p:spPr>
+            <p:txBody>
+              <a:bodyPr/>
+              <a:lstStyle/>
+              <a:p>
+                <a:r>
+                  <a:rPr lang="pt-BR">
+                    <a:noFill/>
+                  </a:rPr>
+                  <a:t> </a:t>
+                </a:r>
+              </a:p>
+            </p:txBody>
+          </p:sp>
+        </mc:Fallback>
+      </mc:AlternateContent>
+      <mc:AlternateContent xmlns:mc="http://schemas.openxmlformats.org/markup-compatibility/2006">
+        <mc:Choice xmlns:a14="http://schemas.microsoft.com/office/drawing/2010/main" Requires="a14">
+          <p:sp>
+            <p:nvSpPr>
+              <p:cNvPr id="93" name="Retângulo 92"/>
+              <p:cNvSpPr/>
+              <p:nvPr/>
+            </p:nvSpPr>
+            <p:spPr>
+              <a:xfrm>
+                <a:off x="10098263" y="4343309"/>
+                <a:ext cx="618311" cy="648704"/>
+              </a:xfrm>
+              <a:prstGeom prst="rect">
+                <a:avLst/>
+              </a:prstGeom>
+            </p:spPr>
+            <p:txBody>
+              <a:bodyPr wrap="none">
+                <a:spAutoFit/>
+              </a:bodyPr>
+              <a:lstStyle/>
+              <a:p>
+                <a14:m>
+                  <m:oMathPara xmlns:m="http://schemas.openxmlformats.org/officeDocument/2006/math">
+                    <m:oMathParaPr>
+                      <m:jc m:val="centerGroup"/>
+                    </m:oMathParaPr>
+                    <m:oMath xmlns:m="http://schemas.openxmlformats.org/officeDocument/2006/math">
+                      <m:sSubSup>
+                        <m:sSubSupPr>
+                          <m:ctrlPr>
+                            <a:rPr lang="pt-BR" sz="3200" b="0" i="1" smtClean="0">
+                              <a:latin typeface="Cambria Math"/>
+                            </a:rPr>
+                          </m:ctrlPr>
+                        </m:sSubSupPr>
+                        <m:e>
+                          <m:r>
+                            <a:rPr lang="pt-BR" sz="3200" b="0" i="1" smtClean="0">
+                              <a:latin typeface="Cambria Math"/>
+                            </a:rPr>
+                            <m:t>𝑖</m:t>
+                          </m:r>
+                        </m:e>
+                        <m:sub>
+                          <m:r>
+                            <a:rPr lang="pt-BR" sz="3200" b="0" i="1" smtClean="0">
+                              <a:latin typeface="Cambria Math"/>
+                            </a:rPr>
+                            <m:t>𝛽</m:t>
+                          </m:r>
+                        </m:sub>
+                        <m:sup>
+                          <m:r>
+                            <a:rPr lang="pt-BR" sz="3200" b="0" i="1" smtClean="0">
+                              <a:latin typeface="Cambria Math"/>
+                            </a:rPr>
+                            <m:t>′</m:t>
+                          </m:r>
+                        </m:sup>
+                      </m:sSubSup>
+                    </m:oMath>
+                  </m:oMathPara>
+                </a14:m>
+                <a:endParaRPr lang="pt-BR" sz="3200" dirty="0"/>
+              </a:p>
+            </p:txBody>
+          </p:sp>
+        </mc:Choice>
+        <mc:Fallback>
+          <p:sp>
+            <p:nvSpPr>
+              <p:cNvPr id="93" name="Retângulo 92"/>
+              <p:cNvSpPr>
+                <a:spLocks noRot="1" noChangeAspect="1" noMove="1" noResize="1" noEditPoints="1" noAdjustHandles="1" noChangeArrowheads="1" noChangeShapeType="1" noTextEdit="1"/>
+              </p:cNvSpPr>
+              <p:nvPr/>
+            </p:nvSpPr>
+            <p:spPr>
+              <a:xfrm>
+                <a:off x="10098263" y="4343309"/>
+                <a:ext cx="618311" cy="648704"/>
+              </a:xfrm>
+              <a:prstGeom prst="rect">
+                <a:avLst/>
+              </a:prstGeom>
+              <a:blipFill rotWithShape="1">
+                <a:blip r:embed="rId17"/>
+                <a:stretch>
+                  <a:fillRect/>
+                </a:stretch>
+              </a:blipFill>
+            </p:spPr>
+            <p:txBody>
+              <a:bodyPr/>
+              <a:lstStyle/>
+              <a:p>
+                <a:r>
+                  <a:rPr lang="pt-BR">
+                    <a:noFill/>
+                  </a:rPr>
+                  <a:t> </a:t>
+                </a:r>
+              </a:p>
+            </p:txBody>
+          </p:sp>
+        </mc:Fallback>
+      </mc:AlternateContent>
+    </p:spTree>
+    <p:extLst>
+      <p:ext uri="{BB962C8B-B14F-4D97-AF65-F5344CB8AC3E}">
+        <p14:creationId xmlns:p14="http://schemas.microsoft.com/office/powerpoint/2010/main" val="2322581296"/>
       </p:ext>
     </p:extLst>
   </p:cSld>

--- a/Tranqueiras de ppt/desenhos_filtro_complexo.pptx
+++ b/Tranqueiras de ppt/desenhos_filtro_complexo.pptx
@@ -12,7 +12,6 @@
     <p:sldId id="260" r:id="rId6"/>
     <p:sldId id="261" r:id="rId7"/>
     <p:sldId id="262" r:id="rId8"/>
-    <p:sldId id="263" r:id="rId9"/>
   </p:sldIdLst>
   <p:sldSz cx="9144000" cy="6858000" type="screen4x3"/>
   <p:notesSz cx="6858000" cy="9144000"/>
@@ -113,7 +112,7 @@
   </p:defaultTextStyle>
   <p:extLst>
     <p:ext uri="{EFAFB233-063F-42B5-8137-9DF3F51BA10A}">
-      <p15:sldGuideLst xmlns:p15="http://schemas.microsoft.com/office/powerpoint/2012/main" xmlns="">
+      <p15:sldGuideLst xmlns:p15="http://schemas.microsoft.com/office/powerpoint/2012/main">
         <p15:guide id="1" orient="horz" pos="2160">
           <p15:clr>
             <a:srgbClr val="A4A3A4"/>
@@ -309,7 +308,7 @@
           <a:p>
             <a:fld id="{9F140449-45B3-4C4C-B502-456914857DA8}" type="datetimeFigureOut">
               <a:rPr lang="pt-BR" smtClean="0"/>
-              <a:t>23/09/2016</a:t>
+              <a:t>22/09/2016</a:t>
             </a:fld>
             <a:endParaRPr lang="pt-BR"/>
           </a:p>
@@ -477,7 +476,7 @@
           <a:p>
             <a:fld id="{9F140449-45B3-4C4C-B502-456914857DA8}" type="datetimeFigureOut">
               <a:rPr lang="pt-BR" smtClean="0"/>
-              <a:t>23/09/2016</a:t>
+              <a:t>22/09/2016</a:t>
             </a:fld>
             <a:endParaRPr lang="pt-BR"/>
           </a:p>
@@ -655,7 +654,7 @@
           <a:p>
             <a:fld id="{9F140449-45B3-4C4C-B502-456914857DA8}" type="datetimeFigureOut">
               <a:rPr lang="pt-BR" smtClean="0"/>
-              <a:t>23/09/2016</a:t>
+              <a:t>22/09/2016</a:t>
             </a:fld>
             <a:endParaRPr lang="pt-BR"/>
           </a:p>
@@ -823,7 +822,7 @@
           <a:p>
             <a:fld id="{9F140449-45B3-4C4C-B502-456914857DA8}" type="datetimeFigureOut">
               <a:rPr lang="pt-BR" smtClean="0"/>
-              <a:t>23/09/2016</a:t>
+              <a:t>22/09/2016</a:t>
             </a:fld>
             <a:endParaRPr lang="pt-BR"/>
           </a:p>
@@ -1068,7 +1067,7 @@
           <a:p>
             <a:fld id="{9F140449-45B3-4C4C-B502-456914857DA8}" type="datetimeFigureOut">
               <a:rPr lang="pt-BR" smtClean="0"/>
-              <a:t>23/09/2016</a:t>
+              <a:t>22/09/2016</a:t>
             </a:fld>
             <a:endParaRPr lang="pt-BR"/>
           </a:p>
@@ -1353,7 +1352,7 @@
           <a:p>
             <a:fld id="{9F140449-45B3-4C4C-B502-456914857DA8}" type="datetimeFigureOut">
               <a:rPr lang="pt-BR" smtClean="0"/>
-              <a:t>23/09/2016</a:t>
+              <a:t>22/09/2016</a:t>
             </a:fld>
             <a:endParaRPr lang="pt-BR"/>
           </a:p>
@@ -1772,7 +1771,7 @@
           <a:p>
             <a:fld id="{9F140449-45B3-4C4C-B502-456914857DA8}" type="datetimeFigureOut">
               <a:rPr lang="pt-BR" smtClean="0"/>
-              <a:t>23/09/2016</a:t>
+              <a:t>22/09/2016</a:t>
             </a:fld>
             <a:endParaRPr lang="pt-BR"/>
           </a:p>
@@ -1889,7 +1888,7 @@
           <a:p>
             <a:fld id="{9F140449-45B3-4C4C-B502-456914857DA8}" type="datetimeFigureOut">
               <a:rPr lang="pt-BR" smtClean="0"/>
-              <a:t>23/09/2016</a:t>
+              <a:t>22/09/2016</a:t>
             </a:fld>
             <a:endParaRPr lang="pt-BR"/>
           </a:p>
@@ -1984,7 +1983,7 @@
           <a:p>
             <a:fld id="{9F140449-45B3-4C4C-B502-456914857DA8}" type="datetimeFigureOut">
               <a:rPr lang="pt-BR" smtClean="0"/>
-              <a:t>23/09/2016</a:t>
+              <a:t>22/09/2016</a:t>
             </a:fld>
             <a:endParaRPr lang="pt-BR"/>
           </a:p>
@@ -2259,7 +2258,7 @@
           <a:p>
             <a:fld id="{9F140449-45B3-4C4C-B502-456914857DA8}" type="datetimeFigureOut">
               <a:rPr lang="pt-BR" smtClean="0"/>
-              <a:t>23/09/2016</a:t>
+              <a:t>22/09/2016</a:t>
             </a:fld>
             <a:endParaRPr lang="pt-BR"/>
           </a:p>
@@ -2511,7 +2510,7 @@
           <a:p>
             <a:fld id="{9F140449-45B3-4C4C-B502-456914857DA8}" type="datetimeFigureOut">
               <a:rPr lang="pt-BR" smtClean="0"/>
-              <a:t>23/09/2016</a:t>
+              <a:t>22/09/2016</a:t>
             </a:fld>
             <a:endParaRPr lang="pt-BR"/>
           </a:p>
@@ -2722,7 +2721,7 @@
           <a:p>
             <a:fld id="{9F140449-45B3-4C4C-B502-456914857DA8}" type="datetimeFigureOut">
               <a:rPr lang="pt-BR" smtClean="0"/>
-              <a:t>23/09/2016</a:t>
+              <a:t>22/09/2016</a:t>
             </a:fld>
             <a:endParaRPr lang="pt-BR"/>
           </a:p>
@@ -4516,7 +4515,7 @@
                         <m:sSubPr>
                           <m:ctrlPr>
                             <a:rPr lang="pt-BR" b="0" i="1" smtClean="0">
-                              <a:latin typeface="Cambria Math"/>
+                              <a:latin typeface="Cambria Math" panose="02040503050406030204" pitchFamily="18" charset="0"/>
                             </a:rPr>
                           </m:ctrlPr>
                         </m:sSubPr>
@@ -4619,7 +4618,7 @@
                         <m:sSubPr>
                           <m:ctrlPr>
                             <a:rPr lang="pt-BR" b="0" i="1" smtClean="0">
-                              <a:latin typeface="Cambria Math"/>
+                              <a:latin typeface="Cambria Math" panose="02040503050406030204" pitchFamily="18" charset="0"/>
                             </a:rPr>
                           </m:ctrlPr>
                         </m:sSubPr>
@@ -4722,7 +4721,7 @@
                         <m:sSubPr>
                           <m:ctrlPr>
                             <a:rPr lang="pt-BR" b="0" i="1" smtClean="0">
-                              <a:latin typeface="Cambria Math"/>
+                              <a:latin typeface="Cambria Math" panose="02040503050406030204" pitchFamily="18" charset="0"/>
                             </a:rPr>
                           </m:ctrlPr>
                         </m:sSubPr>
@@ -4825,7 +4824,7 @@
                         <m:sSubPr>
                           <m:ctrlPr>
                             <a:rPr lang="pt-BR" b="0" i="1" smtClean="0">
-                              <a:latin typeface="Cambria Math"/>
+                              <a:latin typeface="Cambria Math" panose="02040503050406030204" pitchFamily="18" charset="0"/>
                             </a:rPr>
                           </m:ctrlPr>
                         </m:sSubPr>
@@ -4928,7 +4927,7 @@
                         <m:sSubPr>
                           <m:ctrlPr>
                             <a:rPr lang="pt-BR" b="0" i="1" smtClean="0">
-                              <a:latin typeface="Cambria Math"/>
+                              <a:latin typeface="Cambria Math" panose="02040503050406030204" pitchFamily="18" charset="0"/>
                             </a:rPr>
                           </m:ctrlPr>
                         </m:sSubPr>
@@ -5031,7 +5030,7 @@
                         <m:sSubPr>
                           <m:ctrlPr>
                             <a:rPr lang="pt-BR" b="0" i="1" smtClean="0">
-                              <a:latin typeface="Cambria Math"/>
+                              <a:latin typeface="Cambria Math" panose="02040503050406030204" pitchFamily="18" charset="0"/>
                             </a:rPr>
                           </m:ctrlPr>
                         </m:sSubPr>
@@ -5134,7 +5133,7 @@
                         <m:sSubPr>
                           <m:ctrlPr>
                             <a:rPr lang="pt-BR" b="0" i="1" smtClean="0">
-                              <a:latin typeface="Cambria Math"/>
+                              <a:latin typeface="Cambria Math" panose="02040503050406030204" pitchFamily="18" charset="0"/>
                             </a:rPr>
                           </m:ctrlPr>
                         </m:sSubPr>
@@ -5237,7 +5236,7 @@
                         <m:sSubPr>
                           <m:ctrlPr>
                             <a:rPr lang="pt-BR" b="0" i="1" smtClean="0">
-                              <a:latin typeface="Cambria Math"/>
+                              <a:latin typeface="Cambria Math" panose="02040503050406030204" pitchFamily="18" charset="0"/>
                             </a:rPr>
                           </m:ctrlPr>
                         </m:sSubPr>
@@ -5340,7 +5339,7 @@
                         <m:sSubPr>
                           <m:ctrlPr>
                             <a:rPr lang="pt-BR" b="0" i="1" smtClean="0">
-                              <a:latin typeface="Cambria Math"/>
+                              <a:latin typeface="Cambria Math" panose="02040503050406030204" pitchFamily="18" charset="0"/>
                             </a:rPr>
                           </m:ctrlPr>
                         </m:sSubPr>
@@ -5443,7 +5442,7 @@
                         <m:sSubPr>
                           <m:ctrlPr>
                             <a:rPr lang="pt-BR" b="0" i="1" smtClean="0">
-                              <a:latin typeface="Cambria Math"/>
+                              <a:latin typeface="Cambria Math" panose="02040503050406030204" pitchFamily="18" charset="0"/>
                             </a:rPr>
                           </m:ctrlPr>
                         </m:sSubPr>
@@ -5714,7 +5713,7 @@
                         <m:sSubSupPr>
                           <m:ctrlPr>
                             <a:rPr lang="pt-BR" b="0" i="1" smtClean="0">
-                              <a:latin typeface="Cambria Math"/>
+                              <a:latin typeface="Cambria Math" panose="02040503050406030204" pitchFamily="18" charset="0"/>
                             </a:rPr>
                           </m:ctrlPr>
                         </m:sSubSupPr>
@@ -5825,7 +5824,7 @@
                         <m:sSubSupPr>
                           <m:ctrlPr>
                             <a:rPr lang="pt-BR" b="0" i="1" smtClean="0">
-                              <a:latin typeface="Cambria Math"/>
+                              <a:latin typeface="Cambria Math" panose="02040503050406030204" pitchFamily="18" charset="0"/>
                             </a:rPr>
                           </m:ctrlPr>
                         </m:sSubSupPr>
@@ -5936,7 +5935,7 @@
                         <m:sSubSupPr>
                           <m:ctrlPr>
                             <a:rPr lang="pt-BR" b="0" i="1" smtClean="0">
-                              <a:latin typeface="Cambria Math"/>
+                              <a:latin typeface="Cambria Math" panose="02040503050406030204" pitchFamily="18" charset="0"/>
                             </a:rPr>
                           </m:ctrlPr>
                         </m:sSubSupPr>
@@ -6053,7 +6052,7 @@
                         <m:sSubSupPr>
                           <m:ctrlPr>
                             <a:rPr lang="pt-BR" b="0" i="1" smtClean="0">
-                              <a:latin typeface="Cambria Math"/>
+                              <a:latin typeface="Cambria Math" panose="02040503050406030204" pitchFamily="18" charset="0"/>
                             </a:rPr>
                           </m:ctrlPr>
                         </m:sSubSupPr>
@@ -6170,7 +6169,7 @@
                         <m:sSubSupPr>
                           <m:ctrlPr>
                             <a:rPr lang="pt-BR" b="0" i="1" smtClean="0">
-                              <a:latin typeface="Cambria Math"/>
+                              <a:latin typeface="Cambria Math" panose="02040503050406030204" pitchFamily="18" charset="0"/>
                             </a:rPr>
                           </m:ctrlPr>
                         </m:sSubSupPr>
@@ -6281,7 +6280,7 @@
                         <m:sSubSupPr>
                           <m:ctrlPr>
                             <a:rPr lang="pt-BR" b="0" i="1" smtClean="0">
-                              <a:latin typeface="Cambria Math"/>
+                              <a:latin typeface="Cambria Math" panose="02040503050406030204" pitchFamily="18" charset="0"/>
                             </a:rPr>
                           </m:ctrlPr>
                         </m:sSubSupPr>
@@ -6392,7 +6391,7 @@
                         <m:sSubSupPr>
                           <m:ctrlPr>
                             <a:rPr lang="pt-BR" b="0" i="1" smtClean="0">
-                              <a:latin typeface="Cambria Math"/>
+                              <a:latin typeface="Cambria Math" panose="02040503050406030204" pitchFamily="18" charset="0"/>
                             </a:rPr>
                           </m:ctrlPr>
                         </m:sSubSupPr>
@@ -6833,7 +6832,7 @@
                         <m:sSubPr>
                           <m:ctrlPr>
                             <a:rPr lang="pt-BR" b="0" i="1" smtClean="0">
-                              <a:latin typeface="Cambria Math"/>
+                              <a:latin typeface="Cambria Math" panose="02040503050406030204" pitchFamily="18" charset="0"/>
                             </a:rPr>
                           </m:ctrlPr>
                         </m:sSubPr>
@@ -6936,7 +6935,7 @@
                         <m:sSubPr>
                           <m:ctrlPr>
                             <a:rPr lang="pt-BR" b="0" i="1" smtClean="0">
-                              <a:latin typeface="Cambria Math"/>
+                              <a:latin typeface="Cambria Math" panose="02040503050406030204" pitchFamily="18" charset="0"/>
                             </a:rPr>
                           </m:ctrlPr>
                         </m:sSubPr>
@@ -7861,7 +7860,7 @@
                         <m:sSubSupPr>
                           <m:ctrlPr>
                             <a:rPr lang="pt-BR" b="0" i="1" smtClean="0">
-                              <a:latin typeface="Cambria Math"/>
+                              <a:latin typeface="Cambria Math" panose="02040503050406030204" pitchFamily="18" charset="0"/>
                             </a:rPr>
                           </m:ctrlPr>
                         </m:sSubSupPr>
@@ -7972,7 +7971,7 @@
                         <m:sSubSupPr>
                           <m:ctrlPr>
                             <a:rPr lang="pt-BR" b="0" i="1" smtClean="0">
-                              <a:latin typeface="Cambria Math"/>
+                              <a:latin typeface="Cambria Math" panose="02040503050406030204" pitchFamily="18" charset="0"/>
                             </a:rPr>
                           </m:ctrlPr>
                         </m:sSubSupPr>
@@ -8083,7 +8082,7 @@
                         <m:sSubSupPr>
                           <m:ctrlPr>
                             <a:rPr lang="pt-BR" b="0" i="1" smtClean="0">
-                              <a:latin typeface="Cambria Math"/>
+                              <a:latin typeface="Cambria Math" panose="02040503050406030204" pitchFamily="18" charset="0"/>
                             </a:rPr>
                           </m:ctrlPr>
                         </m:sSubSupPr>
@@ -8194,7 +8193,7 @@
                         <m:sSubPr>
                           <m:ctrlPr>
                             <a:rPr lang="pt-BR" b="0" i="1" smtClean="0">
-                              <a:latin typeface="Cambria Math"/>
+                              <a:latin typeface="Cambria Math" panose="02040503050406030204" pitchFamily="18" charset="0"/>
                             </a:rPr>
                           </m:ctrlPr>
                         </m:sSubPr>
@@ -8297,7 +8296,7 @@
                         <m:sSubPr>
                           <m:ctrlPr>
                             <a:rPr lang="pt-BR" b="0" i="1" smtClean="0">
-                              <a:latin typeface="Cambria Math"/>
+                              <a:latin typeface="Cambria Math" panose="02040503050406030204" pitchFamily="18" charset="0"/>
                             </a:rPr>
                           </m:ctrlPr>
                         </m:sSubPr>
@@ -8400,7 +8399,7 @@
                         <m:sSubPr>
                           <m:ctrlPr>
                             <a:rPr lang="pt-BR" b="0" i="1" smtClean="0">
-                              <a:latin typeface="Cambria Math"/>
+                              <a:latin typeface="Cambria Math" panose="02040503050406030204" pitchFamily="18" charset="0"/>
                             </a:rPr>
                           </m:ctrlPr>
                         </m:sSubPr>
@@ -8611,7 +8610,7 @@
                         <m:sSubPr>
                           <m:ctrlPr>
                             <a:rPr lang="pt-BR" b="0" i="1" smtClean="0">
-                              <a:latin typeface="Cambria Math"/>
+                              <a:latin typeface="Cambria Math" panose="02040503050406030204" pitchFamily="18" charset="0"/>
                             </a:rPr>
                           </m:ctrlPr>
                         </m:sSubPr>
@@ -8714,7 +8713,7 @@
                         <m:sSubPr>
                           <m:ctrlPr>
                             <a:rPr lang="pt-BR" b="0" i="1" smtClean="0">
-                              <a:latin typeface="Cambria Math"/>
+                              <a:latin typeface="Cambria Math" panose="02040503050406030204" pitchFamily="18" charset="0"/>
                             </a:rPr>
                           </m:ctrlPr>
                         </m:sSubPr>
@@ -8817,7 +8816,7 @@
                         <m:sSubPr>
                           <m:ctrlPr>
                             <a:rPr lang="pt-BR" b="0" i="1" smtClean="0">
-                              <a:latin typeface="Cambria Math"/>
+                              <a:latin typeface="Cambria Math" panose="02040503050406030204" pitchFamily="18" charset="0"/>
                             </a:rPr>
                           </m:ctrlPr>
                         </m:sSubPr>
@@ -9028,7 +9027,7 @@
                         <m:sSubSupPr>
                           <m:ctrlPr>
                             <a:rPr lang="pt-BR" b="0" i="1" smtClean="0">
-                              <a:latin typeface="Cambria Math"/>
+                              <a:latin typeface="Cambria Math" panose="02040503050406030204" pitchFamily="18" charset="0"/>
                             </a:rPr>
                           </m:ctrlPr>
                         </m:sSubSupPr>
@@ -9132,7 +9131,7 @@
                         <m:sSubSupPr>
                           <m:ctrlPr>
                             <a:rPr lang="pt-BR" b="0" i="1" smtClean="0">
-                              <a:latin typeface="Cambria Math"/>
+                              <a:latin typeface="Cambria Math" panose="02040503050406030204" pitchFamily="18" charset="0"/>
                             </a:rPr>
                           </m:ctrlPr>
                         </m:sSubSupPr>
@@ -9236,7 +9235,7 @@
                         <m:sSubSupPr>
                           <m:ctrlPr>
                             <a:rPr lang="pt-BR" b="0" i="1" smtClean="0">
-                              <a:latin typeface="Cambria Math"/>
+                              <a:latin typeface="Cambria Math" panose="02040503050406030204" pitchFamily="18" charset="0"/>
                             </a:rPr>
                           </m:ctrlPr>
                         </m:sSubSupPr>
@@ -9664,7 +9663,7 @@
                         <m:sSubPr>
                           <m:ctrlPr>
                             <a:rPr lang="pt-BR" b="0" i="1" smtClean="0">
-                              <a:latin typeface="Cambria Math"/>
+                              <a:latin typeface="Cambria Math" panose="02040503050406030204" pitchFamily="18" charset="0"/>
                             </a:rPr>
                           </m:ctrlPr>
                         </m:sSubPr>
@@ -9767,7 +9766,7 @@
                         <m:sSubPr>
                           <m:ctrlPr>
                             <a:rPr lang="pt-BR" b="0" i="1" smtClean="0">
-                              <a:latin typeface="Cambria Math"/>
+                              <a:latin typeface="Cambria Math" panose="02040503050406030204" pitchFamily="18" charset="0"/>
                             </a:rPr>
                           </m:ctrlPr>
                         </m:sSubPr>
@@ -9870,7 +9869,7 @@
                         <m:sSubPr>
                           <m:ctrlPr>
                             <a:rPr lang="pt-BR" b="0" i="1" smtClean="0">
-                              <a:latin typeface="Cambria Math"/>
+                              <a:latin typeface="Cambria Math" panose="02040503050406030204" pitchFamily="18" charset="0"/>
                             </a:rPr>
                           </m:ctrlPr>
                         </m:sSubPr>
@@ -10003,7 +10002,7 @@
                         <m:sSubPr>
                           <m:ctrlPr>
                             <a:rPr lang="pt-BR" b="0" i="1" smtClean="0">
-                              <a:latin typeface="Cambria Math"/>
+                              <a:latin typeface="Cambria Math" panose="02040503050406030204" pitchFamily="18" charset="0"/>
                             </a:rPr>
                           </m:ctrlPr>
                         </m:sSubPr>
@@ -10106,7 +10105,7 @@
                         <m:sSubPr>
                           <m:ctrlPr>
                             <a:rPr lang="pt-BR" b="0" i="1" smtClean="0">
-                              <a:latin typeface="Cambria Math"/>
+                              <a:latin typeface="Cambria Math" panose="02040503050406030204" pitchFamily="18" charset="0"/>
                             </a:rPr>
                           </m:ctrlPr>
                         </m:sSubPr>
@@ -10209,7 +10208,7 @@
                         <m:sSubPr>
                           <m:ctrlPr>
                             <a:rPr lang="pt-BR" b="0" i="1" smtClean="0">
-                              <a:latin typeface="Cambria Math"/>
+                              <a:latin typeface="Cambria Math" panose="02040503050406030204" pitchFamily="18" charset="0"/>
                             </a:rPr>
                           </m:ctrlPr>
                         </m:sSubPr>
@@ -11553,7 +11552,7 @@
                         <m:sSubPr>
                           <m:ctrlPr>
                             <a:rPr lang="pt-BR" b="0" i="1" smtClean="0">
-                              <a:latin typeface="Cambria Math"/>
+                              <a:latin typeface="Cambria Math" panose="02040503050406030204" pitchFamily="18" charset="0"/>
                             </a:rPr>
                           </m:ctrlPr>
                         </m:sSubPr>
@@ -11656,7 +11655,7 @@
                         <m:sSubPr>
                           <m:ctrlPr>
                             <a:rPr lang="pt-BR" b="0" i="1" smtClean="0">
-                              <a:latin typeface="Cambria Math"/>
+                              <a:latin typeface="Cambria Math" panose="02040503050406030204" pitchFamily="18" charset="0"/>
                             </a:rPr>
                           </m:ctrlPr>
                         </m:sSubPr>
@@ -11759,7 +11758,7 @@
                         <m:sSubPr>
                           <m:ctrlPr>
                             <a:rPr lang="pt-BR" b="0" i="1" smtClean="0">
-                              <a:latin typeface="Cambria Math"/>
+                              <a:latin typeface="Cambria Math" panose="02040503050406030204" pitchFamily="18" charset="0"/>
                             </a:rPr>
                           </m:ctrlPr>
                         </m:sSubPr>
@@ -11862,7 +11861,7 @@
                         <m:sSubPr>
                           <m:ctrlPr>
                             <a:rPr lang="pt-BR" b="0" i="1" smtClean="0">
-                              <a:latin typeface="Cambria Math"/>
+                              <a:latin typeface="Cambria Math" panose="02040503050406030204" pitchFamily="18" charset="0"/>
                             </a:rPr>
                           </m:ctrlPr>
                         </m:sSubPr>
@@ -11965,7 +11964,7 @@
                         <m:sSubPr>
                           <m:ctrlPr>
                             <a:rPr lang="pt-BR" b="0" i="1" smtClean="0">
-                              <a:latin typeface="Cambria Math"/>
+                              <a:latin typeface="Cambria Math" panose="02040503050406030204" pitchFamily="18" charset="0"/>
                             </a:rPr>
                           </m:ctrlPr>
                         </m:sSubPr>
@@ -12068,7 +12067,7 @@
                         <m:sSubPr>
                           <m:ctrlPr>
                             <a:rPr lang="pt-BR" b="0" i="1" smtClean="0">
-                              <a:latin typeface="Cambria Math"/>
+                              <a:latin typeface="Cambria Math" panose="02040503050406030204" pitchFamily="18" charset="0"/>
                             </a:rPr>
                           </m:ctrlPr>
                         </m:sSubPr>
@@ -12171,7 +12170,7 @@
                         <m:sSubPr>
                           <m:ctrlPr>
                             <a:rPr lang="pt-BR" b="0" i="1" smtClean="0">
-                              <a:latin typeface="Cambria Math"/>
+                              <a:latin typeface="Cambria Math" panose="02040503050406030204" pitchFamily="18" charset="0"/>
                             </a:rPr>
                           </m:ctrlPr>
                         </m:sSubPr>
@@ -12442,7 +12441,7 @@
                         <m:sSubSupPr>
                           <m:ctrlPr>
                             <a:rPr lang="pt-BR" b="0" i="1" smtClean="0">
-                              <a:latin typeface="Cambria Math"/>
+                              <a:latin typeface="Cambria Math" panose="02040503050406030204" pitchFamily="18" charset="0"/>
                             </a:rPr>
                           </m:ctrlPr>
                         </m:sSubSupPr>
@@ -12559,7 +12558,7 @@
                         <m:sSubSupPr>
                           <m:ctrlPr>
                             <a:rPr lang="pt-BR" b="0" i="1" smtClean="0">
-                              <a:latin typeface="Cambria Math"/>
+                              <a:latin typeface="Cambria Math" panose="02040503050406030204" pitchFamily="18" charset="0"/>
                             </a:rPr>
                           </m:ctrlPr>
                         </m:sSubSupPr>
@@ -12676,7 +12675,7 @@
                         <m:sSubSupPr>
                           <m:ctrlPr>
                             <a:rPr lang="pt-BR" b="0" i="1" smtClean="0">
-                              <a:latin typeface="Cambria Math"/>
+                              <a:latin typeface="Cambria Math" panose="02040503050406030204" pitchFamily="18" charset="0"/>
                             </a:rPr>
                           </m:ctrlPr>
                         </m:sSubSupPr>
@@ -12787,7 +12786,7 @@
                         <m:sSubSupPr>
                           <m:ctrlPr>
                             <a:rPr lang="pt-BR" b="0" i="1" smtClean="0">
-                              <a:latin typeface="Cambria Math"/>
+                              <a:latin typeface="Cambria Math" panose="02040503050406030204" pitchFamily="18" charset="0"/>
                             </a:rPr>
                           </m:ctrlPr>
                         </m:sSubSupPr>
@@ -12898,7 +12897,7 @@
                         <m:sSubSupPr>
                           <m:ctrlPr>
                             <a:rPr lang="pt-BR" b="0" i="1" smtClean="0">
-                              <a:latin typeface="Cambria Math"/>
+                              <a:latin typeface="Cambria Math" panose="02040503050406030204" pitchFamily="18" charset="0"/>
                             </a:rPr>
                           </m:ctrlPr>
                         </m:sSubSupPr>
@@ -13307,7 +13306,7 @@
                         <m:sSubPr>
                           <m:ctrlPr>
                             <a:rPr lang="pt-BR" b="0" i="1" smtClean="0">
-                              <a:latin typeface="Cambria Math"/>
+                              <a:latin typeface="Cambria Math" panose="02040503050406030204" pitchFamily="18" charset="0"/>
                             </a:rPr>
                           </m:ctrlPr>
                         </m:sSubPr>
@@ -13410,7 +13409,7 @@
                         <m:sSubPr>
                           <m:ctrlPr>
                             <a:rPr lang="pt-BR" b="0" i="1" smtClean="0">
-                              <a:latin typeface="Cambria Math"/>
+                              <a:latin typeface="Cambria Math" panose="02040503050406030204" pitchFamily="18" charset="0"/>
                             </a:rPr>
                           </m:ctrlPr>
                         </m:sSubPr>
@@ -13814,7 +13813,7 @@
                           <m:chr m:val="̃"/>
                           <m:ctrlPr>
                             <a:rPr lang="pt-BR" b="0" i="1" smtClean="0">
-                              <a:latin typeface="Cambria Math"/>
+                              <a:latin typeface="Cambria Math" panose="02040503050406030204" pitchFamily="18" charset="0"/>
                             </a:rPr>
                           </m:ctrlPr>
                         </m:accPr>
@@ -14367,7 +14366,7 @@
                           <m:pos m:val="top"/>
                           <m:ctrlPr>
                             <a:rPr lang="pt-BR" b="0" i="1" smtClean="0">
-                              <a:latin typeface="Cambria Math"/>
+                              <a:latin typeface="Cambria Math" panose="02040503050406030204" pitchFamily="18" charset="0"/>
                             </a:rPr>
                           </m:ctrlPr>
                         </m:barPr>
@@ -14736,7 +14735,7 @@
                           <m:pos m:val="top"/>
                           <m:ctrlPr>
                             <a:rPr lang="pt-BR" b="0" i="1" smtClean="0">
-                              <a:latin typeface="Cambria Math"/>
+                              <a:latin typeface="Cambria Math" panose="02040503050406030204" pitchFamily="18" charset="0"/>
                             </a:rPr>
                           </m:ctrlPr>
                         </m:barPr>
@@ -15606,7 +15605,7 @@
                         <m:sSubPr>
                           <m:ctrlPr>
                             <a:rPr lang="pt-BR" b="0" i="1" smtClean="0">
-                              <a:latin typeface="Cambria Math"/>
+                              <a:latin typeface="Cambria Math" panose="02040503050406030204" pitchFamily="18" charset="0"/>
                             </a:rPr>
                           </m:ctrlPr>
                         </m:sSubPr>
@@ -15709,7 +15708,7 @@
                         <m:sSubPr>
                           <m:ctrlPr>
                             <a:rPr lang="pt-BR" b="0" i="1" smtClean="0">
-                              <a:latin typeface="Cambria Math"/>
+                              <a:latin typeface="Cambria Math" panose="02040503050406030204" pitchFamily="18" charset="0"/>
                             </a:rPr>
                           </m:ctrlPr>
                         </m:sSubPr>
@@ -15812,7 +15811,7 @@
                         <m:sSubPr>
                           <m:ctrlPr>
                             <a:rPr lang="pt-BR" b="0" i="1" smtClean="0">
-                              <a:latin typeface="Cambria Math"/>
+                              <a:latin typeface="Cambria Math" panose="02040503050406030204" pitchFamily="18" charset="0"/>
                             </a:rPr>
                           </m:ctrlPr>
                         </m:sSubPr>
@@ -15915,7 +15914,7 @@
                         <m:sSubPr>
                           <m:ctrlPr>
                             <a:rPr lang="pt-BR" b="0" i="1" smtClean="0">
-                              <a:latin typeface="Cambria Math"/>
+                              <a:latin typeface="Cambria Math" panose="02040503050406030204" pitchFamily="18" charset="0"/>
                             </a:rPr>
                           </m:ctrlPr>
                         </m:sSubPr>
@@ -16018,7 +16017,7 @@
                         <m:sSubPr>
                           <m:ctrlPr>
                             <a:rPr lang="pt-BR" b="0" i="1" smtClean="0">
-                              <a:latin typeface="Cambria Math"/>
+                              <a:latin typeface="Cambria Math" panose="02040503050406030204" pitchFamily="18" charset="0"/>
                             </a:rPr>
                           </m:ctrlPr>
                         </m:sSubPr>
@@ -16121,7 +16120,7 @@
                         <m:sSubPr>
                           <m:ctrlPr>
                             <a:rPr lang="pt-BR" b="0" i="1" smtClean="0">
-                              <a:latin typeface="Cambria Math"/>
+                              <a:latin typeface="Cambria Math" panose="02040503050406030204" pitchFamily="18" charset="0"/>
                             </a:rPr>
                           </m:ctrlPr>
                         </m:sSubPr>
@@ -16224,7 +16223,7 @@
                         <m:sSubSupPr>
                           <m:ctrlPr>
                             <a:rPr lang="pt-BR" b="0" i="1" smtClean="0">
-                              <a:latin typeface="Cambria Math"/>
+                              <a:latin typeface="Cambria Math" panose="02040503050406030204" pitchFamily="18" charset="0"/>
                             </a:rPr>
                           </m:ctrlPr>
                         </m:sSubSupPr>
@@ -16328,7 +16327,7 @@
                         <m:sSubSupPr>
                           <m:ctrlPr>
                             <a:rPr lang="pt-BR" b="0" i="1" smtClean="0">
-                              <a:latin typeface="Cambria Math"/>
+                              <a:latin typeface="Cambria Math" panose="02040503050406030204" pitchFamily="18" charset="0"/>
                             </a:rPr>
                           </m:ctrlPr>
                         </m:sSubSupPr>
@@ -16432,7 +16431,7 @@
                         <m:sSubSupPr>
                           <m:ctrlPr>
                             <a:rPr lang="pt-BR" b="0" i="1" smtClean="0">
-                              <a:latin typeface="Cambria Math"/>
+                              <a:latin typeface="Cambria Math" panose="02040503050406030204" pitchFamily="18" charset="0"/>
                             </a:rPr>
                           </m:ctrlPr>
                         </m:sSubSupPr>
@@ -17040,7 +17039,7 @@
                         <m:sSubPr>
                           <m:ctrlPr>
                             <a:rPr lang="pt-BR" b="0" i="1" smtClean="0">
-                              <a:latin typeface="Cambria Math"/>
+                              <a:latin typeface="Cambria Math" panose="02040503050406030204" pitchFamily="18" charset="0"/>
                             </a:rPr>
                           </m:ctrlPr>
                         </m:sSubPr>
@@ -17143,7 +17142,7 @@
                         <m:sSubPr>
                           <m:ctrlPr>
                             <a:rPr lang="pt-BR" b="0" i="1" smtClean="0">
-                              <a:latin typeface="Cambria Math"/>
+                              <a:latin typeface="Cambria Math" panose="02040503050406030204" pitchFamily="18" charset="0"/>
                             </a:rPr>
                           </m:ctrlPr>
                         </m:sSubPr>
@@ -17246,7 +17245,7 @@
                         <m:sSubPr>
                           <m:ctrlPr>
                             <a:rPr lang="pt-BR" b="0" i="1" smtClean="0">
-                              <a:latin typeface="Cambria Math"/>
+                              <a:latin typeface="Cambria Math" panose="02040503050406030204" pitchFamily="18" charset="0"/>
                             </a:rPr>
                           </m:ctrlPr>
                         </m:sSubPr>
@@ -17565,7 +17564,7 @@
                         <m:sSubPr>
                           <m:ctrlPr>
                             <a:rPr lang="pt-BR" b="0" i="1" smtClean="0">
-                              <a:latin typeface="Cambria Math"/>
+                              <a:latin typeface="Cambria Math" panose="02040503050406030204" pitchFamily="18" charset="0"/>
                             </a:rPr>
                           </m:ctrlPr>
                         </m:sSubPr>
@@ -17668,7 +17667,7 @@
                         <m:sSubPr>
                           <m:ctrlPr>
                             <a:rPr lang="pt-BR" b="0" i="1" smtClean="0">
-                              <a:latin typeface="Cambria Math"/>
+                              <a:latin typeface="Cambria Math" panose="02040503050406030204" pitchFamily="18" charset="0"/>
                             </a:rPr>
                           </m:ctrlPr>
                         </m:sSubPr>
@@ -17771,7 +17770,7 @@
                         <m:sSubPr>
                           <m:ctrlPr>
                             <a:rPr lang="pt-BR" b="0" i="1" smtClean="0">
-                              <a:latin typeface="Cambria Math"/>
+                              <a:latin typeface="Cambria Math" panose="02040503050406030204" pitchFamily="18" charset="0"/>
                             </a:rPr>
                           </m:ctrlPr>
                         </m:sSubPr>
@@ -18145,7 +18144,7 @@
                         <m:sSubPr>
                           <m:ctrlPr>
                             <a:rPr lang="pt-BR" b="0" i="1" smtClean="0">
-                              <a:latin typeface="Cambria Math"/>
+                              <a:latin typeface="Cambria Math" panose="02040503050406030204" pitchFamily="18" charset="0"/>
                             </a:rPr>
                           </m:ctrlPr>
                         </m:sSubPr>
@@ -18248,7 +18247,7 @@
                         <m:sSubPr>
                           <m:ctrlPr>
                             <a:rPr lang="pt-BR" b="0" i="1" smtClean="0">
-                              <a:latin typeface="Cambria Math"/>
+                              <a:latin typeface="Cambria Math" panose="02040503050406030204" pitchFamily="18" charset="0"/>
                             </a:rPr>
                           </m:ctrlPr>
                         </m:sSubPr>
@@ -18351,7 +18350,7 @@
                         <m:sSubPr>
                           <m:ctrlPr>
                             <a:rPr lang="pt-BR" b="0" i="1" smtClean="0">
-                              <a:latin typeface="Cambria Math"/>
+                              <a:latin typeface="Cambria Math" panose="02040503050406030204" pitchFamily="18" charset="0"/>
                             </a:rPr>
                           </m:ctrlPr>
                         </m:sSubPr>
@@ -20786,7 +20785,7 @@
                         <m:sSubPr>
                           <m:ctrlPr>
                             <a:rPr lang="pt-BR" sz="4000" b="0" i="1" smtClean="0">
-                              <a:latin typeface="Cambria Math"/>
+                              <a:latin typeface="Cambria Math" panose="02040503050406030204" pitchFamily="18" charset="0"/>
                             </a:rPr>
                           </m:ctrlPr>
                         </m:sSubPr>
@@ -20889,7 +20888,7 @@
                         <m:sSubPr>
                           <m:ctrlPr>
                             <a:rPr lang="pt-BR" sz="4000" b="0" i="1" smtClean="0">
-                              <a:latin typeface="Cambria Math"/>
+                              <a:latin typeface="Cambria Math" panose="02040503050406030204" pitchFamily="18" charset="0"/>
                             </a:rPr>
                           </m:ctrlPr>
                         </m:sSubPr>
@@ -20992,7 +20991,7 @@
                         <m:sSubPr>
                           <m:ctrlPr>
                             <a:rPr lang="pt-BR" sz="4000" b="0" i="1" smtClean="0">
-                              <a:latin typeface="Cambria Math"/>
+                              <a:latin typeface="Cambria Math" panose="02040503050406030204" pitchFamily="18" charset="0"/>
                             </a:rPr>
                           </m:ctrlPr>
                         </m:sSubPr>
@@ -21095,7 +21094,7 @@
                         <m:sSubPr>
                           <m:ctrlPr>
                             <a:rPr lang="pt-BR" sz="4000" b="0" i="1" smtClean="0">
-                              <a:latin typeface="Cambria Math"/>
+                              <a:latin typeface="Cambria Math" panose="02040503050406030204" pitchFamily="18" charset="0"/>
                             </a:rPr>
                           </m:ctrlPr>
                         </m:sSubPr>
@@ -21198,7 +21197,7 @@
                         <m:sSubPr>
                           <m:ctrlPr>
                             <a:rPr lang="pt-BR" sz="4000" b="0" i="1" smtClean="0">
-                              <a:latin typeface="Cambria Math"/>
+                              <a:latin typeface="Cambria Math" panose="02040503050406030204" pitchFamily="18" charset="0"/>
                             </a:rPr>
                           </m:ctrlPr>
                         </m:sSubPr>
@@ -21385,7 +21384,7 @@
                         <m:sSubSupPr>
                           <m:ctrlPr>
                             <a:rPr lang="pt-BR" sz="4000" b="0" i="1" smtClean="0">
-                              <a:latin typeface="Cambria Math"/>
+                              <a:latin typeface="Cambria Math" panose="02040503050406030204" pitchFamily="18" charset="0"/>
                             </a:rPr>
                           </m:ctrlPr>
                         </m:sSubSupPr>
@@ -21499,7 +21498,7 @@
                         <m:sSubSupPr>
                           <m:ctrlPr>
                             <a:rPr lang="pt-BR" sz="4000" b="0" i="1" smtClean="0">
-                              <a:latin typeface="Cambria Math"/>
+                              <a:latin typeface="Cambria Math" panose="02040503050406030204" pitchFamily="18" charset="0"/>
                             </a:rPr>
                           </m:ctrlPr>
                         </m:sSubSupPr>
@@ -21613,7 +21612,7 @@
                         <m:sSubPr>
                           <m:ctrlPr>
                             <a:rPr lang="pt-BR" sz="4000" b="0" i="1" smtClean="0">
-                              <a:latin typeface="Cambria Math"/>
+                              <a:latin typeface="Cambria Math" panose="02040503050406030204" pitchFamily="18" charset="0"/>
                             </a:rPr>
                           </m:ctrlPr>
                         </m:sSubPr>
@@ -21716,7 +21715,7 @@
                         <m:sSubPr>
                           <m:ctrlPr>
                             <a:rPr lang="pt-BR" sz="4000" b="0" i="1" smtClean="0">
-                              <a:latin typeface="Cambria Math"/>
+                              <a:latin typeface="Cambria Math" panose="02040503050406030204" pitchFamily="18" charset="0"/>
                             </a:rPr>
                           </m:ctrlPr>
                         </m:sSubPr>
@@ -21784,8 +21783,8 @@
           </p:sp>
         </mc:Fallback>
       </mc:AlternateContent>
-      <mc:AlternateContent xmlns:mc="http://schemas.openxmlformats.org/markup-compatibility/2006">
-        <mc:Choice xmlns:a14="http://schemas.microsoft.com/office/drawing/2010/main" Requires="a14">
+      <mc:AlternateContent xmlns:mc="http://schemas.openxmlformats.org/markup-compatibility/2006" xmlns:a14="http://schemas.microsoft.com/office/drawing/2010/main">
+        <mc:Choice Requires="a14">
           <p:sp>
             <p:nvSpPr>
               <p:cNvPr id="90" name="CaixaDeTexto 89"/>
@@ -21795,7 +21794,7 @@
             <p:spPr>
               <a:xfrm>
                 <a:off x="1384252" y="41160"/>
-                <a:ext cx="1640514" cy="829266"/>
+                <a:ext cx="1575881" cy="829266"/>
               </a:xfrm>
               <a:prstGeom prst="rect">
                 <a:avLst/>
@@ -21819,7 +21818,7 @@
                         <m:sSubPr>
                           <m:ctrlPr>
                             <a:rPr lang="pt-BR" sz="4000" b="0" i="1" smtClean="0">
-                              <a:latin typeface="Cambria Math"/>
+                              <a:latin typeface="Cambria Math" panose="02040503050406030204" pitchFamily="18" charset="0"/>
                             </a:rPr>
                           </m:ctrlPr>
                         </m:sSubPr>
@@ -21836,13 +21835,13 @@
                             <a:rPr lang="pt-BR" sz="4000" b="0" i="1" smtClean="0">
                               <a:latin typeface="Cambria Math"/>
                             </a:rPr>
-                            <m:t>𝐷</m:t>
+                            <m:t>𝑑</m:t>
                           </m:r>
                           <m:sSub>
                             <m:sSubPr>
                               <m:ctrlPr>
                                 <a:rPr lang="pt-BR" sz="4000" b="0" i="1" smtClean="0">
-                                  <a:latin typeface="Cambria Math"/>
+                                  <a:latin typeface="Cambria Math" panose="02040503050406030204" pitchFamily="18" charset="0"/>
                                 </a:rPr>
                               </m:ctrlPr>
                             </m:sSubPr>
@@ -21851,7 +21850,7 @@
                                 <a:rPr lang="pt-BR" sz="4000" b="0" i="1" smtClean="0">
                                   <a:latin typeface="Cambria Math"/>
                                 </a:rPr>
-                                <m:t>𝐶</m:t>
+                                <m:t>𝑐</m:t>
                               </m:r>
                             </m:e>
                             <m:sub>
@@ -21873,7 +21872,7 @@
             </p:txBody>
           </p:sp>
         </mc:Choice>
-        <mc:Fallback>
+        <mc:Fallback xmlns="">
           <p:sp>
             <p:nvSpPr>
               <p:cNvPr id="90" name="CaixaDeTexto 89"/>
@@ -21885,7 +21884,7 @@
             <p:spPr>
               <a:xfrm>
                 <a:off x="1384252" y="41160"/>
-                <a:ext cx="1640514" cy="829266"/>
+                <a:ext cx="1575881" cy="829266"/>
               </a:xfrm>
               <a:prstGeom prst="rect">
                 <a:avLst/>
@@ -21912,8 +21911,8 @@
           </p:sp>
         </mc:Fallback>
       </mc:AlternateContent>
-      <mc:AlternateContent xmlns:mc="http://schemas.openxmlformats.org/markup-compatibility/2006">
-        <mc:Choice xmlns:a14="http://schemas.microsoft.com/office/drawing/2010/main" Requires="a14">
+      <mc:AlternateContent xmlns:mc="http://schemas.openxmlformats.org/markup-compatibility/2006" xmlns:a14="http://schemas.microsoft.com/office/drawing/2010/main">
+        <mc:Choice Requires="a14">
           <p:sp>
             <p:nvSpPr>
               <p:cNvPr id="91" name="CaixaDeTexto 90"/>
@@ -21923,7 +21922,7 @@
             <p:spPr>
               <a:xfrm>
                 <a:off x="2690908" y="1239933"/>
-                <a:ext cx="1085682" cy="707886"/>
+                <a:ext cx="1013739" cy="707886"/>
               </a:xfrm>
               <a:prstGeom prst="rect">
                 <a:avLst/>
@@ -21947,7 +21946,7 @@
                         <m:sSubPr>
                           <m:ctrlPr>
                             <a:rPr lang="pt-BR" sz="4000" b="0" i="1" smtClean="0">
-                              <a:latin typeface="Cambria Math"/>
+                              <a:latin typeface="Cambria Math" panose="02040503050406030204" pitchFamily="18" charset="0"/>
                             </a:rPr>
                           </m:ctrlPr>
                         </m:sSubPr>
@@ -21964,7 +21963,7 @@
                             <a:rPr lang="pt-BR" sz="4000" b="0" i="1" smtClean="0">
                               <a:latin typeface="Cambria Math"/>
                             </a:rPr>
-                            <m:t>𝐷𝐶</m:t>
+                            <m:t>𝑑𝑐</m:t>
                           </m:r>
                         </m:sub>
                       </m:sSub>
@@ -21976,7 +21975,7 @@
             </p:txBody>
           </p:sp>
         </mc:Choice>
-        <mc:Fallback>
+        <mc:Fallback xmlns="">
           <p:sp>
             <p:nvSpPr>
               <p:cNvPr id="91" name="CaixaDeTexto 90"/>
@@ -21988,7 +21987,7 @@
             <p:spPr>
               <a:xfrm>
                 <a:off x="2690908" y="1239933"/>
-                <a:ext cx="1085682" cy="707886"/>
+                <a:ext cx="1013739" cy="707886"/>
               </a:xfrm>
               <a:prstGeom prst="rect">
                 <a:avLst/>
@@ -22050,7 +22049,7 @@
                         <m:sSubSupPr>
                           <m:ctrlPr>
                             <a:rPr lang="pt-BR" sz="4000" b="0" i="1" smtClean="0">
-                              <a:latin typeface="Cambria Math"/>
+                              <a:latin typeface="Cambria Math" panose="02040503050406030204" pitchFamily="18" charset="0"/>
                             </a:rPr>
                           </m:ctrlPr>
                         </m:sSubSupPr>
@@ -22161,7 +22160,7 @@
                         <m:sSubSupPr>
                           <m:ctrlPr>
                             <a:rPr lang="pt-BR" sz="4000" b="0" i="1" smtClean="0">
-                              <a:latin typeface="Cambria Math"/>
+                              <a:latin typeface="Cambria Math" panose="02040503050406030204" pitchFamily="18" charset="0"/>
                             </a:rPr>
                           </m:ctrlPr>
                         </m:sSubSupPr>
@@ -22272,7 +22271,7 @@
                         <m:sSubSupPr>
                           <m:ctrlPr>
                             <a:rPr lang="pt-BR" sz="4000" b="0" i="1" smtClean="0">
-                              <a:latin typeface="Cambria Math"/>
+                              <a:latin typeface="Cambria Math" panose="02040503050406030204" pitchFamily="18" charset="0"/>
                             </a:rPr>
                           </m:ctrlPr>
                         </m:sSubSupPr>
@@ -22492,7 +22491,7 @@
         <p:spPr>
           <a:xfrm>
             <a:off x="5215468" y="493004"/>
-            <a:ext cx="2142065" cy="954107"/>
+            <a:ext cx="2142065" cy="1384995"/>
           </a:xfrm>
           <a:prstGeom prst="rect">
             <a:avLst/>
@@ -22507,12 +22506,8 @@
           <a:p>
             <a:pPr algn="ctr"/>
             <a:r>
-              <a:rPr lang="pt-BR" sz="2800" dirty="0" smtClean="0"/>
-              <a:t>Indutor </a:t>
-            </a:r>
-            <a:r>
               <a:rPr lang="pt-BR" sz="2800" dirty="0"/>
-              <a:t>de Acoplamento</a:t>
+              <a:t>Indutância de Acoplamento</a:t>
             </a:r>
           </a:p>
         </p:txBody>
@@ -22551,3075 +22546,6 @@
     <p:extLst>
       <p:ext uri="{BB962C8B-B14F-4D97-AF65-F5344CB8AC3E}">
         <p14:creationId xmlns:p14="http://schemas.microsoft.com/office/powerpoint/2010/main" val="1589977705"/>
-      </p:ext>
-    </p:extLst>
-  </p:cSld>
-  <p:clrMapOvr>
-    <a:masterClrMapping/>
-  </p:clrMapOvr>
-</p:sld>
-</file>
-
-<file path=ppt/slides/slide8.xml><?xml version="1.0" encoding="utf-8"?>
-<p:sld xmlns:a="http://schemas.openxmlformats.org/drawingml/2006/main" xmlns:r="http://schemas.openxmlformats.org/officeDocument/2006/relationships" xmlns:p="http://schemas.openxmlformats.org/presentationml/2006/main">
-  <p:cSld>
-    <p:spTree>
-      <p:nvGrpSpPr>
-        <p:cNvPr id="1" name=""/>
-        <p:cNvGrpSpPr/>
-        <p:nvPr/>
-      </p:nvGrpSpPr>
-      <p:grpSpPr>
-        <a:xfrm>
-          <a:off x="0" y="0"/>
-          <a:ext cx="0" cy="0"/>
-          <a:chOff x="0" y="0"/>
-          <a:chExt cx="0" cy="0"/>
-        </a:xfrm>
-      </p:grpSpPr>
-      <mc:AlternateContent xmlns:mc="http://schemas.openxmlformats.org/markup-compatibility/2006">
-        <mc:Choice xmlns:a14="http://schemas.microsoft.com/office/drawing/2010/main" Requires="a14">
-          <p:sp>
-            <p:nvSpPr>
-              <p:cNvPr id="2" name="Retângulo 1"/>
-              <p:cNvSpPr/>
-              <p:nvPr/>
-            </p:nvSpPr>
-            <p:spPr>
-              <a:xfrm>
-                <a:off x="958283" y="1236051"/>
-                <a:ext cx="3078119" cy="720000"/>
-              </a:xfrm>
-              <a:prstGeom prst="rect">
-                <a:avLst/>
-              </a:prstGeom>
-              <a:noFill/>
-              <a:ln w="57150">
-                <a:solidFill>
-                  <a:schemeClr val="tx1"/>
-                </a:solidFill>
-              </a:ln>
-            </p:spPr>
-            <p:style>
-              <a:lnRef idx="2">
-                <a:schemeClr val="accent1">
-                  <a:shade val="50000"/>
-                </a:schemeClr>
-              </a:lnRef>
-              <a:fillRef idx="1">
-                <a:schemeClr val="accent1"/>
-              </a:fillRef>
-              <a:effectRef idx="0">
-                <a:schemeClr val="accent1"/>
-              </a:effectRef>
-              <a:fontRef idx="minor">
-                <a:schemeClr val="lt1"/>
-              </a:fontRef>
-            </p:style>
-            <p:txBody>
-              <a:bodyPr rtlCol="0" anchor="ctr"/>
-              <a:lstStyle/>
-              <a:p>
-                <a:pPr algn="ctr"/>
-                <a14:m>
-                  <m:oMathPara xmlns:m="http://schemas.openxmlformats.org/officeDocument/2006/math">
-                    <m:oMathParaPr>
-                      <m:jc m:val="centerGroup"/>
-                    </m:oMathParaPr>
-                    <m:oMath xmlns:m="http://schemas.openxmlformats.org/officeDocument/2006/math">
-                      <m:func>
-                        <m:funcPr>
-                          <m:ctrlPr>
-                            <a:rPr lang="pt-BR" sz="3200" b="0" i="1" smtClean="0">
-                              <a:solidFill>
-                                <a:schemeClr val="tx1"/>
-                              </a:solidFill>
-                              <a:latin typeface="Cambria Math"/>
-                            </a:rPr>
-                          </m:ctrlPr>
-                        </m:funcPr>
-                        <m:fName>
-                          <m:r>
-                            <m:rPr>
-                              <m:sty m:val="p"/>
-                            </m:rPr>
-                            <a:rPr lang="pt-BR" sz="3200" b="0" i="0" smtClean="0">
-                              <a:solidFill>
-                                <a:schemeClr val="tx1"/>
-                              </a:solidFill>
-                              <a:latin typeface="Cambria Math"/>
-                            </a:rPr>
-                            <m:t>sin</m:t>
-                          </m:r>
-                        </m:fName>
-                        <m:e>
-                          <m:r>
-                            <a:rPr lang="pt-BR" sz="3200" i="1">
-                              <a:solidFill>
-                                <a:schemeClr val="tx1"/>
-                              </a:solidFill>
-                              <a:latin typeface="Cambria Math"/>
-                            </a:rPr>
-                            <m:t>𝜔</m:t>
-                          </m:r>
-                          <m:r>
-                            <a:rPr lang="pt-BR" sz="3200" i="1">
-                              <a:solidFill>
-                                <a:schemeClr val="tx1"/>
-                              </a:solidFill>
-                              <a:latin typeface="Cambria Math"/>
-                            </a:rPr>
-                            <m:t>𝑡</m:t>
-                          </m:r>
-                        </m:e>
-                      </m:func>
-                    </m:oMath>
-                  </m:oMathPara>
-                </a14:m>
-                <a:endParaRPr lang="pt-BR" sz="3200" dirty="0">
-                  <a:solidFill>
-                    <a:schemeClr val="tx1"/>
-                  </a:solidFill>
-                </a:endParaRPr>
-              </a:p>
-            </p:txBody>
-          </p:sp>
-        </mc:Choice>
-        <mc:Fallback>
-          <p:sp>
-            <p:nvSpPr>
-              <p:cNvPr id="2" name="Retângulo 1"/>
-              <p:cNvSpPr>
-                <a:spLocks noRot="1" noChangeAspect="1" noMove="1" noResize="1" noEditPoints="1" noAdjustHandles="1" noChangeArrowheads="1" noChangeShapeType="1" noTextEdit="1"/>
-              </p:cNvSpPr>
-              <p:nvPr/>
-            </p:nvSpPr>
-            <p:spPr>
-              <a:xfrm>
-                <a:off x="958283" y="1236051"/>
-                <a:ext cx="3078119" cy="720000"/>
-              </a:xfrm>
-              <a:prstGeom prst="rect">
-                <a:avLst/>
-              </a:prstGeom>
-              <a:blipFill rotWithShape="1">
-                <a:blip r:embed="rId2"/>
-                <a:stretch>
-                  <a:fillRect/>
-                </a:stretch>
-              </a:blipFill>
-              <a:ln w="57150">
-                <a:solidFill>
-                  <a:schemeClr val="tx1"/>
-                </a:solidFill>
-              </a:ln>
-            </p:spPr>
-            <p:txBody>
-              <a:bodyPr/>
-              <a:lstStyle/>
-              <a:p>
-                <a:r>
-                  <a:rPr lang="pt-BR">
-                    <a:noFill/>
-                  </a:rPr>
-                  <a:t> </a:t>
-                </a:r>
-              </a:p>
-            </p:txBody>
-          </p:sp>
-        </mc:Fallback>
-      </mc:AlternateContent>
-      <mc:AlternateContent xmlns:mc="http://schemas.openxmlformats.org/markup-compatibility/2006">
-        <mc:Choice xmlns:a14="http://schemas.microsoft.com/office/drawing/2010/main" Requires="a14">
-          <p:sp>
-            <p:nvSpPr>
-              <p:cNvPr id="3" name="Retângulo 2"/>
-              <p:cNvSpPr/>
-              <p:nvPr/>
-            </p:nvSpPr>
-            <p:spPr>
-              <a:xfrm>
-                <a:off x="958284" y="4568084"/>
-                <a:ext cx="3078120" cy="720000"/>
-              </a:xfrm>
-              <a:prstGeom prst="rect">
-                <a:avLst/>
-              </a:prstGeom>
-              <a:noFill/>
-              <a:ln w="57150">
-                <a:solidFill>
-                  <a:schemeClr val="tx1"/>
-                </a:solidFill>
-              </a:ln>
-            </p:spPr>
-            <p:style>
-              <a:lnRef idx="2">
-                <a:schemeClr val="accent1">
-                  <a:shade val="50000"/>
-                </a:schemeClr>
-              </a:lnRef>
-              <a:fillRef idx="1">
-                <a:schemeClr val="accent1"/>
-              </a:fillRef>
-              <a:effectRef idx="0">
-                <a:schemeClr val="accent1"/>
-              </a:effectRef>
-              <a:fontRef idx="minor">
-                <a:schemeClr val="lt1"/>
-              </a:fontRef>
-            </p:style>
-            <p:txBody>
-              <a:bodyPr rtlCol="0" anchor="ctr"/>
-              <a:lstStyle/>
-              <a:p>
-                <a:pPr algn="ctr"/>
-                <a14:m>
-                  <m:oMathPara xmlns:m="http://schemas.openxmlformats.org/officeDocument/2006/math">
-                    <m:oMathParaPr>
-                      <m:jc m:val="centerGroup"/>
-                    </m:oMathParaPr>
-                    <m:oMath xmlns:m="http://schemas.openxmlformats.org/officeDocument/2006/math">
-                      <m:func>
-                        <m:funcPr>
-                          <m:ctrlPr>
-                            <a:rPr lang="pt-BR" sz="3200" b="0" i="1" smtClean="0">
-                              <a:solidFill>
-                                <a:schemeClr val="tx1"/>
-                              </a:solidFill>
-                              <a:latin typeface="Cambria Math"/>
-                            </a:rPr>
-                          </m:ctrlPr>
-                        </m:funcPr>
-                        <m:fName>
-                          <m:r>
-                            <m:rPr>
-                              <m:sty m:val="p"/>
-                            </m:rPr>
-                            <a:rPr lang="pt-BR" sz="3200" b="0" i="0" smtClean="0">
-                              <a:solidFill>
-                                <a:schemeClr val="tx1"/>
-                              </a:solidFill>
-                              <a:latin typeface="Cambria Math"/>
-                            </a:rPr>
-                            <m:t>sin</m:t>
-                          </m:r>
-                        </m:fName>
-                        <m:e>
-                          <m:r>
-                            <a:rPr lang="pt-BR" sz="3200" b="0" i="1" smtClean="0">
-                              <a:solidFill>
-                                <a:schemeClr val="tx1"/>
-                              </a:solidFill>
-                              <a:latin typeface="Cambria Math"/>
-                            </a:rPr>
-                            <m:t>(</m:t>
-                          </m:r>
-                          <m:r>
-                            <a:rPr lang="pt-BR" sz="3200" b="0" i="1" smtClean="0">
-                              <a:solidFill>
-                                <a:schemeClr val="tx1"/>
-                              </a:solidFill>
-                              <a:latin typeface="Cambria Math"/>
-                            </a:rPr>
-                            <m:t>𝜔</m:t>
-                          </m:r>
-                          <m:r>
-                            <a:rPr lang="pt-BR" sz="3200" b="0" i="1" smtClean="0">
-                              <a:solidFill>
-                                <a:schemeClr val="tx1"/>
-                              </a:solidFill>
-                              <a:latin typeface="Cambria Math"/>
-                            </a:rPr>
-                            <m:t>𝑡</m:t>
-                          </m:r>
-                          <m:r>
-                            <a:rPr lang="pt-BR" sz="3200" b="0" i="1" smtClean="0">
-                              <a:solidFill>
-                                <a:schemeClr val="tx1"/>
-                              </a:solidFill>
-                              <a:latin typeface="Cambria Math"/>
-                            </a:rPr>
-                            <m:t>+</m:t>
-                          </m:r>
-                          <m:f>
-                            <m:fPr>
-                              <m:type m:val="lin"/>
-                              <m:ctrlPr>
-                                <a:rPr lang="pt-BR" sz="3200" b="0" i="1" smtClean="0">
-                                  <a:solidFill>
-                                    <a:schemeClr val="tx1"/>
-                                  </a:solidFill>
-                                  <a:latin typeface="Cambria Math"/>
-                                </a:rPr>
-                              </m:ctrlPr>
-                            </m:fPr>
-                            <m:num>
-                              <m:r>
-                                <a:rPr lang="pt-BR" sz="3200" b="0" i="1" smtClean="0">
-                                  <a:solidFill>
-                                    <a:schemeClr val="tx1"/>
-                                  </a:solidFill>
-                                  <a:latin typeface="Cambria Math"/>
-                                </a:rPr>
-                                <m:t>2</m:t>
-                              </m:r>
-                              <m:r>
-                                <a:rPr lang="pt-BR" sz="3200" b="0" i="1" smtClean="0">
-                                  <a:solidFill>
-                                    <a:schemeClr val="tx1"/>
-                                  </a:solidFill>
-                                  <a:latin typeface="Cambria Math"/>
-                                </a:rPr>
-                                <m:t>𝜋</m:t>
-                              </m:r>
-                            </m:num>
-                            <m:den>
-                              <m:r>
-                                <a:rPr lang="pt-BR" sz="3200" b="0" i="1" smtClean="0">
-                                  <a:solidFill>
-                                    <a:schemeClr val="tx1"/>
-                                  </a:solidFill>
-                                  <a:latin typeface="Cambria Math"/>
-                                </a:rPr>
-                                <m:t>3</m:t>
-                              </m:r>
-                            </m:den>
-                          </m:f>
-                          <m:r>
-                            <a:rPr lang="pt-BR" sz="3200" b="0" i="1" smtClean="0">
-                              <a:solidFill>
-                                <a:schemeClr val="tx1"/>
-                              </a:solidFill>
-                              <a:latin typeface="Cambria Math"/>
-                            </a:rPr>
-                            <m:t>)</m:t>
-                          </m:r>
-                        </m:e>
-                      </m:func>
-                    </m:oMath>
-                  </m:oMathPara>
-                </a14:m>
-                <a:endParaRPr lang="pt-BR" sz="3200" dirty="0">
-                  <a:solidFill>
-                    <a:schemeClr val="tx1"/>
-                  </a:solidFill>
-                </a:endParaRPr>
-              </a:p>
-            </p:txBody>
-          </p:sp>
-        </mc:Choice>
-        <mc:Fallback>
-          <p:sp>
-            <p:nvSpPr>
-              <p:cNvPr id="3" name="Retângulo 2"/>
-              <p:cNvSpPr>
-                <a:spLocks noRot="1" noChangeAspect="1" noMove="1" noResize="1" noEditPoints="1" noAdjustHandles="1" noChangeArrowheads="1" noChangeShapeType="1" noTextEdit="1"/>
-              </p:cNvSpPr>
-              <p:nvPr/>
-            </p:nvSpPr>
-            <p:spPr>
-              <a:xfrm>
-                <a:off x="958284" y="4568084"/>
-                <a:ext cx="3078120" cy="720000"/>
-              </a:xfrm>
-              <a:prstGeom prst="rect">
-                <a:avLst/>
-              </a:prstGeom>
-              <a:blipFill rotWithShape="1">
-                <a:blip r:embed="rId3"/>
-                <a:stretch>
-                  <a:fillRect/>
-                </a:stretch>
-              </a:blipFill>
-              <a:ln w="57150">
-                <a:solidFill>
-                  <a:schemeClr val="tx1"/>
-                </a:solidFill>
-              </a:ln>
-            </p:spPr>
-            <p:txBody>
-              <a:bodyPr/>
-              <a:lstStyle/>
-              <a:p>
-                <a:r>
-                  <a:rPr lang="pt-BR">
-                    <a:noFill/>
-                  </a:rPr>
-                  <a:t> </a:t>
-                </a:r>
-              </a:p>
-            </p:txBody>
-          </p:sp>
-        </mc:Fallback>
-      </mc:AlternateContent>
-      <mc:AlternateContent xmlns:mc="http://schemas.openxmlformats.org/markup-compatibility/2006">
-        <mc:Choice xmlns:a14="http://schemas.microsoft.com/office/drawing/2010/main" Requires="a14">
-          <p:sp>
-            <p:nvSpPr>
-              <p:cNvPr id="4" name="Retângulo 3"/>
-              <p:cNvSpPr/>
-              <p:nvPr/>
-            </p:nvSpPr>
-            <p:spPr>
-              <a:xfrm>
-                <a:off x="6753942" y="4568084"/>
-                <a:ext cx="3078120" cy="720000"/>
-              </a:xfrm>
-              <a:prstGeom prst="rect">
-                <a:avLst/>
-              </a:prstGeom>
-              <a:noFill/>
-              <a:ln w="57150">
-                <a:solidFill>
-                  <a:schemeClr val="tx1"/>
-                </a:solidFill>
-              </a:ln>
-            </p:spPr>
-            <p:style>
-              <a:lnRef idx="2">
-                <a:schemeClr val="accent1">
-                  <a:shade val="50000"/>
-                </a:schemeClr>
-              </a:lnRef>
-              <a:fillRef idx="1">
-                <a:schemeClr val="accent1"/>
-              </a:fillRef>
-              <a:effectRef idx="0">
-                <a:schemeClr val="accent1"/>
-              </a:effectRef>
-              <a:fontRef idx="minor">
-                <a:schemeClr val="lt1"/>
-              </a:fontRef>
-            </p:style>
-            <p:txBody>
-              <a:bodyPr rtlCol="0" anchor="ctr"/>
-              <a:lstStyle/>
-              <a:p>
-                <a:pPr algn="ctr"/>
-                <a14:m>
-                  <m:oMathPara xmlns:m="http://schemas.openxmlformats.org/officeDocument/2006/math">
-                    <m:oMathParaPr>
-                      <m:jc m:val="centerGroup"/>
-                    </m:oMathParaPr>
-                    <m:oMath xmlns:m="http://schemas.openxmlformats.org/officeDocument/2006/math">
-                      <m:func>
-                        <m:funcPr>
-                          <m:ctrlPr>
-                            <a:rPr lang="pt-BR" sz="3200" b="0" i="1" smtClean="0">
-                              <a:solidFill>
-                                <a:schemeClr val="tx1"/>
-                              </a:solidFill>
-                              <a:latin typeface="Cambria Math"/>
-                            </a:rPr>
-                          </m:ctrlPr>
-                        </m:funcPr>
-                        <m:fName>
-                          <m:r>
-                            <a:rPr lang="pt-BR" sz="3200" b="0" i="0" smtClean="0">
-                              <a:solidFill>
-                                <a:schemeClr val="tx1"/>
-                              </a:solidFill>
-                              <a:latin typeface="Cambria Math"/>
-                            </a:rPr>
-                            <m:t>−</m:t>
-                          </m:r>
-                          <m:r>
-                            <m:rPr>
-                              <m:sty m:val="p"/>
-                            </m:rPr>
-                            <a:rPr lang="pt-BR" sz="3200" b="0" i="0" smtClean="0">
-                              <a:solidFill>
-                                <a:schemeClr val="tx1"/>
-                              </a:solidFill>
-                              <a:latin typeface="Cambria Math"/>
-                            </a:rPr>
-                            <m:t>cos</m:t>
-                          </m:r>
-                        </m:fName>
-                        <m:e>
-                          <m:r>
-                            <a:rPr lang="pt-BR" sz="3200" b="0" i="1" smtClean="0">
-                              <a:solidFill>
-                                <a:schemeClr val="tx1"/>
-                              </a:solidFill>
-                              <a:latin typeface="Cambria Math"/>
-                            </a:rPr>
-                            <m:t>(</m:t>
-                          </m:r>
-                          <m:r>
-                            <a:rPr lang="pt-BR" sz="3200" b="0" i="1" smtClean="0">
-                              <a:solidFill>
-                                <a:schemeClr val="tx1"/>
-                              </a:solidFill>
-                              <a:latin typeface="Cambria Math"/>
-                            </a:rPr>
-                            <m:t>𝜔</m:t>
-                          </m:r>
-                          <m:r>
-                            <a:rPr lang="pt-BR" sz="3200" b="0" i="1" smtClean="0">
-                              <a:solidFill>
-                                <a:schemeClr val="tx1"/>
-                              </a:solidFill>
-                              <a:latin typeface="Cambria Math"/>
-                            </a:rPr>
-                            <m:t>𝑡</m:t>
-                          </m:r>
-                          <m:r>
-                            <a:rPr lang="pt-BR" sz="3200" b="0" i="1" smtClean="0">
-                              <a:solidFill>
-                                <a:schemeClr val="tx1"/>
-                              </a:solidFill>
-                              <a:latin typeface="Cambria Math"/>
-                            </a:rPr>
-                            <m:t>−</m:t>
-                          </m:r>
-                          <m:f>
-                            <m:fPr>
-                              <m:type m:val="lin"/>
-                              <m:ctrlPr>
-                                <a:rPr lang="pt-BR" sz="3200" b="0" i="1" smtClean="0">
-                                  <a:solidFill>
-                                    <a:schemeClr val="tx1"/>
-                                  </a:solidFill>
-                                  <a:latin typeface="Cambria Math"/>
-                                </a:rPr>
-                              </m:ctrlPr>
-                            </m:fPr>
-                            <m:num>
-                              <m:r>
-                                <a:rPr lang="pt-BR" sz="3200" b="0" i="1" smtClean="0">
-                                  <a:solidFill>
-                                    <a:schemeClr val="tx1"/>
-                                  </a:solidFill>
-                                  <a:latin typeface="Cambria Math"/>
-                                </a:rPr>
-                                <m:t>𝜋</m:t>
-                              </m:r>
-                            </m:num>
-                            <m:den>
-                              <m:r>
-                                <a:rPr lang="pt-BR" sz="3200" b="0" i="1" smtClean="0">
-                                  <a:solidFill>
-                                    <a:schemeClr val="tx1"/>
-                                  </a:solidFill>
-                                  <a:latin typeface="Cambria Math"/>
-                                </a:rPr>
-                                <m:t>2</m:t>
-                              </m:r>
-                            </m:den>
-                          </m:f>
-                          <m:r>
-                            <a:rPr lang="pt-BR" sz="3200" b="0" i="1" smtClean="0">
-                              <a:solidFill>
-                                <a:schemeClr val="tx1"/>
-                              </a:solidFill>
-                              <a:latin typeface="Cambria Math"/>
-                            </a:rPr>
-                            <m:t>)</m:t>
-                          </m:r>
-                        </m:e>
-                      </m:func>
-                    </m:oMath>
-                  </m:oMathPara>
-                </a14:m>
-                <a:endParaRPr lang="pt-BR" sz="3200" dirty="0">
-                  <a:solidFill>
-                    <a:schemeClr val="tx1"/>
-                  </a:solidFill>
-                </a:endParaRPr>
-              </a:p>
-            </p:txBody>
-          </p:sp>
-        </mc:Choice>
-        <mc:Fallback>
-          <p:sp>
-            <p:nvSpPr>
-              <p:cNvPr id="4" name="Retângulo 3"/>
-              <p:cNvSpPr>
-                <a:spLocks noRot="1" noChangeAspect="1" noMove="1" noResize="1" noEditPoints="1" noAdjustHandles="1" noChangeArrowheads="1" noChangeShapeType="1" noTextEdit="1"/>
-              </p:cNvSpPr>
-              <p:nvPr/>
-            </p:nvSpPr>
-            <p:spPr>
-              <a:xfrm>
-                <a:off x="6753942" y="4568084"/>
-                <a:ext cx="3078120" cy="720000"/>
-              </a:xfrm>
-              <a:prstGeom prst="rect">
-                <a:avLst/>
-              </a:prstGeom>
-              <a:blipFill rotWithShape="1">
-                <a:blip r:embed="rId4"/>
-                <a:stretch>
-                  <a:fillRect/>
-                </a:stretch>
-              </a:blipFill>
-              <a:ln w="57150">
-                <a:solidFill>
-                  <a:schemeClr val="tx1"/>
-                </a:solidFill>
-              </a:ln>
-            </p:spPr>
-            <p:txBody>
-              <a:bodyPr/>
-              <a:lstStyle/>
-              <a:p>
-                <a:r>
-                  <a:rPr lang="pt-BR">
-                    <a:noFill/>
-                  </a:rPr>
-                  <a:t> </a:t>
-                </a:r>
-              </a:p>
-            </p:txBody>
-          </p:sp>
-        </mc:Fallback>
-      </mc:AlternateContent>
-      <mc:AlternateContent xmlns:mc="http://schemas.openxmlformats.org/markup-compatibility/2006">
-        <mc:Choice xmlns:a14="http://schemas.microsoft.com/office/drawing/2010/main" Requires="a14">
-          <p:sp>
-            <p:nvSpPr>
-              <p:cNvPr id="5" name="Retângulo 4"/>
-              <p:cNvSpPr/>
-              <p:nvPr/>
-            </p:nvSpPr>
-            <p:spPr>
-              <a:xfrm>
-                <a:off x="6753942" y="1234580"/>
-                <a:ext cx="3078120" cy="720000"/>
-              </a:xfrm>
-              <a:prstGeom prst="rect">
-                <a:avLst/>
-              </a:prstGeom>
-              <a:noFill/>
-              <a:ln w="57150">
-                <a:solidFill>
-                  <a:schemeClr val="tx1"/>
-                </a:solidFill>
-              </a:ln>
-            </p:spPr>
-            <p:style>
-              <a:lnRef idx="2">
-                <a:schemeClr val="accent1">
-                  <a:shade val="50000"/>
-                </a:schemeClr>
-              </a:lnRef>
-              <a:fillRef idx="1">
-                <a:schemeClr val="accent1"/>
-              </a:fillRef>
-              <a:effectRef idx="0">
-                <a:schemeClr val="accent1"/>
-              </a:effectRef>
-              <a:fontRef idx="minor">
-                <a:schemeClr val="lt1"/>
-              </a:fontRef>
-            </p:style>
-            <p:txBody>
-              <a:bodyPr rtlCol="0" anchor="ctr"/>
-              <a:lstStyle/>
-              <a:p>
-                <a:pPr algn="ctr"/>
-                <a14:m>
-                  <m:oMathPara xmlns:m="http://schemas.openxmlformats.org/officeDocument/2006/math">
-                    <m:oMathParaPr>
-                      <m:jc m:val="centerGroup"/>
-                    </m:oMathParaPr>
-                    <m:oMath xmlns:m="http://schemas.openxmlformats.org/officeDocument/2006/math">
-                      <m:func>
-                        <m:funcPr>
-                          <m:ctrlPr>
-                            <a:rPr lang="pt-BR" sz="3200" b="0" i="1" smtClean="0">
-                              <a:solidFill>
-                                <a:schemeClr val="tx1"/>
-                              </a:solidFill>
-                              <a:latin typeface="Cambria Math"/>
-                            </a:rPr>
-                          </m:ctrlPr>
-                        </m:funcPr>
-                        <m:fName>
-                          <m:r>
-                            <m:rPr>
-                              <m:sty m:val="p"/>
-                            </m:rPr>
-                            <a:rPr lang="pt-BR" sz="3200" b="0" i="0" smtClean="0">
-                              <a:solidFill>
-                                <a:schemeClr val="tx1"/>
-                              </a:solidFill>
-                              <a:latin typeface="Cambria Math"/>
-                            </a:rPr>
-                            <m:t>sin</m:t>
-                          </m:r>
-                        </m:fName>
-                        <m:e>
-                          <m:r>
-                            <a:rPr lang="pt-BR" sz="3200" b="0" i="1" smtClean="0">
-                              <a:solidFill>
-                                <a:schemeClr val="tx1"/>
-                              </a:solidFill>
-                              <a:latin typeface="Cambria Math"/>
-                            </a:rPr>
-                            <m:t>(</m:t>
-                          </m:r>
-                          <m:r>
-                            <a:rPr lang="pt-BR" sz="3200" b="0" i="1" smtClean="0">
-                              <a:solidFill>
-                                <a:schemeClr val="tx1"/>
-                              </a:solidFill>
-                              <a:latin typeface="Cambria Math"/>
-                            </a:rPr>
-                            <m:t>𝜔</m:t>
-                          </m:r>
-                          <m:r>
-                            <a:rPr lang="pt-BR" sz="3200" b="0" i="1" smtClean="0">
-                              <a:solidFill>
-                                <a:schemeClr val="tx1"/>
-                              </a:solidFill>
-                              <a:latin typeface="Cambria Math"/>
-                            </a:rPr>
-                            <m:t>𝑡</m:t>
-                          </m:r>
-                          <m:r>
-                            <a:rPr lang="pt-BR" sz="3200" b="0" i="1" smtClean="0">
-                              <a:solidFill>
-                                <a:schemeClr val="tx1"/>
-                              </a:solidFill>
-                              <a:latin typeface="Cambria Math"/>
-                            </a:rPr>
-                            <m:t>−</m:t>
-                          </m:r>
-                          <m:f>
-                            <m:fPr>
-                              <m:type m:val="lin"/>
-                              <m:ctrlPr>
-                                <a:rPr lang="pt-BR" sz="3200" b="0" i="1" smtClean="0">
-                                  <a:solidFill>
-                                    <a:schemeClr val="tx1"/>
-                                  </a:solidFill>
-                                  <a:latin typeface="Cambria Math"/>
-                                </a:rPr>
-                              </m:ctrlPr>
-                            </m:fPr>
-                            <m:num>
-                              <m:r>
-                                <a:rPr lang="pt-BR" sz="3200" b="0" i="1" smtClean="0">
-                                  <a:solidFill>
-                                    <a:schemeClr val="tx1"/>
-                                  </a:solidFill>
-                                  <a:latin typeface="Cambria Math"/>
-                                </a:rPr>
-                                <m:t>𝜋</m:t>
-                              </m:r>
-                            </m:num>
-                            <m:den>
-                              <m:r>
-                                <a:rPr lang="pt-BR" sz="3200" b="0" i="1" smtClean="0">
-                                  <a:solidFill>
-                                    <a:schemeClr val="tx1"/>
-                                  </a:solidFill>
-                                  <a:latin typeface="Cambria Math"/>
-                                </a:rPr>
-                                <m:t>2</m:t>
-                              </m:r>
-                            </m:den>
-                          </m:f>
-                          <m:r>
-                            <a:rPr lang="pt-BR" sz="3200" b="0" i="1" smtClean="0">
-                              <a:solidFill>
-                                <a:schemeClr val="tx1"/>
-                              </a:solidFill>
-                              <a:latin typeface="Cambria Math"/>
-                            </a:rPr>
-                            <m:t>)</m:t>
-                          </m:r>
-                        </m:e>
-                      </m:func>
-                    </m:oMath>
-                  </m:oMathPara>
-                </a14:m>
-                <a:endParaRPr lang="pt-BR" sz="3200" dirty="0">
-                  <a:solidFill>
-                    <a:schemeClr val="tx1"/>
-                  </a:solidFill>
-                </a:endParaRPr>
-              </a:p>
-            </p:txBody>
-          </p:sp>
-        </mc:Choice>
-        <mc:Fallback>
-          <p:sp>
-            <p:nvSpPr>
-              <p:cNvPr id="5" name="Retângulo 4"/>
-              <p:cNvSpPr>
-                <a:spLocks noRot="1" noChangeAspect="1" noMove="1" noResize="1" noEditPoints="1" noAdjustHandles="1" noChangeArrowheads="1" noChangeShapeType="1" noTextEdit="1"/>
-              </p:cNvSpPr>
-              <p:nvPr/>
-            </p:nvSpPr>
-            <p:spPr>
-              <a:xfrm>
-                <a:off x="6753942" y="1234580"/>
-                <a:ext cx="3078120" cy="720000"/>
-              </a:xfrm>
-              <a:prstGeom prst="rect">
-                <a:avLst/>
-              </a:prstGeom>
-              <a:blipFill rotWithShape="1">
-                <a:blip r:embed="rId5"/>
-                <a:stretch>
-                  <a:fillRect/>
-                </a:stretch>
-              </a:blipFill>
-              <a:ln w="57150">
-                <a:solidFill>
-                  <a:schemeClr val="tx1"/>
-                </a:solidFill>
-              </a:ln>
-            </p:spPr>
-            <p:txBody>
-              <a:bodyPr/>
-              <a:lstStyle/>
-              <a:p>
-                <a:r>
-                  <a:rPr lang="pt-BR">
-                    <a:noFill/>
-                  </a:rPr>
-                  <a:t> </a:t>
-                </a:r>
-              </a:p>
-            </p:txBody>
-          </p:sp>
-        </mc:Fallback>
-      </mc:AlternateContent>
-      <mc:AlternateContent xmlns:mc="http://schemas.openxmlformats.org/markup-compatibility/2006">
-        <mc:Choice xmlns:a14="http://schemas.microsoft.com/office/drawing/2010/main" Requires="a14">
-          <p:sp>
-            <p:nvSpPr>
-              <p:cNvPr id="6" name="Retângulo 5"/>
-              <p:cNvSpPr/>
-              <p:nvPr/>
-            </p:nvSpPr>
-            <p:spPr>
-              <a:xfrm>
-                <a:off x="4468994" y="2754638"/>
-                <a:ext cx="992796" cy="1052249"/>
-              </a:xfrm>
-              <a:prstGeom prst="rect">
-                <a:avLst/>
-              </a:prstGeom>
-              <a:noFill/>
-              <a:ln w="57150">
-                <a:solidFill>
-                  <a:schemeClr val="tx1"/>
-                </a:solidFill>
-              </a:ln>
-            </p:spPr>
-            <p:style>
-              <a:lnRef idx="2">
-                <a:schemeClr val="accent1">
-                  <a:shade val="50000"/>
-                </a:schemeClr>
-              </a:lnRef>
-              <a:fillRef idx="1">
-                <a:schemeClr val="accent1"/>
-              </a:fillRef>
-              <a:effectRef idx="0">
-                <a:schemeClr val="accent1"/>
-              </a:effectRef>
-              <a:fontRef idx="minor">
-                <a:schemeClr val="lt1"/>
-              </a:fontRef>
-            </p:style>
-            <p:txBody>
-              <a:bodyPr rtlCol="0" anchor="ctr"/>
-              <a:lstStyle/>
-              <a:p>
-                <a:pPr algn="ctr"/>
-                <a14:m>
-                  <m:oMathPara xmlns:m="http://schemas.openxmlformats.org/officeDocument/2006/math">
-                    <m:oMathParaPr>
-                      <m:jc m:val="center"/>
-                    </m:oMathParaPr>
-                    <m:oMath xmlns:m="http://schemas.openxmlformats.org/officeDocument/2006/math">
-                      <m:f>
-                        <m:fPr>
-                          <m:ctrlPr>
-                            <a:rPr lang="pt-BR" sz="3200" b="0" i="1" smtClean="0">
-                              <a:solidFill>
-                                <a:schemeClr val="tx1"/>
-                              </a:solidFill>
-                              <a:latin typeface="Cambria Math"/>
-                            </a:rPr>
-                          </m:ctrlPr>
-                        </m:fPr>
-                        <m:num>
-                          <m:r>
-                            <a:rPr lang="pt-BR" sz="3200" b="0" i="1" smtClean="0">
-                              <a:solidFill>
-                                <a:schemeClr val="tx1"/>
-                              </a:solidFill>
-                              <a:latin typeface="Cambria Math"/>
-                            </a:rPr>
-                            <m:t>1</m:t>
-                          </m:r>
-                        </m:num>
-                        <m:den>
-                          <m:r>
-                            <a:rPr lang="pt-BR" sz="3200" b="0" i="1" smtClean="0">
-                              <a:solidFill>
-                                <a:schemeClr val="tx1"/>
-                              </a:solidFill>
-                              <a:latin typeface="Cambria Math"/>
-                            </a:rPr>
-                            <m:t>𝑠</m:t>
-                          </m:r>
-                        </m:den>
-                      </m:f>
-                    </m:oMath>
-                  </m:oMathPara>
-                </a14:m>
-                <a:endParaRPr lang="pt-BR" sz="3200" dirty="0">
-                  <a:solidFill>
-                    <a:schemeClr val="tx1"/>
-                  </a:solidFill>
-                </a:endParaRPr>
-              </a:p>
-            </p:txBody>
-          </p:sp>
-        </mc:Choice>
-        <mc:Fallback>
-          <p:sp>
-            <p:nvSpPr>
-              <p:cNvPr id="6" name="Retângulo 5"/>
-              <p:cNvSpPr>
-                <a:spLocks noRot="1" noChangeAspect="1" noMove="1" noResize="1" noEditPoints="1" noAdjustHandles="1" noChangeArrowheads="1" noChangeShapeType="1" noTextEdit="1"/>
-              </p:cNvSpPr>
-              <p:nvPr/>
-            </p:nvSpPr>
-            <p:spPr>
-              <a:xfrm>
-                <a:off x="4468994" y="2754638"/>
-                <a:ext cx="992796" cy="1052249"/>
-              </a:xfrm>
-              <a:prstGeom prst="rect">
-                <a:avLst/>
-              </a:prstGeom>
-              <a:blipFill rotWithShape="1">
-                <a:blip r:embed="rId6"/>
-                <a:stretch>
-                  <a:fillRect/>
-                </a:stretch>
-              </a:blipFill>
-              <a:ln w="57150">
-                <a:solidFill>
-                  <a:schemeClr val="tx1"/>
-                </a:solidFill>
-              </a:ln>
-            </p:spPr>
-            <p:txBody>
-              <a:bodyPr/>
-              <a:lstStyle/>
-              <a:p>
-                <a:r>
-                  <a:rPr lang="pt-BR">
-                    <a:noFill/>
-                  </a:rPr>
-                  <a:t> </a:t>
-                </a:r>
-              </a:p>
-            </p:txBody>
-          </p:sp>
-        </mc:Fallback>
-      </mc:AlternateContent>
-      <p:sp>
-        <p:nvSpPr>
-          <p:cNvPr id="7" name="Retângulo 6"/>
-          <p:cNvSpPr/>
-          <p:nvPr/>
-        </p:nvSpPr>
-        <p:spPr>
-          <a:xfrm>
-            <a:off x="958284" y="2754639"/>
-            <a:ext cx="2586068" cy="1052249"/>
-          </a:xfrm>
-          <a:prstGeom prst="rect">
-            <a:avLst/>
-          </a:prstGeom>
-          <a:noFill/>
-          <a:ln w="57150">
-            <a:solidFill>
-              <a:schemeClr val="tx1"/>
-            </a:solidFill>
-          </a:ln>
-        </p:spPr>
-        <p:style>
-          <a:lnRef idx="2">
-            <a:schemeClr val="accent1">
-              <a:shade val="50000"/>
-            </a:schemeClr>
-          </a:lnRef>
-          <a:fillRef idx="1">
-            <a:schemeClr val="accent1"/>
-          </a:fillRef>
-          <a:effectRef idx="0">
-            <a:schemeClr val="accent1"/>
-          </a:effectRef>
-          <a:fontRef idx="minor">
-            <a:schemeClr val="lt1"/>
-          </a:fontRef>
-        </p:style>
-        <p:txBody>
-          <a:bodyPr rtlCol="0" anchor="ctr"/>
-          <a:lstStyle/>
-          <a:p>
-            <a:pPr algn="ctr"/>
-            <a:r>
-              <a:rPr lang="pt-BR" sz="3200" dirty="0" smtClean="0">
-                <a:solidFill>
-                  <a:schemeClr val="tx1"/>
-                </a:solidFill>
-              </a:rPr>
-              <a:t>Controlador PI</a:t>
-            </a:r>
-            <a:endParaRPr lang="pt-BR" sz="3200" dirty="0">
-              <a:solidFill>
-                <a:schemeClr val="tx1"/>
-              </a:solidFill>
-            </a:endParaRPr>
-          </a:p>
-        </p:txBody>
-      </p:sp>
-      <p:sp>
-        <p:nvSpPr>
-          <p:cNvPr id="8" name="Elipse 7"/>
-          <p:cNvSpPr/>
-          <p:nvPr/>
-        </p:nvSpPr>
-        <p:spPr>
-          <a:xfrm>
-            <a:off x="-2011864" y="2145243"/>
-            <a:ext cx="648000" cy="648000"/>
-          </a:xfrm>
-          <a:prstGeom prst="ellipse">
-            <a:avLst/>
-          </a:prstGeom>
-          <a:noFill/>
-          <a:ln w="57150">
-            <a:solidFill>
-              <a:schemeClr val="tx1"/>
-            </a:solidFill>
-          </a:ln>
-        </p:spPr>
-        <p:style>
-          <a:lnRef idx="2">
-            <a:schemeClr val="accent1">
-              <a:shade val="50000"/>
-            </a:schemeClr>
-          </a:lnRef>
-          <a:fillRef idx="1">
-            <a:schemeClr val="accent1"/>
-          </a:fillRef>
-          <a:effectRef idx="0">
-            <a:schemeClr val="accent1"/>
-          </a:effectRef>
-          <a:fontRef idx="minor">
-            <a:schemeClr val="lt1"/>
-          </a:fontRef>
-        </p:style>
-        <p:txBody>
-          <a:bodyPr rtlCol="0" anchor="ctr"/>
-          <a:lstStyle/>
-          <a:p>
-            <a:pPr algn="ctr"/>
-            <a:r>
-              <a:rPr lang="pt-BR" sz="4800" dirty="0" smtClean="0">
-                <a:solidFill>
-                  <a:schemeClr val="tx1"/>
-                </a:solidFill>
-              </a:rPr>
-              <a:t>X</a:t>
-            </a:r>
-            <a:endParaRPr lang="pt-BR" sz="1600" dirty="0">
-              <a:solidFill>
-                <a:schemeClr val="tx1"/>
-              </a:solidFill>
-            </a:endParaRPr>
-          </a:p>
-        </p:txBody>
-      </p:sp>
-      <p:sp>
-        <p:nvSpPr>
-          <p:cNvPr id="9" name="Elipse 8"/>
-          <p:cNvSpPr/>
-          <p:nvPr/>
-        </p:nvSpPr>
-        <p:spPr>
-          <a:xfrm>
-            <a:off x="-2011864" y="3730892"/>
-            <a:ext cx="648000" cy="648000"/>
-          </a:xfrm>
-          <a:prstGeom prst="ellipse">
-            <a:avLst/>
-          </a:prstGeom>
-          <a:noFill/>
-          <a:ln w="57150">
-            <a:solidFill>
-              <a:schemeClr val="tx1"/>
-            </a:solidFill>
-          </a:ln>
-        </p:spPr>
-        <p:style>
-          <a:lnRef idx="2">
-            <a:schemeClr val="accent1">
-              <a:shade val="50000"/>
-            </a:schemeClr>
-          </a:lnRef>
-          <a:fillRef idx="1">
-            <a:schemeClr val="accent1"/>
-          </a:fillRef>
-          <a:effectRef idx="0">
-            <a:schemeClr val="accent1"/>
-          </a:effectRef>
-          <a:fontRef idx="minor">
-            <a:schemeClr val="lt1"/>
-          </a:fontRef>
-        </p:style>
-        <p:txBody>
-          <a:bodyPr rtlCol="0" anchor="ctr"/>
-          <a:lstStyle/>
-          <a:p>
-            <a:pPr algn="ctr"/>
-            <a:r>
-              <a:rPr lang="pt-BR" sz="4800" dirty="0" smtClean="0">
-                <a:solidFill>
-                  <a:schemeClr val="tx1"/>
-                </a:solidFill>
-              </a:rPr>
-              <a:t>X</a:t>
-            </a:r>
-            <a:endParaRPr lang="pt-BR" sz="1600" dirty="0">
-              <a:solidFill>
-                <a:schemeClr val="tx1"/>
-              </a:solidFill>
-            </a:endParaRPr>
-          </a:p>
-        </p:txBody>
-      </p:sp>
-      <mc:AlternateContent xmlns:mc="http://schemas.openxmlformats.org/markup-compatibility/2006">
-        <mc:Choice xmlns:a14="http://schemas.microsoft.com/office/drawing/2010/main" Requires="a14">
-          <p:sp>
-            <p:nvSpPr>
-              <p:cNvPr id="10" name="Elipse 9"/>
-              <p:cNvSpPr/>
-              <p:nvPr/>
-            </p:nvSpPr>
-            <p:spPr>
-              <a:xfrm>
-                <a:off x="-1002577" y="2956764"/>
-                <a:ext cx="648000" cy="648000"/>
-              </a:xfrm>
-              <a:prstGeom prst="ellipse">
-                <a:avLst/>
-              </a:prstGeom>
-              <a:noFill/>
-              <a:ln w="57150">
-                <a:solidFill>
-                  <a:schemeClr val="tx1"/>
-                </a:solidFill>
-              </a:ln>
-            </p:spPr>
-            <p:style>
-              <a:lnRef idx="2">
-                <a:schemeClr val="accent1">
-                  <a:shade val="50000"/>
-                </a:schemeClr>
-              </a:lnRef>
-              <a:fillRef idx="1">
-                <a:schemeClr val="accent1"/>
-              </a:fillRef>
-              <a:effectRef idx="0">
-                <a:schemeClr val="accent1"/>
-              </a:effectRef>
-              <a:fontRef idx="minor">
-                <a:schemeClr val="lt1"/>
-              </a:fontRef>
-            </p:style>
-            <p:txBody>
-              <a:bodyPr rtlCol="0" anchor="ctr"/>
-              <a:lstStyle/>
-              <a:p>
-                <a:pPr algn="ctr"/>
-                <a14:m>
-                  <m:oMathPara xmlns:m="http://schemas.openxmlformats.org/officeDocument/2006/math">
-                    <m:oMathParaPr>
-                      <m:jc m:val="center"/>
-                    </m:oMathParaPr>
-                    <m:oMath xmlns:m="http://schemas.openxmlformats.org/officeDocument/2006/math">
-                      <m:r>
-                        <m:rPr>
-                          <m:sty m:val="p"/>
-                        </m:rPr>
-                        <a:rPr lang="pt-BR" sz="4400" b="0" i="0" smtClean="0">
-                          <a:solidFill>
-                            <a:schemeClr val="tx1"/>
-                          </a:solidFill>
-                          <a:latin typeface="Cambria Math"/>
-                        </a:rPr>
-                        <m:t>Σ</m:t>
-                      </m:r>
-                    </m:oMath>
-                  </m:oMathPara>
-                </a14:m>
-                <a:endParaRPr lang="pt-BR" sz="1600" dirty="0">
-                  <a:solidFill>
-                    <a:schemeClr val="tx1"/>
-                  </a:solidFill>
-                </a:endParaRPr>
-              </a:p>
-            </p:txBody>
-          </p:sp>
-        </mc:Choice>
-        <mc:Fallback>
-          <p:sp>
-            <p:nvSpPr>
-              <p:cNvPr id="10" name="Elipse 9"/>
-              <p:cNvSpPr>
-                <a:spLocks noRot="1" noChangeAspect="1" noMove="1" noResize="1" noEditPoints="1" noAdjustHandles="1" noChangeArrowheads="1" noChangeShapeType="1" noTextEdit="1"/>
-              </p:cNvSpPr>
-              <p:nvPr/>
-            </p:nvSpPr>
-            <p:spPr>
-              <a:xfrm>
-                <a:off x="-1002577" y="2956764"/>
-                <a:ext cx="648000" cy="648000"/>
-              </a:xfrm>
-              <a:prstGeom prst="ellipse">
-                <a:avLst/>
-              </a:prstGeom>
-              <a:blipFill rotWithShape="1">
-                <a:blip r:embed="rId7"/>
-                <a:stretch>
-                  <a:fillRect/>
-                </a:stretch>
-              </a:blipFill>
-              <a:ln w="57150">
-                <a:solidFill>
-                  <a:schemeClr val="tx1"/>
-                </a:solidFill>
-              </a:ln>
-            </p:spPr>
-            <p:txBody>
-              <a:bodyPr/>
-              <a:lstStyle/>
-              <a:p>
-                <a:r>
-                  <a:rPr lang="pt-BR">
-                    <a:noFill/>
-                  </a:rPr>
-                  <a:t> </a:t>
-                </a:r>
-              </a:p>
-            </p:txBody>
-          </p:sp>
-        </mc:Fallback>
-      </mc:AlternateContent>
-      <p:cxnSp>
-        <p:nvCxnSpPr>
-          <p:cNvPr id="17" name="Conector de seta reta 16"/>
-          <p:cNvCxnSpPr>
-            <a:stCxn id="10" idx="6"/>
-            <a:endCxn id="7" idx="1"/>
-          </p:cNvCxnSpPr>
-          <p:nvPr/>
-        </p:nvCxnSpPr>
-        <p:spPr>
-          <a:xfrm>
-            <a:off x="-354577" y="3280764"/>
-            <a:ext cx="1312861" cy="0"/>
-          </a:xfrm>
-          <a:prstGeom prst="straightConnector1">
-            <a:avLst/>
-          </a:prstGeom>
-          <a:noFill/>
-          <a:ln w="57150">
-            <a:solidFill>
-              <a:schemeClr val="tx1"/>
-            </a:solidFill>
-            <a:headEnd type="none" w="med" len="med"/>
-            <a:tailEnd type="arrow" w="med" len="med"/>
-          </a:ln>
-        </p:spPr>
-        <p:style>
-          <a:lnRef idx="2">
-            <a:schemeClr val="accent1">
-              <a:shade val="50000"/>
-            </a:schemeClr>
-          </a:lnRef>
-          <a:fillRef idx="1">
-            <a:schemeClr val="accent1"/>
-          </a:fillRef>
-          <a:effectRef idx="0">
-            <a:schemeClr val="accent1"/>
-          </a:effectRef>
-          <a:fontRef idx="minor">
-            <a:schemeClr val="lt1"/>
-          </a:fontRef>
-        </p:style>
-      </p:cxnSp>
-      <p:cxnSp>
-        <p:nvCxnSpPr>
-          <p:cNvPr id="20" name="Conector de seta reta 19"/>
-          <p:cNvCxnSpPr>
-            <a:stCxn id="7" idx="3"/>
-            <a:endCxn id="6" idx="1"/>
-          </p:cNvCxnSpPr>
-          <p:nvPr/>
-        </p:nvCxnSpPr>
-        <p:spPr>
-          <a:xfrm flipV="1">
-            <a:off x="3544352" y="3280763"/>
-            <a:ext cx="924642" cy="1"/>
-          </a:xfrm>
-          <a:prstGeom prst="straightConnector1">
-            <a:avLst/>
-          </a:prstGeom>
-          <a:noFill/>
-          <a:ln w="57150">
-            <a:solidFill>
-              <a:schemeClr val="tx1"/>
-            </a:solidFill>
-            <a:headEnd type="none" w="med" len="med"/>
-            <a:tailEnd type="arrow" w="med" len="med"/>
-          </a:ln>
-        </p:spPr>
-        <p:style>
-          <a:lnRef idx="2">
-            <a:schemeClr val="accent1">
-              <a:shade val="50000"/>
-            </a:schemeClr>
-          </a:lnRef>
-          <a:fillRef idx="1">
-            <a:schemeClr val="accent1"/>
-          </a:fillRef>
-          <a:effectRef idx="0">
-            <a:schemeClr val="accent1"/>
-          </a:effectRef>
-          <a:fontRef idx="minor">
-            <a:schemeClr val="lt1"/>
-          </a:fontRef>
-        </p:style>
-      </p:cxnSp>
-      <p:cxnSp>
-        <p:nvCxnSpPr>
-          <p:cNvPr id="25" name="Conector de seta reta 24"/>
-          <p:cNvCxnSpPr>
-            <a:stCxn id="3" idx="3"/>
-            <a:endCxn id="4" idx="1"/>
-          </p:cNvCxnSpPr>
-          <p:nvPr/>
-        </p:nvCxnSpPr>
-        <p:spPr>
-          <a:xfrm>
-            <a:off x="4036404" y="4928084"/>
-            <a:ext cx="2717538" cy="0"/>
-          </a:xfrm>
-          <a:prstGeom prst="straightConnector1">
-            <a:avLst/>
-          </a:prstGeom>
-          <a:noFill/>
-          <a:ln w="57150">
-            <a:solidFill>
-              <a:schemeClr val="tx1"/>
-            </a:solidFill>
-            <a:headEnd type="arrow" w="med" len="med"/>
-            <a:tailEnd type="arrow" w="med" len="med"/>
-          </a:ln>
-        </p:spPr>
-        <p:style>
-          <a:lnRef idx="2">
-            <a:schemeClr val="accent1">
-              <a:shade val="50000"/>
-            </a:schemeClr>
-          </a:lnRef>
-          <a:fillRef idx="1">
-            <a:schemeClr val="accent1"/>
-          </a:fillRef>
-          <a:effectRef idx="0">
-            <a:schemeClr val="accent1"/>
-          </a:effectRef>
-          <a:fontRef idx="minor">
-            <a:schemeClr val="lt1"/>
-          </a:fontRef>
-        </p:style>
-      </p:cxnSp>
-      <p:cxnSp>
-        <p:nvCxnSpPr>
-          <p:cNvPr id="28" name="Conector de seta reta 27"/>
-          <p:cNvCxnSpPr>
-            <a:stCxn id="2" idx="3"/>
-            <a:endCxn id="5" idx="1"/>
-          </p:cNvCxnSpPr>
-          <p:nvPr/>
-        </p:nvCxnSpPr>
-        <p:spPr>
-          <a:xfrm flipV="1">
-            <a:off x="4036402" y="1594580"/>
-            <a:ext cx="2717540" cy="1471"/>
-          </a:xfrm>
-          <a:prstGeom prst="straightConnector1">
-            <a:avLst/>
-          </a:prstGeom>
-          <a:noFill/>
-          <a:ln w="57150">
-            <a:solidFill>
-              <a:schemeClr val="tx1"/>
-            </a:solidFill>
-            <a:headEnd type="arrow" w="med" len="med"/>
-            <a:tailEnd type="arrow" w="med" len="med"/>
-          </a:ln>
-        </p:spPr>
-        <p:style>
-          <a:lnRef idx="2">
-            <a:schemeClr val="accent1">
-              <a:shade val="50000"/>
-            </a:schemeClr>
-          </a:lnRef>
-          <a:fillRef idx="1">
-            <a:schemeClr val="accent1"/>
-          </a:fillRef>
-          <a:effectRef idx="0">
-            <a:schemeClr val="accent1"/>
-          </a:effectRef>
-          <a:fontRef idx="minor">
-            <a:schemeClr val="lt1"/>
-          </a:fontRef>
-        </p:style>
-      </p:cxnSp>
-      <p:cxnSp>
-        <p:nvCxnSpPr>
-          <p:cNvPr id="38" name="Conector angulado 37"/>
-          <p:cNvCxnSpPr>
-            <a:stCxn id="2" idx="1"/>
-            <a:endCxn id="8" idx="0"/>
-          </p:cNvCxnSpPr>
-          <p:nvPr/>
-        </p:nvCxnSpPr>
-        <p:spPr>
-          <a:xfrm rot="10800000" flipV="1">
-            <a:off x="-1687863" y="1596051"/>
-            <a:ext cx="2646147" cy="549192"/>
-          </a:xfrm>
-          <a:prstGeom prst="bentConnector2">
-            <a:avLst/>
-          </a:prstGeom>
-          <a:ln w="57150">
-            <a:solidFill>
-              <a:schemeClr val="tx1"/>
-            </a:solidFill>
-            <a:headEnd type="none" w="med" len="med"/>
-            <a:tailEnd type="arrow" w="med" len="med"/>
-          </a:ln>
-        </p:spPr>
-        <p:style>
-          <a:lnRef idx="1">
-            <a:schemeClr val="accent1"/>
-          </a:lnRef>
-          <a:fillRef idx="0">
-            <a:schemeClr val="accent1"/>
-          </a:fillRef>
-          <a:effectRef idx="0">
-            <a:schemeClr val="accent1"/>
-          </a:effectRef>
-          <a:fontRef idx="minor">
-            <a:schemeClr val="tx1"/>
-          </a:fontRef>
-        </p:style>
-      </p:cxnSp>
-      <p:cxnSp>
-        <p:nvCxnSpPr>
-          <p:cNvPr id="47" name="Conector angulado 46"/>
-          <p:cNvCxnSpPr>
-            <a:stCxn id="3" idx="1"/>
-            <a:endCxn id="9" idx="4"/>
-          </p:cNvCxnSpPr>
-          <p:nvPr/>
-        </p:nvCxnSpPr>
-        <p:spPr>
-          <a:xfrm rot="10800000">
-            <a:off x="-1687864" y="4378892"/>
-            <a:ext cx="2646148" cy="549192"/>
-          </a:xfrm>
-          <a:prstGeom prst="bentConnector2">
-            <a:avLst/>
-          </a:prstGeom>
-          <a:ln w="57150">
-            <a:solidFill>
-              <a:schemeClr val="tx1"/>
-            </a:solidFill>
-            <a:headEnd type="none" w="med" len="med"/>
-            <a:tailEnd type="arrow" w="med" len="med"/>
-          </a:ln>
-        </p:spPr>
-        <p:style>
-          <a:lnRef idx="1">
-            <a:schemeClr val="accent1"/>
-          </a:lnRef>
-          <a:fillRef idx="0">
-            <a:schemeClr val="accent1"/>
-          </a:fillRef>
-          <a:effectRef idx="0">
-            <a:schemeClr val="accent1"/>
-          </a:effectRef>
-          <a:fontRef idx="minor">
-            <a:schemeClr val="tx1"/>
-          </a:fontRef>
-        </p:style>
-      </p:cxnSp>
-      <p:cxnSp>
-        <p:nvCxnSpPr>
-          <p:cNvPr id="50" name="Conector angulado 49"/>
-          <p:cNvCxnSpPr>
-            <a:stCxn id="8" idx="6"/>
-            <a:endCxn id="10" idx="0"/>
-          </p:cNvCxnSpPr>
-          <p:nvPr/>
-        </p:nvCxnSpPr>
-        <p:spPr>
-          <a:xfrm>
-            <a:off x="-1363864" y="2469243"/>
-            <a:ext cx="685287" cy="487521"/>
-          </a:xfrm>
-          <a:prstGeom prst="bentConnector2">
-            <a:avLst/>
-          </a:prstGeom>
-          <a:ln w="57150">
-            <a:solidFill>
-              <a:schemeClr val="tx1"/>
-            </a:solidFill>
-            <a:headEnd type="none" w="med" len="med"/>
-            <a:tailEnd type="arrow" w="med" len="med"/>
-          </a:ln>
-        </p:spPr>
-        <p:style>
-          <a:lnRef idx="1">
-            <a:schemeClr val="accent1"/>
-          </a:lnRef>
-          <a:fillRef idx="0">
-            <a:schemeClr val="accent1"/>
-          </a:fillRef>
-          <a:effectRef idx="0">
-            <a:schemeClr val="accent1"/>
-          </a:effectRef>
-          <a:fontRef idx="minor">
-            <a:schemeClr val="tx1"/>
-          </a:fontRef>
-        </p:style>
-      </p:cxnSp>
-      <p:cxnSp>
-        <p:nvCxnSpPr>
-          <p:cNvPr id="53" name="Conector angulado 52"/>
-          <p:cNvCxnSpPr>
-            <a:stCxn id="9" idx="6"/>
-            <a:endCxn id="10" idx="4"/>
-          </p:cNvCxnSpPr>
-          <p:nvPr/>
-        </p:nvCxnSpPr>
-        <p:spPr>
-          <a:xfrm flipV="1">
-            <a:off x="-1363864" y="3604764"/>
-            <a:ext cx="685287" cy="450128"/>
-          </a:xfrm>
-          <a:prstGeom prst="bentConnector2">
-            <a:avLst/>
-          </a:prstGeom>
-          <a:ln w="57150">
-            <a:solidFill>
-              <a:schemeClr val="tx1"/>
-            </a:solidFill>
-            <a:headEnd type="none" w="med" len="med"/>
-            <a:tailEnd type="arrow" w="med" len="med"/>
-          </a:ln>
-        </p:spPr>
-        <p:style>
-          <a:lnRef idx="1">
-            <a:schemeClr val="accent1"/>
-          </a:lnRef>
-          <a:fillRef idx="0">
-            <a:schemeClr val="accent1"/>
-          </a:fillRef>
-          <a:effectRef idx="0">
-            <a:schemeClr val="accent1"/>
-          </a:effectRef>
-          <a:fontRef idx="minor">
-            <a:schemeClr val="tx1"/>
-          </a:fontRef>
-        </p:style>
-      </p:cxnSp>
-      <p:cxnSp>
-        <p:nvCxnSpPr>
-          <p:cNvPr id="59" name="Conector angulado 58"/>
-          <p:cNvCxnSpPr>
-            <a:stCxn id="6" idx="3"/>
-          </p:cNvCxnSpPr>
-          <p:nvPr/>
-        </p:nvCxnSpPr>
-        <p:spPr>
-          <a:xfrm flipV="1">
-            <a:off x="5461790" y="1596051"/>
-            <a:ext cx="560633" cy="1684712"/>
-          </a:xfrm>
-          <a:prstGeom prst="bentConnector2">
-            <a:avLst/>
-          </a:prstGeom>
-          <a:ln w="57150">
-            <a:solidFill>
-              <a:schemeClr val="tx1"/>
-            </a:solidFill>
-          </a:ln>
-        </p:spPr>
-        <p:style>
-          <a:lnRef idx="1">
-            <a:schemeClr val="accent1"/>
-          </a:lnRef>
-          <a:fillRef idx="0">
-            <a:schemeClr val="accent1"/>
-          </a:fillRef>
-          <a:effectRef idx="0">
-            <a:schemeClr val="accent1"/>
-          </a:effectRef>
-          <a:fontRef idx="minor">
-            <a:schemeClr val="tx1"/>
-          </a:fontRef>
-        </p:style>
-      </p:cxnSp>
-      <p:cxnSp>
-        <p:nvCxnSpPr>
-          <p:cNvPr id="63" name="Conector angulado 62"/>
-          <p:cNvCxnSpPr>
-            <a:stCxn id="6" idx="3"/>
-          </p:cNvCxnSpPr>
-          <p:nvPr/>
-        </p:nvCxnSpPr>
-        <p:spPr>
-          <a:xfrm>
-            <a:off x="5461790" y="3280763"/>
-            <a:ext cx="560633" cy="1647321"/>
-          </a:xfrm>
-          <a:prstGeom prst="bentConnector2">
-            <a:avLst/>
-          </a:prstGeom>
-          <a:ln w="57150">
-            <a:solidFill>
-              <a:schemeClr val="tx1"/>
-            </a:solidFill>
-          </a:ln>
-        </p:spPr>
-        <p:style>
-          <a:lnRef idx="1">
-            <a:schemeClr val="accent1"/>
-          </a:lnRef>
-          <a:fillRef idx="0">
-            <a:schemeClr val="accent1"/>
-          </a:fillRef>
-          <a:effectRef idx="0">
-            <a:schemeClr val="accent1"/>
-          </a:effectRef>
-          <a:fontRef idx="minor">
-            <a:schemeClr val="tx1"/>
-          </a:fontRef>
-        </p:style>
-      </p:cxnSp>
-      <p:cxnSp>
-        <p:nvCxnSpPr>
-          <p:cNvPr id="66" name="Conector de seta reta 65"/>
-          <p:cNvCxnSpPr>
-            <a:endCxn id="9" idx="2"/>
-          </p:cNvCxnSpPr>
-          <p:nvPr/>
-        </p:nvCxnSpPr>
-        <p:spPr>
-          <a:xfrm flipV="1">
-            <a:off x="-3078400" y="4054892"/>
-            <a:ext cx="1066536" cy="1"/>
-          </a:xfrm>
-          <a:prstGeom prst="straightConnector1">
-            <a:avLst/>
-          </a:prstGeom>
-          <a:noFill/>
-          <a:ln w="57150">
-            <a:solidFill>
-              <a:schemeClr val="tx1"/>
-            </a:solidFill>
-            <a:headEnd type="none" w="med" len="med"/>
-            <a:tailEnd type="arrow" w="med" len="med"/>
-          </a:ln>
-        </p:spPr>
-        <p:style>
-          <a:lnRef idx="2">
-            <a:schemeClr val="accent1">
-              <a:shade val="50000"/>
-            </a:schemeClr>
-          </a:lnRef>
-          <a:fillRef idx="1">
-            <a:schemeClr val="accent1"/>
-          </a:fillRef>
-          <a:effectRef idx="0">
-            <a:schemeClr val="accent1"/>
-          </a:effectRef>
-          <a:fontRef idx="minor">
-            <a:schemeClr val="lt1"/>
-          </a:fontRef>
-        </p:style>
-      </p:cxnSp>
-      <p:cxnSp>
-        <p:nvCxnSpPr>
-          <p:cNvPr id="68" name="Conector de seta reta 67"/>
-          <p:cNvCxnSpPr>
-            <a:endCxn id="8" idx="2"/>
-          </p:cNvCxnSpPr>
-          <p:nvPr/>
-        </p:nvCxnSpPr>
-        <p:spPr>
-          <a:xfrm>
-            <a:off x="-3078400" y="2469243"/>
-            <a:ext cx="1066536" cy="0"/>
-          </a:xfrm>
-          <a:prstGeom prst="straightConnector1">
-            <a:avLst/>
-          </a:prstGeom>
-          <a:noFill/>
-          <a:ln w="57150">
-            <a:solidFill>
-              <a:schemeClr val="tx1"/>
-            </a:solidFill>
-            <a:headEnd type="none" w="med" len="med"/>
-            <a:tailEnd type="arrow" w="med" len="med"/>
-          </a:ln>
-        </p:spPr>
-        <p:style>
-          <a:lnRef idx="2">
-            <a:schemeClr val="accent1">
-              <a:shade val="50000"/>
-            </a:schemeClr>
-          </a:lnRef>
-          <a:fillRef idx="1">
-            <a:schemeClr val="accent1"/>
-          </a:fillRef>
-          <a:effectRef idx="0">
-            <a:schemeClr val="accent1"/>
-          </a:effectRef>
-          <a:fontRef idx="minor">
-            <a:schemeClr val="lt1"/>
-          </a:fontRef>
-        </p:style>
-      </p:cxnSp>
-      <p:cxnSp>
-        <p:nvCxnSpPr>
-          <p:cNvPr id="74" name="Conector de seta reta 73"/>
-          <p:cNvCxnSpPr>
-            <a:stCxn id="5" idx="3"/>
-          </p:cNvCxnSpPr>
-          <p:nvPr/>
-        </p:nvCxnSpPr>
-        <p:spPr>
-          <a:xfrm>
-            <a:off x="9832062" y="1594580"/>
-            <a:ext cx="1164756" cy="1471"/>
-          </a:xfrm>
-          <a:prstGeom prst="straightConnector1">
-            <a:avLst/>
-          </a:prstGeom>
-          <a:noFill/>
-          <a:ln w="57150">
-            <a:solidFill>
-              <a:schemeClr val="tx1"/>
-            </a:solidFill>
-            <a:headEnd type="none" w="med" len="med"/>
-            <a:tailEnd type="arrow" w="med" len="med"/>
-          </a:ln>
-        </p:spPr>
-        <p:style>
-          <a:lnRef idx="2">
-            <a:schemeClr val="accent1">
-              <a:shade val="50000"/>
-            </a:schemeClr>
-          </a:lnRef>
-          <a:fillRef idx="1">
-            <a:schemeClr val="accent1"/>
-          </a:fillRef>
-          <a:effectRef idx="0">
-            <a:schemeClr val="accent1"/>
-          </a:effectRef>
-          <a:fontRef idx="minor">
-            <a:schemeClr val="lt1"/>
-          </a:fontRef>
-        </p:style>
-      </p:cxnSp>
-      <p:cxnSp>
-        <p:nvCxnSpPr>
-          <p:cNvPr id="75" name="Conector de seta reta 74"/>
-          <p:cNvCxnSpPr>
-            <a:stCxn id="4" idx="3"/>
-          </p:cNvCxnSpPr>
-          <p:nvPr/>
-        </p:nvCxnSpPr>
-        <p:spPr>
-          <a:xfrm>
-            <a:off x="9832062" y="4928084"/>
-            <a:ext cx="1164756" cy="0"/>
-          </a:xfrm>
-          <a:prstGeom prst="straightConnector1">
-            <a:avLst/>
-          </a:prstGeom>
-          <a:noFill/>
-          <a:ln w="57150">
-            <a:solidFill>
-              <a:schemeClr val="tx1"/>
-            </a:solidFill>
-            <a:headEnd type="none" w="med" len="med"/>
-            <a:tailEnd type="arrow" w="med" len="med"/>
-          </a:ln>
-        </p:spPr>
-        <p:style>
-          <a:lnRef idx="2">
-            <a:schemeClr val="accent1">
-              <a:shade val="50000"/>
-            </a:schemeClr>
-          </a:lnRef>
-          <a:fillRef idx="1">
-            <a:schemeClr val="accent1"/>
-          </a:fillRef>
-          <a:effectRef idx="0">
-            <a:schemeClr val="accent1"/>
-          </a:effectRef>
-          <a:fontRef idx="minor">
-            <a:schemeClr val="lt1"/>
-          </a:fontRef>
-        </p:style>
-      </p:cxnSp>
-      <p:sp>
-        <p:nvSpPr>
-          <p:cNvPr id="81" name="Elipse 80"/>
-          <p:cNvSpPr/>
-          <p:nvPr/>
-        </p:nvSpPr>
-        <p:spPr>
-          <a:xfrm>
-            <a:off x="5932423" y="1506051"/>
-            <a:ext cx="180000" cy="180000"/>
-          </a:xfrm>
-          <a:prstGeom prst="ellipse">
-            <a:avLst/>
-          </a:prstGeom>
-          <a:solidFill>
-            <a:schemeClr val="tx1"/>
-          </a:solidFill>
-          <a:ln>
-            <a:solidFill>
-              <a:schemeClr val="tx1"/>
-            </a:solidFill>
-          </a:ln>
-        </p:spPr>
-        <p:style>
-          <a:lnRef idx="2">
-            <a:schemeClr val="accent1">
-              <a:shade val="50000"/>
-            </a:schemeClr>
-          </a:lnRef>
-          <a:fillRef idx="1">
-            <a:schemeClr val="accent1"/>
-          </a:fillRef>
-          <a:effectRef idx="0">
-            <a:schemeClr val="accent1"/>
-          </a:effectRef>
-          <a:fontRef idx="minor">
-            <a:schemeClr val="lt1"/>
-          </a:fontRef>
-        </p:style>
-        <p:txBody>
-          <a:bodyPr rtlCol="0" anchor="ctr"/>
-          <a:lstStyle/>
-          <a:p>
-            <a:pPr algn="ctr"/>
-            <a:endParaRPr lang="pt-BR">
-              <a:ln>
-                <a:solidFill>
-                  <a:schemeClr val="bg1"/>
-                </a:solidFill>
-              </a:ln>
-            </a:endParaRPr>
-          </a:p>
-        </p:txBody>
-      </p:sp>
-      <p:sp>
-        <p:nvSpPr>
-          <p:cNvPr id="82" name="Elipse 81"/>
-          <p:cNvSpPr/>
-          <p:nvPr/>
-        </p:nvSpPr>
-        <p:spPr>
-          <a:xfrm>
-            <a:off x="5932423" y="3190764"/>
-            <a:ext cx="180000" cy="180000"/>
-          </a:xfrm>
-          <a:prstGeom prst="ellipse">
-            <a:avLst/>
-          </a:prstGeom>
-          <a:solidFill>
-            <a:schemeClr val="tx1"/>
-          </a:solidFill>
-          <a:ln>
-            <a:solidFill>
-              <a:schemeClr val="tx1"/>
-            </a:solidFill>
-          </a:ln>
-        </p:spPr>
-        <p:style>
-          <a:lnRef idx="2">
-            <a:schemeClr val="accent1">
-              <a:shade val="50000"/>
-            </a:schemeClr>
-          </a:lnRef>
-          <a:fillRef idx="1">
-            <a:schemeClr val="accent1"/>
-          </a:fillRef>
-          <a:effectRef idx="0">
-            <a:schemeClr val="accent1"/>
-          </a:effectRef>
-          <a:fontRef idx="minor">
-            <a:schemeClr val="lt1"/>
-          </a:fontRef>
-        </p:style>
-        <p:txBody>
-          <a:bodyPr rtlCol="0" anchor="ctr"/>
-          <a:lstStyle/>
-          <a:p>
-            <a:pPr algn="ctr"/>
-            <a:endParaRPr lang="pt-BR">
-              <a:ln>
-                <a:solidFill>
-                  <a:schemeClr val="bg1"/>
-                </a:solidFill>
-              </a:ln>
-            </a:endParaRPr>
-          </a:p>
-        </p:txBody>
-      </p:sp>
-      <p:sp>
-        <p:nvSpPr>
-          <p:cNvPr id="83" name="Elipse 82"/>
-          <p:cNvSpPr/>
-          <p:nvPr/>
-        </p:nvSpPr>
-        <p:spPr>
-          <a:xfrm>
-            <a:off x="5932423" y="4838084"/>
-            <a:ext cx="180000" cy="180000"/>
-          </a:xfrm>
-          <a:prstGeom prst="ellipse">
-            <a:avLst/>
-          </a:prstGeom>
-          <a:solidFill>
-            <a:schemeClr val="tx1"/>
-          </a:solidFill>
-          <a:ln>
-            <a:solidFill>
-              <a:schemeClr val="tx1"/>
-            </a:solidFill>
-          </a:ln>
-        </p:spPr>
-        <p:style>
-          <a:lnRef idx="2">
-            <a:schemeClr val="accent1">
-              <a:shade val="50000"/>
-            </a:schemeClr>
-          </a:lnRef>
-          <a:fillRef idx="1">
-            <a:schemeClr val="accent1"/>
-          </a:fillRef>
-          <a:effectRef idx="0">
-            <a:schemeClr val="accent1"/>
-          </a:effectRef>
-          <a:fontRef idx="minor">
-            <a:schemeClr val="lt1"/>
-          </a:fontRef>
-        </p:style>
-        <p:txBody>
-          <a:bodyPr rtlCol="0" anchor="ctr"/>
-          <a:lstStyle/>
-          <a:p>
-            <a:pPr algn="ctr"/>
-            <a:endParaRPr lang="pt-BR">
-              <a:ln>
-                <a:solidFill>
-                  <a:schemeClr val="bg1"/>
-                </a:solidFill>
-              </a:ln>
-            </a:endParaRPr>
-          </a:p>
-        </p:txBody>
-      </p:sp>
-      <mc:AlternateContent xmlns:mc="http://schemas.openxmlformats.org/markup-compatibility/2006">
-        <mc:Choice xmlns:a14="http://schemas.microsoft.com/office/drawing/2010/main" Requires="a14">
-          <p:sp>
-            <p:nvSpPr>
-              <p:cNvPr id="84" name="Retângulo 83"/>
-              <p:cNvSpPr/>
-              <p:nvPr/>
-            </p:nvSpPr>
-            <p:spPr>
-              <a:xfrm>
-                <a:off x="5274718" y="1011276"/>
-                <a:ext cx="747705" cy="584775"/>
-              </a:xfrm>
-              <a:prstGeom prst="rect">
-                <a:avLst/>
-              </a:prstGeom>
-            </p:spPr>
-            <p:txBody>
-              <a:bodyPr wrap="none">
-                <a:spAutoFit/>
-              </a:bodyPr>
-              <a:lstStyle/>
-              <a:p>
-                <a14:m>
-                  <m:oMathPara xmlns:m="http://schemas.openxmlformats.org/officeDocument/2006/math">
-                    <m:oMathParaPr>
-                      <m:jc m:val="centerGroup"/>
-                    </m:oMathParaPr>
-                    <m:oMath xmlns:m="http://schemas.openxmlformats.org/officeDocument/2006/math">
-                      <m:r>
-                        <a:rPr lang="pt-BR" sz="3200" i="1">
-                          <a:latin typeface="Cambria Math"/>
-                        </a:rPr>
-                        <m:t>𝜔</m:t>
-                      </m:r>
-                      <m:r>
-                        <a:rPr lang="pt-BR" sz="3200" i="1">
-                          <a:latin typeface="Cambria Math"/>
-                        </a:rPr>
-                        <m:t>𝑡</m:t>
-                      </m:r>
-                    </m:oMath>
-                  </m:oMathPara>
-                </a14:m>
-                <a:endParaRPr lang="pt-BR" sz="3200" dirty="0"/>
-              </a:p>
-            </p:txBody>
-          </p:sp>
-        </mc:Choice>
-        <mc:Fallback>
-          <p:sp>
-            <p:nvSpPr>
-              <p:cNvPr id="84" name="Retângulo 83"/>
-              <p:cNvSpPr>
-                <a:spLocks noRot="1" noChangeAspect="1" noMove="1" noResize="1" noEditPoints="1" noAdjustHandles="1" noChangeArrowheads="1" noChangeShapeType="1" noTextEdit="1"/>
-              </p:cNvSpPr>
-              <p:nvPr/>
-            </p:nvSpPr>
-            <p:spPr>
-              <a:xfrm>
-                <a:off x="5274718" y="1011276"/>
-                <a:ext cx="747705" cy="584775"/>
-              </a:xfrm>
-              <a:prstGeom prst="rect">
-                <a:avLst/>
-              </a:prstGeom>
-              <a:blipFill rotWithShape="1">
-                <a:blip r:embed="rId8"/>
-                <a:stretch>
-                  <a:fillRect/>
-                </a:stretch>
-              </a:blipFill>
-            </p:spPr>
-            <p:txBody>
-              <a:bodyPr/>
-              <a:lstStyle/>
-              <a:p>
-                <a:r>
-                  <a:rPr lang="pt-BR">
-                    <a:noFill/>
-                  </a:rPr>
-                  <a:t> </a:t>
-                </a:r>
-              </a:p>
-            </p:txBody>
-          </p:sp>
-        </mc:Fallback>
-      </mc:AlternateContent>
-      <mc:AlternateContent xmlns:mc="http://schemas.openxmlformats.org/markup-compatibility/2006">
-        <mc:Choice xmlns:a14="http://schemas.microsoft.com/office/drawing/2010/main" Requires="a14">
-          <p:sp>
-            <p:nvSpPr>
-              <p:cNvPr id="85" name="Retângulo 84"/>
-              <p:cNvSpPr/>
-              <p:nvPr/>
-            </p:nvSpPr>
-            <p:spPr>
-              <a:xfrm>
-                <a:off x="5273583" y="4928084"/>
-                <a:ext cx="747705" cy="584775"/>
-              </a:xfrm>
-              <a:prstGeom prst="rect">
-                <a:avLst/>
-              </a:prstGeom>
-            </p:spPr>
-            <p:txBody>
-              <a:bodyPr wrap="none">
-                <a:spAutoFit/>
-              </a:bodyPr>
-              <a:lstStyle/>
-              <a:p>
-                <a14:m>
-                  <m:oMathPara xmlns:m="http://schemas.openxmlformats.org/officeDocument/2006/math">
-                    <m:oMathParaPr>
-                      <m:jc m:val="centerGroup"/>
-                    </m:oMathParaPr>
-                    <m:oMath xmlns:m="http://schemas.openxmlformats.org/officeDocument/2006/math">
-                      <m:r>
-                        <a:rPr lang="pt-BR" sz="3200" i="1">
-                          <a:latin typeface="Cambria Math"/>
-                        </a:rPr>
-                        <m:t>𝜔</m:t>
-                      </m:r>
-                      <m:r>
-                        <a:rPr lang="pt-BR" sz="3200" i="1">
-                          <a:latin typeface="Cambria Math"/>
-                        </a:rPr>
-                        <m:t>𝑡</m:t>
-                      </m:r>
-                    </m:oMath>
-                  </m:oMathPara>
-                </a14:m>
-                <a:endParaRPr lang="pt-BR" sz="3200" dirty="0"/>
-              </a:p>
-            </p:txBody>
-          </p:sp>
-        </mc:Choice>
-        <mc:Fallback>
-          <p:sp>
-            <p:nvSpPr>
-              <p:cNvPr id="85" name="Retângulo 84"/>
-              <p:cNvSpPr>
-                <a:spLocks noRot="1" noChangeAspect="1" noMove="1" noResize="1" noEditPoints="1" noAdjustHandles="1" noChangeArrowheads="1" noChangeShapeType="1" noTextEdit="1"/>
-              </p:cNvSpPr>
-              <p:nvPr/>
-            </p:nvSpPr>
-            <p:spPr>
-              <a:xfrm>
-                <a:off x="5273583" y="4928084"/>
-                <a:ext cx="747705" cy="584775"/>
-              </a:xfrm>
-              <a:prstGeom prst="rect">
-                <a:avLst/>
-              </a:prstGeom>
-              <a:blipFill rotWithShape="1">
-                <a:blip r:embed="rId9"/>
-                <a:stretch>
-                  <a:fillRect/>
-                </a:stretch>
-              </a:blipFill>
-            </p:spPr>
-            <p:txBody>
-              <a:bodyPr/>
-              <a:lstStyle/>
-              <a:p>
-                <a:r>
-                  <a:rPr lang="pt-BR">
-                    <a:noFill/>
-                  </a:rPr>
-                  <a:t> </a:t>
-                </a:r>
-              </a:p>
-            </p:txBody>
-          </p:sp>
-        </mc:Fallback>
-      </mc:AlternateContent>
-      <mc:AlternateContent xmlns:mc="http://schemas.openxmlformats.org/markup-compatibility/2006">
-        <mc:Choice xmlns:a14="http://schemas.microsoft.com/office/drawing/2010/main" Requires="a14">
-          <p:sp>
-            <p:nvSpPr>
-              <p:cNvPr id="86" name="Retângulo 85"/>
-              <p:cNvSpPr/>
-              <p:nvPr/>
-            </p:nvSpPr>
-            <p:spPr>
-              <a:xfrm>
-                <a:off x="3714253" y="2639227"/>
-                <a:ext cx="584840" cy="584775"/>
-              </a:xfrm>
-              <a:prstGeom prst="rect">
-                <a:avLst/>
-              </a:prstGeom>
-            </p:spPr>
-            <p:txBody>
-              <a:bodyPr wrap="none">
-                <a:spAutoFit/>
-              </a:bodyPr>
-              <a:lstStyle/>
-              <a:p>
-                <a14:m>
-                  <m:oMathPara xmlns:m="http://schemas.openxmlformats.org/officeDocument/2006/math">
-                    <m:oMathParaPr>
-                      <m:jc m:val="centerGroup"/>
-                    </m:oMathParaPr>
-                    <m:oMath xmlns:m="http://schemas.openxmlformats.org/officeDocument/2006/math">
-                      <m:r>
-                        <a:rPr lang="pt-BR" sz="3200" i="1">
-                          <a:latin typeface="Cambria Math"/>
-                        </a:rPr>
-                        <m:t>𝜔</m:t>
-                      </m:r>
-                    </m:oMath>
-                  </m:oMathPara>
-                </a14:m>
-                <a:endParaRPr lang="pt-BR" sz="3200" dirty="0"/>
-              </a:p>
-            </p:txBody>
-          </p:sp>
-        </mc:Choice>
-        <mc:Fallback>
-          <p:sp>
-            <p:nvSpPr>
-              <p:cNvPr id="86" name="Retângulo 85"/>
-              <p:cNvSpPr>
-                <a:spLocks noRot="1" noChangeAspect="1" noMove="1" noResize="1" noEditPoints="1" noAdjustHandles="1" noChangeArrowheads="1" noChangeShapeType="1" noTextEdit="1"/>
-              </p:cNvSpPr>
-              <p:nvPr/>
-            </p:nvSpPr>
-            <p:spPr>
-              <a:xfrm>
-                <a:off x="3714253" y="2639227"/>
-                <a:ext cx="584840" cy="584775"/>
-              </a:xfrm>
-              <a:prstGeom prst="rect">
-                <a:avLst/>
-              </a:prstGeom>
-              <a:blipFill rotWithShape="1">
-                <a:blip r:embed="rId10"/>
-                <a:stretch>
-                  <a:fillRect/>
-                </a:stretch>
-              </a:blipFill>
-            </p:spPr>
-            <p:txBody>
-              <a:bodyPr/>
-              <a:lstStyle/>
-              <a:p>
-                <a:r>
-                  <a:rPr lang="pt-BR">
-                    <a:noFill/>
-                  </a:rPr>
-                  <a:t> </a:t>
-                </a:r>
-              </a:p>
-            </p:txBody>
-          </p:sp>
-        </mc:Fallback>
-      </mc:AlternateContent>
-      <mc:AlternateContent xmlns:mc="http://schemas.openxmlformats.org/markup-compatibility/2006">
-        <mc:Choice xmlns:a14="http://schemas.microsoft.com/office/drawing/2010/main" Requires="a14">
-          <p:sp>
-            <p:nvSpPr>
-              <p:cNvPr id="87" name="Retângulo 86"/>
-              <p:cNvSpPr/>
-              <p:nvPr/>
-            </p:nvSpPr>
-            <p:spPr>
-              <a:xfrm>
-                <a:off x="-3164111" y="1853632"/>
-                <a:ext cx="888641" cy="584775"/>
-              </a:xfrm>
-              <a:prstGeom prst="rect">
-                <a:avLst/>
-              </a:prstGeom>
-            </p:spPr>
-            <p:txBody>
-              <a:bodyPr wrap="none">
-                <a:spAutoFit/>
-              </a:bodyPr>
-              <a:lstStyle/>
-              <a:p>
-                <a14:m>
-                  <m:oMathPara xmlns:m="http://schemas.openxmlformats.org/officeDocument/2006/math">
-                    <m:oMathParaPr>
-                      <m:jc m:val="centerGroup"/>
-                    </m:oMathParaPr>
-                    <m:oMath xmlns:m="http://schemas.openxmlformats.org/officeDocument/2006/math">
-                      <m:sSub>
-                        <m:sSubPr>
-                          <m:ctrlPr>
-                            <a:rPr lang="pt-BR" sz="3200" b="0" i="1" smtClean="0">
-                              <a:latin typeface="Cambria Math"/>
-                            </a:rPr>
-                          </m:ctrlPr>
-                        </m:sSubPr>
-                        <m:e>
-                          <m:r>
-                            <a:rPr lang="pt-BR" sz="3200" b="0" i="1" smtClean="0">
-                              <a:latin typeface="Cambria Math"/>
-                            </a:rPr>
-                            <m:t>𝑣</m:t>
-                          </m:r>
-                        </m:e>
-                        <m:sub>
-                          <m:r>
-                            <a:rPr lang="pt-BR" sz="3200" b="0" i="1" smtClean="0">
-                              <a:latin typeface="Cambria Math"/>
-                            </a:rPr>
-                            <m:t>𝑎𝑏</m:t>
-                          </m:r>
-                        </m:sub>
-                      </m:sSub>
-                    </m:oMath>
-                  </m:oMathPara>
-                </a14:m>
-                <a:endParaRPr lang="pt-BR" sz="3200" dirty="0"/>
-              </a:p>
-            </p:txBody>
-          </p:sp>
-        </mc:Choice>
-        <mc:Fallback>
-          <p:sp>
-            <p:nvSpPr>
-              <p:cNvPr id="87" name="Retângulo 86"/>
-              <p:cNvSpPr>
-                <a:spLocks noRot="1" noChangeAspect="1" noMove="1" noResize="1" noEditPoints="1" noAdjustHandles="1" noChangeArrowheads="1" noChangeShapeType="1" noTextEdit="1"/>
-              </p:cNvSpPr>
-              <p:nvPr/>
-            </p:nvSpPr>
-            <p:spPr>
-              <a:xfrm>
-                <a:off x="-3164111" y="1853632"/>
-                <a:ext cx="888641" cy="584775"/>
-              </a:xfrm>
-              <a:prstGeom prst="rect">
-                <a:avLst/>
-              </a:prstGeom>
-              <a:blipFill rotWithShape="1">
-                <a:blip r:embed="rId11"/>
-                <a:stretch>
-                  <a:fillRect/>
-                </a:stretch>
-              </a:blipFill>
-            </p:spPr>
-            <p:txBody>
-              <a:bodyPr/>
-              <a:lstStyle/>
-              <a:p>
-                <a:r>
-                  <a:rPr lang="pt-BR">
-                    <a:noFill/>
-                  </a:rPr>
-                  <a:t> </a:t>
-                </a:r>
-              </a:p>
-            </p:txBody>
-          </p:sp>
-        </mc:Fallback>
-      </mc:AlternateContent>
-      <mc:AlternateContent xmlns:mc="http://schemas.openxmlformats.org/markup-compatibility/2006">
-        <mc:Choice xmlns:a14="http://schemas.microsoft.com/office/drawing/2010/main" Requires="a14">
-          <p:sp>
-            <p:nvSpPr>
-              <p:cNvPr id="88" name="Retângulo 87"/>
-              <p:cNvSpPr/>
-              <p:nvPr/>
-            </p:nvSpPr>
-            <p:spPr>
-              <a:xfrm>
-                <a:off x="-3164111" y="3470117"/>
-                <a:ext cx="851772" cy="584775"/>
-              </a:xfrm>
-              <a:prstGeom prst="rect">
-                <a:avLst/>
-              </a:prstGeom>
-            </p:spPr>
-            <p:txBody>
-              <a:bodyPr wrap="none">
-                <a:spAutoFit/>
-              </a:bodyPr>
-              <a:lstStyle/>
-              <a:p>
-                <a14:m>
-                  <m:oMathPara xmlns:m="http://schemas.openxmlformats.org/officeDocument/2006/math">
-                    <m:oMathParaPr>
-                      <m:jc m:val="centerGroup"/>
-                    </m:oMathParaPr>
-                    <m:oMath xmlns:m="http://schemas.openxmlformats.org/officeDocument/2006/math">
-                      <m:sSub>
-                        <m:sSubPr>
-                          <m:ctrlPr>
-                            <a:rPr lang="pt-BR" sz="3200" b="0" i="1" smtClean="0">
-                              <a:latin typeface="Cambria Math"/>
-                            </a:rPr>
-                          </m:ctrlPr>
-                        </m:sSubPr>
-                        <m:e>
-                          <m:r>
-                            <a:rPr lang="pt-BR" sz="3200" b="0" i="1" smtClean="0">
-                              <a:latin typeface="Cambria Math"/>
-                            </a:rPr>
-                            <m:t>𝑣</m:t>
-                          </m:r>
-                        </m:e>
-                        <m:sub>
-                          <m:r>
-                            <a:rPr lang="pt-BR" sz="3200" b="0" i="1" smtClean="0">
-                              <a:latin typeface="Cambria Math"/>
-                            </a:rPr>
-                            <m:t>𝑐𝑏</m:t>
-                          </m:r>
-                        </m:sub>
-                      </m:sSub>
-                    </m:oMath>
-                  </m:oMathPara>
-                </a14:m>
-                <a:endParaRPr lang="pt-BR" sz="3200" dirty="0"/>
-              </a:p>
-            </p:txBody>
-          </p:sp>
-        </mc:Choice>
-        <mc:Fallback>
-          <p:sp>
-            <p:nvSpPr>
-              <p:cNvPr id="88" name="Retângulo 87"/>
-              <p:cNvSpPr>
-                <a:spLocks noRot="1" noChangeAspect="1" noMove="1" noResize="1" noEditPoints="1" noAdjustHandles="1" noChangeArrowheads="1" noChangeShapeType="1" noTextEdit="1"/>
-              </p:cNvSpPr>
-              <p:nvPr/>
-            </p:nvSpPr>
-            <p:spPr>
-              <a:xfrm>
-                <a:off x="-3164111" y="3470117"/>
-                <a:ext cx="851772" cy="584775"/>
-              </a:xfrm>
-              <a:prstGeom prst="rect">
-                <a:avLst/>
-              </a:prstGeom>
-              <a:blipFill rotWithShape="1">
-                <a:blip r:embed="rId12"/>
-                <a:stretch>
-                  <a:fillRect/>
-                </a:stretch>
-              </a:blipFill>
-            </p:spPr>
-            <p:txBody>
-              <a:bodyPr/>
-              <a:lstStyle/>
-              <a:p>
-                <a:r>
-                  <a:rPr lang="pt-BR">
-                    <a:noFill/>
-                  </a:rPr>
-                  <a:t> </a:t>
-                </a:r>
-              </a:p>
-            </p:txBody>
-          </p:sp>
-        </mc:Fallback>
-      </mc:AlternateContent>
-      <mc:AlternateContent xmlns:mc="http://schemas.openxmlformats.org/markup-compatibility/2006">
-        <mc:Choice xmlns:a14="http://schemas.microsoft.com/office/drawing/2010/main" Requires="a14">
-          <p:sp>
-            <p:nvSpPr>
-              <p:cNvPr id="89" name="Retângulo 88"/>
-              <p:cNvSpPr/>
-              <p:nvPr/>
-            </p:nvSpPr>
-            <p:spPr>
-              <a:xfrm>
-                <a:off x="-678577" y="1011276"/>
-                <a:ext cx="1429302" cy="584775"/>
-              </a:xfrm>
-              <a:prstGeom prst="rect">
-                <a:avLst/>
-              </a:prstGeom>
-            </p:spPr>
-            <p:txBody>
-              <a:bodyPr wrap="none">
-                <a:spAutoFit/>
-              </a:bodyPr>
-              <a:lstStyle/>
-              <a:p>
-                <a14:m>
-                  <m:oMathPara xmlns:m="http://schemas.openxmlformats.org/officeDocument/2006/math">
-                    <m:oMathParaPr>
-                      <m:jc m:val="centerGroup"/>
-                    </m:oMathParaPr>
-                    <m:oMath xmlns:m="http://schemas.openxmlformats.org/officeDocument/2006/math">
-                      <m:sSubSup>
-                        <m:sSubSupPr>
-                          <m:ctrlPr>
-                            <a:rPr lang="pt-BR" sz="3200" b="0" i="1" smtClean="0">
-                              <a:latin typeface="Cambria Math"/>
-                            </a:rPr>
-                          </m:ctrlPr>
-                        </m:sSubSupPr>
-                        <m:e>
-                          <m:r>
-                            <a:rPr lang="pt-BR" sz="3200" b="0" i="1" smtClean="0">
-                              <a:latin typeface="Cambria Math"/>
-                            </a:rPr>
-                            <m:t>𝑖</m:t>
-                          </m:r>
-                        </m:e>
-                        <m:sub>
-                          <m:r>
-                            <a:rPr lang="pt-BR" sz="3200" b="0" i="1" smtClean="0">
-                              <a:latin typeface="Cambria Math"/>
-                            </a:rPr>
-                            <m:t>𝑎</m:t>
-                          </m:r>
-                        </m:sub>
-                        <m:sup>
-                          <m:r>
-                            <a:rPr lang="pt-BR" sz="3200" b="0" i="1" smtClean="0">
-                              <a:latin typeface="Cambria Math"/>
-                            </a:rPr>
-                            <m:t>′</m:t>
-                          </m:r>
-                        </m:sup>
-                      </m:sSubSup>
-                      <m:r>
-                        <a:rPr lang="pt-BR" sz="3200" b="0" i="1" smtClean="0">
-                          <a:latin typeface="Cambria Math"/>
-                        </a:rPr>
-                        <m:t>(</m:t>
-                      </m:r>
-                      <m:r>
-                        <a:rPr lang="pt-BR" sz="3200" b="0" i="1" smtClean="0">
-                          <a:latin typeface="Cambria Math"/>
-                        </a:rPr>
-                        <m:t>𝜔</m:t>
-                      </m:r>
-                      <m:r>
-                        <a:rPr lang="pt-BR" sz="3200" b="0" i="1" smtClean="0">
-                          <a:latin typeface="Cambria Math"/>
-                        </a:rPr>
-                        <m:t>𝑡</m:t>
-                      </m:r>
-                      <m:r>
-                        <a:rPr lang="pt-BR" sz="3200" b="0" i="1" smtClean="0">
-                          <a:latin typeface="Cambria Math"/>
-                        </a:rPr>
-                        <m:t>)</m:t>
-                      </m:r>
-                    </m:oMath>
-                  </m:oMathPara>
-                </a14:m>
-                <a:endParaRPr lang="pt-BR" sz="3200" dirty="0"/>
-              </a:p>
-            </p:txBody>
-          </p:sp>
-        </mc:Choice>
-        <mc:Fallback>
-          <p:sp>
-            <p:nvSpPr>
-              <p:cNvPr id="89" name="Retângulo 88"/>
-              <p:cNvSpPr>
-                <a:spLocks noRot="1" noChangeAspect="1" noMove="1" noResize="1" noEditPoints="1" noAdjustHandles="1" noChangeArrowheads="1" noChangeShapeType="1" noTextEdit="1"/>
-              </p:cNvSpPr>
-              <p:nvPr/>
-            </p:nvSpPr>
-            <p:spPr>
-              <a:xfrm>
-                <a:off x="-678577" y="1011276"/>
-                <a:ext cx="1429302" cy="584775"/>
-              </a:xfrm>
-              <a:prstGeom prst="rect">
-                <a:avLst/>
-              </a:prstGeom>
-              <a:blipFill rotWithShape="1">
-                <a:blip r:embed="rId13"/>
-                <a:stretch>
-                  <a:fillRect/>
-                </a:stretch>
-              </a:blipFill>
-            </p:spPr>
-            <p:txBody>
-              <a:bodyPr/>
-              <a:lstStyle/>
-              <a:p>
-                <a:r>
-                  <a:rPr lang="pt-BR">
-                    <a:noFill/>
-                  </a:rPr>
-                  <a:t> </a:t>
-                </a:r>
-              </a:p>
-            </p:txBody>
-          </p:sp>
-        </mc:Fallback>
-      </mc:AlternateContent>
-      <mc:AlternateContent xmlns:mc="http://schemas.openxmlformats.org/markup-compatibility/2006">
-        <mc:Choice xmlns:a14="http://schemas.microsoft.com/office/drawing/2010/main" Requires="a14">
-          <p:sp>
-            <p:nvSpPr>
-              <p:cNvPr id="90" name="Retângulo 89"/>
-              <p:cNvSpPr/>
-              <p:nvPr/>
-            </p:nvSpPr>
-            <p:spPr>
-              <a:xfrm>
-                <a:off x="-678577" y="4928084"/>
-                <a:ext cx="1394613" cy="584775"/>
-              </a:xfrm>
-              <a:prstGeom prst="rect">
-                <a:avLst/>
-              </a:prstGeom>
-            </p:spPr>
-            <p:txBody>
-              <a:bodyPr wrap="none">
-                <a:spAutoFit/>
-              </a:bodyPr>
-              <a:lstStyle/>
-              <a:p>
-                <a14:m>
-                  <m:oMathPara xmlns:m="http://schemas.openxmlformats.org/officeDocument/2006/math">
-                    <m:oMathParaPr>
-                      <m:jc m:val="centerGroup"/>
-                    </m:oMathParaPr>
-                    <m:oMath xmlns:m="http://schemas.openxmlformats.org/officeDocument/2006/math">
-                      <m:sSubSup>
-                        <m:sSubSupPr>
-                          <m:ctrlPr>
-                            <a:rPr lang="pt-BR" sz="3200" b="0" i="1" smtClean="0">
-                              <a:latin typeface="Cambria Math"/>
-                            </a:rPr>
-                          </m:ctrlPr>
-                        </m:sSubSupPr>
-                        <m:e>
-                          <m:r>
-                            <a:rPr lang="pt-BR" sz="3200" b="0" i="1" smtClean="0">
-                              <a:latin typeface="Cambria Math"/>
-                            </a:rPr>
-                            <m:t>𝑖</m:t>
-                          </m:r>
-                        </m:e>
-                        <m:sub>
-                          <m:r>
-                            <a:rPr lang="pt-BR" sz="3200" b="0" i="1" smtClean="0">
-                              <a:latin typeface="Cambria Math"/>
-                            </a:rPr>
-                            <m:t>𝑐</m:t>
-                          </m:r>
-                        </m:sub>
-                        <m:sup>
-                          <m:r>
-                            <a:rPr lang="pt-BR" sz="3200" b="0" i="1" smtClean="0">
-                              <a:latin typeface="Cambria Math"/>
-                            </a:rPr>
-                            <m:t>′</m:t>
-                          </m:r>
-                        </m:sup>
-                      </m:sSubSup>
-                      <m:r>
-                        <a:rPr lang="pt-BR" sz="3200" b="0" i="1" smtClean="0">
-                          <a:latin typeface="Cambria Math"/>
-                        </a:rPr>
-                        <m:t>(</m:t>
-                      </m:r>
-                      <m:r>
-                        <a:rPr lang="pt-BR" sz="3200" b="0" i="1" smtClean="0">
-                          <a:latin typeface="Cambria Math"/>
-                        </a:rPr>
-                        <m:t>𝜔</m:t>
-                      </m:r>
-                      <m:r>
-                        <a:rPr lang="pt-BR" sz="3200" b="0" i="1" smtClean="0">
-                          <a:latin typeface="Cambria Math"/>
-                        </a:rPr>
-                        <m:t>𝑡</m:t>
-                      </m:r>
-                      <m:r>
-                        <a:rPr lang="pt-BR" sz="3200" b="0" i="1" smtClean="0">
-                          <a:latin typeface="Cambria Math"/>
-                        </a:rPr>
-                        <m:t>)</m:t>
-                      </m:r>
-                    </m:oMath>
-                  </m:oMathPara>
-                </a14:m>
-                <a:endParaRPr lang="pt-BR" sz="3200" dirty="0"/>
-              </a:p>
-            </p:txBody>
-          </p:sp>
-        </mc:Choice>
-        <mc:Fallback>
-          <p:sp>
-            <p:nvSpPr>
-              <p:cNvPr id="90" name="Retângulo 89"/>
-              <p:cNvSpPr>
-                <a:spLocks noRot="1" noChangeAspect="1" noMove="1" noResize="1" noEditPoints="1" noAdjustHandles="1" noChangeArrowheads="1" noChangeShapeType="1" noTextEdit="1"/>
-              </p:cNvSpPr>
-              <p:nvPr/>
-            </p:nvSpPr>
-            <p:spPr>
-              <a:xfrm>
-                <a:off x="-678577" y="4928084"/>
-                <a:ext cx="1394613" cy="584775"/>
-              </a:xfrm>
-              <a:prstGeom prst="rect">
-                <a:avLst/>
-              </a:prstGeom>
-              <a:blipFill rotWithShape="1">
-                <a:blip r:embed="rId14"/>
-                <a:stretch>
-                  <a:fillRect/>
-                </a:stretch>
-              </a:blipFill>
-            </p:spPr>
-            <p:txBody>
-              <a:bodyPr/>
-              <a:lstStyle/>
-              <a:p>
-                <a:r>
-                  <a:rPr lang="pt-BR">
-                    <a:noFill/>
-                  </a:rPr>
-                  <a:t> </a:t>
-                </a:r>
-              </a:p>
-            </p:txBody>
-          </p:sp>
-        </mc:Fallback>
-      </mc:AlternateContent>
-      <mc:AlternateContent xmlns:mc="http://schemas.openxmlformats.org/markup-compatibility/2006">
-        <mc:Choice xmlns:a14="http://schemas.microsoft.com/office/drawing/2010/main" Requires="a14">
-          <p:sp>
-            <p:nvSpPr>
-              <p:cNvPr id="91" name="Retângulo 90"/>
-              <p:cNvSpPr/>
-              <p:nvPr/>
-            </p:nvSpPr>
-            <p:spPr>
-              <a:xfrm>
-                <a:off x="-157984" y="2639227"/>
-                <a:ext cx="919674" cy="646587"/>
-              </a:xfrm>
-              <a:prstGeom prst="rect">
-                <a:avLst/>
-              </a:prstGeom>
-            </p:spPr>
-            <p:txBody>
-              <a:bodyPr wrap="none">
-                <a:spAutoFit/>
-              </a:bodyPr>
-              <a:lstStyle/>
-              <a:p>
-                <a14:m>
-                  <m:oMathPara xmlns:m="http://schemas.openxmlformats.org/officeDocument/2006/math">
-                    <m:oMathParaPr>
-                      <m:jc m:val="centerGroup"/>
-                    </m:oMathParaPr>
-                    <m:oMath xmlns:m="http://schemas.openxmlformats.org/officeDocument/2006/math">
-                      <m:sSubSup>
-                        <m:sSubSupPr>
-                          <m:ctrlPr>
-                            <a:rPr lang="pt-BR" sz="3200" b="0" i="1" smtClean="0">
-                              <a:latin typeface="Cambria Math"/>
-                            </a:rPr>
-                          </m:ctrlPr>
-                        </m:sSubSupPr>
-                        <m:e>
-                          <m:r>
-                            <a:rPr lang="pt-BR" sz="3200" b="0" i="1" smtClean="0">
-                              <a:latin typeface="Cambria Math"/>
-                            </a:rPr>
-                            <m:t>𝑝</m:t>
-                          </m:r>
-                        </m:e>
-                        <m:sub>
-                          <m:r>
-                            <a:rPr lang="pt-BR" sz="3200" b="0" i="1" smtClean="0">
-                              <a:latin typeface="Cambria Math"/>
-                            </a:rPr>
-                            <m:t>3</m:t>
-                          </m:r>
-                          <m:r>
-                            <a:rPr lang="pt-BR" sz="3200" b="0" i="1" smtClean="0">
-                              <a:latin typeface="Cambria Math"/>
-                            </a:rPr>
-                            <m:t>𝜙</m:t>
-                          </m:r>
-                        </m:sub>
-                        <m:sup>
-                          <m:r>
-                            <a:rPr lang="pt-BR" sz="3200" b="0" i="1" smtClean="0">
-                              <a:latin typeface="Cambria Math"/>
-                            </a:rPr>
-                            <m:t>′</m:t>
-                          </m:r>
-                        </m:sup>
-                      </m:sSubSup>
-                    </m:oMath>
-                  </m:oMathPara>
-                </a14:m>
-                <a:endParaRPr lang="pt-BR" sz="3200" dirty="0"/>
-              </a:p>
-            </p:txBody>
-          </p:sp>
-        </mc:Choice>
-        <mc:Fallback>
-          <p:sp>
-            <p:nvSpPr>
-              <p:cNvPr id="91" name="Retângulo 90"/>
-              <p:cNvSpPr>
-                <a:spLocks noRot="1" noChangeAspect="1" noMove="1" noResize="1" noEditPoints="1" noAdjustHandles="1" noChangeArrowheads="1" noChangeShapeType="1" noTextEdit="1"/>
-              </p:cNvSpPr>
-              <p:nvPr/>
-            </p:nvSpPr>
-            <p:spPr>
-              <a:xfrm>
-                <a:off x="-157984" y="2639227"/>
-                <a:ext cx="919674" cy="646587"/>
-              </a:xfrm>
-              <a:prstGeom prst="rect">
-                <a:avLst/>
-              </a:prstGeom>
-              <a:blipFill rotWithShape="1">
-                <a:blip r:embed="rId15"/>
-                <a:stretch>
-                  <a:fillRect/>
-                </a:stretch>
-              </a:blipFill>
-            </p:spPr>
-            <p:txBody>
-              <a:bodyPr/>
-              <a:lstStyle/>
-              <a:p>
-                <a:r>
-                  <a:rPr lang="pt-BR">
-                    <a:noFill/>
-                  </a:rPr>
-                  <a:t> </a:t>
-                </a:r>
-              </a:p>
-            </p:txBody>
-          </p:sp>
-        </mc:Fallback>
-      </mc:AlternateContent>
-      <mc:AlternateContent xmlns:mc="http://schemas.openxmlformats.org/markup-compatibility/2006">
-        <mc:Choice xmlns:a14="http://schemas.microsoft.com/office/drawing/2010/main" Requires="a14">
-          <p:sp>
-            <p:nvSpPr>
-              <p:cNvPr id="92" name="Retângulo 91"/>
-              <p:cNvSpPr/>
-              <p:nvPr/>
-            </p:nvSpPr>
-            <p:spPr>
-              <a:xfrm>
-                <a:off x="10098263" y="972926"/>
-                <a:ext cx="632353" cy="584775"/>
-              </a:xfrm>
-              <a:prstGeom prst="rect">
-                <a:avLst/>
-              </a:prstGeom>
-            </p:spPr>
-            <p:txBody>
-              <a:bodyPr wrap="none">
-                <a:spAutoFit/>
-              </a:bodyPr>
-              <a:lstStyle/>
-              <a:p>
-                <a14:m>
-                  <m:oMathPara xmlns:m="http://schemas.openxmlformats.org/officeDocument/2006/math">
-                    <m:oMathParaPr>
-                      <m:jc m:val="centerGroup"/>
-                    </m:oMathParaPr>
-                    <m:oMath xmlns:m="http://schemas.openxmlformats.org/officeDocument/2006/math">
-                      <m:sSubSup>
-                        <m:sSubSupPr>
-                          <m:ctrlPr>
-                            <a:rPr lang="pt-BR" sz="3200" b="0" i="1" smtClean="0">
-                              <a:latin typeface="Cambria Math"/>
-                            </a:rPr>
-                          </m:ctrlPr>
-                        </m:sSubSupPr>
-                        <m:e>
-                          <m:r>
-                            <a:rPr lang="pt-BR" sz="3200" b="0" i="1" smtClean="0">
-                              <a:latin typeface="Cambria Math"/>
-                            </a:rPr>
-                            <m:t>𝑖</m:t>
-                          </m:r>
-                        </m:e>
-                        <m:sub>
-                          <m:r>
-                            <a:rPr lang="pt-BR" sz="3200" b="0" i="1" smtClean="0">
-                              <a:latin typeface="Cambria Math"/>
-                            </a:rPr>
-                            <m:t>𝛼</m:t>
-                          </m:r>
-                        </m:sub>
-                        <m:sup>
-                          <m:r>
-                            <a:rPr lang="pt-BR" sz="3200" b="0" i="1" smtClean="0">
-                              <a:latin typeface="Cambria Math"/>
-                            </a:rPr>
-                            <m:t>′</m:t>
-                          </m:r>
-                        </m:sup>
-                      </m:sSubSup>
-                    </m:oMath>
-                  </m:oMathPara>
-                </a14:m>
-                <a:endParaRPr lang="pt-BR" sz="3200" dirty="0"/>
-              </a:p>
-            </p:txBody>
-          </p:sp>
-        </mc:Choice>
-        <mc:Fallback>
-          <p:sp>
-            <p:nvSpPr>
-              <p:cNvPr id="92" name="Retângulo 91"/>
-              <p:cNvSpPr>
-                <a:spLocks noRot="1" noChangeAspect="1" noMove="1" noResize="1" noEditPoints="1" noAdjustHandles="1" noChangeArrowheads="1" noChangeShapeType="1" noTextEdit="1"/>
-              </p:cNvSpPr>
-              <p:nvPr/>
-            </p:nvSpPr>
-            <p:spPr>
-              <a:xfrm>
-                <a:off x="10098263" y="972926"/>
-                <a:ext cx="632353" cy="584775"/>
-              </a:xfrm>
-              <a:prstGeom prst="rect">
-                <a:avLst/>
-              </a:prstGeom>
-              <a:blipFill rotWithShape="1">
-                <a:blip r:embed="rId16"/>
-                <a:stretch>
-                  <a:fillRect/>
-                </a:stretch>
-              </a:blipFill>
-            </p:spPr>
-            <p:txBody>
-              <a:bodyPr/>
-              <a:lstStyle/>
-              <a:p>
-                <a:r>
-                  <a:rPr lang="pt-BR">
-                    <a:noFill/>
-                  </a:rPr>
-                  <a:t> </a:t>
-                </a:r>
-              </a:p>
-            </p:txBody>
-          </p:sp>
-        </mc:Fallback>
-      </mc:AlternateContent>
-      <mc:AlternateContent xmlns:mc="http://schemas.openxmlformats.org/markup-compatibility/2006">
-        <mc:Choice xmlns:a14="http://schemas.microsoft.com/office/drawing/2010/main" Requires="a14">
-          <p:sp>
-            <p:nvSpPr>
-              <p:cNvPr id="93" name="Retângulo 92"/>
-              <p:cNvSpPr/>
-              <p:nvPr/>
-            </p:nvSpPr>
-            <p:spPr>
-              <a:xfrm>
-                <a:off x="10098263" y="4343309"/>
-                <a:ext cx="618311" cy="648704"/>
-              </a:xfrm>
-              <a:prstGeom prst="rect">
-                <a:avLst/>
-              </a:prstGeom>
-            </p:spPr>
-            <p:txBody>
-              <a:bodyPr wrap="none">
-                <a:spAutoFit/>
-              </a:bodyPr>
-              <a:lstStyle/>
-              <a:p>
-                <a14:m>
-                  <m:oMathPara xmlns:m="http://schemas.openxmlformats.org/officeDocument/2006/math">
-                    <m:oMathParaPr>
-                      <m:jc m:val="centerGroup"/>
-                    </m:oMathParaPr>
-                    <m:oMath xmlns:m="http://schemas.openxmlformats.org/officeDocument/2006/math">
-                      <m:sSubSup>
-                        <m:sSubSupPr>
-                          <m:ctrlPr>
-                            <a:rPr lang="pt-BR" sz="3200" b="0" i="1" smtClean="0">
-                              <a:latin typeface="Cambria Math"/>
-                            </a:rPr>
-                          </m:ctrlPr>
-                        </m:sSubSupPr>
-                        <m:e>
-                          <m:r>
-                            <a:rPr lang="pt-BR" sz="3200" b="0" i="1" smtClean="0">
-                              <a:latin typeface="Cambria Math"/>
-                            </a:rPr>
-                            <m:t>𝑖</m:t>
-                          </m:r>
-                        </m:e>
-                        <m:sub>
-                          <m:r>
-                            <a:rPr lang="pt-BR" sz="3200" b="0" i="1" smtClean="0">
-                              <a:latin typeface="Cambria Math"/>
-                            </a:rPr>
-                            <m:t>𝛽</m:t>
-                          </m:r>
-                        </m:sub>
-                        <m:sup>
-                          <m:r>
-                            <a:rPr lang="pt-BR" sz="3200" b="0" i="1" smtClean="0">
-                              <a:latin typeface="Cambria Math"/>
-                            </a:rPr>
-                            <m:t>′</m:t>
-                          </m:r>
-                        </m:sup>
-                      </m:sSubSup>
-                    </m:oMath>
-                  </m:oMathPara>
-                </a14:m>
-                <a:endParaRPr lang="pt-BR" sz="3200" dirty="0"/>
-              </a:p>
-            </p:txBody>
-          </p:sp>
-        </mc:Choice>
-        <mc:Fallback>
-          <p:sp>
-            <p:nvSpPr>
-              <p:cNvPr id="93" name="Retângulo 92"/>
-              <p:cNvSpPr>
-                <a:spLocks noRot="1" noChangeAspect="1" noMove="1" noResize="1" noEditPoints="1" noAdjustHandles="1" noChangeArrowheads="1" noChangeShapeType="1" noTextEdit="1"/>
-              </p:cNvSpPr>
-              <p:nvPr/>
-            </p:nvSpPr>
-            <p:spPr>
-              <a:xfrm>
-                <a:off x="10098263" y="4343309"/>
-                <a:ext cx="618311" cy="648704"/>
-              </a:xfrm>
-              <a:prstGeom prst="rect">
-                <a:avLst/>
-              </a:prstGeom>
-              <a:blipFill rotWithShape="1">
-                <a:blip r:embed="rId17"/>
-                <a:stretch>
-                  <a:fillRect/>
-                </a:stretch>
-              </a:blipFill>
-            </p:spPr>
-            <p:txBody>
-              <a:bodyPr/>
-              <a:lstStyle/>
-              <a:p>
-                <a:r>
-                  <a:rPr lang="pt-BR">
-                    <a:noFill/>
-                  </a:rPr>
-                  <a:t> </a:t>
-                </a:r>
-              </a:p>
-            </p:txBody>
-          </p:sp>
-        </mc:Fallback>
-      </mc:AlternateContent>
-    </p:spTree>
-    <p:extLst>
-      <p:ext uri="{BB962C8B-B14F-4D97-AF65-F5344CB8AC3E}">
-        <p14:creationId xmlns:p14="http://schemas.microsoft.com/office/powerpoint/2010/main" val="2322581296"/>
       </p:ext>
     </p:extLst>
   </p:cSld>

--- a/Tranqueiras de ppt/desenhos_filtro_complexo.pptx
+++ b/Tranqueiras de ppt/desenhos_filtro_complexo.pptx
@@ -4,6 +4,9 @@
   <p:sldMasterIdLst>
     <p:sldMasterId id="2147483648" r:id="rId1"/>
   </p:sldMasterIdLst>
+  <p:notesMasterIdLst>
+    <p:notesMasterId r:id="rId10"/>
+  </p:notesMasterIdLst>
   <p:sldIdLst>
     <p:sldId id="256" r:id="rId2"/>
     <p:sldId id="257" r:id="rId3"/>
@@ -12,6 +15,7 @@
     <p:sldId id="260" r:id="rId6"/>
     <p:sldId id="261" r:id="rId7"/>
     <p:sldId id="262" r:id="rId8"/>
+    <p:sldId id="263" r:id="rId9"/>
   </p:sldIdLst>
   <p:sldSz cx="9144000" cy="6858000" type="screen4x3"/>
   <p:notesSz cx="6858000" cy="9144000"/>
@@ -127,6 +131,440 @@
     </p:ext>
   </p:extLst>
 </p:presentation>
+</file>
+
+<file path=ppt/notesMasters/notesMaster1.xml><?xml version="1.0" encoding="utf-8"?>
+<p:notesMaster xmlns:a="http://schemas.openxmlformats.org/drawingml/2006/main" xmlns:r="http://schemas.openxmlformats.org/officeDocument/2006/relationships" xmlns:p="http://schemas.openxmlformats.org/presentationml/2006/main">
+  <p:cSld>
+    <p:bg>
+      <p:bgRef idx="1001">
+        <a:schemeClr val="bg1"/>
+      </p:bgRef>
+    </p:bg>
+    <p:spTree>
+      <p:nvGrpSpPr>
+        <p:cNvPr id="1" name=""/>
+        <p:cNvGrpSpPr/>
+        <p:nvPr/>
+      </p:nvGrpSpPr>
+      <p:grpSpPr>
+        <a:xfrm>
+          <a:off x="0" y="0"/>
+          <a:ext cx="0" cy="0"/>
+          <a:chOff x="0" y="0"/>
+          <a:chExt cx="0" cy="0"/>
+        </a:xfrm>
+      </p:grpSpPr>
+      <p:sp>
+        <p:nvSpPr>
+          <p:cNvPr id="2" name="Espaço Reservado para Cabeçalho 1"/>
+          <p:cNvSpPr>
+            <a:spLocks noGrp="1"/>
+          </p:cNvSpPr>
+          <p:nvPr>
+            <p:ph type="hdr" sz="quarter"/>
+          </p:nvPr>
+        </p:nvSpPr>
+        <p:spPr>
+          <a:xfrm>
+            <a:off x="0" y="0"/>
+            <a:ext cx="2971800" cy="458788"/>
+          </a:xfrm>
+          <a:prstGeom prst="rect">
+            <a:avLst/>
+          </a:prstGeom>
+        </p:spPr>
+        <p:txBody>
+          <a:bodyPr vert="horz" lIns="91440" tIns="45720" rIns="91440" bIns="45720" rtlCol="0"/>
+          <a:lstStyle>
+            <a:lvl1pPr algn="l">
+              <a:defRPr sz="1200"/>
+            </a:lvl1pPr>
+          </a:lstStyle>
+          <a:p>
+            <a:endParaRPr lang="pt-BR"/>
+          </a:p>
+        </p:txBody>
+      </p:sp>
+      <p:sp>
+        <p:nvSpPr>
+          <p:cNvPr id="3" name="Espaço Reservado para Data 2"/>
+          <p:cNvSpPr>
+            <a:spLocks noGrp="1"/>
+          </p:cNvSpPr>
+          <p:nvPr>
+            <p:ph type="dt" idx="1"/>
+          </p:nvPr>
+        </p:nvSpPr>
+        <p:spPr>
+          <a:xfrm>
+            <a:off x="3884613" y="0"/>
+            <a:ext cx="2971800" cy="458788"/>
+          </a:xfrm>
+          <a:prstGeom prst="rect">
+            <a:avLst/>
+          </a:prstGeom>
+        </p:spPr>
+        <p:txBody>
+          <a:bodyPr vert="horz" lIns="91440" tIns="45720" rIns="91440" bIns="45720" rtlCol="0"/>
+          <a:lstStyle>
+            <a:lvl1pPr algn="r">
+              <a:defRPr sz="1200"/>
+            </a:lvl1pPr>
+          </a:lstStyle>
+          <a:p>
+            <a:fld id="{1E5FABBD-B2CF-41BB-8AF0-22312F906C8C}" type="datetimeFigureOut">
+              <a:rPr lang="pt-BR" smtClean="0"/>
+              <a:t>27/09/2016</a:t>
+            </a:fld>
+            <a:endParaRPr lang="pt-BR"/>
+          </a:p>
+        </p:txBody>
+      </p:sp>
+      <p:sp>
+        <p:nvSpPr>
+          <p:cNvPr id="4" name="Espaço Reservado para Imagem de Slide 3"/>
+          <p:cNvSpPr>
+            <a:spLocks noGrp="1" noRot="1" noChangeAspect="1"/>
+          </p:cNvSpPr>
+          <p:nvPr>
+            <p:ph type="sldImg" idx="2"/>
+          </p:nvPr>
+        </p:nvSpPr>
+        <p:spPr>
+          <a:xfrm>
+            <a:off x="1371600" y="1143000"/>
+            <a:ext cx="4114800" cy="3086100"/>
+          </a:xfrm>
+          <a:prstGeom prst="rect">
+            <a:avLst/>
+          </a:prstGeom>
+          <a:noFill/>
+          <a:ln w="12700">
+            <a:solidFill>
+              <a:prstClr val="black"/>
+            </a:solidFill>
+          </a:ln>
+        </p:spPr>
+        <p:txBody>
+          <a:bodyPr vert="horz" lIns="91440" tIns="45720" rIns="91440" bIns="45720" rtlCol="0" anchor="ctr"/>
+          <a:lstStyle/>
+          <a:p>
+            <a:endParaRPr lang="pt-BR"/>
+          </a:p>
+        </p:txBody>
+      </p:sp>
+      <p:sp>
+        <p:nvSpPr>
+          <p:cNvPr id="5" name="Espaço Reservado para Anotações 4"/>
+          <p:cNvSpPr>
+            <a:spLocks noGrp="1"/>
+          </p:cNvSpPr>
+          <p:nvPr>
+            <p:ph type="body" sz="quarter" idx="3"/>
+          </p:nvPr>
+        </p:nvSpPr>
+        <p:spPr>
+          <a:xfrm>
+            <a:off x="685800" y="4400550"/>
+            <a:ext cx="5486400" cy="3600450"/>
+          </a:xfrm>
+          <a:prstGeom prst="rect">
+            <a:avLst/>
+          </a:prstGeom>
+        </p:spPr>
+        <p:txBody>
+          <a:bodyPr vert="horz" lIns="91440" tIns="45720" rIns="91440" bIns="45720" rtlCol="0"/>
+          <a:lstStyle/>
+          <a:p>
+            <a:pPr lvl="0"/>
+            <a:r>
+              <a:rPr lang="pt-BR"/>
+              <a:t>Editar estilos de texto Mestre</a:t>
+            </a:r>
+          </a:p>
+          <a:p>
+            <a:pPr lvl="1"/>
+            <a:r>
+              <a:rPr lang="pt-BR"/>
+              <a:t>Segundo nível</a:t>
+            </a:r>
+          </a:p>
+          <a:p>
+            <a:pPr lvl="2"/>
+            <a:r>
+              <a:rPr lang="pt-BR"/>
+              <a:t>Terceiro nível</a:t>
+            </a:r>
+          </a:p>
+          <a:p>
+            <a:pPr lvl="3"/>
+            <a:r>
+              <a:rPr lang="pt-BR"/>
+              <a:t>Quarto nível</a:t>
+            </a:r>
+          </a:p>
+          <a:p>
+            <a:pPr lvl="4"/>
+            <a:r>
+              <a:rPr lang="pt-BR"/>
+              <a:t>Quinto nível</a:t>
+            </a:r>
+            <a:endParaRPr lang="pt-BR"/>
+          </a:p>
+        </p:txBody>
+      </p:sp>
+      <p:sp>
+        <p:nvSpPr>
+          <p:cNvPr id="6" name="Espaço Reservado para Rodapé 5"/>
+          <p:cNvSpPr>
+            <a:spLocks noGrp="1"/>
+          </p:cNvSpPr>
+          <p:nvPr>
+            <p:ph type="ftr" sz="quarter" idx="4"/>
+          </p:nvPr>
+        </p:nvSpPr>
+        <p:spPr>
+          <a:xfrm>
+            <a:off x="0" y="8685213"/>
+            <a:ext cx="2971800" cy="458787"/>
+          </a:xfrm>
+          <a:prstGeom prst="rect">
+            <a:avLst/>
+          </a:prstGeom>
+        </p:spPr>
+        <p:txBody>
+          <a:bodyPr vert="horz" lIns="91440" tIns="45720" rIns="91440" bIns="45720" rtlCol="0" anchor="b"/>
+          <a:lstStyle>
+            <a:lvl1pPr algn="l">
+              <a:defRPr sz="1200"/>
+            </a:lvl1pPr>
+          </a:lstStyle>
+          <a:p>
+            <a:endParaRPr lang="pt-BR"/>
+          </a:p>
+        </p:txBody>
+      </p:sp>
+      <p:sp>
+        <p:nvSpPr>
+          <p:cNvPr id="7" name="Espaço Reservado para Número de Slide 6"/>
+          <p:cNvSpPr>
+            <a:spLocks noGrp="1"/>
+          </p:cNvSpPr>
+          <p:nvPr>
+            <p:ph type="sldNum" sz="quarter" idx="5"/>
+          </p:nvPr>
+        </p:nvSpPr>
+        <p:spPr>
+          <a:xfrm>
+            <a:off x="3884613" y="8685213"/>
+            <a:ext cx="2971800" cy="458787"/>
+          </a:xfrm>
+          <a:prstGeom prst="rect">
+            <a:avLst/>
+          </a:prstGeom>
+        </p:spPr>
+        <p:txBody>
+          <a:bodyPr vert="horz" lIns="91440" tIns="45720" rIns="91440" bIns="45720" rtlCol="0" anchor="b"/>
+          <a:lstStyle>
+            <a:lvl1pPr algn="r">
+              <a:defRPr sz="1200"/>
+            </a:lvl1pPr>
+          </a:lstStyle>
+          <a:p>
+            <a:fld id="{DD488E72-31B6-41E3-AEAC-83BA5E9B043E}" type="slidenum">
+              <a:rPr lang="pt-BR" smtClean="0"/>
+              <a:t>‹nº›</a:t>
+            </a:fld>
+            <a:endParaRPr lang="pt-BR"/>
+          </a:p>
+        </p:txBody>
+      </p:sp>
+    </p:spTree>
+    <p:extLst>
+      <p:ext uri="{BB962C8B-B14F-4D97-AF65-F5344CB8AC3E}">
+        <p14:creationId xmlns:p14="http://schemas.microsoft.com/office/powerpoint/2010/main" val="2745841585"/>
+      </p:ext>
+    </p:extLst>
+  </p:cSld>
+  <p:clrMap bg1="lt1" tx1="dk1" bg2="lt2" tx2="dk2" accent1="accent1" accent2="accent2" accent3="accent3" accent4="accent4" accent5="accent5" accent6="accent6" hlink="hlink" folHlink="folHlink"/>
+  <p:notesStyle>
+    <a:lvl1pPr marL="0" algn="l" defTabSz="914400" rtl="0" eaLnBrk="1" latinLnBrk="0" hangingPunct="1">
+      <a:defRPr sz="1200" kern="1200">
+        <a:solidFill>
+          <a:schemeClr val="tx1"/>
+        </a:solidFill>
+        <a:latin typeface="+mn-lt"/>
+        <a:ea typeface="+mn-ea"/>
+        <a:cs typeface="+mn-cs"/>
+      </a:defRPr>
+    </a:lvl1pPr>
+    <a:lvl2pPr marL="457200" algn="l" defTabSz="914400" rtl="0" eaLnBrk="1" latinLnBrk="0" hangingPunct="1">
+      <a:defRPr sz="1200" kern="1200">
+        <a:solidFill>
+          <a:schemeClr val="tx1"/>
+        </a:solidFill>
+        <a:latin typeface="+mn-lt"/>
+        <a:ea typeface="+mn-ea"/>
+        <a:cs typeface="+mn-cs"/>
+      </a:defRPr>
+    </a:lvl2pPr>
+    <a:lvl3pPr marL="914400" algn="l" defTabSz="914400" rtl="0" eaLnBrk="1" latinLnBrk="0" hangingPunct="1">
+      <a:defRPr sz="1200" kern="1200">
+        <a:solidFill>
+          <a:schemeClr val="tx1"/>
+        </a:solidFill>
+        <a:latin typeface="+mn-lt"/>
+        <a:ea typeface="+mn-ea"/>
+        <a:cs typeface="+mn-cs"/>
+      </a:defRPr>
+    </a:lvl3pPr>
+    <a:lvl4pPr marL="1371600" algn="l" defTabSz="914400" rtl="0" eaLnBrk="1" latinLnBrk="0" hangingPunct="1">
+      <a:defRPr sz="1200" kern="1200">
+        <a:solidFill>
+          <a:schemeClr val="tx1"/>
+        </a:solidFill>
+        <a:latin typeface="+mn-lt"/>
+        <a:ea typeface="+mn-ea"/>
+        <a:cs typeface="+mn-cs"/>
+      </a:defRPr>
+    </a:lvl4pPr>
+    <a:lvl5pPr marL="1828800" algn="l" defTabSz="914400" rtl="0" eaLnBrk="1" latinLnBrk="0" hangingPunct="1">
+      <a:defRPr sz="1200" kern="1200">
+        <a:solidFill>
+          <a:schemeClr val="tx1"/>
+        </a:solidFill>
+        <a:latin typeface="+mn-lt"/>
+        <a:ea typeface="+mn-ea"/>
+        <a:cs typeface="+mn-cs"/>
+      </a:defRPr>
+    </a:lvl5pPr>
+    <a:lvl6pPr marL="2286000" algn="l" defTabSz="914400" rtl="0" eaLnBrk="1" latinLnBrk="0" hangingPunct="1">
+      <a:defRPr sz="1200" kern="1200">
+        <a:solidFill>
+          <a:schemeClr val="tx1"/>
+        </a:solidFill>
+        <a:latin typeface="+mn-lt"/>
+        <a:ea typeface="+mn-ea"/>
+        <a:cs typeface="+mn-cs"/>
+      </a:defRPr>
+    </a:lvl6pPr>
+    <a:lvl7pPr marL="2743200" algn="l" defTabSz="914400" rtl="0" eaLnBrk="1" latinLnBrk="0" hangingPunct="1">
+      <a:defRPr sz="1200" kern="1200">
+        <a:solidFill>
+          <a:schemeClr val="tx1"/>
+        </a:solidFill>
+        <a:latin typeface="+mn-lt"/>
+        <a:ea typeface="+mn-ea"/>
+        <a:cs typeface="+mn-cs"/>
+      </a:defRPr>
+    </a:lvl7pPr>
+    <a:lvl8pPr marL="3200400" algn="l" defTabSz="914400" rtl="0" eaLnBrk="1" latinLnBrk="0" hangingPunct="1">
+      <a:defRPr sz="1200" kern="1200">
+        <a:solidFill>
+          <a:schemeClr val="tx1"/>
+        </a:solidFill>
+        <a:latin typeface="+mn-lt"/>
+        <a:ea typeface="+mn-ea"/>
+        <a:cs typeface="+mn-cs"/>
+      </a:defRPr>
+    </a:lvl8pPr>
+    <a:lvl9pPr marL="3657600" algn="l" defTabSz="914400" rtl="0" eaLnBrk="1" latinLnBrk="0" hangingPunct="1">
+      <a:defRPr sz="1200" kern="1200">
+        <a:solidFill>
+          <a:schemeClr val="tx1"/>
+        </a:solidFill>
+        <a:latin typeface="+mn-lt"/>
+        <a:ea typeface="+mn-ea"/>
+        <a:cs typeface="+mn-cs"/>
+      </a:defRPr>
+    </a:lvl9pPr>
+  </p:notesStyle>
+</p:notesMaster>
+</file>
+
+<file path=ppt/notesSlides/notesSlide1.xml><?xml version="1.0" encoding="utf-8"?>
+<p:notes xmlns:a="http://schemas.openxmlformats.org/drawingml/2006/main" xmlns:r="http://schemas.openxmlformats.org/officeDocument/2006/relationships" xmlns:p="http://schemas.openxmlformats.org/presentationml/2006/main">
+  <p:cSld>
+    <p:spTree>
+      <p:nvGrpSpPr>
+        <p:cNvPr id="1" name=""/>
+        <p:cNvGrpSpPr/>
+        <p:nvPr/>
+      </p:nvGrpSpPr>
+      <p:grpSpPr>
+        <a:xfrm>
+          <a:off x="0" y="0"/>
+          <a:ext cx="0" cy="0"/>
+          <a:chOff x="0" y="0"/>
+          <a:chExt cx="0" cy="0"/>
+        </a:xfrm>
+      </p:grpSpPr>
+      <p:sp>
+        <p:nvSpPr>
+          <p:cNvPr id="2" name="Espaço Reservado para Imagem de Slide 1"/>
+          <p:cNvSpPr>
+            <a:spLocks noGrp="1" noRot="1" noChangeAspect="1"/>
+          </p:cNvSpPr>
+          <p:nvPr>
+            <p:ph type="sldImg"/>
+          </p:nvPr>
+        </p:nvSpPr>
+        <p:spPr/>
+      </p:sp>
+      <p:sp>
+        <p:nvSpPr>
+          <p:cNvPr id="3" name="Espaço Reservado para Anotações 2"/>
+          <p:cNvSpPr>
+            <a:spLocks noGrp="1"/>
+          </p:cNvSpPr>
+          <p:nvPr>
+            <p:ph type="body" idx="1"/>
+          </p:nvPr>
+        </p:nvSpPr>
+        <p:spPr/>
+        <p:txBody>
+          <a:bodyPr/>
+          <a:lstStyle/>
+          <a:p>
+            <a:endParaRPr lang="pt-BR" dirty="0"/>
+          </a:p>
+        </p:txBody>
+      </p:sp>
+      <p:sp>
+        <p:nvSpPr>
+          <p:cNvPr id="4" name="Espaço Reservado para Número de Slide 3"/>
+          <p:cNvSpPr>
+            <a:spLocks noGrp="1"/>
+          </p:cNvSpPr>
+          <p:nvPr>
+            <p:ph type="sldNum" sz="quarter" idx="10"/>
+          </p:nvPr>
+        </p:nvSpPr>
+        <p:spPr/>
+        <p:txBody>
+          <a:bodyPr/>
+          <a:lstStyle/>
+          <a:p>
+            <a:fld id="{DD488E72-31B6-41E3-AEAC-83BA5E9B043E}" type="slidenum">
+              <a:rPr lang="pt-BR" smtClean="0"/>
+              <a:t>6</a:t>
+            </a:fld>
+            <a:endParaRPr lang="pt-BR"/>
+          </a:p>
+        </p:txBody>
+      </p:sp>
+    </p:spTree>
+    <p:extLst>
+      <p:ext uri="{BB962C8B-B14F-4D97-AF65-F5344CB8AC3E}">
+        <p14:creationId xmlns:p14="http://schemas.microsoft.com/office/powerpoint/2010/main" val="1431786327"/>
+      </p:ext>
+    </p:extLst>
+  </p:cSld>
+  <p:clrMapOvr>
+    <a:masterClrMapping/>
+  </p:clrMapOvr>
+</p:notes>
 </file>
 
 <file path=ppt/slideLayouts/slideLayout1.xml><?xml version="1.0" encoding="utf-8"?>
@@ -308,7 +746,7 @@
           <a:p>
             <a:fld id="{9F140449-45B3-4C4C-B502-456914857DA8}" type="datetimeFigureOut">
               <a:rPr lang="pt-BR" smtClean="0"/>
-              <a:t>22/09/2016</a:t>
+              <a:t>27/09/2016</a:t>
             </a:fld>
             <a:endParaRPr lang="pt-BR"/>
           </a:p>
@@ -476,7 +914,7 @@
           <a:p>
             <a:fld id="{9F140449-45B3-4C4C-B502-456914857DA8}" type="datetimeFigureOut">
               <a:rPr lang="pt-BR" smtClean="0"/>
-              <a:t>22/09/2016</a:t>
+              <a:t>27/09/2016</a:t>
             </a:fld>
             <a:endParaRPr lang="pt-BR"/>
           </a:p>
@@ -654,7 +1092,7 @@
           <a:p>
             <a:fld id="{9F140449-45B3-4C4C-B502-456914857DA8}" type="datetimeFigureOut">
               <a:rPr lang="pt-BR" smtClean="0"/>
-              <a:t>22/09/2016</a:t>
+              <a:t>27/09/2016</a:t>
             </a:fld>
             <a:endParaRPr lang="pt-BR"/>
           </a:p>
@@ -822,7 +1260,7 @@
           <a:p>
             <a:fld id="{9F140449-45B3-4C4C-B502-456914857DA8}" type="datetimeFigureOut">
               <a:rPr lang="pt-BR" smtClean="0"/>
-              <a:t>22/09/2016</a:t>
+              <a:t>27/09/2016</a:t>
             </a:fld>
             <a:endParaRPr lang="pt-BR"/>
           </a:p>
@@ -1067,7 +1505,7 @@
           <a:p>
             <a:fld id="{9F140449-45B3-4C4C-B502-456914857DA8}" type="datetimeFigureOut">
               <a:rPr lang="pt-BR" smtClean="0"/>
-              <a:t>22/09/2016</a:t>
+              <a:t>27/09/2016</a:t>
             </a:fld>
             <a:endParaRPr lang="pt-BR"/>
           </a:p>
@@ -1352,7 +1790,7 @@
           <a:p>
             <a:fld id="{9F140449-45B3-4C4C-B502-456914857DA8}" type="datetimeFigureOut">
               <a:rPr lang="pt-BR" smtClean="0"/>
-              <a:t>22/09/2016</a:t>
+              <a:t>27/09/2016</a:t>
             </a:fld>
             <a:endParaRPr lang="pt-BR"/>
           </a:p>
@@ -1771,7 +2209,7 @@
           <a:p>
             <a:fld id="{9F140449-45B3-4C4C-B502-456914857DA8}" type="datetimeFigureOut">
               <a:rPr lang="pt-BR" smtClean="0"/>
-              <a:t>22/09/2016</a:t>
+              <a:t>27/09/2016</a:t>
             </a:fld>
             <a:endParaRPr lang="pt-BR"/>
           </a:p>
@@ -1888,7 +2326,7 @@
           <a:p>
             <a:fld id="{9F140449-45B3-4C4C-B502-456914857DA8}" type="datetimeFigureOut">
               <a:rPr lang="pt-BR" smtClean="0"/>
-              <a:t>22/09/2016</a:t>
+              <a:t>27/09/2016</a:t>
             </a:fld>
             <a:endParaRPr lang="pt-BR"/>
           </a:p>
@@ -1983,7 +2421,7 @@
           <a:p>
             <a:fld id="{9F140449-45B3-4C4C-B502-456914857DA8}" type="datetimeFigureOut">
               <a:rPr lang="pt-BR" smtClean="0"/>
-              <a:t>22/09/2016</a:t>
+              <a:t>27/09/2016</a:t>
             </a:fld>
             <a:endParaRPr lang="pt-BR"/>
           </a:p>
@@ -2258,7 +2696,7 @@
           <a:p>
             <a:fld id="{9F140449-45B3-4C4C-B502-456914857DA8}" type="datetimeFigureOut">
               <a:rPr lang="pt-BR" smtClean="0"/>
-              <a:t>22/09/2016</a:t>
+              <a:t>27/09/2016</a:t>
             </a:fld>
             <a:endParaRPr lang="pt-BR"/>
           </a:p>
@@ -2510,7 +2948,7 @@
           <a:p>
             <a:fld id="{9F140449-45B3-4C4C-B502-456914857DA8}" type="datetimeFigureOut">
               <a:rPr lang="pt-BR" smtClean="0"/>
-              <a:t>22/09/2016</a:t>
+              <a:t>27/09/2016</a:t>
             </a:fld>
             <a:endParaRPr lang="pt-BR"/>
           </a:p>
@@ -2721,7 +3159,7 @@
           <a:p>
             <a:fld id="{9F140449-45B3-4C4C-B502-456914857DA8}" type="datetimeFigureOut">
               <a:rPr lang="pt-BR" smtClean="0"/>
-              <a:t>22/09/2016</a:t>
+              <a:t>27/09/2016</a:t>
             </a:fld>
             <a:endParaRPr lang="pt-BR"/>
           </a:p>
@@ -20729,7 +21167,7 @@
                 <a:avLst/>
               </a:prstGeom>
               <a:blipFill rotWithShape="1">
-                <a:blip r:embed="rId2"/>
+                <a:blip r:embed="rId3"/>
                 <a:stretch>
                   <a:fillRect/>
                 </a:stretch>
@@ -20832,7 +21270,7 @@
                 <a:avLst/>
               </a:prstGeom>
               <a:blipFill rotWithShape="1">
-                <a:blip r:embed="rId3"/>
+                <a:blip r:embed="rId4"/>
                 <a:stretch>
                   <a:fillRect/>
                 </a:stretch>
@@ -20935,7 +21373,7 @@
                 <a:avLst/>
               </a:prstGeom>
               <a:blipFill rotWithShape="1">
-                <a:blip r:embed="rId4"/>
+                <a:blip r:embed="rId5"/>
                 <a:stretch>
                   <a:fillRect/>
                 </a:stretch>
@@ -21038,7 +21476,7 @@
                 <a:avLst/>
               </a:prstGeom>
               <a:blipFill rotWithShape="1">
-                <a:blip r:embed="rId5"/>
+                <a:blip r:embed="rId6"/>
                 <a:stretch>
                   <a:fillRect/>
                 </a:stretch>
@@ -21141,7 +21579,7 @@
                 <a:avLst/>
               </a:prstGeom>
               <a:blipFill rotWithShape="1">
-                <a:blip r:embed="rId6"/>
+                <a:blip r:embed="rId7"/>
                 <a:stretch>
                   <a:fillRect/>
                 </a:stretch>
@@ -21244,7 +21682,7 @@
                 <a:avLst/>
               </a:prstGeom>
               <a:blipFill rotWithShape="1">
-                <a:blip r:embed="rId7"/>
+                <a:blip r:embed="rId8"/>
                 <a:stretch>
                   <a:fillRect/>
                 </a:stretch>
@@ -21328,7 +21766,7 @@
                 <a:avLst/>
               </a:prstGeom>
               <a:blipFill rotWithShape="1">
-                <a:blip r:embed="rId8"/>
+                <a:blip r:embed="rId9"/>
                 <a:stretch>
                   <a:fillRect/>
                 </a:stretch>
@@ -21442,7 +21880,7 @@
                 <a:avLst/>
               </a:prstGeom>
               <a:blipFill rotWithShape="1">
-                <a:blip r:embed="rId9"/>
+                <a:blip r:embed="rId10"/>
                 <a:stretch>
                   <a:fillRect/>
                 </a:stretch>
@@ -21556,7 +21994,7 @@
                 <a:avLst/>
               </a:prstGeom>
               <a:blipFill rotWithShape="1">
-                <a:blip r:embed="rId10"/>
+                <a:blip r:embed="rId11"/>
                 <a:stretch>
                   <a:fillRect/>
                 </a:stretch>
@@ -21659,7 +22097,7 @@
                 <a:avLst/>
               </a:prstGeom>
               <a:blipFill rotWithShape="1">
-                <a:blip r:embed="rId11"/>
+                <a:blip r:embed="rId12"/>
                 <a:stretch>
                   <a:fillRect/>
                 </a:stretch>
@@ -21762,7 +22200,7 @@
                 <a:avLst/>
               </a:prstGeom>
               <a:blipFill rotWithShape="1">
-                <a:blip r:embed="rId12"/>
+                <a:blip r:embed="rId13"/>
                 <a:stretch>
                   <a:fillRect/>
                 </a:stretch>
@@ -21890,7 +22328,7 @@
                 <a:avLst/>
               </a:prstGeom>
               <a:blipFill rotWithShape="1">
-                <a:blip r:embed="rId13"/>
+                <a:blip r:embed="rId14"/>
                 <a:stretch>
                   <a:fillRect/>
                 </a:stretch>
@@ -21993,7 +22431,7 @@
                 <a:avLst/>
               </a:prstGeom>
               <a:blipFill rotWithShape="1">
-                <a:blip r:embed="rId14"/>
+                <a:blip r:embed="rId15"/>
                 <a:stretch>
                   <a:fillRect/>
                 </a:stretch>
@@ -22104,7 +22542,7 @@
                 <a:avLst/>
               </a:prstGeom>
               <a:blipFill rotWithShape="1">
-                <a:blip r:embed="rId15"/>
+                <a:blip r:embed="rId16"/>
                 <a:stretch>
                   <a:fillRect/>
                 </a:stretch>
@@ -22215,7 +22653,7 @@
                 <a:avLst/>
               </a:prstGeom>
               <a:blipFill rotWithShape="1">
-                <a:blip r:embed="rId16"/>
+                <a:blip r:embed="rId17"/>
                 <a:stretch>
                   <a:fillRect/>
                 </a:stretch>
@@ -22326,7 +22764,7 @@
                 <a:avLst/>
               </a:prstGeom>
               <a:blipFill rotWithShape="1">
-                <a:blip r:embed="rId17"/>
+                <a:blip r:embed="rId18"/>
                 <a:stretch>
                   <a:fillRect/>
                 </a:stretch>
@@ -22396,7 +22834,7 @@
           <p:nvPr/>
         </p:nvPicPr>
         <p:blipFill>
-          <a:blip r:embed="rId18">
+          <a:blip r:embed="rId19">
             <a:extLst>
               <a:ext uri="{28A0092B-C50C-407E-A947-70E740481C1C}">
                 <a14:useLocalDpi xmlns:a14="http://schemas.microsoft.com/office/drawing/2010/main" val="0"/>
@@ -22546,6 +22984,2173 @@
     <p:extLst>
       <p:ext uri="{BB962C8B-B14F-4D97-AF65-F5344CB8AC3E}">
         <p14:creationId xmlns:p14="http://schemas.microsoft.com/office/powerpoint/2010/main" val="1589977705"/>
+      </p:ext>
+    </p:extLst>
+  </p:cSld>
+  <p:clrMapOvr>
+    <a:masterClrMapping/>
+  </p:clrMapOvr>
+</p:sld>
+</file>
+
+<file path=ppt/slides/slide8.xml><?xml version="1.0" encoding="utf-8"?>
+<p:sld xmlns:a="http://schemas.openxmlformats.org/drawingml/2006/main" xmlns:r="http://schemas.openxmlformats.org/officeDocument/2006/relationships" xmlns:p="http://schemas.openxmlformats.org/presentationml/2006/main">
+  <p:cSld>
+    <p:spTree>
+      <p:nvGrpSpPr>
+        <p:cNvPr id="1" name=""/>
+        <p:cNvGrpSpPr/>
+        <p:nvPr/>
+      </p:nvGrpSpPr>
+      <p:grpSpPr>
+        <a:xfrm>
+          <a:off x="0" y="0"/>
+          <a:ext cx="0" cy="0"/>
+          <a:chOff x="0" y="0"/>
+          <a:chExt cx="0" cy="0"/>
+        </a:xfrm>
+      </p:grpSpPr>
+      <mc:AlternateContent xmlns:mc="http://schemas.openxmlformats.org/markup-compatibility/2006">
+        <mc:Choice xmlns:a14="http://schemas.microsoft.com/office/drawing/2010/main" Requires="a14">
+          <p:sp>
+            <p:nvSpPr>
+              <p:cNvPr id="2" name="Retângulo 1"/>
+              <p:cNvSpPr/>
+              <p:nvPr/>
+            </p:nvSpPr>
+            <p:spPr>
+              <a:xfrm>
+                <a:off x="-1784425" y="1840821"/>
+                <a:ext cx="2160000" cy="1908000"/>
+              </a:xfrm>
+              <a:prstGeom prst="rect">
+                <a:avLst/>
+              </a:prstGeom>
+              <a:noFill/>
+              <a:ln w="57150">
+                <a:solidFill>
+                  <a:schemeClr val="tx1"/>
+                </a:solidFill>
+              </a:ln>
+            </p:spPr>
+            <p:style>
+              <a:lnRef idx="2">
+                <a:schemeClr val="accent1">
+                  <a:shade val="50000"/>
+                </a:schemeClr>
+              </a:lnRef>
+              <a:fillRef idx="1">
+                <a:schemeClr val="accent1"/>
+              </a:fillRef>
+              <a:effectRef idx="0">
+                <a:schemeClr val="accent1"/>
+              </a:effectRef>
+              <a:fontRef idx="minor">
+                <a:schemeClr val="lt1"/>
+              </a:fontRef>
+            </p:style>
+            <p:txBody>
+              <a:bodyPr rtlCol="0" anchor="ctr"/>
+              <a:lstStyle/>
+              <a:p>
+                <a:pPr algn="ctr"/>
+                <a:r>
+                  <a:rPr lang="pt-BR" sz="2800" dirty="0">
+                    <a:solidFill>
+                      <a:schemeClr val="tx1"/>
+                    </a:solidFill>
+                  </a:rPr>
+                  <a:t>Detector de Sequência Positiva (</a:t>
+                </a:r>
+                <a14:m>
+                  <m:oMath xmlns:m="http://schemas.openxmlformats.org/officeDocument/2006/math">
+                    <m:sSub>
+                      <m:sSubPr>
+                        <m:ctrlPr>
+                          <a:rPr lang="pt-BR" sz="2800" b="0" i="1" smtClean="0">
+                            <a:solidFill>
+                              <a:schemeClr val="tx1"/>
+                            </a:solidFill>
+                            <a:latin typeface="Cambria Math" panose="02040503050406030204" pitchFamily="18" charset="0"/>
+                          </a:rPr>
+                        </m:ctrlPr>
+                      </m:sSubPr>
+                      <m:e>
+                        <m:r>
+                          <a:rPr lang="pt-BR" sz="2800" b="0" i="1" smtClean="0">
+                            <a:solidFill>
+                              <a:schemeClr val="tx1"/>
+                            </a:solidFill>
+                            <a:latin typeface="Cambria Math" panose="02040503050406030204" pitchFamily="18" charset="0"/>
+                          </a:rPr>
+                          <m:t>𝑉</m:t>
+                        </m:r>
+                      </m:e>
+                      <m:sub>
+                        <m:r>
+                          <a:rPr lang="pt-BR" sz="2800" b="0" i="1" smtClean="0">
+                            <a:solidFill>
+                              <a:schemeClr val="tx1"/>
+                            </a:solidFill>
+                            <a:latin typeface="Cambria Math" panose="02040503050406030204" pitchFamily="18" charset="0"/>
+                          </a:rPr>
+                          <m:t>+1</m:t>
+                        </m:r>
+                      </m:sub>
+                    </m:sSub>
+                    <m:r>
+                      <a:rPr lang="pt-BR" sz="2800" b="0" i="1" smtClean="0">
+                        <a:solidFill>
+                          <a:schemeClr val="tx1"/>
+                        </a:solidFill>
+                        <a:latin typeface="Cambria Math" panose="02040503050406030204" pitchFamily="18" charset="0"/>
+                      </a:rPr>
+                      <m:t>)</m:t>
+                    </m:r>
+                  </m:oMath>
+                </a14:m>
+                <a:endParaRPr lang="pt-BR" sz="2800" dirty="0">
+                  <a:solidFill>
+                    <a:schemeClr val="tx1"/>
+                  </a:solidFill>
+                </a:endParaRPr>
+              </a:p>
+            </p:txBody>
+          </p:sp>
+        </mc:Choice>
+        <mc:Fallback>
+          <p:sp>
+            <p:nvSpPr>
+              <p:cNvPr id="2" name="Retângulo 1"/>
+              <p:cNvSpPr>
+                <a:spLocks noRot="1" noChangeAspect="1" noMove="1" noResize="1" noEditPoints="1" noAdjustHandles="1" noChangeArrowheads="1" noChangeShapeType="1" noTextEdit="1"/>
+              </p:cNvSpPr>
+              <p:nvPr/>
+            </p:nvSpPr>
+            <p:spPr>
+              <a:xfrm>
+                <a:off x="-1784425" y="1840821"/>
+                <a:ext cx="2160000" cy="1908000"/>
+              </a:xfrm>
+              <a:prstGeom prst="rect">
+                <a:avLst/>
+              </a:prstGeom>
+              <a:blipFill>
+                <a:blip r:embed="rId2"/>
+                <a:stretch>
+                  <a:fillRect l="-4396" r="-1648"/>
+                </a:stretch>
+              </a:blipFill>
+              <a:ln w="57150">
+                <a:solidFill>
+                  <a:schemeClr val="tx1"/>
+                </a:solidFill>
+              </a:ln>
+            </p:spPr>
+            <p:txBody>
+              <a:bodyPr/>
+              <a:lstStyle/>
+              <a:p>
+                <a:r>
+                  <a:rPr lang="pt-BR">
+                    <a:noFill/>
+                  </a:rPr>
+                  <a:t> </a:t>
+                </a:r>
+              </a:p>
+            </p:txBody>
+          </p:sp>
+        </mc:Fallback>
+      </mc:AlternateContent>
+      <p:cxnSp>
+        <p:nvCxnSpPr>
+          <p:cNvPr id="3" name="Conector de seta reta 30"/>
+          <p:cNvCxnSpPr>
+            <a:endCxn id="2" idx="1"/>
+          </p:cNvCxnSpPr>
+          <p:nvPr/>
+        </p:nvCxnSpPr>
+        <p:spPr>
+          <a:xfrm>
+            <a:off x="-2880263" y="2794821"/>
+            <a:ext cx="1095838" cy="0"/>
+          </a:xfrm>
+          <a:prstGeom prst="straightConnector1">
+            <a:avLst/>
+          </a:prstGeom>
+          <a:noFill/>
+          <a:ln w="57150">
+            <a:solidFill>
+              <a:schemeClr val="tx1"/>
+            </a:solidFill>
+            <a:headEnd type="none" w="med" len="med"/>
+            <a:tailEnd type="arrow" w="med" len="med"/>
+          </a:ln>
+        </p:spPr>
+        <p:style>
+          <a:lnRef idx="2">
+            <a:schemeClr val="accent1">
+              <a:shade val="50000"/>
+            </a:schemeClr>
+          </a:lnRef>
+          <a:fillRef idx="1">
+            <a:schemeClr val="accent1"/>
+          </a:fillRef>
+          <a:effectRef idx="0">
+            <a:schemeClr val="accent1"/>
+          </a:effectRef>
+          <a:fontRef idx="minor">
+            <a:schemeClr val="lt1"/>
+          </a:fontRef>
+        </p:style>
+      </p:cxnSp>
+      <mc:AlternateContent xmlns:mc="http://schemas.openxmlformats.org/markup-compatibility/2006">
+        <mc:Choice xmlns:a14="http://schemas.microsoft.com/office/drawing/2010/main" Requires="a14">
+          <p:sp>
+            <p:nvSpPr>
+              <p:cNvPr id="4" name="CaixaDeTexto 3"/>
+              <p:cNvSpPr txBox="1"/>
+              <p:nvPr/>
+            </p:nvSpPr>
+            <p:spPr>
+              <a:xfrm>
+                <a:off x="-3528731" y="2146597"/>
+                <a:ext cx="829778" cy="707886"/>
+              </a:xfrm>
+              <a:prstGeom prst="rect">
+                <a:avLst/>
+              </a:prstGeom>
+              <a:noFill/>
+            </p:spPr>
+            <p:txBody>
+              <a:bodyPr wrap="none" rtlCol="0">
+                <a:spAutoFit/>
+              </a:bodyPr>
+              <a:lstStyle/>
+              <a:p>
+                <a:pPr/>
+                <a14:m>
+                  <m:oMathPara xmlns:m="http://schemas.openxmlformats.org/officeDocument/2006/math">
+                    <m:oMathParaPr>
+                      <m:jc m:val="centerGroup"/>
+                    </m:oMathParaPr>
+                    <m:oMath xmlns:m="http://schemas.openxmlformats.org/officeDocument/2006/math">
+                      <m:sSub>
+                        <m:sSubPr>
+                          <m:ctrlPr>
+                            <a:rPr lang="pt-BR" sz="4000" b="0" i="1" smtClean="0">
+                              <a:latin typeface="Cambria Math" panose="02040503050406030204" pitchFamily="18" charset="0"/>
+                            </a:rPr>
+                          </m:ctrlPr>
+                        </m:sSubPr>
+                        <m:e>
+                          <m:r>
+                            <a:rPr lang="pt-BR" sz="4000" b="0" i="1" smtClean="0">
+                              <a:latin typeface="Cambria Math"/>
+                            </a:rPr>
+                            <m:t>𝑣</m:t>
+                          </m:r>
+                        </m:e>
+                        <m:sub>
+                          <m:r>
+                            <a:rPr lang="pt-BR" sz="4000" b="0" i="1" smtClean="0">
+                              <a:latin typeface="Cambria Math"/>
+                            </a:rPr>
+                            <m:t>𝑏</m:t>
+                          </m:r>
+                        </m:sub>
+                      </m:sSub>
+                    </m:oMath>
+                  </m:oMathPara>
+                </a14:m>
+                <a:endParaRPr lang="pt-BR" sz="4000" dirty="0"/>
+              </a:p>
+            </p:txBody>
+          </p:sp>
+        </mc:Choice>
+        <mc:Fallback>
+          <p:sp>
+            <p:nvSpPr>
+              <p:cNvPr id="4" name="CaixaDeTexto 3"/>
+              <p:cNvSpPr txBox="1">
+                <a:spLocks noRot="1" noChangeAspect="1" noMove="1" noResize="1" noEditPoints="1" noAdjustHandles="1" noChangeArrowheads="1" noChangeShapeType="1" noTextEdit="1"/>
+              </p:cNvSpPr>
+              <p:nvPr/>
+            </p:nvSpPr>
+            <p:spPr>
+              <a:xfrm>
+                <a:off x="-3528731" y="2146597"/>
+                <a:ext cx="829778" cy="707886"/>
+              </a:xfrm>
+              <a:prstGeom prst="rect">
+                <a:avLst/>
+              </a:prstGeom>
+              <a:blipFill>
+                <a:blip r:embed="rId3"/>
+                <a:stretch>
+                  <a:fillRect/>
+                </a:stretch>
+              </a:blipFill>
+            </p:spPr>
+            <p:txBody>
+              <a:bodyPr/>
+              <a:lstStyle/>
+              <a:p>
+                <a:r>
+                  <a:rPr lang="pt-BR">
+                    <a:noFill/>
+                  </a:rPr>
+                  <a:t> </a:t>
+                </a:r>
+              </a:p>
+            </p:txBody>
+          </p:sp>
+        </mc:Fallback>
+      </mc:AlternateContent>
+      <mc:AlternateContent xmlns:mc="http://schemas.openxmlformats.org/markup-compatibility/2006">
+        <mc:Choice xmlns:a14="http://schemas.microsoft.com/office/drawing/2010/main" Requires="a14">
+          <p:sp>
+            <p:nvSpPr>
+              <p:cNvPr id="5" name="CaixaDeTexto 4"/>
+              <p:cNvSpPr txBox="1"/>
+              <p:nvPr/>
+            </p:nvSpPr>
+            <p:spPr>
+              <a:xfrm>
+                <a:off x="-3494820" y="2855946"/>
+                <a:ext cx="771237" cy="707886"/>
+              </a:xfrm>
+              <a:prstGeom prst="rect">
+                <a:avLst/>
+              </a:prstGeom>
+              <a:noFill/>
+            </p:spPr>
+            <p:txBody>
+              <a:bodyPr wrap="none" rtlCol="0">
+                <a:spAutoFit/>
+              </a:bodyPr>
+              <a:lstStyle/>
+              <a:p>
+                <a:pPr/>
+                <a14:m>
+                  <m:oMathPara xmlns:m="http://schemas.openxmlformats.org/officeDocument/2006/math">
+                    <m:oMathParaPr>
+                      <m:jc m:val="centerGroup"/>
+                    </m:oMathParaPr>
+                    <m:oMath xmlns:m="http://schemas.openxmlformats.org/officeDocument/2006/math">
+                      <m:sSub>
+                        <m:sSubPr>
+                          <m:ctrlPr>
+                            <a:rPr lang="pt-BR" sz="4000" b="0" i="1" smtClean="0">
+                              <a:latin typeface="Cambria Math" panose="02040503050406030204" pitchFamily="18" charset="0"/>
+                            </a:rPr>
+                          </m:ctrlPr>
+                        </m:sSubPr>
+                        <m:e>
+                          <m:r>
+                            <a:rPr lang="pt-BR" sz="4000" b="0" i="1" smtClean="0">
+                              <a:latin typeface="Cambria Math"/>
+                            </a:rPr>
+                            <m:t>𝑣</m:t>
+                          </m:r>
+                        </m:e>
+                        <m:sub>
+                          <m:r>
+                            <a:rPr lang="pt-BR" sz="4000" b="0" i="1" smtClean="0">
+                              <a:latin typeface="Cambria Math"/>
+                            </a:rPr>
+                            <m:t>𝑐</m:t>
+                          </m:r>
+                        </m:sub>
+                      </m:sSub>
+                    </m:oMath>
+                  </m:oMathPara>
+                </a14:m>
+                <a:endParaRPr lang="pt-BR" sz="4000" dirty="0"/>
+              </a:p>
+            </p:txBody>
+          </p:sp>
+        </mc:Choice>
+        <mc:Fallback>
+          <p:sp>
+            <p:nvSpPr>
+              <p:cNvPr id="5" name="CaixaDeTexto 4"/>
+              <p:cNvSpPr txBox="1">
+                <a:spLocks noRot="1" noChangeAspect="1" noMove="1" noResize="1" noEditPoints="1" noAdjustHandles="1" noChangeArrowheads="1" noChangeShapeType="1" noTextEdit="1"/>
+              </p:cNvSpPr>
+              <p:nvPr/>
+            </p:nvSpPr>
+            <p:spPr>
+              <a:xfrm>
+                <a:off x="-3494820" y="2855946"/>
+                <a:ext cx="771237" cy="707886"/>
+              </a:xfrm>
+              <a:prstGeom prst="rect">
+                <a:avLst/>
+              </a:prstGeom>
+              <a:blipFill>
+                <a:blip r:embed="rId4"/>
+                <a:stretch>
+                  <a:fillRect/>
+                </a:stretch>
+              </a:blipFill>
+            </p:spPr>
+            <p:txBody>
+              <a:bodyPr/>
+              <a:lstStyle/>
+              <a:p>
+                <a:r>
+                  <a:rPr lang="pt-BR">
+                    <a:noFill/>
+                  </a:rPr>
+                  <a:t> </a:t>
+                </a:r>
+              </a:p>
+            </p:txBody>
+          </p:sp>
+        </mc:Fallback>
+      </mc:AlternateContent>
+      <mc:AlternateContent xmlns:mc="http://schemas.openxmlformats.org/markup-compatibility/2006">
+        <mc:Choice xmlns:a14="http://schemas.microsoft.com/office/drawing/2010/main" Requires="a14">
+          <p:sp>
+            <p:nvSpPr>
+              <p:cNvPr id="6" name="CaixaDeTexto 5"/>
+              <p:cNvSpPr txBox="1"/>
+              <p:nvPr/>
+            </p:nvSpPr>
+            <p:spPr>
+              <a:xfrm>
+                <a:off x="-3520556" y="1466004"/>
+                <a:ext cx="813428" cy="707886"/>
+              </a:xfrm>
+              <a:prstGeom prst="rect">
+                <a:avLst/>
+              </a:prstGeom>
+              <a:noFill/>
+            </p:spPr>
+            <p:txBody>
+              <a:bodyPr wrap="none" rtlCol="0">
+                <a:spAutoFit/>
+              </a:bodyPr>
+              <a:lstStyle/>
+              <a:p>
+                <a:pPr/>
+                <a14:m>
+                  <m:oMathPara xmlns:m="http://schemas.openxmlformats.org/officeDocument/2006/math">
+                    <m:oMathParaPr>
+                      <m:jc m:val="centerGroup"/>
+                    </m:oMathParaPr>
+                    <m:oMath xmlns:m="http://schemas.openxmlformats.org/officeDocument/2006/math">
+                      <m:sSub>
+                        <m:sSubPr>
+                          <m:ctrlPr>
+                            <a:rPr lang="pt-BR" sz="4000" b="0" i="1" smtClean="0">
+                              <a:latin typeface="Cambria Math" panose="02040503050406030204" pitchFamily="18" charset="0"/>
+                            </a:rPr>
+                          </m:ctrlPr>
+                        </m:sSubPr>
+                        <m:e>
+                          <m:r>
+                            <a:rPr lang="pt-BR" sz="4000" b="0" i="1" smtClean="0">
+                              <a:latin typeface="Cambria Math"/>
+                            </a:rPr>
+                            <m:t>𝑣</m:t>
+                          </m:r>
+                        </m:e>
+                        <m:sub>
+                          <m:r>
+                            <a:rPr lang="pt-BR" sz="4000" b="0" i="1" smtClean="0">
+                              <a:latin typeface="Cambria Math"/>
+                            </a:rPr>
+                            <m:t>𝑎</m:t>
+                          </m:r>
+                        </m:sub>
+                      </m:sSub>
+                    </m:oMath>
+                  </m:oMathPara>
+                </a14:m>
+                <a:endParaRPr lang="pt-BR" sz="4000" dirty="0"/>
+              </a:p>
+            </p:txBody>
+          </p:sp>
+        </mc:Choice>
+        <mc:Fallback>
+          <p:sp>
+            <p:nvSpPr>
+              <p:cNvPr id="6" name="CaixaDeTexto 5"/>
+              <p:cNvSpPr txBox="1">
+                <a:spLocks noRot="1" noChangeAspect="1" noMove="1" noResize="1" noEditPoints="1" noAdjustHandles="1" noChangeArrowheads="1" noChangeShapeType="1" noTextEdit="1"/>
+              </p:cNvSpPr>
+              <p:nvPr/>
+            </p:nvSpPr>
+            <p:spPr>
+              <a:xfrm>
+                <a:off x="-3520556" y="1466004"/>
+                <a:ext cx="813428" cy="707886"/>
+              </a:xfrm>
+              <a:prstGeom prst="rect">
+                <a:avLst/>
+              </a:prstGeom>
+              <a:blipFill>
+                <a:blip r:embed="rId5"/>
+                <a:stretch>
+                  <a:fillRect/>
+                </a:stretch>
+              </a:blipFill>
+            </p:spPr>
+            <p:txBody>
+              <a:bodyPr/>
+              <a:lstStyle/>
+              <a:p>
+                <a:r>
+                  <a:rPr lang="pt-BR">
+                    <a:noFill/>
+                  </a:rPr>
+                  <a:t> </a:t>
+                </a:r>
+              </a:p>
+            </p:txBody>
+          </p:sp>
+        </mc:Fallback>
+      </mc:AlternateContent>
+      <p:cxnSp>
+        <p:nvCxnSpPr>
+          <p:cNvPr id="10" name="Conector de seta reta 30"/>
+          <p:cNvCxnSpPr/>
+          <p:nvPr/>
+        </p:nvCxnSpPr>
+        <p:spPr>
+          <a:xfrm flipV="1">
+            <a:off x="-2881359" y="3491346"/>
+            <a:ext cx="1080000" cy="0"/>
+          </a:xfrm>
+          <a:prstGeom prst="straightConnector1">
+            <a:avLst/>
+          </a:prstGeom>
+          <a:noFill/>
+          <a:ln w="57150">
+            <a:solidFill>
+              <a:schemeClr val="tx1"/>
+            </a:solidFill>
+            <a:headEnd type="none" w="med" len="med"/>
+            <a:tailEnd type="arrow" w="med" len="med"/>
+          </a:ln>
+        </p:spPr>
+        <p:style>
+          <a:lnRef idx="2">
+            <a:schemeClr val="accent1">
+              <a:shade val="50000"/>
+            </a:schemeClr>
+          </a:lnRef>
+          <a:fillRef idx="1">
+            <a:schemeClr val="accent1"/>
+          </a:fillRef>
+          <a:effectRef idx="0">
+            <a:schemeClr val="accent1"/>
+          </a:effectRef>
+          <a:fontRef idx="minor">
+            <a:schemeClr val="lt1"/>
+          </a:fontRef>
+        </p:style>
+      </p:cxnSp>
+      <p:cxnSp>
+        <p:nvCxnSpPr>
+          <p:cNvPr id="11" name="Conector de seta reta 30"/>
+          <p:cNvCxnSpPr/>
+          <p:nvPr/>
+        </p:nvCxnSpPr>
+        <p:spPr>
+          <a:xfrm flipV="1">
+            <a:off x="-2881359" y="2112729"/>
+            <a:ext cx="1080000" cy="0"/>
+          </a:xfrm>
+          <a:prstGeom prst="straightConnector1">
+            <a:avLst/>
+          </a:prstGeom>
+          <a:noFill/>
+          <a:ln w="57150">
+            <a:solidFill>
+              <a:schemeClr val="tx1"/>
+            </a:solidFill>
+            <a:headEnd type="none" w="med" len="med"/>
+            <a:tailEnd type="arrow" w="med" len="med"/>
+          </a:ln>
+        </p:spPr>
+        <p:style>
+          <a:lnRef idx="2">
+            <a:schemeClr val="accent1">
+              <a:shade val="50000"/>
+            </a:schemeClr>
+          </a:lnRef>
+          <a:fillRef idx="1">
+            <a:schemeClr val="accent1"/>
+          </a:fillRef>
+          <a:effectRef idx="0">
+            <a:schemeClr val="accent1"/>
+          </a:effectRef>
+          <a:fontRef idx="minor">
+            <a:schemeClr val="lt1"/>
+          </a:fontRef>
+        </p:style>
+      </p:cxnSp>
+      <mc:AlternateContent xmlns:mc="http://schemas.openxmlformats.org/markup-compatibility/2006">
+        <mc:Choice xmlns:a14="http://schemas.microsoft.com/office/drawing/2010/main" Requires="a14">
+          <p:sp>
+            <p:nvSpPr>
+              <p:cNvPr id="12" name="CaixaDeTexto 11"/>
+              <p:cNvSpPr txBox="1"/>
+              <p:nvPr/>
+            </p:nvSpPr>
+            <p:spPr>
+              <a:xfrm>
+                <a:off x="374777" y="2092606"/>
+                <a:ext cx="829779" cy="707886"/>
+              </a:xfrm>
+              <a:prstGeom prst="rect">
+                <a:avLst/>
+              </a:prstGeom>
+              <a:noFill/>
+            </p:spPr>
+            <p:txBody>
+              <a:bodyPr wrap="none" rtlCol="0">
+                <a:spAutoFit/>
+              </a:bodyPr>
+              <a:lstStyle/>
+              <a:p>
+                <a:pPr/>
+                <a14:m>
+                  <m:oMathPara xmlns:m="http://schemas.openxmlformats.org/officeDocument/2006/math">
+                    <m:oMathParaPr>
+                      <m:jc m:val="centerGroup"/>
+                    </m:oMathParaPr>
+                    <m:oMath xmlns:m="http://schemas.openxmlformats.org/officeDocument/2006/math">
+                      <m:sSubSup>
+                        <m:sSubSupPr>
+                          <m:ctrlPr>
+                            <a:rPr lang="pt-BR" sz="4000" b="0" i="1" smtClean="0">
+                              <a:latin typeface="Cambria Math" panose="02040503050406030204" pitchFamily="18" charset="0"/>
+                            </a:rPr>
+                          </m:ctrlPr>
+                        </m:sSubSupPr>
+                        <m:e>
+                          <m:r>
+                            <a:rPr lang="pt-BR" sz="4000" b="0" i="1" smtClean="0">
+                              <a:latin typeface="Cambria Math"/>
+                            </a:rPr>
+                            <m:t>𝑣</m:t>
+                          </m:r>
+                        </m:e>
+                        <m:sub>
+                          <m:r>
+                            <a:rPr lang="pt-BR" sz="4000" b="0" i="1" smtClean="0">
+                              <a:latin typeface="Cambria Math"/>
+                            </a:rPr>
+                            <m:t>𝑏</m:t>
+                          </m:r>
+                        </m:sub>
+                        <m:sup>
+                          <m:r>
+                            <a:rPr lang="pt-BR" sz="4000" b="0" i="1" smtClean="0">
+                              <a:latin typeface="Cambria Math" panose="02040503050406030204" pitchFamily="18" charset="0"/>
+                            </a:rPr>
+                            <m:t>′</m:t>
+                          </m:r>
+                        </m:sup>
+                      </m:sSubSup>
+                    </m:oMath>
+                  </m:oMathPara>
+                </a14:m>
+                <a:endParaRPr lang="pt-BR" sz="4000" dirty="0"/>
+              </a:p>
+            </p:txBody>
+          </p:sp>
+        </mc:Choice>
+        <mc:Fallback>
+          <p:sp>
+            <p:nvSpPr>
+              <p:cNvPr id="12" name="CaixaDeTexto 11"/>
+              <p:cNvSpPr txBox="1">
+                <a:spLocks noRot="1" noChangeAspect="1" noMove="1" noResize="1" noEditPoints="1" noAdjustHandles="1" noChangeArrowheads="1" noChangeShapeType="1" noTextEdit="1"/>
+              </p:cNvSpPr>
+              <p:nvPr/>
+            </p:nvSpPr>
+            <p:spPr>
+              <a:xfrm>
+                <a:off x="374777" y="2092606"/>
+                <a:ext cx="829779" cy="707886"/>
+              </a:xfrm>
+              <a:prstGeom prst="rect">
+                <a:avLst/>
+              </a:prstGeom>
+              <a:blipFill>
+                <a:blip r:embed="rId6"/>
+                <a:stretch>
+                  <a:fillRect/>
+                </a:stretch>
+              </a:blipFill>
+            </p:spPr>
+            <p:txBody>
+              <a:bodyPr/>
+              <a:lstStyle/>
+              <a:p>
+                <a:r>
+                  <a:rPr lang="pt-BR">
+                    <a:noFill/>
+                  </a:rPr>
+                  <a:t> </a:t>
+                </a:r>
+              </a:p>
+            </p:txBody>
+          </p:sp>
+        </mc:Fallback>
+      </mc:AlternateContent>
+      <mc:AlternateContent xmlns:mc="http://schemas.openxmlformats.org/markup-compatibility/2006">
+        <mc:Choice xmlns:a14="http://schemas.microsoft.com/office/drawing/2010/main" Requires="a14">
+          <p:sp>
+            <p:nvSpPr>
+              <p:cNvPr id="13" name="CaixaDeTexto 12"/>
+              <p:cNvSpPr txBox="1"/>
+              <p:nvPr/>
+            </p:nvSpPr>
+            <p:spPr>
+              <a:xfrm>
+                <a:off x="406453" y="2783460"/>
+                <a:ext cx="771237" cy="707886"/>
+              </a:xfrm>
+              <a:prstGeom prst="rect">
+                <a:avLst/>
+              </a:prstGeom>
+              <a:noFill/>
+            </p:spPr>
+            <p:txBody>
+              <a:bodyPr wrap="none" rtlCol="0">
+                <a:spAutoFit/>
+              </a:bodyPr>
+              <a:lstStyle/>
+              <a:p>
+                <a:pPr/>
+                <a14:m>
+                  <m:oMathPara xmlns:m="http://schemas.openxmlformats.org/officeDocument/2006/math">
+                    <m:oMathParaPr>
+                      <m:jc m:val="centerGroup"/>
+                    </m:oMathParaPr>
+                    <m:oMath xmlns:m="http://schemas.openxmlformats.org/officeDocument/2006/math">
+                      <m:sSubSup>
+                        <m:sSubSupPr>
+                          <m:ctrlPr>
+                            <a:rPr lang="pt-BR" sz="4000" b="0" i="1" smtClean="0">
+                              <a:latin typeface="Cambria Math" panose="02040503050406030204" pitchFamily="18" charset="0"/>
+                            </a:rPr>
+                          </m:ctrlPr>
+                        </m:sSubSupPr>
+                        <m:e>
+                          <m:r>
+                            <a:rPr lang="pt-BR" sz="4000" b="0" i="1" smtClean="0">
+                              <a:latin typeface="Cambria Math"/>
+                            </a:rPr>
+                            <m:t>𝑣</m:t>
+                          </m:r>
+                        </m:e>
+                        <m:sub>
+                          <m:r>
+                            <a:rPr lang="pt-BR" sz="4000" b="0" i="1" smtClean="0">
+                              <a:latin typeface="Cambria Math"/>
+                            </a:rPr>
+                            <m:t>𝑐</m:t>
+                          </m:r>
+                        </m:sub>
+                        <m:sup>
+                          <m:r>
+                            <a:rPr lang="pt-BR" sz="4000" b="0" i="1" smtClean="0">
+                              <a:latin typeface="Cambria Math" panose="02040503050406030204" pitchFamily="18" charset="0"/>
+                            </a:rPr>
+                            <m:t>′</m:t>
+                          </m:r>
+                        </m:sup>
+                      </m:sSubSup>
+                    </m:oMath>
+                  </m:oMathPara>
+                </a14:m>
+                <a:endParaRPr lang="pt-BR" sz="4000" dirty="0"/>
+              </a:p>
+            </p:txBody>
+          </p:sp>
+        </mc:Choice>
+        <mc:Fallback>
+          <p:sp>
+            <p:nvSpPr>
+              <p:cNvPr id="13" name="CaixaDeTexto 12"/>
+              <p:cNvSpPr txBox="1">
+                <a:spLocks noRot="1" noChangeAspect="1" noMove="1" noResize="1" noEditPoints="1" noAdjustHandles="1" noChangeArrowheads="1" noChangeShapeType="1" noTextEdit="1"/>
+              </p:cNvSpPr>
+              <p:nvPr/>
+            </p:nvSpPr>
+            <p:spPr>
+              <a:xfrm>
+                <a:off x="406453" y="2783460"/>
+                <a:ext cx="771237" cy="707886"/>
+              </a:xfrm>
+              <a:prstGeom prst="rect">
+                <a:avLst/>
+              </a:prstGeom>
+              <a:blipFill>
+                <a:blip r:embed="rId7"/>
+                <a:stretch>
+                  <a:fillRect/>
+                </a:stretch>
+              </a:blipFill>
+            </p:spPr>
+            <p:txBody>
+              <a:bodyPr/>
+              <a:lstStyle/>
+              <a:p>
+                <a:r>
+                  <a:rPr lang="pt-BR">
+                    <a:noFill/>
+                  </a:rPr>
+                  <a:t> </a:t>
+                </a:r>
+              </a:p>
+            </p:txBody>
+          </p:sp>
+        </mc:Fallback>
+      </mc:AlternateContent>
+      <mc:AlternateContent xmlns:mc="http://schemas.openxmlformats.org/markup-compatibility/2006">
+        <mc:Choice xmlns:a14="http://schemas.microsoft.com/office/drawing/2010/main" Requires="a14">
+          <p:sp>
+            <p:nvSpPr>
+              <p:cNvPr id="14" name="CaixaDeTexto 13"/>
+              <p:cNvSpPr txBox="1"/>
+              <p:nvPr/>
+            </p:nvSpPr>
+            <p:spPr>
+              <a:xfrm>
+                <a:off x="390615" y="1421777"/>
+                <a:ext cx="813428" cy="707886"/>
+              </a:xfrm>
+              <a:prstGeom prst="rect">
+                <a:avLst/>
+              </a:prstGeom>
+              <a:noFill/>
+            </p:spPr>
+            <p:txBody>
+              <a:bodyPr wrap="none" rtlCol="0">
+                <a:spAutoFit/>
+              </a:bodyPr>
+              <a:lstStyle/>
+              <a:p>
+                <a:pPr/>
+                <a14:m>
+                  <m:oMathPara xmlns:m="http://schemas.openxmlformats.org/officeDocument/2006/math">
+                    <m:oMathParaPr>
+                      <m:jc m:val="centerGroup"/>
+                    </m:oMathParaPr>
+                    <m:oMath xmlns:m="http://schemas.openxmlformats.org/officeDocument/2006/math">
+                      <m:sSubSup>
+                        <m:sSubSupPr>
+                          <m:ctrlPr>
+                            <a:rPr lang="pt-BR" sz="4000" b="0" i="1" smtClean="0">
+                              <a:latin typeface="Cambria Math" panose="02040503050406030204" pitchFamily="18" charset="0"/>
+                            </a:rPr>
+                          </m:ctrlPr>
+                        </m:sSubSupPr>
+                        <m:e>
+                          <m:r>
+                            <a:rPr lang="pt-BR" sz="4000" b="0" i="1" smtClean="0">
+                              <a:latin typeface="Cambria Math"/>
+                            </a:rPr>
+                            <m:t>𝑣</m:t>
+                          </m:r>
+                        </m:e>
+                        <m:sub>
+                          <m:r>
+                            <a:rPr lang="pt-BR" sz="4000" b="0" i="1" smtClean="0">
+                              <a:latin typeface="Cambria Math"/>
+                            </a:rPr>
+                            <m:t>𝑎</m:t>
+                          </m:r>
+                        </m:sub>
+                        <m:sup>
+                          <m:r>
+                            <a:rPr lang="pt-BR" sz="4000" b="0" i="1" smtClean="0">
+                              <a:latin typeface="Cambria Math" panose="02040503050406030204" pitchFamily="18" charset="0"/>
+                            </a:rPr>
+                            <m:t>′</m:t>
+                          </m:r>
+                        </m:sup>
+                      </m:sSubSup>
+                    </m:oMath>
+                  </m:oMathPara>
+                </a14:m>
+                <a:endParaRPr lang="pt-BR" sz="4000" dirty="0"/>
+              </a:p>
+            </p:txBody>
+          </p:sp>
+        </mc:Choice>
+        <mc:Fallback>
+          <p:sp>
+            <p:nvSpPr>
+              <p:cNvPr id="14" name="CaixaDeTexto 13"/>
+              <p:cNvSpPr txBox="1">
+                <a:spLocks noRot="1" noChangeAspect="1" noMove="1" noResize="1" noEditPoints="1" noAdjustHandles="1" noChangeArrowheads="1" noChangeShapeType="1" noTextEdit="1"/>
+              </p:cNvSpPr>
+              <p:nvPr/>
+            </p:nvSpPr>
+            <p:spPr>
+              <a:xfrm>
+                <a:off x="390615" y="1421777"/>
+                <a:ext cx="813428" cy="707886"/>
+              </a:xfrm>
+              <a:prstGeom prst="rect">
+                <a:avLst/>
+              </a:prstGeom>
+              <a:blipFill>
+                <a:blip r:embed="rId8"/>
+                <a:stretch>
+                  <a:fillRect/>
+                </a:stretch>
+              </a:blipFill>
+            </p:spPr>
+            <p:txBody>
+              <a:bodyPr/>
+              <a:lstStyle/>
+              <a:p>
+                <a:r>
+                  <a:rPr lang="pt-BR">
+                    <a:noFill/>
+                  </a:rPr>
+                  <a:t> </a:t>
+                </a:r>
+              </a:p>
+            </p:txBody>
+          </p:sp>
+        </mc:Fallback>
+      </mc:AlternateContent>
+      <p:cxnSp>
+        <p:nvCxnSpPr>
+          <p:cNvPr id="15" name="Conector de seta reta 30"/>
+          <p:cNvCxnSpPr>
+            <a:stCxn id="2" idx="3"/>
+          </p:cNvCxnSpPr>
+          <p:nvPr/>
+        </p:nvCxnSpPr>
+        <p:spPr>
+          <a:xfrm>
+            <a:off x="375575" y="2794821"/>
+            <a:ext cx="1110878" cy="0"/>
+          </a:xfrm>
+          <a:prstGeom prst="straightConnector1">
+            <a:avLst/>
+          </a:prstGeom>
+          <a:noFill/>
+          <a:ln w="57150">
+            <a:solidFill>
+              <a:schemeClr val="tx1"/>
+            </a:solidFill>
+            <a:headEnd type="none" w="med" len="med"/>
+            <a:tailEnd type="arrow" w="med" len="med"/>
+          </a:ln>
+        </p:spPr>
+        <p:style>
+          <a:lnRef idx="2">
+            <a:schemeClr val="accent1">
+              <a:shade val="50000"/>
+            </a:schemeClr>
+          </a:lnRef>
+          <a:fillRef idx="1">
+            <a:schemeClr val="accent1"/>
+          </a:fillRef>
+          <a:effectRef idx="0">
+            <a:schemeClr val="accent1"/>
+          </a:effectRef>
+          <a:fontRef idx="minor">
+            <a:schemeClr val="lt1"/>
+          </a:fontRef>
+        </p:style>
+      </p:cxnSp>
+      <p:cxnSp>
+        <p:nvCxnSpPr>
+          <p:cNvPr id="16" name="Conector de seta reta 30"/>
+          <p:cNvCxnSpPr/>
+          <p:nvPr/>
+        </p:nvCxnSpPr>
+        <p:spPr>
+          <a:xfrm flipV="1">
+            <a:off x="374883" y="3479983"/>
+            <a:ext cx="1080000" cy="0"/>
+          </a:xfrm>
+          <a:prstGeom prst="straightConnector1">
+            <a:avLst/>
+          </a:prstGeom>
+          <a:noFill/>
+          <a:ln w="57150">
+            <a:solidFill>
+              <a:schemeClr val="tx1"/>
+            </a:solidFill>
+            <a:headEnd type="none" w="med" len="med"/>
+            <a:tailEnd type="arrow" w="med" len="med"/>
+          </a:ln>
+        </p:spPr>
+        <p:style>
+          <a:lnRef idx="2">
+            <a:schemeClr val="accent1">
+              <a:shade val="50000"/>
+            </a:schemeClr>
+          </a:lnRef>
+          <a:fillRef idx="1">
+            <a:schemeClr val="accent1"/>
+          </a:fillRef>
+          <a:effectRef idx="0">
+            <a:schemeClr val="accent1"/>
+          </a:effectRef>
+          <a:fontRef idx="minor">
+            <a:schemeClr val="lt1"/>
+          </a:fontRef>
+        </p:style>
+      </p:cxnSp>
+      <p:cxnSp>
+        <p:nvCxnSpPr>
+          <p:cNvPr id="17" name="Conector de seta reta 30"/>
+          <p:cNvCxnSpPr/>
+          <p:nvPr/>
+        </p:nvCxnSpPr>
+        <p:spPr>
+          <a:xfrm flipV="1">
+            <a:off x="390615" y="2120999"/>
+            <a:ext cx="1080000" cy="0"/>
+          </a:xfrm>
+          <a:prstGeom prst="straightConnector1">
+            <a:avLst/>
+          </a:prstGeom>
+          <a:noFill/>
+          <a:ln w="57150">
+            <a:solidFill>
+              <a:schemeClr val="tx1"/>
+            </a:solidFill>
+            <a:headEnd type="none" w="med" len="med"/>
+            <a:tailEnd type="arrow" w="med" len="med"/>
+          </a:ln>
+        </p:spPr>
+        <p:style>
+          <a:lnRef idx="2">
+            <a:schemeClr val="accent1">
+              <a:shade val="50000"/>
+            </a:schemeClr>
+          </a:lnRef>
+          <a:fillRef idx="1">
+            <a:schemeClr val="accent1"/>
+          </a:fillRef>
+          <a:effectRef idx="0">
+            <a:schemeClr val="accent1"/>
+          </a:effectRef>
+          <a:fontRef idx="minor">
+            <a:schemeClr val="lt1"/>
+          </a:fontRef>
+        </p:style>
+      </p:cxnSp>
+      <p:sp>
+        <p:nvSpPr>
+          <p:cNvPr id="20" name="Retângulo 19"/>
+          <p:cNvSpPr/>
+          <p:nvPr/>
+        </p:nvSpPr>
+        <p:spPr>
+          <a:xfrm>
+            <a:off x="1486453" y="1840821"/>
+            <a:ext cx="2196000" cy="3816000"/>
+          </a:xfrm>
+          <a:prstGeom prst="rect">
+            <a:avLst/>
+          </a:prstGeom>
+          <a:noFill/>
+          <a:ln w="57150">
+            <a:solidFill>
+              <a:schemeClr val="tx1"/>
+            </a:solidFill>
+          </a:ln>
+        </p:spPr>
+        <p:style>
+          <a:lnRef idx="2">
+            <a:schemeClr val="accent1">
+              <a:shade val="50000"/>
+            </a:schemeClr>
+          </a:lnRef>
+          <a:fillRef idx="1">
+            <a:schemeClr val="accent1"/>
+          </a:fillRef>
+          <a:effectRef idx="0">
+            <a:schemeClr val="accent1"/>
+          </a:effectRef>
+          <a:fontRef idx="minor">
+            <a:schemeClr val="lt1"/>
+          </a:fontRef>
+        </p:style>
+        <p:txBody>
+          <a:bodyPr rtlCol="0" anchor="ctr"/>
+          <a:lstStyle/>
+          <a:p>
+            <a:pPr algn="ctr"/>
+            <a:r>
+              <a:rPr lang="pt-BR" sz="2800" dirty="0">
+                <a:solidFill>
+                  <a:schemeClr val="tx1"/>
+                </a:solidFill>
+              </a:rPr>
+              <a:t>Cálculo de Correntes de Referência </a:t>
+            </a:r>
+          </a:p>
+        </p:txBody>
+      </p:sp>
+      <mc:AlternateContent xmlns:mc="http://schemas.openxmlformats.org/markup-compatibility/2006">
+        <mc:Choice xmlns:a14="http://schemas.microsoft.com/office/drawing/2010/main" Requires="a14">
+          <p:sp>
+            <p:nvSpPr>
+              <p:cNvPr id="22" name="CaixaDeTexto 21"/>
+              <p:cNvSpPr txBox="1"/>
+              <p:nvPr/>
+            </p:nvSpPr>
+            <p:spPr>
+              <a:xfrm>
+                <a:off x="-3688863" y="4191426"/>
+                <a:ext cx="922945" cy="707886"/>
+              </a:xfrm>
+              <a:prstGeom prst="rect">
+                <a:avLst/>
+              </a:prstGeom>
+              <a:noFill/>
+            </p:spPr>
+            <p:txBody>
+              <a:bodyPr wrap="none" rtlCol="0">
+                <a:spAutoFit/>
+              </a:bodyPr>
+              <a:lstStyle/>
+              <a:p>
+                <a:pPr/>
+                <a14:m>
+                  <m:oMathPara xmlns:m="http://schemas.openxmlformats.org/officeDocument/2006/math">
+                    <m:oMathParaPr>
+                      <m:jc m:val="centerGroup"/>
+                    </m:oMathParaPr>
+                    <m:oMath xmlns:m="http://schemas.openxmlformats.org/officeDocument/2006/math">
+                      <m:sSub>
+                        <m:sSubPr>
+                          <m:ctrlPr>
+                            <a:rPr lang="pt-BR" sz="4000" b="0" i="1" smtClean="0">
+                              <a:latin typeface="Cambria Math" panose="02040503050406030204" pitchFamily="18" charset="0"/>
+                            </a:rPr>
+                          </m:ctrlPr>
+                        </m:sSubPr>
+                        <m:e>
+                          <m:r>
+                            <a:rPr lang="pt-BR" sz="4000" b="0" i="1" smtClean="0">
+                              <a:latin typeface="Cambria Math" panose="02040503050406030204" pitchFamily="18" charset="0"/>
+                            </a:rPr>
+                            <m:t>𝑖</m:t>
+                          </m:r>
+                        </m:e>
+                        <m:sub>
+                          <m:r>
+                            <a:rPr lang="pt-BR" sz="4000" b="0" i="1" smtClean="0">
+                              <a:latin typeface="Cambria Math" panose="02040503050406030204" pitchFamily="18" charset="0"/>
+                            </a:rPr>
+                            <m:t>𝐿</m:t>
+                          </m:r>
+                          <m:r>
+                            <a:rPr lang="pt-BR" sz="4000" b="0" i="1" smtClean="0">
+                              <a:latin typeface="Cambria Math"/>
+                            </a:rPr>
+                            <m:t>𝑏</m:t>
+                          </m:r>
+                        </m:sub>
+                      </m:sSub>
+                    </m:oMath>
+                  </m:oMathPara>
+                </a14:m>
+                <a:endParaRPr lang="pt-BR" sz="4000" dirty="0"/>
+              </a:p>
+            </p:txBody>
+          </p:sp>
+        </mc:Choice>
+        <mc:Fallback>
+          <p:sp>
+            <p:nvSpPr>
+              <p:cNvPr id="22" name="CaixaDeTexto 21"/>
+              <p:cNvSpPr txBox="1">
+                <a:spLocks noRot="1" noChangeAspect="1" noMove="1" noResize="1" noEditPoints="1" noAdjustHandles="1" noChangeArrowheads="1" noChangeShapeType="1" noTextEdit="1"/>
+              </p:cNvSpPr>
+              <p:nvPr/>
+            </p:nvSpPr>
+            <p:spPr>
+              <a:xfrm>
+                <a:off x="-3688863" y="4191426"/>
+                <a:ext cx="922945" cy="707886"/>
+              </a:xfrm>
+              <a:prstGeom prst="rect">
+                <a:avLst/>
+              </a:prstGeom>
+              <a:blipFill>
+                <a:blip r:embed="rId9"/>
+                <a:stretch>
+                  <a:fillRect/>
+                </a:stretch>
+              </a:blipFill>
+            </p:spPr>
+            <p:txBody>
+              <a:bodyPr/>
+              <a:lstStyle/>
+              <a:p>
+                <a:r>
+                  <a:rPr lang="pt-BR">
+                    <a:noFill/>
+                  </a:rPr>
+                  <a:t> </a:t>
+                </a:r>
+              </a:p>
+            </p:txBody>
+          </p:sp>
+        </mc:Fallback>
+      </mc:AlternateContent>
+      <mc:AlternateContent xmlns:mc="http://schemas.openxmlformats.org/markup-compatibility/2006">
+        <mc:Choice xmlns:a14="http://schemas.microsoft.com/office/drawing/2010/main" Requires="a14">
+          <p:sp>
+            <p:nvSpPr>
+              <p:cNvPr id="23" name="CaixaDeTexto 22"/>
+              <p:cNvSpPr txBox="1"/>
+              <p:nvPr/>
+            </p:nvSpPr>
+            <p:spPr>
+              <a:xfrm>
+                <a:off x="-3631184" y="4828367"/>
+                <a:ext cx="889474" cy="707886"/>
+              </a:xfrm>
+              <a:prstGeom prst="rect">
+                <a:avLst/>
+              </a:prstGeom>
+              <a:noFill/>
+            </p:spPr>
+            <p:txBody>
+              <a:bodyPr wrap="none" rtlCol="0">
+                <a:spAutoFit/>
+              </a:bodyPr>
+              <a:lstStyle/>
+              <a:p>
+                <a:pPr/>
+                <a14:m>
+                  <m:oMathPara xmlns:m="http://schemas.openxmlformats.org/officeDocument/2006/math">
+                    <m:oMathParaPr>
+                      <m:jc m:val="centerGroup"/>
+                    </m:oMathParaPr>
+                    <m:oMath xmlns:m="http://schemas.openxmlformats.org/officeDocument/2006/math">
+                      <m:sSub>
+                        <m:sSubPr>
+                          <m:ctrlPr>
+                            <a:rPr lang="pt-BR" sz="4000" b="0" i="1" smtClean="0">
+                              <a:latin typeface="Cambria Math" panose="02040503050406030204" pitchFamily="18" charset="0"/>
+                            </a:rPr>
+                          </m:ctrlPr>
+                        </m:sSubPr>
+                        <m:e>
+                          <m:r>
+                            <a:rPr lang="pt-BR" sz="4000" b="0" i="1" smtClean="0">
+                              <a:latin typeface="Cambria Math" panose="02040503050406030204" pitchFamily="18" charset="0"/>
+                            </a:rPr>
+                            <m:t>𝑖</m:t>
+                          </m:r>
+                        </m:e>
+                        <m:sub>
+                          <m:r>
+                            <a:rPr lang="pt-BR" sz="4000" b="0" i="1" smtClean="0">
+                              <a:latin typeface="Cambria Math" panose="02040503050406030204" pitchFamily="18" charset="0"/>
+                            </a:rPr>
+                            <m:t>𝐿</m:t>
+                          </m:r>
+                          <m:r>
+                            <a:rPr lang="pt-BR" sz="4000" b="0" i="1" smtClean="0">
+                              <a:latin typeface="Cambria Math"/>
+                            </a:rPr>
+                            <m:t>𝑐</m:t>
+                          </m:r>
+                        </m:sub>
+                      </m:sSub>
+                    </m:oMath>
+                  </m:oMathPara>
+                </a14:m>
+                <a:endParaRPr lang="pt-BR" sz="4000" dirty="0"/>
+              </a:p>
+            </p:txBody>
+          </p:sp>
+        </mc:Choice>
+        <mc:Fallback>
+          <p:sp>
+            <p:nvSpPr>
+              <p:cNvPr id="23" name="CaixaDeTexto 22"/>
+              <p:cNvSpPr txBox="1">
+                <a:spLocks noRot="1" noChangeAspect="1" noMove="1" noResize="1" noEditPoints="1" noAdjustHandles="1" noChangeArrowheads="1" noChangeShapeType="1" noTextEdit="1"/>
+              </p:cNvSpPr>
+              <p:nvPr/>
+            </p:nvSpPr>
+            <p:spPr>
+              <a:xfrm>
+                <a:off x="-3631184" y="4828367"/>
+                <a:ext cx="889474" cy="707886"/>
+              </a:xfrm>
+              <a:prstGeom prst="rect">
+                <a:avLst/>
+              </a:prstGeom>
+              <a:blipFill>
+                <a:blip r:embed="rId10"/>
+                <a:stretch>
+                  <a:fillRect/>
+                </a:stretch>
+              </a:blipFill>
+            </p:spPr>
+            <p:txBody>
+              <a:bodyPr/>
+              <a:lstStyle/>
+              <a:p>
+                <a:r>
+                  <a:rPr lang="pt-BR">
+                    <a:noFill/>
+                  </a:rPr>
+                  <a:t> </a:t>
+                </a:r>
+              </a:p>
+            </p:txBody>
+          </p:sp>
+        </mc:Fallback>
+      </mc:AlternateContent>
+      <mc:AlternateContent xmlns:mc="http://schemas.openxmlformats.org/markup-compatibility/2006">
+        <mc:Choice xmlns:a14="http://schemas.microsoft.com/office/drawing/2010/main" Requires="a14">
+          <p:sp>
+            <p:nvSpPr>
+              <p:cNvPr id="24" name="CaixaDeTexto 23"/>
+              <p:cNvSpPr txBox="1"/>
+              <p:nvPr/>
+            </p:nvSpPr>
+            <p:spPr>
+              <a:xfrm>
+                <a:off x="-3688863" y="3498385"/>
+                <a:ext cx="931665" cy="707886"/>
+              </a:xfrm>
+              <a:prstGeom prst="rect">
+                <a:avLst/>
+              </a:prstGeom>
+              <a:noFill/>
+            </p:spPr>
+            <p:txBody>
+              <a:bodyPr wrap="none" rtlCol="0">
+                <a:spAutoFit/>
+              </a:bodyPr>
+              <a:lstStyle/>
+              <a:p>
+                <a:pPr/>
+                <a14:m>
+                  <m:oMathPara xmlns:m="http://schemas.openxmlformats.org/officeDocument/2006/math">
+                    <m:oMathParaPr>
+                      <m:jc m:val="centerGroup"/>
+                    </m:oMathParaPr>
+                    <m:oMath xmlns:m="http://schemas.openxmlformats.org/officeDocument/2006/math">
+                      <m:sSub>
+                        <m:sSubPr>
+                          <m:ctrlPr>
+                            <a:rPr lang="pt-BR" sz="4000" b="0" i="1" smtClean="0">
+                              <a:latin typeface="Cambria Math" panose="02040503050406030204" pitchFamily="18" charset="0"/>
+                            </a:rPr>
+                          </m:ctrlPr>
+                        </m:sSubPr>
+                        <m:e>
+                          <m:r>
+                            <a:rPr lang="pt-BR" sz="4000" b="0" i="1" smtClean="0">
+                              <a:latin typeface="Cambria Math" panose="02040503050406030204" pitchFamily="18" charset="0"/>
+                            </a:rPr>
+                            <m:t>𝑖</m:t>
+                          </m:r>
+                        </m:e>
+                        <m:sub>
+                          <m:r>
+                            <a:rPr lang="pt-BR" sz="4000" b="0" i="1" smtClean="0">
+                              <a:latin typeface="Cambria Math" panose="02040503050406030204" pitchFamily="18" charset="0"/>
+                            </a:rPr>
+                            <m:t>𝐿</m:t>
+                          </m:r>
+                          <m:r>
+                            <a:rPr lang="pt-BR" sz="4000" b="0" i="1" smtClean="0">
+                              <a:latin typeface="Cambria Math"/>
+                            </a:rPr>
+                            <m:t>𝑎</m:t>
+                          </m:r>
+                        </m:sub>
+                      </m:sSub>
+                    </m:oMath>
+                  </m:oMathPara>
+                </a14:m>
+                <a:endParaRPr lang="pt-BR" sz="4000" dirty="0"/>
+              </a:p>
+            </p:txBody>
+          </p:sp>
+        </mc:Choice>
+        <mc:Fallback>
+          <p:sp>
+            <p:nvSpPr>
+              <p:cNvPr id="24" name="CaixaDeTexto 23"/>
+              <p:cNvSpPr txBox="1">
+                <a:spLocks noRot="1" noChangeAspect="1" noMove="1" noResize="1" noEditPoints="1" noAdjustHandles="1" noChangeArrowheads="1" noChangeShapeType="1" noTextEdit="1"/>
+              </p:cNvSpPr>
+              <p:nvPr/>
+            </p:nvSpPr>
+            <p:spPr>
+              <a:xfrm>
+                <a:off x="-3688863" y="3498385"/>
+                <a:ext cx="931665" cy="707886"/>
+              </a:xfrm>
+              <a:prstGeom prst="rect">
+                <a:avLst/>
+              </a:prstGeom>
+              <a:blipFill>
+                <a:blip r:embed="rId11"/>
+                <a:stretch>
+                  <a:fillRect/>
+                </a:stretch>
+              </a:blipFill>
+            </p:spPr>
+            <p:txBody>
+              <a:bodyPr/>
+              <a:lstStyle/>
+              <a:p>
+                <a:r>
+                  <a:rPr lang="pt-BR">
+                    <a:noFill/>
+                  </a:rPr>
+                  <a:t> </a:t>
+                </a:r>
+              </a:p>
+            </p:txBody>
+          </p:sp>
+        </mc:Fallback>
+      </mc:AlternateContent>
+      <p:cxnSp>
+        <p:nvCxnSpPr>
+          <p:cNvPr id="25" name="Conector de seta reta 30"/>
+          <p:cNvCxnSpPr/>
+          <p:nvPr/>
+        </p:nvCxnSpPr>
+        <p:spPr>
+          <a:xfrm>
+            <a:off x="-2881785" y="5468013"/>
+            <a:ext cx="4352400" cy="0"/>
+          </a:xfrm>
+          <a:prstGeom prst="straightConnector1">
+            <a:avLst/>
+          </a:prstGeom>
+          <a:noFill/>
+          <a:ln w="57150">
+            <a:solidFill>
+              <a:schemeClr val="tx1"/>
+            </a:solidFill>
+            <a:headEnd type="none" w="med" len="med"/>
+            <a:tailEnd type="arrow" w="med" len="med"/>
+          </a:ln>
+        </p:spPr>
+        <p:style>
+          <a:lnRef idx="2">
+            <a:schemeClr val="accent1">
+              <a:shade val="50000"/>
+            </a:schemeClr>
+          </a:lnRef>
+          <a:fillRef idx="1">
+            <a:schemeClr val="accent1"/>
+          </a:fillRef>
+          <a:effectRef idx="0">
+            <a:schemeClr val="accent1"/>
+          </a:effectRef>
+          <a:fontRef idx="minor">
+            <a:schemeClr val="lt1"/>
+          </a:fontRef>
+        </p:style>
+      </p:cxnSp>
+      <p:cxnSp>
+        <p:nvCxnSpPr>
+          <p:cNvPr id="29" name="Conector de seta reta 30"/>
+          <p:cNvCxnSpPr/>
+          <p:nvPr/>
+        </p:nvCxnSpPr>
+        <p:spPr>
+          <a:xfrm flipV="1">
+            <a:off x="-2897517" y="4177778"/>
+            <a:ext cx="4351974" cy="0"/>
+          </a:xfrm>
+          <a:prstGeom prst="straightConnector1">
+            <a:avLst/>
+          </a:prstGeom>
+          <a:noFill/>
+          <a:ln w="57150">
+            <a:solidFill>
+              <a:schemeClr val="tx1"/>
+            </a:solidFill>
+            <a:headEnd type="none" w="med" len="med"/>
+            <a:tailEnd type="arrow" w="med" len="med"/>
+          </a:ln>
+        </p:spPr>
+        <p:style>
+          <a:lnRef idx="2">
+            <a:schemeClr val="accent1">
+              <a:shade val="50000"/>
+            </a:schemeClr>
+          </a:lnRef>
+          <a:fillRef idx="1">
+            <a:schemeClr val="accent1"/>
+          </a:fillRef>
+          <a:effectRef idx="0">
+            <a:schemeClr val="accent1"/>
+          </a:effectRef>
+          <a:fontRef idx="minor">
+            <a:schemeClr val="lt1"/>
+          </a:fontRef>
+        </p:style>
+      </p:cxnSp>
+      <p:cxnSp>
+        <p:nvCxnSpPr>
+          <p:cNvPr id="30" name="Conector de seta reta 30"/>
+          <p:cNvCxnSpPr/>
+          <p:nvPr/>
+        </p:nvCxnSpPr>
+        <p:spPr>
+          <a:xfrm>
+            <a:off x="-2896185" y="4839072"/>
+            <a:ext cx="4366800" cy="0"/>
+          </a:xfrm>
+          <a:prstGeom prst="straightConnector1">
+            <a:avLst/>
+          </a:prstGeom>
+          <a:noFill/>
+          <a:ln w="57150">
+            <a:solidFill>
+              <a:schemeClr val="tx1"/>
+            </a:solidFill>
+            <a:headEnd type="none" w="med" len="med"/>
+            <a:tailEnd type="arrow" w="med" len="med"/>
+          </a:ln>
+        </p:spPr>
+        <p:style>
+          <a:lnRef idx="2">
+            <a:schemeClr val="accent1">
+              <a:shade val="50000"/>
+            </a:schemeClr>
+          </a:lnRef>
+          <a:fillRef idx="1">
+            <a:schemeClr val="accent1"/>
+          </a:fillRef>
+          <a:effectRef idx="0">
+            <a:schemeClr val="accent1"/>
+          </a:effectRef>
+          <a:fontRef idx="minor">
+            <a:schemeClr val="lt1"/>
+          </a:fontRef>
+        </p:style>
+      </p:cxnSp>
+      <p:pic>
+        <p:nvPicPr>
+          <p:cNvPr id="31" name="Picture 3" descr="C:\Users\jpsoliv\Downloads\schemeit-project (6).png"/>
+          <p:cNvPicPr>
+            <a:picLocks noChangeAspect="1" noChangeArrowheads="1"/>
+          </p:cNvPicPr>
+          <p:nvPr/>
+        </p:nvPicPr>
+        <p:blipFill>
+          <a:blip r:embed="rId12" cstate="print">
+            <a:extLst>
+              <a:ext uri="{28A0092B-C50C-407E-A947-70E740481C1C}">
+                <a14:useLocalDpi xmlns:a14="http://schemas.microsoft.com/office/drawing/2010/main" val="0"/>
+              </a:ext>
+            </a:extLst>
+          </a:blip>
+          <a:srcRect/>
+          <a:stretch>
+            <a:fillRect/>
+          </a:stretch>
+        </p:blipFill>
+        <p:spPr bwMode="auto">
+          <a:xfrm>
+            <a:off x="7574511" y="2544083"/>
+            <a:ext cx="4795425" cy="2777764"/>
+          </a:xfrm>
+          <a:prstGeom prst="rect">
+            <a:avLst/>
+          </a:prstGeom>
+          <a:noFill/>
+          <a:extLst>
+            <a:ext uri="{909E8E84-426E-40DD-AFC4-6F175D3DCCD1}">
+              <a14:hiddenFill xmlns:a14="http://schemas.microsoft.com/office/drawing/2010/main">
+                <a:solidFill>
+                  <a:srgbClr val="FFFFFF"/>
+                </a:solidFill>
+              </a14:hiddenFill>
+            </a:ext>
+          </a:extLst>
+        </p:spPr>
+      </p:pic>
+      <p:sp>
+        <p:nvSpPr>
+          <p:cNvPr id="32" name="Retângulo 31"/>
+          <p:cNvSpPr/>
+          <p:nvPr/>
+        </p:nvSpPr>
+        <p:spPr>
+          <a:xfrm>
+            <a:off x="5182523" y="2843620"/>
+            <a:ext cx="1476000" cy="1800000"/>
+          </a:xfrm>
+          <a:prstGeom prst="rect">
+            <a:avLst/>
+          </a:prstGeom>
+          <a:noFill/>
+          <a:ln w="57150">
+            <a:solidFill>
+              <a:schemeClr val="tx1"/>
+            </a:solidFill>
+          </a:ln>
+        </p:spPr>
+        <p:style>
+          <a:lnRef idx="2">
+            <a:schemeClr val="accent1">
+              <a:shade val="50000"/>
+            </a:schemeClr>
+          </a:lnRef>
+          <a:fillRef idx="1">
+            <a:schemeClr val="accent1"/>
+          </a:fillRef>
+          <a:effectRef idx="0">
+            <a:schemeClr val="accent1"/>
+          </a:effectRef>
+          <a:fontRef idx="minor">
+            <a:schemeClr val="lt1"/>
+          </a:fontRef>
+        </p:style>
+        <p:txBody>
+          <a:bodyPr rtlCol="0" anchor="ctr"/>
+          <a:lstStyle/>
+          <a:p>
+            <a:pPr algn="ctr"/>
+            <a:r>
+              <a:rPr lang="pt-BR" sz="2800" dirty="0">
+                <a:solidFill>
+                  <a:schemeClr val="tx1"/>
+                </a:solidFill>
+              </a:rPr>
+              <a:t>Controle PWM</a:t>
+            </a:r>
+          </a:p>
+        </p:txBody>
+      </p:sp>
+      <p:cxnSp>
+        <p:nvCxnSpPr>
+          <p:cNvPr id="33" name="Conector de seta reta 52"/>
+          <p:cNvCxnSpPr/>
+          <p:nvPr/>
+        </p:nvCxnSpPr>
+        <p:spPr>
+          <a:xfrm>
+            <a:off x="3684582" y="3038716"/>
+            <a:ext cx="1473200" cy="0"/>
+          </a:xfrm>
+          <a:prstGeom prst="straightConnector1">
+            <a:avLst/>
+          </a:prstGeom>
+          <a:noFill/>
+          <a:ln w="57150">
+            <a:solidFill>
+              <a:schemeClr val="tx1"/>
+            </a:solidFill>
+            <a:headEnd type="none" w="med" len="med"/>
+            <a:tailEnd type="arrow" w="med" len="med"/>
+          </a:ln>
+        </p:spPr>
+        <p:style>
+          <a:lnRef idx="2">
+            <a:schemeClr val="accent1">
+              <a:shade val="50000"/>
+            </a:schemeClr>
+          </a:lnRef>
+          <a:fillRef idx="1">
+            <a:schemeClr val="accent1"/>
+          </a:fillRef>
+          <a:effectRef idx="0">
+            <a:schemeClr val="accent1"/>
+          </a:effectRef>
+          <a:fontRef idx="minor">
+            <a:schemeClr val="lt1"/>
+          </a:fontRef>
+        </p:style>
+      </p:cxnSp>
+      <p:cxnSp>
+        <p:nvCxnSpPr>
+          <p:cNvPr id="34" name="Conector de seta reta 53"/>
+          <p:cNvCxnSpPr/>
+          <p:nvPr/>
+        </p:nvCxnSpPr>
+        <p:spPr>
+          <a:xfrm>
+            <a:off x="3709323" y="4511703"/>
+            <a:ext cx="1473200" cy="0"/>
+          </a:xfrm>
+          <a:prstGeom prst="straightConnector1">
+            <a:avLst/>
+          </a:prstGeom>
+          <a:noFill/>
+          <a:ln w="57150">
+            <a:solidFill>
+              <a:schemeClr val="tx1"/>
+            </a:solidFill>
+            <a:headEnd type="none" w="med" len="med"/>
+            <a:tailEnd type="arrow" w="med" len="med"/>
+          </a:ln>
+        </p:spPr>
+        <p:style>
+          <a:lnRef idx="2">
+            <a:schemeClr val="accent1">
+              <a:shade val="50000"/>
+            </a:schemeClr>
+          </a:lnRef>
+          <a:fillRef idx="1">
+            <a:schemeClr val="accent1"/>
+          </a:fillRef>
+          <a:effectRef idx="0">
+            <a:schemeClr val="accent1"/>
+          </a:effectRef>
+          <a:fontRef idx="minor">
+            <a:schemeClr val="lt1"/>
+          </a:fontRef>
+        </p:style>
+      </p:cxnSp>
+      <mc:AlternateContent xmlns:mc="http://schemas.openxmlformats.org/markup-compatibility/2006">
+        <mc:Choice xmlns:a14="http://schemas.microsoft.com/office/drawing/2010/main" Requires="a14">
+          <p:sp>
+            <p:nvSpPr>
+              <p:cNvPr id="35" name="CaixaDeTexto 34"/>
+              <p:cNvSpPr txBox="1"/>
+              <p:nvPr/>
+            </p:nvSpPr>
+            <p:spPr>
+              <a:xfrm>
+                <a:off x="3950037" y="2271254"/>
+                <a:ext cx="954107" cy="707886"/>
+              </a:xfrm>
+              <a:prstGeom prst="rect">
+                <a:avLst/>
+              </a:prstGeom>
+              <a:noFill/>
+            </p:spPr>
+            <p:txBody>
+              <a:bodyPr wrap="none" rtlCol="0">
+                <a:spAutoFit/>
+              </a:bodyPr>
+              <a:lstStyle/>
+              <a:p>
+                <a:pPr/>
+                <a14:m>
+                  <m:oMathPara xmlns:m="http://schemas.openxmlformats.org/officeDocument/2006/math">
+                    <m:oMathParaPr>
+                      <m:jc m:val="centerGroup"/>
+                    </m:oMathParaPr>
+                    <m:oMath xmlns:m="http://schemas.openxmlformats.org/officeDocument/2006/math">
+                      <m:sSubSup>
+                        <m:sSubSupPr>
+                          <m:ctrlPr>
+                            <a:rPr lang="pt-BR" sz="4000" b="0" i="1" smtClean="0">
+                              <a:latin typeface="Cambria Math" panose="02040503050406030204" pitchFamily="18" charset="0"/>
+                            </a:rPr>
+                          </m:ctrlPr>
+                        </m:sSubSupPr>
+                        <m:e>
+                          <m:r>
+                            <a:rPr lang="pt-BR" sz="4000" b="0" i="1" smtClean="0">
+                              <a:latin typeface="Cambria Math"/>
+                            </a:rPr>
+                            <m:t>𝑖</m:t>
+                          </m:r>
+                        </m:e>
+                        <m:sub>
+                          <m:r>
+                            <a:rPr lang="pt-BR" sz="4000" b="0" i="1" smtClean="0">
+                              <a:latin typeface="Cambria Math"/>
+                            </a:rPr>
+                            <m:t>𝐶𝑎</m:t>
+                          </m:r>
+                        </m:sub>
+                        <m:sup>
+                          <m:r>
+                            <a:rPr lang="pt-BR" sz="4000" b="0" i="1" smtClean="0">
+                              <a:latin typeface="Cambria Math"/>
+                            </a:rPr>
+                            <m:t>∗</m:t>
+                          </m:r>
+                        </m:sup>
+                      </m:sSubSup>
+                    </m:oMath>
+                  </m:oMathPara>
+                </a14:m>
+                <a:endParaRPr lang="pt-BR" sz="4000" dirty="0"/>
+              </a:p>
+            </p:txBody>
+          </p:sp>
+        </mc:Choice>
+        <mc:Fallback>
+          <p:sp>
+            <p:nvSpPr>
+              <p:cNvPr id="35" name="CaixaDeTexto 34"/>
+              <p:cNvSpPr txBox="1">
+                <a:spLocks noRot="1" noChangeAspect="1" noMove="1" noResize="1" noEditPoints="1" noAdjustHandles="1" noChangeArrowheads="1" noChangeShapeType="1" noTextEdit="1"/>
+              </p:cNvSpPr>
+              <p:nvPr/>
+            </p:nvSpPr>
+            <p:spPr>
+              <a:xfrm>
+                <a:off x="3950037" y="2271254"/>
+                <a:ext cx="954107" cy="707886"/>
+              </a:xfrm>
+              <a:prstGeom prst="rect">
+                <a:avLst/>
+              </a:prstGeom>
+              <a:blipFill>
+                <a:blip r:embed="rId13"/>
+                <a:stretch>
+                  <a:fillRect/>
+                </a:stretch>
+              </a:blipFill>
+            </p:spPr>
+            <p:txBody>
+              <a:bodyPr/>
+              <a:lstStyle/>
+              <a:p>
+                <a:r>
+                  <a:rPr lang="pt-BR">
+                    <a:noFill/>
+                  </a:rPr>
+                  <a:t> </a:t>
+                </a:r>
+              </a:p>
+            </p:txBody>
+          </p:sp>
+        </mc:Fallback>
+      </mc:AlternateContent>
+      <mc:AlternateContent xmlns:mc="http://schemas.openxmlformats.org/markup-compatibility/2006">
+        <mc:Choice xmlns:a14="http://schemas.microsoft.com/office/drawing/2010/main" Requires="a14">
+          <p:sp>
+            <p:nvSpPr>
+              <p:cNvPr id="36" name="CaixaDeTexto 35"/>
+              <p:cNvSpPr txBox="1"/>
+              <p:nvPr/>
+            </p:nvSpPr>
+            <p:spPr>
+              <a:xfrm>
+                <a:off x="3972414" y="3002373"/>
+                <a:ext cx="945387" cy="707886"/>
+              </a:xfrm>
+              <a:prstGeom prst="rect">
+                <a:avLst/>
+              </a:prstGeom>
+              <a:noFill/>
+            </p:spPr>
+            <p:txBody>
+              <a:bodyPr wrap="none" rtlCol="0">
+                <a:spAutoFit/>
+              </a:bodyPr>
+              <a:lstStyle/>
+              <a:p>
+                <a:pPr/>
+                <a14:m>
+                  <m:oMathPara xmlns:m="http://schemas.openxmlformats.org/officeDocument/2006/math">
+                    <m:oMathParaPr>
+                      <m:jc m:val="centerGroup"/>
+                    </m:oMathParaPr>
+                    <m:oMath xmlns:m="http://schemas.openxmlformats.org/officeDocument/2006/math">
+                      <m:sSubSup>
+                        <m:sSubSupPr>
+                          <m:ctrlPr>
+                            <a:rPr lang="pt-BR" sz="4000" b="0" i="1" smtClean="0">
+                              <a:latin typeface="Cambria Math" panose="02040503050406030204" pitchFamily="18" charset="0"/>
+                            </a:rPr>
+                          </m:ctrlPr>
+                        </m:sSubSupPr>
+                        <m:e>
+                          <m:r>
+                            <a:rPr lang="pt-BR" sz="4000" b="0" i="1" smtClean="0">
+                              <a:latin typeface="Cambria Math"/>
+                            </a:rPr>
+                            <m:t>𝑖</m:t>
+                          </m:r>
+                        </m:e>
+                        <m:sub>
+                          <m:r>
+                            <a:rPr lang="pt-BR" sz="4000" b="0" i="1" smtClean="0">
+                              <a:latin typeface="Cambria Math"/>
+                            </a:rPr>
+                            <m:t>𝐶𝑏</m:t>
+                          </m:r>
+                        </m:sub>
+                        <m:sup>
+                          <m:r>
+                            <a:rPr lang="pt-BR" sz="4000" b="0" i="1" smtClean="0">
+                              <a:latin typeface="Cambria Math"/>
+                            </a:rPr>
+                            <m:t>∗</m:t>
+                          </m:r>
+                        </m:sup>
+                      </m:sSubSup>
+                    </m:oMath>
+                  </m:oMathPara>
+                </a14:m>
+                <a:endParaRPr lang="pt-BR" sz="4000" dirty="0"/>
+              </a:p>
+            </p:txBody>
+          </p:sp>
+        </mc:Choice>
+        <mc:Fallback>
+          <p:sp>
+            <p:nvSpPr>
+              <p:cNvPr id="36" name="CaixaDeTexto 35"/>
+              <p:cNvSpPr txBox="1">
+                <a:spLocks noRot="1" noChangeAspect="1" noMove="1" noResize="1" noEditPoints="1" noAdjustHandles="1" noChangeArrowheads="1" noChangeShapeType="1" noTextEdit="1"/>
+              </p:cNvSpPr>
+              <p:nvPr/>
+            </p:nvSpPr>
+            <p:spPr>
+              <a:xfrm>
+                <a:off x="3972414" y="3002373"/>
+                <a:ext cx="945387" cy="707886"/>
+              </a:xfrm>
+              <a:prstGeom prst="rect">
+                <a:avLst/>
+              </a:prstGeom>
+              <a:blipFill>
+                <a:blip r:embed="rId14"/>
+                <a:stretch>
+                  <a:fillRect/>
+                </a:stretch>
+              </a:blipFill>
+            </p:spPr>
+            <p:txBody>
+              <a:bodyPr/>
+              <a:lstStyle/>
+              <a:p>
+                <a:r>
+                  <a:rPr lang="pt-BR">
+                    <a:noFill/>
+                  </a:rPr>
+                  <a:t> </a:t>
+                </a:r>
+              </a:p>
+            </p:txBody>
+          </p:sp>
+        </mc:Fallback>
+      </mc:AlternateContent>
+      <mc:AlternateContent xmlns:mc="http://schemas.openxmlformats.org/markup-compatibility/2006">
+        <mc:Choice xmlns:a14="http://schemas.microsoft.com/office/drawing/2010/main" Requires="a14">
+          <p:sp>
+            <p:nvSpPr>
+              <p:cNvPr id="37" name="CaixaDeTexto 36"/>
+              <p:cNvSpPr txBox="1"/>
+              <p:nvPr/>
+            </p:nvSpPr>
+            <p:spPr>
+              <a:xfrm>
+                <a:off x="3987611" y="3760616"/>
+                <a:ext cx="911916" cy="707886"/>
+              </a:xfrm>
+              <a:prstGeom prst="rect">
+                <a:avLst/>
+              </a:prstGeom>
+              <a:noFill/>
+            </p:spPr>
+            <p:txBody>
+              <a:bodyPr wrap="none" rtlCol="0">
+                <a:spAutoFit/>
+              </a:bodyPr>
+              <a:lstStyle/>
+              <a:p>
+                <a:pPr/>
+                <a14:m>
+                  <m:oMathPara xmlns:m="http://schemas.openxmlformats.org/officeDocument/2006/math">
+                    <m:oMathParaPr>
+                      <m:jc m:val="centerGroup"/>
+                    </m:oMathParaPr>
+                    <m:oMath xmlns:m="http://schemas.openxmlformats.org/officeDocument/2006/math">
+                      <m:sSubSup>
+                        <m:sSubSupPr>
+                          <m:ctrlPr>
+                            <a:rPr lang="pt-BR" sz="4000" b="0" i="1" smtClean="0">
+                              <a:latin typeface="Cambria Math" panose="02040503050406030204" pitchFamily="18" charset="0"/>
+                            </a:rPr>
+                          </m:ctrlPr>
+                        </m:sSubSupPr>
+                        <m:e>
+                          <m:r>
+                            <a:rPr lang="pt-BR" sz="4000" b="0" i="1" smtClean="0">
+                              <a:latin typeface="Cambria Math"/>
+                            </a:rPr>
+                            <m:t>𝑖</m:t>
+                          </m:r>
+                        </m:e>
+                        <m:sub>
+                          <m:r>
+                            <a:rPr lang="pt-BR" sz="4000" b="0" i="1" smtClean="0">
+                              <a:latin typeface="Cambria Math"/>
+                            </a:rPr>
+                            <m:t>𝐶𝑐</m:t>
+                          </m:r>
+                        </m:sub>
+                        <m:sup>
+                          <m:r>
+                            <a:rPr lang="pt-BR" sz="4000" b="0" i="1" smtClean="0">
+                              <a:latin typeface="Cambria Math"/>
+                            </a:rPr>
+                            <m:t>∗</m:t>
+                          </m:r>
+                        </m:sup>
+                      </m:sSubSup>
+                    </m:oMath>
+                  </m:oMathPara>
+                </a14:m>
+                <a:endParaRPr lang="pt-BR" sz="4000" dirty="0"/>
+              </a:p>
+            </p:txBody>
+          </p:sp>
+        </mc:Choice>
+        <mc:Fallback>
+          <p:sp>
+            <p:nvSpPr>
+              <p:cNvPr id="37" name="CaixaDeTexto 36"/>
+              <p:cNvSpPr txBox="1">
+                <a:spLocks noRot="1" noChangeAspect="1" noMove="1" noResize="1" noEditPoints="1" noAdjustHandles="1" noChangeArrowheads="1" noChangeShapeType="1" noTextEdit="1"/>
+              </p:cNvSpPr>
+              <p:nvPr/>
+            </p:nvSpPr>
+            <p:spPr>
+              <a:xfrm>
+                <a:off x="3987611" y="3760616"/>
+                <a:ext cx="911916" cy="707886"/>
+              </a:xfrm>
+              <a:prstGeom prst="rect">
+                <a:avLst/>
+              </a:prstGeom>
+              <a:blipFill>
+                <a:blip r:embed="rId15"/>
+                <a:stretch>
+                  <a:fillRect/>
+                </a:stretch>
+              </a:blipFill>
+            </p:spPr>
+            <p:txBody>
+              <a:bodyPr/>
+              <a:lstStyle/>
+              <a:p>
+                <a:r>
+                  <a:rPr lang="pt-BR">
+                    <a:noFill/>
+                  </a:rPr>
+                  <a:t> </a:t>
+                </a:r>
+              </a:p>
+            </p:txBody>
+          </p:sp>
+        </mc:Fallback>
+      </mc:AlternateContent>
+      <p:cxnSp>
+        <p:nvCxnSpPr>
+          <p:cNvPr id="38" name="Conector de seta reta 96"/>
+          <p:cNvCxnSpPr>
+            <a:stCxn id="20" idx="3"/>
+            <a:endCxn id="32" idx="1"/>
+          </p:cNvCxnSpPr>
+          <p:nvPr/>
+        </p:nvCxnSpPr>
+        <p:spPr>
+          <a:xfrm flipV="1">
+            <a:off x="3682453" y="3743620"/>
+            <a:ext cx="1500070" cy="5201"/>
+          </a:xfrm>
+          <a:prstGeom prst="straightConnector1">
+            <a:avLst/>
+          </a:prstGeom>
+          <a:noFill/>
+          <a:ln w="57150">
+            <a:solidFill>
+              <a:schemeClr val="tx1"/>
+            </a:solidFill>
+            <a:headEnd type="none" w="med" len="med"/>
+            <a:tailEnd type="arrow" w="med" len="med"/>
+          </a:ln>
+        </p:spPr>
+        <p:style>
+          <a:lnRef idx="2">
+            <a:schemeClr val="accent1">
+              <a:shade val="50000"/>
+            </a:schemeClr>
+          </a:lnRef>
+          <a:fillRef idx="1">
+            <a:schemeClr val="accent1"/>
+          </a:fillRef>
+          <a:effectRef idx="0">
+            <a:schemeClr val="accent1"/>
+          </a:effectRef>
+          <a:fontRef idx="minor">
+            <a:schemeClr val="lt1"/>
+          </a:fontRef>
+        </p:style>
+      </p:cxnSp>
+      <p:sp>
+        <p:nvSpPr>
+          <p:cNvPr id="41" name="Seta para baixo 1035"/>
+          <p:cNvSpPr/>
+          <p:nvPr/>
+        </p:nvSpPr>
+        <p:spPr>
+          <a:xfrm rot="5400000" flipV="1">
+            <a:off x="6028818" y="3475902"/>
+            <a:ext cx="2365828" cy="725558"/>
+          </a:xfrm>
+          <a:prstGeom prst="downArrow">
+            <a:avLst>
+              <a:gd name="adj1" fmla="val 54615"/>
+              <a:gd name="adj2" fmla="val 57524"/>
+            </a:avLst>
+          </a:prstGeom>
+          <a:noFill/>
+          <a:ln w="57150">
+            <a:solidFill>
+              <a:schemeClr val="tx1"/>
+            </a:solidFill>
+          </a:ln>
+        </p:spPr>
+        <p:style>
+          <a:lnRef idx="2">
+            <a:schemeClr val="accent1">
+              <a:shade val="50000"/>
+            </a:schemeClr>
+          </a:lnRef>
+          <a:fillRef idx="1">
+            <a:schemeClr val="accent1"/>
+          </a:fillRef>
+          <a:effectRef idx="0">
+            <a:schemeClr val="accent1"/>
+          </a:effectRef>
+          <a:fontRef idx="minor">
+            <a:schemeClr val="lt1"/>
+          </a:fontRef>
+        </p:style>
+        <p:txBody>
+          <a:bodyPr rtlCol="0" anchor="ctr"/>
+          <a:lstStyle/>
+          <a:p>
+            <a:pPr algn="ctr"/>
+            <a:endParaRPr lang="pt-BR"/>
+          </a:p>
+        </p:txBody>
+      </p:sp>
+    </p:spTree>
+    <p:extLst>
+      <p:ext uri="{BB962C8B-B14F-4D97-AF65-F5344CB8AC3E}">
+        <p14:creationId xmlns:p14="http://schemas.microsoft.com/office/powerpoint/2010/main" val="3988476171"/>
       </p:ext>
     </p:extLst>
   </p:cSld>
@@ -22838,4 +25443,299 @@
   <a:objectDefaults/>
   <a:extraClrSchemeLst/>
 </a:theme>
+</file>
+
+<file path=ppt/theme/theme2.xml><?xml version="1.0" encoding="utf-8"?>
+<a:theme xmlns:a="http://schemas.openxmlformats.org/drawingml/2006/main" name="Tema do Office">
+  <a:themeElements>
+    <a:clrScheme name="Office">
+      <a:dk1>
+        <a:sysClr val="windowText" lastClr="000000"/>
+      </a:dk1>
+      <a:lt1>
+        <a:sysClr val="window" lastClr="FFFFFF"/>
+      </a:lt1>
+      <a:dk2>
+        <a:srgbClr val="44546A"/>
+      </a:dk2>
+      <a:lt2>
+        <a:srgbClr val="E7E6E6"/>
+      </a:lt2>
+      <a:accent1>
+        <a:srgbClr val="5B9BD5"/>
+      </a:accent1>
+      <a:accent2>
+        <a:srgbClr val="ED7D31"/>
+      </a:accent2>
+      <a:accent3>
+        <a:srgbClr val="A5A5A5"/>
+      </a:accent3>
+      <a:accent4>
+        <a:srgbClr val="FFC000"/>
+      </a:accent4>
+      <a:accent5>
+        <a:srgbClr val="4472C4"/>
+      </a:accent5>
+      <a:accent6>
+        <a:srgbClr val="70AD47"/>
+      </a:accent6>
+      <a:hlink>
+        <a:srgbClr val="0563C1"/>
+      </a:hlink>
+      <a:folHlink>
+        <a:srgbClr val="954F72"/>
+      </a:folHlink>
+    </a:clrScheme>
+    <a:fontScheme name="Office">
+      <a:majorFont>
+        <a:latin typeface="Calibri Light" panose="020F0302020204030204"/>
+        <a:ea typeface=""/>
+        <a:cs typeface=""/>
+        <a:font script="Jpan" typeface="游ゴシック Light"/>
+        <a:font script="Hang" typeface="맑은 고딕"/>
+        <a:font script="Hans" typeface="等线 Light"/>
+        <a:font script="Hant" typeface="新細明體"/>
+        <a:font script="Arab" typeface="Times New Roman"/>
+        <a:font script="Hebr" typeface="Times New Roman"/>
+        <a:font script="Thai" typeface="Angsana New"/>
+        <a:font script="Ethi" typeface="Nyala"/>
+        <a:font script="Beng" typeface="Vrinda"/>
+        <a:font script="Gujr" typeface="Shruti"/>
+        <a:font script="Khmr" typeface="MoolBoran"/>
+        <a:font script="Knda" typeface="Tunga"/>
+        <a:font script="Guru" typeface="Raavi"/>
+        <a:font script="Cans" typeface="Euphemia"/>
+        <a:font script="Cher" typeface="Plantagenet Cherokee"/>
+        <a:font script="Yiii" typeface="Microsoft Yi Baiti"/>
+        <a:font script="Tibt" typeface="Microsoft Himalaya"/>
+        <a:font script="Thaa" typeface="MV Boli"/>
+        <a:font script="Deva" typeface="Mangal"/>
+        <a:font script="Telu" typeface="Gautami"/>
+        <a:font script="Taml" typeface="Latha"/>
+        <a:font script="Syrc" typeface="Estrangelo Edessa"/>
+        <a:font script="Orya" typeface="Kalinga"/>
+        <a:font script="Mlym" typeface="Kartika"/>
+        <a:font script="Laoo" typeface="DokChampa"/>
+        <a:font script="Sinh" typeface="Iskoola Pota"/>
+        <a:font script="Mong" typeface="Mongolian Baiti"/>
+        <a:font script="Viet" typeface="Times New Roman"/>
+        <a:font script="Uigh" typeface="Microsoft Uighur"/>
+        <a:font script="Geor" typeface="Sylfaen"/>
+        <a:font script="Armn" typeface="Arial"/>
+        <a:font script="Bugi" typeface="Leelawadee UI"/>
+        <a:font script="Bopo" typeface="Microsoft JhengHei"/>
+        <a:font script="Java" typeface="Javanese Text"/>
+        <a:font script="Lisu" typeface="Segoe UI"/>
+        <a:font script="Mymr" typeface="Myanmar Text"/>
+        <a:font script="Nkoo" typeface="Ebrima"/>
+        <a:font script="Olck" typeface="Nirmala UI"/>
+        <a:font script="Osma" typeface="Ebrima"/>
+        <a:font script="Phag" typeface="Phagspa"/>
+        <a:font script="Syrn" typeface="Estrangelo Edessa"/>
+        <a:font script="Syrj" typeface="Estrangelo Edessa"/>
+        <a:font script="Syre" typeface="Estrangelo Edessa"/>
+        <a:font script="Sora" typeface="Nirmala UI"/>
+        <a:font script="Tale" typeface="Microsoft Tai Le"/>
+        <a:font script="Talu" typeface="Microsoft New Tai Lue"/>
+        <a:font script="Tfng" typeface="Ebrima"/>
+      </a:majorFont>
+      <a:minorFont>
+        <a:latin typeface="Calibri" panose="020F0502020204030204"/>
+        <a:ea typeface=""/>
+        <a:cs typeface=""/>
+        <a:font script="Jpan" typeface="游ゴシック"/>
+        <a:font script="Hang" typeface="맑은 고딕"/>
+        <a:font script="Hans" typeface="等线"/>
+        <a:font script="Hant" typeface="新細明體"/>
+        <a:font script="Arab" typeface="Arial"/>
+        <a:font script="Hebr" typeface="Arial"/>
+        <a:font script="Thai" typeface="Cordia New"/>
+        <a:font script="Ethi" typeface="Nyala"/>
+        <a:font script="Beng" typeface="Vrinda"/>
+        <a:font script="Gujr" typeface="Shruti"/>
+        <a:font script="Khmr" typeface="DaunPenh"/>
+        <a:font script="Knda" typeface="Tunga"/>
+        <a:font script="Guru" typeface="Raavi"/>
+        <a:font script="Cans" typeface="Euphemia"/>
+        <a:font script="Cher" typeface="Plantagenet Cherokee"/>
+        <a:font script="Yiii" typeface="Microsoft Yi Baiti"/>
+        <a:font script="Tibt" typeface="Microsoft Himalaya"/>
+        <a:font script="Thaa" typeface="MV Boli"/>
+        <a:font script="Deva" typeface="Mangal"/>
+        <a:font script="Telu" typeface="Gautami"/>
+        <a:font script="Taml" typeface="Latha"/>
+        <a:font script="Syrc" typeface="Estrangelo Edessa"/>
+        <a:font script="Orya" typeface="Kalinga"/>
+        <a:font script="Mlym" typeface="Kartika"/>
+        <a:font script="Laoo" typeface="DokChampa"/>
+        <a:font script="Sinh" typeface="Iskoola Pota"/>
+        <a:font script="Mong" typeface="Mongolian Baiti"/>
+        <a:font script="Viet" typeface="Arial"/>
+        <a:font script="Uigh" typeface="Microsoft Uighur"/>
+        <a:font script="Geor" typeface="Sylfaen"/>
+        <a:font script="Armn" typeface="Arial"/>
+        <a:font script="Bugi" typeface="Leelawadee UI"/>
+        <a:font script="Bopo" typeface="Microsoft JhengHei"/>
+        <a:font script="Java" typeface="Javanese Text"/>
+        <a:font script="Lisu" typeface="Segoe UI"/>
+        <a:font script="Mymr" typeface="Myanmar Text"/>
+        <a:font script="Nkoo" typeface="Ebrima"/>
+        <a:font script="Olck" typeface="Nirmala UI"/>
+        <a:font script="Osma" typeface="Ebrima"/>
+        <a:font script="Phag" typeface="Phagspa"/>
+        <a:font script="Syrn" typeface="Estrangelo Edessa"/>
+        <a:font script="Syrj" typeface="Estrangelo Edessa"/>
+        <a:font script="Syre" typeface="Estrangelo Edessa"/>
+        <a:font script="Sora" typeface="Nirmala UI"/>
+        <a:font script="Tale" typeface="Microsoft Tai Le"/>
+        <a:font script="Talu" typeface="Microsoft New Tai Lue"/>
+        <a:font script="Tfng" typeface="Ebrima"/>
+      </a:minorFont>
+    </a:fontScheme>
+    <a:fmtScheme name="Office">
+      <a:fillStyleLst>
+        <a:solidFill>
+          <a:schemeClr val="phClr"/>
+        </a:solidFill>
+        <a:gradFill rotWithShape="1">
+          <a:gsLst>
+            <a:gs pos="0">
+              <a:schemeClr val="phClr">
+                <a:lumMod val="110000"/>
+                <a:satMod val="105000"/>
+                <a:tint val="67000"/>
+              </a:schemeClr>
+            </a:gs>
+            <a:gs pos="50000">
+              <a:schemeClr val="phClr">
+                <a:lumMod val="105000"/>
+                <a:satMod val="103000"/>
+                <a:tint val="73000"/>
+              </a:schemeClr>
+            </a:gs>
+            <a:gs pos="100000">
+              <a:schemeClr val="phClr">
+                <a:lumMod val="105000"/>
+                <a:satMod val="109000"/>
+                <a:tint val="81000"/>
+              </a:schemeClr>
+            </a:gs>
+          </a:gsLst>
+          <a:lin ang="5400000" scaled="0"/>
+        </a:gradFill>
+        <a:gradFill rotWithShape="1">
+          <a:gsLst>
+            <a:gs pos="0">
+              <a:schemeClr val="phClr">
+                <a:satMod val="103000"/>
+                <a:lumMod val="102000"/>
+                <a:tint val="94000"/>
+              </a:schemeClr>
+            </a:gs>
+            <a:gs pos="50000">
+              <a:schemeClr val="phClr">
+                <a:satMod val="110000"/>
+                <a:lumMod val="100000"/>
+                <a:shade val="100000"/>
+              </a:schemeClr>
+            </a:gs>
+            <a:gs pos="100000">
+              <a:schemeClr val="phClr">
+                <a:lumMod val="99000"/>
+                <a:satMod val="120000"/>
+                <a:shade val="78000"/>
+              </a:schemeClr>
+            </a:gs>
+          </a:gsLst>
+          <a:lin ang="5400000" scaled="0"/>
+        </a:gradFill>
+      </a:fillStyleLst>
+      <a:lnStyleLst>
+        <a:ln w="6350" cap="flat" cmpd="sng" algn="ctr">
+          <a:solidFill>
+            <a:schemeClr val="phClr"/>
+          </a:solidFill>
+          <a:prstDash val="solid"/>
+          <a:miter lim="800000"/>
+        </a:ln>
+        <a:ln w="12700" cap="flat" cmpd="sng" algn="ctr">
+          <a:solidFill>
+            <a:schemeClr val="phClr"/>
+          </a:solidFill>
+          <a:prstDash val="solid"/>
+          <a:miter lim="800000"/>
+        </a:ln>
+        <a:ln w="19050" cap="flat" cmpd="sng" algn="ctr">
+          <a:solidFill>
+            <a:schemeClr val="phClr"/>
+          </a:solidFill>
+          <a:prstDash val="solid"/>
+          <a:miter lim="800000"/>
+        </a:ln>
+      </a:lnStyleLst>
+      <a:effectStyleLst>
+        <a:effectStyle>
+          <a:effectLst/>
+        </a:effectStyle>
+        <a:effectStyle>
+          <a:effectLst/>
+        </a:effectStyle>
+        <a:effectStyle>
+          <a:effectLst>
+            <a:outerShdw blurRad="57150" dist="19050" dir="5400000" algn="ctr" rotWithShape="0">
+              <a:srgbClr val="000000">
+                <a:alpha val="63000"/>
+              </a:srgbClr>
+            </a:outerShdw>
+          </a:effectLst>
+        </a:effectStyle>
+      </a:effectStyleLst>
+      <a:bgFillStyleLst>
+        <a:solidFill>
+          <a:schemeClr val="phClr"/>
+        </a:solidFill>
+        <a:solidFill>
+          <a:schemeClr val="phClr">
+            <a:tint val="95000"/>
+            <a:satMod val="170000"/>
+          </a:schemeClr>
+        </a:solidFill>
+        <a:gradFill rotWithShape="1">
+          <a:gsLst>
+            <a:gs pos="0">
+              <a:schemeClr val="phClr">
+                <a:tint val="93000"/>
+                <a:satMod val="150000"/>
+                <a:shade val="98000"/>
+                <a:lumMod val="102000"/>
+              </a:schemeClr>
+            </a:gs>
+            <a:gs pos="50000">
+              <a:schemeClr val="phClr">
+                <a:tint val="98000"/>
+                <a:satMod val="130000"/>
+                <a:shade val="90000"/>
+                <a:lumMod val="103000"/>
+              </a:schemeClr>
+            </a:gs>
+            <a:gs pos="100000">
+              <a:schemeClr val="phClr">
+                <a:shade val="63000"/>
+                <a:satMod val="120000"/>
+              </a:schemeClr>
+            </a:gs>
+          </a:gsLst>
+          <a:lin ang="5400000" scaled="0"/>
+        </a:gradFill>
+      </a:bgFillStyleLst>
+    </a:fmtScheme>
+  </a:themeElements>
+  <a:objectDefaults/>
+  <a:extraClrSchemeLst/>
+  <a:extLst>
+    <a:ext uri="{05A4C25C-085E-4340-85A3-A5531E510DB2}">
+      <thm15:themeFamily xmlns:thm15="http://schemas.microsoft.com/office/thememl/2012/main" name="Office Theme" id="{62F939B6-93AF-4DB8-9C6B-D6C7DFDC589F}" vid="{4A3C46E8-61CC-4603-A589-7422A47A8E4A}"/>
+    </a:ext>
+  </a:extLst>
+</a:theme>
 </file>
--- a/Tranqueiras de ppt/desenhos_filtro_complexo.pptx
+++ b/Tranqueiras de ppt/desenhos_filtro_complexo.pptx
@@ -116,7 +116,7 @@
   </p:defaultTextStyle>
   <p:extLst>
     <p:ext uri="{EFAFB233-063F-42B5-8137-9DF3F51BA10A}">
-      <p15:sldGuideLst xmlns:p15="http://schemas.microsoft.com/office/powerpoint/2012/main">
+      <p15:sldGuideLst xmlns:p15="http://schemas.microsoft.com/office/powerpoint/2012/main" xmlns="">
         <p15:guide id="1" orient="horz" pos="2160">
           <p15:clr>
             <a:srgbClr val="A4A3A4"/>
@@ -215,7 +215,7 @@
           <a:p>
             <a:fld id="{1E5FABBD-B2CF-41BB-8AF0-22312F906C8C}" type="datetimeFigureOut">
               <a:rPr lang="pt-BR" smtClean="0"/>
-              <a:t>27/09/2016</a:t>
+              <a:t>28/09/2016</a:t>
             </a:fld>
             <a:endParaRPr lang="pt-BR"/>
           </a:p>
@@ -310,7 +310,6 @@
               <a:rPr lang="pt-BR"/>
               <a:t>Quinto nível</a:t>
             </a:r>
-            <a:endParaRPr lang="pt-BR"/>
           </a:p>
         </p:txBody>
       </p:sp>
@@ -746,7 +745,7 @@
           <a:p>
             <a:fld id="{9F140449-45B3-4C4C-B502-456914857DA8}" type="datetimeFigureOut">
               <a:rPr lang="pt-BR" smtClean="0"/>
-              <a:t>27/09/2016</a:t>
+              <a:t>28/09/2016</a:t>
             </a:fld>
             <a:endParaRPr lang="pt-BR"/>
           </a:p>
@@ -914,7 +913,7 @@
           <a:p>
             <a:fld id="{9F140449-45B3-4C4C-B502-456914857DA8}" type="datetimeFigureOut">
               <a:rPr lang="pt-BR" smtClean="0"/>
-              <a:t>27/09/2016</a:t>
+              <a:t>28/09/2016</a:t>
             </a:fld>
             <a:endParaRPr lang="pt-BR"/>
           </a:p>
@@ -1092,7 +1091,7 @@
           <a:p>
             <a:fld id="{9F140449-45B3-4C4C-B502-456914857DA8}" type="datetimeFigureOut">
               <a:rPr lang="pt-BR" smtClean="0"/>
-              <a:t>27/09/2016</a:t>
+              <a:t>28/09/2016</a:t>
             </a:fld>
             <a:endParaRPr lang="pt-BR"/>
           </a:p>
@@ -1260,7 +1259,7 @@
           <a:p>
             <a:fld id="{9F140449-45B3-4C4C-B502-456914857DA8}" type="datetimeFigureOut">
               <a:rPr lang="pt-BR" smtClean="0"/>
-              <a:t>27/09/2016</a:t>
+              <a:t>28/09/2016</a:t>
             </a:fld>
             <a:endParaRPr lang="pt-BR"/>
           </a:p>
@@ -1505,7 +1504,7 @@
           <a:p>
             <a:fld id="{9F140449-45B3-4C4C-B502-456914857DA8}" type="datetimeFigureOut">
               <a:rPr lang="pt-BR" smtClean="0"/>
-              <a:t>27/09/2016</a:t>
+              <a:t>28/09/2016</a:t>
             </a:fld>
             <a:endParaRPr lang="pt-BR"/>
           </a:p>
@@ -1790,7 +1789,7 @@
           <a:p>
             <a:fld id="{9F140449-45B3-4C4C-B502-456914857DA8}" type="datetimeFigureOut">
               <a:rPr lang="pt-BR" smtClean="0"/>
-              <a:t>27/09/2016</a:t>
+              <a:t>28/09/2016</a:t>
             </a:fld>
             <a:endParaRPr lang="pt-BR"/>
           </a:p>
@@ -2209,7 +2208,7 @@
           <a:p>
             <a:fld id="{9F140449-45B3-4C4C-B502-456914857DA8}" type="datetimeFigureOut">
               <a:rPr lang="pt-BR" smtClean="0"/>
-              <a:t>27/09/2016</a:t>
+              <a:t>28/09/2016</a:t>
             </a:fld>
             <a:endParaRPr lang="pt-BR"/>
           </a:p>
@@ -2326,7 +2325,7 @@
           <a:p>
             <a:fld id="{9F140449-45B3-4C4C-B502-456914857DA8}" type="datetimeFigureOut">
               <a:rPr lang="pt-BR" smtClean="0"/>
-              <a:t>27/09/2016</a:t>
+              <a:t>28/09/2016</a:t>
             </a:fld>
             <a:endParaRPr lang="pt-BR"/>
           </a:p>
@@ -2421,7 +2420,7 @@
           <a:p>
             <a:fld id="{9F140449-45B3-4C4C-B502-456914857DA8}" type="datetimeFigureOut">
               <a:rPr lang="pt-BR" smtClean="0"/>
-              <a:t>27/09/2016</a:t>
+              <a:t>28/09/2016</a:t>
             </a:fld>
             <a:endParaRPr lang="pt-BR"/>
           </a:p>
@@ -2696,7 +2695,7 @@
           <a:p>
             <a:fld id="{9F140449-45B3-4C4C-B502-456914857DA8}" type="datetimeFigureOut">
               <a:rPr lang="pt-BR" smtClean="0"/>
-              <a:t>27/09/2016</a:t>
+              <a:t>28/09/2016</a:t>
             </a:fld>
             <a:endParaRPr lang="pt-BR"/>
           </a:p>
@@ -2948,7 +2947,7 @@
           <a:p>
             <a:fld id="{9F140449-45B3-4C4C-B502-456914857DA8}" type="datetimeFigureOut">
               <a:rPr lang="pt-BR" smtClean="0"/>
-              <a:t>27/09/2016</a:t>
+              <a:t>28/09/2016</a:t>
             </a:fld>
             <a:endParaRPr lang="pt-BR"/>
           </a:p>
@@ -3159,7 +3158,7 @@
           <a:p>
             <a:fld id="{9F140449-45B3-4C4C-B502-456914857DA8}" type="datetimeFigureOut">
               <a:rPr lang="pt-BR" smtClean="0"/>
-              <a:t>27/09/2016</a:t>
+              <a:t>28/09/2016</a:t>
             </a:fld>
             <a:endParaRPr lang="pt-BR"/>
           </a:p>
@@ -4953,7 +4952,7 @@
                         <m:sSubPr>
                           <m:ctrlPr>
                             <a:rPr lang="pt-BR" b="0" i="1" smtClean="0">
-                              <a:latin typeface="Cambria Math" panose="02040503050406030204" pitchFamily="18" charset="0"/>
+                              <a:latin typeface="Cambria Math"/>
                             </a:rPr>
                           </m:ctrlPr>
                         </m:sSubPr>
@@ -5056,7 +5055,7 @@
                         <m:sSubPr>
                           <m:ctrlPr>
                             <a:rPr lang="pt-BR" b="0" i="1" smtClean="0">
-                              <a:latin typeface="Cambria Math" panose="02040503050406030204" pitchFamily="18" charset="0"/>
+                              <a:latin typeface="Cambria Math"/>
                             </a:rPr>
                           </m:ctrlPr>
                         </m:sSubPr>
@@ -5159,7 +5158,7 @@
                         <m:sSubPr>
                           <m:ctrlPr>
                             <a:rPr lang="pt-BR" b="0" i="1" smtClean="0">
-                              <a:latin typeface="Cambria Math" panose="02040503050406030204" pitchFamily="18" charset="0"/>
+                              <a:latin typeface="Cambria Math"/>
                             </a:rPr>
                           </m:ctrlPr>
                         </m:sSubPr>
@@ -5262,7 +5261,7 @@
                         <m:sSubPr>
                           <m:ctrlPr>
                             <a:rPr lang="pt-BR" b="0" i="1" smtClean="0">
-                              <a:latin typeface="Cambria Math" panose="02040503050406030204" pitchFamily="18" charset="0"/>
+                              <a:latin typeface="Cambria Math"/>
                             </a:rPr>
                           </m:ctrlPr>
                         </m:sSubPr>
@@ -5365,7 +5364,7 @@
                         <m:sSubPr>
                           <m:ctrlPr>
                             <a:rPr lang="pt-BR" b="0" i="1" smtClean="0">
-                              <a:latin typeface="Cambria Math" panose="02040503050406030204" pitchFamily="18" charset="0"/>
+                              <a:latin typeface="Cambria Math"/>
                             </a:rPr>
                           </m:ctrlPr>
                         </m:sSubPr>
@@ -5468,7 +5467,7 @@
                         <m:sSubPr>
                           <m:ctrlPr>
                             <a:rPr lang="pt-BR" b="0" i="1" smtClean="0">
-                              <a:latin typeface="Cambria Math" panose="02040503050406030204" pitchFamily="18" charset="0"/>
+                              <a:latin typeface="Cambria Math"/>
                             </a:rPr>
                           </m:ctrlPr>
                         </m:sSubPr>
@@ -5571,7 +5570,7 @@
                         <m:sSubPr>
                           <m:ctrlPr>
                             <a:rPr lang="pt-BR" b="0" i="1" smtClean="0">
-                              <a:latin typeface="Cambria Math" panose="02040503050406030204" pitchFamily="18" charset="0"/>
+                              <a:latin typeface="Cambria Math"/>
                             </a:rPr>
                           </m:ctrlPr>
                         </m:sSubPr>
@@ -5674,7 +5673,7 @@
                         <m:sSubPr>
                           <m:ctrlPr>
                             <a:rPr lang="pt-BR" b="0" i="1" smtClean="0">
-                              <a:latin typeface="Cambria Math" panose="02040503050406030204" pitchFamily="18" charset="0"/>
+                              <a:latin typeface="Cambria Math"/>
                             </a:rPr>
                           </m:ctrlPr>
                         </m:sSubPr>
@@ -5777,7 +5776,7 @@
                         <m:sSubPr>
                           <m:ctrlPr>
                             <a:rPr lang="pt-BR" b="0" i="1" smtClean="0">
-                              <a:latin typeface="Cambria Math" panose="02040503050406030204" pitchFamily="18" charset="0"/>
+                              <a:latin typeface="Cambria Math"/>
                             </a:rPr>
                           </m:ctrlPr>
                         </m:sSubPr>
@@ -5880,7 +5879,7 @@
                         <m:sSubPr>
                           <m:ctrlPr>
                             <a:rPr lang="pt-BR" b="0" i="1" smtClean="0">
-                              <a:latin typeface="Cambria Math" panose="02040503050406030204" pitchFamily="18" charset="0"/>
+                              <a:latin typeface="Cambria Math"/>
                             </a:rPr>
                           </m:ctrlPr>
                         </m:sSubPr>
@@ -6151,7 +6150,7 @@
                         <m:sSubSupPr>
                           <m:ctrlPr>
                             <a:rPr lang="pt-BR" b="0" i="1" smtClean="0">
-                              <a:latin typeface="Cambria Math" panose="02040503050406030204" pitchFamily="18" charset="0"/>
+                              <a:latin typeface="Cambria Math"/>
                             </a:rPr>
                           </m:ctrlPr>
                         </m:sSubSupPr>
@@ -6262,7 +6261,7 @@
                         <m:sSubSupPr>
                           <m:ctrlPr>
                             <a:rPr lang="pt-BR" b="0" i="1" smtClean="0">
-                              <a:latin typeface="Cambria Math" panose="02040503050406030204" pitchFamily="18" charset="0"/>
+                              <a:latin typeface="Cambria Math"/>
                             </a:rPr>
                           </m:ctrlPr>
                         </m:sSubSupPr>
@@ -6373,7 +6372,7 @@
                         <m:sSubSupPr>
                           <m:ctrlPr>
                             <a:rPr lang="pt-BR" b="0" i="1" smtClean="0">
-                              <a:latin typeface="Cambria Math" panose="02040503050406030204" pitchFamily="18" charset="0"/>
+                              <a:latin typeface="Cambria Math"/>
                             </a:rPr>
                           </m:ctrlPr>
                         </m:sSubSupPr>
@@ -6490,7 +6489,7 @@
                         <m:sSubSupPr>
                           <m:ctrlPr>
                             <a:rPr lang="pt-BR" b="0" i="1" smtClean="0">
-                              <a:latin typeface="Cambria Math" panose="02040503050406030204" pitchFamily="18" charset="0"/>
+                              <a:latin typeface="Cambria Math"/>
                             </a:rPr>
                           </m:ctrlPr>
                         </m:sSubSupPr>
@@ -6607,7 +6606,7 @@
                         <m:sSubSupPr>
                           <m:ctrlPr>
                             <a:rPr lang="pt-BR" b="0" i="1" smtClean="0">
-                              <a:latin typeface="Cambria Math" panose="02040503050406030204" pitchFamily="18" charset="0"/>
+                              <a:latin typeface="Cambria Math"/>
                             </a:rPr>
                           </m:ctrlPr>
                         </m:sSubSupPr>
@@ -6718,7 +6717,7 @@
                         <m:sSubSupPr>
                           <m:ctrlPr>
                             <a:rPr lang="pt-BR" b="0" i="1" smtClean="0">
-                              <a:latin typeface="Cambria Math" panose="02040503050406030204" pitchFamily="18" charset="0"/>
+                              <a:latin typeface="Cambria Math"/>
                             </a:rPr>
                           </m:ctrlPr>
                         </m:sSubSupPr>
@@ -6829,7 +6828,7 @@
                         <m:sSubSupPr>
                           <m:ctrlPr>
                             <a:rPr lang="pt-BR" b="0" i="1" smtClean="0">
-                              <a:latin typeface="Cambria Math" panose="02040503050406030204" pitchFamily="18" charset="0"/>
+                              <a:latin typeface="Cambria Math"/>
                             </a:rPr>
                           </m:ctrlPr>
                         </m:sSubSupPr>
@@ -7270,7 +7269,7 @@
                         <m:sSubPr>
                           <m:ctrlPr>
                             <a:rPr lang="pt-BR" b="0" i="1" smtClean="0">
-                              <a:latin typeface="Cambria Math" panose="02040503050406030204" pitchFamily="18" charset="0"/>
+                              <a:latin typeface="Cambria Math"/>
                             </a:rPr>
                           </m:ctrlPr>
                         </m:sSubPr>
@@ -7373,7 +7372,7 @@
                         <m:sSubPr>
                           <m:ctrlPr>
                             <a:rPr lang="pt-BR" b="0" i="1" smtClean="0">
-                              <a:latin typeface="Cambria Math" panose="02040503050406030204" pitchFamily="18" charset="0"/>
+                              <a:latin typeface="Cambria Math"/>
                             </a:rPr>
                           </m:ctrlPr>
                         </m:sSubPr>
@@ -8298,7 +8297,7 @@
                         <m:sSubSupPr>
                           <m:ctrlPr>
                             <a:rPr lang="pt-BR" b="0" i="1" smtClean="0">
-                              <a:latin typeface="Cambria Math" panose="02040503050406030204" pitchFamily="18" charset="0"/>
+                              <a:latin typeface="Cambria Math"/>
                             </a:rPr>
                           </m:ctrlPr>
                         </m:sSubSupPr>
@@ -8409,7 +8408,7 @@
                         <m:sSubSupPr>
                           <m:ctrlPr>
                             <a:rPr lang="pt-BR" b="0" i="1" smtClean="0">
-                              <a:latin typeface="Cambria Math" panose="02040503050406030204" pitchFamily="18" charset="0"/>
+                              <a:latin typeface="Cambria Math"/>
                             </a:rPr>
                           </m:ctrlPr>
                         </m:sSubSupPr>
@@ -8520,7 +8519,7 @@
                         <m:sSubSupPr>
                           <m:ctrlPr>
                             <a:rPr lang="pt-BR" b="0" i="1" smtClean="0">
-                              <a:latin typeface="Cambria Math" panose="02040503050406030204" pitchFamily="18" charset="0"/>
+                              <a:latin typeface="Cambria Math"/>
                             </a:rPr>
                           </m:ctrlPr>
                         </m:sSubSupPr>
@@ -8631,7 +8630,7 @@
                         <m:sSubPr>
                           <m:ctrlPr>
                             <a:rPr lang="pt-BR" b="0" i="1" smtClean="0">
-                              <a:latin typeface="Cambria Math" panose="02040503050406030204" pitchFamily="18" charset="0"/>
+                              <a:latin typeface="Cambria Math"/>
                             </a:rPr>
                           </m:ctrlPr>
                         </m:sSubPr>
@@ -8734,7 +8733,7 @@
                         <m:sSubPr>
                           <m:ctrlPr>
                             <a:rPr lang="pt-BR" b="0" i="1" smtClean="0">
-                              <a:latin typeface="Cambria Math" panose="02040503050406030204" pitchFamily="18" charset="0"/>
+                              <a:latin typeface="Cambria Math"/>
                             </a:rPr>
                           </m:ctrlPr>
                         </m:sSubPr>
@@ -8837,7 +8836,7 @@
                         <m:sSubPr>
                           <m:ctrlPr>
                             <a:rPr lang="pt-BR" b="0" i="1" smtClean="0">
-                              <a:latin typeface="Cambria Math" panose="02040503050406030204" pitchFamily="18" charset="0"/>
+                              <a:latin typeface="Cambria Math"/>
                             </a:rPr>
                           </m:ctrlPr>
                         </m:sSubPr>
@@ -9048,7 +9047,7 @@
                         <m:sSubPr>
                           <m:ctrlPr>
                             <a:rPr lang="pt-BR" b="0" i="1" smtClean="0">
-                              <a:latin typeface="Cambria Math" panose="02040503050406030204" pitchFamily="18" charset="0"/>
+                              <a:latin typeface="Cambria Math"/>
                             </a:rPr>
                           </m:ctrlPr>
                         </m:sSubPr>
@@ -9151,7 +9150,7 @@
                         <m:sSubPr>
                           <m:ctrlPr>
                             <a:rPr lang="pt-BR" b="0" i="1" smtClean="0">
-                              <a:latin typeface="Cambria Math" panose="02040503050406030204" pitchFamily="18" charset="0"/>
+                              <a:latin typeface="Cambria Math"/>
                             </a:rPr>
                           </m:ctrlPr>
                         </m:sSubPr>
@@ -9254,7 +9253,7 @@
                         <m:sSubPr>
                           <m:ctrlPr>
                             <a:rPr lang="pt-BR" b="0" i="1" smtClean="0">
-                              <a:latin typeface="Cambria Math" panose="02040503050406030204" pitchFamily="18" charset="0"/>
+                              <a:latin typeface="Cambria Math"/>
                             </a:rPr>
                           </m:ctrlPr>
                         </m:sSubPr>
@@ -9465,7 +9464,7 @@
                         <m:sSubSupPr>
                           <m:ctrlPr>
                             <a:rPr lang="pt-BR" b="0" i="1" smtClean="0">
-                              <a:latin typeface="Cambria Math" panose="02040503050406030204" pitchFamily="18" charset="0"/>
+                              <a:latin typeface="Cambria Math"/>
                             </a:rPr>
                           </m:ctrlPr>
                         </m:sSubSupPr>
@@ -9569,7 +9568,7 @@
                         <m:sSubSupPr>
                           <m:ctrlPr>
                             <a:rPr lang="pt-BR" b="0" i="1" smtClean="0">
-                              <a:latin typeface="Cambria Math" panose="02040503050406030204" pitchFamily="18" charset="0"/>
+                              <a:latin typeface="Cambria Math"/>
                             </a:rPr>
                           </m:ctrlPr>
                         </m:sSubSupPr>
@@ -9673,7 +9672,7 @@
                         <m:sSubSupPr>
                           <m:ctrlPr>
                             <a:rPr lang="pt-BR" b="0" i="1" smtClean="0">
-                              <a:latin typeface="Cambria Math" panose="02040503050406030204" pitchFamily="18" charset="0"/>
+                              <a:latin typeface="Cambria Math"/>
                             </a:rPr>
                           </m:ctrlPr>
                         </m:sSubSupPr>
@@ -10101,7 +10100,7 @@
                         <m:sSubPr>
                           <m:ctrlPr>
                             <a:rPr lang="pt-BR" b="0" i="1" smtClean="0">
-                              <a:latin typeface="Cambria Math" panose="02040503050406030204" pitchFamily="18" charset="0"/>
+                              <a:latin typeface="Cambria Math"/>
                             </a:rPr>
                           </m:ctrlPr>
                         </m:sSubPr>
@@ -10204,7 +10203,7 @@
                         <m:sSubPr>
                           <m:ctrlPr>
                             <a:rPr lang="pt-BR" b="0" i="1" smtClean="0">
-                              <a:latin typeface="Cambria Math" panose="02040503050406030204" pitchFamily="18" charset="0"/>
+                              <a:latin typeface="Cambria Math"/>
                             </a:rPr>
                           </m:ctrlPr>
                         </m:sSubPr>
@@ -10307,7 +10306,7 @@
                         <m:sSubPr>
                           <m:ctrlPr>
                             <a:rPr lang="pt-BR" b="0" i="1" smtClean="0">
-                              <a:latin typeface="Cambria Math" panose="02040503050406030204" pitchFamily="18" charset="0"/>
+                              <a:latin typeface="Cambria Math"/>
                             </a:rPr>
                           </m:ctrlPr>
                         </m:sSubPr>
@@ -10440,7 +10439,7 @@
                         <m:sSubPr>
                           <m:ctrlPr>
                             <a:rPr lang="pt-BR" b="0" i="1" smtClean="0">
-                              <a:latin typeface="Cambria Math" panose="02040503050406030204" pitchFamily="18" charset="0"/>
+                              <a:latin typeface="Cambria Math"/>
                             </a:rPr>
                           </m:ctrlPr>
                         </m:sSubPr>
@@ -10543,7 +10542,7 @@
                         <m:sSubPr>
                           <m:ctrlPr>
                             <a:rPr lang="pt-BR" b="0" i="1" smtClean="0">
-                              <a:latin typeface="Cambria Math" panose="02040503050406030204" pitchFamily="18" charset="0"/>
+                              <a:latin typeface="Cambria Math"/>
                             </a:rPr>
                           </m:ctrlPr>
                         </m:sSubPr>
@@ -10646,7 +10645,7 @@
                         <m:sSubPr>
                           <m:ctrlPr>
                             <a:rPr lang="pt-BR" b="0" i="1" smtClean="0">
-                              <a:latin typeface="Cambria Math" panose="02040503050406030204" pitchFamily="18" charset="0"/>
+                              <a:latin typeface="Cambria Math"/>
                             </a:rPr>
                           </m:ctrlPr>
                         </m:sSubPr>
@@ -11990,7 +11989,7 @@
                         <m:sSubPr>
                           <m:ctrlPr>
                             <a:rPr lang="pt-BR" b="0" i="1" smtClean="0">
-                              <a:latin typeface="Cambria Math" panose="02040503050406030204" pitchFamily="18" charset="0"/>
+                              <a:latin typeface="Cambria Math"/>
                             </a:rPr>
                           </m:ctrlPr>
                         </m:sSubPr>
@@ -12093,7 +12092,7 @@
                         <m:sSubPr>
                           <m:ctrlPr>
                             <a:rPr lang="pt-BR" b="0" i="1" smtClean="0">
-                              <a:latin typeface="Cambria Math" panose="02040503050406030204" pitchFamily="18" charset="0"/>
+                              <a:latin typeface="Cambria Math"/>
                             </a:rPr>
                           </m:ctrlPr>
                         </m:sSubPr>
@@ -12196,7 +12195,7 @@
                         <m:sSubPr>
                           <m:ctrlPr>
                             <a:rPr lang="pt-BR" b="0" i="1" smtClean="0">
-                              <a:latin typeface="Cambria Math" panose="02040503050406030204" pitchFamily="18" charset="0"/>
+                              <a:latin typeface="Cambria Math"/>
                             </a:rPr>
                           </m:ctrlPr>
                         </m:sSubPr>
@@ -12299,7 +12298,7 @@
                         <m:sSubPr>
                           <m:ctrlPr>
                             <a:rPr lang="pt-BR" b="0" i="1" smtClean="0">
-                              <a:latin typeface="Cambria Math" panose="02040503050406030204" pitchFamily="18" charset="0"/>
+                              <a:latin typeface="Cambria Math"/>
                             </a:rPr>
                           </m:ctrlPr>
                         </m:sSubPr>
@@ -12402,7 +12401,7 @@
                         <m:sSubPr>
                           <m:ctrlPr>
                             <a:rPr lang="pt-BR" b="0" i="1" smtClean="0">
-                              <a:latin typeface="Cambria Math" panose="02040503050406030204" pitchFamily="18" charset="0"/>
+                              <a:latin typeface="Cambria Math"/>
                             </a:rPr>
                           </m:ctrlPr>
                         </m:sSubPr>
@@ -12505,7 +12504,7 @@
                         <m:sSubPr>
                           <m:ctrlPr>
                             <a:rPr lang="pt-BR" b="0" i="1" smtClean="0">
-                              <a:latin typeface="Cambria Math" panose="02040503050406030204" pitchFamily="18" charset="0"/>
+                              <a:latin typeface="Cambria Math"/>
                             </a:rPr>
                           </m:ctrlPr>
                         </m:sSubPr>
@@ -12608,7 +12607,7 @@
                         <m:sSubPr>
                           <m:ctrlPr>
                             <a:rPr lang="pt-BR" b="0" i="1" smtClean="0">
-                              <a:latin typeface="Cambria Math" panose="02040503050406030204" pitchFamily="18" charset="0"/>
+                              <a:latin typeface="Cambria Math"/>
                             </a:rPr>
                           </m:ctrlPr>
                         </m:sSubPr>
@@ -12879,7 +12878,7 @@
                         <m:sSubSupPr>
                           <m:ctrlPr>
                             <a:rPr lang="pt-BR" b="0" i="1" smtClean="0">
-                              <a:latin typeface="Cambria Math" panose="02040503050406030204" pitchFamily="18" charset="0"/>
+                              <a:latin typeface="Cambria Math"/>
                             </a:rPr>
                           </m:ctrlPr>
                         </m:sSubSupPr>
@@ -12996,7 +12995,7 @@
                         <m:sSubSupPr>
                           <m:ctrlPr>
                             <a:rPr lang="pt-BR" b="0" i="1" smtClean="0">
-                              <a:latin typeface="Cambria Math" panose="02040503050406030204" pitchFamily="18" charset="0"/>
+                              <a:latin typeface="Cambria Math"/>
                             </a:rPr>
                           </m:ctrlPr>
                         </m:sSubSupPr>
@@ -13113,7 +13112,7 @@
                         <m:sSubSupPr>
                           <m:ctrlPr>
                             <a:rPr lang="pt-BR" b="0" i="1" smtClean="0">
-                              <a:latin typeface="Cambria Math" panose="02040503050406030204" pitchFamily="18" charset="0"/>
+                              <a:latin typeface="Cambria Math"/>
                             </a:rPr>
                           </m:ctrlPr>
                         </m:sSubSupPr>
@@ -13224,7 +13223,7 @@
                         <m:sSubSupPr>
                           <m:ctrlPr>
                             <a:rPr lang="pt-BR" b="0" i="1" smtClean="0">
-                              <a:latin typeface="Cambria Math" panose="02040503050406030204" pitchFamily="18" charset="0"/>
+                              <a:latin typeface="Cambria Math"/>
                             </a:rPr>
                           </m:ctrlPr>
                         </m:sSubSupPr>
@@ -13335,7 +13334,7 @@
                         <m:sSubSupPr>
                           <m:ctrlPr>
                             <a:rPr lang="pt-BR" b="0" i="1" smtClean="0">
-                              <a:latin typeface="Cambria Math" panose="02040503050406030204" pitchFamily="18" charset="0"/>
+                              <a:latin typeface="Cambria Math"/>
                             </a:rPr>
                           </m:ctrlPr>
                         </m:sSubSupPr>
@@ -13744,7 +13743,7 @@
                         <m:sSubPr>
                           <m:ctrlPr>
                             <a:rPr lang="pt-BR" b="0" i="1" smtClean="0">
-                              <a:latin typeface="Cambria Math" panose="02040503050406030204" pitchFamily="18" charset="0"/>
+                              <a:latin typeface="Cambria Math"/>
                             </a:rPr>
                           </m:ctrlPr>
                         </m:sSubPr>
@@ -13847,7 +13846,7 @@
                         <m:sSubPr>
                           <m:ctrlPr>
                             <a:rPr lang="pt-BR" b="0" i="1" smtClean="0">
-                              <a:latin typeface="Cambria Math" panose="02040503050406030204" pitchFamily="18" charset="0"/>
+                              <a:latin typeface="Cambria Math"/>
                             </a:rPr>
                           </m:ctrlPr>
                         </m:sSubPr>
@@ -14251,7 +14250,7 @@
                           <m:chr m:val="̃"/>
                           <m:ctrlPr>
                             <a:rPr lang="pt-BR" b="0" i="1" smtClean="0">
-                              <a:latin typeface="Cambria Math" panose="02040503050406030204" pitchFamily="18" charset="0"/>
+                              <a:latin typeface="Cambria Math"/>
                             </a:rPr>
                           </m:ctrlPr>
                         </m:accPr>
@@ -14804,7 +14803,7 @@
                           <m:pos m:val="top"/>
                           <m:ctrlPr>
                             <a:rPr lang="pt-BR" b="0" i="1" smtClean="0">
-                              <a:latin typeface="Cambria Math" panose="02040503050406030204" pitchFamily="18" charset="0"/>
+                              <a:latin typeface="Cambria Math"/>
                             </a:rPr>
                           </m:ctrlPr>
                         </m:barPr>
@@ -15173,7 +15172,7 @@
                           <m:pos m:val="top"/>
                           <m:ctrlPr>
                             <a:rPr lang="pt-BR" b="0" i="1" smtClean="0">
-                              <a:latin typeface="Cambria Math" panose="02040503050406030204" pitchFamily="18" charset="0"/>
+                              <a:latin typeface="Cambria Math"/>
                             </a:rPr>
                           </m:ctrlPr>
                         </m:barPr>
@@ -16043,7 +16042,7 @@
                         <m:sSubPr>
                           <m:ctrlPr>
                             <a:rPr lang="pt-BR" b="0" i="1" smtClean="0">
-                              <a:latin typeface="Cambria Math" panose="02040503050406030204" pitchFamily="18" charset="0"/>
+                              <a:latin typeface="Cambria Math"/>
                             </a:rPr>
                           </m:ctrlPr>
                         </m:sSubPr>
@@ -16146,7 +16145,7 @@
                         <m:sSubPr>
                           <m:ctrlPr>
                             <a:rPr lang="pt-BR" b="0" i="1" smtClean="0">
-                              <a:latin typeface="Cambria Math" panose="02040503050406030204" pitchFamily="18" charset="0"/>
+                              <a:latin typeface="Cambria Math"/>
                             </a:rPr>
                           </m:ctrlPr>
                         </m:sSubPr>
@@ -16249,7 +16248,7 @@
                         <m:sSubPr>
                           <m:ctrlPr>
                             <a:rPr lang="pt-BR" b="0" i="1" smtClean="0">
-                              <a:latin typeface="Cambria Math" panose="02040503050406030204" pitchFamily="18" charset="0"/>
+                              <a:latin typeface="Cambria Math"/>
                             </a:rPr>
                           </m:ctrlPr>
                         </m:sSubPr>
@@ -16352,7 +16351,7 @@
                         <m:sSubPr>
                           <m:ctrlPr>
                             <a:rPr lang="pt-BR" b="0" i="1" smtClean="0">
-                              <a:latin typeface="Cambria Math" panose="02040503050406030204" pitchFamily="18" charset="0"/>
+                              <a:latin typeface="Cambria Math"/>
                             </a:rPr>
                           </m:ctrlPr>
                         </m:sSubPr>
@@ -16455,7 +16454,7 @@
                         <m:sSubPr>
                           <m:ctrlPr>
                             <a:rPr lang="pt-BR" b="0" i="1" smtClean="0">
-                              <a:latin typeface="Cambria Math" panose="02040503050406030204" pitchFamily="18" charset="0"/>
+                              <a:latin typeface="Cambria Math"/>
                             </a:rPr>
                           </m:ctrlPr>
                         </m:sSubPr>
@@ -16558,7 +16557,7 @@
                         <m:sSubPr>
                           <m:ctrlPr>
                             <a:rPr lang="pt-BR" b="0" i="1" smtClean="0">
-                              <a:latin typeface="Cambria Math" panose="02040503050406030204" pitchFamily="18" charset="0"/>
+                              <a:latin typeface="Cambria Math"/>
                             </a:rPr>
                           </m:ctrlPr>
                         </m:sSubPr>
@@ -16661,7 +16660,7 @@
                         <m:sSubSupPr>
                           <m:ctrlPr>
                             <a:rPr lang="pt-BR" b="0" i="1" smtClean="0">
-                              <a:latin typeface="Cambria Math" panose="02040503050406030204" pitchFamily="18" charset="0"/>
+                              <a:latin typeface="Cambria Math"/>
                             </a:rPr>
                           </m:ctrlPr>
                         </m:sSubSupPr>
@@ -16765,7 +16764,7 @@
                         <m:sSubSupPr>
                           <m:ctrlPr>
                             <a:rPr lang="pt-BR" b="0" i="1" smtClean="0">
-                              <a:latin typeface="Cambria Math" panose="02040503050406030204" pitchFamily="18" charset="0"/>
+                              <a:latin typeface="Cambria Math"/>
                             </a:rPr>
                           </m:ctrlPr>
                         </m:sSubSupPr>
@@ -16869,7 +16868,7 @@
                         <m:sSubSupPr>
                           <m:ctrlPr>
                             <a:rPr lang="pt-BR" b="0" i="1" smtClean="0">
-                              <a:latin typeface="Cambria Math" panose="02040503050406030204" pitchFamily="18" charset="0"/>
+                              <a:latin typeface="Cambria Math"/>
                             </a:rPr>
                           </m:ctrlPr>
                         </m:sSubSupPr>
@@ -17477,7 +17476,7 @@
                         <m:sSubPr>
                           <m:ctrlPr>
                             <a:rPr lang="pt-BR" b="0" i="1" smtClean="0">
-                              <a:latin typeface="Cambria Math" panose="02040503050406030204" pitchFamily="18" charset="0"/>
+                              <a:latin typeface="Cambria Math"/>
                             </a:rPr>
                           </m:ctrlPr>
                         </m:sSubPr>
@@ -17580,7 +17579,7 @@
                         <m:sSubPr>
                           <m:ctrlPr>
                             <a:rPr lang="pt-BR" b="0" i="1" smtClean="0">
-                              <a:latin typeface="Cambria Math" panose="02040503050406030204" pitchFamily="18" charset="0"/>
+                              <a:latin typeface="Cambria Math"/>
                             </a:rPr>
                           </m:ctrlPr>
                         </m:sSubPr>
@@ -17683,7 +17682,7 @@
                         <m:sSubPr>
                           <m:ctrlPr>
                             <a:rPr lang="pt-BR" b="0" i="1" smtClean="0">
-                              <a:latin typeface="Cambria Math" panose="02040503050406030204" pitchFamily="18" charset="0"/>
+                              <a:latin typeface="Cambria Math"/>
                             </a:rPr>
                           </m:ctrlPr>
                         </m:sSubPr>
@@ -18002,7 +18001,7 @@
                         <m:sSubPr>
                           <m:ctrlPr>
                             <a:rPr lang="pt-BR" b="0" i="1" smtClean="0">
-                              <a:latin typeface="Cambria Math" panose="02040503050406030204" pitchFamily="18" charset="0"/>
+                              <a:latin typeface="Cambria Math"/>
                             </a:rPr>
                           </m:ctrlPr>
                         </m:sSubPr>
@@ -18105,7 +18104,7 @@
                         <m:sSubPr>
                           <m:ctrlPr>
                             <a:rPr lang="pt-BR" b="0" i="1" smtClean="0">
-                              <a:latin typeface="Cambria Math" panose="02040503050406030204" pitchFamily="18" charset="0"/>
+                              <a:latin typeface="Cambria Math"/>
                             </a:rPr>
                           </m:ctrlPr>
                         </m:sSubPr>
@@ -18208,7 +18207,7 @@
                         <m:sSubPr>
                           <m:ctrlPr>
                             <a:rPr lang="pt-BR" b="0" i="1" smtClean="0">
-                              <a:latin typeface="Cambria Math" panose="02040503050406030204" pitchFamily="18" charset="0"/>
+                              <a:latin typeface="Cambria Math"/>
                             </a:rPr>
                           </m:ctrlPr>
                         </m:sSubPr>
@@ -18582,7 +18581,7 @@
                         <m:sSubPr>
                           <m:ctrlPr>
                             <a:rPr lang="pt-BR" b="0" i="1" smtClean="0">
-                              <a:latin typeface="Cambria Math" panose="02040503050406030204" pitchFamily="18" charset="0"/>
+                              <a:latin typeface="Cambria Math"/>
                             </a:rPr>
                           </m:ctrlPr>
                         </m:sSubPr>
@@ -18685,7 +18684,7 @@
                         <m:sSubPr>
                           <m:ctrlPr>
                             <a:rPr lang="pt-BR" b="0" i="1" smtClean="0">
-                              <a:latin typeface="Cambria Math" panose="02040503050406030204" pitchFamily="18" charset="0"/>
+                              <a:latin typeface="Cambria Math"/>
                             </a:rPr>
                           </m:ctrlPr>
                         </m:sSubPr>
@@ -18788,7 +18787,7 @@
                         <m:sSubPr>
                           <m:ctrlPr>
                             <a:rPr lang="pt-BR" b="0" i="1" smtClean="0">
-                              <a:latin typeface="Cambria Math" panose="02040503050406030204" pitchFamily="18" charset="0"/>
+                              <a:latin typeface="Cambria Math"/>
                             </a:rPr>
                           </m:ctrlPr>
                         </m:sSubPr>
@@ -21223,7 +21222,7 @@
                         <m:sSubPr>
                           <m:ctrlPr>
                             <a:rPr lang="pt-BR" sz="4000" b="0" i="1" smtClean="0">
-                              <a:latin typeface="Cambria Math" panose="02040503050406030204" pitchFamily="18" charset="0"/>
+                              <a:latin typeface="Cambria Math"/>
                             </a:rPr>
                           </m:ctrlPr>
                         </m:sSubPr>
@@ -21326,7 +21325,7 @@
                         <m:sSubPr>
                           <m:ctrlPr>
                             <a:rPr lang="pt-BR" sz="4000" b="0" i="1" smtClean="0">
-                              <a:latin typeface="Cambria Math" panose="02040503050406030204" pitchFamily="18" charset="0"/>
+                              <a:latin typeface="Cambria Math"/>
                             </a:rPr>
                           </m:ctrlPr>
                         </m:sSubPr>
@@ -21429,7 +21428,7 @@
                         <m:sSubPr>
                           <m:ctrlPr>
                             <a:rPr lang="pt-BR" sz="4000" b="0" i="1" smtClean="0">
-                              <a:latin typeface="Cambria Math" panose="02040503050406030204" pitchFamily="18" charset="0"/>
+                              <a:latin typeface="Cambria Math"/>
                             </a:rPr>
                           </m:ctrlPr>
                         </m:sSubPr>
@@ -21532,7 +21531,7 @@
                         <m:sSubPr>
                           <m:ctrlPr>
                             <a:rPr lang="pt-BR" sz="4000" b="0" i="1" smtClean="0">
-                              <a:latin typeface="Cambria Math" panose="02040503050406030204" pitchFamily="18" charset="0"/>
+                              <a:latin typeface="Cambria Math"/>
                             </a:rPr>
                           </m:ctrlPr>
                         </m:sSubPr>
@@ -21635,7 +21634,7 @@
                         <m:sSubPr>
                           <m:ctrlPr>
                             <a:rPr lang="pt-BR" sz="4000" b="0" i="1" smtClean="0">
-                              <a:latin typeface="Cambria Math" panose="02040503050406030204" pitchFamily="18" charset="0"/>
+                              <a:latin typeface="Cambria Math"/>
                             </a:rPr>
                           </m:ctrlPr>
                         </m:sSubPr>
@@ -21822,7 +21821,7 @@
                         <m:sSubSupPr>
                           <m:ctrlPr>
                             <a:rPr lang="pt-BR" sz="4000" b="0" i="1" smtClean="0">
-                              <a:latin typeface="Cambria Math" panose="02040503050406030204" pitchFamily="18" charset="0"/>
+                              <a:latin typeface="Cambria Math"/>
                             </a:rPr>
                           </m:ctrlPr>
                         </m:sSubSupPr>
@@ -21936,7 +21935,7 @@
                         <m:sSubSupPr>
                           <m:ctrlPr>
                             <a:rPr lang="pt-BR" sz="4000" b="0" i="1" smtClean="0">
-                              <a:latin typeface="Cambria Math" panose="02040503050406030204" pitchFamily="18" charset="0"/>
+                              <a:latin typeface="Cambria Math"/>
                             </a:rPr>
                           </m:ctrlPr>
                         </m:sSubSupPr>
@@ -22050,7 +22049,7 @@
                         <m:sSubPr>
                           <m:ctrlPr>
                             <a:rPr lang="pt-BR" sz="4000" b="0" i="1" smtClean="0">
-                              <a:latin typeface="Cambria Math" panose="02040503050406030204" pitchFamily="18" charset="0"/>
+                              <a:latin typeface="Cambria Math"/>
                             </a:rPr>
                           </m:ctrlPr>
                         </m:sSubPr>
@@ -22153,7 +22152,7 @@
                         <m:sSubPr>
                           <m:ctrlPr>
                             <a:rPr lang="pt-BR" sz="4000" b="0" i="1" smtClean="0">
-                              <a:latin typeface="Cambria Math" panose="02040503050406030204" pitchFamily="18" charset="0"/>
+                              <a:latin typeface="Cambria Math"/>
                             </a:rPr>
                           </m:ctrlPr>
                         </m:sSubPr>
@@ -22256,7 +22255,7 @@
                         <m:sSubPr>
                           <m:ctrlPr>
                             <a:rPr lang="pt-BR" sz="4000" b="0" i="1" smtClean="0">
-                              <a:latin typeface="Cambria Math" panose="02040503050406030204" pitchFamily="18" charset="0"/>
+                              <a:latin typeface="Cambria Math"/>
                             </a:rPr>
                           </m:ctrlPr>
                         </m:sSubPr>
@@ -22279,7 +22278,7 @@
                             <m:sSubPr>
                               <m:ctrlPr>
                                 <a:rPr lang="pt-BR" sz="4000" b="0" i="1" smtClean="0">
-                                  <a:latin typeface="Cambria Math" panose="02040503050406030204" pitchFamily="18" charset="0"/>
+                                  <a:latin typeface="Cambria Math"/>
                                 </a:rPr>
                               </m:ctrlPr>
                             </m:sSubPr>
@@ -22384,7 +22383,7 @@
                         <m:sSubPr>
                           <m:ctrlPr>
                             <a:rPr lang="pt-BR" sz="4000" b="0" i="1" smtClean="0">
-                              <a:latin typeface="Cambria Math" panose="02040503050406030204" pitchFamily="18" charset="0"/>
+                              <a:latin typeface="Cambria Math"/>
                             </a:rPr>
                           </m:ctrlPr>
                         </m:sSubPr>
@@ -22487,7 +22486,7 @@
                         <m:sSubSupPr>
                           <m:ctrlPr>
                             <a:rPr lang="pt-BR" sz="4000" b="0" i="1" smtClean="0">
-                              <a:latin typeface="Cambria Math" panose="02040503050406030204" pitchFamily="18" charset="0"/>
+                              <a:latin typeface="Cambria Math"/>
                             </a:rPr>
                           </m:ctrlPr>
                         </m:sSubSupPr>
@@ -22598,7 +22597,7 @@
                         <m:sSubSupPr>
                           <m:ctrlPr>
                             <a:rPr lang="pt-BR" sz="4000" b="0" i="1" smtClean="0">
-                              <a:latin typeface="Cambria Math" panose="02040503050406030204" pitchFamily="18" charset="0"/>
+                              <a:latin typeface="Cambria Math"/>
                             </a:rPr>
                           </m:ctrlPr>
                         </m:sSubSupPr>
@@ -22709,7 +22708,7 @@
                         <m:sSubSupPr>
                           <m:ctrlPr>
                             <a:rPr lang="pt-BR" sz="4000" b="0" i="1" smtClean="0">
-                              <a:latin typeface="Cambria Math" panose="02040503050406030204" pitchFamily="18" charset="0"/>
+                              <a:latin typeface="Cambria Math"/>
                             </a:rPr>
                           </m:ctrlPr>
                         </m:sSubSupPr>
@@ -23010,8 +23009,8 @@
           <a:chExt cx="0" cy="0"/>
         </a:xfrm>
       </p:grpSpPr>
-      <mc:AlternateContent xmlns:mc="http://schemas.openxmlformats.org/markup-compatibility/2006">
-        <mc:Choice xmlns:a14="http://schemas.microsoft.com/office/drawing/2010/main" Requires="a14">
+      <mc:AlternateContent xmlns:mc="http://schemas.openxmlformats.org/markup-compatibility/2006" xmlns:a14="http://schemas.microsoft.com/office/drawing/2010/main">
+        <mc:Choice Requires="a14">
           <p:sp>
             <p:nvSpPr>
               <p:cNvPr id="2" name="Retângulo 1"/>
@@ -23071,7 +23070,7 @@
                             <a:solidFill>
                               <a:schemeClr val="tx1"/>
                             </a:solidFill>
-                            <a:latin typeface="Cambria Math" panose="02040503050406030204" pitchFamily="18" charset="0"/>
+                            <a:latin typeface="Cambria Math"/>
                           </a:rPr>
                         </m:ctrlPr>
                       </m:sSubPr>
@@ -23118,7 +23117,7 @@
             </p:txBody>
           </p:sp>
         </mc:Choice>
-        <mc:Fallback>
+        <mc:Fallback xmlns="">
           <p:sp>
             <p:nvSpPr>
               <p:cNvPr id="2" name="Retângulo 1"/>
@@ -23214,8 +23213,8 @@
             </p:nvSpPr>
             <p:spPr>
               <a:xfrm>
-                <a:off x="-3528731" y="2146597"/>
-                <a:ext cx="829778" cy="707886"/>
+                <a:off x="-3770035" y="2146597"/>
+                <a:ext cx="1021946" cy="707886"/>
               </a:xfrm>
               <a:prstGeom prst="rect">
                 <a:avLst/>
@@ -23239,7 +23238,7 @@
                         <m:sSubPr>
                           <m:ctrlPr>
                             <a:rPr lang="pt-BR" sz="4000" b="0" i="1" smtClean="0">
-                              <a:latin typeface="Cambria Math" panose="02040503050406030204" pitchFamily="18" charset="0"/>
+                              <a:latin typeface="Cambria Math"/>
                             </a:rPr>
                           </m:ctrlPr>
                         </m:sSubPr>
@@ -23252,6 +23251,12 @@
                           </m:r>
                         </m:e>
                         <m:sub>
+                          <m:r>
+                            <a:rPr lang="pt-BR" sz="4000" b="0" i="1" smtClean="0">
+                              <a:latin typeface="Cambria Math"/>
+                            </a:rPr>
+                            <m:t>𝑆</m:t>
+                          </m:r>
                           <m:r>
                             <a:rPr lang="pt-BR" sz="4000" b="0" i="1" smtClean="0">
                               <a:latin typeface="Cambria Math"/>
@@ -23279,13 +23284,13 @@
             </p:nvSpPr>
             <p:spPr>
               <a:xfrm>
-                <a:off x="-3528731" y="2146597"/>
-                <a:ext cx="829778" cy="707886"/>
+                <a:off x="-3770035" y="2146597"/>
+                <a:ext cx="1021946" cy="707886"/>
               </a:xfrm>
               <a:prstGeom prst="rect">
                 <a:avLst/>
               </a:prstGeom>
-              <a:blipFill>
+              <a:blipFill rotWithShape="1">
                 <a:blip r:embed="rId3"/>
                 <a:stretch>
                   <a:fillRect/>
@@ -23317,8 +23322,8 @@
             </p:nvSpPr>
             <p:spPr>
               <a:xfrm>
-                <a:off x="-3494820" y="2855946"/>
-                <a:ext cx="771237" cy="707886"/>
+                <a:off x="-3753300" y="2855946"/>
+                <a:ext cx="988476" cy="707886"/>
               </a:xfrm>
               <a:prstGeom prst="rect">
                 <a:avLst/>
@@ -23342,7 +23347,7 @@
                         <m:sSubPr>
                           <m:ctrlPr>
                             <a:rPr lang="pt-BR" sz="4000" b="0" i="1" smtClean="0">
-                              <a:latin typeface="Cambria Math" panose="02040503050406030204" pitchFamily="18" charset="0"/>
+                              <a:latin typeface="Cambria Math"/>
                             </a:rPr>
                           </m:ctrlPr>
                         </m:sSubPr>
@@ -23355,6 +23360,12 @@
                           </m:r>
                         </m:e>
                         <m:sub>
+                          <m:r>
+                            <a:rPr lang="pt-BR" sz="4000" b="0" i="1" smtClean="0">
+                              <a:latin typeface="Cambria Math"/>
+                            </a:rPr>
+                            <m:t>𝑆</m:t>
+                          </m:r>
                           <m:r>
                             <a:rPr lang="pt-BR" sz="4000" b="0" i="1" smtClean="0">
                               <a:latin typeface="Cambria Math"/>
@@ -23382,13 +23393,13 @@
             </p:nvSpPr>
             <p:spPr>
               <a:xfrm>
-                <a:off x="-3494820" y="2855946"/>
-                <a:ext cx="771237" cy="707886"/>
+                <a:off x="-3753300" y="2855946"/>
+                <a:ext cx="988476" cy="707886"/>
               </a:xfrm>
               <a:prstGeom prst="rect">
                 <a:avLst/>
               </a:prstGeom>
-              <a:blipFill>
+              <a:blipFill rotWithShape="1">
                 <a:blip r:embed="rId4"/>
                 <a:stretch>
                   <a:fillRect/>
@@ -23420,8 +23431,8 @@
             </p:nvSpPr>
             <p:spPr>
               <a:xfrm>
-                <a:off x="-3520556" y="1466004"/>
-                <a:ext cx="813428" cy="707886"/>
+                <a:off x="-3774395" y="1466004"/>
+                <a:ext cx="1030667" cy="707886"/>
               </a:xfrm>
               <a:prstGeom prst="rect">
                 <a:avLst/>
@@ -23445,7 +23456,7 @@
                         <m:sSubPr>
                           <m:ctrlPr>
                             <a:rPr lang="pt-BR" sz="4000" b="0" i="1" smtClean="0">
-                              <a:latin typeface="Cambria Math" panose="02040503050406030204" pitchFamily="18" charset="0"/>
+                              <a:latin typeface="Cambria Math"/>
                             </a:rPr>
                           </m:ctrlPr>
                         </m:sSubPr>
@@ -23458,6 +23469,12 @@
                           </m:r>
                         </m:e>
                         <m:sub>
+                          <m:r>
+                            <a:rPr lang="pt-BR" sz="4000" b="0" i="1" smtClean="0">
+                              <a:latin typeface="Cambria Math"/>
+                            </a:rPr>
+                            <m:t>𝑆</m:t>
+                          </m:r>
                           <m:r>
                             <a:rPr lang="pt-BR" sz="4000" b="0" i="1" smtClean="0">
                               <a:latin typeface="Cambria Math"/>
@@ -23485,13 +23502,13 @@
             </p:nvSpPr>
             <p:spPr>
               <a:xfrm>
-                <a:off x="-3520556" y="1466004"/>
-                <a:ext cx="813428" cy="707886"/>
+                <a:off x="-3774395" y="1466004"/>
+                <a:ext cx="1030667" cy="707886"/>
               </a:xfrm>
               <a:prstGeom prst="rect">
                 <a:avLst/>
               </a:prstGeom>
-              <a:blipFill>
+              <a:blipFill rotWithShape="1">
                 <a:blip r:embed="rId5"/>
                 <a:stretch>
                   <a:fillRect/>
@@ -23593,8 +23610,8 @@
           </a:fontRef>
         </p:style>
       </p:cxnSp>
-      <mc:AlternateContent xmlns:mc="http://schemas.openxmlformats.org/markup-compatibility/2006">
-        <mc:Choice xmlns:a14="http://schemas.microsoft.com/office/drawing/2010/main" Requires="a14">
+      <mc:AlternateContent xmlns:mc="http://schemas.openxmlformats.org/markup-compatibility/2006" xmlns:a14="http://schemas.microsoft.com/office/drawing/2010/main">
+        <mc:Choice Requires="a14">
           <p:sp>
             <p:nvSpPr>
               <p:cNvPr id="12" name="CaixaDeTexto 11"/>
@@ -23628,7 +23645,7 @@
                         <m:sSubSupPr>
                           <m:ctrlPr>
                             <a:rPr lang="pt-BR" sz="4000" b="0" i="1" smtClean="0">
-                              <a:latin typeface="Cambria Math" panose="02040503050406030204" pitchFamily="18" charset="0"/>
+                              <a:latin typeface="Cambria Math"/>
                             </a:rPr>
                           </m:ctrlPr>
                         </m:sSubSupPr>
@@ -23665,7 +23682,7 @@
             </p:txBody>
           </p:sp>
         </mc:Choice>
-        <mc:Fallback>
+        <mc:Fallback xmlns="">
           <p:sp>
             <p:nvSpPr>
               <p:cNvPr id="12" name="CaixaDeTexto 11"/>
@@ -23704,8 +23721,8 @@
           </p:sp>
         </mc:Fallback>
       </mc:AlternateContent>
-      <mc:AlternateContent xmlns:mc="http://schemas.openxmlformats.org/markup-compatibility/2006">
-        <mc:Choice xmlns:a14="http://schemas.microsoft.com/office/drawing/2010/main" Requires="a14">
+      <mc:AlternateContent xmlns:mc="http://schemas.openxmlformats.org/markup-compatibility/2006" xmlns:a14="http://schemas.microsoft.com/office/drawing/2010/main">
+        <mc:Choice Requires="a14">
           <p:sp>
             <p:nvSpPr>
               <p:cNvPr id="13" name="CaixaDeTexto 12"/>
@@ -23739,7 +23756,7 @@
                         <m:sSubSupPr>
                           <m:ctrlPr>
                             <a:rPr lang="pt-BR" sz="4000" b="0" i="1" smtClean="0">
-                              <a:latin typeface="Cambria Math" panose="02040503050406030204" pitchFamily="18" charset="0"/>
+                              <a:latin typeface="Cambria Math"/>
                             </a:rPr>
                           </m:ctrlPr>
                         </m:sSubSupPr>
@@ -23776,7 +23793,7 @@
             </p:txBody>
           </p:sp>
         </mc:Choice>
-        <mc:Fallback>
+        <mc:Fallback xmlns="">
           <p:sp>
             <p:nvSpPr>
               <p:cNvPr id="13" name="CaixaDeTexto 12"/>
@@ -23815,8 +23832,8 @@
           </p:sp>
         </mc:Fallback>
       </mc:AlternateContent>
-      <mc:AlternateContent xmlns:mc="http://schemas.openxmlformats.org/markup-compatibility/2006">
-        <mc:Choice xmlns:a14="http://schemas.microsoft.com/office/drawing/2010/main" Requires="a14">
+      <mc:AlternateContent xmlns:mc="http://schemas.openxmlformats.org/markup-compatibility/2006" xmlns:a14="http://schemas.microsoft.com/office/drawing/2010/main">
+        <mc:Choice Requires="a14">
           <p:sp>
             <p:nvSpPr>
               <p:cNvPr id="14" name="CaixaDeTexto 13"/>
@@ -23850,7 +23867,7 @@
                         <m:sSubSupPr>
                           <m:ctrlPr>
                             <a:rPr lang="pt-BR" sz="4000" b="0" i="1" smtClean="0">
-                              <a:latin typeface="Cambria Math" panose="02040503050406030204" pitchFamily="18" charset="0"/>
+                              <a:latin typeface="Cambria Math"/>
                             </a:rPr>
                           </m:ctrlPr>
                         </m:sSubSupPr>
@@ -23887,7 +23904,7 @@
             </p:txBody>
           </p:sp>
         </mc:Choice>
-        <mc:Fallback>
+        <mc:Fallback xmlns="">
           <p:sp>
             <p:nvSpPr>
               <p:cNvPr id="14" name="CaixaDeTexto 13"/>
@@ -24111,7 +24128,7 @@
             </p:nvSpPr>
             <p:spPr>
               <a:xfrm>
-                <a:off x="-3688863" y="4191426"/>
+                <a:off x="-3720534" y="4191426"/>
                 <a:ext cx="922945" cy="707886"/>
               </a:xfrm>
               <a:prstGeom prst="rect">
@@ -24136,7 +24153,7 @@
                         <m:sSubPr>
                           <m:ctrlPr>
                             <a:rPr lang="pt-BR" sz="4000" b="0" i="1" smtClean="0">
-                              <a:latin typeface="Cambria Math" panose="02040503050406030204" pitchFamily="18" charset="0"/>
+                              <a:latin typeface="Cambria Math"/>
                             </a:rPr>
                           </m:ctrlPr>
                         </m:sSubPr>
@@ -24182,13 +24199,13 @@
             </p:nvSpPr>
             <p:spPr>
               <a:xfrm>
-                <a:off x="-3688863" y="4191426"/>
+                <a:off x="-3720534" y="4191426"/>
                 <a:ext cx="922945" cy="707886"/>
               </a:xfrm>
               <a:prstGeom prst="rect">
                 <a:avLst/>
               </a:prstGeom>
-              <a:blipFill>
+              <a:blipFill rotWithShape="1">
                 <a:blip r:embed="rId9"/>
                 <a:stretch>
                   <a:fillRect/>
@@ -24220,7 +24237,7 @@
             </p:nvSpPr>
             <p:spPr>
               <a:xfrm>
-                <a:off x="-3631184" y="4828367"/>
+                <a:off x="-3703799" y="4828367"/>
                 <a:ext cx="889474" cy="707886"/>
               </a:xfrm>
               <a:prstGeom prst="rect">
@@ -24245,7 +24262,7 @@
                         <m:sSubPr>
                           <m:ctrlPr>
                             <a:rPr lang="pt-BR" sz="4000" b="0" i="1" smtClean="0">
-                              <a:latin typeface="Cambria Math" panose="02040503050406030204" pitchFamily="18" charset="0"/>
+                              <a:latin typeface="Cambria Math"/>
                             </a:rPr>
                           </m:ctrlPr>
                         </m:sSubPr>
@@ -24291,13 +24308,13 @@
             </p:nvSpPr>
             <p:spPr>
               <a:xfrm>
-                <a:off x="-3631184" y="4828367"/>
+                <a:off x="-3703799" y="4828367"/>
                 <a:ext cx="889474" cy="707886"/>
               </a:xfrm>
               <a:prstGeom prst="rect">
                 <a:avLst/>
               </a:prstGeom>
-              <a:blipFill>
+              <a:blipFill rotWithShape="1">
                 <a:blip r:embed="rId10"/>
                 <a:stretch>
                   <a:fillRect/>
@@ -24329,7 +24346,7 @@
             </p:nvSpPr>
             <p:spPr>
               <a:xfrm>
-                <a:off x="-3688863" y="3498385"/>
+                <a:off x="-3724894" y="3498385"/>
                 <a:ext cx="931665" cy="707886"/>
               </a:xfrm>
               <a:prstGeom prst="rect">
@@ -24354,7 +24371,7 @@
                         <m:sSubPr>
                           <m:ctrlPr>
                             <a:rPr lang="pt-BR" sz="4000" b="0" i="1" smtClean="0">
-                              <a:latin typeface="Cambria Math" panose="02040503050406030204" pitchFamily="18" charset="0"/>
+                              <a:latin typeface="Cambria Math"/>
                             </a:rPr>
                           </m:ctrlPr>
                         </m:sSubPr>
@@ -24400,13 +24417,13 @@
             </p:nvSpPr>
             <p:spPr>
               <a:xfrm>
-                <a:off x="-3688863" y="3498385"/>
+                <a:off x="-3724894" y="3498385"/>
                 <a:ext cx="931665" cy="707886"/>
               </a:xfrm>
               <a:prstGeom prst="rect">
                 <a:avLst/>
               </a:prstGeom>
-              <a:blipFill>
+              <a:blipFill rotWithShape="1">
                 <a:blip r:embed="rId11"/>
                 <a:stretch>
                   <a:fillRect/>
@@ -24722,8 +24739,8 @@
           </a:fontRef>
         </p:style>
       </p:cxnSp>
-      <mc:AlternateContent xmlns:mc="http://schemas.openxmlformats.org/markup-compatibility/2006">
-        <mc:Choice xmlns:a14="http://schemas.microsoft.com/office/drawing/2010/main" Requires="a14">
+      <mc:AlternateContent xmlns:mc="http://schemas.openxmlformats.org/markup-compatibility/2006" xmlns:a14="http://schemas.microsoft.com/office/drawing/2010/main">
+        <mc:Choice Requires="a14">
           <p:sp>
             <p:nvSpPr>
               <p:cNvPr id="35" name="CaixaDeTexto 34"/>
@@ -24757,7 +24774,7 @@
                         <m:sSubSupPr>
                           <m:ctrlPr>
                             <a:rPr lang="pt-BR" sz="4000" b="0" i="1" smtClean="0">
-                              <a:latin typeface="Cambria Math" panose="02040503050406030204" pitchFamily="18" charset="0"/>
+                              <a:latin typeface="Cambria Math"/>
                             </a:rPr>
                           </m:ctrlPr>
                         </m:sSubSupPr>
@@ -24794,7 +24811,7 @@
             </p:txBody>
           </p:sp>
         </mc:Choice>
-        <mc:Fallback>
+        <mc:Fallback xmlns="">
           <p:sp>
             <p:nvSpPr>
               <p:cNvPr id="35" name="CaixaDeTexto 34"/>
@@ -24833,8 +24850,8 @@
           </p:sp>
         </mc:Fallback>
       </mc:AlternateContent>
-      <mc:AlternateContent xmlns:mc="http://schemas.openxmlformats.org/markup-compatibility/2006">
-        <mc:Choice xmlns:a14="http://schemas.microsoft.com/office/drawing/2010/main" Requires="a14">
+      <mc:AlternateContent xmlns:mc="http://schemas.openxmlformats.org/markup-compatibility/2006" xmlns:a14="http://schemas.microsoft.com/office/drawing/2010/main">
+        <mc:Choice Requires="a14">
           <p:sp>
             <p:nvSpPr>
               <p:cNvPr id="36" name="CaixaDeTexto 35"/>
@@ -24868,7 +24885,7 @@
                         <m:sSubSupPr>
                           <m:ctrlPr>
                             <a:rPr lang="pt-BR" sz="4000" b="0" i="1" smtClean="0">
-                              <a:latin typeface="Cambria Math" panose="02040503050406030204" pitchFamily="18" charset="0"/>
+                              <a:latin typeface="Cambria Math"/>
                             </a:rPr>
                           </m:ctrlPr>
                         </m:sSubSupPr>
@@ -24905,7 +24922,7 @@
             </p:txBody>
           </p:sp>
         </mc:Choice>
-        <mc:Fallback>
+        <mc:Fallback xmlns="">
           <p:sp>
             <p:nvSpPr>
               <p:cNvPr id="36" name="CaixaDeTexto 35"/>
@@ -24944,8 +24961,8 @@
           </p:sp>
         </mc:Fallback>
       </mc:AlternateContent>
-      <mc:AlternateContent xmlns:mc="http://schemas.openxmlformats.org/markup-compatibility/2006">
-        <mc:Choice xmlns:a14="http://schemas.microsoft.com/office/drawing/2010/main" Requires="a14">
+      <mc:AlternateContent xmlns:mc="http://schemas.openxmlformats.org/markup-compatibility/2006" xmlns:a14="http://schemas.microsoft.com/office/drawing/2010/main">
+        <mc:Choice Requires="a14">
           <p:sp>
             <p:nvSpPr>
               <p:cNvPr id="37" name="CaixaDeTexto 36"/>
@@ -24979,7 +24996,7 @@
                         <m:sSubSupPr>
                           <m:ctrlPr>
                             <a:rPr lang="pt-BR" sz="4000" b="0" i="1" smtClean="0">
-                              <a:latin typeface="Cambria Math" panose="02040503050406030204" pitchFamily="18" charset="0"/>
+                              <a:latin typeface="Cambria Math"/>
                             </a:rPr>
                           </m:ctrlPr>
                         </m:sSubSupPr>
@@ -25016,7 +25033,7 @@
             </p:txBody>
           </p:sp>
         </mc:Choice>
-        <mc:Fallback>
+        <mc:Fallback xmlns="">
           <p:sp>
             <p:nvSpPr>
               <p:cNvPr id="37" name="CaixaDeTexto 36"/>
@@ -25488,7 +25505,7 @@
     </a:clrScheme>
     <a:fontScheme name="Office">
       <a:majorFont>
-        <a:latin typeface="Calibri Light" panose="020F0302020204030204"/>
+        <a:latin typeface="Calibri Light"/>
         <a:ea typeface=""/>
         <a:cs typeface=""/>
         <a:font script="Jpan" typeface="游ゴシック Light"/>
@@ -25540,7 +25557,7 @@
         <a:font script="Tfng" typeface="Ebrima"/>
       </a:majorFont>
       <a:minorFont>
-        <a:latin typeface="Calibri" panose="020F0502020204030204"/>
+        <a:latin typeface="Calibri"/>
         <a:ea typeface=""/>
         <a:cs typeface=""/>
         <a:font script="Jpan" typeface="游ゴシック"/>
@@ -25734,7 +25751,7 @@
   <a:extraClrSchemeLst/>
   <a:extLst>
     <a:ext uri="{05A4C25C-085E-4340-85A3-A5531E510DB2}">
-      <thm15:themeFamily xmlns:thm15="http://schemas.microsoft.com/office/thememl/2012/main" name="Office Theme" id="{62F939B6-93AF-4DB8-9C6B-D6C7DFDC589F}" vid="{4A3C46E8-61CC-4603-A589-7422A47A8E4A}"/>
+      <thm15:themeFamily xmlns:thm15="http://schemas.microsoft.com/office/thememl/2012/main" xmlns="" name="Office Theme" id="{62F939B6-93AF-4DB8-9C6B-D6C7DFDC589F}" vid="{4A3C46E8-61CC-4603-A589-7422A47A8E4A}"/>
     </a:ext>
   </a:extLst>
 </a:theme>

--- a/Tranqueiras de ppt/desenhos_filtro_complexo.pptx
+++ b/Tranqueiras de ppt/desenhos_filtro_complexo.pptx
@@ -5,7 +5,7 @@
     <p:sldMasterId id="2147483648" r:id="rId1"/>
   </p:sldMasterIdLst>
   <p:notesMasterIdLst>
-    <p:notesMasterId r:id="rId10"/>
+    <p:notesMasterId r:id="rId11"/>
   </p:notesMasterIdLst>
   <p:sldIdLst>
     <p:sldId id="256" r:id="rId2"/>
@@ -16,6 +16,7 @@
     <p:sldId id="261" r:id="rId7"/>
     <p:sldId id="262" r:id="rId8"/>
     <p:sldId id="263" r:id="rId9"/>
+    <p:sldId id="264" r:id="rId10"/>
   </p:sldIdLst>
   <p:sldSz cx="9144000" cy="6858000" type="screen4x3"/>
   <p:notesSz cx="6858000" cy="9144000"/>
@@ -116,7 +117,7 @@
   </p:defaultTextStyle>
   <p:extLst>
     <p:ext uri="{EFAFB233-063F-42B5-8137-9DF3F51BA10A}">
-      <p15:sldGuideLst xmlns:p15="http://schemas.microsoft.com/office/powerpoint/2012/main" xmlns="">
+      <p15:sldGuideLst xmlns:p15="http://schemas.microsoft.com/office/powerpoint/2012/main">
         <p15:guide id="1" orient="horz" pos="2160">
           <p15:clr>
             <a:srgbClr val="A4A3A4"/>
@@ -215,7 +216,7 @@
           <a:p>
             <a:fld id="{1E5FABBD-B2CF-41BB-8AF0-22312F906C8C}" type="datetimeFigureOut">
               <a:rPr lang="pt-BR" smtClean="0"/>
-              <a:t>28/09/2016</a:t>
+              <a:t>18/10/2016</a:t>
             </a:fld>
             <a:endParaRPr lang="pt-BR"/>
           </a:p>
@@ -745,7 +746,7 @@
           <a:p>
             <a:fld id="{9F140449-45B3-4C4C-B502-456914857DA8}" type="datetimeFigureOut">
               <a:rPr lang="pt-BR" smtClean="0"/>
-              <a:t>28/09/2016</a:t>
+              <a:t>18/10/2016</a:t>
             </a:fld>
             <a:endParaRPr lang="pt-BR"/>
           </a:p>
@@ -913,7 +914,7 @@
           <a:p>
             <a:fld id="{9F140449-45B3-4C4C-B502-456914857DA8}" type="datetimeFigureOut">
               <a:rPr lang="pt-BR" smtClean="0"/>
-              <a:t>28/09/2016</a:t>
+              <a:t>18/10/2016</a:t>
             </a:fld>
             <a:endParaRPr lang="pt-BR"/>
           </a:p>
@@ -1091,7 +1092,7 @@
           <a:p>
             <a:fld id="{9F140449-45B3-4C4C-B502-456914857DA8}" type="datetimeFigureOut">
               <a:rPr lang="pt-BR" smtClean="0"/>
-              <a:t>28/09/2016</a:t>
+              <a:t>18/10/2016</a:t>
             </a:fld>
             <a:endParaRPr lang="pt-BR"/>
           </a:p>
@@ -1259,7 +1260,7 @@
           <a:p>
             <a:fld id="{9F140449-45B3-4C4C-B502-456914857DA8}" type="datetimeFigureOut">
               <a:rPr lang="pt-BR" smtClean="0"/>
-              <a:t>28/09/2016</a:t>
+              <a:t>18/10/2016</a:t>
             </a:fld>
             <a:endParaRPr lang="pt-BR"/>
           </a:p>
@@ -1504,7 +1505,7 @@
           <a:p>
             <a:fld id="{9F140449-45B3-4C4C-B502-456914857DA8}" type="datetimeFigureOut">
               <a:rPr lang="pt-BR" smtClean="0"/>
-              <a:t>28/09/2016</a:t>
+              <a:t>18/10/2016</a:t>
             </a:fld>
             <a:endParaRPr lang="pt-BR"/>
           </a:p>
@@ -1789,7 +1790,7 @@
           <a:p>
             <a:fld id="{9F140449-45B3-4C4C-B502-456914857DA8}" type="datetimeFigureOut">
               <a:rPr lang="pt-BR" smtClean="0"/>
-              <a:t>28/09/2016</a:t>
+              <a:t>18/10/2016</a:t>
             </a:fld>
             <a:endParaRPr lang="pt-BR"/>
           </a:p>
@@ -2208,7 +2209,7 @@
           <a:p>
             <a:fld id="{9F140449-45B3-4C4C-B502-456914857DA8}" type="datetimeFigureOut">
               <a:rPr lang="pt-BR" smtClean="0"/>
-              <a:t>28/09/2016</a:t>
+              <a:t>18/10/2016</a:t>
             </a:fld>
             <a:endParaRPr lang="pt-BR"/>
           </a:p>
@@ -2325,7 +2326,7 @@
           <a:p>
             <a:fld id="{9F140449-45B3-4C4C-B502-456914857DA8}" type="datetimeFigureOut">
               <a:rPr lang="pt-BR" smtClean="0"/>
-              <a:t>28/09/2016</a:t>
+              <a:t>18/10/2016</a:t>
             </a:fld>
             <a:endParaRPr lang="pt-BR"/>
           </a:p>
@@ -2420,7 +2421,7 @@
           <a:p>
             <a:fld id="{9F140449-45B3-4C4C-B502-456914857DA8}" type="datetimeFigureOut">
               <a:rPr lang="pt-BR" smtClean="0"/>
-              <a:t>28/09/2016</a:t>
+              <a:t>18/10/2016</a:t>
             </a:fld>
             <a:endParaRPr lang="pt-BR"/>
           </a:p>
@@ -2695,7 +2696,7 @@
           <a:p>
             <a:fld id="{9F140449-45B3-4C4C-B502-456914857DA8}" type="datetimeFigureOut">
               <a:rPr lang="pt-BR" smtClean="0"/>
-              <a:t>28/09/2016</a:t>
+              <a:t>18/10/2016</a:t>
             </a:fld>
             <a:endParaRPr lang="pt-BR"/>
           </a:p>
@@ -2947,7 +2948,7 @@
           <a:p>
             <a:fld id="{9F140449-45B3-4C4C-B502-456914857DA8}" type="datetimeFigureOut">
               <a:rPr lang="pt-BR" smtClean="0"/>
-              <a:t>28/09/2016</a:t>
+              <a:t>18/10/2016</a:t>
             </a:fld>
             <a:endParaRPr lang="pt-BR"/>
           </a:p>
@@ -3158,7 +3159,7 @@
           <a:p>
             <a:fld id="{9F140449-45B3-4C4C-B502-456914857DA8}" type="datetimeFigureOut">
               <a:rPr lang="pt-BR" smtClean="0"/>
-              <a:t>28/09/2016</a:t>
+              <a:t>18/10/2016</a:t>
             </a:fld>
             <a:endParaRPr lang="pt-BR"/>
           </a:p>
@@ -4952,7 +4953,7 @@
                         <m:sSubPr>
                           <m:ctrlPr>
                             <a:rPr lang="pt-BR" b="0" i="1" smtClean="0">
-                              <a:latin typeface="Cambria Math"/>
+                              <a:latin typeface="Cambria Math" panose="02040503050406030204" pitchFamily="18" charset="0"/>
                             </a:rPr>
                           </m:ctrlPr>
                         </m:sSubPr>
@@ -5055,7 +5056,7 @@
                         <m:sSubPr>
                           <m:ctrlPr>
                             <a:rPr lang="pt-BR" b="0" i="1" smtClean="0">
-                              <a:latin typeface="Cambria Math"/>
+                              <a:latin typeface="Cambria Math" panose="02040503050406030204" pitchFamily="18" charset="0"/>
                             </a:rPr>
                           </m:ctrlPr>
                         </m:sSubPr>
@@ -5158,7 +5159,7 @@
                         <m:sSubPr>
                           <m:ctrlPr>
                             <a:rPr lang="pt-BR" b="0" i="1" smtClean="0">
-                              <a:latin typeface="Cambria Math"/>
+                              <a:latin typeface="Cambria Math" panose="02040503050406030204" pitchFamily="18" charset="0"/>
                             </a:rPr>
                           </m:ctrlPr>
                         </m:sSubPr>
@@ -5261,7 +5262,7 @@
                         <m:sSubPr>
                           <m:ctrlPr>
                             <a:rPr lang="pt-BR" b="0" i="1" smtClean="0">
-                              <a:latin typeface="Cambria Math"/>
+                              <a:latin typeface="Cambria Math" panose="02040503050406030204" pitchFamily="18" charset="0"/>
                             </a:rPr>
                           </m:ctrlPr>
                         </m:sSubPr>
@@ -5364,7 +5365,7 @@
                         <m:sSubPr>
                           <m:ctrlPr>
                             <a:rPr lang="pt-BR" b="0" i="1" smtClean="0">
-                              <a:latin typeface="Cambria Math"/>
+                              <a:latin typeface="Cambria Math" panose="02040503050406030204" pitchFamily="18" charset="0"/>
                             </a:rPr>
                           </m:ctrlPr>
                         </m:sSubPr>
@@ -5467,7 +5468,7 @@
                         <m:sSubPr>
                           <m:ctrlPr>
                             <a:rPr lang="pt-BR" b="0" i="1" smtClean="0">
-                              <a:latin typeface="Cambria Math"/>
+                              <a:latin typeface="Cambria Math" panose="02040503050406030204" pitchFamily="18" charset="0"/>
                             </a:rPr>
                           </m:ctrlPr>
                         </m:sSubPr>
@@ -5570,7 +5571,7 @@
                         <m:sSubPr>
                           <m:ctrlPr>
                             <a:rPr lang="pt-BR" b="0" i="1" smtClean="0">
-                              <a:latin typeface="Cambria Math"/>
+                              <a:latin typeface="Cambria Math" panose="02040503050406030204" pitchFamily="18" charset="0"/>
                             </a:rPr>
                           </m:ctrlPr>
                         </m:sSubPr>
@@ -5673,7 +5674,7 @@
                         <m:sSubPr>
                           <m:ctrlPr>
                             <a:rPr lang="pt-BR" b="0" i="1" smtClean="0">
-                              <a:latin typeface="Cambria Math"/>
+                              <a:latin typeface="Cambria Math" panose="02040503050406030204" pitchFamily="18" charset="0"/>
                             </a:rPr>
                           </m:ctrlPr>
                         </m:sSubPr>
@@ -5776,7 +5777,7 @@
                         <m:sSubPr>
                           <m:ctrlPr>
                             <a:rPr lang="pt-BR" b="0" i="1" smtClean="0">
-                              <a:latin typeface="Cambria Math"/>
+                              <a:latin typeface="Cambria Math" panose="02040503050406030204" pitchFamily="18" charset="0"/>
                             </a:rPr>
                           </m:ctrlPr>
                         </m:sSubPr>
@@ -5879,7 +5880,7 @@
                         <m:sSubPr>
                           <m:ctrlPr>
                             <a:rPr lang="pt-BR" b="0" i="1" smtClean="0">
-                              <a:latin typeface="Cambria Math"/>
+                              <a:latin typeface="Cambria Math" panose="02040503050406030204" pitchFamily="18" charset="0"/>
                             </a:rPr>
                           </m:ctrlPr>
                         </m:sSubPr>
@@ -6150,7 +6151,7 @@
                         <m:sSubSupPr>
                           <m:ctrlPr>
                             <a:rPr lang="pt-BR" b="0" i="1" smtClean="0">
-                              <a:latin typeface="Cambria Math"/>
+                              <a:latin typeface="Cambria Math" panose="02040503050406030204" pitchFamily="18" charset="0"/>
                             </a:rPr>
                           </m:ctrlPr>
                         </m:sSubSupPr>
@@ -6261,7 +6262,7 @@
                         <m:sSubSupPr>
                           <m:ctrlPr>
                             <a:rPr lang="pt-BR" b="0" i="1" smtClean="0">
-                              <a:latin typeface="Cambria Math"/>
+                              <a:latin typeface="Cambria Math" panose="02040503050406030204" pitchFamily="18" charset="0"/>
                             </a:rPr>
                           </m:ctrlPr>
                         </m:sSubSupPr>
@@ -6372,7 +6373,7 @@
                         <m:sSubSupPr>
                           <m:ctrlPr>
                             <a:rPr lang="pt-BR" b="0" i="1" smtClean="0">
-                              <a:latin typeface="Cambria Math"/>
+                              <a:latin typeface="Cambria Math" panose="02040503050406030204" pitchFamily="18" charset="0"/>
                             </a:rPr>
                           </m:ctrlPr>
                         </m:sSubSupPr>
@@ -6489,7 +6490,7 @@
                         <m:sSubSupPr>
                           <m:ctrlPr>
                             <a:rPr lang="pt-BR" b="0" i="1" smtClean="0">
-                              <a:latin typeface="Cambria Math"/>
+                              <a:latin typeface="Cambria Math" panose="02040503050406030204" pitchFamily="18" charset="0"/>
                             </a:rPr>
                           </m:ctrlPr>
                         </m:sSubSupPr>
@@ -6606,7 +6607,7 @@
                         <m:sSubSupPr>
                           <m:ctrlPr>
                             <a:rPr lang="pt-BR" b="0" i="1" smtClean="0">
-                              <a:latin typeface="Cambria Math"/>
+                              <a:latin typeface="Cambria Math" panose="02040503050406030204" pitchFamily="18" charset="0"/>
                             </a:rPr>
                           </m:ctrlPr>
                         </m:sSubSupPr>
@@ -6717,7 +6718,7 @@
                         <m:sSubSupPr>
                           <m:ctrlPr>
                             <a:rPr lang="pt-BR" b="0" i="1" smtClean="0">
-                              <a:latin typeface="Cambria Math"/>
+                              <a:latin typeface="Cambria Math" panose="02040503050406030204" pitchFamily="18" charset="0"/>
                             </a:rPr>
                           </m:ctrlPr>
                         </m:sSubSupPr>
@@ -6828,7 +6829,7 @@
                         <m:sSubSupPr>
                           <m:ctrlPr>
                             <a:rPr lang="pt-BR" b="0" i="1" smtClean="0">
-                              <a:latin typeface="Cambria Math"/>
+                              <a:latin typeface="Cambria Math" panose="02040503050406030204" pitchFamily="18" charset="0"/>
                             </a:rPr>
                           </m:ctrlPr>
                         </m:sSubSupPr>
@@ -7269,7 +7270,7 @@
                         <m:sSubPr>
                           <m:ctrlPr>
                             <a:rPr lang="pt-BR" b="0" i="1" smtClean="0">
-                              <a:latin typeface="Cambria Math"/>
+                              <a:latin typeface="Cambria Math" panose="02040503050406030204" pitchFamily="18" charset="0"/>
                             </a:rPr>
                           </m:ctrlPr>
                         </m:sSubPr>
@@ -7372,7 +7373,7 @@
                         <m:sSubPr>
                           <m:ctrlPr>
                             <a:rPr lang="pt-BR" b="0" i="1" smtClean="0">
-                              <a:latin typeface="Cambria Math"/>
+                              <a:latin typeface="Cambria Math" panose="02040503050406030204" pitchFamily="18" charset="0"/>
                             </a:rPr>
                           </m:ctrlPr>
                         </m:sSubPr>
@@ -8297,7 +8298,7 @@
                         <m:sSubSupPr>
                           <m:ctrlPr>
                             <a:rPr lang="pt-BR" b="0" i="1" smtClean="0">
-                              <a:latin typeface="Cambria Math"/>
+                              <a:latin typeface="Cambria Math" panose="02040503050406030204" pitchFamily="18" charset="0"/>
                             </a:rPr>
                           </m:ctrlPr>
                         </m:sSubSupPr>
@@ -8408,7 +8409,7 @@
                         <m:sSubSupPr>
                           <m:ctrlPr>
                             <a:rPr lang="pt-BR" b="0" i="1" smtClean="0">
-                              <a:latin typeface="Cambria Math"/>
+                              <a:latin typeface="Cambria Math" panose="02040503050406030204" pitchFamily="18" charset="0"/>
                             </a:rPr>
                           </m:ctrlPr>
                         </m:sSubSupPr>
@@ -8519,7 +8520,7 @@
                         <m:sSubSupPr>
                           <m:ctrlPr>
                             <a:rPr lang="pt-BR" b="0" i="1" smtClean="0">
-                              <a:latin typeface="Cambria Math"/>
+                              <a:latin typeface="Cambria Math" panose="02040503050406030204" pitchFamily="18" charset="0"/>
                             </a:rPr>
                           </m:ctrlPr>
                         </m:sSubSupPr>
@@ -8630,7 +8631,7 @@
                         <m:sSubPr>
                           <m:ctrlPr>
                             <a:rPr lang="pt-BR" b="0" i="1" smtClean="0">
-                              <a:latin typeface="Cambria Math"/>
+                              <a:latin typeface="Cambria Math" panose="02040503050406030204" pitchFamily="18" charset="0"/>
                             </a:rPr>
                           </m:ctrlPr>
                         </m:sSubPr>
@@ -8733,7 +8734,7 @@
                         <m:sSubPr>
                           <m:ctrlPr>
                             <a:rPr lang="pt-BR" b="0" i="1" smtClean="0">
-                              <a:latin typeface="Cambria Math"/>
+                              <a:latin typeface="Cambria Math" panose="02040503050406030204" pitchFamily="18" charset="0"/>
                             </a:rPr>
                           </m:ctrlPr>
                         </m:sSubPr>
@@ -8836,7 +8837,7 @@
                         <m:sSubPr>
                           <m:ctrlPr>
                             <a:rPr lang="pt-BR" b="0" i="1" smtClean="0">
-                              <a:latin typeface="Cambria Math"/>
+                              <a:latin typeface="Cambria Math" panose="02040503050406030204" pitchFamily="18" charset="0"/>
                             </a:rPr>
                           </m:ctrlPr>
                         </m:sSubPr>
@@ -9047,7 +9048,7 @@
                         <m:sSubPr>
                           <m:ctrlPr>
                             <a:rPr lang="pt-BR" b="0" i="1" smtClean="0">
-                              <a:latin typeface="Cambria Math"/>
+                              <a:latin typeface="Cambria Math" panose="02040503050406030204" pitchFamily="18" charset="0"/>
                             </a:rPr>
                           </m:ctrlPr>
                         </m:sSubPr>
@@ -9150,7 +9151,7 @@
                         <m:sSubPr>
                           <m:ctrlPr>
                             <a:rPr lang="pt-BR" b="0" i="1" smtClean="0">
-                              <a:latin typeface="Cambria Math"/>
+                              <a:latin typeface="Cambria Math" panose="02040503050406030204" pitchFamily="18" charset="0"/>
                             </a:rPr>
                           </m:ctrlPr>
                         </m:sSubPr>
@@ -9253,7 +9254,7 @@
                         <m:sSubPr>
                           <m:ctrlPr>
                             <a:rPr lang="pt-BR" b="0" i="1" smtClean="0">
-                              <a:latin typeface="Cambria Math"/>
+                              <a:latin typeface="Cambria Math" panose="02040503050406030204" pitchFamily="18" charset="0"/>
                             </a:rPr>
                           </m:ctrlPr>
                         </m:sSubPr>
@@ -9464,7 +9465,7 @@
                         <m:sSubSupPr>
                           <m:ctrlPr>
                             <a:rPr lang="pt-BR" b="0" i="1" smtClean="0">
-                              <a:latin typeface="Cambria Math"/>
+                              <a:latin typeface="Cambria Math" panose="02040503050406030204" pitchFamily="18" charset="0"/>
                             </a:rPr>
                           </m:ctrlPr>
                         </m:sSubSupPr>
@@ -9568,7 +9569,7 @@
                         <m:sSubSupPr>
                           <m:ctrlPr>
                             <a:rPr lang="pt-BR" b="0" i="1" smtClean="0">
-                              <a:latin typeface="Cambria Math"/>
+                              <a:latin typeface="Cambria Math" panose="02040503050406030204" pitchFamily="18" charset="0"/>
                             </a:rPr>
                           </m:ctrlPr>
                         </m:sSubSupPr>
@@ -9672,7 +9673,7 @@
                         <m:sSubSupPr>
                           <m:ctrlPr>
                             <a:rPr lang="pt-BR" b="0" i="1" smtClean="0">
-                              <a:latin typeface="Cambria Math"/>
+                              <a:latin typeface="Cambria Math" panose="02040503050406030204" pitchFamily="18" charset="0"/>
                             </a:rPr>
                           </m:ctrlPr>
                         </m:sSubSupPr>
@@ -10100,7 +10101,7 @@
                         <m:sSubPr>
                           <m:ctrlPr>
                             <a:rPr lang="pt-BR" b="0" i="1" smtClean="0">
-                              <a:latin typeface="Cambria Math"/>
+                              <a:latin typeface="Cambria Math" panose="02040503050406030204" pitchFamily="18" charset="0"/>
                             </a:rPr>
                           </m:ctrlPr>
                         </m:sSubPr>
@@ -10203,7 +10204,7 @@
                         <m:sSubPr>
                           <m:ctrlPr>
                             <a:rPr lang="pt-BR" b="0" i="1" smtClean="0">
-                              <a:latin typeface="Cambria Math"/>
+                              <a:latin typeface="Cambria Math" panose="02040503050406030204" pitchFamily="18" charset="0"/>
                             </a:rPr>
                           </m:ctrlPr>
                         </m:sSubPr>
@@ -10306,7 +10307,7 @@
                         <m:sSubPr>
                           <m:ctrlPr>
                             <a:rPr lang="pt-BR" b="0" i="1" smtClean="0">
-                              <a:latin typeface="Cambria Math"/>
+                              <a:latin typeface="Cambria Math" panose="02040503050406030204" pitchFamily="18" charset="0"/>
                             </a:rPr>
                           </m:ctrlPr>
                         </m:sSubPr>
@@ -10439,7 +10440,7 @@
                         <m:sSubPr>
                           <m:ctrlPr>
                             <a:rPr lang="pt-BR" b="0" i="1" smtClean="0">
-                              <a:latin typeface="Cambria Math"/>
+                              <a:latin typeface="Cambria Math" panose="02040503050406030204" pitchFamily="18" charset="0"/>
                             </a:rPr>
                           </m:ctrlPr>
                         </m:sSubPr>
@@ -10542,7 +10543,7 @@
                         <m:sSubPr>
                           <m:ctrlPr>
                             <a:rPr lang="pt-BR" b="0" i="1" smtClean="0">
-                              <a:latin typeface="Cambria Math"/>
+                              <a:latin typeface="Cambria Math" panose="02040503050406030204" pitchFamily="18" charset="0"/>
                             </a:rPr>
                           </m:ctrlPr>
                         </m:sSubPr>
@@ -10645,7 +10646,7 @@
                         <m:sSubPr>
                           <m:ctrlPr>
                             <a:rPr lang="pt-BR" b="0" i="1" smtClean="0">
-                              <a:latin typeface="Cambria Math"/>
+                              <a:latin typeface="Cambria Math" panose="02040503050406030204" pitchFamily="18" charset="0"/>
                             </a:rPr>
                           </m:ctrlPr>
                         </m:sSubPr>
@@ -11989,7 +11990,7 @@
                         <m:sSubPr>
                           <m:ctrlPr>
                             <a:rPr lang="pt-BR" b="0" i="1" smtClean="0">
-                              <a:latin typeface="Cambria Math"/>
+                              <a:latin typeface="Cambria Math" panose="02040503050406030204" pitchFamily="18" charset="0"/>
                             </a:rPr>
                           </m:ctrlPr>
                         </m:sSubPr>
@@ -12092,7 +12093,7 @@
                         <m:sSubPr>
                           <m:ctrlPr>
                             <a:rPr lang="pt-BR" b="0" i="1" smtClean="0">
-                              <a:latin typeface="Cambria Math"/>
+                              <a:latin typeface="Cambria Math" panose="02040503050406030204" pitchFamily="18" charset="0"/>
                             </a:rPr>
                           </m:ctrlPr>
                         </m:sSubPr>
@@ -12195,7 +12196,7 @@
                         <m:sSubPr>
                           <m:ctrlPr>
                             <a:rPr lang="pt-BR" b="0" i="1" smtClean="0">
-                              <a:latin typeface="Cambria Math"/>
+                              <a:latin typeface="Cambria Math" panose="02040503050406030204" pitchFamily="18" charset="0"/>
                             </a:rPr>
                           </m:ctrlPr>
                         </m:sSubPr>
@@ -12298,7 +12299,7 @@
                         <m:sSubPr>
                           <m:ctrlPr>
                             <a:rPr lang="pt-BR" b="0" i="1" smtClean="0">
-                              <a:latin typeface="Cambria Math"/>
+                              <a:latin typeface="Cambria Math" panose="02040503050406030204" pitchFamily="18" charset="0"/>
                             </a:rPr>
                           </m:ctrlPr>
                         </m:sSubPr>
@@ -12401,7 +12402,7 @@
                         <m:sSubPr>
                           <m:ctrlPr>
                             <a:rPr lang="pt-BR" b="0" i="1" smtClean="0">
-                              <a:latin typeface="Cambria Math"/>
+                              <a:latin typeface="Cambria Math" panose="02040503050406030204" pitchFamily="18" charset="0"/>
                             </a:rPr>
                           </m:ctrlPr>
                         </m:sSubPr>
@@ -12504,7 +12505,7 @@
                         <m:sSubPr>
                           <m:ctrlPr>
                             <a:rPr lang="pt-BR" b="0" i="1" smtClean="0">
-                              <a:latin typeface="Cambria Math"/>
+                              <a:latin typeface="Cambria Math" panose="02040503050406030204" pitchFamily="18" charset="0"/>
                             </a:rPr>
                           </m:ctrlPr>
                         </m:sSubPr>
@@ -12607,7 +12608,7 @@
                         <m:sSubPr>
                           <m:ctrlPr>
                             <a:rPr lang="pt-BR" b="0" i="1" smtClean="0">
-                              <a:latin typeface="Cambria Math"/>
+                              <a:latin typeface="Cambria Math" panose="02040503050406030204" pitchFamily="18" charset="0"/>
                             </a:rPr>
                           </m:ctrlPr>
                         </m:sSubPr>
@@ -12878,7 +12879,7 @@
                         <m:sSubSupPr>
                           <m:ctrlPr>
                             <a:rPr lang="pt-BR" b="0" i="1" smtClean="0">
-                              <a:latin typeface="Cambria Math"/>
+                              <a:latin typeface="Cambria Math" panose="02040503050406030204" pitchFamily="18" charset="0"/>
                             </a:rPr>
                           </m:ctrlPr>
                         </m:sSubSupPr>
@@ -12995,7 +12996,7 @@
                         <m:sSubSupPr>
                           <m:ctrlPr>
                             <a:rPr lang="pt-BR" b="0" i="1" smtClean="0">
-                              <a:latin typeface="Cambria Math"/>
+                              <a:latin typeface="Cambria Math" panose="02040503050406030204" pitchFamily="18" charset="0"/>
                             </a:rPr>
                           </m:ctrlPr>
                         </m:sSubSupPr>
@@ -13112,7 +13113,7 @@
                         <m:sSubSupPr>
                           <m:ctrlPr>
                             <a:rPr lang="pt-BR" b="0" i="1" smtClean="0">
-                              <a:latin typeface="Cambria Math"/>
+                              <a:latin typeface="Cambria Math" panose="02040503050406030204" pitchFamily="18" charset="0"/>
                             </a:rPr>
                           </m:ctrlPr>
                         </m:sSubSupPr>
@@ -13223,7 +13224,7 @@
                         <m:sSubSupPr>
                           <m:ctrlPr>
                             <a:rPr lang="pt-BR" b="0" i="1" smtClean="0">
-                              <a:latin typeface="Cambria Math"/>
+                              <a:latin typeface="Cambria Math" panose="02040503050406030204" pitchFamily="18" charset="0"/>
                             </a:rPr>
                           </m:ctrlPr>
                         </m:sSubSupPr>
@@ -13334,7 +13335,7 @@
                         <m:sSubSupPr>
                           <m:ctrlPr>
                             <a:rPr lang="pt-BR" b="0" i="1" smtClean="0">
-                              <a:latin typeface="Cambria Math"/>
+                              <a:latin typeface="Cambria Math" panose="02040503050406030204" pitchFamily="18" charset="0"/>
                             </a:rPr>
                           </m:ctrlPr>
                         </m:sSubSupPr>
@@ -13743,7 +13744,7 @@
                         <m:sSubPr>
                           <m:ctrlPr>
                             <a:rPr lang="pt-BR" b="0" i="1" smtClean="0">
-                              <a:latin typeface="Cambria Math"/>
+                              <a:latin typeface="Cambria Math" panose="02040503050406030204" pitchFamily="18" charset="0"/>
                             </a:rPr>
                           </m:ctrlPr>
                         </m:sSubPr>
@@ -13846,7 +13847,7 @@
                         <m:sSubPr>
                           <m:ctrlPr>
                             <a:rPr lang="pt-BR" b="0" i="1" smtClean="0">
-                              <a:latin typeface="Cambria Math"/>
+                              <a:latin typeface="Cambria Math" panose="02040503050406030204" pitchFamily="18" charset="0"/>
                             </a:rPr>
                           </m:ctrlPr>
                         </m:sSubPr>
@@ -14250,7 +14251,7 @@
                           <m:chr m:val="̃"/>
                           <m:ctrlPr>
                             <a:rPr lang="pt-BR" b="0" i="1" smtClean="0">
-                              <a:latin typeface="Cambria Math"/>
+                              <a:latin typeface="Cambria Math" panose="02040503050406030204" pitchFamily="18" charset="0"/>
                             </a:rPr>
                           </m:ctrlPr>
                         </m:accPr>
@@ -14803,7 +14804,7 @@
                           <m:pos m:val="top"/>
                           <m:ctrlPr>
                             <a:rPr lang="pt-BR" b="0" i="1" smtClean="0">
-                              <a:latin typeface="Cambria Math"/>
+                              <a:latin typeface="Cambria Math" panose="02040503050406030204" pitchFamily="18" charset="0"/>
                             </a:rPr>
                           </m:ctrlPr>
                         </m:barPr>
@@ -15172,7 +15173,7 @@
                           <m:pos m:val="top"/>
                           <m:ctrlPr>
                             <a:rPr lang="pt-BR" b="0" i="1" smtClean="0">
-                              <a:latin typeface="Cambria Math"/>
+                              <a:latin typeface="Cambria Math" panose="02040503050406030204" pitchFamily="18" charset="0"/>
                             </a:rPr>
                           </m:ctrlPr>
                         </m:barPr>
@@ -16042,7 +16043,7 @@
                         <m:sSubPr>
                           <m:ctrlPr>
                             <a:rPr lang="pt-BR" b="0" i="1" smtClean="0">
-                              <a:latin typeface="Cambria Math"/>
+                              <a:latin typeface="Cambria Math" panose="02040503050406030204" pitchFamily="18" charset="0"/>
                             </a:rPr>
                           </m:ctrlPr>
                         </m:sSubPr>
@@ -16145,7 +16146,7 @@
                         <m:sSubPr>
                           <m:ctrlPr>
                             <a:rPr lang="pt-BR" b="0" i="1" smtClean="0">
-                              <a:latin typeface="Cambria Math"/>
+                              <a:latin typeface="Cambria Math" panose="02040503050406030204" pitchFamily="18" charset="0"/>
                             </a:rPr>
                           </m:ctrlPr>
                         </m:sSubPr>
@@ -16248,7 +16249,7 @@
                         <m:sSubPr>
                           <m:ctrlPr>
                             <a:rPr lang="pt-BR" b="0" i="1" smtClean="0">
-                              <a:latin typeface="Cambria Math"/>
+                              <a:latin typeface="Cambria Math" panose="02040503050406030204" pitchFamily="18" charset="0"/>
                             </a:rPr>
                           </m:ctrlPr>
                         </m:sSubPr>
@@ -16351,7 +16352,7 @@
                         <m:sSubPr>
                           <m:ctrlPr>
                             <a:rPr lang="pt-BR" b="0" i="1" smtClean="0">
-                              <a:latin typeface="Cambria Math"/>
+                              <a:latin typeface="Cambria Math" panose="02040503050406030204" pitchFamily="18" charset="0"/>
                             </a:rPr>
                           </m:ctrlPr>
                         </m:sSubPr>
@@ -16454,7 +16455,7 @@
                         <m:sSubPr>
                           <m:ctrlPr>
                             <a:rPr lang="pt-BR" b="0" i="1" smtClean="0">
-                              <a:latin typeface="Cambria Math"/>
+                              <a:latin typeface="Cambria Math" panose="02040503050406030204" pitchFamily="18" charset="0"/>
                             </a:rPr>
                           </m:ctrlPr>
                         </m:sSubPr>
@@ -16557,7 +16558,7 @@
                         <m:sSubPr>
                           <m:ctrlPr>
                             <a:rPr lang="pt-BR" b="0" i="1" smtClean="0">
-                              <a:latin typeface="Cambria Math"/>
+                              <a:latin typeface="Cambria Math" panose="02040503050406030204" pitchFamily="18" charset="0"/>
                             </a:rPr>
                           </m:ctrlPr>
                         </m:sSubPr>
@@ -16660,7 +16661,7 @@
                         <m:sSubSupPr>
                           <m:ctrlPr>
                             <a:rPr lang="pt-BR" b="0" i="1" smtClean="0">
-                              <a:latin typeface="Cambria Math"/>
+                              <a:latin typeface="Cambria Math" panose="02040503050406030204" pitchFamily="18" charset="0"/>
                             </a:rPr>
                           </m:ctrlPr>
                         </m:sSubSupPr>
@@ -16764,7 +16765,7 @@
                         <m:sSubSupPr>
                           <m:ctrlPr>
                             <a:rPr lang="pt-BR" b="0" i="1" smtClean="0">
-                              <a:latin typeface="Cambria Math"/>
+                              <a:latin typeface="Cambria Math" panose="02040503050406030204" pitchFamily="18" charset="0"/>
                             </a:rPr>
                           </m:ctrlPr>
                         </m:sSubSupPr>
@@ -16868,7 +16869,7 @@
                         <m:sSubSupPr>
                           <m:ctrlPr>
                             <a:rPr lang="pt-BR" b="0" i="1" smtClean="0">
-                              <a:latin typeface="Cambria Math"/>
+                              <a:latin typeface="Cambria Math" panose="02040503050406030204" pitchFamily="18" charset="0"/>
                             </a:rPr>
                           </m:ctrlPr>
                         </m:sSubSupPr>
@@ -17476,7 +17477,7 @@
                         <m:sSubPr>
                           <m:ctrlPr>
                             <a:rPr lang="pt-BR" b="0" i="1" smtClean="0">
-                              <a:latin typeface="Cambria Math"/>
+                              <a:latin typeface="Cambria Math" panose="02040503050406030204" pitchFamily="18" charset="0"/>
                             </a:rPr>
                           </m:ctrlPr>
                         </m:sSubPr>
@@ -17579,7 +17580,7 @@
                         <m:sSubPr>
                           <m:ctrlPr>
                             <a:rPr lang="pt-BR" b="0" i="1" smtClean="0">
-                              <a:latin typeface="Cambria Math"/>
+                              <a:latin typeface="Cambria Math" panose="02040503050406030204" pitchFamily="18" charset="0"/>
                             </a:rPr>
                           </m:ctrlPr>
                         </m:sSubPr>
@@ -17682,7 +17683,7 @@
                         <m:sSubPr>
                           <m:ctrlPr>
                             <a:rPr lang="pt-BR" b="0" i="1" smtClean="0">
-                              <a:latin typeface="Cambria Math"/>
+                              <a:latin typeface="Cambria Math" panose="02040503050406030204" pitchFamily="18" charset="0"/>
                             </a:rPr>
                           </m:ctrlPr>
                         </m:sSubPr>
@@ -18001,7 +18002,7 @@
                         <m:sSubPr>
                           <m:ctrlPr>
                             <a:rPr lang="pt-BR" b="0" i="1" smtClean="0">
-                              <a:latin typeface="Cambria Math"/>
+                              <a:latin typeface="Cambria Math" panose="02040503050406030204" pitchFamily="18" charset="0"/>
                             </a:rPr>
                           </m:ctrlPr>
                         </m:sSubPr>
@@ -18104,7 +18105,7 @@
                         <m:sSubPr>
                           <m:ctrlPr>
                             <a:rPr lang="pt-BR" b="0" i="1" smtClean="0">
-                              <a:latin typeface="Cambria Math"/>
+                              <a:latin typeface="Cambria Math" panose="02040503050406030204" pitchFamily="18" charset="0"/>
                             </a:rPr>
                           </m:ctrlPr>
                         </m:sSubPr>
@@ -18207,7 +18208,7 @@
                         <m:sSubPr>
                           <m:ctrlPr>
                             <a:rPr lang="pt-BR" b="0" i="1" smtClean="0">
-                              <a:latin typeface="Cambria Math"/>
+                              <a:latin typeface="Cambria Math" panose="02040503050406030204" pitchFamily="18" charset="0"/>
                             </a:rPr>
                           </m:ctrlPr>
                         </m:sSubPr>
@@ -18581,7 +18582,7 @@
                         <m:sSubPr>
                           <m:ctrlPr>
                             <a:rPr lang="pt-BR" b="0" i="1" smtClean="0">
-                              <a:latin typeface="Cambria Math"/>
+                              <a:latin typeface="Cambria Math" panose="02040503050406030204" pitchFamily="18" charset="0"/>
                             </a:rPr>
                           </m:ctrlPr>
                         </m:sSubPr>
@@ -18684,7 +18685,7 @@
                         <m:sSubPr>
                           <m:ctrlPr>
                             <a:rPr lang="pt-BR" b="0" i="1" smtClean="0">
-                              <a:latin typeface="Cambria Math"/>
+                              <a:latin typeface="Cambria Math" panose="02040503050406030204" pitchFamily="18" charset="0"/>
                             </a:rPr>
                           </m:ctrlPr>
                         </m:sSubPr>
@@ -18787,7 +18788,7 @@
                         <m:sSubPr>
                           <m:ctrlPr>
                             <a:rPr lang="pt-BR" b="0" i="1" smtClean="0">
-                              <a:latin typeface="Cambria Math"/>
+                              <a:latin typeface="Cambria Math" panose="02040503050406030204" pitchFamily="18" charset="0"/>
                             </a:rPr>
                           </m:ctrlPr>
                         </m:sSubPr>
@@ -21222,7 +21223,7 @@
                         <m:sSubPr>
                           <m:ctrlPr>
                             <a:rPr lang="pt-BR" sz="4000" b="0" i="1" smtClean="0">
-                              <a:latin typeface="Cambria Math"/>
+                              <a:latin typeface="Cambria Math" panose="02040503050406030204" pitchFamily="18" charset="0"/>
                             </a:rPr>
                           </m:ctrlPr>
                         </m:sSubPr>
@@ -21325,7 +21326,7 @@
                         <m:sSubPr>
                           <m:ctrlPr>
                             <a:rPr lang="pt-BR" sz="4000" b="0" i="1" smtClean="0">
-                              <a:latin typeface="Cambria Math"/>
+                              <a:latin typeface="Cambria Math" panose="02040503050406030204" pitchFamily="18" charset="0"/>
                             </a:rPr>
                           </m:ctrlPr>
                         </m:sSubPr>
@@ -21428,7 +21429,7 @@
                         <m:sSubPr>
                           <m:ctrlPr>
                             <a:rPr lang="pt-BR" sz="4000" b="0" i="1" smtClean="0">
-                              <a:latin typeface="Cambria Math"/>
+                              <a:latin typeface="Cambria Math" panose="02040503050406030204" pitchFamily="18" charset="0"/>
                             </a:rPr>
                           </m:ctrlPr>
                         </m:sSubPr>
@@ -21531,7 +21532,7 @@
                         <m:sSubPr>
                           <m:ctrlPr>
                             <a:rPr lang="pt-BR" sz="4000" b="0" i="1" smtClean="0">
-                              <a:latin typeface="Cambria Math"/>
+                              <a:latin typeface="Cambria Math" panose="02040503050406030204" pitchFamily="18" charset="0"/>
                             </a:rPr>
                           </m:ctrlPr>
                         </m:sSubPr>
@@ -21634,7 +21635,7 @@
                         <m:sSubPr>
                           <m:ctrlPr>
                             <a:rPr lang="pt-BR" sz="4000" b="0" i="1" smtClean="0">
-                              <a:latin typeface="Cambria Math"/>
+                              <a:latin typeface="Cambria Math" panose="02040503050406030204" pitchFamily="18" charset="0"/>
                             </a:rPr>
                           </m:ctrlPr>
                         </m:sSubPr>
@@ -21821,7 +21822,7 @@
                         <m:sSubSupPr>
                           <m:ctrlPr>
                             <a:rPr lang="pt-BR" sz="4000" b="0" i="1" smtClean="0">
-                              <a:latin typeface="Cambria Math"/>
+                              <a:latin typeface="Cambria Math" panose="02040503050406030204" pitchFamily="18" charset="0"/>
                             </a:rPr>
                           </m:ctrlPr>
                         </m:sSubSupPr>
@@ -21935,7 +21936,7 @@
                         <m:sSubSupPr>
                           <m:ctrlPr>
                             <a:rPr lang="pt-BR" sz="4000" b="0" i="1" smtClean="0">
-                              <a:latin typeface="Cambria Math"/>
+                              <a:latin typeface="Cambria Math" panose="02040503050406030204" pitchFamily="18" charset="0"/>
                             </a:rPr>
                           </m:ctrlPr>
                         </m:sSubSupPr>
@@ -22049,7 +22050,7 @@
                         <m:sSubPr>
                           <m:ctrlPr>
                             <a:rPr lang="pt-BR" sz="4000" b="0" i="1" smtClean="0">
-                              <a:latin typeface="Cambria Math"/>
+                              <a:latin typeface="Cambria Math" panose="02040503050406030204" pitchFamily="18" charset="0"/>
                             </a:rPr>
                           </m:ctrlPr>
                         </m:sSubPr>
@@ -22152,7 +22153,7 @@
                         <m:sSubPr>
                           <m:ctrlPr>
                             <a:rPr lang="pt-BR" sz="4000" b="0" i="1" smtClean="0">
-                              <a:latin typeface="Cambria Math"/>
+                              <a:latin typeface="Cambria Math" panose="02040503050406030204" pitchFamily="18" charset="0"/>
                             </a:rPr>
                           </m:ctrlPr>
                         </m:sSubPr>
@@ -22255,7 +22256,7 @@
                         <m:sSubPr>
                           <m:ctrlPr>
                             <a:rPr lang="pt-BR" sz="4000" b="0" i="1" smtClean="0">
-                              <a:latin typeface="Cambria Math"/>
+                              <a:latin typeface="Cambria Math" panose="02040503050406030204" pitchFamily="18" charset="0"/>
                             </a:rPr>
                           </m:ctrlPr>
                         </m:sSubPr>
@@ -22278,7 +22279,7 @@
                             <m:sSubPr>
                               <m:ctrlPr>
                                 <a:rPr lang="pt-BR" sz="4000" b="0" i="1" smtClean="0">
-                                  <a:latin typeface="Cambria Math"/>
+                                  <a:latin typeface="Cambria Math" panose="02040503050406030204" pitchFamily="18" charset="0"/>
                                 </a:rPr>
                               </m:ctrlPr>
                             </m:sSubPr>
@@ -22383,7 +22384,7 @@
                         <m:sSubPr>
                           <m:ctrlPr>
                             <a:rPr lang="pt-BR" sz="4000" b="0" i="1" smtClean="0">
-                              <a:latin typeface="Cambria Math"/>
+                              <a:latin typeface="Cambria Math" panose="02040503050406030204" pitchFamily="18" charset="0"/>
                             </a:rPr>
                           </m:ctrlPr>
                         </m:sSubPr>
@@ -22486,7 +22487,7 @@
                         <m:sSubSupPr>
                           <m:ctrlPr>
                             <a:rPr lang="pt-BR" sz="4000" b="0" i="1" smtClean="0">
-                              <a:latin typeface="Cambria Math"/>
+                              <a:latin typeface="Cambria Math" panose="02040503050406030204" pitchFamily="18" charset="0"/>
                             </a:rPr>
                           </m:ctrlPr>
                         </m:sSubSupPr>
@@ -22597,7 +22598,7 @@
                         <m:sSubSupPr>
                           <m:ctrlPr>
                             <a:rPr lang="pt-BR" sz="4000" b="0" i="1" smtClean="0">
-                              <a:latin typeface="Cambria Math"/>
+                              <a:latin typeface="Cambria Math" panose="02040503050406030204" pitchFamily="18" charset="0"/>
                             </a:rPr>
                           </m:ctrlPr>
                         </m:sSubSupPr>
@@ -22708,7 +22709,7 @@
                         <m:sSubSupPr>
                           <m:ctrlPr>
                             <a:rPr lang="pt-BR" sz="4000" b="0" i="1" smtClean="0">
-                              <a:latin typeface="Cambria Math"/>
+                              <a:latin typeface="Cambria Math" panose="02040503050406030204" pitchFamily="18" charset="0"/>
                             </a:rPr>
                           </m:ctrlPr>
                         </m:sSubSupPr>
@@ -23070,7 +23071,7 @@
                             <a:solidFill>
                               <a:schemeClr val="tx1"/>
                             </a:solidFill>
-                            <a:latin typeface="Cambria Math"/>
+                            <a:latin typeface="Cambria Math" panose="02040503050406030204" pitchFamily="18" charset="0"/>
                           </a:rPr>
                         </m:ctrlPr>
                       </m:sSubPr>
@@ -23203,8 +23204,8 @@
           </a:fontRef>
         </p:style>
       </p:cxnSp>
-      <mc:AlternateContent xmlns:mc="http://schemas.openxmlformats.org/markup-compatibility/2006">
-        <mc:Choice xmlns:a14="http://schemas.microsoft.com/office/drawing/2010/main" Requires="a14">
+      <mc:AlternateContent xmlns:mc="http://schemas.openxmlformats.org/markup-compatibility/2006" xmlns:a14="http://schemas.microsoft.com/office/drawing/2010/main">
+        <mc:Choice Requires="a14">
           <p:sp>
             <p:nvSpPr>
               <p:cNvPr id="4" name="CaixaDeTexto 3"/>
@@ -23238,7 +23239,7 @@
                         <m:sSubPr>
                           <m:ctrlPr>
                             <a:rPr lang="pt-BR" sz="4000" b="0" i="1" smtClean="0">
-                              <a:latin typeface="Cambria Math"/>
+                              <a:latin typeface="Cambria Math" panose="02040503050406030204" pitchFamily="18" charset="0"/>
                             </a:rPr>
                           </m:ctrlPr>
                         </m:sSubPr>
@@ -23255,13 +23256,7 @@
                             <a:rPr lang="pt-BR" sz="4000" b="0" i="1" smtClean="0">
                               <a:latin typeface="Cambria Math"/>
                             </a:rPr>
-                            <m:t>𝑆</m:t>
-                          </m:r>
-                          <m:r>
-                            <a:rPr lang="pt-BR" sz="4000" b="0" i="1" smtClean="0">
-                              <a:latin typeface="Cambria Math"/>
-                            </a:rPr>
-                            <m:t>𝑏</m:t>
+                            <m:t>𝑆𝑏</m:t>
                           </m:r>
                         </m:sub>
                       </m:sSub>
@@ -23273,7 +23268,7 @@
             </p:txBody>
           </p:sp>
         </mc:Choice>
-        <mc:Fallback>
+        <mc:Fallback xmlns="">
           <p:sp>
             <p:nvSpPr>
               <p:cNvPr id="4" name="CaixaDeTexto 3"/>
@@ -23312,8 +23307,8 @@
           </p:sp>
         </mc:Fallback>
       </mc:AlternateContent>
-      <mc:AlternateContent xmlns:mc="http://schemas.openxmlformats.org/markup-compatibility/2006">
-        <mc:Choice xmlns:a14="http://schemas.microsoft.com/office/drawing/2010/main" Requires="a14">
+      <mc:AlternateContent xmlns:mc="http://schemas.openxmlformats.org/markup-compatibility/2006" xmlns:a14="http://schemas.microsoft.com/office/drawing/2010/main">
+        <mc:Choice Requires="a14">
           <p:sp>
             <p:nvSpPr>
               <p:cNvPr id="5" name="CaixaDeTexto 4"/>
@@ -23347,7 +23342,7 @@
                         <m:sSubPr>
                           <m:ctrlPr>
                             <a:rPr lang="pt-BR" sz="4000" b="0" i="1" smtClean="0">
-                              <a:latin typeface="Cambria Math"/>
+                              <a:latin typeface="Cambria Math" panose="02040503050406030204" pitchFamily="18" charset="0"/>
                             </a:rPr>
                           </m:ctrlPr>
                         </m:sSubPr>
@@ -23364,13 +23359,7 @@
                             <a:rPr lang="pt-BR" sz="4000" b="0" i="1" smtClean="0">
                               <a:latin typeface="Cambria Math"/>
                             </a:rPr>
-                            <m:t>𝑆</m:t>
-                          </m:r>
-                          <m:r>
-                            <a:rPr lang="pt-BR" sz="4000" b="0" i="1" smtClean="0">
-                              <a:latin typeface="Cambria Math"/>
-                            </a:rPr>
-                            <m:t>𝑐</m:t>
+                            <m:t>𝑆𝑐</m:t>
                           </m:r>
                         </m:sub>
                       </m:sSub>
@@ -23382,7 +23371,7 @@
             </p:txBody>
           </p:sp>
         </mc:Choice>
-        <mc:Fallback>
+        <mc:Fallback xmlns="">
           <p:sp>
             <p:nvSpPr>
               <p:cNvPr id="5" name="CaixaDeTexto 4"/>
@@ -23421,8 +23410,8 @@
           </p:sp>
         </mc:Fallback>
       </mc:AlternateContent>
-      <mc:AlternateContent xmlns:mc="http://schemas.openxmlformats.org/markup-compatibility/2006">
-        <mc:Choice xmlns:a14="http://schemas.microsoft.com/office/drawing/2010/main" Requires="a14">
+      <mc:AlternateContent xmlns:mc="http://schemas.openxmlformats.org/markup-compatibility/2006" xmlns:a14="http://schemas.microsoft.com/office/drawing/2010/main">
+        <mc:Choice Requires="a14">
           <p:sp>
             <p:nvSpPr>
               <p:cNvPr id="6" name="CaixaDeTexto 5"/>
@@ -23456,7 +23445,7 @@
                         <m:sSubPr>
                           <m:ctrlPr>
                             <a:rPr lang="pt-BR" sz="4000" b="0" i="1" smtClean="0">
-                              <a:latin typeface="Cambria Math"/>
+                              <a:latin typeface="Cambria Math" panose="02040503050406030204" pitchFamily="18" charset="0"/>
                             </a:rPr>
                           </m:ctrlPr>
                         </m:sSubPr>
@@ -23473,13 +23462,7 @@
                             <a:rPr lang="pt-BR" sz="4000" b="0" i="1" smtClean="0">
                               <a:latin typeface="Cambria Math"/>
                             </a:rPr>
-                            <m:t>𝑆</m:t>
-                          </m:r>
-                          <m:r>
-                            <a:rPr lang="pt-BR" sz="4000" b="0" i="1" smtClean="0">
-                              <a:latin typeface="Cambria Math"/>
-                            </a:rPr>
-                            <m:t>𝑎</m:t>
+                            <m:t>𝑆𝑎</m:t>
                           </m:r>
                         </m:sub>
                       </m:sSub>
@@ -23491,7 +23474,7 @@
             </p:txBody>
           </p:sp>
         </mc:Choice>
-        <mc:Fallback>
+        <mc:Fallback xmlns="">
           <p:sp>
             <p:nvSpPr>
               <p:cNvPr id="6" name="CaixaDeTexto 5"/>
@@ -23645,7 +23628,7 @@
                         <m:sSubSupPr>
                           <m:ctrlPr>
                             <a:rPr lang="pt-BR" sz="4000" b="0" i="1" smtClean="0">
-                              <a:latin typeface="Cambria Math"/>
+                              <a:latin typeface="Cambria Math" panose="02040503050406030204" pitchFamily="18" charset="0"/>
                             </a:rPr>
                           </m:ctrlPr>
                         </m:sSubSupPr>
@@ -23756,7 +23739,7 @@
                         <m:sSubSupPr>
                           <m:ctrlPr>
                             <a:rPr lang="pt-BR" sz="4000" b="0" i="1" smtClean="0">
-                              <a:latin typeface="Cambria Math"/>
+                              <a:latin typeface="Cambria Math" panose="02040503050406030204" pitchFamily="18" charset="0"/>
                             </a:rPr>
                           </m:ctrlPr>
                         </m:sSubSupPr>
@@ -23867,7 +23850,7 @@
                         <m:sSubSupPr>
                           <m:ctrlPr>
                             <a:rPr lang="pt-BR" sz="4000" b="0" i="1" smtClean="0">
-                              <a:latin typeface="Cambria Math"/>
+                              <a:latin typeface="Cambria Math" panose="02040503050406030204" pitchFamily="18" charset="0"/>
                             </a:rPr>
                           </m:ctrlPr>
                         </m:sSubSupPr>
@@ -24118,8 +24101,8 @@
           </a:p>
         </p:txBody>
       </p:sp>
-      <mc:AlternateContent xmlns:mc="http://schemas.openxmlformats.org/markup-compatibility/2006">
-        <mc:Choice xmlns:a14="http://schemas.microsoft.com/office/drawing/2010/main" Requires="a14">
+      <mc:AlternateContent xmlns:mc="http://schemas.openxmlformats.org/markup-compatibility/2006" xmlns:a14="http://schemas.microsoft.com/office/drawing/2010/main">
+        <mc:Choice Requires="a14">
           <p:sp>
             <p:nvSpPr>
               <p:cNvPr id="22" name="CaixaDeTexto 21"/>
@@ -24153,7 +24136,7 @@
                         <m:sSubPr>
                           <m:ctrlPr>
                             <a:rPr lang="pt-BR" sz="4000" b="0" i="1" smtClean="0">
-                              <a:latin typeface="Cambria Math"/>
+                              <a:latin typeface="Cambria Math" panose="02040503050406030204" pitchFamily="18" charset="0"/>
                             </a:rPr>
                           </m:ctrlPr>
                         </m:sSubPr>
@@ -24188,7 +24171,7 @@
             </p:txBody>
           </p:sp>
         </mc:Choice>
-        <mc:Fallback>
+        <mc:Fallback xmlns="">
           <p:sp>
             <p:nvSpPr>
               <p:cNvPr id="22" name="CaixaDeTexto 21"/>
@@ -24227,8 +24210,8 @@
           </p:sp>
         </mc:Fallback>
       </mc:AlternateContent>
-      <mc:AlternateContent xmlns:mc="http://schemas.openxmlformats.org/markup-compatibility/2006">
-        <mc:Choice xmlns:a14="http://schemas.microsoft.com/office/drawing/2010/main" Requires="a14">
+      <mc:AlternateContent xmlns:mc="http://schemas.openxmlformats.org/markup-compatibility/2006" xmlns:a14="http://schemas.microsoft.com/office/drawing/2010/main">
+        <mc:Choice Requires="a14">
           <p:sp>
             <p:nvSpPr>
               <p:cNvPr id="23" name="CaixaDeTexto 22"/>
@@ -24262,7 +24245,7 @@
                         <m:sSubPr>
                           <m:ctrlPr>
                             <a:rPr lang="pt-BR" sz="4000" b="0" i="1" smtClean="0">
-                              <a:latin typeface="Cambria Math"/>
+                              <a:latin typeface="Cambria Math" panose="02040503050406030204" pitchFamily="18" charset="0"/>
                             </a:rPr>
                           </m:ctrlPr>
                         </m:sSubPr>
@@ -24297,7 +24280,7 @@
             </p:txBody>
           </p:sp>
         </mc:Choice>
-        <mc:Fallback>
+        <mc:Fallback xmlns="">
           <p:sp>
             <p:nvSpPr>
               <p:cNvPr id="23" name="CaixaDeTexto 22"/>
@@ -24336,8 +24319,8 @@
           </p:sp>
         </mc:Fallback>
       </mc:AlternateContent>
-      <mc:AlternateContent xmlns:mc="http://schemas.openxmlformats.org/markup-compatibility/2006">
-        <mc:Choice xmlns:a14="http://schemas.microsoft.com/office/drawing/2010/main" Requires="a14">
+      <mc:AlternateContent xmlns:mc="http://schemas.openxmlformats.org/markup-compatibility/2006" xmlns:a14="http://schemas.microsoft.com/office/drawing/2010/main">
+        <mc:Choice Requires="a14">
           <p:sp>
             <p:nvSpPr>
               <p:cNvPr id="24" name="CaixaDeTexto 23"/>
@@ -24371,7 +24354,7 @@
                         <m:sSubPr>
                           <m:ctrlPr>
                             <a:rPr lang="pt-BR" sz="4000" b="0" i="1" smtClean="0">
-                              <a:latin typeface="Cambria Math"/>
+                              <a:latin typeface="Cambria Math" panose="02040503050406030204" pitchFamily="18" charset="0"/>
                             </a:rPr>
                           </m:ctrlPr>
                         </m:sSubPr>
@@ -24406,7 +24389,7 @@
             </p:txBody>
           </p:sp>
         </mc:Choice>
-        <mc:Fallback>
+        <mc:Fallback xmlns="">
           <p:sp>
             <p:nvSpPr>
               <p:cNvPr id="24" name="CaixaDeTexto 23"/>
@@ -24774,7 +24757,7 @@
                         <m:sSubSupPr>
                           <m:ctrlPr>
                             <a:rPr lang="pt-BR" sz="4000" b="0" i="1" smtClean="0">
-                              <a:latin typeface="Cambria Math"/>
+                              <a:latin typeface="Cambria Math" panose="02040503050406030204" pitchFamily="18" charset="0"/>
                             </a:rPr>
                           </m:ctrlPr>
                         </m:sSubSupPr>
@@ -24885,7 +24868,7 @@
                         <m:sSubSupPr>
                           <m:ctrlPr>
                             <a:rPr lang="pt-BR" sz="4000" b="0" i="1" smtClean="0">
-                              <a:latin typeface="Cambria Math"/>
+                              <a:latin typeface="Cambria Math" panose="02040503050406030204" pitchFamily="18" charset="0"/>
                             </a:rPr>
                           </m:ctrlPr>
                         </m:sSubSupPr>
@@ -24996,7 +24979,7 @@
                         <m:sSubSupPr>
                           <m:ctrlPr>
                             <a:rPr lang="pt-BR" sz="4000" b="0" i="1" smtClean="0">
-                              <a:latin typeface="Cambria Math"/>
+                              <a:latin typeface="Cambria Math" panose="02040503050406030204" pitchFamily="18" charset="0"/>
                             </a:rPr>
                           </m:ctrlPr>
                         </m:sSubSupPr>
@@ -25168,6 +25151,350 @@
     <p:extLst>
       <p:ext uri="{BB962C8B-B14F-4D97-AF65-F5344CB8AC3E}">
         <p14:creationId xmlns:p14="http://schemas.microsoft.com/office/powerpoint/2010/main" val="3988476171"/>
+      </p:ext>
+    </p:extLst>
+  </p:cSld>
+  <p:clrMapOvr>
+    <a:masterClrMapping/>
+  </p:clrMapOvr>
+</p:sld>
+</file>
+
+<file path=ppt/slides/slide9.xml><?xml version="1.0" encoding="utf-8"?>
+<p:sld xmlns:a="http://schemas.openxmlformats.org/drawingml/2006/main" xmlns:r="http://schemas.openxmlformats.org/officeDocument/2006/relationships" xmlns:p="http://schemas.openxmlformats.org/presentationml/2006/main">
+  <p:cSld>
+    <p:spTree>
+      <p:nvGrpSpPr>
+        <p:cNvPr id="1" name=""/>
+        <p:cNvGrpSpPr/>
+        <p:nvPr/>
+      </p:nvGrpSpPr>
+      <p:grpSpPr>
+        <a:xfrm>
+          <a:off x="0" y="0"/>
+          <a:ext cx="0" cy="0"/>
+          <a:chOff x="0" y="0"/>
+          <a:chExt cx="0" cy="0"/>
+        </a:xfrm>
+      </p:grpSpPr>
+      <p:pic>
+        <p:nvPicPr>
+          <p:cNvPr id="4" name="Imagem 3"/>
+          <p:cNvPicPr>
+            <a:picLocks noChangeAspect="1"/>
+          </p:cNvPicPr>
+          <p:nvPr/>
+        </p:nvPicPr>
+        <p:blipFill>
+          <a:blip r:embed="rId2"/>
+          <a:stretch>
+            <a:fillRect/>
+          </a:stretch>
+        </p:blipFill>
+        <p:spPr>
+          <a:xfrm>
+            <a:off x="188069" y="1477514"/>
+            <a:ext cx="3552381" cy="3685714"/>
+          </a:xfrm>
+          <a:prstGeom prst="rect">
+            <a:avLst/>
+          </a:prstGeom>
+        </p:spPr>
+      </p:pic>
+      <p:pic>
+        <p:nvPicPr>
+          <p:cNvPr id="5" name="Imagem 4"/>
+          <p:cNvPicPr>
+            <a:picLocks noChangeAspect="1"/>
+          </p:cNvPicPr>
+          <p:nvPr/>
+        </p:nvPicPr>
+        <p:blipFill>
+          <a:blip r:embed="rId3"/>
+          <a:stretch>
+            <a:fillRect/>
+          </a:stretch>
+        </p:blipFill>
+        <p:spPr>
+          <a:xfrm>
+            <a:off x="4409318" y="1553704"/>
+            <a:ext cx="4504762" cy="3609524"/>
+          </a:xfrm>
+          <a:prstGeom prst="rect">
+            <a:avLst/>
+          </a:prstGeom>
+        </p:spPr>
+      </p:pic>
+      <p:sp>
+        <p:nvSpPr>
+          <p:cNvPr id="6" name="Retângulo 5"/>
+          <p:cNvSpPr/>
+          <p:nvPr/>
+        </p:nvSpPr>
+        <p:spPr>
+          <a:xfrm>
+            <a:off x="3359456" y="1560743"/>
+            <a:ext cx="1219200" cy="3519257"/>
+          </a:xfrm>
+          <a:prstGeom prst="rect">
+            <a:avLst/>
+          </a:prstGeom>
+          <a:solidFill>
+            <a:schemeClr val="bg1"/>
+          </a:solidFill>
+          <a:ln w="34925">
+            <a:solidFill>
+              <a:schemeClr val="tx1"/>
+            </a:solidFill>
+          </a:ln>
+        </p:spPr>
+        <p:style>
+          <a:lnRef idx="2">
+            <a:schemeClr val="accent1">
+              <a:shade val="50000"/>
+            </a:schemeClr>
+          </a:lnRef>
+          <a:fillRef idx="1">
+            <a:schemeClr val="accent1"/>
+          </a:fillRef>
+          <a:effectRef idx="0">
+            <a:schemeClr val="accent1"/>
+          </a:effectRef>
+          <a:fontRef idx="minor">
+            <a:schemeClr val="lt1"/>
+          </a:fontRef>
+        </p:style>
+        <p:txBody>
+          <a:bodyPr rtlCol="0" anchor="ctr"/>
+          <a:lstStyle/>
+          <a:p>
+            <a:pPr algn="ctr"/>
+            <a:r>
+              <a:rPr lang="pt-BR" sz="2400" dirty="0">
+                <a:solidFill>
+                  <a:schemeClr val="tx1"/>
+                </a:solidFill>
+              </a:rPr>
+              <a:t>Driver DC - DC</a:t>
+            </a:r>
+          </a:p>
+        </p:txBody>
+      </p:sp>
+      <p:sp>
+        <p:nvSpPr>
+          <p:cNvPr id="7" name="Elipse 6"/>
+          <p:cNvSpPr/>
+          <p:nvPr/>
+        </p:nvSpPr>
+        <p:spPr>
+          <a:xfrm>
+            <a:off x="8796862" y="2553798"/>
+            <a:ext cx="1440000" cy="1440000"/>
+          </a:xfrm>
+          <a:prstGeom prst="ellipse">
+            <a:avLst/>
+          </a:prstGeom>
+          <a:solidFill>
+            <a:schemeClr val="bg1"/>
+          </a:solidFill>
+          <a:ln w="34925">
+            <a:solidFill>
+              <a:schemeClr val="tx1"/>
+            </a:solidFill>
+          </a:ln>
+        </p:spPr>
+        <p:style>
+          <a:lnRef idx="2">
+            <a:schemeClr val="accent1">
+              <a:shade val="50000"/>
+            </a:schemeClr>
+          </a:lnRef>
+          <a:fillRef idx="1">
+            <a:schemeClr val="accent1"/>
+          </a:fillRef>
+          <a:effectRef idx="0">
+            <a:schemeClr val="accent1"/>
+          </a:effectRef>
+          <a:fontRef idx="minor">
+            <a:schemeClr val="lt1"/>
+          </a:fontRef>
+        </p:style>
+        <p:txBody>
+          <a:bodyPr rtlCol="0" anchor="ctr"/>
+          <a:lstStyle/>
+          <a:p>
+            <a:pPr algn="ctr"/>
+            <a:r>
+              <a:rPr lang="pt-BR" sz="2500" dirty="0">
+                <a:solidFill>
+                  <a:schemeClr val="tx1"/>
+                </a:solidFill>
+              </a:rPr>
+              <a:t>Motor</a:t>
+            </a:r>
+          </a:p>
+        </p:txBody>
+      </p:sp>
+      <p:sp>
+        <p:nvSpPr>
+          <p:cNvPr id="8" name="Retângulo 7"/>
+          <p:cNvSpPr/>
+          <p:nvPr/>
+        </p:nvSpPr>
+        <p:spPr>
+          <a:xfrm>
+            <a:off x="745067" y="1168400"/>
+            <a:ext cx="1945522" cy="4072467"/>
+          </a:xfrm>
+          <a:prstGeom prst="rect">
+            <a:avLst/>
+          </a:prstGeom>
+          <a:noFill/>
+          <a:ln w="47625">
+            <a:solidFill>
+              <a:schemeClr val="tx1"/>
+            </a:solidFill>
+            <a:prstDash val="dash"/>
+          </a:ln>
+        </p:spPr>
+        <p:style>
+          <a:lnRef idx="2">
+            <a:schemeClr val="accent1">
+              <a:shade val="50000"/>
+            </a:schemeClr>
+          </a:lnRef>
+          <a:fillRef idx="1">
+            <a:schemeClr val="accent1"/>
+          </a:fillRef>
+          <a:effectRef idx="0">
+            <a:schemeClr val="accent1"/>
+          </a:effectRef>
+          <a:fontRef idx="minor">
+            <a:schemeClr val="lt1"/>
+          </a:fontRef>
+        </p:style>
+        <p:txBody>
+          <a:bodyPr rtlCol="0" anchor="ctr"/>
+          <a:lstStyle/>
+          <a:p>
+            <a:pPr algn="ctr"/>
+            <a:endParaRPr lang="pt-BR"/>
+          </a:p>
+        </p:txBody>
+      </p:sp>
+      <p:sp>
+        <p:nvSpPr>
+          <p:cNvPr id="9" name="Retângulo 8"/>
+          <p:cNvSpPr/>
+          <p:nvPr/>
+        </p:nvSpPr>
+        <p:spPr>
+          <a:xfrm>
+            <a:off x="5247523" y="1168400"/>
+            <a:ext cx="3075210" cy="4072467"/>
+          </a:xfrm>
+          <a:prstGeom prst="rect">
+            <a:avLst/>
+          </a:prstGeom>
+          <a:noFill/>
+          <a:ln w="47625">
+            <a:solidFill>
+              <a:schemeClr val="tx1"/>
+            </a:solidFill>
+            <a:prstDash val="dash"/>
+          </a:ln>
+        </p:spPr>
+        <p:style>
+          <a:lnRef idx="2">
+            <a:schemeClr val="accent1">
+              <a:shade val="50000"/>
+            </a:schemeClr>
+          </a:lnRef>
+          <a:fillRef idx="1">
+            <a:schemeClr val="accent1"/>
+          </a:fillRef>
+          <a:effectRef idx="0">
+            <a:schemeClr val="accent1"/>
+          </a:effectRef>
+          <a:fontRef idx="minor">
+            <a:schemeClr val="lt1"/>
+          </a:fontRef>
+        </p:style>
+        <p:txBody>
+          <a:bodyPr rtlCol="0" anchor="ctr"/>
+          <a:lstStyle/>
+          <a:p>
+            <a:pPr algn="ctr"/>
+            <a:endParaRPr lang="pt-BR"/>
+          </a:p>
+        </p:txBody>
+      </p:sp>
+      <p:sp>
+        <p:nvSpPr>
+          <p:cNvPr id="10" name="CaixaDeTexto 9"/>
+          <p:cNvSpPr txBox="1"/>
+          <p:nvPr/>
+        </p:nvSpPr>
+        <p:spPr>
+          <a:xfrm>
+            <a:off x="834381" y="5288371"/>
+            <a:ext cx="1766894" cy="523220"/>
+          </a:xfrm>
+          <a:prstGeom prst="rect">
+            <a:avLst/>
+          </a:prstGeom>
+          <a:noFill/>
+        </p:spPr>
+        <p:txBody>
+          <a:bodyPr wrap="none" rtlCol="0">
+            <a:spAutoFit/>
+          </a:bodyPr>
+          <a:lstStyle/>
+          <a:p>
+            <a:pPr algn="ctr"/>
+            <a:r>
+              <a:rPr lang="pt-BR" sz="2800" dirty="0"/>
+              <a:t>Retificador</a:t>
+            </a:r>
+            <a:endParaRPr lang="pt-BR" dirty="0"/>
+          </a:p>
+        </p:txBody>
+      </p:sp>
+      <p:sp>
+        <p:nvSpPr>
+          <p:cNvPr id="11" name="CaixaDeTexto 10"/>
+          <p:cNvSpPr txBox="1"/>
+          <p:nvPr/>
+        </p:nvSpPr>
+        <p:spPr>
+          <a:xfrm>
+            <a:off x="6101094" y="5288371"/>
+            <a:ext cx="1368067" cy="523220"/>
+          </a:xfrm>
+          <a:prstGeom prst="rect">
+            <a:avLst/>
+          </a:prstGeom>
+          <a:noFill/>
+        </p:spPr>
+        <p:txBody>
+          <a:bodyPr wrap="none" rtlCol="0">
+            <a:spAutoFit/>
+          </a:bodyPr>
+          <a:lstStyle/>
+          <a:p>
+            <a:pPr algn="ctr"/>
+            <a:r>
+              <a:rPr lang="pt-BR" sz="2800" dirty="0"/>
+              <a:t>Inversor</a:t>
+            </a:r>
+            <a:endParaRPr lang="pt-BR" dirty="0"/>
+          </a:p>
+        </p:txBody>
+      </p:sp>
+    </p:spTree>
+    <p:extLst>
+      <p:ext uri="{BB962C8B-B14F-4D97-AF65-F5344CB8AC3E}">
+        <p14:creationId xmlns:p14="http://schemas.microsoft.com/office/powerpoint/2010/main" val="430153441"/>
       </p:ext>
     </p:extLst>
   </p:cSld>
@@ -25751,7 +26078,7 @@
   <a:extraClrSchemeLst/>
   <a:extLst>
     <a:ext uri="{05A4C25C-085E-4340-85A3-A5531E510DB2}">
-      <thm15:themeFamily xmlns:thm15="http://schemas.microsoft.com/office/thememl/2012/main" xmlns="" name="Office Theme" id="{62F939B6-93AF-4DB8-9C6B-D6C7DFDC589F}" vid="{4A3C46E8-61CC-4603-A589-7422A47A8E4A}"/>
+      <thm15:themeFamily xmlns:thm15="http://schemas.microsoft.com/office/thememl/2012/main" name="Office Theme" id="{62F939B6-93AF-4DB8-9C6B-D6C7DFDC589F}" vid="{4A3C46E8-61CC-4603-A589-7422A47A8E4A}"/>
     </a:ext>
   </a:extLst>
 </a:theme>

--- a/Tranqueiras de ppt/desenhos_filtro_complexo.pptx
+++ b/Tranqueiras de ppt/desenhos_filtro_complexo.pptx
@@ -5,7 +5,7 @@
     <p:sldMasterId id="2147483648" r:id="rId1"/>
   </p:sldMasterIdLst>
   <p:notesMasterIdLst>
-    <p:notesMasterId r:id="rId11"/>
+    <p:notesMasterId r:id="rId12"/>
   </p:notesMasterIdLst>
   <p:sldIdLst>
     <p:sldId id="256" r:id="rId2"/>
@@ -17,6 +17,7 @@
     <p:sldId id="262" r:id="rId8"/>
     <p:sldId id="263" r:id="rId9"/>
     <p:sldId id="264" r:id="rId10"/>
+    <p:sldId id="265" r:id="rId11"/>
   </p:sldIdLst>
   <p:sldSz cx="9144000" cy="6858000" type="screen4x3"/>
   <p:notesSz cx="6858000" cy="9144000"/>
@@ -216,7 +217,7 @@
           <a:p>
             <a:fld id="{1E5FABBD-B2CF-41BB-8AF0-22312F906C8C}" type="datetimeFigureOut">
               <a:rPr lang="pt-BR" smtClean="0"/>
-              <a:t>18/10/2016</a:t>
+              <a:t>03/11/2016</a:t>
             </a:fld>
             <a:endParaRPr lang="pt-BR"/>
           </a:p>
@@ -746,7 +747,7 @@
           <a:p>
             <a:fld id="{9F140449-45B3-4C4C-B502-456914857DA8}" type="datetimeFigureOut">
               <a:rPr lang="pt-BR" smtClean="0"/>
-              <a:t>18/10/2016</a:t>
+              <a:t>03/11/2016</a:t>
             </a:fld>
             <a:endParaRPr lang="pt-BR"/>
           </a:p>
@@ -914,7 +915,7 @@
           <a:p>
             <a:fld id="{9F140449-45B3-4C4C-B502-456914857DA8}" type="datetimeFigureOut">
               <a:rPr lang="pt-BR" smtClean="0"/>
-              <a:t>18/10/2016</a:t>
+              <a:t>03/11/2016</a:t>
             </a:fld>
             <a:endParaRPr lang="pt-BR"/>
           </a:p>
@@ -1092,7 +1093,7 @@
           <a:p>
             <a:fld id="{9F140449-45B3-4C4C-B502-456914857DA8}" type="datetimeFigureOut">
               <a:rPr lang="pt-BR" smtClean="0"/>
-              <a:t>18/10/2016</a:t>
+              <a:t>03/11/2016</a:t>
             </a:fld>
             <a:endParaRPr lang="pt-BR"/>
           </a:p>
@@ -1260,7 +1261,7 @@
           <a:p>
             <a:fld id="{9F140449-45B3-4C4C-B502-456914857DA8}" type="datetimeFigureOut">
               <a:rPr lang="pt-BR" smtClean="0"/>
-              <a:t>18/10/2016</a:t>
+              <a:t>03/11/2016</a:t>
             </a:fld>
             <a:endParaRPr lang="pt-BR"/>
           </a:p>
@@ -1505,7 +1506,7 @@
           <a:p>
             <a:fld id="{9F140449-45B3-4C4C-B502-456914857DA8}" type="datetimeFigureOut">
               <a:rPr lang="pt-BR" smtClean="0"/>
-              <a:t>18/10/2016</a:t>
+              <a:t>03/11/2016</a:t>
             </a:fld>
             <a:endParaRPr lang="pt-BR"/>
           </a:p>
@@ -1790,7 +1791,7 @@
           <a:p>
             <a:fld id="{9F140449-45B3-4C4C-B502-456914857DA8}" type="datetimeFigureOut">
               <a:rPr lang="pt-BR" smtClean="0"/>
-              <a:t>18/10/2016</a:t>
+              <a:t>03/11/2016</a:t>
             </a:fld>
             <a:endParaRPr lang="pt-BR"/>
           </a:p>
@@ -2209,7 +2210,7 @@
           <a:p>
             <a:fld id="{9F140449-45B3-4C4C-B502-456914857DA8}" type="datetimeFigureOut">
               <a:rPr lang="pt-BR" smtClean="0"/>
-              <a:t>18/10/2016</a:t>
+              <a:t>03/11/2016</a:t>
             </a:fld>
             <a:endParaRPr lang="pt-BR"/>
           </a:p>
@@ -2326,7 +2327,7 @@
           <a:p>
             <a:fld id="{9F140449-45B3-4C4C-B502-456914857DA8}" type="datetimeFigureOut">
               <a:rPr lang="pt-BR" smtClean="0"/>
-              <a:t>18/10/2016</a:t>
+              <a:t>03/11/2016</a:t>
             </a:fld>
             <a:endParaRPr lang="pt-BR"/>
           </a:p>
@@ -2421,7 +2422,7 @@
           <a:p>
             <a:fld id="{9F140449-45B3-4C4C-B502-456914857DA8}" type="datetimeFigureOut">
               <a:rPr lang="pt-BR" smtClean="0"/>
-              <a:t>18/10/2016</a:t>
+              <a:t>03/11/2016</a:t>
             </a:fld>
             <a:endParaRPr lang="pt-BR"/>
           </a:p>
@@ -2696,7 +2697,7 @@
           <a:p>
             <a:fld id="{9F140449-45B3-4C4C-B502-456914857DA8}" type="datetimeFigureOut">
               <a:rPr lang="pt-BR" smtClean="0"/>
-              <a:t>18/10/2016</a:t>
+              <a:t>03/11/2016</a:t>
             </a:fld>
             <a:endParaRPr lang="pt-BR"/>
           </a:p>
@@ -2948,7 +2949,7 @@
           <a:p>
             <a:fld id="{9F140449-45B3-4C4C-B502-456914857DA8}" type="datetimeFigureOut">
               <a:rPr lang="pt-BR" smtClean="0"/>
-              <a:t>18/10/2016</a:t>
+              <a:t>03/11/2016</a:t>
             </a:fld>
             <a:endParaRPr lang="pt-BR"/>
           </a:p>
@@ -3159,7 +3160,7 @@
           <a:p>
             <a:fld id="{9F140449-45B3-4C4C-B502-456914857DA8}" type="datetimeFigureOut">
               <a:rPr lang="pt-BR" smtClean="0"/>
-              <a:t>18/10/2016</a:t>
+              <a:t>03/11/2016</a:t>
             </a:fld>
             <a:endParaRPr lang="pt-BR"/>
           </a:p>
@@ -7551,6 +7552,7413 @@
     <p:extLst>
       <p:ext uri="{BB962C8B-B14F-4D97-AF65-F5344CB8AC3E}">
         <p14:creationId xmlns:p14="http://schemas.microsoft.com/office/powerpoint/2010/main" val="3955199730"/>
+      </p:ext>
+    </p:extLst>
+  </p:cSld>
+  <p:clrMapOvr>
+    <a:masterClrMapping/>
+  </p:clrMapOvr>
+</p:sld>
+</file>
+
+<file path=ppt/slides/slide10.xml><?xml version="1.0" encoding="utf-8"?>
+<p:sld xmlns:a="http://schemas.openxmlformats.org/drawingml/2006/main" xmlns:r="http://schemas.openxmlformats.org/officeDocument/2006/relationships" xmlns:p="http://schemas.openxmlformats.org/presentationml/2006/main">
+  <p:cSld>
+    <p:spTree>
+      <p:nvGrpSpPr>
+        <p:cNvPr id="1" name=""/>
+        <p:cNvGrpSpPr/>
+        <p:nvPr/>
+      </p:nvGrpSpPr>
+      <p:grpSpPr>
+        <a:xfrm>
+          <a:off x="0" y="0"/>
+          <a:ext cx="0" cy="0"/>
+          <a:chOff x="0" y="0"/>
+          <a:chExt cx="0" cy="0"/>
+        </a:xfrm>
+      </p:grpSpPr>
+      <p:pic>
+        <p:nvPicPr>
+          <p:cNvPr id="100" name="Picture 3" descr="C:\Users\jpsoliv\Downloads\schemeit-project (6).png"/>
+          <p:cNvPicPr>
+            <a:picLocks noChangeAspect="1" noChangeArrowheads="1"/>
+          </p:cNvPicPr>
+          <p:nvPr/>
+        </p:nvPicPr>
+        <p:blipFill>
+          <a:blip r:embed="rId2">
+            <a:extLst>
+              <a:ext uri="{28A0092B-C50C-407E-A947-70E740481C1C}">
+                <a14:useLocalDpi xmlns:a14="http://schemas.microsoft.com/office/drawing/2010/main" val="0"/>
+              </a:ext>
+            </a:extLst>
+          </a:blip>
+          <a:srcRect/>
+          <a:stretch>
+            <a:fillRect/>
+          </a:stretch>
+        </p:blipFill>
+        <p:spPr bwMode="auto">
+          <a:xfrm>
+            <a:off x="6669282" y="-960676"/>
+            <a:ext cx="5457506" cy="3161277"/>
+          </a:xfrm>
+          <a:prstGeom prst="rect">
+            <a:avLst/>
+          </a:prstGeom>
+          <a:noFill/>
+          <a:extLst>
+            <a:ext uri="{909E8E84-426E-40DD-AFC4-6F175D3DCCD1}">
+              <a14:hiddenFill xmlns:a14="http://schemas.microsoft.com/office/drawing/2010/main">
+                <a:solidFill>
+                  <a:srgbClr val="FFFFFF"/>
+                </a:solidFill>
+              </a14:hiddenFill>
+            </a:ext>
+          </a:extLst>
+        </p:spPr>
+      </p:pic>
+      <p:pic>
+        <p:nvPicPr>
+          <p:cNvPr id="2" name="Imagem 1"/>
+          <p:cNvPicPr>
+            <a:picLocks noChangeAspect="1"/>
+          </p:cNvPicPr>
+          <p:nvPr/>
+        </p:nvPicPr>
+        <p:blipFill rotWithShape="1">
+          <a:blip r:embed="rId3">
+            <a:extLst>
+              <a:ext uri="{28A0092B-C50C-407E-A947-70E740481C1C}">
+                <a14:useLocalDpi xmlns:a14="http://schemas.microsoft.com/office/drawing/2010/main" val="0"/>
+              </a:ext>
+            </a:extLst>
+          </a:blip>
+          <a:srcRect l="5044"/>
+          <a:stretch/>
+        </p:blipFill>
+        <p:spPr>
+          <a:xfrm>
+            <a:off x="-3330055" y="622300"/>
+            <a:ext cx="7390155" cy="6858000"/>
+          </a:xfrm>
+          <a:prstGeom prst="rect">
+            <a:avLst/>
+          </a:prstGeom>
+        </p:spPr>
+      </p:pic>
+      <p:sp>
+        <p:nvSpPr>
+          <p:cNvPr id="6" name="Retângulo 5"/>
+          <p:cNvSpPr/>
+          <p:nvPr/>
+        </p:nvSpPr>
+        <p:spPr>
+          <a:xfrm>
+            <a:off x="3882930" y="5374017"/>
+            <a:ext cx="2732695" cy="2283233"/>
+          </a:xfrm>
+          <a:prstGeom prst="rect">
+            <a:avLst/>
+          </a:prstGeom>
+          <a:noFill/>
+          <a:ln w="38100">
+            <a:solidFill>
+              <a:schemeClr val="tx1"/>
+            </a:solidFill>
+          </a:ln>
+        </p:spPr>
+        <p:style>
+          <a:lnRef idx="2">
+            <a:schemeClr val="accent1">
+              <a:shade val="50000"/>
+            </a:schemeClr>
+          </a:lnRef>
+          <a:fillRef idx="1">
+            <a:schemeClr val="accent1"/>
+          </a:fillRef>
+          <a:effectRef idx="0">
+            <a:schemeClr val="accent1"/>
+          </a:effectRef>
+          <a:fontRef idx="minor">
+            <a:schemeClr val="lt1"/>
+          </a:fontRef>
+        </p:style>
+        <p:txBody>
+          <a:bodyPr rtlCol="0" anchor="ctr"/>
+          <a:lstStyle/>
+          <a:p>
+            <a:pPr algn="ctr"/>
+            <a:endParaRPr lang="pt-BR">
+              <a:noFill/>
+            </a:endParaRPr>
+          </a:p>
+        </p:txBody>
+      </p:sp>
+      <p:sp>
+        <p:nvSpPr>
+          <p:cNvPr id="7" name="Retângulo 6"/>
+          <p:cNvSpPr/>
+          <p:nvPr/>
+        </p:nvSpPr>
+        <p:spPr>
+          <a:xfrm>
+            <a:off x="7485735" y="5642626"/>
+            <a:ext cx="2808603" cy="1837674"/>
+          </a:xfrm>
+          <a:prstGeom prst="rect">
+            <a:avLst/>
+          </a:prstGeom>
+          <a:noFill/>
+          <a:ln w="38100">
+            <a:solidFill>
+              <a:schemeClr val="tx1"/>
+            </a:solidFill>
+          </a:ln>
+        </p:spPr>
+        <p:style>
+          <a:lnRef idx="2">
+            <a:schemeClr val="accent1">
+              <a:shade val="50000"/>
+            </a:schemeClr>
+          </a:lnRef>
+          <a:fillRef idx="1">
+            <a:schemeClr val="accent1"/>
+          </a:fillRef>
+          <a:effectRef idx="0">
+            <a:schemeClr val="accent1"/>
+          </a:effectRef>
+          <a:fontRef idx="minor">
+            <a:schemeClr val="lt1"/>
+          </a:fontRef>
+        </p:style>
+        <p:txBody>
+          <a:bodyPr rtlCol="0" anchor="ctr"/>
+          <a:lstStyle/>
+          <a:p>
+            <a:pPr algn="ctr"/>
+            <a:endParaRPr lang="pt-BR">
+              <a:noFill/>
+            </a:endParaRPr>
+          </a:p>
+        </p:txBody>
+      </p:sp>
+      <p:sp>
+        <p:nvSpPr>
+          <p:cNvPr id="8" name="Retângulo 7"/>
+          <p:cNvSpPr/>
+          <p:nvPr/>
+        </p:nvSpPr>
+        <p:spPr>
+          <a:xfrm>
+            <a:off x="15410193" y="5693838"/>
+            <a:ext cx="3453824" cy="1660171"/>
+          </a:xfrm>
+          <a:prstGeom prst="rect">
+            <a:avLst/>
+          </a:prstGeom>
+          <a:noFill/>
+          <a:ln w="38100">
+            <a:solidFill>
+              <a:schemeClr val="tx1"/>
+            </a:solidFill>
+          </a:ln>
+        </p:spPr>
+        <p:style>
+          <a:lnRef idx="2">
+            <a:schemeClr val="accent1">
+              <a:shade val="50000"/>
+            </a:schemeClr>
+          </a:lnRef>
+          <a:fillRef idx="1">
+            <a:schemeClr val="accent1"/>
+          </a:fillRef>
+          <a:effectRef idx="0">
+            <a:schemeClr val="accent1"/>
+          </a:effectRef>
+          <a:fontRef idx="minor">
+            <a:schemeClr val="lt1"/>
+          </a:fontRef>
+        </p:style>
+        <p:txBody>
+          <a:bodyPr rtlCol="0" anchor="ctr"/>
+          <a:lstStyle/>
+          <a:p>
+            <a:pPr algn="ctr"/>
+            <a:endParaRPr lang="pt-BR">
+              <a:noFill/>
+            </a:endParaRPr>
+          </a:p>
+        </p:txBody>
+      </p:sp>
+      <p:sp>
+        <p:nvSpPr>
+          <p:cNvPr id="9" name="Retângulo 8"/>
+          <p:cNvSpPr/>
+          <p:nvPr/>
+        </p:nvSpPr>
+        <p:spPr>
+          <a:xfrm>
+            <a:off x="15578484" y="2551631"/>
+            <a:ext cx="3036328" cy="1290439"/>
+          </a:xfrm>
+          <a:prstGeom prst="rect">
+            <a:avLst/>
+          </a:prstGeom>
+          <a:noFill/>
+          <a:ln w="38100">
+            <a:solidFill>
+              <a:schemeClr val="tx1"/>
+            </a:solidFill>
+          </a:ln>
+        </p:spPr>
+        <p:style>
+          <a:lnRef idx="2">
+            <a:schemeClr val="accent1">
+              <a:shade val="50000"/>
+            </a:schemeClr>
+          </a:lnRef>
+          <a:fillRef idx="1">
+            <a:schemeClr val="accent1"/>
+          </a:fillRef>
+          <a:effectRef idx="0">
+            <a:schemeClr val="accent1"/>
+          </a:effectRef>
+          <a:fontRef idx="minor">
+            <a:schemeClr val="lt1"/>
+          </a:fontRef>
+        </p:style>
+        <p:txBody>
+          <a:bodyPr rtlCol="0" anchor="ctr"/>
+          <a:lstStyle/>
+          <a:p>
+            <a:pPr algn="ctr"/>
+            <a:endParaRPr lang="pt-BR">
+              <a:noFill/>
+            </a:endParaRPr>
+          </a:p>
+        </p:txBody>
+      </p:sp>
+      <p:pic>
+        <p:nvPicPr>
+          <p:cNvPr id="16" name="Picture 2"/>
+          <p:cNvPicPr>
+            <a:picLocks noChangeAspect="1" noChangeArrowheads="1"/>
+          </p:cNvPicPr>
+          <p:nvPr/>
+        </p:nvPicPr>
+        <p:blipFill>
+          <a:blip r:embed="rId4" cstate="print">
+            <a:extLst>
+              <a:ext uri="{28A0092B-C50C-407E-A947-70E740481C1C}">
+                <a14:useLocalDpi xmlns:a14="http://schemas.microsoft.com/office/drawing/2010/main" val="0"/>
+              </a:ext>
+            </a:extLst>
+          </a:blip>
+          <a:srcRect/>
+          <a:stretch>
+            <a:fillRect/>
+          </a:stretch>
+        </p:blipFill>
+        <p:spPr bwMode="auto">
+          <a:xfrm>
+            <a:off x="7585944" y="6060722"/>
+            <a:ext cx="2601358" cy="864000"/>
+          </a:xfrm>
+          <a:prstGeom prst="rect">
+            <a:avLst/>
+          </a:prstGeom>
+          <a:noFill/>
+          <a:ln>
+            <a:noFill/>
+          </a:ln>
+          <a:effectLst/>
+          <a:extLst>
+            <a:ext uri="{909E8E84-426E-40DD-AFC4-6F175D3DCCD1}">
+              <a14:hiddenFill xmlns:a14="http://schemas.microsoft.com/office/drawing/2010/main">
+                <a:solidFill>
+                  <a:schemeClr val="accent1"/>
+                </a:solidFill>
+              </a14:hiddenFill>
+            </a:ext>
+            <a:ext uri="{91240B29-F687-4F45-9708-019B960494DF}">
+              <a14:hiddenLine xmlns:a14="http://schemas.microsoft.com/office/drawing/2010/main" w="9525">
+                <a:solidFill>
+                  <a:schemeClr val="tx1"/>
+                </a:solidFill>
+                <a:miter lim="800000"/>
+                <a:headEnd/>
+                <a:tailEnd/>
+              </a14:hiddenLine>
+            </a:ext>
+            <a:ext uri="{AF507438-7753-43E0-B8FC-AC1667EBCBE1}">
+              <a14:hiddenEffects xmlns:a14="http://schemas.microsoft.com/office/drawing/2010/main">
+                <a:effectLst>
+                  <a:outerShdw dist="35921" dir="2700000" algn="ctr" rotWithShape="0">
+                    <a:schemeClr val="bg2"/>
+                  </a:outerShdw>
+                </a:effectLst>
+              </a14:hiddenEffects>
+            </a:ext>
+          </a:extLst>
+        </p:spPr>
+      </p:pic>
+      <p:pic>
+        <p:nvPicPr>
+          <p:cNvPr id="17" name="Picture 5"/>
+          <p:cNvPicPr>
+            <a:picLocks noChangeAspect="1" noChangeArrowheads="1"/>
+          </p:cNvPicPr>
+          <p:nvPr/>
+        </p:nvPicPr>
+        <p:blipFill>
+          <a:blip r:embed="rId5" cstate="print">
+            <a:extLst>
+              <a:ext uri="{28A0092B-C50C-407E-A947-70E740481C1C}">
+                <a14:useLocalDpi xmlns:a14="http://schemas.microsoft.com/office/drawing/2010/main" val="0"/>
+              </a:ext>
+            </a:extLst>
+          </a:blip>
+          <a:srcRect/>
+          <a:stretch>
+            <a:fillRect/>
+          </a:stretch>
+        </p:blipFill>
+        <p:spPr bwMode="auto">
+          <a:xfrm>
+            <a:off x="3959467" y="5573941"/>
+            <a:ext cx="2631059" cy="828000"/>
+          </a:xfrm>
+          <a:prstGeom prst="rect">
+            <a:avLst/>
+          </a:prstGeom>
+          <a:noFill/>
+          <a:ln>
+            <a:noFill/>
+          </a:ln>
+          <a:effectLst/>
+          <a:extLst>
+            <a:ext uri="{909E8E84-426E-40DD-AFC4-6F175D3DCCD1}">
+              <a14:hiddenFill xmlns:a14="http://schemas.microsoft.com/office/drawing/2010/main">
+                <a:solidFill>
+                  <a:schemeClr val="accent1"/>
+                </a:solidFill>
+              </a14:hiddenFill>
+            </a:ext>
+            <a:ext uri="{91240B29-F687-4F45-9708-019B960494DF}">
+              <a14:hiddenLine xmlns:a14="http://schemas.microsoft.com/office/drawing/2010/main" w="9525">
+                <a:solidFill>
+                  <a:schemeClr val="tx1"/>
+                </a:solidFill>
+                <a:miter lim="800000"/>
+                <a:headEnd/>
+                <a:tailEnd/>
+              </a14:hiddenLine>
+            </a:ext>
+            <a:ext uri="{AF507438-7753-43E0-B8FC-AC1667EBCBE1}">
+              <a14:hiddenEffects xmlns:a14="http://schemas.microsoft.com/office/drawing/2010/main">
+                <a:effectLst>
+                  <a:outerShdw dist="35921" dir="2700000" algn="ctr" rotWithShape="0">
+                    <a:schemeClr val="bg2"/>
+                  </a:outerShdw>
+                </a:effectLst>
+              </a14:hiddenEffects>
+            </a:ext>
+          </a:extLst>
+        </p:spPr>
+      </p:pic>
+      <p:pic>
+        <p:nvPicPr>
+          <p:cNvPr id="18" name="Picture 6"/>
+          <p:cNvPicPr>
+            <a:picLocks noChangeAspect="1" noChangeArrowheads="1"/>
+          </p:cNvPicPr>
+          <p:nvPr/>
+        </p:nvPicPr>
+        <p:blipFill>
+          <a:blip r:embed="rId6" cstate="print">
+            <a:extLst>
+              <a:ext uri="{28A0092B-C50C-407E-A947-70E740481C1C}">
+                <a14:useLocalDpi xmlns:a14="http://schemas.microsoft.com/office/drawing/2010/main" val="0"/>
+              </a:ext>
+            </a:extLst>
+          </a:blip>
+          <a:srcRect/>
+          <a:stretch>
+            <a:fillRect/>
+          </a:stretch>
+        </p:blipFill>
+        <p:spPr bwMode="auto">
+          <a:xfrm>
+            <a:off x="3963256" y="6601865"/>
+            <a:ext cx="2628000" cy="854297"/>
+          </a:xfrm>
+          <a:prstGeom prst="rect">
+            <a:avLst/>
+          </a:prstGeom>
+          <a:noFill/>
+          <a:ln>
+            <a:noFill/>
+          </a:ln>
+          <a:effectLst/>
+          <a:extLst>
+            <a:ext uri="{909E8E84-426E-40DD-AFC4-6F175D3DCCD1}">
+              <a14:hiddenFill xmlns:a14="http://schemas.microsoft.com/office/drawing/2010/main">
+                <a:solidFill>
+                  <a:schemeClr val="accent1"/>
+                </a:solidFill>
+              </a14:hiddenFill>
+            </a:ext>
+            <a:ext uri="{91240B29-F687-4F45-9708-019B960494DF}">
+              <a14:hiddenLine xmlns:a14="http://schemas.microsoft.com/office/drawing/2010/main" w="9525">
+                <a:solidFill>
+                  <a:schemeClr val="tx1"/>
+                </a:solidFill>
+                <a:miter lim="800000"/>
+                <a:headEnd/>
+                <a:tailEnd/>
+              </a14:hiddenLine>
+            </a:ext>
+            <a:ext uri="{AF507438-7753-43E0-B8FC-AC1667EBCBE1}">
+              <a14:hiddenEffects xmlns:a14="http://schemas.microsoft.com/office/drawing/2010/main">
+                <a:effectLst>
+                  <a:outerShdw dist="35921" dir="2700000" algn="ctr" rotWithShape="0">
+                    <a:schemeClr val="bg2"/>
+                  </a:outerShdw>
+                </a:effectLst>
+              </a14:hiddenEffects>
+            </a:ext>
+          </a:extLst>
+        </p:spPr>
+      </p:pic>
+      <p:pic>
+        <p:nvPicPr>
+          <p:cNvPr id="19" name="Picture 7"/>
+          <p:cNvPicPr>
+            <a:picLocks noChangeAspect="1" noChangeArrowheads="1"/>
+          </p:cNvPicPr>
+          <p:nvPr/>
+        </p:nvPicPr>
+        <p:blipFill>
+          <a:blip r:embed="rId7" cstate="print">
+            <a:extLst>
+              <a:ext uri="{28A0092B-C50C-407E-A947-70E740481C1C}">
+                <a14:useLocalDpi xmlns:a14="http://schemas.microsoft.com/office/drawing/2010/main" val="0"/>
+              </a:ext>
+            </a:extLst>
+          </a:blip>
+          <a:srcRect/>
+          <a:stretch>
+            <a:fillRect/>
+          </a:stretch>
+        </p:blipFill>
+        <p:spPr bwMode="auto">
+          <a:xfrm>
+            <a:off x="15735642" y="2708500"/>
+            <a:ext cx="2712323" cy="977053"/>
+          </a:xfrm>
+          <a:prstGeom prst="rect">
+            <a:avLst/>
+          </a:prstGeom>
+          <a:noFill/>
+          <a:ln>
+            <a:noFill/>
+          </a:ln>
+          <a:effectLst/>
+          <a:extLst>
+            <a:ext uri="{909E8E84-426E-40DD-AFC4-6F175D3DCCD1}">
+              <a14:hiddenFill xmlns:a14="http://schemas.microsoft.com/office/drawing/2010/main">
+                <a:solidFill>
+                  <a:schemeClr val="accent1"/>
+                </a:solidFill>
+              </a14:hiddenFill>
+            </a:ext>
+            <a:ext uri="{91240B29-F687-4F45-9708-019B960494DF}">
+              <a14:hiddenLine xmlns:a14="http://schemas.microsoft.com/office/drawing/2010/main" w="9525">
+                <a:solidFill>
+                  <a:schemeClr val="tx1"/>
+                </a:solidFill>
+                <a:miter lim="800000"/>
+                <a:headEnd/>
+                <a:tailEnd/>
+              </a14:hiddenLine>
+            </a:ext>
+            <a:ext uri="{AF507438-7753-43E0-B8FC-AC1667EBCBE1}">
+              <a14:hiddenEffects xmlns:a14="http://schemas.microsoft.com/office/drawing/2010/main">
+                <a:effectLst>
+                  <a:outerShdw dist="35921" dir="2700000" algn="ctr" rotWithShape="0">
+                    <a:schemeClr val="bg2"/>
+                  </a:outerShdw>
+                </a:effectLst>
+              </a14:hiddenEffects>
+            </a:ext>
+          </a:extLst>
+        </p:spPr>
+      </p:pic>
+      <p:cxnSp>
+        <p:nvCxnSpPr>
+          <p:cNvPr id="20" name="Conector de seta reta 18"/>
+          <p:cNvCxnSpPr/>
+          <p:nvPr/>
+        </p:nvCxnSpPr>
+        <p:spPr>
+          <a:xfrm>
+            <a:off x="6622533" y="5792385"/>
+            <a:ext cx="828000" cy="0"/>
+          </a:xfrm>
+          <a:prstGeom prst="straightConnector1">
+            <a:avLst/>
+          </a:prstGeom>
+          <a:ln w="38100">
+            <a:solidFill>
+              <a:schemeClr val="tx1"/>
+            </a:solidFill>
+            <a:tailEnd type="arrow"/>
+          </a:ln>
+        </p:spPr>
+        <p:style>
+          <a:lnRef idx="1">
+            <a:schemeClr val="accent1"/>
+          </a:lnRef>
+          <a:fillRef idx="0">
+            <a:schemeClr val="accent1"/>
+          </a:fillRef>
+          <a:effectRef idx="0">
+            <a:schemeClr val="accent1"/>
+          </a:effectRef>
+          <a:fontRef idx="minor">
+            <a:schemeClr val="tx1"/>
+          </a:fontRef>
+        </p:style>
+      </p:cxnSp>
+      <p:cxnSp>
+        <p:nvCxnSpPr>
+          <p:cNvPr id="21" name="Conector de seta reta 19"/>
+          <p:cNvCxnSpPr/>
+          <p:nvPr/>
+        </p:nvCxnSpPr>
+        <p:spPr>
+          <a:xfrm>
+            <a:off x="6628031" y="6232757"/>
+            <a:ext cx="828000" cy="0"/>
+          </a:xfrm>
+          <a:prstGeom prst="straightConnector1">
+            <a:avLst/>
+          </a:prstGeom>
+          <a:ln w="38100">
+            <a:solidFill>
+              <a:schemeClr val="tx1"/>
+            </a:solidFill>
+            <a:tailEnd type="arrow"/>
+          </a:ln>
+        </p:spPr>
+        <p:style>
+          <a:lnRef idx="1">
+            <a:schemeClr val="accent1"/>
+          </a:lnRef>
+          <a:fillRef idx="0">
+            <a:schemeClr val="accent1"/>
+          </a:fillRef>
+          <a:effectRef idx="0">
+            <a:schemeClr val="accent1"/>
+          </a:effectRef>
+          <a:fontRef idx="minor">
+            <a:schemeClr val="tx1"/>
+          </a:fontRef>
+        </p:style>
+      </p:cxnSp>
+      <p:cxnSp>
+        <p:nvCxnSpPr>
+          <p:cNvPr id="22" name="Conector de seta reta 20"/>
+          <p:cNvCxnSpPr/>
+          <p:nvPr/>
+        </p:nvCxnSpPr>
+        <p:spPr>
+          <a:xfrm>
+            <a:off x="6622533" y="6649318"/>
+            <a:ext cx="828000" cy="0"/>
+          </a:xfrm>
+          <a:prstGeom prst="straightConnector1">
+            <a:avLst/>
+          </a:prstGeom>
+          <a:ln w="38100">
+            <a:solidFill>
+              <a:schemeClr val="tx1"/>
+            </a:solidFill>
+            <a:tailEnd type="arrow"/>
+          </a:ln>
+        </p:spPr>
+        <p:style>
+          <a:lnRef idx="1">
+            <a:schemeClr val="accent1"/>
+          </a:lnRef>
+          <a:fillRef idx="0">
+            <a:schemeClr val="accent1"/>
+          </a:fillRef>
+          <a:effectRef idx="0">
+            <a:schemeClr val="accent1"/>
+          </a:effectRef>
+          <a:fontRef idx="minor">
+            <a:schemeClr val="tx1"/>
+          </a:fontRef>
+        </p:style>
+      </p:cxnSp>
+      <p:cxnSp>
+        <p:nvCxnSpPr>
+          <p:cNvPr id="23" name="Conector de seta reta 21"/>
+          <p:cNvCxnSpPr/>
+          <p:nvPr/>
+        </p:nvCxnSpPr>
+        <p:spPr>
+          <a:xfrm>
+            <a:off x="6622533" y="7082824"/>
+            <a:ext cx="828000" cy="0"/>
+          </a:xfrm>
+          <a:prstGeom prst="straightConnector1">
+            <a:avLst/>
+          </a:prstGeom>
+          <a:ln w="38100">
+            <a:solidFill>
+              <a:schemeClr val="tx1"/>
+            </a:solidFill>
+            <a:tailEnd type="arrow"/>
+          </a:ln>
+        </p:spPr>
+        <p:style>
+          <a:lnRef idx="1">
+            <a:schemeClr val="accent1"/>
+          </a:lnRef>
+          <a:fillRef idx="0">
+            <a:schemeClr val="accent1"/>
+          </a:fillRef>
+          <a:effectRef idx="0">
+            <a:schemeClr val="accent1"/>
+          </a:effectRef>
+          <a:fontRef idx="minor">
+            <a:schemeClr val="tx1"/>
+          </a:fontRef>
+        </p:style>
+      </p:cxnSp>
+      <p:cxnSp>
+        <p:nvCxnSpPr>
+          <p:cNvPr id="24" name="Conector de seta reta 22"/>
+          <p:cNvCxnSpPr>
+            <a:endCxn id="61" idx="1"/>
+          </p:cNvCxnSpPr>
+          <p:nvPr/>
+        </p:nvCxnSpPr>
+        <p:spPr>
+          <a:xfrm>
+            <a:off x="10306791" y="6066669"/>
+            <a:ext cx="769043" cy="0"/>
+          </a:xfrm>
+          <a:prstGeom prst="straightConnector1">
+            <a:avLst/>
+          </a:prstGeom>
+          <a:ln w="38100">
+            <a:solidFill>
+              <a:schemeClr val="tx1"/>
+            </a:solidFill>
+            <a:tailEnd type="arrow"/>
+          </a:ln>
+        </p:spPr>
+        <p:style>
+          <a:lnRef idx="1">
+            <a:schemeClr val="accent1"/>
+          </a:lnRef>
+          <a:fillRef idx="0">
+            <a:schemeClr val="accent1"/>
+          </a:fillRef>
+          <a:effectRef idx="0">
+            <a:schemeClr val="accent1"/>
+          </a:effectRef>
+          <a:fontRef idx="minor">
+            <a:schemeClr val="tx1"/>
+          </a:fontRef>
+        </p:style>
+      </p:cxnSp>
+      <p:cxnSp>
+        <p:nvCxnSpPr>
+          <p:cNvPr id="32" name="Conector de seta reta 30"/>
+          <p:cNvCxnSpPr>
+            <a:endCxn id="157" idx="3"/>
+          </p:cNvCxnSpPr>
+          <p:nvPr/>
+        </p:nvCxnSpPr>
+        <p:spPr>
+          <a:xfrm flipH="1">
+            <a:off x="13546904" y="3192379"/>
+            <a:ext cx="2031580" cy="0"/>
+          </a:xfrm>
+          <a:prstGeom prst="straightConnector1">
+            <a:avLst/>
+          </a:prstGeom>
+          <a:ln w="38100">
+            <a:solidFill>
+              <a:schemeClr val="tx1"/>
+            </a:solidFill>
+            <a:tailEnd type="arrow"/>
+          </a:ln>
+        </p:spPr>
+        <p:style>
+          <a:lnRef idx="1">
+            <a:schemeClr val="accent1"/>
+          </a:lnRef>
+          <a:fillRef idx="0">
+            <a:schemeClr val="accent1"/>
+          </a:fillRef>
+          <a:effectRef idx="0">
+            <a:schemeClr val="accent1"/>
+          </a:effectRef>
+          <a:fontRef idx="minor">
+            <a:schemeClr val="tx1"/>
+          </a:fontRef>
+        </p:style>
+      </p:cxnSp>
+      <p:cxnSp>
+        <p:nvCxnSpPr>
+          <p:cNvPr id="35" name="Conector de seta reta 33"/>
+          <p:cNvCxnSpPr/>
+          <p:nvPr/>
+        </p:nvCxnSpPr>
+        <p:spPr>
+          <a:xfrm flipV="1">
+            <a:off x="17787732" y="3842071"/>
+            <a:ext cx="0" cy="1851767"/>
+          </a:xfrm>
+          <a:prstGeom prst="straightConnector1">
+            <a:avLst/>
+          </a:prstGeom>
+          <a:ln w="38100">
+            <a:solidFill>
+              <a:schemeClr val="tx1"/>
+            </a:solidFill>
+            <a:tailEnd type="arrow"/>
+          </a:ln>
+        </p:spPr>
+        <p:style>
+          <a:lnRef idx="1">
+            <a:schemeClr val="accent1"/>
+          </a:lnRef>
+          <a:fillRef idx="0">
+            <a:schemeClr val="accent1"/>
+          </a:fillRef>
+          <a:effectRef idx="0">
+            <a:schemeClr val="accent1"/>
+          </a:effectRef>
+          <a:fontRef idx="minor">
+            <a:schemeClr val="tx1"/>
+          </a:fontRef>
+        </p:style>
+      </p:cxnSp>
+      <mc:AlternateContent xmlns:mc="http://schemas.openxmlformats.org/markup-compatibility/2006">
+        <mc:Choice xmlns:a14="http://schemas.microsoft.com/office/drawing/2010/main" Requires="a14">
+          <p:sp>
+            <p:nvSpPr>
+              <p:cNvPr id="36" name="CaixaDeTexto 35"/>
+              <p:cNvSpPr txBox="1"/>
+              <p:nvPr/>
+            </p:nvSpPr>
+            <p:spPr>
+              <a:xfrm>
+                <a:off x="3747910" y="7728511"/>
+                <a:ext cx="707693" cy="523220"/>
+              </a:xfrm>
+              <a:prstGeom prst="rect">
+                <a:avLst/>
+              </a:prstGeom>
+              <a:noFill/>
+            </p:spPr>
+            <p:txBody>
+              <a:bodyPr wrap="none" rtlCol="0">
+                <a:spAutoFit/>
+              </a:bodyPr>
+              <a:lstStyle/>
+              <a:p>
+                <a:pPr/>
+                <a14:m>
+                  <m:oMathPara xmlns:m="http://schemas.openxmlformats.org/officeDocument/2006/math">
+                    <m:oMathParaPr>
+                      <m:jc m:val="centerGroup"/>
+                    </m:oMathParaPr>
+                    <m:oMath xmlns:m="http://schemas.openxmlformats.org/officeDocument/2006/math">
+                      <m:sSub>
+                        <m:sSubPr>
+                          <m:ctrlPr>
+                            <a:rPr lang="pt-BR" sz="2800" b="0" i="1" smtClean="0">
+                              <a:latin typeface="Cambria Math" panose="02040503050406030204" pitchFamily="18" charset="0"/>
+                            </a:rPr>
+                          </m:ctrlPr>
+                        </m:sSubPr>
+                        <m:e>
+                          <m:r>
+                            <a:rPr lang="pt-BR" sz="2800" b="0" i="1" smtClean="0">
+                              <a:latin typeface="Cambria Math"/>
+                            </a:rPr>
+                            <m:t>𝑖</m:t>
+                          </m:r>
+                        </m:e>
+                        <m:sub>
+                          <m:r>
+                            <a:rPr lang="pt-BR" sz="2800" b="0" i="1" smtClean="0">
+                              <a:latin typeface="Cambria Math"/>
+                            </a:rPr>
+                            <m:t>𝐿𝑎</m:t>
+                          </m:r>
+                        </m:sub>
+                      </m:sSub>
+                    </m:oMath>
+                  </m:oMathPara>
+                </a14:m>
+                <a:endParaRPr lang="pt-BR" sz="2800" dirty="0"/>
+              </a:p>
+            </p:txBody>
+          </p:sp>
+        </mc:Choice>
+        <mc:Fallback>
+          <p:sp>
+            <p:nvSpPr>
+              <p:cNvPr id="36" name="CaixaDeTexto 35"/>
+              <p:cNvSpPr txBox="1">
+                <a:spLocks noRot="1" noChangeAspect="1" noMove="1" noResize="1" noEditPoints="1" noAdjustHandles="1" noChangeArrowheads="1" noChangeShapeType="1" noTextEdit="1"/>
+              </p:cNvSpPr>
+              <p:nvPr/>
+            </p:nvSpPr>
+            <p:spPr>
+              <a:xfrm>
+                <a:off x="3747910" y="7728511"/>
+                <a:ext cx="707693" cy="523220"/>
+              </a:xfrm>
+              <a:prstGeom prst="rect">
+                <a:avLst/>
+              </a:prstGeom>
+              <a:blipFill>
+                <a:blip r:embed="rId8"/>
+                <a:stretch>
+                  <a:fillRect/>
+                </a:stretch>
+              </a:blipFill>
+            </p:spPr>
+            <p:txBody>
+              <a:bodyPr/>
+              <a:lstStyle/>
+              <a:p>
+                <a:r>
+                  <a:rPr lang="pt-BR">
+                    <a:noFill/>
+                  </a:rPr>
+                  <a:t> </a:t>
+                </a:r>
+              </a:p>
+            </p:txBody>
+          </p:sp>
+        </mc:Fallback>
+      </mc:AlternateContent>
+      <mc:AlternateContent xmlns:mc="http://schemas.openxmlformats.org/markup-compatibility/2006">
+        <mc:Choice xmlns:a14="http://schemas.microsoft.com/office/drawing/2010/main" Requires="a14">
+          <p:sp>
+            <p:nvSpPr>
+              <p:cNvPr id="37" name="CaixaDeTexto 36"/>
+              <p:cNvSpPr txBox="1"/>
+              <p:nvPr/>
+            </p:nvSpPr>
+            <p:spPr>
+              <a:xfrm>
+                <a:off x="4622691" y="7725872"/>
+                <a:ext cx="701923" cy="523220"/>
+              </a:xfrm>
+              <a:prstGeom prst="rect">
+                <a:avLst/>
+              </a:prstGeom>
+              <a:noFill/>
+            </p:spPr>
+            <p:txBody>
+              <a:bodyPr wrap="none" rtlCol="0">
+                <a:spAutoFit/>
+              </a:bodyPr>
+              <a:lstStyle/>
+              <a:p>
+                <a:pPr/>
+                <a14:m>
+                  <m:oMathPara xmlns:m="http://schemas.openxmlformats.org/officeDocument/2006/math">
+                    <m:oMathParaPr>
+                      <m:jc m:val="centerGroup"/>
+                    </m:oMathParaPr>
+                    <m:oMath xmlns:m="http://schemas.openxmlformats.org/officeDocument/2006/math">
+                      <m:sSub>
+                        <m:sSubPr>
+                          <m:ctrlPr>
+                            <a:rPr lang="pt-BR" sz="2800" b="0" i="1" smtClean="0">
+                              <a:latin typeface="Cambria Math" panose="02040503050406030204" pitchFamily="18" charset="0"/>
+                            </a:rPr>
+                          </m:ctrlPr>
+                        </m:sSubPr>
+                        <m:e>
+                          <m:r>
+                            <a:rPr lang="pt-BR" sz="2800" b="0" i="1" smtClean="0">
+                              <a:latin typeface="Cambria Math"/>
+                            </a:rPr>
+                            <m:t>𝑖</m:t>
+                          </m:r>
+                        </m:e>
+                        <m:sub>
+                          <m:r>
+                            <a:rPr lang="pt-BR" sz="2800" b="0" i="1" smtClean="0">
+                              <a:latin typeface="Cambria Math"/>
+                            </a:rPr>
+                            <m:t>𝐿𝑏</m:t>
+                          </m:r>
+                        </m:sub>
+                      </m:sSub>
+                    </m:oMath>
+                  </m:oMathPara>
+                </a14:m>
+                <a:endParaRPr lang="pt-BR" sz="2800" dirty="0"/>
+              </a:p>
+            </p:txBody>
+          </p:sp>
+        </mc:Choice>
+        <mc:Fallback>
+          <p:sp>
+            <p:nvSpPr>
+              <p:cNvPr id="37" name="CaixaDeTexto 36"/>
+              <p:cNvSpPr txBox="1">
+                <a:spLocks noRot="1" noChangeAspect="1" noMove="1" noResize="1" noEditPoints="1" noAdjustHandles="1" noChangeArrowheads="1" noChangeShapeType="1" noTextEdit="1"/>
+              </p:cNvSpPr>
+              <p:nvPr/>
+            </p:nvSpPr>
+            <p:spPr>
+              <a:xfrm>
+                <a:off x="4622691" y="7725872"/>
+                <a:ext cx="701923" cy="523220"/>
+              </a:xfrm>
+              <a:prstGeom prst="rect">
+                <a:avLst/>
+              </a:prstGeom>
+              <a:blipFill>
+                <a:blip r:embed="rId9"/>
+                <a:stretch>
+                  <a:fillRect/>
+                </a:stretch>
+              </a:blipFill>
+            </p:spPr>
+            <p:txBody>
+              <a:bodyPr/>
+              <a:lstStyle/>
+              <a:p>
+                <a:r>
+                  <a:rPr lang="pt-BR">
+                    <a:noFill/>
+                  </a:rPr>
+                  <a:t> </a:t>
+                </a:r>
+              </a:p>
+            </p:txBody>
+          </p:sp>
+        </mc:Fallback>
+      </mc:AlternateContent>
+      <mc:AlternateContent xmlns:mc="http://schemas.openxmlformats.org/markup-compatibility/2006">
+        <mc:Choice xmlns:a14="http://schemas.microsoft.com/office/drawing/2010/main" Requires="a14">
+          <p:sp>
+            <p:nvSpPr>
+              <p:cNvPr id="38" name="CaixaDeTexto 37"/>
+              <p:cNvSpPr txBox="1"/>
+              <p:nvPr/>
+            </p:nvSpPr>
+            <p:spPr>
+              <a:xfrm>
+                <a:off x="5451669" y="7725872"/>
+                <a:ext cx="679097" cy="523220"/>
+              </a:xfrm>
+              <a:prstGeom prst="rect">
+                <a:avLst/>
+              </a:prstGeom>
+              <a:noFill/>
+            </p:spPr>
+            <p:txBody>
+              <a:bodyPr wrap="none" rtlCol="0">
+                <a:spAutoFit/>
+              </a:bodyPr>
+              <a:lstStyle/>
+              <a:p>
+                <a:pPr/>
+                <a14:m>
+                  <m:oMathPara xmlns:m="http://schemas.openxmlformats.org/officeDocument/2006/math">
+                    <m:oMathParaPr>
+                      <m:jc m:val="centerGroup"/>
+                    </m:oMathParaPr>
+                    <m:oMath xmlns:m="http://schemas.openxmlformats.org/officeDocument/2006/math">
+                      <m:sSub>
+                        <m:sSubPr>
+                          <m:ctrlPr>
+                            <a:rPr lang="pt-BR" sz="2800" b="0" i="1" smtClean="0">
+                              <a:latin typeface="Cambria Math" panose="02040503050406030204" pitchFamily="18" charset="0"/>
+                            </a:rPr>
+                          </m:ctrlPr>
+                        </m:sSubPr>
+                        <m:e>
+                          <m:r>
+                            <a:rPr lang="pt-BR" sz="2800" b="0" i="1" smtClean="0">
+                              <a:latin typeface="Cambria Math"/>
+                            </a:rPr>
+                            <m:t>𝑖</m:t>
+                          </m:r>
+                        </m:e>
+                        <m:sub>
+                          <m:r>
+                            <a:rPr lang="pt-BR" sz="2800" b="0" i="1" smtClean="0">
+                              <a:latin typeface="Cambria Math"/>
+                            </a:rPr>
+                            <m:t>𝐿𝑐</m:t>
+                          </m:r>
+                        </m:sub>
+                      </m:sSub>
+                    </m:oMath>
+                  </m:oMathPara>
+                </a14:m>
+                <a:endParaRPr lang="pt-BR" sz="2800" dirty="0"/>
+              </a:p>
+            </p:txBody>
+          </p:sp>
+        </mc:Choice>
+        <mc:Fallback>
+          <p:sp>
+            <p:nvSpPr>
+              <p:cNvPr id="38" name="CaixaDeTexto 37"/>
+              <p:cNvSpPr txBox="1">
+                <a:spLocks noRot="1" noChangeAspect="1" noMove="1" noResize="1" noEditPoints="1" noAdjustHandles="1" noChangeArrowheads="1" noChangeShapeType="1" noTextEdit="1"/>
+              </p:cNvSpPr>
+              <p:nvPr/>
+            </p:nvSpPr>
+            <p:spPr>
+              <a:xfrm>
+                <a:off x="5451669" y="7725872"/>
+                <a:ext cx="679097" cy="523220"/>
+              </a:xfrm>
+              <a:prstGeom prst="rect">
+                <a:avLst/>
+              </a:prstGeom>
+              <a:blipFill>
+                <a:blip r:embed="rId10"/>
+                <a:stretch>
+                  <a:fillRect/>
+                </a:stretch>
+              </a:blipFill>
+            </p:spPr>
+            <p:txBody>
+              <a:bodyPr/>
+              <a:lstStyle/>
+              <a:p>
+                <a:r>
+                  <a:rPr lang="pt-BR">
+                    <a:noFill/>
+                  </a:rPr>
+                  <a:t> </a:t>
+                </a:r>
+              </a:p>
+            </p:txBody>
+          </p:sp>
+        </mc:Fallback>
+      </mc:AlternateContent>
+      <mc:AlternateContent xmlns:mc="http://schemas.openxmlformats.org/markup-compatibility/2006">
+        <mc:Choice xmlns:a14="http://schemas.microsoft.com/office/drawing/2010/main" Requires="a14">
+          <p:sp>
+            <p:nvSpPr>
+              <p:cNvPr id="39" name="CaixaDeTexto 38"/>
+              <p:cNvSpPr txBox="1"/>
+              <p:nvPr/>
+            </p:nvSpPr>
+            <p:spPr>
+              <a:xfrm>
+                <a:off x="6645329" y="6217316"/>
+                <a:ext cx="520014" cy="461665"/>
+              </a:xfrm>
+              <a:prstGeom prst="rect">
+                <a:avLst/>
+              </a:prstGeom>
+              <a:noFill/>
+            </p:spPr>
+            <p:txBody>
+              <a:bodyPr wrap="none" rtlCol="0">
+                <a:spAutoFit/>
+              </a:bodyPr>
+              <a:lstStyle/>
+              <a:p>
+                <a:pPr/>
+                <a14:m>
+                  <m:oMathPara xmlns:m="http://schemas.openxmlformats.org/officeDocument/2006/math">
+                    <m:oMathParaPr>
+                      <m:jc m:val="centerGroup"/>
+                    </m:oMathParaPr>
+                    <m:oMath xmlns:m="http://schemas.openxmlformats.org/officeDocument/2006/math">
+                      <m:sSub>
+                        <m:sSubPr>
+                          <m:ctrlPr>
+                            <a:rPr lang="pt-BR" sz="2400" b="0" i="1" smtClean="0">
+                              <a:latin typeface="Cambria Math" panose="02040503050406030204" pitchFamily="18" charset="0"/>
+                            </a:rPr>
+                          </m:ctrlPr>
+                        </m:sSubPr>
+                        <m:e>
+                          <m:r>
+                            <a:rPr lang="pt-BR" sz="2400" b="0" i="1" smtClean="0">
+                              <a:latin typeface="Cambria Math"/>
+                            </a:rPr>
+                            <m:t>𝑖</m:t>
+                          </m:r>
+                        </m:e>
+                        <m:sub>
+                          <m:r>
+                            <a:rPr lang="pt-BR" sz="2400" b="0" i="1" smtClean="0">
+                              <a:latin typeface="Cambria Math"/>
+                            </a:rPr>
+                            <m:t>𝛼</m:t>
+                          </m:r>
+                        </m:sub>
+                      </m:sSub>
+                    </m:oMath>
+                  </m:oMathPara>
+                </a14:m>
+                <a:endParaRPr lang="pt-BR" sz="2400" dirty="0"/>
+              </a:p>
+            </p:txBody>
+          </p:sp>
+        </mc:Choice>
+        <mc:Fallback>
+          <p:sp>
+            <p:nvSpPr>
+              <p:cNvPr id="39" name="CaixaDeTexto 38"/>
+              <p:cNvSpPr txBox="1">
+                <a:spLocks noRot="1" noChangeAspect="1" noMove="1" noResize="1" noEditPoints="1" noAdjustHandles="1" noChangeArrowheads="1" noChangeShapeType="1" noTextEdit="1"/>
+              </p:cNvSpPr>
+              <p:nvPr/>
+            </p:nvSpPr>
+            <p:spPr>
+              <a:xfrm>
+                <a:off x="6645329" y="6217316"/>
+                <a:ext cx="520014" cy="461665"/>
+              </a:xfrm>
+              <a:prstGeom prst="rect">
+                <a:avLst/>
+              </a:prstGeom>
+              <a:blipFill>
+                <a:blip r:embed="rId11"/>
+                <a:stretch>
+                  <a:fillRect/>
+                </a:stretch>
+              </a:blipFill>
+            </p:spPr>
+            <p:txBody>
+              <a:bodyPr/>
+              <a:lstStyle/>
+              <a:p>
+                <a:r>
+                  <a:rPr lang="pt-BR">
+                    <a:noFill/>
+                  </a:rPr>
+                  <a:t> </a:t>
+                </a:r>
+              </a:p>
+            </p:txBody>
+          </p:sp>
+        </mc:Fallback>
+      </mc:AlternateContent>
+      <mc:AlternateContent xmlns:mc="http://schemas.openxmlformats.org/markup-compatibility/2006">
+        <mc:Choice xmlns:a14="http://schemas.microsoft.com/office/drawing/2010/main" Requires="a14">
+          <p:sp>
+            <p:nvSpPr>
+              <p:cNvPr id="40" name="CaixaDeTexto 39"/>
+              <p:cNvSpPr txBox="1"/>
+              <p:nvPr/>
+            </p:nvSpPr>
+            <p:spPr>
+              <a:xfrm>
+                <a:off x="6655575" y="6640101"/>
+                <a:ext cx="509498" cy="494559"/>
+              </a:xfrm>
+              <a:prstGeom prst="rect">
+                <a:avLst/>
+              </a:prstGeom>
+              <a:noFill/>
+            </p:spPr>
+            <p:txBody>
+              <a:bodyPr wrap="none" rtlCol="0">
+                <a:spAutoFit/>
+              </a:bodyPr>
+              <a:lstStyle/>
+              <a:p>
+                <a:pPr/>
+                <a14:m>
+                  <m:oMathPara xmlns:m="http://schemas.openxmlformats.org/officeDocument/2006/math">
+                    <m:oMathParaPr>
+                      <m:jc m:val="centerGroup"/>
+                    </m:oMathParaPr>
+                    <m:oMath xmlns:m="http://schemas.openxmlformats.org/officeDocument/2006/math">
+                      <m:sSub>
+                        <m:sSubPr>
+                          <m:ctrlPr>
+                            <a:rPr lang="pt-BR" sz="2400" b="0" i="1" smtClean="0">
+                              <a:latin typeface="Cambria Math" panose="02040503050406030204" pitchFamily="18" charset="0"/>
+                            </a:rPr>
+                          </m:ctrlPr>
+                        </m:sSubPr>
+                        <m:e>
+                          <m:r>
+                            <a:rPr lang="pt-BR" sz="2400" b="0" i="1" smtClean="0">
+                              <a:latin typeface="Cambria Math"/>
+                            </a:rPr>
+                            <m:t>𝑖</m:t>
+                          </m:r>
+                        </m:e>
+                        <m:sub>
+                          <m:r>
+                            <a:rPr lang="pt-BR" sz="2400" b="0" i="1" smtClean="0">
+                              <a:latin typeface="Cambria Math"/>
+                            </a:rPr>
+                            <m:t>𝛽</m:t>
+                          </m:r>
+                        </m:sub>
+                      </m:sSub>
+                    </m:oMath>
+                  </m:oMathPara>
+                </a14:m>
+                <a:endParaRPr lang="pt-BR" sz="2400" dirty="0"/>
+              </a:p>
+            </p:txBody>
+          </p:sp>
+        </mc:Choice>
+        <mc:Fallback>
+          <p:sp>
+            <p:nvSpPr>
+              <p:cNvPr id="40" name="CaixaDeTexto 39"/>
+              <p:cNvSpPr txBox="1">
+                <a:spLocks noRot="1" noChangeAspect="1" noMove="1" noResize="1" noEditPoints="1" noAdjustHandles="1" noChangeArrowheads="1" noChangeShapeType="1" noTextEdit="1"/>
+              </p:cNvSpPr>
+              <p:nvPr/>
+            </p:nvSpPr>
+            <p:spPr>
+              <a:xfrm>
+                <a:off x="6655575" y="6640101"/>
+                <a:ext cx="509498" cy="494559"/>
+              </a:xfrm>
+              <a:prstGeom prst="rect">
+                <a:avLst/>
+              </a:prstGeom>
+              <a:blipFill>
+                <a:blip r:embed="rId12"/>
+                <a:stretch>
+                  <a:fillRect b="-12346"/>
+                </a:stretch>
+              </a:blipFill>
+            </p:spPr>
+            <p:txBody>
+              <a:bodyPr/>
+              <a:lstStyle/>
+              <a:p>
+                <a:r>
+                  <a:rPr lang="pt-BR">
+                    <a:noFill/>
+                  </a:rPr>
+                  <a:t> </a:t>
+                </a:r>
+              </a:p>
+            </p:txBody>
+          </p:sp>
+        </mc:Fallback>
+      </mc:AlternateContent>
+      <mc:AlternateContent xmlns:mc="http://schemas.openxmlformats.org/markup-compatibility/2006">
+        <mc:Choice xmlns:a14="http://schemas.microsoft.com/office/drawing/2010/main" Requires="a14">
+          <p:sp>
+            <p:nvSpPr>
+              <p:cNvPr id="41" name="CaixaDeTexto 40"/>
+              <p:cNvSpPr txBox="1"/>
+              <p:nvPr/>
+            </p:nvSpPr>
+            <p:spPr>
+              <a:xfrm>
+                <a:off x="6645329" y="5776386"/>
+                <a:ext cx="575414" cy="509563"/>
+              </a:xfrm>
+              <a:prstGeom prst="rect">
+                <a:avLst/>
+              </a:prstGeom>
+              <a:noFill/>
+            </p:spPr>
+            <p:txBody>
+              <a:bodyPr wrap="none" rtlCol="0">
+                <a:spAutoFit/>
+              </a:bodyPr>
+              <a:lstStyle/>
+              <a:p>
+                <a:pPr/>
+                <a14:m>
+                  <m:oMathPara xmlns:m="http://schemas.openxmlformats.org/officeDocument/2006/math">
+                    <m:oMathParaPr>
+                      <m:jc m:val="centerGroup"/>
+                    </m:oMathParaPr>
+                    <m:oMath xmlns:m="http://schemas.openxmlformats.org/officeDocument/2006/math">
+                      <m:sSubSup>
+                        <m:sSubSupPr>
+                          <m:ctrlPr>
+                            <a:rPr lang="pt-BR" sz="2400" b="0" i="1" smtClean="0">
+                              <a:latin typeface="Cambria Math" panose="02040503050406030204" pitchFamily="18" charset="0"/>
+                            </a:rPr>
+                          </m:ctrlPr>
+                        </m:sSubSupPr>
+                        <m:e>
+                          <m:r>
+                            <a:rPr lang="pt-BR" sz="2400" b="0" i="1" smtClean="0">
+                              <a:latin typeface="Cambria Math"/>
+                            </a:rPr>
+                            <m:t>𝑣</m:t>
+                          </m:r>
+                        </m:e>
+                        <m:sub>
+                          <m:r>
+                            <a:rPr lang="pt-BR" sz="2400" b="0" i="1" smtClean="0">
+                              <a:latin typeface="Cambria Math"/>
+                            </a:rPr>
+                            <m:t>𝛽</m:t>
+                          </m:r>
+                        </m:sub>
+                        <m:sup>
+                          <m:r>
+                            <a:rPr lang="pt-BR" sz="2400" b="0" i="1" smtClean="0">
+                              <a:latin typeface="Cambria Math" panose="02040503050406030204" pitchFamily="18" charset="0"/>
+                            </a:rPr>
+                            <m:t>′</m:t>
+                          </m:r>
+                        </m:sup>
+                      </m:sSubSup>
+                    </m:oMath>
+                  </m:oMathPara>
+                </a14:m>
+                <a:endParaRPr lang="pt-BR" sz="2400" dirty="0"/>
+              </a:p>
+            </p:txBody>
+          </p:sp>
+        </mc:Choice>
+        <mc:Fallback>
+          <p:sp>
+            <p:nvSpPr>
+              <p:cNvPr id="41" name="CaixaDeTexto 40"/>
+              <p:cNvSpPr txBox="1">
+                <a:spLocks noRot="1" noChangeAspect="1" noMove="1" noResize="1" noEditPoints="1" noAdjustHandles="1" noChangeArrowheads="1" noChangeShapeType="1" noTextEdit="1"/>
+              </p:cNvSpPr>
+              <p:nvPr/>
+            </p:nvSpPr>
+            <p:spPr>
+              <a:xfrm>
+                <a:off x="6645329" y="5776386"/>
+                <a:ext cx="575414" cy="509563"/>
+              </a:xfrm>
+              <a:prstGeom prst="rect">
+                <a:avLst/>
+              </a:prstGeom>
+              <a:blipFill>
+                <a:blip r:embed="rId13"/>
+                <a:stretch>
+                  <a:fillRect b="-13253"/>
+                </a:stretch>
+              </a:blipFill>
+            </p:spPr>
+            <p:txBody>
+              <a:bodyPr/>
+              <a:lstStyle/>
+              <a:p>
+                <a:r>
+                  <a:rPr lang="pt-BR">
+                    <a:noFill/>
+                  </a:rPr>
+                  <a:t> </a:t>
+                </a:r>
+              </a:p>
+            </p:txBody>
+          </p:sp>
+        </mc:Fallback>
+      </mc:AlternateContent>
+      <mc:AlternateContent xmlns:mc="http://schemas.openxmlformats.org/markup-compatibility/2006">
+        <mc:Choice xmlns:a14="http://schemas.microsoft.com/office/drawing/2010/main" Requires="a14">
+          <p:sp>
+            <p:nvSpPr>
+              <p:cNvPr id="42" name="CaixaDeTexto 41"/>
+              <p:cNvSpPr txBox="1"/>
+              <p:nvPr/>
+            </p:nvSpPr>
+            <p:spPr>
+              <a:xfrm>
+                <a:off x="6645329" y="5335369"/>
+                <a:ext cx="570926" cy="461665"/>
+              </a:xfrm>
+              <a:prstGeom prst="rect">
+                <a:avLst/>
+              </a:prstGeom>
+              <a:noFill/>
+            </p:spPr>
+            <p:txBody>
+              <a:bodyPr wrap="none" rtlCol="0">
+                <a:spAutoFit/>
+              </a:bodyPr>
+              <a:lstStyle/>
+              <a:p>
+                <a:pPr/>
+                <a14:m>
+                  <m:oMathPara xmlns:m="http://schemas.openxmlformats.org/officeDocument/2006/math">
+                    <m:oMathParaPr>
+                      <m:jc m:val="centerGroup"/>
+                    </m:oMathParaPr>
+                    <m:oMath xmlns:m="http://schemas.openxmlformats.org/officeDocument/2006/math">
+                      <m:sSubSup>
+                        <m:sSubSupPr>
+                          <m:ctrlPr>
+                            <a:rPr lang="pt-BR" sz="2400" b="0" i="1" smtClean="0">
+                              <a:latin typeface="Cambria Math" panose="02040503050406030204" pitchFamily="18" charset="0"/>
+                            </a:rPr>
+                          </m:ctrlPr>
+                        </m:sSubSupPr>
+                        <m:e>
+                          <m:r>
+                            <a:rPr lang="pt-BR" sz="2400" b="0" i="1" smtClean="0">
+                              <a:latin typeface="Cambria Math"/>
+                            </a:rPr>
+                            <m:t>𝑣</m:t>
+                          </m:r>
+                        </m:e>
+                        <m:sub>
+                          <m:r>
+                            <a:rPr lang="pt-BR" sz="2400" b="0" i="1" smtClean="0">
+                              <a:latin typeface="Cambria Math"/>
+                            </a:rPr>
+                            <m:t>𝛼</m:t>
+                          </m:r>
+                        </m:sub>
+                        <m:sup>
+                          <m:r>
+                            <a:rPr lang="pt-BR" sz="2400" b="0" i="1" smtClean="0">
+                              <a:latin typeface="Cambria Math" panose="02040503050406030204" pitchFamily="18" charset="0"/>
+                            </a:rPr>
+                            <m:t>′</m:t>
+                          </m:r>
+                        </m:sup>
+                      </m:sSubSup>
+                    </m:oMath>
+                  </m:oMathPara>
+                </a14:m>
+                <a:endParaRPr lang="pt-BR" sz="2400" dirty="0"/>
+              </a:p>
+            </p:txBody>
+          </p:sp>
+        </mc:Choice>
+        <mc:Fallback>
+          <p:sp>
+            <p:nvSpPr>
+              <p:cNvPr id="42" name="CaixaDeTexto 41"/>
+              <p:cNvSpPr txBox="1">
+                <a:spLocks noRot="1" noChangeAspect="1" noMove="1" noResize="1" noEditPoints="1" noAdjustHandles="1" noChangeArrowheads="1" noChangeShapeType="1" noTextEdit="1"/>
+              </p:cNvSpPr>
+              <p:nvPr/>
+            </p:nvSpPr>
+            <p:spPr>
+              <a:xfrm>
+                <a:off x="6645329" y="5335369"/>
+                <a:ext cx="570926" cy="461665"/>
+              </a:xfrm>
+              <a:prstGeom prst="rect">
+                <a:avLst/>
+              </a:prstGeom>
+              <a:blipFill>
+                <a:blip r:embed="rId14"/>
+                <a:stretch>
+                  <a:fillRect/>
+                </a:stretch>
+              </a:blipFill>
+            </p:spPr>
+            <p:txBody>
+              <a:bodyPr/>
+              <a:lstStyle/>
+              <a:p>
+                <a:r>
+                  <a:rPr lang="pt-BR">
+                    <a:noFill/>
+                  </a:rPr>
+                  <a:t> </a:t>
+                </a:r>
+              </a:p>
+            </p:txBody>
+          </p:sp>
+        </mc:Fallback>
+      </mc:AlternateContent>
+      <mc:AlternateContent xmlns:mc="http://schemas.openxmlformats.org/markup-compatibility/2006">
+        <mc:Choice xmlns:a14="http://schemas.microsoft.com/office/drawing/2010/main" Requires="a14">
+          <p:sp>
+            <p:nvSpPr>
+              <p:cNvPr id="43" name="CaixaDeTexto 42"/>
+              <p:cNvSpPr txBox="1"/>
+              <p:nvPr/>
+            </p:nvSpPr>
+            <p:spPr>
+              <a:xfrm>
+                <a:off x="10438261" y="5513426"/>
+                <a:ext cx="471155" cy="523220"/>
+              </a:xfrm>
+              <a:prstGeom prst="rect">
+                <a:avLst/>
+              </a:prstGeom>
+              <a:noFill/>
+            </p:spPr>
+            <p:txBody>
+              <a:bodyPr wrap="none" rtlCol="0">
+                <a:spAutoFit/>
+              </a:bodyPr>
+              <a:lstStyle/>
+              <a:p>
+                <a:pPr/>
+                <a14:m>
+                  <m:oMathPara xmlns:m="http://schemas.openxmlformats.org/officeDocument/2006/math">
+                    <m:oMathParaPr>
+                      <m:jc m:val="centerGroup"/>
+                    </m:oMathParaPr>
+                    <m:oMath xmlns:m="http://schemas.openxmlformats.org/officeDocument/2006/math">
+                      <m:r>
+                        <a:rPr lang="pt-BR" sz="2800" b="0" i="1" smtClean="0">
+                          <a:latin typeface="Cambria Math"/>
+                        </a:rPr>
+                        <m:t>𝑝</m:t>
+                      </m:r>
+                    </m:oMath>
+                  </m:oMathPara>
+                </a14:m>
+                <a:endParaRPr lang="pt-BR" dirty="0"/>
+              </a:p>
+            </p:txBody>
+          </p:sp>
+        </mc:Choice>
+        <mc:Fallback>
+          <p:sp>
+            <p:nvSpPr>
+              <p:cNvPr id="43" name="CaixaDeTexto 42"/>
+              <p:cNvSpPr txBox="1">
+                <a:spLocks noRot="1" noChangeAspect="1" noMove="1" noResize="1" noEditPoints="1" noAdjustHandles="1" noChangeArrowheads="1" noChangeShapeType="1" noTextEdit="1"/>
+              </p:cNvSpPr>
+              <p:nvPr/>
+            </p:nvSpPr>
+            <p:spPr>
+              <a:xfrm>
+                <a:off x="10438261" y="5513426"/>
+                <a:ext cx="471155" cy="523220"/>
+              </a:xfrm>
+              <a:prstGeom prst="rect">
+                <a:avLst/>
+              </a:prstGeom>
+              <a:blipFill>
+                <a:blip r:embed="rId15"/>
+                <a:stretch>
+                  <a:fillRect/>
+                </a:stretch>
+              </a:blipFill>
+            </p:spPr>
+            <p:txBody>
+              <a:bodyPr/>
+              <a:lstStyle/>
+              <a:p>
+                <a:r>
+                  <a:rPr lang="pt-BR">
+                    <a:noFill/>
+                  </a:rPr>
+                  <a:t> </a:t>
+                </a:r>
+              </a:p>
+            </p:txBody>
+          </p:sp>
+        </mc:Fallback>
+      </mc:AlternateContent>
+      <mc:AlternateContent xmlns:mc="http://schemas.openxmlformats.org/markup-compatibility/2006">
+        <mc:Choice xmlns:a14="http://schemas.microsoft.com/office/drawing/2010/main" Requires="a14">
+          <p:sp>
+            <p:nvSpPr>
+              <p:cNvPr id="45" name="CaixaDeTexto 44"/>
+              <p:cNvSpPr txBox="1"/>
+              <p:nvPr/>
+            </p:nvSpPr>
+            <p:spPr>
+              <a:xfrm>
+                <a:off x="15910130" y="4451300"/>
+                <a:ext cx="736484" cy="523220"/>
+              </a:xfrm>
+              <a:prstGeom prst="rect">
+                <a:avLst/>
+              </a:prstGeom>
+              <a:noFill/>
+            </p:spPr>
+            <p:txBody>
+              <a:bodyPr wrap="none" rtlCol="0">
+                <a:spAutoFit/>
+              </a:bodyPr>
+              <a:lstStyle/>
+              <a:p>
+                <a:pPr/>
+                <a14:m>
+                  <m:oMathPara xmlns:m="http://schemas.openxmlformats.org/officeDocument/2006/math">
+                    <m:oMathParaPr>
+                      <m:jc m:val="centerGroup"/>
+                    </m:oMathParaPr>
+                    <m:oMath xmlns:m="http://schemas.openxmlformats.org/officeDocument/2006/math">
+                      <m:sSubSup>
+                        <m:sSubSupPr>
+                          <m:ctrlPr>
+                            <a:rPr lang="pt-BR" sz="2800" b="0" i="1" smtClean="0">
+                              <a:latin typeface="Cambria Math" panose="02040503050406030204" pitchFamily="18" charset="0"/>
+                            </a:rPr>
+                          </m:ctrlPr>
+                        </m:sSubSupPr>
+                        <m:e>
+                          <m:r>
+                            <a:rPr lang="pt-BR" sz="2800" b="0" i="1" smtClean="0">
+                              <a:latin typeface="Cambria Math"/>
+                            </a:rPr>
+                            <m:t>𝑖</m:t>
+                          </m:r>
+                        </m:e>
+                        <m:sub>
+                          <m:r>
+                            <a:rPr lang="pt-BR" sz="2800" b="0" i="1" smtClean="0">
+                              <a:latin typeface="Cambria Math"/>
+                            </a:rPr>
+                            <m:t>𝐶</m:t>
+                          </m:r>
+                          <m:r>
+                            <a:rPr lang="pt-BR" sz="2800" b="0" i="1" smtClean="0">
+                              <a:latin typeface="Cambria Math"/>
+                            </a:rPr>
+                            <m:t>𝛼</m:t>
+                          </m:r>
+                        </m:sub>
+                        <m:sup>
+                          <m:r>
+                            <a:rPr lang="pt-BR" sz="2800" b="0" i="1" smtClean="0">
+                              <a:latin typeface="Cambria Math"/>
+                            </a:rPr>
+                            <m:t>∗</m:t>
+                          </m:r>
+                        </m:sup>
+                      </m:sSubSup>
+                    </m:oMath>
+                  </m:oMathPara>
+                </a14:m>
+                <a:endParaRPr lang="pt-BR" sz="2800" dirty="0"/>
+              </a:p>
+            </p:txBody>
+          </p:sp>
+        </mc:Choice>
+        <mc:Fallback>
+          <p:sp>
+            <p:nvSpPr>
+              <p:cNvPr id="45" name="CaixaDeTexto 44"/>
+              <p:cNvSpPr txBox="1">
+                <a:spLocks noRot="1" noChangeAspect="1" noMove="1" noResize="1" noEditPoints="1" noAdjustHandles="1" noChangeArrowheads="1" noChangeShapeType="1" noTextEdit="1"/>
+              </p:cNvSpPr>
+              <p:nvPr/>
+            </p:nvSpPr>
+            <p:spPr>
+              <a:xfrm>
+                <a:off x="15910130" y="4451300"/>
+                <a:ext cx="736484" cy="523220"/>
+              </a:xfrm>
+              <a:prstGeom prst="rect">
+                <a:avLst/>
+              </a:prstGeom>
+              <a:blipFill>
+                <a:blip r:embed="rId16"/>
+                <a:stretch>
+                  <a:fillRect/>
+                </a:stretch>
+              </a:blipFill>
+            </p:spPr>
+            <p:txBody>
+              <a:bodyPr/>
+              <a:lstStyle/>
+              <a:p>
+                <a:r>
+                  <a:rPr lang="pt-BR">
+                    <a:noFill/>
+                  </a:rPr>
+                  <a:t> </a:t>
+                </a:r>
+              </a:p>
+            </p:txBody>
+          </p:sp>
+        </mc:Fallback>
+      </mc:AlternateContent>
+      <mc:AlternateContent xmlns:mc="http://schemas.openxmlformats.org/markup-compatibility/2006">
+        <mc:Choice xmlns:a14="http://schemas.microsoft.com/office/drawing/2010/main" Requires="a14">
+          <p:sp>
+            <p:nvSpPr>
+              <p:cNvPr id="46" name="CaixaDeTexto 45"/>
+              <p:cNvSpPr txBox="1"/>
+              <p:nvPr/>
+            </p:nvSpPr>
+            <p:spPr>
+              <a:xfrm>
+                <a:off x="17116593" y="4450687"/>
+                <a:ext cx="741292" cy="579133"/>
+              </a:xfrm>
+              <a:prstGeom prst="rect">
+                <a:avLst/>
+              </a:prstGeom>
+              <a:noFill/>
+            </p:spPr>
+            <p:txBody>
+              <a:bodyPr wrap="none" rtlCol="0">
+                <a:spAutoFit/>
+              </a:bodyPr>
+              <a:lstStyle/>
+              <a:p>
+                <a:pPr/>
+                <a14:m>
+                  <m:oMathPara xmlns:m="http://schemas.openxmlformats.org/officeDocument/2006/math">
+                    <m:oMathParaPr>
+                      <m:jc m:val="centerGroup"/>
+                    </m:oMathParaPr>
+                    <m:oMath xmlns:m="http://schemas.openxmlformats.org/officeDocument/2006/math">
+                      <m:sSubSup>
+                        <m:sSubSupPr>
+                          <m:ctrlPr>
+                            <a:rPr lang="pt-BR" sz="2800" b="0" i="1" smtClean="0">
+                              <a:latin typeface="Cambria Math" panose="02040503050406030204" pitchFamily="18" charset="0"/>
+                            </a:rPr>
+                          </m:ctrlPr>
+                        </m:sSubSupPr>
+                        <m:e>
+                          <m:r>
+                            <a:rPr lang="pt-BR" sz="2800" b="0" i="1" smtClean="0">
+                              <a:latin typeface="Cambria Math"/>
+                            </a:rPr>
+                            <m:t>𝑖</m:t>
+                          </m:r>
+                        </m:e>
+                        <m:sub>
+                          <m:r>
+                            <a:rPr lang="pt-BR" sz="2800" b="0" i="1" smtClean="0">
+                              <a:latin typeface="Cambria Math"/>
+                            </a:rPr>
+                            <m:t>𝐶</m:t>
+                          </m:r>
+                          <m:r>
+                            <a:rPr lang="pt-BR" sz="2800" b="0" i="1" smtClean="0">
+                              <a:latin typeface="Cambria Math"/>
+                            </a:rPr>
+                            <m:t>𝛽</m:t>
+                          </m:r>
+                        </m:sub>
+                        <m:sup>
+                          <m:r>
+                            <a:rPr lang="pt-BR" sz="2800" b="0" i="1" smtClean="0">
+                              <a:latin typeface="Cambria Math"/>
+                            </a:rPr>
+                            <m:t>∗</m:t>
+                          </m:r>
+                        </m:sup>
+                      </m:sSubSup>
+                    </m:oMath>
+                  </m:oMathPara>
+                </a14:m>
+                <a:endParaRPr lang="pt-BR" sz="2800" dirty="0"/>
+              </a:p>
+            </p:txBody>
+          </p:sp>
+        </mc:Choice>
+        <mc:Fallback>
+          <p:sp>
+            <p:nvSpPr>
+              <p:cNvPr id="46" name="CaixaDeTexto 45"/>
+              <p:cNvSpPr txBox="1">
+                <a:spLocks noRot="1" noChangeAspect="1" noMove="1" noResize="1" noEditPoints="1" noAdjustHandles="1" noChangeArrowheads="1" noChangeShapeType="1" noTextEdit="1"/>
+              </p:cNvSpPr>
+              <p:nvPr/>
+            </p:nvSpPr>
+            <p:spPr>
+              <a:xfrm>
+                <a:off x="17116593" y="4450687"/>
+                <a:ext cx="741292" cy="579133"/>
+              </a:xfrm>
+              <a:prstGeom prst="rect">
+                <a:avLst/>
+              </a:prstGeom>
+              <a:blipFill>
+                <a:blip r:embed="rId17"/>
+                <a:stretch>
+                  <a:fillRect/>
+                </a:stretch>
+              </a:blipFill>
+            </p:spPr>
+            <p:txBody>
+              <a:bodyPr/>
+              <a:lstStyle/>
+              <a:p>
+                <a:r>
+                  <a:rPr lang="pt-BR">
+                    <a:noFill/>
+                  </a:rPr>
+                  <a:t> </a:t>
+                </a:r>
+              </a:p>
+            </p:txBody>
+          </p:sp>
+        </mc:Fallback>
+      </mc:AlternateContent>
+      <mc:AlternateContent xmlns:mc="http://schemas.openxmlformats.org/markup-compatibility/2006">
+        <mc:Choice xmlns:a14="http://schemas.microsoft.com/office/drawing/2010/main" Requires="a14">
+          <p:sp>
+            <p:nvSpPr>
+              <p:cNvPr id="47" name="CaixaDeTexto 46"/>
+              <p:cNvSpPr txBox="1"/>
+              <p:nvPr/>
+            </p:nvSpPr>
+            <p:spPr>
+              <a:xfrm>
+                <a:off x="14150376" y="2155408"/>
+                <a:ext cx="723724" cy="523220"/>
+              </a:xfrm>
+              <a:prstGeom prst="rect">
+                <a:avLst/>
+              </a:prstGeom>
+              <a:noFill/>
+            </p:spPr>
+            <p:txBody>
+              <a:bodyPr wrap="none" rtlCol="0">
+                <a:spAutoFit/>
+              </a:bodyPr>
+              <a:lstStyle/>
+              <a:p>
+                <a:pPr/>
+                <a14:m>
+                  <m:oMathPara xmlns:m="http://schemas.openxmlformats.org/officeDocument/2006/math">
+                    <m:oMathParaPr>
+                      <m:jc m:val="centerGroup"/>
+                    </m:oMathParaPr>
+                    <m:oMath xmlns:m="http://schemas.openxmlformats.org/officeDocument/2006/math">
+                      <m:sSubSup>
+                        <m:sSubSupPr>
+                          <m:ctrlPr>
+                            <a:rPr lang="pt-BR" sz="2800" b="0" i="1" smtClean="0">
+                              <a:latin typeface="Cambria Math" panose="02040503050406030204" pitchFamily="18" charset="0"/>
+                            </a:rPr>
+                          </m:ctrlPr>
+                        </m:sSubSupPr>
+                        <m:e>
+                          <m:r>
+                            <a:rPr lang="pt-BR" sz="2800" b="0" i="1" smtClean="0">
+                              <a:latin typeface="Cambria Math"/>
+                            </a:rPr>
+                            <m:t>𝑖</m:t>
+                          </m:r>
+                        </m:e>
+                        <m:sub>
+                          <m:r>
+                            <a:rPr lang="pt-BR" sz="2800" b="0" i="1" smtClean="0">
+                              <a:latin typeface="Cambria Math"/>
+                            </a:rPr>
+                            <m:t>𝐶𝑎</m:t>
+                          </m:r>
+                        </m:sub>
+                        <m:sup>
+                          <m:r>
+                            <a:rPr lang="pt-BR" sz="2800" b="0" i="1" smtClean="0">
+                              <a:latin typeface="Cambria Math"/>
+                            </a:rPr>
+                            <m:t>∗</m:t>
+                          </m:r>
+                        </m:sup>
+                      </m:sSubSup>
+                    </m:oMath>
+                  </m:oMathPara>
+                </a14:m>
+                <a:endParaRPr lang="pt-BR" sz="2800" dirty="0"/>
+              </a:p>
+            </p:txBody>
+          </p:sp>
+        </mc:Choice>
+        <mc:Fallback>
+          <p:sp>
+            <p:nvSpPr>
+              <p:cNvPr id="47" name="CaixaDeTexto 46"/>
+              <p:cNvSpPr txBox="1">
+                <a:spLocks noRot="1" noChangeAspect="1" noMove="1" noResize="1" noEditPoints="1" noAdjustHandles="1" noChangeArrowheads="1" noChangeShapeType="1" noTextEdit="1"/>
+              </p:cNvSpPr>
+              <p:nvPr/>
+            </p:nvSpPr>
+            <p:spPr>
+              <a:xfrm>
+                <a:off x="14150376" y="2155408"/>
+                <a:ext cx="723724" cy="523220"/>
+              </a:xfrm>
+              <a:prstGeom prst="rect">
+                <a:avLst/>
+              </a:prstGeom>
+              <a:blipFill>
+                <a:blip r:embed="rId18"/>
+                <a:stretch>
+                  <a:fillRect/>
+                </a:stretch>
+              </a:blipFill>
+            </p:spPr>
+            <p:txBody>
+              <a:bodyPr/>
+              <a:lstStyle/>
+              <a:p>
+                <a:r>
+                  <a:rPr lang="pt-BR">
+                    <a:noFill/>
+                  </a:rPr>
+                  <a:t> </a:t>
+                </a:r>
+              </a:p>
+            </p:txBody>
+          </p:sp>
+        </mc:Fallback>
+      </mc:AlternateContent>
+      <mc:AlternateContent xmlns:mc="http://schemas.openxmlformats.org/markup-compatibility/2006">
+        <mc:Choice xmlns:a14="http://schemas.microsoft.com/office/drawing/2010/main" Requires="a14">
+          <p:sp>
+            <p:nvSpPr>
+              <p:cNvPr id="48" name="CaixaDeTexto 47"/>
+              <p:cNvSpPr txBox="1"/>
+              <p:nvPr/>
+            </p:nvSpPr>
+            <p:spPr>
+              <a:xfrm>
+                <a:off x="14169838" y="2641607"/>
+                <a:ext cx="717952" cy="523220"/>
+              </a:xfrm>
+              <a:prstGeom prst="rect">
+                <a:avLst/>
+              </a:prstGeom>
+              <a:noFill/>
+            </p:spPr>
+            <p:txBody>
+              <a:bodyPr wrap="none" rtlCol="0">
+                <a:spAutoFit/>
+              </a:bodyPr>
+              <a:lstStyle/>
+              <a:p>
+                <a:pPr/>
+                <a14:m>
+                  <m:oMathPara xmlns:m="http://schemas.openxmlformats.org/officeDocument/2006/math">
+                    <m:oMathParaPr>
+                      <m:jc m:val="centerGroup"/>
+                    </m:oMathParaPr>
+                    <m:oMath xmlns:m="http://schemas.openxmlformats.org/officeDocument/2006/math">
+                      <m:sSubSup>
+                        <m:sSubSupPr>
+                          <m:ctrlPr>
+                            <a:rPr lang="pt-BR" sz="2800" b="0" i="1" smtClean="0">
+                              <a:latin typeface="Cambria Math" panose="02040503050406030204" pitchFamily="18" charset="0"/>
+                            </a:rPr>
+                          </m:ctrlPr>
+                        </m:sSubSupPr>
+                        <m:e>
+                          <m:r>
+                            <a:rPr lang="pt-BR" sz="2800" b="0" i="1" smtClean="0">
+                              <a:latin typeface="Cambria Math"/>
+                            </a:rPr>
+                            <m:t>𝑖</m:t>
+                          </m:r>
+                        </m:e>
+                        <m:sub>
+                          <m:r>
+                            <a:rPr lang="pt-BR" sz="2800" b="0" i="1" smtClean="0">
+                              <a:latin typeface="Cambria Math"/>
+                            </a:rPr>
+                            <m:t>𝐶𝑏</m:t>
+                          </m:r>
+                        </m:sub>
+                        <m:sup>
+                          <m:r>
+                            <a:rPr lang="pt-BR" sz="2800" b="0" i="1" smtClean="0">
+                              <a:latin typeface="Cambria Math"/>
+                            </a:rPr>
+                            <m:t>∗</m:t>
+                          </m:r>
+                        </m:sup>
+                      </m:sSubSup>
+                    </m:oMath>
+                  </m:oMathPara>
+                </a14:m>
+                <a:endParaRPr lang="pt-BR" sz="2800" dirty="0"/>
+              </a:p>
+            </p:txBody>
+          </p:sp>
+        </mc:Choice>
+        <mc:Fallback>
+          <p:sp>
+            <p:nvSpPr>
+              <p:cNvPr id="48" name="CaixaDeTexto 47"/>
+              <p:cNvSpPr txBox="1">
+                <a:spLocks noRot="1" noChangeAspect="1" noMove="1" noResize="1" noEditPoints="1" noAdjustHandles="1" noChangeArrowheads="1" noChangeShapeType="1" noTextEdit="1"/>
+              </p:cNvSpPr>
+              <p:nvPr/>
+            </p:nvSpPr>
+            <p:spPr>
+              <a:xfrm>
+                <a:off x="14169838" y="2641607"/>
+                <a:ext cx="717952" cy="523220"/>
+              </a:xfrm>
+              <a:prstGeom prst="rect">
+                <a:avLst/>
+              </a:prstGeom>
+              <a:blipFill>
+                <a:blip r:embed="rId19"/>
+                <a:stretch>
+                  <a:fillRect/>
+                </a:stretch>
+              </a:blipFill>
+            </p:spPr>
+            <p:txBody>
+              <a:bodyPr/>
+              <a:lstStyle/>
+              <a:p>
+                <a:r>
+                  <a:rPr lang="pt-BR">
+                    <a:noFill/>
+                  </a:rPr>
+                  <a:t> </a:t>
+                </a:r>
+              </a:p>
+            </p:txBody>
+          </p:sp>
+        </mc:Fallback>
+      </mc:AlternateContent>
+      <mc:AlternateContent xmlns:mc="http://schemas.openxmlformats.org/markup-compatibility/2006">
+        <mc:Choice xmlns:a14="http://schemas.microsoft.com/office/drawing/2010/main" Requires="a14">
+          <p:sp>
+            <p:nvSpPr>
+              <p:cNvPr id="49" name="CaixaDeTexto 48"/>
+              <p:cNvSpPr txBox="1"/>
+              <p:nvPr/>
+            </p:nvSpPr>
+            <p:spPr>
+              <a:xfrm>
+                <a:off x="14169838" y="3166676"/>
+                <a:ext cx="695126" cy="523220"/>
+              </a:xfrm>
+              <a:prstGeom prst="rect">
+                <a:avLst/>
+              </a:prstGeom>
+              <a:noFill/>
+            </p:spPr>
+            <p:txBody>
+              <a:bodyPr wrap="none" rtlCol="0">
+                <a:spAutoFit/>
+              </a:bodyPr>
+              <a:lstStyle/>
+              <a:p>
+                <a:pPr/>
+                <a14:m>
+                  <m:oMathPara xmlns:m="http://schemas.openxmlformats.org/officeDocument/2006/math">
+                    <m:oMathParaPr>
+                      <m:jc m:val="centerGroup"/>
+                    </m:oMathParaPr>
+                    <m:oMath xmlns:m="http://schemas.openxmlformats.org/officeDocument/2006/math">
+                      <m:sSubSup>
+                        <m:sSubSupPr>
+                          <m:ctrlPr>
+                            <a:rPr lang="pt-BR" sz="2800" b="0" i="1" smtClean="0">
+                              <a:latin typeface="Cambria Math" panose="02040503050406030204" pitchFamily="18" charset="0"/>
+                            </a:rPr>
+                          </m:ctrlPr>
+                        </m:sSubSupPr>
+                        <m:e>
+                          <m:r>
+                            <a:rPr lang="pt-BR" sz="2800" b="0" i="1" smtClean="0">
+                              <a:latin typeface="Cambria Math"/>
+                            </a:rPr>
+                            <m:t>𝑖</m:t>
+                          </m:r>
+                        </m:e>
+                        <m:sub>
+                          <m:r>
+                            <a:rPr lang="pt-BR" sz="2800" b="0" i="1" smtClean="0">
+                              <a:latin typeface="Cambria Math"/>
+                            </a:rPr>
+                            <m:t>𝐶𝑐</m:t>
+                          </m:r>
+                        </m:sub>
+                        <m:sup>
+                          <m:r>
+                            <a:rPr lang="pt-BR" sz="2800" b="0" i="1" smtClean="0">
+                              <a:latin typeface="Cambria Math"/>
+                            </a:rPr>
+                            <m:t>∗</m:t>
+                          </m:r>
+                        </m:sup>
+                      </m:sSubSup>
+                    </m:oMath>
+                  </m:oMathPara>
+                </a14:m>
+                <a:endParaRPr lang="pt-BR" sz="2800" dirty="0"/>
+              </a:p>
+            </p:txBody>
+          </p:sp>
+        </mc:Choice>
+        <mc:Fallback>
+          <p:sp>
+            <p:nvSpPr>
+              <p:cNvPr id="49" name="CaixaDeTexto 48"/>
+              <p:cNvSpPr txBox="1">
+                <a:spLocks noRot="1" noChangeAspect="1" noMove="1" noResize="1" noEditPoints="1" noAdjustHandles="1" noChangeArrowheads="1" noChangeShapeType="1" noTextEdit="1"/>
+              </p:cNvSpPr>
+              <p:nvPr/>
+            </p:nvSpPr>
+            <p:spPr>
+              <a:xfrm>
+                <a:off x="14169838" y="3166676"/>
+                <a:ext cx="695126" cy="523220"/>
+              </a:xfrm>
+              <a:prstGeom prst="rect">
+                <a:avLst/>
+              </a:prstGeom>
+              <a:blipFill>
+                <a:blip r:embed="rId20"/>
+                <a:stretch>
+                  <a:fillRect/>
+                </a:stretch>
+              </a:blipFill>
+            </p:spPr>
+            <p:txBody>
+              <a:bodyPr/>
+              <a:lstStyle/>
+              <a:p>
+                <a:r>
+                  <a:rPr lang="pt-BR">
+                    <a:noFill/>
+                  </a:rPr>
+                  <a:t> </a:t>
+                </a:r>
+              </a:p>
+            </p:txBody>
+          </p:sp>
+        </mc:Fallback>
+      </mc:AlternateContent>
+      <p:sp>
+        <p:nvSpPr>
+          <p:cNvPr id="50" name="CaixaDeTexto 49"/>
+          <p:cNvSpPr txBox="1"/>
+          <p:nvPr/>
+        </p:nvSpPr>
+        <p:spPr>
+          <a:xfrm>
+            <a:off x="3784077" y="5029820"/>
+            <a:ext cx="2938753" cy="400110"/>
+          </a:xfrm>
+          <a:prstGeom prst="rect">
+            <a:avLst/>
+          </a:prstGeom>
+          <a:noFill/>
+        </p:spPr>
+        <p:txBody>
+          <a:bodyPr wrap="none" rtlCol="0">
+            <a:spAutoFit/>
+          </a:bodyPr>
+          <a:lstStyle/>
+          <a:p>
+            <a:r>
+              <a:rPr lang="pt-BR" sz="2000" dirty="0">
+                <a:latin typeface="Arial" pitchFamily="34" charset="0"/>
+                <a:cs typeface="Arial" pitchFamily="34" charset="0"/>
+              </a:rPr>
+              <a:t>Transformada de Clarke</a:t>
+            </a:r>
+          </a:p>
+        </p:txBody>
+      </p:sp>
+      <p:sp>
+        <p:nvSpPr>
+          <p:cNvPr id="51" name="CaixaDeTexto 50"/>
+          <p:cNvSpPr txBox="1"/>
+          <p:nvPr/>
+        </p:nvSpPr>
+        <p:spPr>
+          <a:xfrm>
+            <a:off x="7468205" y="4959017"/>
+            <a:ext cx="2834143" cy="707886"/>
+          </a:xfrm>
+          <a:prstGeom prst="rect">
+            <a:avLst/>
+          </a:prstGeom>
+          <a:noFill/>
+        </p:spPr>
+        <p:txBody>
+          <a:bodyPr wrap="square" rtlCol="0">
+            <a:spAutoFit/>
+          </a:bodyPr>
+          <a:lstStyle/>
+          <a:p>
+            <a:pPr algn="ctr"/>
+            <a:r>
+              <a:rPr lang="pt-BR" sz="2000" dirty="0">
+                <a:latin typeface="Arial" pitchFamily="34" charset="0"/>
+                <a:cs typeface="Arial" pitchFamily="34" charset="0"/>
+              </a:rPr>
+              <a:t>Cálculo de Potências Instantâneas</a:t>
+            </a:r>
+          </a:p>
+        </p:txBody>
+      </p:sp>
+      <p:sp>
+        <p:nvSpPr>
+          <p:cNvPr id="52" name="CaixaDeTexto 51"/>
+          <p:cNvSpPr txBox="1"/>
+          <p:nvPr/>
+        </p:nvSpPr>
+        <p:spPr>
+          <a:xfrm>
+            <a:off x="15302941" y="6920600"/>
+            <a:ext cx="2834143" cy="400110"/>
+          </a:xfrm>
+          <a:prstGeom prst="rect">
+            <a:avLst/>
+          </a:prstGeom>
+          <a:noFill/>
+        </p:spPr>
+        <p:txBody>
+          <a:bodyPr wrap="square" rtlCol="0">
+            <a:spAutoFit/>
+          </a:bodyPr>
+          <a:lstStyle/>
+          <a:p>
+            <a:pPr algn="ctr"/>
+            <a:r>
+              <a:rPr lang="pt-BR" sz="2000" dirty="0">
+                <a:latin typeface="Arial" pitchFamily="34" charset="0"/>
+                <a:cs typeface="Arial" pitchFamily="34" charset="0"/>
+              </a:rPr>
+              <a:t>Cálculo de Corrente </a:t>
+            </a:r>
+          </a:p>
+        </p:txBody>
+      </p:sp>
+      <mc:AlternateContent xmlns:mc="http://schemas.openxmlformats.org/markup-compatibility/2006">
+        <mc:Choice xmlns:a14="http://schemas.microsoft.com/office/drawing/2010/main" Requires="a14">
+          <p:sp>
+            <p:nvSpPr>
+              <p:cNvPr id="53" name="CaixaDeTexto 52"/>
+              <p:cNvSpPr txBox="1"/>
+              <p:nvPr/>
+            </p:nvSpPr>
+            <p:spPr>
+              <a:xfrm>
+                <a:off x="17787732" y="6857027"/>
+                <a:ext cx="1008546" cy="461665"/>
+              </a:xfrm>
+              <a:prstGeom prst="rect">
+                <a:avLst/>
+              </a:prstGeom>
+              <a:noFill/>
+            </p:spPr>
+            <p:txBody>
+              <a:bodyPr wrap="none" rtlCol="0">
+                <a:spAutoFit/>
+              </a:bodyPr>
+              <a:lstStyle/>
+              <a:p>
+                <a:pPr/>
+                <a14:m>
+                  <m:oMathPara xmlns:m="http://schemas.openxmlformats.org/officeDocument/2006/math">
+                    <m:oMathParaPr>
+                      <m:jc m:val="centerGroup"/>
+                    </m:oMathParaPr>
+                    <m:oMath xmlns:m="http://schemas.openxmlformats.org/officeDocument/2006/math">
+                      <m:r>
+                        <a:rPr lang="pt-BR" sz="2400" b="0" i="1" smtClean="0">
+                          <a:latin typeface="Cambria Math"/>
+                        </a:rPr>
+                        <m:t>𝛼</m:t>
+                      </m:r>
+                      <m:r>
+                        <a:rPr lang="pt-BR" sz="2400" b="0" i="1" smtClean="0">
+                          <a:latin typeface="Cambria Math"/>
+                        </a:rPr>
+                        <m:t>−</m:t>
+                      </m:r>
+                      <m:r>
+                        <a:rPr lang="pt-BR" sz="2400" b="0" i="1" smtClean="0">
+                          <a:latin typeface="Cambria Math"/>
+                        </a:rPr>
+                        <m:t>𝛽</m:t>
+                      </m:r>
+                    </m:oMath>
+                  </m:oMathPara>
+                </a14:m>
+                <a:endParaRPr lang="pt-BR" sz="2400" dirty="0"/>
+              </a:p>
+            </p:txBody>
+          </p:sp>
+        </mc:Choice>
+        <mc:Fallback>
+          <p:sp>
+            <p:nvSpPr>
+              <p:cNvPr id="53" name="CaixaDeTexto 52"/>
+              <p:cNvSpPr txBox="1">
+                <a:spLocks noRot="1" noChangeAspect="1" noMove="1" noResize="1" noEditPoints="1" noAdjustHandles="1" noChangeArrowheads="1" noChangeShapeType="1" noTextEdit="1"/>
+              </p:cNvSpPr>
+              <p:nvPr/>
+            </p:nvSpPr>
+            <p:spPr>
+              <a:xfrm>
+                <a:off x="17787732" y="6857027"/>
+                <a:ext cx="1008546" cy="461665"/>
+              </a:xfrm>
+              <a:prstGeom prst="rect">
+                <a:avLst/>
+              </a:prstGeom>
+              <a:blipFill>
+                <a:blip r:embed="rId21"/>
+                <a:stretch>
+                  <a:fillRect b="-17105"/>
+                </a:stretch>
+              </a:blipFill>
+            </p:spPr>
+            <p:txBody>
+              <a:bodyPr/>
+              <a:lstStyle/>
+              <a:p>
+                <a:r>
+                  <a:rPr lang="pt-BR">
+                    <a:noFill/>
+                  </a:rPr>
+                  <a:t> </a:t>
+                </a:r>
+              </a:p>
+            </p:txBody>
+          </p:sp>
+        </mc:Fallback>
+      </mc:AlternateContent>
+      <p:sp>
+        <p:nvSpPr>
+          <p:cNvPr id="54" name="CaixaDeTexto 53"/>
+          <p:cNvSpPr txBox="1"/>
+          <p:nvPr/>
+        </p:nvSpPr>
+        <p:spPr>
+          <a:xfrm>
+            <a:off x="15191964" y="2095103"/>
+            <a:ext cx="3849259" cy="400110"/>
+          </a:xfrm>
+          <a:prstGeom prst="rect">
+            <a:avLst/>
+          </a:prstGeom>
+          <a:noFill/>
+        </p:spPr>
+        <p:txBody>
+          <a:bodyPr wrap="none" rtlCol="0">
+            <a:spAutoFit/>
+          </a:bodyPr>
+          <a:lstStyle/>
+          <a:p>
+            <a:r>
+              <a:rPr lang="pt-BR" sz="2000" dirty="0">
+                <a:latin typeface="Arial" pitchFamily="34" charset="0"/>
+                <a:cs typeface="Arial" pitchFamily="34" charset="0"/>
+              </a:rPr>
+              <a:t>Transformada Inversa de Clarke</a:t>
+            </a:r>
+          </a:p>
+        </p:txBody>
+      </p:sp>
+      <mc:AlternateContent xmlns:mc="http://schemas.openxmlformats.org/markup-compatibility/2006">
+        <mc:Choice xmlns:a14="http://schemas.microsoft.com/office/drawing/2010/main" Requires="a14">
+          <p:sp>
+            <p:nvSpPr>
+              <p:cNvPr id="57" name="CaixaDeTexto 56"/>
+              <p:cNvSpPr txBox="1"/>
+              <p:nvPr/>
+            </p:nvSpPr>
+            <p:spPr>
+              <a:xfrm>
+                <a:off x="17137105" y="7397223"/>
+                <a:ext cx="642932" cy="579133"/>
+              </a:xfrm>
+              <a:prstGeom prst="rect">
+                <a:avLst/>
+              </a:prstGeom>
+              <a:noFill/>
+            </p:spPr>
+            <p:txBody>
+              <a:bodyPr wrap="none" rtlCol="0">
+                <a:spAutoFit/>
+              </a:bodyPr>
+              <a:lstStyle/>
+              <a:p>
+                <a:pPr/>
+                <a14:m>
+                  <m:oMathPara xmlns:m="http://schemas.openxmlformats.org/officeDocument/2006/math">
+                    <m:oMathParaPr>
+                      <m:jc m:val="centerGroup"/>
+                    </m:oMathParaPr>
+                    <m:oMath xmlns:m="http://schemas.openxmlformats.org/officeDocument/2006/math">
+                      <m:sSubSup>
+                        <m:sSubSupPr>
+                          <m:ctrlPr>
+                            <a:rPr lang="pt-BR" sz="2800" b="0" i="1" smtClean="0">
+                              <a:latin typeface="Cambria Math" panose="02040503050406030204" pitchFamily="18" charset="0"/>
+                            </a:rPr>
+                          </m:ctrlPr>
+                        </m:sSubSupPr>
+                        <m:e>
+                          <m:r>
+                            <a:rPr lang="pt-BR" sz="2800" b="0" i="1" smtClean="0">
+                              <a:latin typeface="Cambria Math"/>
+                            </a:rPr>
+                            <m:t>𝑣</m:t>
+                          </m:r>
+                        </m:e>
+                        <m:sub>
+                          <m:r>
+                            <a:rPr lang="pt-BR" sz="2800" b="0" i="1" smtClean="0">
+                              <a:latin typeface="Cambria Math"/>
+                            </a:rPr>
+                            <m:t>𝛽</m:t>
+                          </m:r>
+                        </m:sub>
+                        <m:sup>
+                          <m:r>
+                            <a:rPr lang="pt-BR" sz="2800" b="0" i="1" smtClean="0">
+                              <a:latin typeface="Cambria Math" panose="02040503050406030204" pitchFamily="18" charset="0"/>
+                            </a:rPr>
+                            <m:t>′</m:t>
+                          </m:r>
+                        </m:sup>
+                      </m:sSubSup>
+                    </m:oMath>
+                  </m:oMathPara>
+                </a14:m>
+                <a:endParaRPr lang="pt-BR" sz="2800" dirty="0"/>
+              </a:p>
+            </p:txBody>
+          </p:sp>
+        </mc:Choice>
+        <mc:Fallback>
+          <p:sp>
+            <p:nvSpPr>
+              <p:cNvPr id="57" name="CaixaDeTexto 56"/>
+              <p:cNvSpPr txBox="1">
+                <a:spLocks noRot="1" noChangeAspect="1" noMove="1" noResize="1" noEditPoints="1" noAdjustHandles="1" noChangeArrowheads="1" noChangeShapeType="1" noTextEdit="1"/>
+              </p:cNvSpPr>
+              <p:nvPr/>
+            </p:nvSpPr>
+            <p:spPr>
+              <a:xfrm>
+                <a:off x="17137105" y="7397223"/>
+                <a:ext cx="642932" cy="579133"/>
+              </a:xfrm>
+              <a:prstGeom prst="rect">
+                <a:avLst/>
+              </a:prstGeom>
+              <a:blipFill>
+                <a:blip r:embed="rId22"/>
+                <a:stretch>
+                  <a:fillRect/>
+                </a:stretch>
+              </a:blipFill>
+            </p:spPr>
+            <p:txBody>
+              <a:bodyPr/>
+              <a:lstStyle/>
+              <a:p>
+                <a:r>
+                  <a:rPr lang="pt-BR">
+                    <a:noFill/>
+                  </a:rPr>
+                  <a:t> </a:t>
+                </a:r>
+              </a:p>
+            </p:txBody>
+          </p:sp>
+        </mc:Fallback>
+      </mc:AlternateContent>
+      <mc:AlternateContent xmlns:mc="http://schemas.openxmlformats.org/markup-compatibility/2006">
+        <mc:Choice xmlns:a14="http://schemas.microsoft.com/office/drawing/2010/main" Requires="a14">
+          <p:sp>
+            <p:nvSpPr>
+              <p:cNvPr id="58" name="CaixaDeTexto 57"/>
+              <p:cNvSpPr txBox="1"/>
+              <p:nvPr/>
+            </p:nvSpPr>
+            <p:spPr>
+              <a:xfrm>
+                <a:off x="16008106" y="7428158"/>
+                <a:ext cx="638508" cy="523220"/>
+              </a:xfrm>
+              <a:prstGeom prst="rect">
+                <a:avLst/>
+              </a:prstGeom>
+              <a:noFill/>
+            </p:spPr>
+            <p:txBody>
+              <a:bodyPr wrap="none" rtlCol="0">
+                <a:spAutoFit/>
+              </a:bodyPr>
+              <a:lstStyle/>
+              <a:p>
+                <a:pPr/>
+                <a14:m>
+                  <m:oMathPara xmlns:m="http://schemas.openxmlformats.org/officeDocument/2006/math">
+                    <m:oMathParaPr>
+                      <m:jc m:val="centerGroup"/>
+                    </m:oMathParaPr>
+                    <m:oMath xmlns:m="http://schemas.openxmlformats.org/officeDocument/2006/math">
+                      <m:sSubSup>
+                        <m:sSubSupPr>
+                          <m:ctrlPr>
+                            <a:rPr lang="pt-BR" sz="2800" b="0" i="1" smtClean="0">
+                              <a:latin typeface="Cambria Math" panose="02040503050406030204" pitchFamily="18" charset="0"/>
+                            </a:rPr>
+                          </m:ctrlPr>
+                        </m:sSubSupPr>
+                        <m:e>
+                          <m:r>
+                            <a:rPr lang="pt-BR" sz="2800" b="0" i="1" smtClean="0">
+                              <a:latin typeface="Cambria Math"/>
+                            </a:rPr>
+                            <m:t>𝑣</m:t>
+                          </m:r>
+                        </m:e>
+                        <m:sub>
+                          <m:r>
+                            <a:rPr lang="pt-BR" sz="2800" b="0" i="1" smtClean="0">
+                              <a:latin typeface="Cambria Math"/>
+                            </a:rPr>
+                            <m:t>𝛼</m:t>
+                          </m:r>
+                        </m:sub>
+                        <m:sup>
+                          <m:r>
+                            <a:rPr lang="pt-BR" sz="2800" b="0" i="1" smtClean="0">
+                              <a:latin typeface="Cambria Math" panose="02040503050406030204" pitchFamily="18" charset="0"/>
+                            </a:rPr>
+                            <m:t>′</m:t>
+                          </m:r>
+                        </m:sup>
+                      </m:sSubSup>
+                    </m:oMath>
+                  </m:oMathPara>
+                </a14:m>
+                <a:endParaRPr lang="pt-BR" dirty="0"/>
+              </a:p>
+            </p:txBody>
+          </p:sp>
+        </mc:Choice>
+        <mc:Fallback>
+          <p:sp>
+            <p:nvSpPr>
+              <p:cNvPr id="58" name="CaixaDeTexto 57"/>
+              <p:cNvSpPr txBox="1">
+                <a:spLocks noRot="1" noChangeAspect="1" noMove="1" noResize="1" noEditPoints="1" noAdjustHandles="1" noChangeArrowheads="1" noChangeShapeType="1" noTextEdit="1"/>
+              </p:cNvSpPr>
+              <p:nvPr/>
+            </p:nvSpPr>
+            <p:spPr>
+              <a:xfrm>
+                <a:off x="16008106" y="7428158"/>
+                <a:ext cx="638508" cy="523220"/>
+              </a:xfrm>
+              <a:prstGeom prst="rect">
+                <a:avLst/>
+              </a:prstGeom>
+              <a:blipFill>
+                <a:blip r:embed="rId23"/>
+                <a:stretch>
+                  <a:fillRect/>
+                </a:stretch>
+              </a:blipFill>
+            </p:spPr>
+            <p:txBody>
+              <a:bodyPr/>
+              <a:lstStyle/>
+              <a:p>
+                <a:r>
+                  <a:rPr lang="pt-BR">
+                    <a:noFill/>
+                  </a:rPr>
+                  <a:t> </a:t>
+                </a:r>
+              </a:p>
+            </p:txBody>
+          </p:sp>
+        </mc:Fallback>
+      </mc:AlternateContent>
+      <p:sp>
+        <p:nvSpPr>
+          <p:cNvPr id="59" name="Elipse 58"/>
+          <p:cNvSpPr/>
+          <p:nvPr/>
+        </p:nvSpPr>
+        <p:spPr>
+          <a:xfrm>
+            <a:off x="6765964" y="4951089"/>
+            <a:ext cx="341549" cy="341549"/>
+          </a:xfrm>
+          <a:prstGeom prst="ellipse">
+            <a:avLst/>
+          </a:prstGeom>
+          <a:noFill/>
+          <a:ln>
+            <a:solidFill>
+              <a:schemeClr val="tx1"/>
+            </a:solidFill>
+          </a:ln>
+        </p:spPr>
+        <p:style>
+          <a:lnRef idx="2">
+            <a:schemeClr val="accent1">
+              <a:shade val="50000"/>
+            </a:schemeClr>
+          </a:lnRef>
+          <a:fillRef idx="1">
+            <a:schemeClr val="accent1"/>
+          </a:fillRef>
+          <a:effectRef idx="0">
+            <a:schemeClr val="accent1"/>
+          </a:effectRef>
+          <a:fontRef idx="minor">
+            <a:schemeClr val="lt1"/>
+          </a:fontRef>
+        </p:style>
+        <p:txBody>
+          <a:bodyPr rtlCol="0" anchor="ctr"/>
+          <a:lstStyle/>
+          <a:p>
+            <a:pPr algn="ctr"/>
+            <a:r>
+              <a:rPr lang="pt-BR" dirty="0">
+                <a:solidFill>
+                  <a:sysClr val="windowText" lastClr="000000"/>
+                </a:solidFill>
+              </a:rPr>
+              <a:t>2</a:t>
+            </a:r>
+          </a:p>
+        </p:txBody>
+      </p:sp>
+      <p:sp>
+        <p:nvSpPr>
+          <p:cNvPr id="60" name="Elipse 59"/>
+          <p:cNvSpPr/>
+          <p:nvPr/>
+        </p:nvSpPr>
+        <p:spPr>
+          <a:xfrm>
+            <a:off x="17047812" y="8098650"/>
+            <a:ext cx="341549" cy="341549"/>
+          </a:xfrm>
+          <a:prstGeom prst="ellipse">
+            <a:avLst/>
+          </a:prstGeom>
+          <a:noFill/>
+          <a:ln>
+            <a:solidFill>
+              <a:schemeClr val="tx1"/>
+            </a:solidFill>
+          </a:ln>
+        </p:spPr>
+        <p:style>
+          <a:lnRef idx="2">
+            <a:schemeClr val="accent1">
+              <a:shade val="50000"/>
+            </a:schemeClr>
+          </a:lnRef>
+          <a:fillRef idx="1">
+            <a:schemeClr val="accent1"/>
+          </a:fillRef>
+          <a:effectRef idx="0">
+            <a:schemeClr val="accent1"/>
+          </a:effectRef>
+          <a:fontRef idx="minor">
+            <a:schemeClr val="lt1"/>
+          </a:fontRef>
+        </p:style>
+        <p:txBody>
+          <a:bodyPr rtlCol="0" anchor="ctr"/>
+          <a:lstStyle/>
+          <a:p>
+            <a:pPr algn="ctr"/>
+            <a:r>
+              <a:rPr lang="pt-BR" dirty="0">
+                <a:solidFill>
+                  <a:sysClr val="windowText" lastClr="000000"/>
+                </a:solidFill>
+              </a:rPr>
+              <a:t>2</a:t>
+            </a:r>
+          </a:p>
+        </p:txBody>
+      </p:sp>
+      <p:sp>
+        <p:nvSpPr>
+          <p:cNvPr id="61" name="Retângulo 60"/>
+          <p:cNvSpPr/>
+          <p:nvPr/>
+        </p:nvSpPr>
+        <p:spPr>
+          <a:xfrm>
+            <a:off x="11075834" y="5741548"/>
+            <a:ext cx="1407646" cy="662448"/>
+          </a:xfrm>
+          <a:prstGeom prst="rect">
+            <a:avLst/>
+          </a:prstGeom>
+          <a:noFill/>
+          <a:ln w="38100">
+            <a:solidFill>
+              <a:schemeClr val="tx1"/>
+            </a:solidFill>
+          </a:ln>
+        </p:spPr>
+        <p:style>
+          <a:lnRef idx="2">
+            <a:schemeClr val="accent1">
+              <a:shade val="50000"/>
+            </a:schemeClr>
+          </a:lnRef>
+          <a:fillRef idx="1">
+            <a:schemeClr val="accent1"/>
+          </a:fillRef>
+          <a:effectRef idx="0">
+            <a:schemeClr val="accent1"/>
+          </a:effectRef>
+          <a:fontRef idx="minor">
+            <a:schemeClr val="lt1"/>
+          </a:fontRef>
+        </p:style>
+        <p:txBody>
+          <a:bodyPr rtlCol="0" anchor="ctr"/>
+          <a:lstStyle/>
+          <a:p>
+            <a:pPr algn="ctr"/>
+            <a:endParaRPr lang="pt-BR">
+              <a:noFill/>
+            </a:endParaRPr>
+          </a:p>
+        </p:txBody>
+      </p:sp>
+      <p:cxnSp>
+        <p:nvCxnSpPr>
+          <p:cNvPr id="62" name="Conector reto 61"/>
+          <p:cNvCxnSpPr/>
+          <p:nvPr/>
+        </p:nvCxnSpPr>
+        <p:spPr>
+          <a:xfrm>
+            <a:off x="11206083" y="5865672"/>
+            <a:ext cx="0" cy="482799"/>
+          </a:xfrm>
+          <a:prstGeom prst="line">
+            <a:avLst/>
+          </a:prstGeom>
+          <a:ln w="19050">
+            <a:solidFill>
+              <a:schemeClr val="tx1"/>
+            </a:solidFill>
+          </a:ln>
+        </p:spPr>
+        <p:style>
+          <a:lnRef idx="1">
+            <a:schemeClr val="accent1"/>
+          </a:lnRef>
+          <a:fillRef idx="0">
+            <a:schemeClr val="accent1"/>
+          </a:fillRef>
+          <a:effectRef idx="0">
+            <a:schemeClr val="accent1"/>
+          </a:effectRef>
+          <a:fontRef idx="minor">
+            <a:schemeClr val="tx1"/>
+          </a:fontRef>
+        </p:style>
+      </p:cxnSp>
+      <p:cxnSp>
+        <p:nvCxnSpPr>
+          <p:cNvPr id="63" name="Conector reto 62"/>
+          <p:cNvCxnSpPr/>
+          <p:nvPr/>
+        </p:nvCxnSpPr>
+        <p:spPr>
+          <a:xfrm>
+            <a:off x="11141253" y="6288578"/>
+            <a:ext cx="1075778" cy="0"/>
+          </a:xfrm>
+          <a:prstGeom prst="line">
+            <a:avLst/>
+          </a:prstGeom>
+          <a:ln w="19050">
+            <a:solidFill>
+              <a:schemeClr val="tx1"/>
+            </a:solidFill>
+          </a:ln>
+        </p:spPr>
+        <p:style>
+          <a:lnRef idx="1">
+            <a:schemeClr val="accent1"/>
+          </a:lnRef>
+          <a:fillRef idx="0">
+            <a:schemeClr val="accent1"/>
+          </a:fillRef>
+          <a:effectRef idx="0">
+            <a:schemeClr val="accent1"/>
+          </a:effectRef>
+          <a:fontRef idx="minor">
+            <a:schemeClr val="tx1"/>
+          </a:fontRef>
+        </p:style>
+      </p:cxnSp>
+      <p:cxnSp>
+        <p:nvCxnSpPr>
+          <p:cNvPr id="64" name="Conector reto 63"/>
+          <p:cNvCxnSpPr/>
+          <p:nvPr/>
+        </p:nvCxnSpPr>
+        <p:spPr>
+          <a:xfrm>
+            <a:off x="11198961" y="5971188"/>
+            <a:ext cx="545431" cy="0"/>
+          </a:xfrm>
+          <a:prstGeom prst="line">
+            <a:avLst/>
+          </a:prstGeom>
+          <a:ln w="12700">
+            <a:solidFill>
+              <a:schemeClr val="tx1"/>
+            </a:solidFill>
+          </a:ln>
+        </p:spPr>
+        <p:style>
+          <a:lnRef idx="1">
+            <a:schemeClr val="accent1"/>
+          </a:lnRef>
+          <a:fillRef idx="0">
+            <a:schemeClr val="accent1"/>
+          </a:fillRef>
+          <a:effectRef idx="0">
+            <a:schemeClr val="accent1"/>
+          </a:effectRef>
+          <a:fontRef idx="minor">
+            <a:schemeClr val="tx1"/>
+          </a:fontRef>
+        </p:style>
+      </p:cxnSp>
+      <p:cxnSp>
+        <p:nvCxnSpPr>
+          <p:cNvPr id="65" name="Conector reto 64"/>
+          <p:cNvCxnSpPr/>
+          <p:nvPr/>
+        </p:nvCxnSpPr>
+        <p:spPr>
+          <a:xfrm>
+            <a:off x="11744393" y="5971188"/>
+            <a:ext cx="281233" cy="317391"/>
+          </a:xfrm>
+          <a:prstGeom prst="line">
+            <a:avLst/>
+          </a:prstGeom>
+          <a:ln w="12700">
+            <a:solidFill>
+              <a:schemeClr val="tx1"/>
+            </a:solidFill>
+          </a:ln>
+        </p:spPr>
+        <p:style>
+          <a:lnRef idx="1">
+            <a:schemeClr val="accent1"/>
+          </a:lnRef>
+          <a:fillRef idx="0">
+            <a:schemeClr val="accent1"/>
+          </a:fillRef>
+          <a:effectRef idx="0">
+            <a:schemeClr val="accent1"/>
+          </a:effectRef>
+          <a:fontRef idx="minor">
+            <a:schemeClr val="tx1"/>
+          </a:fontRef>
+        </p:style>
+      </p:cxnSp>
+      <mc:AlternateContent xmlns:mc="http://schemas.openxmlformats.org/markup-compatibility/2006">
+        <mc:Choice xmlns:a14="http://schemas.microsoft.com/office/drawing/2010/main" Requires="a14">
+          <p:sp>
+            <p:nvSpPr>
+              <p:cNvPr id="66" name="CaixaDeTexto 65"/>
+              <p:cNvSpPr txBox="1"/>
+              <p:nvPr/>
+            </p:nvSpPr>
+            <p:spPr>
+              <a:xfrm>
+                <a:off x="13534743" y="5481964"/>
+                <a:ext cx="1875450" cy="523220"/>
+              </a:xfrm>
+              <a:prstGeom prst="rect">
+                <a:avLst/>
+              </a:prstGeom>
+              <a:noFill/>
+            </p:spPr>
+            <p:txBody>
+              <a:bodyPr wrap="none" rtlCol="0">
+                <a:spAutoFit/>
+              </a:bodyPr>
+              <a:lstStyle/>
+              <a:p>
+                <a:pPr/>
+                <a14:m>
+                  <m:oMathPara xmlns:m="http://schemas.openxmlformats.org/officeDocument/2006/math">
+                    <m:oMathParaPr>
+                      <m:jc m:val="centerGroup"/>
+                    </m:oMathParaPr>
+                    <m:oMath xmlns:m="http://schemas.openxmlformats.org/officeDocument/2006/math">
+                      <m:r>
+                        <a:rPr lang="pt-BR" sz="2800" b="0" i="1" smtClean="0">
+                          <a:latin typeface="Cambria Math"/>
+                        </a:rPr>
+                        <m:t>−</m:t>
+                      </m:r>
+                      <m:acc>
+                        <m:accPr>
+                          <m:chr m:val="̃"/>
+                          <m:ctrlPr>
+                            <a:rPr lang="pt-BR" sz="2800" b="0" i="1" smtClean="0">
+                              <a:latin typeface="Cambria Math" panose="02040503050406030204" pitchFamily="18" charset="0"/>
+                            </a:rPr>
+                          </m:ctrlPr>
+                        </m:accPr>
+                        <m:e>
+                          <m:r>
+                            <a:rPr lang="pt-BR" sz="2800" b="0" i="1" smtClean="0">
+                              <a:latin typeface="Cambria Math"/>
+                            </a:rPr>
+                            <m:t>𝑝</m:t>
+                          </m:r>
+                        </m:e>
+                      </m:acc>
+                      <m:r>
+                        <a:rPr lang="pt-BR" sz="2800" b="0" i="1" smtClean="0">
+                          <a:latin typeface="Cambria Math" panose="02040503050406030204" pitchFamily="18" charset="0"/>
+                        </a:rPr>
+                        <m:t>+</m:t>
+                      </m:r>
+                      <m:sSub>
+                        <m:sSubPr>
+                          <m:ctrlPr>
+                            <a:rPr lang="pt-BR" sz="2800" b="0" i="1" smtClean="0">
+                              <a:latin typeface="Cambria Math" panose="02040503050406030204" pitchFamily="18" charset="0"/>
+                            </a:rPr>
+                          </m:ctrlPr>
+                        </m:sSubPr>
+                        <m:e>
+                          <m:r>
+                            <a:rPr lang="pt-BR" sz="2800" b="0" i="1" smtClean="0">
+                              <a:latin typeface="Cambria Math" panose="02040503050406030204" pitchFamily="18" charset="0"/>
+                            </a:rPr>
+                            <m:t>𝑝</m:t>
+                          </m:r>
+                        </m:e>
+                        <m:sub>
+                          <m:r>
+                            <a:rPr lang="pt-BR" sz="2800" b="0" i="1" smtClean="0">
+                              <a:latin typeface="Cambria Math" panose="02040503050406030204" pitchFamily="18" charset="0"/>
+                            </a:rPr>
+                            <m:t>𝑙𝑜𝑠𝑠</m:t>
+                          </m:r>
+                        </m:sub>
+                      </m:sSub>
+                    </m:oMath>
+                  </m:oMathPara>
+                </a14:m>
+                <a:endParaRPr lang="pt-BR" sz="2800" dirty="0"/>
+              </a:p>
+            </p:txBody>
+          </p:sp>
+        </mc:Choice>
+        <mc:Fallback>
+          <p:sp>
+            <p:nvSpPr>
+              <p:cNvPr id="66" name="CaixaDeTexto 65"/>
+              <p:cNvSpPr txBox="1">
+                <a:spLocks noRot="1" noChangeAspect="1" noMove="1" noResize="1" noEditPoints="1" noAdjustHandles="1" noChangeArrowheads="1" noChangeShapeType="1" noTextEdit="1"/>
+              </p:cNvSpPr>
+              <p:nvPr/>
+            </p:nvSpPr>
+            <p:spPr>
+              <a:xfrm>
+                <a:off x="13534743" y="5481964"/>
+                <a:ext cx="1875450" cy="523220"/>
+              </a:xfrm>
+              <a:prstGeom prst="rect">
+                <a:avLst/>
+              </a:prstGeom>
+              <a:blipFill>
+                <a:blip r:embed="rId24"/>
+                <a:stretch>
+                  <a:fillRect/>
+                </a:stretch>
+              </a:blipFill>
+            </p:spPr>
+            <p:txBody>
+              <a:bodyPr/>
+              <a:lstStyle/>
+              <a:p>
+                <a:r>
+                  <a:rPr lang="pt-BR">
+                    <a:noFill/>
+                  </a:rPr>
+                  <a:t> </a:t>
+                </a:r>
+              </a:p>
+            </p:txBody>
+          </p:sp>
+        </mc:Fallback>
+      </mc:AlternateContent>
+      <mc:AlternateContent xmlns:mc="http://schemas.openxmlformats.org/markup-compatibility/2006">
+        <mc:Choice xmlns:a14="http://schemas.microsoft.com/office/drawing/2010/main" Requires="a14">
+          <p:sp>
+            <p:nvSpPr>
+              <p:cNvPr id="67" name="CaixaDeTexto 66"/>
+              <p:cNvSpPr txBox="1"/>
+              <p:nvPr/>
+            </p:nvSpPr>
+            <p:spPr>
+              <a:xfrm>
+                <a:off x="10458901" y="6614257"/>
+                <a:ext cx="471283" cy="523220"/>
+              </a:xfrm>
+              <a:prstGeom prst="rect">
+                <a:avLst/>
+              </a:prstGeom>
+              <a:noFill/>
+            </p:spPr>
+            <p:txBody>
+              <a:bodyPr wrap="none" rtlCol="0">
+                <a:spAutoFit/>
+              </a:bodyPr>
+              <a:lstStyle/>
+              <a:p>
+                <a:pPr/>
+                <a14:m>
+                  <m:oMathPara xmlns:m="http://schemas.openxmlformats.org/officeDocument/2006/math">
+                    <m:oMathParaPr>
+                      <m:jc m:val="centerGroup"/>
+                    </m:oMathParaPr>
+                    <m:oMath xmlns:m="http://schemas.openxmlformats.org/officeDocument/2006/math">
+                      <m:r>
+                        <a:rPr lang="pt-BR" sz="2800" b="0" i="1" smtClean="0">
+                          <a:latin typeface="Cambria Math"/>
+                        </a:rPr>
+                        <m:t>𝑞</m:t>
+                      </m:r>
+                    </m:oMath>
+                  </m:oMathPara>
+                </a14:m>
+                <a:endParaRPr lang="pt-BR" sz="2800" dirty="0"/>
+              </a:p>
+            </p:txBody>
+          </p:sp>
+        </mc:Choice>
+        <mc:Fallback>
+          <p:sp>
+            <p:nvSpPr>
+              <p:cNvPr id="67" name="CaixaDeTexto 66"/>
+              <p:cNvSpPr txBox="1">
+                <a:spLocks noRot="1" noChangeAspect="1" noMove="1" noResize="1" noEditPoints="1" noAdjustHandles="1" noChangeArrowheads="1" noChangeShapeType="1" noTextEdit="1"/>
+              </p:cNvSpPr>
+              <p:nvPr/>
+            </p:nvSpPr>
+            <p:spPr>
+              <a:xfrm>
+                <a:off x="10458901" y="6614257"/>
+                <a:ext cx="471283" cy="523220"/>
+              </a:xfrm>
+              <a:prstGeom prst="rect">
+                <a:avLst/>
+              </a:prstGeom>
+              <a:blipFill>
+                <a:blip r:embed="rId25"/>
+                <a:stretch>
+                  <a:fillRect/>
+                </a:stretch>
+              </a:blipFill>
+            </p:spPr>
+            <p:txBody>
+              <a:bodyPr/>
+              <a:lstStyle/>
+              <a:p>
+                <a:r>
+                  <a:rPr lang="pt-BR">
+                    <a:noFill/>
+                  </a:rPr>
+                  <a:t> </a:t>
+                </a:r>
+              </a:p>
+            </p:txBody>
+          </p:sp>
+        </mc:Fallback>
+      </mc:AlternateContent>
+      <p:sp>
+        <p:nvSpPr>
+          <p:cNvPr id="68" name="CaixaDeTexto 67"/>
+          <p:cNvSpPr txBox="1"/>
+          <p:nvPr/>
+        </p:nvSpPr>
+        <p:spPr>
+          <a:xfrm>
+            <a:off x="11785540" y="5773156"/>
+            <a:ext cx="682496" cy="324447"/>
+          </a:xfrm>
+          <a:prstGeom prst="rect">
+            <a:avLst/>
+          </a:prstGeom>
+          <a:noFill/>
+        </p:spPr>
+        <p:txBody>
+          <a:bodyPr wrap="square" rtlCol="0">
+            <a:spAutoFit/>
+          </a:bodyPr>
+          <a:lstStyle/>
+          <a:p>
+            <a:pPr algn="ctr"/>
+            <a:r>
+              <a:rPr lang="pt-BR" sz="1400" dirty="0">
+                <a:latin typeface="Arial" pitchFamily="34" charset="0"/>
+                <a:cs typeface="Arial" pitchFamily="34" charset="0"/>
+              </a:rPr>
+              <a:t>FPB</a:t>
+            </a:r>
+          </a:p>
+        </p:txBody>
+      </p:sp>
+      <p:sp>
+        <p:nvSpPr>
+          <p:cNvPr id="69" name="Triângulo isósceles 68"/>
+          <p:cNvSpPr/>
+          <p:nvPr/>
+        </p:nvSpPr>
+        <p:spPr>
+          <a:xfrm rot="5400000">
+            <a:off x="11654640" y="6766043"/>
+            <a:ext cx="510826" cy="730474"/>
+          </a:xfrm>
+          <a:prstGeom prst="triangle">
+            <a:avLst/>
+          </a:prstGeom>
+          <a:noFill/>
+          <a:ln w="38100">
+            <a:solidFill>
+              <a:schemeClr val="tx1"/>
+            </a:solidFill>
+          </a:ln>
+        </p:spPr>
+        <p:style>
+          <a:lnRef idx="2">
+            <a:schemeClr val="accent1">
+              <a:shade val="50000"/>
+            </a:schemeClr>
+          </a:lnRef>
+          <a:fillRef idx="1">
+            <a:schemeClr val="accent1"/>
+          </a:fillRef>
+          <a:effectRef idx="0">
+            <a:schemeClr val="accent1"/>
+          </a:effectRef>
+          <a:fontRef idx="minor">
+            <a:schemeClr val="lt1"/>
+          </a:fontRef>
+        </p:style>
+        <p:txBody>
+          <a:bodyPr rtlCol="0" anchor="ctr"/>
+          <a:lstStyle/>
+          <a:p>
+            <a:pPr algn="ctr"/>
+            <a:endParaRPr lang="pt-BR">
+              <a:noFill/>
+            </a:endParaRPr>
+          </a:p>
+        </p:txBody>
+      </p:sp>
+      <mc:AlternateContent xmlns:mc="http://schemas.openxmlformats.org/markup-compatibility/2006">
+        <mc:Choice xmlns:a14="http://schemas.microsoft.com/office/drawing/2010/main" Requires="a14">
+          <p:sp>
+            <p:nvSpPr>
+              <p:cNvPr id="70" name="CaixaDeTexto 69"/>
+              <p:cNvSpPr txBox="1"/>
+              <p:nvPr/>
+            </p:nvSpPr>
+            <p:spPr>
+              <a:xfrm>
+                <a:off x="11437166" y="6892344"/>
+                <a:ext cx="652743" cy="461665"/>
+              </a:xfrm>
+              <a:prstGeom prst="rect">
+                <a:avLst/>
+              </a:prstGeom>
+              <a:noFill/>
+            </p:spPr>
+            <p:txBody>
+              <a:bodyPr wrap="none" rtlCol="0">
+                <a:spAutoFit/>
+              </a:bodyPr>
+              <a:lstStyle/>
+              <a:p>
+                <a:pPr/>
+                <a14:m>
+                  <m:oMathPara xmlns:m="http://schemas.openxmlformats.org/officeDocument/2006/math">
+                    <m:oMathParaPr>
+                      <m:jc m:val="centerGroup"/>
+                    </m:oMathParaPr>
+                    <m:oMath xmlns:m="http://schemas.openxmlformats.org/officeDocument/2006/math">
+                      <m:r>
+                        <a:rPr lang="pt-BR" sz="2400" b="0" i="1" smtClean="0">
+                          <a:latin typeface="Cambria Math"/>
+                        </a:rPr>
+                        <m:t>−1</m:t>
+                      </m:r>
+                    </m:oMath>
+                  </m:oMathPara>
+                </a14:m>
+                <a:endParaRPr lang="pt-BR" dirty="0"/>
+              </a:p>
+            </p:txBody>
+          </p:sp>
+        </mc:Choice>
+        <mc:Fallback>
+          <p:sp>
+            <p:nvSpPr>
+              <p:cNvPr id="70" name="CaixaDeTexto 69"/>
+              <p:cNvSpPr txBox="1">
+                <a:spLocks noRot="1" noChangeAspect="1" noMove="1" noResize="1" noEditPoints="1" noAdjustHandles="1" noChangeArrowheads="1" noChangeShapeType="1" noTextEdit="1"/>
+              </p:cNvSpPr>
+              <p:nvPr/>
+            </p:nvSpPr>
+            <p:spPr>
+              <a:xfrm>
+                <a:off x="11437166" y="6892344"/>
+                <a:ext cx="652743" cy="461665"/>
+              </a:xfrm>
+              <a:prstGeom prst="rect">
+                <a:avLst/>
+              </a:prstGeom>
+              <a:blipFill>
+                <a:blip r:embed="rId26"/>
+                <a:stretch>
+                  <a:fillRect/>
+                </a:stretch>
+              </a:blipFill>
+            </p:spPr>
+            <p:txBody>
+              <a:bodyPr/>
+              <a:lstStyle/>
+              <a:p>
+                <a:r>
+                  <a:rPr lang="pt-BR">
+                    <a:noFill/>
+                  </a:rPr>
+                  <a:t> </a:t>
+                </a:r>
+              </a:p>
+            </p:txBody>
+          </p:sp>
+        </mc:Fallback>
+      </mc:AlternateContent>
+      <p:pic>
+        <p:nvPicPr>
+          <p:cNvPr id="72" name="Picture 2"/>
+          <p:cNvPicPr>
+            <a:picLocks noChangeAspect="1" noChangeArrowheads="1"/>
+          </p:cNvPicPr>
+          <p:nvPr/>
+        </p:nvPicPr>
+        <p:blipFill>
+          <a:blip r:embed="rId27" cstate="print">
+            <a:extLst>
+              <a:ext uri="{28A0092B-C50C-407E-A947-70E740481C1C}">
+                <a14:useLocalDpi xmlns:a14="http://schemas.microsoft.com/office/drawing/2010/main" val="0"/>
+              </a:ext>
+            </a:extLst>
+          </a:blip>
+          <a:srcRect/>
+          <a:stretch>
+            <a:fillRect/>
+          </a:stretch>
+        </p:blipFill>
+        <p:spPr bwMode="auto">
+          <a:xfrm>
+            <a:off x="15499105" y="6173270"/>
+            <a:ext cx="3276000" cy="638902"/>
+          </a:xfrm>
+          <a:prstGeom prst="rect">
+            <a:avLst/>
+          </a:prstGeom>
+          <a:noFill/>
+          <a:ln>
+            <a:noFill/>
+          </a:ln>
+          <a:effectLst/>
+          <a:extLst>
+            <a:ext uri="{909E8E84-426E-40DD-AFC4-6F175D3DCCD1}">
+              <a14:hiddenFill xmlns:a14="http://schemas.microsoft.com/office/drawing/2010/main">
+                <a:solidFill>
+                  <a:schemeClr val="accent1"/>
+                </a:solidFill>
+              </a14:hiddenFill>
+            </a:ext>
+            <a:ext uri="{91240B29-F687-4F45-9708-019B960494DF}">
+              <a14:hiddenLine xmlns:a14="http://schemas.microsoft.com/office/drawing/2010/main" w="9525">
+                <a:solidFill>
+                  <a:schemeClr val="tx1"/>
+                </a:solidFill>
+                <a:miter lim="800000"/>
+                <a:headEnd/>
+                <a:tailEnd/>
+              </a14:hiddenLine>
+            </a:ext>
+            <a:ext uri="{AF507438-7753-43E0-B8FC-AC1667EBCBE1}">
+              <a14:hiddenEffects xmlns:a14="http://schemas.microsoft.com/office/drawing/2010/main">
+                <a:effectLst>
+                  <a:outerShdw dist="35921" dir="2700000" algn="ctr" rotWithShape="0">
+                    <a:schemeClr val="bg2"/>
+                  </a:outerShdw>
+                </a:effectLst>
+              </a14:hiddenEffects>
+            </a:ext>
+          </a:extLst>
+        </p:spPr>
+      </p:pic>
+      <mc:AlternateContent xmlns:mc="http://schemas.openxmlformats.org/markup-compatibility/2006">
+        <mc:Choice xmlns:a14="http://schemas.microsoft.com/office/drawing/2010/main" Requires="a14">
+          <p:sp>
+            <p:nvSpPr>
+              <p:cNvPr id="84" name="CaixaDeTexto 86"/>
+              <p:cNvSpPr txBox="1"/>
+              <p:nvPr/>
+            </p:nvSpPr>
+            <p:spPr>
+              <a:xfrm>
+                <a:off x="12631942" y="5481964"/>
+                <a:ext cx="471155" cy="523220"/>
+              </a:xfrm>
+              <a:prstGeom prst="rect">
+                <a:avLst/>
+              </a:prstGeom>
+              <a:noFill/>
+            </p:spPr>
+            <p:txBody>
+              <a:bodyPr wrap="none" rtlCol="0">
+                <a:spAutoFit/>
+              </a:bodyPr>
+              <a:lstStyle/>
+              <a:p>
+                <a:pPr/>
+                <a14:m>
+                  <m:oMathPara xmlns:m="http://schemas.openxmlformats.org/officeDocument/2006/math">
+                    <m:oMathParaPr>
+                      <m:jc m:val="centerGroup"/>
+                    </m:oMathParaPr>
+                    <m:oMath xmlns:m="http://schemas.openxmlformats.org/officeDocument/2006/math">
+                      <m:bar>
+                        <m:barPr>
+                          <m:pos m:val="top"/>
+                          <m:ctrlPr>
+                            <a:rPr lang="pt-BR" sz="2800" b="0" i="1" smtClean="0">
+                              <a:latin typeface="Cambria Math" panose="02040503050406030204" pitchFamily="18" charset="0"/>
+                            </a:rPr>
+                          </m:ctrlPr>
+                        </m:barPr>
+                        <m:e>
+                          <m:r>
+                            <a:rPr lang="pt-BR" sz="2800" b="0" i="1" smtClean="0">
+                              <a:latin typeface="Cambria Math" panose="02040503050406030204" pitchFamily="18" charset="0"/>
+                            </a:rPr>
+                            <m:t>𝑝</m:t>
+                          </m:r>
+                        </m:e>
+                      </m:bar>
+                    </m:oMath>
+                  </m:oMathPara>
+                </a14:m>
+                <a:endParaRPr lang="pt-BR" dirty="0"/>
+              </a:p>
+            </p:txBody>
+          </p:sp>
+        </mc:Choice>
+        <mc:Fallback>
+          <p:sp>
+            <p:nvSpPr>
+              <p:cNvPr id="84" name="CaixaDeTexto 86"/>
+              <p:cNvSpPr txBox="1">
+                <a:spLocks noRot="1" noChangeAspect="1" noMove="1" noResize="1" noEditPoints="1" noAdjustHandles="1" noChangeArrowheads="1" noChangeShapeType="1" noTextEdit="1"/>
+              </p:cNvSpPr>
+              <p:nvPr/>
+            </p:nvSpPr>
+            <p:spPr>
+              <a:xfrm>
+                <a:off x="12631942" y="5481964"/>
+                <a:ext cx="471155" cy="523220"/>
+              </a:xfrm>
+              <a:prstGeom prst="rect">
+                <a:avLst/>
+              </a:prstGeom>
+              <a:blipFill>
+                <a:blip r:embed="rId28"/>
+                <a:stretch>
+                  <a:fillRect/>
+                </a:stretch>
+              </a:blipFill>
+            </p:spPr>
+            <p:txBody>
+              <a:bodyPr/>
+              <a:lstStyle/>
+              <a:p>
+                <a:r>
+                  <a:rPr lang="pt-BR">
+                    <a:noFill/>
+                  </a:rPr>
+                  <a:t> </a:t>
+                </a:r>
+              </a:p>
+            </p:txBody>
+          </p:sp>
+        </mc:Fallback>
+      </mc:AlternateContent>
+      <p:sp>
+        <p:nvSpPr>
+          <p:cNvPr id="88" name="Elipse 101"/>
+          <p:cNvSpPr/>
+          <p:nvPr/>
+        </p:nvSpPr>
+        <p:spPr>
+          <a:xfrm>
+            <a:off x="10568414" y="6047641"/>
+            <a:ext cx="75900" cy="74262"/>
+          </a:xfrm>
+          <a:prstGeom prst="ellipse">
+            <a:avLst/>
+          </a:prstGeom>
+          <a:solidFill>
+            <a:schemeClr val="tx1"/>
+          </a:solidFill>
+          <a:ln w="38100">
+            <a:solidFill>
+              <a:schemeClr val="tx1"/>
+            </a:solidFill>
+          </a:ln>
+        </p:spPr>
+        <p:style>
+          <a:lnRef idx="2">
+            <a:schemeClr val="accent1">
+              <a:shade val="50000"/>
+            </a:schemeClr>
+          </a:lnRef>
+          <a:fillRef idx="1">
+            <a:schemeClr val="accent1"/>
+          </a:fillRef>
+          <a:effectRef idx="0">
+            <a:schemeClr val="accent1"/>
+          </a:effectRef>
+          <a:fontRef idx="minor">
+            <a:schemeClr val="lt1"/>
+          </a:fontRef>
+        </p:style>
+        <p:txBody>
+          <a:bodyPr rtlCol="0" anchor="ctr"/>
+          <a:lstStyle/>
+          <a:p>
+            <a:pPr algn="ctr"/>
+            <a:endParaRPr lang="pt-BR">
+              <a:noFill/>
+            </a:endParaRPr>
+          </a:p>
+        </p:txBody>
+      </p:sp>
+      <p:sp>
+        <p:nvSpPr>
+          <p:cNvPr id="97" name="Retângulo 96"/>
+          <p:cNvSpPr/>
+          <p:nvPr/>
+        </p:nvSpPr>
+        <p:spPr>
+          <a:xfrm>
+            <a:off x="4808818" y="2345193"/>
+            <a:ext cx="1710000" cy="1710000"/>
+          </a:xfrm>
+          <a:prstGeom prst="rect">
+            <a:avLst/>
+          </a:prstGeom>
+          <a:noFill/>
+          <a:ln w="38100">
+            <a:solidFill>
+              <a:schemeClr val="tx1"/>
+            </a:solidFill>
+          </a:ln>
+        </p:spPr>
+        <p:style>
+          <a:lnRef idx="2">
+            <a:schemeClr val="accent1">
+              <a:shade val="50000"/>
+            </a:schemeClr>
+          </a:lnRef>
+          <a:fillRef idx="1">
+            <a:schemeClr val="accent1"/>
+          </a:fillRef>
+          <a:effectRef idx="0">
+            <a:schemeClr val="accent1"/>
+          </a:effectRef>
+          <a:fontRef idx="minor">
+            <a:schemeClr val="lt1"/>
+          </a:fontRef>
+        </p:style>
+        <p:txBody>
+          <a:bodyPr rtlCol="0" anchor="ctr"/>
+          <a:lstStyle/>
+          <a:p>
+            <a:pPr algn="ctr"/>
+            <a:r>
+              <a:rPr lang="pt-BR" sz="2400" dirty="0">
+                <a:solidFill>
+                  <a:schemeClr val="tx1"/>
+                </a:solidFill>
+              </a:rPr>
+              <a:t>Controlador PI</a:t>
+            </a:r>
+          </a:p>
+        </p:txBody>
+      </p:sp>
+      <mc:AlternateContent xmlns:mc="http://schemas.openxmlformats.org/markup-compatibility/2006">
+        <mc:Choice xmlns:a14="http://schemas.microsoft.com/office/drawing/2010/main" Requires="a14">
+          <p:sp>
+            <p:nvSpPr>
+              <p:cNvPr id="98" name="CaixaDeTexto 97"/>
+              <p:cNvSpPr txBox="1"/>
+              <p:nvPr/>
+            </p:nvSpPr>
+            <p:spPr>
+              <a:xfrm>
+                <a:off x="3926878" y="-186792"/>
+                <a:ext cx="1159998" cy="608372"/>
+              </a:xfrm>
+              <a:prstGeom prst="rect">
+                <a:avLst/>
+              </a:prstGeom>
+              <a:noFill/>
+            </p:spPr>
+            <p:txBody>
+              <a:bodyPr wrap="none" rtlCol="0">
+                <a:spAutoFit/>
+              </a:bodyPr>
+              <a:lstStyle/>
+              <a:p>
+                <a:pPr/>
+                <a14:m>
+                  <m:oMathPara xmlns:m="http://schemas.openxmlformats.org/officeDocument/2006/math">
+                    <m:oMathParaPr>
+                      <m:jc m:val="centerGroup"/>
+                    </m:oMathParaPr>
+                    <m:oMath xmlns:m="http://schemas.openxmlformats.org/officeDocument/2006/math">
+                      <m:sSub>
+                        <m:sSubPr>
+                          <m:ctrlPr>
+                            <a:rPr lang="pt-BR" sz="2800" b="0" i="1" smtClean="0">
+                              <a:latin typeface="Cambria Math" panose="02040503050406030204" pitchFamily="18" charset="0"/>
+                            </a:rPr>
+                          </m:ctrlPr>
+                        </m:sSubPr>
+                        <m:e>
+                          <m:r>
+                            <a:rPr lang="pt-BR" sz="2800" b="0" i="1" smtClean="0">
+                              <a:latin typeface="Cambria Math"/>
+                            </a:rPr>
+                            <m:t>𝑉</m:t>
+                          </m:r>
+                        </m:e>
+                        <m:sub>
+                          <m:r>
+                            <a:rPr lang="pt-BR" sz="2800" b="0" i="1" smtClean="0">
+                              <a:latin typeface="Cambria Math"/>
+                            </a:rPr>
+                            <m:t>𝑑</m:t>
+                          </m:r>
+                          <m:sSub>
+                            <m:sSubPr>
+                              <m:ctrlPr>
+                                <a:rPr lang="pt-BR" sz="2800" b="0" i="1" smtClean="0">
+                                  <a:latin typeface="Cambria Math" panose="02040503050406030204" pitchFamily="18" charset="0"/>
+                                </a:rPr>
+                              </m:ctrlPr>
+                            </m:sSubPr>
+                            <m:e>
+                              <m:r>
+                                <a:rPr lang="pt-BR" sz="2800" b="0" i="1" smtClean="0">
+                                  <a:latin typeface="Cambria Math"/>
+                                </a:rPr>
+                                <m:t>𝑐</m:t>
+                              </m:r>
+                            </m:e>
+                            <m:sub>
+                              <m:r>
+                                <a:rPr lang="pt-BR" sz="2800" b="0" i="1" smtClean="0">
+                                  <a:latin typeface="Cambria Math"/>
+                                </a:rPr>
+                                <m:t>𝑟𝑒𝑓</m:t>
+                              </m:r>
+                            </m:sub>
+                          </m:sSub>
+                        </m:sub>
+                      </m:sSub>
+                    </m:oMath>
+                  </m:oMathPara>
+                </a14:m>
+                <a:endParaRPr lang="pt-BR" sz="2800" dirty="0"/>
+              </a:p>
+            </p:txBody>
+          </p:sp>
+        </mc:Choice>
+        <mc:Fallback>
+          <p:sp>
+            <p:nvSpPr>
+              <p:cNvPr id="98" name="CaixaDeTexto 97"/>
+              <p:cNvSpPr txBox="1">
+                <a:spLocks noRot="1" noChangeAspect="1" noMove="1" noResize="1" noEditPoints="1" noAdjustHandles="1" noChangeArrowheads="1" noChangeShapeType="1" noTextEdit="1"/>
+              </p:cNvSpPr>
+              <p:nvPr/>
+            </p:nvSpPr>
+            <p:spPr>
+              <a:xfrm>
+                <a:off x="3926878" y="-186792"/>
+                <a:ext cx="1159998" cy="608372"/>
+              </a:xfrm>
+              <a:prstGeom prst="rect">
+                <a:avLst/>
+              </a:prstGeom>
+              <a:blipFill>
+                <a:blip r:embed="rId29"/>
+                <a:stretch>
+                  <a:fillRect/>
+                </a:stretch>
+              </a:blipFill>
+            </p:spPr>
+            <p:txBody>
+              <a:bodyPr/>
+              <a:lstStyle/>
+              <a:p>
+                <a:r>
+                  <a:rPr lang="pt-BR">
+                    <a:noFill/>
+                  </a:rPr>
+                  <a:t> </a:t>
+                </a:r>
+              </a:p>
+            </p:txBody>
+          </p:sp>
+        </mc:Fallback>
+      </mc:AlternateContent>
+      <mc:AlternateContent xmlns:mc="http://schemas.openxmlformats.org/markup-compatibility/2006">
+        <mc:Choice xmlns:a14="http://schemas.microsoft.com/office/drawing/2010/main" Requires="a14">
+          <p:sp>
+            <p:nvSpPr>
+              <p:cNvPr id="99" name="CaixaDeTexto 98"/>
+              <p:cNvSpPr txBox="1"/>
+              <p:nvPr/>
+            </p:nvSpPr>
+            <p:spPr>
+              <a:xfrm>
+                <a:off x="6034061" y="-323251"/>
+                <a:ext cx="767646" cy="523220"/>
+              </a:xfrm>
+              <a:prstGeom prst="rect">
+                <a:avLst/>
+              </a:prstGeom>
+              <a:noFill/>
+            </p:spPr>
+            <p:txBody>
+              <a:bodyPr wrap="none" rtlCol="0">
+                <a:spAutoFit/>
+              </a:bodyPr>
+              <a:lstStyle/>
+              <a:p>
+                <a:pPr/>
+                <a14:m>
+                  <m:oMathPara xmlns:m="http://schemas.openxmlformats.org/officeDocument/2006/math">
+                    <m:oMathParaPr>
+                      <m:jc m:val="centerGroup"/>
+                    </m:oMathParaPr>
+                    <m:oMath xmlns:m="http://schemas.openxmlformats.org/officeDocument/2006/math">
+                      <m:sSub>
+                        <m:sSubPr>
+                          <m:ctrlPr>
+                            <a:rPr lang="pt-BR" sz="2800" b="0" i="1" smtClean="0">
+                              <a:latin typeface="Cambria Math" panose="02040503050406030204" pitchFamily="18" charset="0"/>
+                            </a:rPr>
+                          </m:ctrlPr>
+                        </m:sSubPr>
+                        <m:e>
+                          <m:r>
+                            <a:rPr lang="pt-BR" sz="2800" b="0" i="1" smtClean="0">
+                              <a:latin typeface="Cambria Math"/>
+                            </a:rPr>
+                            <m:t>𝑉</m:t>
+                          </m:r>
+                        </m:e>
+                        <m:sub>
+                          <m:r>
+                            <a:rPr lang="pt-BR" sz="2800" b="0" i="1" smtClean="0">
+                              <a:latin typeface="Cambria Math"/>
+                            </a:rPr>
+                            <m:t>𝑑𝑐</m:t>
+                          </m:r>
+                        </m:sub>
+                      </m:sSub>
+                    </m:oMath>
+                  </m:oMathPara>
+                </a14:m>
+                <a:endParaRPr lang="pt-BR" sz="4000" dirty="0"/>
+              </a:p>
+            </p:txBody>
+          </p:sp>
+        </mc:Choice>
+        <mc:Fallback>
+          <p:sp>
+            <p:nvSpPr>
+              <p:cNvPr id="99" name="CaixaDeTexto 98"/>
+              <p:cNvSpPr txBox="1">
+                <a:spLocks noRot="1" noChangeAspect="1" noMove="1" noResize="1" noEditPoints="1" noAdjustHandles="1" noChangeArrowheads="1" noChangeShapeType="1" noTextEdit="1"/>
+              </p:cNvSpPr>
+              <p:nvPr/>
+            </p:nvSpPr>
+            <p:spPr>
+              <a:xfrm>
+                <a:off x="6034061" y="-323251"/>
+                <a:ext cx="767646" cy="523220"/>
+              </a:xfrm>
+              <a:prstGeom prst="rect">
+                <a:avLst/>
+              </a:prstGeom>
+              <a:blipFill>
+                <a:blip r:embed="rId30"/>
+                <a:stretch>
+                  <a:fillRect/>
+                </a:stretch>
+              </a:blipFill>
+            </p:spPr>
+            <p:txBody>
+              <a:bodyPr/>
+              <a:lstStyle/>
+              <a:p>
+                <a:r>
+                  <a:rPr lang="pt-BR">
+                    <a:noFill/>
+                  </a:rPr>
+                  <a:t> </a:t>
+                </a:r>
+              </a:p>
+            </p:txBody>
+          </p:sp>
+        </mc:Fallback>
+      </mc:AlternateContent>
+      <p:sp>
+        <p:nvSpPr>
+          <p:cNvPr id="124" name="CaixaDeTexto 85"/>
+          <p:cNvSpPr txBox="1"/>
+          <p:nvPr/>
+        </p:nvSpPr>
+        <p:spPr>
+          <a:xfrm>
+            <a:off x="13321205" y="5908285"/>
+            <a:ext cx="296271" cy="584775"/>
+          </a:xfrm>
+          <a:prstGeom prst="rect">
+            <a:avLst/>
+          </a:prstGeom>
+          <a:noFill/>
+        </p:spPr>
+        <p:txBody>
+          <a:bodyPr wrap="square" rtlCol="0">
+            <a:spAutoFit/>
+          </a:bodyPr>
+          <a:lstStyle/>
+          <a:p>
+            <a:pPr algn="ctr"/>
+            <a:r>
+              <a:rPr lang="pt-BR" sz="3200" dirty="0">
+                <a:latin typeface="Arial" pitchFamily="34" charset="0"/>
+                <a:cs typeface="Arial" pitchFamily="34" charset="0"/>
+              </a:rPr>
+              <a:t>-</a:t>
+            </a:r>
+            <a:endParaRPr lang="pt-BR" sz="2800" dirty="0">
+              <a:latin typeface="Arial" pitchFamily="34" charset="0"/>
+              <a:cs typeface="Arial" pitchFamily="34" charset="0"/>
+            </a:endParaRPr>
+          </a:p>
+        </p:txBody>
+      </p:sp>
+      <p:sp>
+        <p:nvSpPr>
+          <p:cNvPr id="125" name="CaixaDeTexto 85"/>
+          <p:cNvSpPr txBox="1"/>
+          <p:nvPr/>
+        </p:nvSpPr>
+        <p:spPr>
+          <a:xfrm>
+            <a:off x="13185853" y="5811193"/>
+            <a:ext cx="296271" cy="523220"/>
+          </a:xfrm>
+          <a:prstGeom prst="rect">
+            <a:avLst/>
+          </a:prstGeom>
+          <a:noFill/>
+        </p:spPr>
+        <p:txBody>
+          <a:bodyPr wrap="square" rtlCol="0">
+            <a:spAutoFit/>
+          </a:bodyPr>
+          <a:lstStyle/>
+          <a:p>
+            <a:pPr algn="ctr"/>
+            <a:r>
+              <a:rPr lang="pt-BR" sz="2800" dirty="0">
+                <a:latin typeface="Arial" pitchFamily="34" charset="0"/>
+                <a:cs typeface="Arial" pitchFamily="34" charset="0"/>
+              </a:rPr>
+              <a:t>+</a:t>
+            </a:r>
+            <a:endParaRPr lang="pt-BR" sz="2400" dirty="0">
+              <a:latin typeface="Arial" pitchFamily="34" charset="0"/>
+              <a:cs typeface="Arial" pitchFamily="34" charset="0"/>
+            </a:endParaRPr>
+          </a:p>
+        </p:txBody>
+      </p:sp>
+      <p:sp>
+        <p:nvSpPr>
+          <p:cNvPr id="126" name="CaixaDeTexto 85"/>
+          <p:cNvSpPr txBox="1"/>
+          <p:nvPr/>
+        </p:nvSpPr>
+        <p:spPr>
+          <a:xfrm>
+            <a:off x="13328036" y="5638274"/>
+            <a:ext cx="296271" cy="584775"/>
+          </a:xfrm>
+          <a:prstGeom prst="rect">
+            <a:avLst/>
+          </a:prstGeom>
+          <a:noFill/>
+        </p:spPr>
+        <p:txBody>
+          <a:bodyPr wrap="square" rtlCol="0">
+            <a:spAutoFit/>
+          </a:bodyPr>
+          <a:lstStyle/>
+          <a:p>
+            <a:pPr algn="ctr"/>
+            <a:r>
+              <a:rPr lang="pt-BR" sz="3200" dirty="0">
+                <a:latin typeface="Arial" pitchFamily="34" charset="0"/>
+                <a:cs typeface="Arial" pitchFamily="34" charset="0"/>
+              </a:rPr>
+              <a:t>+</a:t>
+            </a:r>
+            <a:endParaRPr lang="pt-BR" sz="2800" dirty="0">
+              <a:latin typeface="Arial" pitchFamily="34" charset="0"/>
+              <a:cs typeface="Arial" pitchFamily="34" charset="0"/>
+            </a:endParaRPr>
+          </a:p>
+        </p:txBody>
+      </p:sp>
+      <p:cxnSp>
+        <p:nvCxnSpPr>
+          <p:cNvPr id="127" name="Conector de seta reta 22"/>
+          <p:cNvCxnSpPr>
+            <a:stCxn id="61" idx="3"/>
+            <a:endCxn id="125" idx="1"/>
+          </p:cNvCxnSpPr>
+          <p:nvPr/>
+        </p:nvCxnSpPr>
+        <p:spPr>
+          <a:xfrm>
+            <a:off x="12483480" y="6072772"/>
+            <a:ext cx="702373" cy="31"/>
+          </a:xfrm>
+          <a:prstGeom prst="straightConnector1">
+            <a:avLst/>
+          </a:prstGeom>
+          <a:ln w="38100">
+            <a:solidFill>
+              <a:schemeClr val="tx1"/>
+            </a:solidFill>
+            <a:tailEnd type="arrow"/>
+          </a:ln>
+        </p:spPr>
+        <p:style>
+          <a:lnRef idx="1">
+            <a:schemeClr val="accent1"/>
+          </a:lnRef>
+          <a:fillRef idx="0">
+            <a:schemeClr val="accent1"/>
+          </a:fillRef>
+          <a:effectRef idx="0">
+            <a:schemeClr val="accent1"/>
+          </a:effectRef>
+          <a:fontRef idx="minor">
+            <a:schemeClr val="tx1"/>
+          </a:fontRef>
+        </p:style>
+      </p:cxnSp>
+      <p:cxnSp>
+        <p:nvCxnSpPr>
+          <p:cNvPr id="131" name="Conector de seta reta 22"/>
+          <p:cNvCxnSpPr/>
+          <p:nvPr/>
+        </p:nvCxnSpPr>
+        <p:spPr>
+          <a:xfrm flipH="1" flipV="1">
+            <a:off x="13468176" y="6365691"/>
+            <a:ext cx="0" cy="405573"/>
+          </a:xfrm>
+          <a:prstGeom prst="straightConnector1">
+            <a:avLst/>
+          </a:prstGeom>
+          <a:ln w="38100">
+            <a:solidFill>
+              <a:schemeClr val="tx1"/>
+            </a:solidFill>
+            <a:tailEnd type="arrow"/>
+          </a:ln>
+        </p:spPr>
+        <p:style>
+          <a:lnRef idx="1">
+            <a:schemeClr val="accent1"/>
+          </a:lnRef>
+          <a:fillRef idx="0">
+            <a:schemeClr val="accent1"/>
+          </a:fillRef>
+          <a:effectRef idx="0">
+            <a:schemeClr val="accent1"/>
+          </a:effectRef>
+          <a:fontRef idx="minor">
+            <a:schemeClr val="tx1"/>
+          </a:fontRef>
+        </p:style>
+      </p:cxnSp>
+      <p:cxnSp>
+        <p:nvCxnSpPr>
+          <p:cNvPr id="133" name="Conector reto 90"/>
+          <p:cNvCxnSpPr/>
+          <p:nvPr/>
+        </p:nvCxnSpPr>
+        <p:spPr>
+          <a:xfrm>
+            <a:off x="10606364" y="6771262"/>
+            <a:ext cx="2890631" cy="0"/>
+          </a:xfrm>
+          <a:prstGeom prst="line">
+            <a:avLst/>
+          </a:prstGeom>
+          <a:ln w="38100">
+            <a:solidFill>
+              <a:schemeClr val="tx1"/>
+            </a:solidFill>
+          </a:ln>
+        </p:spPr>
+        <p:style>
+          <a:lnRef idx="1">
+            <a:schemeClr val="accent1"/>
+          </a:lnRef>
+          <a:fillRef idx="0">
+            <a:schemeClr val="accent1"/>
+          </a:fillRef>
+          <a:effectRef idx="0">
+            <a:schemeClr val="accent1"/>
+          </a:effectRef>
+          <a:fontRef idx="minor">
+            <a:schemeClr val="tx1"/>
+          </a:fontRef>
+        </p:style>
+      </p:cxnSp>
+      <p:cxnSp>
+        <p:nvCxnSpPr>
+          <p:cNvPr id="134" name="Conector reto 90"/>
+          <p:cNvCxnSpPr/>
+          <p:nvPr/>
+        </p:nvCxnSpPr>
+        <p:spPr>
+          <a:xfrm flipH="1">
+            <a:off x="10600892" y="6140931"/>
+            <a:ext cx="5821" cy="630331"/>
+          </a:xfrm>
+          <a:prstGeom prst="line">
+            <a:avLst/>
+          </a:prstGeom>
+          <a:ln w="38100">
+            <a:solidFill>
+              <a:schemeClr val="tx1"/>
+            </a:solidFill>
+          </a:ln>
+        </p:spPr>
+        <p:style>
+          <a:lnRef idx="1">
+            <a:schemeClr val="accent1"/>
+          </a:lnRef>
+          <a:fillRef idx="0">
+            <a:schemeClr val="accent1"/>
+          </a:fillRef>
+          <a:effectRef idx="0">
+            <a:schemeClr val="accent1"/>
+          </a:effectRef>
+          <a:fontRef idx="minor">
+            <a:schemeClr val="tx1"/>
+          </a:fontRef>
+        </p:style>
+      </p:cxnSp>
+      <p:cxnSp>
+        <p:nvCxnSpPr>
+          <p:cNvPr id="141" name="Conector de seta reta 22"/>
+          <p:cNvCxnSpPr/>
+          <p:nvPr/>
+        </p:nvCxnSpPr>
+        <p:spPr>
+          <a:xfrm>
+            <a:off x="10306791" y="7134660"/>
+            <a:ext cx="1238025" cy="0"/>
+          </a:xfrm>
+          <a:prstGeom prst="straightConnector1">
+            <a:avLst/>
+          </a:prstGeom>
+          <a:ln w="38100">
+            <a:solidFill>
+              <a:schemeClr val="tx1"/>
+            </a:solidFill>
+            <a:tailEnd type="arrow"/>
+          </a:ln>
+        </p:spPr>
+        <p:style>
+          <a:lnRef idx="1">
+            <a:schemeClr val="accent1"/>
+          </a:lnRef>
+          <a:fillRef idx="0">
+            <a:schemeClr val="accent1"/>
+          </a:fillRef>
+          <a:effectRef idx="0">
+            <a:schemeClr val="accent1"/>
+          </a:effectRef>
+          <a:fontRef idx="minor">
+            <a:schemeClr val="tx1"/>
+          </a:fontRef>
+        </p:style>
+      </p:cxnSp>
+      <p:cxnSp>
+        <p:nvCxnSpPr>
+          <p:cNvPr id="144" name="Conector de seta reta 22"/>
+          <p:cNvCxnSpPr>
+            <a:stCxn id="69" idx="0"/>
+          </p:cNvCxnSpPr>
+          <p:nvPr/>
+        </p:nvCxnSpPr>
+        <p:spPr>
+          <a:xfrm>
+            <a:off x="12275290" y="7131280"/>
+            <a:ext cx="3134903" cy="0"/>
+          </a:xfrm>
+          <a:prstGeom prst="straightConnector1">
+            <a:avLst/>
+          </a:prstGeom>
+          <a:ln w="38100">
+            <a:solidFill>
+              <a:schemeClr val="tx1"/>
+            </a:solidFill>
+            <a:tailEnd type="arrow"/>
+          </a:ln>
+        </p:spPr>
+        <p:style>
+          <a:lnRef idx="1">
+            <a:schemeClr val="accent1"/>
+          </a:lnRef>
+          <a:fillRef idx="0">
+            <a:schemeClr val="accent1"/>
+          </a:fillRef>
+          <a:effectRef idx="0">
+            <a:schemeClr val="accent1"/>
+          </a:effectRef>
+          <a:fontRef idx="minor">
+            <a:schemeClr val="tx1"/>
+          </a:fontRef>
+        </p:style>
+      </p:cxnSp>
+      <p:cxnSp>
+        <p:nvCxnSpPr>
+          <p:cNvPr id="147" name="Conector de seta reta 22"/>
+          <p:cNvCxnSpPr>
+            <a:stCxn id="114" idx="6"/>
+          </p:cNvCxnSpPr>
+          <p:nvPr/>
+        </p:nvCxnSpPr>
+        <p:spPr>
+          <a:xfrm flipV="1">
+            <a:off x="13738176" y="6065519"/>
+            <a:ext cx="1672017" cy="0"/>
+          </a:xfrm>
+          <a:prstGeom prst="straightConnector1">
+            <a:avLst/>
+          </a:prstGeom>
+          <a:ln w="38100">
+            <a:solidFill>
+              <a:schemeClr val="tx1"/>
+            </a:solidFill>
+            <a:tailEnd type="arrow"/>
+          </a:ln>
+        </p:spPr>
+        <p:style>
+          <a:lnRef idx="1">
+            <a:schemeClr val="accent1"/>
+          </a:lnRef>
+          <a:fillRef idx="0">
+            <a:schemeClr val="accent1"/>
+          </a:fillRef>
+          <a:effectRef idx="0">
+            <a:schemeClr val="accent1"/>
+          </a:effectRef>
+          <a:fontRef idx="minor">
+            <a:schemeClr val="tx1"/>
+          </a:fontRef>
+        </p:style>
+      </p:cxnSp>
+      <mc:AlternateContent xmlns:mc="http://schemas.openxmlformats.org/markup-compatibility/2006">
+        <mc:Choice xmlns:a14="http://schemas.microsoft.com/office/drawing/2010/main" Requires="a14">
+          <p:sp>
+            <p:nvSpPr>
+              <p:cNvPr id="154" name="CaixaDeTexto 153"/>
+              <p:cNvSpPr txBox="1"/>
+              <p:nvPr/>
+            </p:nvSpPr>
+            <p:spPr>
+              <a:xfrm>
+                <a:off x="13997964" y="6587638"/>
+                <a:ext cx="738985" cy="523220"/>
+              </a:xfrm>
+              <a:prstGeom prst="rect">
+                <a:avLst/>
+              </a:prstGeom>
+              <a:noFill/>
+            </p:spPr>
+            <p:txBody>
+              <a:bodyPr wrap="none" rtlCol="0">
+                <a:spAutoFit/>
+              </a:bodyPr>
+              <a:lstStyle/>
+              <a:p>
+                <a:pPr/>
+                <a14:m>
+                  <m:oMathPara xmlns:m="http://schemas.openxmlformats.org/officeDocument/2006/math">
+                    <m:oMathParaPr>
+                      <m:jc m:val="centerGroup"/>
+                    </m:oMathParaPr>
+                    <m:oMath xmlns:m="http://schemas.openxmlformats.org/officeDocument/2006/math">
+                      <m:r>
+                        <a:rPr lang="pt-BR" sz="2800" b="0" i="1" smtClean="0">
+                          <a:latin typeface="Cambria Math"/>
+                        </a:rPr>
+                        <m:t>−</m:t>
+                      </m:r>
+                      <m:r>
+                        <a:rPr lang="pt-BR" sz="2800" b="0" i="1" smtClean="0">
+                          <a:latin typeface="Cambria Math"/>
+                        </a:rPr>
+                        <m:t>𝑞</m:t>
+                      </m:r>
+                    </m:oMath>
+                  </m:oMathPara>
+                </a14:m>
+                <a:endParaRPr lang="pt-BR" sz="2800" dirty="0"/>
+              </a:p>
+            </p:txBody>
+          </p:sp>
+        </mc:Choice>
+        <mc:Fallback>
+          <p:sp>
+            <p:nvSpPr>
+              <p:cNvPr id="154" name="CaixaDeTexto 153"/>
+              <p:cNvSpPr txBox="1">
+                <a:spLocks noRot="1" noChangeAspect="1" noMove="1" noResize="1" noEditPoints="1" noAdjustHandles="1" noChangeArrowheads="1" noChangeShapeType="1" noTextEdit="1"/>
+              </p:cNvSpPr>
+              <p:nvPr/>
+            </p:nvSpPr>
+            <p:spPr>
+              <a:xfrm>
+                <a:off x="13997964" y="6587638"/>
+                <a:ext cx="738985" cy="523220"/>
+              </a:xfrm>
+              <a:prstGeom prst="rect">
+                <a:avLst/>
+              </a:prstGeom>
+              <a:blipFill>
+                <a:blip r:embed="rId31"/>
+                <a:stretch>
+                  <a:fillRect/>
+                </a:stretch>
+              </a:blipFill>
+            </p:spPr>
+            <p:txBody>
+              <a:bodyPr/>
+              <a:lstStyle/>
+              <a:p>
+                <a:r>
+                  <a:rPr lang="pt-BR">
+                    <a:noFill/>
+                  </a:rPr>
+                  <a:t> </a:t>
+                </a:r>
+              </a:p>
+            </p:txBody>
+          </p:sp>
+        </mc:Fallback>
+      </mc:AlternateContent>
+      <p:sp>
+        <p:nvSpPr>
+          <p:cNvPr id="157" name="Retângulo 156"/>
+          <p:cNvSpPr/>
+          <p:nvPr/>
+        </p:nvSpPr>
+        <p:spPr>
+          <a:xfrm>
+            <a:off x="11836904" y="2337379"/>
+            <a:ext cx="1710000" cy="1710000"/>
+          </a:xfrm>
+          <a:prstGeom prst="rect">
+            <a:avLst/>
+          </a:prstGeom>
+          <a:noFill/>
+          <a:ln w="38100">
+            <a:solidFill>
+              <a:schemeClr val="tx1"/>
+            </a:solidFill>
+          </a:ln>
+        </p:spPr>
+        <p:style>
+          <a:lnRef idx="2">
+            <a:schemeClr val="accent1">
+              <a:shade val="50000"/>
+            </a:schemeClr>
+          </a:lnRef>
+          <a:fillRef idx="1">
+            <a:schemeClr val="accent1"/>
+          </a:fillRef>
+          <a:effectRef idx="0">
+            <a:schemeClr val="accent1"/>
+          </a:effectRef>
+          <a:fontRef idx="minor">
+            <a:schemeClr val="lt1"/>
+          </a:fontRef>
+        </p:style>
+        <p:txBody>
+          <a:bodyPr rtlCol="0" anchor="ctr"/>
+          <a:lstStyle/>
+          <a:p>
+            <a:pPr algn="ctr"/>
+            <a:r>
+              <a:rPr lang="pt-BR" sz="2400" dirty="0">
+                <a:solidFill>
+                  <a:schemeClr val="tx1"/>
+                </a:solidFill>
+              </a:rPr>
+              <a:t>Controle por Histerese</a:t>
+            </a:r>
+          </a:p>
+        </p:txBody>
+      </p:sp>
+      <p:sp>
+        <p:nvSpPr>
+          <p:cNvPr id="158" name="Elipse 74"/>
+          <p:cNvSpPr/>
+          <p:nvPr/>
+        </p:nvSpPr>
+        <p:spPr>
+          <a:xfrm>
+            <a:off x="5379340" y="226399"/>
+            <a:ext cx="540000" cy="540000"/>
+          </a:xfrm>
+          <a:prstGeom prst="ellipse">
+            <a:avLst/>
+          </a:prstGeom>
+          <a:noFill/>
+          <a:ln w="38100">
+            <a:solidFill>
+              <a:schemeClr val="tx1"/>
+            </a:solidFill>
+          </a:ln>
+        </p:spPr>
+        <p:style>
+          <a:lnRef idx="2">
+            <a:schemeClr val="accent1">
+              <a:shade val="50000"/>
+            </a:schemeClr>
+          </a:lnRef>
+          <a:fillRef idx="1">
+            <a:schemeClr val="accent1"/>
+          </a:fillRef>
+          <a:effectRef idx="0">
+            <a:schemeClr val="accent1"/>
+          </a:effectRef>
+          <a:fontRef idx="minor">
+            <a:schemeClr val="lt1"/>
+          </a:fontRef>
+        </p:style>
+        <p:txBody>
+          <a:bodyPr rtlCol="0" anchor="ctr"/>
+          <a:lstStyle/>
+          <a:p>
+            <a:pPr algn="ctr"/>
+            <a:endParaRPr lang="pt-BR" dirty="0">
+              <a:noFill/>
+            </a:endParaRPr>
+          </a:p>
+        </p:txBody>
+      </p:sp>
+      <p:sp>
+        <p:nvSpPr>
+          <p:cNvPr id="159" name="CaixaDeTexto 85"/>
+          <p:cNvSpPr txBox="1"/>
+          <p:nvPr/>
+        </p:nvSpPr>
+        <p:spPr>
+          <a:xfrm>
+            <a:off x="5517521" y="102990"/>
+            <a:ext cx="540000" cy="540000"/>
+          </a:xfrm>
+          <a:prstGeom prst="rect">
+            <a:avLst/>
+          </a:prstGeom>
+          <a:noFill/>
+        </p:spPr>
+        <p:txBody>
+          <a:bodyPr wrap="square" rtlCol="0">
+            <a:spAutoFit/>
+          </a:bodyPr>
+          <a:lstStyle/>
+          <a:p>
+            <a:pPr algn="ctr"/>
+            <a:r>
+              <a:rPr lang="pt-BR" sz="3600" dirty="0">
+                <a:latin typeface="Arial" pitchFamily="34" charset="0"/>
+                <a:cs typeface="Arial" pitchFamily="34" charset="0"/>
+              </a:rPr>
+              <a:t>-</a:t>
+            </a:r>
+            <a:endParaRPr lang="pt-BR" sz="1600" dirty="0">
+              <a:latin typeface="Arial" pitchFamily="34" charset="0"/>
+              <a:cs typeface="Arial" pitchFamily="34" charset="0"/>
+            </a:endParaRPr>
+          </a:p>
+        </p:txBody>
+      </p:sp>
+      <p:sp>
+        <p:nvSpPr>
+          <p:cNvPr id="160" name="CaixaDeTexto 85"/>
+          <p:cNvSpPr txBox="1"/>
+          <p:nvPr/>
+        </p:nvSpPr>
+        <p:spPr>
+          <a:xfrm>
+            <a:off x="5241159" y="245257"/>
+            <a:ext cx="540000" cy="540000"/>
+          </a:xfrm>
+          <a:prstGeom prst="rect">
+            <a:avLst/>
+          </a:prstGeom>
+          <a:noFill/>
+        </p:spPr>
+        <p:txBody>
+          <a:bodyPr wrap="square" rtlCol="0">
+            <a:spAutoFit/>
+          </a:bodyPr>
+          <a:lstStyle/>
+          <a:p>
+            <a:pPr algn="ctr"/>
+            <a:r>
+              <a:rPr lang="pt-BR" sz="2400" dirty="0">
+                <a:latin typeface="Arial" pitchFamily="34" charset="0"/>
+                <a:cs typeface="Arial" pitchFamily="34" charset="0"/>
+              </a:rPr>
+              <a:t>+</a:t>
+            </a:r>
+            <a:endParaRPr lang="pt-BR" sz="2000" dirty="0">
+              <a:latin typeface="Arial" pitchFamily="34" charset="0"/>
+              <a:cs typeface="Arial" pitchFamily="34" charset="0"/>
+            </a:endParaRPr>
+          </a:p>
+        </p:txBody>
+      </p:sp>
+      <p:cxnSp>
+        <p:nvCxnSpPr>
+          <p:cNvPr id="175" name="Conector: Angulado 174"/>
+          <p:cNvCxnSpPr>
+            <a:stCxn id="97" idx="2"/>
+            <a:endCxn id="114" idx="0"/>
+          </p:cNvCxnSpPr>
+          <p:nvPr/>
+        </p:nvCxnSpPr>
+        <p:spPr>
+          <a:xfrm rot="16200000" flipH="1">
+            <a:off x="8689126" y="1029885"/>
+            <a:ext cx="1753742" cy="7804358"/>
+          </a:xfrm>
+          <a:prstGeom prst="bentConnector3">
+            <a:avLst>
+              <a:gd name="adj1" fmla="val 28275"/>
+            </a:avLst>
+          </a:prstGeom>
+          <a:ln w="38100">
+            <a:solidFill>
+              <a:schemeClr val="tx1"/>
+            </a:solidFill>
+            <a:tailEnd type="arrow"/>
+          </a:ln>
+        </p:spPr>
+        <p:style>
+          <a:lnRef idx="1">
+            <a:schemeClr val="accent1"/>
+          </a:lnRef>
+          <a:fillRef idx="0">
+            <a:schemeClr val="accent1"/>
+          </a:fillRef>
+          <a:effectRef idx="0">
+            <a:schemeClr val="accent1"/>
+          </a:effectRef>
+          <a:fontRef idx="minor">
+            <a:schemeClr val="tx1"/>
+          </a:fontRef>
+        </p:style>
+      </p:cxnSp>
+      <p:sp>
+        <p:nvSpPr>
+          <p:cNvPr id="114" name="Elipse 74"/>
+          <p:cNvSpPr/>
+          <p:nvPr/>
+        </p:nvSpPr>
+        <p:spPr>
+          <a:xfrm>
+            <a:off x="13198176" y="5808935"/>
+            <a:ext cx="540000" cy="540000"/>
+          </a:xfrm>
+          <a:prstGeom prst="ellipse">
+            <a:avLst/>
+          </a:prstGeom>
+          <a:noFill/>
+          <a:ln w="38100">
+            <a:solidFill>
+              <a:schemeClr val="tx1"/>
+            </a:solidFill>
+          </a:ln>
+        </p:spPr>
+        <p:style>
+          <a:lnRef idx="2">
+            <a:schemeClr val="accent1">
+              <a:shade val="50000"/>
+            </a:schemeClr>
+          </a:lnRef>
+          <a:fillRef idx="1">
+            <a:schemeClr val="accent1"/>
+          </a:fillRef>
+          <a:effectRef idx="0">
+            <a:schemeClr val="accent1"/>
+          </a:effectRef>
+          <a:fontRef idx="minor">
+            <a:schemeClr val="lt1"/>
+          </a:fontRef>
+        </p:style>
+        <p:txBody>
+          <a:bodyPr rtlCol="0" anchor="ctr"/>
+          <a:lstStyle/>
+          <a:p>
+            <a:pPr algn="ctr"/>
+            <a:endParaRPr lang="pt-BR" sz="2400" dirty="0">
+              <a:noFill/>
+            </a:endParaRPr>
+          </a:p>
+        </p:txBody>
+      </p:sp>
+      <mc:AlternateContent xmlns:mc="http://schemas.openxmlformats.org/markup-compatibility/2006">
+        <mc:Choice xmlns:a14="http://schemas.microsoft.com/office/drawing/2010/main" Requires="a14">
+          <p:sp>
+            <p:nvSpPr>
+              <p:cNvPr id="185" name="CaixaDeTexto 184"/>
+              <p:cNvSpPr txBox="1"/>
+              <p:nvPr/>
+            </p:nvSpPr>
+            <p:spPr>
+              <a:xfrm>
+                <a:off x="8918571" y="4027416"/>
+                <a:ext cx="975780" cy="523220"/>
+              </a:xfrm>
+              <a:prstGeom prst="rect">
+                <a:avLst/>
+              </a:prstGeom>
+              <a:noFill/>
+            </p:spPr>
+            <p:txBody>
+              <a:bodyPr wrap="none" rtlCol="0">
+                <a:spAutoFit/>
+              </a:bodyPr>
+              <a:lstStyle/>
+              <a:p>
+                <a:pPr/>
+                <a14:m>
+                  <m:oMathPara xmlns:m="http://schemas.openxmlformats.org/officeDocument/2006/math">
+                    <m:oMathParaPr>
+                      <m:jc m:val="centerGroup"/>
+                    </m:oMathParaPr>
+                    <m:oMath xmlns:m="http://schemas.openxmlformats.org/officeDocument/2006/math">
+                      <m:sSub>
+                        <m:sSubPr>
+                          <m:ctrlPr>
+                            <a:rPr lang="pt-BR" sz="2800" b="0" i="1" smtClean="0">
+                              <a:latin typeface="Cambria Math" panose="02040503050406030204" pitchFamily="18" charset="0"/>
+                            </a:rPr>
+                          </m:ctrlPr>
+                        </m:sSubPr>
+                        <m:e>
+                          <m:r>
+                            <a:rPr lang="pt-BR" sz="2800" b="0" i="1" smtClean="0">
+                              <a:latin typeface="Cambria Math" panose="02040503050406030204" pitchFamily="18" charset="0"/>
+                            </a:rPr>
+                            <m:t>𝑝</m:t>
+                          </m:r>
+                        </m:e>
+                        <m:sub>
+                          <m:r>
+                            <a:rPr lang="pt-BR" sz="2800" b="0" i="1" smtClean="0">
+                              <a:latin typeface="Cambria Math" panose="02040503050406030204" pitchFamily="18" charset="0"/>
+                            </a:rPr>
+                            <m:t>𝑙𝑜𝑠𝑠</m:t>
+                          </m:r>
+                        </m:sub>
+                      </m:sSub>
+                    </m:oMath>
+                  </m:oMathPara>
+                </a14:m>
+                <a:endParaRPr lang="pt-BR" sz="2800" dirty="0"/>
+              </a:p>
+            </p:txBody>
+          </p:sp>
+        </mc:Choice>
+        <mc:Fallback>
+          <p:sp>
+            <p:nvSpPr>
+              <p:cNvPr id="185" name="CaixaDeTexto 184"/>
+              <p:cNvSpPr txBox="1">
+                <a:spLocks noRot="1" noChangeAspect="1" noMove="1" noResize="1" noEditPoints="1" noAdjustHandles="1" noChangeArrowheads="1" noChangeShapeType="1" noTextEdit="1"/>
+              </p:cNvSpPr>
+              <p:nvPr/>
+            </p:nvSpPr>
+            <p:spPr>
+              <a:xfrm>
+                <a:off x="8918571" y="4027416"/>
+                <a:ext cx="975780" cy="523220"/>
+              </a:xfrm>
+              <a:prstGeom prst="rect">
+                <a:avLst/>
+              </a:prstGeom>
+              <a:blipFill>
+                <a:blip r:embed="rId32"/>
+                <a:stretch>
+                  <a:fillRect/>
+                </a:stretch>
+              </a:blipFill>
+            </p:spPr>
+            <p:txBody>
+              <a:bodyPr/>
+              <a:lstStyle/>
+              <a:p>
+                <a:r>
+                  <a:rPr lang="pt-BR">
+                    <a:noFill/>
+                  </a:rPr>
+                  <a:t> </a:t>
+                </a:r>
+              </a:p>
+            </p:txBody>
+          </p:sp>
+        </mc:Fallback>
+      </mc:AlternateContent>
+      <p:cxnSp>
+        <p:nvCxnSpPr>
+          <p:cNvPr id="189" name="Conector de seta reta 33"/>
+          <p:cNvCxnSpPr/>
+          <p:nvPr/>
+        </p:nvCxnSpPr>
+        <p:spPr>
+          <a:xfrm flipV="1">
+            <a:off x="16672806" y="3815136"/>
+            <a:ext cx="0" cy="1851767"/>
+          </a:xfrm>
+          <a:prstGeom prst="straightConnector1">
+            <a:avLst/>
+          </a:prstGeom>
+          <a:ln w="38100">
+            <a:solidFill>
+              <a:schemeClr val="tx1"/>
+            </a:solidFill>
+            <a:tailEnd type="arrow"/>
+          </a:ln>
+        </p:spPr>
+        <p:style>
+          <a:lnRef idx="1">
+            <a:schemeClr val="accent1"/>
+          </a:lnRef>
+          <a:fillRef idx="0">
+            <a:schemeClr val="accent1"/>
+          </a:fillRef>
+          <a:effectRef idx="0">
+            <a:schemeClr val="accent1"/>
+          </a:effectRef>
+          <a:fontRef idx="minor">
+            <a:schemeClr val="tx1"/>
+          </a:fontRef>
+        </p:style>
+      </p:cxnSp>
+      <p:cxnSp>
+        <p:nvCxnSpPr>
+          <p:cNvPr id="194" name="Conector de seta reta 30"/>
+          <p:cNvCxnSpPr/>
+          <p:nvPr/>
+        </p:nvCxnSpPr>
+        <p:spPr>
+          <a:xfrm flipH="1">
+            <a:off x="13546904" y="3685553"/>
+            <a:ext cx="2047336" cy="0"/>
+          </a:xfrm>
+          <a:prstGeom prst="straightConnector1">
+            <a:avLst/>
+          </a:prstGeom>
+          <a:ln w="38100">
+            <a:solidFill>
+              <a:schemeClr val="tx1"/>
+            </a:solidFill>
+            <a:tailEnd type="arrow"/>
+          </a:ln>
+        </p:spPr>
+        <p:style>
+          <a:lnRef idx="1">
+            <a:schemeClr val="accent1"/>
+          </a:lnRef>
+          <a:fillRef idx="0">
+            <a:schemeClr val="accent1"/>
+          </a:fillRef>
+          <a:effectRef idx="0">
+            <a:schemeClr val="accent1"/>
+          </a:effectRef>
+          <a:fontRef idx="minor">
+            <a:schemeClr val="tx1"/>
+          </a:fontRef>
+        </p:style>
+      </p:cxnSp>
+      <p:cxnSp>
+        <p:nvCxnSpPr>
+          <p:cNvPr id="195" name="Conector de seta reta 30"/>
+          <p:cNvCxnSpPr/>
+          <p:nvPr/>
+        </p:nvCxnSpPr>
+        <p:spPr>
+          <a:xfrm flipH="1">
+            <a:off x="13555409" y="2708500"/>
+            <a:ext cx="2023075" cy="0"/>
+          </a:xfrm>
+          <a:prstGeom prst="straightConnector1">
+            <a:avLst/>
+          </a:prstGeom>
+          <a:ln w="38100">
+            <a:solidFill>
+              <a:schemeClr val="tx1"/>
+            </a:solidFill>
+            <a:tailEnd type="arrow"/>
+          </a:ln>
+        </p:spPr>
+        <p:style>
+          <a:lnRef idx="1">
+            <a:schemeClr val="accent1"/>
+          </a:lnRef>
+          <a:fillRef idx="0">
+            <a:schemeClr val="accent1"/>
+          </a:fillRef>
+          <a:effectRef idx="0">
+            <a:schemeClr val="accent1"/>
+          </a:effectRef>
+          <a:fontRef idx="minor">
+            <a:schemeClr val="tx1"/>
+          </a:fontRef>
+        </p:style>
+      </p:cxnSp>
+      <p:cxnSp>
+        <p:nvCxnSpPr>
+          <p:cNvPr id="199" name="Conector de seta reta 33"/>
+          <p:cNvCxnSpPr/>
+          <p:nvPr/>
+        </p:nvCxnSpPr>
+        <p:spPr>
+          <a:xfrm flipH="1" flipV="1">
+            <a:off x="16646614" y="7354482"/>
+            <a:ext cx="0" cy="605535"/>
+          </a:xfrm>
+          <a:prstGeom prst="straightConnector1">
+            <a:avLst/>
+          </a:prstGeom>
+          <a:ln w="38100">
+            <a:solidFill>
+              <a:schemeClr val="tx1"/>
+            </a:solidFill>
+            <a:tailEnd type="arrow"/>
+          </a:ln>
+        </p:spPr>
+        <p:style>
+          <a:lnRef idx="1">
+            <a:schemeClr val="accent1"/>
+          </a:lnRef>
+          <a:fillRef idx="0">
+            <a:schemeClr val="accent1"/>
+          </a:fillRef>
+          <a:effectRef idx="0">
+            <a:schemeClr val="accent1"/>
+          </a:effectRef>
+          <a:fontRef idx="minor">
+            <a:schemeClr val="tx1"/>
+          </a:fontRef>
+        </p:style>
+      </p:cxnSp>
+      <p:cxnSp>
+        <p:nvCxnSpPr>
+          <p:cNvPr id="202" name="Conector de seta reta 33"/>
+          <p:cNvCxnSpPr/>
+          <p:nvPr/>
+        </p:nvCxnSpPr>
+        <p:spPr>
+          <a:xfrm flipH="1" flipV="1">
+            <a:off x="17788627" y="7354482"/>
+            <a:ext cx="0" cy="605535"/>
+          </a:xfrm>
+          <a:prstGeom prst="straightConnector1">
+            <a:avLst/>
+          </a:prstGeom>
+          <a:ln w="38100">
+            <a:solidFill>
+              <a:schemeClr val="tx1"/>
+            </a:solidFill>
+            <a:tailEnd type="arrow"/>
+          </a:ln>
+        </p:spPr>
+        <p:style>
+          <a:lnRef idx="1">
+            <a:schemeClr val="accent1"/>
+          </a:lnRef>
+          <a:fillRef idx="0">
+            <a:schemeClr val="accent1"/>
+          </a:fillRef>
+          <a:effectRef idx="0">
+            <a:schemeClr val="accent1"/>
+          </a:effectRef>
+          <a:fontRef idx="minor">
+            <a:schemeClr val="tx1"/>
+          </a:fontRef>
+        </p:style>
+      </p:cxnSp>
+      <p:cxnSp>
+        <p:nvCxnSpPr>
+          <p:cNvPr id="203" name="Conector de seta reta 33"/>
+          <p:cNvCxnSpPr/>
+          <p:nvPr/>
+        </p:nvCxnSpPr>
+        <p:spPr>
+          <a:xfrm flipH="1" flipV="1">
+            <a:off x="5261755" y="7657250"/>
+            <a:ext cx="0" cy="605535"/>
+          </a:xfrm>
+          <a:prstGeom prst="straightConnector1">
+            <a:avLst/>
+          </a:prstGeom>
+          <a:ln w="38100">
+            <a:solidFill>
+              <a:schemeClr val="tx1"/>
+            </a:solidFill>
+            <a:tailEnd type="arrow"/>
+          </a:ln>
+        </p:spPr>
+        <p:style>
+          <a:lnRef idx="1">
+            <a:schemeClr val="accent1"/>
+          </a:lnRef>
+          <a:fillRef idx="0">
+            <a:schemeClr val="accent1"/>
+          </a:fillRef>
+          <a:effectRef idx="0">
+            <a:schemeClr val="accent1"/>
+          </a:effectRef>
+          <a:fontRef idx="minor">
+            <a:schemeClr val="tx1"/>
+          </a:fontRef>
+        </p:style>
+      </p:cxnSp>
+      <p:cxnSp>
+        <p:nvCxnSpPr>
+          <p:cNvPr id="204" name="Conector de seta reta 33"/>
+          <p:cNvCxnSpPr/>
+          <p:nvPr/>
+        </p:nvCxnSpPr>
+        <p:spPr>
+          <a:xfrm flipH="1" flipV="1">
+            <a:off x="6052690" y="7673588"/>
+            <a:ext cx="0" cy="605535"/>
+          </a:xfrm>
+          <a:prstGeom prst="straightConnector1">
+            <a:avLst/>
+          </a:prstGeom>
+          <a:ln w="38100">
+            <a:solidFill>
+              <a:schemeClr val="tx1"/>
+            </a:solidFill>
+            <a:tailEnd type="arrow"/>
+          </a:ln>
+        </p:spPr>
+        <p:style>
+          <a:lnRef idx="1">
+            <a:schemeClr val="accent1"/>
+          </a:lnRef>
+          <a:fillRef idx="0">
+            <a:schemeClr val="accent1"/>
+          </a:fillRef>
+          <a:effectRef idx="0">
+            <a:schemeClr val="accent1"/>
+          </a:effectRef>
+          <a:fontRef idx="minor">
+            <a:schemeClr val="tx1"/>
+          </a:fontRef>
+        </p:style>
+      </p:cxnSp>
+      <p:cxnSp>
+        <p:nvCxnSpPr>
+          <p:cNvPr id="205" name="Conector de seta reta 33"/>
+          <p:cNvCxnSpPr/>
+          <p:nvPr/>
+        </p:nvCxnSpPr>
+        <p:spPr>
+          <a:xfrm flipH="1" flipV="1">
+            <a:off x="4404505" y="7673588"/>
+            <a:ext cx="0" cy="605535"/>
+          </a:xfrm>
+          <a:prstGeom prst="straightConnector1">
+            <a:avLst/>
+          </a:prstGeom>
+          <a:ln w="38100">
+            <a:solidFill>
+              <a:schemeClr val="tx1"/>
+            </a:solidFill>
+            <a:tailEnd type="arrow"/>
+          </a:ln>
+        </p:spPr>
+        <p:style>
+          <a:lnRef idx="1">
+            <a:schemeClr val="accent1"/>
+          </a:lnRef>
+          <a:fillRef idx="0">
+            <a:schemeClr val="accent1"/>
+          </a:fillRef>
+          <a:effectRef idx="0">
+            <a:schemeClr val="accent1"/>
+          </a:effectRef>
+          <a:fontRef idx="minor">
+            <a:schemeClr val="tx1"/>
+          </a:fontRef>
+        </p:style>
+      </p:cxnSp>
+      <p:sp>
+        <p:nvSpPr>
+          <p:cNvPr id="206" name="Elipse 205"/>
+          <p:cNvSpPr/>
+          <p:nvPr/>
+        </p:nvSpPr>
+        <p:spPr>
+          <a:xfrm>
+            <a:off x="-4093408" y="-3752850"/>
+            <a:ext cx="2160000" cy="2160000"/>
+          </a:xfrm>
+          <a:prstGeom prst="ellipse">
+            <a:avLst/>
+          </a:prstGeom>
+          <a:noFill/>
+          <a:ln w="57150">
+            <a:solidFill>
+              <a:schemeClr val="tx1"/>
+            </a:solidFill>
+          </a:ln>
+        </p:spPr>
+        <p:style>
+          <a:lnRef idx="2">
+            <a:schemeClr val="accent1">
+              <a:shade val="50000"/>
+            </a:schemeClr>
+          </a:lnRef>
+          <a:fillRef idx="1">
+            <a:schemeClr val="accent1"/>
+          </a:fillRef>
+          <a:effectRef idx="0">
+            <a:schemeClr val="accent1"/>
+          </a:effectRef>
+          <a:fontRef idx="minor">
+            <a:schemeClr val="lt1"/>
+          </a:fontRef>
+        </p:style>
+        <p:txBody>
+          <a:bodyPr rtlCol="0" anchor="ctr"/>
+          <a:lstStyle/>
+          <a:p>
+            <a:pPr algn="ctr"/>
+            <a:r>
+              <a:rPr lang="pt-BR" sz="4800" dirty="0">
+                <a:solidFill>
+                  <a:schemeClr val="tx1"/>
+                </a:solidFill>
+              </a:rPr>
+              <a:t>GEN</a:t>
+            </a:r>
+            <a:endParaRPr lang="pt-BR" sz="2400" dirty="0">
+              <a:solidFill>
+                <a:schemeClr val="tx1"/>
+              </a:solidFill>
+            </a:endParaRPr>
+          </a:p>
+        </p:txBody>
+      </p:sp>
+      <p:sp>
+        <p:nvSpPr>
+          <p:cNvPr id="207" name="Elipse 206"/>
+          <p:cNvSpPr/>
+          <p:nvPr/>
+        </p:nvSpPr>
+        <p:spPr>
+          <a:xfrm>
+            <a:off x="16454812" y="-3752850"/>
+            <a:ext cx="2160000" cy="2160000"/>
+          </a:xfrm>
+          <a:prstGeom prst="ellipse">
+            <a:avLst/>
+          </a:prstGeom>
+          <a:noFill/>
+          <a:ln w="57150">
+            <a:solidFill>
+              <a:schemeClr val="tx1"/>
+            </a:solidFill>
+          </a:ln>
+        </p:spPr>
+        <p:style>
+          <a:lnRef idx="2">
+            <a:schemeClr val="accent1">
+              <a:shade val="50000"/>
+            </a:schemeClr>
+          </a:lnRef>
+          <a:fillRef idx="1">
+            <a:schemeClr val="accent1"/>
+          </a:fillRef>
+          <a:effectRef idx="0">
+            <a:schemeClr val="accent1"/>
+          </a:effectRef>
+          <a:fontRef idx="minor">
+            <a:schemeClr val="lt1"/>
+          </a:fontRef>
+        </p:style>
+        <p:txBody>
+          <a:bodyPr rtlCol="0" anchor="ctr"/>
+          <a:lstStyle/>
+          <a:p>
+            <a:pPr algn="ctr"/>
+            <a:endParaRPr lang="pt-BR" sz="2400">
+              <a:solidFill>
+                <a:schemeClr val="tx1"/>
+              </a:solidFill>
+            </a:endParaRPr>
+          </a:p>
+        </p:txBody>
+      </p:sp>
+      <p:cxnSp>
+        <p:nvCxnSpPr>
+          <p:cNvPr id="209" name="Conector reto 208"/>
+          <p:cNvCxnSpPr>
+            <a:stCxn id="206" idx="6"/>
+            <a:endCxn id="207" idx="2"/>
+          </p:cNvCxnSpPr>
+          <p:nvPr/>
+        </p:nvCxnSpPr>
+        <p:spPr>
+          <a:xfrm>
+            <a:off x="-1933408" y="-2672850"/>
+            <a:ext cx="18388220" cy="0"/>
+          </a:xfrm>
+          <a:prstGeom prst="line">
+            <a:avLst/>
+          </a:prstGeom>
+          <a:ln w="57150">
+            <a:solidFill>
+              <a:schemeClr val="tx1"/>
+            </a:solidFill>
+          </a:ln>
+        </p:spPr>
+        <p:style>
+          <a:lnRef idx="1">
+            <a:schemeClr val="accent1"/>
+          </a:lnRef>
+          <a:fillRef idx="0">
+            <a:schemeClr val="accent1"/>
+          </a:fillRef>
+          <a:effectRef idx="0">
+            <a:schemeClr val="accent1"/>
+          </a:effectRef>
+          <a:fontRef idx="minor">
+            <a:schemeClr val="tx1"/>
+          </a:fontRef>
+        </p:style>
+      </p:cxnSp>
+      <p:cxnSp>
+        <p:nvCxnSpPr>
+          <p:cNvPr id="210" name="Conector reto 209"/>
+          <p:cNvCxnSpPr>
+            <a:stCxn id="206" idx="7"/>
+            <a:endCxn id="207" idx="1"/>
+          </p:cNvCxnSpPr>
+          <p:nvPr/>
+        </p:nvCxnSpPr>
+        <p:spPr>
+          <a:xfrm>
+            <a:off x="-2249733" y="-3436525"/>
+            <a:ext cx="19020870" cy="0"/>
+          </a:xfrm>
+          <a:prstGeom prst="line">
+            <a:avLst/>
+          </a:prstGeom>
+          <a:ln w="57150">
+            <a:solidFill>
+              <a:schemeClr val="tx1"/>
+            </a:solidFill>
+          </a:ln>
+        </p:spPr>
+        <p:style>
+          <a:lnRef idx="1">
+            <a:schemeClr val="accent1"/>
+          </a:lnRef>
+          <a:fillRef idx="0">
+            <a:schemeClr val="accent1"/>
+          </a:fillRef>
+          <a:effectRef idx="0">
+            <a:schemeClr val="accent1"/>
+          </a:effectRef>
+          <a:fontRef idx="minor">
+            <a:schemeClr val="tx1"/>
+          </a:fontRef>
+        </p:style>
+      </p:cxnSp>
+      <p:cxnSp>
+        <p:nvCxnSpPr>
+          <p:cNvPr id="213" name="Conector reto 212"/>
+          <p:cNvCxnSpPr>
+            <a:stCxn id="206" idx="5"/>
+            <a:endCxn id="207" idx="3"/>
+          </p:cNvCxnSpPr>
+          <p:nvPr/>
+        </p:nvCxnSpPr>
+        <p:spPr>
+          <a:xfrm>
+            <a:off x="-2249733" y="-1909175"/>
+            <a:ext cx="19020870" cy="0"/>
+          </a:xfrm>
+          <a:prstGeom prst="line">
+            <a:avLst/>
+          </a:prstGeom>
+          <a:ln w="57150">
+            <a:solidFill>
+              <a:schemeClr val="tx1"/>
+            </a:solidFill>
+          </a:ln>
+        </p:spPr>
+        <p:style>
+          <a:lnRef idx="1">
+            <a:schemeClr val="accent1"/>
+          </a:lnRef>
+          <a:fillRef idx="0">
+            <a:schemeClr val="accent1"/>
+          </a:fillRef>
+          <a:effectRef idx="0">
+            <a:schemeClr val="accent1"/>
+          </a:effectRef>
+          <a:fontRef idx="minor">
+            <a:schemeClr val="tx1"/>
+          </a:fontRef>
+        </p:style>
+      </p:cxnSp>
+      <p:sp>
+        <p:nvSpPr>
+          <p:cNvPr id="217" name="Triângulo isósceles 216"/>
+          <p:cNvSpPr/>
+          <p:nvPr/>
+        </p:nvSpPr>
+        <p:spPr>
+          <a:xfrm flipV="1">
+            <a:off x="-1900820" y="-1487687"/>
+            <a:ext cx="720000" cy="720000"/>
+          </a:xfrm>
+          <a:prstGeom prst="triangle">
+            <a:avLst/>
+          </a:prstGeom>
+          <a:noFill/>
+          <a:ln w="38100">
+            <a:solidFill>
+              <a:schemeClr val="tx1"/>
+            </a:solidFill>
+          </a:ln>
+        </p:spPr>
+        <p:style>
+          <a:lnRef idx="2">
+            <a:schemeClr val="accent1">
+              <a:shade val="50000"/>
+            </a:schemeClr>
+          </a:lnRef>
+          <a:fillRef idx="1">
+            <a:schemeClr val="accent1"/>
+          </a:fillRef>
+          <a:effectRef idx="0">
+            <a:schemeClr val="accent1"/>
+          </a:effectRef>
+          <a:fontRef idx="minor">
+            <a:schemeClr val="lt1"/>
+          </a:fontRef>
+        </p:style>
+        <p:txBody>
+          <a:bodyPr rtlCol="0" anchor="ctr"/>
+          <a:lstStyle/>
+          <a:p>
+            <a:pPr algn="ctr"/>
+            <a:endParaRPr lang="pt-BR">
+              <a:noFill/>
+            </a:endParaRPr>
+          </a:p>
+        </p:txBody>
+      </p:sp>
+      <p:sp>
+        <p:nvSpPr>
+          <p:cNvPr id="218" name="Triângulo isósceles 217"/>
+          <p:cNvSpPr/>
+          <p:nvPr/>
+        </p:nvSpPr>
+        <p:spPr>
+          <a:xfrm flipV="1">
+            <a:off x="-1129569" y="-1487687"/>
+            <a:ext cx="720000" cy="720000"/>
+          </a:xfrm>
+          <a:prstGeom prst="triangle">
+            <a:avLst/>
+          </a:prstGeom>
+          <a:noFill/>
+          <a:ln w="38100">
+            <a:solidFill>
+              <a:schemeClr val="tx1"/>
+            </a:solidFill>
+          </a:ln>
+        </p:spPr>
+        <p:style>
+          <a:lnRef idx="2">
+            <a:schemeClr val="accent1">
+              <a:shade val="50000"/>
+            </a:schemeClr>
+          </a:lnRef>
+          <a:fillRef idx="1">
+            <a:schemeClr val="accent1"/>
+          </a:fillRef>
+          <a:effectRef idx="0">
+            <a:schemeClr val="accent1"/>
+          </a:effectRef>
+          <a:fontRef idx="minor">
+            <a:schemeClr val="lt1"/>
+          </a:fontRef>
+        </p:style>
+        <p:txBody>
+          <a:bodyPr rtlCol="0" anchor="ctr"/>
+          <a:lstStyle/>
+          <a:p>
+            <a:pPr algn="ctr"/>
+            <a:endParaRPr lang="pt-BR">
+              <a:noFill/>
+            </a:endParaRPr>
+          </a:p>
+        </p:txBody>
+      </p:sp>
+      <p:sp>
+        <p:nvSpPr>
+          <p:cNvPr id="219" name="Triângulo isósceles 218"/>
+          <p:cNvSpPr/>
+          <p:nvPr/>
+        </p:nvSpPr>
+        <p:spPr>
+          <a:xfrm flipV="1">
+            <a:off x="-354978" y="-1486582"/>
+            <a:ext cx="720000" cy="720000"/>
+          </a:xfrm>
+          <a:prstGeom prst="triangle">
+            <a:avLst/>
+          </a:prstGeom>
+          <a:noFill/>
+          <a:ln w="38100">
+            <a:solidFill>
+              <a:schemeClr val="tx1"/>
+            </a:solidFill>
+          </a:ln>
+        </p:spPr>
+        <p:style>
+          <a:lnRef idx="2">
+            <a:schemeClr val="accent1">
+              <a:shade val="50000"/>
+            </a:schemeClr>
+          </a:lnRef>
+          <a:fillRef idx="1">
+            <a:schemeClr val="accent1"/>
+          </a:fillRef>
+          <a:effectRef idx="0">
+            <a:schemeClr val="accent1"/>
+          </a:effectRef>
+          <a:fontRef idx="minor">
+            <a:schemeClr val="lt1"/>
+          </a:fontRef>
+        </p:style>
+        <p:txBody>
+          <a:bodyPr rtlCol="0" anchor="ctr"/>
+          <a:lstStyle/>
+          <a:p>
+            <a:pPr algn="ctr"/>
+            <a:endParaRPr lang="pt-BR">
+              <a:noFill/>
+            </a:endParaRPr>
+          </a:p>
+        </p:txBody>
+      </p:sp>
+      <p:cxnSp>
+        <p:nvCxnSpPr>
+          <p:cNvPr id="221" name="Conector reto 220"/>
+          <p:cNvCxnSpPr>
+            <a:stCxn id="217" idx="3"/>
+          </p:cNvCxnSpPr>
+          <p:nvPr/>
+        </p:nvCxnSpPr>
+        <p:spPr>
+          <a:xfrm flipV="1">
+            <a:off x="-1540820" y="-3436525"/>
+            <a:ext cx="0" cy="1948838"/>
+          </a:xfrm>
+          <a:prstGeom prst="line">
+            <a:avLst/>
+          </a:prstGeom>
+          <a:ln w="57150">
+            <a:solidFill>
+              <a:schemeClr val="tx1"/>
+            </a:solidFill>
+          </a:ln>
+        </p:spPr>
+        <p:style>
+          <a:lnRef idx="1">
+            <a:schemeClr val="accent1"/>
+          </a:lnRef>
+          <a:fillRef idx="0">
+            <a:schemeClr val="accent1"/>
+          </a:fillRef>
+          <a:effectRef idx="0">
+            <a:schemeClr val="accent1"/>
+          </a:effectRef>
+          <a:fontRef idx="minor">
+            <a:schemeClr val="tx1"/>
+          </a:fontRef>
+        </p:style>
+      </p:cxnSp>
+      <p:cxnSp>
+        <p:nvCxnSpPr>
+          <p:cNvPr id="222" name="Conector reto 221"/>
+          <p:cNvCxnSpPr/>
+          <p:nvPr/>
+        </p:nvCxnSpPr>
+        <p:spPr>
+          <a:xfrm flipV="1">
+            <a:off x="-769569" y="-2672850"/>
+            <a:ext cx="0" cy="1185163"/>
+          </a:xfrm>
+          <a:prstGeom prst="line">
+            <a:avLst/>
+          </a:prstGeom>
+          <a:ln w="57150">
+            <a:solidFill>
+              <a:schemeClr val="tx1"/>
+            </a:solidFill>
+          </a:ln>
+        </p:spPr>
+        <p:style>
+          <a:lnRef idx="1">
+            <a:schemeClr val="accent1"/>
+          </a:lnRef>
+          <a:fillRef idx="0">
+            <a:schemeClr val="accent1"/>
+          </a:fillRef>
+          <a:effectRef idx="0">
+            <a:schemeClr val="accent1"/>
+          </a:effectRef>
+          <a:fontRef idx="minor">
+            <a:schemeClr val="tx1"/>
+          </a:fontRef>
+        </p:style>
+      </p:cxnSp>
+      <p:cxnSp>
+        <p:nvCxnSpPr>
+          <p:cNvPr id="224" name="Conector reto 223"/>
+          <p:cNvCxnSpPr/>
+          <p:nvPr/>
+        </p:nvCxnSpPr>
+        <p:spPr>
+          <a:xfrm flipV="1">
+            <a:off x="5022" y="-1909175"/>
+            <a:ext cx="0" cy="421488"/>
+          </a:xfrm>
+          <a:prstGeom prst="line">
+            <a:avLst/>
+          </a:prstGeom>
+          <a:ln w="57150">
+            <a:solidFill>
+              <a:schemeClr val="tx1"/>
+            </a:solidFill>
+          </a:ln>
+        </p:spPr>
+        <p:style>
+          <a:lnRef idx="1">
+            <a:schemeClr val="accent1"/>
+          </a:lnRef>
+          <a:fillRef idx="0">
+            <a:schemeClr val="accent1"/>
+          </a:fillRef>
+          <a:effectRef idx="0">
+            <a:schemeClr val="accent1"/>
+          </a:effectRef>
+          <a:fontRef idx="minor">
+            <a:schemeClr val="tx1"/>
+          </a:fontRef>
+        </p:style>
+      </p:cxnSp>
+      <p:sp>
+        <p:nvSpPr>
+          <p:cNvPr id="226" name="Elipse 101"/>
+          <p:cNvSpPr/>
+          <p:nvPr/>
+        </p:nvSpPr>
+        <p:spPr>
+          <a:xfrm>
+            <a:off x="-62437" y="-1987459"/>
+            <a:ext cx="144000" cy="144000"/>
+          </a:xfrm>
+          <a:prstGeom prst="ellipse">
+            <a:avLst/>
+          </a:prstGeom>
+          <a:solidFill>
+            <a:schemeClr val="tx1"/>
+          </a:solidFill>
+          <a:ln w="38100">
+            <a:solidFill>
+              <a:schemeClr val="tx1"/>
+            </a:solidFill>
+          </a:ln>
+        </p:spPr>
+        <p:style>
+          <a:lnRef idx="2">
+            <a:schemeClr val="accent1">
+              <a:shade val="50000"/>
+            </a:schemeClr>
+          </a:lnRef>
+          <a:fillRef idx="1">
+            <a:schemeClr val="accent1"/>
+          </a:fillRef>
+          <a:effectRef idx="0">
+            <a:schemeClr val="accent1"/>
+          </a:effectRef>
+          <a:fontRef idx="minor">
+            <a:schemeClr val="lt1"/>
+          </a:fontRef>
+        </p:style>
+        <p:txBody>
+          <a:bodyPr rtlCol="0" anchor="ctr"/>
+          <a:lstStyle/>
+          <a:p>
+            <a:pPr algn="ctr"/>
+            <a:endParaRPr lang="pt-BR">
+              <a:noFill/>
+            </a:endParaRPr>
+          </a:p>
+        </p:txBody>
+      </p:sp>
+      <p:sp>
+        <p:nvSpPr>
+          <p:cNvPr id="227" name="Elipse 101"/>
+          <p:cNvSpPr/>
+          <p:nvPr/>
+        </p:nvSpPr>
+        <p:spPr>
+          <a:xfrm>
+            <a:off x="-841569" y="-2763188"/>
+            <a:ext cx="144000" cy="144000"/>
+          </a:xfrm>
+          <a:prstGeom prst="ellipse">
+            <a:avLst/>
+          </a:prstGeom>
+          <a:solidFill>
+            <a:schemeClr val="tx1"/>
+          </a:solidFill>
+          <a:ln w="38100">
+            <a:solidFill>
+              <a:schemeClr val="tx1"/>
+            </a:solidFill>
+          </a:ln>
+        </p:spPr>
+        <p:style>
+          <a:lnRef idx="2">
+            <a:schemeClr val="accent1">
+              <a:shade val="50000"/>
+            </a:schemeClr>
+          </a:lnRef>
+          <a:fillRef idx="1">
+            <a:schemeClr val="accent1"/>
+          </a:fillRef>
+          <a:effectRef idx="0">
+            <a:schemeClr val="accent1"/>
+          </a:effectRef>
+          <a:fontRef idx="minor">
+            <a:schemeClr val="lt1"/>
+          </a:fontRef>
+        </p:style>
+        <p:txBody>
+          <a:bodyPr rtlCol="0" anchor="ctr"/>
+          <a:lstStyle/>
+          <a:p>
+            <a:pPr algn="ctr"/>
+            <a:endParaRPr lang="pt-BR">
+              <a:noFill/>
+            </a:endParaRPr>
+          </a:p>
+        </p:txBody>
+      </p:sp>
+      <p:sp>
+        <p:nvSpPr>
+          <p:cNvPr id="228" name="Elipse 101"/>
+          <p:cNvSpPr/>
+          <p:nvPr/>
+        </p:nvSpPr>
+        <p:spPr>
+          <a:xfrm>
+            <a:off x="-1612820" y="-3511843"/>
+            <a:ext cx="144000" cy="144000"/>
+          </a:xfrm>
+          <a:prstGeom prst="ellipse">
+            <a:avLst/>
+          </a:prstGeom>
+          <a:solidFill>
+            <a:schemeClr val="tx1"/>
+          </a:solidFill>
+          <a:ln w="38100">
+            <a:solidFill>
+              <a:schemeClr val="tx1"/>
+            </a:solidFill>
+          </a:ln>
+        </p:spPr>
+        <p:style>
+          <a:lnRef idx="2">
+            <a:schemeClr val="accent1">
+              <a:shade val="50000"/>
+            </a:schemeClr>
+          </a:lnRef>
+          <a:fillRef idx="1">
+            <a:schemeClr val="accent1"/>
+          </a:fillRef>
+          <a:effectRef idx="0">
+            <a:schemeClr val="accent1"/>
+          </a:effectRef>
+          <a:fontRef idx="minor">
+            <a:schemeClr val="lt1"/>
+          </a:fontRef>
+        </p:style>
+        <p:txBody>
+          <a:bodyPr rtlCol="0" anchor="ctr"/>
+          <a:lstStyle/>
+          <a:p>
+            <a:pPr algn="ctr"/>
+            <a:endParaRPr lang="pt-BR">
+              <a:noFill/>
+            </a:endParaRPr>
+          </a:p>
+        </p:txBody>
+      </p:sp>
+      <p:sp>
+        <p:nvSpPr>
+          <p:cNvPr id="234" name="Elipse 101"/>
+          <p:cNvSpPr/>
+          <p:nvPr/>
+        </p:nvSpPr>
+        <p:spPr>
+          <a:xfrm>
+            <a:off x="13483409" y="-1964141"/>
+            <a:ext cx="144000" cy="144000"/>
+          </a:xfrm>
+          <a:prstGeom prst="ellipse">
+            <a:avLst/>
+          </a:prstGeom>
+          <a:solidFill>
+            <a:schemeClr val="tx1"/>
+          </a:solidFill>
+          <a:ln w="38100">
+            <a:solidFill>
+              <a:schemeClr val="tx1"/>
+            </a:solidFill>
+          </a:ln>
+        </p:spPr>
+        <p:style>
+          <a:lnRef idx="2">
+            <a:schemeClr val="accent1">
+              <a:shade val="50000"/>
+            </a:schemeClr>
+          </a:lnRef>
+          <a:fillRef idx="1">
+            <a:schemeClr val="accent1"/>
+          </a:fillRef>
+          <a:effectRef idx="0">
+            <a:schemeClr val="accent1"/>
+          </a:effectRef>
+          <a:fontRef idx="minor">
+            <a:schemeClr val="lt1"/>
+          </a:fontRef>
+        </p:style>
+        <p:txBody>
+          <a:bodyPr rtlCol="0" anchor="ctr"/>
+          <a:lstStyle/>
+          <a:p>
+            <a:pPr algn="ctr"/>
+            <a:endParaRPr lang="pt-BR">
+              <a:noFill/>
+            </a:endParaRPr>
+          </a:p>
+        </p:txBody>
+      </p:sp>
+      <p:sp>
+        <p:nvSpPr>
+          <p:cNvPr id="235" name="Elipse 101"/>
+          <p:cNvSpPr/>
+          <p:nvPr/>
+        </p:nvSpPr>
+        <p:spPr>
+          <a:xfrm>
+            <a:off x="13052121" y="-2703742"/>
+            <a:ext cx="144000" cy="144000"/>
+          </a:xfrm>
+          <a:prstGeom prst="ellipse">
+            <a:avLst/>
+          </a:prstGeom>
+          <a:solidFill>
+            <a:schemeClr val="tx1"/>
+          </a:solidFill>
+          <a:ln w="38100">
+            <a:solidFill>
+              <a:schemeClr val="tx1"/>
+            </a:solidFill>
+          </a:ln>
+        </p:spPr>
+        <p:style>
+          <a:lnRef idx="2">
+            <a:schemeClr val="accent1">
+              <a:shade val="50000"/>
+            </a:schemeClr>
+          </a:lnRef>
+          <a:fillRef idx="1">
+            <a:schemeClr val="accent1"/>
+          </a:fillRef>
+          <a:effectRef idx="0">
+            <a:schemeClr val="accent1"/>
+          </a:effectRef>
+          <a:fontRef idx="minor">
+            <a:schemeClr val="lt1"/>
+          </a:fontRef>
+        </p:style>
+        <p:txBody>
+          <a:bodyPr rtlCol="0" anchor="ctr"/>
+          <a:lstStyle/>
+          <a:p>
+            <a:pPr algn="ctr"/>
+            <a:endParaRPr lang="pt-BR">
+              <a:noFill/>
+            </a:endParaRPr>
+          </a:p>
+        </p:txBody>
+      </p:sp>
+      <p:sp>
+        <p:nvSpPr>
+          <p:cNvPr id="236" name="Elipse 101"/>
+          <p:cNvSpPr/>
+          <p:nvPr/>
+        </p:nvSpPr>
+        <p:spPr>
+          <a:xfrm>
+            <a:off x="12602137" y="-3507196"/>
+            <a:ext cx="144000" cy="144000"/>
+          </a:xfrm>
+          <a:prstGeom prst="ellipse">
+            <a:avLst/>
+          </a:prstGeom>
+          <a:solidFill>
+            <a:schemeClr val="tx1"/>
+          </a:solidFill>
+          <a:ln w="38100">
+            <a:solidFill>
+              <a:schemeClr val="tx1"/>
+            </a:solidFill>
+          </a:ln>
+        </p:spPr>
+        <p:style>
+          <a:lnRef idx="2">
+            <a:schemeClr val="accent1">
+              <a:shade val="50000"/>
+            </a:schemeClr>
+          </a:lnRef>
+          <a:fillRef idx="1">
+            <a:schemeClr val="accent1"/>
+          </a:fillRef>
+          <a:effectRef idx="0">
+            <a:schemeClr val="accent1"/>
+          </a:effectRef>
+          <a:fontRef idx="minor">
+            <a:schemeClr val="lt1"/>
+          </a:fontRef>
+        </p:style>
+        <p:txBody>
+          <a:bodyPr rtlCol="0" anchor="ctr"/>
+          <a:lstStyle/>
+          <a:p>
+            <a:pPr algn="ctr"/>
+            <a:endParaRPr lang="pt-BR">
+              <a:noFill/>
+            </a:endParaRPr>
+          </a:p>
+        </p:txBody>
+      </p:sp>
+      <p:sp>
+        <p:nvSpPr>
+          <p:cNvPr id="239" name="Elipse 238"/>
+          <p:cNvSpPr/>
+          <p:nvPr/>
+        </p:nvSpPr>
+        <p:spPr>
+          <a:xfrm>
+            <a:off x="14472468" y="-3624140"/>
+            <a:ext cx="382715" cy="368593"/>
+          </a:xfrm>
+          <a:prstGeom prst="ellipse">
+            <a:avLst/>
+          </a:prstGeom>
+          <a:noFill/>
+          <a:ln w="38100">
+            <a:solidFill>
+              <a:schemeClr val="tx1"/>
+            </a:solidFill>
+          </a:ln>
+        </p:spPr>
+        <p:style>
+          <a:lnRef idx="2">
+            <a:schemeClr val="accent1">
+              <a:shade val="50000"/>
+            </a:schemeClr>
+          </a:lnRef>
+          <a:fillRef idx="1">
+            <a:schemeClr val="accent1"/>
+          </a:fillRef>
+          <a:effectRef idx="0">
+            <a:schemeClr val="accent1"/>
+          </a:effectRef>
+          <a:fontRef idx="minor">
+            <a:schemeClr val="lt1"/>
+          </a:fontRef>
+        </p:style>
+        <p:txBody>
+          <a:bodyPr rtlCol="0" anchor="ctr"/>
+          <a:lstStyle/>
+          <a:p>
+            <a:pPr algn="ctr"/>
+            <a:endParaRPr lang="pt-BR">
+              <a:noFill/>
+            </a:endParaRPr>
+          </a:p>
+        </p:txBody>
+      </p:sp>
+      <p:sp>
+        <p:nvSpPr>
+          <p:cNvPr id="240" name="Elipse 239"/>
+          <p:cNvSpPr/>
+          <p:nvPr/>
+        </p:nvSpPr>
+        <p:spPr>
+          <a:xfrm>
+            <a:off x="15199085" y="-2827110"/>
+            <a:ext cx="382715" cy="368593"/>
+          </a:xfrm>
+          <a:prstGeom prst="ellipse">
+            <a:avLst/>
+          </a:prstGeom>
+          <a:noFill/>
+          <a:ln w="38100">
+            <a:solidFill>
+              <a:schemeClr val="tx1"/>
+            </a:solidFill>
+          </a:ln>
+        </p:spPr>
+        <p:style>
+          <a:lnRef idx="2">
+            <a:schemeClr val="accent1">
+              <a:shade val="50000"/>
+            </a:schemeClr>
+          </a:lnRef>
+          <a:fillRef idx="1">
+            <a:schemeClr val="accent1"/>
+          </a:fillRef>
+          <a:effectRef idx="0">
+            <a:schemeClr val="accent1"/>
+          </a:effectRef>
+          <a:fontRef idx="minor">
+            <a:schemeClr val="lt1"/>
+          </a:fontRef>
+        </p:style>
+        <p:txBody>
+          <a:bodyPr rtlCol="0" anchor="ctr"/>
+          <a:lstStyle/>
+          <a:p>
+            <a:pPr algn="ctr"/>
+            <a:endParaRPr lang="pt-BR">
+              <a:noFill/>
+            </a:endParaRPr>
+          </a:p>
+        </p:txBody>
+      </p:sp>
+      <p:sp>
+        <p:nvSpPr>
+          <p:cNvPr id="241" name="Elipse 240"/>
+          <p:cNvSpPr/>
+          <p:nvPr/>
+        </p:nvSpPr>
+        <p:spPr>
+          <a:xfrm>
+            <a:off x="15910130" y="-2080269"/>
+            <a:ext cx="382715" cy="368593"/>
+          </a:xfrm>
+          <a:prstGeom prst="ellipse">
+            <a:avLst/>
+          </a:prstGeom>
+          <a:noFill/>
+          <a:ln w="38100">
+            <a:solidFill>
+              <a:schemeClr val="tx1"/>
+            </a:solidFill>
+          </a:ln>
+        </p:spPr>
+        <p:style>
+          <a:lnRef idx="2">
+            <a:schemeClr val="accent1">
+              <a:shade val="50000"/>
+            </a:schemeClr>
+          </a:lnRef>
+          <a:fillRef idx="1">
+            <a:schemeClr val="accent1"/>
+          </a:fillRef>
+          <a:effectRef idx="0">
+            <a:schemeClr val="accent1"/>
+          </a:effectRef>
+          <a:fontRef idx="minor">
+            <a:schemeClr val="lt1"/>
+          </a:fontRef>
+        </p:style>
+        <p:txBody>
+          <a:bodyPr rtlCol="0" anchor="ctr"/>
+          <a:lstStyle/>
+          <a:p>
+            <a:pPr algn="ctr"/>
+            <a:endParaRPr lang="pt-BR">
+              <a:noFill/>
+            </a:endParaRPr>
+          </a:p>
+        </p:txBody>
+      </p:sp>
+      <mc:AlternateContent xmlns:mc="http://schemas.openxmlformats.org/markup-compatibility/2006">
+        <mc:Choice xmlns:a14="http://schemas.microsoft.com/office/drawing/2010/main" Requires="a14">
+          <p:sp>
+            <p:nvSpPr>
+              <p:cNvPr id="242" name="CaixaDeTexto 241"/>
+              <p:cNvSpPr txBox="1"/>
+              <p:nvPr/>
+            </p:nvSpPr>
+            <p:spPr>
+              <a:xfrm>
+                <a:off x="14309978" y="-864883"/>
+                <a:ext cx="707693" cy="523220"/>
+              </a:xfrm>
+              <a:prstGeom prst="rect">
+                <a:avLst/>
+              </a:prstGeom>
+              <a:noFill/>
+            </p:spPr>
+            <p:txBody>
+              <a:bodyPr wrap="none" rtlCol="0">
+                <a:spAutoFit/>
+              </a:bodyPr>
+              <a:lstStyle/>
+              <a:p>
+                <a:pPr/>
+                <a14:m>
+                  <m:oMathPara xmlns:m="http://schemas.openxmlformats.org/officeDocument/2006/math">
+                    <m:oMathParaPr>
+                      <m:jc m:val="centerGroup"/>
+                    </m:oMathParaPr>
+                    <m:oMath xmlns:m="http://schemas.openxmlformats.org/officeDocument/2006/math">
+                      <m:sSub>
+                        <m:sSubPr>
+                          <m:ctrlPr>
+                            <a:rPr lang="pt-BR" sz="2800" b="0" i="1" smtClean="0">
+                              <a:latin typeface="Cambria Math" panose="02040503050406030204" pitchFamily="18" charset="0"/>
+                            </a:rPr>
+                          </m:ctrlPr>
+                        </m:sSubPr>
+                        <m:e>
+                          <m:r>
+                            <a:rPr lang="pt-BR" sz="2800" b="0" i="1" smtClean="0">
+                              <a:latin typeface="Cambria Math"/>
+                            </a:rPr>
+                            <m:t>𝑖</m:t>
+                          </m:r>
+                        </m:e>
+                        <m:sub>
+                          <m:r>
+                            <a:rPr lang="pt-BR" sz="2800" b="0" i="1" smtClean="0">
+                              <a:latin typeface="Cambria Math"/>
+                            </a:rPr>
+                            <m:t>𝐿𝑎</m:t>
+                          </m:r>
+                        </m:sub>
+                      </m:sSub>
+                    </m:oMath>
+                  </m:oMathPara>
+                </a14:m>
+                <a:endParaRPr lang="pt-BR" sz="2800" dirty="0"/>
+              </a:p>
+            </p:txBody>
+          </p:sp>
+        </mc:Choice>
+        <mc:Fallback>
+          <p:sp>
+            <p:nvSpPr>
+              <p:cNvPr id="242" name="CaixaDeTexto 241"/>
+              <p:cNvSpPr txBox="1">
+                <a:spLocks noRot="1" noChangeAspect="1" noMove="1" noResize="1" noEditPoints="1" noAdjustHandles="1" noChangeArrowheads="1" noChangeShapeType="1" noTextEdit="1"/>
+              </p:cNvSpPr>
+              <p:nvPr/>
+            </p:nvSpPr>
+            <p:spPr>
+              <a:xfrm>
+                <a:off x="14309978" y="-864883"/>
+                <a:ext cx="707693" cy="523220"/>
+              </a:xfrm>
+              <a:prstGeom prst="rect">
+                <a:avLst/>
+              </a:prstGeom>
+              <a:blipFill>
+                <a:blip r:embed="rId33"/>
+                <a:stretch>
+                  <a:fillRect/>
+                </a:stretch>
+              </a:blipFill>
+            </p:spPr>
+            <p:txBody>
+              <a:bodyPr/>
+              <a:lstStyle/>
+              <a:p>
+                <a:r>
+                  <a:rPr lang="pt-BR">
+                    <a:noFill/>
+                  </a:rPr>
+                  <a:t> </a:t>
+                </a:r>
+              </a:p>
+            </p:txBody>
+          </p:sp>
+        </mc:Fallback>
+      </mc:AlternateContent>
+      <mc:AlternateContent xmlns:mc="http://schemas.openxmlformats.org/markup-compatibility/2006">
+        <mc:Choice xmlns:a14="http://schemas.microsoft.com/office/drawing/2010/main" Requires="a14">
+          <p:sp>
+            <p:nvSpPr>
+              <p:cNvPr id="243" name="CaixaDeTexto 242"/>
+              <p:cNvSpPr txBox="1"/>
+              <p:nvPr/>
+            </p:nvSpPr>
+            <p:spPr>
+              <a:xfrm>
+                <a:off x="15074459" y="-864883"/>
+                <a:ext cx="701923" cy="523220"/>
+              </a:xfrm>
+              <a:prstGeom prst="rect">
+                <a:avLst/>
+              </a:prstGeom>
+              <a:noFill/>
+            </p:spPr>
+            <p:txBody>
+              <a:bodyPr wrap="none" rtlCol="0">
+                <a:spAutoFit/>
+              </a:bodyPr>
+              <a:lstStyle/>
+              <a:p>
+                <a:pPr/>
+                <a14:m>
+                  <m:oMathPara xmlns:m="http://schemas.openxmlformats.org/officeDocument/2006/math">
+                    <m:oMathParaPr>
+                      <m:jc m:val="centerGroup"/>
+                    </m:oMathParaPr>
+                    <m:oMath xmlns:m="http://schemas.openxmlformats.org/officeDocument/2006/math">
+                      <m:sSub>
+                        <m:sSubPr>
+                          <m:ctrlPr>
+                            <a:rPr lang="pt-BR" sz="2800" b="0" i="1" smtClean="0">
+                              <a:latin typeface="Cambria Math" panose="02040503050406030204" pitchFamily="18" charset="0"/>
+                            </a:rPr>
+                          </m:ctrlPr>
+                        </m:sSubPr>
+                        <m:e>
+                          <m:r>
+                            <a:rPr lang="pt-BR" sz="2800" b="0" i="1" smtClean="0">
+                              <a:latin typeface="Cambria Math"/>
+                            </a:rPr>
+                            <m:t>𝑖</m:t>
+                          </m:r>
+                        </m:e>
+                        <m:sub>
+                          <m:r>
+                            <a:rPr lang="pt-BR" sz="2800" b="0" i="1" smtClean="0">
+                              <a:latin typeface="Cambria Math"/>
+                            </a:rPr>
+                            <m:t>𝐿𝑏</m:t>
+                          </m:r>
+                        </m:sub>
+                      </m:sSub>
+                    </m:oMath>
+                  </m:oMathPara>
+                </a14:m>
+                <a:endParaRPr lang="pt-BR" sz="2800" dirty="0"/>
+              </a:p>
+            </p:txBody>
+          </p:sp>
+        </mc:Choice>
+        <mc:Fallback>
+          <p:sp>
+            <p:nvSpPr>
+              <p:cNvPr id="243" name="CaixaDeTexto 242"/>
+              <p:cNvSpPr txBox="1">
+                <a:spLocks noRot="1" noChangeAspect="1" noMove="1" noResize="1" noEditPoints="1" noAdjustHandles="1" noChangeArrowheads="1" noChangeShapeType="1" noTextEdit="1"/>
+              </p:cNvSpPr>
+              <p:nvPr/>
+            </p:nvSpPr>
+            <p:spPr>
+              <a:xfrm>
+                <a:off x="15074459" y="-864883"/>
+                <a:ext cx="701923" cy="523220"/>
+              </a:xfrm>
+              <a:prstGeom prst="rect">
+                <a:avLst/>
+              </a:prstGeom>
+              <a:blipFill>
+                <a:blip r:embed="rId34"/>
+                <a:stretch>
+                  <a:fillRect/>
+                </a:stretch>
+              </a:blipFill>
+            </p:spPr>
+            <p:txBody>
+              <a:bodyPr/>
+              <a:lstStyle/>
+              <a:p>
+                <a:r>
+                  <a:rPr lang="pt-BR">
+                    <a:noFill/>
+                  </a:rPr>
+                  <a:t> </a:t>
+                </a:r>
+              </a:p>
+            </p:txBody>
+          </p:sp>
+        </mc:Fallback>
+      </mc:AlternateContent>
+      <mc:AlternateContent xmlns:mc="http://schemas.openxmlformats.org/markup-compatibility/2006">
+        <mc:Choice xmlns:a14="http://schemas.microsoft.com/office/drawing/2010/main" Requires="a14">
+          <p:sp>
+            <p:nvSpPr>
+              <p:cNvPr id="244" name="CaixaDeTexto 243"/>
+              <p:cNvSpPr txBox="1"/>
+              <p:nvPr/>
+            </p:nvSpPr>
+            <p:spPr>
+              <a:xfrm>
+                <a:off x="15787631" y="-887232"/>
+                <a:ext cx="679097" cy="523220"/>
+              </a:xfrm>
+              <a:prstGeom prst="rect">
+                <a:avLst/>
+              </a:prstGeom>
+              <a:noFill/>
+            </p:spPr>
+            <p:txBody>
+              <a:bodyPr wrap="none" rtlCol="0">
+                <a:spAutoFit/>
+              </a:bodyPr>
+              <a:lstStyle/>
+              <a:p>
+                <a:pPr/>
+                <a14:m>
+                  <m:oMathPara xmlns:m="http://schemas.openxmlformats.org/officeDocument/2006/math">
+                    <m:oMathParaPr>
+                      <m:jc m:val="centerGroup"/>
+                    </m:oMathParaPr>
+                    <m:oMath xmlns:m="http://schemas.openxmlformats.org/officeDocument/2006/math">
+                      <m:sSub>
+                        <m:sSubPr>
+                          <m:ctrlPr>
+                            <a:rPr lang="pt-BR" sz="2800" b="0" i="1" smtClean="0">
+                              <a:latin typeface="Cambria Math" panose="02040503050406030204" pitchFamily="18" charset="0"/>
+                            </a:rPr>
+                          </m:ctrlPr>
+                        </m:sSubPr>
+                        <m:e>
+                          <m:r>
+                            <a:rPr lang="pt-BR" sz="2800" b="0" i="1" smtClean="0">
+                              <a:latin typeface="Cambria Math"/>
+                            </a:rPr>
+                            <m:t>𝑖</m:t>
+                          </m:r>
+                        </m:e>
+                        <m:sub>
+                          <m:r>
+                            <a:rPr lang="pt-BR" sz="2800" b="0" i="1" smtClean="0">
+                              <a:latin typeface="Cambria Math"/>
+                            </a:rPr>
+                            <m:t>𝐿𝑐</m:t>
+                          </m:r>
+                        </m:sub>
+                      </m:sSub>
+                    </m:oMath>
+                  </m:oMathPara>
+                </a14:m>
+                <a:endParaRPr lang="pt-BR" sz="2800" dirty="0"/>
+              </a:p>
+            </p:txBody>
+          </p:sp>
+        </mc:Choice>
+        <mc:Fallback>
+          <p:sp>
+            <p:nvSpPr>
+              <p:cNvPr id="244" name="CaixaDeTexto 243"/>
+              <p:cNvSpPr txBox="1">
+                <a:spLocks noRot="1" noChangeAspect="1" noMove="1" noResize="1" noEditPoints="1" noAdjustHandles="1" noChangeArrowheads="1" noChangeShapeType="1" noTextEdit="1"/>
+              </p:cNvSpPr>
+              <p:nvPr/>
+            </p:nvSpPr>
+            <p:spPr>
+              <a:xfrm>
+                <a:off x="15787631" y="-887232"/>
+                <a:ext cx="679097" cy="523220"/>
+              </a:xfrm>
+              <a:prstGeom prst="rect">
+                <a:avLst/>
+              </a:prstGeom>
+              <a:blipFill>
+                <a:blip r:embed="rId35"/>
+                <a:stretch>
+                  <a:fillRect/>
+                </a:stretch>
+              </a:blipFill>
+            </p:spPr>
+            <p:txBody>
+              <a:bodyPr/>
+              <a:lstStyle/>
+              <a:p>
+                <a:r>
+                  <a:rPr lang="pt-BR">
+                    <a:noFill/>
+                  </a:rPr>
+                  <a:t> </a:t>
+                </a:r>
+              </a:p>
+            </p:txBody>
+          </p:sp>
+        </mc:Fallback>
+      </mc:AlternateContent>
+      <p:cxnSp>
+        <p:nvCxnSpPr>
+          <p:cNvPr id="245" name="Conector de seta reta 33"/>
+          <p:cNvCxnSpPr>
+            <a:stCxn id="240" idx="4"/>
+          </p:cNvCxnSpPr>
+          <p:nvPr/>
+        </p:nvCxnSpPr>
+        <p:spPr>
+          <a:xfrm>
+            <a:off x="15390443" y="-2458517"/>
+            <a:ext cx="0" cy="1577736"/>
+          </a:xfrm>
+          <a:prstGeom prst="straightConnector1">
+            <a:avLst/>
+          </a:prstGeom>
+          <a:ln w="38100">
+            <a:solidFill>
+              <a:schemeClr val="tx1"/>
+            </a:solidFill>
+            <a:tailEnd type="arrow"/>
+          </a:ln>
+        </p:spPr>
+        <p:style>
+          <a:lnRef idx="1">
+            <a:schemeClr val="accent1"/>
+          </a:lnRef>
+          <a:fillRef idx="0">
+            <a:schemeClr val="accent1"/>
+          </a:fillRef>
+          <a:effectRef idx="0">
+            <a:schemeClr val="accent1"/>
+          </a:effectRef>
+          <a:fontRef idx="minor">
+            <a:schemeClr val="tx1"/>
+          </a:fontRef>
+        </p:style>
+      </p:cxnSp>
+      <p:cxnSp>
+        <p:nvCxnSpPr>
+          <p:cNvPr id="246" name="Conector de seta reta 33"/>
+          <p:cNvCxnSpPr>
+            <a:stCxn id="241" idx="4"/>
+            <a:endCxn id="244" idx="0"/>
+          </p:cNvCxnSpPr>
+          <p:nvPr/>
+        </p:nvCxnSpPr>
+        <p:spPr>
+          <a:xfrm>
+            <a:off x="16101488" y="-1711676"/>
+            <a:ext cx="0" cy="824444"/>
+          </a:xfrm>
+          <a:prstGeom prst="straightConnector1">
+            <a:avLst/>
+          </a:prstGeom>
+          <a:ln w="38100">
+            <a:solidFill>
+              <a:schemeClr val="tx1"/>
+            </a:solidFill>
+            <a:tailEnd type="arrow"/>
+          </a:ln>
+        </p:spPr>
+        <p:style>
+          <a:lnRef idx="1">
+            <a:schemeClr val="accent1"/>
+          </a:lnRef>
+          <a:fillRef idx="0">
+            <a:schemeClr val="accent1"/>
+          </a:fillRef>
+          <a:effectRef idx="0">
+            <a:schemeClr val="accent1"/>
+          </a:effectRef>
+          <a:fontRef idx="minor">
+            <a:schemeClr val="tx1"/>
+          </a:fontRef>
+        </p:style>
+      </p:cxnSp>
+      <p:cxnSp>
+        <p:nvCxnSpPr>
+          <p:cNvPr id="247" name="Conector de seta reta 33"/>
+          <p:cNvCxnSpPr>
+            <a:stCxn id="239" idx="4"/>
+          </p:cNvCxnSpPr>
+          <p:nvPr/>
+        </p:nvCxnSpPr>
+        <p:spPr>
+          <a:xfrm>
+            <a:off x="14663826" y="-3255547"/>
+            <a:ext cx="4027" cy="2391215"/>
+          </a:xfrm>
+          <a:prstGeom prst="straightConnector1">
+            <a:avLst/>
+          </a:prstGeom>
+          <a:ln w="38100">
+            <a:solidFill>
+              <a:schemeClr val="tx1"/>
+            </a:solidFill>
+            <a:tailEnd type="arrow"/>
+          </a:ln>
+        </p:spPr>
+        <p:style>
+          <a:lnRef idx="1">
+            <a:schemeClr val="accent1"/>
+          </a:lnRef>
+          <a:fillRef idx="0">
+            <a:schemeClr val="accent1"/>
+          </a:fillRef>
+          <a:effectRef idx="0">
+            <a:schemeClr val="accent1"/>
+          </a:effectRef>
+          <a:fontRef idx="minor">
+            <a:schemeClr val="tx1"/>
+          </a:fontRef>
+        </p:style>
+      </p:cxnSp>
+      <p:sp>
+        <p:nvSpPr>
+          <p:cNvPr id="256" name="Elipse 255"/>
+          <p:cNvSpPr/>
+          <p:nvPr/>
+        </p:nvSpPr>
+        <p:spPr>
+          <a:xfrm>
+            <a:off x="15236935" y="-112661"/>
+            <a:ext cx="341549" cy="341549"/>
+          </a:xfrm>
+          <a:prstGeom prst="ellipse">
+            <a:avLst/>
+          </a:prstGeom>
+          <a:noFill/>
+          <a:ln>
+            <a:solidFill>
+              <a:schemeClr val="tx1"/>
+            </a:solidFill>
+          </a:ln>
+        </p:spPr>
+        <p:style>
+          <a:lnRef idx="2">
+            <a:schemeClr val="accent1">
+              <a:shade val="50000"/>
+            </a:schemeClr>
+          </a:lnRef>
+          <a:fillRef idx="1">
+            <a:schemeClr val="accent1"/>
+          </a:fillRef>
+          <a:effectRef idx="0">
+            <a:schemeClr val="accent1"/>
+          </a:effectRef>
+          <a:fontRef idx="minor">
+            <a:schemeClr val="lt1"/>
+          </a:fontRef>
+        </p:style>
+        <p:txBody>
+          <a:bodyPr rtlCol="0" anchor="ctr"/>
+          <a:lstStyle/>
+          <a:p>
+            <a:pPr algn="ctr"/>
+            <a:r>
+              <a:rPr lang="pt-BR" dirty="0">
+                <a:solidFill>
+                  <a:sysClr val="windowText" lastClr="000000"/>
+                </a:solidFill>
+              </a:rPr>
+              <a:t>3</a:t>
+            </a:r>
+          </a:p>
+        </p:txBody>
+      </p:sp>
+      <p:sp>
+        <p:nvSpPr>
+          <p:cNvPr id="257" name="Elipse 256"/>
+          <p:cNvSpPr/>
+          <p:nvPr/>
+        </p:nvSpPr>
+        <p:spPr>
+          <a:xfrm>
+            <a:off x="5078502" y="8438317"/>
+            <a:ext cx="341549" cy="341549"/>
+          </a:xfrm>
+          <a:prstGeom prst="ellipse">
+            <a:avLst/>
+          </a:prstGeom>
+          <a:noFill/>
+          <a:ln>
+            <a:solidFill>
+              <a:schemeClr val="tx1"/>
+            </a:solidFill>
+          </a:ln>
+        </p:spPr>
+        <p:style>
+          <a:lnRef idx="2">
+            <a:schemeClr val="accent1">
+              <a:shade val="50000"/>
+            </a:schemeClr>
+          </a:lnRef>
+          <a:fillRef idx="1">
+            <a:schemeClr val="accent1"/>
+          </a:fillRef>
+          <a:effectRef idx="0">
+            <a:schemeClr val="accent1"/>
+          </a:effectRef>
+          <a:fontRef idx="minor">
+            <a:schemeClr val="lt1"/>
+          </a:fontRef>
+        </p:style>
+        <p:txBody>
+          <a:bodyPr rtlCol="0" anchor="ctr"/>
+          <a:lstStyle/>
+          <a:p>
+            <a:pPr algn="ctr"/>
+            <a:r>
+              <a:rPr lang="pt-BR" dirty="0">
+                <a:solidFill>
+                  <a:sysClr val="windowText" lastClr="000000"/>
+                </a:solidFill>
+              </a:rPr>
+              <a:t>3</a:t>
+            </a:r>
+          </a:p>
+        </p:txBody>
+      </p:sp>
+      <p:cxnSp>
+        <p:nvCxnSpPr>
+          <p:cNvPr id="261" name="Conector de seta reta 22"/>
+          <p:cNvCxnSpPr/>
+          <p:nvPr/>
+        </p:nvCxnSpPr>
+        <p:spPr>
+          <a:xfrm>
+            <a:off x="4141315" y="496399"/>
+            <a:ext cx="1238025" cy="0"/>
+          </a:xfrm>
+          <a:prstGeom prst="straightConnector1">
+            <a:avLst/>
+          </a:prstGeom>
+          <a:ln w="38100">
+            <a:solidFill>
+              <a:schemeClr val="tx1"/>
+            </a:solidFill>
+            <a:tailEnd type="arrow"/>
+          </a:ln>
+        </p:spPr>
+        <p:style>
+          <a:lnRef idx="1">
+            <a:schemeClr val="accent1"/>
+          </a:lnRef>
+          <a:fillRef idx="0">
+            <a:schemeClr val="accent1"/>
+          </a:fillRef>
+          <a:effectRef idx="0">
+            <a:schemeClr val="accent1"/>
+          </a:effectRef>
+          <a:fontRef idx="minor">
+            <a:schemeClr val="tx1"/>
+          </a:fontRef>
+        </p:style>
+      </p:cxnSp>
+      <p:cxnSp>
+        <p:nvCxnSpPr>
+          <p:cNvPr id="262" name="Conector de seta reta 22"/>
+          <p:cNvCxnSpPr/>
+          <p:nvPr/>
+        </p:nvCxnSpPr>
+        <p:spPr>
+          <a:xfrm flipH="1">
+            <a:off x="5935443" y="515257"/>
+            <a:ext cx="836543" cy="0"/>
+          </a:xfrm>
+          <a:prstGeom prst="straightConnector1">
+            <a:avLst/>
+          </a:prstGeom>
+          <a:ln w="38100">
+            <a:solidFill>
+              <a:schemeClr val="tx1"/>
+            </a:solidFill>
+            <a:tailEnd type="arrow"/>
+          </a:ln>
+        </p:spPr>
+        <p:style>
+          <a:lnRef idx="1">
+            <a:schemeClr val="accent1"/>
+          </a:lnRef>
+          <a:fillRef idx="0">
+            <a:schemeClr val="accent1"/>
+          </a:fillRef>
+          <a:effectRef idx="0">
+            <a:schemeClr val="accent1"/>
+          </a:effectRef>
+          <a:fontRef idx="minor">
+            <a:schemeClr val="tx1"/>
+          </a:fontRef>
+        </p:style>
+      </p:cxnSp>
+      <p:cxnSp>
+        <p:nvCxnSpPr>
+          <p:cNvPr id="266" name="Conector de seta reta 33"/>
+          <p:cNvCxnSpPr/>
+          <p:nvPr/>
+        </p:nvCxnSpPr>
+        <p:spPr>
+          <a:xfrm flipH="1">
+            <a:off x="5649340" y="785257"/>
+            <a:ext cx="798" cy="1578794"/>
+          </a:xfrm>
+          <a:prstGeom prst="straightConnector1">
+            <a:avLst/>
+          </a:prstGeom>
+          <a:ln w="38100">
+            <a:solidFill>
+              <a:schemeClr val="tx1"/>
+            </a:solidFill>
+            <a:tailEnd type="arrow"/>
+          </a:ln>
+        </p:spPr>
+        <p:style>
+          <a:lnRef idx="1">
+            <a:schemeClr val="accent1"/>
+          </a:lnRef>
+          <a:fillRef idx="0">
+            <a:schemeClr val="accent1"/>
+          </a:fillRef>
+          <a:effectRef idx="0">
+            <a:schemeClr val="accent1"/>
+          </a:effectRef>
+          <a:fontRef idx="minor">
+            <a:schemeClr val="tx1"/>
+          </a:fontRef>
+        </p:style>
+      </p:cxnSp>
+      <p:sp>
+        <p:nvSpPr>
+          <p:cNvPr id="269" name="Texto Explicativo: Seta para Cima 268"/>
+          <p:cNvSpPr/>
+          <p:nvPr/>
+        </p:nvSpPr>
+        <p:spPr>
+          <a:xfrm>
+            <a:off x="7107513" y="2194280"/>
+            <a:ext cx="4540104" cy="1562458"/>
+          </a:xfrm>
+          <a:prstGeom prst="upArrowCallout">
+            <a:avLst>
+              <a:gd name="adj1" fmla="val 29167"/>
+              <a:gd name="adj2" fmla="val 33333"/>
+              <a:gd name="adj3" fmla="val 35675"/>
+              <a:gd name="adj4" fmla="val 37774"/>
+            </a:avLst>
+          </a:prstGeom>
+          <a:noFill/>
+          <a:ln w="38100">
+            <a:solidFill>
+              <a:schemeClr val="tx1"/>
+            </a:solidFill>
+          </a:ln>
+        </p:spPr>
+        <p:style>
+          <a:lnRef idx="2">
+            <a:schemeClr val="accent1">
+              <a:shade val="50000"/>
+            </a:schemeClr>
+          </a:lnRef>
+          <a:fillRef idx="1">
+            <a:schemeClr val="accent1"/>
+          </a:fillRef>
+          <a:effectRef idx="0">
+            <a:schemeClr val="accent1"/>
+          </a:effectRef>
+          <a:fontRef idx="minor">
+            <a:schemeClr val="lt1"/>
+          </a:fontRef>
+        </p:style>
+        <p:txBody>
+          <a:bodyPr rtlCol="0" anchor="ctr"/>
+          <a:lstStyle/>
+          <a:p>
+            <a:pPr algn="ctr"/>
+            <a:r>
+              <a:rPr lang="pt-BR" sz="2400" dirty="0">
+                <a:solidFill>
+                  <a:schemeClr val="tx1"/>
+                </a:solidFill>
+              </a:rPr>
+              <a:t>PWM</a:t>
+            </a:r>
+          </a:p>
+        </p:txBody>
+      </p:sp>
+      <p:pic>
+        <p:nvPicPr>
+          <p:cNvPr id="270" name="Picture 3"/>
+          <p:cNvPicPr>
+            <a:picLocks noChangeAspect="1" noChangeArrowheads="1"/>
+          </p:cNvPicPr>
+          <p:nvPr/>
+        </p:nvPicPr>
+        <p:blipFill>
+          <a:blip r:embed="rId36">
+            <a:extLst>
+              <a:ext uri="{28A0092B-C50C-407E-A947-70E740481C1C}">
+                <a14:useLocalDpi xmlns:a14="http://schemas.microsoft.com/office/drawing/2010/main" val="0"/>
+              </a:ext>
+            </a:extLst>
+          </a:blip>
+          <a:srcRect/>
+          <a:stretch>
+            <a:fillRect/>
+          </a:stretch>
+        </p:blipFill>
+        <p:spPr bwMode="auto">
+          <a:xfrm>
+            <a:off x="16938679" y="-3454254"/>
+            <a:ext cx="1285240" cy="1576800"/>
+          </a:xfrm>
+          <a:prstGeom prst="rect">
+            <a:avLst/>
+          </a:prstGeom>
+          <a:noFill/>
+          <a:ln>
+            <a:noFill/>
+          </a:ln>
+          <a:effectLst/>
+          <a:extLst>
+            <a:ext uri="{909E8E84-426E-40DD-AFC4-6F175D3DCCD1}">
+              <a14:hiddenFill xmlns:a14="http://schemas.microsoft.com/office/drawing/2010/main">
+                <a:solidFill>
+                  <a:schemeClr val="accent1"/>
+                </a:solidFill>
+              </a14:hiddenFill>
+            </a:ext>
+            <a:ext uri="{91240B29-F687-4F45-9708-019B960494DF}">
+              <a14:hiddenLine xmlns:a14="http://schemas.microsoft.com/office/drawing/2010/main" w="9525">
+                <a:solidFill>
+                  <a:schemeClr val="tx1"/>
+                </a:solidFill>
+                <a:miter lim="800000"/>
+                <a:headEnd/>
+                <a:tailEnd/>
+              </a14:hiddenLine>
+            </a:ext>
+            <a:ext uri="{AF507438-7753-43E0-B8FC-AC1667EBCBE1}">
+              <a14:hiddenEffects xmlns:a14="http://schemas.microsoft.com/office/drawing/2010/main">
+                <a:effectLst>
+                  <a:outerShdw dist="35921" dir="2700000" algn="ctr" rotWithShape="0">
+                    <a:schemeClr val="bg2"/>
+                  </a:outerShdw>
+                </a:effectLst>
+              </a14:hiddenEffects>
+            </a:ext>
+          </a:extLst>
+        </p:spPr>
+      </p:pic>
+      <p:cxnSp>
+        <p:nvCxnSpPr>
+          <p:cNvPr id="275" name="Conector: Angulado 274"/>
+          <p:cNvCxnSpPr>
+            <a:stCxn id="217" idx="0"/>
+          </p:cNvCxnSpPr>
+          <p:nvPr/>
+        </p:nvCxnSpPr>
+        <p:spPr>
+          <a:xfrm rot="5400000">
+            <a:off x="-4200384" y="-564461"/>
+            <a:ext cx="2862790" cy="2456339"/>
+          </a:xfrm>
+          <a:prstGeom prst="bentConnector3">
+            <a:avLst>
+              <a:gd name="adj1" fmla="val 11405"/>
+            </a:avLst>
+          </a:prstGeom>
+          <a:ln w="38100">
+            <a:solidFill>
+              <a:schemeClr val="tx1"/>
+            </a:solidFill>
+            <a:headEnd type="none" w="med" len="med"/>
+            <a:tailEnd type="none" w="med" len="med"/>
+          </a:ln>
+        </p:spPr>
+        <p:style>
+          <a:lnRef idx="1">
+            <a:schemeClr val="accent1"/>
+          </a:lnRef>
+          <a:fillRef idx="0">
+            <a:schemeClr val="accent1"/>
+          </a:fillRef>
+          <a:effectRef idx="0">
+            <a:schemeClr val="accent1"/>
+          </a:effectRef>
+          <a:fontRef idx="minor">
+            <a:schemeClr val="tx1"/>
+          </a:fontRef>
+        </p:style>
+      </p:cxnSp>
+      <p:cxnSp>
+        <p:nvCxnSpPr>
+          <p:cNvPr id="280" name="Conector: Angulado 279"/>
+          <p:cNvCxnSpPr>
+            <a:stCxn id="218" idx="0"/>
+          </p:cNvCxnSpPr>
+          <p:nvPr/>
+        </p:nvCxnSpPr>
+        <p:spPr>
+          <a:xfrm rot="5400000">
+            <a:off x="-3863617" y="-598835"/>
+            <a:ext cx="3262900" cy="2925196"/>
+          </a:xfrm>
+          <a:prstGeom prst="bentConnector3">
+            <a:avLst>
+              <a:gd name="adj1" fmla="val 21976"/>
+            </a:avLst>
+          </a:prstGeom>
+          <a:ln w="38100">
+            <a:solidFill>
+              <a:schemeClr val="tx1"/>
+            </a:solidFill>
+            <a:headEnd type="none" w="med" len="med"/>
+            <a:tailEnd type="none" w="med" len="med"/>
+          </a:ln>
+        </p:spPr>
+        <p:style>
+          <a:lnRef idx="1">
+            <a:schemeClr val="accent1"/>
+          </a:lnRef>
+          <a:fillRef idx="0">
+            <a:schemeClr val="accent1"/>
+          </a:fillRef>
+          <a:effectRef idx="0">
+            <a:schemeClr val="accent1"/>
+          </a:effectRef>
+          <a:fontRef idx="minor">
+            <a:schemeClr val="tx1"/>
+          </a:fontRef>
+        </p:style>
+      </p:cxnSp>
+      <p:cxnSp>
+        <p:nvCxnSpPr>
+          <p:cNvPr id="288" name="Conector: Angulado 287"/>
+          <p:cNvCxnSpPr>
+            <a:stCxn id="219" idx="0"/>
+          </p:cNvCxnSpPr>
+          <p:nvPr/>
+        </p:nvCxnSpPr>
+        <p:spPr>
+          <a:xfrm rot="5400000">
+            <a:off x="-3901185" y="-220653"/>
+            <a:ext cx="4452137" cy="3360279"/>
+          </a:xfrm>
+          <a:prstGeom prst="bentConnector3">
+            <a:avLst>
+              <a:gd name="adj1" fmla="val 23899"/>
+            </a:avLst>
+          </a:prstGeom>
+          <a:ln w="38100">
+            <a:solidFill>
+              <a:schemeClr val="tx1"/>
+            </a:solidFill>
+            <a:headEnd type="none" w="med" len="med"/>
+            <a:tailEnd type="none" w="med" len="med"/>
+          </a:ln>
+        </p:spPr>
+        <p:style>
+          <a:lnRef idx="1">
+            <a:schemeClr val="accent1"/>
+          </a:lnRef>
+          <a:fillRef idx="0">
+            <a:schemeClr val="accent1"/>
+          </a:fillRef>
+          <a:effectRef idx="0">
+            <a:schemeClr val="accent1"/>
+          </a:effectRef>
+          <a:fontRef idx="minor">
+            <a:schemeClr val="tx1"/>
+          </a:fontRef>
+        </p:style>
+      </p:cxnSp>
+      <mc:AlternateContent xmlns:mc="http://schemas.openxmlformats.org/markup-compatibility/2006">
+        <mc:Choice xmlns:a14="http://schemas.microsoft.com/office/drawing/2010/main" Requires="a14">
+          <p:sp>
+            <p:nvSpPr>
+              <p:cNvPr id="307" name="CaixaDeTexto 306"/>
+              <p:cNvSpPr txBox="1"/>
+              <p:nvPr/>
+            </p:nvSpPr>
+            <p:spPr>
+              <a:xfrm>
+                <a:off x="-2977257" y="-1029297"/>
+                <a:ext cx="625749" cy="523220"/>
+              </a:xfrm>
+              <a:prstGeom prst="rect">
+                <a:avLst/>
+              </a:prstGeom>
+              <a:noFill/>
+            </p:spPr>
+            <p:txBody>
+              <a:bodyPr wrap="none" rtlCol="0">
+                <a:spAutoFit/>
+              </a:bodyPr>
+              <a:lstStyle/>
+              <a:p>
+                <a:pPr/>
+                <a14:m>
+                  <m:oMathPara xmlns:m="http://schemas.openxmlformats.org/officeDocument/2006/math">
+                    <m:oMathParaPr>
+                      <m:jc m:val="centerGroup"/>
+                    </m:oMathParaPr>
+                    <m:oMath xmlns:m="http://schemas.openxmlformats.org/officeDocument/2006/math">
+                      <m:sSub>
+                        <m:sSubPr>
+                          <m:ctrlPr>
+                            <a:rPr lang="pt-BR" sz="2800" b="0" i="1" smtClean="0">
+                              <a:latin typeface="Cambria Math" panose="02040503050406030204" pitchFamily="18" charset="0"/>
+                            </a:rPr>
+                          </m:ctrlPr>
+                        </m:sSubPr>
+                        <m:e>
+                          <m:r>
+                            <a:rPr lang="pt-BR" sz="2800" b="0" i="1" smtClean="0">
+                              <a:latin typeface="Cambria Math" panose="02040503050406030204" pitchFamily="18" charset="0"/>
+                            </a:rPr>
+                            <m:t>𝑣</m:t>
+                          </m:r>
+                        </m:e>
+                        <m:sub>
+                          <m:r>
+                            <a:rPr lang="pt-BR" sz="2800" b="0" i="1" smtClean="0">
+                              <a:latin typeface="Cambria Math"/>
+                            </a:rPr>
+                            <m:t>𝑎</m:t>
+                          </m:r>
+                        </m:sub>
+                      </m:sSub>
+                    </m:oMath>
+                  </m:oMathPara>
+                </a14:m>
+                <a:endParaRPr lang="pt-BR" sz="2800" dirty="0"/>
+              </a:p>
+            </p:txBody>
+          </p:sp>
+        </mc:Choice>
+        <mc:Fallback>
+          <p:sp>
+            <p:nvSpPr>
+              <p:cNvPr id="307" name="CaixaDeTexto 306"/>
+              <p:cNvSpPr txBox="1">
+                <a:spLocks noRot="1" noChangeAspect="1" noMove="1" noResize="1" noEditPoints="1" noAdjustHandles="1" noChangeArrowheads="1" noChangeShapeType="1" noTextEdit="1"/>
+              </p:cNvSpPr>
+              <p:nvPr/>
+            </p:nvSpPr>
+            <p:spPr>
+              <a:xfrm>
+                <a:off x="-2977257" y="-1029297"/>
+                <a:ext cx="625749" cy="523220"/>
+              </a:xfrm>
+              <a:prstGeom prst="rect">
+                <a:avLst/>
+              </a:prstGeom>
+              <a:blipFill>
+                <a:blip r:embed="rId37"/>
+                <a:stretch>
+                  <a:fillRect/>
+                </a:stretch>
+              </a:blipFill>
+            </p:spPr>
+            <p:txBody>
+              <a:bodyPr/>
+              <a:lstStyle/>
+              <a:p>
+                <a:r>
+                  <a:rPr lang="pt-BR">
+                    <a:noFill/>
+                  </a:rPr>
+                  <a:t> </a:t>
+                </a:r>
+              </a:p>
+            </p:txBody>
+          </p:sp>
+        </mc:Fallback>
+      </mc:AlternateContent>
+      <mc:AlternateContent xmlns:mc="http://schemas.openxmlformats.org/markup-compatibility/2006">
+        <mc:Choice xmlns:a14="http://schemas.microsoft.com/office/drawing/2010/main" Requires="a14">
+          <p:sp>
+            <p:nvSpPr>
+              <p:cNvPr id="308" name="CaixaDeTexto 307"/>
+              <p:cNvSpPr txBox="1"/>
+              <p:nvPr/>
+            </p:nvSpPr>
+            <p:spPr>
+              <a:xfrm>
+                <a:off x="-2674864" y="-566967"/>
+                <a:ext cx="637482" cy="523220"/>
+              </a:xfrm>
+              <a:prstGeom prst="rect">
+                <a:avLst/>
+              </a:prstGeom>
+              <a:noFill/>
+            </p:spPr>
+            <p:txBody>
+              <a:bodyPr wrap="none" rtlCol="0">
+                <a:spAutoFit/>
+              </a:bodyPr>
+              <a:lstStyle/>
+              <a:p>
+                <a:pPr/>
+                <a14:m>
+                  <m:oMathPara xmlns:m="http://schemas.openxmlformats.org/officeDocument/2006/math">
+                    <m:oMathParaPr>
+                      <m:jc m:val="centerGroup"/>
+                    </m:oMathParaPr>
+                    <m:oMath xmlns:m="http://schemas.openxmlformats.org/officeDocument/2006/math">
+                      <m:sSub>
+                        <m:sSubPr>
+                          <m:ctrlPr>
+                            <a:rPr lang="pt-BR" sz="2800" b="0" i="1" smtClean="0">
+                              <a:latin typeface="Cambria Math" panose="02040503050406030204" pitchFamily="18" charset="0"/>
+                            </a:rPr>
+                          </m:ctrlPr>
+                        </m:sSubPr>
+                        <m:e>
+                          <m:r>
+                            <a:rPr lang="pt-BR" sz="2800" b="0" i="1" smtClean="0">
+                              <a:latin typeface="Cambria Math" panose="02040503050406030204" pitchFamily="18" charset="0"/>
+                            </a:rPr>
+                            <m:t>𝑣</m:t>
+                          </m:r>
+                        </m:e>
+                        <m:sub>
+                          <m:r>
+                            <a:rPr lang="pt-BR" sz="2800" b="0" i="1" smtClean="0">
+                              <a:latin typeface="Cambria Math" panose="02040503050406030204" pitchFamily="18" charset="0"/>
+                            </a:rPr>
+                            <m:t>𝑏</m:t>
+                          </m:r>
+                        </m:sub>
+                      </m:sSub>
+                    </m:oMath>
+                  </m:oMathPara>
+                </a14:m>
+                <a:endParaRPr lang="pt-BR" sz="2800" dirty="0"/>
+              </a:p>
+            </p:txBody>
+          </p:sp>
+        </mc:Choice>
+        <mc:Fallback>
+          <p:sp>
+            <p:nvSpPr>
+              <p:cNvPr id="308" name="CaixaDeTexto 307"/>
+              <p:cNvSpPr txBox="1">
+                <a:spLocks noRot="1" noChangeAspect="1" noMove="1" noResize="1" noEditPoints="1" noAdjustHandles="1" noChangeArrowheads="1" noChangeShapeType="1" noTextEdit="1"/>
+              </p:cNvSpPr>
+              <p:nvPr/>
+            </p:nvSpPr>
+            <p:spPr>
+              <a:xfrm>
+                <a:off x="-2674864" y="-566967"/>
+                <a:ext cx="637482" cy="523220"/>
+              </a:xfrm>
+              <a:prstGeom prst="rect">
+                <a:avLst/>
+              </a:prstGeom>
+              <a:blipFill>
+                <a:blip r:embed="rId38"/>
+                <a:stretch>
+                  <a:fillRect/>
+                </a:stretch>
+              </a:blipFill>
+            </p:spPr>
+            <p:txBody>
+              <a:bodyPr/>
+              <a:lstStyle/>
+              <a:p>
+                <a:r>
+                  <a:rPr lang="pt-BR">
+                    <a:noFill/>
+                  </a:rPr>
+                  <a:t> </a:t>
+                </a:r>
+              </a:p>
+            </p:txBody>
+          </p:sp>
+        </mc:Fallback>
+      </mc:AlternateContent>
+      <mc:AlternateContent xmlns:mc="http://schemas.openxmlformats.org/markup-compatibility/2006">
+        <mc:Choice xmlns:a14="http://schemas.microsoft.com/office/drawing/2010/main" Requires="a14">
+          <p:sp>
+            <p:nvSpPr>
+              <p:cNvPr id="309" name="CaixaDeTexto 308"/>
+              <p:cNvSpPr txBox="1"/>
+              <p:nvPr/>
+            </p:nvSpPr>
+            <p:spPr>
+              <a:xfrm>
+                <a:off x="-2292839" y="-189632"/>
+                <a:ext cx="597150" cy="523220"/>
+              </a:xfrm>
+              <a:prstGeom prst="rect">
+                <a:avLst/>
+              </a:prstGeom>
+              <a:noFill/>
+            </p:spPr>
+            <p:txBody>
+              <a:bodyPr wrap="none" rtlCol="0">
+                <a:spAutoFit/>
+              </a:bodyPr>
+              <a:lstStyle/>
+              <a:p>
+                <a:pPr/>
+                <a14:m>
+                  <m:oMathPara xmlns:m="http://schemas.openxmlformats.org/officeDocument/2006/math">
+                    <m:oMathParaPr>
+                      <m:jc m:val="centerGroup"/>
+                    </m:oMathParaPr>
+                    <m:oMath xmlns:m="http://schemas.openxmlformats.org/officeDocument/2006/math">
+                      <m:sSub>
+                        <m:sSubPr>
+                          <m:ctrlPr>
+                            <a:rPr lang="pt-BR" sz="2800" b="0" i="1" smtClean="0">
+                              <a:latin typeface="Cambria Math" panose="02040503050406030204" pitchFamily="18" charset="0"/>
+                            </a:rPr>
+                          </m:ctrlPr>
+                        </m:sSubPr>
+                        <m:e>
+                          <m:r>
+                            <a:rPr lang="pt-BR" sz="2800" b="0" i="1" smtClean="0">
+                              <a:latin typeface="Cambria Math" panose="02040503050406030204" pitchFamily="18" charset="0"/>
+                            </a:rPr>
+                            <m:t>𝑣</m:t>
+                          </m:r>
+                        </m:e>
+                        <m:sub>
+                          <m:r>
+                            <a:rPr lang="pt-BR" sz="2800" b="0" i="1" smtClean="0">
+                              <a:latin typeface="Cambria Math" panose="02040503050406030204" pitchFamily="18" charset="0"/>
+                            </a:rPr>
+                            <m:t>𝑐</m:t>
+                          </m:r>
+                        </m:sub>
+                      </m:sSub>
+                    </m:oMath>
+                  </m:oMathPara>
+                </a14:m>
+                <a:endParaRPr lang="pt-BR" sz="2800" dirty="0"/>
+              </a:p>
+            </p:txBody>
+          </p:sp>
+        </mc:Choice>
+        <mc:Fallback>
+          <p:sp>
+            <p:nvSpPr>
+              <p:cNvPr id="309" name="CaixaDeTexto 308"/>
+              <p:cNvSpPr txBox="1">
+                <a:spLocks noRot="1" noChangeAspect="1" noMove="1" noResize="1" noEditPoints="1" noAdjustHandles="1" noChangeArrowheads="1" noChangeShapeType="1" noTextEdit="1"/>
+              </p:cNvSpPr>
+              <p:nvPr/>
+            </p:nvSpPr>
+            <p:spPr>
+              <a:xfrm>
+                <a:off x="-2292839" y="-189632"/>
+                <a:ext cx="597150" cy="523220"/>
+              </a:xfrm>
+              <a:prstGeom prst="rect">
+                <a:avLst/>
+              </a:prstGeom>
+              <a:blipFill>
+                <a:blip r:embed="rId39"/>
+                <a:stretch>
+                  <a:fillRect/>
+                </a:stretch>
+              </a:blipFill>
+            </p:spPr>
+            <p:txBody>
+              <a:bodyPr/>
+              <a:lstStyle/>
+              <a:p>
+                <a:r>
+                  <a:rPr lang="pt-BR">
+                    <a:noFill/>
+                  </a:rPr>
+                  <a:t> </a:t>
+                </a:r>
+              </a:p>
+            </p:txBody>
+          </p:sp>
+        </mc:Fallback>
+      </mc:AlternateContent>
+      <p:cxnSp>
+        <p:nvCxnSpPr>
+          <p:cNvPr id="310" name="Conector: Angulado 309"/>
+          <p:cNvCxnSpPr>
+            <a:stCxn id="236" idx="4"/>
+          </p:cNvCxnSpPr>
+          <p:nvPr/>
+        </p:nvCxnSpPr>
+        <p:spPr>
+          <a:xfrm rot="5400000">
+            <a:off x="10414562" y="-1918377"/>
+            <a:ext cx="3704394" cy="814757"/>
+          </a:xfrm>
+          <a:prstGeom prst="bentConnector3">
+            <a:avLst>
+              <a:gd name="adj1" fmla="val 100397"/>
+            </a:avLst>
+          </a:prstGeom>
+          <a:ln w="38100">
+            <a:solidFill>
+              <a:schemeClr val="tx1"/>
+            </a:solidFill>
+            <a:headEnd type="none" w="med" len="med"/>
+            <a:tailEnd type="none" w="med" len="med"/>
+          </a:ln>
+        </p:spPr>
+        <p:style>
+          <a:lnRef idx="1">
+            <a:schemeClr val="accent1"/>
+          </a:lnRef>
+          <a:fillRef idx="0">
+            <a:schemeClr val="accent1"/>
+          </a:fillRef>
+          <a:effectRef idx="0">
+            <a:schemeClr val="accent1"/>
+          </a:effectRef>
+          <a:fontRef idx="minor">
+            <a:schemeClr val="tx1"/>
+          </a:fontRef>
+        </p:style>
+      </p:cxnSp>
+      <p:cxnSp>
+        <p:nvCxnSpPr>
+          <p:cNvPr id="316" name="Conector: Angulado 315"/>
+          <p:cNvCxnSpPr>
+            <a:stCxn id="235" idx="4"/>
+          </p:cNvCxnSpPr>
+          <p:nvPr/>
+        </p:nvCxnSpPr>
+        <p:spPr>
+          <a:xfrm rot="5400000">
+            <a:off x="10896555" y="-1608166"/>
+            <a:ext cx="3179143" cy="1275990"/>
+          </a:xfrm>
+          <a:prstGeom prst="bentConnector3">
+            <a:avLst>
+              <a:gd name="adj1" fmla="val 99735"/>
+            </a:avLst>
+          </a:prstGeom>
+          <a:ln w="38100">
+            <a:solidFill>
+              <a:schemeClr val="tx1"/>
+            </a:solidFill>
+            <a:headEnd type="none" w="med" len="med"/>
+            <a:tailEnd type="none" w="med" len="med"/>
+          </a:ln>
+        </p:spPr>
+        <p:style>
+          <a:lnRef idx="1">
+            <a:schemeClr val="accent1"/>
+          </a:lnRef>
+          <a:fillRef idx="0">
+            <a:schemeClr val="accent1"/>
+          </a:fillRef>
+          <a:effectRef idx="0">
+            <a:schemeClr val="accent1"/>
+          </a:effectRef>
+          <a:fontRef idx="minor">
+            <a:schemeClr val="tx1"/>
+          </a:fontRef>
+        </p:style>
+      </p:cxnSp>
+      <p:cxnSp>
+        <p:nvCxnSpPr>
+          <p:cNvPr id="320" name="Conector: Angulado 319"/>
+          <p:cNvCxnSpPr>
+            <a:stCxn id="234" idx="4"/>
+          </p:cNvCxnSpPr>
+          <p:nvPr/>
+        </p:nvCxnSpPr>
+        <p:spPr>
+          <a:xfrm rot="5400000">
+            <a:off x="11373452" y="-1284354"/>
+            <a:ext cx="2717744" cy="1646170"/>
+          </a:xfrm>
+          <a:prstGeom prst="bentConnector3">
+            <a:avLst>
+              <a:gd name="adj1" fmla="val 100468"/>
+            </a:avLst>
+          </a:prstGeom>
+          <a:ln w="38100">
+            <a:solidFill>
+              <a:schemeClr val="tx1"/>
+            </a:solidFill>
+            <a:headEnd type="none" w="med" len="med"/>
+            <a:tailEnd type="none" w="med" len="med"/>
+          </a:ln>
+        </p:spPr>
+        <p:style>
+          <a:lnRef idx="1">
+            <a:schemeClr val="accent1"/>
+          </a:lnRef>
+          <a:fillRef idx="0">
+            <a:schemeClr val="accent1"/>
+          </a:fillRef>
+          <a:effectRef idx="0">
+            <a:schemeClr val="accent1"/>
+          </a:effectRef>
+          <a:fontRef idx="minor">
+            <a:schemeClr val="tx1"/>
+          </a:fontRef>
+        </p:style>
+      </p:cxnSp>
+      <p:sp>
+        <p:nvSpPr>
+          <p:cNvPr id="324" name="Elipse 323"/>
+          <p:cNvSpPr/>
+          <p:nvPr/>
+        </p:nvSpPr>
+        <p:spPr>
+          <a:xfrm>
+            <a:off x="11995287" y="147634"/>
+            <a:ext cx="382715" cy="368593"/>
+          </a:xfrm>
+          <a:prstGeom prst="ellipse">
+            <a:avLst/>
+          </a:prstGeom>
+          <a:noFill/>
+          <a:ln w="38100">
+            <a:solidFill>
+              <a:schemeClr val="tx1"/>
+            </a:solidFill>
+          </a:ln>
+        </p:spPr>
+        <p:style>
+          <a:lnRef idx="2">
+            <a:schemeClr val="accent1">
+              <a:shade val="50000"/>
+            </a:schemeClr>
+          </a:lnRef>
+          <a:fillRef idx="1">
+            <a:schemeClr val="accent1"/>
+          </a:fillRef>
+          <a:effectRef idx="0">
+            <a:schemeClr val="accent1"/>
+          </a:effectRef>
+          <a:fontRef idx="minor">
+            <a:schemeClr val="lt1"/>
+          </a:fontRef>
+        </p:style>
+        <p:txBody>
+          <a:bodyPr rtlCol="0" anchor="ctr"/>
+          <a:lstStyle/>
+          <a:p>
+            <a:pPr algn="ctr"/>
+            <a:endParaRPr lang="pt-BR">
+              <a:noFill/>
+            </a:endParaRPr>
+          </a:p>
+        </p:txBody>
+      </p:sp>
+      <p:sp>
+        <p:nvSpPr>
+          <p:cNvPr id="325" name="Elipse 324"/>
+          <p:cNvSpPr/>
+          <p:nvPr/>
+        </p:nvSpPr>
+        <p:spPr>
+          <a:xfrm>
+            <a:off x="12493812" y="409062"/>
+            <a:ext cx="382715" cy="368593"/>
+          </a:xfrm>
+          <a:prstGeom prst="ellipse">
+            <a:avLst/>
+          </a:prstGeom>
+          <a:noFill/>
+          <a:ln w="38100">
+            <a:solidFill>
+              <a:schemeClr val="tx1"/>
+            </a:solidFill>
+          </a:ln>
+        </p:spPr>
+        <p:style>
+          <a:lnRef idx="2">
+            <a:schemeClr val="accent1">
+              <a:shade val="50000"/>
+            </a:schemeClr>
+          </a:lnRef>
+          <a:fillRef idx="1">
+            <a:schemeClr val="accent1"/>
+          </a:fillRef>
+          <a:effectRef idx="0">
+            <a:schemeClr val="accent1"/>
+          </a:effectRef>
+          <a:fontRef idx="minor">
+            <a:schemeClr val="lt1"/>
+          </a:fontRef>
+        </p:style>
+        <p:txBody>
+          <a:bodyPr rtlCol="0" anchor="ctr"/>
+          <a:lstStyle/>
+          <a:p>
+            <a:pPr algn="ctr"/>
+            <a:endParaRPr lang="pt-BR">
+              <a:noFill/>
+            </a:endParaRPr>
+          </a:p>
+        </p:txBody>
+      </p:sp>
+      <p:sp>
+        <p:nvSpPr>
+          <p:cNvPr id="326" name="Elipse 325"/>
+          <p:cNvSpPr/>
+          <p:nvPr/>
+        </p:nvSpPr>
+        <p:spPr>
+          <a:xfrm>
+            <a:off x="12989063" y="699284"/>
+            <a:ext cx="382715" cy="368593"/>
+          </a:xfrm>
+          <a:prstGeom prst="ellipse">
+            <a:avLst/>
+          </a:prstGeom>
+          <a:noFill/>
+          <a:ln w="38100">
+            <a:solidFill>
+              <a:schemeClr val="tx1"/>
+            </a:solidFill>
+          </a:ln>
+        </p:spPr>
+        <p:style>
+          <a:lnRef idx="2">
+            <a:schemeClr val="accent1">
+              <a:shade val="50000"/>
+            </a:schemeClr>
+          </a:lnRef>
+          <a:fillRef idx="1">
+            <a:schemeClr val="accent1"/>
+          </a:fillRef>
+          <a:effectRef idx="0">
+            <a:schemeClr val="accent1"/>
+          </a:effectRef>
+          <a:fontRef idx="minor">
+            <a:schemeClr val="lt1"/>
+          </a:fontRef>
+        </p:style>
+        <p:txBody>
+          <a:bodyPr rtlCol="0" anchor="ctr"/>
+          <a:lstStyle/>
+          <a:p>
+            <a:pPr algn="ctr"/>
+            <a:endParaRPr lang="pt-BR">
+              <a:noFill/>
+            </a:endParaRPr>
+          </a:p>
+        </p:txBody>
+      </p:sp>
+      <p:cxnSp>
+        <p:nvCxnSpPr>
+          <p:cNvPr id="327" name="Conector de seta reta 33"/>
+          <p:cNvCxnSpPr/>
+          <p:nvPr/>
+        </p:nvCxnSpPr>
+        <p:spPr>
+          <a:xfrm>
+            <a:off x="12188713" y="512293"/>
+            <a:ext cx="0" cy="1836000"/>
+          </a:xfrm>
+          <a:prstGeom prst="straightConnector1">
+            <a:avLst/>
+          </a:prstGeom>
+          <a:ln w="38100">
+            <a:solidFill>
+              <a:schemeClr val="tx1"/>
+            </a:solidFill>
+            <a:tailEnd type="arrow"/>
+          </a:ln>
+        </p:spPr>
+        <p:style>
+          <a:lnRef idx="1">
+            <a:schemeClr val="accent1"/>
+          </a:lnRef>
+          <a:fillRef idx="0">
+            <a:schemeClr val="accent1"/>
+          </a:fillRef>
+          <a:effectRef idx="0">
+            <a:schemeClr val="accent1"/>
+          </a:effectRef>
+          <a:fontRef idx="minor">
+            <a:schemeClr val="tx1"/>
+          </a:fontRef>
+        </p:style>
+      </p:cxnSp>
+      <p:cxnSp>
+        <p:nvCxnSpPr>
+          <p:cNvPr id="329" name="Conector de seta reta 33"/>
+          <p:cNvCxnSpPr/>
+          <p:nvPr/>
+        </p:nvCxnSpPr>
+        <p:spPr>
+          <a:xfrm>
+            <a:off x="12685169" y="805607"/>
+            <a:ext cx="0" cy="1558444"/>
+          </a:xfrm>
+          <a:prstGeom prst="straightConnector1">
+            <a:avLst/>
+          </a:prstGeom>
+          <a:ln w="38100">
+            <a:solidFill>
+              <a:schemeClr val="tx1"/>
+            </a:solidFill>
+            <a:tailEnd type="arrow"/>
+          </a:ln>
+        </p:spPr>
+        <p:style>
+          <a:lnRef idx="1">
+            <a:schemeClr val="accent1"/>
+          </a:lnRef>
+          <a:fillRef idx="0">
+            <a:schemeClr val="accent1"/>
+          </a:fillRef>
+          <a:effectRef idx="0">
+            <a:schemeClr val="accent1"/>
+          </a:effectRef>
+          <a:fontRef idx="minor">
+            <a:schemeClr val="tx1"/>
+          </a:fontRef>
+        </p:style>
+      </p:cxnSp>
+      <p:cxnSp>
+        <p:nvCxnSpPr>
+          <p:cNvPr id="331" name="Conector de seta reta 33"/>
+          <p:cNvCxnSpPr/>
+          <p:nvPr/>
+        </p:nvCxnSpPr>
+        <p:spPr>
+          <a:xfrm>
+            <a:off x="13180420" y="1067877"/>
+            <a:ext cx="15701" cy="1296174"/>
+          </a:xfrm>
+          <a:prstGeom prst="straightConnector1">
+            <a:avLst/>
+          </a:prstGeom>
+          <a:ln w="38100">
+            <a:solidFill>
+              <a:schemeClr val="tx1"/>
+            </a:solidFill>
+            <a:tailEnd type="arrow"/>
+          </a:ln>
+        </p:spPr>
+        <p:style>
+          <a:lnRef idx="1">
+            <a:schemeClr val="accent1"/>
+          </a:lnRef>
+          <a:fillRef idx="0">
+            <a:schemeClr val="accent1"/>
+          </a:fillRef>
+          <a:effectRef idx="0">
+            <a:schemeClr val="accent1"/>
+          </a:effectRef>
+          <a:fontRef idx="minor">
+            <a:schemeClr val="tx1"/>
+          </a:fontRef>
+        </p:style>
+      </p:cxnSp>
+    </p:spTree>
+    <p:extLst>
+      <p:ext uri="{BB962C8B-B14F-4D97-AF65-F5344CB8AC3E}">
+        <p14:creationId xmlns:p14="http://schemas.microsoft.com/office/powerpoint/2010/main" val="47866728"/>
       </p:ext>
     </p:extLst>
   </p:cSld>

--- a/Tranqueiras de ppt/desenhos_filtro_complexo.pptx
+++ b/Tranqueiras de ppt/desenhos_filtro_complexo.pptx
@@ -5,7 +5,7 @@
     <p:sldMasterId id="2147483648" r:id="rId1"/>
   </p:sldMasterIdLst>
   <p:notesMasterIdLst>
-    <p:notesMasterId r:id="rId16"/>
+    <p:notesMasterId r:id="rId17"/>
   </p:notesMasterIdLst>
   <p:sldIdLst>
     <p:sldId id="256" r:id="rId2"/>
@@ -21,7 +21,8 @@
     <p:sldId id="266" r:id="rId12"/>
     <p:sldId id="268" r:id="rId13"/>
     <p:sldId id="267" r:id="rId14"/>
-    <p:sldId id="269" r:id="rId15"/>
+    <p:sldId id="270" r:id="rId15"/>
+    <p:sldId id="269" r:id="rId16"/>
   </p:sldIdLst>
   <p:sldSz cx="9144000" cy="6858000" type="screen4x3"/>
   <p:notesSz cx="6858000" cy="9144000"/>
@@ -221,7 +222,7 @@
           <a:p>
             <a:fld id="{1E5FABBD-B2CF-41BB-8AF0-22312F906C8C}" type="datetimeFigureOut">
               <a:rPr lang="pt-BR" smtClean="0"/>
-              <a:t>24/01/2017</a:t>
+              <a:t>28/01/2017</a:t>
             </a:fld>
             <a:endParaRPr lang="pt-BR"/>
           </a:p>
@@ -637,7 +638,7 @@
           <a:p>
             <a:fld id="{DD488E72-31B6-41E3-AEAC-83BA5E9B043E}" type="slidenum">
               <a:rPr lang="pt-BR" smtClean="0"/>
-              <a:t>14</a:t>
+              <a:t>15</a:t>
             </a:fld>
             <a:endParaRPr lang="pt-BR"/>
           </a:p>
@@ -835,7 +836,7 @@
           <a:p>
             <a:fld id="{9F140449-45B3-4C4C-B502-456914857DA8}" type="datetimeFigureOut">
               <a:rPr lang="pt-BR" smtClean="0"/>
-              <a:t>24/01/2017</a:t>
+              <a:t>28/01/2017</a:t>
             </a:fld>
             <a:endParaRPr lang="pt-BR"/>
           </a:p>
@@ -1003,7 +1004,7 @@
           <a:p>
             <a:fld id="{9F140449-45B3-4C4C-B502-456914857DA8}" type="datetimeFigureOut">
               <a:rPr lang="pt-BR" smtClean="0"/>
-              <a:t>24/01/2017</a:t>
+              <a:t>28/01/2017</a:t>
             </a:fld>
             <a:endParaRPr lang="pt-BR"/>
           </a:p>
@@ -1181,7 +1182,7 @@
           <a:p>
             <a:fld id="{9F140449-45B3-4C4C-B502-456914857DA8}" type="datetimeFigureOut">
               <a:rPr lang="pt-BR" smtClean="0"/>
-              <a:t>24/01/2017</a:t>
+              <a:t>28/01/2017</a:t>
             </a:fld>
             <a:endParaRPr lang="pt-BR"/>
           </a:p>
@@ -1349,7 +1350,7 @@
           <a:p>
             <a:fld id="{9F140449-45B3-4C4C-B502-456914857DA8}" type="datetimeFigureOut">
               <a:rPr lang="pt-BR" smtClean="0"/>
-              <a:t>24/01/2017</a:t>
+              <a:t>28/01/2017</a:t>
             </a:fld>
             <a:endParaRPr lang="pt-BR"/>
           </a:p>
@@ -1594,7 +1595,7 @@
           <a:p>
             <a:fld id="{9F140449-45B3-4C4C-B502-456914857DA8}" type="datetimeFigureOut">
               <a:rPr lang="pt-BR" smtClean="0"/>
-              <a:t>24/01/2017</a:t>
+              <a:t>28/01/2017</a:t>
             </a:fld>
             <a:endParaRPr lang="pt-BR"/>
           </a:p>
@@ -1879,7 +1880,7 @@
           <a:p>
             <a:fld id="{9F140449-45B3-4C4C-B502-456914857DA8}" type="datetimeFigureOut">
               <a:rPr lang="pt-BR" smtClean="0"/>
-              <a:t>24/01/2017</a:t>
+              <a:t>28/01/2017</a:t>
             </a:fld>
             <a:endParaRPr lang="pt-BR"/>
           </a:p>
@@ -2298,7 +2299,7 @@
           <a:p>
             <a:fld id="{9F140449-45B3-4C4C-B502-456914857DA8}" type="datetimeFigureOut">
               <a:rPr lang="pt-BR" smtClean="0"/>
-              <a:t>24/01/2017</a:t>
+              <a:t>28/01/2017</a:t>
             </a:fld>
             <a:endParaRPr lang="pt-BR"/>
           </a:p>
@@ -2415,7 +2416,7 @@
           <a:p>
             <a:fld id="{9F140449-45B3-4C4C-B502-456914857DA8}" type="datetimeFigureOut">
               <a:rPr lang="pt-BR" smtClean="0"/>
-              <a:t>24/01/2017</a:t>
+              <a:t>28/01/2017</a:t>
             </a:fld>
             <a:endParaRPr lang="pt-BR"/>
           </a:p>
@@ -2510,7 +2511,7 @@
           <a:p>
             <a:fld id="{9F140449-45B3-4C4C-B502-456914857DA8}" type="datetimeFigureOut">
               <a:rPr lang="pt-BR" smtClean="0"/>
-              <a:t>24/01/2017</a:t>
+              <a:t>28/01/2017</a:t>
             </a:fld>
             <a:endParaRPr lang="pt-BR"/>
           </a:p>
@@ -2785,7 +2786,7 @@
           <a:p>
             <a:fld id="{9F140449-45B3-4C4C-B502-456914857DA8}" type="datetimeFigureOut">
               <a:rPr lang="pt-BR" smtClean="0"/>
-              <a:t>24/01/2017</a:t>
+              <a:t>28/01/2017</a:t>
             </a:fld>
             <a:endParaRPr lang="pt-BR"/>
           </a:p>
@@ -3037,7 +3038,7 @@
           <a:p>
             <a:fld id="{9F140449-45B3-4C4C-B502-456914857DA8}" type="datetimeFigureOut">
               <a:rPr lang="pt-BR" smtClean="0"/>
-              <a:t>24/01/2017</a:t>
+              <a:t>28/01/2017</a:t>
             </a:fld>
             <a:endParaRPr lang="pt-BR"/>
           </a:p>
@@ -3248,7 +3249,7 @@
           <a:p>
             <a:fld id="{9F140449-45B3-4C4C-B502-456914857DA8}" type="datetimeFigureOut">
               <a:rPr lang="pt-BR" smtClean="0"/>
-              <a:t>24/01/2017</a:t>
+              <a:t>28/01/2017</a:t>
             </a:fld>
             <a:endParaRPr lang="pt-BR"/>
           </a:p>
@@ -27218,133 +27219,6 @@
           <a:chExt cx="0" cy="0"/>
         </a:xfrm>
       </p:grpSpPr>
-      <p:sp>
-        <p:nvSpPr>
-          <p:cNvPr id="148" name="Retângulo 147"/>
-          <p:cNvSpPr/>
-          <p:nvPr/>
-        </p:nvSpPr>
-        <p:spPr>
-          <a:xfrm>
-            <a:off x="-4093407" y="-1527135"/>
-            <a:ext cx="23118386" cy="10480635"/>
-          </a:xfrm>
-          <a:prstGeom prst="rect">
-            <a:avLst/>
-          </a:prstGeom>
-          <a:noFill/>
-          <a:ln w="76200">
-            <a:solidFill>
-              <a:schemeClr val="tx2">
-                <a:lumMod val="60000"/>
-                <a:lumOff val="40000"/>
-              </a:schemeClr>
-            </a:solidFill>
-            <a:prstDash val="sysDash"/>
-          </a:ln>
-        </p:spPr>
-        <p:style>
-          <a:lnRef idx="2">
-            <a:schemeClr val="accent1">
-              <a:shade val="50000"/>
-            </a:schemeClr>
-          </a:lnRef>
-          <a:fillRef idx="1">
-            <a:schemeClr val="accent1"/>
-          </a:fillRef>
-          <a:effectRef idx="0">
-            <a:schemeClr val="accent1"/>
-          </a:effectRef>
-          <a:fontRef idx="minor">
-            <a:schemeClr val="lt1"/>
-          </a:fontRef>
-        </p:style>
-        <p:txBody>
-          <a:bodyPr rtlCol="0" anchor="ctr"/>
-          <a:lstStyle/>
-          <a:p>
-            <a:pPr algn="ctr"/>
-            <a:endParaRPr lang="pt-BR"/>
-          </a:p>
-        </p:txBody>
-      </p:sp>
-      <p:sp>
-        <p:nvSpPr>
-          <p:cNvPr id="28" name="Retângulo 27"/>
-          <p:cNvSpPr/>
-          <p:nvPr/>
-        </p:nvSpPr>
-        <p:spPr>
-          <a:xfrm>
-            <a:off x="4126845" y="-1519136"/>
-            <a:ext cx="9724948" cy="6140827"/>
-          </a:xfrm>
-          <a:prstGeom prst="rect">
-            <a:avLst/>
-          </a:prstGeom>
-          <a:noFill/>
-          <a:ln w="76200">
-            <a:solidFill>
-              <a:srgbClr val="FF0000"/>
-            </a:solidFill>
-            <a:prstDash val="sysDash"/>
-          </a:ln>
-        </p:spPr>
-        <p:style>
-          <a:lnRef idx="2">
-            <a:schemeClr val="accent1">
-              <a:shade val="50000"/>
-            </a:schemeClr>
-          </a:lnRef>
-          <a:fillRef idx="1">
-            <a:schemeClr val="accent1"/>
-          </a:fillRef>
-          <a:effectRef idx="0">
-            <a:schemeClr val="accent1"/>
-          </a:effectRef>
-          <a:fontRef idx="minor">
-            <a:schemeClr val="lt1"/>
-          </a:fontRef>
-        </p:style>
-        <p:txBody>
-          <a:bodyPr rtlCol="0" anchor="ctr"/>
-          <a:lstStyle/>
-          <a:p>
-            <a:pPr algn="ctr"/>
-            <a:endParaRPr lang="pt-BR"/>
-          </a:p>
-        </p:txBody>
-      </p:sp>
-      <p:pic>
-        <p:nvPicPr>
-          <p:cNvPr id="3" name="Imagem 2"/>
-          <p:cNvPicPr>
-            <a:picLocks noChangeAspect="1"/>
-          </p:cNvPicPr>
-          <p:nvPr/>
-        </p:nvPicPr>
-        <p:blipFill>
-          <a:blip r:embed="rId3"/>
-          <a:stretch>
-            <a:fillRect/>
-          </a:stretch>
-        </p:blipFill>
-        <p:spPr>
-          <a:xfrm>
-            <a:off x="-3084145" y="843119"/>
-            <a:ext cx="7050538" cy="6858000"/>
-          </a:xfrm>
-          <a:prstGeom prst="rect">
-            <a:avLst/>
-          </a:prstGeom>
-          <a:ln w="76200">
-            <a:solidFill>
-              <a:srgbClr val="00B050"/>
-            </a:solidFill>
-            <a:prstDash val="sysDash"/>
-          </a:ln>
-        </p:spPr>
-      </p:pic>
       <p:pic>
         <p:nvPicPr>
           <p:cNvPr id="100" name="Picture 3" descr="C:\Users\jpsoliv\Downloads\schemeit-project (6).png"/>
@@ -27354,7 +27228,7 @@
           <p:nvPr/>
         </p:nvPicPr>
         <p:blipFill>
-          <a:blip r:embed="rId4">
+          <a:blip r:embed="rId2">
             <a:extLst>
               <a:ext uri="{28A0092B-C50C-407E-A947-70E740481C1C}">
                 <a14:useLocalDpi xmlns:a14="http://schemas.microsoft.com/office/drawing/2010/main" val="0"/>
@@ -27386,6 +27260,41 @@
           </a:extLst>
         </p:spPr>
       </p:pic>
+      <p:pic>
+        <p:nvPicPr>
+          <p:cNvPr id="2" name="Imagem 1"/>
+          <p:cNvPicPr>
+            <a:picLocks noChangeAspect="1"/>
+          </p:cNvPicPr>
+          <p:nvPr/>
+        </p:nvPicPr>
+        <p:blipFill rotWithShape="1">
+          <a:blip r:embed="rId3">
+            <a:extLst>
+              <a:ext uri="{28A0092B-C50C-407E-A947-70E740481C1C}">
+                <a14:useLocalDpi xmlns:a14="http://schemas.microsoft.com/office/drawing/2010/main" val="0"/>
+              </a:ext>
+            </a:extLst>
+          </a:blip>
+          <a:srcRect l="5044"/>
+          <a:stretch/>
+        </p:blipFill>
+        <p:spPr>
+          <a:xfrm>
+            <a:off x="-3316405" y="622300"/>
+            <a:ext cx="7254379" cy="6732000"/>
+          </a:xfrm>
+          <a:prstGeom prst="rect">
+            <a:avLst/>
+          </a:prstGeom>
+          <a:ln w="76200">
+            <a:solidFill>
+              <a:srgbClr val="00B050"/>
+            </a:solidFill>
+            <a:prstDash val="sysDash"/>
+          </a:ln>
+        </p:spPr>
+      </p:pic>
       <p:sp>
         <p:nvSpPr>
           <p:cNvPr id="6" name="Retângulo 5"/>
@@ -27394,7 +27303,7 @@
         </p:nvSpPr>
         <p:spPr>
           <a:xfrm>
-            <a:off x="4187730" y="5374017"/>
+            <a:off x="4225830" y="5374017"/>
             <a:ext cx="2732695" cy="2283233"/>
           </a:xfrm>
           <a:prstGeom prst="rect">
@@ -27442,7 +27351,7 @@
         </p:nvSpPr>
         <p:spPr>
           <a:xfrm>
-            <a:off x="7714335" y="5642626"/>
+            <a:off x="7619085" y="5642626"/>
             <a:ext cx="2808603" cy="1837674"/>
           </a:xfrm>
           <a:prstGeom prst="rect">
@@ -27490,7 +27399,7 @@
         </p:nvSpPr>
         <p:spPr>
           <a:xfrm>
-            <a:off x="15353043" y="5693838"/>
+            <a:off x="15410193" y="5693838"/>
             <a:ext cx="3453824" cy="1660171"/>
           </a:xfrm>
           <a:prstGeom prst="rect">
@@ -27587,7 +27496,7 @@
           <p:nvPr/>
         </p:nvPicPr>
         <p:blipFill>
-          <a:blip r:embed="rId5" cstate="print">
+          <a:blip r:embed="rId4" cstate="print">
             <a:extLst>
               <a:ext uri="{28A0092B-C50C-407E-A947-70E740481C1C}">
                 <a14:useLocalDpi xmlns:a14="http://schemas.microsoft.com/office/drawing/2010/main" val="0"/>
@@ -27601,7 +27510,7 @@
         </p:blipFill>
         <p:spPr bwMode="auto">
           <a:xfrm>
-            <a:off x="7814544" y="6060722"/>
+            <a:off x="7719294" y="6060722"/>
             <a:ext cx="2601358" cy="864000"/>
           </a:xfrm>
           <a:prstGeom prst="rect">
@@ -27651,7 +27560,7 @@
           <p:nvPr/>
         </p:nvPicPr>
         <p:blipFill>
-          <a:blip r:embed="rId6" cstate="print">
+          <a:blip r:embed="rId5" cstate="print">
             <a:extLst>
               <a:ext uri="{28A0092B-C50C-407E-A947-70E740481C1C}">
                 <a14:useLocalDpi xmlns:a14="http://schemas.microsoft.com/office/drawing/2010/main" val="0"/>
@@ -27665,7 +27574,7 @@
         </p:blipFill>
         <p:spPr bwMode="auto">
           <a:xfrm>
-            <a:off x="4264267" y="5573941"/>
+            <a:off x="4302367" y="5573941"/>
             <a:ext cx="2631059" cy="828000"/>
           </a:xfrm>
           <a:prstGeom prst="rect">
@@ -27715,7 +27624,7 @@
           <p:nvPr/>
         </p:nvPicPr>
         <p:blipFill>
-          <a:blip r:embed="rId7" cstate="print">
+          <a:blip r:embed="rId6" cstate="print">
             <a:extLst>
               <a:ext uri="{28A0092B-C50C-407E-A947-70E740481C1C}">
                 <a14:useLocalDpi xmlns:a14="http://schemas.microsoft.com/office/drawing/2010/main" val="0"/>
@@ -27729,7 +27638,7 @@
         </p:blipFill>
         <p:spPr bwMode="auto">
           <a:xfrm>
-            <a:off x="4268056" y="6601865"/>
+            <a:off x="4306156" y="6601865"/>
             <a:ext cx="2628000" cy="854297"/>
           </a:xfrm>
           <a:prstGeom prst="rect">
@@ -27779,7 +27688,7 @@
           <p:nvPr/>
         </p:nvPicPr>
         <p:blipFill>
-          <a:blip r:embed="rId8" cstate="print">
+          <a:blip r:embed="rId7" cstate="print">
             <a:extLst>
               <a:ext uri="{28A0092B-C50C-407E-A947-70E740481C1C}">
                 <a14:useLocalDpi xmlns:a14="http://schemas.microsoft.com/office/drawing/2010/main" val="0"/>
@@ -27843,9 +27752,9 @@
           <p:nvPr/>
         </p:nvCxnSpPr>
         <p:spPr>
-          <a:xfrm>
-            <a:off x="6920425" y="5773156"/>
-            <a:ext cx="758708" cy="0"/>
+          <a:xfrm flipV="1">
+            <a:off x="6988229" y="5792385"/>
+            <a:ext cx="638766" cy="4649"/>
           </a:xfrm>
           <a:prstGeom prst="straightConnector1">
             <a:avLst/>
@@ -27882,8 +27791,8 @@
         </p:nvCxnSpPr>
         <p:spPr>
           <a:xfrm>
-            <a:off x="6920425" y="6255416"/>
-            <a:ext cx="764206" cy="0"/>
+            <a:off x="6952476" y="6217316"/>
+            <a:ext cx="684000" cy="0"/>
           </a:xfrm>
           <a:prstGeom prst="straightConnector1">
             <a:avLst/>
@@ -27919,9 +27828,9 @@
           <p:nvPr/>
         </p:nvCxnSpPr>
         <p:spPr>
-          <a:xfrm>
-            <a:off x="6929950" y="6668676"/>
-            <a:ext cx="758708" cy="0"/>
+          <a:xfrm flipV="1">
+            <a:off x="6958525" y="6649318"/>
+            <a:ext cx="668470" cy="0"/>
           </a:xfrm>
           <a:prstGeom prst="straightConnector1">
             <a:avLst/>
@@ -27957,6 +27866,7988 @@
           <p:nvPr/>
         </p:nvCxnSpPr>
         <p:spPr>
+          <a:xfrm>
+            <a:off x="6934156" y="7145976"/>
+            <a:ext cx="692839" cy="0"/>
+          </a:xfrm>
+          <a:prstGeom prst="straightConnector1">
+            <a:avLst/>
+          </a:prstGeom>
+          <a:ln w="38100">
+            <a:solidFill>
+              <a:schemeClr val="tx1"/>
+            </a:solidFill>
+            <a:tailEnd type="arrow"/>
+          </a:ln>
+        </p:spPr>
+        <p:style>
+          <a:lnRef idx="1">
+            <a:schemeClr val="accent1"/>
+          </a:lnRef>
+          <a:fillRef idx="0">
+            <a:schemeClr val="accent1"/>
+          </a:fillRef>
+          <a:effectRef idx="0">
+            <a:schemeClr val="accent1"/>
+          </a:effectRef>
+          <a:fontRef idx="minor">
+            <a:schemeClr val="tx1"/>
+          </a:fontRef>
+        </p:style>
+      </p:cxnSp>
+      <p:cxnSp>
+        <p:nvCxnSpPr>
+          <p:cNvPr id="24" name="Conector de seta reta 22"/>
+          <p:cNvCxnSpPr>
+            <a:cxnSpLocks/>
+            <a:endCxn id="61" idx="1"/>
+          </p:cNvCxnSpPr>
+          <p:nvPr/>
+        </p:nvCxnSpPr>
+        <p:spPr>
+          <a:xfrm>
+            <a:off x="10427688" y="6072772"/>
+            <a:ext cx="722577" cy="0"/>
+          </a:xfrm>
+          <a:prstGeom prst="straightConnector1">
+            <a:avLst/>
+          </a:prstGeom>
+          <a:ln w="38100">
+            <a:solidFill>
+              <a:schemeClr val="tx1"/>
+            </a:solidFill>
+            <a:tailEnd type="arrow"/>
+          </a:ln>
+        </p:spPr>
+        <p:style>
+          <a:lnRef idx="1">
+            <a:schemeClr val="accent1"/>
+          </a:lnRef>
+          <a:fillRef idx="0">
+            <a:schemeClr val="accent1"/>
+          </a:fillRef>
+          <a:effectRef idx="0">
+            <a:schemeClr val="accent1"/>
+          </a:effectRef>
+          <a:fontRef idx="minor">
+            <a:schemeClr val="tx1"/>
+          </a:fontRef>
+        </p:style>
+      </p:cxnSp>
+      <p:cxnSp>
+        <p:nvCxnSpPr>
+          <p:cNvPr id="32" name="Conector de seta reta 30"/>
+          <p:cNvCxnSpPr>
+            <a:endCxn id="157" idx="3"/>
+          </p:cNvCxnSpPr>
+          <p:nvPr/>
+        </p:nvCxnSpPr>
+        <p:spPr>
+          <a:xfrm flipH="1">
+            <a:off x="13546904" y="3192379"/>
+            <a:ext cx="2031580" cy="0"/>
+          </a:xfrm>
+          <a:prstGeom prst="straightConnector1">
+            <a:avLst/>
+          </a:prstGeom>
+          <a:ln w="38100">
+            <a:solidFill>
+              <a:schemeClr val="tx1"/>
+            </a:solidFill>
+            <a:tailEnd type="arrow"/>
+          </a:ln>
+        </p:spPr>
+        <p:style>
+          <a:lnRef idx="1">
+            <a:schemeClr val="accent1"/>
+          </a:lnRef>
+          <a:fillRef idx="0">
+            <a:schemeClr val="accent1"/>
+          </a:fillRef>
+          <a:effectRef idx="0">
+            <a:schemeClr val="accent1"/>
+          </a:effectRef>
+          <a:fontRef idx="minor">
+            <a:schemeClr val="tx1"/>
+          </a:fontRef>
+        </p:style>
+      </p:cxnSp>
+      <p:cxnSp>
+        <p:nvCxnSpPr>
+          <p:cNvPr id="35" name="Conector de seta reta 33"/>
+          <p:cNvCxnSpPr/>
+          <p:nvPr/>
+        </p:nvCxnSpPr>
+        <p:spPr>
+          <a:xfrm flipV="1">
+            <a:off x="17787732" y="3842071"/>
+            <a:ext cx="0" cy="1851767"/>
+          </a:xfrm>
+          <a:prstGeom prst="straightConnector1">
+            <a:avLst/>
+          </a:prstGeom>
+          <a:ln w="38100">
+            <a:solidFill>
+              <a:schemeClr val="tx1"/>
+            </a:solidFill>
+            <a:tailEnd type="arrow"/>
+          </a:ln>
+        </p:spPr>
+        <p:style>
+          <a:lnRef idx="1">
+            <a:schemeClr val="accent1"/>
+          </a:lnRef>
+          <a:fillRef idx="0">
+            <a:schemeClr val="accent1"/>
+          </a:fillRef>
+          <a:effectRef idx="0">
+            <a:schemeClr val="accent1"/>
+          </a:effectRef>
+          <a:fontRef idx="minor">
+            <a:schemeClr val="tx1"/>
+          </a:fontRef>
+        </p:style>
+      </p:cxnSp>
+      <mc:AlternateContent xmlns:mc="http://schemas.openxmlformats.org/markup-compatibility/2006">
+        <mc:Choice xmlns:a14="http://schemas.microsoft.com/office/drawing/2010/main" Requires="a14">
+          <p:sp>
+            <p:nvSpPr>
+              <p:cNvPr id="36" name="CaixaDeTexto 35"/>
+              <p:cNvSpPr txBox="1"/>
+              <p:nvPr/>
+            </p:nvSpPr>
+            <p:spPr>
+              <a:xfrm>
+                <a:off x="4090810" y="7728511"/>
+                <a:ext cx="707693" cy="523220"/>
+              </a:xfrm>
+              <a:prstGeom prst="rect">
+                <a:avLst/>
+              </a:prstGeom>
+              <a:noFill/>
+            </p:spPr>
+            <p:txBody>
+              <a:bodyPr wrap="none" rtlCol="0">
+                <a:spAutoFit/>
+              </a:bodyPr>
+              <a:lstStyle/>
+              <a:p>
+                <a:pPr/>
+                <a14:m>
+                  <m:oMathPara xmlns:m="http://schemas.openxmlformats.org/officeDocument/2006/math">
+                    <m:oMathParaPr>
+                      <m:jc m:val="centerGroup"/>
+                    </m:oMathParaPr>
+                    <m:oMath xmlns:m="http://schemas.openxmlformats.org/officeDocument/2006/math">
+                      <m:sSub>
+                        <m:sSubPr>
+                          <m:ctrlPr>
+                            <a:rPr lang="pt-BR" sz="2800" b="0" i="1" smtClean="0">
+                              <a:latin typeface="Cambria Math" panose="02040503050406030204" pitchFamily="18" charset="0"/>
+                            </a:rPr>
+                          </m:ctrlPr>
+                        </m:sSubPr>
+                        <m:e>
+                          <m:r>
+                            <a:rPr lang="pt-BR" sz="2800" b="0" i="1" smtClean="0">
+                              <a:latin typeface="Cambria Math"/>
+                            </a:rPr>
+                            <m:t>𝑖</m:t>
+                          </m:r>
+                        </m:e>
+                        <m:sub>
+                          <m:r>
+                            <a:rPr lang="pt-BR" sz="2800" b="0" i="1" smtClean="0">
+                              <a:latin typeface="Cambria Math"/>
+                            </a:rPr>
+                            <m:t>𝐿𝑎</m:t>
+                          </m:r>
+                        </m:sub>
+                      </m:sSub>
+                    </m:oMath>
+                  </m:oMathPara>
+                </a14:m>
+                <a:endParaRPr lang="pt-BR" sz="2800" dirty="0"/>
+              </a:p>
+            </p:txBody>
+          </p:sp>
+        </mc:Choice>
+        <mc:Fallback>
+          <p:sp>
+            <p:nvSpPr>
+              <p:cNvPr id="36" name="CaixaDeTexto 35"/>
+              <p:cNvSpPr txBox="1">
+                <a:spLocks noRot="1" noChangeAspect="1" noMove="1" noResize="1" noEditPoints="1" noAdjustHandles="1" noChangeArrowheads="1" noChangeShapeType="1" noTextEdit="1"/>
+              </p:cNvSpPr>
+              <p:nvPr/>
+            </p:nvSpPr>
+            <p:spPr>
+              <a:xfrm>
+                <a:off x="4090810" y="7728511"/>
+                <a:ext cx="707693" cy="523220"/>
+              </a:xfrm>
+              <a:prstGeom prst="rect">
+                <a:avLst/>
+              </a:prstGeom>
+              <a:blipFill>
+                <a:blip r:embed="rId8"/>
+                <a:stretch>
+                  <a:fillRect/>
+                </a:stretch>
+              </a:blipFill>
+            </p:spPr>
+            <p:txBody>
+              <a:bodyPr/>
+              <a:lstStyle/>
+              <a:p>
+                <a:r>
+                  <a:rPr lang="pt-BR">
+                    <a:noFill/>
+                  </a:rPr>
+                  <a:t> </a:t>
+                </a:r>
+              </a:p>
+            </p:txBody>
+          </p:sp>
+        </mc:Fallback>
+      </mc:AlternateContent>
+      <mc:AlternateContent xmlns:mc="http://schemas.openxmlformats.org/markup-compatibility/2006">
+        <mc:Choice xmlns:a14="http://schemas.microsoft.com/office/drawing/2010/main" Requires="a14">
+          <p:sp>
+            <p:nvSpPr>
+              <p:cNvPr id="37" name="CaixaDeTexto 36"/>
+              <p:cNvSpPr txBox="1"/>
+              <p:nvPr/>
+            </p:nvSpPr>
+            <p:spPr>
+              <a:xfrm>
+                <a:off x="4965591" y="7725872"/>
+                <a:ext cx="701923" cy="523220"/>
+              </a:xfrm>
+              <a:prstGeom prst="rect">
+                <a:avLst/>
+              </a:prstGeom>
+              <a:noFill/>
+            </p:spPr>
+            <p:txBody>
+              <a:bodyPr wrap="none" rtlCol="0">
+                <a:spAutoFit/>
+              </a:bodyPr>
+              <a:lstStyle/>
+              <a:p>
+                <a:pPr/>
+                <a14:m>
+                  <m:oMathPara xmlns:m="http://schemas.openxmlformats.org/officeDocument/2006/math">
+                    <m:oMathParaPr>
+                      <m:jc m:val="centerGroup"/>
+                    </m:oMathParaPr>
+                    <m:oMath xmlns:m="http://schemas.openxmlformats.org/officeDocument/2006/math">
+                      <m:sSub>
+                        <m:sSubPr>
+                          <m:ctrlPr>
+                            <a:rPr lang="pt-BR" sz="2800" b="0" i="1" smtClean="0">
+                              <a:latin typeface="Cambria Math" panose="02040503050406030204" pitchFamily="18" charset="0"/>
+                            </a:rPr>
+                          </m:ctrlPr>
+                        </m:sSubPr>
+                        <m:e>
+                          <m:r>
+                            <a:rPr lang="pt-BR" sz="2800" b="0" i="1" smtClean="0">
+                              <a:latin typeface="Cambria Math"/>
+                            </a:rPr>
+                            <m:t>𝑖</m:t>
+                          </m:r>
+                        </m:e>
+                        <m:sub>
+                          <m:r>
+                            <a:rPr lang="pt-BR" sz="2800" b="0" i="1" smtClean="0">
+                              <a:latin typeface="Cambria Math"/>
+                            </a:rPr>
+                            <m:t>𝐿𝑏</m:t>
+                          </m:r>
+                        </m:sub>
+                      </m:sSub>
+                    </m:oMath>
+                  </m:oMathPara>
+                </a14:m>
+                <a:endParaRPr lang="pt-BR" sz="2800" dirty="0"/>
+              </a:p>
+            </p:txBody>
+          </p:sp>
+        </mc:Choice>
+        <mc:Fallback>
+          <p:sp>
+            <p:nvSpPr>
+              <p:cNvPr id="37" name="CaixaDeTexto 36"/>
+              <p:cNvSpPr txBox="1">
+                <a:spLocks noRot="1" noChangeAspect="1" noMove="1" noResize="1" noEditPoints="1" noAdjustHandles="1" noChangeArrowheads="1" noChangeShapeType="1" noTextEdit="1"/>
+              </p:cNvSpPr>
+              <p:nvPr/>
+            </p:nvSpPr>
+            <p:spPr>
+              <a:xfrm>
+                <a:off x="4965591" y="7725872"/>
+                <a:ext cx="701923" cy="523220"/>
+              </a:xfrm>
+              <a:prstGeom prst="rect">
+                <a:avLst/>
+              </a:prstGeom>
+              <a:blipFill>
+                <a:blip r:embed="rId9"/>
+                <a:stretch>
+                  <a:fillRect/>
+                </a:stretch>
+              </a:blipFill>
+            </p:spPr>
+            <p:txBody>
+              <a:bodyPr/>
+              <a:lstStyle/>
+              <a:p>
+                <a:r>
+                  <a:rPr lang="pt-BR">
+                    <a:noFill/>
+                  </a:rPr>
+                  <a:t> </a:t>
+                </a:r>
+              </a:p>
+            </p:txBody>
+          </p:sp>
+        </mc:Fallback>
+      </mc:AlternateContent>
+      <mc:AlternateContent xmlns:mc="http://schemas.openxmlformats.org/markup-compatibility/2006">
+        <mc:Choice xmlns:a14="http://schemas.microsoft.com/office/drawing/2010/main" Requires="a14">
+          <p:sp>
+            <p:nvSpPr>
+              <p:cNvPr id="38" name="CaixaDeTexto 37"/>
+              <p:cNvSpPr txBox="1"/>
+              <p:nvPr/>
+            </p:nvSpPr>
+            <p:spPr>
+              <a:xfrm>
+                <a:off x="5794569" y="7725872"/>
+                <a:ext cx="679097" cy="523220"/>
+              </a:xfrm>
+              <a:prstGeom prst="rect">
+                <a:avLst/>
+              </a:prstGeom>
+              <a:noFill/>
+            </p:spPr>
+            <p:txBody>
+              <a:bodyPr wrap="none" rtlCol="0">
+                <a:spAutoFit/>
+              </a:bodyPr>
+              <a:lstStyle/>
+              <a:p>
+                <a:pPr/>
+                <a14:m>
+                  <m:oMathPara xmlns:m="http://schemas.openxmlformats.org/officeDocument/2006/math">
+                    <m:oMathParaPr>
+                      <m:jc m:val="centerGroup"/>
+                    </m:oMathParaPr>
+                    <m:oMath xmlns:m="http://schemas.openxmlformats.org/officeDocument/2006/math">
+                      <m:sSub>
+                        <m:sSubPr>
+                          <m:ctrlPr>
+                            <a:rPr lang="pt-BR" sz="2800" b="0" i="1" smtClean="0">
+                              <a:latin typeface="Cambria Math" panose="02040503050406030204" pitchFamily="18" charset="0"/>
+                            </a:rPr>
+                          </m:ctrlPr>
+                        </m:sSubPr>
+                        <m:e>
+                          <m:r>
+                            <a:rPr lang="pt-BR" sz="2800" b="0" i="1" smtClean="0">
+                              <a:latin typeface="Cambria Math"/>
+                            </a:rPr>
+                            <m:t>𝑖</m:t>
+                          </m:r>
+                        </m:e>
+                        <m:sub>
+                          <m:r>
+                            <a:rPr lang="pt-BR" sz="2800" b="0" i="1" smtClean="0">
+                              <a:latin typeface="Cambria Math"/>
+                            </a:rPr>
+                            <m:t>𝐿𝑐</m:t>
+                          </m:r>
+                        </m:sub>
+                      </m:sSub>
+                    </m:oMath>
+                  </m:oMathPara>
+                </a14:m>
+                <a:endParaRPr lang="pt-BR" sz="2800" dirty="0"/>
+              </a:p>
+            </p:txBody>
+          </p:sp>
+        </mc:Choice>
+        <mc:Fallback>
+          <p:sp>
+            <p:nvSpPr>
+              <p:cNvPr id="38" name="CaixaDeTexto 37"/>
+              <p:cNvSpPr txBox="1">
+                <a:spLocks noRot="1" noChangeAspect="1" noMove="1" noResize="1" noEditPoints="1" noAdjustHandles="1" noChangeArrowheads="1" noChangeShapeType="1" noTextEdit="1"/>
+              </p:cNvSpPr>
+              <p:nvPr/>
+            </p:nvSpPr>
+            <p:spPr>
+              <a:xfrm>
+                <a:off x="5794569" y="7725872"/>
+                <a:ext cx="679097" cy="523220"/>
+              </a:xfrm>
+              <a:prstGeom prst="rect">
+                <a:avLst/>
+              </a:prstGeom>
+              <a:blipFill>
+                <a:blip r:embed="rId10"/>
+                <a:stretch>
+                  <a:fillRect/>
+                </a:stretch>
+              </a:blipFill>
+            </p:spPr>
+            <p:txBody>
+              <a:bodyPr/>
+              <a:lstStyle/>
+              <a:p>
+                <a:r>
+                  <a:rPr lang="pt-BR">
+                    <a:noFill/>
+                  </a:rPr>
+                  <a:t> </a:t>
+                </a:r>
+              </a:p>
+            </p:txBody>
+          </p:sp>
+        </mc:Fallback>
+      </mc:AlternateContent>
+      <mc:AlternateContent xmlns:mc="http://schemas.openxmlformats.org/markup-compatibility/2006">
+        <mc:Choice xmlns:a14="http://schemas.microsoft.com/office/drawing/2010/main" Requires="a14">
+          <p:sp>
+            <p:nvSpPr>
+              <p:cNvPr id="39" name="CaixaDeTexto 38"/>
+              <p:cNvSpPr txBox="1"/>
+              <p:nvPr/>
+            </p:nvSpPr>
+            <p:spPr>
+              <a:xfrm>
+                <a:off x="6988229" y="6206683"/>
+                <a:ext cx="520014" cy="461665"/>
+              </a:xfrm>
+              <a:prstGeom prst="rect">
+                <a:avLst/>
+              </a:prstGeom>
+              <a:noFill/>
+            </p:spPr>
+            <p:txBody>
+              <a:bodyPr wrap="none" rtlCol="0">
+                <a:spAutoFit/>
+              </a:bodyPr>
+              <a:lstStyle/>
+              <a:p>
+                <a:pPr/>
+                <a14:m>
+                  <m:oMathPara xmlns:m="http://schemas.openxmlformats.org/officeDocument/2006/math">
+                    <m:oMathParaPr>
+                      <m:jc m:val="centerGroup"/>
+                    </m:oMathParaPr>
+                    <m:oMath xmlns:m="http://schemas.openxmlformats.org/officeDocument/2006/math">
+                      <m:sSub>
+                        <m:sSubPr>
+                          <m:ctrlPr>
+                            <a:rPr lang="pt-BR" sz="2400" b="0" i="1" smtClean="0">
+                              <a:latin typeface="Cambria Math" panose="02040503050406030204" pitchFamily="18" charset="0"/>
+                            </a:rPr>
+                          </m:ctrlPr>
+                        </m:sSubPr>
+                        <m:e>
+                          <m:r>
+                            <a:rPr lang="pt-BR" sz="2400" b="0" i="1" smtClean="0">
+                              <a:latin typeface="Cambria Math"/>
+                            </a:rPr>
+                            <m:t>𝑖</m:t>
+                          </m:r>
+                        </m:e>
+                        <m:sub>
+                          <m:r>
+                            <a:rPr lang="pt-BR" sz="2400" b="0" i="1" smtClean="0">
+                              <a:latin typeface="Cambria Math"/>
+                            </a:rPr>
+                            <m:t>𝛼</m:t>
+                          </m:r>
+                        </m:sub>
+                      </m:sSub>
+                    </m:oMath>
+                  </m:oMathPara>
+                </a14:m>
+                <a:endParaRPr lang="pt-BR" sz="2400" dirty="0"/>
+              </a:p>
+            </p:txBody>
+          </p:sp>
+        </mc:Choice>
+        <mc:Fallback>
+          <p:sp>
+            <p:nvSpPr>
+              <p:cNvPr id="39" name="CaixaDeTexto 38"/>
+              <p:cNvSpPr txBox="1">
+                <a:spLocks noRot="1" noChangeAspect="1" noMove="1" noResize="1" noEditPoints="1" noAdjustHandles="1" noChangeArrowheads="1" noChangeShapeType="1" noTextEdit="1"/>
+              </p:cNvSpPr>
+              <p:nvPr/>
+            </p:nvSpPr>
+            <p:spPr>
+              <a:xfrm>
+                <a:off x="6988229" y="6206683"/>
+                <a:ext cx="520014" cy="461665"/>
+              </a:xfrm>
+              <a:prstGeom prst="rect">
+                <a:avLst/>
+              </a:prstGeom>
+              <a:blipFill>
+                <a:blip r:embed="rId11"/>
+                <a:stretch>
+                  <a:fillRect/>
+                </a:stretch>
+              </a:blipFill>
+            </p:spPr>
+            <p:txBody>
+              <a:bodyPr/>
+              <a:lstStyle/>
+              <a:p>
+                <a:r>
+                  <a:rPr lang="pt-BR">
+                    <a:noFill/>
+                  </a:rPr>
+                  <a:t> </a:t>
+                </a:r>
+              </a:p>
+            </p:txBody>
+          </p:sp>
+        </mc:Fallback>
+      </mc:AlternateContent>
+      <mc:AlternateContent xmlns:mc="http://schemas.openxmlformats.org/markup-compatibility/2006">
+        <mc:Choice xmlns:a14="http://schemas.microsoft.com/office/drawing/2010/main" Requires="a14">
+          <p:sp>
+            <p:nvSpPr>
+              <p:cNvPr id="40" name="CaixaDeTexto 39"/>
+              <p:cNvSpPr txBox="1"/>
+              <p:nvPr/>
+            </p:nvSpPr>
+            <p:spPr>
+              <a:xfrm>
+                <a:off x="6998745" y="6702217"/>
+                <a:ext cx="509498" cy="0"/>
+              </a:xfrm>
+              <a:prstGeom prst="rect">
+                <a:avLst/>
+              </a:prstGeom>
+              <a:noFill/>
+            </p:spPr>
+            <p:txBody>
+              <a:bodyPr wrap="none" rtlCol="0">
+                <a:spAutoFit/>
+              </a:bodyPr>
+              <a:lstStyle/>
+              <a:p>
+                <a:pPr/>
+                <a14:m>
+                  <m:oMathPara xmlns:m="http://schemas.openxmlformats.org/officeDocument/2006/math">
+                    <m:oMathParaPr>
+                      <m:jc m:val="centerGroup"/>
+                    </m:oMathParaPr>
+                    <m:oMath xmlns:m="http://schemas.openxmlformats.org/officeDocument/2006/math">
+                      <m:sSub>
+                        <m:sSubPr>
+                          <m:ctrlPr>
+                            <a:rPr lang="pt-BR" sz="2400" b="0" i="1" smtClean="0">
+                              <a:latin typeface="Cambria Math" panose="02040503050406030204" pitchFamily="18" charset="0"/>
+                            </a:rPr>
+                          </m:ctrlPr>
+                        </m:sSubPr>
+                        <m:e>
+                          <m:r>
+                            <a:rPr lang="pt-BR" sz="2400" b="0" i="1" smtClean="0">
+                              <a:latin typeface="Cambria Math"/>
+                            </a:rPr>
+                            <m:t>𝑖</m:t>
+                          </m:r>
+                        </m:e>
+                        <m:sub>
+                          <m:r>
+                            <a:rPr lang="pt-BR" sz="2400" b="0" i="1" smtClean="0">
+                              <a:latin typeface="Cambria Math"/>
+                            </a:rPr>
+                            <m:t>𝛽</m:t>
+                          </m:r>
+                        </m:sub>
+                      </m:sSub>
+                    </m:oMath>
+                  </m:oMathPara>
+                </a14:m>
+                <a:endParaRPr lang="pt-BR" sz="2400" dirty="0"/>
+              </a:p>
+            </p:txBody>
+          </p:sp>
+        </mc:Choice>
+        <mc:Fallback>
+          <p:sp>
+            <p:nvSpPr>
+              <p:cNvPr id="40" name="CaixaDeTexto 39"/>
+              <p:cNvSpPr txBox="1">
+                <a:spLocks noRot="1" noChangeAspect="1" noMove="1" noResize="1" noEditPoints="1" noAdjustHandles="1" noChangeArrowheads="1" noChangeShapeType="1" noTextEdit="1"/>
+              </p:cNvSpPr>
+              <p:nvPr/>
+            </p:nvSpPr>
+            <p:spPr>
+              <a:xfrm>
+                <a:off x="6998745" y="6702217"/>
+                <a:ext cx="509498" cy="0"/>
+              </a:xfrm>
+              <a:prstGeom prst="rect">
+                <a:avLst/>
+              </a:prstGeom>
+              <a:blipFill>
+                <a:blip r:embed="rId12"/>
+                <a:stretch>
+                  <a:fillRect l="4762" r="7143"/>
+                </a:stretch>
+              </a:blipFill>
+            </p:spPr>
+            <p:txBody>
+              <a:bodyPr/>
+              <a:lstStyle/>
+              <a:p>
+                <a:r>
+                  <a:rPr lang="pt-BR">
+                    <a:noFill/>
+                  </a:rPr>
+                  <a:t> </a:t>
+                </a:r>
+              </a:p>
+            </p:txBody>
+          </p:sp>
+        </mc:Fallback>
+      </mc:AlternateContent>
+      <mc:AlternateContent xmlns:mc="http://schemas.openxmlformats.org/markup-compatibility/2006">
+        <mc:Choice xmlns:a14="http://schemas.microsoft.com/office/drawing/2010/main" Requires="a14">
+          <p:sp>
+            <p:nvSpPr>
+              <p:cNvPr id="41" name="CaixaDeTexto 40"/>
+              <p:cNvSpPr txBox="1"/>
+              <p:nvPr/>
+            </p:nvSpPr>
+            <p:spPr>
+              <a:xfrm>
+                <a:off x="6988229" y="5776386"/>
+                <a:ext cx="575414" cy="509563"/>
+              </a:xfrm>
+              <a:prstGeom prst="rect">
+                <a:avLst/>
+              </a:prstGeom>
+              <a:noFill/>
+            </p:spPr>
+            <p:txBody>
+              <a:bodyPr wrap="none" rtlCol="0">
+                <a:spAutoFit/>
+              </a:bodyPr>
+              <a:lstStyle/>
+              <a:p>
+                <a:pPr/>
+                <a14:m>
+                  <m:oMathPara xmlns:m="http://schemas.openxmlformats.org/officeDocument/2006/math">
+                    <m:oMathParaPr>
+                      <m:jc m:val="centerGroup"/>
+                    </m:oMathParaPr>
+                    <m:oMath xmlns:m="http://schemas.openxmlformats.org/officeDocument/2006/math">
+                      <m:sSubSup>
+                        <m:sSubSupPr>
+                          <m:ctrlPr>
+                            <a:rPr lang="pt-BR" sz="2400" b="0" i="1" smtClean="0">
+                              <a:latin typeface="Cambria Math" panose="02040503050406030204" pitchFamily="18" charset="0"/>
+                            </a:rPr>
+                          </m:ctrlPr>
+                        </m:sSubSupPr>
+                        <m:e>
+                          <m:r>
+                            <a:rPr lang="pt-BR" sz="2400" b="0" i="1" smtClean="0">
+                              <a:latin typeface="Cambria Math"/>
+                            </a:rPr>
+                            <m:t>𝑣</m:t>
+                          </m:r>
+                        </m:e>
+                        <m:sub>
+                          <m:r>
+                            <a:rPr lang="pt-BR" sz="2400" b="0" i="1" smtClean="0">
+                              <a:latin typeface="Cambria Math"/>
+                            </a:rPr>
+                            <m:t>𝛽</m:t>
+                          </m:r>
+                        </m:sub>
+                        <m:sup>
+                          <m:r>
+                            <a:rPr lang="pt-BR" sz="2400" b="0" i="1" smtClean="0">
+                              <a:latin typeface="Cambria Math" panose="02040503050406030204" pitchFamily="18" charset="0"/>
+                            </a:rPr>
+                            <m:t>′</m:t>
+                          </m:r>
+                        </m:sup>
+                      </m:sSubSup>
+                    </m:oMath>
+                  </m:oMathPara>
+                </a14:m>
+                <a:endParaRPr lang="pt-BR" sz="2400" dirty="0"/>
+              </a:p>
+            </p:txBody>
+          </p:sp>
+        </mc:Choice>
+        <mc:Fallback>
+          <p:sp>
+            <p:nvSpPr>
+              <p:cNvPr id="41" name="CaixaDeTexto 40"/>
+              <p:cNvSpPr txBox="1">
+                <a:spLocks noRot="1" noChangeAspect="1" noMove="1" noResize="1" noEditPoints="1" noAdjustHandles="1" noChangeArrowheads="1" noChangeShapeType="1" noTextEdit="1"/>
+              </p:cNvSpPr>
+              <p:nvPr/>
+            </p:nvSpPr>
+            <p:spPr>
+              <a:xfrm>
+                <a:off x="6988229" y="5776386"/>
+                <a:ext cx="575414" cy="509563"/>
+              </a:xfrm>
+              <a:prstGeom prst="rect">
+                <a:avLst/>
+              </a:prstGeom>
+              <a:blipFill>
+                <a:blip r:embed="rId13"/>
+                <a:stretch>
+                  <a:fillRect b="-13253"/>
+                </a:stretch>
+              </a:blipFill>
+            </p:spPr>
+            <p:txBody>
+              <a:bodyPr/>
+              <a:lstStyle/>
+              <a:p>
+                <a:r>
+                  <a:rPr lang="pt-BR">
+                    <a:noFill/>
+                  </a:rPr>
+                  <a:t> </a:t>
+                </a:r>
+              </a:p>
+            </p:txBody>
+          </p:sp>
+        </mc:Fallback>
+      </mc:AlternateContent>
+      <mc:AlternateContent xmlns:mc="http://schemas.openxmlformats.org/markup-compatibility/2006">
+        <mc:Choice xmlns:a14="http://schemas.microsoft.com/office/drawing/2010/main" Requires="a14">
+          <p:sp>
+            <p:nvSpPr>
+              <p:cNvPr id="42" name="CaixaDeTexto 41"/>
+              <p:cNvSpPr txBox="1"/>
+              <p:nvPr/>
+            </p:nvSpPr>
+            <p:spPr>
+              <a:xfrm>
+                <a:off x="6988229" y="5335369"/>
+                <a:ext cx="570926" cy="461665"/>
+              </a:xfrm>
+              <a:prstGeom prst="rect">
+                <a:avLst/>
+              </a:prstGeom>
+              <a:noFill/>
+            </p:spPr>
+            <p:txBody>
+              <a:bodyPr wrap="none" rtlCol="0">
+                <a:spAutoFit/>
+              </a:bodyPr>
+              <a:lstStyle/>
+              <a:p>
+                <a:pPr/>
+                <a14:m>
+                  <m:oMathPara xmlns:m="http://schemas.openxmlformats.org/officeDocument/2006/math">
+                    <m:oMathParaPr>
+                      <m:jc m:val="centerGroup"/>
+                    </m:oMathParaPr>
+                    <m:oMath xmlns:m="http://schemas.openxmlformats.org/officeDocument/2006/math">
+                      <m:sSubSup>
+                        <m:sSubSupPr>
+                          <m:ctrlPr>
+                            <a:rPr lang="pt-BR" sz="2400" b="0" i="1" smtClean="0">
+                              <a:latin typeface="Cambria Math" panose="02040503050406030204" pitchFamily="18" charset="0"/>
+                            </a:rPr>
+                          </m:ctrlPr>
+                        </m:sSubSupPr>
+                        <m:e>
+                          <m:r>
+                            <a:rPr lang="pt-BR" sz="2400" b="0" i="1" smtClean="0">
+                              <a:latin typeface="Cambria Math"/>
+                            </a:rPr>
+                            <m:t>𝑣</m:t>
+                          </m:r>
+                        </m:e>
+                        <m:sub>
+                          <m:r>
+                            <a:rPr lang="pt-BR" sz="2400" b="0" i="1" smtClean="0">
+                              <a:latin typeface="Cambria Math"/>
+                            </a:rPr>
+                            <m:t>𝛼</m:t>
+                          </m:r>
+                        </m:sub>
+                        <m:sup>
+                          <m:r>
+                            <a:rPr lang="pt-BR" sz="2400" b="0" i="1" smtClean="0">
+                              <a:latin typeface="Cambria Math" panose="02040503050406030204" pitchFamily="18" charset="0"/>
+                            </a:rPr>
+                            <m:t>′</m:t>
+                          </m:r>
+                        </m:sup>
+                      </m:sSubSup>
+                    </m:oMath>
+                  </m:oMathPara>
+                </a14:m>
+                <a:endParaRPr lang="pt-BR" sz="2400" dirty="0"/>
+              </a:p>
+            </p:txBody>
+          </p:sp>
+        </mc:Choice>
+        <mc:Fallback>
+          <p:sp>
+            <p:nvSpPr>
+              <p:cNvPr id="42" name="CaixaDeTexto 41"/>
+              <p:cNvSpPr txBox="1">
+                <a:spLocks noRot="1" noChangeAspect="1" noMove="1" noResize="1" noEditPoints="1" noAdjustHandles="1" noChangeArrowheads="1" noChangeShapeType="1" noTextEdit="1"/>
+              </p:cNvSpPr>
+              <p:nvPr/>
+            </p:nvSpPr>
+            <p:spPr>
+              <a:xfrm>
+                <a:off x="6988229" y="5335369"/>
+                <a:ext cx="570926" cy="461665"/>
+              </a:xfrm>
+              <a:prstGeom prst="rect">
+                <a:avLst/>
+              </a:prstGeom>
+              <a:blipFill>
+                <a:blip r:embed="rId14"/>
+                <a:stretch>
+                  <a:fillRect/>
+                </a:stretch>
+              </a:blipFill>
+            </p:spPr>
+            <p:txBody>
+              <a:bodyPr/>
+              <a:lstStyle/>
+              <a:p>
+                <a:r>
+                  <a:rPr lang="pt-BR">
+                    <a:noFill/>
+                  </a:rPr>
+                  <a:t> </a:t>
+                </a:r>
+              </a:p>
+            </p:txBody>
+          </p:sp>
+        </mc:Fallback>
+      </mc:AlternateContent>
+      <mc:AlternateContent xmlns:mc="http://schemas.openxmlformats.org/markup-compatibility/2006" xmlns:a14="http://schemas.microsoft.com/office/drawing/2010/main">
+        <mc:Choice Requires="a14">
+          <p:sp>
+            <p:nvSpPr>
+              <p:cNvPr id="43" name="CaixaDeTexto 42"/>
+              <p:cNvSpPr txBox="1"/>
+              <p:nvPr/>
+            </p:nvSpPr>
+            <p:spPr>
+              <a:xfrm>
+                <a:off x="10438261" y="5513426"/>
+                <a:ext cx="471155" cy="523220"/>
+              </a:xfrm>
+              <a:prstGeom prst="rect">
+                <a:avLst/>
+              </a:prstGeom>
+              <a:noFill/>
+            </p:spPr>
+            <p:txBody>
+              <a:bodyPr wrap="none" rtlCol="0">
+                <a:spAutoFit/>
+              </a:bodyPr>
+              <a:lstStyle/>
+              <a:p>
+                <a:pPr/>
+                <a14:m>
+                  <m:oMathPara xmlns:m="http://schemas.openxmlformats.org/officeDocument/2006/math">
+                    <m:oMathParaPr>
+                      <m:jc m:val="centerGroup"/>
+                    </m:oMathParaPr>
+                    <m:oMath xmlns:m="http://schemas.openxmlformats.org/officeDocument/2006/math">
+                      <m:r>
+                        <a:rPr lang="pt-BR" sz="2800" b="0" i="1" smtClean="0">
+                          <a:latin typeface="Cambria Math"/>
+                        </a:rPr>
+                        <m:t>𝑝</m:t>
+                      </m:r>
+                    </m:oMath>
+                  </m:oMathPara>
+                </a14:m>
+                <a:endParaRPr lang="pt-BR" dirty="0"/>
+              </a:p>
+            </p:txBody>
+          </p:sp>
+        </mc:Choice>
+        <mc:Fallback xmlns="">
+          <p:sp>
+            <p:nvSpPr>
+              <p:cNvPr id="43" name="CaixaDeTexto 42"/>
+              <p:cNvSpPr txBox="1">
+                <a:spLocks noRot="1" noChangeAspect="1" noMove="1" noResize="1" noEditPoints="1" noAdjustHandles="1" noChangeArrowheads="1" noChangeShapeType="1" noTextEdit="1"/>
+              </p:cNvSpPr>
+              <p:nvPr/>
+            </p:nvSpPr>
+            <p:spPr>
+              <a:xfrm>
+                <a:off x="10438261" y="5513426"/>
+                <a:ext cx="471155" cy="523220"/>
+              </a:xfrm>
+              <a:prstGeom prst="rect">
+                <a:avLst/>
+              </a:prstGeom>
+              <a:blipFill>
+                <a:blip r:embed="rId15"/>
+                <a:stretch>
+                  <a:fillRect/>
+                </a:stretch>
+              </a:blipFill>
+            </p:spPr>
+            <p:txBody>
+              <a:bodyPr/>
+              <a:lstStyle/>
+              <a:p>
+                <a:r>
+                  <a:rPr lang="pt-BR">
+                    <a:noFill/>
+                  </a:rPr>
+                  <a:t> </a:t>
+                </a:r>
+              </a:p>
+            </p:txBody>
+          </p:sp>
+        </mc:Fallback>
+      </mc:AlternateContent>
+      <mc:AlternateContent xmlns:mc="http://schemas.openxmlformats.org/markup-compatibility/2006" xmlns:a14="http://schemas.microsoft.com/office/drawing/2010/main">
+        <mc:Choice Requires="a14">
+          <p:sp>
+            <p:nvSpPr>
+              <p:cNvPr id="45" name="CaixaDeTexto 44"/>
+              <p:cNvSpPr txBox="1"/>
+              <p:nvPr/>
+            </p:nvSpPr>
+            <p:spPr>
+              <a:xfrm>
+                <a:off x="15910130" y="4451300"/>
+                <a:ext cx="736484" cy="523220"/>
+              </a:xfrm>
+              <a:prstGeom prst="rect">
+                <a:avLst/>
+              </a:prstGeom>
+              <a:noFill/>
+            </p:spPr>
+            <p:txBody>
+              <a:bodyPr wrap="none" rtlCol="0">
+                <a:spAutoFit/>
+              </a:bodyPr>
+              <a:lstStyle/>
+              <a:p>
+                <a:pPr/>
+                <a14:m>
+                  <m:oMathPara xmlns:m="http://schemas.openxmlformats.org/officeDocument/2006/math">
+                    <m:oMathParaPr>
+                      <m:jc m:val="centerGroup"/>
+                    </m:oMathParaPr>
+                    <m:oMath xmlns:m="http://schemas.openxmlformats.org/officeDocument/2006/math">
+                      <m:sSubSup>
+                        <m:sSubSupPr>
+                          <m:ctrlPr>
+                            <a:rPr lang="pt-BR" sz="2800" b="0" i="1" smtClean="0">
+                              <a:latin typeface="Cambria Math" panose="02040503050406030204" pitchFamily="18" charset="0"/>
+                            </a:rPr>
+                          </m:ctrlPr>
+                        </m:sSubSupPr>
+                        <m:e>
+                          <m:r>
+                            <a:rPr lang="pt-BR" sz="2800" b="0" i="1" smtClean="0">
+                              <a:latin typeface="Cambria Math"/>
+                            </a:rPr>
+                            <m:t>𝑖</m:t>
+                          </m:r>
+                        </m:e>
+                        <m:sub>
+                          <m:r>
+                            <a:rPr lang="pt-BR" sz="2800" b="0" i="1" smtClean="0">
+                              <a:latin typeface="Cambria Math"/>
+                            </a:rPr>
+                            <m:t>𝐶</m:t>
+                          </m:r>
+                          <m:r>
+                            <a:rPr lang="pt-BR" sz="2800" b="0" i="1" smtClean="0">
+                              <a:latin typeface="Cambria Math"/>
+                            </a:rPr>
+                            <m:t>𝛼</m:t>
+                          </m:r>
+                        </m:sub>
+                        <m:sup>
+                          <m:r>
+                            <a:rPr lang="pt-BR" sz="2800" b="0" i="1" smtClean="0">
+                              <a:latin typeface="Cambria Math"/>
+                            </a:rPr>
+                            <m:t>∗</m:t>
+                          </m:r>
+                        </m:sup>
+                      </m:sSubSup>
+                    </m:oMath>
+                  </m:oMathPara>
+                </a14:m>
+                <a:endParaRPr lang="pt-BR" sz="2800" dirty="0"/>
+              </a:p>
+            </p:txBody>
+          </p:sp>
+        </mc:Choice>
+        <mc:Fallback xmlns="">
+          <p:sp>
+            <p:nvSpPr>
+              <p:cNvPr id="45" name="CaixaDeTexto 44"/>
+              <p:cNvSpPr txBox="1">
+                <a:spLocks noRot="1" noChangeAspect="1" noMove="1" noResize="1" noEditPoints="1" noAdjustHandles="1" noChangeArrowheads="1" noChangeShapeType="1" noTextEdit="1"/>
+              </p:cNvSpPr>
+              <p:nvPr/>
+            </p:nvSpPr>
+            <p:spPr>
+              <a:xfrm>
+                <a:off x="15910130" y="4451300"/>
+                <a:ext cx="736484" cy="523220"/>
+              </a:xfrm>
+              <a:prstGeom prst="rect">
+                <a:avLst/>
+              </a:prstGeom>
+              <a:blipFill>
+                <a:blip r:embed="rId16"/>
+                <a:stretch>
+                  <a:fillRect/>
+                </a:stretch>
+              </a:blipFill>
+            </p:spPr>
+            <p:txBody>
+              <a:bodyPr/>
+              <a:lstStyle/>
+              <a:p>
+                <a:r>
+                  <a:rPr lang="pt-BR">
+                    <a:noFill/>
+                  </a:rPr>
+                  <a:t> </a:t>
+                </a:r>
+              </a:p>
+            </p:txBody>
+          </p:sp>
+        </mc:Fallback>
+      </mc:AlternateContent>
+      <mc:AlternateContent xmlns:mc="http://schemas.openxmlformats.org/markup-compatibility/2006" xmlns:a14="http://schemas.microsoft.com/office/drawing/2010/main">
+        <mc:Choice Requires="a14">
+          <p:sp>
+            <p:nvSpPr>
+              <p:cNvPr id="46" name="CaixaDeTexto 45"/>
+              <p:cNvSpPr txBox="1"/>
+              <p:nvPr/>
+            </p:nvSpPr>
+            <p:spPr>
+              <a:xfrm>
+                <a:off x="17116593" y="4450687"/>
+                <a:ext cx="741292" cy="579133"/>
+              </a:xfrm>
+              <a:prstGeom prst="rect">
+                <a:avLst/>
+              </a:prstGeom>
+              <a:noFill/>
+            </p:spPr>
+            <p:txBody>
+              <a:bodyPr wrap="none" rtlCol="0">
+                <a:spAutoFit/>
+              </a:bodyPr>
+              <a:lstStyle/>
+              <a:p>
+                <a:pPr/>
+                <a14:m>
+                  <m:oMathPara xmlns:m="http://schemas.openxmlformats.org/officeDocument/2006/math">
+                    <m:oMathParaPr>
+                      <m:jc m:val="centerGroup"/>
+                    </m:oMathParaPr>
+                    <m:oMath xmlns:m="http://schemas.openxmlformats.org/officeDocument/2006/math">
+                      <m:sSubSup>
+                        <m:sSubSupPr>
+                          <m:ctrlPr>
+                            <a:rPr lang="pt-BR" sz="2800" b="0" i="1" smtClean="0">
+                              <a:latin typeface="Cambria Math" panose="02040503050406030204" pitchFamily="18" charset="0"/>
+                            </a:rPr>
+                          </m:ctrlPr>
+                        </m:sSubSupPr>
+                        <m:e>
+                          <m:r>
+                            <a:rPr lang="pt-BR" sz="2800" b="0" i="1" smtClean="0">
+                              <a:latin typeface="Cambria Math"/>
+                            </a:rPr>
+                            <m:t>𝑖</m:t>
+                          </m:r>
+                        </m:e>
+                        <m:sub>
+                          <m:r>
+                            <a:rPr lang="pt-BR" sz="2800" b="0" i="1" smtClean="0">
+                              <a:latin typeface="Cambria Math"/>
+                            </a:rPr>
+                            <m:t>𝐶</m:t>
+                          </m:r>
+                          <m:r>
+                            <a:rPr lang="pt-BR" sz="2800" b="0" i="1" smtClean="0">
+                              <a:latin typeface="Cambria Math"/>
+                            </a:rPr>
+                            <m:t>𝛽</m:t>
+                          </m:r>
+                        </m:sub>
+                        <m:sup>
+                          <m:r>
+                            <a:rPr lang="pt-BR" sz="2800" b="0" i="1" smtClean="0">
+                              <a:latin typeface="Cambria Math"/>
+                            </a:rPr>
+                            <m:t>∗</m:t>
+                          </m:r>
+                        </m:sup>
+                      </m:sSubSup>
+                    </m:oMath>
+                  </m:oMathPara>
+                </a14:m>
+                <a:endParaRPr lang="pt-BR" sz="2800" dirty="0"/>
+              </a:p>
+            </p:txBody>
+          </p:sp>
+        </mc:Choice>
+        <mc:Fallback xmlns="">
+          <p:sp>
+            <p:nvSpPr>
+              <p:cNvPr id="46" name="CaixaDeTexto 45"/>
+              <p:cNvSpPr txBox="1">
+                <a:spLocks noRot="1" noChangeAspect="1" noMove="1" noResize="1" noEditPoints="1" noAdjustHandles="1" noChangeArrowheads="1" noChangeShapeType="1" noTextEdit="1"/>
+              </p:cNvSpPr>
+              <p:nvPr/>
+            </p:nvSpPr>
+            <p:spPr>
+              <a:xfrm>
+                <a:off x="17116593" y="4450687"/>
+                <a:ext cx="741292" cy="579133"/>
+              </a:xfrm>
+              <a:prstGeom prst="rect">
+                <a:avLst/>
+              </a:prstGeom>
+              <a:blipFill>
+                <a:blip r:embed="rId17"/>
+                <a:stretch>
+                  <a:fillRect/>
+                </a:stretch>
+              </a:blipFill>
+            </p:spPr>
+            <p:txBody>
+              <a:bodyPr/>
+              <a:lstStyle/>
+              <a:p>
+                <a:r>
+                  <a:rPr lang="pt-BR">
+                    <a:noFill/>
+                  </a:rPr>
+                  <a:t> </a:t>
+                </a:r>
+              </a:p>
+            </p:txBody>
+          </p:sp>
+        </mc:Fallback>
+      </mc:AlternateContent>
+      <mc:AlternateContent xmlns:mc="http://schemas.openxmlformats.org/markup-compatibility/2006" xmlns:a14="http://schemas.microsoft.com/office/drawing/2010/main">
+        <mc:Choice Requires="a14">
+          <p:sp>
+            <p:nvSpPr>
+              <p:cNvPr id="47" name="CaixaDeTexto 46"/>
+              <p:cNvSpPr txBox="1"/>
+              <p:nvPr/>
+            </p:nvSpPr>
+            <p:spPr>
+              <a:xfrm>
+                <a:off x="14150376" y="2155408"/>
+                <a:ext cx="723724" cy="523220"/>
+              </a:xfrm>
+              <a:prstGeom prst="rect">
+                <a:avLst/>
+              </a:prstGeom>
+              <a:noFill/>
+            </p:spPr>
+            <p:txBody>
+              <a:bodyPr wrap="none" rtlCol="0">
+                <a:spAutoFit/>
+              </a:bodyPr>
+              <a:lstStyle/>
+              <a:p>
+                <a:pPr/>
+                <a14:m>
+                  <m:oMathPara xmlns:m="http://schemas.openxmlformats.org/officeDocument/2006/math">
+                    <m:oMathParaPr>
+                      <m:jc m:val="centerGroup"/>
+                    </m:oMathParaPr>
+                    <m:oMath xmlns:m="http://schemas.openxmlformats.org/officeDocument/2006/math">
+                      <m:sSubSup>
+                        <m:sSubSupPr>
+                          <m:ctrlPr>
+                            <a:rPr lang="pt-BR" sz="2800" b="0" i="1" smtClean="0">
+                              <a:latin typeface="Cambria Math" panose="02040503050406030204" pitchFamily="18" charset="0"/>
+                            </a:rPr>
+                          </m:ctrlPr>
+                        </m:sSubSupPr>
+                        <m:e>
+                          <m:r>
+                            <a:rPr lang="pt-BR" sz="2800" b="0" i="1" smtClean="0">
+                              <a:latin typeface="Cambria Math"/>
+                            </a:rPr>
+                            <m:t>𝑖</m:t>
+                          </m:r>
+                        </m:e>
+                        <m:sub>
+                          <m:r>
+                            <a:rPr lang="pt-BR" sz="2800" b="0" i="1" smtClean="0">
+                              <a:latin typeface="Cambria Math"/>
+                            </a:rPr>
+                            <m:t>𝐶𝑎</m:t>
+                          </m:r>
+                        </m:sub>
+                        <m:sup>
+                          <m:r>
+                            <a:rPr lang="pt-BR" sz="2800" b="0" i="1" smtClean="0">
+                              <a:latin typeface="Cambria Math"/>
+                            </a:rPr>
+                            <m:t>∗</m:t>
+                          </m:r>
+                        </m:sup>
+                      </m:sSubSup>
+                    </m:oMath>
+                  </m:oMathPara>
+                </a14:m>
+                <a:endParaRPr lang="pt-BR" sz="2800" dirty="0"/>
+              </a:p>
+            </p:txBody>
+          </p:sp>
+        </mc:Choice>
+        <mc:Fallback xmlns="">
+          <p:sp>
+            <p:nvSpPr>
+              <p:cNvPr id="47" name="CaixaDeTexto 46"/>
+              <p:cNvSpPr txBox="1">
+                <a:spLocks noRot="1" noChangeAspect="1" noMove="1" noResize="1" noEditPoints="1" noAdjustHandles="1" noChangeArrowheads="1" noChangeShapeType="1" noTextEdit="1"/>
+              </p:cNvSpPr>
+              <p:nvPr/>
+            </p:nvSpPr>
+            <p:spPr>
+              <a:xfrm>
+                <a:off x="14150376" y="2155408"/>
+                <a:ext cx="723724" cy="523220"/>
+              </a:xfrm>
+              <a:prstGeom prst="rect">
+                <a:avLst/>
+              </a:prstGeom>
+              <a:blipFill>
+                <a:blip r:embed="rId18"/>
+                <a:stretch>
+                  <a:fillRect/>
+                </a:stretch>
+              </a:blipFill>
+            </p:spPr>
+            <p:txBody>
+              <a:bodyPr/>
+              <a:lstStyle/>
+              <a:p>
+                <a:r>
+                  <a:rPr lang="pt-BR">
+                    <a:noFill/>
+                  </a:rPr>
+                  <a:t> </a:t>
+                </a:r>
+              </a:p>
+            </p:txBody>
+          </p:sp>
+        </mc:Fallback>
+      </mc:AlternateContent>
+      <mc:AlternateContent xmlns:mc="http://schemas.openxmlformats.org/markup-compatibility/2006" xmlns:a14="http://schemas.microsoft.com/office/drawing/2010/main">
+        <mc:Choice Requires="a14">
+          <p:sp>
+            <p:nvSpPr>
+              <p:cNvPr id="48" name="CaixaDeTexto 47"/>
+              <p:cNvSpPr txBox="1"/>
+              <p:nvPr/>
+            </p:nvSpPr>
+            <p:spPr>
+              <a:xfrm>
+                <a:off x="14169838" y="2641607"/>
+                <a:ext cx="717952" cy="523220"/>
+              </a:xfrm>
+              <a:prstGeom prst="rect">
+                <a:avLst/>
+              </a:prstGeom>
+              <a:noFill/>
+            </p:spPr>
+            <p:txBody>
+              <a:bodyPr wrap="none" rtlCol="0">
+                <a:spAutoFit/>
+              </a:bodyPr>
+              <a:lstStyle/>
+              <a:p>
+                <a:pPr/>
+                <a14:m>
+                  <m:oMathPara xmlns:m="http://schemas.openxmlformats.org/officeDocument/2006/math">
+                    <m:oMathParaPr>
+                      <m:jc m:val="centerGroup"/>
+                    </m:oMathParaPr>
+                    <m:oMath xmlns:m="http://schemas.openxmlformats.org/officeDocument/2006/math">
+                      <m:sSubSup>
+                        <m:sSubSupPr>
+                          <m:ctrlPr>
+                            <a:rPr lang="pt-BR" sz="2800" b="0" i="1" smtClean="0">
+                              <a:latin typeface="Cambria Math" panose="02040503050406030204" pitchFamily="18" charset="0"/>
+                            </a:rPr>
+                          </m:ctrlPr>
+                        </m:sSubSupPr>
+                        <m:e>
+                          <m:r>
+                            <a:rPr lang="pt-BR" sz="2800" b="0" i="1" smtClean="0">
+                              <a:latin typeface="Cambria Math"/>
+                            </a:rPr>
+                            <m:t>𝑖</m:t>
+                          </m:r>
+                        </m:e>
+                        <m:sub>
+                          <m:r>
+                            <a:rPr lang="pt-BR" sz="2800" b="0" i="1" smtClean="0">
+                              <a:latin typeface="Cambria Math"/>
+                            </a:rPr>
+                            <m:t>𝐶𝑏</m:t>
+                          </m:r>
+                        </m:sub>
+                        <m:sup>
+                          <m:r>
+                            <a:rPr lang="pt-BR" sz="2800" b="0" i="1" smtClean="0">
+                              <a:latin typeface="Cambria Math"/>
+                            </a:rPr>
+                            <m:t>∗</m:t>
+                          </m:r>
+                        </m:sup>
+                      </m:sSubSup>
+                    </m:oMath>
+                  </m:oMathPara>
+                </a14:m>
+                <a:endParaRPr lang="pt-BR" sz="2800" dirty="0"/>
+              </a:p>
+            </p:txBody>
+          </p:sp>
+        </mc:Choice>
+        <mc:Fallback xmlns="">
+          <p:sp>
+            <p:nvSpPr>
+              <p:cNvPr id="48" name="CaixaDeTexto 47"/>
+              <p:cNvSpPr txBox="1">
+                <a:spLocks noRot="1" noChangeAspect="1" noMove="1" noResize="1" noEditPoints="1" noAdjustHandles="1" noChangeArrowheads="1" noChangeShapeType="1" noTextEdit="1"/>
+              </p:cNvSpPr>
+              <p:nvPr/>
+            </p:nvSpPr>
+            <p:spPr>
+              <a:xfrm>
+                <a:off x="14169838" y="2641607"/>
+                <a:ext cx="717952" cy="523220"/>
+              </a:xfrm>
+              <a:prstGeom prst="rect">
+                <a:avLst/>
+              </a:prstGeom>
+              <a:blipFill>
+                <a:blip r:embed="rId19"/>
+                <a:stretch>
+                  <a:fillRect/>
+                </a:stretch>
+              </a:blipFill>
+            </p:spPr>
+            <p:txBody>
+              <a:bodyPr/>
+              <a:lstStyle/>
+              <a:p>
+                <a:r>
+                  <a:rPr lang="pt-BR">
+                    <a:noFill/>
+                  </a:rPr>
+                  <a:t> </a:t>
+                </a:r>
+              </a:p>
+            </p:txBody>
+          </p:sp>
+        </mc:Fallback>
+      </mc:AlternateContent>
+      <mc:AlternateContent xmlns:mc="http://schemas.openxmlformats.org/markup-compatibility/2006" xmlns:a14="http://schemas.microsoft.com/office/drawing/2010/main">
+        <mc:Choice Requires="a14">
+          <p:sp>
+            <p:nvSpPr>
+              <p:cNvPr id="49" name="CaixaDeTexto 48"/>
+              <p:cNvSpPr txBox="1"/>
+              <p:nvPr/>
+            </p:nvSpPr>
+            <p:spPr>
+              <a:xfrm>
+                <a:off x="14169838" y="3166676"/>
+                <a:ext cx="695126" cy="523220"/>
+              </a:xfrm>
+              <a:prstGeom prst="rect">
+                <a:avLst/>
+              </a:prstGeom>
+              <a:noFill/>
+            </p:spPr>
+            <p:txBody>
+              <a:bodyPr wrap="none" rtlCol="0">
+                <a:spAutoFit/>
+              </a:bodyPr>
+              <a:lstStyle/>
+              <a:p>
+                <a:pPr/>
+                <a14:m>
+                  <m:oMathPara xmlns:m="http://schemas.openxmlformats.org/officeDocument/2006/math">
+                    <m:oMathParaPr>
+                      <m:jc m:val="centerGroup"/>
+                    </m:oMathParaPr>
+                    <m:oMath xmlns:m="http://schemas.openxmlformats.org/officeDocument/2006/math">
+                      <m:sSubSup>
+                        <m:sSubSupPr>
+                          <m:ctrlPr>
+                            <a:rPr lang="pt-BR" sz="2800" b="0" i="1" smtClean="0">
+                              <a:latin typeface="Cambria Math" panose="02040503050406030204" pitchFamily="18" charset="0"/>
+                            </a:rPr>
+                          </m:ctrlPr>
+                        </m:sSubSupPr>
+                        <m:e>
+                          <m:r>
+                            <a:rPr lang="pt-BR" sz="2800" b="0" i="1" smtClean="0">
+                              <a:latin typeface="Cambria Math"/>
+                            </a:rPr>
+                            <m:t>𝑖</m:t>
+                          </m:r>
+                        </m:e>
+                        <m:sub>
+                          <m:r>
+                            <a:rPr lang="pt-BR" sz="2800" b="0" i="1" smtClean="0">
+                              <a:latin typeface="Cambria Math"/>
+                            </a:rPr>
+                            <m:t>𝐶𝑐</m:t>
+                          </m:r>
+                        </m:sub>
+                        <m:sup>
+                          <m:r>
+                            <a:rPr lang="pt-BR" sz="2800" b="0" i="1" smtClean="0">
+                              <a:latin typeface="Cambria Math"/>
+                            </a:rPr>
+                            <m:t>∗</m:t>
+                          </m:r>
+                        </m:sup>
+                      </m:sSubSup>
+                    </m:oMath>
+                  </m:oMathPara>
+                </a14:m>
+                <a:endParaRPr lang="pt-BR" sz="2800" dirty="0"/>
+              </a:p>
+            </p:txBody>
+          </p:sp>
+        </mc:Choice>
+        <mc:Fallback xmlns="">
+          <p:sp>
+            <p:nvSpPr>
+              <p:cNvPr id="49" name="CaixaDeTexto 48"/>
+              <p:cNvSpPr txBox="1">
+                <a:spLocks noRot="1" noChangeAspect="1" noMove="1" noResize="1" noEditPoints="1" noAdjustHandles="1" noChangeArrowheads="1" noChangeShapeType="1" noTextEdit="1"/>
+              </p:cNvSpPr>
+              <p:nvPr/>
+            </p:nvSpPr>
+            <p:spPr>
+              <a:xfrm>
+                <a:off x="14169838" y="3166676"/>
+                <a:ext cx="695126" cy="523220"/>
+              </a:xfrm>
+              <a:prstGeom prst="rect">
+                <a:avLst/>
+              </a:prstGeom>
+              <a:blipFill>
+                <a:blip r:embed="rId20"/>
+                <a:stretch>
+                  <a:fillRect/>
+                </a:stretch>
+              </a:blipFill>
+            </p:spPr>
+            <p:txBody>
+              <a:bodyPr/>
+              <a:lstStyle/>
+              <a:p>
+                <a:r>
+                  <a:rPr lang="pt-BR">
+                    <a:noFill/>
+                  </a:rPr>
+                  <a:t> </a:t>
+                </a:r>
+              </a:p>
+            </p:txBody>
+          </p:sp>
+        </mc:Fallback>
+      </mc:AlternateContent>
+      <p:sp>
+        <p:nvSpPr>
+          <p:cNvPr id="50" name="CaixaDeTexto 49"/>
+          <p:cNvSpPr txBox="1"/>
+          <p:nvPr/>
+        </p:nvSpPr>
+        <p:spPr>
+          <a:xfrm>
+            <a:off x="4126977" y="5029820"/>
+            <a:ext cx="2938753" cy="400110"/>
+          </a:xfrm>
+          <a:prstGeom prst="rect">
+            <a:avLst/>
+          </a:prstGeom>
+          <a:noFill/>
+        </p:spPr>
+        <p:txBody>
+          <a:bodyPr wrap="none" rtlCol="0">
+            <a:spAutoFit/>
+          </a:bodyPr>
+          <a:lstStyle/>
+          <a:p>
+            <a:r>
+              <a:rPr lang="pt-BR" sz="2000" dirty="0">
+                <a:latin typeface="Arial" pitchFamily="34" charset="0"/>
+                <a:cs typeface="Arial" pitchFamily="34" charset="0"/>
+              </a:rPr>
+              <a:t>Transformada de Clarke</a:t>
+            </a:r>
+          </a:p>
+        </p:txBody>
+      </p:sp>
+      <p:sp>
+        <p:nvSpPr>
+          <p:cNvPr id="51" name="CaixaDeTexto 50"/>
+          <p:cNvSpPr txBox="1"/>
+          <p:nvPr/>
+        </p:nvSpPr>
+        <p:spPr>
+          <a:xfrm>
+            <a:off x="7601555" y="4959017"/>
+            <a:ext cx="2834143" cy="707886"/>
+          </a:xfrm>
+          <a:prstGeom prst="rect">
+            <a:avLst/>
+          </a:prstGeom>
+          <a:noFill/>
+        </p:spPr>
+        <p:txBody>
+          <a:bodyPr wrap="square" rtlCol="0">
+            <a:spAutoFit/>
+          </a:bodyPr>
+          <a:lstStyle/>
+          <a:p>
+            <a:pPr algn="ctr"/>
+            <a:r>
+              <a:rPr lang="pt-BR" sz="2000" dirty="0">
+                <a:latin typeface="Arial" pitchFamily="34" charset="0"/>
+                <a:cs typeface="Arial" pitchFamily="34" charset="0"/>
+              </a:rPr>
+              <a:t>Cálculo de Potências Instantâneas</a:t>
+            </a:r>
+          </a:p>
+        </p:txBody>
+      </p:sp>
+      <p:sp>
+        <p:nvSpPr>
+          <p:cNvPr id="52" name="CaixaDeTexto 51"/>
+          <p:cNvSpPr txBox="1"/>
+          <p:nvPr/>
+        </p:nvSpPr>
+        <p:spPr>
+          <a:xfrm>
+            <a:off x="15302941" y="6920600"/>
+            <a:ext cx="2834143" cy="400110"/>
+          </a:xfrm>
+          <a:prstGeom prst="rect">
+            <a:avLst/>
+          </a:prstGeom>
+          <a:noFill/>
+        </p:spPr>
+        <p:txBody>
+          <a:bodyPr wrap="square" rtlCol="0">
+            <a:spAutoFit/>
+          </a:bodyPr>
+          <a:lstStyle/>
+          <a:p>
+            <a:pPr algn="ctr"/>
+            <a:r>
+              <a:rPr lang="pt-BR" sz="2000" dirty="0">
+                <a:latin typeface="Arial" pitchFamily="34" charset="0"/>
+                <a:cs typeface="Arial" pitchFamily="34" charset="0"/>
+              </a:rPr>
+              <a:t>Cálculo de Corrente </a:t>
+            </a:r>
+          </a:p>
+        </p:txBody>
+      </p:sp>
+      <mc:AlternateContent xmlns:mc="http://schemas.openxmlformats.org/markup-compatibility/2006" xmlns:a14="http://schemas.microsoft.com/office/drawing/2010/main">
+        <mc:Choice Requires="a14">
+          <p:sp>
+            <p:nvSpPr>
+              <p:cNvPr id="53" name="CaixaDeTexto 52"/>
+              <p:cNvSpPr txBox="1"/>
+              <p:nvPr/>
+            </p:nvSpPr>
+            <p:spPr>
+              <a:xfrm>
+                <a:off x="17787732" y="6857027"/>
+                <a:ext cx="1008546" cy="461665"/>
+              </a:xfrm>
+              <a:prstGeom prst="rect">
+                <a:avLst/>
+              </a:prstGeom>
+              <a:noFill/>
+            </p:spPr>
+            <p:txBody>
+              <a:bodyPr wrap="none" rtlCol="0">
+                <a:spAutoFit/>
+              </a:bodyPr>
+              <a:lstStyle/>
+              <a:p>
+                <a:pPr/>
+                <a14:m>
+                  <m:oMathPara xmlns:m="http://schemas.openxmlformats.org/officeDocument/2006/math">
+                    <m:oMathParaPr>
+                      <m:jc m:val="centerGroup"/>
+                    </m:oMathParaPr>
+                    <m:oMath xmlns:m="http://schemas.openxmlformats.org/officeDocument/2006/math">
+                      <m:r>
+                        <a:rPr lang="pt-BR" sz="2400" b="0" i="1" smtClean="0">
+                          <a:latin typeface="Cambria Math"/>
+                        </a:rPr>
+                        <m:t>𝛼</m:t>
+                      </m:r>
+                      <m:r>
+                        <a:rPr lang="pt-BR" sz="2400" b="0" i="1" smtClean="0">
+                          <a:latin typeface="Cambria Math"/>
+                        </a:rPr>
+                        <m:t>−</m:t>
+                      </m:r>
+                      <m:r>
+                        <a:rPr lang="pt-BR" sz="2400" b="0" i="1" smtClean="0">
+                          <a:latin typeface="Cambria Math"/>
+                        </a:rPr>
+                        <m:t>𝛽</m:t>
+                      </m:r>
+                    </m:oMath>
+                  </m:oMathPara>
+                </a14:m>
+                <a:endParaRPr lang="pt-BR" sz="2400" dirty="0"/>
+              </a:p>
+            </p:txBody>
+          </p:sp>
+        </mc:Choice>
+        <mc:Fallback xmlns="">
+          <p:sp>
+            <p:nvSpPr>
+              <p:cNvPr id="53" name="CaixaDeTexto 52"/>
+              <p:cNvSpPr txBox="1">
+                <a:spLocks noRot="1" noChangeAspect="1" noMove="1" noResize="1" noEditPoints="1" noAdjustHandles="1" noChangeArrowheads="1" noChangeShapeType="1" noTextEdit="1"/>
+              </p:cNvSpPr>
+              <p:nvPr/>
+            </p:nvSpPr>
+            <p:spPr>
+              <a:xfrm>
+                <a:off x="17787732" y="6857027"/>
+                <a:ext cx="1008546" cy="461665"/>
+              </a:xfrm>
+              <a:prstGeom prst="rect">
+                <a:avLst/>
+              </a:prstGeom>
+              <a:blipFill>
+                <a:blip r:embed="rId21"/>
+                <a:stretch>
+                  <a:fillRect b="-17105"/>
+                </a:stretch>
+              </a:blipFill>
+            </p:spPr>
+            <p:txBody>
+              <a:bodyPr/>
+              <a:lstStyle/>
+              <a:p>
+                <a:r>
+                  <a:rPr lang="pt-BR">
+                    <a:noFill/>
+                  </a:rPr>
+                  <a:t> </a:t>
+                </a:r>
+              </a:p>
+            </p:txBody>
+          </p:sp>
+        </mc:Fallback>
+      </mc:AlternateContent>
+      <p:sp>
+        <p:nvSpPr>
+          <p:cNvPr id="54" name="CaixaDeTexto 53"/>
+          <p:cNvSpPr txBox="1"/>
+          <p:nvPr/>
+        </p:nvSpPr>
+        <p:spPr>
+          <a:xfrm>
+            <a:off x="15191964" y="2095103"/>
+            <a:ext cx="3849259" cy="400110"/>
+          </a:xfrm>
+          <a:prstGeom prst="rect">
+            <a:avLst/>
+          </a:prstGeom>
+          <a:noFill/>
+        </p:spPr>
+        <p:txBody>
+          <a:bodyPr wrap="none" rtlCol="0">
+            <a:spAutoFit/>
+          </a:bodyPr>
+          <a:lstStyle/>
+          <a:p>
+            <a:r>
+              <a:rPr lang="pt-BR" sz="2000" dirty="0">
+                <a:latin typeface="Arial" pitchFamily="34" charset="0"/>
+                <a:cs typeface="Arial" pitchFamily="34" charset="0"/>
+              </a:rPr>
+              <a:t>Transformada Inversa de Clarke</a:t>
+            </a:r>
+          </a:p>
+        </p:txBody>
+      </p:sp>
+      <mc:AlternateContent xmlns:mc="http://schemas.openxmlformats.org/markup-compatibility/2006" xmlns:a14="http://schemas.microsoft.com/office/drawing/2010/main">
+        <mc:Choice Requires="a14">
+          <p:sp>
+            <p:nvSpPr>
+              <p:cNvPr id="57" name="CaixaDeTexto 56"/>
+              <p:cNvSpPr txBox="1"/>
+              <p:nvPr/>
+            </p:nvSpPr>
+            <p:spPr>
+              <a:xfrm>
+                <a:off x="17137105" y="7397223"/>
+                <a:ext cx="642932" cy="579133"/>
+              </a:xfrm>
+              <a:prstGeom prst="rect">
+                <a:avLst/>
+              </a:prstGeom>
+              <a:noFill/>
+            </p:spPr>
+            <p:txBody>
+              <a:bodyPr wrap="none" rtlCol="0">
+                <a:spAutoFit/>
+              </a:bodyPr>
+              <a:lstStyle/>
+              <a:p>
+                <a:pPr/>
+                <a14:m>
+                  <m:oMathPara xmlns:m="http://schemas.openxmlformats.org/officeDocument/2006/math">
+                    <m:oMathParaPr>
+                      <m:jc m:val="centerGroup"/>
+                    </m:oMathParaPr>
+                    <m:oMath xmlns:m="http://schemas.openxmlformats.org/officeDocument/2006/math">
+                      <m:sSubSup>
+                        <m:sSubSupPr>
+                          <m:ctrlPr>
+                            <a:rPr lang="pt-BR" sz="2800" b="0" i="1" smtClean="0">
+                              <a:latin typeface="Cambria Math" panose="02040503050406030204" pitchFamily="18" charset="0"/>
+                            </a:rPr>
+                          </m:ctrlPr>
+                        </m:sSubSupPr>
+                        <m:e>
+                          <m:r>
+                            <a:rPr lang="pt-BR" sz="2800" b="0" i="1" smtClean="0">
+                              <a:latin typeface="Cambria Math"/>
+                            </a:rPr>
+                            <m:t>𝑣</m:t>
+                          </m:r>
+                        </m:e>
+                        <m:sub>
+                          <m:r>
+                            <a:rPr lang="pt-BR" sz="2800" b="0" i="1" smtClean="0">
+                              <a:latin typeface="Cambria Math"/>
+                            </a:rPr>
+                            <m:t>𝛽</m:t>
+                          </m:r>
+                        </m:sub>
+                        <m:sup>
+                          <m:r>
+                            <a:rPr lang="pt-BR" sz="2800" b="0" i="1" smtClean="0">
+                              <a:latin typeface="Cambria Math" panose="02040503050406030204" pitchFamily="18" charset="0"/>
+                            </a:rPr>
+                            <m:t>′</m:t>
+                          </m:r>
+                        </m:sup>
+                      </m:sSubSup>
+                    </m:oMath>
+                  </m:oMathPara>
+                </a14:m>
+                <a:endParaRPr lang="pt-BR" sz="2800" dirty="0"/>
+              </a:p>
+            </p:txBody>
+          </p:sp>
+        </mc:Choice>
+        <mc:Fallback xmlns="">
+          <p:sp>
+            <p:nvSpPr>
+              <p:cNvPr id="57" name="CaixaDeTexto 56"/>
+              <p:cNvSpPr txBox="1">
+                <a:spLocks noRot="1" noChangeAspect="1" noMove="1" noResize="1" noEditPoints="1" noAdjustHandles="1" noChangeArrowheads="1" noChangeShapeType="1" noTextEdit="1"/>
+              </p:cNvSpPr>
+              <p:nvPr/>
+            </p:nvSpPr>
+            <p:spPr>
+              <a:xfrm>
+                <a:off x="17137105" y="7397223"/>
+                <a:ext cx="642932" cy="579133"/>
+              </a:xfrm>
+              <a:prstGeom prst="rect">
+                <a:avLst/>
+              </a:prstGeom>
+              <a:blipFill>
+                <a:blip r:embed="rId22"/>
+                <a:stretch>
+                  <a:fillRect/>
+                </a:stretch>
+              </a:blipFill>
+            </p:spPr>
+            <p:txBody>
+              <a:bodyPr/>
+              <a:lstStyle/>
+              <a:p>
+                <a:r>
+                  <a:rPr lang="pt-BR">
+                    <a:noFill/>
+                  </a:rPr>
+                  <a:t> </a:t>
+                </a:r>
+              </a:p>
+            </p:txBody>
+          </p:sp>
+        </mc:Fallback>
+      </mc:AlternateContent>
+      <mc:AlternateContent xmlns:mc="http://schemas.openxmlformats.org/markup-compatibility/2006" xmlns:a14="http://schemas.microsoft.com/office/drawing/2010/main">
+        <mc:Choice Requires="a14">
+          <p:sp>
+            <p:nvSpPr>
+              <p:cNvPr id="58" name="CaixaDeTexto 57"/>
+              <p:cNvSpPr txBox="1"/>
+              <p:nvPr/>
+            </p:nvSpPr>
+            <p:spPr>
+              <a:xfrm>
+                <a:off x="16008106" y="7428158"/>
+                <a:ext cx="638508" cy="523220"/>
+              </a:xfrm>
+              <a:prstGeom prst="rect">
+                <a:avLst/>
+              </a:prstGeom>
+              <a:noFill/>
+            </p:spPr>
+            <p:txBody>
+              <a:bodyPr wrap="none" rtlCol="0">
+                <a:spAutoFit/>
+              </a:bodyPr>
+              <a:lstStyle/>
+              <a:p>
+                <a:pPr/>
+                <a14:m>
+                  <m:oMathPara xmlns:m="http://schemas.openxmlformats.org/officeDocument/2006/math">
+                    <m:oMathParaPr>
+                      <m:jc m:val="centerGroup"/>
+                    </m:oMathParaPr>
+                    <m:oMath xmlns:m="http://schemas.openxmlformats.org/officeDocument/2006/math">
+                      <m:sSubSup>
+                        <m:sSubSupPr>
+                          <m:ctrlPr>
+                            <a:rPr lang="pt-BR" sz="2800" b="0" i="1" smtClean="0">
+                              <a:latin typeface="Cambria Math" panose="02040503050406030204" pitchFamily="18" charset="0"/>
+                            </a:rPr>
+                          </m:ctrlPr>
+                        </m:sSubSupPr>
+                        <m:e>
+                          <m:r>
+                            <a:rPr lang="pt-BR" sz="2800" b="0" i="1" smtClean="0">
+                              <a:latin typeface="Cambria Math"/>
+                            </a:rPr>
+                            <m:t>𝑣</m:t>
+                          </m:r>
+                        </m:e>
+                        <m:sub>
+                          <m:r>
+                            <a:rPr lang="pt-BR" sz="2800" b="0" i="1" smtClean="0">
+                              <a:latin typeface="Cambria Math"/>
+                            </a:rPr>
+                            <m:t>𝛼</m:t>
+                          </m:r>
+                        </m:sub>
+                        <m:sup>
+                          <m:r>
+                            <a:rPr lang="pt-BR" sz="2800" b="0" i="1" smtClean="0">
+                              <a:latin typeface="Cambria Math" panose="02040503050406030204" pitchFamily="18" charset="0"/>
+                            </a:rPr>
+                            <m:t>′</m:t>
+                          </m:r>
+                        </m:sup>
+                      </m:sSubSup>
+                    </m:oMath>
+                  </m:oMathPara>
+                </a14:m>
+                <a:endParaRPr lang="pt-BR" dirty="0"/>
+              </a:p>
+            </p:txBody>
+          </p:sp>
+        </mc:Choice>
+        <mc:Fallback xmlns="">
+          <p:sp>
+            <p:nvSpPr>
+              <p:cNvPr id="58" name="CaixaDeTexto 57"/>
+              <p:cNvSpPr txBox="1">
+                <a:spLocks noRot="1" noChangeAspect="1" noMove="1" noResize="1" noEditPoints="1" noAdjustHandles="1" noChangeArrowheads="1" noChangeShapeType="1" noTextEdit="1"/>
+              </p:cNvSpPr>
+              <p:nvPr/>
+            </p:nvSpPr>
+            <p:spPr>
+              <a:xfrm>
+                <a:off x="16008106" y="7428158"/>
+                <a:ext cx="638508" cy="523220"/>
+              </a:xfrm>
+              <a:prstGeom prst="rect">
+                <a:avLst/>
+              </a:prstGeom>
+              <a:blipFill>
+                <a:blip r:embed="rId23"/>
+                <a:stretch>
+                  <a:fillRect/>
+                </a:stretch>
+              </a:blipFill>
+            </p:spPr>
+            <p:txBody>
+              <a:bodyPr/>
+              <a:lstStyle/>
+              <a:p>
+                <a:r>
+                  <a:rPr lang="pt-BR">
+                    <a:noFill/>
+                  </a:rPr>
+                  <a:t> </a:t>
+                </a:r>
+              </a:p>
+            </p:txBody>
+          </p:sp>
+        </mc:Fallback>
+      </mc:AlternateContent>
+      <p:sp>
+        <p:nvSpPr>
+          <p:cNvPr id="59" name="Elipse 58"/>
+          <p:cNvSpPr/>
+          <p:nvPr/>
+        </p:nvSpPr>
+        <p:spPr>
+          <a:xfrm>
+            <a:off x="7108864" y="4951089"/>
+            <a:ext cx="341549" cy="341549"/>
+          </a:xfrm>
+          <a:prstGeom prst="ellipse">
+            <a:avLst/>
+          </a:prstGeom>
+          <a:noFill/>
+          <a:ln>
+            <a:solidFill>
+              <a:schemeClr val="tx1"/>
+            </a:solidFill>
+          </a:ln>
+        </p:spPr>
+        <p:style>
+          <a:lnRef idx="2">
+            <a:schemeClr val="accent1">
+              <a:shade val="50000"/>
+            </a:schemeClr>
+          </a:lnRef>
+          <a:fillRef idx="1">
+            <a:schemeClr val="accent1"/>
+          </a:fillRef>
+          <a:effectRef idx="0">
+            <a:schemeClr val="accent1"/>
+          </a:effectRef>
+          <a:fontRef idx="minor">
+            <a:schemeClr val="lt1"/>
+          </a:fontRef>
+        </p:style>
+        <p:txBody>
+          <a:bodyPr rtlCol="0" anchor="ctr"/>
+          <a:lstStyle/>
+          <a:p>
+            <a:pPr algn="ctr"/>
+            <a:r>
+              <a:rPr lang="pt-BR" dirty="0">
+                <a:solidFill>
+                  <a:sysClr val="windowText" lastClr="000000"/>
+                </a:solidFill>
+              </a:rPr>
+              <a:t>2</a:t>
+            </a:r>
+          </a:p>
+        </p:txBody>
+      </p:sp>
+      <p:sp>
+        <p:nvSpPr>
+          <p:cNvPr id="60" name="Elipse 59"/>
+          <p:cNvSpPr/>
+          <p:nvPr/>
+        </p:nvSpPr>
+        <p:spPr>
+          <a:xfrm>
+            <a:off x="17047812" y="8098650"/>
+            <a:ext cx="341549" cy="341549"/>
+          </a:xfrm>
+          <a:prstGeom prst="ellipse">
+            <a:avLst/>
+          </a:prstGeom>
+          <a:noFill/>
+          <a:ln>
+            <a:solidFill>
+              <a:schemeClr val="tx1"/>
+            </a:solidFill>
+          </a:ln>
+        </p:spPr>
+        <p:style>
+          <a:lnRef idx="2">
+            <a:schemeClr val="accent1">
+              <a:shade val="50000"/>
+            </a:schemeClr>
+          </a:lnRef>
+          <a:fillRef idx="1">
+            <a:schemeClr val="accent1"/>
+          </a:fillRef>
+          <a:effectRef idx="0">
+            <a:schemeClr val="accent1"/>
+          </a:effectRef>
+          <a:fontRef idx="minor">
+            <a:schemeClr val="lt1"/>
+          </a:fontRef>
+        </p:style>
+        <p:txBody>
+          <a:bodyPr rtlCol="0" anchor="ctr"/>
+          <a:lstStyle/>
+          <a:p>
+            <a:pPr algn="ctr"/>
+            <a:r>
+              <a:rPr lang="pt-BR" dirty="0">
+                <a:solidFill>
+                  <a:sysClr val="windowText" lastClr="000000"/>
+                </a:solidFill>
+              </a:rPr>
+              <a:t>2</a:t>
+            </a:r>
+          </a:p>
+        </p:txBody>
+      </p:sp>
+      <p:sp>
+        <p:nvSpPr>
+          <p:cNvPr id="61" name="Retângulo 60"/>
+          <p:cNvSpPr/>
+          <p:nvPr/>
+        </p:nvSpPr>
+        <p:spPr>
+          <a:xfrm>
+            <a:off x="11150265" y="5741548"/>
+            <a:ext cx="1407646" cy="662448"/>
+          </a:xfrm>
+          <a:prstGeom prst="rect">
+            <a:avLst/>
+          </a:prstGeom>
+          <a:noFill/>
+          <a:ln w="38100">
+            <a:solidFill>
+              <a:schemeClr val="tx1"/>
+            </a:solidFill>
+          </a:ln>
+        </p:spPr>
+        <p:style>
+          <a:lnRef idx="2">
+            <a:schemeClr val="accent1">
+              <a:shade val="50000"/>
+            </a:schemeClr>
+          </a:lnRef>
+          <a:fillRef idx="1">
+            <a:schemeClr val="accent1"/>
+          </a:fillRef>
+          <a:effectRef idx="0">
+            <a:schemeClr val="accent1"/>
+          </a:effectRef>
+          <a:fontRef idx="minor">
+            <a:schemeClr val="lt1"/>
+          </a:fontRef>
+        </p:style>
+        <p:txBody>
+          <a:bodyPr rtlCol="0" anchor="ctr"/>
+          <a:lstStyle/>
+          <a:p>
+            <a:pPr algn="ctr"/>
+            <a:endParaRPr lang="pt-BR">
+              <a:noFill/>
+            </a:endParaRPr>
+          </a:p>
+        </p:txBody>
+      </p:sp>
+      <p:cxnSp>
+        <p:nvCxnSpPr>
+          <p:cNvPr id="62" name="Conector reto 61"/>
+          <p:cNvCxnSpPr/>
+          <p:nvPr/>
+        </p:nvCxnSpPr>
+        <p:spPr>
+          <a:xfrm>
+            <a:off x="11280514" y="5865672"/>
+            <a:ext cx="0" cy="482799"/>
+          </a:xfrm>
+          <a:prstGeom prst="line">
+            <a:avLst/>
+          </a:prstGeom>
+          <a:ln w="19050">
+            <a:solidFill>
+              <a:schemeClr val="tx1"/>
+            </a:solidFill>
+          </a:ln>
+        </p:spPr>
+        <p:style>
+          <a:lnRef idx="1">
+            <a:schemeClr val="accent1"/>
+          </a:lnRef>
+          <a:fillRef idx="0">
+            <a:schemeClr val="accent1"/>
+          </a:fillRef>
+          <a:effectRef idx="0">
+            <a:schemeClr val="accent1"/>
+          </a:effectRef>
+          <a:fontRef idx="minor">
+            <a:schemeClr val="tx1"/>
+          </a:fontRef>
+        </p:style>
+      </p:cxnSp>
+      <p:cxnSp>
+        <p:nvCxnSpPr>
+          <p:cNvPr id="63" name="Conector reto 62"/>
+          <p:cNvCxnSpPr/>
+          <p:nvPr/>
+        </p:nvCxnSpPr>
+        <p:spPr>
+          <a:xfrm>
+            <a:off x="11215684" y="6288578"/>
+            <a:ext cx="1075778" cy="0"/>
+          </a:xfrm>
+          <a:prstGeom prst="line">
+            <a:avLst/>
+          </a:prstGeom>
+          <a:ln w="19050">
+            <a:solidFill>
+              <a:schemeClr val="tx1"/>
+            </a:solidFill>
+          </a:ln>
+        </p:spPr>
+        <p:style>
+          <a:lnRef idx="1">
+            <a:schemeClr val="accent1"/>
+          </a:lnRef>
+          <a:fillRef idx="0">
+            <a:schemeClr val="accent1"/>
+          </a:fillRef>
+          <a:effectRef idx="0">
+            <a:schemeClr val="accent1"/>
+          </a:effectRef>
+          <a:fontRef idx="minor">
+            <a:schemeClr val="tx1"/>
+          </a:fontRef>
+        </p:style>
+      </p:cxnSp>
+      <p:cxnSp>
+        <p:nvCxnSpPr>
+          <p:cNvPr id="64" name="Conector reto 63"/>
+          <p:cNvCxnSpPr/>
+          <p:nvPr/>
+        </p:nvCxnSpPr>
+        <p:spPr>
+          <a:xfrm>
+            <a:off x="11273392" y="5971188"/>
+            <a:ext cx="545431" cy="0"/>
+          </a:xfrm>
+          <a:prstGeom prst="line">
+            <a:avLst/>
+          </a:prstGeom>
+          <a:ln w="12700">
+            <a:solidFill>
+              <a:schemeClr val="tx1"/>
+            </a:solidFill>
+          </a:ln>
+        </p:spPr>
+        <p:style>
+          <a:lnRef idx="1">
+            <a:schemeClr val="accent1"/>
+          </a:lnRef>
+          <a:fillRef idx="0">
+            <a:schemeClr val="accent1"/>
+          </a:fillRef>
+          <a:effectRef idx="0">
+            <a:schemeClr val="accent1"/>
+          </a:effectRef>
+          <a:fontRef idx="minor">
+            <a:schemeClr val="tx1"/>
+          </a:fontRef>
+        </p:style>
+      </p:cxnSp>
+      <p:cxnSp>
+        <p:nvCxnSpPr>
+          <p:cNvPr id="65" name="Conector reto 64"/>
+          <p:cNvCxnSpPr/>
+          <p:nvPr/>
+        </p:nvCxnSpPr>
+        <p:spPr>
+          <a:xfrm>
+            <a:off x="11818824" y="5971188"/>
+            <a:ext cx="281233" cy="317391"/>
+          </a:xfrm>
+          <a:prstGeom prst="line">
+            <a:avLst/>
+          </a:prstGeom>
+          <a:ln w="12700">
+            <a:solidFill>
+              <a:schemeClr val="tx1"/>
+            </a:solidFill>
+          </a:ln>
+        </p:spPr>
+        <p:style>
+          <a:lnRef idx="1">
+            <a:schemeClr val="accent1"/>
+          </a:lnRef>
+          <a:fillRef idx="0">
+            <a:schemeClr val="accent1"/>
+          </a:fillRef>
+          <a:effectRef idx="0">
+            <a:schemeClr val="accent1"/>
+          </a:effectRef>
+          <a:fontRef idx="minor">
+            <a:schemeClr val="tx1"/>
+          </a:fontRef>
+        </p:style>
+      </p:cxnSp>
+      <mc:AlternateContent xmlns:mc="http://schemas.openxmlformats.org/markup-compatibility/2006" xmlns:a14="http://schemas.microsoft.com/office/drawing/2010/main">
+        <mc:Choice Requires="a14">
+          <p:sp>
+            <p:nvSpPr>
+              <p:cNvPr id="66" name="CaixaDeTexto 65"/>
+              <p:cNvSpPr txBox="1"/>
+              <p:nvPr/>
+            </p:nvSpPr>
+            <p:spPr>
+              <a:xfrm>
+                <a:off x="13534743" y="5481964"/>
+                <a:ext cx="1875450" cy="523220"/>
+              </a:xfrm>
+              <a:prstGeom prst="rect">
+                <a:avLst/>
+              </a:prstGeom>
+              <a:noFill/>
+            </p:spPr>
+            <p:txBody>
+              <a:bodyPr wrap="none" rtlCol="0">
+                <a:spAutoFit/>
+              </a:bodyPr>
+              <a:lstStyle/>
+              <a:p>
+                <a:pPr/>
+                <a14:m>
+                  <m:oMathPara xmlns:m="http://schemas.openxmlformats.org/officeDocument/2006/math">
+                    <m:oMathParaPr>
+                      <m:jc m:val="centerGroup"/>
+                    </m:oMathParaPr>
+                    <m:oMath xmlns:m="http://schemas.openxmlformats.org/officeDocument/2006/math">
+                      <m:r>
+                        <a:rPr lang="pt-BR" sz="2800" b="0" i="1" smtClean="0">
+                          <a:latin typeface="Cambria Math"/>
+                        </a:rPr>
+                        <m:t>−</m:t>
+                      </m:r>
+                      <m:acc>
+                        <m:accPr>
+                          <m:chr m:val="̃"/>
+                          <m:ctrlPr>
+                            <a:rPr lang="pt-BR" sz="2800" b="0" i="1" smtClean="0">
+                              <a:latin typeface="Cambria Math" panose="02040503050406030204" pitchFamily="18" charset="0"/>
+                            </a:rPr>
+                          </m:ctrlPr>
+                        </m:accPr>
+                        <m:e>
+                          <m:r>
+                            <a:rPr lang="pt-BR" sz="2800" b="0" i="1" smtClean="0">
+                              <a:latin typeface="Cambria Math"/>
+                            </a:rPr>
+                            <m:t>𝑝</m:t>
+                          </m:r>
+                        </m:e>
+                      </m:acc>
+                      <m:r>
+                        <a:rPr lang="pt-BR" sz="2800" b="0" i="1" smtClean="0">
+                          <a:latin typeface="Cambria Math" panose="02040503050406030204" pitchFamily="18" charset="0"/>
+                        </a:rPr>
+                        <m:t>+</m:t>
+                      </m:r>
+                      <m:sSub>
+                        <m:sSubPr>
+                          <m:ctrlPr>
+                            <a:rPr lang="pt-BR" sz="2800" b="0" i="1" smtClean="0">
+                              <a:latin typeface="Cambria Math" panose="02040503050406030204" pitchFamily="18" charset="0"/>
+                            </a:rPr>
+                          </m:ctrlPr>
+                        </m:sSubPr>
+                        <m:e>
+                          <m:r>
+                            <a:rPr lang="pt-BR" sz="2800" b="0" i="1" smtClean="0">
+                              <a:latin typeface="Cambria Math" panose="02040503050406030204" pitchFamily="18" charset="0"/>
+                            </a:rPr>
+                            <m:t>𝑝</m:t>
+                          </m:r>
+                        </m:e>
+                        <m:sub>
+                          <m:r>
+                            <a:rPr lang="pt-BR" sz="2800" b="0" i="1" smtClean="0">
+                              <a:latin typeface="Cambria Math" panose="02040503050406030204" pitchFamily="18" charset="0"/>
+                            </a:rPr>
+                            <m:t>𝑙𝑜𝑠𝑠</m:t>
+                          </m:r>
+                        </m:sub>
+                      </m:sSub>
+                    </m:oMath>
+                  </m:oMathPara>
+                </a14:m>
+                <a:endParaRPr lang="pt-BR" sz="2800" dirty="0"/>
+              </a:p>
+            </p:txBody>
+          </p:sp>
+        </mc:Choice>
+        <mc:Fallback xmlns="">
+          <p:sp>
+            <p:nvSpPr>
+              <p:cNvPr id="66" name="CaixaDeTexto 65"/>
+              <p:cNvSpPr txBox="1">
+                <a:spLocks noRot="1" noChangeAspect="1" noMove="1" noResize="1" noEditPoints="1" noAdjustHandles="1" noChangeArrowheads="1" noChangeShapeType="1" noTextEdit="1"/>
+              </p:cNvSpPr>
+              <p:nvPr/>
+            </p:nvSpPr>
+            <p:spPr>
+              <a:xfrm>
+                <a:off x="13534743" y="5481964"/>
+                <a:ext cx="1875450" cy="523220"/>
+              </a:xfrm>
+              <a:prstGeom prst="rect">
+                <a:avLst/>
+              </a:prstGeom>
+              <a:blipFill>
+                <a:blip r:embed="rId24"/>
+                <a:stretch>
+                  <a:fillRect/>
+                </a:stretch>
+              </a:blipFill>
+            </p:spPr>
+            <p:txBody>
+              <a:bodyPr/>
+              <a:lstStyle/>
+              <a:p>
+                <a:r>
+                  <a:rPr lang="pt-BR">
+                    <a:noFill/>
+                  </a:rPr>
+                  <a:t> </a:t>
+                </a:r>
+              </a:p>
+            </p:txBody>
+          </p:sp>
+        </mc:Fallback>
+      </mc:AlternateContent>
+      <mc:AlternateContent xmlns:mc="http://schemas.openxmlformats.org/markup-compatibility/2006">
+        <mc:Choice xmlns:a14="http://schemas.microsoft.com/office/drawing/2010/main" Requires="a14">
+          <p:sp>
+            <p:nvSpPr>
+              <p:cNvPr id="67" name="CaixaDeTexto 66"/>
+              <p:cNvSpPr txBox="1"/>
+              <p:nvPr/>
+            </p:nvSpPr>
+            <p:spPr>
+              <a:xfrm>
+                <a:off x="10493736" y="6635523"/>
+                <a:ext cx="471283" cy="523220"/>
+              </a:xfrm>
+              <a:prstGeom prst="rect">
+                <a:avLst/>
+              </a:prstGeom>
+              <a:noFill/>
+            </p:spPr>
+            <p:txBody>
+              <a:bodyPr wrap="none" rtlCol="0">
+                <a:spAutoFit/>
+              </a:bodyPr>
+              <a:lstStyle/>
+              <a:p>
+                <a:pPr/>
+                <a14:m>
+                  <m:oMathPara xmlns:m="http://schemas.openxmlformats.org/officeDocument/2006/math">
+                    <m:oMathParaPr>
+                      <m:jc m:val="centerGroup"/>
+                    </m:oMathParaPr>
+                    <m:oMath xmlns:m="http://schemas.openxmlformats.org/officeDocument/2006/math">
+                      <m:r>
+                        <a:rPr lang="pt-BR" sz="2800" b="0" i="1" smtClean="0">
+                          <a:latin typeface="Cambria Math"/>
+                        </a:rPr>
+                        <m:t>𝑞</m:t>
+                      </m:r>
+                    </m:oMath>
+                  </m:oMathPara>
+                </a14:m>
+                <a:endParaRPr lang="pt-BR" sz="2800" dirty="0"/>
+              </a:p>
+            </p:txBody>
+          </p:sp>
+        </mc:Choice>
+        <mc:Fallback>
+          <p:sp>
+            <p:nvSpPr>
+              <p:cNvPr id="67" name="CaixaDeTexto 66"/>
+              <p:cNvSpPr txBox="1">
+                <a:spLocks noRot="1" noChangeAspect="1" noMove="1" noResize="1" noEditPoints="1" noAdjustHandles="1" noChangeArrowheads="1" noChangeShapeType="1" noTextEdit="1"/>
+              </p:cNvSpPr>
+              <p:nvPr/>
+            </p:nvSpPr>
+            <p:spPr>
+              <a:xfrm>
+                <a:off x="10493736" y="6635523"/>
+                <a:ext cx="471283" cy="523220"/>
+              </a:xfrm>
+              <a:prstGeom prst="rect">
+                <a:avLst/>
+              </a:prstGeom>
+              <a:blipFill>
+                <a:blip r:embed="rId25"/>
+                <a:stretch>
+                  <a:fillRect/>
+                </a:stretch>
+              </a:blipFill>
+            </p:spPr>
+            <p:txBody>
+              <a:bodyPr/>
+              <a:lstStyle/>
+              <a:p>
+                <a:r>
+                  <a:rPr lang="pt-BR">
+                    <a:noFill/>
+                  </a:rPr>
+                  <a:t> </a:t>
+                </a:r>
+              </a:p>
+            </p:txBody>
+          </p:sp>
+        </mc:Fallback>
+      </mc:AlternateContent>
+      <p:sp>
+        <p:nvSpPr>
+          <p:cNvPr id="68" name="CaixaDeTexto 67"/>
+          <p:cNvSpPr txBox="1"/>
+          <p:nvPr/>
+        </p:nvSpPr>
+        <p:spPr>
+          <a:xfrm>
+            <a:off x="11859971" y="5773156"/>
+            <a:ext cx="682496" cy="324447"/>
+          </a:xfrm>
+          <a:prstGeom prst="rect">
+            <a:avLst/>
+          </a:prstGeom>
+          <a:noFill/>
+        </p:spPr>
+        <p:txBody>
+          <a:bodyPr wrap="square" rtlCol="0">
+            <a:spAutoFit/>
+          </a:bodyPr>
+          <a:lstStyle/>
+          <a:p>
+            <a:pPr algn="ctr"/>
+            <a:r>
+              <a:rPr lang="pt-BR" sz="1400" dirty="0">
+                <a:latin typeface="Arial" pitchFamily="34" charset="0"/>
+                <a:cs typeface="Arial" pitchFamily="34" charset="0"/>
+              </a:rPr>
+              <a:t>FPB</a:t>
+            </a:r>
+          </a:p>
+        </p:txBody>
+      </p:sp>
+      <p:sp>
+        <p:nvSpPr>
+          <p:cNvPr id="69" name="Triângulo isósceles 68"/>
+          <p:cNvSpPr/>
+          <p:nvPr/>
+        </p:nvSpPr>
+        <p:spPr>
+          <a:xfrm rot="5400000">
+            <a:off x="11654640" y="6766043"/>
+            <a:ext cx="510826" cy="730474"/>
+          </a:xfrm>
+          <a:prstGeom prst="triangle">
+            <a:avLst/>
+          </a:prstGeom>
+          <a:noFill/>
+          <a:ln w="38100">
+            <a:solidFill>
+              <a:schemeClr val="tx1"/>
+            </a:solidFill>
+          </a:ln>
+        </p:spPr>
+        <p:style>
+          <a:lnRef idx="2">
+            <a:schemeClr val="accent1">
+              <a:shade val="50000"/>
+            </a:schemeClr>
+          </a:lnRef>
+          <a:fillRef idx="1">
+            <a:schemeClr val="accent1"/>
+          </a:fillRef>
+          <a:effectRef idx="0">
+            <a:schemeClr val="accent1"/>
+          </a:effectRef>
+          <a:fontRef idx="minor">
+            <a:schemeClr val="lt1"/>
+          </a:fontRef>
+        </p:style>
+        <p:txBody>
+          <a:bodyPr rtlCol="0" anchor="ctr"/>
+          <a:lstStyle/>
+          <a:p>
+            <a:pPr algn="ctr"/>
+            <a:endParaRPr lang="pt-BR">
+              <a:noFill/>
+            </a:endParaRPr>
+          </a:p>
+        </p:txBody>
+      </p:sp>
+      <mc:AlternateContent xmlns:mc="http://schemas.openxmlformats.org/markup-compatibility/2006" xmlns:a14="http://schemas.microsoft.com/office/drawing/2010/main">
+        <mc:Choice Requires="a14">
+          <p:sp>
+            <p:nvSpPr>
+              <p:cNvPr id="70" name="CaixaDeTexto 69"/>
+              <p:cNvSpPr txBox="1"/>
+              <p:nvPr/>
+            </p:nvSpPr>
+            <p:spPr>
+              <a:xfrm>
+                <a:off x="11437166" y="6892344"/>
+                <a:ext cx="652743" cy="461665"/>
+              </a:xfrm>
+              <a:prstGeom prst="rect">
+                <a:avLst/>
+              </a:prstGeom>
+              <a:noFill/>
+            </p:spPr>
+            <p:txBody>
+              <a:bodyPr wrap="none" rtlCol="0">
+                <a:spAutoFit/>
+              </a:bodyPr>
+              <a:lstStyle/>
+              <a:p>
+                <a:pPr/>
+                <a14:m>
+                  <m:oMathPara xmlns:m="http://schemas.openxmlformats.org/officeDocument/2006/math">
+                    <m:oMathParaPr>
+                      <m:jc m:val="centerGroup"/>
+                    </m:oMathParaPr>
+                    <m:oMath xmlns:m="http://schemas.openxmlformats.org/officeDocument/2006/math">
+                      <m:r>
+                        <a:rPr lang="pt-BR" sz="2400" b="0" i="1" smtClean="0">
+                          <a:latin typeface="Cambria Math"/>
+                        </a:rPr>
+                        <m:t>−1</m:t>
+                      </m:r>
+                    </m:oMath>
+                  </m:oMathPara>
+                </a14:m>
+                <a:endParaRPr lang="pt-BR" dirty="0"/>
+              </a:p>
+            </p:txBody>
+          </p:sp>
+        </mc:Choice>
+        <mc:Fallback xmlns="">
+          <p:sp>
+            <p:nvSpPr>
+              <p:cNvPr id="70" name="CaixaDeTexto 69"/>
+              <p:cNvSpPr txBox="1">
+                <a:spLocks noRot="1" noChangeAspect="1" noMove="1" noResize="1" noEditPoints="1" noAdjustHandles="1" noChangeArrowheads="1" noChangeShapeType="1" noTextEdit="1"/>
+              </p:cNvSpPr>
+              <p:nvPr/>
+            </p:nvSpPr>
+            <p:spPr>
+              <a:xfrm>
+                <a:off x="11437166" y="6892344"/>
+                <a:ext cx="652743" cy="461665"/>
+              </a:xfrm>
+              <a:prstGeom prst="rect">
+                <a:avLst/>
+              </a:prstGeom>
+              <a:blipFill>
+                <a:blip r:embed="rId26"/>
+                <a:stretch>
+                  <a:fillRect/>
+                </a:stretch>
+              </a:blipFill>
+            </p:spPr>
+            <p:txBody>
+              <a:bodyPr/>
+              <a:lstStyle/>
+              <a:p>
+                <a:r>
+                  <a:rPr lang="pt-BR">
+                    <a:noFill/>
+                  </a:rPr>
+                  <a:t> </a:t>
+                </a:r>
+              </a:p>
+            </p:txBody>
+          </p:sp>
+        </mc:Fallback>
+      </mc:AlternateContent>
+      <p:pic>
+        <p:nvPicPr>
+          <p:cNvPr id="72" name="Picture 2"/>
+          <p:cNvPicPr>
+            <a:picLocks noChangeAspect="1" noChangeArrowheads="1"/>
+          </p:cNvPicPr>
+          <p:nvPr/>
+        </p:nvPicPr>
+        <p:blipFill>
+          <a:blip r:embed="rId27" cstate="print">
+            <a:extLst>
+              <a:ext uri="{28A0092B-C50C-407E-A947-70E740481C1C}">
+                <a14:useLocalDpi xmlns:a14="http://schemas.microsoft.com/office/drawing/2010/main" val="0"/>
+              </a:ext>
+            </a:extLst>
+          </a:blip>
+          <a:srcRect/>
+          <a:stretch>
+            <a:fillRect/>
+          </a:stretch>
+        </p:blipFill>
+        <p:spPr bwMode="auto">
+          <a:xfrm>
+            <a:off x="15499105" y="6173270"/>
+            <a:ext cx="3276000" cy="638902"/>
+          </a:xfrm>
+          <a:prstGeom prst="rect">
+            <a:avLst/>
+          </a:prstGeom>
+          <a:noFill/>
+          <a:ln>
+            <a:noFill/>
+          </a:ln>
+          <a:effectLst/>
+          <a:extLst>
+            <a:ext uri="{909E8E84-426E-40DD-AFC4-6F175D3DCCD1}">
+              <a14:hiddenFill xmlns:a14="http://schemas.microsoft.com/office/drawing/2010/main">
+                <a:solidFill>
+                  <a:schemeClr val="accent1"/>
+                </a:solidFill>
+              </a14:hiddenFill>
+            </a:ext>
+            <a:ext uri="{91240B29-F687-4F45-9708-019B960494DF}">
+              <a14:hiddenLine xmlns:a14="http://schemas.microsoft.com/office/drawing/2010/main" w="9525">
+                <a:solidFill>
+                  <a:schemeClr val="tx1"/>
+                </a:solidFill>
+                <a:miter lim="800000"/>
+                <a:headEnd/>
+                <a:tailEnd/>
+              </a14:hiddenLine>
+            </a:ext>
+            <a:ext uri="{AF507438-7753-43E0-B8FC-AC1667EBCBE1}">
+              <a14:hiddenEffects xmlns:a14="http://schemas.microsoft.com/office/drawing/2010/main">
+                <a:effectLst>
+                  <a:outerShdw dist="35921" dir="2700000" algn="ctr" rotWithShape="0">
+                    <a:schemeClr val="bg2"/>
+                  </a:outerShdw>
+                </a:effectLst>
+              </a14:hiddenEffects>
+            </a:ext>
+          </a:extLst>
+        </p:spPr>
+      </p:pic>
+      <mc:AlternateContent xmlns:mc="http://schemas.openxmlformats.org/markup-compatibility/2006" xmlns:a14="http://schemas.microsoft.com/office/drawing/2010/main">
+        <mc:Choice Requires="a14">
+          <p:sp>
+            <p:nvSpPr>
+              <p:cNvPr id="84" name="CaixaDeTexto 86"/>
+              <p:cNvSpPr txBox="1"/>
+              <p:nvPr/>
+            </p:nvSpPr>
+            <p:spPr>
+              <a:xfrm>
+                <a:off x="12631942" y="5481964"/>
+                <a:ext cx="471155" cy="523220"/>
+              </a:xfrm>
+              <a:prstGeom prst="rect">
+                <a:avLst/>
+              </a:prstGeom>
+              <a:noFill/>
+            </p:spPr>
+            <p:txBody>
+              <a:bodyPr wrap="none" rtlCol="0">
+                <a:spAutoFit/>
+              </a:bodyPr>
+              <a:lstStyle/>
+              <a:p>
+                <a:pPr/>
+                <a14:m>
+                  <m:oMathPara xmlns:m="http://schemas.openxmlformats.org/officeDocument/2006/math">
+                    <m:oMathParaPr>
+                      <m:jc m:val="centerGroup"/>
+                    </m:oMathParaPr>
+                    <m:oMath xmlns:m="http://schemas.openxmlformats.org/officeDocument/2006/math">
+                      <m:bar>
+                        <m:barPr>
+                          <m:pos m:val="top"/>
+                          <m:ctrlPr>
+                            <a:rPr lang="pt-BR" sz="2800" b="0" i="1" smtClean="0">
+                              <a:latin typeface="Cambria Math" panose="02040503050406030204" pitchFamily="18" charset="0"/>
+                            </a:rPr>
+                          </m:ctrlPr>
+                        </m:barPr>
+                        <m:e>
+                          <m:r>
+                            <a:rPr lang="pt-BR" sz="2800" b="0" i="1" smtClean="0">
+                              <a:latin typeface="Cambria Math" panose="02040503050406030204" pitchFamily="18" charset="0"/>
+                            </a:rPr>
+                            <m:t>𝑝</m:t>
+                          </m:r>
+                        </m:e>
+                      </m:bar>
+                    </m:oMath>
+                  </m:oMathPara>
+                </a14:m>
+                <a:endParaRPr lang="pt-BR" dirty="0"/>
+              </a:p>
+            </p:txBody>
+          </p:sp>
+        </mc:Choice>
+        <mc:Fallback xmlns="">
+          <p:sp>
+            <p:nvSpPr>
+              <p:cNvPr id="84" name="CaixaDeTexto 86"/>
+              <p:cNvSpPr txBox="1">
+                <a:spLocks noRot="1" noChangeAspect="1" noMove="1" noResize="1" noEditPoints="1" noAdjustHandles="1" noChangeArrowheads="1" noChangeShapeType="1" noTextEdit="1"/>
+              </p:cNvSpPr>
+              <p:nvPr/>
+            </p:nvSpPr>
+            <p:spPr>
+              <a:xfrm>
+                <a:off x="12631942" y="5481964"/>
+                <a:ext cx="471155" cy="523220"/>
+              </a:xfrm>
+              <a:prstGeom prst="rect">
+                <a:avLst/>
+              </a:prstGeom>
+              <a:blipFill>
+                <a:blip r:embed="rId28"/>
+                <a:stretch>
+                  <a:fillRect/>
+                </a:stretch>
+              </a:blipFill>
+            </p:spPr>
+            <p:txBody>
+              <a:bodyPr/>
+              <a:lstStyle/>
+              <a:p>
+                <a:r>
+                  <a:rPr lang="pt-BR">
+                    <a:noFill/>
+                  </a:rPr>
+                  <a:t> </a:t>
+                </a:r>
+              </a:p>
+            </p:txBody>
+          </p:sp>
+        </mc:Fallback>
+      </mc:AlternateContent>
+      <p:sp>
+        <p:nvSpPr>
+          <p:cNvPr id="88" name="Elipse 101"/>
+          <p:cNvSpPr/>
+          <p:nvPr/>
+        </p:nvSpPr>
+        <p:spPr>
+          <a:xfrm>
+            <a:off x="10642845" y="6047641"/>
+            <a:ext cx="75900" cy="74262"/>
+          </a:xfrm>
+          <a:prstGeom prst="ellipse">
+            <a:avLst/>
+          </a:prstGeom>
+          <a:solidFill>
+            <a:schemeClr val="tx1"/>
+          </a:solidFill>
+          <a:ln w="38100">
+            <a:solidFill>
+              <a:schemeClr val="tx1"/>
+            </a:solidFill>
+          </a:ln>
+        </p:spPr>
+        <p:style>
+          <a:lnRef idx="2">
+            <a:schemeClr val="accent1">
+              <a:shade val="50000"/>
+            </a:schemeClr>
+          </a:lnRef>
+          <a:fillRef idx="1">
+            <a:schemeClr val="accent1"/>
+          </a:fillRef>
+          <a:effectRef idx="0">
+            <a:schemeClr val="accent1"/>
+          </a:effectRef>
+          <a:fontRef idx="minor">
+            <a:schemeClr val="lt1"/>
+          </a:fontRef>
+        </p:style>
+        <p:txBody>
+          <a:bodyPr rtlCol="0" anchor="ctr"/>
+          <a:lstStyle/>
+          <a:p>
+            <a:pPr algn="ctr"/>
+            <a:endParaRPr lang="pt-BR">
+              <a:noFill/>
+            </a:endParaRPr>
+          </a:p>
+        </p:txBody>
+      </p:sp>
+      <p:sp>
+        <p:nvSpPr>
+          <p:cNvPr id="97" name="Retângulo 96"/>
+          <p:cNvSpPr/>
+          <p:nvPr/>
+        </p:nvSpPr>
+        <p:spPr>
+          <a:xfrm>
+            <a:off x="4808818" y="2345193"/>
+            <a:ext cx="1710000" cy="1710000"/>
+          </a:xfrm>
+          <a:prstGeom prst="rect">
+            <a:avLst/>
+          </a:prstGeom>
+          <a:noFill/>
+          <a:ln w="38100">
+            <a:solidFill>
+              <a:schemeClr val="tx1"/>
+            </a:solidFill>
+          </a:ln>
+        </p:spPr>
+        <p:style>
+          <a:lnRef idx="2">
+            <a:schemeClr val="accent1">
+              <a:shade val="50000"/>
+            </a:schemeClr>
+          </a:lnRef>
+          <a:fillRef idx="1">
+            <a:schemeClr val="accent1"/>
+          </a:fillRef>
+          <a:effectRef idx="0">
+            <a:schemeClr val="accent1"/>
+          </a:effectRef>
+          <a:fontRef idx="minor">
+            <a:schemeClr val="lt1"/>
+          </a:fontRef>
+        </p:style>
+        <p:txBody>
+          <a:bodyPr rtlCol="0" anchor="ctr"/>
+          <a:lstStyle/>
+          <a:p>
+            <a:pPr algn="ctr"/>
+            <a:r>
+              <a:rPr lang="pt-BR" sz="2400" dirty="0">
+                <a:solidFill>
+                  <a:schemeClr val="tx1"/>
+                </a:solidFill>
+              </a:rPr>
+              <a:t>Controlador PI</a:t>
+            </a:r>
+          </a:p>
+        </p:txBody>
+      </p:sp>
+      <mc:AlternateContent xmlns:mc="http://schemas.openxmlformats.org/markup-compatibility/2006">
+        <mc:Choice xmlns:a14="http://schemas.microsoft.com/office/drawing/2010/main" Requires="a14">
+          <p:sp>
+            <p:nvSpPr>
+              <p:cNvPr id="98" name="CaixaDeTexto 97"/>
+              <p:cNvSpPr txBox="1"/>
+              <p:nvPr/>
+            </p:nvSpPr>
+            <p:spPr>
+              <a:xfrm>
+                <a:off x="4212628" y="-186792"/>
+                <a:ext cx="1159998" cy="608372"/>
+              </a:xfrm>
+              <a:prstGeom prst="rect">
+                <a:avLst/>
+              </a:prstGeom>
+              <a:noFill/>
+            </p:spPr>
+            <p:txBody>
+              <a:bodyPr wrap="none" rtlCol="0">
+                <a:spAutoFit/>
+              </a:bodyPr>
+              <a:lstStyle/>
+              <a:p>
+                <a:pPr/>
+                <a14:m>
+                  <m:oMathPara xmlns:m="http://schemas.openxmlformats.org/officeDocument/2006/math">
+                    <m:oMathParaPr>
+                      <m:jc m:val="centerGroup"/>
+                    </m:oMathParaPr>
+                    <m:oMath xmlns:m="http://schemas.openxmlformats.org/officeDocument/2006/math">
+                      <m:sSub>
+                        <m:sSubPr>
+                          <m:ctrlPr>
+                            <a:rPr lang="pt-BR" sz="2800" b="0" i="1" smtClean="0">
+                              <a:latin typeface="Cambria Math" panose="02040503050406030204" pitchFamily="18" charset="0"/>
+                            </a:rPr>
+                          </m:ctrlPr>
+                        </m:sSubPr>
+                        <m:e>
+                          <m:r>
+                            <a:rPr lang="pt-BR" sz="2800" b="0" i="1" smtClean="0">
+                              <a:latin typeface="Cambria Math"/>
+                            </a:rPr>
+                            <m:t>𝑉</m:t>
+                          </m:r>
+                        </m:e>
+                        <m:sub>
+                          <m:r>
+                            <a:rPr lang="pt-BR" sz="2800" b="0" i="1" smtClean="0">
+                              <a:latin typeface="Cambria Math"/>
+                            </a:rPr>
+                            <m:t>𝑑</m:t>
+                          </m:r>
+                          <m:sSub>
+                            <m:sSubPr>
+                              <m:ctrlPr>
+                                <a:rPr lang="pt-BR" sz="2800" b="0" i="1" smtClean="0">
+                                  <a:latin typeface="Cambria Math" panose="02040503050406030204" pitchFamily="18" charset="0"/>
+                                </a:rPr>
+                              </m:ctrlPr>
+                            </m:sSubPr>
+                            <m:e>
+                              <m:r>
+                                <a:rPr lang="pt-BR" sz="2800" b="0" i="1" smtClean="0">
+                                  <a:latin typeface="Cambria Math"/>
+                                </a:rPr>
+                                <m:t>𝑐</m:t>
+                              </m:r>
+                            </m:e>
+                            <m:sub>
+                              <m:r>
+                                <a:rPr lang="pt-BR" sz="2800" b="0" i="1" smtClean="0">
+                                  <a:latin typeface="Cambria Math"/>
+                                </a:rPr>
+                                <m:t>𝑟𝑒𝑓</m:t>
+                              </m:r>
+                            </m:sub>
+                          </m:sSub>
+                        </m:sub>
+                      </m:sSub>
+                    </m:oMath>
+                  </m:oMathPara>
+                </a14:m>
+                <a:endParaRPr lang="pt-BR" sz="2800" dirty="0"/>
+              </a:p>
+            </p:txBody>
+          </p:sp>
+        </mc:Choice>
+        <mc:Fallback>
+          <p:sp>
+            <p:nvSpPr>
+              <p:cNvPr id="98" name="CaixaDeTexto 97"/>
+              <p:cNvSpPr txBox="1">
+                <a:spLocks noRot="1" noChangeAspect="1" noMove="1" noResize="1" noEditPoints="1" noAdjustHandles="1" noChangeArrowheads="1" noChangeShapeType="1" noTextEdit="1"/>
+              </p:cNvSpPr>
+              <p:nvPr/>
+            </p:nvSpPr>
+            <p:spPr>
+              <a:xfrm>
+                <a:off x="4212628" y="-186792"/>
+                <a:ext cx="1159998" cy="608372"/>
+              </a:xfrm>
+              <a:prstGeom prst="rect">
+                <a:avLst/>
+              </a:prstGeom>
+              <a:blipFill>
+                <a:blip r:embed="rId29"/>
+                <a:stretch>
+                  <a:fillRect/>
+                </a:stretch>
+              </a:blipFill>
+            </p:spPr>
+            <p:txBody>
+              <a:bodyPr/>
+              <a:lstStyle/>
+              <a:p>
+                <a:r>
+                  <a:rPr lang="pt-BR">
+                    <a:noFill/>
+                  </a:rPr>
+                  <a:t> </a:t>
+                </a:r>
+              </a:p>
+            </p:txBody>
+          </p:sp>
+        </mc:Fallback>
+      </mc:AlternateContent>
+      <mc:AlternateContent xmlns:mc="http://schemas.openxmlformats.org/markup-compatibility/2006" xmlns:a14="http://schemas.microsoft.com/office/drawing/2010/main">
+        <mc:Choice Requires="a14">
+          <p:sp>
+            <p:nvSpPr>
+              <p:cNvPr id="99" name="CaixaDeTexto 98"/>
+              <p:cNvSpPr txBox="1"/>
+              <p:nvPr/>
+            </p:nvSpPr>
+            <p:spPr>
+              <a:xfrm>
+                <a:off x="6034061" y="-323251"/>
+                <a:ext cx="767646" cy="523220"/>
+              </a:xfrm>
+              <a:prstGeom prst="rect">
+                <a:avLst/>
+              </a:prstGeom>
+              <a:noFill/>
+            </p:spPr>
+            <p:txBody>
+              <a:bodyPr wrap="none" rtlCol="0">
+                <a:spAutoFit/>
+              </a:bodyPr>
+              <a:lstStyle/>
+              <a:p>
+                <a:pPr/>
+                <a14:m>
+                  <m:oMathPara xmlns:m="http://schemas.openxmlformats.org/officeDocument/2006/math">
+                    <m:oMathParaPr>
+                      <m:jc m:val="centerGroup"/>
+                    </m:oMathParaPr>
+                    <m:oMath xmlns:m="http://schemas.openxmlformats.org/officeDocument/2006/math">
+                      <m:sSub>
+                        <m:sSubPr>
+                          <m:ctrlPr>
+                            <a:rPr lang="pt-BR" sz="2800" b="0" i="1" smtClean="0">
+                              <a:latin typeface="Cambria Math" panose="02040503050406030204" pitchFamily="18" charset="0"/>
+                            </a:rPr>
+                          </m:ctrlPr>
+                        </m:sSubPr>
+                        <m:e>
+                          <m:r>
+                            <a:rPr lang="pt-BR" sz="2800" b="0" i="1" smtClean="0">
+                              <a:latin typeface="Cambria Math"/>
+                            </a:rPr>
+                            <m:t>𝑉</m:t>
+                          </m:r>
+                        </m:e>
+                        <m:sub>
+                          <m:r>
+                            <a:rPr lang="pt-BR" sz="2800" b="0" i="1" smtClean="0">
+                              <a:latin typeface="Cambria Math"/>
+                            </a:rPr>
+                            <m:t>𝑑𝑐</m:t>
+                          </m:r>
+                        </m:sub>
+                      </m:sSub>
+                    </m:oMath>
+                  </m:oMathPara>
+                </a14:m>
+                <a:endParaRPr lang="pt-BR" sz="4000" dirty="0"/>
+              </a:p>
+            </p:txBody>
+          </p:sp>
+        </mc:Choice>
+        <mc:Fallback xmlns="">
+          <p:sp>
+            <p:nvSpPr>
+              <p:cNvPr id="99" name="CaixaDeTexto 98"/>
+              <p:cNvSpPr txBox="1">
+                <a:spLocks noRot="1" noChangeAspect="1" noMove="1" noResize="1" noEditPoints="1" noAdjustHandles="1" noChangeArrowheads="1" noChangeShapeType="1" noTextEdit="1"/>
+              </p:cNvSpPr>
+              <p:nvPr/>
+            </p:nvSpPr>
+            <p:spPr>
+              <a:xfrm>
+                <a:off x="6034061" y="-323251"/>
+                <a:ext cx="767646" cy="523220"/>
+              </a:xfrm>
+              <a:prstGeom prst="rect">
+                <a:avLst/>
+              </a:prstGeom>
+              <a:blipFill>
+                <a:blip r:embed="rId30"/>
+                <a:stretch>
+                  <a:fillRect/>
+                </a:stretch>
+              </a:blipFill>
+            </p:spPr>
+            <p:txBody>
+              <a:bodyPr/>
+              <a:lstStyle/>
+              <a:p>
+                <a:r>
+                  <a:rPr lang="pt-BR">
+                    <a:noFill/>
+                  </a:rPr>
+                  <a:t> </a:t>
+                </a:r>
+              </a:p>
+            </p:txBody>
+          </p:sp>
+        </mc:Fallback>
+      </mc:AlternateContent>
+      <p:sp>
+        <p:nvSpPr>
+          <p:cNvPr id="124" name="CaixaDeTexto 85"/>
+          <p:cNvSpPr txBox="1"/>
+          <p:nvPr/>
+        </p:nvSpPr>
+        <p:spPr>
+          <a:xfrm>
+            <a:off x="13321205" y="5908285"/>
+            <a:ext cx="296271" cy="584775"/>
+          </a:xfrm>
+          <a:prstGeom prst="rect">
+            <a:avLst/>
+          </a:prstGeom>
+          <a:noFill/>
+        </p:spPr>
+        <p:txBody>
+          <a:bodyPr wrap="square" rtlCol="0">
+            <a:spAutoFit/>
+          </a:bodyPr>
+          <a:lstStyle/>
+          <a:p>
+            <a:pPr algn="ctr"/>
+            <a:r>
+              <a:rPr lang="pt-BR" sz="3200" dirty="0">
+                <a:latin typeface="Arial" pitchFamily="34" charset="0"/>
+                <a:cs typeface="Arial" pitchFamily="34" charset="0"/>
+              </a:rPr>
+              <a:t>-</a:t>
+            </a:r>
+            <a:endParaRPr lang="pt-BR" sz="2800" dirty="0">
+              <a:latin typeface="Arial" pitchFamily="34" charset="0"/>
+              <a:cs typeface="Arial" pitchFamily="34" charset="0"/>
+            </a:endParaRPr>
+          </a:p>
+        </p:txBody>
+      </p:sp>
+      <p:sp>
+        <p:nvSpPr>
+          <p:cNvPr id="125" name="CaixaDeTexto 85"/>
+          <p:cNvSpPr txBox="1"/>
+          <p:nvPr/>
+        </p:nvSpPr>
+        <p:spPr>
+          <a:xfrm>
+            <a:off x="13185853" y="5811193"/>
+            <a:ext cx="296271" cy="523220"/>
+          </a:xfrm>
+          <a:prstGeom prst="rect">
+            <a:avLst/>
+          </a:prstGeom>
+          <a:noFill/>
+        </p:spPr>
+        <p:txBody>
+          <a:bodyPr wrap="square" rtlCol="0">
+            <a:spAutoFit/>
+          </a:bodyPr>
+          <a:lstStyle/>
+          <a:p>
+            <a:pPr algn="ctr"/>
+            <a:r>
+              <a:rPr lang="pt-BR" sz="2800" dirty="0">
+                <a:latin typeface="Arial" pitchFamily="34" charset="0"/>
+                <a:cs typeface="Arial" pitchFamily="34" charset="0"/>
+              </a:rPr>
+              <a:t>+</a:t>
+            </a:r>
+            <a:endParaRPr lang="pt-BR" sz="2400" dirty="0">
+              <a:latin typeface="Arial" pitchFamily="34" charset="0"/>
+              <a:cs typeface="Arial" pitchFamily="34" charset="0"/>
+            </a:endParaRPr>
+          </a:p>
+        </p:txBody>
+      </p:sp>
+      <p:sp>
+        <p:nvSpPr>
+          <p:cNvPr id="126" name="CaixaDeTexto 85"/>
+          <p:cNvSpPr txBox="1"/>
+          <p:nvPr/>
+        </p:nvSpPr>
+        <p:spPr>
+          <a:xfrm>
+            <a:off x="13328036" y="5638274"/>
+            <a:ext cx="296271" cy="584775"/>
+          </a:xfrm>
+          <a:prstGeom prst="rect">
+            <a:avLst/>
+          </a:prstGeom>
+          <a:noFill/>
+        </p:spPr>
+        <p:txBody>
+          <a:bodyPr wrap="square" rtlCol="0">
+            <a:spAutoFit/>
+          </a:bodyPr>
+          <a:lstStyle/>
+          <a:p>
+            <a:pPr algn="ctr"/>
+            <a:r>
+              <a:rPr lang="pt-BR" sz="3200" dirty="0">
+                <a:latin typeface="Arial" pitchFamily="34" charset="0"/>
+                <a:cs typeface="Arial" pitchFamily="34" charset="0"/>
+              </a:rPr>
+              <a:t>+</a:t>
+            </a:r>
+            <a:endParaRPr lang="pt-BR" sz="2800" dirty="0">
+              <a:latin typeface="Arial" pitchFamily="34" charset="0"/>
+              <a:cs typeface="Arial" pitchFamily="34" charset="0"/>
+            </a:endParaRPr>
+          </a:p>
+        </p:txBody>
+      </p:sp>
+      <p:cxnSp>
+        <p:nvCxnSpPr>
+          <p:cNvPr id="127" name="Conector de seta reta 22"/>
+          <p:cNvCxnSpPr>
+            <a:stCxn id="61" idx="3"/>
+            <a:endCxn id="125" idx="1"/>
+          </p:cNvCxnSpPr>
+          <p:nvPr/>
+        </p:nvCxnSpPr>
+        <p:spPr>
+          <a:xfrm>
+            <a:off x="12557911" y="6072772"/>
+            <a:ext cx="627942" cy="31"/>
+          </a:xfrm>
+          <a:prstGeom prst="straightConnector1">
+            <a:avLst/>
+          </a:prstGeom>
+          <a:ln w="38100">
+            <a:solidFill>
+              <a:schemeClr val="tx1"/>
+            </a:solidFill>
+            <a:tailEnd type="arrow"/>
+          </a:ln>
+        </p:spPr>
+        <p:style>
+          <a:lnRef idx="1">
+            <a:schemeClr val="accent1"/>
+          </a:lnRef>
+          <a:fillRef idx="0">
+            <a:schemeClr val="accent1"/>
+          </a:fillRef>
+          <a:effectRef idx="0">
+            <a:schemeClr val="accent1"/>
+          </a:effectRef>
+          <a:fontRef idx="minor">
+            <a:schemeClr val="tx1"/>
+          </a:fontRef>
+        </p:style>
+      </p:cxnSp>
+      <p:cxnSp>
+        <p:nvCxnSpPr>
+          <p:cNvPr id="131" name="Conector de seta reta 22"/>
+          <p:cNvCxnSpPr/>
+          <p:nvPr/>
+        </p:nvCxnSpPr>
+        <p:spPr>
+          <a:xfrm flipH="1" flipV="1">
+            <a:off x="13468176" y="6365691"/>
+            <a:ext cx="0" cy="405573"/>
+          </a:xfrm>
+          <a:prstGeom prst="straightConnector1">
+            <a:avLst/>
+          </a:prstGeom>
+          <a:ln w="38100">
+            <a:solidFill>
+              <a:schemeClr val="tx1"/>
+            </a:solidFill>
+            <a:tailEnd type="arrow"/>
+          </a:ln>
+        </p:spPr>
+        <p:style>
+          <a:lnRef idx="1">
+            <a:schemeClr val="accent1"/>
+          </a:lnRef>
+          <a:fillRef idx="0">
+            <a:schemeClr val="accent1"/>
+          </a:fillRef>
+          <a:effectRef idx="0">
+            <a:schemeClr val="accent1"/>
+          </a:effectRef>
+          <a:fontRef idx="minor">
+            <a:schemeClr val="tx1"/>
+          </a:fontRef>
+        </p:style>
+      </p:cxnSp>
+      <p:cxnSp>
+        <p:nvCxnSpPr>
+          <p:cNvPr id="133" name="Conector reto 90"/>
+          <p:cNvCxnSpPr>
+            <a:cxnSpLocks/>
+          </p:cNvCxnSpPr>
+          <p:nvPr/>
+        </p:nvCxnSpPr>
+        <p:spPr>
+          <a:xfrm>
+            <a:off x="10664690" y="6771262"/>
+            <a:ext cx="2832305" cy="0"/>
+          </a:xfrm>
+          <a:prstGeom prst="line">
+            <a:avLst/>
+          </a:prstGeom>
+          <a:ln w="38100">
+            <a:solidFill>
+              <a:schemeClr val="tx1"/>
+            </a:solidFill>
+          </a:ln>
+        </p:spPr>
+        <p:style>
+          <a:lnRef idx="1">
+            <a:schemeClr val="accent1"/>
+          </a:lnRef>
+          <a:fillRef idx="0">
+            <a:schemeClr val="accent1"/>
+          </a:fillRef>
+          <a:effectRef idx="0">
+            <a:schemeClr val="accent1"/>
+          </a:effectRef>
+          <a:fontRef idx="minor">
+            <a:schemeClr val="tx1"/>
+          </a:fontRef>
+        </p:style>
+      </p:cxnSp>
+      <p:cxnSp>
+        <p:nvCxnSpPr>
+          <p:cNvPr id="134" name="Conector reto 90"/>
+          <p:cNvCxnSpPr/>
+          <p:nvPr/>
+        </p:nvCxnSpPr>
+        <p:spPr>
+          <a:xfrm flipH="1">
+            <a:off x="10664690" y="6140931"/>
+            <a:ext cx="5821" cy="630331"/>
+          </a:xfrm>
+          <a:prstGeom prst="line">
+            <a:avLst/>
+          </a:prstGeom>
+          <a:ln w="38100">
+            <a:solidFill>
+              <a:schemeClr val="tx1"/>
+            </a:solidFill>
+          </a:ln>
+        </p:spPr>
+        <p:style>
+          <a:lnRef idx="1">
+            <a:schemeClr val="accent1"/>
+          </a:lnRef>
+          <a:fillRef idx="0">
+            <a:schemeClr val="accent1"/>
+          </a:fillRef>
+          <a:effectRef idx="0">
+            <a:schemeClr val="accent1"/>
+          </a:effectRef>
+          <a:fontRef idx="minor">
+            <a:schemeClr val="tx1"/>
+          </a:fontRef>
+        </p:style>
+      </p:cxnSp>
+      <p:cxnSp>
+        <p:nvCxnSpPr>
+          <p:cNvPr id="141" name="Conector de seta reta 22"/>
+          <p:cNvCxnSpPr>
+            <a:cxnSpLocks/>
+          </p:cNvCxnSpPr>
+          <p:nvPr/>
+        </p:nvCxnSpPr>
+        <p:spPr>
+          <a:xfrm>
+            <a:off x="10427688" y="7131280"/>
+            <a:ext cx="1117128" cy="0"/>
+          </a:xfrm>
+          <a:prstGeom prst="straightConnector1">
+            <a:avLst/>
+          </a:prstGeom>
+          <a:ln w="38100">
+            <a:solidFill>
+              <a:schemeClr val="tx1"/>
+            </a:solidFill>
+            <a:tailEnd type="arrow"/>
+          </a:ln>
+        </p:spPr>
+        <p:style>
+          <a:lnRef idx="1">
+            <a:schemeClr val="accent1"/>
+          </a:lnRef>
+          <a:fillRef idx="0">
+            <a:schemeClr val="accent1"/>
+          </a:fillRef>
+          <a:effectRef idx="0">
+            <a:schemeClr val="accent1"/>
+          </a:effectRef>
+          <a:fontRef idx="minor">
+            <a:schemeClr val="tx1"/>
+          </a:fontRef>
+        </p:style>
+      </p:cxnSp>
+      <p:cxnSp>
+        <p:nvCxnSpPr>
+          <p:cNvPr id="144" name="Conector de seta reta 22"/>
+          <p:cNvCxnSpPr>
+            <a:stCxn id="69" idx="0"/>
+          </p:cNvCxnSpPr>
+          <p:nvPr/>
+        </p:nvCxnSpPr>
+        <p:spPr>
+          <a:xfrm>
+            <a:off x="12275290" y="7131280"/>
+            <a:ext cx="3134903" cy="0"/>
+          </a:xfrm>
+          <a:prstGeom prst="straightConnector1">
+            <a:avLst/>
+          </a:prstGeom>
+          <a:ln w="38100">
+            <a:solidFill>
+              <a:schemeClr val="tx1"/>
+            </a:solidFill>
+            <a:tailEnd type="arrow"/>
+          </a:ln>
+        </p:spPr>
+        <p:style>
+          <a:lnRef idx="1">
+            <a:schemeClr val="accent1"/>
+          </a:lnRef>
+          <a:fillRef idx="0">
+            <a:schemeClr val="accent1"/>
+          </a:fillRef>
+          <a:effectRef idx="0">
+            <a:schemeClr val="accent1"/>
+          </a:effectRef>
+          <a:fontRef idx="minor">
+            <a:schemeClr val="tx1"/>
+          </a:fontRef>
+        </p:style>
+      </p:cxnSp>
+      <p:cxnSp>
+        <p:nvCxnSpPr>
+          <p:cNvPr id="147" name="Conector de seta reta 22"/>
+          <p:cNvCxnSpPr>
+            <a:stCxn id="114" idx="6"/>
+          </p:cNvCxnSpPr>
+          <p:nvPr/>
+        </p:nvCxnSpPr>
+        <p:spPr>
+          <a:xfrm flipV="1">
+            <a:off x="13738176" y="6065519"/>
+            <a:ext cx="1672017" cy="0"/>
+          </a:xfrm>
+          <a:prstGeom prst="straightConnector1">
+            <a:avLst/>
+          </a:prstGeom>
+          <a:ln w="38100">
+            <a:solidFill>
+              <a:schemeClr val="tx1"/>
+            </a:solidFill>
+            <a:tailEnd type="arrow"/>
+          </a:ln>
+        </p:spPr>
+        <p:style>
+          <a:lnRef idx="1">
+            <a:schemeClr val="accent1"/>
+          </a:lnRef>
+          <a:fillRef idx="0">
+            <a:schemeClr val="accent1"/>
+          </a:fillRef>
+          <a:effectRef idx="0">
+            <a:schemeClr val="accent1"/>
+          </a:effectRef>
+          <a:fontRef idx="minor">
+            <a:schemeClr val="tx1"/>
+          </a:fontRef>
+        </p:style>
+      </p:cxnSp>
+      <mc:AlternateContent xmlns:mc="http://schemas.openxmlformats.org/markup-compatibility/2006" xmlns:a14="http://schemas.microsoft.com/office/drawing/2010/main">
+        <mc:Choice Requires="a14">
+          <p:sp>
+            <p:nvSpPr>
+              <p:cNvPr id="154" name="CaixaDeTexto 153"/>
+              <p:cNvSpPr txBox="1"/>
+              <p:nvPr/>
+            </p:nvSpPr>
+            <p:spPr>
+              <a:xfrm>
+                <a:off x="13997964" y="6587638"/>
+                <a:ext cx="738985" cy="523220"/>
+              </a:xfrm>
+              <a:prstGeom prst="rect">
+                <a:avLst/>
+              </a:prstGeom>
+              <a:noFill/>
+            </p:spPr>
+            <p:txBody>
+              <a:bodyPr wrap="none" rtlCol="0">
+                <a:spAutoFit/>
+              </a:bodyPr>
+              <a:lstStyle/>
+              <a:p>
+                <a:pPr/>
+                <a14:m>
+                  <m:oMathPara xmlns:m="http://schemas.openxmlformats.org/officeDocument/2006/math">
+                    <m:oMathParaPr>
+                      <m:jc m:val="centerGroup"/>
+                    </m:oMathParaPr>
+                    <m:oMath xmlns:m="http://schemas.openxmlformats.org/officeDocument/2006/math">
+                      <m:r>
+                        <a:rPr lang="pt-BR" sz="2800" b="0" i="1" smtClean="0">
+                          <a:latin typeface="Cambria Math"/>
+                        </a:rPr>
+                        <m:t>−</m:t>
+                      </m:r>
+                      <m:r>
+                        <a:rPr lang="pt-BR" sz="2800" b="0" i="1" smtClean="0">
+                          <a:latin typeface="Cambria Math"/>
+                        </a:rPr>
+                        <m:t>𝑞</m:t>
+                      </m:r>
+                    </m:oMath>
+                  </m:oMathPara>
+                </a14:m>
+                <a:endParaRPr lang="pt-BR" sz="2800" dirty="0"/>
+              </a:p>
+            </p:txBody>
+          </p:sp>
+        </mc:Choice>
+        <mc:Fallback xmlns="">
+          <p:sp>
+            <p:nvSpPr>
+              <p:cNvPr id="154" name="CaixaDeTexto 153"/>
+              <p:cNvSpPr txBox="1">
+                <a:spLocks noRot="1" noChangeAspect="1" noMove="1" noResize="1" noEditPoints="1" noAdjustHandles="1" noChangeArrowheads="1" noChangeShapeType="1" noTextEdit="1"/>
+              </p:cNvSpPr>
+              <p:nvPr/>
+            </p:nvSpPr>
+            <p:spPr>
+              <a:xfrm>
+                <a:off x="13997964" y="6587638"/>
+                <a:ext cx="738985" cy="523220"/>
+              </a:xfrm>
+              <a:prstGeom prst="rect">
+                <a:avLst/>
+              </a:prstGeom>
+              <a:blipFill>
+                <a:blip r:embed="rId31"/>
+                <a:stretch>
+                  <a:fillRect/>
+                </a:stretch>
+              </a:blipFill>
+            </p:spPr>
+            <p:txBody>
+              <a:bodyPr/>
+              <a:lstStyle/>
+              <a:p>
+                <a:r>
+                  <a:rPr lang="pt-BR">
+                    <a:noFill/>
+                  </a:rPr>
+                  <a:t> </a:t>
+                </a:r>
+              </a:p>
+            </p:txBody>
+          </p:sp>
+        </mc:Fallback>
+      </mc:AlternateContent>
+      <p:sp>
+        <p:nvSpPr>
+          <p:cNvPr id="157" name="Retângulo 156"/>
+          <p:cNvSpPr/>
+          <p:nvPr/>
+        </p:nvSpPr>
+        <p:spPr>
+          <a:xfrm>
+            <a:off x="11836904" y="2337379"/>
+            <a:ext cx="1710000" cy="1710000"/>
+          </a:xfrm>
+          <a:prstGeom prst="rect">
+            <a:avLst/>
+          </a:prstGeom>
+          <a:noFill/>
+          <a:ln w="38100">
+            <a:solidFill>
+              <a:schemeClr val="tx1"/>
+            </a:solidFill>
+          </a:ln>
+        </p:spPr>
+        <p:style>
+          <a:lnRef idx="2">
+            <a:schemeClr val="accent1">
+              <a:shade val="50000"/>
+            </a:schemeClr>
+          </a:lnRef>
+          <a:fillRef idx="1">
+            <a:schemeClr val="accent1"/>
+          </a:fillRef>
+          <a:effectRef idx="0">
+            <a:schemeClr val="accent1"/>
+          </a:effectRef>
+          <a:fontRef idx="minor">
+            <a:schemeClr val="lt1"/>
+          </a:fontRef>
+        </p:style>
+        <p:txBody>
+          <a:bodyPr rtlCol="0" anchor="ctr"/>
+          <a:lstStyle/>
+          <a:p>
+            <a:pPr algn="ctr"/>
+            <a:r>
+              <a:rPr lang="pt-BR" sz="2400" dirty="0">
+                <a:solidFill>
+                  <a:schemeClr val="tx1"/>
+                </a:solidFill>
+              </a:rPr>
+              <a:t>Controle por Histerese</a:t>
+            </a:r>
+          </a:p>
+        </p:txBody>
+      </p:sp>
+      <p:sp>
+        <p:nvSpPr>
+          <p:cNvPr id="158" name="Elipse 74"/>
+          <p:cNvSpPr/>
+          <p:nvPr/>
+        </p:nvSpPr>
+        <p:spPr>
+          <a:xfrm>
+            <a:off x="5379340" y="226399"/>
+            <a:ext cx="540000" cy="540000"/>
+          </a:xfrm>
+          <a:prstGeom prst="ellipse">
+            <a:avLst/>
+          </a:prstGeom>
+          <a:noFill/>
+          <a:ln w="38100">
+            <a:solidFill>
+              <a:schemeClr val="tx1"/>
+            </a:solidFill>
+          </a:ln>
+        </p:spPr>
+        <p:style>
+          <a:lnRef idx="2">
+            <a:schemeClr val="accent1">
+              <a:shade val="50000"/>
+            </a:schemeClr>
+          </a:lnRef>
+          <a:fillRef idx="1">
+            <a:schemeClr val="accent1"/>
+          </a:fillRef>
+          <a:effectRef idx="0">
+            <a:schemeClr val="accent1"/>
+          </a:effectRef>
+          <a:fontRef idx="minor">
+            <a:schemeClr val="lt1"/>
+          </a:fontRef>
+        </p:style>
+        <p:txBody>
+          <a:bodyPr rtlCol="0" anchor="ctr"/>
+          <a:lstStyle/>
+          <a:p>
+            <a:pPr algn="ctr"/>
+            <a:endParaRPr lang="pt-BR" dirty="0">
+              <a:noFill/>
+            </a:endParaRPr>
+          </a:p>
+        </p:txBody>
+      </p:sp>
+      <p:sp>
+        <p:nvSpPr>
+          <p:cNvPr id="159" name="CaixaDeTexto 85"/>
+          <p:cNvSpPr txBox="1"/>
+          <p:nvPr/>
+        </p:nvSpPr>
+        <p:spPr>
+          <a:xfrm>
+            <a:off x="5517521" y="102990"/>
+            <a:ext cx="540000" cy="540000"/>
+          </a:xfrm>
+          <a:prstGeom prst="rect">
+            <a:avLst/>
+          </a:prstGeom>
+          <a:noFill/>
+        </p:spPr>
+        <p:txBody>
+          <a:bodyPr wrap="square" rtlCol="0">
+            <a:spAutoFit/>
+          </a:bodyPr>
+          <a:lstStyle/>
+          <a:p>
+            <a:pPr algn="ctr"/>
+            <a:r>
+              <a:rPr lang="pt-BR" sz="3600" dirty="0">
+                <a:latin typeface="Arial" pitchFamily="34" charset="0"/>
+                <a:cs typeface="Arial" pitchFamily="34" charset="0"/>
+              </a:rPr>
+              <a:t>-</a:t>
+            </a:r>
+            <a:endParaRPr lang="pt-BR" sz="1600" dirty="0">
+              <a:latin typeface="Arial" pitchFamily="34" charset="0"/>
+              <a:cs typeface="Arial" pitchFamily="34" charset="0"/>
+            </a:endParaRPr>
+          </a:p>
+        </p:txBody>
+      </p:sp>
+      <p:sp>
+        <p:nvSpPr>
+          <p:cNvPr id="160" name="CaixaDeTexto 85"/>
+          <p:cNvSpPr txBox="1"/>
+          <p:nvPr/>
+        </p:nvSpPr>
+        <p:spPr>
+          <a:xfrm>
+            <a:off x="5241159" y="245257"/>
+            <a:ext cx="540000" cy="540000"/>
+          </a:xfrm>
+          <a:prstGeom prst="rect">
+            <a:avLst/>
+          </a:prstGeom>
+          <a:noFill/>
+        </p:spPr>
+        <p:txBody>
+          <a:bodyPr wrap="square" rtlCol="0">
+            <a:spAutoFit/>
+          </a:bodyPr>
+          <a:lstStyle/>
+          <a:p>
+            <a:pPr algn="ctr"/>
+            <a:r>
+              <a:rPr lang="pt-BR" sz="2400" dirty="0">
+                <a:latin typeface="Arial" pitchFamily="34" charset="0"/>
+                <a:cs typeface="Arial" pitchFamily="34" charset="0"/>
+              </a:rPr>
+              <a:t>+</a:t>
+            </a:r>
+            <a:endParaRPr lang="pt-BR" sz="2000" dirty="0">
+              <a:latin typeface="Arial" pitchFamily="34" charset="0"/>
+              <a:cs typeface="Arial" pitchFamily="34" charset="0"/>
+            </a:endParaRPr>
+          </a:p>
+        </p:txBody>
+      </p:sp>
+      <p:cxnSp>
+        <p:nvCxnSpPr>
+          <p:cNvPr id="175" name="Conector: Angulado 174"/>
+          <p:cNvCxnSpPr>
+            <a:stCxn id="97" idx="2"/>
+            <a:endCxn id="114" idx="0"/>
+          </p:cNvCxnSpPr>
+          <p:nvPr/>
+        </p:nvCxnSpPr>
+        <p:spPr>
+          <a:xfrm rot="16200000" flipH="1">
+            <a:off x="8689126" y="1029885"/>
+            <a:ext cx="1753742" cy="7804358"/>
+          </a:xfrm>
+          <a:prstGeom prst="bentConnector3">
+            <a:avLst>
+              <a:gd name="adj1" fmla="val 28275"/>
+            </a:avLst>
+          </a:prstGeom>
+          <a:ln w="38100">
+            <a:solidFill>
+              <a:schemeClr val="tx1"/>
+            </a:solidFill>
+            <a:tailEnd type="arrow"/>
+          </a:ln>
+        </p:spPr>
+        <p:style>
+          <a:lnRef idx="1">
+            <a:schemeClr val="accent1"/>
+          </a:lnRef>
+          <a:fillRef idx="0">
+            <a:schemeClr val="accent1"/>
+          </a:fillRef>
+          <a:effectRef idx="0">
+            <a:schemeClr val="accent1"/>
+          </a:effectRef>
+          <a:fontRef idx="minor">
+            <a:schemeClr val="tx1"/>
+          </a:fontRef>
+        </p:style>
+      </p:cxnSp>
+      <p:sp>
+        <p:nvSpPr>
+          <p:cNvPr id="114" name="Elipse 74"/>
+          <p:cNvSpPr/>
+          <p:nvPr/>
+        </p:nvSpPr>
+        <p:spPr>
+          <a:xfrm>
+            <a:off x="13198176" y="5808935"/>
+            <a:ext cx="540000" cy="540000"/>
+          </a:xfrm>
+          <a:prstGeom prst="ellipse">
+            <a:avLst/>
+          </a:prstGeom>
+          <a:noFill/>
+          <a:ln w="38100">
+            <a:solidFill>
+              <a:schemeClr val="tx1"/>
+            </a:solidFill>
+          </a:ln>
+        </p:spPr>
+        <p:style>
+          <a:lnRef idx="2">
+            <a:schemeClr val="accent1">
+              <a:shade val="50000"/>
+            </a:schemeClr>
+          </a:lnRef>
+          <a:fillRef idx="1">
+            <a:schemeClr val="accent1"/>
+          </a:fillRef>
+          <a:effectRef idx="0">
+            <a:schemeClr val="accent1"/>
+          </a:effectRef>
+          <a:fontRef idx="minor">
+            <a:schemeClr val="lt1"/>
+          </a:fontRef>
+        </p:style>
+        <p:txBody>
+          <a:bodyPr rtlCol="0" anchor="ctr"/>
+          <a:lstStyle/>
+          <a:p>
+            <a:pPr algn="ctr"/>
+            <a:endParaRPr lang="pt-BR" sz="2400" dirty="0">
+              <a:noFill/>
+            </a:endParaRPr>
+          </a:p>
+        </p:txBody>
+      </p:sp>
+      <mc:AlternateContent xmlns:mc="http://schemas.openxmlformats.org/markup-compatibility/2006" xmlns:a14="http://schemas.microsoft.com/office/drawing/2010/main">
+        <mc:Choice Requires="a14">
+          <p:sp>
+            <p:nvSpPr>
+              <p:cNvPr id="185" name="CaixaDeTexto 184"/>
+              <p:cNvSpPr txBox="1"/>
+              <p:nvPr/>
+            </p:nvSpPr>
+            <p:spPr>
+              <a:xfrm>
+                <a:off x="8918571" y="4027416"/>
+                <a:ext cx="975780" cy="523220"/>
+              </a:xfrm>
+              <a:prstGeom prst="rect">
+                <a:avLst/>
+              </a:prstGeom>
+              <a:noFill/>
+            </p:spPr>
+            <p:txBody>
+              <a:bodyPr wrap="none" rtlCol="0">
+                <a:spAutoFit/>
+              </a:bodyPr>
+              <a:lstStyle/>
+              <a:p>
+                <a:pPr/>
+                <a14:m>
+                  <m:oMathPara xmlns:m="http://schemas.openxmlformats.org/officeDocument/2006/math">
+                    <m:oMathParaPr>
+                      <m:jc m:val="centerGroup"/>
+                    </m:oMathParaPr>
+                    <m:oMath xmlns:m="http://schemas.openxmlformats.org/officeDocument/2006/math">
+                      <m:sSub>
+                        <m:sSubPr>
+                          <m:ctrlPr>
+                            <a:rPr lang="pt-BR" sz="2800" b="0" i="1" smtClean="0">
+                              <a:latin typeface="Cambria Math" panose="02040503050406030204" pitchFamily="18" charset="0"/>
+                            </a:rPr>
+                          </m:ctrlPr>
+                        </m:sSubPr>
+                        <m:e>
+                          <m:r>
+                            <a:rPr lang="pt-BR" sz="2800" b="0" i="1" smtClean="0">
+                              <a:latin typeface="Cambria Math" panose="02040503050406030204" pitchFamily="18" charset="0"/>
+                            </a:rPr>
+                            <m:t>𝑝</m:t>
+                          </m:r>
+                        </m:e>
+                        <m:sub>
+                          <m:r>
+                            <a:rPr lang="pt-BR" sz="2800" b="0" i="1" smtClean="0">
+                              <a:latin typeface="Cambria Math" panose="02040503050406030204" pitchFamily="18" charset="0"/>
+                            </a:rPr>
+                            <m:t>𝑙𝑜𝑠𝑠</m:t>
+                          </m:r>
+                        </m:sub>
+                      </m:sSub>
+                    </m:oMath>
+                  </m:oMathPara>
+                </a14:m>
+                <a:endParaRPr lang="pt-BR" sz="2800" dirty="0"/>
+              </a:p>
+            </p:txBody>
+          </p:sp>
+        </mc:Choice>
+        <mc:Fallback xmlns="">
+          <p:sp>
+            <p:nvSpPr>
+              <p:cNvPr id="185" name="CaixaDeTexto 184"/>
+              <p:cNvSpPr txBox="1">
+                <a:spLocks noRot="1" noChangeAspect="1" noMove="1" noResize="1" noEditPoints="1" noAdjustHandles="1" noChangeArrowheads="1" noChangeShapeType="1" noTextEdit="1"/>
+              </p:cNvSpPr>
+              <p:nvPr/>
+            </p:nvSpPr>
+            <p:spPr>
+              <a:xfrm>
+                <a:off x="8918571" y="4027416"/>
+                <a:ext cx="975780" cy="523220"/>
+              </a:xfrm>
+              <a:prstGeom prst="rect">
+                <a:avLst/>
+              </a:prstGeom>
+              <a:blipFill>
+                <a:blip r:embed="rId32"/>
+                <a:stretch>
+                  <a:fillRect/>
+                </a:stretch>
+              </a:blipFill>
+            </p:spPr>
+            <p:txBody>
+              <a:bodyPr/>
+              <a:lstStyle/>
+              <a:p>
+                <a:r>
+                  <a:rPr lang="pt-BR">
+                    <a:noFill/>
+                  </a:rPr>
+                  <a:t> </a:t>
+                </a:r>
+              </a:p>
+            </p:txBody>
+          </p:sp>
+        </mc:Fallback>
+      </mc:AlternateContent>
+      <p:cxnSp>
+        <p:nvCxnSpPr>
+          <p:cNvPr id="189" name="Conector de seta reta 33"/>
+          <p:cNvCxnSpPr/>
+          <p:nvPr/>
+        </p:nvCxnSpPr>
+        <p:spPr>
+          <a:xfrm flipV="1">
+            <a:off x="16672806" y="3815136"/>
+            <a:ext cx="0" cy="1851767"/>
+          </a:xfrm>
+          <a:prstGeom prst="straightConnector1">
+            <a:avLst/>
+          </a:prstGeom>
+          <a:ln w="38100">
+            <a:solidFill>
+              <a:schemeClr val="tx1"/>
+            </a:solidFill>
+            <a:tailEnd type="arrow"/>
+          </a:ln>
+        </p:spPr>
+        <p:style>
+          <a:lnRef idx="1">
+            <a:schemeClr val="accent1"/>
+          </a:lnRef>
+          <a:fillRef idx="0">
+            <a:schemeClr val="accent1"/>
+          </a:fillRef>
+          <a:effectRef idx="0">
+            <a:schemeClr val="accent1"/>
+          </a:effectRef>
+          <a:fontRef idx="minor">
+            <a:schemeClr val="tx1"/>
+          </a:fontRef>
+        </p:style>
+      </p:cxnSp>
+      <p:cxnSp>
+        <p:nvCxnSpPr>
+          <p:cNvPr id="194" name="Conector de seta reta 30"/>
+          <p:cNvCxnSpPr/>
+          <p:nvPr/>
+        </p:nvCxnSpPr>
+        <p:spPr>
+          <a:xfrm flipH="1">
+            <a:off x="13546904" y="3685553"/>
+            <a:ext cx="2047336" cy="0"/>
+          </a:xfrm>
+          <a:prstGeom prst="straightConnector1">
+            <a:avLst/>
+          </a:prstGeom>
+          <a:ln w="38100">
+            <a:solidFill>
+              <a:schemeClr val="tx1"/>
+            </a:solidFill>
+            <a:tailEnd type="arrow"/>
+          </a:ln>
+        </p:spPr>
+        <p:style>
+          <a:lnRef idx="1">
+            <a:schemeClr val="accent1"/>
+          </a:lnRef>
+          <a:fillRef idx="0">
+            <a:schemeClr val="accent1"/>
+          </a:fillRef>
+          <a:effectRef idx="0">
+            <a:schemeClr val="accent1"/>
+          </a:effectRef>
+          <a:fontRef idx="minor">
+            <a:schemeClr val="tx1"/>
+          </a:fontRef>
+        </p:style>
+      </p:cxnSp>
+      <p:cxnSp>
+        <p:nvCxnSpPr>
+          <p:cNvPr id="195" name="Conector de seta reta 30"/>
+          <p:cNvCxnSpPr/>
+          <p:nvPr/>
+        </p:nvCxnSpPr>
+        <p:spPr>
+          <a:xfrm flipH="1">
+            <a:off x="13555409" y="2708500"/>
+            <a:ext cx="2023075" cy="0"/>
+          </a:xfrm>
+          <a:prstGeom prst="straightConnector1">
+            <a:avLst/>
+          </a:prstGeom>
+          <a:ln w="38100">
+            <a:solidFill>
+              <a:schemeClr val="tx1"/>
+            </a:solidFill>
+            <a:tailEnd type="arrow"/>
+          </a:ln>
+        </p:spPr>
+        <p:style>
+          <a:lnRef idx="1">
+            <a:schemeClr val="accent1"/>
+          </a:lnRef>
+          <a:fillRef idx="0">
+            <a:schemeClr val="accent1"/>
+          </a:fillRef>
+          <a:effectRef idx="0">
+            <a:schemeClr val="accent1"/>
+          </a:effectRef>
+          <a:fontRef idx="minor">
+            <a:schemeClr val="tx1"/>
+          </a:fontRef>
+        </p:style>
+      </p:cxnSp>
+      <p:cxnSp>
+        <p:nvCxnSpPr>
+          <p:cNvPr id="199" name="Conector de seta reta 33"/>
+          <p:cNvCxnSpPr/>
+          <p:nvPr/>
+        </p:nvCxnSpPr>
+        <p:spPr>
+          <a:xfrm flipH="1" flipV="1">
+            <a:off x="16646614" y="7354482"/>
+            <a:ext cx="0" cy="605535"/>
+          </a:xfrm>
+          <a:prstGeom prst="straightConnector1">
+            <a:avLst/>
+          </a:prstGeom>
+          <a:ln w="38100">
+            <a:solidFill>
+              <a:schemeClr val="tx1"/>
+            </a:solidFill>
+            <a:tailEnd type="arrow"/>
+          </a:ln>
+        </p:spPr>
+        <p:style>
+          <a:lnRef idx="1">
+            <a:schemeClr val="accent1"/>
+          </a:lnRef>
+          <a:fillRef idx="0">
+            <a:schemeClr val="accent1"/>
+          </a:fillRef>
+          <a:effectRef idx="0">
+            <a:schemeClr val="accent1"/>
+          </a:effectRef>
+          <a:fontRef idx="minor">
+            <a:schemeClr val="tx1"/>
+          </a:fontRef>
+        </p:style>
+      </p:cxnSp>
+      <p:cxnSp>
+        <p:nvCxnSpPr>
+          <p:cNvPr id="202" name="Conector de seta reta 33"/>
+          <p:cNvCxnSpPr/>
+          <p:nvPr/>
+        </p:nvCxnSpPr>
+        <p:spPr>
+          <a:xfrm flipH="1" flipV="1">
+            <a:off x="17788627" y="7354482"/>
+            <a:ext cx="0" cy="605535"/>
+          </a:xfrm>
+          <a:prstGeom prst="straightConnector1">
+            <a:avLst/>
+          </a:prstGeom>
+          <a:ln w="38100">
+            <a:solidFill>
+              <a:schemeClr val="tx1"/>
+            </a:solidFill>
+            <a:tailEnd type="arrow"/>
+          </a:ln>
+        </p:spPr>
+        <p:style>
+          <a:lnRef idx="1">
+            <a:schemeClr val="accent1"/>
+          </a:lnRef>
+          <a:fillRef idx="0">
+            <a:schemeClr val="accent1"/>
+          </a:fillRef>
+          <a:effectRef idx="0">
+            <a:schemeClr val="accent1"/>
+          </a:effectRef>
+          <a:fontRef idx="minor">
+            <a:schemeClr val="tx1"/>
+          </a:fontRef>
+        </p:style>
+      </p:cxnSp>
+      <p:cxnSp>
+        <p:nvCxnSpPr>
+          <p:cNvPr id="203" name="Conector de seta reta 33"/>
+          <p:cNvCxnSpPr/>
+          <p:nvPr/>
+        </p:nvCxnSpPr>
+        <p:spPr>
+          <a:xfrm flipH="1" flipV="1">
+            <a:off x="5604655" y="7657250"/>
+            <a:ext cx="0" cy="605535"/>
+          </a:xfrm>
+          <a:prstGeom prst="straightConnector1">
+            <a:avLst/>
+          </a:prstGeom>
+          <a:ln w="38100">
+            <a:solidFill>
+              <a:schemeClr val="tx1"/>
+            </a:solidFill>
+            <a:tailEnd type="arrow"/>
+          </a:ln>
+        </p:spPr>
+        <p:style>
+          <a:lnRef idx="1">
+            <a:schemeClr val="accent1"/>
+          </a:lnRef>
+          <a:fillRef idx="0">
+            <a:schemeClr val="accent1"/>
+          </a:fillRef>
+          <a:effectRef idx="0">
+            <a:schemeClr val="accent1"/>
+          </a:effectRef>
+          <a:fontRef idx="minor">
+            <a:schemeClr val="tx1"/>
+          </a:fontRef>
+        </p:style>
+      </p:cxnSp>
+      <p:cxnSp>
+        <p:nvCxnSpPr>
+          <p:cNvPr id="204" name="Conector de seta reta 33"/>
+          <p:cNvCxnSpPr/>
+          <p:nvPr/>
+        </p:nvCxnSpPr>
+        <p:spPr>
+          <a:xfrm flipH="1" flipV="1">
+            <a:off x="6395590" y="7673588"/>
+            <a:ext cx="0" cy="605535"/>
+          </a:xfrm>
+          <a:prstGeom prst="straightConnector1">
+            <a:avLst/>
+          </a:prstGeom>
+          <a:ln w="38100">
+            <a:solidFill>
+              <a:schemeClr val="tx1"/>
+            </a:solidFill>
+            <a:tailEnd type="arrow"/>
+          </a:ln>
+        </p:spPr>
+        <p:style>
+          <a:lnRef idx="1">
+            <a:schemeClr val="accent1"/>
+          </a:lnRef>
+          <a:fillRef idx="0">
+            <a:schemeClr val="accent1"/>
+          </a:fillRef>
+          <a:effectRef idx="0">
+            <a:schemeClr val="accent1"/>
+          </a:effectRef>
+          <a:fontRef idx="minor">
+            <a:schemeClr val="tx1"/>
+          </a:fontRef>
+        </p:style>
+      </p:cxnSp>
+      <p:cxnSp>
+        <p:nvCxnSpPr>
+          <p:cNvPr id="205" name="Conector de seta reta 33"/>
+          <p:cNvCxnSpPr/>
+          <p:nvPr/>
+        </p:nvCxnSpPr>
+        <p:spPr>
+          <a:xfrm flipH="1" flipV="1">
+            <a:off x="4747405" y="7673588"/>
+            <a:ext cx="0" cy="605535"/>
+          </a:xfrm>
+          <a:prstGeom prst="straightConnector1">
+            <a:avLst/>
+          </a:prstGeom>
+          <a:ln w="38100">
+            <a:solidFill>
+              <a:schemeClr val="tx1"/>
+            </a:solidFill>
+            <a:tailEnd type="arrow"/>
+          </a:ln>
+        </p:spPr>
+        <p:style>
+          <a:lnRef idx="1">
+            <a:schemeClr val="accent1"/>
+          </a:lnRef>
+          <a:fillRef idx="0">
+            <a:schemeClr val="accent1"/>
+          </a:fillRef>
+          <a:effectRef idx="0">
+            <a:schemeClr val="accent1"/>
+          </a:effectRef>
+          <a:fontRef idx="minor">
+            <a:schemeClr val="tx1"/>
+          </a:fontRef>
+        </p:style>
+      </p:cxnSp>
+      <p:sp>
+        <p:nvSpPr>
+          <p:cNvPr id="206" name="Elipse 205"/>
+          <p:cNvSpPr/>
+          <p:nvPr/>
+        </p:nvSpPr>
+        <p:spPr>
+          <a:xfrm>
+            <a:off x="-4093408" y="-3752850"/>
+            <a:ext cx="2160000" cy="2160000"/>
+          </a:xfrm>
+          <a:prstGeom prst="ellipse">
+            <a:avLst/>
+          </a:prstGeom>
+          <a:noFill/>
+          <a:ln w="57150">
+            <a:solidFill>
+              <a:schemeClr val="tx1"/>
+            </a:solidFill>
+          </a:ln>
+        </p:spPr>
+        <p:style>
+          <a:lnRef idx="2">
+            <a:schemeClr val="accent1">
+              <a:shade val="50000"/>
+            </a:schemeClr>
+          </a:lnRef>
+          <a:fillRef idx="1">
+            <a:schemeClr val="accent1"/>
+          </a:fillRef>
+          <a:effectRef idx="0">
+            <a:schemeClr val="accent1"/>
+          </a:effectRef>
+          <a:fontRef idx="minor">
+            <a:schemeClr val="lt1"/>
+          </a:fontRef>
+        </p:style>
+        <p:txBody>
+          <a:bodyPr rtlCol="0" anchor="ctr"/>
+          <a:lstStyle/>
+          <a:p>
+            <a:pPr algn="ctr"/>
+            <a:r>
+              <a:rPr lang="pt-BR" sz="4800" dirty="0">
+                <a:solidFill>
+                  <a:schemeClr val="tx1"/>
+                </a:solidFill>
+              </a:rPr>
+              <a:t>GEN</a:t>
+            </a:r>
+            <a:endParaRPr lang="pt-BR" sz="2400" dirty="0">
+              <a:solidFill>
+                <a:schemeClr val="tx1"/>
+              </a:solidFill>
+            </a:endParaRPr>
+          </a:p>
+        </p:txBody>
+      </p:sp>
+      <p:sp>
+        <p:nvSpPr>
+          <p:cNvPr id="207" name="Elipse 206"/>
+          <p:cNvSpPr/>
+          <p:nvPr/>
+        </p:nvSpPr>
+        <p:spPr>
+          <a:xfrm>
+            <a:off x="16454812" y="-3752850"/>
+            <a:ext cx="2160000" cy="2160000"/>
+          </a:xfrm>
+          <a:prstGeom prst="ellipse">
+            <a:avLst/>
+          </a:prstGeom>
+          <a:noFill/>
+          <a:ln w="57150">
+            <a:solidFill>
+              <a:schemeClr val="tx1"/>
+            </a:solidFill>
+          </a:ln>
+        </p:spPr>
+        <p:style>
+          <a:lnRef idx="2">
+            <a:schemeClr val="accent1">
+              <a:shade val="50000"/>
+            </a:schemeClr>
+          </a:lnRef>
+          <a:fillRef idx="1">
+            <a:schemeClr val="accent1"/>
+          </a:fillRef>
+          <a:effectRef idx="0">
+            <a:schemeClr val="accent1"/>
+          </a:effectRef>
+          <a:fontRef idx="minor">
+            <a:schemeClr val="lt1"/>
+          </a:fontRef>
+        </p:style>
+        <p:txBody>
+          <a:bodyPr rtlCol="0" anchor="ctr"/>
+          <a:lstStyle/>
+          <a:p>
+            <a:pPr algn="ctr"/>
+            <a:endParaRPr lang="pt-BR" sz="2400">
+              <a:solidFill>
+                <a:schemeClr val="tx1"/>
+              </a:solidFill>
+            </a:endParaRPr>
+          </a:p>
+        </p:txBody>
+      </p:sp>
+      <p:cxnSp>
+        <p:nvCxnSpPr>
+          <p:cNvPr id="209" name="Conector reto 208"/>
+          <p:cNvCxnSpPr>
+            <a:stCxn id="206" idx="6"/>
+            <a:endCxn id="207" idx="2"/>
+          </p:cNvCxnSpPr>
+          <p:nvPr/>
+        </p:nvCxnSpPr>
+        <p:spPr>
+          <a:xfrm>
+            <a:off x="-1933408" y="-2672850"/>
+            <a:ext cx="18388220" cy="0"/>
+          </a:xfrm>
+          <a:prstGeom prst="line">
+            <a:avLst/>
+          </a:prstGeom>
+          <a:ln w="57150">
+            <a:solidFill>
+              <a:schemeClr val="tx1"/>
+            </a:solidFill>
+          </a:ln>
+        </p:spPr>
+        <p:style>
+          <a:lnRef idx="1">
+            <a:schemeClr val="accent1"/>
+          </a:lnRef>
+          <a:fillRef idx="0">
+            <a:schemeClr val="accent1"/>
+          </a:fillRef>
+          <a:effectRef idx="0">
+            <a:schemeClr val="accent1"/>
+          </a:effectRef>
+          <a:fontRef idx="minor">
+            <a:schemeClr val="tx1"/>
+          </a:fontRef>
+        </p:style>
+      </p:cxnSp>
+      <p:cxnSp>
+        <p:nvCxnSpPr>
+          <p:cNvPr id="210" name="Conector reto 209"/>
+          <p:cNvCxnSpPr>
+            <a:stCxn id="206" idx="7"/>
+            <a:endCxn id="207" idx="1"/>
+          </p:cNvCxnSpPr>
+          <p:nvPr/>
+        </p:nvCxnSpPr>
+        <p:spPr>
+          <a:xfrm>
+            <a:off x="-2249733" y="-3436525"/>
+            <a:ext cx="19020870" cy="0"/>
+          </a:xfrm>
+          <a:prstGeom prst="line">
+            <a:avLst/>
+          </a:prstGeom>
+          <a:ln w="57150">
+            <a:solidFill>
+              <a:schemeClr val="tx1"/>
+            </a:solidFill>
+          </a:ln>
+        </p:spPr>
+        <p:style>
+          <a:lnRef idx="1">
+            <a:schemeClr val="accent1"/>
+          </a:lnRef>
+          <a:fillRef idx="0">
+            <a:schemeClr val="accent1"/>
+          </a:fillRef>
+          <a:effectRef idx="0">
+            <a:schemeClr val="accent1"/>
+          </a:effectRef>
+          <a:fontRef idx="minor">
+            <a:schemeClr val="tx1"/>
+          </a:fontRef>
+        </p:style>
+      </p:cxnSp>
+      <p:cxnSp>
+        <p:nvCxnSpPr>
+          <p:cNvPr id="213" name="Conector reto 212"/>
+          <p:cNvCxnSpPr>
+            <a:stCxn id="206" idx="5"/>
+            <a:endCxn id="207" idx="3"/>
+          </p:cNvCxnSpPr>
+          <p:nvPr/>
+        </p:nvCxnSpPr>
+        <p:spPr>
+          <a:xfrm>
+            <a:off x="-2249733" y="-1909175"/>
+            <a:ext cx="19020870" cy="0"/>
+          </a:xfrm>
+          <a:prstGeom prst="line">
+            <a:avLst/>
+          </a:prstGeom>
+          <a:ln w="57150">
+            <a:solidFill>
+              <a:schemeClr val="tx1"/>
+            </a:solidFill>
+          </a:ln>
+        </p:spPr>
+        <p:style>
+          <a:lnRef idx="1">
+            <a:schemeClr val="accent1"/>
+          </a:lnRef>
+          <a:fillRef idx="0">
+            <a:schemeClr val="accent1"/>
+          </a:fillRef>
+          <a:effectRef idx="0">
+            <a:schemeClr val="accent1"/>
+          </a:effectRef>
+          <a:fontRef idx="minor">
+            <a:schemeClr val="tx1"/>
+          </a:fontRef>
+        </p:style>
+      </p:cxnSp>
+      <p:sp>
+        <p:nvSpPr>
+          <p:cNvPr id="217" name="Triângulo isósceles 216"/>
+          <p:cNvSpPr/>
+          <p:nvPr/>
+        </p:nvSpPr>
+        <p:spPr>
+          <a:xfrm flipV="1">
+            <a:off x="-1900820" y="-1487687"/>
+            <a:ext cx="720000" cy="720000"/>
+          </a:xfrm>
+          <a:prstGeom prst="triangle">
+            <a:avLst/>
+          </a:prstGeom>
+          <a:noFill/>
+          <a:ln w="38100">
+            <a:solidFill>
+              <a:schemeClr val="tx1"/>
+            </a:solidFill>
+          </a:ln>
+        </p:spPr>
+        <p:style>
+          <a:lnRef idx="2">
+            <a:schemeClr val="accent1">
+              <a:shade val="50000"/>
+            </a:schemeClr>
+          </a:lnRef>
+          <a:fillRef idx="1">
+            <a:schemeClr val="accent1"/>
+          </a:fillRef>
+          <a:effectRef idx="0">
+            <a:schemeClr val="accent1"/>
+          </a:effectRef>
+          <a:fontRef idx="minor">
+            <a:schemeClr val="lt1"/>
+          </a:fontRef>
+        </p:style>
+        <p:txBody>
+          <a:bodyPr rtlCol="0" anchor="ctr"/>
+          <a:lstStyle/>
+          <a:p>
+            <a:pPr algn="ctr"/>
+            <a:endParaRPr lang="pt-BR">
+              <a:noFill/>
+            </a:endParaRPr>
+          </a:p>
+        </p:txBody>
+      </p:sp>
+      <p:sp>
+        <p:nvSpPr>
+          <p:cNvPr id="218" name="Triângulo isósceles 217"/>
+          <p:cNvSpPr/>
+          <p:nvPr/>
+        </p:nvSpPr>
+        <p:spPr>
+          <a:xfrm flipV="1">
+            <a:off x="-1129569" y="-1487687"/>
+            <a:ext cx="720000" cy="720000"/>
+          </a:xfrm>
+          <a:prstGeom prst="triangle">
+            <a:avLst/>
+          </a:prstGeom>
+          <a:noFill/>
+          <a:ln w="38100">
+            <a:solidFill>
+              <a:schemeClr val="tx1"/>
+            </a:solidFill>
+          </a:ln>
+        </p:spPr>
+        <p:style>
+          <a:lnRef idx="2">
+            <a:schemeClr val="accent1">
+              <a:shade val="50000"/>
+            </a:schemeClr>
+          </a:lnRef>
+          <a:fillRef idx="1">
+            <a:schemeClr val="accent1"/>
+          </a:fillRef>
+          <a:effectRef idx="0">
+            <a:schemeClr val="accent1"/>
+          </a:effectRef>
+          <a:fontRef idx="minor">
+            <a:schemeClr val="lt1"/>
+          </a:fontRef>
+        </p:style>
+        <p:txBody>
+          <a:bodyPr rtlCol="0" anchor="ctr"/>
+          <a:lstStyle/>
+          <a:p>
+            <a:pPr algn="ctr"/>
+            <a:endParaRPr lang="pt-BR">
+              <a:noFill/>
+            </a:endParaRPr>
+          </a:p>
+        </p:txBody>
+      </p:sp>
+      <p:sp>
+        <p:nvSpPr>
+          <p:cNvPr id="219" name="Triângulo isósceles 218"/>
+          <p:cNvSpPr/>
+          <p:nvPr/>
+        </p:nvSpPr>
+        <p:spPr>
+          <a:xfrm flipV="1">
+            <a:off x="-354978" y="-1486582"/>
+            <a:ext cx="720000" cy="720000"/>
+          </a:xfrm>
+          <a:prstGeom prst="triangle">
+            <a:avLst/>
+          </a:prstGeom>
+          <a:noFill/>
+          <a:ln w="38100">
+            <a:solidFill>
+              <a:schemeClr val="tx1"/>
+            </a:solidFill>
+          </a:ln>
+        </p:spPr>
+        <p:style>
+          <a:lnRef idx="2">
+            <a:schemeClr val="accent1">
+              <a:shade val="50000"/>
+            </a:schemeClr>
+          </a:lnRef>
+          <a:fillRef idx="1">
+            <a:schemeClr val="accent1"/>
+          </a:fillRef>
+          <a:effectRef idx="0">
+            <a:schemeClr val="accent1"/>
+          </a:effectRef>
+          <a:fontRef idx="minor">
+            <a:schemeClr val="lt1"/>
+          </a:fontRef>
+        </p:style>
+        <p:txBody>
+          <a:bodyPr rtlCol="0" anchor="ctr"/>
+          <a:lstStyle/>
+          <a:p>
+            <a:pPr algn="ctr"/>
+            <a:endParaRPr lang="pt-BR">
+              <a:noFill/>
+            </a:endParaRPr>
+          </a:p>
+        </p:txBody>
+      </p:sp>
+      <p:cxnSp>
+        <p:nvCxnSpPr>
+          <p:cNvPr id="221" name="Conector reto 220"/>
+          <p:cNvCxnSpPr>
+            <a:stCxn id="217" idx="3"/>
+          </p:cNvCxnSpPr>
+          <p:nvPr/>
+        </p:nvCxnSpPr>
+        <p:spPr>
+          <a:xfrm flipV="1">
+            <a:off x="-1540820" y="-3436525"/>
+            <a:ext cx="0" cy="1948838"/>
+          </a:xfrm>
+          <a:prstGeom prst="line">
+            <a:avLst/>
+          </a:prstGeom>
+          <a:ln w="57150">
+            <a:solidFill>
+              <a:schemeClr val="tx1"/>
+            </a:solidFill>
+          </a:ln>
+        </p:spPr>
+        <p:style>
+          <a:lnRef idx="1">
+            <a:schemeClr val="accent1"/>
+          </a:lnRef>
+          <a:fillRef idx="0">
+            <a:schemeClr val="accent1"/>
+          </a:fillRef>
+          <a:effectRef idx="0">
+            <a:schemeClr val="accent1"/>
+          </a:effectRef>
+          <a:fontRef idx="minor">
+            <a:schemeClr val="tx1"/>
+          </a:fontRef>
+        </p:style>
+      </p:cxnSp>
+      <p:cxnSp>
+        <p:nvCxnSpPr>
+          <p:cNvPr id="222" name="Conector reto 221"/>
+          <p:cNvCxnSpPr/>
+          <p:nvPr/>
+        </p:nvCxnSpPr>
+        <p:spPr>
+          <a:xfrm flipV="1">
+            <a:off x="-769569" y="-2672850"/>
+            <a:ext cx="0" cy="1185163"/>
+          </a:xfrm>
+          <a:prstGeom prst="line">
+            <a:avLst/>
+          </a:prstGeom>
+          <a:ln w="57150">
+            <a:solidFill>
+              <a:schemeClr val="tx1"/>
+            </a:solidFill>
+          </a:ln>
+        </p:spPr>
+        <p:style>
+          <a:lnRef idx="1">
+            <a:schemeClr val="accent1"/>
+          </a:lnRef>
+          <a:fillRef idx="0">
+            <a:schemeClr val="accent1"/>
+          </a:fillRef>
+          <a:effectRef idx="0">
+            <a:schemeClr val="accent1"/>
+          </a:effectRef>
+          <a:fontRef idx="minor">
+            <a:schemeClr val="tx1"/>
+          </a:fontRef>
+        </p:style>
+      </p:cxnSp>
+      <p:cxnSp>
+        <p:nvCxnSpPr>
+          <p:cNvPr id="224" name="Conector reto 223"/>
+          <p:cNvCxnSpPr/>
+          <p:nvPr/>
+        </p:nvCxnSpPr>
+        <p:spPr>
+          <a:xfrm flipV="1">
+            <a:off x="5022" y="-1909175"/>
+            <a:ext cx="0" cy="421488"/>
+          </a:xfrm>
+          <a:prstGeom prst="line">
+            <a:avLst/>
+          </a:prstGeom>
+          <a:ln w="57150">
+            <a:solidFill>
+              <a:schemeClr val="tx1"/>
+            </a:solidFill>
+          </a:ln>
+        </p:spPr>
+        <p:style>
+          <a:lnRef idx="1">
+            <a:schemeClr val="accent1"/>
+          </a:lnRef>
+          <a:fillRef idx="0">
+            <a:schemeClr val="accent1"/>
+          </a:fillRef>
+          <a:effectRef idx="0">
+            <a:schemeClr val="accent1"/>
+          </a:effectRef>
+          <a:fontRef idx="minor">
+            <a:schemeClr val="tx1"/>
+          </a:fontRef>
+        </p:style>
+      </p:cxnSp>
+      <p:sp>
+        <p:nvSpPr>
+          <p:cNvPr id="226" name="Elipse 101"/>
+          <p:cNvSpPr/>
+          <p:nvPr/>
+        </p:nvSpPr>
+        <p:spPr>
+          <a:xfrm>
+            <a:off x="-62437" y="-1987459"/>
+            <a:ext cx="144000" cy="144000"/>
+          </a:xfrm>
+          <a:prstGeom prst="ellipse">
+            <a:avLst/>
+          </a:prstGeom>
+          <a:solidFill>
+            <a:schemeClr val="tx1"/>
+          </a:solidFill>
+          <a:ln w="38100">
+            <a:solidFill>
+              <a:schemeClr val="tx1"/>
+            </a:solidFill>
+          </a:ln>
+        </p:spPr>
+        <p:style>
+          <a:lnRef idx="2">
+            <a:schemeClr val="accent1">
+              <a:shade val="50000"/>
+            </a:schemeClr>
+          </a:lnRef>
+          <a:fillRef idx="1">
+            <a:schemeClr val="accent1"/>
+          </a:fillRef>
+          <a:effectRef idx="0">
+            <a:schemeClr val="accent1"/>
+          </a:effectRef>
+          <a:fontRef idx="minor">
+            <a:schemeClr val="lt1"/>
+          </a:fontRef>
+        </p:style>
+        <p:txBody>
+          <a:bodyPr rtlCol="0" anchor="ctr"/>
+          <a:lstStyle/>
+          <a:p>
+            <a:pPr algn="ctr"/>
+            <a:endParaRPr lang="pt-BR">
+              <a:noFill/>
+            </a:endParaRPr>
+          </a:p>
+        </p:txBody>
+      </p:sp>
+      <p:sp>
+        <p:nvSpPr>
+          <p:cNvPr id="227" name="Elipse 101"/>
+          <p:cNvSpPr/>
+          <p:nvPr/>
+        </p:nvSpPr>
+        <p:spPr>
+          <a:xfrm>
+            <a:off x="-841569" y="-2763188"/>
+            <a:ext cx="144000" cy="144000"/>
+          </a:xfrm>
+          <a:prstGeom prst="ellipse">
+            <a:avLst/>
+          </a:prstGeom>
+          <a:solidFill>
+            <a:schemeClr val="tx1"/>
+          </a:solidFill>
+          <a:ln w="38100">
+            <a:solidFill>
+              <a:schemeClr val="tx1"/>
+            </a:solidFill>
+          </a:ln>
+        </p:spPr>
+        <p:style>
+          <a:lnRef idx="2">
+            <a:schemeClr val="accent1">
+              <a:shade val="50000"/>
+            </a:schemeClr>
+          </a:lnRef>
+          <a:fillRef idx="1">
+            <a:schemeClr val="accent1"/>
+          </a:fillRef>
+          <a:effectRef idx="0">
+            <a:schemeClr val="accent1"/>
+          </a:effectRef>
+          <a:fontRef idx="minor">
+            <a:schemeClr val="lt1"/>
+          </a:fontRef>
+        </p:style>
+        <p:txBody>
+          <a:bodyPr rtlCol="0" anchor="ctr"/>
+          <a:lstStyle/>
+          <a:p>
+            <a:pPr algn="ctr"/>
+            <a:endParaRPr lang="pt-BR">
+              <a:noFill/>
+            </a:endParaRPr>
+          </a:p>
+        </p:txBody>
+      </p:sp>
+      <p:sp>
+        <p:nvSpPr>
+          <p:cNvPr id="228" name="Elipse 101"/>
+          <p:cNvSpPr/>
+          <p:nvPr/>
+        </p:nvSpPr>
+        <p:spPr>
+          <a:xfrm>
+            <a:off x="-1612820" y="-3511843"/>
+            <a:ext cx="144000" cy="144000"/>
+          </a:xfrm>
+          <a:prstGeom prst="ellipse">
+            <a:avLst/>
+          </a:prstGeom>
+          <a:solidFill>
+            <a:schemeClr val="tx1"/>
+          </a:solidFill>
+          <a:ln w="38100">
+            <a:solidFill>
+              <a:schemeClr val="tx1"/>
+            </a:solidFill>
+          </a:ln>
+        </p:spPr>
+        <p:style>
+          <a:lnRef idx="2">
+            <a:schemeClr val="accent1">
+              <a:shade val="50000"/>
+            </a:schemeClr>
+          </a:lnRef>
+          <a:fillRef idx="1">
+            <a:schemeClr val="accent1"/>
+          </a:fillRef>
+          <a:effectRef idx="0">
+            <a:schemeClr val="accent1"/>
+          </a:effectRef>
+          <a:fontRef idx="minor">
+            <a:schemeClr val="lt1"/>
+          </a:fontRef>
+        </p:style>
+        <p:txBody>
+          <a:bodyPr rtlCol="0" anchor="ctr"/>
+          <a:lstStyle/>
+          <a:p>
+            <a:pPr algn="ctr"/>
+            <a:endParaRPr lang="pt-BR">
+              <a:noFill/>
+            </a:endParaRPr>
+          </a:p>
+        </p:txBody>
+      </p:sp>
+      <p:sp>
+        <p:nvSpPr>
+          <p:cNvPr id="234" name="Elipse 101"/>
+          <p:cNvSpPr/>
+          <p:nvPr/>
+        </p:nvSpPr>
+        <p:spPr>
+          <a:xfrm>
+            <a:off x="13483409" y="-1964141"/>
+            <a:ext cx="144000" cy="144000"/>
+          </a:xfrm>
+          <a:prstGeom prst="ellipse">
+            <a:avLst/>
+          </a:prstGeom>
+          <a:solidFill>
+            <a:schemeClr val="tx1"/>
+          </a:solidFill>
+          <a:ln w="38100">
+            <a:solidFill>
+              <a:schemeClr val="tx1"/>
+            </a:solidFill>
+          </a:ln>
+        </p:spPr>
+        <p:style>
+          <a:lnRef idx="2">
+            <a:schemeClr val="accent1">
+              <a:shade val="50000"/>
+            </a:schemeClr>
+          </a:lnRef>
+          <a:fillRef idx="1">
+            <a:schemeClr val="accent1"/>
+          </a:fillRef>
+          <a:effectRef idx="0">
+            <a:schemeClr val="accent1"/>
+          </a:effectRef>
+          <a:fontRef idx="minor">
+            <a:schemeClr val="lt1"/>
+          </a:fontRef>
+        </p:style>
+        <p:txBody>
+          <a:bodyPr rtlCol="0" anchor="ctr"/>
+          <a:lstStyle/>
+          <a:p>
+            <a:pPr algn="ctr"/>
+            <a:endParaRPr lang="pt-BR">
+              <a:noFill/>
+            </a:endParaRPr>
+          </a:p>
+        </p:txBody>
+      </p:sp>
+      <p:sp>
+        <p:nvSpPr>
+          <p:cNvPr id="235" name="Elipse 101"/>
+          <p:cNvSpPr/>
+          <p:nvPr/>
+        </p:nvSpPr>
+        <p:spPr>
+          <a:xfrm>
+            <a:off x="13052121" y="-2703742"/>
+            <a:ext cx="144000" cy="144000"/>
+          </a:xfrm>
+          <a:prstGeom prst="ellipse">
+            <a:avLst/>
+          </a:prstGeom>
+          <a:solidFill>
+            <a:schemeClr val="tx1"/>
+          </a:solidFill>
+          <a:ln w="38100">
+            <a:solidFill>
+              <a:schemeClr val="tx1"/>
+            </a:solidFill>
+          </a:ln>
+        </p:spPr>
+        <p:style>
+          <a:lnRef idx="2">
+            <a:schemeClr val="accent1">
+              <a:shade val="50000"/>
+            </a:schemeClr>
+          </a:lnRef>
+          <a:fillRef idx="1">
+            <a:schemeClr val="accent1"/>
+          </a:fillRef>
+          <a:effectRef idx="0">
+            <a:schemeClr val="accent1"/>
+          </a:effectRef>
+          <a:fontRef idx="minor">
+            <a:schemeClr val="lt1"/>
+          </a:fontRef>
+        </p:style>
+        <p:txBody>
+          <a:bodyPr rtlCol="0" anchor="ctr"/>
+          <a:lstStyle/>
+          <a:p>
+            <a:pPr algn="ctr"/>
+            <a:endParaRPr lang="pt-BR">
+              <a:noFill/>
+            </a:endParaRPr>
+          </a:p>
+        </p:txBody>
+      </p:sp>
+      <p:sp>
+        <p:nvSpPr>
+          <p:cNvPr id="236" name="Elipse 101"/>
+          <p:cNvSpPr/>
+          <p:nvPr/>
+        </p:nvSpPr>
+        <p:spPr>
+          <a:xfrm>
+            <a:off x="12602137" y="-3507196"/>
+            <a:ext cx="144000" cy="144000"/>
+          </a:xfrm>
+          <a:prstGeom prst="ellipse">
+            <a:avLst/>
+          </a:prstGeom>
+          <a:solidFill>
+            <a:schemeClr val="tx1"/>
+          </a:solidFill>
+          <a:ln w="38100">
+            <a:solidFill>
+              <a:schemeClr val="tx1"/>
+            </a:solidFill>
+          </a:ln>
+        </p:spPr>
+        <p:style>
+          <a:lnRef idx="2">
+            <a:schemeClr val="accent1">
+              <a:shade val="50000"/>
+            </a:schemeClr>
+          </a:lnRef>
+          <a:fillRef idx="1">
+            <a:schemeClr val="accent1"/>
+          </a:fillRef>
+          <a:effectRef idx="0">
+            <a:schemeClr val="accent1"/>
+          </a:effectRef>
+          <a:fontRef idx="minor">
+            <a:schemeClr val="lt1"/>
+          </a:fontRef>
+        </p:style>
+        <p:txBody>
+          <a:bodyPr rtlCol="0" anchor="ctr"/>
+          <a:lstStyle/>
+          <a:p>
+            <a:pPr algn="ctr"/>
+            <a:endParaRPr lang="pt-BR">
+              <a:noFill/>
+            </a:endParaRPr>
+          </a:p>
+        </p:txBody>
+      </p:sp>
+      <p:sp>
+        <p:nvSpPr>
+          <p:cNvPr id="239" name="Elipse 238"/>
+          <p:cNvSpPr/>
+          <p:nvPr/>
+        </p:nvSpPr>
+        <p:spPr>
+          <a:xfrm>
+            <a:off x="14472468" y="-3624140"/>
+            <a:ext cx="382715" cy="368593"/>
+          </a:xfrm>
+          <a:prstGeom prst="ellipse">
+            <a:avLst/>
+          </a:prstGeom>
+          <a:noFill/>
+          <a:ln w="38100">
+            <a:solidFill>
+              <a:schemeClr val="tx1"/>
+            </a:solidFill>
+          </a:ln>
+        </p:spPr>
+        <p:style>
+          <a:lnRef idx="2">
+            <a:schemeClr val="accent1">
+              <a:shade val="50000"/>
+            </a:schemeClr>
+          </a:lnRef>
+          <a:fillRef idx="1">
+            <a:schemeClr val="accent1"/>
+          </a:fillRef>
+          <a:effectRef idx="0">
+            <a:schemeClr val="accent1"/>
+          </a:effectRef>
+          <a:fontRef idx="minor">
+            <a:schemeClr val="lt1"/>
+          </a:fontRef>
+        </p:style>
+        <p:txBody>
+          <a:bodyPr rtlCol="0" anchor="ctr"/>
+          <a:lstStyle/>
+          <a:p>
+            <a:pPr algn="ctr"/>
+            <a:endParaRPr lang="pt-BR">
+              <a:noFill/>
+            </a:endParaRPr>
+          </a:p>
+        </p:txBody>
+      </p:sp>
+      <p:sp>
+        <p:nvSpPr>
+          <p:cNvPr id="240" name="Elipse 239"/>
+          <p:cNvSpPr/>
+          <p:nvPr/>
+        </p:nvSpPr>
+        <p:spPr>
+          <a:xfrm>
+            <a:off x="15199085" y="-2827110"/>
+            <a:ext cx="382715" cy="368593"/>
+          </a:xfrm>
+          <a:prstGeom prst="ellipse">
+            <a:avLst/>
+          </a:prstGeom>
+          <a:noFill/>
+          <a:ln w="38100">
+            <a:solidFill>
+              <a:schemeClr val="tx1"/>
+            </a:solidFill>
+          </a:ln>
+        </p:spPr>
+        <p:style>
+          <a:lnRef idx="2">
+            <a:schemeClr val="accent1">
+              <a:shade val="50000"/>
+            </a:schemeClr>
+          </a:lnRef>
+          <a:fillRef idx="1">
+            <a:schemeClr val="accent1"/>
+          </a:fillRef>
+          <a:effectRef idx="0">
+            <a:schemeClr val="accent1"/>
+          </a:effectRef>
+          <a:fontRef idx="minor">
+            <a:schemeClr val="lt1"/>
+          </a:fontRef>
+        </p:style>
+        <p:txBody>
+          <a:bodyPr rtlCol="0" anchor="ctr"/>
+          <a:lstStyle/>
+          <a:p>
+            <a:pPr algn="ctr"/>
+            <a:endParaRPr lang="pt-BR">
+              <a:noFill/>
+            </a:endParaRPr>
+          </a:p>
+        </p:txBody>
+      </p:sp>
+      <p:sp>
+        <p:nvSpPr>
+          <p:cNvPr id="241" name="Elipse 240"/>
+          <p:cNvSpPr/>
+          <p:nvPr/>
+        </p:nvSpPr>
+        <p:spPr>
+          <a:xfrm>
+            <a:off x="15910130" y="-2080269"/>
+            <a:ext cx="382715" cy="368593"/>
+          </a:xfrm>
+          <a:prstGeom prst="ellipse">
+            <a:avLst/>
+          </a:prstGeom>
+          <a:noFill/>
+          <a:ln w="38100">
+            <a:solidFill>
+              <a:schemeClr val="tx1"/>
+            </a:solidFill>
+          </a:ln>
+        </p:spPr>
+        <p:style>
+          <a:lnRef idx="2">
+            <a:schemeClr val="accent1">
+              <a:shade val="50000"/>
+            </a:schemeClr>
+          </a:lnRef>
+          <a:fillRef idx="1">
+            <a:schemeClr val="accent1"/>
+          </a:fillRef>
+          <a:effectRef idx="0">
+            <a:schemeClr val="accent1"/>
+          </a:effectRef>
+          <a:fontRef idx="minor">
+            <a:schemeClr val="lt1"/>
+          </a:fontRef>
+        </p:style>
+        <p:txBody>
+          <a:bodyPr rtlCol="0" anchor="ctr"/>
+          <a:lstStyle/>
+          <a:p>
+            <a:pPr algn="ctr"/>
+            <a:endParaRPr lang="pt-BR">
+              <a:noFill/>
+            </a:endParaRPr>
+          </a:p>
+        </p:txBody>
+      </p:sp>
+      <mc:AlternateContent xmlns:mc="http://schemas.openxmlformats.org/markup-compatibility/2006" xmlns:a14="http://schemas.microsoft.com/office/drawing/2010/main">
+        <mc:Choice Requires="a14">
+          <p:sp>
+            <p:nvSpPr>
+              <p:cNvPr id="242" name="CaixaDeTexto 241"/>
+              <p:cNvSpPr txBox="1"/>
+              <p:nvPr/>
+            </p:nvSpPr>
+            <p:spPr>
+              <a:xfrm>
+                <a:off x="14309978" y="-864883"/>
+                <a:ext cx="707693" cy="523220"/>
+              </a:xfrm>
+              <a:prstGeom prst="rect">
+                <a:avLst/>
+              </a:prstGeom>
+              <a:noFill/>
+            </p:spPr>
+            <p:txBody>
+              <a:bodyPr wrap="none" rtlCol="0">
+                <a:spAutoFit/>
+              </a:bodyPr>
+              <a:lstStyle/>
+              <a:p>
+                <a:pPr/>
+                <a14:m>
+                  <m:oMathPara xmlns:m="http://schemas.openxmlformats.org/officeDocument/2006/math">
+                    <m:oMathParaPr>
+                      <m:jc m:val="centerGroup"/>
+                    </m:oMathParaPr>
+                    <m:oMath xmlns:m="http://schemas.openxmlformats.org/officeDocument/2006/math">
+                      <m:sSub>
+                        <m:sSubPr>
+                          <m:ctrlPr>
+                            <a:rPr lang="pt-BR" sz="2800" b="0" i="1" smtClean="0">
+                              <a:latin typeface="Cambria Math" panose="02040503050406030204" pitchFamily="18" charset="0"/>
+                            </a:rPr>
+                          </m:ctrlPr>
+                        </m:sSubPr>
+                        <m:e>
+                          <m:r>
+                            <a:rPr lang="pt-BR" sz="2800" b="0" i="1" smtClean="0">
+                              <a:latin typeface="Cambria Math"/>
+                            </a:rPr>
+                            <m:t>𝑖</m:t>
+                          </m:r>
+                        </m:e>
+                        <m:sub>
+                          <m:r>
+                            <a:rPr lang="pt-BR" sz="2800" b="0" i="1" smtClean="0">
+                              <a:latin typeface="Cambria Math"/>
+                            </a:rPr>
+                            <m:t>𝐿𝑎</m:t>
+                          </m:r>
+                        </m:sub>
+                      </m:sSub>
+                    </m:oMath>
+                  </m:oMathPara>
+                </a14:m>
+                <a:endParaRPr lang="pt-BR" sz="2800" dirty="0"/>
+              </a:p>
+            </p:txBody>
+          </p:sp>
+        </mc:Choice>
+        <mc:Fallback xmlns="">
+          <p:sp>
+            <p:nvSpPr>
+              <p:cNvPr id="242" name="CaixaDeTexto 241"/>
+              <p:cNvSpPr txBox="1">
+                <a:spLocks noRot="1" noChangeAspect="1" noMove="1" noResize="1" noEditPoints="1" noAdjustHandles="1" noChangeArrowheads="1" noChangeShapeType="1" noTextEdit="1"/>
+              </p:cNvSpPr>
+              <p:nvPr/>
+            </p:nvSpPr>
+            <p:spPr>
+              <a:xfrm>
+                <a:off x="14309978" y="-864883"/>
+                <a:ext cx="707693" cy="523220"/>
+              </a:xfrm>
+              <a:prstGeom prst="rect">
+                <a:avLst/>
+              </a:prstGeom>
+              <a:blipFill>
+                <a:blip r:embed="rId33"/>
+                <a:stretch>
+                  <a:fillRect/>
+                </a:stretch>
+              </a:blipFill>
+            </p:spPr>
+            <p:txBody>
+              <a:bodyPr/>
+              <a:lstStyle/>
+              <a:p>
+                <a:r>
+                  <a:rPr lang="pt-BR">
+                    <a:noFill/>
+                  </a:rPr>
+                  <a:t> </a:t>
+                </a:r>
+              </a:p>
+            </p:txBody>
+          </p:sp>
+        </mc:Fallback>
+      </mc:AlternateContent>
+      <mc:AlternateContent xmlns:mc="http://schemas.openxmlformats.org/markup-compatibility/2006" xmlns:a14="http://schemas.microsoft.com/office/drawing/2010/main">
+        <mc:Choice Requires="a14">
+          <p:sp>
+            <p:nvSpPr>
+              <p:cNvPr id="243" name="CaixaDeTexto 242"/>
+              <p:cNvSpPr txBox="1"/>
+              <p:nvPr/>
+            </p:nvSpPr>
+            <p:spPr>
+              <a:xfrm>
+                <a:off x="15074459" y="-864883"/>
+                <a:ext cx="701923" cy="523220"/>
+              </a:xfrm>
+              <a:prstGeom prst="rect">
+                <a:avLst/>
+              </a:prstGeom>
+              <a:noFill/>
+            </p:spPr>
+            <p:txBody>
+              <a:bodyPr wrap="none" rtlCol="0">
+                <a:spAutoFit/>
+              </a:bodyPr>
+              <a:lstStyle/>
+              <a:p>
+                <a:pPr/>
+                <a14:m>
+                  <m:oMathPara xmlns:m="http://schemas.openxmlformats.org/officeDocument/2006/math">
+                    <m:oMathParaPr>
+                      <m:jc m:val="centerGroup"/>
+                    </m:oMathParaPr>
+                    <m:oMath xmlns:m="http://schemas.openxmlformats.org/officeDocument/2006/math">
+                      <m:sSub>
+                        <m:sSubPr>
+                          <m:ctrlPr>
+                            <a:rPr lang="pt-BR" sz="2800" b="0" i="1" smtClean="0">
+                              <a:latin typeface="Cambria Math" panose="02040503050406030204" pitchFamily="18" charset="0"/>
+                            </a:rPr>
+                          </m:ctrlPr>
+                        </m:sSubPr>
+                        <m:e>
+                          <m:r>
+                            <a:rPr lang="pt-BR" sz="2800" b="0" i="1" smtClean="0">
+                              <a:latin typeface="Cambria Math"/>
+                            </a:rPr>
+                            <m:t>𝑖</m:t>
+                          </m:r>
+                        </m:e>
+                        <m:sub>
+                          <m:r>
+                            <a:rPr lang="pt-BR" sz="2800" b="0" i="1" smtClean="0">
+                              <a:latin typeface="Cambria Math"/>
+                            </a:rPr>
+                            <m:t>𝐿𝑏</m:t>
+                          </m:r>
+                        </m:sub>
+                      </m:sSub>
+                    </m:oMath>
+                  </m:oMathPara>
+                </a14:m>
+                <a:endParaRPr lang="pt-BR" sz="2800" dirty="0"/>
+              </a:p>
+            </p:txBody>
+          </p:sp>
+        </mc:Choice>
+        <mc:Fallback xmlns="">
+          <p:sp>
+            <p:nvSpPr>
+              <p:cNvPr id="243" name="CaixaDeTexto 242"/>
+              <p:cNvSpPr txBox="1">
+                <a:spLocks noRot="1" noChangeAspect="1" noMove="1" noResize="1" noEditPoints="1" noAdjustHandles="1" noChangeArrowheads="1" noChangeShapeType="1" noTextEdit="1"/>
+              </p:cNvSpPr>
+              <p:nvPr/>
+            </p:nvSpPr>
+            <p:spPr>
+              <a:xfrm>
+                <a:off x="15074459" y="-864883"/>
+                <a:ext cx="701923" cy="523220"/>
+              </a:xfrm>
+              <a:prstGeom prst="rect">
+                <a:avLst/>
+              </a:prstGeom>
+              <a:blipFill>
+                <a:blip r:embed="rId34"/>
+                <a:stretch>
+                  <a:fillRect/>
+                </a:stretch>
+              </a:blipFill>
+            </p:spPr>
+            <p:txBody>
+              <a:bodyPr/>
+              <a:lstStyle/>
+              <a:p>
+                <a:r>
+                  <a:rPr lang="pt-BR">
+                    <a:noFill/>
+                  </a:rPr>
+                  <a:t> </a:t>
+                </a:r>
+              </a:p>
+            </p:txBody>
+          </p:sp>
+        </mc:Fallback>
+      </mc:AlternateContent>
+      <mc:AlternateContent xmlns:mc="http://schemas.openxmlformats.org/markup-compatibility/2006" xmlns:a14="http://schemas.microsoft.com/office/drawing/2010/main">
+        <mc:Choice Requires="a14">
+          <p:sp>
+            <p:nvSpPr>
+              <p:cNvPr id="244" name="CaixaDeTexto 243"/>
+              <p:cNvSpPr txBox="1"/>
+              <p:nvPr/>
+            </p:nvSpPr>
+            <p:spPr>
+              <a:xfrm>
+                <a:off x="15787631" y="-887232"/>
+                <a:ext cx="679097" cy="523220"/>
+              </a:xfrm>
+              <a:prstGeom prst="rect">
+                <a:avLst/>
+              </a:prstGeom>
+              <a:noFill/>
+            </p:spPr>
+            <p:txBody>
+              <a:bodyPr wrap="none" rtlCol="0">
+                <a:spAutoFit/>
+              </a:bodyPr>
+              <a:lstStyle/>
+              <a:p>
+                <a:pPr/>
+                <a14:m>
+                  <m:oMathPara xmlns:m="http://schemas.openxmlformats.org/officeDocument/2006/math">
+                    <m:oMathParaPr>
+                      <m:jc m:val="centerGroup"/>
+                    </m:oMathParaPr>
+                    <m:oMath xmlns:m="http://schemas.openxmlformats.org/officeDocument/2006/math">
+                      <m:sSub>
+                        <m:sSubPr>
+                          <m:ctrlPr>
+                            <a:rPr lang="pt-BR" sz="2800" b="0" i="1" smtClean="0">
+                              <a:latin typeface="Cambria Math" panose="02040503050406030204" pitchFamily="18" charset="0"/>
+                            </a:rPr>
+                          </m:ctrlPr>
+                        </m:sSubPr>
+                        <m:e>
+                          <m:r>
+                            <a:rPr lang="pt-BR" sz="2800" b="0" i="1" smtClean="0">
+                              <a:latin typeface="Cambria Math"/>
+                            </a:rPr>
+                            <m:t>𝑖</m:t>
+                          </m:r>
+                        </m:e>
+                        <m:sub>
+                          <m:r>
+                            <a:rPr lang="pt-BR" sz="2800" b="0" i="1" smtClean="0">
+                              <a:latin typeface="Cambria Math"/>
+                            </a:rPr>
+                            <m:t>𝐿𝑐</m:t>
+                          </m:r>
+                        </m:sub>
+                      </m:sSub>
+                    </m:oMath>
+                  </m:oMathPara>
+                </a14:m>
+                <a:endParaRPr lang="pt-BR" sz="2800" dirty="0"/>
+              </a:p>
+            </p:txBody>
+          </p:sp>
+        </mc:Choice>
+        <mc:Fallback xmlns="">
+          <p:sp>
+            <p:nvSpPr>
+              <p:cNvPr id="244" name="CaixaDeTexto 243"/>
+              <p:cNvSpPr txBox="1">
+                <a:spLocks noRot="1" noChangeAspect="1" noMove="1" noResize="1" noEditPoints="1" noAdjustHandles="1" noChangeArrowheads="1" noChangeShapeType="1" noTextEdit="1"/>
+              </p:cNvSpPr>
+              <p:nvPr/>
+            </p:nvSpPr>
+            <p:spPr>
+              <a:xfrm>
+                <a:off x="15787631" y="-887232"/>
+                <a:ext cx="679097" cy="523220"/>
+              </a:xfrm>
+              <a:prstGeom prst="rect">
+                <a:avLst/>
+              </a:prstGeom>
+              <a:blipFill>
+                <a:blip r:embed="rId35"/>
+                <a:stretch>
+                  <a:fillRect/>
+                </a:stretch>
+              </a:blipFill>
+            </p:spPr>
+            <p:txBody>
+              <a:bodyPr/>
+              <a:lstStyle/>
+              <a:p>
+                <a:r>
+                  <a:rPr lang="pt-BR">
+                    <a:noFill/>
+                  </a:rPr>
+                  <a:t> </a:t>
+                </a:r>
+              </a:p>
+            </p:txBody>
+          </p:sp>
+        </mc:Fallback>
+      </mc:AlternateContent>
+      <p:cxnSp>
+        <p:nvCxnSpPr>
+          <p:cNvPr id="245" name="Conector de seta reta 33"/>
+          <p:cNvCxnSpPr>
+            <a:stCxn id="240" idx="4"/>
+          </p:cNvCxnSpPr>
+          <p:nvPr/>
+        </p:nvCxnSpPr>
+        <p:spPr>
+          <a:xfrm>
+            <a:off x="15390443" y="-2458517"/>
+            <a:ext cx="0" cy="1577736"/>
+          </a:xfrm>
+          <a:prstGeom prst="straightConnector1">
+            <a:avLst/>
+          </a:prstGeom>
+          <a:ln w="38100">
+            <a:solidFill>
+              <a:schemeClr val="tx1"/>
+            </a:solidFill>
+            <a:tailEnd type="arrow"/>
+          </a:ln>
+        </p:spPr>
+        <p:style>
+          <a:lnRef idx="1">
+            <a:schemeClr val="accent1"/>
+          </a:lnRef>
+          <a:fillRef idx="0">
+            <a:schemeClr val="accent1"/>
+          </a:fillRef>
+          <a:effectRef idx="0">
+            <a:schemeClr val="accent1"/>
+          </a:effectRef>
+          <a:fontRef idx="minor">
+            <a:schemeClr val="tx1"/>
+          </a:fontRef>
+        </p:style>
+      </p:cxnSp>
+      <p:cxnSp>
+        <p:nvCxnSpPr>
+          <p:cNvPr id="246" name="Conector de seta reta 33"/>
+          <p:cNvCxnSpPr>
+            <a:stCxn id="241" idx="4"/>
+            <a:endCxn id="244" idx="0"/>
+          </p:cNvCxnSpPr>
+          <p:nvPr/>
+        </p:nvCxnSpPr>
+        <p:spPr>
+          <a:xfrm>
+            <a:off x="16101488" y="-1711676"/>
+            <a:ext cx="0" cy="824444"/>
+          </a:xfrm>
+          <a:prstGeom prst="straightConnector1">
+            <a:avLst/>
+          </a:prstGeom>
+          <a:ln w="38100">
+            <a:solidFill>
+              <a:schemeClr val="tx1"/>
+            </a:solidFill>
+            <a:tailEnd type="arrow"/>
+          </a:ln>
+        </p:spPr>
+        <p:style>
+          <a:lnRef idx="1">
+            <a:schemeClr val="accent1"/>
+          </a:lnRef>
+          <a:fillRef idx="0">
+            <a:schemeClr val="accent1"/>
+          </a:fillRef>
+          <a:effectRef idx="0">
+            <a:schemeClr val="accent1"/>
+          </a:effectRef>
+          <a:fontRef idx="minor">
+            <a:schemeClr val="tx1"/>
+          </a:fontRef>
+        </p:style>
+      </p:cxnSp>
+      <p:cxnSp>
+        <p:nvCxnSpPr>
+          <p:cNvPr id="247" name="Conector de seta reta 33"/>
+          <p:cNvCxnSpPr>
+            <a:stCxn id="239" idx="4"/>
+          </p:cNvCxnSpPr>
+          <p:nvPr/>
+        </p:nvCxnSpPr>
+        <p:spPr>
+          <a:xfrm>
+            <a:off x="14663826" y="-3255547"/>
+            <a:ext cx="4027" cy="2391215"/>
+          </a:xfrm>
+          <a:prstGeom prst="straightConnector1">
+            <a:avLst/>
+          </a:prstGeom>
+          <a:ln w="38100">
+            <a:solidFill>
+              <a:schemeClr val="tx1"/>
+            </a:solidFill>
+            <a:tailEnd type="arrow"/>
+          </a:ln>
+        </p:spPr>
+        <p:style>
+          <a:lnRef idx="1">
+            <a:schemeClr val="accent1"/>
+          </a:lnRef>
+          <a:fillRef idx="0">
+            <a:schemeClr val="accent1"/>
+          </a:fillRef>
+          <a:effectRef idx="0">
+            <a:schemeClr val="accent1"/>
+          </a:effectRef>
+          <a:fontRef idx="minor">
+            <a:schemeClr val="tx1"/>
+          </a:fontRef>
+        </p:style>
+      </p:cxnSp>
+      <p:sp>
+        <p:nvSpPr>
+          <p:cNvPr id="256" name="Elipse 255"/>
+          <p:cNvSpPr/>
+          <p:nvPr/>
+        </p:nvSpPr>
+        <p:spPr>
+          <a:xfrm>
+            <a:off x="15236935" y="-112661"/>
+            <a:ext cx="341549" cy="341549"/>
+          </a:xfrm>
+          <a:prstGeom prst="ellipse">
+            <a:avLst/>
+          </a:prstGeom>
+          <a:noFill/>
+          <a:ln>
+            <a:solidFill>
+              <a:schemeClr val="tx1"/>
+            </a:solidFill>
+          </a:ln>
+        </p:spPr>
+        <p:style>
+          <a:lnRef idx="2">
+            <a:schemeClr val="accent1">
+              <a:shade val="50000"/>
+            </a:schemeClr>
+          </a:lnRef>
+          <a:fillRef idx="1">
+            <a:schemeClr val="accent1"/>
+          </a:fillRef>
+          <a:effectRef idx="0">
+            <a:schemeClr val="accent1"/>
+          </a:effectRef>
+          <a:fontRef idx="minor">
+            <a:schemeClr val="lt1"/>
+          </a:fontRef>
+        </p:style>
+        <p:txBody>
+          <a:bodyPr rtlCol="0" anchor="ctr"/>
+          <a:lstStyle/>
+          <a:p>
+            <a:pPr algn="ctr"/>
+            <a:r>
+              <a:rPr lang="pt-BR" dirty="0">
+                <a:solidFill>
+                  <a:sysClr val="windowText" lastClr="000000"/>
+                </a:solidFill>
+              </a:rPr>
+              <a:t>3</a:t>
+            </a:r>
+          </a:p>
+        </p:txBody>
+      </p:sp>
+      <p:sp>
+        <p:nvSpPr>
+          <p:cNvPr id="257" name="Elipse 256"/>
+          <p:cNvSpPr/>
+          <p:nvPr/>
+        </p:nvSpPr>
+        <p:spPr>
+          <a:xfrm>
+            <a:off x="5078502" y="8438317"/>
+            <a:ext cx="341549" cy="341549"/>
+          </a:xfrm>
+          <a:prstGeom prst="ellipse">
+            <a:avLst/>
+          </a:prstGeom>
+          <a:noFill/>
+          <a:ln>
+            <a:solidFill>
+              <a:schemeClr val="tx1"/>
+            </a:solidFill>
+          </a:ln>
+        </p:spPr>
+        <p:style>
+          <a:lnRef idx="2">
+            <a:schemeClr val="accent1">
+              <a:shade val="50000"/>
+            </a:schemeClr>
+          </a:lnRef>
+          <a:fillRef idx="1">
+            <a:schemeClr val="accent1"/>
+          </a:fillRef>
+          <a:effectRef idx="0">
+            <a:schemeClr val="accent1"/>
+          </a:effectRef>
+          <a:fontRef idx="minor">
+            <a:schemeClr val="lt1"/>
+          </a:fontRef>
+        </p:style>
+        <p:txBody>
+          <a:bodyPr rtlCol="0" anchor="ctr"/>
+          <a:lstStyle/>
+          <a:p>
+            <a:pPr algn="ctr"/>
+            <a:r>
+              <a:rPr lang="pt-BR" dirty="0">
+                <a:solidFill>
+                  <a:sysClr val="windowText" lastClr="000000"/>
+                </a:solidFill>
+              </a:rPr>
+              <a:t>3</a:t>
+            </a:r>
+          </a:p>
+        </p:txBody>
+      </p:sp>
+      <p:cxnSp>
+        <p:nvCxnSpPr>
+          <p:cNvPr id="261" name="Conector de seta reta 22"/>
+          <p:cNvCxnSpPr>
+            <a:cxnSpLocks/>
+          </p:cNvCxnSpPr>
+          <p:nvPr/>
+        </p:nvCxnSpPr>
+        <p:spPr>
+          <a:xfrm>
+            <a:off x="4409104" y="496399"/>
+            <a:ext cx="970236" cy="0"/>
+          </a:xfrm>
+          <a:prstGeom prst="straightConnector1">
+            <a:avLst/>
+          </a:prstGeom>
+          <a:ln w="38100">
+            <a:solidFill>
+              <a:schemeClr val="tx1"/>
+            </a:solidFill>
+            <a:tailEnd type="arrow"/>
+          </a:ln>
+        </p:spPr>
+        <p:style>
+          <a:lnRef idx="1">
+            <a:schemeClr val="accent1"/>
+          </a:lnRef>
+          <a:fillRef idx="0">
+            <a:schemeClr val="accent1"/>
+          </a:fillRef>
+          <a:effectRef idx="0">
+            <a:schemeClr val="accent1"/>
+          </a:effectRef>
+          <a:fontRef idx="minor">
+            <a:schemeClr val="tx1"/>
+          </a:fontRef>
+        </p:style>
+      </p:cxnSp>
+      <p:cxnSp>
+        <p:nvCxnSpPr>
+          <p:cNvPr id="262" name="Conector de seta reta 22"/>
+          <p:cNvCxnSpPr/>
+          <p:nvPr/>
+        </p:nvCxnSpPr>
+        <p:spPr>
+          <a:xfrm flipH="1">
+            <a:off x="5935443" y="515257"/>
+            <a:ext cx="836543" cy="0"/>
+          </a:xfrm>
+          <a:prstGeom prst="straightConnector1">
+            <a:avLst/>
+          </a:prstGeom>
+          <a:ln w="38100">
+            <a:solidFill>
+              <a:schemeClr val="tx1"/>
+            </a:solidFill>
+            <a:tailEnd type="arrow"/>
+          </a:ln>
+        </p:spPr>
+        <p:style>
+          <a:lnRef idx="1">
+            <a:schemeClr val="accent1"/>
+          </a:lnRef>
+          <a:fillRef idx="0">
+            <a:schemeClr val="accent1"/>
+          </a:fillRef>
+          <a:effectRef idx="0">
+            <a:schemeClr val="accent1"/>
+          </a:effectRef>
+          <a:fontRef idx="minor">
+            <a:schemeClr val="tx1"/>
+          </a:fontRef>
+        </p:style>
+      </p:cxnSp>
+      <p:cxnSp>
+        <p:nvCxnSpPr>
+          <p:cNvPr id="266" name="Conector de seta reta 33"/>
+          <p:cNvCxnSpPr/>
+          <p:nvPr/>
+        </p:nvCxnSpPr>
+        <p:spPr>
+          <a:xfrm flipH="1">
+            <a:off x="5649340" y="785257"/>
+            <a:ext cx="798" cy="1578794"/>
+          </a:xfrm>
+          <a:prstGeom prst="straightConnector1">
+            <a:avLst/>
+          </a:prstGeom>
+          <a:ln w="38100">
+            <a:solidFill>
+              <a:schemeClr val="tx1"/>
+            </a:solidFill>
+            <a:tailEnd type="arrow"/>
+          </a:ln>
+        </p:spPr>
+        <p:style>
+          <a:lnRef idx="1">
+            <a:schemeClr val="accent1"/>
+          </a:lnRef>
+          <a:fillRef idx="0">
+            <a:schemeClr val="accent1"/>
+          </a:fillRef>
+          <a:effectRef idx="0">
+            <a:schemeClr val="accent1"/>
+          </a:effectRef>
+          <a:fontRef idx="minor">
+            <a:schemeClr val="tx1"/>
+          </a:fontRef>
+        </p:style>
+      </p:cxnSp>
+      <p:sp>
+        <p:nvSpPr>
+          <p:cNvPr id="269" name="Texto Explicativo: Seta para Cima 268"/>
+          <p:cNvSpPr/>
+          <p:nvPr/>
+        </p:nvSpPr>
+        <p:spPr>
+          <a:xfrm>
+            <a:off x="7107513" y="2194280"/>
+            <a:ext cx="4540104" cy="1562458"/>
+          </a:xfrm>
+          <a:prstGeom prst="upArrowCallout">
+            <a:avLst>
+              <a:gd name="adj1" fmla="val 29167"/>
+              <a:gd name="adj2" fmla="val 33333"/>
+              <a:gd name="adj3" fmla="val 35675"/>
+              <a:gd name="adj4" fmla="val 37774"/>
+            </a:avLst>
+          </a:prstGeom>
+          <a:noFill/>
+          <a:ln w="38100">
+            <a:solidFill>
+              <a:schemeClr val="tx1"/>
+            </a:solidFill>
+          </a:ln>
+        </p:spPr>
+        <p:style>
+          <a:lnRef idx="2">
+            <a:schemeClr val="accent1">
+              <a:shade val="50000"/>
+            </a:schemeClr>
+          </a:lnRef>
+          <a:fillRef idx="1">
+            <a:schemeClr val="accent1"/>
+          </a:fillRef>
+          <a:effectRef idx="0">
+            <a:schemeClr val="accent1"/>
+          </a:effectRef>
+          <a:fontRef idx="minor">
+            <a:schemeClr val="lt1"/>
+          </a:fontRef>
+        </p:style>
+        <p:txBody>
+          <a:bodyPr rtlCol="0" anchor="ctr"/>
+          <a:lstStyle/>
+          <a:p>
+            <a:pPr algn="ctr"/>
+            <a:r>
+              <a:rPr lang="pt-BR" sz="2400" dirty="0">
+                <a:solidFill>
+                  <a:schemeClr val="tx1"/>
+                </a:solidFill>
+              </a:rPr>
+              <a:t>PWM</a:t>
+            </a:r>
+          </a:p>
+        </p:txBody>
+      </p:sp>
+      <p:pic>
+        <p:nvPicPr>
+          <p:cNvPr id="270" name="Picture 3"/>
+          <p:cNvPicPr>
+            <a:picLocks noChangeAspect="1" noChangeArrowheads="1"/>
+          </p:cNvPicPr>
+          <p:nvPr/>
+        </p:nvPicPr>
+        <p:blipFill>
+          <a:blip r:embed="rId36">
+            <a:extLst>
+              <a:ext uri="{28A0092B-C50C-407E-A947-70E740481C1C}">
+                <a14:useLocalDpi xmlns:a14="http://schemas.microsoft.com/office/drawing/2010/main" val="0"/>
+              </a:ext>
+            </a:extLst>
+          </a:blip>
+          <a:srcRect/>
+          <a:stretch>
+            <a:fillRect/>
+          </a:stretch>
+        </p:blipFill>
+        <p:spPr bwMode="auto">
+          <a:xfrm>
+            <a:off x="16938679" y="-3454254"/>
+            <a:ext cx="1285240" cy="1576800"/>
+          </a:xfrm>
+          <a:prstGeom prst="rect">
+            <a:avLst/>
+          </a:prstGeom>
+          <a:noFill/>
+          <a:ln>
+            <a:noFill/>
+          </a:ln>
+          <a:effectLst/>
+          <a:extLst>
+            <a:ext uri="{909E8E84-426E-40DD-AFC4-6F175D3DCCD1}">
+              <a14:hiddenFill xmlns:a14="http://schemas.microsoft.com/office/drawing/2010/main">
+                <a:solidFill>
+                  <a:schemeClr val="accent1"/>
+                </a:solidFill>
+              </a14:hiddenFill>
+            </a:ext>
+            <a:ext uri="{91240B29-F687-4F45-9708-019B960494DF}">
+              <a14:hiddenLine xmlns:a14="http://schemas.microsoft.com/office/drawing/2010/main" w="9525">
+                <a:solidFill>
+                  <a:schemeClr val="tx1"/>
+                </a:solidFill>
+                <a:miter lim="800000"/>
+                <a:headEnd/>
+                <a:tailEnd/>
+              </a14:hiddenLine>
+            </a:ext>
+            <a:ext uri="{AF507438-7753-43E0-B8FC-AC1667EBCBE1}">
+              <a14:hiddenEffects xmlns:a14="http://schemas.microsoft.com/office/drawing/2010/main">
+                <a:effectLst>
+                  <a:outerShdw dist="35921" dir="2700000" algn="ctr" rotWithShape="0">
+                    <a:schemeClr val="bg2"/>
+                  </a:outerShdw>
+                </a:effectLst>
+              </a14:hiddenEffects>
+            </a:ext>
+          </a:extLst>
+        </p:spPr>
+      </p:pic>
+      <p:cxnSp>
+        <p:nvCxnSpPr>
+          <p:cNvPr id="275" name="Conector: Angulado 274"/>
+          <p:cNvCxnSpPr>
+            <a:cxnSpLocks/>
+          </p:cNvCxnSpPr>
+          <p:nvPr/>
+        </p:nvCxnSpPr>
+        <p:spPr>
+          <a:xfrm rot="5400000">
+            <a:off x="-4200384" y="-564461"/>
+            <a:ext cx="2862790" cy="2456339"/>
+          </a:xfrm>
+          <a:prstGeom prst="bentConnector3">
+            <a:avLst>
+              <a:gd name="adj1" fmla="val 11405"/>
+            </a:avLst>
+          </a:prstGeom>
+          <a:ln w="38100">
+            <a:solidFill>
+              <a:schemeClr val="tx1"/>
+            </a:solidFill>
+            <a:headEnd type="none" w="med" len="med"/>
+            <a:tailEnd type="none" w="med" len="med"/>
+          </a:ln>
+        </p:spPr>
+        <p:style>
+          <a:lnRef idx="1">
+            <a:schemeClr val="accent1"/>
+          </a:lnRef>
+          <a:fillRef idx="0">
+            <a:schemeClr val="accent1"/>
+          </a:fillRef>
+          <a:effectRef idx="0">
+            <a:schemeClr val="accent1"/>
+          </a:effectRef>
+          <a:fontRef idx="minor">
+            <a:schemeClr val="tx1"/>
+          </a:fontRef>
+        </p:style>
+      </p:cxnSp>
+      <p:cxnSp>
+        <p:nvCxnSpPr>
+          <p:cNvPr id="280" name="Conector: Angulado 279"/>
+          <p:cNvCxnSpPr>
+            <a:cxnSpLocks/>
+            <a:stCxn id="218" idx="0"/>
+          </p:cNvCxnSpPr>
+          <p:nvPr/>
+        </p:nvCxnSpPr>
+        <p:spPr>
+          <a:xfrm rot="5400000">
+            <a:off x="-3899625" y="-634843"/>
+            <a:ext cx="3262900" cy="2997213"/>
+          </a:xfrm>
+          <a:prstGeom prst="bentConnector3">
+            <a:avLst>
+              <a:gd name="adj1" fmla="val 21139"/>
+            </a:avLst>
+          </a:prstGeom>
+          <a:ln w="38100">
+            <a:solidFill>
+              <a:schemeClr val="tx1"/>
+            </a:solidFill>
+            <a:headEnd type="none" w="med" len="med"/>
+            <a:tailEnd type="none" w="med" len="med"/>
+          </a:ln>
+        </p:spPr>
+        <p:style>
+          <a:lnRef idx="1">
+            <a:schemeClr val="accent1"/>
+          </a:lnRef>
+          <a:fillRef idx="0">
+            <a:schemeClr val="accent1"/>
+          </a:fillRef>
+          <a:effectRef idx="0">
+            <a:schemeClr val="accent1"/>
+          </a:effectRef>
+          <a:fontRef idx="minor">
+            <a:schemeClr val="tx1"/>
+          </a:fontRef>
+        </p:style>
+      </p:cxnSp>
+      <p:cxnSp>
+        <p:nvCxnSpPr>
+          <p:cNvPr id="288" name="Conector: Angulado 287"/>
+          <p:cNvCxnSpPr>
+            <a:cxnSpLocks/>
+            <a:stCxn id="219" idx="0"/>
+          </p:cNvCxnSpPr>
+          <p:nvPr/>
+        </p:nvCxnSpPr>
+        <p:spPr>
+          <a:xfrm rot="5400000">
+            <a:off x="-3977293" y="-296763"/>
+            <a:ext cx="4452135" cy="3512497"/>
+          </a:xfrm>
+          <a:prstGeom prst="bentConnector3">
+            <a:avLst>
+              <a:gd name="adj1" fmla="val 23637"/>
+            </a:avLst>
+          </a:prstGeom>
+          <a:ln w="38100">
+            <a:solidFill>
+              <a:schemeClr val="tx1"/>
+            </a:solidFill>
+            <a:headEnd type="none" w="med" len="med"/>
+            <a:tailEnd type="none" w="med" len="med"/>
+          </a:ln>
+        </p:spPr>
+        <p:style>
+          <a:lnRef idx="1">
+            <a:schemeClr val="accent1"/>
+          </a:lnRef>
+          <a:fillRef idx="0">
+            <a:schemeClr val="accent1"/>
+          </a:fillRef>
+          <a:effectRef idx="0">
+            <a:schemeClr val="accent1"/>
+          </a:effectRef>
+          <a:fontRef idx="minor">
+            <a:schemeClr val="tx1"/>
+          </a:fontRef>
+        </p:style>
+      </p:cxnSp>
+      <mc:AlternateContent xmlns:mc="http://schemas.openxmlformats.org/markup-compatibility/2006" xmlns:a14="http://schemas.microsoft.com/office/drawing/2010/main">
+        <mc:Choice Requires="a14">
+          <p:sp>
+            <p:nvSpPr>
+              <p:cNvPr id="307" name="CaixaDeTexto 306"/>
+              <p:cNvSpPr txBox="1"/>
+              <p:nvPr/>
+            </p:nvSpPr>
+            <p:spPr>
+              <a:xfrm>
+                <a:off x="-2977257" y="-1029297"/>
+                <a:ext cx="625749" cy="523220"/>
+              </a:xfrm>
+              <a:prstGeom prst="rect">
+                <a:avLst/>
+              </a:prstGeom>
+              <a:noFill/>
+            </p:spPr>
+            <p:txBody>
+              <a:bodyPr wrap="none" rtlCol="0">
+                <a:spAutoFit/>
+              </a:bodyPr>
+              <a:lstStyle/>
+              <a:p>
+                <a:pPr/>
+                <a14:m>
+                  <m:oMathPara xmlns:m="http://schemas.openxmlformats.org/officeDocument/2006/math">
+                    <m:oMathParaPr>
+                      <m:jc m:val="centerGroup"/>
+                    </m:oMathParaPr>
+                    <m:oMath xmlns:m="http://schemas.openxmlformats.org/officeDocument/2006/math">
+                      <m:sSub>
+                        <m:sSubPr>
+                          <m:ctrlPr>
+                            <a:rPr lang="pt-BR" sz="2800" b="0" i="1" smtClean="0">
+                              <a:latin typeface="Cambria Math" panose="02040503050406030204" pitchFamily="18" charset="0"/>
+                            </a:rPr>
+                          </m:ctrlPr>
+                        </m:sSubPr>
+                        <m:e>
+                          <m:r>
+                            <a:rPr lang="pt-BR" sz="2800" b="0" i="1" smtClean="0">
+                              <a:latin typeface="Cambria Math" panose="02040503050406030204" pitchFamily="18" charset="0"/>
+                            </a:rPr>
+                            <m:t>𝑣</m:t>
+                          </m:r>
+                        </m:e>
+                        <m:sub>
+                          <m:r>
+                            <a:rPr lang="pt-BR" sz="2800" b="0" i="1" smtClean="0">
+                              <a:latin typeface="Cambria Math"/>
+                            </a:rPr>
+                            <m:t>𝑎</m:t>
+                          </m:r>
+                        </m:sub>
+                      </m:sSub>
+                    </m:oMath>
+                  </m:oMathPara>
+                </a14:m>
+                <a:endParaRPr lang="pt-BR" sz="2800" dirty="0"/>
+              </a:p>
+            </p:txBody>
+          </p:sp>
+        </mc:Choice>
+        <mc:Fallback xmlns="">
+          <p:sp>
+            <p:nvSpPr>
+              <p:cNvPr id="307" name="CaixaDeTexto 306"/>
+              <p:cNvSpPr txBox="1">
+                <a:spLocks noRot="1" noChangeAspect="1" noMove="1" noResize="1" noEditPoints="1" noAdjustHandles="1" noChangeArrowheads="1" noChangeShapeType="1" noTextEdit="1"/>
+              </p:cNvSpPr>
+              <p:nvPr/>
+            </p:nvSpPr>
+            <p:spPr>
+              <a:xfrm>
+                <a:off x="-2977257" y="-1029297"/>
+                <a:ext cx="625749" cy="523220"/>
+              </a:xfrm>
+              <a:prstGeom prst="rect">
+                <a:avLst/>
+              </a:prstGeom>
+              <a:blipFill>
+                <a:blip r:embed="rId37"/>
+                <a:stretch>
+                  <a:fillRect/>
+                </a:stretch>
+              </a:blipFill>
+            </p:spPr>
+            <p:txBody>
+              <a:bodyPr/>
+              <a:lstStyle/>
+              <a:p>
+                <a:r>
+                  <a:rPr lang="pt-BR">
+                    <a:noFill/>
+                  </a:rPr>
+                  <a:t> </a:t>
+                </a:r>
+              </a:p>
+            </p:txBody>
+          </p:sp>
+        </mc:Fallback>
+      </mc:AlternateContent>
+      <mc:AlternateContent xmlns:mc="http://schemas.openxmlformats.org/markup-compatibility/2006" xmlns:a14="http://schemas.microsoft.com/office/drawing/2010/main">
+        <mc:Choice Requires="a14">
+          <p:sp>
+            <p:nvSpPr>
+              <p:cNvPr id="308" name="CaixaDeTexto 307"/>
+              <p:cNvSpPr txBox="1"/>
+              <p:nvPr/>
+            </p:nvSpPr>
+            <p:spPr>
+              <a:xfrm>
+                <a:off x="-2674864" y="-566967"/>
+                <a:ext cx="637482" cy="523220"/>
+              </a:xfrm>
+              <a:prstGeom prst="rect">
+                <a:avLst/>
+              </a:prstGeom>
+              <a:noFill/>
+            </p:spPr>
+            <p:txBody>
+              <a:bodyPr wrap="none" rtlCol="0">
+                <a:spAutoFit/>
+              </a:bodyPr>
+              <a:lstStyle/>
+              <a:p>
+                <a:pPr/>
+                <a14:m>
+                  <m:oMathPara xmlns:m="http://schemas.openxmlformats.org/officeDocument/2006/math">
+                    <m:oMathParaPr>
+                      <m:jc m:val="centerGroup"/>
+                    </m:oMathParaPr>
+                    <m:oMath xmlns:m="http://schemas.openxmlformats.org/officeDocument/2006/math">
+                      <m:sSub>
+                        <m:sSubPr>
+                          <m:ctrlPr>
+                            <a:rPr lang="pt-BR" sz="2800" b="0" i="1" smtClean="0">
+                              <a:latin typeface="Cambria Math" panose="02040503050406030204" pitchFamily="18" charset="0"/>
+                            </a:rPr>
+                          </m:ctrlPr>
+                        </m:sSubPr>
+                        <m:e>
+                          <m:r>
+                            <a:rPr lang="pt-BR" sz="2800" b="0" i="1" smtClean="0">
+                              <a:latin typeface="Cambria Math" panose="02040503050406030204" pitchFamily="18" charset="0"/>
+                            </a:rPr>
+                            <m:t>𝑣</m:t>
+                          </m:r>
+                        </m:e>
+                        <m:sub>
+                          <m:r>
+                            <a:rPr lang="pt-BR" sz="2800" b="0" i="1" smtClean="0">
+                              <a:latin typeface="Cambria Math" panose="02040503050406030204" pitchFamily="18" charset="0"/>
+                            </a:rPr>
+                            <m:t>𝑏</m:t>
+                          </m:r>
+                        </m:sub>
+                      </m:sSub>
+                    </m:oMath>
+                  </m:oMathPara>
+                </a14:m>
+                <a:endParaRPr lang="pt-BR" sz="2800" dirty="0"/>
+              </a:p>
+            </p:txBody>
+          </p:sp>
+        </mc:Choice>
+        <mc:Fallback xmlns="">
+          <p:sp>
+            <p:nvSpPr>
+              <p:cNvPr id="308" name="CaixaDeTexto 307"/>
+              <p:cNvSpPr txBox="1">
+                <a:spLocks noRot="1" noChangeAspect="1" noMove="1" noResize="1" noEditPoints="1" noAdjustHandles="1" noChangeArrowheads="1" noChangeShapeType="1" noTextEdit="1"/>
+              </p:cNvSpPr>
+              <p:nvPr/>
+            </p:nvSpPr>
+            <p:spPr>
+              <a:xfrm>
+                <a:off x="-2674864" y="-566967"/>
+                <a:ext cx="637482" cy="523220"/>
+              </a:xfrm>
+              <a:prstGeom prst="rect">
+                <a:avLst/>
+              </a:prstGeom>
+              <a:blipFill>
+                <a:blip r:embed="rId38"/>
+                <a:stretch>
+                  <a:fillRect/>
+                </a:stretch>
+              </a:blipFill>
+            </p:spPr>
+            <p:txBody>
+              <a:bodyPr/>
+              <a:lstStyle/>
+              <a:p>
+                <a:r>
+                  <a:rPr lang="pt-BR">
+                    <a:noFill/>
+                  </a:rPr>
+                  <a:t> </a:t>
+                </a:r>
+              </a:p>
+            </p:txBody>
+          </p:sp>
+        </mc:Fallback>
+      </mc:AlternateContent>
+      <mc:AlternateContent xmlns:mc="http://schemas.openxmlformats.org/markup-compatibility/2006" xmlns:a14="http://schemas.microsoft.com/office/drawing/2010/main">
+        <mc:Choice Requires="a14">
+          <p:sp>
+            <p:nvSpPr>
+              <p:cNvPr id="309" name="CaixaDeTexto 308"/>
+              <p:cNvSpPr txBox="1"/>
+              <p:nvPr/>
+            </p:nvSpPr>
+            <p:spPr>
+              <a:xfrm>
+                <a:off x="-2292839" y="-189632"/>
+                <a:ext cx="597150" cy="523220"/>
+              </a:xfrm>
+              <a:prstGeom prst="rect">
+                <a:avLst/>
+              </a:prstGeom>
+              <a:noFill/>
+            </p:spPr>
+            <p:txBody>
+              <a:bodyPr wrap="none" rtlCol="0">
+                <a:spAutoFit/>
+              </a:bodyPr>
+              <a:lstStyle/>
+              <a:p>
+                <a:pPr/>
+                <a14:m>
+                  <m:oMathPara xmlns:m="http://schemas.openxmlformats.org/officeDocument/2006/math">
+                    <m:oMathParaPr>
+                      <m:jc m:val="centerGroup"/>
+                    </m:oMathParaPr>
+                    <m:oMath xmlns:m="http://schemas.openxmlformats.org/officeDocument/2006/math">
+                      <m:sSub>
+                        <m:sSubPr>
+                          <m:ctrlPr>
+                            <a:rPr lang="pt-BR" sz="2800" b="0" i="1" smtClean="0">
+                              <a:latin typeface="Cambria Math" panose="02040503050406030204" pitchFamily="18" charset="0"/>
+                            </a:rPr>
+                          </m:ctrlPr>
+                        </m:sSubPr>
+                        <m:e>
+                          <m:r>
+                            <a:rPr lang="pt-BR" sz="2800" b="0" i="1" smtClean="0">
+                              <a:latin typeface="Cambria Math" panose="02040503050406030204" pitchFamily="18" charset="0"/>
+                            </a:rPr>
+                            <m:t>𝑣</m:t>
+                          </m:r>
+                        </m:e>
+                        <m:sub>
+                          <m:r>
+                            <a:rPr lang="pt-BR" sz="2800" b="0" i="1" smtClean="0">
+                              <a:latin typeface="Cambria Math" panose="02040503050406030204" pitchFamily="18" charset="0"/>
+                            </a:rPr>
+                            <m:t>𝑐</m:t>
+                          </m:r>
+                        </m:sub>
+                      </m:sSub>
+                    </m:oMath>
+                  </m:oMathPara>
+                </a14:m>
+                <a:endParaRPr lang="pt-BR" sz="2800" dirty="0"/>
+              </a:p>
+            </p:txBody>
+          </p:sp>
+        </mc:Choice>
+        <mc:Fallback xmlns="">
+          <p:sp>
+            <p:nvSpPr>
+              <p:cNvPr id="309" name="CaixaDeTexto 308"/>
+              <p:cNvSpPr txBox="1">
+                <a:spLocks noRot="1" noChangeAspect="1" noMove="1" noResize="1" noEditPoints="1" noAdjustHandles="1" noChangeArrowheads="1" noChangeShapeType="1" noTextEdit="1"/>
+              </p:cNvSpPr>
+              <p:nvPr/>
+            </p:nvSpPr>
+            <p:spPr>
+              <a:xfrm>
+                <a:off x="-2292839" y="-189632"/>
+                <a:ext cx="597150" cy="523220"/>
+              </a:xfrm>
+              <a:prstGeom prst="rect">
+                <a:avLst/>
+              </a:prstGeom>
+              <a:blipFill>
+                <a:blip r:embed="rId39"/>
+                <a:stretch>
+                  <a:fillRect/>
+                </a:stretch>
+              </a:blipFill>
+            </p:spPr>
+            <p:txBody>
+              <a:bodyPr/>
+              <a:lstStyle/>
+              <a:p>
+                <a:r>
+                  <a:rPr lang="pt-BR">
+                    <a:noFill/>
+                  </a:rPr>
+                  <a:t> </a:t>
+                </a:r>
+              </a:p>
+            </p:txBody>
+          </p:sp>
+        </mc:Fallback>
+      </mc:AlternateContent>
+      <p:cxnSp>
+        <p:nvCxnSpPr>
+          <p:cNvPr id="310" name="Conector: Angulado 309"/>
+          <p:cNvCxnSpPr>
+            <a:stCxn id="236" idx="4"/>
+          </p:cNvCxnSpPr>
+          <p:nvPr/>
+        </p:nvCxnSpPr>
+        <p:spPr>
+          <a:xfrm rot="5400000">
+            <a:off x="10414562" y="-1918377"/>
+            <a:ext cx="3704394" cy="814757"/>
+          </a:xfrm>
+          <a:prstGeom prst="bentConnector3">
+            <a:avLst>
+              <a:gd name="adj1" fmla="val 100397"/>
+            </a:avLst>
+          </a:prstGeom>
+          <a:ln w="38100">
+            <a:solidFill>
+              <a:schemeClr val="tx1"/>
+            </a:solidFill>
+            <a:headEnd type="none" w="med" len="med"/>
+            <a:tailEnd type="none" w="med" len="med"/>
+          </a:ln>
+        </p:spPr>
+        <p:style>
+          <a:lnRef idx="1">
+            <a:schemeClr val="accent1"/>
+          </a:lnRef>
+          <a:fillRef idx="0">
+            <a:schemeClr val="accent1"/>
+          </a:fillRef>
+          <a:effectRef idx="0">
+            <a:schemeClr val="accent1"/>
+          </a:effectRef>
+          <a:fontRef idx="minor">
+            <a:schemeClr val="tx1"/>
+          </a:fontRef>
+        </p:style>
+      </p:cxnSp>
+      <p:cxnSp>
+        <p:nvCxnSpPr>
+          <p:cNvPr id="316" name="Conector: Angulado 315"/>
+          <p:cNvCxnSpPr>
+            <a:stCxn id="235" idx="4"/>
+          </p:cNvCxnSpPr>
+          <p:nvPr/>
+        </p:nvCxnSpPr>
+        <p:spPr>
+          <a:xfrm rot="5400000">
+            <a:off x="10896555" y="-1608166"/>
+            <a:ext cx="3179143" cy="1275990"/>
+          </a:xfrm>
+          <a:prstGeom prst="bentConnector3">
+            <a:avLst>
+              <a:gd name="adj1" fmla="val 99735"/>
+            </a:avLst>
+          </a:prstGeom>
+          <a:ln w="38100">
+            <a:solidFill>
+              <a:schemeClr val="tx1"/>
+            </a:solidFill>
+            <a:headEnd type="none" w="med" len="med"/>
+            <a:tailEnd type="none" w="med" len="med"/>
+          </a:ln>
+        </p:spPr>
+        <p:style>
+          <a:lnRef idx="1">
+            <a:schemeClr val="accent1"/>
+          </a:lnRef>
+          <a:fillRef idx="0">
+            <a:schemeClr val="accent1"/>
+          </a:fillRef>
+          <a:effectRef idx="0">
+            <a:schemeClr val="accent1"/>
+          </a:effectRef>
+          <a:fontRef idx="minor">
+            <a:schemeClr val="tx1"/>
+          </a:fontRef>
+        </p:style>
+      </p:cxnSp>
+      <p:cxnSp>
+        <p:nvCxnSpPr>
+          <p:cNvPr id="320" name="Conector: Angulado 319"/>
+          <p:cNvCxnSpPr>
+            <a:stCxn id="234" idx="4"/>
+          </p:cNvCxnSpPr>
+          <p:nvPr/>
+        </p:nvCxnSpPr>
+        <p:spPr>
+          <a:xfrm rot="5400000">
+            <a:off x="11373452" y="-1284354"/>
+            <a:ext cx="2717744" cy="1646170"/>
+          </a:xfrm>
+          <a:prstGeom prst="bentConnector3">
+            <a:avLst>
+              <a:gd name="adj1" fmla="val 100468"/>
+            </a:avLst>
+          </a:prstGeom>
+          <a:ln w="38100">
+            <a:solidFill>
+              <a:schemeClr val="tx1"/>
+            </a:solidFill>
+            <a:headEnd type="none" w="med" len="med"/>
+            <a:tailEnd type="none" w="med" len="med"/>
+          </a:ln>
+        </p:spPr>
+        <p:style>
+          <a:lnRef idx="1">
+            <a:schemeClr val="accent1"/>
+          </a:lnRef>
+          <a:fillRef idx="0">
+            <a:schemeClr val="accent1"/>
+          </a:fillRef>
+          <a:effectRef idx="0">
+            <a:schemeClr val="accent1"/>
+          </a:effectRef>
+          <a:fontRef idx="minor">
+            <a:schemeClr val="tx1"/>
+          </a:fontRef>
+        </p:style>
+      </p:cxnSp>
+      <p:sp>
+        <p:nvSpPr>
+          <p:cNvPr id="324" name="Elipse 323"/>
+          <p:cNvSpPr/>
+          <p:nvPr/>
+        </p:nvSpPr>
+        <p:spPr>
+          <a:xfrm>
+            <a:off x="11995287" y="147634"/>
+            <a:ext cx="382715" cy="368593"/>
+          </a:xfrm>
+          <a:prstGeom prst="ellipse">
+            <a:avLst/>
+          </a:prstGeom>
+          <a:noFill/>
+          <a:ln w="38100">
+            <a:solidFill>
+              <a:schemeClr val="tx1"/>
+            </a:solidFill>
+          </a:ln>
+        </p:spPr>
+        <p:style>
+          <a:lnRef idx="2">
+            <a:schemeClr val="accent1">
+              <a:shade val="50000"/>
+            </a:schemeClr>
+          </a:lnRef>
+          <a:fillRef idx="1">
+            <a:schemeClr val="accent1"/>
+          </a:fillRef>
+          <a:effectRef idx="0">
+            <a:schemeClr val="accent1"/>
+          </a:effectRef>
+          <a:fontRef idx="minor">
+            <a:schemeClr val="lt1"/>
+          </a:fontRef>
+        </p:style>
+        <p:txBody>
+          <a:bodyPr rtlCol="0" anchor="ctr"/>
+          <a:lstStyle/>
+          <a:p>
+            <a:pPr algn="ctr"/>
+            <a:endParaRPr lang="pt-BR">
+              <a:noFill/>
+            </a:endParaRPr>
+          </a:p>
+        </p:txBody>
+      </p:sp>
+      <p:sp>
+        <p:nvSpPr>
+          <p:cNvPr id="325" name="Elipse 324"/>
+          <p:cNvSpPr/>
+          <p:nvPr/>
+        </p:nvSpPr>
+        <p:spPr>
+          <a:xfrm>
+            <a:off x="12493812" y="409062"/>
+            <a:ext cx="382715" cy="368593"/>
+          </a:xfrm>
+          <a:prstGeom prst="ellipse">
+            <a:avLst/>
+          </a:prstGeom>
+          <a:noFill/>
+          <a:ln w="38100">
+            <a:solidFill>
+              <a:schemeClr val="tx1"/>
+            </a:solidFill>
+          </a:ln>
+        </p:spPr>
+        <p:style>
+          <a:lnRef idx="2">
+            <a:schemeClr val="accent1">
+              <a:shade val="50000"/>
+            </a:schemeClr>
+          </a:lnRef>
+          <a:fillRef idx="1">
+            <a:schemeClr val="accent1"/>
+          </a:fillRef>
+          <a:effectRef idx="0">
+            <a:schemeClr val="accent1"/>
+          </a:effectRef>
+          <a:fontRef idx="minor">
+            <a:schemeClr val="lt1"/>
+          </a:fontRef>
+        </p:style>
+        <p:txBody>
+          <a:bodyPr rtlCol="0" anchor="ctr"/>
+          <a:lstStyle/>
+          <a:p>
+            <a:pPr algn="ctr"/>
+            <a:endParaRPr lang="pt-BR">
+              <a:noFill/>
+            </a:endParaRPr>
+          </a:p>
+        </p:txBody>
+      </p:sp>
+      <p:sp>
+        <p:nvSpPr>
+          <p:cNvPr id="326" name="Elipse 325"/>
+          <p:cNvSpPr/>
+          <p:nvPr/>
+        </p:nvSpPr>
+        <p:spPr>
+          <a:xfrm>
+            <a:off x="12989063" y="699284"/>
+            <a:ext cx="382715" cy="368593"/>
+          </a:xfrm>
+          <a:prstGeom prst="ellipse">
+            <a:avLst/>
+          </a:prstGeom>
+          <a:noFill/>
+          <a:ln w="38100">
+            <a:solidFill>
+              <a:schemeClr val="tx1"/>
+            </a:solidFill>
+          </a:ln>
+        </p:spPr>
+        <p:style>
+          <a:lnRef idx="2">
+            <a:schemeClr val="accent1">
+              <a:shade val="50000"/>
+            </a:schemeClr>
+          </a:lnRef>
+          <a:fillRef idx="1">
+            <a:schemeClr val="accent1"/>
+          </a:fillRef>
+          <a:effectRef idx="0">
+            <a:schemeClr val="accent1"/>
+          </a:effectRef>
+          <a:fontRef idx="minor">
+            <a:schemeClr val="lt1"/>
+          </a:fontRef>
+        </p:style>
+        <p:txBody>
+          <a:bodyPr rtlCol="0" anchor="ctr"/>
+          <a:lstStyle/>
+          <a:p>
+            <a:pPr algn="ctr"/>
+            <a:endParaRPr lang="pt-BR">
+              <a:noFill/>
+            </a:endParaRPr>
+          </a:p>
+        </p:txBody>
+      </p:sp>
+      <p:cxnSp>
+        <p:nvCxnSpPr>
+          <p:cNvPr id="327" name="Conector de seta reta 33"/>
+          <p:cNvCxnSpPr/>
+          <p:nvPr/>
+        </p:nvCxnSpPr>
+        <p:spPr>
+          <a:xfrm>
+            <a:off x="12188713" y="512293"/>
+            <a:ext cx="0" cy="1836000"/>
+          </a:xfrm>
+          <a:prstGeom prst="straightConnector1">
+            <a:avLst/>
+          </a:prstGeom>
+          <a:ln w="38100">
+            <a:solidFill>
+              <a:schemeClr val="tx1"/>
+            </a:solidFill>
+            <a:tailEnd type="arrow"/>
+          </a:ln>
+        </p:spPr>
+        <p:style>
+          <a:lnRef idx="1">
+            <a:schemeClr val="accent1"/>
+          </a:lnRef>
+          <a:fillRef idx="0">
+            <a:schemeClr val="accent1"/>
+          </a:fillRef>
+          <a:effectRef idx="0">
+            <a:schemeClr val="accent1"/>
+          </a:effectRef>
+          <a:fontRef idx="minor">
+            <a:schemeClr val="tx1"/>
+          </a:fontRef>
+        </p:style>
+      </p:cxnSp>
+      <p:cxnSp>
+        <p:nvCxnSpPr>
+          <p:cNvPr id="329" name="Conector de seta reta 33"/>
+          <p:cNvCxnSpPr/>
+          <p:nvPr/>
+        </p:nvCxnSpPr>
+        <p:spPr>
+          <a:xfrm>
+            <a:off x="12685169" y="805607"/>
+            <a:ext cx="0" cy="1558444"/>
+          </a:xfrm>
+          <a:prstGeom prst="straightConnector1">
+            <a:avLst/>
+          </a:prstGeom>
+          <a:ln w="38100">
+            <a:solidFill>
+              <a:schemeClr val="tx1"/>
+            </a:solidFill>
+            <a:tailEnd type="arrow"/>
+          </a:ln>
+        </p:spPr>
+        <p:style>
+          <a:lnRef idx="1">
+            <a:schemeClr val="accent1"/>
+          </a:lnRef>
+          <a:fillRef idx="0">
+            <a:schemeClr val="accent1"/>
+          </a:fillRef>
+          <a:effectRef idx="0">
+            <a:schemeClr val="accent1"/>
+          </a:effectRef>
+          <a:fontRef idx="minor">
+            <a:schemeClr val="tx1"/>
+          </a:fontRef>
+        </p:style>
+      </p:cxnSp>
+      <p:cxnSp>
+        <p:nvCxnSpPr>
+          <p:cNvPr id="331" name="Conector de seta reta 33"/>
+          <p:cNvCxnSpPr/>
+          <p:nvPr/>
+        </p:nvCxnSpPr>
+        <p:spPr>
+          <a:xfrm>
+            <a:off x="13180420" y="1067877"/>
+            <a:ext cx="15701" cy="1296174"/>
+          </a:xfrm>
+          <a:prstGeom prst="straightConnector1">
+            <a:avLst/>
+          </a:prstGeom>
+          <a:ln w="38100">
+            <a:solidFill>
+              <a:schemeClr val="tx1"/>
+            </a:solidFill>
+            <a:tailEnd type="arrow"/>
+          </a:ln>
+        </p:spPr>
+        <p:style>
+          <a:lnRef idx="1">
+            <a:schemeClr val="accent1"/>
+          </a:lnRef>
+          <a:fillRef idx="0">
+            <a:schemeClr val="accent1"/>
+          </a:fillRef>
+          <a:effectRef idx="0">
+            <a:schemeClr val="accent1"/>
+          </a:effectRef>
+          <a:fontRef idx="minor">
+            <a:schemeClr val="tx1"/>
+          </a:fontRef>
+        </p:style>
+      </p:cxnSp>
+      <p:sp>
+        <p:nvSpPr>
+          <p:cNvPr id="132" name="Retângulo 131"/>
+          <p:cNvSpPr/>
+          <p:nvPr/>
+        </p:nvSpPr>
+        <p:spPr>
+          <a:xfrm>
+            <a:off x="-4093407" y="-1527135"/>
+            <a:ext cx="23118386" cy="10480635"/>
+          </a:xfrm>
+          <a:prstGeom prst="rect">
+            <a:avLst/>
+          </a:prstGeom>
+          <a:noFill/>
+          <a:ln w="76200">
+            <a:solidFill>
+              <a:schemeClr val="tx2">
+                <a:lumMod val="60000"/>
+                <a:lumOff val="40000"/>
+              </a:schemeClr>
+            </a:solidFill>
+            <a:prstDash val="sysDash"/>
+          </a:ln>
+        </p:spPr>
+        <p:style>
+          <a:lnRef idx="2">
+            <a:schemeClr val="accent1">
+              <a:shade val="50000"/>
+            </a:schemeClr>
+          </a:lnRef>
+          <a:fillRef idx="1">
+            <a:schemeClr val="accent1"/>
+          </a:fillRef>
+          <a:effectRef idx="0">
+            <a:schemeClr val="accent1"/>
+          </a:effectRef>
+          <a:fontRef idx="minor">
+            <a:schemeClr val="lt1"/>
+          </a:fontRef>
+        </p:style>
+        <p:txBody>
+          <a:bodyPr rtlCol="0" anchor="ctr"/>
+          <a:lstStyle/>
+          <a:p>
+            <a:pPr algn="ctr"/>
+            <a:endParaRPr lang="pt-BR"/>
+          </a:p>
+        </p:txBody>
+      </p:sp>
+      <p:sp>
+        <p:nvSpPr>
+          <p:cNvPr id="135" name="Retângulo 134"/>
+          <p:cNvSpPr/>
+          <p:nvPr/>
+        </p:nvSpPr>
+        <p:spPr>
+          <a:xfrm>
+            <a:off x="4126845" y="-1431546"/>
+            <a:ext cx="9724948" cy="6053237"/>
+          </a:xfrm>
+          <a:prstGeom prst="rect">
+            <a:avLst/>
+          </a:prstGeom>
+          <a:noFill/>
+          <a:ln w="76200">
+            <a:solidFill>
+              <a:srgbClr val="FF0000"/>
+            </a:solidFill>
+            <a:prstDash val="sysDash"/>
+          </a:ln>
+        </p:spPr>
+        <p:style>
+          <a:lnRef idx="2">
+            <a:schemeClr val="accent1">
+              <a:shade val="50000"/>
+            </a:schemeClr>
+          </a:lnRef>
+          <a:fillRef idx="1">
+            <a:schemeClr val="accent1"/>
+          </a:fillRef>
+          <a:effectRef idx="0">
+            <a:schemeClr val="accent1"/>
+          </a:effectRef>
+          <a:fontRef idx="minor">
+            <a:schemeClr val="lt1"/>
+          </a:fontRef>
+        </p:style>
+        <p:txBody>
+          <a:bodyPr rtlCol="0" anchor="ctr"/>
+          <a:lstStyle/>
+          <a:p>
+            <a:pPr algn="ctr"/>
+            <a:endParaRPr lang="pt-BR"/>
+          </a:p>
+        </p:txBody>
+      </p:sp>
+      <p:cxnSp>
+        <p:nvCxnSpPr>
+          <p:cNvPr id="136" name="Conector reto 135"/>
+          <p:cNvCxnSpPr>
+            <a:cxnSpLocks/>
+          </p:cNvCxnSpPr>
+          <p:nvPr/>
+        </p:nvCxnSpPr>
+        <p:spPr>
+          <a:xfrm>
+            <a:off x="4092480" y="4774091"/>
+            <a:ext cx="9888015" cy="2824"/>
+          </a:xfrm>
+          <a:prstGeom prst="line">
+            <a:avLst/>
+          </a:prstGeom>
+          <a:ln w="76200">
+            <a:solidFill>
+              <a:srgbClr val="FFC000"/>
+            </a:solidFill>
+            <a:prstDash val="sysDash"/>
+          </a:ln>
+        </p:spPr>
+        <p:style>
+          <a:lnRef idx="1">
+            <a:schemeClr val="accent1"/>
+          </a:lnRef>
+          <a:fillRef idx="0">
+            <a:schemeClr val="accent1"/>
+          </a:fillRef>
+          <a:effectRef idx="0">
+            <a:schemeClr val="accent1"/>
+          </a:effectRef>
+          <a:fontRef idx="minor">
+            <a:schemeClr val="tx1"/>
+          </a:fontRef>
+        </p:style>
+      </p:cxnSp>
+      <p:cxnSp>
+        <p:nvCxnSpPr>
+          <p:cNvPr id="137" name="Conector reto 136"/>
+          <p:cNvCxnSpPr>
+            <a:cxnSpLocks/>
+          </p:cNvCxnSpPr>
+          <p:nvPr/>
+        </p:nvCxnSpPr>
+        <p:spPr>
+          <a:xfrm flipV="1">
+            <a:off x="4092480" y="8857326"/>
+            <a:ext cx="14714387" cy="8147"/>
+          </a:xfrm>
+          <a:prstGeom prst="line">
+            <a:avLst/>
+          </a:prstGeom>
+          <a:ln w="76200">
+            <a:solidFill>
+              <a:srgbClr val="FFC000"/>
+            </a:solidFill>
+            <a:prstDash val="sysDash"/>
+          </a:ln>
+        </p:spPr>
+        <p:style>
+          <a:lnRef idx="1">
+            <a:schemeClr val="accent1"/>
+          </a:lnRef>
+          <a:fillRef idx="0">
+            <a:schemeClr val="accent1"/>
+          </a:fillRef>
+          <a:effectRef idx="0">
+            <a:schemeClr val="accent1"/>
+          </a:effectRef>
+          <a:fontRef idx="minor">
+            <a:schemeClr val="tx1"/>
+          </a:fontRef>
+        </p:style>
+      </p:cxnSp>
+      <p:cxnSp>
+        <p:nvCxnSpPr>
+          <p:cNvPr id="138" name="Conector reto 137"/>
+          <p:cNvCxnSpPr>
+            <a:cxnSpLocks/>
+          </p:cNvCxnSpPr>
+          <p:nvPr/>
+        </p:nvCxnSpPr>
+        <p:spPr>
+          <a:xfrm>
+            <a:off x="4092480" y="4774091"/>
+            <a:ext cx="19050" cy="4083235"/>
+          </a:xfrm>
+          <a:prstGeom prst="line">
+            <a:avLst/>
+          </a:prstGeom>
+          <a:ln w="76200">
+            <a:solidFill>
+              <a:srgbClr val="FFC000"/>
+            </a:solidFill>
+            <a:prstDash val="sysDash"/>
+          </a:ln>
+        </p:spPr>
+        <p:style>
+          <a:lnRef idx="1">
+            <a:schemeClr val="accent1"/>
+          </a:lnRef>
+          <a:fillRef idx="0">
+            <a:schemeClr val="accent1"/>
+          </a:fillRef>
+          <a:effectRef idx="0">
+            <a:schemeClr val="accent1"/>
+          </a:effectRef>
+          <a:fontRef idx="minor">
+            <a:schemeClr val="tx1"/>
+          </a:fontRef>
+        </p:style>
+      </p:cxnSp>
+      <p:cxnSp>
+        <p:nvCxnSpPr>
+          <p:cNvPr id="139" name="Conector reto 138"/>
+          <p:cNvCxnSpPr>
+            <a:cxnSpLocks/>
+          </p:cNvCxnSpPr>
+          <p:nvPr/>
+        </p:nvCxnSpPr>
+        <p:spPr>
+          <a:xfrm flipV="1">
+            <a:off x="13980495" y="1665059"/>
+            <a:ext cx="12700" cy="3111856"/>
+          </a:xfrm>
+          <a:prstGeom prst="line">
+            <a:avLst/>
+          </a:prstGeom>
+          <a:ln w="76200">
+            <a:solidFill>
+              <a:srgbClr val="FFC000"/>
+            </a:solidFill>
+            <a:prstDash val="sysDash"/>
+          </a:ln>
+        </p:spPr>
+        <p:style>
+          <a:lnRef idx="1">
+            <a:schemeClr val="accent1"/>
+          </a:lnRef>
+          <a:fillRef idx="0">
+            <a:schemeClr val="accent1"/>
+          </a:fillRef>
+          <a:effectRef idx="0">
+            <a:schemeClr val="accent1"/>
+          </a:effectRef>
+          <a:fontRef idx="minor">
+            <a:schemeClr val="tx1"/>
+          </a:fontRef>
+        </p:style>
+      </p:cxnSp>
+      <p:cxnSp>
+        <p:nvCxnSpPr>
+          <p:cNvPr id="140" name="Conector reto 139"/>
+          <p:cNvCxnSpPr>
+            <a:cxnSpLocks/>
+          </p:cNvCxnSpPr>
+          <p:nvPr/>
+        </p:nvCxnSpPr>
+        <p:spPr>
+          <a:xfrm flipH="1">
+            <a:off x="13993195" y="1682021"/>
+            <a:ext cx="4841471" cy="0"/>
+          </a:xfrm>
+          <a:prstGeom prst="line">
+            <a:avLst/>
+          </a:prstGeom>
+          <a:ln w="76200">
+            <a:solidFill>
+              <a:srgbClr val="FFC000"/>
+            </a:solidFill>
+            <a:prstDash val="sysDash"/>
+          </a:ln>
+        </p:spPr>
+        <p:style>
+          <a:lnRef idx="1">
+            <a:schemeClr val="accent1"/>
+          </a:lnRef>
+          <a:fillRef idx="0">
+            <a:schemeClr val="accent1"/>
+          </a:fillRef>
+          <a:effectRef idx="0">
+            <a:schemeClr val="accent1"/>
+          </a:effectRef>
+          <a:fontRef idx="minor">
+            <a:schemeClr val="tx1"/>
+          </a:fontRef>
+        </p:style>
+      </p:cxnSp>
+      <p:cxnSp>
+        <p:nvCxnSpPr>
+          <p:cNvPr id="142" name="Conector reto 141"/>
+          <p:cNvCxnSpPr>
+            <a:cxnSpLocks/>
+          </p:cNvCxnSpPr>
+          <p:nvPr/>
+        </p:nvCxnSpPr>
+        <p:spPr>
+          <a:xfrm flipH="1" flipV="1">
+            <a:off x="18908743" y="1656098"/>
+            <a:ext cx="0" cy="7201228"/>
+          </a:xfrm>
+          <a:prstGeom prst="line">
+            <a:avLst/>
+          </a:prstGeom>
+          <a:ln w="76200">
+            <a:solidFill>
+              <a:srgbClr val="FFC000"/>
+            </a:solidFill>
+            <a:prstDash val="sysDash"/>
+          </a:ln>
+        </p:spPr>
+        <p:style>
+          <a:lnRef idx="1">
+            <a:schemeClr val="accent1"/>
+          </a:lnRef>
+          <a:fillRef idx="0">
+            <a:schemeClr val="accent1"/>
+          </a:fillRef>
+          <a:effectRef idx="0">
+            <a:schemeClr val="accent1"/>
+          </a:effectRef>
+          <a:fontRef idx="minor">
+            <a:schemeClr val="tx1"/>
+          </a:fontRef>
+        </p:style>
+      </p:cxnSp>
+      <p:sp>
+        <p:nvSpPr>
+          <p:cNvPr id="143" name="CaixaDeTexto 142"/>
+          <p:cNvSpPr txBox="1"/>
+          <p:nvPr/>
+        </p:nvSpPr>
+        <p:spPr>
+          <a:xfrm>
+            <a:off x="13901652" y="564285"/>
+            <a:ext cx="2555508" cy="584775"/>
+          </a:xfrm>
+          <a:prstGeom prst="rect">
+            <a:avLst/>
+          </a:prstGeom>
+          <a:noFill/>
+        </p:spPr>
+        <p:txBody>
+          <a:bodyPr wrap="none" rtlCol="0">
+            <a:spAutoFit/>
+          </a:bodyPr>
+          <a:lstStyle/>
+          <a:p>
+            <a:r>
+              <a:rPr lang="pt-BR" sz="3200" b="1" dirty="0">
+                <a:solidFill>
+                  <a:srgbClr val="FF0000"/>
+                </a:solidFill>
+              </a:rPr>
+              <a:t>Compensador</a:t>
+            </a:r>
+          </a:p>
+        </p:txBody>
+      </p:sp>
+      <p:sp>
+        <p:nvSpPr>
+          <p:cNvPr id="145" name="CaixaDeTexto 144"/>
+          <p:cNvSpPr txBox="1"/>
+          <p:nvPr/>
+        </p:nvSpPr>
+        <p:spPr>
+          <a:xfrm>
+            <a:off x="5477061" y="8996379"/>
+            <a:ext cx="2157385" cy="584775"/>
+          </a:xfrm>
+          <a:prstGeom prst="rect">
+            <a:avLst/>
+          </a:prstGeom>
+          <a:noFill/>
+        </p:spPr>
+        <p:txBody>
+          <a:bodyPr wrap="none" rtlCol="0">
+            <a:spAutoFit/>
+          </a:bodyPr>
+          <a:lstStyle/>
+          <a:p>
+            <a:r>
+              <a:rPr lang="pt-BR" sz="3200" b="1" dirty="0">
+                <a:solidFill>
+                  <a:schemeClr val="tx2">
+                    <a:lumMod val="60000"/>
+                    <a:lumOff val="40000"/>
+                  </a:schemeClr>
+                </a:solidFill>
+              </a:rPr>
+              <a:t>Filtro Ativo </a:t>
+            </a:r>
+          </a:p>
+        </p:txBody>
+      </p:sp>
+      <p:sp>
+        <p:nvSpPr>
+          <p:cNvPr id="146" name="CaixaDeTexto 145"/>
+          <p:cNvSpPr txBox="1"/>
+          <p:nvPr/>
+        </p:nvSpPr>
+        <p:spPr>
+          <a:xfrm>
+            <a:off x="-2228921" y="7435572"/>
+            <a:ext cx="5445273" cy="584775"/>
+          </a:xfrm>
+          <a:prstGeom prst="rect">
+            <a:avLst/>
+          </a:prstGeom>
+          <a:noFill/>
+        </p:spPr>
+        <p:txBody>
+          <a:bodyPr wrap="none" rtlCol="0">
+            <a:spAutoFit/>
+          </a:bodyPr>
+          <a:lstStyle/>
+          <a:p>
+            <a:r>
+              <a:rPr lang="pt-BR" sz="3200" b="1" dirty="0">
+                <a:solidFill>
+                  <a:srgbClr val="00B050"/>
+                </a:solidFill>
+              </a:rPr>
+              <a:t>Detector de Sequência Positiva</a:t>
+            </a:r>
+          </a:p>
+        </p:txBody>
+      </p:sp>
+      <p:sp>
+        <p:nvSpPr>
+          <p:cNvPr id="148" name="CaixaDeTexto 147"/>
+          <p:cNvSpPr txBox="1"/>
+          <p:nvPr/>
+        </p:nvSpPr>
+        <p:spPr>
+          <a:xfrm>
+            <a:off x="8777673" y="8160065"/>
+            <a:ext cx="6100709" cy="584775"/>
+          </a:xfrm>
+          <a:prstGeom prst="rect">
+            <a:avLst/>
+          </a:prstGeom>
+          <a:noFill/>
+        </p:spPr>
+        <p:txBody>
+          <a:bodyPr wrap="none" rtlCol="0">
+            <a:spAutoFit/>
+          </a:bodyPr>
+          <a:lstStyle/>
+          <a:p>
+            <a:r>
+              <a:rPr lang="pt-BR" sz="3200" b="1" dirty="0">
+                <a:solidFill>
+                  <a:srgbClr val="FFC000"/>
+                </a:solidFill>
+              </a:rPr>
+              <a:t>Cálculo de Correntes de Referência</a:t>
+            </a:r>
+          </a:p>
+        </p:txBody>
+      </p:sp>
+    </p:spTree>
+    <p:extLst>
+      <p:ext uri="{BB962C8B-B14F-4D97-AF65-F5344CB8AC3E}">
+        <p14:creationId xmlns:p14="http://schemas.microsoft.com/office/powerpoint/2010/main" val="517418535"/>
+      </p:ext>
+    </p:extLst>
+  </p:cSld>
+  <p:clrMapOvr>
+    <a:masterClrMapping/>
+  </p:clrMapOvr>
+</p:sld>
+</file>
+
+<file path=ppt/slides/slide15.xml><?xml version="1.0" encoding="utf-8"?>
+<p:sld xmlns:a="http://schemas.openxmlformats.org/drawingml/2006/main" xmlns:r="http://schemas.openxmlformats.org/officeDocument/2006/relationships" xmlns:p="http://schemas.openxmlformats.org/presentationml/2006/main">
+  <p:cSld>
+    <p:spTree>
+      <p:nvGrpSpPr>
+        <p:cNvPr id="1" name=""/>
+        <p:cNvGrpSpPr/>
+        <p:nvPr/>
+      </p:nvGrpSpPr>
+      <p:grpSpPr>
+        <a:xfrm>
+          <a:off x="0" y="0"/>
+          <a:ext cx="0" cy="0"/>
+          <a:chOff x="0" y="0"/>
+          <a:chExt cx="0" cy="0"/>
+        </a:xfrm>
+      </p:grpSpPr>
+      <p:sp>
+        <p:nvSpPr>
+          <p:cNvPr id="148" name="Retângulo 147"/>
+          <p:cNvSpPr/>
+          <p:nvPr/>
+        </p:nvSpPr>
+        <p:spPr>
+          <a:xfrm>
+            <a:off x="-4093407" y="-1527135"/>
+            <a:ext cx="23118386" cy="10480635"/>
+          </a:xfrm>
+          <a:prstGeom prst="rect">
+            <a:avLst/>
+          </a:prstGeom>
+          <a:noFill/>
+          <a:ln w="76200">
+            <a:solidFill>
+              <a:schemeClr val="tx2">
+                <a:lumMod val="60000"/>
+                <a:lumOff val="40000"/>
+              </a:schemeClr>
+            </a:solidFill>
+            <a:prstDash val="sysDash"/>
+          </a:ln>
+        </p:spPr>
+        <p:style>
+          <a:lnRef idx="2">
+            <a:schemeClr val="accent1">
+              <a:shade val="50000"/>
+            </a:schemeClr>
+          </a:lnRef>
+          <a:fillRef idx="1">
+            <a:schemeClr val="accent1"/>
+          </a:fillRef>
+          <a:effectRef idx="0">
+            <a:schemeClr val="accent1"/>
+          </a:effectRef>
+          <a:fontRef idx="minor">
+            <a:schemeClr val="lt1"/>
+          </a:fontRef>
+        </p:style>
+        <p:txBody>
+          <a:bodyPr rtlCol="0" anchor="ctr"/>
+          <a:lstStyle/>
+          <a:p>
+            <a:pPr algn="ctr"/>
+            <a:endParaRPr lang="pt-BR"/>
+          </a:p>
+        </p:txBody>
+      </p:sp>
+      <p:sp>
+        <p:nvSpPr>
+          <p:cNvPr id="28" name="Retângulo 27"/>
+          <p:cNvSpPr/>
+          <p:nvPr/>
+        </p:nvSpPr>
+        <p:spPr>
+          <a:xfrm>
+            <a:off x="4126845" y="-1519136"/>
+            <a:ext cx="9724948" cy="6140827"/>
+          </a:xfrm>
+          <a:prstGeom prst="rect">
+            <a:avLst/>
+          </a:prstGeom>
+          <a:noFill/>
+          <a:ln w="76200">
+            <a:solidFill>
+              <a:srgbClr val="FF0000"/>
+            </a:solidFill>
+            <a:prstDash val="sysDash"/>
+          </a:ln>
+        </p:spPr>
+        <p:style>
+          <a:lnRef idx="2">
+            <a:schemeClr val="accent1">
+              <a:shade val="50000"/>
+            </a:schemeClr>
+          </a:lnRef>
+          <a:fillRef idx="1">
+            <a:schemeClr val="accent1"/>
+          </a:fillRef>
+          <a:effectRef idx="0">
+            <a:schemeClr val="accent1"/>
+          </a:effectRef>
+          <a:fontRef idx="minor">
+            <a:schemeClr val="lt1"/>
+          </a:fontRef>
+        </p:style>
+        <p:txBody>
+          <a:bodyPr rtlCol="0" anchor="ctr"/>
+          <a:lstStyle/>
+          <a:p>
+            <a:pPr algn="ctr"/>
+            <a:endParaRPr lang="pt-BR"/>
+          </a:p>
+        </p:txBody>
+      </p:sp>
+      <p:pic>
+        <p:nvPicPr>
+          <p:cNvPr id="3" name="Imagem 2"/>
+          <p:cNvPicPr>
+            <a:picLocks noChangeAspect="1"/>
+          </p:cNvPicPr>
+          <p:nvPr/>
+        </p:nvPicPr>
+        <p:blipFill>
+          <a:blip r:embed="rId3"/>
+          <a:stretch>
+            <a:fillRect/>
+          </a:stretch>
+        </p:blipFill>
+        <p:spPr>
+          <a:xfrm>
+            <a:off x="-3084145" y="843119"/>
+            <a:ext cx="7050538" cy="6858000"/>
+          </a:xfrm>
+          <a:prstGeom prst="rect">
+            <a:avLst/>
+          </a:prstGeom>
+          <a:ln w="76200">
+            <a:solidFill>
+              <a:srgbClr val="00B050"/>
+            </a:solidFill>
+            <a:prstDash val="sysDash"/>
+          </a:ln>
+        </p:spPr>
+      </p:pic>
+      <p:pic>
+        <p:nvPicPr>
+          <p:cNvPr id="100" name="Picture 3" descr="C:\Users\jpsoliv\Downloads\schemeit-project (6).png"/>
+          <p:cNvPicPr>
+            <a:picLocks noChangeAspect="1" noChangeArrowheads="1"/>
+          </p:cNvPicPr>
+          <p:nvPr/>
+        </p:nvPicPr>
+        <p:blipFill>
+          <a:blip r:embed="rId4">
+            <a:extLst>
+              <a:ext uri="{28A0092B-C50C-407E-A947-70E740481C1C}">
+                <a14:useLocalDpi xmlns:a14="http://schemas.microsoft.com/office/drawing/2010/main" val="0"/>
+              </a:ext>
+            </a:extLst>
+          </a:blip>
+          <a:srcRect/>
+          <a:stretch>
+            <a:fillRect/>
+          </a:stretch>
+        </p:blipFill>
+        <p:spPr bwMode="auto">
+          <a:xfrm>
+            <a:off x="6669282" y="-960676"/>
+            <a:ext cx="5457506" cy="3161277"/>
+          </a:xfrm>
+          <a:prstGeom prst="rect">
+            <a:avLst/>
+          </a:prstGeom>
+          <a:noFill/>
+          <a:extLst>
+            <a:ext uri="{909E8E84-426E-40DD-AFC4-6F175D3DCCD1}">
+              <a14:hiddenFill xmlns:a14="http://schemas.microsoft.com/office/drawing/2010/main">
+                <a:solidFill>
+                  <a:srgbClr val="FFFFFF"/>
+                </a:solidFill>
+              </a14:hiddenFill>
+            </a:ext>
+          </a:extLst>
+        </p:spPr>
+      </p:pic>
+      <p:sp>
+        <p:nvSpPr>
+          <p:cNvPr id="6" name="Retângulo 5"/>
+          <p:cNvSpPr/>
+          <p:nvPr/>
+        </p:nvSpPr>
+        <p:spPr>
+          <a:xfrm>
+            <a:off x="4187730" y="5374017"/>
+            <a:ext cx="2732695" cy="2283233"/>
+          </a:xfrm>
+          <a:prstGeom prst="rect">
+            <a:avLst/>
+          </a:prstGeom>
+          <a:noFill/>
+          <a:ln w="38100">
+            <a:solidFill>
+              <a:schemeClr val="tx1"/>
+            </a:solidFill>
+          </a:ln>
+        </p:spPr>
+        <p:style>
+          <a:lnRef idx="2">
+            <a:schemeClr val="accent1">
+              <a:shade val="50000"/>
+            </a:schemeClr>
+          </a:lnRef>
+          <a:fillRef idx="1">
+            <a:schemeClr val="accent1"/>
+          </a:fillRef>
+          <a:effectRef idx="0">
+            <a:schemeClr val="accent1"/>
+          </a:effectRef>
+          <a:fontRef idx="minor">
+            <a:schemeClr val="lt1"/>
+          </a:fontRef>
+        </p:style>
+        <p:txBody>
+          <a:bodyPr rtlCol="0" anchor="ctr"/>
+          <a:lstStyle/>
+          <a:p>
+            <a:pPr algn="ctr"/>
+            <a:endParaRPr lang="pt-BR">
+              <a:noFill/>
+            </a:endParaRPr>
+          </a:p>
+        </p:txBody>
+      </p:sp>
+      <p:sp>
+        <p:nvSpPr>
+          <p:cNvPr id="7" name="Retângulo 6"/>
+          <p:cNvSpPr/>
+          <p:nvPr/>
+        </p:nvSpPr>
+        <p:spPr>
+          <a:xfrm>
+            <a:off x="7714335" y="5642626"/>
+            <a:ext cx="2808603" cy="1837674"/>
+          </a:xfrm>
+          <a:prstGeom prst="rect">
+            <a:avLst/>
+          </a:prstGeom>
+          <a:noFill/>
+          <a:ln w="38100">
+            <a:solidFill>
+              <a:schemeClr val="tx1"/>
+            </a:solidFill>
+          </a:ln>
+        </p:spPr>
+        <p:style>
+          <a:lnRef idx="2">
+            <a:schemeClr val="accent1">
+              <a:shade val="50000"/>
+            </a:schemeClr>
+          </a:lnRef>
+          <a:fillRef idx="1">
+            <a:schemeClr val="accent1"/>
+          </a:fillRef>
+          <a:effectRef idx="0">
+            <a:schemeClr val="accent1"/>
+          </a:effectRef>
+          <a:fontRef idx="minor">
+            <a:schemeClr val="lt1"/>
+          </a:fontRef>
+        </p:style>
+        <p:txBody>
+          <a:bodyPr rtlCol="0" anchor="ctr"/>
+          <a:lstStyle/>
+          <a:p>
+            <a:pPr algn="ctr"/>
+            <a:endParaRPr lang="pt-BR">
+              <a:noFill/>
+            </a:endParaRPr>
+          </a:p>
+        </p:txBody>
+      </p:sp>
+      <p:sp>
+        <p:nvSpPr>
+          <p:cNvPr id="8" name="Retângulo 7"/>
+          <p:cNvSpPr/>
+          <p:nvPr/>
+        </p:nvSpPr>
+        <p:spPr>
+          <a:xfrm>
+            <a:off x="15353043" y="5693838"/>
+            <a:ext cx="3453824" cy="1660171"/>
+          </a:xfrm>
+          <a:prstGeom prst="rect">
+            <a:avLst/>
+          </a:prstGeom>
+          <a:noFill/>
+          <a:ln w="38100">
+            <a:solidFill>
+              <a:schemeClr val="tx1"/>
+            </a:solidFill>
+          </a:ln>
+        </p:spPr>
+        <p:style>
+          <a:lnRef idx="2">
+            <a:schemeClr val="accent1">
+              <a:shade val="50000"/>
+            </a:schemeClr>
+          </a:lnRef>
+          <a:fillRef idx="1">
+            <a:schemeClr val="accent1"/>
+          </a:fillRef>
+          <a:effectRef idx="0">
+            <a:schemeClr val="accent1"/>
+          </a:effectRef>
+          <a:fontRef idx="minor">
+            <a:schemeClr val="lt1"/>
+          </a:fontRef>
+        </p:style>
+        <p:txBody>
+          <a:bodyPr rtlCol="0" anchor="ctr"/>
+          <a:lstStyle/>
+          <a:p>
+            <a:pPr algn="ctr"/>
+            <a:endParaRPr lang="pt-BR">
+              <a:noFill/>
+            </a:endParaRPr>
+          </a:p>
+        </p:txBody>
+      </p:sp>
+      <p:sp>
+        <p:nvSpPr>
+          <p:cNvPr id="9" name="Retângulo 8"/>
+          <p:cNvSpPr/>
+          <p:nvPr/>
+        </p:nvSpPr>
+        <p:spPr>
+          <a:xfrm>
+            <a:off x="15578484" y="2551631"/>
+            <a:ext cx="3036328" cy="1290439"/>
+          </a:xfrm>
+          <a:prstGeom prst="rect">
+            <a:avLst/>
+          </a:prstGeom>
+          <a:noFill/>
+          <a:ln w="38100">
+            <a:solidFill>
+              <a:schemeClr val="tx1"/>
+            </a:solidFill>
+          </a:ln>
+        </p:spPr>
+        <p:style>
+          <a:lnRef idx="2">
+            <a:schemeClr val="accent1">
+              <a:shade val="50000"/>
+            </a:schemeClr>
+          </a:lnRef>
+          <a:fillRef idx="1">
+            <a:schemeClr val="accent1"/>
+          </a:fillRef>
+          <a:effectRef idx="0">
+            <a:schemeClr val="accent1"/>
+          </a:effectRef>
+          <a:fontRef idx="minor">
+            <a:schemeClr val="lt1"/>
+          </a:fontRef>
+        </p:style>
+        <p:txBody>
+          <a:bodyPr rtlCol="0" anchor="ctr"/>
+          <a:lstStyle/>
+          <a:p>
+            <a:pPr algn="ctr"/>
+            <a:endParaRPr lang="pt-BR">
+              <a:noFill/>
+            </a:endParaRPr>
+          </a:p>
+        </p:txBody>
+      </p:sp>
+      <p:pic>
+        <p:nvPicPr>
+          <p:cNvPr id="16" name="Picture 2"/>
+          <p:cNvPicPr>
+            <a:picLocks noChangeAspect="1" noChangeArrowheads="1"/>
+          </p:cNvPicPr>
+          <p:nvPr/>
+        </p:nvPicPr>
+        <p:blipFill>
+          <a:blip r:embed="rId5" cstate="print">
+            <a:extLst>
+              <a:ext uri="{28A0092B-C50C-407E-A947-70E740481C1C}">
+                <a14:useLocalDpi xmlns:a14="http://schemas.microsoft.com/office/drawing/2010/main" val="0"/>
+              </a:ext>
+            </a:extLst>
+          </a:blip>
+          <a:srcRect/>
+          <a:stretch>
+            <a:fillRect/>
+          </a:stretch>
+        </p:blipFill>
+        <p:spPr bwMode="auto">
+          <a:xfrm>
+            <a:off x="7814544" y="6060722"/>
+            <a:ext cx="2601358" cy="864000"/>
+          </a:xfrm>
+          <a:prstGeom prst="rect">
+            <a:avLst/>
+          </a:prstGeom>
+          <a:noFill/>
+          <a:ln>
+            <a:noFill/>
+          </a:ln>
+          <a:effectLst/>
+          <a:extLst>
+            <a:ext uri="{909E8E84-426E-40DD-AFC4-6F175D3DCCD1}">
+              <a14:hiddenFill xmlns:a14="http://schemas.microsoft.com/office/drawing/2010/main">
+                <a:solidFill>
+                  <a:schemeClr val="accent1"/>
+                </a:solidFill>
+              </a14:hiddenFill>
+            </a:ext>
+            <a:ext uri="{91240B29-F687-4F45-9708-019B960494DF}">
+              <a14:hiddenLine xmlns:a14="http://schemas.microsoft.com/office/drawing/2010/main" w="9525">
+                <a:solidFill>
+                  <a:schemeClr val="tx1"/>
+                </a:solidFill>
+                <a:miter lim="800000"/>
+                <a:headEnd/>
+                <a:tailEnd/>
+              </a14:hiddenLine>
+            </a:ext>
+            <a:ext uri="{AF507438-7753-43E0-B8FC-AC1667EBCBE1}">
+              <a14:hiddenEffects xmlns:a14="http://schemas.microsoft.com/office/drawing/2010/main">
+                <a:effectLst>
+                  <a:outerShdw dist="35921" dir="2700000" algn="ctr" rotWithShape="0">
+                    <a:schemeClr val="bg2"/>
+                  </a:outerShdw>
+                </a:effectLst>
+              </a14:hiddenEffects>
+            </a:ext>
+          </a:extLst>
+        </p:spPr>
+      </p:pic>
+      <p:pic>
+        <p:nvPicPr>
+          <p:cNvPr id="17" name="Picture 5"/>
+          <p:cNvPicPr>
+            <a:picLocks noChangeAspect="1" noChangeArrowheads="1"/>
+          </p:cNvPicPr>
+          <p:nvPr/>
+        </p:nvPicPr>
+        <p:blipFill>
+          <a:blip r:embed="rId6" cstate="print">
+            <a:extLst>
+              <a:ext uri="{28A0092B-C50C-407E-A947-70E740481C1C}">
+                <a14:useLocalDpi xmlns:a14="http://schemas.microsoft.com/office/drawing/2010/main" val="0"/>
+              </a:ext>
+            </a:extLst>
+          </a:blip>
+          <a:srcRect/>
+          <a:stretch>
+            <a:fillRect/>
+          </a:stretch>
+        </p:blipFill>
+        <p:spPr bwMode="auto">
+          <a:xfrm>
+            <a:off x="4264267" y="5573941"/>
+            <a:ext cx="2631059" cy="828000"/>
+          </a:xfrm>
+          <a:prstGeom prst="rect">
+            <a:avLst/>
+          </a:prstGeom>
+          <a:noFill/>
+          <a:ln>
+            <a:noFill/>
+          </a:ln>
+          <a:effectLst/>
+          <a:extLst>
+            <a:ext uri="{909E8E84-426E-40DD-AFC4-6F175D3DCCD1}">
+              <a14:hiddenFill xmlns:a14="http://schemas.microsoft.com/office/drawing/2010/main">
+                <a:solidFill>
+                  <a:schemeClr val="accent1"/>
+                </a:solidFill>
+              </a14:hiddenFill>
+            </a:ext>
+            <a:ext uri="{91240B29-F687-4F45-9708-019B960494DF}">
+              <a14:hiddenLine xmlns:a14="http://schemas.microsoft.com/office/drawing/2010/main" w="9525">
+                <a:solidFill>
+                  <a:schemeClr val="tx1"/>
+                </a:solidFill>
+                <a:miter lim="800000"/>
+                <a:headEnd/>
+                <a:tailEnd/>
+              </a14:hiddenLine>
+            </a:ext>
+            <a:ext uri="{AF507438-7753-43E0-B8FC-AC1667EBCBE1}">
+              <a14:hiddenEffects xmlns:a14="http://schemas.microsoft.com/office/drawing/2010/main">
+                <a:effectLst>
+                  <a:outerShdw dist="35921" dir="2700000" algn="ctr" rotWithShape="0">
+                    <a:schemeClr val="bg2"/>
+                  </a:outerShdw>
+                </a:effectLst>
+              </a14:hiddenEffects>
+            </a:ext>
+          </a:extLst>
+        </p:spPr>
+      </p:pic>
+      <p:pic>
+        <p:nvPicPr>
+          <p:cNvPr id="18" name="Picture 6"/>
+          <p:cNvPicPr>
+            <a:picLocks noChangeAspect="1" noChangeArrowheads="1"/>
+          </p:cNvPicPr>
+          <p:nvPr/>
+        </p:nvPicPr>
+        <p:blipFill>
+          <a:blip r:embed="rId7" cstate="print">
+            <a:extLst>
+              <a:ext uri="{28A0092B-C50C-407E-A947-70E740481C1C}">
+                <a14:useLocalDpi xmlns:a14="http://schemas.microsoft.com/office/drawing/2010/main" val="0"/>
+              </a:ext>
+            </a:extLst>
+          </a:blip>
+          <a:srcRect/>
+          <a:stretch>
+            <a:fillRect/>
+          </a:stretch>
+        </p:blipFill>
+        <p:spPr bwMode="auto">
+          <a:xfrm>
+            <a:off x="4268056" y="6601865"/>
+            <a:ext cx="2628000" cy="854297"/>
+          </a:xfrm>
+          <a:prstGeom prst="rect">
+            <a:avLst/>
+          </a:prstGeom>
+          <a:noFill/>
+          <a:ln>
+            <a:noFill/>
+          </a:ln>
+          <a:effectLst/>
+          <a:extLst>
+            <a:ext uri="{909E8E84-426E-40DD-AFC4-6F175D3DCCD1}">
+              <a14:hiddenFill xmlns:a14="http://schemas.microsoft.com/office/drawing/2010/main">
+                <a:solidFill>
+                  <a:schemeClr val="accent1"/>
+                </a:solidFill>
+              </a14:hiddenFill>
+            </a:ext>
+            <a:ext uri="{91240B29-F687-4F45-9708-019B960494DF}">
+              <a14:hiddenLine xmlns:a14="http://schemas.microsoft.com/office/drawing/2010/main" w="9525">
+                <a:solidFill>
+                  <a:schemeClr val="tx1"/>
+                </a:solidFill>
+                <a:miter lim="800000"/>
+                <a:headEnd/>
+                <a:tailEnd/>
+              </a14:hiddenLine>
+            </a:ext>
+            <a:ext uri="{AF507438-7753-43E0-B8FC-AC1667EBCBE1}">
+              <a14:hiddenEffects xmlns:a14="http://schemas.microsoft.com/office/drawing/2010/main">
+                <a:effectLst>
+                  <a:outerShdw dist="35921" dir="2700000" algn="ctr" rotWithShape="0">
+                    <a:schemeClr val="bg2"/>
+                  </a:outerShdw>
+                </a:effectLst>
+              </a14:hiddenEffects>
+            </a:ext>
+          </a:extLst>
+        </p:spPr>
+      </p:pic>
+      <p:pic>
+        <p:nvPicPr>
+          <p:cNvPr id="19" name="Picture 7"/>
+          <p:cNvPicPr>
+            <a:picLocks noChangeAspect="1" noChangeArrowheads="1"/>
+          </p:cNvPicPr>
+          <p:nvPr/>
+        </p:nvPicPr>
+        <p:blipFill>
+          <a:blip r:embed="rId8" cstate="print">
+            <a:extLst>
+              <a:ext uri="{28A0092B-C50C-407E-A947-70E740481C1C}">
+                <a14:useLocalDpi xmlns:a14="http://schemas.microsoft.com/office/drawing/2010/main" val="0"/>
+              </a:ext>
+            </a:extLst>
+          </a:blip>
+          <a:srcRect/>
+          <a:stretch>
+            <a:fillRect/>
+          </a:stretch>
+        </p:blipFill>
+        <p:spPr bwMode="auto">
+          <a:xfrm>
+            <a:off x="15735642" y="2708500"/>
+            <a:ext cx="2712323" cy="977053"/>
+          </a:xfrm>
+          <a:prstGeom prst="rect">
+            <a:avLst/>
+          </a:prstGeom>
+          <a:noFill/>
+          <a:ln>
+            <a:noFill/>
+          </a:ln>
+          <a:effectLst/>
+          <a:extLst>
+            <a:ext uri="{909E8E84-426E-40DD-AFC4-6F175D3DCCD1}">
+              <a14:hiddenFill xmlns:a14="http://schemas.microsoft.com/office/drawing/2010/main">
+                <a:solidFill>
+                  <a:schemeClr val="accent1"/>
+                </a:solidFill>
+              </a14:hiddenFill>
+            </a:ext>
+            <a:ext uri="{91240B29-F687-4F45-9708-019B960494DF}">
+              <a14:hiddenLine xmlns:a14="http://schemas.microsoft.com/office/drawing/2010/main" w="9525">
+                <a:solidFill>
+                  <a:schemeClr val="tx1"/>
+                </a:solidFill>
+                <a:miter lim="800000"/>
+                <a:headEnd/>
+                <a:tailEnd/>
+              </a14:hiddenLine>
+            </a:ext>
+            <a:ext uri="{AF507438-7753-43E0-B8FC-AC1667EBCBE1}">
+              <a14:hiddenEffects xmlns:a14="http://schemas.microsoft.com/office/drawing/2010/main">
+                <a:effectLst>
+                  <a:outerShdw dist="35921" dir="2700000" algn="ctr" rotWithShape="0">
+                    <a:schemeClr val="bg2"/>
+                  </a:outerShdw>
+                </a:effectLst>
+              </a14:hiddenEffects>
+            </a:ext>
+          </a:extLst>
+        </p:spPr>
+      </p:pic>
+      <p:cxnSp>
+        <p:nvCxnSpPr>
+          <p:cNvPr id="20" name="Conector de seta reta 18"/>
+          <p:cNvCxnSpPr>
+            <a:cxnSpLocks/>
+          </p:cNvCxnSpPr>
+          <p:nvPr/>
+        </p:nvCxnSpPr>
+        <p:spPr>
+          <a:xfrm>
+            <a:off x="6920425" y="5773156"/>
+            <a:ext cx="758708" cy="0"/>
+          </a:xfrm>
+          <a:prstGeom prst="straightConnector1">
+            <a:avLst/>
+          </a:prstGeom>
+          <a:ln w="38100">
+            <a:solidFill>
+              <a:schemeClr val="tx1"/>
+            </a:solidFill>
+            <a:tailEnd type="arrow"/>
+          </a:ln>
+        </p:spPr>
+        <p:style>
+          <a:lnRef idx="1">
+            <a:schemeClr val="accent1"/>
+          </a:lnRef>
+          <a:fillRef idx="0">
+            <a:schemeClr val="accent1"/>
+          </a:fillRef>
+          <a:effectRef idx="0">
+            <a:schemeClr val="accent1"/>
+          </a:effectRef>
+          <a:fontRef idx="minor">
+            <a:schemeClr val="tx1"/>
+          </a:fontRef>
+        </p:style>
+      </p:cxnSp>
+      <p:cxnSp>
+        <p:nvCxnSpPr>
+          <p:cNvPr id="21" name="Conector de seta reta 19"/>
+          <p:cNvCxnSpPr>
+            <a:cxnSpLocks/>
+          </p:cNvCxnSpPr>
+          <p:nvPr/>
+        </p:nvCxnSpPr>
+        <p:spPr>
+          <a:xfrm>
+            <a:off x="6920425" y="6255416"/>
+            <a:ext cx="764206" cy="0"/>
+          </a:xfrm>
+          <a:prstGeom prst="straightConnector1">
+            <a:avLst/>
+          </a:prstGeom>
+          <a:ln w="38100">
+            <a:solidFill>
+              <a:schemeClr val="tx1"/>
+            </a:solidFill>
+            <a:tailEnd type="arrow"/>
+          </a:ln>
+        </p:spPr>
+        <p:style>
+          <a:lnRef idx="1">
+            <a:schemeClr val="accent1"/>
+          </a:lnRef>
+          <a:fillRef idx="0">
+            <a:schemeClr val="accent1"/>
+          </a:fillRef>
+          <a:effectRef idx="0">
+            <a:schemeClr val="accent1"/>
+          </a:effectRef>
+          <a:fontRef idx="minor">
+            <a:schemeClr val="tx1"/>
+          </a:fontRef>
+        </p:style>
+      </p:cxnSp>
+      <p:cxnSp>
+        <p:nvCxnSpPr>
+          <p:cNvPr id="22" name="Conector de seta reta 20"/>
+          <p:cNvCxnSpPr>
+            <a:cxnSpLocks/>
+          </p:cNvCxnSpPr>
+          <p:nvPr/>
+        </p:nvCxnSpPr>
+        <p:spPr>
+          <a:xfrm>
+            <a:off x="6929950" y="6668676"/>
+            <a:ext cx="758708" cy="0"/>
+          </a:xfrm>
+          <a:prstGeom prst="straightConnector1">
+            <a:avLst/>
+          </a:prstGeom>
+          <a:ln w="38100">
+            <a:solidFill>
+              <a:schemeClr val="tx1"/>
+            </a:solidFill>
+            <a:tailEnd type="arrow"/>
+          </a:ln>
+        </p:spPr>
+        <p:style>
+          <a:lnRef idx="1">
+            <a:schemeClr val="accent1"/>
+          </a:lnRef>
+          <a:fillRef idx="0">
+            <a:schemeClr val="accent1"/>
+          </a:fillRef>
+          <a:effectRef idx="0">
+            <a:schemeClr val="accent1"/>
+          </a:effectRef>
+          <a:fontRef idx="minor">
+            <a:schemeClr val="tx1"/>
+          </a:fontRef>
+        </p:style>
+      </p:cxnSp>
+      <p:cxnSp>
+        <p:nvCxnSpPr>
+          <p:cNvPr id="23" name="Conector de seta reta 21"/>
+          <p:cNvCxnSpPr>
+            <a:cxnSpLocks/>
+          </p:cNvCxnSpPr>
+          <p:nvPr/>
+        </p:nvCxnSpPr>
+        <p:spPr>
           <a:xfrm flipV="1">
             <a:off x="6920425" y="7111399"/>
             <a:ext cx="758708" cy="0"/>
@@ -28098,8 +35989,8 @@
           </a:fontRef>
         </p:style>
       </p:cxnSp>
-      <mc:AlternateContent xmlns:mc="http://schemas.openxmlformats.org/markup-compatibility/2006">
-        <mc:Choice xmlns:a14="http://schemas.microsoft.com/office/drawing/2010/main" Requires="a14">
+      <mc:AlternateContent xmlns:mc="http://schemas.openxmlformats.org/markup-compatibility/2006" xmlns:a14="http://schemas.microsoft.com/office/drawing/2010/main">
+        <mc:Choice Requires="a14">
           <p:sp>
             <p:nvSpPr>
               <p:cNvPr id="36" name="CaixaDeTexto 35"/>
@@ -28162,7 +36053,7 @@
             </p:txBody>
           </p:sp>
         </mc:Choice>
-        <mc:Fallback>
+        <mc:Fallback xmlns="">
           <p:sp>
             <p:nvSpPr>
               <p:cNvPr id="36" name="CaixaDeTexto 35"/>
@@ -28201,8 +36092,8 @@
           </p:sp>
         </mc:Fallback>
       </mc:AlternateContent>
-      <mc:AlternateContent xmlns:mc="http://schemas.openxmlformats.org/markup-compatibility/2006">
-        <mc:Choice xmlns:a14="http://schemas.microsoft.com/office/drawing/2010/main" Requires="a14">
+      <mc:AlternateContent xmlns:mc="http://schemas.openxmlformats.org/markup-compatibility/2006" xmlns:a14="http://schemas.microsoft.com/office/drawing/2010/main">
+        <mc:Choice Requires="a14">
           <p:sp>
             <p:nvSpPr>
               <p:cNvPr id="37" name="CaixaDeTexto 36"/>
@@ -28265,7 +36156,7 @@
             </p:txBody>
           </p:sp>
         </mc:Choice>
-        <mc:Fallback>
+        <mc:Fallback xmlns="">
           <p:sp>
             <p:nvSpPr>
               <p:cNvPr id="37" name="CaixaDeTexto 36"/>
@@ -28304,8 +36195,8 @@
           </p:sp>
         </mc:Fallback>
       </mc:AlternateContent>
-      <mc:AlternateContent xmlns:mc="http://schemas.openxmlformats.org/markup-compatibility/2006">
-        <mc:Choice xmlns:a14="http://schemas.microsoft.com/office/drawing/2010/main" Requires="a14">
+      <mc:AlternateContent xmlns:mc="http://schemas.openxmlformats.org/markup-compatibility/2006" xmlns:a14="http://schemas.microsoft.com/office/drawing/2010/main">
+        <mc:Choice Requires="a14">
           <p:sp>
             <p:nvSpPr>
               <p:cNvPr id="38" name="CaixaDeTexto 37"/>
@@ -28368,7 +36259,7 @@
             </p:txBody>
           </p:sp>
         </mc:Choice>
-        <mc:Fallback>
+        <mc:Fallback xmlns="">
           <p:sp>
             <p:nvSpPr>
               <p:cNvPr id="38" name="CaixaDeTexto 37"/>
@@ -28407,8 +36298,8 @@
           </p:sp>
         </mc:Fallback>
       </mc:AlternateContent>
-      <mc:AlternateContent xmlns:mc="http://schemas.openxmlformats.org/markup-compatibility/2006">
-        <mc:Choice xmlns:a14="http://schemas.microsoft.com/office/drawing/2010/main" Requires="a14">
+      <mc:AlternateContent xmlns:mc="http://schemas.openxmlformats.org/markup-compatibility/2006" xmlns:a14="http://schemas.microsoft.com/office/drawing/2010/main">
+        <mc:Choice Requires="a14">
           <p:sp>
             <p:nvSpPr>
               <p:cNvPr id="39" name="CaixaDeTexto 38"/>
@@ -28471,7 +36362,7 @@
             </p:txBody>
           </p:sp>
         </mc:Choice>
-        <mc:Fallback>
+        <mc:Fallback xmlns="">
           <p:sp>
             <p:nvSpPr>
               <p:cNvPr id="39" name="CaixaDeTexto 38"/>
@@ -28510,8 +36401,8 @@
           </p:sp>
         </mc:Fallback>
       </mc:AlternateContent>
-      <mc:AlternateContent xmlns:mc="http://schemas.openxmlformats.org/markup-compatibility/2006">
-        <mc:Choice xmlns:a14="http://schemas.microsoft.com/office/drawing/2010/main" Requires="a14">
+      <mc:AlternateContent xmlns:mc="http://schemas.openxmlformats.org/markup-compatibility/2006" xmlns:a14="http://schemas.microsoft.com/office/drawing/2010/main">
+        <mc:Choice Requires="a14">
           <p:sp>
             <p:nvSpPr>
               <p:cNvPr id="40" name="CaixaDeTexto 39"/>
@@ -28574,7 +36465,7 @@
             </p:txBody>
           </p:sp>
         </mc:Choice>
-        <mc:Fallback>
+        <mc:Fallback xmlns="">
           <p:sp>
             <p:nvSpPr>
               <p:cNvPr id="40" name="CaixaDeTexto 39"/>
@@ -28613,8 +36504,8 @@
           </p:sp>
         </mc:Fallback>
       </mc:AlternateContent>
-      <mc:AlternateContent xmlns:mc="http://schemas.openxmlformats.org/markup-compatibility/2006">
-        <mc:Choice xmlns:a14="http://schemas.microsoft.com/office/drawing/2010/main" Requires="a14">
+      <mc:AlternateContent xmlns:mc="http://schemas.openxmlformats.org/markup-compatibility/2006" xmlns:a14="http://schemas.microsoft.com/office/drawing/2010/main">
+        <mc:Choice Requires="a14">
           <p:sp>
             <p:nvSpPr>
               <p:cNvPr id="41" name="CaixaDeTexto 40"/>
@@ -28685,7 +36576,7 @@
             </p:txBody>
           </p:sp>
         </mc:Choice>
-        <mc:Fallback>
+        <mc:Fallback xmlns="">
           <p:sp>
             <p:nvSpPr>
               <p:cNvPr id="41" name="CaixaDeTexto 40"/>
@@ -28724,8 +36615,8 @@
           </p:sp>
         </mc:Fallback>
       </mc:AlternateContent>
-      <mc:AlternateContent xmlns:mc="http://schemas.openxmlformats.org/markup-compatibility/2006">
-        <mc:Choice xmlns:a14="http://schemas.microsoft.com/office/drawing/2010/main" Requires="a14">
+      <mc:AlternateContent xmlns:mc="http://schemas.openxmlformats.org/markup-compatibility/2006" xmlns:a14="http://schemas.microsoft.com/office/drawing/2010/main">
+        <mc:Choice Requires="a14">
           <p:sp>
             <p:nvSpPr>
               <p:cNvPr id="42" name="CaixaDeTexto 41"/>
@@ -28796,7 +36687,7 @@
             </p:txBody>
           </p:sp>
         </mc:Choice>
-        <mc:Fallback>
+        <mc:Fallback xmlns="">
           <p:sp>
             <p:nvSpPr>
               <p:cNvPr id="42" name="CaixaDeTexto 41"/>
@@ -28835,8 +36726,8 @@
           </p:sp>
         </mc:Fallback>
       </mc:AlternateContent>
-      <mc:AlternateContent xmlns:mc="http://schemas.openxmlformats.org/markup-compatibility/2006">
-        <mc:Choice xmlns:a14="http://schemas.microsoft.com/office/drawing/2010/main" Requires="a14">
+      <mc:AlternateContent xmlns:mc="http://schemas.openxmlformats.org/markup-compatibility/2006" xmlns:a14="http://schemas.microsoft.com/office/drawing/2010/main">
+        <mc:Choice Requires="a14">
           <p:sp>
             <p:nvSpPr>
               <p:cNvPr id="43" name="CaixaDeTexto 42"/>
@@ -28880,7 +36771,7 @@
             </p:txBody>
           </p:sp>
         </mc:Choice>
-        <mc:Fallback>
+        <mc:Fallback xmlns="">
           <p:sp>
             <p:nvSpPr>
               <p:cNvPr id="43" name="CaixaDeTexto 42"/>
@@ -29632,8 +37523,8 @@
           </a:p>
         </p:txBody>
       </p:sp>
-      <mc:AlternateContent xmlns:mc="http://schemas.openxmlformats.org/markup-compatibility/2006">
-        <mc:Choice xmlns:a14="http://schemas.microsoft.com/office/drawing/2010/main" Requires="a14">
+      <mc:AlternateContent xmlns:mc="http://schemas.openxmlformats.org/markup-compatibility/2006" xmlns:a14="http://schemas.microsoft.com/office/drawing/2010/main">
+        <mc:Choice Requires="a14">
           <p:sp>
             <p:nvSpPr>
               <p:cNvPr id="53" name="CaixaDeTexto 52"/>
@@ -29689,7 +37580,7 @@
             </p:txBody>
           </p:sp>
         </mc:Choice>
-        <mc:Fallback>
+        <mc:Fallback xmlns="">
           <p:sp>
             <p:nvSpPr>
               <p:cNvPr id="53" name="CaixaDeTexto 52"/>
@@ -29778,8 +37669,8 @@
           </a:p>
         </p:txBody>
       </p:sp>
-      <mc:AlternateContent xmlns:mc="http://schemas.openxmlformats.org/markup-compatibility/2006">
-        <mc:Choice xmlns:a14="http://schemas.microsoft.com/office/drawing/2010/main" Requires="a14">
+      <mc:AlternateContent xmlns:mc="http://schemas.openxmlformats.org/markup-compatibility/2006" xmlns:a14="http://schemas.microsoft.com/office/drawing/2010/main">
+        <mc:Choice Requires="a14">
           <p:sp>
             <p:nvSpPr>
               <p:cNvPr id="57" name="CaixaDeTexto 56"/>
@@ -29850,7 +37741,7 @@
             </p:txBody>
           </p:sp>
         </mc:Choice>
-        <mc:Fallback>
+        <mc:Fallback xmlns="">
           <p:sp>
             <p:nvSpPr>
               <p:cNvPr id="57" name="CaixaDeTexto 56"/>
@@ -29889,8 +37780,8 @@
           </p:sp>
         </mc:Fallback>
       </mc:AlternateContent>
-      <mc:AlternateContent xmlns:mc="http://schemas.openxmlformats.org/markup-compatibility/2006">
-        <mc:Choice xmlns:a14="http://schemas.microsoft.com/office/drawing/2010/main" Requires="a14">
+      <mc:AlternateContent xmlns:mc="http://schemas.openxmlformats.org/markup-compatibility/2006" xmlns:a14="http://schemas.microsoft.com/office/drawing/2010/main">
+        <mc:Choice Requires="a14">
           <p:sp>
             <p:nvSpPr>
               <p:cNvPr id="58" name="CaixaDeTexto 57"/>
@@ -29961,7 +37852,7 @@
             </p:txBody>
           </p:sp>
         </mc:Choice>
-        <mc:Fallback>
+        <mc:Fallback xmlns="">
           <p:sp>
             <p:nvSpPr>
               <p:cNvPr id="58" name="CaixaDeTexto 57"/>
@@ -30294,8 +38185,8 @@
           </a:fontRef>
         </p:style>
       </p:cxnSp>
-      <mc:AlternateContent xmlns:mc="http://schemas.openxmlformats.org/markup-compatibility/2006">
-        <mc:Choice xmlns:a14="http://schemas.microsoft.com/office/drawing/2010/main" Requires="a14">
+      <mc:AlternateContent xmlns:mc="http://schemas.openxmlformats.org/markup-compatibility/2006" xmlns:a14="http://schemas.microsoft.com/office/drawing/2010/main">
+        <mc:Choice Requires="a14">
           <p:sp>
             <p:nvSpPr>
               <p:cNvPr id="66" name="CaixaDeTexto 65"/>
@@ -30388,7 +38279,7 @@
             </p:txBody>
           </p:sp>
         </mc:Choice>
-        <mc:Fallback>
+        <mc:Fallback xmlns="">
           <p:sp>
             <p:nvSpPr>
               <p:cNvPr id="66" name="CaixaDeTexto 65"/>
@@ -30427,8 +38318,8 @@
           </p:sp>
         </mc:Fallback>
       </mc:AlternateContent>
-      <mc:AlternateContent xmlns:mc="http://schemas.openxmlformats.org/markup-compatibility/2006">
-        <mc:Choice xmlns:a14="http://schemas.microsoft.com/office/drawing/2010/main" Requires="a14">
+      <mc:AlternateContent xmlns:mc="http://schemas.openxmlformats.org/markup-compatibility/2006" xmlns:a14="http://schemas.microsoft.com/office/drawing/2010/main">
+        <mc:Choice Requires="a14">
           <p:sp>
             <p:nvSpPr>
               <p:cNvPr id="67" name="CaixaDeTexto 66"/>
@@ -30472,7 +38363,7 @@
             </p:txBody>
           </p:sp>
         </mc:Choice>
-        <mc:Fallback>
+        <mc:Fallback xmlns="">
           <p:sp>
             <p:nvSpPr>
               <p:cNvPr id="67" name="CaixaDeTexto 66"/>
@@ -30592,8 +38483,8 @@
           </a:p>
         </p:txBody>
       </p:sp>
-      <mc:AlternateContent xmlns:mc="http://schemas.openxmlformats.org/markup-compatibility/2006">
-        <mc:Choice xmlns:a14="http://schemas.microsoft.com/office/drawing/2010/main" Requires="a14">
+      <mc:AlternateContent xmlns:mc="http://schemas.openxmlformats.org/markup-compatibility/2006" xmlns:a14="http://schemas.microsoft.com/office/drawing/2010/main">
+        <mc:Choice Requires="a14">
           <p:sp>
             <p:nvSpPr>
               <p:cNvPr id="70" name="CaixaDeTexto 69"/>
@@ -30637,7 +38528,7 @@
             </p:txBody>
           </p:sp>
         </mc:Choice>
-        <mc:Fallback>
+        <mc:Fallback xmlns="">
           <p:sp>
             <p:nvSpPr>
               <p:cNvPr id="70" name="CaixaDeTexto 69"/>
@@ -30740,8 +38631,8 @@
           </a:extLst>
         </p:spPr>
       </p:pic>
-      <mc:AlternateContent xmlns:mc="http://schemas.openxmlformats.org/markup-compatibility/2006">
-        <mc:Choice xmlns:a14="http://schemas.microsoft.com/office/drawing/2010/main" Requires="a14">
+      <mc:AlternateContent xmlns:mc="http://schemas.openxmlformats.org/markup-compatibility/2006" xmlns:a14="http://schemas.microsoft.com/office/drawing/2010/main">
+        <mc:Choice Requires="a14">
           <p:sp>
             <p:nvSpPr>
               <p:cNvPr id="84" name="CaixaDeTexto 86"/>
@@ -30797,7 +38688,7 @@
             </p:txBody>
           </p:sp>
         </mc:Choice>
-        <mc:Fallback>
+        <mc:Fallback xmlns="">
           <p:sp>
             <p:nvSpPr>
               <p:cNvPr id="84" name="CaixaDeTexto 86"/>
@@ -31554,8 +39445,8 @@
           </a:fontRef>
         </p:style>
       </p:cxnSp>
-      <mc:AlternateContent xmlns:mc="http://schemas.openxmlformats.org/markup-compatibility/2006">
-        <mc:Choice xmlns:a14="http://schemas.microsoft.com/office/drawing/2010/main" Requires="a14">
+      <mc:AlternateContent xmlns:mc="http://schemas.openxmlformats.org/markup-compatibility/2006" xmlns:a14="http://schemas.microsoft.com/office/drawing/2010/main">
+        <mc:Choice Requires="a14">
           <p:sp>
             <p:nvSpPr>
               <p:cNvPr id="154" name="CaixaDeTexto 153"/>
@@ -31605,7 +39496,7 @@
             </p:txBody>
           </p:sp>
         </mc:Choice>
-        <mc:Fallback>
+        <mc:Fallback xmlns="">
           <p:sp>
             <p:nvSpPr>
               <p:cNvPr id="154" name="CaixaDeTexto 153"/>
